--- a/slides.pptx
+++ b/slides.pptx
@@ -5,14 +5,15 @@
     <p:sldMasterId id="2147483684" r:id="rId1"/>
   </p:sldMasterIdLst>
   <p:notesMasterIdLst>
-    <p:notesMasterId r:id="rId4"/>
+    <p:notesMasterId r:id="rId5"/>
   </p:notesMasterIdLst>
   <p:handoutMasterIdLst>
-    <p:handoutMasterId r:id="rId5"/>
+    <p:handoutMasterId r:id="rId6"/>
   </p:handoutMasterIdLst>
   <p:sldIdLst>
     <p:sldId id="746" r:id="rId2"/>
     <p:sldId id="738" r:id="rId3"/>
+    <p:sldId id="747" r:id="rId4"/>
   </p:sldIdLst>
   <p:sldSz cx="24382413" cy="13716000"/>
   <p:notesSz cx="6858000" cy="9144000"/>
@@ -118,6 +119,7 @@
           <p14:sldIdLst>
             <p14:sldId id="746"/>
             <p14:sldId id="738"/>
+            <p14:sldId id="747"/>
           </p14:sldIdLst>
         </p14:section>
       </p14:sectionLst>
@@ -9265,6 +9267,87 @@
     <p:extLst>
       <p:ext uri="{BB962C8B-B14F-4D97-AF65-F5344CB8AC3E}">
         <p14:creationId xmlns:p14="http://schemas.microsoft.com/office/powerpoint/2010/main" val="1840561225"/>
+      </p:ext>
+    </p:extLst>
+  </p:cSld>
+  <p:clrMapOvr>
+    <a:masterClrMapping/>
+  </p:clrMapOvr>
+  <p:timing>
+    <p:tnLst>
+      <p:par>
+        <p:cTn id="1" dur="indefinite" restart="never" nodeType="tmRoot"/>
+      </p:par>
+    </p:tnLst>
+  </p:timing>
+</p:sld>
+</file>
+
+<file path=ppt/slides/slide3.xml><?xml version="1.0" encoding="utf-8"?>
+<p:sld xmlns:a="http://schemas.openxmlformats.org/drawingml/2006/main" xmlns:r="http://schemas.openxmlformats.org/officeDocument/2006/relationships" xmlns:p="http://schemas.openxmlformats.org/presentationml/2006/main">
+  <p:cSld>
+    <p:spTree>
+      <p:nvGrpSpPr>
+        <p:cNvPr id="1" name=""/>
+        <p:cNvGrpSpPr/>
+        <p:nvPr/>
+      </p:nvGrpSpPr>
+      <p:grpSpPr>
+        <a:xfrm>
+          <a:off x="0" y="0"/>
+          <a:ext cx="0" cy="0"/>
+          <a:chOff x="0" y="0"/>
+          <a:chExt cx="0" cy="0"/>
+        </a:xfrm>
+      </p:grpSpPr>
+      <p:sp>
+        <p:nvSpPr>
+          <p:cNvPr id="2" name="Нижний колонтитул 1"/>
+          <p:cNvSpPr>
+            <a:spLocks noGrp="1"/>
+          </p:cNvSpPr>
+          <p:nvPr>
+            <p:ph type="ftr" sz="quarter" idx="11"/>
+          </p:nvPr>
+        </p:nvSpPr>
+        <p:spPr/>
+        <p:txBody>
+          <a:bodyPr/>
+          <a:lstStyle/>
+          <a:p>
+            <a:endParaRPr lang="ru-RU" dirty="0"/>
+          </a:p>
+        </p:txBody>
+      </p:sp>
+      <p:pic>
+        <p:nvPicPr>
+          <p:cNvPr id="4" name="Рисунок 3"/>
+          <p:cNvPicPr>
+            <a:picLocks noGrp="1" noChangeAspect="1"/>
+          </p:cNvPicPr>
+          <p:nvPr>
+            <p:ph type="pic" sz="quarter" idx="14"/>
+          </p:nvPr>
+        </p:nvPicPr>
+        <p:blipFill>
+          <a:blip r:embed="rId2">
+            <a:extLst>
+              <a:ext uri="{28A0092B-C50C-407E-A947-70E740481C1C}">
+                <a14:useLocalDpi xmlns:a14="http://schemas.microsoft.com/office/drawing/2010/main" val="0"/>
+              </a:ext>
+            </a:extLst>
+          </a:blip>
+          <a:srcRect l="3" r="3"/>
+          <a:stretch>
+            <a:fillRect/>
+          </a:stretch>
+        </p:blipFill>
+        <p:spPr/>
+      </p:pic>
+    </p:spTree>
+    <p:extLst>
+      <p:ext uri="{BB962C8B-B14F-4D97-AF65-F5344CB8AC3E}">
+        <p14:creationId xmlns:p14="http://schemas.microsoft.com/office/powerpoint/2010/main" val="2022665598"/>
       </p:ext>
     </p:extLst>
   </p:cSld>

--- a/slides.pptx
+++ b/slides.pptx
@@ -5,15 +5,16 @@
     <p:sldMasterId id="2147483684" r:id="rId1"/>
   </p:sldMasterIdLst>
   <p:notesMasterIdLst>
-    <p:notesMasterId r:id="rId5"/>
+    <p:notesMasterId r:id="rId6"/>
   </p:notesMasterIdLst>
   <p:handoutMasterIdLst>
-    <p:handoutMasterId r:id="rId6"/>
+    <p:handoutMasterId r:id="rId7"/>
   </p:handoutMasterIdLst>
   <p:sldIdLst>
     <p:sldId id="746" r:id="rId2"/>
     <p:sldId id="738" r:id="rId3"/>
     <p:sldId id="747" r:id="rId4"/>
+    <p:sldId id="749" r:id="rId5"/>
   </p:sldIdLst>
   <p:sldSz cx="24382413" cy="13716000"/>
   <p:notesSz cx="6858000" cy="9144000"/>
@@ -120,6 +121,7 @@
             <p14:sldId id="746"/>
             <p14:sldId id="738"/>
             <p14:sldId id="747"/>
+            <p14:sldId id="749"/>
           </p14:sldIdLst>
         </p14:section>
       </p14:sectionLst>
@@ -234,7 +236,7 @@
           <a:p>
             <a:fld id="{7C2C5C60-F37A-814E-99F6-3C775637DBC0}" type="datetimeFigureOut">
               <a:rPr lang="ru-RU" smtClean="0"/>
-              <a:t>26.03.2018</a:t>
+              <a:t>27.03.2018</a:t>
             </a:fld>
             <a:endParaRPr lang="ru-RU"/>
           </a:p>
@@ -399,7 +401,7 @@
           <a:p>
             <a:fld id="{A48BA324-014D-41B7-8E83-ECE8F197A959}" type="datetimeFigureOut">
               <a:rPr lang="ru-RU" smtClean="0"/>
-              <a:t>26.03.2018</a:t>
+              <a:t>27.03.2018</a:t>
             </a:fld>
             <a:endParaRPr lang="ru-RU"/>
           </a:p>
@@ -4854,7 +4856,7 @@
           <p:cNvPr id="2" name="Группа 1">
             <a:extLst>
               <a:ext uri="{FF2B5EF4-FFF2-40B4-BE49-F238E27FC236}">
-                <a16:creationId xmlns:a16="http://schemas.microsoft.com/office/drawing/2014/main" xmlns="" id="{32510620-9203-6A4F-8215-EE5B71D8CB96}"/>
+                <a16:creationId xmlns="" xmlns:a16="http://schemas.microsoft.com/office/drawing/2014/main" id="{32510620-9203-6A4F-8215-EE5B71D8CB96}"/>
               </a:ext>
             </a:extLst>
           </p:cNvPr>
@@ -4874,7 +4876,7 @@
             <p:cNvPr id="17" name="Прямоугольник 16">
               <a:extLst>
                 <a:ext uri="{FF2B5EF4-FFF2-40B4-BE49-F238E27FC236}">
-                  <a16:creationId xmlns:a16="http://schemas.microsoft.com/office/drawing/2014/main" xmlns="" id="{73034AE5-F458-B44E-A08D-78D8FD2FBBED}"/>
+                  <a16:creationId xmlns="" xmlns:a16="http://schemas.microsoft.com/office/drawing/2014/main" id="{73034AE5-F458-B44E-A08D-78D8FD2FBBED}"/>
                 </a:ext>
               </a:extLst>
             </p:cNvPr>
@@ -4926,7 +4928,7 @@
             <p:cNvPr id="18" name="Изображение 42">
               <a:extLst>
                 <a:ext uri="{FF2B5EF4-FFF2-40B4-BE49-F238E27FC236}">
-                  <a16:creationId xmlns:a16="http://schemas.microsoft.com/office/drawing/2014/main" xmlns="" id="{FF9B81E1-5EBD-1247-A39B-278A79BDFCD5}"/>
+                  <a16:creationId xmlns="" xmlns:a16="http://schemas.microsoft.com/office/drawing/2014/main" id="{FF9B81E1-5EBD-1247-A39B-278A79BDFCD5}"/>
                 </a:ext>
               </a:extLst>
             </p:cNvPr>
@@ -5348,7 +5350,7 @@
           <p:cNvPr id="16" name="Текст 9">
             <a:extLst>
               <a:ext uri="{FF2B5EF4-FFF2-40B4-BE49-F238E27FC236}">
-                <a16:creationId xmlns:a16="http://schemas.microsoft.com/office/drawing/2014/main" xmlns="" id="{DEC5E0E5-E30B-4642-9B18-19724D6B7066}"/>
+                <a16:creationId xmlns="" xmlns:a16="http://schemas.microsoft.com/office/drawing/2014/main" id="{DEC5E0E5-E30B-4642-9B18-19724D6B7066}"/>
               </a:ext>
             </a:extLst>
           </p:cNvPr>
@@ -5387,7 +5389,7 @@
           <p:cNvPr id="18" name="Группа 17">
             <a:extLst>
               <a:ext uri="{FF2B5EF4-FFF2-40B4-BE49-F238E27FC236}">
-                <a16:creationId xmlns:a16="http://schemas.microsoft.com/office/drawing/2014/main" xmlns="" id="{60F32FEE-012A-2044-BC37-D3F532564E0E}"/>
+                <a16:creationId xmlns="" xmlns:a16="http://schemas.microsoft.com/office/drawing/2014/main" id="{60F32FEE-012A-2044-BC37-D3F532564E0E}"/>
               </a:ext>
             </a:extLst>
           </p:cNvPr>
@@ -5407,7 +5409,7 @@
             <p:cNvPr id="21" name="Прямоугольник 20">
               <a:extLst>
                 <a:ext uri="{FF2B5EF4-FFF2-40B4-BE49-F238E27FC236}">
-                  <a16:creationId xmlns:a16="http://schemas.microsoft.com/office/drawing/2014/main" xmlns="" id="{281580E8-1D7B-904D-A3CC-B3059675D955}"/>
+                  <a16:creationId xmlns="" xmlns:a16="http://schemas.microsoft.com/office/drawing/2014/main" id="{281580E8-1D7B-904D-A3CC-B3059675D955}"/>
                 </a:ext>
               </a:extLst>
             </p:cNvPr>
@@ -5459,7 +5461,7 @@
             <p:cNvPr id="24" name="Изображение 42">
               <a:extLst>
                 <a:ext uri="{FF2B5EF4-FFF2-40B4-BE49-F238E27FC236}">
-                  <a16:creationId xmlns:a16="http://schemas.microsoft.com/office/drawing/2014/main" xmlns="" id="{76CC79E5-0405-8F45-9BB8-F4948BD253E5}"/>
+                  <a16:creationId xmlns="" xmlns:a16="http://schemas.microsoft.com/office/drawing/2014/main" id="{76CC79E5-0405-8F45-9BB8-F4948BD253E5}"/>
                 </a:ext>
               </a:extLst>
             </p:cNvPr>
@@ -5490,7 +5492,7 @@
           <p:cNvPr id="27" name="Текст 9">
             <a:extLst>
               <a:ext uri="{FF2B5EF4-FFF2-40B4-BE49-F238E27FC236}">
-                <a16:creationId xmlns:a16="http://schemas.microsoft.com/office/drawing/2014/main" xmlns="" id="{E6789703-35B8-334E-A41E-27BF0926FCFA}"/>
+                <a16:creationId xmlns="" xmlns:a16="http://schemas.microsoft.com/office/drawing/2014/main" id="{E6789703-35B8-334E-A41E-27BF0926FCFA}"/>
               </a:ext>
             </a:extLst>
           </p:cNvPr>
@@ -5529,7 +5531,7 @@
           <p:cNvPr id="29" name="Группа 28">
             <a:extLst>
               <a:ext uri="{FF2B5EF4-FFF2-40B4-BE49-F238E27FC236}">
-                <a16:creationId xmlns:a16="http://schemas.microsoft.com/office/drawing/2014/main" xmlns="" id="{534F831D-7B0A-284C-9078-8D0296129AB3}"/>
+                <a16:creationId xmlns="" xmlns:a16="http://schemas.microsoft.com/office/drawing/2014/main" id="{534F831D-7B0A-284C-9078-8D0296129AB3}"/>
               </a:ext>
             </a:extLst>
           </p:cNvPr>
@@ -5549,7 +5551,7 @@
             <p:cNvPr id="30" name="Прямоугольник 29">
               <a:extLst>
                 <a:ext uri="{FF2B5EF4-FFF2-40B4-BE49-F238E27FC236}">
-                  <a16:creationId xmlns:a16="http://schemas.microsoft.com/office/drawing/2014/main" xmlns="" id="{B1E449D6-F200-C047-A4BD-41695AF9314A}"/>
+                  <a16:creationId xmlns="" xmlns:a16="http://schemas.microsoft.com/office/drawing/2014/main" id="{B1E449D6-F200-C047-A4BD-41695AF9314A}"/>
                 </a:ext>
               </a:extLst>
             </p:cNvPr>
@@ -5601,7 +5603,7 @@
             <p:cNvPr id="31" name="Изображение 42">
               <a:extLst>
                 <a:ext uri="{FF2B5EF4-FFF2-40B4-BE49-F238E27FC236}">
-                  <a16:creationId xmlns:a16="http://schemas.microsoft.com/office/drawing/2014/main" xmlns="" id="{9CB34F08-90AE-5447-8963-945F9D476869}"/>
+                  <a16:creationId xmlns="" xmlns:a16="http://schemas.microsoft.com/office/drawing/2014/main" id="{9CB34F08-90AE-5447-8963-945F9D476869}"/>
                 </a:ext>
               </a:extLst>
             </p:cNvPr>
@@ -5738,7 +5740,7 @@
           </a:ln>
           <a:extLst>
             <a:ext uri="{C572A759-6A51-4108-AA02-DFA0A04FC94B}">
-              <ma14:wrappingTextBoxFlag xmlns:ma14="http://schemas.microsoft.com/office/mac/drawingml/2011/main" xmlns="" val="1"/>
+              <ma14:wrappingTextBoxFlag xmlns="" xmlns:ma14="http://schemas.microsoft.com/office/mac/drawingml/2011/main" val="1"/>
             </a:ext>
           </a:extLst>
         </p:spPr>
@@ -5781,7 +5783,7 @@
           </a:ln>
           <a:extLst>
             <a:ext uri="{C572A759-6A51-4108-AA02-DFA0A04FC94B}">
-              <ma14:wrappingTextBoxFlag xmlns:ma14="http://schemas.microsoft.com/office/mac/drawingml/2011/main" xmlns="" val="1"/>
+              <ma14:wrappingTextBoxFlag xmlns="" xmlns:ma14="http://schemas.microsoft.com/office/mac/drawingml/2011/main" val="1"/>
             </a:ext>
           </a:extLst>
         </p:spPr>
@@ -5905,7 +5907,7 @@
           </a:ln>
           <a:extLst>
             <a:ext uri="{C572A759-6A51-4108-AA02-DFA0A04FC94B}">
-              <ma14:wrappingTextBoxFlag xmlns:ma14="http://schemas.microsoft.com/office/mac/drawingml/2011/main" xmlns="" val="1"/>
+              <ma14:wrappingTextBoxFlag xmlns="" xmlns:ma14="http://schemas.microsoft.com/office/mac/drawingml/2011/main" val="1"/>
             </a:ext>
           </a:extLst>
         </p:spPr>
@@ -5996,7 +5998,7 @@
           </a:ln>
           <a:extLst>
             <a:ext uri="{C572A759-6A51-4108-AA02-DFA0A04FC94B}">
-              <ma14:wrappingTextBoxFlag xmlns:ma14="http://schemas.microsoft.com/office/mac/drawingml/2011/main" xmlns="" val="1"/>
+              <ma14:wrappingTextBoxFlag xmlns="" xmlns:ma14="http://schemas.microsoft.com/office/mac/drawingml/2011/main" val="1"/>
             </a:ext>
           </a:extLst>
         </p:spPr>
@@ -6115,7 +6117,7 @@
           </a:ln>
           <a:extLst>
             <a:ext uri="{C572A759-6A51-4108-AA02-DFA0A04FC94B}">
-              <ma14:wrappingTextBoxFlag xmlns:ma14="http://schemas.microsoft.com/office/mac/drawingml/2011/main" xmlns="" val="1"/>
+              <ma14:wrappingTextBoxFlag xmlns="" xmlns:ma14="http://schemas.microsoft.com/office/mac/drawingml/2011/main" val="1"/>
             </a:ext>
           </a:extLst>
         </p:spPr>
@@ -6594,7 +6596,7 @@
           <p:cNvPr id="16" name="Рисунок 15">
             <a:extLst>
               <a:ext uri="{FF2B5EF4-FFF2-40B4-BE49-F238E27FC236}">
-                <a16:creationId xmlns:a16="http://schemas.microsoft.com/office/drawing/2014/main" xmlns="" id="{554116F1-2C0F-2A43-B8D0-9BEE5D326A1F}"/>
+                <a16:creationId xmlns="" xmlns:a16="http://schemas.microsoft.com/office/drawing/2014/main" id="{554116F1-2C0F-2A43-B8D0-9BEE5D326A1F}"/>
               </a:ext>
             </a:extLst>
           </p:cNvPr>
@@ -6630,7 +6632,7 @@
           <p:cNvPr id="23" name="Прямоугольник 22">
             <a:extLst>
               <a:ext uri="{FF2B5EF4-FFF2-40B4-BE49-F238E27FC236}">
-                <a16:creationId xmlns:a16="http://schemas.microsoft.com/office/drawing/2014/main" xmlns="" id="{BEF4D639-ABD3-804D-979A-B956F9097A8F}"/>
+                <a16:creationId xmlns="" xmlns:a16="http://schemas.microsoft.com/office/drawing/2014/main" id="{BEF4D639-ABD3-804D-979A-B956F9097A8F}"/>
               </a:ext>
             </a:extLst>
           </p:cNvPr>
@@ -9090,7 +9092,7 @@
           <p:cNvPr id="6" name="TextBox 5">
             <a:extLst>
               <a:ext uri="{FF2B5EF4-FFF2-40B4-BE49-F238E27FC236}">
-                <a16:creationId xmlns:a16="http://schemas.microsoft.com/office/drawing/2014/main" xmlns="" id="{6AF6C8C0-C266-5C4E-9046-BB97D282CABE}"/>
+                <a16:creationId xmlns="" xmlns:a16="http://schemas.microsoft.com/office/drawing/2014/main" id="{6AF6C8C0-C266-5C4E-9046-BB97D282CABE}"/>
               </a:ext>
             </a:extLst>
           </p:cNvPr>
@@ -9358,6 +9360,751 @@
     <p:tnLst>
       <p:par>
         <p:cTn id="1" dur="indefinite" restart="never" nodeType="tmRoot"/>
+      </p:par>
+    </p:tnLst>
+  </p:timing>
+</p:sld>
+</file>
+
+<file path=ppt/slides/slide4.xml><?xml version="1.0" encoding="utf-8"?>
+<p:sld xmlns:a="http://schemas.openxmlformats.org/drawingml/2006/main" xmlns:r="http://schemas.openxmlformats.org/officeDocument/2006/relationships" xmlns:p="http://schemas.openxmlformats.org/presentationml/2006/main">
+  <p:cSld>
+    <p:spTree>
+      <p:nvGrpSpPr>
+        <p:cNvPr id="1" name=""/>
+        <p:cNvGrpSpPr/>
+        <p:nvPr/>
+      </p:nvGrpSpPr>
+      <p:grpSpPr>
+        <a:xfrm>
+          <a:off x="0" y="0"/>
+          <a:ext cx="0" cy="0"/>
+          <a:chOff x="0" y="0"/>
+          <a:chExt cx="0" cy="0"/>
+        </a:xfrm>
+      </p:grpSpPr>
+      <p:sp>
+        <p:nvSpPr>
+          <p:cNvPr id="2" name="Заголовок 1"/>
+          <p:cNvSpPr>
+            <a:spLocks noGrp="1"/>
+          </p:cNvSpPr>
+          <p:nvPr>
+            <p:ph type="title"/>
+          </p:nvPr>
+        </p:nvSpPr>
+        <p:spPr/>
+        <p:txBody>
+          <a:bodyPr/>
+          <a:lstStyle/>
+          <a:p>
+            <a:r>
+              <a:rPr lang="ru-RU" dirty="0" smtClean="0"/>
+              <a:t>Состав специализации</a:t>
+            </a:r>
+            <a:endParaRPr lang="ru-RU" dirty="0"/>
+          </a:p>
+        </p:txBody>
+      </p:sp>
+      <p:sp>
+        <p:nvSpPr>
+          <p:cNvPr id="4" name="Нижний колонтитул 3"/>
+          <p:cNvSpPr>
+            <a:spLocks noGrp="1"/>
+          </p:cNvSpPr>
+          <p:nvPr>
+            <p:ph type="ftr" sz="quarter" idx="11"/>
+          </p:nvPr>
+        </p:nvSpPr>
+        <p:spPr/>
+        <p:txBody>
+          <a:bodyPr/>
+          <a:lstStyle/>
+          <a:p>
+            <a:endParaRPr lang="ru-RU"/>
+          </a:p>
+        </p:txBody>
+      </p:sp>
+      <p:pic>
+        <p:nvPicPr>
+          <p:cNvPr id="11" name="Объект 10"/>
+          <p:cNvPicPr>
+            <a:picLocks noGrp="1" noChangeAspect="1"/>
+          </p:cNvPicPr>
+          <p:nvPr>
+            <p:ph idx="1"/>
+          </p:nvPr>
+        </p:nvPicPr>
+        <p:blipFill>
+          <a:blip r:embed="rId2">
+            <a:extLst>
+              <a:ext uri="{28A0092B-C50C-407E-A947-70E740481C1C}">
+                <a14:useLocalDpi xmlns:a14="http://schemas.microsoft.com/office/drawing/2010/main" val="0"/>
+              </a:ext>
+            </a:extLst>
+          </a:blip>
+          <a:stretch>
+            <a:fillRect/>
+          </a:stretch>
+        </p:blipFill>
+        <p:spPr>
+          <a:xfrm>
+            <a:off x="1124806" y="4158000"/>
+            <a:ext cx="2311800" cy="5400000"/>
+          </a:xfrm>
+        </p:spPr>
+      </p:pic>
+      <p:pic>
+        <p:nvPicPr>
+          <p:cNvPr id="12" name="Рисунок 11"/>
+          <p:cNvPicPr>
+            <a:picLocks noChangeAspect="1"/>
+          </p:cNvPicPr>
+          <p:nvPr/>
+        </p:nvPicPr>
+        <p:blipFill>
+          <a:blip r:embed="rId3">
+            <a:extLst>
+              <a:ext uri="{28A0092B-C50C-407E-A947-70E740481C1C}">
+                <a14:useLocalDpi xmlns:a14="http://schemas.microsoft.com/office/drawing/2010/main" val="0"/>
+              </a:ext>
+            </a:extLst>
+          </a:blip>
+          <a:stretch>
+            <a:fillRect/>
+          </a:stretch>
+        </p:blipFill>
+        <p:spPr>
+          <a:xfrm>
+            <a:off x="4940806" y="4158000"/>
+            <a:ext cx="2966400" cy="5400000"/>
+          </a:xfrm>
+          <a:prstGeom prst="rect">
+            <a:avLst/>
+          </a:prstGeom>
+        </p:spPr>
+      </p:pic>
+      <p:pic>
+        <p:nvPicPr>
+          <p:cNvPr id="13" name="Рисунок 12"/>
+          <p:cNvPicPr>
+            <a:picLocks noChangeAspect="1"/>
+          </p:cNvPicPr>
+          <p:nvPr/>
+        </p:nvPicPr>
+        <p:blipFill>
+          <a:blip r:embed="rId4">
+            <a:extLst>
+              <a:ext uri="{28A0092B-C50C-407E-A947-70E740481C1C}">
+                <a14:useLocalDpi xmlns:a14="http://schemas.microsoft.com/office/drawing/2010/main" val="0"/>
+              </a:ext>
+            </a:extLst>
+          </a:blip>
+          <a:stretch>
+            <a:fillRect/>
+          </a:stretch>
+        </p:blipFill>
+        <p:spPr>
+          <a:xfrm>
+            <a:off x="9138406" y="4158000"/>
+            <a:ext cx="4231500" cy="5400000"/>
+          </a:xfrm>
+          <a:prstGeom prst="rect">
+            <a:avLst/>
+          </a:prstGeom>
+        </p:spPr>
+      </p:pic>
+      <p:pic>
+        <p:nvPicPr>
+          <p:cNvPr id="14" name="Рисунок 13"/>
+          <p:cNvPicPr>
+            <a:picLocks noChangeAspect="1"/>
+          </p:cNvPicPr>
+          <p:nvPr/>
+        </p:nvPicPr>
+        <p:blipFill>
+          <a:blip r:embed="rId5">
+            <a:extLst>
+              <a:ext uri="{28A0092B-C50C-407E-A947-70E740481C1C}">
+                <a14:useLocalDpi xmlns:a14="http://schemas.microsoft.com/office/drawing/2010/main" val="0"/>
+              </a:ext>
+            </a:extLst>
+          </a:blip>
+          <a:stretch>
+            <a:fillRect/>
+          </a:stretch>
+        </p:blipFill>
+        <p:spPr>
+          <a:xfrm>
+            <a:off x="14853809" y="4158000"/>
+            <a:ext cx="2956650" cy="5400000"/>
+          </a:xfrm>
+          <a:prstGeom prst="rect">
+            <a:avLst/>
+          </a:prstGeom>
+        </p:spPr>
+      </p:pic>
+      <p:pic>
+        <p:nvPicPr>
+          <p:cNvPr id="15" name="Рисунок 14"/>
+          <p:cNvPicPr>
+            <a:picLocks noChangeAspect="1"/>
+          </p:cNvPicPr>
+          <p:nvPr/>
+        </p:nvPicPr>
+        <p:blipFill>
+          <a:blip r:embed="rId6">
+            <a:extLst>
+              <a:ext uri="{28A0092B-C50C-407E-A947-70E740481C1C}">
+                <a14:useLocalDpi xmlns:a14="http://schemas.microsoft.com/office/drawing/2010/main" val="0"/>
+              </a:ext>
+            </a:extLst>
+          </a:blip>
+          <a:stretch>
+            <a:fillRect/>
+          </a:stretch>
+        </p:blipFill>
+        <p:spPr>
+          <a:xfrm>
+            <a:off x="18514906" y="4158000"/>
+            <a:ext cx="4742700" cy="5400000"/>
+          </a:xfrm>
+          <a:prstGeom prst="rect">
+            <a:avLst/>
+          </a:prstGeom>
+        </p:spPr>
+      </p:pic>
+    </p:spTree>
+    <p:extLst>
+      <p:ext uri="{BB962C8B-B14F-4D97-AF65-F5344CB8AC3E}">
+        <p14:creationId xmlns:p14="http://schemas.microsoft.com/office/powerpoint/2010/main" val="4095235961"/>
+      </p:ext>
+    </p:extLst>
+  </p:cSld>
+  <p:clrMapOvr>
+    <a:masterClrMapping/>
+  </p:clrMapOvr>
+  <p:timing>
+    <p:tnLst>
+      <p:par>
+        <p:cTn id="1" dur="indefinite" restart="never" nodeType="tmRoot">
+          <p:childTnLst>
+            <p:seq concurrent="1" nextAc="seek">
+              <p:cTn id="2" dur="indefinite" nodeType="mainSeq">
+                <p:childTnLst>
+                  <p:par>
+                    <p:cTn id="3" fill="hold">
+                      <p:stCondLst>
+                        <p:cond delay="indefinite"/>
+                      </p:stCondLst>
+                      <p:childTnLst>
+                        <p:par>
+                          <p:cTn id="4" fill="hold">
+                            <p:stCondLst>
+                              <p:cond delay="0"/>
+                            </p:stCondLst>
+                            <p:childTnLst>
+                              <p:par>
+                                <p:cTn id="5" presetID="2" presetClass="entr" presetSubtype="2" fill="hold" nodeType="clickEffect">
+                                  <p:stCondLst>
+                                    <p:cond delay="0"/>
+                                  </p:stCondLst>
+                                  <p:childTnLst>
+                                    <p:set>
+                                      <p:cBhvr>
+                                        <p:cTn id="6" dur="1" fill="hold">
+                                          <p:stCondLst>
+                                            <p:cond delay="0"/>
+                                          </p:stCondLst>
+                                        </p:cTn>
+                                        <p:tgtEl>
+                                          <p:spTgt spid="11"/>
+                                        </p:tgtEl>
+                                        <p:attrNameLst>
+                                          <p:attrName>style.visibility</p:attrName>
+                                        </p:attrNameLst>
+                                      </p:cBhvr>
+                                      <p:to>
+                                        <p:strVal val="visible"/>
+                                      </p:to>
+                                    </p:set>
+                                    <p:anim calcmode="lin" valueType="num">
+                                      <p:cBhvr additive="base">
+                                        <p:cTn id="7" dur="500" fill="hold"/>
+                                        <p:tgtEl>
+                                          <p:spTgt spid="11"/>
+                                        </p:tgtEl>
+                                        <p:attrNameLst>
+                                          <p:attrName>ppt_x</p:attrName>
+                                        </p:attrNameLst>
+                                      </p:cBhvr>
+                                      <p:tavLst>
+                                        <p:tav tm="0">
+                                          <p:val>
+                                            <p:strVal val="1+#ppt_w/2"/>
+                                          </p:val>
+                                        </p:tav>
+                                        <p:tav tm="100000">
+                                          <p:val>
+                                            <p:strVal val="#ppt_x"/>
+                                          </p:val>
+                                        </p:tav>
+                                      </p:tavLst>
+                                    </p:anim>
+                                    <p:anim calcmode="lin" valueType="num">
+                                      <p:cBhvr additive="base">
+                                        <p:cTn id="8" dur="500" fill="hold"/>
+                                        <p:tgtEl>
+                                          <p:spTgt spid="11"/>
+                                        </p:tgtEl>
+                                        <p:attrNameLst>
+                                          <p:attrName>ppt_y</p:attrName>
+                                        </p:attrNameLst>
+                                      </p:cBhvr>
+                                      <p:tavLst>
+                                        <p:tav tm="0">
+                                          <p:val>
+                                            <p:strVal val="#ppt_y"/>
+                                          </p:val>
+                                        </p:tav>
+                                        <p:tav tm="100000">
+                                          <p:val>
+                                            <p:strVal val="#ppt_y"/>
+                                          </p:val>
+                                        </p:tav>
+                                      </p:tavLst>
+                                    </p:anim>
+                                  </p:childTnLst>
+                                </p:cTn>
+                              </p:par>
+                              <p:par>
+                                <p:cTn id="9" presetID="2" presetClass="entr" presetSubtype="2" fill="hold" nodeType="withEffect">
+                                  <p:stCondLst>
+                                    <p:cond delay="0"/>
+                                  </p:stCondLst>
+                                  <p:childTnLst>
+                                    <p:set>
+                                      <p:cBhvr>
+                                        <p:cTn id="10" dur="1" fill="hold">
+                                          <p:stCondLst>
+                                            <p:cond delay="0"/>
+                                          </p:stCondLst>
+                                        </p:cTn>
+                                        <p:tgtEl>
+                                          <p:spTgt spid="12"/>
+                                        </p:tgtEl>
+                                        <p:attrNameLst>
+                                          <p:attrName>style.visibility</p:attrName>
+                                        </p:attrNameLst>
+                                      </p:cBhvr>
+                                      <p:to>
+                                        <p:strVal val="visible"/>
+                                      </p:to>
+                                    </p:set>
+                                    <p:anim calcmode="lin" valueType="num">
+                                      <p:cBhvr additive="base">
+                                        <p:cTn id="11" dur="500" fill="hold"/>
+                                        <p:tgtEl>
+                                          <p:spTgt spid="12"/>
+                                        </p:tgtEl>
+                                        <p:attrNameLst>
+                                          <p:attrName>ppt_x</p:attrName>
+                                        </p:attrNameLst>
+                                      </p:cBhvr>
+                                      <p:tavLst>
+                                        <p:tav tm="0">
+                                          <p:val>
+                                            <p:strVal val="1+#ppt_w/2"/>
+                                          </p:val>
+                                        </p:tav>
+                                        <p:tav tm="100000">
+                                          <p:val>
+                                            <p:strVal val="#ppt_x"/>
+                                          </p:val>
+                                        </p:tav>
+                                      </p:tavLst>
+                                    </p:anim>
+                                    <p:anim calcmode="lin" valueType="num">
+                                      <p:cBhvr additive="base">
+                                        <p:cTn id="12" dur="500" fill="hold"/>
+                                        <p:tgtEl>
+                                          <p:spTgt spid="12"/>
+                                        </p:tgtEl>
+                                        <p:attrNameLst>
+                                          <p:attrName>ppt_y</p:attrName>
+                                        </p:attrNameLst>
+                                      </p:cBhvr>
+                                      <p:tavLst>
+                                        <p:tav tm="0">
+                                          <p:val>
+                                            <p:strVal val="#ppt_y"/>
+                                          </p:val>
+                                        </p:tav>
+                                        <p:tav tm="100000">
+                                          <p:val>
+                                            <p:strVal val="#ppt_y"/>
+                                          </p:val>
+                                        </p:tav>
+                                      </p:tavLst>
+                                    </p:anim>
+                                  </p:childTnLst>
+                                </p:cTn>
+                              </p:par>
+                              <p:par>
+                                <p:cTn id="13" presetID="2" presetClass="entr" presetSubtype="2" fill="hold" nodeType="withEffect">
+                                  <p:stCondLst>
+                                    <p:cond delay="0"/>
+                                  </p:stCondLst>
+                                  <p:childTnLst>
+                                    <p:set>
+                                      <p:cBhvr>
+                                        <p:cTn id="14" dur="1" fill="hold">
+                                          <p:stCondLst>
+                                            <p:cond delay="0"/>
+                                          </p:stCondLst>
+                                        </p:cTn>
+                                        <p:tgtEl>
+                                          <p:spTgt spid="13"/>
+                                        </p:tgtEl>
+                                        <p:attrNameLst>
+                                          <p:attrName>style.visibility</p:attrName>
+                                        </p:attrNameLst>
+                                      </p:cBhvr>
+                                      <p:to>
+                                        <p:strVal val="visible"/>
+                                      </p:to>
+                                    </p:set>
+                                    <p:anim calcmode="lin" valueType="num">
+                                      <p:cBhvr additive="base">
+                                        <p:cTn id="15" dur="500" fill="hold"/>
+                                        <p:tgtEl>
+                                          <p:spTgt spid="13"/>
+                                        </p:tgtEl>
+                                        <p:attrNameLst>
+                                          <p:attrName>ppt_x</p:attrName>
+                                        </p:attrNameLst>
+                                      </p:cBhvr>
+                                      <p:tavLst>
+                                        <p:tav tm="0">
+                                          <p:val>
+                                            <p:strVal val="1+#ppt_w/2"/>
+                                          </p:val>
+                                        </p:tav>
+                                        <p:tav tm="100000">
+                                          <p:val>
+                                            <p:strVal val="#ppt_x"/>
+                                          </p:val>
+                                        </p:tav>
+                                      </p:tavLst>
+                                    </p:anim>
+                                    <p:anim calcmode="lin" valueType="num">
+                                      <p:cBhvr additive="base">
+                                        <p:cTn id="16" dur="500" fill="hold"/>
+                                        <p:tgtEl>
+                                          <p:spTgt spid="13"/>
+                                        </p:tgtEl>
+                                        <p:attrNameLst>
+                                          <p:attrName>ppt_y</p:attrName>
+                                        </p:attrNameLst>
+                                      </p:cBhvr>
+                                      <p:tavLst>
+                                        <p:tav tm="0">
+                                          <p:val>
+                                            <p:strVal val="#ppt_y"/>
+                                          </p:val>
+                                        </p:tav>
+                                        <p:tav tm="100000">
+                                          <p:val>
+                                            <p:strVal val="#ppt_y"/>
+                                          </p:val>
+                                        </p:tav>
+                                      </p:tavLst>
+                                    </p:anim>
+                                  </p:childTnLst>
+                                </p:cTn>
+                              </p:par>
+                              <p:par>
+                                <p:cTn id="17" presetID="2" presetClass="entr" presetSubtype="2" fill="hold" nodeType="withEffect">
+                                  <p:stCondLst>
+                                    <p:cond delay="0"/>
+                                  </p:stCondLst>
+                                  <p:childTnLst>
+                                    <p:set>
+                                      <p:cBhvr>
+                                        <p:cTn id="18" dur="1" fill="hold">
+                                          <p:stCondLst>
+                                            <p:cond delay="0"/>
+                                          </p:stCondLst>
+                                        </p:cTn>
+                                        <p:tgtEl>
+                                          <p:spTgt spid="14"/>
+                                        </p:tgtEl>
+                                        <p:attrNameLst>
+                                          <p:attrName>style.visibility</p:attrName>
+                                        </p:attrNameLst>
+                                      </p:cBhvr>
+                                      <p:to>
+                                        <p:strVal val="visible"/>
+                                      </p:to>
+                                    </p:set>
+                                    <p:anim calcmode="lin" valueType="num">
+                                      <p:cBhvr additive="base">
+                                        <p:cTn id="19" dur="500" fill="hold"/>
+                                        <p:tgtEl>
+                                          <p:spTgt spid="14"/>
+                                        </p:tgtEl>
+                                        <p:attrNameLst>
+                                          <p:attrName>ppt_x</p:attrName>
+                                        </p:attrNameLst>
+                                      </p:cBhvr>
+                                      <p:tavLst>
+                                        <p:tav tm="0">
+                                          <p:val>
+                                            <p:strVal val="1+#ppt_w/2"/>
+                                          </p:val>
+                                        </p:tav>
+                                        <p:tav tm="100000">
+                                          <p:val>
+                                            <p:strVal val="#ppt_x"/>
+                                          </p:val>
+                                        </p:tav>
+                                      </p:tavLst>
+                                    </p:anim>
+                                    <p:anim calcmode="lin" valueType="num">
+                                      <p:cBhvr additive="base">
+                                        <p:cTn id="20" dur="500" fill="hold"/>
+                                        <p:tgtEl>
+                                          <p:spTgt spid="14"/>
+                                        </p:tgtEl>
+                                        <p:attrNameLst>
+                                          <p:attrName>ppt_y</p:attrName>
+                                        </p:attrNameLst>
+                                      </p:cBhvr>
+                                      <p:tavLst>
+                                        <p:tav tm="0">
+                                          <p:val>
+                                            <p:strVal val="#ppt_y"/>
+                                          </p:val>
+                                        </p:tav>
+                                        <p:tav tm="100000">
+                                          <p:val>
+                                            <p:strVal val="#ppt_y"/>
+                                          </p:val>
+                                        </p:tav>
+                                      </p:tavLst>
+                                    </p:anim>
+                                  </p:childTnLst>
+                                </p:cTn>
+                              </p:par>
+                              <p:par>
+                                <p:cTn id="21" presetID="2" presetClass="entr" presetSubtype="2" fill="hold" nodeType="withEffect">
+                                  <p:stCondLst>
+                                    <p:cond delay="0"/>
+                                  </p:stCondLst>
+                                  <p:childTnLst>
+                                    <p:set>
+                                      <p:cBhvr>
+                                        <p:cTn id="22" dur="1" fill="hold">
+                                          <p:stCondLst>
+                                            <p:cond delay="0"/>
+                                          </p:stCondLst>
+                                        </p:cTn>
+                                        <p:tgtEl>
+                                          <p:spTgt spid="15"/>
+                                        </p:tgtEl>
+                                        <p:attrNameLst>
+                                          <p:attrName>style.visibility</p:attrName>
+                                        </p:attrNameLst>
+                                      </p:cBhvr>
+                                      <p:to>
+                                        <p:strVal val="visible"/>
+                                      </p:to>
+                                    </p:set>
+                                    <p:anim calcmode="lin" valueType="num">
+                                      <p:cBhvr additive="base">
+                                        <p:cTn id="23" dur="500" fill="hold"/>
+                                        <p:tgtEl>
+                                          <p:spTgt spid="15"/>
+                                        </p:tgtEl>
+                                        <p:attrNameLst>
+                                          <p:attrName>ppt_x</p:attrName>
+                                        </p:attrNameLst>
+                                      </p:cBhvr>
+                                      <p:tavLst>
+                                        <p:tav tm="0">
+                                          <p:val>
+                                            <p:strVal val="1+#ppt_w/2"/>
+                                          </p:val>
+                                        </p:tav>
+                                        <p:tav tm="100000">
+                                          <p:val>
+                                            <p:strVal val="#ppt_x"/>
+                                          </p:val>
+                                        </p:tav>
+                                      </p:tavLst>
+                                    </p:anim>
+                                    <p:anim calcmode="lin" valueType="num">
+                                      <p:cBhvr additive="base">
+                                        <p:cTn id="24" dur="500" fill="hold"/>
+                                        <p:tgtEl>
+                                          <p:spTgt spid="15"/>
+                                        </p:tgtEl>
+                                        <p:attrNameLst>
+                                          <p:attrName>ppt_y</p:attrName>
+                                        </p:attrNameLst>
+                                      </p:cBhvr>
+                                      <p:tavLst>
+                                        <p:tav tm="0">
+                                          <p:val>
+                                            <p:strVal val="#ppt_y"/>
+                                          </p:val>
+                                        </p:tav>
+                                        <p:tav tm="100000">
+                                          <p:val>
+                                            <p:strVal val="#ppt_y"/>
+                                          </p:val>
+                                        </p:tav>
+                                      </p:tavLst>
+                                    </p:anim>
+                                  </p:childTnLst>
+                                </p:cTn>
+                              </p:par>
+                            </p:childTnLst>
+                          </p:cTn>
+                        </p:par>
+                      </p:childTnLst>
+                    </p:cTn>
+                  </p:par>
+                  <p:par>
+                    <p:cTn id="25" fill="hold">
+                      <p:stCondLst>
+                        <p:cond delay="indefinite"/>
+                      </p:stCondLst>
+                      <p:childTnLst>
+                        <p:par>
+                          <p:cTn id="26" fill="hold">
+                            <p:stCondLst>
+                              <p:cond delay="0"/>
+                            </p:stCondLst>
+                            <p:childTnLst>
+                              <p:par>
+                                <p:cTn id="27" presetID="9" presetClass="emph" presetSubtype="0" nodeType="clickEffect">
+                                  <p:stCondLst>
+                                    <p:cond delay="0"/>
+                                  </p:stCondLst>
+                                  <p:childTnLst>
+                                    <p:set>
+                                      <p:cBhvr rctx="PPT">
+                                        <p:cTn id="28" dur="indefinite"/>
+                                        <p:tgtEl>
+                                          <p:spTgt spid="13"/>
+                                        </p:tgtEl>
+                                        <p:attrNameLst>
+                                          <p:attrName>style.opacity</p:attrName>
+                                        </p:attrNameLst>
+                                      </p:cBhvr>
+                                      <p:to>
+                                        <p:strVal val="0.2"/>
+                                      </p:to>
+                                    </p:set>
+                                    <p:animEffect filter="image" prLst="opacity: 0.2">
+                                      <p:cBhvr rctx="IE">
+                                        <p:cTn id="29" dur="indefinite"/>
+                                        <p:tgtEl>
+                                          <p:spTgt spid="13"/>
+                                        </p:tgtEl>
+                                      </p:cBhvr>
+                                    </p:animEffect>
+                                  </p:childTnLst>
+                                </p:cTn>
+                              </p:par>
+                              <p:par>
+                                <p:cTn id="30" presetID="9" presetClass="emph" presetSubtype="0" nodeType="withEffect">
+                                  <p:stCondLst>
+                                    <p:cond delay="0"/>
+                                  </p:stCondLst>
+                                  <p:childTnLst>
+                                    <p:set>
+                                      <p:cBhvr rctx="PPT">
+                                        <p:cTn id="31" dur="indefinite"/>
+                                        <p:tgtEl>
+                                          <p:spTgt spid="14"/>
+                                        </p:tgtEl>
+                                        <p:attrNameLst>
+                                          <p:attrName>style.opacity</p:attrName>
+                                        </p:attrNameLst>
+                                      </p:cBhvr>
+                                      <p:to>
+                                        <p:strVal val="0.2"/>
+                                      </p:to>
+                                    </p:set>
+                                    <p:animEffect filter="image" prLst="opacity: 0.2">
+                                      <p:cBhvr rctx="IE">
+                                        <p:cTn id="32" dur="indefinite"/>
+                                        <p:tgtEl>
+                                          <p:spTgt spid="14"/>
+                                        </p:tgtEl>
+                                      </p:cBhvr>
+                                    </p:animEffect>
+                                  </p:childTnLst>
+                                </p:cTn>
+                              </p:par>
+                              <p:par>
+                                <p:cTn id="33" presetID="9" presetClass="emph" presetSubtype="0" nodeType="withEffect">
+                                  <p:stCondLst>
+                                    <p:cond delay="0"/>
+                                  </p:stCondLst>
+                                  <p:childTnLst>
+                                    <p:set>
+                                      <p:cBhvr rctx="PPT">
+                                        <p:cTn id="34" dur="indefinite"/>
+                                        <p:tgtEl>
+                                          <p:spTgt spid="15"/>
+                                        </p:tgtEl>
+                                        <p:attrNameLst>
+                                          <p:attrName>style.opacity</p:attrName>
+                                        </p:attrNameLst>
+                                      </p:cBhvr>
+                                      <p:to>
+                                        <p:strVal val="0.2"/>
+                                      </p:to>
+                                    </p:set>
+                                    <p:animEffect filter="image" prLst="opacity: 0.2">
+                                      <p:cBhvr rctx="IE">
+                                        <p:cTn id="35" dur="indefinite"/>
+                                        <p:tgtEl>
+                                          <p:spTgt spid="15"/>
+                                        </p:tgtEl>
+                                      </p:cBhvr>
+                                    </p:animEffect>
+                                  </p:childTnLst>
+                                </p:cTn>
+                              </p:par>
+                            </p:childTnLst>
+                          </p:cTn>
+                        </p:par>
+                      </p:childTnLst>
+                    </p:cTn>
+                  </p:par>
+                </p:childTnLst>
+              </p:cTn>
+              <p:prevCondLst>
+                <p:cond evt="onPrev" delay="0">
+                  <p:tgtEl>
+                    <p:sldTgt/>
+                  </p:tgtEl>
+                </p:cond>
+              </p:prevCondLst>
+              <p:nextCondLst>
+                <p:cond evt="onNext" delay="0">
+                  <p:tgtEl>
+                    <p:sldTgt/>
+                  </p:tgtEl>
+                </p:cond>
+              </p:nextCondLst>
+            </p:seq>
+          </p:childTnLst>
+        </p:cTn>
       </p:par>
     </p:tnLst>
   </p:timing>

--- a/slides.pptx
+++ b/slides.pptx
@@ -236,7 +236,7 @@
           <a:p>
             <a:fld id="{7C2C5C60-F37A-814E-99F6-3C775637DBC0}" type="datetimeFigureOut">
               <a:rPr lang="ru-RU" smtClean="0"/>
-              <a:t>27.03.2018</a:t>
+              <a:t>28.03.2018</a:t>
             </a:fld>
             <a:endParaRPr lang="ru-RU"/>
           </a:p>
@@ -401,7 +401,7 @@
           <a:p>
             <a:fld id="{A48BA324-014D-41B7-8E83-ECE8F197A959}" type="datetimeFigureOut">
               <a:rPr lang="ru-RU" smtClean="0"/>
-              <a:t>27.03.2018</a:t>
+              <a:t>28.03.2018</a:t>
             </a:fld>
             <a:endParaRPr lang="ru-RU"/>
           </a:p>
@@ -4856,7 +4856,7 @@
           <p:cNvPr id="2" name="Группа 1">
             <a:extLst>
               <a:ext uri="{FF2B5EF4-FFF2-40B4-BE49-F238E27FC236}">
-                <a16:creationId xmlns="" xmlns:a16="http://schemas.microsoft.com/office/drawing/2014/main" id="{32510620-9203-6A4F-8215-EE5B71D8CB96}"/>
+                <a16:creationId xmlns:a16="http://schemas.microsoft.com/office/drawing/2014/main" xmlns="" id="{32510620-9203-6A4F-8215-EE5B71D8CB96}"/>
               </a:ext>
             </a:extLst>
           </p:cNvPr>
@@ -4876,7 +4876,7 @@
             <p:cNvPr id="17" name="Прямоугольник 16">
               <a:extLst>
                 <a:ext uri="{FF2B5EF4-FFF2-40B4-BE49-F238E27FC236}">
-                  <a16:creationId xmlns="" xmlns:a16="http://schemas.microsoft.com/office/drawing/2014/main" id="{73034AE5-F458-B44E-A08D-78D8FD2FBBED}"/>
+                  <a16:creationId xmlns:a16="http://schemas.microsoft.com/office/drawing/2014/main" xmlns="" id="{73034AE5-F458-B44E-A08D-78D8FD2FBBED}"/>
                 </a:ext>
               </a:extLst>
             </p:cNvPr>
@@ -4928,7 +4928,7 @@
             <p:cNvPr id="18" name="Изображение 42">
               <a:extLst>
                 <a:ext uri="{FF2B5EF4-FFF2-40B4-BE49-F238E27FC236}">
-                  <a16:creationId xmlns="" xmlns:a16="http://schemas.microsoft.com/office/drawing/2014/main" id="{FF9B81E1-5EBD-1247-A39B-278A79BDFCD5}"/>
+                  <a16:creationId xmlns:a16="http://schemas.microsoft.com/office/drawing/2014/main" xmlns="" id="{FF9B81E1-5EBD-1247-A39B-278A79BDFCD5}"/>
                 </a:ext>
               </a:extLst>
             </p:cNvPr>
@@ -5350,7 +5350,7 @@
           <p:cNvPr id="16" name="Текст 9">
             <a:extLst>
               <a:ext uri="{FF2B5EF4-FFF2-40B4-BE49-F238E27FC236}">
-                <a16:creationId xmlns="" xmlns:a16="http://schemas.microsoft.com/office/drawing/2014/main" id="{DEC5E0E5-E30B-4642-9B18-19724D6B7066}"/>
+                <a16:creationId xmlns:a16="http://schemas.microsoft.com/office/drawing/2014/main" xmlns="" id="{DEC5E0E5-E30B-4642-9B18-19724D6B7066}"/>
               </a:ext>
             </a:extLst>
           </p:cNvPr>
@@ -5389,7 +5389,7 @@
           <p:cNvPr id="18" name="Группа 17">
             <a:extLst>
               <a:ext uri="{FF2B5EF4-FFF2-40B4-BE49-F238E27FC236}">
-                <a16:creationId xmlns="" xmlns:a16="http://schemas.microsoft.com/office/drawing/2014/main" id="{60F32FEE-012A-2044-BC37-D3F532564E0E}"/>
+                <a16:creationId xmlns:a16="http://schemas.microsoft.com/office/drawing/2014/main" xmlns="" id="{60F32FEE-012A-2044-BC37-D3F532564E0E}"/>
               </a:ext>
             </a:extLst>
           </p:cNvPr>
@@ -5409,7 +5409,7 @@
             <p:cNvPr id="21" name="Прямоугольник 20">
               <a:extLst>
                 <a:ext uri="{FF2B5EF4-FFF2-40B4-BE49-F238E27FC236}">
-                  <a16:creationId xmlns="" xmlns:a16="http://schemas.microsoft.com/office/drawing/2014/main" id="{281580E8-1D7B-904D-A3CC-B3059675D955}"/>
+                  <a16:creationId xmlns:a16="http://schemas.microsoft.com/office/drawing/2014/main" xmlns="" id="{281580E8-1D7B-904D-A3CC-B3059675D955}"/>
                 </a:ext>
               </a:extLst>
             </p:cNvPr>
@@ -5461,7 +5461,7 @@
             <p:cNvPr id="24" name="Изображение 42">
               <a:extLst>
                 <a:ext uri="{FF2B5EF4-FFF2-40B4-BE49-F238E27FC236}">
-                  <a16:creationId xmlns="" xmlns:a16="http://schemas.microsoft.com/office/drawing/2014/main" id="{76CC79E5-0405-8F45-9BB8-F4948BD253E5}"/>
+                  <a16:creationId xmlns:a16="http://schemas.microsoft.com/office/drawing/2014/main" xmlns="" id="{76CC79E5-0405-8F45-9BB8-F4948BD253E5}"/>
                 </a:ext>
               </a:extLst>
             </p:cNvPr>
@@ -5492,7 +5492,7 @@
           <p:cNvPr id="27" name="Текст 9">
             <a:extLst>
               <a:ext uri="{FF2B5EF4-FFF2-40B4-BE49-F238E27FC236}">
-                <a16:creationId xmlns="" xmlns:a16="http://schemas.microsoft.com/office/drawing/2014/main" id="{E6789703-35B8-334E-A41E-27BF0926FCFA}"/>
+                <a16:creationId xmlns:a16="http://schemas.microsoft.com/office/drawing/2014/main" xmlns="" id="{E6789703-35B8-334E-A41E-27BF0926FCFA}"/>
               </a:ext>
             </a:extLst>
           </p:cNvPr>
@@ -5531,7 +5531,7 @@
           <p:cNvPr id="29" name="Группа 28">
             <a:extLst>
               <a:ext uri="{FF2B5EF4-FFF2-40B4-BE49-F238E27FC236}">
-                <a16:creationId xmlns="" xmlns:a16="http://schemas.microsoft.com/office/drawing/2014/main" id="{534F831D-7B0A-284C-9078-8D0296129AB3}"/>
+                <a16:creationId xmlns:a16="http://schemas.microsoft.com/office/drawing/2014/main" xmlns="" id="{534F831D-7B0A-284C-9078-8D0296129AB3}"/>
               </a:ext>
             </a:extLst>
           </p:cNvPr>
@@ -5551,7 +5551,7 @@
             <p:cNvPr id="30" name="Прямоугольник 29">
               <a:extLst>
                 <a:ext uri="{FF2B5EF4-FFF2-40B4-BE49-F238E27FC236}">
-                  <a16:creationId xmlns="" xmlns:a16="http://schemas.microsoft.com/office/drawing/2014/main" id="{B1E449D6-F200-C047-A4BD-41695AF9314A}"/>
+                  <a16:creationId xmlns:a16="http://schemas.microsoft.com/office/drawing/2014/main" xmlns="" id="{B1E449D6-F200-C047-A4BD-41695AF9314A}"/>
                 </a:ext>
               </a:extLst>
             </p:cNvPr>
@@ -5603,7 +5603,7 @@
             <p:cNvPr id="31" name="Изображение 42">
               <a:extLst>
                 <a:ext uri="{FF2B5EF4-FFF2-40B4-BE49-F238E27FC236}">
-                  <a16:creationId xmlns="" xmlns:a16="http://schemas.microsoft.com/office/drawing/2014/main" id="{9CB34F08-90AE-5447-8963-945F9D476869}"/>
+                  <a16:creationId xmlns:a16="http://schemas.microsoft.com/office/drawing/2014/main" xmlns="" id="{9CB34F08-90AE-5447-8963-945F9D476869}"/>
                 </a:ext>
               </a:extLst>
             </p:cNvPr>
@@ -5740,7 +5740,7 @@
           </a:ln>
           <a:extLst>
             <a:ext uri="{C572A759-6A51-4108-AA02-DFA0A04FC94B}">
-              <ma14:wrappingTextBoxFlag xmlns="" xmlns:ma14="http://schemas.microsoft.com/office/mac/drawingml/2011/main" val="1"/>
+              <ma14:wrappingTextBoxFlag xmlns:ma14="http://schemas.microsoft.com/office/mac/drawingml/2011/main" xmlns="" val="1"/>
             </a:ext>
           </a:extLst>
         </p:spPr>
@@ -5783,7 +5783,7 @@
           </a:ln>
           <a:extLst>
             <a:ext uri="{C572A759-6A51-4108-AA02-DFA0A04FC94B}">
-              <ma14:wrappingTextBoxFlag xmlns="" xmlns:ma14="http://schemas.microsoft.com/office/mac/drawingml/2011/main" val="1"/>
+              <ma14:wrappingTextBoxFlag xmlns:ma14="http://schemas.microsoft.com/office/mac/drawingml/2011/main" xmlns="" val="1"/>
             </a:ext>
           </a:extLst>
         </p:spPr>
@@ -5907,7 +5907,7 @@
           </a:ln>
           <a:extLst>
             <a:ext uri="{C572A759-6A51-4108-AA02-DFA0A04FC94B}">
-              <ma14:wrappingTextBoxFlag xmlns="" xmlns:ma14="http://schemas.microsoft.com/office/mac/drawingml/2011/main" val="1"/>
+              <ma14:wrappingTextBoxFlag xmlns:ma14="http://schemas.microsoft.com/office/mac/drawingml/2011/main" xmlns="" val="1"/>
             </a:ext>
           </a:extLst>
         </p:spPr>
@@ -5998,7 +5998,7 @@
           </a:ln>
           <a:extLst>
             <a:ext uri="{C572A759-6A51-4108-AA02-DFA0A04FC94B}">
-              <ma14:wrappingTextBoxFlag xmlns="" xmlns:ma14="http://schemas.microsoft.com/office/mac/drawingml/2011/main" val="1"/>
+              <ma14:wrappingTextBoxFlag xmlns:ma14="http://schemas.microsoft.com/office/mac/drawingml/2011/main" xmlns="" val="1"/>
             </a:ext>
           </a:extLst>
         </p:spPr>
@@ -6117,7 +6117,7 @@
           </a:ln>
           <a:extLst>
             <a:ext uri="{C572A759-6A51-4108-AA02-DFA0A04FC94B}">
-              <ma14:wrappingTextBoxFlag xmlns="" xmlns:ma14="http://schemas.microsoft.com/office/mac/drawingml/2011/main" val="1"/>
+              <ma14:wrappingTextBoxFlag xmlns:ma14="http://schemas.microsoft.com/office/mac/drawingml/2011/main" xmlns="" val="1"/>
             </a:ext>
           </a:extLst>
         </p:spPr>
@@ -6596,7 +6596,7 @@
           <p:cNvPr id="16" name="Рисунок 15">
             <a:extLst>
               <a:ext uri="{FF2B5EF4-FFF2-40B4-BE49-F238E27FC236}">
-                <a16:creationId xmlns="" xmlns:a16="http://schemas.microsoft.com/office/drawing/2014/main" id="{554116F1-2C0F-2A43-B8D0-9BEE5D326A1F}"/>
+                <a16:creationId xmlns:a16="http://schemas.microsoft.com/office/drawing/2014/main" xmlns="" id="{554116F1-2C0F-2A43-B8D0-9BEE5D326A1F}"/>
               </a:ext>
             </a:extLst>
           </p:cNvPr>
@@ -6632,7 +6632,7 @@
           <p:cNvPr id="23" name="Прямоугольник 22">
             <a:extLst>
               <a:ext uri="{FF2B5EF4-FFF2-40B4-BE49-F238E27FC236}">
-                <a16:creationId xmlns="" xmlns:a16="http://schemas.microsoft.com/office/drawing/2014/main" id="{BEF4D639-ABD3-804D-979A-B956F9097A8F}"/>
+                <a16:creationId xmlns:a16="http://schemas.microsoft.com/office/drawing/2014/main" xmlns="" id="{BEF4D639-ABD3-804D-979A-B956F9097A8F}"/>
               </a:ext>
             </a:extLst>
           </p:cNvPr>
@@ -9092,7 +9092,7 @@
           <p:cNvPr id="6" name="TextBox 5">
             <a:extLst>
               <a:ext uri="{FF2B5EF4-FFF2-40B4-BE49-F238E27FC236}">
-                <a16:creationId xmlns="" xmlns:a16="http://schemas.microsoft.com/office/drawing/2014/main" id="{6AF6C8C0-C266-5C4E-9046-BB97D282CABE}"/>
+                <a16:creationId xmlns:a16="http://schemas.microsoft.com/office/drawing/2014/main" xmlns="" id="{6AF6C8C0-C266-5C4E-9046-BB97D282CABE}"/>
               </a:ext>
             </a:extLst>
           </p:cNvPr>
@@ -9574,6 +9574,106 @@
           </a:prstGeom>
         </p:spPr>
       </p:pic>
+      <p:sp>
+        <p:nvSpPr>
+          <p:cNvPr id="3" name="TextBox 2"/>
+          <p:cNvSpPr txBox="1"/>
+          <p:nvPr/>
+        </p:nvSpPr>
+        <p:spPr>
+          <a:xfrm>
+            <a:off x="1143000" y="10406286"/>
+            <a:ext cx="2515432" cy="1569660"/>
+          </a:xfrm>
+          <a:prstGeom prst="rect">
+            <a:avLst/>
+          </a:prstGeom>
+          <a:noFill/>
+        </p:spPr>
+        <p:txBody>
+          <a:bodyPr wrap="none" rtlCol="0">
+            <a:spAutoFit/>
+          </a:bodyPr>
+          <a:lstStyle/>
+          <a:p>
+            <a:pPr algn="ctr"/>
+            <a:r>
+              <a:rPr lang="ru-RU" sz="4800" dirty="0" smtClean="0">
+                <a:solidFill>
+                  <a:sysClr val="windowText" lastClr="000000"/>
+                </a:solidFill>
+              </a:rPr>
+              <a:t>Рейтинг</a:t>
+            </a:r>
+          </a:p>
+          <a:p>
+            <a:pPr algn="ctr"/>
+            <a:r>
+              <a:rPr lang="en-US" sz="4800" dirty="0" smtClean="0">
+                <a:solidFill>
+                  <a:sysClr val="windowText" lastClr="000000"/>
+                </a:solidFill>
+              </a:rPr>
+              <a:t>4.8/5</a:t>
+            </a:r>
+            <a:endParaRPr lang="ru-RU" sz="4800" dirty="0" err="1" smtClean="0">
+              <a:solidFill>
+                <a:sysClr val="windowText" lastClr="000000"/>
+              </a:solidFill>
+            </a:endParaRPr>
+          </a:p>
+        </p:txBody>
+      </p:sp>
+      <p:sp>
+        <p:nvSpPr>
+          <p:cNvPr id="10" name="TextBox 9"/>
+          <p:cNvSpPr txBox="1"/>
+          <p:nvPr/>
+        </p:nvSpPr>
+        <p:spPr>
+          <a:xfrm>
+            <a:off x="5391774" y="10406286"/>
+            <a:ext cx="2515432" cy="1569660"/>
+          </a:xfrm>
+          <a:prstGeom prst="rect">
+            <a:avLst/>
+          </a:prstGeom>
+          <a:noFill/>
+        </p:spPr>
+        <p:txBody>
+          <a:bodyPr wrap="none" rtlCol="0">
+            <a:spAutoFit/>
+          </a:bodyPr>
+          <a:lstStyle/>
+          <a:p>
+            <a:pPr algn="ctr"/>
+            <a:r>
+              <a:rPr lang="ru-RU" sz="4800" dirty="0" smtClean="0">
+                <a:solidFill>
+                  <a:sysClr val="windowText" lastClr="000000"/>
+                </a:solidFill>
+              </a:rPr>
+              <a:t>Рейтинг</a:t>
+            </a:r>
+          </a:p>
+          <a:p>
+            <a:pPr algn="ctr"/>
+            <a:r>
+              <a:rPr lang="en-US" sz="4800" dirty="0" smtClean="0">
+                <a:solidFill>
+                  <a:sysClr val="windowText" lastClr="000000"/>
+                </a:solidFill>
+              </a:rPr>
+              <a:t>4.95/5</a:t>
+            </a:r>
+            <a:endParaRPr lang="ru-RU" sz="4800" dirty="0" err="1" smtClean="0">
+              <a:solidFill>
+                <a:sysClr val="windowText" lastClr="000000"/>
+              </a:solidFill>
+            </a:endParaRPr>
+          </a:p>
+        </p:txBody>
+      </p:sp>
     </p:spTree>
     <p:extLst>
       <p:ext uri="{BB962C8B-B14F-4D97-AF65-F5344CB8AC3E}">
@@ -9605,7 +9705,7 @@
                             </p:stCondLst>
                             <p:childTnLst>
                               <p:par>
-                                <p:cTn id="5" presetID="2" presetClass="entr" presetSubtype="2" fill="hold" nodeType="clickEffect">
+                                <p:cTn id="5" presetID="2" presetClass="entr" presetSubtype="8" fill="hold" nodeType="clickEffect">
                                   <p:stCondLst>
                                     <p:cond delay="0"/>
                                   </p:stCondLst>
@@ -9630,7 +9730,7 @@
                                     </p:set>
                                     <p:anim calcmode="lin" valueType="num">
                                       <p:cBhvr additive="base">
-                                        <p:cTn id="7" dur="500" fill="hold"/>
+                                        <p:cTn id="7" dur="300" fill="hold"/>
                                         <p:tgtEl>
                                           <p:spTgt spid="11"/>
                                         </p:tgtEl>
@@ -9641,7 +9741,7 @@
                                       <p:tavLst>
                                         <p:tav tm="0">
                                           <p:val>
-                                            <p:strVal val="1+#ppt_w/2"/>
+                                            <p:strVal val="0-#ppt_w/2"/>
                                           </p:val>
                                         </p:tav>
                                         <p:tav tm="100000">
@@ -9653,7 +9753,7 @@
                                     </p:anim>
                                     <p:anim calcmode="lin" valueType="num">
                                       <p:cBhvr additive="base">
-                                        <p:cTn id="8" dur="500" fill="hold"/>
+                                        <p:cTn id="8" dur="300" fill="hold"/>
                                         <p:tgtEl>
                                           <p:spTgt spid="11"/>
                                         </p:tgtEl>
@@ -9677,15 +9777,33 @@
                                   </p:childTnLst>
                                 </p:cTn>
                               </p:par>
+                            </p:childTnLst>
+                          </p:cTn>
+                        </p:par>
+                      </p:childTnLst>
+                    </p:cTn>
+                  </p:par>
+                  <p:par>
+                    <p:cTn id="9" fill="hold">
+                      <p:stCondLst>
+                        <p:cond delay="indefinite"/>
+                      </p:stCondLst>
+                      <p:childTnLst>
+                        <p:par>
+                          <p:cTn id="10" fill="hold">
+                            <p:stCondLst>
+                              <p:cond delay="0"/>
+                            </p:stCondLst>
+                            <p:childTnLst>
                               <p:par>
-                                <p:cTn id="9" presetID="2" presetClass="entr" presetSubtype="2" fill="hold" nodeType="withEffect">
+                                <p:cTn id="11" presetID="2" presetClass="entr" presetSubtype="8" fill="hold" nodeType="clickEffect">
                                   <p:stCondLst>
                                     <p:cond delay="0"/>
                                   </p:stCondLst>
                                   <p:childTnLst>
                                     <p:set>
                                       <p:cBhvr>
-                                        <p:cTn id="10" dur="1" fill="hold">
+                                        <p:cTn id="12" dur="1" fill="hold">
                                           <p:stCondLst>
                                             <p:cond delay="0"/>
                                           </p:stCondLst>
@@ -9703,7 +9821,7 @@
                                     </p:set>
                                     <p:anim calcmode="lin" valueType="num">
                                       <p:cBhvr additive="base">
-                                        <p:cTn id="11" dur="500" fill="hold"/>
+                                        <p:cTn id="13" dur="300" fill="hold"/>
                                         <p:tgtEl>
                                           <p:spTgt spid="12"/>
                                         </p:tgtEl>
@@ -9714,7 +9832,7 @@
                                       <p:tavLst>
                                         <p:tav tm="0">
                                           <p:val>
-                                            <p:strVal val="1+#ppt_w/2"/>
+                                            <p:strVal val="0-#ppt_w/2"/>
                                           </p:val>
                                         </p:tav>
                                         <p:tav tm="100000">
@@ -9726,7 +9844,7 @@
                                     </p:anim>
                                     <p:anim calcmode="lin" valueType="num">
                                       <p:cBhvr additive="base">
-                                        <p:cTn id="12" dur="500" fill="hold"/>
+                                        <p:cTn id="14" dur="300" fill="hold"/>
                                         <p:tgtEl>
                                           <p:spTgt spid="12"/>
                                         </p:tgtEl>
@@ -9750,15 +9868,33 @@
                                   </p:childTnLst>
                                 </p:cTn>
                               </p:par>
+                            </p:childTnLst>
+                          </p:cTn>
+                        </p:par>
+                      </p:childTnLst>
+                    </p:cTn>
+                  </p:par>
+                  <p:par>
+                    <p:cTn id="15" fill="hold">
+                      <p:stCondLst>
+                        <p:cond delay="indefinite"/>
+                      </p:stCondLst>
+                      <p:childTnLst>
+                        <p:par>
+                          <p:cTn id="16" fill="hold">
+                            <p:stCondLst>
+                              <p:cond delay="0"/>
+                            </p:stCondLst>
+                            <p:childTnLst>
                               <p:par>
-                                <p:cTn id="13" presetID="2" presetClass="entr" presetSubtype="2" fill="hold" nodeType="withEffect">
+                                <p:cTn id="17" presetID="2" presetClass="entr" presetSubtype="2" fill="hold" nodeType="clickEffect">
                                   <p:stCondLst>
                                     <p:cond delay="0"/>
                                   </p:stCondLst>
                                   <p:childTnLst>
                                     <p:set>
                                       <p:cBhvr>
-                                        <p:cTn id="14" dur="1" fill="hold">
+                                        <p:cTn id="18" dur="1" fill="hold">
                                           <p:stCondLst>
                                             <p:cond delay="0"/>
                                           </p:stCondLst>
@@ -9776,7 +9912,7 @@
                                     </p:set>
                                     <p:anim calcmode="lin" valueType="num">
                                       <p:cBhvr additive="base">
-                                        <p:cTn id="15" dur="500" fill="hold"/>
+                                        <p:cTn id="19" dur="300" fill="hold"/>
                                         <p:tgtEl>
                                           <p:spTgt spid="13"/>
                                         </p:tgtEl>
@@ -9799,7 +9935,7 @@
                                     </p:anim>
                                     <p:anim calcmode="lin" valueType="num">
                                       <p:cBhvr additive="base">
-                                        <p:cTn id="16" dur="500" fill="hold"/>
+                                        <p:cTn id="20" dur="300" fill="hold"/>
                                         <p:tgtEl>
                                           <p:spTgt spid="13"/>
                                         </p:tgtEl>
@@ -9823,15 +9959,24 @@
                                   </p:childTnLst>
                                 </p:cTn>
                               </p:par>
+                            </p:childTnLst>
+                          </p:cTn>
+                        </p:par>
+                        <p:par>
+                          <p:cTn id="21" fill="hold">
+                            <p:stCondLst>
+                              <p:cond delay="300"/>
+                            </p:stCondLst>
+                            <p:childTnLst>
                               <p:par>
-                                <p:cTn id="17" presetID="2" presetClass="entr" presetSubtype="2" fill="hold" nodeType="withEffect">
+                                <p:cTn id="22" presetID="2" presetClass="entr" presetSubtype="2" fill="hold" nodeType="afterEffect">
                                   <p:stCondLst>
                                     <p:cond delay="0"/>
                                   </p:stCondLst>
                                   <p:childTnLst>
                                     <p:set>
                                       <p:cBhvr>
-                                        <p:cTn id="18" dur="1" fill="hold">
+                                        <p:cTn id="23" dur="1" fill="hold">
                                           <p:stCondLst>
                                             <p:cond delay="0"/>
                                           </p:stCondLst>
@@ -9849,7 +9994,7 @@
                                     </p:set>
                                     <p:anim calcmode="lin" valueType="num">
                                       <p:cBhvr additive="base">
-                                        <p:cTn id="19" dur="500" fill="hold"/>
+                                        <p:cTn id="24" dur="300" fill="hold"/>
                                         <p:tgtEl>
                                           <p:spTgt spid="14"/>
                                         </p:tgtEl>
@@ -9872,7 +10017,7 @@
                                     </p:anim>
                                     <p:anim calcmode="lin" valueType="num">
                                       <p:cBhvr additive="base">
-                                        <p:cTn id="20" dur="500" fill="hold"/>
+                                        <p:cTn id="25" dur="300" fill="hold"/>
                                         <p:tgtEl>
                                           <p:spTgt spid="14"/>
                                         </p:tgtEl>
@@ -9896,15 +10041,24 @@
                                   </p:childTnLst>
                                 </p:cTn>
                               </p:par>
+                            </p:childTnLst>
+                          </p:cTn>
+                        </p:par>
+                        <p:par>
+                          <p:cTn id="26" fill="hold">
+                            <p:stCondLst>
+                              <p:cond delay="600"/>
+                            </p:stCondLst>
+                            <p:childTnLst>
                               <p:par>
-                                <p:cTn id="21" presetID="2" presetClass="entr" presetSubtype="2" fill="hold" nodeType="withEffect">
+                                <p:cTn id="27" presetID="2" presetClass="entr" presetSubtype="2" fill="hold" nodeType="afterEffect">
                                   <p:stCondLst>
                                     <p:cond delay="0"/>
                                   </p:stCondLst>
                                   <p:childTnLst>
                                     <p:set>
                                       <p:cBhvr>
-                                        <p:cTn id="22" dur="1" fill="hold">
+                                        <p:cTn id="28" dur="1" fill="hold">
                                           <p:stCondLst>
                                             <p:cond delay="0"/>
                                           </p:stCondLst>
@@ -9922,7 +10076,7 @@
                                     </p:set>
                                     <p:anim calcmode="lin" valueType="num">
                                       <p:cBhvr additive="base">
-                                        <p:cTn id="23" dur="500" fill="hold"/>
+                                        <p:cTn id="29" dur="300" fill="hold"/>
                                         <p:tgtEl>
                                           <p:spTgt spid="15"/>
                                         </p:tgtEl>
@@ -9945,7 +10099,7 @@
                                     </p:anim>
                                     <p:anim calcmode="lin" valueType="num">
                                       <p:cBhvr additive="base">
-                                        <p:cTn id="24" dur="500" fill="hold"/>
+                                        <p:cTn id="30" dur="300" fill="hold"/>
                                         <p:tgtEl>
                                           <p:spTgt spid="15"/>
                                         </p:tgtEl>
@@ -9976,26 +10130,26 @@
                     </p:cTn>
                   </p:par>
                   <p:par>
-                    <p:cTn id="25" fill="hold">
+                    <p:cTn id="31" fill="hold">
                       <p:stCondLst>
                         <p:cond delay="indefinite"/>
                       </p:stCondLst>
                       <p:childTnLst>
                         <p:par>
-                          <p:cTn id="26" fill="hold">
+                          <p:cTn id="32" fill="hold">
                             <p:stCondLst>
                               <p:cond delay="0"/>
                             </p:stCondLst>
                             <p:childTnLst>
                               <p:par>
-                                <p:cTn id="27" presetID="9" presetClass="emph" presetSubtype="0" nodeType="clickEffect">
+                                <p:cTn id="33" presetID="9" presetClass="emph" presetSubtype="0" nodeType="clickEffect">
                                   <p:stCondLst>
                                     <p:cond delay="0"/>
                                   </p:stCondLst>
                                   <p:childTnLst>
                                     <p:set>
                                       <p:cBhvr rctx="PPT">
-                                        <p:cTn id="28" dur="indefinite"/>
+                                        <p:cTn id="34" dur="indefinite"/>
                                         <p:tgtEl>
                                           <p:spTgt spid="13"/>
                                         </p:tgtEl>
@@ -10009,7 +10163,7 @@
                                     </p:set>
                                     <p:animEffect filter="image" prLst="opacity: 0.2">
                                       <p:cBhvr rctx="IE">
-                                        <p:cTn id="29" dur="indefinite"/>
+                                        <p:cTn id="35" dur="indefinite"/>
                                         <p:tgtEl>
                                           <p:spTgt spid="13"/>
                                         </p:tgtEl>
@@ -10019,14 +10173,14 @@
                                 </p:cTn>
                               </p:par>
                               <p:par>
-                                <p:cTn id="30" presetID="9" presetClass="emph" presetSubtype="0" nodeType="withEffect">
+                                <p:cTn id="36" presetID="9" presetClass="emph" presetSubtype="0" nodeType="withEffect">
                                   <p:stCondLst>
                                     <p:cond delay="0"/>
                                   </p:stCondLst>
                                   <p:childTnLst>
                                     <p:set>
                                       <p:cBhvr rctx="PPT">
-                                        <p:cTn id="31" dur="indefinite"/>
+                                        <p:cTn id="37" dur="indefinite"/>
                                         <p:tgtEl>
                                           <p:spTgt spid="14"/>
                                         </p:tgtEl>
@@ -10040,7 +10194,7 @@
                                     </p:set>
                                     <p:animEffect filter="image" prLst="opacity: 0.2">
                                       <p:cBhvr rctx="IE">
-                                        <p:cTn id="32" dur="indefinite"/>
+                                        <p:cTn id="38" dur="indefinite"/>
                                         <p:tgtEl>
                                           <p:spTgt spid="14"/>
                                         </p:tgtEl>
@@ -10050,14 +10204,14 @@
                                 </p:cTn>
                               </p:par>
                               <p:par>
-                                <p:cTn id="33" presetID="9" presetClass="emph" presetSubtype="0" nodeType="withEffect">
+                                <p:cTn id="39" presetID="9" presetClass="emph" presetSubtype="0" nodeType="withEffect">
                                   <p:stCondLst>
                                     <p:cond delay="0"/>
                                   </p:stCondLst>
                                   <p:childTnLst>
                                     <p:set>
                                       <p:cBhvr rctx="PPT">
-                                        <p:cTn id="34" dur="indefinite"/>
+                                        <p:cTn id="40" dur="indefinite"/>
                                         <p:tgtEl>
                                           <p:spTgt spid="15"/>
                                         </p:tgtEl>
@@ -10071,12 +10225,66 @@
                                     </p:set>
                                     <p:animEffect filter="image" prLst="opacity: 0.2">
                                       <p:cBhvr rctx="IE">
-                                        <p:cTn id="35" dur="indefinite"/>
+                                        <p:cTn id="41" dur="indefinite"/>
                                         <p:tgtEl>
                                           <p:spTgt spid="15"/>
                                         </p:tgtEl>
                                       </p:cBhvr>
                                     </p:animEffect>
+                                  </p:childTnLst>
+                                </p:cTn>
+                              </p:par>
+                              <p:par>
+                                <p:cTn id="42" presetID="1" presetClass="entr" presetSubtype="0" fill="hold" grpId="0" nodeType="withEffect">
+                                  <p:stCondLst>
+                                    <p:cond delay="0"/>
+                                  </p:stCondLst>
+                                  <p:childTnLst>
+                                    <p:set>
+                                      <p:cBhvr>
+                                        <p:cTn id="43" dur="1" fill="hold">
+                                          <p:stCondLst>
+                                            <p:cond delay="0"/>
+                                          </p:stCondLst>
+                                        </p:cTn>
+                                        <p:tgtEl>
+                                          <p:spTgt spid="3"/>
+                                        </p:tgtEl>
+                                        <p:attrNameLst>
+                                          <p:attrName>style.visibility</p:attrName>
+                                        </p:attrNameLst>
+                                      </p:cBhvr>
+                                      <p:to>
+                                        <p:strVal val="visible"/>
+                                      </p:to>
+                                    </p:set>
+                                  </p:childTnLst>
+                                </p:cTn>
+                              </p:par>
+                              <p:par>
+                                <p:cTn id="44" presetID="1" presetClass="entr" presetSubtype="0" fill="hold" grpId="0" nodeType="withEffect">
+                                  <p:stCondLst>
+                                    <p:cond delay="0"/>
+                                  </p:stCondLst>
+                                  <p:childTnLst>
+                                    <p:set>
+                                      <p:cBhvr>
+                                        <p:cTn id="45" dur="1" fill="hold">
+                                          <p:stCondLst>
+                                            <p:cond delay="0"/>
+                                          </p:stCondLst>
+                                        </p:cTn>
+                                        <p:tgtEl>
+                                          <p:spTgt spid="10"/>
+                                        </p:tgtEl>
+                                        <p:attrNameLst>
+                                          <p:attrName>style.visibility</p:attrName>
+                                        </p:attrNameLst>
+                                      </p:cBhvr>
+                                      <p:to>
+                                        <p:strVal val="visible"/>
+                                      </p:to>
+                                    </p:set>
                                   </p:childTnLst>
                                 </p:cTn>
                               </p:par>
@@ -10107,6 +10315,10 @@
         </p:cTn>
       </p:par>
     </p:tnLst>
+    <p:bldLst>
+      <p:bldP spid="3" grpId="0"/>
+      <p:bldP spid="10" grpId="0"/>
+    </p:bldLst>
   </p:timing>
 </p:sld>
 </file>

--- a/slides.pptx
+++ b/slides.pptx
@@ -5,16 +5,17 @@
     <p:sldMasterId id="2147483684" r:id="rId1"/>
   </p:sldMasterIdLst>
   <p:notesMasterIdLst>
-    <p:notesMasterId r:id="rId6"/>
+    <p:notesMasterId r:id="rId7"/>
   </p:notesMasterIdLst>
   <p:handoutMasterIdLst>
-    <p:handoutMasterId r:id="rId7"/>
+    <p:handoutMasterId r:id="rId8"/>
   </p:handoutMasterIdLst>
   <p:sldIdLst>
     <p:sldId id="746" r:id="rId2"/>
     <p:sldId id="738" r:id="rId3"/>
     <p:sldId id="747" r:id="rId4"/>
     <p:sldId id="749" r:id="rId5"/>
+    <p:sldId id="750" r:id="rId6"/>
   </p:sldIdLst>
   <p:sldSz cx="24382413" cy="13716000"/>
   <p:notesSz cx="6858000" cy="9144000"/>
@@ -122,6 +123,7 @@
             <p14:sldId id="738"/>
             <p14:sldId id="747"/>
             <p14:sldId id="749"/>
+            <p14:sldId id="750"/>
           </p14:sldIdLst>
         </p14:section>
       </p14:sectionLst>
@@ -10319,6 +10321,144 @@
       <p:bldP spid="3" grpId="0"/>
       <p:bldP spid="10" grpId="0"/>
     </p:bldLst>
+  </p:timing>
+</p:sld>
+</file>
+
+<file path=ppt/slides/slide5.xml><?xml version="1.0" encoding="utf-8"?>
+<p:sld xmlns:a="http://schemas.openxmlformats.org/drawingml/2006/main" xmlns:r="http://schemas.openxmlformats.org/officeDocument/2006/relationships" xmlns:p="http://schemas.openxmlformats.org/presentationml/2006/main">
+  <p:cSld>
+    <p:spTree>
+      <p:nvGrpSpPr>
+        <p:cNvPr id="1" name=""/>
+        <p:cNvGrpSpPr/>
+        <p:nvPr/>
+      </p:nvGrpSpPr>
+      <p:grpSpPr>
+        <a:xfrm>
+          <a:off x="0" y="0"/>
+          <a:ext cx="0" cy="0"/>
+          <a:chOff x="0" y="0"/>
+          <a:chExt cx="0" cy="0"/>
+        </a:xfrm>
+      </p:grpSpPr>
+      <p:sp>
+        <p:nvSpPr>
+          <p:cNvPr id="2" name="Заголовок 1"/>
+          <p:cNvSpPr>
+            <a:spLocks noGrp="1"/>
+          </p:cNvSpPr>
+          <p:nvPr>
+            <p:ph type="title"/>
+          </p:nvPr>
+        </p:nvSpPr>
+        <p:spPr/>
+        <p:txBody>
+          <a:bodyPr/>
+          <a:lstStyle/>
+          <a:p>
+            <a:r>
+              <a:rPr lang="ru-RU" dirty="0" smtClean="0"/>
+              <a:t>Целевая аудитория специализации</a:t>
+            </a:r>
+            <a:endParaRPr lang="ru-RU" dirty="0"/>
+          </a:p>
+        </p:txBody>
+      </p:sp>
+      <p:sp>
+        <p:nvSpPr>
+          <p:cNvPr id="3" name="Объект 2"/>
+          <p:cNvSpPr>
+            <a:spLocks noGrp="1"/>
+          </p:cNvSpPr>
+          <p:nvPr>
+            <p:ph idx="1"/>
+          </p:nvPr>
+        </p:nvSpPr>
+        <p:spPr>
+          <a:xfrm>
+            <a:off x="1143000" y="3048000"/>
+            <a:ext cx="22113875" cy="9158288"/>
+          </a:xfrm>
+        </p:spPr>
+        <p:txBody>
+          <a:bodyPr/>
+          <a:lstStyle/>
+          <a:p>
+            <a:pPr lvl="1"/>
+            <a:r>
+              <a:rPr lang="ru-RU" dirty="0" smtClean="0"/>
+              <a:t>Люди, владеющие любым языком программирования</a:t>
+            </a:r>
+            <a:endParaRPr lang="ru-RU" dirty="0"/>
+          </a:p>
+          <a:p>
+            <a:pPr lvl="2"/>
+            <a:r>
+              <a:rPr lang="ru-RU" dirty="0" smtClean="0"/>
+              <a:t>надо знать, что такое переменные, условный оператор и циклы</a:t>
+            </a:r>
+          </a:p>
+          <a:p>
+            <a:pPr lvl="2"/>
+            <a:r>
+              <a:rPr lang="ru-RU" dirty="0" smtClean="0"/>
+              <a:t>иметь представление о классах, инкапсуляции, наследовании и полиморфизме</a:t>
+            </a:r>
+          </a:p>
+          <a:p>
+            <a:pPr lvl="2"/>
+            <a:r>
+              <a:rPr lang="ru-RU" dirty="0" smtClean="0"/>
+              <a:t>знать базовые алгоритмы и </a:t>
+            </a:r>
+            <a:r>
+              <a:rPr lang="ru-RU" smtClean="0"/>
+              <a:t>структуры данных: </a:t>
+            </a:r>
+            <a:r>
+              <a:rPr lang="ru-RU"/>
+              <a:t>сортировка, поиск, массив, словарь</a:t>
+            </a:r>
+            <a:endParaRPr lang="ru-RU" dirty="0"/>
+          </a:p>
+        </p:txBody>
+      </p:sp>
+      <p:sp>
+        <p:nvSpPr>
+          <p:cNvPr id="4" name="Нижний колонтитул 3"/>
+          <p:cNvSpPr>
+            <a:spLocks noGrp="1"/>
+          </p:cNvSpPr>
+          <p:nvPr>
+            <p:ph type="ftr" sz="quarter" idx="11"/>
+          </p:nvPr>
+        </p:nvSpPr>
+        <p:spPr/>
+        <p:txBody>
+          <a:bodyPr/>
+          <a:lstStyle/>
+          <a:p>
+            <a:endParaRPr lang="ru-RU"/>
+          </a:p>
+        </p:txBody>
+      </p:sp>
+    </p:spTree>
+    <p:extLst>
+      <p:ext uri="{BB962C8B-B14F-4D97-AF65-F5344CB8AC3E}">
+        <p14:creationId xmlns:p14="http://schemas.microsoft.com/office/powerpoint/2010/main" val="1554901223"/>
+      </p:ext>
+    </p:extLst>
+  </p:cSld>
+  <p:clrMapOvr>
+    <a:masterClrMapping/>
+  </p:clrMapOvr>
+  <p:timing>
+    <p:tnLst>
+      <p:par>
+        <p:cTn id="1" dur="indefinite" restart="never" nodeType="tmRoot"/>
+      </p:par>
+    </p:tnLst>
   </p:timing>
 </p:sld>
 </file>

--- a/slides.pptx
+++ b/slides.pptx
@@ -5,10 +5,10 @@
     <p:sldMasterId id="2147483684" r:id="rId1"/>
   </p:sldMasterIdLst>
   <p:notesMasterIdLst>
-    <p:notesMasterId r:id="rId7"/>
+    <p:notesMasterId r:id="rId9"/>
   </p:notesMasterIdLst>
   <p:handoutMasterIdLst>
-    <p:handoutMasterId r:id="rId8"/>
+    <p:handoutMasterId r:id="rId10"/>
   </p:handoutMasterIdLst>
   <p:sldIdLst>
     <p:sldId id="746" r:id="rId2"/>
@@ -16,6 +16,8 @@
     <p:sldId id="747" r:id="rId4"/>
     <p:sldId id="749" r:id="rId5"/>
     <p:sldId id="750" r:id="rId6"/>
+    <p:sldId id="751" r:id="rId7"/>
+    <p:sldId id="752" r:id="rId8"/>
   </p:sldIdLst>
   <p:sldSz cx="24382413" cy="13716000"/>
   <p:notesSz cx="6858000" cy="9144000"/>
@@ -124,6 +126,8 @@
             <p14:sldId id="747"/>
             <p14:sldId id="749"/>
             <p14:sldId id="750"/>
+            <p14:sldId id="751"/>
+            <p14:sldId id="752"/>
           </p14:sldIdLst>
         </p14:section>
       </p14:sectionLst>
@@ -745,6 +749,90 @@
     <p:extLst>
       <p:ext uri="{BB962C8B-B14F-4D97-AF65-F5344CB8AC3E}">
         <p14:creationId xmlns:p14="http://schemas.microsoft.com/office/powerpoint/2010/main" val="1137510240"/>
+      </p:ext>
+    </p:extLst>
+  </p:cSld>
+  <p:clrMapOvr>
+    <a:masterClrMapping/>
+  </p:clrMapOvr>
+</p:notes>
+</file>
+
+<file path=ppt/notesSlides/notesSlide2.xml><?xml version="1.0" encoding="utf-8"?>
+<p:notes xmlns:a="http://schemas.openxmlformats.org/drawingml/2006/main" xmlns:r="http://schemas.openxmlformats.org/officeDocument/2006/relationships" xmlns:p="http://schemas.openxmlformats.org/presentationml/2006/main">
+  <p:cSld>
+    <p:spTree>
+      <p:nvGrpSpPr>
+        <p:cNvPr id="1" name=""/>
+        <p:cNvGrpSpPr/>
+        <p:nvPr/>
+      </p:nvGrpSpPr>
+      <p:grpSpPr>
+        <a:xfrm>
+          <a:off x="0" y="0"/>
+          <a:ext cx="0" cy="0"/>
+          <a:chOff x="0" y="0"/>
+          <a:chExt cx="0" cy="0"/>
+        </a:xfrm>
+      </p:grpSpPr>
+      <p:sp>
+        <p:nvSpPr>
+          <p:cNvPr id="2" name="Образ слайда 1"/>
+          <p:cNvSpPr>
+            <a:spLocks noGrp="1" noRot="1" noChangeAspect="1"/>
+          </p:cNvSpPr>
+          <p:nvPr>
+            <p:ph type="sldImg"/>
+          </p:nvPr>
+        </p:nvSpPr>
+        <p:spPr/>
+      </p:sp>
+      <p:sp>
+        <p:nvSpPr>
+          <p:cNvPr id="3" name="Заметки 2"/>
+          <p:cNvSpPr>
+            <a:spLocks noGrp="1"/>
+          </p:cNvSpPr>
+          <p:nvPr>
+            <p:ph type="body" idx="1"/>
+          </p:nvPr>
+        </p:nvSpPr>
+        <p:spPr/>
+        <p:txBody>
+          <a:bodyPr/>
+          <a:lstStyle/>
+          <a:p>
+            <a:endParaRPr lang="ru-RU"/>
+          </a:p>
+        </p:txBody>
+      </p:sp>
+      <p:sp>
+        <p:nvSpPr>
+          <p:cNvPr id="4" name="Номер слайда 3"/>
+          <p:cNvSpPr>
+            <a:spLocks noGrp="1"/>
+          </p:cNvSpPr>
+          <p:nvPr>
+            <p:ph type="sldNum" sz="quarter" idx="10"/>
+          </p:nvPr>
+        </p:nvSpPr>
+        <p:spPr/>
+        <p:txBody>
+          <a:bodyPr/>
+          <a:lstStyle/>
+          <a:p>
+            <a:fld id="{281397F6-5F69-4798-869B-9B0266F8F8FE}" type="slidenum">
+              <a:rPr lang="ru-RU" smtClean="0"/>
+              <a:t>7</a:t>
+            </a:fld>
+            <a:endParaRPr lang="ru-RU"/>
+          </a:p>
+        </p:txBody>
+      </p:sp>
+    </p:spTree>
+    <p:extLst>
+      <p:ext uri="{BB962C8B-B14F-4D97-AF65-F5344CB8AC3E}">
+        <p14:creationId xmlns:p14="http://schemas.microsoft.com/office/powerpoint/2010/main" val="3507396146"/>
       </p:ext>
     </p:extLst>
   </p:cSld>
@@ -8322,7 +8410,7 @@
     <p:sldLayoutId id="2147483691" r:id="rId25"/>
     <p:sldLayoutId id="2147483739" r:id="rId26"/>
   </p:sldLayoutIdLst>
-  <p:hf sldNum="0" hdr="0" dt="0"/>
+  <p:hf hdr="0" dt="0"/>
   <p:txStyles>
     <p:titleStyle>
       <a:lvl1pPr algn="l" defTabSz="1828619" rtl="0" eaLnBrk="1" latinLnBrk="0" hangingPunct="1">
@@ -9348,6 +9436,29 @@
         </p:blipFill>
         <p:spPr/>
       </p:pic>
+      <p:sp>
+        <p:nvSpPr>
+          <p:cNvPr id="3" name="Номер слайда 2"/>
+          <p:cNvSpPr>
+            <a:spLocks noGrp="1"/>
+          </p:cNvSpPr>
+          <p:nvPr>
+            <p:ph type="sldNum" sz="quarter" idx="12"/>
+          </p:nvPr>
+        </p:nvSpPr>
+        <p:spPr/>
+        <p:txBody>
+          <a:bodyPr/>
+          <a:lstStyle/>
+          <a:p>
+            <a:fld id="{741C03D3-FA44-40EC-9A21-1FC4FEA3E22E}" type="slidenum">
+              <a:rPr lang="ru-RU" smtClean="0"/>
+              <a:t>3</a:t>
+            </a:fld>
+            <a:endParaRPr lang="ru-RU"/>
+          </a:p>
+        </p:txBody>
+      </p:sp>
     </p:spTree>
     <p:extLst>
       <p:ext uri="{BB962C8B-B14F-4D97-AF65-F5344CB8AC3E}">
@@ -9673,6 +9784,29 @@
                 <a:sysClr val="windowText" lastClr="000000"/>
               </a:solidFill>
             </a:endParaRPr>
+          </a:p>
+        </p:txBody>
+      </p:sp>
+      <p:sp>
+        <p:nvSpPr>
+          <p:cNvPr id="5" name="Номер слайда 4"/>
+          <p:cNvSpPr>
+            <a:spLocks noGrp="1"/>
+          </p:cNvSpPr>
+          <p:nvPr>
+            <p:ph type="sldNum" sz="quarter" idx="12"/>
+          </p:nvPr>
+        </p:nvSpPr>
+        <p:spPr/>
+        <p:txBody>
+          <a:bodyPr/>
+          <a:lstStyle/>
+          <a:p>
+            <a:fld id="{741C03D3-FA44-40EC-9A21-1FC4FEA3E22E}" type="slidenum">
+              <a:rPr lang="ru-RU" smtClean="0"/>
+              <a:t>4</a:t>
+            </a:fld>
+            <a:endParaRPr lang="ru-RU"/>
           </a:p>
         </p:txBody>
       </p:sp>
@@ -10410,14 +10544,10 @@
             <a:pPr lvl="2"/>
             <a:r>
               <a:rPr lang="ru-RU" dirty="0" smtClean="0"/>
-              <a:t>знать базовые алгоритмы и </a:t>
-            </a:r>
-            <a:r>
-              <a:rPr lang="ru-RU" smtClean="0"/>
-              <a:t>структуры данных: </a:t>
-            </a:r>
-            <a:r>
-              <a:rPr lang="ru-RU"/>
+              <a:t>знать базовые алгоритмы и структуры данных: </a:t>
+            </a:r>
+            <a:r>
+              <a:rPr lang="ru-RU" dirty="0"/>
               <a:t>сортировка, поиск, массив, словарь</a:t>
             </a:r>
             <a:endParaRPr lang="ru-RU" dirty="0"/>
@@ -10439,6 +10569,29 @@
           <a:bodyPr/>
           <a:lstStyle/>
           <a:p>
+            <a:endParaRPr lang="ru-RU"/>
+          </a:p>
+        </p:txBody>
+      </p:sp>
+      <p:sp>
+        <p:nvSpPr>
+          <p:cNvPr id="5" name="Номер слайда 4"/>
+          <p:cNvSpPr>
+            <a:spLocks noGrp="1"/>
+          </p:cNvSpPr>
+          <p:nvPr>
+            <p:ph type="sldNum" sz="quarter" idx="12"/>
+          </p:nvPr>
+        </p:nvSpPr>
+        <p:spPr/>
+        <p:txBody>
+          <a:bodyPr/>
+          <a:lstStyle/>
+          <a:p>
+            <a:fld id="{741C03D3-FA44-40EC-9A21-1FC4FEA3E22E}" type="slidenum">
+              <a:rPr lang="ru-RU" smtClean="0"/>
+              <a:t>5</a:t>
+            </a:fld>
             <a:endParaRPr lang="ru-RU"/>
           </a:p>
         </p:txBody>
@@ -10447,6 +10600,1177 @@
     <p:extLst>
       <p:ext uri="{BB962C8B-B14F-4D97-AF65-F5344CB8AC3E}">
         <p14:creationId xmlns:p14="http://schemas.microsoft.com/office/powerpoint/2010/main" val="1554901223"/>
+      </p:ext>
+    </p:extLst>
+  </p:cSld>
+  <p:clrMapOvr>
+    <a:masterClrMapping/>
+  </p:clrMapOvr>
+  <p:timing>
+    <p:tnLst>
+      <p:par>
+        <p:cTn id="1" dur="indefinite" restart="never" nodeType="tmRoot"/>
+      </p:par>
+    </p:tnLst>
+  </p:timing>
+</p:sld>
+</file>
+
+<file path=ppt/slides/slide6.xml><?xml version="1.0" encoding="utf-8"?>
+<p:sld xmlns:a="http://schemas.openxmlformats.org/drawingml/2006/main" xmlns:r="http://schemas.openxmlformats.org/officeDocument/2006/relationships" xmlns:p="http://schemas.openxmlformats.org/presentationml/2006/main">
+  <p:cSld>
+    <p:spTree>
+      <p:nvGrpSpPr>
+        <p:cNvPr id="1" name=""/>
+        <p:cNvGrpSpPr/>
+        <p:nvPr/>
+      </p:nvGrpSpPr>
+      <p:grpSpPr>
+        <a:xfrm>
+          <a:off x="0" y="0"/>
+          <a:ext cx="0" cy="0"/>
+          <a:chOff x="0" y="0"/>
+          <a:chExt cx="0" cy="0"/>
+        </a:xfrm>
+      </p:grpSpPr>
+      <p:sp>
+        <p:nvSpPr>
+          <p:cNvPr id="2" name="Заголовок 1"/>
+          <p:cNvSpPr>
+            <a:spLocks noGrp="1"/>
+          </p:cNvSpPr>
+          <p:nvPr>
+            <p:ph type="title"/>
+          </p:nvPr>
+        </p:nvSpPr>
+        <p:spPr/>
+        <p:txBody>
+          <a:bodyPr/>
+          <a:lstStyle/>
+          <a:p>
+            <a:r>
+              <a:rPr lang="ru-RU" dirty="0" smtClean="0"/>
+              <a:t>Чему хотим научить</a:t>
+            </a:r>
+            <a:endParaRPr lang="ru-RU" dirty="0"/>
+          </a:p>
+        </p:txBody>
+      </p:sp>
+      <p:sp>
+        <p:nvSpPr>
+          <p:cNvPr id="3" name="Объект 2"/>
+          <p:cNvSpPr>
+            <a:spLocks noGrp="1"/>
+          </p:cNvSpPr>
+          <p:nvPr>
+            <p:ph idx="1"/>
+          </p:nvPr>
+        </p:nvSpPr>
+        <p:spPr>
+          <a:xfrm>
+            <a:off x="1143000" y="3048000"/>
+            <a:ext cx="22113875" cy="9158288"/>
+          </a:xfrm>
+        </p:spPr>
+        <p:txBody>
+          <a:bodyPr/>
+          <a:lstStyle/>
+          <a:p>
+            <a:pPr lvl="1"/>
+            <a:r>
+              <a:rPr lang="ru-RU" dirty="0"/>
+              <a:t>После прохождения нашей специализации слушатели </a:t>
+            </a:r>
+            <a:r>
+              <a:rPr lang="ru-RU" dirty="0" smtClean="0"/>
+              <a:t>должны уметь:</a:t>
+            </a:r>
+            <a:endParaRPr lang="ru-RU" dirty="0"/>
+          </a:p>
+          <a:p>
+            <a:pPr lvl="2"/>
+            <a:r>
+              <a:rPr lang="ru-RU" dirty="0" smtClean="0"/>
+              <a:t>самостоятельно </a:t>
+            </a:r>
+            <a:r>
+              <a:rPr lang="ru-RU" dirty="0"/>
+              <a:t>решать практические задачи на языке С</a:t>
+            </a:r>
+            <a:r>
+              <a:rPr lang="ru-RU" dirty="0" smtClean="0"/>
+              <a:t>++</a:t>
+            </a:r>
+            <a:endParaRPr lang="ru-RU" dirty="0"/>
+          </a:p>
+          <a:p>
+            <a:pPr lvl="2"/>
+            <a:r>
+              <a:rPr lang="ru-RU" dirty="0" smtClean="0"/>
+              <a:t>применять </a:t>
+            </a:r>
+            <a:r>
+              <a:rPr lang="ru-RU" dirty="0"/>
+              <a:t>естественные для С++ идиомы и </a:t>
+            </a:r>
+            <a:r>
+              <a:rPr lang="ru-RU" dirty="0" smtClean="0"/>
+              <a:t>конструкции</a:t>
+            </a:r>
+            <a:endParaRPr lang="ru-RU" dirty="0"/>
+          </a:p>
+          <a:p>
+            <a:pPr lvl="2"/>
+            <a:r>
+              <a:rPr lang="ru-RU" dirty="0" smtClean="0"/>
+              <a:t>самостоятельно </a:t>
+            </a:r>
+            <a:r>
+              <a:rPr lang="ru-RU" dirty="0"/>
+              <a:t>находить ответы на свои вопросы и изучать язык </a:t>
+            </a:r>
+            <a:r>
+              <a:rPr lang="ru-RU" dirty="0" smtClean="0"/>
+              <a:t>глубже</a:t>
+            </a:r>
+            <a:endParaRPr lang="ru-RU" dirty="0"/>
+          </a:p>
+          <a:p>
+            <a:pPr lvl="2"/>
+            <a:r>
+              <a:rPr lang="ru-RU" dirty="0" smtClean="0"/>
+              <a:t>писать </a:t>
+            </a:r>
+            <a:r>
+              <a:rPr lang="ru-RU" dirty="0"/>
+              <a:t>на С++ </a:t>
+            </a:r>
+            <a:r>
+              <a:rPr lang="ru-RU" dirty="0" err="1"/>
+              <a:t>ресурсо</a:t>
+            </a:r>
+            <a:r>
+              <a:rPr lang="ru-RU" dirty="0"/>
+              <a:t>-безопасный </a:t>
+            </a:r>
+            <a:r>
+              <a:rPr lang="ru-RU" dirty="0" smtClean="0"/>
+              <a:t>код</a:t>
+            </a:r>
+            <a:endParaRPr lang="ru-RU" dirty="0"/>
+          </a:p>
+          <a:p>
+            <a:pPr lvl="2"/>
+            <a:r>
+              <a:rPr lang="ru-RU" dirty="0" smtClean="0"/>
+              <a:t>писать </a:t>
+            </a:r>
+            <a:r>
+              <a:rPr lang="ru-RU" dirty="0"/>
+              <a:t>на С++ эффективный код без ущерба для </a:t>
+            </a:r>
+            <a:r>
+              <a:rPr lang="ru-RU" dirty="0" smtClean="0"/>
+              <a:t>его качества</a:t>
+            </a:r>
+          </a:p>
+          <a:p>
+            <a:pPr lvl="1"/>
+            <a:endParaRPr lang="en-US" dirty="0" smtClean="0"/>
+          </a:p>
+          <a:p>
+            <a:pPr lvl="1"/>
+            <a:r>
+              <a:rPr lang="ru-RU" dirty="0" smtClean="0"/>
+              <a:t>В процессе обучения используем </a:t>
+            </a:r>
+            <a:r>
+              <a:rPr lang="en-US" dirty="0" smtClean="0"/>
+              <a:t>C++ 14/17</a:t>
+            </a:r>
+            <a:endParaRPr lang="ru-RU" dirty="0"/>
+          </a:p>
+        </p:txBody>
+      </p:sp>
+      <p:sp>
+        <p:nvSpPr>
+          <p:cNvPr id="4" name="Нижний колонтитул 3"/>
+          <p:cNvSpPr>
+            <a:spLocks noGrp="1"/>
+          </p:cNvSpPr>
+          <p:nvPr>
+            <p:ph type="ftr" sz="quarter" idx="11"/>
+          </p:nvPr>
+        </p:nvSpPr>
+        <p:spPr/>
+        <p:txBody>
+          <a:bodyPr/>
+          <a:lstStyle/>
+          <a:p>
+            <a:endParaRPr lang="ru-RU"/>
+          </a:p>
+        </p:txBody>
+      </p:sp>
+      <p:sp>
+        <p:nvSpPr>
+          <p:cNvPr id="5" name="Номер слайда 4"/>
+          <p:cNvSpPr>
+            <a:spLocks noGrp="1"/>
+          </p:cNvSpPr>
+          <p:nvPr>
+            <p:ph type="sldNum" sz="quarter" idx="12"/>
+          </p:nvPr>
+        </p:nvSpPr>
+        <p:spPr/>
+        <p:txBody>
+          <a:bodyPr/>
+          <a:lstStyle/>
+          <a:p>
+            <a:fld id="{741C03D3-FA44-40EC-9A21-1FC4FEA3E22E}" type="slidenum">
+              <a:rPr lang="ru-RU" smtClean="0"/>
+              <a:t>6</a:t>
+            </a:fld>
+            <a:endParaRPr lang="ru-RU"/>
+          </a:p>
+        </p:txBody>
+      </p:sp>
+    </p:spTree>
+    <p:extLst>
+      <p:ext uri="{BB962C8B-B14F-4D97-AF65-F5344CB8AC3E}">
+        <p14:creationId xmlns:p14="http://schemas.microsoft.com/office/powerpoint/2010/main" val="2705216492"/>
+      </p:ext>
+    </p:extLst>
+  </p:cSld>
+  <p:clrMapOvr>
+    <a:masterClrMapping/>
+  </p:clrMapOvr>
+  <p:timing>
+    <p:tnLst>
+      <p:par>
+        <p:cTn id="1" dur="indefinite" restart="never" nodeType="tmRoot">
+          <p:childTnLst>
+            <p:seq concurrent="1" nextAc="seek">
+              <p:cTn id="2" dur="indefinite" nodeType="mainSeq">
+                <p:childTnLst>
+                  <p:par>
+                    <p:cTn id="3" fill="hold">
+                      <p:stCondLst>
+                        <p:cond delay="indefinite"/>
+                      </p:stCondLst>
+                      <p:childTnLst>
+                        <p:par>
+                          <p:cTn id="4" fill="hold">
+                            <p:stCondLst>
+                              <p:cond delay="0"/>
+                            </p:stCondLst>
+                            <p:childTnLst>
+                              <p:par>
+                                <p:cTn id="5" presetID="1" presetClass="entr" presetSubtype="0" fill="hold" nodeType="clickEffect">
+                                  <p:stCondLst>
+                                    <p:cond delay="0"/>
+                                  </p:stCondLst>
+                                  <p:childTnLst>
+                                    <p:set>
+                                      <p:cBhvr>
+                                        <p:cTn id="6" dur="1" fill="hold">
+                                          <p:stCondLst>
+                                            <p:cond delay="0"/>
+                                          </p:stCondLst>
+                                        </p:cTn>
+                                        <p:tgtEl>
+                                          <p:spTgt spid="3">
+                                            <p:txEl>
+                                              <p:pRg st="1" end="1"/>
+                                            </p:txEl>
+                                          </p:spTgt>
+                                        </p:tgtEl>
+                                        <p:attrNameLst>
+                                          <p:attrName>style.visibility</p:attrName>
+                                        </p:attrNameLst>
+                                      </p:cBhvr>
+                                      <p:to>
+                                        <p:strVal val="visible"/>
+                                      </p:to>
+                                    </p:set>
+                                  </p:childTnLst>
+                                </p:cTn>
+                              </p:par>
+                            </p:childTnLst>
+                          </p:cTn>
+                        </p:par>
+                      </p:childTnLst>
+                    </p:cTn>
+                  </p:par>
+                  <p:par>
+                    <p:cTn id="7" fill="hold">
+                      <p:stCondLst>
+                        <p:cond delay="indefinite"/>
+                      </p:stCondLst>
+                      <p:childTnLst>
+                        <p:par>
+                          <p:cTn id="8" fill="hold">
+                            <p:stCondLst>
+                              <p:cond delay="0"/>
+                            </p:stCondLst>
+                            <p:childTnLst>
+                              <p:par>
+                                <p:cTn id="9" presetID="1" presetClass="entr" presetSubtype="0" fill="hold" nodeType="clickEffect">
+                                  <p:stCondLst>
+                                    <p:cond delay="0"/>
+                                  </p:stCondLst>
+                                  <p:childTnLst>
+                                    <p:set>
+                                      <p:cBhvr>
+                                        <p:cTn id="10" dur="1" fill="hold">
+                                          <p:stCondLst>
+                                            <p:cond delay="0"/>
+                                          </p:stCondLst>
+                                        </p:cTn>
+                                        <p:tgtEl>
+                                          <p:spTgt spid="3">
+                                            <p:txEl>
+                                              <p:pRg st="2" end="2"/>
+                                            </p:txEl>
+                                          </p:spTgt>
+                                        </p:tgtEl>
+                                        <p:attrNameLst>
+                                          <p:attrName>style.visibility</p:attrName>
+                                        </p:attrNameLst>
+                                      </p:cBhvr>
+                                      <p:to>
+                                        <p:strVal val="visible"/>
+                                      </p:to>
+                                    </p:set>
+                                  </p:childTnLst>
+                                </p:cTn>
+                              </p:par>
+                            </p:childTnLst>
+                          </p:cTn>
+                        </p:par>
+                      </p:childTnLst>
+                    </p:cTn>
+                  </p:par>
+                  <p:par>
+                    <p:cTn id="11" fill="hold">
+                      <p:stCondLst>
+                        <p:cond delay="indefinite"/>
+                      </p:stCondLst>
+                      <p:childTnLst>
+                        <p:par>
+                          <p:cTn id="12" fill="hold">
+                            <p:stCondLst>
+                              <p:cond delay="0"/>
+                            </p:stCondLst>
+                            <p:childTnLst>
+                              <p:par>
+                                <p:cTn id="13" presetID="1" presetClass="entr" presetSubtype="0" fill="hold" nodeType="clickEffect">
+                                  <p:stCondLst>
+                                    <p:cond delay="0"/>
+                                  </p:stCondLst>
+                                  <p:childTnLst>
+                                    <p:set>
+                                      <p:cBhvr>
+                                        <p:cTn id="14" dur="1" fill="hold">
+                                          <p:stCondLst>
+                                            <p:cond delay="0"/>
+                                          </p:stCondLst>
+                                        </p:cTn>
+                                        <p:tgtEl>
+                                          <p:spTgt spid="3">
+                                            <p:txEl>
+                                              <p:pRg st="3" end="3"/>
+                                            </p:txEl>
+                                          </p:spTgt>
+                                        </p:tgtEl>
+                                        <p:attrNameLst>
+                                          <p:attrName>style.visibility</p:attrName>
+                                        </p:attrNameLst>
+                                      </p:cBhvr>
+                                      <p:to>
+                                        <p:strVal val="visible"/>
+                                      </p:to>
+                                    </p:set>
+                                  </p:childTnLst>
+                                </p:cTn>
+                              </p:par>
+                            </p:childTnLst>
+                          </p:cTn>
+                        </p:par>
+                      </p:childTnLst>
+                    </p:cTn>
+                  </p:par>
+                  <p:par>
+                    <p:cTn id="15" fill="hold">
+                      <p:stCondLst>
+                        <p:cond delay="indefinite"/>
+                      </p:stCondLst>
+                      <p:childTnLst>
+                        <p:par>
+                          <p:cTn id="16" fill="hold">
+                            <p:stCondLst>
+                              <p:cond delay="0"/>
+                            </p:stCondLst>
+                            <p:childTnLst>
+                              <p:par>
+                                <p:cTn id="17" presetID="1" presetClass="entr" presetSubtype="0" fill="hold" nodeType="clickEffect">
+                                  <p:stCondLst>
+                                    <p:cond delay="0"/>
+                                  </p:stCondLst>
+                                  <p:childTnLst>
+                                    <p:set>
+                                      <p:cBhvr>
+                                        <p:cTn id="18" dur="1" fill="hold">
+                                          <p:stCondLst>
+                                            <p:cond delay="0"/>
+                                          </p:stCondLst>
+                                        </p:cTn>
+                                        <p:tgtEl>
+                                          <p:spTgt spid="3">
+                                            <p:txEl>
+                                              <p:pRg st="4" end="4"/>
+                                            </p:txEl>
+                                          </p:spTgt>
+                                        </p:tgtEl>
+                                        <p:attrNameLst>
+                                          <p:attrName>style.visibility</p:attrName>
+                                        </p:attrNameLst>
+                                      </p:cBhvr>
+                                      <p:to>
+                                        <p:strVal val="visible"/>
+                                      </p:to>
+                                    </p:set>
+                                  </p:childTnLst>
+                                </p:cTn>
+                              </p:par>
+                            </p:childTnLst>
+                          </p:cTn>
+                        </p:par>
+                      </p:childTnLst>
+                    </p:cTn>
+                  </p:par>
+                  <p:par>
+                    <p:cTn id="19" fill="hold">
+                      <p:stCondLst>
+                        <p:cond delay="indefinite"/>
+                      </p:stCondLst>
+                      <p:childTnLst>
+                        <p:par>
+                          <p:cTn id="20" fill="hold">
+                            <p:stCondLst>
+                              <p:cond delay="0"/>
+                            </p:stCondLst>
+                            <p:childTnLst>
+                              <p:par>
+                                <p:cTn id="21" presetID="1" presetClass="entr" presetSubtype="0" fill="hold" nodeType="clickEffect">
+                                  <p:stCondLst>
+                                    <p:cond delay="0"/>
+                                  </p:stCondLst>
+                                  <p:childTnLst>
+                                    <p:set>
+                                      <p:cBhvr>
+                                        <p:cTn id="22" dur="1" fill="hold">
+                                          <p:stCondLst>
+                                            <p:cond delay="0"/>
+                                          </p:stCondLst>
+                                        </p:cTn>
+                                        <p:tgtEl>
+                                          <p:spTgt spid="3">
+                                            <p:txEl>
+                                              <p:pRg st="5" end="5"/>
+                                            </p:txEl>
+                                          </p:spTgt>
+                                        </p:tgtEl>
+                                        <p:attrNameLst>
+                                          <p:attrName>style.visibility</p:attrName>
+                                        </p:attrNameLst>
+                                      </p:cBhvr>
+                                      <p:to>
+                                        <p:strVal val="visible"/>
+                                      </p:to>
+                                    </p:set>
+                                  </p:childTnLst>
+                                </p:cTn>
+                              </p:par>
+                            </p:childTnLst>
+                          </p:cTn>
+                        </p:par>
+                      </p:childTnLst>
+                    </p:cTn>
+                  </p:par>
+                  <p:par>
+                    <p:cTn id="23" fill="hold">
+                      <p:stCondLst>
+                        <p:cond delay="indefinite"/>
+                      </p:stCondLst>
+                      <p:childTnLst>
+                        <p:par>
+                          <p:cTn id="24" fill="hold">
+                            <p:stCondLst>
+                              <p:cond delay="0"/>
+                            </p:stCondLst>
+                            <p:childTnLst>
+                              <p:par>
+                                <p:cTn id="25" presetID="1" presetClass="entr" presetSubtype="0" fill="hold" nodeType="clickEffect">
+                                  <p:stCondLst>
+                                    <p:cond delay="0"/>
+                                  </p:stCondLst>
+                                  <p:childTnLst>
+                                    <p:set>
+                                      <p:cBhvr>
+                                        <p:cTn id="26" dur="1" fill="hold">
+                                          <p:stCondLst>
+                                            <p:cond delay="0"/>
+                                          </p:stCondLst>
+                                        </p:cTn>
+                                        <p:tgtEl>
+                                          <p:spTgt spid="3">
+                                            <p:txEl>
+                                              <p:pRg st="7" end="7"/>
+                                            </p:txEl>
+                                          </p:spTgt>
+                                        </p:tgtEl>
+                                        <p:attrNameLst>
+                                          <p:attrName>style.visibility</p:attrName>
+                                        </p:attrNameLst>
+                                      </p:cBhvr>
+                                      <p:to>
+                                        <p:strVal val="visible"/>
+                                      </p:to>
+                                    </p:set>
+                                  </p:childTnLst>
+                                </p:cTn>
+                              </p:par>
+                            </p:childTnLst>
+                          </p:cTn>
+                        </p:par>
+                      </p:childTnLst>
+                    </p:cTn>
+                  </p:par>
+                </p:childTnLst>
+              </p:cTn>
+              <p:prevCondLst>
+                <p:cond evt="onPrev" delay="0">
+                  <p:tgtEl>
+                    <p:sldTgt/>
+                  </p:tgtEl>
+                </p:cond>
+              </p:prevCondLst>
+              <p:nextCondLst>
+                <p:cond evt="onNext" delay="0">
+                  <p:tgtEl>
+                    <p:sldTgt/>
+                  </p:tgtEl>
+                </p:cond>
+              </p:nextCondLst>
+            </p:seq>
+          </p:childTnLst>
+        </p:cTn>
+      </p:par>
+    </p:tnLst>
+  </p:timing>
+</p:sld>
+</file>
+
+<file path=ppt/slides/slide7.xml><?xml version="1.0" encoding="utf-8"?>
+<p:sld xmlns:a="http://schemas.openxmlformats.org/drawingml/2006/main" xmlns:r="http://schemas.openxmlformats.org/officeDocument/2006/relationships" xmlns:p="http://schemas.openxmlformats.org/presentationml/2006/main">
+  <p:cSld>
+    <p:spTree>
+      <p:nvGrpSpPr>
+        <p:cNvPr id="1" name=""/>
+        <p:cNvGrpSpPr/>
+        <p:nvPr/>
+      </p:nvGrpSpPr>
+      <p:grpSpPr>
+        <a:xfrm>
+          <a:off x="0" y="0"/>
+          <a:ext cx="0" cy="0"/>
+          <a:chOff x="0" y="0"/>
+          <a:chExt cx="0" cy="0"/>
+        </a:xfrm>
+      </p:grpSpPr>
+      <p:sp>
+        <p:nvSpPr>
+          <p:cNvPr id="2" name="Заголовок 1"/>
+          <p:cNvSpPr>
+            <a:spLocks noGrp="1"/>
+          </p:cNvSpPr>
+          <p:nvPr>
+            <p:ph type="title"/>
+          </p:nvPr>
+        </p:nvSpPr>
+        <p:spPr/>
+        <p:txBody>
+          <a:bodyPr/>
+          <a:lstStyle/>
+          <a:p>
+            <a:r>
+              <a:rPr lang="ru-RU" dirty="0" smtClean="0"/>
+              <a:t>Наша команда</a:t>
+            </a:r>
+            <a:endParaRPr lang="ru-RU" dirty="0"/>
+          </a:p>
+        </p:txBody>
+      </p:sp>
+      <p:sp>
+        <p:nvSpPr>
+          <p:cNvPr id="4" name="Нижний колонтитул 3"/>
+          <p:cNvSpPr>
+            <a:spLocks noGrp="1"/>
+          </p:cNvSpPr>
+          <p:nvPr>
+            <p:ph type="ftr" sz="quarter" idx="11"/>
+          </p:nvPr>
+        </p:nvSpPr>
+        <p:spPr/>
+        <p:txBody>
+          <a:bodyPr/>
+          <a:lstStyle/>
+          <a:p>
+            <a:endParaRPr lang="ru-RU"/>
+          </a:p>
+        </p:txBody>
+      </p:sp>
+      <p:sp>
+        <p:nvSpPr>
+          <p:cNvPr id="18" name="Номер слайда 17"/>
+          <p:cNvSpPr>
+            <a:spLocks noGrp="1"/>
+          </p:cNvSpPr>
+          <p:nvPr>
+            <p:ph type="sldNum" sz="quarter" idx="12"/>
+          </p:nvPr>
+        </p:nvSpPr>
+        <p:spPr/>
+        <p:txBody>
+          <a:bodyPr/>
+          <a:lstStyle/>
+          <a:p>
+            <a:fld id="{741C03D3-FA44-40EC-9A21-1FC4FEA3E22E}" type="slidenum">
+              <a:rPr lang="ru-RU" smtClean="0"/>
+              <a:t>7</a:t>
+            </a:fld>
+            <a:endParaRPr lang="ru-RU" dirty="0"/>
+          </a:p>
+        </p:txBody>
+      </p:sp>
+      <p:grpSp>
+        <p:nvGrpSpPr>
+          <p:cNvPr id="34" name="Группа 33"/>
+          <p:cNvGrpSpPr/>
+          <p:nvPr/>
+        </p:nvGrpSpPr>
+        <p:grpSpPr>
+          <a:xfrm>
+            <a:off x="1156051" y="2738395"/>
+            <a:ext cx="4929555" cy="7755929"/>
+            <a:chOff x="-401594" y="1828800"/>
+            <a:chExt cx="4929555" cy="7755929"/>
+          </a:xfrm>
+        </p:grpSpPr>
+        <p:pic>
+          <p:nvPicPr>
+            <p:cNvPr id="24" name="Рисунок 23"/>
+            <p:cNvPicPr>
+              <a:picLocks noChangeAspect="1"/>
+            </p:cNvPicPr>
+            <p:nvPr/>
+          </p:nvPicPr>
+          <p:blipFill>
+            <a:blip r:embed="rId3">
+              <a:extLst>
+                <a:ext uri="{28A0092B-C50C-407E-A947-70E740481C1C}">
+                  <a14:useLocalDpi xmlns:a14="http://schemas.microsoft.com/office/drawing/2010/main" val="0"/>
+                </a:ext>
+              </a:extLst>
+            </a:blip>
+            <a:stretch>
+              <a:fillRect/>
+            </a:stretch>
+          </p:blipFill>
+          <p:spPr>
+            <a:xfrm>
+              <a:off x="22" y="1828800"/>
+              <a:ext cx="4190130" cy="6480000"/>
+            </a:xfrm>
+            <a:prstGeom prst="rect">
+              <a:avLst/>
+            </a:prstGeom>
+          </p:spPr>
+        </p:pic>
+        <p:sp>
+          <p:nvSpPr>
+            <p:cNvPr id="29" name="TextBox 28"/>
+            <p:cNvSpPr txBox="1"/>
+            <p:nvPr/>
+          </p:nvSpPr>
+          <p:spPr>
+            <a:xfrm>
+              <a:off x="-401594" y="8384400"/>
+              <a:ext cx="4929555" cy="1200329"/>
+            </a:xfrm>
+            <a:prstGeom prst="rect">
+              <a:avLst/>
+            </a:prstGeom>
+            <a:noFill/>
+          </p:spPr>
+          <p:txBody>
+            <a:bodyPr wrap="none" rtlCol="0">
+              <a:spAutoFit/>
+            </a:bodyPr>
+            <a:lstStyle/>
+            <a:p>
+              <a:pPr algn="ctr"/>
+              <a:r>
+                <a:rPr lang="ru-RU" dirty="0" smtClean="0">
+                  <a:solidFill>
+                    <a:sysClr val="windowText" lastClr="000000"/>
+                  </a:solidFill>
+                </a:rPr>
+                <a:t>Антон </a:t>
+              </a:r>
+              <a:r>
+                <a:rPr lang="ru-RU" dirty="0" err="1" smtClean="0">
+                  <a:solidFill>
+                    <a:sysClr val="windowText" lastClr="000000"/>
+                  </a:solidFill>
+                </a:rPr>
+                <a:t>Полднев</a:t>
+              </a:r>
+              <a:endParaRPr lang="ru-RU" dirty="0" smtClean="0">
+                <a:solidFill>
+                  <a:sysClr val="windowText" lastClr="000000"/>
+                </a:solidFill>
+              </a:endParaRPr>
+            </a:p>
+            <a:p>
+              <a:pPr algn="ctr"/>
+              <a:r>
+                <a:rPr lang="ru-RU" dirty="0" smtClean="0">
+                  <a:solidFill>
+                    <a:sysClr val="windowText" lastClr="000000"/>
+                  </a:solidFill>
+                </a:rPr>
+                <a:t>старший разработчик</a:t>
+              </a:r>
+              <a:endParaRPr lang="ru-RU" dirty="0" smtClean="0">
+                <a:solidFill>
+                  <a:sysClr val="windowText" lastClr="000000"/>
+                </a:solidFill>
+              </a:endParaRPr>
+            </a:p>
+          </p:txBody>
+        </p:sp>
+      </p:grpSp>
+      <p:grpSp>
+        <p:nvGrpSpPr>
+          <p:cNvPr id="35" name="Группа 34"/>
+          <p:cNvGrpSpPr/>
+          <p:nvPr/>
+        </p:nvGrpSpPr>
+        <p:grpSpPr>
+          <a:xfrm>
+            <a:off x="5713099" y="4511163"/>
+            <a:ext cx="4929555" cy="7755929"/>
+            <a:chOff x="4208851" y="1828800"/>
+            <a:chExt cx="4929555" cy="7755929"/>
+          </a:xfrm>
+        </p:grpSpPr>
+        <p:pic>
+          <p:nvPicPr>
+            <p:cNvPr id="25" name="Рисунок 24"/>
+            <p:cNvPicPr>
+              <a:picLocks noChangeAspect="1"/>
+            </p:cNvPicPr>
+            <p:nvPr/>
+          </p:nvPicPr>
+          <p:blipFill>
+            <a:blip r:embed="rId4">
+              <a:extLst>
+                <a:ext uri="{28A0092B-C50C-407E-A947-70E740481C1C}">
+                  <a14:useLocalDpi xmlns:a14="http://schemas.microsoft.com/office/drawing/2010/main" val="0"/>
+                </a:ext>
+              </a:extLst>
+            </a:blip>
+            <a:stretch>
+              <a:fillRect/>
+            </a:stretch>
+          </p:blipFill>
+          <p:spPr>
+            <a:xfrm>
+              <a:off x="4558244" y="1828800"/>
+              <a:ext cx="3950910" cy="6480000"/>
+            </a:xfrm>
+            <a:prstGeom prst="rect">
+              <a:avLst/>
+            </a:prstGeom>
+          </p:spPr>
+        </p:pic>
+        <p:sp>
+          <p:nvSpPr>
+            <p:cNvPr id="30" name="TextBox 29"/>
+            <p:cNvSpPr txBox="1"/>
+            <p:nvPr/>
+          </p:nvSpPr>
+          <p:spPr>
+            <a:xfrm>
+              <a:off x="4208851" y="8384400"/>
+              <a:ext cx="4929555" cy="1200329"/>
+            </a:xfrm>
+            <a:prstGeom prst="rect">
+              <a:avLst/>
+            </a:prstGeom>
+            <a:noFill/>
+          </p:spPr>
+          <p:txBody>
+            <a:bodyPr wrap="none" rtlCol="0">
+              <a:spAutoFit/>
+            </a:bodyPr>
+            <a:lstStyle/>
+            <a:p>
+              <a:pPr algn="ctr"/>
+              <a:r>
+                <a:rPr lang="ru-RU" dirty="0" smtClean="0">
+                  <a:solidFill>
+                    <a:sysClr val="windowText" lastClr="000000"/>
+                  </a:solidFill>
+                </a:rPr>
+                <a:t>Евгений Парамонов</a:t>
+              </a:r>
+            </a:p>
+            <a:p>
+              <a:pPr algn="ctr"/>
+              <a:r>
+                <a:rPr lang="ru-RU" dirty="0" smtClean="0">
+                  <a:solidFill>
+                    <a:sysClr val="windowText" lastClr="000000"/>
+                  </a:solidFill>
+                </a:rPr>
+                <a:t>старший разработчик</a:t>
+              </a:r>
+              <a:endParaRPr lang="ru-RU" dirty="0" smtClean="0">
+                <a:solidFill>
+                  <a:sysClr val="windowText" lastClr="000000"/>
+                </a:solidFill>
+              </a:endParaRPr>
+            </a:p>
+          </p:txBody>
+        </p:sp>
+      </p:grpSp>
+      <p:grpSp>
+        <p:nvGrpSpPr>
+          <p:cNvPr id="36" name="Группа 35"/>
+          <p:cNvGrpSpPr/>
+          <p:nvPr/>
+        </p:nvGrpSpPr>
+        <p:grpSpPr>
+          <a:xfrm>
+            <a:off x="9839784" y="2684238"/>
+            <a:ext cx="4929555" cy="7755929"/>
+            <a:chOff x="8756806" y="1828800"/>
+            <a:chExt cx="4929555" cy="7755929"/>
+          </a:xfrm>
+        </p:grpSpPr>
+        <p:pic>
+          <p:nvPicPr>
+            <p:cNvPr id="26" name="Рисунок 25"/>
+            <p:cNvPicPr>
+              <a:picLocks noChangeAspect="1"/>
+            </p:cNvPicPr>
+            <p:nvPr/>
+          </p:nvPicPr>
+          <p:blipFill>
+            <a:blip r:embed="rId5">
+              <a:extLst>
+                <a:ext uri="{28A0092B-C50C-407E-A947-70E740481C1C}">
+                  <a14:useLocalDpi xmlns:a14="http://schemas.microsoft.com/office/drawing/2010/main" val="0"/>
+                </a:ext>
+              </a:extLst>
+            </a:blip>
+            <a:stretch>
+              <a:fillRect/>
+            </a:stretch>
+          </p:blipFill>
+          <p:spPr>
+            <a:xfrm>
+              <a:off x="8816084" y="1828800"/>
+              <a:ext cx="4769190" cy="6480000"/>
+            </a:xfrm>
+            <a:prstGeom prst="rect">
+              <a:avLst/>
+            </a:prstGeom>
+          </p:spPr>
+        </p:pic>
+        <p:sp>
+          <p:nvSpPr>
+            <p:cNvPr id="31" name="TextBox 30"/>
+            <p:cNvSpPr txBox="1"/>
+            <p:nvPr/>
+          </p:nvSpPr>
+          <p:spPr>
+            <a:xfrm>
+              <a:off x="8756806" y="8384400"/>
+              <a:ext cx="4929555" cy="1200329"/>
+            </a:xfrm>
+            <a:prstGeom prst="rect">
+              <a:avLst/>
+            </a:prstGeom>
+            <a:noFill/>
+          </p:spPr>
+          <p:txBody>
+            <a:bodyPr wrap="none" rtlCol="0">
+              <a:spAutoFit/>
+            </a:bodyPr>
+            <a:lstStyle/>
+            <a:p>
+              <a:pPr algn="ctr"/>
+              <a:r>
+                <a:rPr lang="ru-RU" dirty="0" smtClean="0">
+                  <a:solidFill>
+                    <a:sysClr val="windowText" lastClr="000000"/>
+                  </a:solidFill>
+                </a:rPr>
+                <a:t>Илья Шишков</a:t>
+              </a:r>
+            </a:p>
+            <a:p>
+              <a:pPr algn="ctr"/>
+              <a:r>
+                <a:rPr lang="ru-RU" dirty="0" smtClean="0">
+                  <a:solidFill>
+                    <a:sysClr val="windowText" lastClr="000000"/>
+                  </a:solidFill>
+                </a:rPr>
+                <a:t>старший разработчик</a:t>
+              </a:r>
+              <a:endParaRPr lang="ru-RU" dirty="0" smtClean="0">
+                <a:solidFill>
+                  <a:sysClr val="windowText" lastClr="000000"/>
+                </a:solidFill>
+              </a:endParaRPr>
+            </a:p>
+          </p:txBody>
+        </p:sp>
+      </p:grpSp>
+      <p:grpSp>
+        <p:nvGrpSpPr>
+          <p:cNvPr id="37" name="Группа 36"/>
+          <p:cNvGrpSpPr/>
+          <p:nvPr/>
+        </p:nvGrpSpPr>
+        <p:grpSpPr>
+          <a:xfrm>
+            <a:off x="14436790" y="4609390"/>
+            <a:ext cx="4929555" cy="7693204"/>
+            <a:chOff x="13717588" y="2286175"/>
+            <a:chExt cx="4929555" cy="7693204"/>
+          </a:xfrm>
+        </p:grpSpPr>
+        <p:pic>
+          <p:nvPicPr>
+            <p:cNvPr id="27" name="Рисунок 26"/>
+            <p:cNvPicPr>
+              <a:picLocks noChangeAspect="1"/>
+            </p:cNvPicPr>
+            <p:nvPr/>
+          </p:nvPicPr>
+          <p:blipFill>
+            <a:blip r:embed="rId6">
+              <a:extLst>
+                <a:ext uri="{28A0092B-C50C-407E-A947-70E740481C1C}">
+                  <a14:useLocalDpi xmlns:a14="http://schemas.microsoft.com/office/drawing/2010/main" val="0"/>
+                </a:ext>
+              </a:extLst>
+            </a:blip>
+            <a:stretch>
+              <a:fillRect/>
+            </a:stretch>
+          </p:blipFill>
+          <p:spPr>
+            <a:xfrm>
+              <a:off x="14129969" y="2286175"/>
+              <a:ext cx="4151681" cy="6480000"/>
+            </a:xfrm>
+            <a:prstGeom prst="rect">
+              <a:avLst/>
+            </a:prstGeom>
+          </p:spPr>
+        </p:pic>
+        <p:sp>
+          <p:nvSpPr>
+            <p:cNvPr id="32" name="TextBox 31"/>
+            <p:cNvSpPr txBox="1"/>
+            <p:nvPr/>
+          </p:nvSpPr>
+          <p:spPr>
+            <a:xfrm>
+              <a:off x="13717588" y="8779050"/>
+              <a:ext cx="4929555" cy="1200329"/>
+            </a:xfrm>
+            <a:prstGeom prst="rect">
+              <a:avLst/>
+            </a:prstGeom>
+            <a:noFill/>
+          </p:spPr>
+          <p:txBody>
+            <a:bodyPr wrap="none" rtlCol="0">
+              <a:spAutoFit/>
+            </a:bodyPr>
+            <a:lstStyle/>
+            <a:p>
+              <a:pPr algn="ctr"/>
+              <a:r>
+                <a:rPr lang="ru-RU" dirty="0" smtClean="0">
+                  <a:solidFill>
+                    <a:sysClr val="windowText" lastClr="000000"/>
+                  </a:solidFill>
+                </a:rPr>
+                <a:t>Иван </a:t>
+              </a:r>
+              <a:r>
+                <a:rPr lang="ru-RU" dirty="0" err="1" smtClean="0">
+                  <a:solidFill>
+                    <a:sysClr val="windowText" lastClr="000000"/>
+                  </a:solidFill>
+                </a:rPr>
+                <a:t>Лежанкин</a:t>
+              </a:r>
+              <a:endParaRPr lang="ru-RU" dirty="0" smtClean="0">
+                <a:solidFill>
+                  <a:sysClr val="windowText" lastClr="000000"/>
+                </a:solidFill>
+              </a:endParaRPr>
+            </a:p>
+            <a:p>
+              <a:pPr algn="ctr"/>
+              <a:r>
+                <a:rPr lang="ru-RU" dirty="0" smtClean="0">
+                  <a:solidFill>
+                    <a:sysClr val="windowText" lastClr="000000"/>
+                  </a:solidFill>
+                </a:rPr>
+                <a:t>старший разработчик</a:t>
+              </a:r>
+              <a:endParaRPr lang="ru-RU" dirty="0" smtClean="0">
+                <a:solidFill>
+                  <a:sysClr val="windowText" lastClr="000000"/>
+                </a:solidFill>
+              </a:endParaRPr>
+            </a:p>
+          </p:txBody>
+        </p:sp>
+      </p:grpSp>
+      <p:grpSp>
+        <p:nvGrpSpPr>
+          <p:cNvPr id="38" name="Группа 37"/>
+          <p:cNvGrpSpPr/>
+          <p:nvPr/>
+        </p:nvGrpSpPr>
+        <p:grpSpPr>
+          <a:xfrm>
+            <a:off x="19181771" y="2667302"/>
+            <a:ext cx="4283545" cy="7833960"/>
+            <a:chOff x="18462388" y="1828800"/>
+            <a:chExt cx="4283545" cy="7833960"/>
+          </a:xfrm>
+        </p:grpSpPr>
+        <p:pic>
+          <p:nvPicPr>
+            <p:cNvPr id="28" name="Рисунок 27"/>
+            <p:cNvPicPr>
+              <a:picLocks noChangeAspect="1"/>
+            </p:cNvPicPr>
+            <p:nvPr/>
+          </p:nvPicPr>
+          <p:blipFill>
+            <a:blip r:embed="rId7">
+              <a:extLst>
+                <a:ext uri="{28A0092B-C50C-407E-A947-70E740481C1C}">
+                  <a14:useLocalDpi xmlns:a14="http://schemas.microsoft.com/office/drawing/2010/main" val="0"/>
+                </a:ext>
+              </a:extLst>
+            </a:blip>
+            <a:stretch>
+              <a:fillRect/>
+            </a:stretch>
+          </p:blipFill>
+          <p:spPr>
+            <a:xfrm>
+              <a:off x="18700569" y="1828800"/>
+              <a:ext cx="3660446" cy="6480000"/>
+            </a:xfrm>
+            <a:prstGeom prst="rect">
+              <a:avLst/>
+            </a:prstGeom>
+          </p:spPr>
+        </p:pic>
+        <p:sp>
+          <p:nvSpPr>
+            <p:cNvPr id="33" name="TextBox 32"/>
+            <p:cNvSpPr txBox="1"/>
+            <p:nvPr/>
+          </p:nvSpPr>
+          <p:spPr>
+            <a:xfrm>
+              <a:off x="18462388" y="8462431"/>
+              <a:ext cx="4283545" cy="1200329"/>
+            </a:xfrm>
+            <a:prstGeom prst="rect">
+              <a:avLst/>
+            </a:prstGeom>
+            <a:noFill/>
+          </p:spPr>
+          <p:txBody>
+            <a:bodyPr wrap="none" rtlCol="0">
+              <a:spAutoFit/>
+            </a:bodyPr>
+            <a:lstStyle/>
+            <a:p>
+              <a:pPr algn="ctr"/>
+              <a:r>
+                <a:rPr lang="ru-RU" dirty="0" smtClean="0">
+                  <a:solidFill>
+                    <a:sysClr val="windowText" lastClr="000000"/>
+                  </a:solidFill>
+                </a:rPr>
+                <a:t>София </a:t>
+              </a:r>
+              <a:r>
+                <a:rPr lang="ru-RU" dirty="0" err="1" smtClean="0">
+                  <a:solidFill>
+                    <a:sysClr val="windowText" lastClr="000000"/>
+                  </a:solidFill>
+                </a:rPr>
+                <a:t>Техажева</a:t>
+              </a:r>
+              <a:endParaRPr lang="ru-RU" dirty="0" smtClean="0">
+                <a:solidFill>
+                  <a:sysClr val="windowText" lastClr="000000"/>
+                </a:solidFill>
+              </a:endParaRPr>
+            </a:p>
+            <a:p>
+              <a:pPr algn="ctr"/>
+              <a:r>
+                <a:rPr lang="ru-RU" dirty="0" smtClean="0">
+                  <a:solidFill>
+                    <a:sysClr val="windowText" lastClr="000000"/>
+                  </a:solidFill>
+                </a:rPr>
+                <a:t>лётчик-испытатель</a:t>
+              </a:r>
+              <a:endParaRPr lang="ru-RU" dirty="0" smtClean="0">
+                <a:solidFill>
+                  <a:sysClr val="windowText" lastClr="000000"/>
+                </a:solidFill>
+              </a:endParaRPr>
+            </a:p>
+          </p:txBody>
+        </p:sp>
+      </p:grpSp>
+    </p:spTree>
+    <p:extLst>
+      <p:ext uri="{BB962C8B-B14F-4D97-AF65-F5344CB8AC3E}">
+        <p14:creationId xmlns:p14="http://schemas.microsoft.com/office/powerpoint/2010/main" val="48512680"/>
       </p:ext>
     </p:extLst>
   </p:cSld>

--- a/slides.pptx
+++ b/slides.pptx
@@ -270,7 +270,7 @@
           <a:p>
             <a:fld id="{7C2C5C60-F37A-814E-99F6-3C775637DBC0}" type="datetimeFigureOut">
               <a:rPr lang="ru-RU" smtClean="0"/>
-              <a:t>26.09.2018</a:t>
+              <a:t>01.10.2018</a:t>
             </a:fld>
             <a:endParaRPr lang="ru-RU"/>
           </a:p>
@@ -435,7 +435,7 @@
           <a:p>
             <a:fld id="{A48BA324-014D-41B7-8E83-ECE8F197A959}" type="datetimeFigureOut">
               <a:rPr lang="ru-RU" smtClean="0"/>
-              <a:t>26.09.2018</a:t>
+              <a:t>01.10.2018</a:t>
             </a:fld>
             <a:endParaRPr lang="ru-RU"/>
           </a:p>
@@ -4974,7 +4974,7 @@
           <p:cNvPr id="2" name="Группа 1">
             <a:extLst>
               <a:ext uri="{FF2B5EF4-FFF2-40B4-BE49-F238E27FC236}">
-                <a16:creationId xmlns:a16="http://schemas.microsoft.com/office/drawing/2014/main" xmlns="" id="{32510620-9203-6A4F-8215-EE5B71D8CB96}"/>
+                <a16:creationId xmlns:a16="http://schemas.microsoft.com/office/drawing/2014/main" id="{32510620-9203-6A4F-8215-EE5B71D8CB96}"/>
               </a:ext>
             </a:extLst>
           </p:cNvPr>
@@ -4994,7 +4994,7 @@
             <p:cNvPr id="17" name="Прямоугольник 16">
               <a:extLst>
                 <a:ext uri="{FF2B5EF4-FFF2-40B4-BE49-F238E27FC236}">
-                  <a16:creationId xmlns:a16="http://schemas.microsoft.com/office/drawing/2014/main" xmlns="" id="{73034AE5-F458-B44E-A08D-78D8FD2FBBED}"/>
+                  <a16:creationId xmlns:a16="http://schemas.microsoft.com/office/drawing/2014/main" id="{73034AE5-F458-B44E-A08D-78D8FD2FBBED}"/>
                 </a:ext>
               </a:extLst>
             </p:cNvPr>
@@ -5046,7 +5046,7 @@
             <p:cNvPr id="18" name="Изображение 42">
               <a:extLst>
                 <a:ext uri="{FF2B5EF4-FFF2-40B4-BE49-F238E27FC236}">
-                  <a16:creationId xmlns:a16="http://schemas.microsoft.com/office/drawing/2014/main" xmlns="" id="{FF9B81E1-5EBD-1247-A39B-278A79BDFCD5}"/>
+                  <a16:creationId xmlns:a16="http://schemas.microsoft.com/office/drawing/2014/main" id="{FF9B81E1-5EBD-1247-A39B-278A79BDFCD5}"/>
                 </a:ext>
               </a:extLst>
             </p:cNvPr>
@@ -5468,7 +5468,7 @@
           <p:cNvPr id="16" name="Текст 9">
             <a:extLst>
               <a:ext uri="{FF2B5EF4-FFF2-40B4-BE49-F238E27FC236}">
-                <a16:creationId xmlns:a16="http://schemas.microsoft.com/office/drawing/2014/main" xmlns="" id="{DEC5E0E5-E30B-4642-9B18-19724D6B7066}"/>
+                <a16:creationId xmlns:a16="http://schemas.microsoft.com/office/drawing/2014/main" id="{DEC5E0E5-E30B-4642-9B18-19724D6B7066}"/>
               </a:ext>
             </a:extLst>
           </p:cNvPr>
@@ -5507,7 +5507,7 @@
           <p:cNvPr id="18" name="Группа 17">
             <a:extLst>
               <a:ext uri="{FF2B5EF4-FFF2-40B4-BE49-F238E27FC236}">
-                <a16:creationId xmlns:a16="http://schemas.microsoft.com/office/drawing/2014/main" xmlns="" id="{60F32FEE-012A-2044-BC37-D3F532564E0E}"/>
+                <a16:creationId xmlns:a16="http://schemas.microsoft.com/office/drawing/2014/main" id="{60F32FEE-012A-2044-BC37-D3F532564E0E}"/>
               </a:ext>
             </a:extLst>
           </p:cNvPr>
@@ -5527,7 +5527,7 @@
             <p:cNvPr id="21" name="Прямоугольник 20">
               <a:extLst>
                 <a:ext uri="{FF2B5EF4-FFF2-40B4-BE49-F238E27FC236}">
-                  <a16:creationId xmlns:a16="http://schemas.microsoft.com/office/drawing/2014/main" xmlns="" id="{281580E8-1D7B-904D-A3CC-B3059675D955}"/>
+                  <a16:creationId xmlns:a16="http://schemas.microsoft.com/office/drawing/2014/main" id="{281580E8-1D7B-904D-A3CC-B3059675D955}"/>
                 </a:ext>
               </a:extLst>
             </p:cNvPr>
@@ -5579,7 +5579,7 @@
             <p:cNvPr id="24" name="Изображение 42">
               <a:extLst>
                 <a:ext uri="{FF2B5EF4-FFF2-40B4-BE49-F238E27FC236}">
-                  <a16:creationId xmlns:a16="http://schemas.microsoft.com/office/drawing/2014/main" xmlns="" id="{76CC79E5-0405-8F45-9BB8-F4948BD253E5}"/>
+                  <a16:creationId xmlns:a16="http://schemas.microsoft.com/office/drawing/2014/main" id="{76CC79E5-0405-8F45-9BB8-F4948BD253E5}"/>
                 </a:ext>
               </a:extLst>
             </p:cNvPr>
@@ -5610,7 +5610,7 @@
           <p:cNvPr id="27" name="Текст 9">
             <a:extLst>
               <a:ext uri="{FF2B5EF4-FFF2-40B4-BE49-F238E27FC236}">
-                <a16:creationId xmlns:a16="http://schemas.microsoft.com/office/drawing/2014/main" xmlns="" id="{E6789703-35B8-334E-A41E-27BF0926FCFA}"/>
+                <a16:creationId xmlns:a16="http://schemas.microsoft.com/office/drawing/2014/main" id="{E6789703-35B8-334E-A41E-27BF0926FCFA}"/>
               </a:ext>
             </a:extLst>
           </p:cNvPr>
@@ -5649,7 +5649,7 @@
           <p:cNvPr id="29" name="Группа 28">
             <a:extLst>
               <a:ext uri="{FF2B5EF4-FFF2-40B4-BE49-F238E27FC236}">
-                <a16:creationId xmlns:a16="http://schemas.microsoft.com/office/drawing/2014/main" xmlns="" id="{534F831D-7B0A-284C-9078-8D0296129AB3}"/>
+                <a16:creationId xmlns:a16="http://schemas.microsoft.com/office/drawing/2014/main" id="{534F831D-7B0A-284C-9078-8D0296129AB3}"/>
               </a:ext>
             </a:extLst>
           </p:cNvPr>
@@ -5669,7 +5669,7 @@
             <p:cNvPr id="30" name="Прямоугольник 29">
               <a:extLst>
                 <a:ext uri="{FF2B5EF4-FFF2-40B4-BE49-F238E27FC236}">
-                  <a16:creationId xmlns:a16="http://schemas.microsoft.com/office/drawing/2014/main" xmlns="" id="{B1E449D6-F200-C047-A4BD-41695AF9314A}"/>
+                  <a16:creationId xmlns:a16="http://schemas.microsoft.com/office/drawing/2014/main" id="{B1E449D6-F200-C047-A4BD-41695AF9314A}"/>
                 </a:ext>
               </a:extLst>
             </p:cNvPr>
@@ -5721,7 +5721,7 @@
             <p:cNvPr id="31" name="Изображение 42">
               <a:extLst>
                 <a:ext uri="{FF2B5EF4-FFF2-40B4-BE49-F238E27FC236}">
-                  <a16:creationId xmlns:a16="http://schemas.microsoft.com/office/drawing/2014/main" xmlns="" id="{9CB34F08-90AE-5447-8963-945F9D476869}"/>
+                  <a16:creationId xmlns:a16="http://schemas.microsoft.com/office/drawing/2014/main" id="{9CB34F08-90AE-5447-8963-945F9D476869}"/>
                 </a:ext>
               </a:extLst>
             </p:cNvPr>
@@ -5858,7 +5858,7 @@
           </a:ln>
           <a:extLst>
             <a:ext uri="{C572A759-6A51-4108-AA02-DFA0A04FC94B}">
-              <ma14:wrappingTextBoxFlag xmlns:ma14="http://schemas.microsoft.com/office/mac/drawingml/2011/main" xmlns="" val="1"/>
+              <ma14:wrappingTextBoxFlag xmlns="" xmlns:ma14="http://schemas.microsoft.com/office/mac/drawingml/2011/main" val="1"/>
             </a:ext>
           </a:extLst>
         </p:spPr>
@@ -5901,7 +5901,7 @@
           </a:ln>
           <a:extLst>
             <a:ext uri="{C572A759-6A51-4108-AA02-DFA0A04FC94B}">
-              <ma14:wrappingTextBoxFlag xmlns:ma14="http://schemas.microsoft.com/office/mac/drawingml/2011/main" xmlns="" val="1"/>
+              <ma14:wrappingTextBoxFlag xmlns="" xmlns:ma14="http://schemas.microsoft.com/office/mac/drawingml/2011/main" val="1"/>
             </a:ext>
           </a:extLst>
         </p:spPr>
@@ -6025,7 +6025,7 @@
           </a:ln>
           <a:extLst>
             <a:ext uri="{C572A759-6A51-4108-AA02-DFA0A04FC94B}">
-              <ma14:wrappingTextBoxFlag xmlns:ma14="http://schemas.microsoft.com/office/mac/drawingml/2011/main" xmlns="" val="1"/>
+              <ma14:wrappingTextBoxFlag xmlns="" xmlns:ma14="http://schemas.microsoft.com/office/mac/drawingml/2011/main" val="1"/>
             </a:ext>
           </a:extLst>
         </p:spPr>
@@ -6116,7 +6116,7 @@
           </a:ln>
           <a:extLst>
             <a:ext uri="{C572A759-6A51-4108-AA02-DFA0A04FC94B}">
-              <ma14:wrappingTextBoxFlag xmlns:ma14="http://schemas.microsoft.com/office/mac/drawingml/2011/main" xmlns="" val="1"/>
+              <ma14:wrappingTextBoxFlag xmlns="" xmlns:ma14="http://schemas.microsoft.com/office/mac/drawingml/2011/main" val="1"/>
             </a:ext>
           </a:extLst>
         </p:spPr>
@@ -6235,7 +6235,7 @@
           </a:ln>
           <a:extLst>
             <a:ext uri="{C572A759-6A51-4108-AA02-DFA0A04FC94B}">
-              <ma14:wrappingTextBoxFlag xmlns:ma14="http://schemas.microsoft.com/office/mac/drawingml/2011/main" xmlns="" val="1"/>
+              <ma14:wrappingTextBoxFlag xmlns="" xmlns:ma14="http://schemas.microsoft.com/office/mac/drawingml/2011/main" val="1"/>
             </a:ext>
           </a:extLst>
         </p:spPr>
@@ -6714,7 +6714,7 @@
           <p:cNvPr id="16" name="Рисунок 15">
             <a:extLst>
               <a:ext uri="{FF2B5EF4-FFF2-40B4-BE49-F238E27FC236}">
-                <a16:creationId xmlns:a16="http://schemas.microsoft.com/office/drawing/2014/main" xmlns="" id="{554116F1-2C0F-2A43-B8D0-9BEE5D326A1F}"/>
+                <a16:creationId xmlns:a16="http://schemas.microsoft.com/office/drawing/2014/main" id="{554116F1-2C0F-2A43-B8D0-9BEE5D326A1F}"/>
               </a:ext>
             </a:extLst>
           </p:cNvPr>
@@ -6750,7 +6750,7 @@
           <p:cNvPr id="23" name="Прямоугольник 22">
             <a:extLst>
               <a:ext uri="{FF2B5EF4-FFF2-40B4-BE49-F238E27FC236}">
-                <a16:creationId xmlns:a16="http://schemas.microsoft.com/office/drawing/2014/main" xmlns="" id="{BEF4D639-ABD3-804D-979A-B956F9097A8F}"/>
+                <a16:creationId xmlns:a16="http://schemas.microsoft.com/office/drawing/2014/main" id="{BEF4D639-ABD3-804D-979A-B956F9097A8F}"/>
               </a:ext>
             </a:extLst>
           </p:cNvPr>
@@ -9729,7 +9729,7 @@
           <p:cNvPr id="6" name="TextBox 5">
             <a:extLst>
               <a:ext uri="{FF2B5EF4-FFF2-40B4-BE49-F238E27FC236}">
-                <a16:creationId xmlns:a16="http://schemas.microsoft.com/office/drawing/2014/main" xmlns="" id="{6AF6C8C0-C266-5C4E-9046-BB97D282CABE}"/>
+                <a16:creationId xmlns:a16="http://schemas.microsoft.com/office/drawing/2014/main" id="{6AF6C8C0-C266-5C4E-9046-BB97D282CABE}"/>
               </a:ext>
             </a:extLst>
           </p:cNvPr>
@@ -10649,10 +10649,34 @@
                 <a:tableStyleId>{5940675A-B579-460E-94D1-54222C63F5DA}</a:tableStyleId>
               </a:tblPr>
               <a:tblGrid>
-                <a:gridCol w="5528072"/>
-                <a:gridCol w="5528072"/>
-                <a:gridCol w="5528072"/>
-                <a:gridCol w="5528072"/>
+                <a:gridCol w="5528072">
+                  <a:extLst>
+                    <a:ext uri="{9D8B030D-6E8A-4147-A177-3AD203B41FA5}">
+                      <a16:colId xmlns:a16="http://schemas.microsoft.com/office/drawing/2014/main" val="20000"/>
+                    </a:ext>
+                  </a:extLst>
+                </a:gridCol>
+                <a:gridCol w="5528072">
+                  <a:extLst>
+                    <a:ext uri="{9D8B030D-6E8A-4147-A177-3AD203B41FA5}">
+                      <a16:colId xmlns:a16="http://schemas.microsoft.com/office/drawing/2014/main" val="20001"/>
+                    </a:ext>
+                  </a:extLst>
+                </a:gridCol>
+                <a:gridCol w="5528072">
+                  <a:extLst>
+                    <a:ext uri="{9D8B030D-6E8A-4147-A177-3AD203B41FA5}">
+                      <a16:colId xmlns:a16="http://schemas.microsoft.com/office/drawing/2014/main" val="20002"/>
+                    </a:ext>
+                  </a:extLst>
+                </a:gridCol>
+                <a:gridCol w="5528072">
+                  <a:extLst>
+                    <a:ext uri="{9D8B030D-6E8A-4147-A177-3AD203B41FA5}">
+                      <a16:colId xmlns:a16="http://schemas.microsoft.com/office/drawing/2014/main" val="20003"/>
+                    </a:ext>
+                  </a:extLst>
+                </a:gridCol>
               </a:tblGrid>
               <a:tr h="1181100">
                 <a:tc>
@@ -10730,6 +10754,11 @@
                     </a:solidFill>
                   </a:tcPr>
                 </a:tc>
+                <a:extLst>
+                  <a:ext uri="{0D108BD9-81ED-4DB2-BD59-A6C34878D82A}">
+                    <a16:rowId xmlns:a16="http://schemas.microsoft.com/office/drawing/2014/main" val="10000"/>
+                  </a:ext>
+                </a:extLst>
               </a:tr>
               <a:tr h="1181100">
                 <a:tc>
@@ -10795,6 +10824,11 @@
                   </a:txBody>
                   <a:tcPr anchor="ctr"/>
                 </a:tc>
+                <a:extLst>
+                  <a:ext uri="{0D108BD9-81ED-4DB2-BD59-A6C34878D82A}">
+                    <a16:rowId xmlns:a16="http://schemas.microsoft.com/office/drawing/2014/main" val="10001"/>
+                  </a:ext>
+                </a:extLst>
               </a:tr>
               <a:tr h="1181100">
                 <a:tc>
@@ -10856,6 +10890,11 @@
                   </a:txBody>
                   <a:tcPr anchor="ctr"/>
                 </a:tc>
+                <a:extLst>
+                  <a:ext uri="{0D108BD9-81ED-4DB2-BD59-A6C34878D82A}">
+                    <a16:rowId xmlns:a16="http://schemas.microsoft.com/office/drawing/2014/main" val="10002"/>
+                  </a:ext>
+                </a:extLst>
               </a:tr>
               <a:tr h="1181100">
                 <a:tc>
@@ -10917,6 +10956,11 @@
                   </a:txBody>
                   <a:tcPr anchor="ctr"/>
                 </a:tc>
+                <a:extLst>
+                  <a:ext uri="{0D108BD9-81ED-4DB2-BD59-A6C34878D82A}">
+                    <a16:rowId xmlns:a16="http://schemas.microsoft.com/office/drawing/2014/main" val="10003"/>
+                  </a:ext>
+                </a:extLst>
               </a:tr>
             </a:tbl>
           </a:graphicData>
@@ -11157,15 +11201,7 @@
           <a:p>
             <a:r>
               <a:rPr lang="ru-RU" dirty="0" smtClean="0"/>
-              <a:t>Отзыв на </a:t>
-            </a:r>
-            <a:r>
-              <a:rPr lang="ru-RU" dirty="0" smtClean="0"/>
-              <a:t>«Жёлтый </a:t>
-            </a:r>
-            <a:r>
-              <a:rPr lang="ru-RU" dirty="0" smtClean="0"/>
-              <a:t>пояс по </a:t>
+              <a:t>Отзыв на «Жёлтый пояс по </a:t>
             </a:r>
             <a:r>
               <a:rPr lang="en-US" dirty="0" smtClean="0"/>
@@ -11387,7 +11423,6 @@
               <a:rPr lang="ru-RU" dirty="0"/>
               <a:t>.</a:t>
             </a:r>
-            <a:endParaRPr lang="ru-RU" dirty="0"/>
           </a:p>
         </p:txBody>
       </p:sp>
@@ -12858,11 +12893,7 @@
           <a:p>
             <a:r>
               <a:rPr lang="ru-RU" dirty="0"/>
-              <a:t>Просто о сложном: </a:t>
-            </a:r>
-            <a:r>
-              <a:rPr lang="ru-RU" dirty="0"/>
-              <a:t>опыт создания курсов на </a:t>
+              <a:t>Просто о сложном: опыт создания курсов на </a:t>
             </a:r>
             <a:r>
               <a:rPr lang="ru-RU" dirty="0" err="1"/>
@@ -16176,7 +16207,7 @@
               <a:effectLst/>
               <a:extLst>
                 <a:ext uri="{C572A759-6A51-4108-AA02-DFA0A04FC94B}">
-                  <ma14:wrappingTextBoxFlag xmlns:ma14="http://schemas.microsoft.com/office/mac/drawingml/2011/main" xmlns="" val="1"/>
+                  <ma14:wrappingTextBoxFlag xmlns="" xmlns:ma14="http://schemas.microsoft.com/office/mac/drawingml/2011/main" val="1"/>
                 </a:ext>
               </a:extLst>
             </p:spPr>
@@ -17421,7 +17452,7 @@
               <a:effectLst/>
               <a:extLst>
                 <a:ext uri="{C572A759-6A51-4108-AA02-DFA0A04FC94B}">
-                  <ma14:wrappingTextBoxFlag xmlns:ma14="http://schemas.microsoft.com/office/mac/drawingml/2011/main" xmlns="" val="1"/>
+                  <ma14:wrappingTextBoxFlag xmlns="" xmlns:ma14="http://schemas.microsoft.com/office/mac/drawingml/2011/main" val="1"/>
                 </a:ext>
               </a:extLst>
             </p:spPr>
@@ -18881,13 +18912,8 @@
             </a:r>
             <a:r>
               <a:rPr lang="ru-RU" dirty="0" smtClean="0"/>
-              <a:t>его </a:t>
-            </a:r>
-            <a:r>
-              <a:rPr lang="ru-RU" dirty="0" smtClean="0"/>
-              <a:t>качества</a:t>
-            </a:r>
-            <a:endParaRPr lang="ru-RU" dirty="0" smtClean="0"/>
+              <a:t>его качества</a:t>
+            </a:r>
           </a:p>
         </p:txBody>
       </p:sp>
@@ -19353,11 +19379,6 @@
                 </a:rPr>
                 <a:t>руководитель службы</a:t>
               </a:r>
-              <a:endParaRPr lang="ru-RU" dirty="0" smtClean="0">
-                <a:solidFill>
-                  <a:sysClr val="windowText" lastClr="000000"/>
-                </a:solidFill>
-              </a:endParaRPr>
             </a:p>
           </p:txBody>
         </p:sp>
@@ -19448,11 +19469,6 @@
                 </a:rPr>
                 <a:t>руководитель группы</a:t>
               </a:r>
-              <a:endParaRPr lang="ru-RU" dirty="0" smtClean="0">
-                <a:solidFill>
-                  <a:sysClr val="windowText" lastClr="000000"/>
-                </a:solidFill>
-              </a:endParaRPr>
             </a:p>
           </p:txBody>
         </p:sp>
@@ -19771,11 +19787,6 @@
                 </a:rPr>
                 <a:t>программ</a:t>
               </a:r>
-              <a:endParaRPr lang="ru-RU" dirty="0" smtClean="0">
-                <a:solidFill>
-                  <a:sysClr val="windowText" lastClr="000000"/>
-                </a:solidFill>
-              </a:endParaRPr>
             </a:p>
           </p:txBody>
         </p:sp>
@@ -20235,14 +20246,14 @@
       </p:grpSpPr>
       <p:sp>
         <p:nvSpPr>
-          <p:cNvPr id="11" name="Прямоугольник 10"/>
+          <p:cNvPr id="3" name="Прямоугольник 2"/>
           <p:cNvSpPr/>
           <p:nvPr/>
         </p:nvSpPr>
         <p:spPr>
           <a:xfrm>
-            <a:off x="18678524" y="10629900"/>
-            <a:ext cx="4595814" cy="1189038"/>
+            <a:off x="3032125" y="10629900"/>
+            <a:ext cx="5724525" cy="1189038"/>
           </a:xfrm>
           <a:prstGeom prst="rect">
             <a:avLst/>
@@ -20385,14 +20396,14 @@
       </p:sp>
       <p:sp>
         <p:nvSpPr>
-          <p:cNvPr id="3" name="Прямоугольник 2"/>
+          <p:cNvPr id="11" name="Прямоугольник 10"/>
           <p:cNvSpPr/>
           <p:nvPr/>
         </p:nvSpPr>
         <p:spPr>
           <a:xfrm>
-            <a:off x="3032125" y="10629900"/>
-            <a:ext cx="5724525" cy="1189038"/>
+            <a:off x="18678524" y="11818937"/>
+            <a:ext cx="4595814" cy="647383"/>
           </a:xfrm>
           <a:prstGeom prst="rect">
             <a:avLst/>
@@ -20443,7 +20454,7 @@
             <p:ph idx="1"/>
             <p:extLst>
               <p:ext uri="{D42A27DB-BD31-4B8C-83A1-F6EECF244321}">
-                <p14:modId xmlns:p14="http://schemas.microsoft.com/office/powerpoint/2010/main" val="1805525852"/>
+                <p14:modId xmlns:p14="http://schemas.microsoft.com/office/powerpoint/2010/main" val="774363293"/>
               </p:ext>
             </p:extLst>
           </p:nvPr>
@@ -20462,35 +20473,35 @@
                 <a:gridCol w="1889806">
                   <a:extLst>
                     <a:ext uri="{9D8B030D-6E8A-4147-A177-3AD203B41FA5}">
-                      <a16:colId xmlns:a16="http://schemas.microsoft.com/office/drawing/2014/main" xmlns="" val="1331546803"/>
+                      <a16:colId xmlns:a16="http://schemas.microsoft.com/office/drawing/2014/main" val="1331546803"/>
                     </a:ext>
                   </a:extLst>
                 </a:gridCol>
                 <a:gridCol w="5724000">
                   <a:extLst>
                     <a:ext uri="{9D8B030D-6E8A-4147-A177-3AD203B41FA5}">
-                      <a16:colId xmlns:a16="http://schemas.microsoft.com/office/drawing/2014/main" xmlns="" val="592452860"/>
+                      <a16:colId xmlns:a16="http://schemas.microsoft.com/office/drawing/2014/main" val="592452860"/>
                     </a:ext>
                   </a:extLst>
                 </a:gridCol>
                 <a:gridCol w="4396768">
                   <a:extLst>
                     <a:ext uri="{9D8B030D-6E8A-4147-A177-3AD203B41FA5}">
-                      <a16:colId xmlns:a16="http://schemas.microsoft.com/office/drawing/2014/main" xmlns="" val="2855384874"/>
+                      <a16:colId xmlns:a16="http://schemas.microsoft.com/office/drawing/2014/main" val="2855384874"/>
                     </a:ext>
                   </a:extLst>
                 </a:gridCol>
                 <a:gridCol w="5524832">
                   <a:extLst>
                     <a:ext uri="{9D8B030D-6E8A-4147-A177-3AD203B41FA5}">
-                      <a16:colId xmlns:a16="http://schemas.microsoft.com/office/drawing/2014/main" xmlns="" val="1283034067"/>
+                      <a16:colId xmlns:a16="http://schemas.microsoft.com/office/drawing/2014/main" val="1283034067"/>
                     </a:ext>
                   </a:extLst>
                 </a:gridCol>
                 <a:gridCol w="4595936">
                   <a:extLst>
                     <a:ext uri="{9D8B030D-6E8A-4147-A177-3AD203B41FA5}">
-                      <a16:colId xmlns:a16="http://schemas.microsoft.com/office/drawing/2014/main" xmlns="" val="1207319212"/>
+                      <a16:colId xmlns:a16="http://schemas.microsoft.com/office/drawing/2014/main" val="1207319212"/>
                     </a:ext>
                   </a:extLst>
                 </a:gridCol>
@@ -20603,7 +20614,7 @@
                 </a:tc>
                 <a:extLst>
                   <a:ext uri="{0D108BD9-81ED-4DB2-BD59-A6C34878D82A}">
-                    <a16:rowId xmlns:a16="http://schemas.microsoft.com/office/drawing/2014/main" xmlns="" val="2840718307"/>
+                    <a16:rowId xmlns:a16="http://schemas.microsoft.com/office/drawing/2014/main" val="2840718307"/>
                   </a:ext>
                 </a:extLst>
               </a:tr>
@@ -20787,7 +20798,7 @@
                 </a:tc>
                 <a:extLst>
                   <a:ext uri="{0D108BD9-81ED-4DB2-BD59-A6C34878D82A}">
-                    <a16:rowId xmlns:a16="http://schemas.microsoft.com/office/drawing/2014/main" xmlns="" val="3409664433"/>
+                    <a16:rowId xmlns:a16="http://schemas.microsoft.com/office/drawing/2014/main" val="3409664433"/>
                   </a:ext>
                 </a:extLst>
               </a:tr>
@@ -20927,7 +20938,7 @@
                 </a:tc>
                 <a:extLst>
                   <a:ext uri="{0D108BD9-81ED-4DB2-BD59-A6C34878D82A}">
-                    <a16:rowId xmlns:a16="http://schemas.microsoft.com/office/drawing/2014/main" xmlns="" val="3588026496"/>
+                    <a16:rowId xmlns:a16="http://schemas.microsoft.com/office/drawing/2014/main" val="3588026496"/>
                   </a:ext>
                 </a:extLst>
               </a:tr>
@@ -21065,7 +21076,7 @@
                 </a:tc>
                 <a:extLst>
                   <a:ext uri="{0D108BD9-81ED-4DB2-BD59-A6C34878D82A}">
-                    <a16:rowId xmlns:a16="http://schemas.microsoft.com/office/drawing/2014/main" xmlns="" val="1854944390"/>
+                    <a16:rowId xmlns:a16="http://schemas.microsoft.com/office/drawing/2014/main" val="1854944390"/>
                   </a:ext>
                 </a:extLst>
               </a:tr>
@@ -21208,7 +21219,7 @@
                 </a:tc>
                 <a:extLst>
                   <a:ext uri="{0D108BD9-81ED-4DB2-BD59-A6C34878D82A}">
-                    <a16:rowId xmlns:a16="http://schemas.microsoft.com/office/drawing/2014/main" xmlns="" val="2910752589"/>
+                    <a16:rowId xmlns:a16="http://schemas.microsoft.com/office/drawing/2014/main" val="2910752589"/>
                   </a:ext>
                 </a:extLst>
               </a:tr>
@@ -21296,7 +21307,11 @@
                       <a:pPr algn="ctr"/>
                       <a:r>
                         <a:rPr lang="ru-RU" dirty="0" smtClean="0"/>
-                        <a:t>Финальный проект</a:t>
+                        <a:t>«Хороший»</a:t>
+                      </a:r>
+                      <a:r>
+                        <a:rPr lang="ru-RU" baseline="0" dirty="0" smtClean="0"/>
+                        <a:t> код</a:t>
                       </a:r>
                       <a:endParaRPr lang="ru-RU" dirty="0"/>
                     </a:p>
@@ -21305,7 +21320,7 @@
                 </a:tc>
                 <a:extLst>
                   <a:ext uri="{0D108BD9-81ED-4DB2-BD59-A6C34878D82A}">
-                    <a16:rowId xmlns:a16="http://schemas.microsoft.com/office/drawing/2014/main" xmlns="" val="2021843552"/>
+                    <a16:rowId xmlns:a16="http://schemas.microsoft.com/office/drawing/2014/main" val="2021843552"/>
                   </a:ext>
                 </a:extLst>
               </a:tr>
@@ -21371,15 +21386,34 @@
                     <a:bodyPr/>
                     <a:lstStyle/>
                     <a:p>
-                      <a:pPr algn="ctr"/>
-                      <a:endParaRPr lang="ru-RU" dirty="0"/>
+                      <a:pPr marL="0" marR="0" lvl="0" indent="0" algn="ctr" defTabSz="1828619" rtl="0" eaLnBrk="1" fontAlgn="auto" latinLnBrk="0" hangingPunct="1">
+                        <a:lnSpc>
+                          <a:spcPct val="100000"/>
+                        </a:lnSpc>
+                        <a:spcBef>
+                          <a:spcPts val="0"/>
+                        </a:spcBef>
+                        <a:spcAft>
+                          <a:spcPts val="0"/>
+                        </a:spcAft>
+                        <a:buClrTx/>
+                        <a:buSzTx/>
+                        <a:buFontTx/>
+                        <a:buNone/>
+                        <a:tabLst/>
+                        <a:defRPr/>
+                      </a:pPr>
+                      <a:r>
+                        <a:rPr lang="ru-RU" dirty="0" smtClean="0"/>
+                        <a:t>Финальный проект</a:t>
+                      </a:r>
                     </a:p>
                   </a:txBody>
                   <a:tcPr anchor="ctr"/>
                 </a:tc>
                 <a:extLst>
                   <a:ext uri="{0D108BD9-81ED-4DB2-BD59-A6C34878D82A}">
-                    <a16:rowId xmlns:a16="http://schemas.microsoft.com/office/drawing/2014/main" xmlns="" val="2730601987"/>
+                    <a16:rowId xmlns:a16="http://schemas.microsoft.com/office/drawing/2014/main" val="2730601987"/>
                   </a:ext>
                 </a:extLst>
               </a:tr>
@@ -21404,7 +21438,11 @@
           <a:p>
             <a:r>
               <a:rPr lang="ru-RU" dirty="0" smtClean="0"/>
-              <a:t>Программа курсов после перезагрузки</a:t>
+              <a:t>Программа </a:t>
+            </a:r>
+            <a:r>
+              <a:rPr lang="ru-RU" dirty="0" smtClean="0"/>
+              <a:t>курсов</a:t>
             </a:r>
             <a:endParaRPr lang="ru-RU" dirty="0"/>
           </a:p>
@@ -22227,10 +22265,10 @@
       </p:par>
     </p:tnLst>
     <p:bldLst>
-      <p:bldP spid="11" grpId="0" animBg="1"/>
+      <p:bldP spid="3" grpId="0" animBg="1"/>
       <p:bldP spid="10" grpId="0" animBg="1"/>
       <p:bldP spid="8" grpId="0" animBg="1"/>
-      <p:bldP spid="3" grpId="0" animBg="1"/>
+      <p:bldP spid="11" grpId="0" animBg="1"/>
       <p:bldP spid="9" grpId="0" animBg="1"/>
       <p:bldP spid="9" grpId="1" animBg="1"/>
       <p:bldP spid="12" grpId="0" animBg="1"/>
@@ -22268,7 +22306,7 @@
             <p:ph idx="1"/>
             <p:extLst>
               <p:ext uri="{D42A27DB-BD31-4B8C-83A1-F6EECF244321}">
-                <p14:modId xmlns:p14="http://schemas.microsoft.com/office/powerpoint/2010/main" val="4181748794"/>
+                <p14:modId xmlns:p14="http://schemas.microsoft.com/office/powerpoint/2010/main" val="2325541723"/>
               </p:ext>
             </p:extLst>
           </p:nvPr>
@@ -22287,35 +22325,35 @@
                 <a:gridCol w="1889806">
                   <a:extLst>
                     <a:ext uri="{9D8B030D-6E8A-4147-A177-3AD203B41FA5}">
-                      <a16:colId xmlns:a16="http://schemas.microsoft.com/office/drawing/2014/main" xmlns="" val="1331546803"/>
+                      <a16:colId xmlns:a16="http://schemas.microsoft.com/office/drawing/2014/main" val="1331546803"/>
                     </a:ext>
                   </a:extLst>
                 </a:gridCol>
                 <a:gridCol w="5724000">
                   <a:extLst>
                     <a:ext uri="{9D8B030D-6E8A-4147-A177-3AD203B41FA5}">
-                      <a16:colId xmlns:a16="http://schemas.microsoft.com/office/drawing/2014/main" xmlns="" val="592452860"/>
+                      <a16:colId xmlns:a16="http://schemas.microsoft.com/office/drawing/2014/main" val="592452860"/>
                     </a:ext>
                   </a:extLst>
                 </a:gridCol>
                 <a:gridCol w="4396768">
                   <a:extLst>
                     <a:ext uri="{9D8B030D-6E8A-4147-A177-3AD203B41FA5}">
-                      <a16:colId xmlns:a16="http://schemas.microsoft.com/office/drawing/2014/main" xmlns="" val="2855384874"/>
+                      <a16:colId xmlns:a16="http://schemas.microsoft.com/office/drawing/2014/main" val="2855384874"/>
                     </a:ext>
                   </a:extLst>
                 </a:gridCol>
                 <a:gridCol w="5524832">
                   <a:extLst>
                     <a:ext uri="{9D8B030D-6E8A-4147-A177-3AD203B41FA5}">
-                      <a16:colId xmlns:a16="http://schemas.microsoft.com/office/drawing/2014/main" xmlns="" val="1283034067"/>
+                      <a16:colId xmlns:a16="http://schemas.microsoft.com/office/drawing/2014/main" val="1283034067"/>
                     </a:ext>
                   </a:extLst>
                 </a:gridCol>
                 <a:gridCol w="4595936">
                   <a:extLst>
                     <a:ext uri="{9D8B030D-6E8A-4147-A177-3AD203B41FA5}">
-                      <a16:colId xmlns:a16="http://schemas.microsoft.com/office/drawing/2014/main" xmlns="" val="1207319212"/>
+                      <a16:colId xmlns:a16="http://schemas.microsoft.com/office/drawing/2014/main" val="1207319212"/>
                     </a:ext>
                   </a:extLst>
                 </a:gridCol>
@@ -22428,7 +22466,7 @@
                 </a:tc>
                 <a:extLst>
                   <a:ext uri="{0D108BD9-81ED-4DB2-BD59-A6C34878D82A}">
-                    <a16:rowId xmlns:a16="http://schemas.microsoft.com/office/drawing/2014/main" xmlns="" val="2840718307"/>
+                    <a16:rowId xmlns:a16="http://schemas.microsoft.com/office/drawing/2014/main" val="2840718307"/>
                   </a:ext>
                 </a:extLst>
               </a:tr>
@@ -22612,7 +22650,7 @@
                 </a:tc>
                 <a:extLst>
                   <a:ext uri="{0D108BD9-81ED-4DB2-BD59-A6C34878D82A}">
-                    <a16:rowId xmlns:a16="http://schemas.microsoft.com/office/drawing/2014/main" xmlns="" val="3409664433"/>
+                    <a16:rowId xmlns:a16="http://schemas.microsoft.com/office/drawing/2014/main" val="3409664433"/>
                   </a:ext>
                 </a:extLst>
               </a:tr>
@@ -22752,7 +22790,7 @@
                 </a:tc>
                 <a:extLst>
                   <a:ext uri="{0D108BD9-81ED-4DB2-BD59-A6C34878D82A}">
-                    <a16:rowId xmlns:a16="http://schemas.microsoft.com/office/drawing/2014/main" xmlns="" val="3588026496"/>
+                    <a16:rowId xmlns:a16="http://schemas.microsoft.com/office/drawing/2014/main" val="3588026496"/>
                   </a:ext>
                 </a:extLst>
               </a:tr>
@@ -22890,7 +22928,7 @@
                 </a:tc>
                 <a:extLst>
                   <a:ext uri="{0D108BD9-81ED-4DB2-BD59-A6C34878D82A}">
-                    <a16:rowId xmlns:a16="http://schemas.microsoft.com/office/drawing/2014/main" xmlns="" val="1854944390"/>
+                    <a16:rowId xmlns:a16="http://schemas.microsoft.com/office/drawing/2014/main" val="1854944390"/>
                   </a:ext>
                 </a:extLst>
               </a:tr>
@@ -23033,7 +23071,7 @@
                 </a:tc>
                 <a:extLst>
                   <a:ext uri="{0D108BD9-81ED-4DB2-BD59-A6C34878D82A}">
-                    <a16:rowId xmlns:a16="http://schemas.microsoft.com/office/drawing/2014/main" xmlns="" val="2910752589"/>
+                    <a16:rowId xmlns:a16="http://schemas.microsoft.com/office/drawing/2014/main" val="2910752589"/>
                   </a:ext>
                 </a:extLst>
               </a:tr>
@@ -23121,7 +23159,11 @@
                       <a:pPr algn="ctr"/>
                       <a:r>
                         <a:rPr lang="ru-RU" dirty="0" smtClean="0"/>
-                        <a:t>Финальный проект</a:t>
+                        <a:t>«Хороший»</a:t>
+                      </a:r>
+                      <a:r>
+                        <a:rPr lang="ru-RU" baseline="0" dirty="0" smtClean="0"/>
+                        <a:t> код</a:t>
                       </a:r>
                       <a:endParaRPr lang="ru-RU" dirty="0"/>
                     </a:p>
@@ -23130,7 +23172,7 @@
                 </a:tc>
                 <a:extLst>
                   <a:ext uri="{0D108BD9-81ED-4DB2-BD59-A6C34878D82A}">
-                    <a16:rowId xmlns:a16="http://schemas.microsoft.com/office/drawing/2014/main" xmlns="" val="2021843552"/>
+                    <a16:rowId xmlns:a16="http://schemas.microsoft.com/office/drawing/2014/main" val="2021843552"/>
                   </a:ext>
                 </a:extLst>
               </a:tr>
@@ -23197,6 +23239,10 @@
                     <a:lstStyle/>
                     <a:p>
                       <a:pPr algn="ctr"/>
+                      <a:r>
+                        <a:rPr lang="ru-RU" dirty="0" smtClean="0"/>
+                        <a:t>Финальный проект</a:t>
+                      </a:r>
                       <a:endParaRPr lang="ru-RU" dirty="0"/>
                     </a:p>
                   </a:txBody>
@@ -23204,7 +23250,7 @@
                 </a:tc>
                 <a:extLst>
                   <a:ext uri="{0D108BD9-81ED-4DB2-BD59-A6C34878D82A}">
-                    <a16:rowId xmlns:a16="http://schemas.microsoft.com/office/drawing/2014/main" xmlns="" val="2730601987"/>
+                    <a16:rowId xmlns:a16="http://schemas.microsoft.com/office/drawing/2014/main" val="2730601987"/>
                   </a:ext>
                 </a:extLst>
               </a:tr>
@@ -23228,8 +23274,12 @@
           <a:lstStyle/>
           <a:p>
             <a:r>
-              <a:rPr lang="ru-RU" dirty="0" smtClean="0"/>
-              <a:t>Программа курсов после перезагрузки</a:t>
+              <a:rPr lang="ru-RU" smtClean="0"/>
+              <a:t>Программа </a:t>
+            </a:r>
+            <a:r>
+              <a:rPr lang="ru-RU" smtClean="0"/>
+              <a:t>курсов</a:t>
             </a:r>
             <a:endParaRPr lang="ru-RU" dirty="0"/>
           </a:p>

--- a/slides.pptx
+++ b/slides.pptx
@@ -270,7 +270,7 @@
           <a:p>
             <a:fld id="{7C2C5C60-F37A-814E-99F6-3C775637DBC0}" type="datetimeFigureOut">
               <a:rPr lang="ru-RU" smtClean="0"/>
-              <a:t>01.10.2018</a:t>
+              <a:t>03.10.2018</a:t>
             </a:fld>
             <a:endParaRPr lang="ru-RU"/>
           </a:p>
@@ -435,7 +435,7 @@
           <a:p>
             <a:fld id="{A48BA324-014D-41B7-8E83-ECE8F197A959}" type="datetimeFigureOut">
               <a:rPr lang="ru-RU" smtClean="0"/>
-              <a:t>01.10.2018</a:t>
+              <a:t>03.10.2018</a:t>
             </a:fld>
             <a:endParaRPr lang="ru-RU"/>
           </a:p>
@@ -4974,7 +4974,7 @@
           <p:cNvPr id="2" name="Группа 1">
             <a:extLst>
               <a:ext uri="{FF2B5EF4-FFF2-40B4-BE49-F238E27FC236}">
-                <a16:creationId xmlns:a16="http://schemas.microsoft.com/office/drawing/2014/main" id="{32510620-9203-6A4F-8215-EE5B71D8CB96}"/>
+                <a16:creationId xmlns:a16="http://schemas.microsoft.com/office/drawing/2014/main" xmlns="" id="{32510620-9203-6A4F-8215-EE5B71D8CB96}"/>
               </a:ext>
             </a:extLst>
           </p:cNvPr>
@@ -4994,7 +4994,7 @@
             <p:cNvPr id="17" name="Прямоугольник 16">
               <a:extLst>
                 <a:ext uri="{FF2B5EF4-FFF2-40B4-BE49-F238E27FC236}">
-                  <a16:creationId xmlns:a16="http://schemas.microsoft.com/office/drawing/2014/main" id="{73034AE5-F458-B44E-A08D-78D8FD2FBBED}"/>
+                  <a16:creationId xmlns:a16="http://schemas.microsoft.com/office/drawing/2014/main" xmlns="" id="{73034AE5-F458-B44E-A08D-78D8FD2FBBED}"/>
                 </a:ext>
               </a:extLst>
             </p:cNvPr>
@@ -5046,7 +5046,7 @@
             <p:cNvPr id="18" name="Изображение 42">
               <a:extLst>
                 <a:ext uri="{FF2B5EF4-FFF2-40B4-BE49-F238E27FC236}">
-                  <a16:creationId xmlns:a16="http://schemas.microsoft.com/office/drawing/2014/main" id="{FF9B81E1-5EBD-1247-A39B-278A79BDFCD5}"/>
+                  <a16:creationId xmlns:a16="http://schemas.microsoft.com/office/drawing/2014/main" xmlns="" id="{FF9B81E1-5EBD-1247-A39B-278A79BDFCD5}"/>
                 </a:ext>
               </a:extLst>
             </p:cNvPr>
@@ -5468,7 +5468,7 @@
           <p:cNvPr id="16" name="Текст 9">
             <a:extLst>
               <a:ext uri="{FF2B5EF4-FFF2-40B4-BE49-F238E27FC236}">
-                <a16:creationId xmlns:a16="http://schemas.microsoft.com/office/drawing/2014/main" id="{DEC5E0E5-E30B-4642-9B18-19724D6B7066}"/>
+                <a16:creationId xmlns:a16="http://schemas.microsoft.com/office/drawing/2014/main" xmlns="" id="{DEC5E0E5-E30B-4642-9B18-19724D6B7066}"/>
               </a:ext>
             </a:extLst>
           </p:cNvPr>
@@ -5507,7 +5507,7 @@
           <p:cNvPr id="18" name="Группа 17">
             <a:extLst>
               <a:ext uri="{FF2B5EF4-FFF2-40B4-BE49-F238E27FC236}">
-                <a16:creationId xmlns:a16="http://schemas.microsoft.com/office/drawing/2014/main" id="{60F32FEE-012A-2044-BC37-D3F532564E0E}"/>
+                <a16:creationId xmlns:a16="http://schemas.microsoft.com/office/drawing/2014/main" xmlns="" id="{60F32FEE-012A-2044-BC37-D3F532564E0E}"/>
               </a:ext>
             </a:extLst>
           </p:cNvPr>
@@ -5527,7 +5527,7 @@
             <p:cNvPr id="21" name="Прямоугольник 20">
               <a:extLst>
                 <a:ext uri="{FF2B5EF4-FFF2-40B4-BE49-F238E27FC236}">
-                  <a16:creationId xmlns:a16="http://schemas.microsoft.com/office/drawing/2014/main" id="{281580E8-1D7B-904D-A3CC-B3059675D955}"/>
+                  <a16:creationId xmlns:a16="http://schemas.microsoft.com/office/drawing/2014/main" xmlns="" id="{281580E8-1D7B-904D-A3CC-B3059675D955}"/>
                 </a:ext>
               </a:extLst>
             </p:cNvPr>
@@ -5579,7 +5579,7 @@
             <p:cNvPr id="24" name="Изображение 42">
               <a:extLst>
                 <a:ext uri="{FF2B5EF4-FFF2-40B4-BE49-F238E27FC236}">
-                  <a16:creationId xmlns:a16="http://schemas.microsoft.com/office/drawing/2014/main" id="{76CC79E5-0405-8F45-9BB8-F4948BD253E5}"/>
+                  <a16:creationId xmlns:a16="http://schemas.microsoft.com/office/drawing/2014/main" xmlns="" id="{76CC79E5-0405-8F45-9BB8-F4948BD253E5}"/>
                 </a:ext>
               </a:extLst>
             </p:cNvPr>
@@ -5610,7 +5610,7 @@
           <p:cNvPr id="27" name="Текст 9">
             <a:extLst>
               <a:ext uri="{FF2B5EF4-FFF2-40B4-BE49-F238E27FC236}">
-                <a16:creationId xmlns:a16="http://schemas.microsoft.com/office/drawing/2014/main" id="{E6789703-35B8-334E-A41E-27BF0926FCFA}"/>
+                <a16:creationId xmlns:a16="http://schemas.microsoft.com/office/drawing/2014/main" xmlns="" id="{E6789703-35B8-334E-A41E-27BF0926FCFA}"/>
               </a:ext>
             </a:extLst>
           </p:cNvPr>
@@ -5649,7 +5649,7 @@
           <p:cNvPr id="29" name="Группа 28">
             <a:extLst>
               <a:ext uri="{FF2B5EF4-FFF2-40B4-BE49-F238E27FC236}">
-                <a16:creationId xmlns:a16="http://schemas.microsoft.com/office/drawing/2014/main" id="{534F831D-7B0A-284C-9078-8D0296129AB3}"/>
+                <a16:creationId xmlns:a16="http://schemas.microsoft.com/office/drawing/2014/main" xmlns="" id="{534F831D-7B0A-284C-9078-8D0296129AB3}"/>
               </a:ext>
             </a:extLst>
           </p:cNvPr>
@@ -5669,7 +5669,7 @@
             <p:cNvPr id="30" name="Прямоугольник 29">
               <a:extLst>
                 <a:ext uri="{FF2B5EF4-FFF2-40B4-BE49-F238E27FC236}">
-                  <a16:creationId xmlns:a16="http://schemas.microsoft.com/office/drawing/2014/main" id="{B1E449D6-F200-C047-A4BD-41695AF9314A}"/>
+                  <a16:creationId xmlns:a16="http://schemas.microsoft.com/office/drawing/2014/main" xmlns="" id="{B1E449D6-F200-C047-A4BD-41695AF9314A}"/>
                 </a:ext>
               </a:extLst>
             </p:cNvPr>
@@ -5721,7 +5721,7 @@
             <p:cNvPr id="31" name="Изображение 42">
               <a:extLst>
                 <a:ext uri="{FF2B5EF4-FFF2-40B4-BE49-F238E27FC236}">
-                  <a16:creationId xmlns:a16="http://schemas.microsoft.com/office/drawing/2014/main" id="{9CB34F08-90AE-5447-8963-945F9D476869}"/>
+                  <a16:creationId xmlns:a16="http://schemas.microsoft.com/office/drawing/2014/main" xmlns="" id="{9CB34F08-90AE-5447-8963-945F9D476869}"/>
                 </a:ext>
               </a:extLst>
             </p:cNvPr>
@@ -5858,7 +5858,7 @@
           </a:ln>
           <a:extLst>
             <a:ext uri="{C572A759-6A51-4108-AA02-DFA0A04FC94B}">
-              <ma14:wrappingTextBoxFlag xmlns="" xmlns:ma14="http://schemas.microsoft.com/office/mac/drawingml/2011/main" val="1"/>
+              <ma14:wrappingTextBoxFlag xmlns:ma14="http://schemas.microsoft.com/office/mac/drawingml/2011/main" xmlns="" val="1"/>
             </a:ext>
           </a:extLst>
         </p:spPr>
@@ -5901,7 +5901,7 @@
           </a:ln>
           <a:extLst>
             <a:ext uri="{C572A759-6A51-4108-AA02-DFA0A04FC94B}">
-              <ma14:wrappingTextBoxFlag xmlns="" xmlns:ma14="http://schemas.microsoft.com/office/mac/drawingml/2011/main" val="1"/>
+              <ma14:wrappingTextBoxFlag xmlns:ma14="http://schemas.microsoft.com/office/mac/drawingml/2011/main" xmlns="" val="1"/>
             </a:ext>
           </a:extLst>
         </p:spPr>
@@ -6025,7 +6025,7 @@
           </a:ln>
           <a:extLst>
             <a:ext uri="{C572A759-6A51-4108-AA02-DFA0A04FC94B}">
-              <ma14:wrappingTextBoxFlag xmlns="" xmlns:ma14="http://schemas.microsoft.com/office/mac/drawingml/2011/main" val="1"/>
+              <ma14:wrappingTextBoxFlag xmlns:ma14="http://schemas.microsoft.com/office/mac/drawingml/2011/main" xmlns="" val="1"/>
             </a:ext>
           </a:extLst>
         </p:spPr>
@@ -6116,7 +6116,7 @@
           </a:ln>
           <a:extLst>
             <a:ext uri="{C572A759-6A51-4108-AA02-DFA0A04FC94B}">
-              <ma14:wrappingTextBoxFlag xmlns="" xmlns:ma14="http://schemas.microsoft.com/office/mac/drawingml/2011/main" val="1"/>
+              <ma14:wrappingTextBoxFlag xmlns:ma14="http://schemas.microsoft.com/office/mac/drawingml/2011/main" xmlns="" val="1"/>
             </a:ext>
           </a:extLst>
         </p:spPr>
@@ -6235,7 +6235,7 @@
           </a:ln>
           <a:extLst>
             <a:ext uri="{C572A759-6A51-4108-AA02-DFA0A04FC94B}">
-              <ma14:wrappingTextBoxFlag xmlns="" xmlns:ma14="http://schemas.microsoft.com/office/mac/drawingml/2011/main" val="1"/>
+              <ma14:wrappingTextBoxFlag xmlns:ma14="http://schemas.microsoft.com/office/mac/drawingml/2011/main" xmlns="" val="1"/>
             </a:ext>
           </a:extLst>
         </p:spPr>
@@ -6714,7 +6714,7 @@
           <p:cNvPr id="16" name="Рисунок 15">
             <a:extLst>
               <a:ext uri="{FF2B5EF4-FFF2-40B4-BE49-F238E27FC236}">
-                <a16:creationId xmlns:a16="http://schemas.microsoft.com/office/drawing/2014/main" id="{554116F1-2C0F-2A43-B8D0-9BEE5D326A1F}"/>
+                <a16:creationId xmlns:a16="http://schemas.microsoft.com/office/drawing/2014/main" xmlns="" id="{554116F1-2C0F-2A43-B8D0-9BEE5D326A1F}"/>
               </a:ext>
             </a:extLst>
           </p:cNvPr>
@@ -6750,7 +6750,7 @@
           <p:cNvPr id="23" name="Прямоугольник 22">
             <a:extLst>
               <a:ext uri="{FF2B5EF4-FFF2-40B4-BE49-F238E27FC236}">
-                <a16:creationId xmlns:a16="http://schemas.microsoft.com/office/drawing/2014/main" id="{BEF4D639-ABD3-804D-979A-B956F9097A8F}"/>
+                <a16:creationId xmlns:a16="http://schemas.microsoft.com/office/drawing/2014/main" xmlns="" id="{BEF4D639-ABD3-804D-979A-B956F9097A8F}"/>
               </a:ext>
             </a:extLst>
           </p:cNvPr>
@@ -9729,7 +9729,7 @@
           <p:cNvPr id="6" name="TextBox 5">
             <a:extLst>
               <a:ext uri="{FF2B5EF4-FFF2-40B4-BE49-F238E27FC236}">
-                <a16:creationId xmlns:a16="http://schemas.microsoft.com/office/drawing/2014/main" id="{6AF6C8C0-C266-5C4E-9046-BB97D282CABE}"/>
+                <a16:creationId xmlns:a16="http://schemas.microsoft.com/office/drawing/2014/main" xmlns="" id="{6AF6C8C0-C266-5C4E-9046-BB97D282CABE}"/>
               </a:ext>
             </a:extLst>
           </p:cNvPr>
@@ -10652,28 +10652,28 @@
                 <a:gridCol w="5528072">
                   <a:extLst>
                     <a:ext uri="{9D8B030D-6E8A-4147-A177-3AD203B41FA5}">
-                      <a16:colId xmlns:a16="http://schemas.microsoft.com/office/drawing/2014/main" val="20000"/>
+                      <a16:colId xmlns:a16="http://schemas.microsoft.com/office/drawing/2014/main" xmlns="" val="20000"/>
                     </a:ext>
                   </a:extLst>
                 </a:gridCol>
                 <a:gridCol w="5528072">
                   <a:extLst>
                     <a:ext uri="{9D8B030D-6E8A-4147-A177-3AD203B41FA5}">
-                      <a16:colId xmlns:a16="http://schemas.microsoft.com/office/drawing/2014/main" val="20001"/>
+                      <a16:colId xmlns:a16="http://schemas.microsoft.com/office/drawing/2014/main" xmlns="" val="20001"/>
                     </a:ext>
                   </a:extLst>
                 </a:gridCol>
                 <a:gridCol w="5528072">
                   <a:extLst>
                     <a:ext uri="{9D8B030D-6E8A-4147-A177-3AD203B41FA5}">
-                      <a16:colId xmlns:a16="http://schemas.microsoft.com/office/drawing/2014/main" val="20002"/>
+                      <a16:colId xmlns:a16="http://schemas.microsoft.com/office/drawing/2014/main" xmlns="" val="20002"/>
                     </a:ext>
                   </a:extLst>
                 </a:gridCol>
                 <a:gridCol w="5528072">
                   <a:extLst>
                     <a:ext uri="{9D8B030D-6E8A-4147-A177-3AD203B41FA5}">
-                      <a16:colId xmlns:a16="http://schemas.microsoft.com/office/drawing/2014/main" val="20003"/>
+                      <a16:colId xmlns:a16="http://schemas.microsoft.com/office/drawing/2014/main" xmlns="" val="20003"/>
                     </a:ext>
                   </a:extLst>
                 </a:gridCol>
@@ -10756,7 +10756,7 @@
                 </a:tc>
                 <a:extLst>
                   <a:ext uri="{0D108BD9-81ED-4DB2-BD59-A6C34878D82A}">
-                    <a16:rowId xmlns:a16="http://schemas.microsoft.com/office/drawing/2014/main" val="10000"/>
+                    <a16:rowId xmlns:a16="http://schemas.microsoft.com/office/drawing/2014/main" xmlns="" val="10000"/>
                   </a:ext>
                 </a:extLst>
               </a:tr>
@@ -10826,7 +10826,7 @@
                 </a:tc>
                 <a:extLst>
                   <a:ext uri="{0D108BD9-81ED-4DB2-BD59-A6C34878D82A}">
-                    <a16:rowId xmlns:a16="http://schemas.microsoft.com/office/drawing/2014/main" val="10001"/>
+                    <a16:rowId xmlns:a16="http://schemas.microsoft.com/office/drawing/2014/main" xmlns="" val="10001"/>
                   </a:ext>
                 </a:extLst>
               </a:tr>
@@ -10892,7 +10892,7 @@
                 </a:tc>
                 <a:extLst>
                   <a:ext uri="{0D108BD9-81ED-4DB2-BD59-A6C34878D82A}">
-                    <a16:rowId xmlns:a16="http://schemas.microsoft.com/office/drawing/2014/main" val="10002"/>
+                    <a16:rowId xmlns:a16="http://schemas.microsoft.com/office/drawing/2014/main" xmlns="" val="10002"/>
                   </a:ext>
                 </a:extLst>
               </a:tr>
@@ -10958,7 +10958,7 @@
                 </a:tc>
                 <a:extLst>
                   <a:ext uri="{0D108BD9-81ED-4DB2-BD59-A6C34878D82A}">
-                    <a16:rowId xmlns:a16="http://schemas.microsoft.com/office/drawing/2014/main" val="10003"/>
+                    <a16:rowId xmlns:a16="http://schemas.microsoft.com/office/drawing/2014/main" xmlns="" val="10003"/>
                   </a:ext>
                 </a:extLst>
               </a:tr>
@@ -16207,7 +16207,7 @@
               <a:effectLst/>
               <a:extLst>
                 <a:ext uri="{C572A759-6A51-4108-AA02-DFA0A04FC94B}">
-                  <ma14:wrappingTextBoxFlag xmlns="" xmlns:ma14="http://schemas.microsoft.com/office/mac/drawingml/2011/main" val="1"/>
+                  <ma14:wrappingTextBoxFlag xmlns:ma14="http://schemas.microsoft.com/office/mac/drawingml/2011/main" xmlns="" val="1"/>
                 </a:ext>
               </a:extLst>
             </p:spPr>
@@ -17452,7 +17452,7 @@
               <a:effectLst/>
               <a:extLst>
                 <a:ext uri="{C572A759-6A51-4108-AA02-DFA0A04FC94B}">
-                  <ma14:wrappingTextBoxFlag xmlns="" xmlns:ma14="http://schemas.microsoft.com/office/mac/drawingml/2011/main" val="1"/>
+                  <ma14:wrappingTextBoxFlag xmlns:ma14="http://schemas.microsoft.com/office/mac/drawingml/2011/main" xmlns="" val="1"/>
                 </a:ext>
               </a:extLst>
             </p:spPr>
@@ -20473,35 +20473,35 @@
                 <a:gridCol w="1889806">
                   <a:extLst>
                     <a:ext uri="{9D8B030D-6E8A-4147-A177-3AD203B41FA5}">
-                      <a16:colId xmlns:a16="http://schemas.microsoft.com/office/drawing/2014/main" val="1331546803"/>
+                      <a16:colId xmlns:a16="http://schemas.microsoft.com/office/drawing/2014/main" xmlns="" val="1331546803"/>
                     </a:ext>
                   </a:extLst>
                 </a:gridCol>
                 <a:gridCol w="5724000">
                   <a:extLst>
                     <a:ext uri="{9D8B030D-6E8A-4147-A177-3AD203B41FA5}">
-                      <a16:colId xmlns:a16="http://schemas.microsoft.com/office/drawing/2014/main" val="592452860"/>
+                      <a16:colId xmlns:a16="http://schemas.microsoft.com/office/drawing/2014/main" xmlns="" val="592452860"/>
                     </a:ext>
                   </a:extLst>
                 </a:gridCol>
                 <a:gridCol w="4396768">
                   <a:extLst>
                     <a:ext uri="{9D8B030D-6E8A-4147-A177-3AD203B41FA5}">
-                      <a16:colId xmlns:a16="http://schemas.microsoft.com/office/drawing/2014/main" val="2855384874"/>
+                      <a16:colId xmlns:a16="http://schemas.microsoft.com/office/drawing/2014/main" xmlns="" val="2855384874"/>
                     </a:ext>
                   </a:extLst>
                 </a:gridCol>
                 <a:gridCol w="5524832">
                   <a:extLst>
                     <a:ext uri="{9D8B030D-6E8A-4147-A177-3AD203B41FA5}">
-                      <a16:colId xmlns:a16="http://schemas.microsoft.com/office/drawing/2014/main" val="1283034067"/>
+                      <a16:colId xmlns:a16="http://schemas.microsoft.com/office/drawing/2014/main" xmlns="" val="1283034067"/>
                     </a:ext>
                   </a:extLst>
                 </a:gridCol>
                 <a:gridCol w="4595936">
                   <a:extLst>
                     <a:ext uri="{9D8B030D-6E8A-4147-A177-3AD203B41FA5}">
-                      <a16:colId xmlns:a16="http://schemas.microsoft.com/office/drawing/2014/main" val="1207319212"/>
+                      <a16:colId xmlns:a16="http://schemas.microsoft.com/office/drawing/2014/main" xmlns="" val="1207319212"/>
                     </a:ext>
                   </a:extLst>
                 </a:gridCol>
@@ -20614,7 +20614,7 @@
                 </a:tc>
                 <a:extLst>
                   <a:ext uri="{0D108BD9-81ED-4DB2-BD59-A6C34878D82A}">
-                    <a16:rowId xmlns:a16="http://schemas.microsoft.com/office/drawing/2014/main" val="2840718307"/>
+                    <a16:rowId xmlns:a16="http://schemas.microsoft.com/office/drawing/2014/main" xmlns="" val="2840718307"/>
                   </a:ext>
                 </a:extLst>
               </a:tr>
@@ -20798,7 +20798,7 @@
                 </a:tc>
                 <a:extLst>
                   <a:ext uri="{0D108BD9-81ED-4DB2-BD59-A6C34878D82A}">
-                    <a16:rowId xmlns:a16="http://schemas.microsoft.com/office/drawing/2014/main" val="3409664433"/>
+                    <a16:rowId xmlns:a16="http://schemas.microsoft.com/office/drawing/2014/main" xmlns="" val="3409664433"/>
                   </a:ext>
                 </a:extLst>
               </a:tr>
@@ -20938,7 +20938,7 @@
                 </a:tc>
                 <a:extLst>
                   <a:ext uri="{0D108BD9-81ED-4DB2-BD59-A6C34878D82A}">
-                    <a16:rowId xmlns:a16="http://schemas.microsoft.com/office/drawing/2014/main" val="3588026496"/>
+                    <a16:rowId xmlns:a16="http://schemas.microsoft.com/office/drawing/2014/main" xmlns="" val="3588026496"/>
                   </a:ext>
                 </a:extLst>
               </a:tr>
@@ -21076,7 +21076,7 @@
                 </a:tc>
                 <a:extLst>
                   <a:ext uri="{0D108BD9-81ED-4DB2-BD59-A6C34878D82A}">
-                    <a16:rowId xmlns:a16="http://schemas.microsoft.com/office/drawing/2014/main" val="1854944390"/>
+                    <a16:rowId xmlns:a16="http://schemas.microsoft.com/office/drawing/2014/main" xmlns="" val="1854944390"/>
                   </a:ext>
                 </a:extLst>
               </a:tr>
@@ -21219,7 +21219,7 @@
                 </a:tc>
                 <a:extLst>
                   <a:ext uri="{0D108BD9-81ED-4DB2-BD59-A6C34878D82A}">
-                    <a16:rowId xmlns:a16="http://schemas.microsoft.com/office/drawing/2014/main" val="2910752589"/>
+                    <a16:rowId xmlns:a16="http://schemas.microsoft.com/office/drawing/2014/main" xmlns="" val="2910752589"/>
                   </a:ext>
                 </a:extLst>
               </a:tr>
@@ -21320,7 +21320,7 @@
                 </a:tc>
                 <a:extLst>
                   <a:ext uri="{0D108BD9-81ED-4DB2-BD59-A6C34878D82A}">
-                    <a16:rowId xmlns:a16="http://schemas.microsoft.com/office/drawing/2014/main" val="2021843552"/>
+                    <a16:rowId xmlns:a16="http://schemas.microsoft.com/office/drawing/2014/main" xmlns="" val="2021843552"/>
                   </a:ext>
                 </a:extLst>
               </a:tr>
@@ -21413,7 +21413,7 @@
                 </a:tc>
                 <a:extLst>
                   <a:ext uri="{0D108BD9-81ED-4DB2-BD59-A6C34878D82A}">
-                    <a16:rowId xmlns:a16="http://schemas.microsoft.com/office/drawing/2014/main" val="2730601987"/>
+                    <a16:rowId xmlns:a16="http://schemas.microsoft.com/office/drawing/2014/main" xmlns="" val="2730601987"/>
                   </a:ext>
                 </a:extLst>
               </a:tr>
@@ -21438,11 +21438,7 @@
           <a:p>
             <a:r>
               <a:rPr lang="ru-RU" dirty="0" smtClean="0"/>
-              <a:t>Программа </a:t>
-            </a:r>
-            <a:r>
-              <a:rPr lang="ru-RU" dirty="0" smtClean="0"/>
-              <a:t>курсов</a:t>
+              <a:t>Программа курсов</a:t>
             </a:r>
             <a:endParaRPr lang="ru-RU" dirty="0"/>
           </a:p>
@@ -21487,135 +21483,6 @@
               <a:t>8</a:t>
             </a:fld>
             <a:endParaRPr lang="ru-RU"/>
-          </a:p>
-        </p:txBody>
-      </p:sp>
-      <p:sp>
-        <p:nvSpPr>
-          <p:cNvPr id="9" name="Скругленная прямоугольная выноска 8"/>
-          <p:cNvSpPr/>
-          <p:nvPr/>
-        </p:nvSpPr>
-        <p:spPr>
-          <a:xfrm>
-            <a:off x="10282957" y="6476575"/>
-            <a:ext cx="8776568" cy="2289600"/>
-          </a:xfrm>
-          <a:prstGeom prst="wedgeRoundRectCallout">
-            <a:avLst>
-              <a:gd name="adj1" fmla="val -69721"/>
-              <a:gd name="adj2" fmla="val -146402"/>
-              <a:gd name="adj3" fmla="val 16667"/>
-            </a:avLst>
-          </a:prstGeom>
-          <a:solidFill>
-            <a:schemeClr val="accent2"/>
-          </a:solidFill>
-          <a:ln w="38100">
-            <a:noFill/>
-          </a:ln>
-        </p:spPr>
-        <p:style>
-          <a:lnRef idx="2">
-            <a:schemeClr val="accent1">
-              <a:shade val="50000"/>
-            </a:schemeClr>
-          </a:lnRef>
-          <a:fillRef idx="1">
-            <a:schemeClr val="accent1"/>
-          </a:fillRef>
-          <a:effectRef idx="0">
-            <a:schemeClr val="accent1"/>
-          </a:effectRef>
-          <a:fontRef idx="minor">
-            <a:schemeClr val="lt1"/>
-          </a:fontRef>
-        </p:style>
-        <p:txBody>
-          <a:bodyPr rtlCol="0" anchor="ctr"/>
-          <a:lstStyle/>
-          <a:p>
-            <a:pPr algn="ctr"/>
-            <a:r>
-              <a:rPr lang="en-US" dirty="0" smtClean="0">
-                <a:solidFill>
-                  <a:schemeClr val="tx1"/>
-                </a:solidFill>
-              </a:rPr>
-              <a:t>vector </a:t>
-            </a:r>
-            <a:r>
-              <a:rPr lang="ru-RU" dirty="0" smtClean="0">
-                <a:solidFill>
-                  <a:schemeClr val="tx1"/>
-                </a:solidFill>
-              </a:rPr>
-              <a:t>и </a:t>
-            </a:r>
-            <a:r>
-              <a:rPr lang="en-US" dirty="0" smtClean="0">
-                <a:solidFill>
-                  <a:schemeClr val="tx1"/>
-                </a:solidFill>
-              </a:rPr>
-              <a:t>map </a:t>
-            </a:r>
-            <a:r>
-              <a:rPr lang="ru-RU" dirty="0" smtClean="0">
-                <a:solidFill>
-                  <a:schemeClr val="tx1"/>
-                </a:solidFill>
-              </a:rPr>
-              <a:t>появляются во 2-м видео</a:t>
-            </a:r>
-            <a:r>
-              <a:rPr lang="en-US" dirty="0" smtClean="0">
-                <a:solidFill>
-                  <a:schemeClr val="tx1"/>
-                </a:solidFill>
-              </a:rPr>
-              <a:t>,</a:t>
-            </a:r>
-            <a:endParaRPr lang="ru-RU" dirty="0" smtClean="0">
-              <a:solidFill>
-                <a:schemeClr val="tx1"/>
-              </a:solidFill>
-            </a:endParaRPr>
-          </a:p>
-          <a:p>
-            <a:pPr algn="ctr"/>
-            <a:r>
-              <a:rPr lang="en-US" dirty="0" smtClean="0">
-                <a:solidFill>
-                  <a:schemeClr val="tx1"/>
-                </a:solidFill>
-              </a:rPr>
-              <a:t>sort </a:t>
-            </a:r>
-            <a:r>
-              <a:rPr lang="ru-RU" dirty="0" smtClean="0">
-                <a:solidFill>
-                  <a:schemeClr val="tx1"/>
-                </a:solidFill>
-              </a:rPr>
-              <a:t>и </a:t>
-            </a:r>
-            <a:r>
-              <a:rPr lang="en-US" dirty="0" smtClean="0">
-                <a:solidFill>
-                  <a:schemeClr val="tx1"/>
-                </a:solidFill>
-              </a:rPr>
-              <a:t>count — </a:t>
-            </a:r>
-            <a:r>
-              <a:rPr lang="ru-RU" dirty="0" smtClean="0">
-                <a:solidFill>
-                  <a:schemeClr val="tx1"/>
-                </a:solidFill>
-              </a:rPr>
-              <a:t>в 4-м</a:t>
-            </a:r>
           </a:p>
         </p:txBody>
       </p:sp>
@@ -21815,7 +21682,7 @@
                             </p:stCondLst>
                             <p:childTnLst>
                               <p:par>
-                                <p:cTn id="5" presetID="1" presetClass="entr" presetSubtype="0" fill="hold" grpId="0" nodeType="clickEffect">
+                                <p:cTn id="5" presetID="47" presetClass="entr" presetSubtype="0" fill="hold" grpId="0" nodeType="clickEffect">
                                   <p:stCondLst>
                                     <p:cond delay="0"/>
                                   </p:stCondLst>
@@ -21823,78 +21690,6 @@
                                     <p:set>
                                       <p:cBhvr>
                                         <p:cTn id="6" dur="1" fill="hold">
-                                          <p:stCondLst>
-                                            <p:cond delay="0"/>
-                                          </p:stCondLst>
-                                        </p:cTn>
-                                        <p:tgtEl>
-                                          <p:spTgt spid="9"/>
-                                        </p:tgtEl>
-                                        <p:attrNameLst>
-                                          <p:attrName>style.visibility</p:attrName>
-                                        </p:attrNameLst>
-                                      </p:cBhvr>
-                                      <p:to>
-                                        <p:strVal val="visible"/>
-                                      </p:to>
-                                    </p:set>
-                                  </p:childTnLst>
-                                </p:cTn>
-                              </p:par>
-                            </p:childTnLst>
-                          </p:cTn>
-                        </p:par>
-                      </p:childTnLst>
-                    </p:cTn>
-                  </p:par>
-                  <p:par>
-                    <p:cTn id="7" fill="hold">
-                      <p:stCondLst>
-                        <p:cond delay="indefinite"/>
-                      </p:stCondLst>
-                      <p:childTnLst>
-                        <p:par>
-                          <p:cTn id="8" fill="hold">
-                            <p:stCondLst>
-                              <p:cond delay="0"/>
-                            </p:stCondLst>
-                            <p:childTnLst>
-                              <p:par>
-                                <p:cTn id="9" presetID="1" presetClass="exit" presetSubtype="0" fill="hold" grpId="1" nodeType="clickEffect">
-                                  <p:stCondLst>
-                                    <p:cond delay="0"/>
-                                  </p:stCondLst>
-                                  <p:childTnLst>
-                                    <p:set>
-                                      <p:cBhvr>
-                                        <p:cTn id="10" dur="1" fill="hold">
-                                          <p:stCondLst>
-                                            <p:cond delay="0"/>
-                                          </p:stCondLst>
-                                        </p:cTn>
-                                        <p:tgtEl>
-                                          <p:spTgt spid="9"/>
-                                        </p:tgtEl>
-                                        <p:attrNameLst>
-                                          <p:attrName>style.visibility</p:attrName>
-                                        </p:attrNameLst>
-                                      </p:cBhvr>
-                                      <p:to>
-                                        <p:strVal val="hidden"/>
-                                      </p:to>
-                                    </p:set>
-                                  </p:childTnLst>
-                                </p:cTn>
-                              </p:par>
-                              <p:par>
-                                <p:cTn id="11" presetID="47" presetClass="entr" presetSubtype="0" fill="hold" grpId="0" nodeType="withEffect">
-                                  <p:stCondLst>
-                                    <p:cond delay="0"/>
-                                  </p:stCondLst>
-                                  <p:childTnLst>
-                                    <p:set>
-                                      <p:cBhvr>
-                                        <p:cTn id="12" dur="1" fill="hold">
                                           <p:stCondLst>
                                             <p:cond delay="0"/>
                                           </p:stCondLst>
@@ -21912,7 +21707,7 @@
                                     </p:set>
                                     <p:animEffect transition="in" filter="fade">
                                       <p:cBhvr>
-                                        <p:cTn id="13" dur="500"/>
+                                        <p:cTn id="7" dur="500"/>
                                         <p:tgtEl>
                                           <p:spTgt spid="12"/>
                                         </p:tgtEl>
@@ -21920,7 +21715,7 @@
                                     </p:animEffect>
                                     <p:anim calcmode="lin" valueType="num">
                                       <p:cBhvr>
-                                        <p:cTn id="14" dur="500" fill="hold"/>
+                                        <p:cTn id="8" dur="500" fill="hold"/>
                                         <p:tgtEl>
                                           <p:spTgt spid="12"/>
                                         </p:tgtEl>
@@ -21943,7 +21738,7 @@
                                     </p:anim>
                                     <p:anim calcmode="lin" valueType="num">
                                       <p:cBhvr>
-                                        <p:cTn id="15" dur="500" fill="hold"/>
+                                        <p:cTn id="9" dur="500" fill="hold"/>
                                         <p:tgtEl>
                                           <p:spTgt spid="12"/>
                                         </p:tgtEl>
@@ -21968,14 +21763,14 @@
                                 </p:cTn>
                               </p:par>
                               <p:par>
-                                <p:cTn id="16" presetID="47" presetClass="entr" presetSubtype="0" fill="hold" grpId="0" nodeType="withEffect">
+                                <p:cTn id="10" presetID="47" presetClass="entr" presetSubtype="0" fill="hold" grpId="0" nodeType="withEffect">
                                   <p:stCondLst>
                                     <p:cond delay="0"/>
                                   </p:stCondLst>
                                   <p:childTnLst>
                                     <p:set>
                                       <p:cBhvr>
-                                        <p:cTn id="17" dur="1" fill="hold">
+                                        <p:cTn id="11" dur="1" fill="hold">
                                           <p:stCondLst>
                                             <p:cond delay="0"/>
                                           </p:stCondLst>
@@ -21993,7 +21788,7 @@
                                     </p:set>
                                     <p:animEffect transition="in" filter="fade">
                                       <p:cBhvr>
-                                        <p:cTn id="18" dur="500"/>
+                                        <p:cTn id="12" dur="500"/>
                                         <p:tgtEl>
                                           <p:spTgt spid="13"/>
                                         </p:tgtEl>
@@ -22001,7 +21796,7 @@
                                     </p:animEffect>
                                     <p:anim calcmode="lin" valueType="num">
                                       <p:cBhvr>
-                                        <p:cTn id="19" dur="500" fill="hold"/>
+                                        <p:cTn id="13" dur="500" fill="hold"/>
                                         <p:tgtEl>
                                           <p:spTgt spid="13"/>
                                         </p:tgtEl>
@@ -22024,7 +21819,7 @@
                                     </p:anim>
                                     <p:anim calcmode="lin" valueType="num">
                                       <p:cBhvr>
-                                        <p:cTn id="20" dur="500" fill="hold"/>
+                                        <p:cTn id="14" dur="500" fill="hold"/>
                                         <p:tgtEl>
                                           <p:spTgt spid="13"/>
                                         </p:tgtEl>
@@ -22049,14 +21844,14 @@
                                 </p:cTn>
                               </p:par>
                               <p:par>
-                                <p:cTn id="21" presetID="47" presetClass="entr" presetSubtype="0" fill="hold" grpId="0" nodeType="withEffect">
+                                <p:cTn id="15" presetID="47" presetClass="entr" presetSubtype="0" fill="hold" grpId="0" nodeType="withEffect">
                                   <p:stCondLst>
                                     <p:cond delay="0"/>
                                   </p:stCondLst>
                                   <p:childTnLst>
                                     <p:set>
                                       <p:cBhvr>
-                                        <p:cTn id="22" dur="1" fill="hold">
+                                        <p:cTn id="16" dur="1" fill="hold">
                                           <p:stCondLst>
                                             <p:cond delay="0"/>
                                           </p:stCondLst>
@@ -22074,7 +21869,7 @@
                                     </p:set>
                                     <p:animEffect transition="in" filter="fade">
                                       <p:cBhvr>
-                                        <p:cTn id="23" dur="500"/>
+                                        <p:cTn id="17" dur="500"/>
                                         <p:tgtEl>
                                           <p:spTgt spid="14"/>
                                         </p:tgtEl>
@@ -22082,7 +21877,7 @@
                                     </p:animEffect>
                                     <p:anim calcmode="lin" valueType="num">
                                       <p:cBhvr>
-                                        <p:cTn id="24" dur="500" fill="hold"/>
+                                        <p:cTn id="18" dur="500" fill="hold"/>
                                         <p:tgtEl>
                                           <p:spTgt spid="14"/>
                                         </p:tgtEl>
@@ -22105,7 +21900,7 @@
                                     </p:anim>
                                     <p:anim calcmode="lin" valueType="num">
                                       <p:cBhvr>
-                                        <p:cTn id="25" dur="500" fill="hold"/>
+                                        <p:cTn id="19" dur="500" fill="hold"/>
                                         <p:tgtEl>
                                           <p:spTgt spid="14"/>
                                         </p:tgtEl>
@@ -22130,14 +21925,14 @@
                                 </p:cTn>
                               </p:par>
                               <p:par>
-                                <p:cTn id="26" presetID="1" presetClass="entr" presetSubtype="0" fill="hold" grpId="0" nodeType="withEffect">
+                                <p:cTn id="20" presetID="1" presetClass="entr" presetSubtype="0" fill="hold" grpId="0" nodeType="withEffect">
                                   <p:stCondLst>
                                     <p:cond delay="0"/>
                                   </p:stCondLst>
                                   <p:childTnLst>
                                     <p:set>
                                       <p:cBhvr>
-                                        <p:cTn id="27" dur="1" fill="hold">
+                                        <p:cTn id="21" dur="1" fill="hold">
                                           <p:stCondLst>
                                             <p:cond delay="0"/>
                                           </p:stCondLst>
@@ -22157,14 +21952,14 @@
                                 </p:cTn>
                               </p:par>
                               <p:par>
-                                <p:cTn id="28" presetID="1" presetClass="entr" presetSubtype="0" fill="hold" grpId="0" nodeType="withEffect">
+                                <p:cTn id="22" presetID="1" presetClass="entr" presetSubtype="0" fill="hold" grpId="0" nodeType="withEffect">
                                   <p:stCondLst>
                                     <p:cond delay="0"/>
                                   </p:stCondLst>
                                   <p:childTnLst>
                                     <p:set>
                                       <p:cBhvr>
-                                        <p:cTn id="29" dur="1" fill="hold">
+                                        <p:cTn id="23" dur="1" fill="hold">
                                           <p:stCondLst>
                                             <p:cond delay="0"/>
                                           </p:stCondLst>
@@ -22184,14 +21979,14 @@
                                 </p:cTn>
                               </p:par>
                               <p:par>
-                                <p:cTn id="30" presetID="1" presetClass="entr" presetSubtype="0" fill="hold" grpId="0" nodeType="withEffect">
+                                <p:cTn id="24" presetID="1" presetClass="entr" presetSubtype="0" fill="hold" grpId="0" nodeType="withEffect">
                                   <p:stCondLst>
                                     <p:cond delay="0"/>
                                   </p:stCondLst>
                                   <p:childTnLst>
                                     <p:set>
                                       <p:cBhvr>
-                                        <p:cTn id="31" dur="1" fill="hold">
+                                        <p:cTn id="25" dur="1" fill="hold">
                                           <p:stCondLst>
                                             <p:cond delay="0"/>
                                           </p:stCondLst>
@@ -22211,14 +22006,14 @@
                                 </p:cTn>
                               </p:par>
                               <p:par>
-                                <p:cTn id="32" presetID="1" presetClass="entr" presetSubtype="0" fill="hold" grpId="0" nodeType="withEffect">
+                                <p:cTn id="26" presetID="1" presetClass="entr" presetSubtype="0" fill="hold" grpId="0" nodeType="withEffect">
                                   <p:stCondLst>
                                     <p:cond delay="0"/>
                                   </p:stCondLst>
                                   <p:childTnLst>
                                     <p:set>
                                       <p:cBhvr>
-                                        <p:cTn id="33" dur="1" fill="hold">
+                                        <p:cTn id="27" dur="1" fill="hold">
                                           <p:stCondLst>
                                             <p:cond delay="0"/>
                                           </p:stCondLst>
@@ -22269,8 +22064,6 @@
       <p:bldP spid="10" grpId="0" animBg="1"/>
       <p:bldP spid="8" grpId="0" animBg="1"/>
       <p:bldP spid="11" grpId="0" animBg="1"/>
-      <p:bldP spid="9" grpId="0" animBg="1"/>
-      <p:bldP spid="9" grpId="1" animBg="1"/>
       <p:bldP spid="12" grpId="0" animBg="1"/>
       <p:bldP spid="13" grpId="0" animBg="1"/>
       <p:bldP spid="14" grpId="0" animBg="1"/>
@@ -22325,35 +22118,35 @@
                 <a:gridCol w="1889806">
                   <a:extLst>
                     <a:ext uri="{9D8B030D-6E8A-4147-A177-3AD203B41FA5}">
-                      <a16:colId xmlns:a16="http://schemas.microsoft.com/office/drawing/2014/main" val="1331546803"/>
+                      <a16:colId xmlns:a16="http://schemas.microsoft.com/office/drawing/2014/main" xmlns="" val="1331546803"/>
                     </a:ext>
                   </a:extLst>
                 </a:gridCol>
                 <a:gridCol w="5724000">
                   <a:extLst>
                     <a:ext uri="{9D8B030D-6E8A-4147-A177-3AD203B41FA5}">
-                      <a16:colId xmlns:a16="http://schemas.microsoft.com/office/drawing/2014/main" val="592452860"/>
+                      <a16:colId xmlns:a16="http://schemas.microsoft.com/office/drawing/2014/main" xmlns="" val="592452860"/>
                     </a:ext>
                   </a:extLst>
                 </a:gridCol>
                 <a:gridCol w="4396768">
                   <a:extLst>
                     <a:ext uri="{9D8B030D-6E8A-4147-A177-3AD203B41FA5}">
-                      <a16:colId xmlns:a16="http://schemas.microsoft.com/office/drawing/2014/main" val="2855384874"/>
+                      <a16:colId xmlns:a16="http://schemas.microsoft.com/office/drawing/2014/main" xmlns="" val="2855384874"/>
                     </a:ext>
                   </a:extLst>
                 </a:gridCol>
                 <a:gridCol w="5524832">
                   <a:extLst>
                     <a:ext uri="{9D8B030D-6E8A-4147-A177-3AD203B41FA5}">
-                      <a16:colId xmlns:a16="http://schemas.microsoft.com/office/drawing/2014/main" val="1283034067"/>
+                      <a16:colId xmlns:a16="http://schemas.microsoft.com/office/drawing/2014/main" xmlns="" val="1283034067"/>
                     </a:ext>
                   </a:extLst>
                 </a:gridCol>
                 <a:gridCol w="4595936">
                   <a:extLst>
                     <a:ext uri="{9D8B030D-6E8A-4147-A177-3AD203B41FA5}">
-                      <a16:colId xmlns:a16="http://schemas.microsoft.com/office/drawing/2014/main" val="1207319212"/>
+                      <a16:colId xmlns:a16="http://schemas.microsoft.com/office/drawing/2014/main" xmlns="" val="1207319212"/>
                     </a:ext>
                   </a:extLst>
                 </a:gridCol>
@@ -22466,7 +22259,7 @@
                 </a:tc>
                 <a:extLst>
                   <a:ext uri="{0D108BD9-81ED-4DB2-BD59-A6C34878D82A}">
-                    <a16:rowId xmlns:a16="http://schemas.microsoft.com/office/drawing/2014/main" val="2840718307"/>
+                    <a16:rowId xmlns:a16="http://schemas.microsoft.com/office/drawing/2014/main" xmlns="" val="2840718307"/>
                   </a:ext>
                 </a:extLst>
               </a:tr>
@@ -22650,7 +22443,7 @@
                 </a:tc>
                 <a:extLst>
                   <a:ext uri="{0D108BD9-81ED-4DB2-BD59-A6C34878D82A}">
-                    <a16:rowId xmlns:a16="http://schemas.microsoft.com/office/drawing/2014/main" val="3409664433"/>
+                    <a16:rowId xmlns:a16="http://schemas.microsoft.com/office/drawing/2014/main" xmlns="" val="3409664433"/>
                   </a:ext>
                 </a:extLst>
               </a:tr>
@@ -22790,7 +22583,7 @@
                 </a:tc>
                 <a:extLst>
                   <a:ext uri="{0D108BD9-81ED-4DB2-BD59-A6C34878D82A}">
-                    <a16:rowId xmlns:a16="http://schemas.microsoft.com/office/drawing/2014/main" val="3588026496"/>
+                    <a16:rowId xmlns:a16="http://schemas.microsoft.com/office/drawing/2014/main" xmlns="" val="3588026496"/>
                   </a:ext>
                 </a:extLst>
               </a:tr>
@@ -22928,7 +22721,7 @@
                 </a:tc>
                 <a:extLst>
                   <a:ext uri="{0D108BD9-81ED-4DB2-BD59-A6C34878D82A}">
-                    <a16:rowId xmlns:a16="http://schemas.microsoft.com/office/drawing/2014/main" val="1854944390"/>
+                    <a16:rowId xmlns:a16="http://schemas.microsoft.com/office/drawing/2014/main" xmlns="" val="1854944390"/>
                   </a:ext>
                 </a:extLst>
               </a:tr>
@@ -23071,7 +22864,7 @@
                 </a:tc>
                 <a:extLst>
                   <a:ext uri="{0D108BD9-81ED-4DB2-BD59-A6C34878D82A}">
-                    <a16:rowId xmlns:a16="http://schemas.microsoft.com/office/drawing/2014/main" val="2910752589"/>
+                    <a16:rowId xmlns:a16="http://schemas.microsoft.com/office/drawing/2014/main" xmlns="" val="2910752589"/>
                   </a:ext>
                 </a:extLst>
               </a:tr>
@@ -23172,7 +22965,7 @@
                 </a:tc>
                 <a:extLst>
                   <a:ext uri="{0D108BD9-81ED-4DB2-BD59-A6C34878D82A}">
-                    <a16:rowId xmlns:a16="http://schemas.microsoft.com/office/drawing/2014/main" val="2021843552"/>
+                    <a16:rowId xmlns:a16="http://schemas.microsoft.com/office/drawing/2014/main" xmlns="" val="2021843552"/>
                   </a:ext>
                 </a:extLst>
               </a:tr>
@@ -23250,7 +23043,7 @@
                 </a:tc>
                 <a:extLst>
                   <a:ext uri="{0D108BD9-81ED-4DB2-BD59-A6C34878D82A}">
-                    <a16:rowId xmlns:a16="http://schemas.microsoft.com/office/drawing/2014/main" val="2730601987"/>
+                    <a16:rowId xmlns:a16="http://schemas.microsoft.com/office/drawing/2014/main" xmlns="" val="2730601987"/>
                   </a:ext>
                 </a:extLst>
               </a:tr>
@@ -23275,11 +23068,7 @@
           <a:p>
             <a:r>
               <a:rPr lang="ru-RU" smtClean="0"/>
-              <a:t>Программа </a:t>
-            </a:r>
-            <a:r>
-              <a:rPr lang="ru-RU" smtClean="0"/>
-              <a:t>курсов</a:t>
+              <a:t>Программа курсов</a:t>
             </a:r>
             <a:endParaRPr lang="ru-RU" dirty="0"/>
           </a:p>

--- a/slides.pptx
+++ b/slides.pptx
@@ -5,10 +5,10 @@
     <p:sldMasterId id="2147483684" r:id="rId1"/>
   </p:sldMasterIdLst>
   <p:notesMasterIdLst>
-    <p:notesMasterId r:id="rId25"/>
+    <p:notesMasterId r:id="rId24"/>
   </p:notesMasterIdLst>
   <p:handoutMasterIdLst>
-    <p:handoutMasterId r:id="rId26"/>
+    <p:handoutMasterId r:id="rId25"/>
   </p:handoutMasterIdLst>
   <p:sldIdLst>
     <p:sldId id="746" r:id="rId2"/>
@@ -21,19 +21,18 @@
     <p:sldId id="764" r:id="rId9"/>
     <p:sldId id="808" r:id="rId10"/>
     <p:sldId id="765" r:id="rId11"/>
-    <p:sldId id="768" r:id="rId12"/>
-    <p:sldId id="767" r:id="rId13"/>
-    <p:sldId id="769" r:id="rId14"/>
-    <p:sldId id="819" r:id="rId15"/>
-    <p:sldId id="820" r:id="rId16"/>
-    <p:sldId id="821" r:id="rId17"/>
-    <p:sldId id="822" r:id="rId18"/>
-    <p:sldId id="814" r:id="rId19"/>
-    <p:sldId id="816" r:id="rId20"/>
-    <p:sldId id="796" r:id="rId21"/>
-    <p:sldId id="792" r:id="rId22"/>
-    <p:sldId id="783" r:id="rId23"/>
-    <p:sldId id="785" r:id="rId24"/>
+    <p:sldId id="767" r:id="rId12"/>
+    <p:sldId id="769" r:id="rId13"/>
+    <p:sldId id="819" r:id="rId14"/>
+    <p:sldId id="820" r:id="rId15"/>
+    <p:sldId id="821" r:id="rId16"/>
+    <p:sldId id="822" r:id="rId17"/>
+    <p:sldId id="814" r:id="rId18"/>
+    <p:sldId id="816" r:id="rId19"/>
+    <p:sldId id="796" r:id="rId20"/>
+    <p:sldId id="792" r:id="rId21"/>
+    <p:sldId id="783" r:id="rId22"/>
+    <p:sldId id="785" r:id="rId23"/>
   </p:sldIdLst>
   <p:sldSz cx="24382413" cy="13716000"/>
   <p:notesSz cx="6858000" cy="9144000"/>
@@ -147,7 +146,6 @@
             <p14:sldId id="764"/>
             <p14:sldId id="808"/>
             <p14:sldId id="765"/>
-            <p14:sldId id="768"/>
             <p14:sldId id="767"/>
             <p14:sldId id="769"/>
             <p14:sldId id="819"/>
@@ -270,7 +268,7 @@
           <a:p>
             <a:fld id="{7C2C5C60-F37A-814E-99F6-3C775637DBC0}" type="datetimeFigureOut">
               <a:rPr lang="ru-RU" smtClean="0"/>
-              <a:t>03.10.2018</a:t>
+              <a:t>09.10.2018</a:t>
             </a:fld>
             <a:endParaRPr lang="ru-RU"/>
           </a:p>
@@ -435,7 +433,7 @@
           <a:p>
             <a:fld id="{A48BA324-014D-41B7-8E83-ECE8F197A959}" type="datetimeFigureOut">
               <a:rPr lang="ru-RU" smtClean="0"/>
-              <a:t>03.10.2018</a:t>
+              <a:t>09.10.2018</a:t>
             </a:fld>
             <a:endParaRPr lang="ru-RU"/>
           </a:p>
@@ -4974,7 +4972,7 @@
           <p:cNvPr id="2" name="Группа 1">
             <a:extLst>
               <a:ext uri="{FF2B5EF4-FFF2-40B4-BE49-F238E27FC236}">
-                <a16:creationId xmlns:a16="http://schemas.microsoft.com/office/drawing/2014/main" xmlns="" id="{32510620-9203-6A4F-8215-EE5B71D8CB96}"/>
+                <a16:creationId xmlns:a16="http://schemas.microsoft.com/office/drawing/2014/main" id="{32510620-9203-6A4F-8215-EE5B71D8CB96}"/>
               </a:ext>
             </a:extLst>
           </p:cNvPr>
@@ -4994,7 +4992,7 @@
             <p:cNvPr id="17" name="Прямоугольник 16">
               <a:extLst>
                 <a:ext uri="{FF2B5EF4-FFF2-40B4-BE49-F238E27FC236}">
-                  <a16:creationId xmlns:a16="http://schemas.microsoft.com/office/drawing/2014/main" xmlns="" id="{73034AE5-F458-B44E-A08D-78D8FD2FBBED}"/>
+                  <a16:creationId xmlns:a16="http://schemas.microsoft.com/office/drawing/2014/main" id="{73034AE5-F458-B44E-A08D-78D8FD2FBBED}"/>
                 </a:ext>
               </a:extLst>
             </p:cNvPr>
@@ -5046,7 +5044,7 @@
             <p:cNvPr id="18" name="Изображение 42">
               <a:extLst>
                 <a:ext uri="{FF2B5EF4-FFF2-40B4-BE49-F238E27FC236}">
-                  <a16:creationId xmlns:a16="http://schemas.microsoft.com/office/drawing/2014/main" xmlns="" id="{FF9B81E1-5EBD-1247-A39B-278A79BDFCD5}"/>
+                  <a16:creationId xmlns:a16="http://schemas.microsoft.com/office/drawing/2014/main" id="{FF9B81E1-5EBD-1247-A39B-278A79BDFCD5}"/>
                 </a:ext>
               </a:extLst>
             </p:cNvPr>
@@ -5468,7 +5466,7 @@
           <p:cNvPr id="16" name="Текст 9">
             <a:extLst>
               <a:ext uri="{FF2B5EF4-FFF2-40B4-BE49-F238E27FC236}">
-                <a16:creationId xmlns:a16="http://schemas.microsoft.com/office/drawing/2014/main" xmlns="" id="{DEC5E0E5-E30B-4642-9B18-19724D6B7066}"/>
+                <a16:creationId xmlns:a16="http://schemas.microsoft.com/office/drawing/2014/main" id="{DEC5E0E5-E30B-4642-9B18-19724D6B7066}"/>
               </a:ext>
             </a:extLst>
           </p:cNvPr>
@@ -5507,7 +5505,7 @@
           <p:cNvPr id="18" name="Группа 17">
             <a:extLst>
               <a:ext uri="{FF2B5EF4-FFF2-40B4-BE49-F238E27FC236}">
-                <a16:creationId xmlns:a16="http://schemas.microsoft.com/office/drawing/2014/main" xmlns="" id="{60F32FEE-012A-2044-BC37-D3F532564E0E}"/>
+                <a16:creationId xmlns:a16="http://schemas.microsoft.com/office/drawing/2014/main" id="{60F32FEE-012A-2044-BC37-D3F532564E0E}"/>
               </a:ext>
             </a:extLst>
           </p:cNvPr>
@@ -5527,7 +5525,7 @@
             <p:cNvPr id="21" name="Прямоугольник 20">
               <a:extLst>
                 <a:ext uri="{FF2B5EF4-FFF2-40B4-BE49-F238E27FC236}">
-                  <a16:creationId xmlns:a16="http://schemas.microsoft.com/office/drawing/2014/main" xmlns="" id="{281580E8-1D7B-904D-A3CC-B3059675D955}"/>
+                  <a16:creationId xmlns:a16="http://schemas.microsoft.com/office/drawing/2014/main" id="{281580E8-1D7B-904D-A3CC-B3059675D955}"/>
                 </a:ext>
               </a:extLst>
             </p:cNvPr>
@@ -5579,7 +5577,7 @@
             <p:cNvPr id="24" name="Изображение 42">
               <a:extLst>
                 <a:ext uri="{FF2B5EF4-FFF2-40B4-BE49-F238E27FC236}">
-                  <a16:creationId xmlns:a16="http://schemas.microsoft.com/office/drawing/2014/main" xmlns="" id="{76CC79E5-0405-8F45-9BB8-F4948BD253E5}"/>
+                  <a16:creationId xmlns:a16="http://schemas.microsoft.com/office/drawing/2014/main" id="{76CC79E5-0405-8F45-9BB8-F4948BD253E5}"/>
                 </a:ext>
               </a:extLst>
             </p:cNvPr>
@@ -5610,7 +5608,7 @@
           <p:cNvPr id="27" name="Текст 9">
             <a:extLst>
               <a:ext uri="{FF2B5EF4-FFF2-40B4-BE49-F238E27FC236}">
-                <a16:creationId xmlns:a16="http://schemas.microsoft.com/office/drawing/2014/main" xmlns="" id="{E6789703-35B8-334E-A41E-27BF0926FCFA}"/>
+                <a16:creationId xmlns:a16="http://schemas.microsoft.com/office/drawing/2014/main" id="{E6789703-35B8-334E-A41E-27BF0926FCFA}"/>
               </a:ext>
             </a:extLst>
           </p:cNvPr>
@@ -5649,7 +5647,7 @@
           <p:cNvPr id="29" name="Группа 28">
             <a:extLst>
               <a:ext uri="{FF2B5EF4-FFF2-40B4-BE49-F238E27FC236}">
-                <a16:creationId xmlns:a16="http://schemas.microsoft.com/office/drawing/2014/main" xmlns="" id="{534F831D-7B0A-284C-9078-8D0296129AB3}"/>
+                <a16:creationId xmlns:a16="http://schemas.microsoft.com/office/drawing/2014/main" id="{534F831D-7B0A-284C-9078-8D0296129AB3}"/>
               </a:ext>
             </a:extLst>
           </p:cNvPr>
@@ -5669,7 +5667,7 @@
             <p:cNvPr id="30" name="Прямоугольник 29">
               <a:extLst>
                 <a:ext uri="{FF2B5EF4-FFF2-40B4-BE49-F238E27FC236}">
-                  <a16:creationId xmlns:a16="http://schemas.microsoft.com/office/drawing/2014/main" xmlns="" id="{B1E449D6-F200-C047-A4BD-41695AF9314A}"/>
+                  <a16:creationId xmlns:a16="http://schemas.microsoft.com/office/drawing/2014/main" id="{B1E449D6-F200-C047-A4BD-41695AF9314A}"/>
                 </a:ext>
               </a:extLst>
             </p:cNvPr>
@@ -5721,7 +5719,7 @@
             <p:cNvPr id="31" name="Изображение 42">
               <a:extLst>
                 <a:ext uri="{FF2B5EF4-FFF2-40B4-BE49-F238E27FC236}">
-                  <a16:creationId xmlns:a16="http://schemas.microsoft.com/office/drawing/2014/main" xmlns="" id="{9CB34F08-90AE-5447-8963-945F9D476869}"/>
+                  <a16:creationId xmlns:a16="http://schemas.microsoft.com/office/drawing/2014/main" id="{9CB34F08-90AE-5447-8963-945F9D476869}"/>
                 </a:ext>
               </a:extLst>
             </p:cNvPr>
@@ -5858,7 +5856,7 @@
           </a:ln>
           <a:extLst>
             <a:ext uri="{C572A759-6A51-4108-AA02-DFA0A04FC94B}">
-              <ma14:wrappingTextBoxFlag xmlns:ma14="http://schemas.microsoft.com/office/mac/drawingml/2011/main" xmlns="" val="1"/>
+              <ma14:wrappingTextBoxFlag xmlns="" xmlns:ma14="http://schemas.microsoft.com/office/mac/drawingml/2011/main" val="1"/>
             </a:ext>
           </a:extLst>
         </p:spPr>
@@ -5901,7 +5899,7 @@
           </a:ln>
           <a:extLst>
             <a:ext uri="{C572A759-6A51-4108-AA02-DFA0A04FC94B}">
-              <ma14:wrappingTextBoxFlag xmlns:ma14="http://schemas.microsoft.com/office/mac/drawingml/2011/main" xmlns="" val="1"/>
+              <ma14:wrappingTextBoxFlag xmlns="" xmlns:ma14="http://schemas.microsoft.com/office/mac/drawingml/2011/main" val="1"/>
             </a:ext>
           </a:extLst>
         </p:spPr>
@@ -6025,7 +6023,7 @@
           </a:ln>
           <a:extLst>
             <a:ext uri="{C572A759-6A51-4108-AA02-DFA0A04FC94B}">
-              <ma14:wrappingTextBoxFlag xmlns:ma14="http://schemas.microsoft.com/office/mac/drawingml/2011/main" xmlns="" val="1"/>
+              <ma14:wrappingTextBoxFlag xmlns="" xmlns:ma14="http://schemas.microsoft.com/office/mac/drawingml/2011/main" val="1"/>
             </a:ext>
           </a:extLst>
         </p:spPr>
@@ -6116,7 +6114,7 @@
           </a:ln>
           <a:extLst>
             <a:ext uri="{C572A759-6A51-4108-AA02-DFA0A04FC94B}">
-              <ma14:wrappingTextBoxFlag xmlns:ma14="http://schemas.microsoft.com/office/mac/drawingml/2011/main" xmlns="" val="1"/>
+              <ma14:wrappingTextBoxFlag xmlns="" xmlns:ma14="http://schemas.microsoft.com/office/mac/drawingml/2011/main" val="1"/>
             </a:ext>
           </a:extLst>
         </p:spPr>
@@ -6235,7 +6233,7 @@
           </a:ln>
           <a:extLst>
             <a:ext uri="{C572A759-6A51-4108-AA02-DFA0A04FC94B}">
-              <ma14:wrappingTextBoxFlag xmlns:ma14="http://schemas.microsoft.com/office/mac/drawingml/2011/main" xmlns="" val="1"/>
+              <ma14:wrappingTextBoxFlag xmlns="" xmlns:ma14="http://schemas.microsoft.com/office/mac/drawingml/2011/main" val="1"/>
             </a:ext>
           </a:extLst>
         </p:spPr>
@@ -6714,7 +6712,7 @@
           <p:cNvPr id="16" name="Рисунок 15">
             <a:extLst>
               <a:ext uri="{FF2B5EF4-FFF2-40B4-BE49-F238E27FC236}">
-                <a16:creationId xmlns:a16="http://schemas.microsoft.com/office/drawing/2014/main" xmlns="" id="{554116F1-2C0F-2A43-B8D0-9BEE5D326A1F}"/>
+                <a16:creationId xmlns:a16="http://schemas.microsoft.com/office/drawing/2014/main" id="{554116F1-2C0F-2A43-B8D0-9BEE5D326A1F}"/>
               </a:ext>
             </a:extLst>
           </p:cNvPr>
@@ -6750,7 +6748,7 @@
           <p:cNvPr id="23" name="Прямоугольник 22">
             <a:extLst>
               <a:ext uri="{FF2B5EF4-FFF2-40B4-BE49-F238E27FC236}">
-                <a16:creationId xmlns:a16="http://schemas.microsoft.com/office/drawing/2014/main" xmlns="" id="{BEF4D639-ABD3-804D-979A-B956F9097A8F}"/>
+                <a16:creationId xmlns:a16="http://schemas.microsoft.com/office/drawing/2014/main" id="{BEF4D639-ABD3-804D-979A-B956F9097A8F}"/>
               </a:ext>
             </a:extLst>
           </p:cNvPr>
@@ -9729,7 +9727,7 @@
           <p:cNvPr id="6" name="TextBox 5">
             <a:extLst>
               <a:ext uri="{FF2B5EF4-FFF2-40B4-BE49-F238E27FC236}">
-                <a16:creationId xmlns:a16="http://schemas.microsoft.com/office/drawing/2014/main" xmlns="" id="{6AF6C8C0-C266-5C4E-9046-BB97D282CABE}"/>
+                <a16:creationId xmlns:a16="http://schemas.microsoft.com/office/drawing/2014/main" id="{6AF6C8C0-C266-5C4E-9046-BB97D282CABE}"/>
               </a:ext>
             </a:extLst>
           </p:cNvPr>
@@ -9999,7 +9997,7 @@
           <a:p>
             <a:r>
               <a:rPr lang="ru-RU" dirty="0" smtClean="0"/>
-              <a:t>Чему хотим научить</a:t>
+              <a:t>Понятность вместо полноты изложения</a:t>
             </a:r>
             <a:endParaRPr lang="ru-RU" dirty="0"/>
           </a:p>
@@ -10015,213 +10013,65 @@
             <p:ph idx="1"/>
           </p:nvPr>
         </p:nvSpPr>
-        <p:spPr>
-          <a:xfrm>
-            <a:off x="1143000" y="3048000"/>
-            <a:ext cx="22113875" cy="9158288"/>
-          </a:xfrm>
-        </p:spPr>
+        <p:spPr/>
         <p:txBody>
           <a:bodyPr/>
           <a:lstStyle/>
           <a:p>
             <a:pPr lvl="1"/>
             <a:r>
-              <a:rPr lang="ru-RU" dirty="0">
-                <a:solidFill>
-                  <a:schemeClr val="bg1">
-                    <a:lumMod val="75000"/>
-                  </a:schemeClr>
-                </a:solidFill>
-              </a:rPr>
-              <a:t>После прохождения нашей специализации слушатели </a:t>
-            </a:r>
-            <a:r>
-              <a:rPr lang="ru-RU" dirty="0" smtClean="0">
-                <a:solidFill>
-                  <a:schemeClr val="bg1">
-                    <a:lumMod val="75000"/>
-                  </a:schemeClr>
-                </a:solidFill>
-              </a:rPr>
-              <a:t>должны уметь:</a:t>
-            </a:r>
-            <a:endParaRPr lang="ru-RU" dirty="0">
-              <a:solidFill>
-                <a:schemeClr val="bg1">
-                  <a:lumMod val="75000"/>
-                </a:schemeClr>
-              </a:solidFill>
-            </a:endParaRPr>
-          </a:p>
-          <a:p>
-            <a:pPr lvl="2"/>
-            <a:r>
-              <a:rPr lang="ru-RU" dirty="0" smtClean="0">
-                <a:solidFill>
-                  <a:schemeClr val="bg1">
-                    <a:lumMod val="75000"/>
-                  </a:schemeClr>
-                </a:solidFill>
-              </a:rPr>
-              <a:t>самостоятельно </a:t>
-            </a:r>
-            <a:r>
-              <a:rPr lang="ru-RU" dirty="0">
-                <a:solidFill>
-                  <a:schemeClr val="bg1">
-                    <a:lumMod val="75000"/>
-                  </a:schemeClr>
-                </a:solidFill>
-              </a:rPr>
-              <a:t>решать практические задачи на языке С</a:t>
-            </a:r>
-            <a:r>
-              <a:rPr lang="ru-RU" dirty="0" smtClean="0">
-                <a:solidFill>
-                  <a:schemeClr val="bg1">
-                    <a:lumMod val="75000"/>
-                  </a:schemeClr>
-                </a:solidFill>
-              </a:rPr>
-              <a:t>++</a:t>
-            </a:r>
-            <a:endParaRPr lang="ru-RU" dirty="0">
-              <a:solidFill>
-                <a:schemeClr val="bg1">
-                  <a:lumMod val="75000"/>
-                </a:schemeClr>
-              </a:solidFill>
-            </a:endParaRPr>
-          </a:p>
-          <a:p>
-            <a:pPr lvl="2"/>
-            <a:r>
-              <a:rPr lang="ru-RU" dirty="0" smtClean="0">
-                <a:solidFill>
-                  <a:schemeClr val="bg1">
-                    <a:lumMod val="75000"/>
-                  </a:schemeClr>
-                </a:solidFill>
-              </a:rPr>
-              <a:t>применять </a:t>
-            </a:r>
-            <a:r>
-              <a:rPr lang="ru-RU" dirty="0">
-                <a:solidFill>
-                  <a:schemeClr val="bg1">
-                    <a:lumMod val="75000"/>
-                  </a:schemeClr>
-                </a:solidFill>
-              </a:rPr>
-              <a:t>естественные для С++ идиомы и </a:t>
-            </a:r>
-            <a:r>
-              <a:rPr lang="ru-RU" dirty="0" smtClean="0">
-                <a:solidFill>
-                  <a:schemeClr val="bg1">
-                    <a:lumMod val="75000"/>
-                  </a:schemeClr>
-                </a:solidFill>
-              </a:rPr>
-              <a:t>конструкции</a:t>
-            </a:r>
-            <a:endParaRPr lang="ru-RU" dirty="0">
-              <a:solidFill>
-                <a:schemeClr val="bg1">
-                  <a:lumMod val="75000"/>
-                </a:schemeClr>
-              </a:solidFill>
-            </a:endParaRPr>
-          </a:p>
-          <a:p>
-            <a:pPr lvl="2"/>
-            <a:r>
               <a:rPr lang="ru-RU" dirty="0" smtClean="0"/>
-              <a:t>самостоятельно </a:t>
-            </a:r>
-            <a:r>
-              <a:rPr lang="ru-RU" dirty="0"/>
-              <a:t>находить ответы на свои вопросы и изучать язык </a:t>
-            </a:r>
+              <a:t>Нет цели рассказать весь </a:t>
+            </a:r>
+            <a:r>
+              <a:rPr lang="en-US" dirty="0" smtClean="0"/>
+              <a:t>C++</a:t>
+            </a:r>
+          </a:p>
+          <a:p>
+            <a:pPr lvl="1"/>
+            <a:endParaRPr lang="en-US" dirty="0"/>
+          </a:p>
+          <a:p>
+            <a:pPr lvl="1"/>
             <a:r>
               <a:rPr lang="ru-RU" dirty="0" smtClean="0"/>
-              <a:t>глубже</a:t>
-            </a:r>
+              <a:t>Если сразу рассказать всё, б</a:t>
+            </a:r>
+            <a:r>
+              <a:rPr lang="ru-RU" i="1" dirty="0" smtClean="0"/>
+              <a:t>о</a:t>
+            </a:r>
+            <a:r>
+              <a:rPr lang="ru-RU" dirty="0" smtClean="0"/>
+              <a:t>льшая часть просто вылетит</a:t>
+            </a:r>
+          </a:p>
+          <a:p>
+            <a:pPr lvl="1"/>
+            <a:r>
+              <a:rPr lang="ru-RU" dirty="0" smtClean="0"/>
+              <a:t>из головы</a:t>
+            </a:r>
+          </a:p>
+          <a:p>
+            <a:pPr lvl="1"/>
             <a:endParaRPr lang="ru-RU" dirty="0"/>
           </a:p>
           <a:p>
-            <a:pPr lvl="2"/>
-            <a:r>
-              <a:rPr lang="ru-RU" dirty="0" smtClean="0">
-                <a:solidFill>
-                  <a:schemeClr val="bg1">
-                    <a:lumMod val="75000"/>
-                  </a:schemeClr>
-                </a:solidFill>
-              </a:rPr>
-              <a:t>писать </a:t>
-            </a:r>
-            <a:r>
-              <a:rPr lang="ru-RU" dirty="0">
-                <a:solidFill>
-                  <a:schemeClr val="bg1">
-                    <a:lumMod val="75000"/>
-                  </a:schemeClr>
-                </a:solidFill>
-              </a:rPr>
-              <a:t>на С++ эффективный код без ущерба для </a:t>
-            </a:r>
-            <a:r>
-              <a:rPr lang="ru-RU" dirty="0" smtClean="0">
-                <a:solidFill>
-                  <a:schemeClr val="bg1">
-                    <a:lumMod val="75000"/>
-                  </a:schemeClr>
-                </a:solidFill>
-              </a:rPr>
-              <a:t>его качества</a:t>
-            </a:r>
-          </a:p>
-          <a:p>
             <a:pPr lvl="1"/>
-            <a:endParaRPr lang="en-US" dirty="0" smtClean="0">
-              <a:solidFill>
-                <a:schemeClr val="bg1">
-                  <a:lumMod val="75000"/>
-                </a:schemeClr>
-              </a:solidFill>
-            </a:endParaRPr>
+            <a:r>
+              <a:rPr lang="ru-RU" dirty="0" smtClean="0"/>
+              <a:t>На усвоение всего материала требуется значительное время</a:t>
+            </a:r>
           </a:p>
           <a:p>
             <a:pPr lvl="1"/>
-            <a:r>
-              <a:rPr lang="ru-RU" dirty="0" smtClean="0">
-                <a:solidFill>
-                  <a:schemeClr val="bg1">
-                    <a:lumMod val="75000"/>
-                  </a:schemeClr>
-                </a:solidFill>
-              </a:rPr>
-              <a:t>В процессе обучения используем </a:t>
-            </a:r>
-            <a:r>
-              <a:rPr lang="en-US" dirty="0" smtClean="0">
-                <a:solidFill>
-                  <a:schemeClr val="bg1">
-                    <a:lumMod val="75000"/>
-                  </a:schemeClr>
-                </a:solidFill>
-              </a:rPr>
-              <a:t>C++ 14/17</a:t>
-            </a:r>
-            <a:endParaRPr lang="ru-RU" dirty="0">
-              <a:solidFill>
-                <a:schemeClr val="bg1">
-                  <a:lumMod val="75000"/>
-                </a:schemeClr>
-              </a:solidFill>
-            </a:endParaRPr>
+            <a:endParaRPr lang="ru-RU" dirty="0"/>
+          </a:p>
+          <a:p>
+            <a:pPr lvl="1"/>
+            <a:endParaRPr lang="ru-RU" dirty="0"/>
           </a:p>
         </p:txBody>
       </p:sp>
@@ -10270,7 +10120,7 @@
     </p:spTree>
     <p:extLst>
       <p:ext uri="{BB962C8B-B14F-4D97-AF65-F5344CB8AC3E}">
-        <p14:creationId xmlns:p14="http://schemas.microsoft.com/office/powerpoint/2010/main" val="488780152"/>
+        <p14:creationId xmlns:p14="http://schemas.microsoft.com/office/powerpoint/2010/main" val="173323344"/>
       </p:ext>
     </p:extLst>
   </p:cSld>
@@ -10306,12 +10156,12 @@
       </p:grpSpPr>
       <p:sp>
         <p:nvSpPr>
-          <p:cNvPr id="2" name="Заголовок 1"/>
+          <p:cNvPr id="2" name="Текст 1"/>
           <p:cNvSpPr>
             <a:spLocks noGrp="1"/>
           </p:cNvSpPr>
           <p:nvPr>
-            <p:ph type="title"/>
+            <p:ph type="body" idx="1"/>
           </p:nvPr>
         </p:nvSpPr>
         <p:spPr/>
@@ -10320,9 +10170,16 @@
           <a:lstStyle/>
           <a:p>
             <a:r>
-              <a:rPr lang="ru-RU" dirty="0" smtClean="0"/>
-              <a:t>Понятность вместо полноты изложения</a:t>
-            </a:r>
+              <a:rPr lang="en-US" b="1" dirty="0"/>
+              <a:t>Bjarne </a:t>
+            </a:r>
+            <a:r>
+              <a:rPr lang="en-US" b="1" dirty="0" err="1"/>
+              <a:t>Stroustrup</a:t>
+            </a:r>
+            <a:endParaRPr lang="en-US" b="1" dirty="0"/>
+          </a:p>
+          <a:p>
             <a:endParaRPr lang="ru-RU" dirty="0"/>
           </a:p>
         </p:txBody>
@@ -10334,7 +10191,7 @@
             <a:spLocks noGrp="1"/>
           </p:cNvSpPr>
           <p:nvPr>
-            <p:ph idx="1"/>
+            <p:ph sz="half" idx="10"/>
           </p:nvPr>
         </p:nvSpPr>
         <p:spPr/>
@@ -10342,109 +10199,50 @@
           <a:bodyPr/>
           <a:lstStyle/>
           <a:p>
-            <a:pPr lvl="1"/>
-            <a:r>
-              <a:rPr lang="ru-RU" dirty="0" smtClean="0"/>
-              <a:t>Нет цели рассказать весь </a:t>
+            <a:r>
+              <a:rPr lang="en-US" dirty="0"/>
+              <a:t>The purpose of </a:t>
             </a:r>
             <a:r>
               <a:rPr lang="en-US" dirty="0" smtClean="0"/>
-              <a:t>C++</a:t>
-            </a:r>
-          </a:p>
-          <a:p>
-            <a:pPr lvl="1"/>
-            <a:endParaRPr lang="en-US" dirty="0"/>
-          </a:p>
-          <a:p>
-            <a:pPr lvl="1"/>
-            <a:r>
-              <a:rPr lang="ru-RU" dirty="0" smtClean="0"/>
-              <a:t>Если сразу рассказать всё, б</a:t>
-            </a:r>
-            <a:r>
-              <a:rPr lang="ru-RU" i="1" dirty="0" smtClean="0"/>
-              <a:t>о</a:t>
-            </a:r>
-            <a:r>
-              <a:rPr lang="ru-RU" dirty="0" smtClean="0"/>
-              <a:t>льшая часть просто вылетит</a:t>
-            </a:r>
-          </a:p>
-          <a:p>
-            <a:pPr lvl="1"/>
-            <a:r>
-              <a:rPr lang="ru-RU" dirty="0" smtClean="0"/>
-              <a:t>из головы</a:t>
-            </a:r>
-          </a:p>
-          <a:p>
-            <a:pPr lvl="1"/>
+              <a:t>good</a:t>
+            </a:r>
+          </a:p>
+          <a:p>
+            <a:r>
+              <a:rPr lang="en-US" dirty="0" smtClean="0"/>
+              <a:t>teaching </a:t>
+            </a:r>
+            <a:r>
+              <a:rPr lang="en-US" dirty="0"/>
+              <a:t>is getting </a:t>
+            </a:r>
+            <a:r>
+              <a:rPr lang="en-US" dirty="0" smtClean="0"/>
+              <a:t>ideas</a:t>
+            </a:r>
+          </a:p>
+          <a:p>
+            <a:r>
+              <a:rPr lang="en-US" dirty="0" smtClean="0"/>
+              <a:t>into </a:t>
+            </a:r>
+            <a:r>
+              <a:rPr lang="en-US" dirty="0"/>
+              <a:t>people's </a:t>
+            </a:r>
+            <a:r>
+              <a:rPr lang="en-US" dirty="0" smtClean="0"/>
+              <a:t>heads</a:t>
+            </a:r>
             <a:endParaRPr lang="ru-RU" dirty="0"/>
-          </a:p>
-          <a:p>
-            <a:pPr lvl="1"/>
-            <a:r>
-              <a:rPr lang="ru-RU" dirty="0" smtClean="0"/>
-              <a:t>На усвоение всего материала требуется значительное время</a:t>
-            </a:r>
-          </a:p>
-          <a:p>
-            <a:pPr lvl="1"/>
-            <a:endParaRPr lang="ru-RU" dirty="0"/>
-          </a:p>
-          <a:p>
-            <a:pPr lvl="1"/>
-            <a:endParaRPr lang="ru-RU" dirty="0"/>
-          </a:p>
-        </p:txBody>
-      </p:sp>
-      <p:sp>
-        <p:nvSpPr>
-          <p:cNvPr id="4" name="Нижний колонтитул 3"/>
-          <p:cNvSpPr>
-            <a:spLocks noGrp="1"/>
-          </p:cNvSpPr>
-          <p:nvPr>
-            <p:ph type="ftr" sz="quarter" idx="11"/>
-          </p:nvPr>
-        </p:nvSpPr>
-        <p:spPr/>
-        <p:txBody>
-          <a:bodyPr/>
-          <a:lstStyle/>
-          <a:p>
-            <a:endParaRPr lang="ru-RU"/>
-          </a:p>
-        </p:txBody>
-      </p:sp>
-      <p:sp>
-        <p:nvSpPr>
-          <p:cNvPr id="5" name="Номер слайда 4"/>
-          <p:cNvSpPr>
-            <a:spLocks noGrp="1"/>
-          </p:cNvSpPr>
-          <p:nvPr>
-            <p:ph type="sldNum" sz="quarter" idx="12"/>
-          </p:nvPr>
-        </p:nvSpPr>
-        <p:spPr/>
-        <p:txBody>
-          <a:bodyPr/>
-          <a:lstStyle/>
-          <a:p>
-            <a:fld id="{741C03D3-FA44-40EC-9A21-1FC4FEA3E22E}" type="slidenum">
-              <a:rPr lang="ru-RU" smtClean="0"/>
-              <a:t>12</a:t>
-            </a:fld>
-            <a:endParaRPr lang="ru-RU"/>
           </a:p>
         </p:txBody>
       </p:sp>
     </p:spTree>
     <p:extLst>
       <p:ext uri="{BB962C8B-B14F-4D97-AF65-F5344CB8AC3E}">
-        <p14:creationId xmlns:p14="http://schemas.microsoft.com/office/powerpoint/2010/main" val="173323344"/>
+        <p14:creationId xmlns:p14="http://schemas.microsoft.com/office/powerpoint/2010/main" val="2388603035"/>
       </p:ext>
     </p:extLst>
   </p:cSld>
@@ -10480,128 +10278,6 @@
       </p:grpSpPr>
       <p:sp>
         <p:nvSpPr>
-          <p:cNvPr id="2" name="Текст 1"/>
-          <p:cNvSpPr>
-            <a:spLocks noGrp="1"/>
-          </p:cNvSpPr>
-          <p:nvPr>
-            <p:ph type="body" idx="1"/>
-          </p:nvPr>
-        </p:nvSpPr>
-        <p:spPr/>
-        <p:txBody>
-          <a:bodyPr/>
-          <a:lstStyle/>
-          <a:p>
-            <a:r>
-              <a:rPr lang="en-US" b="1" dirty="0"/>
-              <a:t>Bjarne </a:t>
-            </a:r>
-            <a:r>
-              <a:rPr lang="en-US" b="1" dirty="0" err="1"/>
-              <a:t>Stroustrup</a:t>
-            </a:r>
-            <a:endParaRPr lang="en-US" b="1" dirty="0"/>
-          </a:p>
-          <a:p>
-            <a:endParaRPr lang="ru-RU" dirty="0"/>
-          </a:p>
-        </p:txBody>
-      </p:sp>
-      <p:sp>
-        <p:nvSpPr>
-          <p:cNvPr id="3" name="Объект 2"/>
-          <p:cNvSpPr>
-            <a:spLocks noGrp="1"/>
-          </p:cNvSpPr>
-          <p:nvPr>
-            <p:ph sz="half" idx="10"/>
-          </p:nvPr>
-        </p:nvSpPr>
-        <p:spPr/>
-        <p:txBody>
-          <a:bodyPr/>
-          <a:lstStyle/>
-          <a:p>
-            <a:r>
-              <a:rPr lang="en-US" dirty="0"/>
-              <a:t>The purpose of </a:t>
-            </a:r>
-            <a:r>
-              <a:rPr lang="en-US" dirty="0" smtClean="0"/>
-              <a:t>good</a:t>
-            </a:r>
-          </a:p>
-          <a:p>
-            <a:r>
-              <a:rPr lang="en-US" dirty="0" smtClean="0"/>
-              <a:t>teaching </a:t>
-            </a:r>
-            <a:r>
-              <a:rPr lang="en-US" dirty="0"/>
-              <a:t>is getting </a:t>
-            </a:r>
-            <a:r>
-              <a:rPr lang="en-US" dirty="0" smtClean="0"/>
-              <a:t>ideas</a:t>
-            </a:r>
-          </a:p>
-          <a:p>
-            <a:r>
-              <a:rPr lang="en-US" dirty="0" smtClean="0"/>
-              <a:t>into </a:t>
-            </a:r>
-            <a:r>
-              <a:rPr lang="en-US" dirty="0"/>
-              <a:t>people's </a:t>
-            </a:r>
-            <a:r>
-              <a:rPr lang="en-US" dirty="0" smtClean="0"/>
-              <a:t>heads</a:t>
-            </a:r>
-            <a:endParaRPr lang="ru-RU" dirty="0"/>
-          </a:p>
-        </p:txBody>
-      </p:sp>
-    </p:spTree>
-    <p:extLst>
-      <p:ext uri="{BB962C8B-B14F-4D97-AF65-F5344CB8AC3E}">
-        <p14:creationId xmlns:p14="http://schemas.microsoft.com/office/powerpoint/2010/main" val="2388603035"/>
-      </p:ext>
-    </p:extLst>
-  </p:cSld>
-  <p:clrMapOvr>
-    <a:masterClrMapping/>
-  </p:clrMapOvr>
-  <p:timing>
-    <p:tnLst>
-      <p:par>
-        <p:cTn id="1" dur="indefinite" restart="never" nodeType="tmRoot"/>
-      </p:par>
-    </p:tnLst>
-  </p:timing>
-</p:sld>
-</file>
-
-<file path=ppt/slides/slide14.xml><?xml version="1.0" encoding="utf-8"?>
-<p:sld xmlns:a="http://schemas.openxmlformats.org/drawingml/2006/main" xmlns:r="http://schemas.openxmlformats.org/officeDocument/2006/relationships" xmlns:p="http://schemas.openxmlformats.org/presentationml/2006/main">
-  <p:cSld>
-    <p:spTree>
-      <p:nvGrpSpPr>
-        <p:cNvPr id="1" name=""/>
-        <p:cNvGrpSpPr/>
-        <p:nvPr/>
-      </p:nvGrpSpPr>
-      <p:grpSpPr>
-        <a:xfrm>
-          <a:off x="0" y="0"/>
-          <a:ext cx="0" cy="0"/>
-          <a:chOff x="0" y="0"/>
-          <a:chExt cx="0" cy="0"/>
-        </a:xfrm>
-      </p:grpSpPr>
-      <p:sp>
-        <p:nvSpPr>
           <p:cNvPr id="2" name="Заголовок 1"/>
           <p:cNvSpPr>
             <a:spLocks noGrp="1"/>
@@ -10652,28 +10328,28 @@
                 <a:gridCol w="5528072">
                   <a:extLst>
                     <a:ext uri="{9D8B030D-6E8A-4147-A177-3AD203B41FA5}">
-                      <a16:colId xmlns:a16="http://schemas.microsoft.com/office/drawing/2014/main" xmlns="" val="20000"/>
+                      <a16:colId xmlns:a16="http://schemas.microsoft.com/office/drawing/2014/main" val="20000"/>
                     </a:ext>
                   </a:extLst>
                 </a:gridCol>
                 <a:gridCol w="5528072">
                   <a:extLst>
                     <a:ext uri="{9D8B030D-6E8A-4147-A177-3AD203B41FA5}">
-                      <a16:colId xmlns:a16="http://schemas.microsoft.com/office/drawing/2014/main" xmlns="" val="20001"/>
+                      <a16:colId xmlns:a16="http://schemas.microsoft.com/office/drawing/2014/main" val="20001"/>
                     </a:ext>
                   </a:extLst>
                 </a:gridCol>
                 <a:gridCol w="5528072">
                   <a:extLst>
                     <a:ext uri="{9D8B030D-6E8A-4147-A177-3AD203B41FA5}">
-                      <a16:colId xmlns:a16="http://schemas.microsoft.com/office/drawing/2014/main" xmlns="" val="20002"/>
+                      <a16:colId xmlns:a16="http://schemas.microsoft.com/office/drawing/2014/main" val="20002"/>
                     </a:ext>
                   </a:extLst>
                 </a:gridCol>
                 <a:gridCol w="5528072">
                   <a:extLst>
                     <a:ext uri="{9D8B030D-6E8A-4147-A177-3AD203B41FA5}">
-                      <a16:colId xmlns:a16="http://schemas.microsoft.com/office/drawing/2014/main" xmlns="" val="20003"/>
+                      <a16:colId xmlns:a16="http://schemas.microsoft.com/office/drawing/2014/main" val="20003"/>
                     </a:ext>
                   </a:extLst>
                 </a:gridCol>
@@ -10756,7 +10432,7 @@
                 </a:tc>
                 <a:extLst>
                   <a:ext uri="{0D108BD9-81ED-4DB2-BD59-A6C34878D82A}">
-                    <a16:rowId xmlns:a16="http://schemas.microsoft.com/office/drawing/2014/main" xmlns="" val="10000"/>
+                    <a16:rowId xmlns:a16="http://schemas.microsoft.com/office/drawing/2014/main" val="10000"/>
                   </a:ext>
                 </a:extLst>
               </a:tr>
@@ -10826,7 +10502,7 @@
                 </a:tc>
                 <a:extLst>
                   <a:ext uri="{0D108BD9-81ED-4DB2-BD59-A6C34878D82A}">
-                    <a16:rowId xmlns:a16="http://schemas.microsoft.com/office/drawing/2014/main" xmlns="" val="10001"/>
+                    <a16:rowId xmlns:a16="http://schemas.microsoft.com/office/drawing/2014/main" val="10001"/>
                   </a:ext>
                 </a:extLst>
               </a:tr>
@@ -10892,7 +10568,7 @@
                 </a:tc>
                 <a:extLst>
                   <a:ext uri="{0D108BD9-81ED-4DB2-BD59-A6C34878D82A}">
-                    <a16:rowId xmlns:a16="http://schemas.microsoft.com/office/drawing/2014/main" xmlns="" val="10002"/>
+                    <a16:rowId xmlns:a16="http://schemas.microsoft.com/office/drawing/2014/main" val="10002"/>
                   </a:ext>
                 </a:extLst>
               </a:tr>
@@ -10958,7 +10634,7 @@
                 </a:tc>
                 <a:extLst>
                   <a:ext uri="{0D108BD9-81ED-4DB2-BD59-A6C34878D82A}">
-                    <a16:rowId xmlns:a16="http://schemas.microsoft.com/office/drawing/2014/main" xmlns="" val="10003"/>
+                    <a16:rowId xmlns:a16="http://schemas.microsoft.com/office/drawing/2014/main" val="10003"/>
                   </a:ext>
                 </a:extLst>
               </a:tr>
@@ -11002,7 +10678,7 @@
           <a:p>
             <a:fld id="{741C03D3-FA44-40EC-9A21-1FC4FEA3E22E}" type="slidenum">
               <a:rPr lang="ru-RU" smtClean="0"/>
-              <a:t>14</a:t>
+              <a:t>13</a:t>
             </a:fld>
             <a:endParaRPr lang="ru-RU"/>
           </a:p>
@@ -11012,6 +10688,145 @@
     <p:extLst>
       <p:ext uri="{BB962C8B-B14F-4D97-AF65-F5344CB8AC3E}">
         <p14:creationId xmlns:p14="http://schemas.microsoft.com/office/powerpoint/2010/main" val="3481799678"/>
+      </p:ext>
+    </p:extLst>
+  </p:cSld>
+  <p:clrMapOvr>
+    <a:masterClrMapping/>
+  </p:clrMapOvr>
+  <p:timing>
+    <p:tnLst>
+      <p:par>
+        <p:cTn id="1" dur="indefinite" restart="never" nodeType="tmRoot"/>
+      </p:par>
+    </p:tnLst>
+  </p:timing>
+</p:sld>
+</file>
+
+<file path=ppt/slides/slide14.xml><?xml version="1.0" encoding="utf-8"?>
+<p:sld xmlns:a="http://schemas.openxmlformats.org/drawingml/2006/main" xmlns:r="http://schemas.openxmlformats.org/officeDocument/2006/relationships" xmlns:p="http://schemas.openxmlformats.org/presentationml/2006/main">
+  <p:cSld>
+    <p:spTree>
+      <p:nvGrpSpPr>
+        <p:cNvPr id="1" name=""/>
+        <p:cNvGrpSpPr/>
+        <p:nvPr/>
+      </p:nvGrpSpPr>
+      <p:grpSpPr>
+        <a:xfrm>
+          <a:off x="0" y="0"/>
+          <a:ext cx="0" cy="0"/>
+          <a:chOff x="0" y="0"/>
+          <a:chExt cx="0" cy="0"/>
+        </a:xfrm>
+      </p:grpSpPr>
+      <p:sp>
+        <p:nvSpPr>
+          <p:cNvPr id="2" name="Текст 1"/>
+          <p:cNvSpPr>
+            <a:spLocks noGrp="1"/>
+          </p:cNvSpPr>
+          <p:nvPr>
+            <p:ph type="body" idx="1"/>
+          </p:nvPr>
+        </p:nvSpPr>
+        <p:spPr/>
+        <p:txBody>
+          <a:bodyPr/>
+          <a:lstStyle/>
+          <a:p>
+            <a:r>
+              <a:rPr lang="ru-RU" dirty="0" smtClean="0"/>
+              <a:t>Отзыв на «Белый пояс по </a:t>
+            </a:r>
+            <a:r>
+              <a:rPr lang="en-US" dirty="0" smtClean="0"/>
+              <a:t>C++</a:t>
+            </a:r>
+            <a:r>
+              <a:rPr lang="ru-RU" dirty="0" smtClean="0"/>
+              <a:t>»</a:t>
+            </a:r>
+            <a:endParaRPr lang="ru-RU" dirty="0"/>
+          </a:p>
+        </p:txBody>
+      </p:sp>
+      <p:sp>
+        <p:nvSpPr>
+          <p:cNvPr id="3" name="Объект 2"/>
+          <p:cNvSpPr>
+            <a:spLocks noGrp="1"/>
+          </p:cNvSpPr>
+          <p:nvPr>
+            <p:ph sz="half" idx="10"/>
+          </p:nvPr>
+        </p:nvSpPr>
+        <p:spPr/>
+        <p:txBody>
+          <a:bodyPr/>
+          <a:lstStyle/>
+          <a:p>
+            <a:r>
+              <a:rPr lang="ru-RU" dirty="0" smtClean="0"/>
+              <a:t>Этот </a:t>
+            </a:r>
+            <a:r>
+              <a:rPr lang="ru-RU" dirty="0"/>
+              <a:t>курс показал </a:t>
+            </a:r>
+            <a:r>
+              <a:rPr lang="ru-RU" dirty="0" smtClean="0"/>
+              <a:t>мне</a:t>
+            </a:r>
+            <a:endParaRPr lang="en-US" dirty="0" smtClean="0"/>
+          </a:p>
+          <a:p>
+            <a:r>
+              <a:rPr lang="ru-RU" dirty="0" smtClean="0"/>
+              <a:t>нормальный </a:t>
+            </a:r>
+            <a:r>
+              <a:rPr lang="ru-RU" dirty="0"/>
+              <a:t>C++, а </a:t>
+            </a:r>
+            <a:r>
+              <a:rPr lang="ru-RU" dirty="0" smtClean="0"/>
+              <a:t>не</a:t>
+            </a:r>
+            <a:endParaRPr lang="en-US" dirty="0" smtClean="0"/>
+          </a:p>
+          <a:p>
+            <a:r>
+              <a:rPr lang="ru-RU" dirty="0" smtClean="0"/>
+              <a:t>тот</a:t>
+            </a:r>
+            <a:r>
+              <a:rPr lang="ru-RU" dirty="0"/>
+              <a:t>, которому </a:t>
+            </a:r>
+            <a:r>
+              <a:rPr lang="ru-RU" dirty="0" smtClean="0"/>
+              <a:t>меня</a:t>
+            </a:r>
+            <a:endParaRPr lang="en-US" dirty="0" smtClean="0"/>
+          </a:p>
+          <a:p>
+            <a:r>
+              <a:rPr lang="ru-RU" dirty="0" smtClean="0"/>
+              <a:t>учили </a:t>
+            </a:r>
+            <a:r>
+              <a:rPr lang="ru-RU" dirty="0"/>
+              <a:t>в университете.</a:t>
+            </a:r>
+          </a:p>
+        </p:txBody>
+      </p:sp>
+    </p:spTree>
+    <p:extLst>
+      <p:ext uri="{BB962C8B-B14F-4D97-AF65-F5344CB8AC3E}">
+        <p14:creationId xmlns:p14="http://schemas.microsoft.com/office/powerpoint/2010/main" val="3690274279"/>
       </p:ext>
     </p:extLst>
   </p:cSld>
@@ -11062,7 +10877,7 @@
           <a:p>
             <a:r>
               <a:rPr lang="ru-RU" dirty="0" smtClean="0"/>
-              <a:t>Отзыв на «Белый пояс по </a:t>
+              <a:t>Отзыв на «Жёлтый пояс по </a:t>
             </a:r>
             <a:r>
               <a:rPr lang="en-US" dirty="0" smtClean="0"/>
@@ -11086,71 +10901,66 @@
             <p:ph sz="half" idx="10"/>
           </p:nvPr>
         </p:nvSpPr>
-        <p:spPr/>
+        <p:spPr>
+          <a:xfrm>
+            <a:off x="3048001" y="3048001"/>
+            <a:ext cx="19827874" cy="7250114"/>
+          </a:xfrm>
+        </p:spPr>
         <p:txBody>
           <a:bodyPr/>
           <a:lstStyle/>
           <a:p>
             <a:r>
+              <a:rPr lang="ru-RU" dirty="0"/>
+              <a:t>На работе </a:t>
+            </a:r>
+            <a:r>
               <a:rPr lang="ru-RU" dirty="0" smtClean="0"/>
-              <a:t>Этот </a:t>
+              <a:t>пригодились</a:t>
+            </a:r>
+          </a:p>
+          <a:p>
+            <a:r>
+              <a:rPr lang="ru-RU" dirty="0" smtClean="0"/>
+              <a:t>знания </a:t>
             </a:r>
             <a:r>
               <a:rPr lang="ru-RU" dirty="0"/>
-              <a:t>курс показал </a:t>
+              <a:t>по </a:t>
             </a:r>
             <a:r>
               <a:rPr lang="ru-RU" dirty="0" smtClean="0"/>
-              <a:t>мне</a:t>
-            </a:r>
-            <a:endParaRPr lang="en-US" dirty="0" smtClean="0"/>
+              <a:t>декомпозиции,</a:t>
+            </a:r>
           </a:p>
           <a:p>
             <a:r>
               <a:rPr lang="ru-RU" dirty="0" smtClean="0"/>
-              <a:t>нормальный </a:t>
+              <a:t>алгоритмам </a:t>
             </a:r>
             <a:r>
               <a:rPr lang="ru-RU" dirty="0"/>
-              <a:t>C++, а </a:t>
+              <a:t>и </a:t>
             </a:r>
             <a:r>
               <a:rPr lang="ru-RU" dirty="0" smtClean="0"/>
-              <a:t>не</a:t>
-            </a:r>
-            <a:endParaRPr lang="en-US" dirty="0" smtClean="0"/>
+              <a:t>юнит-</a:t>
+            </a:r>
           </a:p>
           <a:p>
             <a:r>
               <a:rPr lang="ru-RU" dirty="0" smtClean="0"/>
-              <a:t>тот</a:t>
-            </a:r>
-            <a:r>
-              <a:rPr lang="ru-RU" dirty="0"/>
-              <a:t>, которому </a:t>
-            </a:r>
-            <a:r>
-              <a:rPr lang="ru-RU" dirty="0" smtClean="0"/>
-              <a:t>меня</a:t>
-            </a:r>
-            <a:endParaRPr lang="en-US" dirty="0" smtClean="0"/>
-          </a:p>
-          <a:p>
-            <a:r>
-              <a:rPr lang="ru-RU" dirty="0" smtClean="0"/>
-              <a:t>учили </a:t>
-            </a:r>
-            <a:r>
-              <a:rPr lang="ru-RU" dirty="0"/>
-              <a:t>в университете.</a:t>
-            </a:r>
+              <a:t>тестированию</a:t>
+            </a:r>
+            <a:endParaRPr lang="ru-RU" dirty="0"/>
           </a:p>
         </p:txBody>
       </p:sp>
     </p:spTree>
     <p:extLst>
       <p:ext uri="{BB962C8B-B14F-4D97-AF65-F5344CB8AC3E}">
-        <p14:creationId xmlns:p14="http://schemas.microsoft.com/office/powerpoint/2010/main" val="3690274279"/>
+        <p14:creationId xmlns:p14="http://schemas.microsoft.com/office/powerpoint/2010/main" val="2774735083"/>
       </p:ext>
     </p:extLst>
   </p:cSld>
@@ -11201,7 +11011,15 @@
           <a:p>
             <a:r>
               <a:rPr lang="ru-RU" dirty="0" smtClean="0"/>
-              <a:t>Отзыв на «Жёлтый пояс по </a:t>
+              <a:t>Отзыв на </a:t>
+            </a:r>
+            <a:r>
+              <a:rPr lang="ru-RU" smtClean="0"/>
+              <a:t>«Красный пояс </a:t>
+            </a:r>
+            <a:r>
+              <a:rPr lang="ru-RU" dirty="0" smtClean="0"/>
+              <a:t>по </a:t>
             </a:r>
             <a:r>
               <a:rPr lang="en-US" dirty="0" smtClean="0"/>
@@ -11237,17 +11055,31 @@
           <a:p>
             <a:r>
               <a:rPr lang="ru-RU" dirty="0"/>
-              <a:t>На работе </a:t>
+              <a:t>Один из лучших курсов</a:t>
             </a:r>
             <a:r>
               <a:rPr lang="ru-RU" dirty="0" smtClean="0"/>
-              <a:t>пригодились</a:t>
+              <a:t>,</a:t>
             </a:r>
           </a:p>
           <a:p>
             <a:r>
               <a:rPr lang="ru-RU" dirty="0" smtClean="0"/>
-              <a:t>знания </a:t>
+              <a:t>что </a:t>
+            </a:r>
+            <a:r>
+              <a:rPr lang="ru-RU" dirty="0"/>
+              <a:t>я проходил в </a:t>
+            </a:r>
+            <a:r>
+              <a:rPr lang="ru-RU" dirty="0" smtClean="0"/>
+              <a:t>жизни.</a:t>
+            </a:r>
+          </a:p>
+          <a:p>
+            <a:r>
+              <a:rPr lang="ru-RU" dirty="0" smtClean="0"/>
+              <a:t>Не только </a:t>
             </a:r>
             <a:r>
               <a:rPr lang="ru-RU" dirty="0"/>
@@ -11255,36 +11087,25 @@
             </a:r>
             <a:r>
               <a:rPr lang="ru-RU" dirty="0" smtClean="0"/>
-              <a:t>декомпозиции,</a:t>
+              <a:t>языку</a:t>
             </a:r>
           </a:p>
           <a:p>
             <a:r>
               <a:rPr lang="ru-RU" dirty="0" smtClean="0"/>
-              <a:t>алгоритмам </a:t>
+              <a:t>программирования</a:t>
             </a:r>
             <a:r>
               <a:rPr lang="ru-RU" dirty="0"/>
-              <a:t>и </a:t>
-            </a:r>
-            <a:r>
-              <a:rPr lang="ru-RU" dirty="0" smtClean="0"/>
-              <a:t>юнит-</a:t>
-            </a:r>
-          </a:p>
-          <a:p>
-            <a:r>
-              <a:rPr lang="ru-RU" dirty="0" smtClean="0"/>
-              <a:t>тестированию</a:t>
-            </a:r>
-            <a:endParaRPr lang="ru-RU" dirty="0"/>
+              <a:t>.</a:t>
+            </a:r>
           </a:p>
         </p:txBody>
       </p:sp>
     </p:spTree>
     <p:extLst>
       <p:ext uri="{BB962C8B-B14F-4D97-AF65-F5344CB8AC3E}">
-        <p14:creationId xmlns:p14="http://schemas.microsoft.com/office/powerpoint/2010/main" val="2774735083"/>
+        <p14:creationId xmlns:p14="http://schemas.microsoft.com/office/powerpoint/2010/main" val="3707661308"/>
       </p:ext>
     </p:extLst>
   </p:cSld>
@@ -11320,151 +11141,6 @@
       </p:grpSpPr>
       <p:sp>
         <p:nvSpPr>
-          <p:cNvPr id="2" name="Текст 1"/>
-          <p:cNvSpPr>
-            <a:spLocks noGrp="1"/>
-          </p:cNvSpPr>
-          <p:nvPr>
-            <p:ph type="body" idx="1"/>
-          </p:nvPr>
-        </p:nvSpPr>
-        <p:spPr/>
-        <p:txBody>
-          <a:bodyPr/>
-          <a:lstStyle/>
-          <a:p>
-            <a:r>
-              <a:rPr lang="ru-RU" dirty="0" smtClean="0"/>
-              <a:t>Отзыв на </a:t>
-            </a:r>
-            <a:r>
-              <a:rPr lang="ru-RU" smtClean="0"/>
-              <a:t>«Красный пояс </a:t>
-            </a:r>
-            <a:r>
-              <a:rPr lang="ru-RU" dirty="0" smtClean="0"/>
-              <a:t>по </a:t>
-            </a:r>
-            <a:r>
-              <a:rPr lang="en-US" dirty="0" smtClean="0"/>
-              <a:t>C++</a:t>
-            </a:r>
-            <a:r>
-              <a:rPr lang="ru-RU" dirty="0" smtClean="0"/>
-              <a:t>»</a:t>
-            </a:r>
-            <a:endParaRPr lang="ru-RU" dirty="0"/>
-          </a:p>
-        </p:txBody>
-      </p:sp>
-      <p:sp>
-        <p:nvSpPr>
-          <p:cNvPr id="3" name="Объект 2"/>
-          <p:cNvSpPr>
-            <a:spLocks noGrp="1"/>
-          </p:cNvSpPr>
-          <p:nvPr>
-            <p:ph sz="half" idx="10"/>
-          </p:nvPr>
-        </p:nvSpPr>
-        <p:spPr>
-          <a:xfrm>
-            <a:off x="3048001" y="3048001"/>
-            <a:ext cx="19827874" cy="7250114"/>
-          </a:xfrm>
-        </p:spPr>
-        <p:txBody>
-          <a:bodyPr/>
-          <a:lstStyle/>
-          <a:p>
-            <a:r>
-              <a:rPr lang="ru-RU" dirty="0"/>
-              <a:t>Один из лучших курсов</a:t>
-            </a:r>
-            <a:r>
-              <a:rPr lang="ru-RU" dirty="0" smtClean="0"/>
-              <a:t>,</a:t>
-            </a:r>
-          </a:p>
-          <a:p>
-            <a:r>
-              <a:rPr lang="ru-RU" dirty="0" smtClean="0"/>
-              <a:t>что </a:t>
-            </a:r>
-            <a:r>
-              <a:rPr lang="ru-RU" dirty="0"/>
-              <a:t>я проходил в </a:t>
-            </a:r>
-            <a:r>
-              <a:rPr lang="ru-RU" dirty="0" smtClean="0"/>
-              <a:t>жизни.</a:t>
-            </a:r>
-          </a:p>
-          <a:p>
-            <a:r>
-              <a:rPr lang="ru-RU" dirty="0" smtClean="0"/>
-              <a:t>Не только </a:t>
-            </a:r>
-            <a:r>
-              <a:rPr lang="ru-RU" dirty="0"/>
-              <a:t>по </a:t>
-            </a:r>
-            <a:r>
-              <a:rPr lang="ru-RU" dirty="0" smtClean="0"/>
-              <a:t>языку</a:t>
-            </a:r>
-          </a:p>
-          <a:p>
-            <a:r>
-              <a:rPr lang="ru-RU" dirty="0" smtClean="0"/>
-              <a:t>программирования</a:t>
-            </a:r>
-            <a:r>
-              <a:rPr lang="ru-RU" dirty="0"/>
-              <a:t>.</a:t>
-            </a:r>
-          </a:p>
-        </p:txBody>
-      </p:sp>
-    </p:spTree>
-    <p:extLst>
-      <p:ext uri="{BB962C8B-B14F-4D97-AF65-F5344CB8AC3E}">
-        <p14:creationId xmlns:p14="http://schemas.microsoft.com/office/powerpoint/2010/main" val="3707661308"/>
-      </p:ext>
-    </p:extLst>
-  </p:cSld>
-  <p:clrMapOvr>
-    <a:masterClrMapping/>
-  </p:clrMapOvr>
-  <p:timing>
-    <p:tnLst>
-      <p:par>
-        <p:cTn id="1" dur="indefinite" restart="never" nodeType="tmRoot"/>
-      </p:par>
-    </p:tnLst>
-  </p:timing>
-</p:sld>
-</file>
-
-<file path=ppt/slides/slide18.xml><?xml version="1.0" encoding="utf-8"?>
-<p:sld xmlns:a="http://schemas.openxmlformats.org/drawingml/2006/main" xmlns:r="http://schemas.openxmlformats.org/officeDocument/2006/relationships" xmlns:p="http://schemas.openxmlformats.org/presentationml/2006/main">
-  <p:cSld>
-    <p:spTree>
-      <p:nvGrpSpPr>
-        <p:cNvPr id="1" name=""/>
-        <p:cNvGrpSpPr/>
-        <p:nvPr/>
-      </p:nvGrpSpPr>
-      <p:grpSpPr>
-        <a:xfrm>
-          <a:off x="0" y="0"/>
-          <a:ext cx="0" cy="0"/>
-          <a:chOff x="0" y="0"/>
-          <a:chExt cx="0" cy="0"/>
-        </a:xfrm>
-      </p:grpSpPr>
-      <p:sp>
-        <p:nvSpPr>
           <p:cNvPr id="2" name="Заголовок 1"/>
           <p:cNvSpPr>
             <a:spLocks noGrp="1"/>
@@ -11522,7 +11198,7 @@
           <a:p>
             <a:fld id="{741C03D3-FA44-40EC-9A21-1FC4FEA3E22E}" type="slidenum">
               <a:rPr lang="ru-RU" smtClean="0"/>
-              <a:t>18</a:t>
+              <a:t>17</a:t>
             </a:fld>
             <a:endParaRPr lang="ru-RU"/>
           </a:p>
@@ -12222,7 +11898,7 @@
 </p:sld>
 </file>
 
-<file path=ppt/slides/slide19.xml><?xml version="1.0" encoding="utf-8"?>
+<file path=ppt/slides/slide18.xml><?xml version="1.0" encoding="utf-8"?>
 <p:sld xmlns:a="http://schemas.openxmlformats.org/drawingml/2006/main" xmlns:r="http://schemas.openxmlformats.org/officeDocument/2006/relationships" xmlns:p="http://schemas.openxmlformats.org/presentationml/2006/main">
   <p:cSld>
     <p:spTree>
@@ -12298,7 +11974,7 @@
           <a:p>
             <a:fld id="{741C03D3-FA44-40EC-9A21-1FC4FEA3E22E}" type="slidenum">
               <a:rPr lang="ru-RU" smtClean="0"/>
-              <a:t>19</a:t>
+              <a:t>18</a:t>
             </a:fld>
             <a:endParaRPr lang="ru-RU"/>
           </a:p>
@@ -12854,6 +12530,155 @@
 </p:sld>
 </file>
 
+<file path=ppt/slides/slide19.xml><?xml version="1.0" encoding="utf-8"?>
+<p:sld xmlns:a="http://schemas.openxmlformats.org/drawingml/2006/main" xmlns:r="http://schemas.openxmlformats.org/officeDocument/2006/relationships" xmlns:p="http://schemas.openxmlformats.org/presentationml/2006/main">
+  <p:cSld>
+    <p:spTree>
+      <p:nvGrpSpPr>
+        <p:cNvPr id="1" name=""/>
+        <p:cNvGrpSpPr/>
+        <p:nvPr/>
+      </p:nvGrpSpPr>
+      <p:grpSpPr>
+        <a:xfrm>
+          <a:off x="0" y="0"/>
+          <a:ext cx="0" cy="0"/>
+          <a:chOff x="0" y="0"/>
+          <a:chExt cx="0" cy="0"/>
+        </a:xfrm>
+      </p:grpSpPr>
+      <p:sp>
+        <p:nvSpPr>
+          <p:cNvPr id="2" name="Текст 1"/>
+          <p:cNvSpPr>
+            <a:spLocks noGrp="1"/>
+          </p:cNvSpPr>
+          <p:nvPr>
+            <p:ph type="body" idx="1"/>
+          </p:nvPr>
+        </p:nvSpPr>
+        <p:spPr/>
+        <p:txBody>
+          <a:bodyPr/>
+          <a:lstStyle/>
+          <a:p>
+            <a:endParaRPr lang="ru-RU"/>
+          </a:p>
+        </p:txBody>
+      </p:sp>
+      <p:sp>
+        <p:nvSpPr>
+          <p:cNvPr id="3" name="Объект 2"/>
+          <p:cNvSpPr>
+            <a:spLocks noGrp="1"/>
+          </p:cNvSpPr>
+          <p:nvPr>
+            <p:ph sz="half" idx="10"/>
+          </p:nvPr>
+        </p:nvSpPr>
+        <p:spPr>
+          <a:xfrm>
+            <a:off x="1887538" y="3048001"/>
+            <a:ext cx="21369337" cy="7250114"/>
+          </a:xfrm>
+        </p:spPr>
+        <p:txBody>
+          <a:bodyPr/>
+          <a:lstStyle/>
+          <a:p>
+            <a:r>
+              <a:rPr lang="ru-RU" dirty="0" smtClean="0"/>
+              <a:t>Вы </a:t>
+            </a:r>
+            <a:r>
+              <a:rPr lang="ru-RU" dirty="0"/>
+              <a:t>сделали </a:t>
+            </a:r>
+            <a:r>
+              <a:rPr lang="ru-RU" dirty="0" smtClean="0"/>
+              <a:t>курс</a:t>
+            </a:r>
+          </a:p>
+          <a:p>
+            <a:r>
+              <a:rPr lang="ru-RU" dirty="0" smtClean="0"/>
+              <a:t>настолько </a:t>
+            </a:r>
+            <a:r>
+              <a:rPr lang="ru-RU" dirty="0"/>
+              <a:t>понятным, </a:t>
+            </a:r>
+            <a:r>
+              <a:rPr lang="ru-RU" dirty="0" smtClean="0"/>
+              <a:t>что</a:t>
+            </a:r>
+          </a:p>
+          <a:p>
+            <a:r>
+              <a:rPr lang="ru-RU" dirty="0" smtClean="0"/>
+              <a:t>даже семиклассница</a:t>
+            </a:r>
+          </a:p>
+          <a:p>
+            <a:r>
+              <a:rPr lang="ru-RU" dirty="0" smtClean="0"/>
+              <a:t>смогла </a:t>
+            </a:r>
+            <a:r>
+              <a:rPr lang="ru-RU" dirty="0"/>
+              <a:t>его </a:t>
+            </a:r>
+            <a:r>
+              <a:rPr lang="ru-RU" dirty="0" smtClean="0"/>
+              <a:t>пройти.</a:t>
+            </a:r>
+          </a:p>
+          <a:p>
+            <a:r>
+              <a:rPr lang="ru-RU" dirty="0" smtClean="0"/>
+              <a:t>Благодаря вам, </a:t>
+            </a:r>
+            <a:r>
+              <a:rPr lang="ru-RU" dirty="0"/>
+              <a:t>я </a:t>
+            </a:r>
+            <a:r>
+              <a:rPr lang="ru-RU" dirty="0" smtClean="0"/>
+              <a:t>сделала</a:t>
+            </a:r>
+          </a:p>
+          <a:p>
+            <a:r>
+              <a:rPr lang="ru-RU" dirty="0" smtClean="0"/>
+              <a:t>первый </a:t>
+            </a:r>
+            <a:r>
+              <a:rPr lang="ru-RU" dirty="0"/>
+              <a:t>шаг к своей мечте!</a:t>
+            </a:r>
+          </a:p>
+        </p:txBody>
+      </p:sp>
+    </p:spTree>
+    <p:extLst>
+      <p:ext uri="{BB962C8B-B14F-4D97-AF65-F5344CB8AC3E}">
+        <p14:creationId xmlns:p14="http://schemas.microsoft.com/office/powerpoint/2010/main" val="646797453"/>
+      </p:ext>
+    </p:extLst>
+  </p:cSld>
+  <p:clrMapOvr>
+    <a:masterClrMapping/>
+  </p:clrMapOvr>
+  <p:timing>
+    <p:tnLst>
+      <p:par>
+        <p:cTn id="1" dur="indefinite" restart="never" nodeType="tmRoot"/>
+      </p:par>
+    </p:tnLst>
+  </p:timing>
+</p:sld>
+</file>
+
 <file path=ppt/slides/slide2.xml><?xml version="1.0" encoding="utf-8"?>
 <p:sld xmlns:a="http://schemas.openxmlformats.org/drawingml/2006/main" xmlns:r="http://schemas.openxmlformats.org/officeDocument/2006/relationships" xmlns:p="http://schemas.openxmlformats.org/presentationml/2006/main">
   <p:cSld>
@@ -12991,155 +12816,6 @@
 </file>
 
 <file path=ppt/slides/slide20.xml><?xml version="1.0" encoding="utf-8"?>
-<p:sld xmlns:a="http://schemas.openxmlformats.org/drawingml/2006/main" xmlns:r="http://schemas.openxmlformats.org/officeDocument/2006/relationships" xmlns:p="http://schemas.openxmlformats.org/presentationml/2006/main">
-  <p:cSld>
-    <p:spTree>
-      <p:nvGrpSpPr>
-        <p:cNvPr id="1" name=""/>
-        <p:cNvGrpSpPr/>
-        <p:nvPr/>
-      </p:nvGrpSpPr>
-      <p:grpSpPr>
-        <a:xfrm>
-          <a:off x="0" y="0"/>
-          <a:ext cx="0" cy="0"/>
-          <a:chOff x="0" y="0"/>
-          <a:chExt cx="0" cy="0"/>
-        </a:xfrm>
-      </p:grpSpPr>
-      <p:sp>
-        <p:nvSpPr>
-          <p:cNvPr id="2" name="Текст 1"/>
-          <p:cNvSpPr>
-            <a:spLocks noGrp="1"/>
-          </p:cNvSpPr>
-          <p:nvPr>
-            <p:ph type="body" idx="1"/>
-          </p:nvPr>
-        </p:nvSpPr>
-        <p:spPr/>
-        <p:txBody>
-          <a:bodyPr/>
-          <a:lstStyle/>
-          <a:p>
-            <a:endParaRPr lang="ru-RU"/>
-          </a:p>
-        </p:txBody>
-      </p:sp>
-      <p:sp>
-        <p:nvSpPr>
-          <p:cNvPr id="3" name="Объект 2"/>
-          <p:cNvSpPr>
-            <a:spLocks noGrp="1"/>
-          </p:cNvSpPr>
-          <p:nvPr>
-            <p:ph sz="half" idx="10"/>
-          </p:nvPr>
-        </p:nvSpPr>
-        <p:spPr>
-          <a:xfrm>
-            <a:off x="1887538" y="3048001"/>
-            <a:ext cx="21369337" cy="7250114"/>
-          </a:xfrm>
-        </p:spPr>
-        <p:txBody>
-          <a:bodyPr/>
-          <a:lstStyle/>
-          <a:p>
-            <a:r>
-              <a:rPr lang="ru-RU" dirty="0" smtClean="0"/>
-              <a:t>Вы </a:t>
-            </a:r>
-            <a:r>
-              <a:rPr lang="ru-RU" dirty="0"/>
-              <a:t>сделали </a:t>
-            </a:r>
-            <a:r>
-              <a:rPr lang="ru-RU" dirty="0" smtClean="0"/>
-              <a:t>курс</a:t>
-            </a:r>
-          </a:p>
-          <a:p>
-            <a:r>
-              <a:rPr lang="ru-RU" dirty="0" smtClean="0"/>
-              <a:t>настолько </a:t>
-            </a:r>
-            <a:r>
-              <a:rPr lang="ru-RU" dirty="0"/>
-              <a:t>понятным, </a:t>
-            </a:r>
-            <a:r>
-              <a:rPr lang="ru-RU" dirty="0" smtClean="0"/>
-              <a:t>что</a:t>
-            </a:r>
-          </a:p>
-          <a:p>
-            <a:r>
-              <a:rPr lang="ru-RU" dirty="0" smtClean="0"/>
-              <a:t>даже семиклассница</a:t>
-            </a:r>
-          </a:p>
-          <a:p>
-            <a:r>
-              <a:rPr lang="ru-RU" dirty="0" smtClean="0"/>
-              <a:t>смогла </a:t>
-            </a:r>
-            <a:r>
-              <a:rPr lang="ru-RU" dirty="0"/>
-              <a:t>его </a:t>
-            </a:r>
-            <a:r>
-              <a:rPr lang="ru-RU" dirty="0" smtClean="0"/>
-              <a:t>пройти.</a:t>
-            </a:r>
-          </a:p>
-          <a:p>
-            <a:r>
-              <a:rPr lang="ru-RU" dirty="0" smtClean="0"/>
-              <a:t>Благодаря вам, </a:t>
-            </a:r>
-            <a:r>
-              <a:rPr lang="ru-RU" dirty="0"/>
-              <a:t>я </a:t>
-            </a:r>
-            <a:r>
-              <a:rPr lang="ru-RU" dirty="0" smtClean="0"/>
-              <a:t>сделала</a:t>
-            </a:r>
-          </a:p>
-          <a:p>
-            <a:r>
-              <a:rPr lang="ru-RU" dirty="0" smtClean="0"/>
-              <a:t>первый </a:t>
-            </a:r>
-            <a:r>
-              <a:rPr lang="ru-RU" dirty="0"/>
-              <a:t>шаг к своей мечте!</a:t>
-            </a:r>
-          </a:p>
-        </p:txBody>
-      </p:sp>
-    </p:spTree>
-    <p:extLst>
-      <p:ext uri="{BB962C8B-B14F-4D97-AF65-F5344CB8AC3E}">
-        <p14:creationId xmlns:p14="http://schemas.microsoft.com/office/powerpoint/2010/main" val="646797453"/>
-      </p:ext>
-    </p:extLst>
-  </p:cSld>
-  <p:clrMapOvr>
-    <a:masterClrMapping/>
-  </p:clrMapOvr>
-  <p:timing>
-    <p:tnLst>
-      <p:par>
-        <p:cTn id="1" dur="indefinite" restart="never" nodeType="tmRoot"/>
-      </p:par>
-    </p:tnLst>
-  </p:timing>
-</p:sld>
-</file>
-
-<file path=ppt/slides/slide21.xml><?xml version="1.0" encoding="utf-8"?>
 <p:sld xmlns:a="http://schemas.openxmlformats.org/drawingml/2006/main" xmlns:r="http://schemas.openxmlformats.org/officeDocument/2006/relationships" xmlns:p="http://schemas.openxmlformats.org/presentationml/2006/main">
   <p:cSld>
     <p:spTree>
@@ -15774,7 +15450,7 @@
 </p:sld>
 </file>
 
-<file path=ppt/slides/slide22.xml><?xml version="1.0" encoding="utf-8"?>
+<file path=ppt/slides/slide21.xml><?xml version="1.0" encoding="utf-8"?>
 <p:sld xmlns:a="http://schemas.openxmlformats.org/drawingml/2006/main" xmlns:r="http://schemas.openxmlformats.org/officeDocument/2006/relationships" xmlns:p="http://schemas.openxmlformats.org/presentationml/2006/main" show="0">
   <p:cSld>
     <p:spTree>
@@ -15883,7 +15559,7 @@
           <a:p>
             <a:fld id="{741C03D3-FA44-40EC-9A21-1FC4FEA3E22E}" type="slidenum">
               <a:rPr lang="ru-RU" smtClean="0"/>
-              <a:t>22</a:t>
+              <a:t>21</a:t>
             </a:fld>
             <a:endParaRPr lang="ru-RU"/>
           </a:p>
@@ -16207,7 +15883,7 @@
               <a:effectLst/>
               <a:extLst>
                 <a:ext uri="{C572A759-6A51-4108-AA02-DFA0A04FC94B}">
-                  <ma14:wrappingTextBoxFlag xmlns:ma14="http://schemas.microsoft.com/office/mac/drawingml/2011/main" xmlns="" val="1"/>
+                  <ma14:wrappingTextBoxFlag xmlns="" xmlns:ma14="http://schemas.microsoft.com/office/mac/drawingml/2011/main" val="1"/>
                 </a:ext>
               </a:extLst>
             </p:spPr>
@@ -16305,7 +15981,7 @@
 </p:sld>
 </file>
 
-<file path=ppt/slides/slide23.xml><?xml version="1.0" encoding="utf-8"?>
+<file path=ppt/slides/slide22.xml><?xml version="1.0" encoding="utf-8"?>
 <p:sld xmlns:a="http://schemas.openxmlformats.org/drawingml/2006/main" xmlns:r="http://schemas.openxmlformats.org/officeDocument/2006/relationships" xmlns:p="http://schemas.openxmlformats.org/presentationml/2006/main" show="0">
   <p:cSld>
     <p:spTree>
@@ -16380,7 +16056,7 @@
           <a:p>
             <a:fld id="{741C03D3-FA44-40EC-9A21-1FC4FEA3E22E}" type="slidenum">
               <a:rPr lang="ru-RU" smtClean="0"/>
-              <a:t>23</a:t>
+              <a:t>22</a:t>
             </a:fld>
             <a:endParaRPr lang="ru-RU"/>
           </a:p>
@@ -17452,7 +17128,7 @@
               <a:effectLst/>
               <a:extLst>
                 <a:ext uri="{C572A759-6A51-4108-AA02-DFA0A04FC94B}">
-                  <ma14:wrappingTextBoxFlag xmlns:ma14="http://schemas.microsoft.com/office/mac/drawingml/2011/main" xmlns="" val="1"/>
+                  <ma14:wrappingTextBoxFlag xmlns="" xmlns:ma14="http://schemas.microsoft.com/office/mac/drawingml/2011/main" val="1"/>
                 </a:ext>
               </a:extLst>
             </p:spPr>
@@ -19253,7 +18929,7 @@
           <a:bodyPr/>
           <a:lstStyle/>
           <a:p>
-            <a:endParaRPr lang="ru-RU"/>
+            <a:endParaRPr lang="ru-RU" dirty="0"/>
           </a:p>
         </p:txBody>
       </p:sp>
@@ -19674,10 +19350,10 @@
         </p:nvGrpSpPr>
         <p:grpSpPr>
           <a:xfrm>
-            <a:off x="19350088" y="2667302"/>
-            <a:ext cx="3946914" cy="8941955"/>
-            <a:chOff x="18630705" y="1828800"/>
-            <a:chExt cx="3946914" cy="8941955"/>
+            <a:off x="19059525" y="3226344"/>
+            <a:ext cx="4195765" cy="7267979"/>
+            <a:chOff x="18503985" y="1822341"/>
+            <a:chExt cx="4195765" cy="7267979"/>
           </a:xfrm>
         </p:grpSpPr>
         <p:pic>
@@ -19702,8 +19378,8 @@
           </p:blipFill>
           <p:spPr>
             <a:xfrm>
-              <a:off x="18700569" y="1828800"/>
-              <a:ext cx="3660446" cy="6480000"/>
+              <a:off x="18590695" y="1822341"/>
+              <a:ext cx="4109055" cy="5940000"/>
             </a:xfrm>
             <a:prstGeom prst="rect">
               <a:avLst/>
@@ -19718,8 +19394,8 @@
           </p:nvSpPr>
           <p:spPr>
             <a:xfrm>
-              <a:off x="18630705" y="8462431"/>
-              <a:ext cx="3946914" cy="2308324"/>
+              <a:off x="18503985" y="7889991"/>
+              <a:ext cx="4089581" cy="1200329"/>
             </a:xfrm>
             <a:prstGeom prst="rect">
               <a:avLst/>
@@ -19739,15 +19415,7 @@
                     <a:sysClr val="windowText" lastClr="000000"/>
                   </a:solidFill>
                 </a:rPr>
-                <a:t>София </a:t>
-              </a:r>
-              <a:r>
-                <a:rPr lang="ru-RU" dirty="0" err="1" smtClean="0">
-                  <a:solidFill>
-                    <a:sysClr val="windowText" lastClr="000000"/>
-                  </a:solidFill>
-                </a:rPr>
-                <a:t>Техажева</a:t>
+                <a:t>Михаил Матросов</a:t>
               </a:r>
               <a:endParaRPr lang="ru-RU" dirty="0" smtClean="0">
                 <a:solidFill>
@@ -19758,35 +19426,14 @@
             <a:p>
               <a:pPr algn="ctr"/>
               <a:r>
-                <a:rPr lang="ru-RU" dirty="0" smtClean="0">
-                  <a:solidFill>
-                    <a:sysClr val="windowText" lastClr="000000"/>
-                  </a:solidFill>
-                </a:rPr>
-                <a:t>менеджер</a:t>
+                <a:rPr lang="en-US" dirty="0"/>
+                <a:t>Align </a:t>
               </a:r>
-            </a:p>
-            <a:p>
-              <a:pPr algn="ctr"/>
               <a:r>
-                <a:rPr lang="ru-RU" dirty="0" smtClean="0">
-                  <a:solidFill>
-                    <a:sysClr val="windowText" lastClr="000000"/>
-                  </a:solidFill>
-                </a:rPr>
-                <a:t>образовательных</a:t>
+                <a:rPr lang="en-US" dirty="0" smtClean="0"/>
+                <a:t>Technology</a:t>
               </a:r>
-            </a:p>
-            <a:p>
-              <a:pPr algn="ctr"/>
-              <a:r>
-                <a:rPr lang="ru-RU" dirty="0" smtClean="0">
-                  <a:solidFill>
-                    <a:sysClr val="windowText" lastClr="000000"/>
-                  </a:solidFill>
-                </a:rPr>
-                <a:t>программ</a:t>
-              </a:r>
+              <a:endParaRPr lang="en-US" dirty="0"/>
             </a:p>
           </p:txBody>
         </p:sp>
@@ -20473,35 +20120,35 @@
                 <a:gridCol w="1889806">
                   <a:extLst>
                     <a:ext uri="{9D8B030D-6E8A-4147-A177-3AD203B41FA5}">
-                      <a16:colId xmlns:a16="http://schemas.microsoft.com/office/drawing/2014/main" xmlns="" val="1331546803"/>
+                      <a16:colId xmlns:a16="http://schemas.microsoft.com/office/drawing/2014/main" val="1331546803"/>
                     </a:ext>
                   </a:extLst>
                 </a:gridCol>
                 <a:gridCol w="5724000">
                   <a:extLst>
                     <a:ext uri="{9D8B030D-6E8A-4147-A177-3AD203B41FA5}">
-                      <a16:colId xmlns:a16="http://schemas.microsoft.com/office/drawing/2014/main" xmlns="" val="592452860"/>
+                      <a16:colId xmlns:a16="http://schemas.microsoft.com/office/drawing/2014/main" val="592452860"/>
                     </a:ext>
                   </a:extLst>
                 </a:gridCol>
                 <a:gridCol w="4396768">
                   <a:extLst>
                     <a:ext uri="{9D8B030D-6E8A-4147-A177-3AD203B41FA5}">
-                      <a16:colId xmlns:a16="http://schemas.microsoft.com/office/drawing/2014/main" xmlns="" val="2855384874"/>
+                      <a16:colId xmlns:a16="http://schemas.microsoft.com/office/drawing/2014/main" val="2855384874"/>
                     </a:ext>
                   </a:extLst>
                 </a:gridCol>
                 <a:gridCol w="5524832">
                   <a:extLst>
                     <a:ext uri="{9D8B030D-6E8A-4147-A177-3AD203B41FA5}">
-                      <a16:colId xmlns:a16="http://schemas.microsoft.com/office/drawing/2014/main" xmlns="" val="1283034067"/>
+                      <a16:colId xmlns:a16="http://schemas.microsoft.com/office/drawing/2014/main" val="1283034067"/>
                     </a:ext>
                   </a:extLst>
                 </a:gridCol>
                 <a:gridCol w="4595936">
                   <a:extLst>
                     <a:ext uri="{9D8B030D-6E8A-4147-A177-3AD203B41FA5}">
-                      <a16:colId xmlns:a16="http://schemas.microsoft.com/office/drawing/2014/main" xmlns="" val="1207319212"/>
+                      <a16:colId xmlns:a16="http://schemas.microsoft.com/office/drawing/2014/main" val="1207319212"/>
                     </a:ext>
                   </a:extLst>
                 </a:gridCol>
@@ -20614,7 +20261,7 @@
                 </a:tc>
                 <a:extLst>
                   <a:ext uri="{0D108BD9-81ED-4DB2-BD59-A6C34878D82A}">
-                    <a16:rowId xmlns:a16="http://schemas.microsoft.com/office/drawing/2014/main" xmlns="" val="2840718307"/>
+                    <a16:rowId xmlns:a16="http://schemas.microsoft.com/office/drawing/2014/main" val="2840718307"/>
                   </a:ext>
                 </a:extLst>
               </a:tr>
@@ -20798,7 +20445,7 @@
                 </a:tc>
                 <a:extLst>
                   <a:ext uri="{0D108BD9-81ED-4DB2-BD59-A6C34878D82A}">
-                    <a16:rowId xmlns:a16="http://schemas.microsoft.com/office/drawing/2014/main" xmlns="" val="3409664433"/>
+                    <a16:rowId xmlns:a16="http://schemas.microsoft.com/office/drawing/2014/main" val="3409664433"/>
                   </a:ext>
                 </a:extLst>
               </a:tr>
@@ -20938,7 +20585,7 @@
                 </a:tc>
                 <a:extLst>
                   <a:ext uri="{0D108BD9-81ED-4DB2-BD59-A6C34878D82A}">
-                    <a16:rowId xmlns:a16="http://schemas.microsoft.com/office/drawing/2014/main" xmlns="" val="3588026496"/>
+                    <a16:rowId xmlns:a16="http://schemas.microsoft.com/office/drawing/2014/main" val="3588026496"/>
                   </a:ext>
                 </a:extLst>
               </a:tr>
@@ -21076,7 +20723,7 @@
                 </a:tc>
                 <a:extLst>
                   <a:ext uri="{0D108BD9-81ED-4DB2-BD59-A6C34878D82A}">
-                    <a16:rowId xmlns:a16="http://schemas.microsoft.com/office/drawing/2014/main" xmlns="" val="1854944390"/>
+                    <a16:rowId xmlns:a16="http://schemas.microsoft.com/office/drawing/2014/main" val="1854944390"/>
                   </a:ext>
                 </a:extLst>
               </a:tr>
@@ -21219,7 +20866,7 @@
                 </a:tc>
                 <a:extLst>
                   <a:ext uri="{0D108BD9-81ED-4DB2-BD59-A6C34878D82A}">
-                    <a16:rowId xmlns:a16="http://schemas.microsoft.com/office/drawing/2014/main" xmlns="" val="2910752589"/>
+                    <a16:rowId xmlns:a16="http://schemas.microsoft.com/office/drawing/2014/main" val="2910752589"/>
                   </a:ext>
                 </a:extLst>
               </a:tr>
@@ -21320,7 +20967,7 @@
                 </a:tc>
                 <a:extLst>
                   <a:ext uri="{0D108BD9-81ED-4DB2-BD59-A6C34878D82A}">
-                    <a16:rowId xmlns:a16="http://schemas.microsoft.com/office/drawing/2014/main" xmlns="" val="2021843552"/>
+                    <a16:rowId xmlns:a16="http://schemas.microsoft.com/office/drawing/2014/main" val="2021843552"/>
                   </a:ext>
                 </a:extLst>
               </a:tr>
@@ -21413,7 +21060,7 @@
                 </a:tc>
                 <a:extLst>
                   <a:ext uri="{0D108BD9-81ED-4DB2-BD59-A6C34878D82A}">
-                    <a16:rowId xmlns:a16="http://schemas.microsoft.com/office/drawing/2014/main" xmlns="" val="2730601987"/>
+                    <a16:rowId xmlns:a16="http://schemas.microsoft.com/office/drawing/2014/main" val="2730601987"/>
                   </a:ext>
                 </a:extLst>
               </a:tr>
@@ -22118,35 +21765,35 @@
                 <a:gridCol w="1889806">
                   <a:extLst>
                     <a:ext uri="{9D8B030D-6E8A-4147-A177-3AD203B41FA5}">
-                      <a16:colId xmlns:a16="http://schemas.microsoft.com/office/drawing/2014/main" xmlns="" val="1331546803"/>
+                      <a16:colId xmlns:a16="http://schemas.microsoft.com/office/drawing/2014/main" val="1331546803"/>
                     </a:ext>
                   </a:extLst>
                 </a:gridCol>
                 <a:gridCol w="5724000">
                   <a:extLst>
                     <a:ext uri="{9D8B030D-6E8A-4147-A177-3AD203B41FA5}">
-                      <a16:colId xmlns:a16="http://schemas.microsoft.com/office/drawing/2014/main" xmlns="" val="592452860"/>
+                      <a16:colId xmlns:a16="http://schemas.microsoft.com/office/drawing/2014/main" val="592452860"/>
                     </a:ext>
                   </a:extLst>
                 </a:gridCol>
                 <a:gridCol w="4396768">
                   <a:extLst>
                     <a:ext uri="{9D8B030D-6E8A-4147-A177-3AD203B41FA5}">
-                      <a16:colId xmlns:a16="http://schemas.microsoft.com/office/drawing/2014/main" xmlns="" val="2855384874"/>
+                      <a16:colId xmlns:a16="http://schemas.microsoft.com/office/drawing/2014/main" val="2855384874"/>
                     </a:ext>
                   </a:extLst>
                 </a:gridCol>
                 <a:gridCol w="5524832">
                   <a:extLst>
                     <a:ext uri="{9D8B030D-6E8A-4147-A177-3AD203B41FA5}">
-                      <a16:colId xmlns:a16="http://schemas.microsoft.com/office/drawing/2014/main" xmlns="" val="1283034067"/>
+                      <a16:colId xmlns:a16="http://schemas.microsoft.com/office/drawing/2014/main" val="1283034067"/>
                     </a:ext>
                   </a:extLst>
                 </a:gridCol>
                 <a:gridCol w="4595936">
                   <a:extLst>
                     <a:ext uri="{9D8B030D-6E8A-4147-A177-3AD203B41FA5}">
-                      <a16:colId xmlns:a16="http://schemas.microsoft.com/office/drawing/2014/main" xmlns="" val="1207319212"/>
+                      <a16:colId xmlns:a16="http://schemas.microsoft.com/office/drawing/2014/main" val="1207319212"/>
                     </a:ext>
                   </a:extLst>
                 </a:gridCol>
@@ -22259,7 +21906,7 @@
                 </a:tc>
                 <a:extLst>
                   <a:ext uri="{0D108BD9-81ED-4DB2-BD59-A6C34878D82A}">
-                    <a16:rowId xmlns:a16="http://schemas.microsoft.com/office/drawing/2014/main" xmlns="" val="2840718307"/>
+                    <a16:rowId xmlns:a16="http://schemas.microsoft.com/office/drawing/2014/main" val="2840718307"/>
                   </a:ext>
                 </a:extLst>
               </a:tr>
@@ -22443,7 +22090,7 @@
                 </a:tc>
                 <a:extLst>
                   <a:ext uri="{0D108BD9-81ED-4DB2-BD59-A6C34878D82A}">
-                    <a16:rowId xmlns:a16="http://schemas.microsoft.com/office/drawing/2014/main" xmlns="" val="3409664433"/>
+                    <a16:rowId xmlns:a16="http://schemas.microsoft.com/office/drawing/2014/main" val="3409664433"/>
                   </a:ext>
                 </a:extLst>
               </a:tr>
@@ -22583,7 +22230,7 @@
                 </a:tc>
                 <a:extLst>
                   <a:ext uri="{0D108BD9-81ED-4DB2-BD59-A6C34878D82A}">
-                    <a16:rowId xmlns:a16="http://schemas.microsoft.com/office/drawing/2014/main" xmlns="" val="3588026496"/>
+                    <a16:rowId xmlns:a16="http://schemas.microsoft.com/office/drawing/2014/main" val="3588026496"/>
                   </a:ext>
                 </a:extLst>
               </a:tr>
@@ -22721,7 +22368,7 @@
                 </a:tc>
                 <a:extLst>
                   <a:ext uri="{0D108BD9-81ED-4DB2-BD59-A6C34878D82A}">
-                    <a16:rowId xmlns:a16="http://schemas.microsoft.com/office/drawing/2014/main" xmlns="" val="1854944390"/>
+                    <a16:rowId xmlns:a16="http://schemas.microsoft.com/office/drawing/2014/main" val="1854944390"/>
                   </a:ext>
                 </a:extLst>
               </a:tr>
@@ -22864,7 +22511,7 @@
                 </a:tc>
                 <a:extLst>
                   <a:ext uri="{0D108BD9-81ED-4DB2-BD59-A6C34878D82A}">
-                    <a16:rowId xmlns:a16="http://schemas.microsoft.com/office/drawing/2014/main" xmlns="" val="2910752589"/>
+                    <a16:rowId xmlns:a16="http://schemas.microsoft.com/office/drawing/2014/main" val="2910752589"/>
                   </a:ext>
                 </a:extLst>
               </a:tr>
@@ -22965,7 +22612,7 @@
                 </a:tc>
                 <a:extLst>
                   <a:ext uri="{0D108BD9-81ED-4DB2-BD59-A6C34878D82A}">
-                    <a16:rowId xmlns:a16="http://schemas.microsoft.com/office/drawing/2014/main" xmlns="" val="2021843552"/>
+                    <a16:rowId xmlns:a16="http://schemas.microsoft.com/office/drawing/2014/main" val="2021843552"/>
                   </a:ext>
                 </a:extLst>
               </a:tr>
@@ -23043,7 +22690,7 @@
                 </a:tc>
                 <a:extLst>
                   <a:ext uri="{0D108BD9-81ED-4DB2-BD59-A6C34878D82A}">
-                    <a16:rowId xmlns:a16="http://schemas.microsoft.com/office/drawing/2014/main" xmlns="" val="2730601987"/>
+                    <a16:rowId xmlns:a16="http://schemas.microsoft.com/office/drawing/2014/main" val="2730601987"/>
                   </a:ext>
                 </a:extLst>
               </a:tr>
@@ -23113,63 +22760,6 @@
               <a:t>9</a:t>
             </a:fld>
             <a:endParaRPr lang="ru-RU"/>
-          </a:p>
-        </p:txBody>
-      </p:sp>
-      <p:sp>
-        <p:nvSpPr>
-          <p:cNvPr id="15" name="Скругленная прямоугольная выноска 14"/>
-          <p:cNvSpPr/>
-          <p:nvPr/>
-        </p:nvSpPr>
-        <p:spPr>
-          <a:xfrm>
-            <a:off x="1315604" y="9031920"/>
-            <a:ext cx="8776568" cy="2289600"/>
-          </a:xfrm>
-          <a:prstGeom prst="wedgeRoundRectCallout">
-            <a:avLst>
-              <a:gd name="adj1" fmla="val 108482"/>
-              <a:gd name="adj2" fmla="val -155554"/>
-              <a:gd name="adj3" fmla="val 16667"/>
-            </a:avLst>
-          </a:prstGeom>
-          <a:solidFill>
-            <a:schemeClr val="accent2"/>
-          </a:solidFill>
-          <a:ln w="38100">
-            <a:noFill/>
-          </a:ln>
-        </p:spPr>
-        <p:style>
-          <a:lnRef idx="2">
-            <a:schemeClr val="accent1">
-              <a:shade val="50000"/>
-            </a:schemeClr>
-          </a:lnRef>
-          <a:fillRef idx="1">
-            <a:schemeClr val="accent1"/>
-          </a:fillRef>
-          <a:effectRef idx="0">
-            <a:schemeClr val="accent1"/>
-          </a:effectRef>
-          <a:fontRef idx="minor">
-            <a:schemeClr val="lt1"/>
-          </a:fontRef>
-        </p:style>
-        <p:txBody>
-          <a:bodyPr rtlCol="0" anchor="ctr"/>
-          <a:lstStyle/>
-          <a:p>
-            <a:pPr algn="ctr"/>
-            <a:r>
-              <a:rPr lang="ru-RU" dirty="0" smtClean="0">
-                <a:solidFill>
-                  <a:schemeClr val="tx1"/>
-                </a:solidFill>
-              </a:rPr>
-              <a:t>Слово «указатель» впервые произносится в третьем курсе</a:t>
-            </a:r>
           </a:p>
         </p:txBody>
       </p:sp>
@@ -23404,33 +22994,6 @@
                                   </p:childTnLst>
                                 </p:cTn>
                               </p:par>
-                              <p:par>
-                                <p:cTn id="11" presetID="1" presetClass="entr" presetSubtype="0" fill="hold" grpId="0" nodeType="withEffect">
-                                  <p:stCondLst>
-                                    <p:cond delay="0"/>
-                                  </p:stCondLst>
-                                  <p:childTnLst>
-                                    <p:set>
-                                      <p:cBhvr>
-                                        <p:cTn id="12" dur="1" fill="hold">
-                                          <p:stCondLst>
-                                            <p:cond delay="0"/>
-                                          </p:stCondLst>
-                                        </p:cTn>
-                                        <p:tgtEl>
-                                          <p:spTgt spid="15"/>
-                                        </p:tgtEl>
-                                        <p:attrNameLst>
-                                          <p:attrName>style.visibility</p:attrName>
-                                        </p:attrNameLst>
-                                      </p:cBhvr>
-                                      <p:to>
-                                        <p:strVal val="visible"/>
-                                      </p:to>
-                                    </p:set>
-                                  </p:childTnLst>
-                                </p:cTn>
-                              </p:par>
                             </p:childTnLst>
                           </p:cTn>
                         </p:par>
@@ -23458,9 +23021,6 @@
         </p:cTn>
       </p:par>
     </p:tnLst>
-    <p:bldLst>
-      <p:bldP spid="15" grpId="0" animBg="1"/>
-    </p:bldLst>
   </p:timing>
 </p:sld>
 </file>

--- a/slides.pptx
+++ b/slides.pptx
@@ -5856,7 +5856,7 @@
           </a:ln>
           <a:extLst>
             <a:ext uri="{C572A759-6A51-4108-AA02-DFA0A04FC94B}">
-              <ma14:wrappingTextBoxFlag xmlns="" xmlns:ma14="http://schemas.microsoft.com/office/mac/drawingml/2011/main" val="1"/>
+              <ma14:wrappingTextBoxFlag xmlns:ma14="http://schemas.microsoft.com/office/mac/drawingml/2011/main" xmlns="" val="1"/>
             </a:ext>
           </a:extLst>
         </p:spPr>
@@ -5899,7 +5899,7 @@
           </a:ln>
           <a:extLst>
             <a:ext uri="{C572A759-6A51-4108-AA02-DFA0A04FC94B}">
-              <ma14:wrappingTextBoxFlag xmlns="" xmlns:ma14="http://schemas.microsoft.com/office/mac/drawingml/2011/main" val="1"/>
+              <ma14:wrappingTextBoxFlag xmlns:ma14="http://schemas.microsoft.com/office/mac/drawingml/2011/main" xmlns="" val="1"/>
             </a:ext>
           </a:extLst>
         </p:spPr>
@@ -6023,7 +6023,7 @@
           </a:ln>
           <a:extLst>
             <a:ext uri="{C572A759-6A51-4108-AA02-DFA0A04FC94B}">
-              <ma14:wrappingTextBoxFlag xmlns="" xmlns:ma14="http://schemas.microsoft.com/office/mac/drawingml/2011/main" val="1"/>
+              <ma14:wrappingTextBoxFlag xmlns:ma14="http://schemas.microsoft.com/office/mac/drawingml/2011/main" xmlns="" val="1"/>
             </a:ext>
           </a:extLst>
         </p:spPr>
@@ -6114,7 +6114,7 @@
           </a:ln>
           <a:extLst>
             <a:ext uri="{C572A759-6A51-4108-AA02-DFA0A04FC94B}">
-              <ma14:wrappingTextBoxFlag xmlns="" xmlns:ma14="http://schemas.microsoft.com/office/mac/drawingml/2011/main" val="1"/>
+              <ma14:wrappingTextBoxFlag xmlns:ma14="http://schemas.microsoft.com/office/mac/drawingml/2011/main" xmlns="" val="1"/>
             </a:ext>
           </a:extLst>
         </p:spPr>
@@ -6233,7 +6233,7 @@
           </a:ln>
           <a:extLst>
             <a:ext uri="{C572A759-6A51-4108-AA02-DFA0A04FC94B}">
-              <ma14:wrappingTextBoxFlag xmlns="" xmlns:ma14="http://schemas.microsoft.com/office/mac/drawingml/2011/main" val="1"/>
+              <ma14:wrappingTextBoxFlag xmlns:ma14="http://schemas.microsoft.com/office/mac/drawingml/2011/main" xmlns="" val="1"/>
             </a:ext>
           </a:extLst>
         </p:spPr>
@@ -15883,7 +15883,7 @@
               <a:effectLst/>
               <a:extLst>
                 <a:ext uri="{C572A759-6A51-4108-AA02-DFA0A04FC94B}">
-                  <ma14:wrappingTextBoxFlag xmlns="" xmlns:ma14="http://schemas.microsoft.com/office/mac/drawingml/2011/main" val="1"/>
+                  <ma14:wrappingTextBoxFlag xmlns:ma14="http://schemas.microsoft.com/office/mac/drawingml/2011/main" xmlns="" val="1"/>
                 </a:ext>
               </a:extLst>
             </p:spPr>
@@ -17128,7 +17128,7 @@
               <a:effectLst/>
               <a:extLst>
                 <a:ext uri="{C572A759-6A51-4108-AA02-DFA0A04FC94B}">
-                  <ma14:wrappingTextBoxFlag xmlns="" xmlns:ma14="http://schemas.microsoft.com/office/mac/drawingml/2011/main" val="1"/>
+                  <ma14:wrappingTextBoxFlag xmlns:ma14="http://schemas.microsoft.com/office/mac/drawingml/2011/main" xmlns="" val="1"/>
                 </a:ext>
               </a:extLst>
             </p:spPr>
@@ -19417,11 +19417,6 @@
                 </a:rPr>
                 <a:t>Михаил Матросов</a:t>
               </a:r>
-              <a:endParaRPr lang="ru-RU" dirty="0" smtClean="0">
-                <a:solidFill>
-                  <a:sysClr val="windowText" lastClr="000000"/>
-                </a:solidFill>
-              </a:endParaRPr>
             </a:p>
             <a:p>
               <a:pPr algn="ctr"/>
@@ -22955,51 +22950,6 @@
                       </p:childTnLst>
                     </p:cTn>
                   </p:par>
-                  <p:par>
-                    <p:cTn id="7" fill="hold">
-                      <p:stCondLst>
-                        <p:cond delay="indefinite"/>
-                      </p:stCondLst>
-                      <p:childTnLst>
-                        <p:par>
-                          <p:cTn id="8" fill="hold">
-                            <p:stCondLst>
-                              <p:cond delay="0"/>
-                            </p:stCondLst>
-                            <p:childTnLst>
-                              <p:par>
-                                <p:cTn id="9" presetID="1" presetClass="exit" presetSubtype="0" fill="hold" nodeType="clickEffect">
-                                  <p:stCondLst>
-                                    <p:cond delay="0"/>
-                                  </p:stCondLst>
-                                  <p:childTnLst>
-                                    <p:set>
-                                      <p:cBhvr>
-                                        <p:cTn id="10" dur="1" fill="hold">
-                                          <p:stCondLst>
-                                            <p:cond delay="0"/>
-                                          </p:stCondLst>
-                                        </p:cTn>
-                                        <p:tgtEl>
-                                          <p:spTgt spid="7"/>
-                                        </p:tgtEl>
-                                        <p:attrNameLst>
-                                          <p:attrName>style.visibility</p:attrName>
-                                        </p:attrNameLst>
-                                      </p:cBhvr>
-                                      <p:to>
-                                        <p:strVal val="hidden"/>
-                                      </p:to>
-                                    </p:set>
-                                  </p:childTnLst>
-                                </p:cTn>
-                              </p:par>
-                            </p:childTnLst>
-                          </p:cTn>
-                        </p:par>
-                      </p:childTnLst>
-                    </p:cTn>
-                  </p:par>
                 </p:childTnLst>
               </p:cTn>
               <p:prevCondLst>

--- a/slides.pptx
+++ b/slides.pptx
@@ -268,7 +268,7 @@
           <a:p>
             <a:fld id="{7C2C5C60-F37A-814E-99F6-3C775637DBC0}" type="datetimeFigureOut">
               <a:rPr lang="ru-RU" smtClean="0"/>
-              <a:t>09.10.2018</a:t>
+              <a:t>10.10.2018</a:t>
             </a:fld>
             <a:endParaRPr lang="ru-RU"/>
           </a:p>
@@ -433,7 +433,7 @@
           <a:p>
             <a:fld id="{A48BA324-014D-41B7-8E83-ECE8F197A959}" type="datetimeFigureOut">
               <a:rPr lang="ru-RU" smtClean="0"/>
-              <a:t>09.10.2018</a:t>
+              <a:t>10.10.2018</a:t>
             </a:fld>
             <a:endParaRPr lang="ru-RU"/>
           </a:p>
@@ -4972,7 +4972,7 @@
           <p:cNvPr id="2" name="Группа 1">
             <a:extLst>
               <a:ext uri="{FF2B5EF4-FFF2-40B4-BE49-F238E27FC236}">
-                <a16:creationId xmlns:a16="http://schemas.microsoft.com/office/drawing/2014/main" id="{32510620-9203-6A4F-8215-EE5B71D8CB96}"/>
+                <a16:creationId xmlns:a16="http://schemas.microsoft.com/office/drawing/2014/main" xmlns="" id="{32510620-9203-6A4F-8215-EE5B71D8CB96}"/>
               </a:ext>
             </a:extLst>
           </p:cNvPr>
@@ -4992,7 +4992,7 @@
             <p:cNvPr id="17" name="Прямоугольник 16">
               <a:extLst>
                 <a:ext uri="{FF2B5EF4-FFF2-40B4-BE49-F238E27FC236}">
-                  <a16:creationId xmlns:a16="http://schemas.microsoft.com/office/drawing/2014/main" id="{73034AE5-F458-B44E-A08D-78D8FD2FBBED}"/>
+                  <a16:creationId xmlns:a16="http://schemas.microsoft.com/office/drawing/2014/main" xmlns="" id="{73034AE5-F458-B44E-A08D-78D8FD2FBBED}"/>
                 </a:ext>
               </a:extLst>
             </p:cNvPr>
@@ -5044,7 +5044,7 @@
             <p:cNvPr id="18" name="Изображение 42">
               <a:extLst>
                 <a:ext uri="{FF2B5EF4-FFF2-40B4-BE49-F238E27FC236}">
-                  <a16:creationId xmlns:a16="http://schemas.microsoft.com/office/drawing/2014/main" id="{FF9B81E1-5EBD-1247-A39B-278A79BDFCD5}"/>
+                  <a16:creationId xmlns:a16="http://schemas.microsoft.com/office/drawing/2014/main" xmlns="" id="{FF9B81E1-5EBD-1247-A39B-278A79BDFCD5}"/>
                 </a:ext>
               </a:extLst>
             </p:cNvPr>
@@ -5466,7 +5466,7 @@
           <p:cNvPr id="16" name="Текст 9">
             <a:extLst>
               <a:ext uri="{FF2B5EF4-FFF2-40B4-BE49-F238E27FC236}">
-                <a16:creationId xmlns:a16="http://schemas.microsoft.com/office/drawing/2014/main" id="{DEC5E0E5-E30B-4642-9B18-19724D6B7066}"/>
+                <a16:creationId xmlns:a16="http://schemas.microsoft.com/office/drawing/2014/main" xmlns="" id="{DEC5E0E5-E30B-4642-9B18-19724D6B7066}"/>
               </a:ext>
             </a:extLst>
           </p:cNvPr>
@@ -5505,7 +5505,7 @@
           <p:cNvPr id="18" name="Группа 17">
             <a:extLst>
               <a:ext uri="{FF2B5EF4-FFF2-40B4-BE49-F238E27FC236}">
-                <a16:creationId xmlns:a16="http://schemas.microsoft.com/office/drawing/2014/main" id="{60F32FEE-012A-2044-BC37-D3F532564E0E}"/>
+                <a16:creationId xmlns:a16="http://schemas.microsoft.com/office/drawing/2014/main" xmlns="" id="{60F32FEE-012A-2044-BC37-D3F532564E0E}"/>
               </a:ext>
             </a:extLst>
           </p:cNvPr>
@@ -5525,7 +5525,7 @@
             <p:cNvPr id="21" name="Прямоугольник 20">
               <a:extLst>
                 <a:ext uri="{FF2B5EF4-FFF2-40B4-BE49-F238E27FC236}">
-                  <a16:creationId xmlns:a16="http://schemas.microsoft.com/office/drawing/2014/main" id="{281580E8-1D7B-904D-A3CC-B3059675D955}"/>
+                  <a16:creationId xmlns:a16="http://schemas.microsoft.com/office/drawing/2014/main" xmlns="" id="{281580E8-1D7B-904D-A3CC-B3059675D955}"/>
                 </a:ext>
               </a:extLst>
             </p:cNvPr>
@@ -5577,7 +5577,7 @@
             <p:cNvPr id="24" name="Изображение 42">
               <a:extLst>
                 <a:ext uri="{FF2B5EF4-FFF2-40B4-BE49-F238E27FC236}">
-                  <a16:creationId xmlns:a16="http://schemas.microsoft.com/office/drawing/2014/main" id="{76CC79E5-0405-8F45-9BB8-F4948BD253E5}"/>
+                  <a16:creationId xmlns:a16="http://schemas.microsoft.com/office/drawing/2014/main" xmlns="" id="{76CC79E5-0405-8F45-9BB8-F4948BD253E5}"/>
                 </a:ext>
               </a:extLst>
             </p:cNvPr>
@@ -5608,7 +5608,7 @@
           <p:cNvPr id="27" name="Текст 9">
             <a:extLst>
               <a:ext uri="{FF2B5EF4-FFF2-40B4-BE49-F238E27FC236}">
-                <a16:creationId xmlns:a16="http://schemas.microsoft.com/office/drawing/2014/main" id="{E6789703-35B8-334E-A41E-27BF0926FCFA}"/>
+                <a16:creationId xmlns:a16="http://schemas.microsoft.com/office/drawing/2014/main" xmlns="" id="{E6789703-35B8-334E-A41E-27BF0926FCFA}"/>
               </a:ext>
             </a:extLst>
           </p:cNvPr>
@@ -5647,7 +5647,7 @@
           <p:cNvPr id="29" name="Группа 28">
             <a:extLst>
               <a:ext uri="{FF2B5EF4-FFF2-40B4-BE49-F238E27FC236}">
-                <a16:creationId xmlns:a16="http://schemas.microsoft.com/office/drawing/2014/main" id="{534F831D-7B0A-284C-9078-8D0296129AB3}"/>
+                <a16:creationId xmlns:a16="http://schemas.microsoft.com/office/drawing/2014/main" xmlns="" id="{534F831D-7B0A-284C-9078-8D0296129AB3}"/>
               </a:ext>
             </a:extLst>
           </p:cNvPr>
@@ -5667,7 +5667,7 @@
             <p:cNvPr id="30" name="Прямоугольник 29">
               <a:extLst>
                 <a:ext uri="{FF2B5EF4-FFF2-40B4-BE49-F238E27FC236}">
-                  <a16:creationId xmlns:a16="http://schemas.microsoft.com/office/drawing/2014/main" id="{B1E449D6-F200-C047-A4BD-41695AF9314A}"/>
+                  <a16:creationId xmlns:a16="http://schemas.microsoft.com/office/drawing/2014/main" xmlns="" id="{B1E449D6-F200-C047-A4BD-41695AF9314A}"/>
                 </a:ext>
               </a:extLst>
             </p:cNvPr>
@@ -5719,7 +5719,7 @@
             <p:cNvPr id="31" name="Изображение 42">
               <a:extLst>
                 <a:ext uri="{FF2B5EF4-FFF2-40B4-BE49-F238E27FC236}">
-                  <a16:creationId xmlns:a16="http://schemas.microsoft.com/office/drawing/2014/main" id="{9CB34F08-90AE-5447-8963-945F9D476869}"/>
+                  <a16:creationId xmlns:a16="http://schemas.microsoft.com/office/drawing/2014/main" xmlns="" id="{9CB34F08-90AE-5447-8963-945F9D476869}"/>
                 </a:ext>
               </a:extLst>
             </p:cNvPr>
@@ -5856,7 +5856,7 @@
           </a:ln>
           <a:extLst>
             <a:ext uri="{C572A759-6A51-4108-AA02-DFA0A04FC94B}">
-              <ma14:wrappingTextBoxFlag xmlns:ma14="http://schemas.microsoft.com/office/mac/drawingml/2011/main" xmlns="" val="1"/>
+              <ma14:wrappingTextBoxFlag xmlns="" xmlns:ma14="http://schemas.microsoft.com/office/mac/drawingml/2011/main" val="1"/>
             </a:ext>
           </a:extLst>
         </p:spPr>
@@ -5899,7 +5899,7 @@
           </a:ln>
           <a:extLst>
             <a:ext uri="{C572A759-6A51-4108-AA02-DFA0A04FC94B}">
-              <ma14:wrappingTextBoxFlag xmlns:ma14="http://schemas.microsoft.com/office/mac/drawingml/2011/main" xmlns="" val="1"/>
+              <ma14:wrappingTextBoxFlag xmlns="" xmlns:ma14="http://schemas.microsoft.com/office/mac/drawingml/2011/main" val="1"/>
             </a:ext>
           </a:extLst>
         </p:spPr>
@@ -6023,7 +6023,7 @@
           </a:ln>
           <a:extLst>
             <a:ext uri="{C572A759-6A51-4108-AA02-DFA0A04FC94B}">
-              <ma14:wrappingTextBoxFlag xmlns:ma14="http://schemas.microsoft.com/office/mac/drawingml/2011/main" xmlns="" val="1"/>
+              <ma14:wrappingTextBoxFlag xmlns="" xmlns:ma14="http://schemas.microsoft.com/office/mac/drawingml/2011/main" val="1"/>
             </a:ext>
           </a:extLst>
         </p:spPr>
@@ -6114,7 +6114,7 @@
           </a:ln>
           <a:extLst>
             <a:ext uri="{C572A759-6A51-4108-AA02-DFA0A04FC94B}">
-              <ma14:wrappingTextBoxFlag xmlns:ma14="http://schemas.microsoft.com/office/mac/drawingml/2011/main" xmlns="" val="1"/>
+              <ma14:wrappingTextBoxFlag xmlns="" xmlns:ma14="http://schemas.microsoft.com/office/mac/drawingml/2011/main" val="1"/>
             </a:ext>
           </a:extLst>
         </p:spPr>
@@ -6233,7 +6233,7 @@
           </a:ln>
           <a:extLst>
             <a:ext uri="{C572A759-6A51-4108-AA02-DFA0A04FC94B}">
-              <ma14:wrappingTextBoxFlag xmlns:ma14="http://schemas.microsoft.com/office/mac/drawingml/2011/main" xmlns="" val="1"/>
+              <ma14:wrappingTextBoxFlag xmlns="" xmlns:ma14="http://schemas.microsoft.com/office/mac/drawingml/2011/main" val="1"/>
             </a:ext>
           </a:extLst>
         </p:spPr>
@@ -6712,7 +6712,7 @@
           <p:cNvPr id="16" name="Рисунок 15">
             <a:extLst>
               <a:ext uri="{FF2B5EF4-FFF2-40B4-BE49-F238E27FC236}">
-                <a16:creationId xmlns:a16="http://schemas.microsoft.com/office/drawing/2014/main" id="{554116F1-2C0F-2A43-B8D0-9BEE5D326A1F}"/>
+                <a16:creationId xmlns:a16="http://schemas.microsoft.com/office/drawing/2014/main" xmlns="" id="{554116F1-2C0F-2A43-B8D0-9BEE5D326A1F}"/>
               </a:ext>
             </a:extLst>
           </p:cNvPr>
@@ -6748,7 +6748,7 @@
           <p:cNvPr id="23" name="Прямоугольник 22">
             <a:extLst>
               <a:ext uri="{FF2B5EF4-FFF2-40B4-BE49-F238E27FC236}">
-                <a16:creationId xmlns:a16="http://schemas.microsoft.com/office/drawing/2014/main" id="{BEF4D639-ABD3-804D-979A-B956F9097A8F}"/>
+                <a16:creationId xmlns:a16="http://schemas.microsoft.com/office/drawing/2014/main" xmlns="" id="{BEF4D639-ABD3-804D-979A-B956F9097A8F}"/>
               </a:ext>
             </a:extLst>
           </p:cNvPr>
@@ -9727,7 +9727,7 @@
           <p:cNvPr id="6" name="TextBox 5">
             <a:extLst>
               <a:ext uri="{FF2B5EF4-FFF2-40B4-BE49-F238E27FC236}">
-                <a16:creationId xmlns:a16="http://schemas.microsoft.com/office/drawing/2014/main" id="{6AF6C8C0-C266-5C4E-9046-BB97D282CABE}"/>
+                <a16:creationId xmlns:a16="http://schemas.microsoft.com/office/drawing/2014/main" xmlns="" id="{6AF6C8C0-C266-5C4E-9046-BB97D282CABE}"/>
               </a:ext>
             </a:extLst>
           </p:cNvPr>
@@ -10328,28 +10328,28 @@
                 <a:gridCol w="5528072">
                   <a:extLst>
                     <a:ext uri="{9D8B030D-6E8A-4147-A177-3AD203B41FA5}">
-                      <a16:colId xmlns:a16="http://schemas.microsoft.com/office/drawing/2014/main" val="20000"/>
+                      <a16:colId xmlns:a16="http://schemas.microsoft.com/office/drawing/2014/main" xmlns="" val="20000"/>
                     </a:ext>
                   </a:extLst>
                 </a:gridCol>
                 <a:gridCol w="5528072">
                   <a:extLst>
                     <a:ext uri="{9D8B030D-6E8A-4147-A177-3AD203B41FA5}">
-                      <a16:colId xmlns:a16="http://schemas.microsoft.com/office/drawing/2014/main" val="20001"/>
+                      <a16:colId xmlns:a16="http://schemas.microsoft.com/office/drawing/2014/main" xmlns="" val="20001"/>
                     </a:ext>
                   </a:extLst>
                 </a:gridCol>
                 <a:gridCol w="5528072">
                   <a:extLst>
                     <a:ext uri="{9D8B030D-6E8A-4147-A177-3AD203B41FA5}">
-                      <a16:colId xmlns:a16="http://schemas.microsoft.com/office/drawing/2014/main" val="20002"/>
+                      <a16:colId xmlns:a16="http://schemas.microsoft.com/office/drawing/2014/main" xmlns="" val="20002"/>
                     </a:ext>
                   </a:extLst>
                 </a:gridCol>
                 <a:gridCol w="5528072">
                   <a:extLst>
                     <a:ext uri="{9D8B030D-6E8A-4147-A177-3AD203B41FA5}">
-                      <a16:colId xmlns:a16="http://schemas.microsoft.com/office/drawing/2014/main" val="20003"/>
+                      <a16:colId xmlns:a16="http://schemas.microsoft.com/office/drawing/2014/main" xmlns="" val="20003"/>
                     </a:ext>
                   </a:extLst>
                 </a:gridCol>
@@ -10432,7 +10432,7 @@
                 </a:tc>
                 <a:extLst>
                   <a:ext uri="{0D108BD9-81ED-4DB2-BD59-A6C34878D82A}">
-                    <a16:rowId xmlns:a16="http://schemas.microsoft.com/office/drawing/2014/main" val="10000"/>
+                    <a16:rowId xmlns:a16="http://schemas.microsoft.com/office/drawing/2014/main" xmlns="" val="10000"/>
                   </a:ext>
                 </a:extLst>
               </a:tr>
@@ -10502,7 +10502,7 @@
                 </a:tc>
                 <a:extLst>
                   <a:ext uri="{0D108BD9-81ED-4DB2-BD59-A6C34878D82A}">
-                    <a16:rowId xmlns:a16="http://schemas.microsoft.com/office/drawing/2014/main" val="10001"/>
+                    <a16:rowId xmlns:a16="http://schemas.microsoft.com/office/drawing/2014/main" xmlns="" val="10001"/>
                   </a:ext>
                 </a:extLst>
               </a:tr>
@@ -10568,7 +10568,7 @@
                 </a:tc>
                 <a:extLst>
                   <a:ext uri="{0D108BD9-81ED-4DB2-BD59-A6C34878D82A}">
-                    <a16:rowId xmlns:a16="http://schemas.microsoft.com/office/drawing/2014/main" val="10002"/>
+                    <a16:rowId xmlns:a16="http://schemas.microsoft.com/office/drawing/2014/main" xmlns="" val="10002"/>
                   </a:ext>
                 </a:extLst>
               </a:tr>
@@ -10634,7 +10634,7 @@
                 </a:tc>
                 <a:extLst>
                   <a:ext uri="{0D108BD9-81ED-4DB2-BD59-A6C34878D82A}">
-                    <a16:rowId xmlns:a16="http://schemas.microsoft.com/office/drawing/2014/main" val="10003"/>
+                    <a16:rowId xmlns:a16="http://schemas.microsoft.com/office/drawing/2014/main" xmlns="" val="10003"/>
                   </a:ext>
                 </a:extLst>
               </a:tr>
@@ -15883,7 +15883,7 @@
               <a:effectLst/>
               <a:extLst>
                 <a:ext uri="{C572A759-6A51-4108-AA02-DFA0A04FC94B}">
-                  <ma14:wrappingTextBoxFlag xmlns:ma14="http://schemas.microsoft.com/office/mac/drawingml/2011/main" xmlns="" val="1"/>
+                  <ma14:wrappingTextBoxFlag xmlns="" xmlns:ma14="http://schemas.microsoft.com/office/mac/drawingml/2011/main" val="1"/>
                 </a:ext>
               </a:extLst>
             </p:spPr>
@@ -17128,7 +17128,7 @@
               <a:effectLst/>
               <a:extLst>
                 <a:ext uri="{C572A759-6A51-4108-AA02-DFA0A04FC94B}">
-                  <ma14:wrappingTextBoxFlag xmlns:ma14="http://schemas.microsoft.com/office/mac/drawingml/2011/main" xmlns="" val="1"/>
+                  <ma14:wrappingTextBoxFlag xmlns="" xmlns:ma14="http://schemas.microsoft.com/office/mac/drawingml/2011/main" val="1"/>
                 </a:ext>
               </a:extLst>
             </p:spPr>
@@ -20115,35 +20115,35 @@
                 <a:gridCol w="1889806">
                   <a:extLst>
                     <a:ext uri="{9D8B030D-6E8A-4147-A177-3AD203B41FA5}">
-                      <a16:colId xmlns:a16="http://schemas.microsoft.com/office/drawing/2014/main" val="1331546803"/>
+                      <a16:colId xmlns:a16="http://schemas.microsoft.com/office/drawing/2014/main" xmlns="" val="1331546803"/>
                     </a:ext>
                   </a:extLst>
                 </a:gridCol>
                 <a:gridCol w="5724000">
                   <a:extLst>
                     <a:ext uri="{9D8B030D-6E8A-4147-A177-3AD203B41FA5}">
-                      <a16:colId xmlns:a16="http://schemas.microsoft.com/office/drawing/2014/main" val="592452860"/>
+                      <a16:colId xmlns:a16="http://schemas.microsoft.com/office/drawing/2014/main" xmlns="" val="592452860"/>
                     </a:ext>
                   </a:extLst>
                 </a:gridCol>
                 <a:gridCol w="4396768">
                   <a:extLst>
                     <a:ext uri="{9D8B030D-6E8A-4147-A177-3AD203B41FA5}">
-                      <a16:colId xmlns:a16="http://schemas.microsoft.com/office/drawing/2014/main" val="2855384874"/>
+                      <a16:colId xmlns:a16="http://schemas.microsoft.com/office/drawing/2014/main" xmlns="" val="2855384874"/>
                     </a:ext>
                   </a:extLst>
                 </a:gridCol>
                 <a:gridCol w="5524832">
                   <a:extLst>
                     <a:ext uri="{9D8B030D-6E8A-4147-A177-3AD203B41FA5}">
-                      <a16:colId xmlns:a16="http://schemas.microsoft.com/office/drawing/2014/main" val="1283034067"/>
+                      <a16:colId xmlns:a16="http://schemas.microsoft.com/office/drawing/2014/main" xmlns="" val="1283034067"/>
                     </a:ext>
                   </a:extLst>
                 </a:gridCol>
                 <a:gridCol w="4595936">
                   <a:extLst>
                     <a:ext uri="{9D8B030D-6E8A-4147-A177-3AD203B41FA5}">
-                      <a16:colId xmlns:a16="http://schemas.microsoft.com/office/drawing/2014/main" val="1207319212"/>
+                      <a16:colId xmlns:a16="http://schemas.microsoft.com/office/drawing/2014/main" xmlns="" val="1207319212"/>
                     </a:ext>
                   </a:extLst>
                 </a:gridCol>
@@ -20256,7 +20256,7 @@
                 </a:tc>
                 <a:extLst>
                   <a:ext uri="{0D108BD9-81ED-4DB2-BD59-A6C34878D82A}">
-                    <a16:rowId xmlns:a16="http://schemas.microsoft.com/office/drawing/2014/main" val="2840718307"/>
+                    <a16:rowId xmlns:a16="http://schemas.microsoft.com/office/drawing/2014/main" xmlns="" val="2840718307"/>
                   </a:ext>
                 </a:extLst>
               </a:tr>
@@ -20440,7 +20440,7 @@
                 </a:tc>
                 <a:extLst>
                   <a:ext uri="{0D108BD9-81ED-4DB2-BD59-A6C34878D82A}">
-                    <a16:rowId xmlns:a16="http://schemas.microsoft.com/office/drawing/2014/main" val="3409664433"/>
+                    <a16:rowId xmlns:a16="http://schemas.microsoft.com/office/drawing/2014/main" xmlns="" val="3409664433"/>
                   </a:ext>
                 </a:extLst>
               </a:tr>
@@ -20580,7 +20580,7 @@
                 </a:tc>
                 <a:extLst>
                   <a:ext uri="{0D108BD9-81ED-4DB2-BD59-A6C34878D82A}">
-                    <a16:rowId xmlns:a16="http://schemas.microsoft.com/office/drawing/2014/main" val="3588026496"/>
+                    <a16:rowId xmlns:a16="http://schemas.microsoft.com/office/drawing/2014/main" xmlns="" val="3588026496"/>
                   </a:ext>
                 </a:extLst>
               </a:tr>
@@ -20718,7 +20718,7 @@
                 </a:tc>
                 <a:extLst>
                   <a:ext uri="{0D108BD9-81ED-4DB2-BD59-A6C34878D82A}">
-                    <a16:rowId xmlns:a16="http://schemas.microsoft.com/office/drawing/2014/main" val="1854944390"/>
+                    <a16:rowId xmlns:a16="http://schemas.microsoft.com/office/drawing/2014/main" xmlns="" val="1854944390"/>
                   </a:ext>
                 </a:extLst>
               </a:tr>
@@ -20861,7 +20861,7 @@
                 </a:tc>
                 <a:extLst>
                   <a:ext uri="{0D108BD9-81ED-4DB2-BD59-A6C34878D82A}">
-                    <a16:rowId xmlns:a16="http://schemas.microsoft.com/office/drawing/2014/main" val="2910752589"/>
+                    <a16:rowId xmlns:a16="http://schemas.microsoft.com/office/drawing/2014/main" xmlns="" val="2910752589"/>
                   </a:ext>
                 </a:extLst>
               </a:tr>
@@ -20962,7 +20962,7 @@
                 </a:tc>
                 <a:extLst>
                   <a:ext uri="{0D108BD9-81ED-4DB2-BD59-A6C34878D82A}">
-                    <a16:rowId xmlns:a16="http://schemas.microsoft.com/office/drawing/2014/main" val="2021843552"/>
+                    <a16:rowId xmlns:a16="http://schemas.microsoft.com/office/drawing/2014/main" xmlns="" val="2021843552"/>
                   </a:ext>
                 </a:extLst>
               </a:tr>
@@ -21055,7 +21055,7 @@
                 </a:tc>
                 <a:extLst>
                   <a:ext uri="{0D108BD9-81ED-4DB2-BD59-A6C34878D82A}">
-                    <a16:rowId xmlns:a16="http://schemas.microsoft.com/office/drawing/2014/main" val="2730601987"/>
+                    <a16:rowId xmlns:a16="http://schemas.microsoft.com/office/drawing/2014/main" xmlns="" val="2730601987"/>
                   </a:ext>
                 </a:extLst>
               </a:tr>
@@ -21290,6 +21290,82 @@
               </a:rPr>
               <a:t>35 задач</a:t>
             </a:r>
+          </a:p>
+        </p:txBody>
+      </p:sp>
+      <p:sp>
+        <p:nvSpPr>
+          <p:cNvPr id="15" name="Скругленный прямоугольник 14"/>
+          <p:cNvSpPr/>
+          <p:nvPr/>
+        </p:nvSpPr>
+        <p:spPr>
+          <a:xfrm>
+            <a:off x="18815049" y="4599676"/>
+            <a:ext cx="4370390" cy="1656000"/>
+          </a:xfrm>
+          <a:prstGeom prst="roundRect">
+            <a:avLst>
+              <a:gd name="adj" fmla="val 18964"/>
+            </a:avLst>
+          </a:prstGeom>
+          <a:solidFill>
+            <a:schemeClr val="accent2"/>
+          </a:solidFill>
+          <a:ln w="38100">
+            <a:noFill/>
+          </a:ln>
+        </p:spPr>
+        <p:style>
+          <a:lnRef idx="2">
+            <a:schemeClr val="accent1">
+              <a:shade val="50000"/>
+            </a:schemeClr>
+          </a:lnRef>
+          <a:fillRef idx="1">
+            <a:schemeClr val="accent1"/>
+          </a:fillRef>
+          <a:effectRef idx="0">
+            <a:schemeClr val="accent1"/>
+          </a:effectRef>
+          <a:fontRef idx="minor">
+            <a:schemeClr val="lt1"/>
+          </a:fontRef>
+        </p:style>
+        <p:txBody>
+          <a:bodyPr rtlCol="0" anchor="ctr"/>
+          <a:lstStyle/>
+          <a:p>
+            <a:pPr algn="ctr"/>
+            <a:r>
+              <a:rPr lang="ru-RU" dirty="0" smtClean="0">
+                <a:solidFill>
+                  <a:schemeClr val="tx1"/>
+                </a:solidFill>
+              </a:rPr>
+              <a:t>3</a:t>
+            </a:r>
+            <a:r>
+              <a:rPr lang="en-US" dirty="0" smtClean="0">
+                <a:solidFill>
+                  <a:schemeClr val="tx1"/>
+                </a:solidFill>
+              </a:rPr>
+              <a:t>1</a:t>
+            </a:r>
+            <a:r>
+              <a:rPr lang="ru-RU" dirty="0" smtClean="0">
+                <a:solidFill>
+                  <a:schemeClr val="tx1"/>
+                </a:solidFill>
+              </a:rPr>
+              <a:t> задача</a:t>
+            </a:r>
+            <a:endParaRPr lang="ru-RU" dirty="0" smtClean="0">
+              <a:solidFill>
+                <a:schemeClr val="tx1"/>
+              </a:solidFill>
+            </a:endParaRPr>
           </a:p>
         </p:txBody>
       </p:sp>
@@ -21674,6 +21750,87 @@
                                   </p:childTnLst>
                                 </p:cTn>
                               </p:par>
+                              <p:par>
+                                <p:cTn id="28" presetID="47" presetClass="entr" presetSubtype="0" fill="hold" grpId="0" nodeType="withEffect">
+                                  <p:stCondLst>
+                                    <p:cond delay="0"/>
+                                  </p:stCondLst>
+                                  <p:childTnLst>
+                                    <p:set>
+                                      <p:cBhvr>
+                                        <p:cTn id="29" dur="1" fill="hold">
+                                          <p:stCondLst>
+                                            <p:cond delay="0"/>
+                                          </p:stCondLst>
+                                        </p:cTn>
+                                        <p:tgtEl>
+                                          <p:spTgt spid="15"/>
+                                        </p:tgtEl>
+                                        <p:attrNameLst>
+                                          <p:attrName>style.visibility</p:attrName>
+                                        </p:attrNameLst>
+                                      </p:cBhvr>
+                                      <p:to>
+                                        <p:strVal val="visible"/>
+                                      </p:to>
+                                    </p:set>
+                                    <p:animEffect transition="in" filter="fade">
+                                      <p:cBhvr>
+                                        <p:cTn id="30" dur="500"/>
+                                        <p:tgtEl>
+                                          <p:spTgt spid="15"/>
+                                        </p:tgtEl>
+                                      </p:cBhvr>
+                                    </p:animEffect>
+                                    <p:anim calcmode="lin" valueType="num">
+                                      <p:cBhvr>
+                                        <p:cTn id="31" dur="500" fill="hold"/>
+                                        <p:tgtEl>
+                                          <p:spTgt spid="15"/>
+                                        </p:tgtEl>
+                                        <p:attrNameLst>
+                                          <p:attrName>ppt_x</p:attrName>
+                                        </p:attrNameLst>
+                                      </p:cBhvr>
+                                      <p:tavLst>
+                                        <p:tav tm="0">
+                                          <p:val>
+                                            <p:strVal val="#ppt_x"/>
+                                          </p:val>
+                                        </p:tav>
+                                        <p:tav tm="100000">
+                                          <p:val>
+                                            <p:strVal val="#ppt_x"/>
+                                          </p:val>
+                                        </p:tav>
+                                      </p:tavLst>
+                                    </p:anim>
+                                    <p:anim calcmode="lin" valueType="num">
+                                      <p:cBhvr>
+                                        <p:cTn id="32" dur="500" fill="hold"/>
+                                        <p:tgtEl>
+                                          <p:spTgt spid="15"/>
+                                        </p:tgtEl>
+                                        <p:attrNameLst>
+                                          <p:attrName>ppt_y</p:attrName>
+                                        </p:attrNameLst>
+                                      </p:cBhvr>
+                                      <p:tavLst>
+                                        <p:tav tm="0">
+                                          <p:val>
+                                            <p:strVal val="#ppt_y-.1"/>
+                                          </p:val>
+                                        </p:tav>
+                                        <p:tav tm="100000">
+                                          <p:val>
+                                            <p:strVal val="#ppt_y"/>
+                                          </p:val>
+                                        </p:tav>
+                                      </p:tavLst>
+                                    </p:anim>
+                                  </p:childTnLst>
+                                </p:cTn>
+                              </p:par>
                             </p:childTnLst>
                           </p:cTn>
                         </p:par>
@@ -21709,6 +21866,7 @@
       <p:bldP spid="12" grpId="0" animBg="1"/>
       <p:bldP spid="13" grpId="0" animBg="1"/>
       <p:bldP spid="14" grpId="0" animBg="1"/>
+      <p:bldP spid="15" grpId="0" animBg="1"/>
     </p:bldLst>
   </p:timing>
 </p:sld>
@@ -21760,35 +21918,35 @@
                 <a:gridCol w="1889806">
                   <a:extLst>
                     <a:ext uri="{9D8B030D-6E8A-4147-A177-3AD203B41FA5}">
-                      <a16:colId xmlns:a16="http://schemas.microsoft.com/office/drawing/2014/main" val="1331546803"/>
+                      <a16:colId xmlns:a16="http://schemas.microsoft.com/office/drawing/2014/main" xmlns="" val="1331546803"/>
                     </a:ext>
                   </a:extLst>
                 </a:gridCol>
                 <a:gridCol w="5724000">
                   <a:extLst>
                     <a:ext uri="{9D8B030D-6E8A-4147-A177-3AD203B41FA5}">
-                      <a16:colId xmlns:a16="http://schemas.microsoft.com/office/drawing/2014/main" val="592452860"/>
+                      <a16:colId xmlns:a16="http://schemas.microsoft.com/office/drawing/2014/main" xmlns="" val="592452860"/>
                     </a:ext>
                   </a:extLst>
                 </a:gridCol>
                 <a:gridCol w="4396768">
                   <a:extLst>
                     <a:ext uri="{9D8B030D-6E8A-4147-A177-3AD203B41FA5}">
-                      <a16:colId xmlns:a16="http://schemas.microsoft.com/office/drawing/2014/main" val="2855384874"/>
+                      <a16:colId xmlns:a16="http://schemas.microsoft.com/office/drawing/2014/main" xmlns="" val="2855384874"/>
                     </a:ext>
                   </a:extLst>
                 </a:gridCol>
                 <a:gridCol w="5524832">
                   <a:extLst>
                     <a:ext uri="{9D8B030D-6E8A-4147-A177-3AD203B41FA5}">
-                      <a16:colId xmlns:a16="http://schemas.microsoft.com/office/drawing/2014/main" val="1283034067"/>
+                      <a16:colId xmlns:a16="http://schemas.microsoft.com/office/drawing/2014/main" xmlns="" val="1283034067"/>
                     </a:ext>
                   </a:extLst>
                 </a:gridCol>
                 <a:gridCol w="4595936">
                   <a:extLst>
                     <a:ext uri="{9D8B030D-6E8A-4147-A177-3AD203B41FA5}">
-                      <a16:colId xmlns:a16="http://schemas.microsoft.com/office/drawing/2014/main" val="1207319212"/>
+                      <a16:colId xmlns:a16="http://schemas.microsoft.com/office/drawing/2014/main" xmlns="" val="1207319212"/>
                     </a:ext>
                   </a:extLst>
                 </a:gridCol>
@@ -21901,7 +22059,7 @@
                 </a:tc>
                 <a:extLst>
                   <a:ext uri="{0D108BD9-81ED-4DB2-BD59-A6C34878D82A}">
-                    <a16:rowId xmlns:a16="http://schemas.microsoft.com/office/drawing/2014/main" val="2840718307"/>
+                    <a16:rowId xmlns:a16="http://schemas.microsoft.com/office/drawing/2014/main" xmlns="" val="2840718307"/>
                   </a:ext>
                 </a:extLst>
               </a:tr>
@@ -22085,7 +22243,7 @@
                 </a:tc>
                 <a:extLst>
                   <a:ext uri="{0D108BD9-81ED-4DB2-BD59-A6C34878D82A}">
-                    <a16:rowId xmlns:a16="http://schemas.microsoft.com/office/drawing/2014/main" val="3409664433"/>
+                    <a16:rowId xmlns:a16="http://schemas.microsoft.com/office/drawing/2014/main" xmlns="" val="3409664433"/>
                   </a:ext>
                 </a:extLst>
               </a:tr>
@@ -22225,7 +22383,7 @@
                 </a:tc>
                 <a:extLst>
                   <a:ext uri="{0D108BD9-81ED-4DB2-BD59-A6C34878D82A}">
-                    <a16:rowId xmlns:a16="http://schemas.microsoft.com/office/drawing/2014/main" val="3588026496"/>
+                    <a16:rowId xmlns:a16="http://schemas.microsoft.com/office/drawing/2014/main" xmlns="" val="3588026496"/>
                   </a:ext>
                 </a:extLst>
               </a:tr>
@@ -22363,7 +22521,7 @@
                 </a:tc>
                 <a:extLst>
                   <a:ext uri="{0D108BD9-81ED-4DB2-BD59-A6C34878D82A}">
-                    <a16:rowId xmlns:a16="http://schemas.microsoft.com/office/drawing/2014/main" val="1854944390"/>
+                    <a16:rowId xmlns:a16="http://schemas.microsoft.com/office/drawing/2014/main" xmlns="" val="1854944390"/>
                   </a:ext>
                 </a:extLst>
               </a:tr>
@@ -22506,7 +22664,7 @@
                 </a:tc>
                 <a:extLst>
                   <a:ext uri="{0D108BD9-81ED-4DB2-BD59-A6C34878D82A}">
-                    <a16:rowId xmlns:a16="http://schemas.microsoft.com/office/drawing/2014/main" val="2910752589"/>
+                    <a16:rowId xmlns:a16="http://schemas.microsoft.com/office/drawing/2014/main" xmlns="" val="2910752589"/>
                   </a:ext>
                 </a:extLst>
               </a:tr>
@@ -22607,7 +22765,7 @@
                 </a:tc>
                 <a:extLst>
                   <a:ext uri="{0D108BD9-81ED-4DB2-BD59-A6C34878D82A}">
-                    <a16:rowId xmlns:a16="http://schemas.microsoft.com/office/drawing/2014/main" val="2021843552"/>
+                    <a16:rowId xmlns:a16="http://schemas.microsoft.com/office/drawing/2014/main" xmlns="" val="2021843552"/>
                   </a:ext>
                 </a:extLst>
               </a:tr>
@@ -22685,7 +22843,7 @@
                 </a:tc>
                 <a:extLst>
                   <a:ext uri="{0D108BD9-81ED-4DB2-BD59-A6C34878D82A}">
-                    <a16:rowId xmlns:a16="http://schemas.microsoft.com/office/drawing/2014/main" val="2730601987"/>
+                    <a16:rowId xmlns:a16="http://schemas.microsoft.com/office/drawing/2014/main" xmlns="" val="2730601987"/>
                   </a:ext>
                 </a:extLst>
               </a:tr>

--- a/slides.pptx
+++ b/slides.pptx
@@ -18379,8 +18379,13 @@
             <a:pPr lvl="2"/>
             <a:r>
               <a:rPr lang="ru-RU" dirty="0" smtClean="0"/>
-              <a:t>иметь представление о классах, инкапсуляции, наследовании и полиморфизме</a:t>
-            </a:r>
+              <a:t>иметь представление о </a:t>
+            </a:r>
+            <a:r>
+              <a:rPr lang="ru-RU" dirty="0" smtClean="0"/>
+              <a:t>принципах объектно-ориентированного программирования</a:t>
+            </a:r>
+            <a:endParaRPr lang="ru-RU" dirty="0" smtClean="0"/>
           </a:p>
           <a:p>
             <a:pPr lvl="2"/>

--- a/slides.pptx
+++ b/slides.pptx
@@ -10309,14 +10309,14 @@
             <p:ph idx="1"/>
             <p:extLst>
               <p:ext uri="{D42A27DB-BD31-4B8C-83A1-F6EECF244321}">
-                <p14:modId xmlns:p14="http://schemas.microsoft.com/office/powerpoint/2010/main" val="1885035559"/>
+                <p14:modId xmlns:p14="http://schemas.microsoft.com/office/powerpoint/2010/main" val="391563321"/>
               </p:ext>
             </p:extLst>
           </p:nvPr>
         </p:nvGraphicFramePr>
         <p:xfrm>
           <a:off x="1135062" y="4495800"/>
-          <a:ext cx="22112288" cy="4724400"/>
+          <a:ext cx="22112288" cy="5905500"/>
         </p:xfrm>
         <a:graphic>
           <a:graphicData uri="http://schemas.openxmlformats.org/drawingml/2006/table">
@@ -10444,6 +10444,67 @@
                     <a:p>
                       <a:r>
                         <a:rPr lang="ru-RU" sz="4400" dirty="0" smtClean="0"/>
+                        <a:t>Дата запуска</a:t>
+                      </a:r>
+                      <a:endParaRPr lang="ru-RU" sz="4400" dirty="0"/>
+                    </a:p>
+                  </a:txBody>
+                  <a:tcPr anchor="ctr"/>
+                </a:tc>
+                <a:tc>
+                  <a:txBody>
+                    <a:bodyPr/>
+                    <a:lstStyle/>
+                    <a:p>
+                      <a:pPr algn="ctr"/>
+                      <a:r>
+                        <a:rPr lang="ru-RU" sz="4400" dirty="0" smtClean="0"/>
+                        <a:t>Июнь 2017</a:t>
+                      </a:r>
+                      <a:endParaRPr lang="ru-RU" sz="4400" dirty="0"/>
+                    </a:p>
+                  </a:txBody>
+                  <a:tcPr anchor="ctr"/>
+                </a:tc>
+                <a:tc>
+                  <a:txBody>
+                    <a:bodyPr/>
+                    <a:lstStyle/>
+                    <a:p>
+                      <a:pPr algn="ctr"/>
+                      <a:r>
+                        <a:rPr lang="ru-RU" sz="4400" dirty="0" smtClean="0"/>
+                        <a:t>Декабрь 2017</a:t>
+                      </a:r>
+                      <a:endParaRPr lang="ru-RU" sz="4400" dirty="0"/>
+                    </a:p>
+                  </a:txBody>
+                  <a:tcPr anchor="ctr"/>
+                </a:tc>
+                <a:tc>
+                  <a:txBody>
+                    <a:bodyPr/>
+                    <a:lstStyle/>
+                    <a:p>
+                      <a:pPr algn="ctr"/>
+                      <a:r>
+                        <a:rPr lang="ru-RU" sz="4400" dirty="0" smtClean="0"/>
+                        <a:t>Июль 2018</a:t>
+                      </a:r>
+                      <a:endParaRPr lang="ru-RU" sz="4400" dirty="0"/>
+                    </a:p>
+                  </a:txBody>
+                  <a:tcPr anchor="ctr"/>
+                </a:tc>
+              </a:tr>
+              <a:tr h="1181100">
+                <a:tc>
+                  <a:txBody>
+                    <a:bodyPr/>
+                    <a:lstStyle/>
+                    <a:p>
+                      <a:r>
+                        <a:rPr lang="ru-RU" sz="4400" dirty="0" smtClean="0"/>
                         <a:t>Активные</a:t>
                       </a:r>
                       <a:r>
@@ -10463,7 +10524,11 @@
                       <a:pPr algn="ctr"/>
                       <a:r>
                         <a:rPr lang="en-US" sz="4400" dirty="0" smtClean="0"/>
-                        <a:t>16 412</a:t>
+                        <a:t>16 </a:t>
+                      </a:r>
+                      <a:r>
+                        <a:rPr lang="en-US" sz="4400" dirty="0" smtClean="0"/>
+                        <a:t>943</a:t>
                       </a:r>
                       <a:endParaRPr lang="ru-RU" sz="4400" dirty="0"/>
                     </a:p>
@@ -10478,7 +10543,7 @@
                       <a:pPr algn="ctr"/>
                       <a:r>
                         <a:rPr lang="en-US" sz="4400" dirty="0" smtClean="0"/>
-                        <a:t>2314</a:t>
+                        <a:t>2440</a:t>
                       </a:r>
                       <a:endParaRPr lang="ru-RU" sz="4400" dirty="0"/>
                     </a:p>
@@ -10493,7 +10558,7 @@
                       <a:pPr algn="ctr"/>
                       <a:r>
                         <a:rPr lang="en-US" sz="4400" dirty="0" smtClean="0"/>
-                        <a:t>392</a:t>
+                        <a:t>464</a:t>
                       </a:r>
                       <a:endParaRPr lang="ru-RU" sz="4400" dirty="0"/>
                     </a:p>
@@ -10529,7 +10594,7 @@
                       <a:pPr algn="ctr"/>
                       <a:r>
                         <a:rPr lang="en-US" sz="4400" dirty="0" smtClean="0"/>
-                        <a:t>906</a:t>
+                        <a:t>969</a:t>
                       </a:r>
                       <a:endParaRPr lang="ru-RU" sz="4400" dirty="0"/>
                     </a:p>
@@ -10544,7 +10609,7 @@
                       <a:pPr algn="ctr"/>
                       <a:r>
                         <a:rPr lang="en-US" sz="4400" dirty="0" smtClean="0"/>
-                        <a:t>205</a:t>
+                        <a:t>223</a:t>
                       </a:r>
                       <a:endParaRPr lang="ru-RU" sz="4400" dirty="0"/>
                     </a:p>
@@ -10559,7 +10624,7 @@
                       <a:pPr algn="ctr"/>
                       <a:r>
                         <a:rPr lang="en-US" sz="4400" dirty="0" smtClean="0"/>
-                        <a:t>11</a:t>
+                        <a:t>17</a:t>
                       </a:r>
                       <a:endParaRPr lang="ru-RU" sz="4400" dirty="0"/>
                     </a:p>

--- a/slides.pptx
+++ b/slides.pptx
@@ -5,10 +5,10 @@
     <p:sldMasterId id="2147483684" r:id="rId1"/>
   </p:sldMasterIdLst>
   <p:notesMasterIdLst>
-    <p:notesMasterId r:id="rId24"/>
+    <p:notesMasterId r:id="rId25"/>
   </p:notesMasterIdLst>
   <p:handoutMasterIdLst>
-    <p:handoutMasterId r:id="rId25"/>
+    <p:handoutMasterId r:id="rId26"/>
   </p:handoutMasterIdLst>
   <p:sldIdLst>
     <p:sldId id="746" r:id="rId2"/>
@@ -23,16 +23,17 @@
     <p:sldId id="825" r:id="rId11"/>
     <p:sldId id="826" r:id="rId12"/>
     <p:sldId id="827" r:id="rId13"/>
-    <p:sldId id="819" r:id="rId14"/>
-    <p:sldId id="820" r:id="rId15"/>
-    <p:sldId id="821" r:id="rId16"/>
-    <p:sldId id="822" r:id="rId17"/>
-    <p:sldId id="814" r:id="rId18"/>
-    <p:sldId id="816" r:id="rId19"/>
-    <p:sldId id="796" r:id="rId20"/>
-    <p:sldId id="792" r:id="rId21"/>
-    <p:sldId id="783" r:id="rId22"/>
-    <p:sldId id="785" r:id="rId23"/>
+    <p:sldId id="828" r:id="rId14"/>
+    <p:sldId id="819" r:id="rId15"/>
+    <p:sldId id="820" r:id="rId16"/>
+    <p:sldId id="821" r:id="rId17"/>
+    <p:sldId id="822" r:id="rId18"/>
+    <p:sldId id="814" r:id="rId19"/>
+    <p:sldId id="816" r:id="rId20"/>
+    <p:sldId id="796" r:id="rId21"/>
+    <p:sldId id="792" r:id="rId22"/>
+    <p:sldId id="783" r:id="rId23"/>
+    <p:sldId id="785" r:id="rId24"/>
   </p:sldIdLst>
   <p:sldSz cx="24382413" cy="13716000"/>
   <p:notesSz cx="6858000" cy="9144000"/>
@@ -148,6 +149,7 @@
             <p14:sldId id="825"/>
             <p14:sldId id="826"/>
             <p14:sldId id="827"/>
+            <p14:sldId id="828"/>
             <p14:sldId id="819"/>
             <p14:sldId id="820"/>
             <p14:sldId id="821"/>
@@ -10824,6 +10826,9 @@
                                   <p:stCondLst>
                                     <p:cond delay="0"/>
                                   </p:stCondLst>
+                                  <p:iterate type="lt">
+                                    <p:tmPct val="50000"/>
+                                  </p:iterate>
                                   <p:childTnLst>
                                     <p:anim calcmode="lin" valueType="num">
                                       <p:cBhvr>
@@ -11073,6 +11078,89 @@
 </file>
 
 <file path=ppt/slides/slide13.xml><?xml version="1.0" encoding="utf-8"?>
+<p:sld xmlns:a="http://schemas.openxmlformats.org/drawingml/2006/main" xmlns:r="http://schemas.openxmlformats.org/officeDocument/2006/relationships" xmlns:p="http://schemas.openxmlformats.org/presentationml/2006/main">
+  <p:cSld>
+    <p:spTree>
+      <p:nvGrpSpPr>
+        <p:cNvPr id="1" name=""/>
+        <p:cNvGrpSpPr/>
+        <p:nvPr/>
+      </p:nvGrpSpPr>
+      <p:grpSpPr>
+        <a:xfrm>
+          <a:off x="0" y="0"/>
+          <a:ext cx="0" cy="0"/>
+          <a:chOff x="0" y="0"/>
+          <a:chExt cx="0" cy="0"/>
+        </a:xfrm>
+      </p:grpSpPr>
+      <p:sp>
+        <p:nvSpPr>
+          <p:cNvPr id="2" name="Заголовок 1"/>
+          <p:cNvSpPr>
+            <a:spLocks noGrp="1"/>
+          </p:cNvSpPr>
+          <p:nvPr>
+            <p:ph type="ctrTitle"/>
+          </p:nvPr>
+        </p:nvSpPr>
+        <p:spPr/>
+        <p:txBody>
+          <a:bodyPr/>
+          <a:lstStyle/>
+          <a:p>
+            <a:r>
+              <a:rPr lang="ru-RU" dirty="0" smtClean="0"/>
+              <a:t>Юнит-тест </a:t>
+            </a:r>
+            <a:r>
+              <a:rPr lang="ru-RU" dirty="0" err="1" smtClean="0"/>
+              <a:t>фреймворк</a:t>
+            </a:r>
+            <a:endParaRPr lang="ru-RU" dirty="0"/>
+          </a:p>
+        </p:txBody>
+      </p:sp>
+      <p:sp>
+        <p:nvSpPr>
+          <p:cNvPr id="3" name="Текст 2"/>
+          <p:cNvSpPr>
+            <a:spLocks noGrp="1"/>
+          </p:cNvSpPr>
+          <p:nvPr>
+            <p:ph type="body" idx="1"/>
+          </p:nvPr>
+        </p:nvSpPr>
+        <p:spPr/>
+        <p:txBody>
+          <a:bodyPr/>
+          <a:lstStyle/>
+          <a:p>
+            <a:endParaRPr lang="ru-RU"/>
+          </a:p>
+        </p:txBody>
+      </p:sp>
+    </p:spTree>
+    <p:extLst>
+      <p:ext uri="{BB962C8B-B14F-4D97-AF65-F5344CB8AC3E}">
+        <p14:creationId xmlns:p14="http://schemas.microsoft.com/office/powerpoint/2010/main" val="3926032764"/>
+      </p:ext>
+    </p:extLst>
+  </p:cSld>
+  <p:clrMapOvr>
+    <a:masterClrMapping/>
+  </p:clrMapOvr>
+  <p:timing>
+    <p:tnLst>
+      <p:par>
+        <p:cTn id="1" dur="indefinite" restart="never" nodeType="tmRoot"/>
+      </p:par>
+    </p:tnLst>
+  </p:timing>
+</p:sld>
+</file>
+
+<file path=ppt/slides/slide14.xml><?xml version="1.0" encoding="utf-8"?>
 <p:sld xmlns:a="http://schemas.openxmlformats.org/drawingml/2006/main" xmlns:r="http://schemas.openxmlformats.org/officeDocument/2006/relationships" xmlns:p="http://schemas.openxmlformats.org/presentationml/2006/main">
   <p:cSld>
     <p:spTree>
@@ -11557,7 +11645,7 @@
           <a:p>
             <a:fld id="{741C03D3-FA44-40EC-9A21-1FC4FEA3E22E}" type="slidenum">
               <a:rPr lang="ru-RU" smtClean="0"/>
-              <a:t>13</a:t>
+              <a:t>14</a:t>
             </a:fld>
             <a:endParaRPr lang="ru-RU"/>
           </a:p>
@@ -11567,145 +11655,6 @@
     <p:extLst>
       <p:ext uri="{BB962C8B-B14F-4D97-AF65-F5344CB8AC3E}">
         <p14:creationId xmlns:p14="http://schemas.microsoft.com/office/powerpoint/2010/main" val="3481799678"/>
-      </p:ext>
-    </p:extLst>
-  </p:cSld>
-  <p:clrMapOvr>
-    <a:masterClrMapping/>
-  </p:clrMapOvr>
-  <p:timing>
-    <p:tnLst>
-      <p:par>
-        <p:cTn id="1" dur="indefinite" restart="never" nodeType="tmRoot"/>
-      </p:par>
-    </p:tnLst>
-  </p:timing>
-</p:sld>
-</file>
-
-<file path=ppt/slides/slide14.xml><?xml version="1.0" encoding="utf-8"?>
-<p:sld xmlns:a="http://schemas.openxmlformats.org/drawingml/2006/main" xmlns:r="http://schemas.openxmlformats.org/officeDocument/2006/relationships" xmlns:p="http://schemas.openxmlformats.org/presentationml/2006/main">
-  <p:cSld>
-    <p:spTree>
-      <p:nvGrpSpPr>
-        <p:cNvPr id="1" name=""/>
-        <p:cNvGrpSpPr/>
-        <p:nvPr/>
-      </p:nvGrpSpPr>
-      <p:grpSpPr>
-        <a:xfrm>
-          <a:off x="0" y="0"/>
-          <a:ext cx="0" cy="0"/>
-          <a:chOff x="0" y="0"/>
-          <a:chExt cx="0" cy="0"/>
-        </a:xfrm>
-      </p:grpSpPr>
-      <p:sp>
-        <p:nvSpPr>
-          <p:cNvPr id="2" name="Текст 1"/>
-          <p:cNvSpPr>
-            <a:spLocks noGrp="1"/>
-          </p:cNvSpPr>
-          <p:nvPr>
-            <p:ph type="body" idx="1"/>
-          </p:nvPr>
-        </p:nvSpPr>
-        <p:spPr/>
-        <p:txBody>
-          <a:bodyPr/>
-          <a:lstStyle/>
-          <a:p>
-            <a:r>
-              <a:rPr lang="ru-RU" dirty="0" smtClean="0"/>
-              <a:t>Отзыв на «Белый пояс по </a:t>
-            </a:r>
-            <a:r>
-              <a:rPr lang="en-US" dirty="0" smtClean="0"/>
-              <a:t>C++</a:t>
-            </a:r>
-            <a:r>
-              <a:rPr lang="ru-RU" dirty="0" smtClean="0"/>
-              <a:t>»</a:t>
-            </a:r>
-            <a:endParaRPr lang="ru-RU" dirty="0"/>
-          </a:p>
-        </p:txBody>
-      </p:sp>
-      <p:sp>
-        <p:nvSpPr>
-          <p:cNvPr id="3" name="Объект 2"/>
-          <p:cNvSpPr>
-            <a:spLocks noGrp="1"/>
-          </p:cNvSpPr>
-          <p:nvPr>
-            <p:ph sz="half" idx="10"/>
-          </p:nvPr>
-        </p:nvSpPr>
-        <p:spPr/>
-        <p:txBody>
-          <a:bodyPr/>
-          <a:lstStyle/>
-          <a:p>
-            <a:r>
-              <a:rPr lang="ru-RU" dirty="0" smtClean="0"/>
-              <a:t>Этот </a:t>
-            </a:r>
-            <a:r>
-              <a:rPr lang="ru-RU" dirty="0"/>
-              <a:t>курс показал </a:t>
-            </a:r>
-            <a:r>
-              <a:rPr lang="ru-RU" dirty="0" smtClean="0"/>
-              <a:t>мне</a:t>
-            </a:r>
-            <a:endParaRPr lang="en-US" dirty="0" smtClean="0"/>
-          </a:p>
-          <a:p>
-            <a:r>
-              <a:rPr lang="ru-RU" dirty="0" smtClean="0"/>
-              <a:t>нормальный </a:t>
-            </a:r>
-            <a:r>
-              <a:rPr lang="ru-RU" dirty="0"/>
-              <a:t>C++, а </a:t>
-            </a:r>
-            <a:r>
-              <a:rPr lang="ru-RU" dirty="0" smtClean="0"/>
-              <a:t>не</a:t>
-            </a:r>
-            <a:endParaRPr lang="en-US" dirty="0" smtClean="0"/>
-          </a:p>
-          <a:p>
-            <a:r>
-              <a:rPr lang="ru-RU" dirty="0" smtClean="0"/>
-              <a:t>тот</a:t>
-            </a:r>
-            <a:r>
-              <a:rPr lang="ru-RU" dirty="0"/>
-              <a:t>, которому </a:t>
-            </a:r>
-            <a:r>
-              <a:rPr lang="ru-RU" dirty="0" smtClean="0"/>
-              <a:t>меня</a:t>
-            </a:r>
-            <a:endParaRPr lang="en-US" dirty="0" smtClean="0"/>
-          </a:p>
-          <a:p>
-            <a:r>
-              <a:rPr lang="ru-RU" dirty="0" smtClean="0"/>
-              <a:t>учили </a:t>
-            </a:r>
-            <a:r>
-              <a:rPr lang="ru-RU" dirty="0"/>
-              <a:t>в университете.</a:t>
-            </a:r>
-          </a:p>
-        </p:txBody>
-      </p:sp>
-    </p:spTree>
-    <p:extLst>
-      <p:ext uri="{BB962C8B-B14F-4D97-AF65-F5344CB8AC3E}">
-        <p14:creationId xmlns:p14="http://schemas.microsoft.com/office/powerpoint/2010/main" val="3690274279"/>
       </p:ext>
     </p:extLst>
   </p:cSld>
@@ -11756,7 +11705,7 @@
           <a:p>
             <a:r>
               <a:rPr lang="ru-RU" dirty="0" smtClean="0"/>
-              <a:t>Отзыв на «Жёлтый пояс по </a:t>
+              <a:t>Отзыв на «Белый пояс по </a:t>
             </a:r>
             <a:r>
               <a:rPr lang="en-US" dirty="0" smtClean="0"/>
@@ -11780,66 +11729,71 @@
             <p:ph sz="half" idx="10"/>
           </p:nvPr>
         </p:nvSpPr>
-        <p:spPr>
-          <a:xfrm>
-            <a:off x="3048001" y="3048001"/>
-            <a:ext cx="19827874" cy="7250114"/>
-          </a:xfrm>
-        </p:spPr>
+        <p:spPr/>
         <p:txBody>
           <a:bodyPr/>
           <a:lstStyle/>
           <a:p>
             <a:r>
+              <a:rPr lang="ru-RU" dirty="0" smtClean="0"/>
+              <a:t>Этот </a:t>
+            </a:r>
+            <a:r>
               <a:rPr lang="ru-RU" dirty="0"/>
-              <a:t>На работе </a:t>
+              <a:t>курс показал </a:t>
             </a:r>
             <a:r>
               <a:rPr lang="ru-RU" dirty="0" smtClean="0"/>
-              <a:t>пригодились</a:t>
-            </a:r>
+              <a:t>мне</a:t>
+            </a:r>
+            <a:endParaRPr lang="en-US" dirty="0" smtClean="0"/>
           </a:p>
           <a:p>
             <a:r>
               <a:rPr lang="ru-RU" dirty="0" smtClean="0"/>
-              <a:t>знания </a:t>
+              <a:t>нормальный </a:t>
             </a:r>
             <a:r>
               <a:rPr lang="ru-RU" dirty="0"/>
-              <a:t>по </a:t>
+              <a:t>C++, а </a:t>
             </a:r>
             <a:r>
               <a:rPr lang="ru-RU" dirty="0" smtClean="0"/>
-              <a:t>декомпозиции,</a:t>
-            </a:r>
+              <a:t>не</a:t>
+            </a:r>
+            <a:endParaRPr lang="en-US" dirty="0" smtClean="0"/>
           </a:p>
           <a:p>
             <a:r>
               <a:rPr lang="ru-RU" dirty="0" smtClean="0"/>
-              <a:t>алгоритмам </a:t>
+              <a:t>тот</a:t>
             </a:r>
             <a:r>
               <a:rPr lang="ru-RU" dirty="0"/>
-              <a:t>и </a:t>
+              <a:t>, которому </a:t>
             </a:r>
             <a:r>
               <a:rPr lang="ru-RU" dirty="0" smtClean="0"/>
-              <a:t>юнит-</a:t>
-            </a:r>
+              <a:t>меня</a:t>
+            </a:r>
+            <a:endParaRPr lang="en-US" dirty="0" smtClean="0"/>
           </a:p>
           <a:p>
             <a:r>
               <a:rPr lang="ru-RU" dirty="0" smtClean="0"/>
-              <a:t>тестированию</a:t>
-            </a:r>
-            <a:endParaRPr lang="ru-RU" dirty="0"/>
+              <a:t>учили </a:t>
+            </a:r>
+            <a:r>
+              <a:rPr lang="ru-RU" dirty="0"/>
+              <a:t>в университете.</a:t>
+            </a:r>
           </a:p>
         </p:txBody>
       </p:sp>
     </p:spTree>
     <p:extLst>
       <p:ext uri="{BB962C8B-B14F-4D97-AF65-F5344CB8AC3E}">
-        <p14:creationId xmlns:p14="http://schemas.microsoft.com/office/powerpoint/2010/main" val="2774735083"/>
+        <p14:creationId xmlns:p14="http://schemas.microsoft.com/office/powerpoint/2010/main" val="3690274279"/>
       </p:ext>
     </p:extLst>
   </p:cSld>
@@ -11890,15 +11844,7 @@
           <a:p>
             <a:r>
               <a:rPr lang="ru-RU" dirty="0" smtClean="0"/>
-              <a:t>Отзыв на </a:t>
-            </a:r>
-            <a:r>
-              <a:rPr lang="ru-RU" smtClean="0"/>
-              <a:t>«Красный пояс </a:t>
-            </a:r>
-            <a:r>
-              <a:rPr lang="ru-RU" dirty="0" smtClean="0"/>
-              <a:t>по </a:t>
+              <a:t>Отзыв на «Жёлтый пояс по </a:t>
             </a:r>
             <a:r>
               <a:rPr lang="en-US" dirty="0" smtClean="0"/>
@@ -11934,31 +11880,17 @@
           <a:p>
             <a:r>
               <a:rPr lang="ru-RU" dirty="0"/>
-              <a:t>Один из лучших курсов</a:t>
+              <a:t>На работе </a:t>
             </a:r>
             <a:r>
               <a:rPr lang="ru-RU" dirty="0" smtClean="0"/>
-              <a:t>,</a:t>
+              <a:t>пригодились</a:t>
             </a:r>
           </a:p>
           <a:p>
             <a:r>
               <a:rPr lang="ru-RU" dirty="0" smtClean="0"/>
-              <a:t>что </a:t>
-            </a:r>
-            <a:r>
-              <a:rPr lang="ru-RU" dirty="0"/>
-              <a:t>я проходил в </a:t>
-            </a:r>
-            <a:r>
-              <a:rPr lang="ru-RU" dirty="0" smtClean="0"/>
-              <a:t>жизни.</a:t>
-            </a:r>
-          </a:p>
-          <a:p>
-            <a:r>
-              <a:rPr lang="ru-RU" dirty="0" smtClean="0"/>
-              <a:t>Не только </a:t>
+              <a:t>знания </a:t>
             </a:r>
             <a:r>
               <a:rPr lang="ru-RU" dirty="0"/>
@@ -11966,25 +11898,36 @@
             </a:r>
             <a:r>
               <a:rPr lang="ru-RU" dirty="0" smtClean="0"/>
-              <a:t>языку</a:t>
+              <a:t>декомпозиции,</a:t>
             </a:r>
           </a:p>
           <a:p>
             <a:r>
               <a:rPr lang="ru-RU" dirty="0" smtClean="0"/>
-              <a:t>программирования</a:t>
+              <a:t>алгоритмам </a:t>
             </a:r>
             <a:r>
               <a:rPr lang="ru-RU" dirty="0"/>
-              <a:t>.</a:t>
-            </a:r>
+              <a:t>и </a:t>
+            </a:r>
+            <a:r>
+              <a:rPr lang="ru-RU" dirty="0" smtClean="0"/>
+              <a:t>юнит-</a:t>
+            </a:r>
+          </a:p>
+          <a:p>
+            <a:r>
+              <a:rPr lang="ru-RU" dirty="0" smtClean="0"/>
+              <a:t>тестированию</a:t>
+            </a:r>
+            <a:endParaRPr lang="ru-RU" dirty="0"/>
           </a:p>
         </p:txBody>
       </p:sp>
     </p:spTree>
     <p:extLst>
       <p:ext uri="{BB962C8B-B14F-4D97-AF65-F5344CB8AC3E}">
-        <p14:creationId xmlns:p14="http://schemas.microsoft.com/office/powerpoint/2010/main" val="3707661308"/>
+        <p14:creationId xmlns:p14="http://schemas.microsoft.com/office/powerpoint/2010/main" val="2774735083"/>
       </p:ext>
     </p:extLst>
   </p:cSld>
@@ -12020,6 +11963,151 @@
       </p:grpSpPr>
       <p:sp>
         <p:nvSpPr>
+          <p:cNvPr id="2" name="Текст 1"/>
+          <p:cNvSpPr>
+            <a:spLocks noGrp="1"/>
+          </p:cNvSpPr>
+          <p:nvPr>
+            <p:ph type="body" idx="1"/>
+          </p:nvPr>
+        </p:nvSpPr>
+        <p:spPr/>
+        <p:txBody>
+          <a:bodyPr/>
+          <a:lstStyle/>
+          <a:p>
+            <a:r>
+              <a:rPr lang="ru-RU" dirty="0" smtClean="0"/>
+              <a:t>Отзыв на </a:t>
+            </a:r>
+            <a:r>
+              <a:rPr lang="ru-RU" smtClean="0"/>
+              <a:t>«Красный пояс </a:t>
+            </a:r>
+            <a:r>
+              <a:rPr lang="ru-RU" dirty="0" smtClean="0"/>
+              <a:t>по </a:t>
+            </a:r>
+            <a:r>
+              <a:rPr lang="en-US" dirty="0" smtClean="0"/>
+              <a:t>C++</a:t>
+            </a:r>
+            <a:r>
+              <a:rPr lang="ru-RU" dirty="0" smtClean="0"/>
+              <a:t>»</a:t>
+            </a:r>
+            <a:endParaRPr lang="ru-RU" dirty="0"/>
+          </a:p>
+        </p:txBody>
+      </p:sp>
+      <p:sp>
+        <p:nvSpPr>
+          <p:cNvPr id="3" name="Объект 2"/>
+          <p:cNvSpPr>
+            <a:spLocks noGrp="1"/>
+          </p:cNvSpPr>
+          <p:nvPr>
+            <p:ph sz="half" idx="10"/>
+          </p:nvPr>
+        </p:nvSpPr>
+        <p:spPr>
+          <a:xfrm>
+            <a:off x="3048001" y="3048001"/>
+            <a:ext cx="19827874" cy="7250114"/>
+          </a:xfrm>
+        </p:spPr>
+        <p:txBody>
+          <a:bodyPr/>
+          <a:lstStyle/>
+          <a:p>
+            <a:r>
+              <a:rPr lang="ru-RU" dirty="0"/>
+              <a:t>Один из лучших курсов</a:t>
+            </a:r>
+            <a:r>
+              <a:rPr lang="ru-RU" dirty="0" smtClean="0"/>
+              <a:t>,</a:t>
+            </a:r>
+          </a:p>
+          <a:p>
+            <a:r>
+              <a:rPr lang="ru-RU" dirty="0" smtClean="0"/>
+              <a:t>что </a:t>
+            </a:r>
+            <a:r>
+              <a:rPr lang="ru-RU" dirty="0"/>
+              <a:t>я проходил в </a:t>
+            </a:r>
+            <a:r>
+              <a:rPr lang="ru-RU" dirty="0" smtClean="0"/>
+              <a:t>жизни.</a:t>
+            </a:r>
+          </a:p>
+          <a:p>
+            <a:r>
+              <a:rPr lang="ru-RU" dirty="0" smtClean="0"/>
+              <a:t>Не только </a:t>
+            </a:r>
+            <a:r>
+              <a:rPr lang="ru-RU" dirty="0"/>
+              <a:t>по </a:t>
+            </a:r>
+            <a:r>
+              <a:rPr lang="ru-RU" dirty="0" smtClean="0"/>
+              <a:t>языку</a:t>
+            </a:r>
+          </a:p>
+          <a:p>
+            <a:r>
+              <a:rPr lang="ru-RU" dirty="0" smtClean="0"/>
+              <a:t>программирования</a:t>
+            </a:r>
+            <a:r>
+              <a:rPr lang="ru-RU" dirty="0"/>
+              <a:t>.</a:t>
+            </a:r>
+          </a:p>
+        </p:txBody>
+      </p:sp>
+    </p:spTree>
+    <p:extLst>
+      <p:ext uri="{BB962C8B-B14F-4D97-AF65-F5344CB8AC3E}">
+        <p14:creationId xmlns:p14="http://schemas.microsoft.com/office/powerpoint/2010/main" val="3707661308"/>
+      </p:ext>
+    </p:extLst>
+  </p:cSld>
+  <p:clrMapOvr>
+    <a:masterClrMapping/>
+  </p:clrMapOvr>
+  <p:timing>
+    <p:tnLst>
+      <p:par>
+        <p:cTn id="1" dur="indefinite" restart="never" nodeType="tmRoot"/>
+      </p:par>
+    </p:tnLst>
+  </p:timing>
+</p:sld>
+</file>
+
+<file path=ppt/slides/slide18.xml><?xml version="1.0" encoding="utf-8"?>
+<p:sld xmlns:a="http://schemas.openxmlformats.org/drawingml/2006/main" xmlns:r="http://schemas.openxmlformats.org/officeDocument/2006/relationships" xmlns:p="http://schemas.openxmlformats.org/presentationml/2006/main">
+  <p:cSld>
+    <p:spTree>
+      <p:nvGrpSpPr>
+        <p:cNvPr id="1" name=""/>
+        <p:cNvGrpSpPr/>
+        <p:nvPr/>
+      </p:nvGrpSpPr>
+      <p:grpSpPr>
+        <a:xfrm>
+          <a:off x="0" y="0"/>
+          <a:ext cx="0" cy="0"/>
+          <a:chOff x="0" y="0"/>
+          <a:chExt cx="0" cy="0"/>
+        </a:xfrm>
+      </p:grpSpPr>
+      <p:sp>
+        <p:nvSpPr>
           <p:cNvPr id="2" name="Заголовок 1"/>
           <p:cNvSpPr>
             <a:spLocks noGrp="1"/>
@@ -12077,7 +12165,7 @@
           <a:p>
             <a:fld id="{741C03D3-FA44-40EC-9A21-1FC4FEA3E22E}" type="slidenum">
               <a:rPr lang="ru-RU" smtClean="0"/>
-              <a:t>17</a:t>
+              <a:t>18</a:t>
             </a:fld>
             <a:endParaRPr lang="ru-RU"/>
           </a:p>
@@ -12777,7 +12865,7 @@
 </p:sld>
 </file>
 
-<file path=ppt/slides/slide18.xml><?xml version="1.0" encoding="utf-8"?>
+<file path=ppt/slides/slide19.xml><?xml version="1.0" encoding="utf-8"?>
 <p:sld xmlns:a="http://schemas.openxmlformats.org/drawingml/2006/main" xmlns:r="http://schemas.openxmlformats.org/officeDocument/2006/relationships" xmlns:p="http://schemas.openxmlformats.org/presentationml/2006/main">
   <p:cSld>
     <p:spTree>
@@ -12853,7 +12941,7 @@
           <a:p>
             <a:fld id="{741C03D3-FA44-40EC-9A21-1FC4FEA3E22E}" type="slidenum">
               <a:rPr lang="ru-RU" smtClean="0"/>
-              <a:t>18</a:t>
+              <a:t>19</a:t>
             </a:fld>
             <a:endParaRPr lang="ru-RU"/>
           </a:p>
@@ -13409,155 +13497,6 @@
 </p:sld>
 </file>
 
-<file path=ppt/slides/slide19.xml><?xml version="1.0" encoding="utf-8"?>
-<p:sld xmlns:a="http://schemas.openxmlformats.org/drawingml/2006/main" xmlns:r="http://schemas.openxmlformats.org/officeDocument/2006/relationships" xmlns:p="http://schemas.openxmlformats.org/presentationml/2006/main">
-  <p:cSld>
-    <p:spTree>
-      <p:nvGrpSpPr>
-        <p:cNvPr id="1" name=""/>
-        <p:cNvGrpSpPr/>
-        <p:nvPr/>
-      </p:nvGrpSpPr>
-      <p:grpSpPr>
-        <a:xfrm>
-          <a:off x="0" y="0"/>
-          <a:ext cx="0" cy="0"/>
-          <a:chOff x="0" y="0"/>
-          <a:chExt cx="0" cy="0"/>
-        </a:xfrm>
-      </p:grpSpPr>
-      <p:sp>
-        <p:nvSpPr>
-          <p:cNvPr id="2" name="Текст 1"/>
-          <p:cNvSpPr>
-            <a:spLocks noGrp="1"/>
-          </p:cNvSpPr>
-          <p:nvPr>
-            <p:ph type="body" idx="1"/>
-          </p:nvPr>
-        </p:nvSpPr>
-        <p:spPr/>
-        <p:txBody>
-          <a:bodyPr/>
-          <a:lstStyle/>
-          <a:p>
-            <a:endParaRPr lang="ru-RU"/>
-          </a:p>
-        </p:txBody>
-      </p:sp>
-      <p:sp>
-        <p:nvSpPr>
-          <p:cNvPr id="3" name="Объект 2"/>
-          <p:cNvSpPr>
-            <a:spLocks noGrp="1"/>
-          </p:cNvSpPr>
-          <p:nvPr>
-            <p:ph sz="half" idx="10"/>
-          </p:nvPr>
-        </p:nvSpPr>
-        <p:spPr>
-          <a:xfrm>
-            <a:off x="1887538" y="3048001"/>
-            <a:ext cx="21369337" cy="7250114"/>
-          </a:xfrm>
-        </p:spPr>
-        <p:txBody>
-          <a:bodyPr/>
-          <a:lstStyle/>
-          <a:p>
-            <a:r>
-              <a:rPr lang="ru-RU" dirty="0" smtClean="0"/>
-              <a:t>Вы </a:t>
-            </a:r>
-            <a:r>
-              <a:rPr lang="ru-RU" dirty="0"/>
-              <a:t>сделали </a:t>
-            </a:r>
-            <a:r>
-              <a:rPr lang="ru-RU" dirty="0" smtClean="0"/>
-              <a:t>курс</a:t>
-            </a:r>
-          </a:p>
-          <a:p>
-            <a:r>
-              <a:rPr lang="ru-RU" dirty="0" smtClean="0"/>
-              <a:t>настолько </a:t>
-            </a:r>
-            <a:r>
-              <a:rPr lang="ru-RU" dirty="0"/>
-              <a:t>понятным, </a:t>
-            </a:r>
-            <a:r>
-              <a:rPr lang="ru-RU" dirty="0" smtClean="0"/>
-              <a:t>что</a:t>
-            </a:r>
-          </a:p>
-          <a:p>
-            <a:r>
-              <a:rPr lang="ru-RU" dirty="0" smtClean="0"/>
-              <a:t>даже семиклассница</a:t>
-            </a:r>
-          </a:p>
-          <a:p>
-            <a:r>
-              <a:rPr lang="ru-RU" dirty="0" smtClean="0"/>
-              <a:t>смогла </a:t>
-            </a:r>
-            <a:r>
-              <a:rPr lang="ru-RU" dirty="0"/>
-              <a:t>его </a:t>
-            </a:r>
-            <a:r>
-              <a:rPr lang="ru-RU" dirty="0" smtClean="0"/>
-              <a:t>пройти.</a:t>
-            </a:r>
-          </a:p>
-          <a:p>
-            <a:r>
-              <a:rPr lang="ru-RU" dirty="0" smtClean="0"/>
-              <a:t>Благодаря вам, </a:t>
-            </a:r>
-            <a:r>
-              <a:rPr lang="ru-RU" dirty="0"/>
-              <a:t>я </a:t>
-            </a:r>
-            <a:r>
-              <a:rPr lang="ru-RU" dirty="0" smtClean="0"/>
-              <a:t>сделала</a:t>
-            </a:r>
-          </a:p>
-          <a:p>
-            <a:r>
-              <a:rPr lang="ru-RU" dirty="0" smtClean="0"/>
-              <a:t>первый </a:t>
-            </a:r>
-            <a:r>
-              <a:rPr lang="ru-RU" dirty="0"/>
-              <a:t>шаг к своей мечте!</a:t>
-            </a:r>
-          </a:p>
-        </p:txBody>
-      </p:sp>
-    </p:spTree>
-    <p:extLst>
-      <p:ext uri="{BB962C8B-B14F-4D97-AF65-F5344CB8AC3E}">
-        <p14:creationId xmlns:p14="http://schemas.microsoft.com/office/powerpoint/2010/main" val="646797453"/>
-      </p:ext>
-    </p:extLst>
-  </p:cSld>
-  <p:clrMapOvr>
-    <a:masterClrMapping/>
-  </p:clrMapOvr>
-  <p:timing>
-    <p:tnLst>
-      <p:par>
-        <p:cTn id="1" dur="indefinite" restart="never" nodeType="tmRoot"/>
-      </p:par>
-    </p:tnLst>
-  </p:timing>
-</p:sld>
-</file>
-
 <file path=ppt/slides/slide2.xml><?xml version="1.0" encoding="utf-8"?>
 <p:sld xmlns:a="http://schemas.openxmlformats.org/drawingml/2006/main" xmlns:r="http://schemas.openxmlformats.org/officeDocument/2006/relationships" xmlns:p="http://schemas.openxmlformats.org/presentationml/2006/main">
   <p:cSld>
@@ -13695,6 +13634,155 @@
 </file>
 
 <file path=ppt/slides/slide20.xml><?xml version="1.0" encoding="utf-8"?>
+<p:sld xmlns:a="http://schemas.openxmlformats.org/drawingml/2006/main" xmlns:r="http://schemas.openxmlformats.org/officeDocument/2006/relationships" xmlns:p="http://schemas.openxmlformats.org/presentationml/2006/main">
+  <p:cSld>
+    <p:spTree>
+      <p:nvGrpSpPr>
+        <p:cNvPr id="1" name=""/>
+        <p:cNvGrpSpPr/>
+        <p:nvPr/>
+      </p:nvGrpSpPr>
+      <p:grpSpPr>
+        <a:xfrm>
+          <a:off x="0" y="0"/>
+          <a:ext cx="0" cy="0"/>
+          <a:chOff x="0" y="0"/>
+          <a:chExt cx="0" cy="0"/>
+        </a:xfrm>
+      </p:grpSpPr>
+      <p:sp>
+        <p:nvSpPr>
+          <p:cNvPr id="2" name="Текст 1"/>
+          <p:cNvSpPr>
+            <a:spLocks noGrp="1"/>
+          </p:cNvSpPr>
+          <p:nvPr>
+            <p:ph type="body" idx="1"/>
+          </p:nvPr>
+        </p:nvSpPr>
+        <p:spPr/>
+        <p:txBody>
+          <a:bodyPr/>
+          <a:lstStyle/>
+          <a:p>
+            <a:endParaRPr lang="ru-RU"/>
+          </a:p>
+        </p:txBody>
+      </p:sp>
+      <p:sp>
+        <p:nvSpPr>
+          <p:cNvPr id="3" name="Объект 2"/>
+          <p:cNvSpPr>
+            <a:spLocks noGrp="1"/>
+          </p:cNvSpPr>
+          <p:nvPr>
+            <p:ph sz="half" idx="10"/>
+          </p:nvPr>
+        </p:nvSpPr>
+        <p:spPr>
+          <a:xfrm>
+            <a:off x="1887538" y="3048001"/>
+            <a:ext cx="21369337" cy="7250114"/>
+          </a:xfrm>
+        </p:spPr>
+        <p:txBody>
+          <a:bodyPr/>
+          <a:lstStyle/>
+          <a:p>
+            <a:r>
+              <a:rPr lang="ru-RU" dirty="0" smtClean="0"/>
+              <a:t>Вы </a:t>
+            </a:r>
+            <a:r>
+              <a:rPr lang="ru-RU" dirty="0"/>
+              <a:t>сделали </a:t>
+            </a:r>
+            <a:r>
+              <a:rPr lang="ru-RU" dirty="0" smtClean="0"/>
+              <a:t>курс</a:t>
+            </a:r>
+          </a:p>
+          <a:p>
+            <a:r>
+              <a:rPr lang="ru-RU" dirty="0" smtClean="0"/>
+              <a:t>настолько </a:t>
+            </a:r>
+            <a:r>
+              <a:rPr lang="ru-RU" dirty="0"/>
+              <a:t>понятным, </a:t>
+            </a:r>
+            <a:r>
+              <a:rPr lang="ru-RU" dirty="0" smtClean="0"/>
+              <a:t>что</a:t>
+            </a:r>
+          </a:p>
+          <a:p>
+            <a:r>
+              <a:rPr lang="ru-RU" dirty="0" smtClean="0"/>
+              <a:t>даже семиклассница</a:t>
+            </a:r>
+          </a:p>
+          <a:p>
+            <a:r>
+              <a:rPr lang="ru-RU" dirty="0" smtClean="0"/>
+              <a:t>смогла </a:t>
+            </a:r>
+            <a:r>
+              <a:rPr lang="ru-RU" dirty="0"/>
+              <a:t>его </a:t>
+            </a:r>
+            <a:r>
+              <a:rPr lang="ru-RU" dirty="0" smtClean="0"/>
+              <a:t>пройти.</a:t>
+            </a:r>
+          </a:p>
+          <a:p>
+            <a:r>
+              <a:rPr lang="ru-RU" dirty="0" smtClean="0"/>
+              <a:t>Благодаря вам, </a:t>
+            </a:r>
+            <a:r>
+              <a:rPr lang="ru-RU" dirty="0"/>
+              <a:t>я </a:t>
+            </a:r>
+            <a:r>
+              <a:rPr lang="ru-RU" dirty="0" smtClean="0"/>
+              <a:t>сделала</a:t>
+            </a:r>
+          </a:p>
+          <a:p>
+            <a:r>
+              <a:rPr lang="ru-RU" dirty="0" smtClean="0"/>
+              <a:t>первый </a:t>
+            </a:r>
+            <a:r>
+              <a:rPr lang="ru-RU" dirty="0"/>
+              <a:t>шаг к своей мечте!</a:t>
+            </a:r>
+          </a:p>
+        </p:txBody>
+      </p:sp>
+    </p:spTree>
+    <p:extLst>
+      <p:ext uri="{BB962C8B-B14F-4D97-AF65-F5344CB8AC3E}">
+        <p14:creationId xmlns:p14="http://schemas.microsoft.com/office/powerpoint/2010/main" val="646797453"/>
+      </p:ext>
+    </p:extLst>
+  </p:cSld>
+  <p:clrMapOvr>
+    <a:masterClrMapping/>
+  </p:clrMapOvr>
+  <p:timing>
+    <p:tnLst>
+      <p:par>
+        <p:cTn id="1" dur="indefinite" restart="never" nodeType="tmRoot"/>
+      </p:par>
+    </p:tnLst>
+  </p:timing>
+</p:sld>
+</file>
+
+<file path=ppt/slides/slide21.xml><?xml version="1.0" encoding="utf-8"?>
 <p:sld xmlns:a="http://schemas.openxmlformats.org/drawingml/2006/main" xmlns:r="http://schemas.openxmlformats.org/officeDocument/2006/relationships" xmlns:p="http://schemas.openxmlformats.org/presentationml/2006/main">
   <p:cSld>
     <p:spTree>
@@ -16329,7 +16417,7 @@
 </p:sld>
 </file>
 
-<file path=ppt/slides/slide21.xml><?xml version="1.0" encoding="utf-8"?>
+<file path=ppt/slides/slide22.xml><?xml version="1.0" encoding="utf-8"?>
 <p:sld xmlns:a="http://schemas.openxmlformats.org/drawingml/2006/main" xmlns:r="http://schemas.openxmlformats.org/officeDocument/2006/relationships" xmlns:p="http://schemas.openxmlformats.org/presentationml/2006/main" show="0">
   <p:cSld>
     <p:spTree>
@@ -16438,7 +16526,7 @@
           <a:p>
             <a:fld id="{741C03D3-FA44-40EC-9A21-1FC4FEA3E22E}" type="slidenum">
               <a:rPr lang="ru-RU" smtClean="0"/>
-              <a:t>21</a:t>
+              <a:t>22</a:t>
             </a:fld>
             <a:endParaRPr lang="ru-RU"/>
           </a:p>
@@ -16860,7 +16948,7 @@
 </p:sld>
 </file>
 
-<file path=ppt/slides/slide22.xml><?xml version="1.0" encoding="utf-8"?>
+<file path=ppt/slides/slide23.xml><?xml version="1.0" encoding="utf-8"?>
 <p:sld xmlns:a="http://schemas.openxmlformats.org/drawingml/2006/main" xmlns:r="http://schemas.openxmlformats.org/officeDocument/2006/relationships" xmlns:p="http://schemas.openxmlformats.org/presentationml/2006/main" show="0">
   <p:cSld>
     <p:spTree>
@@ -16935,7 +17023,7 @@
           <a:p>
             <a:fld id="{741C03D3-FA44-40EC-9A21-1FC4FEA3E22E}" type="slidenum">
               <a:rPr lang="ru-RU" smtClean="0"/>
-              <a:t>22</a:t>
+              <a:t>23</a:t>
             </a:fld>
             <a:endParaRPr lang="ru-RU"/>
           </a:p>

--- a/slides.pptx
+++ b/slides.pptx
@@ -5,10 +5,10 @@
     <p:sldMasterId id="2147483684" r:id="rId1"/>
   </p:sldMasterIdLst>
   <p:notesMasterIdLst>
-    <p:notesMasterId r:id="rId25"/>
+    <p:notesMasterId r:id="rId30"/>
   </p:notesMasterIdLst>
   <p:handoutMasterIdLst>
-    <p:handoutMasterId r:id="rId26"/>
+    <p:handoutMasterId r:id="rId31"/>
   </p:handoutMasterIdLst>
   <p:sldIdLst>
     <p:sldId id="746" r:id="rId2"/>
@@ -24,16 +24,21 @@
     <p:sldId id="826" r:id="rId12"/>
     <p:sldId id="827" r:id="rId13"/>
     <p:sldId id="828" r:id="rId14"/>
-    <p:sldId id="819" r:id="rId15"/>
-    <p:sldId id="820" r:id="rId16"/>
-    <p:sldId id="821" r:id="rId17"/>
-    <p:sldId id="822" r:id="rId18"/>
-    <p:sldId id="814" r:id="rId19"/>
-    <p:sldId id="816" r:id="rId20"/>
-    <p:sldId id="796" r:id="rId21"/>
-    <p:sldId id="792" r:id="rId22"/>
-    <p:sldId id="783" r:id="rId23"/>
-    <p:sldId id="785" r:id="rId24"/>
+    <p:sldId id="829" r:id="rId15"/>
+    <p:sldId id="830" r:id="rId16"/>
+    <p:sldId id="831" r:id="rId17"/>
+    <p:sldId id="832" r:id="rId18"/>
+    <p:sldId id="833" r:id="rId19"/>
+    <p:sldId id="819" r:id="rId20"/>
+    <p:sldId id="820" r:id="rId21"/>
+    <p:sldId id="821" r:id="rId22"/>
+    <p:sldId id="822" r:id="rId23"/>
+    <p:sldId id="814" r:id="rId24"/>
+    <p:sldId id="816" r:id="rId25"/>
+    <p:sldId id="796" r:id="rId26"/>
+    <p:sldId id="792" r:id="rId27"/>
+    <p:sldId id="783" r:id="rId28"/>
+    <p:sldId id="785" r:id="rId29"/>
   </p:sldIdLst>
   <p:sldSz cx="24382413" cy="13716000"/>
   <p:notesSz cx="6858000" cy="9144000"/>
@@ -150,6 +155,11 @@
             <p14:sldId id="826"/>
             <p14:sldId id="827"/>
             <p14:sldId id="828"/>
+            <p14:sldId id="829"/>
+            <p14:sldId id="830"/>
+            <p14:sldId id="831"/>
+            <p14:sldId id="832"/>
+            <p14:sldId id="833"/>
             <p14:sldId id="819"/>
             <p14:sldId id="820"/>
             <p14:sldId id="821"/>
@@ -270,7 +280,7 @@
           <a:p>
             <a:fld id="{7C2C5C60-F37A-814E-99F6-3C775637DBC0}" type="datetimeFigureOut">
               <a:rPr lang="ru-RU" smtClean="0"/>
-              <a:t>22.10.2018</a:t>
+              <a:t>23.10.2018</a:t>
             </a:fld>
             <a:endParaRPr lang="ru-RU"/>
           </a:p>
@@ -435,7 +445,7 @@
           <a:p>
             <a:fld id="{A48BA324-014D-41B7-8E83-ECE8F197A959}" type="datetimeFigureOut">
               <a:rPr lang="ru-RU" smtClean="0"/>
-              <a:t>22.10.2018</a:t>
+              <a:t>23.10.2018</a:t>
             </a:fld>
             <a:endParaRPr lang="ru-RU"/>
           </a:p>
@@ -5858,7 +5868,7 @@
           </a:ln>
           <a:extLst>
             <a:ext uri="{C572A759-6A51-4108-AA02-DFA0A04FC94B}">
-              <ma14:wrappingTextBoxFlag xmlns="" xmlns:ma14="http://schemas.microsoft.com/office/mac/drawingml/2011/main" val="1"/>
+              <ma14:wrappingTextBoxFlag xmlns:ma14="http://schemas.microsoft.com/office/mac/drawingml/2011/main" xmlns="" val="1"/>
             </a:ext>
           </a:extLst>
         </p:spPr>
@@ -5901,7 +5911,7 @@
           </a:ln>
           <a:extLst>
             <a:ext uri="{C572A759-6A51-4108-AA02-DFA0A04FC94B}">
-              <ma14:wrappingTextBoxFlag xmlns="" xmlns:ma14="http://schemas.microsoft.com/office/mac/drawingml/2011/main" val="1"/>
+              <ma14:wrappingTextBoxFlag xmlns:ma14="http://schemas.microsoft.com/office/mac/drawingml/2011/main" xmlns="" val="1"/>
             </a:ext>
           </a:extLst>
         </p:spPr>
@@ -6025,7 +6035,7 @@
           </a:ln>
           <a:extLst>
             <a:ext uri="{C572A759-6A51-4108-AA02-DFA0A04FC94B}">
-              <ma14:wrappingTextBoxFlag xmlns="" xmlns:ma14="http://schemas.microsoft.com/office/mac/drawingml/2011/main" val="1"/>
+              <ma14:wrappingTextBoxFlag xmlns:ma14="http://schemas.microsoft.com/office/mac/drawingml/2011/main" xmlns="" val="1"/>
             </a:ext>
           </a:extLst>
         </p:spPr>
@@ -6116,7 +6126,7 @@
           </a:ln>
           <a:extLst>
             <a:ext uri="{C572A759-6A51-4108-AA02-DFA0A04FC94B}">
-              <ma14:wrappingTextBoxFlag xmlns="" xmlns:ma14="http://schemas.microsoft.com/office/mac/drawingml/2011/main" val="1"/>
+              <ma14:wrappingTextBoxFlag xmlns:ma14="http://schemas.microsoft.com/office/mac/drawingml/2011/main" xmlns="" val="1"/>
             </a:ext>
           </a:extLst>
         </p:spPr>
@@ -6235,7 +6245,7 @@
           </a:ln>
           <a:extLst>
             <a:ext uri="{C572A759-6A51-4108-AA02-DFA0A04FC94B}">
-              <ma14:wrappingTextBoxFlag xmlns="" xmlns:ma14="http://schemas.microsoft.com/office/mac/drawingml/2011/main" val="1"/>
+              <ma14:wrappingTextBoxFlag xmlns:ma14="http://schemas.microsoft.com/office/mac/drawingml/2011/main" xmlns="" val="1"/>
             </a:ext>
           </a:extLst>
         </p:spPr>
@@ -7311,6 +7321,194 @@
     <p:extLst>
       <p:ext uri="{BB962C8B-B14F-4D97-AF65-F5344CB8AC3E}">
         <p14:creationId xmlns:p14="http://schemas.microsoft.com/office/powerpoint/2010/main" val="3841715136"/>
+      </p:ext>
+    </p:extLst>
+  </p:cSld>
+  <p:clrMapOvr>
+    <a:masterClrMapping/>
+  </p:clrMapOvr>
+  <p:timing>
+    <p:tnLst>
+      <p:par>
+        <p:cTn id="1" dur="indefinite" restart="never" nodeType="tmRoot"/>
+      </p:par>
+    </p:tnLst>
+  </p:timing>
+</p:sldLayout>
+</file>
+
+<file path=ppt/slideLayouts/slideLayout29.xml><?xml version="1.0" encoding="utf-8"?>
+<p:sldLayout xmlns:a="http://schemas.openxmlformats.org/drawingml/2006/main" xmlns:r="http://schemas.openxmlformats.org/officeDocument/2006/relationships" xmlns:p="http://schemas.openxmlformats.org/presentationml/2006/main" userDrawn="1">
+  <p:cSld name="code(black)-full screen">
+    <p:spTree>
+      <p:nvGrpSpPr>
+        <p:cNvPr id="1" name=""/>
+        <p:cNvGrpSpPr/>
+        <p:nvPr/>
+      </p:nvGrpSpPr>
+      <p:grpSpPr>
+        <a:xfrm>
+          <a:off x="0" y="0"/>
+          <a:ext cx="0" cy="0"/>
+          <a:chOff x="0" y="0"/>
+          <a:chExt cx="0" cy="0"/>
+        </a:xfrm>
+      </p:grpSpPr>
+      <p:sp>
+        <p:nvSpPr>
+          <p:cNvPr id="5" name="Footer Placeholder 4"/>
+          <p:cNvSpPr>
+            <a:spLocks noGrp="1"/>
+          </p:cNvSpPr>
+          <p:nvPr>
+            <p:ph type="ftr" sz="quarter" idx="11"/>
+          </p:nvPr>
+        </p:nvSpPr>
+        <p:spPr/>
+        <p:txBody>
+          <a:bodyPr/>
+          <a:lstStyle/>
+          <a:p>
+            <a:endParaRPr lang="ru-RU" dirty="0">
+              <a:solidFill>
+                <a:srgbClr val="000000"/>
+              </a:solidFill>
+            </a:endParaRPr>
+          </a:p>
+        </p:txBody>
+      </p:sp>
+      <p:sp>
+        <p:nvSpPr>
+          <p:cNvPr id="6" name="Slide Number Placeholder 5"/>
+          <p:cNvSpPr>
+            <a:spLocks noGrp="1"/>
+          </p:cNvSpPr>
+          <p:nvPr>
+            <p:ph type="sldNum" sz="quarter" idx="12"/>
+          </p:nvPr>
+        </p:nvSpPr>
+        <p:spPr/>
+        <p:txBody>
+          <a:bodyPr/>
+          <a:lstStyle/>
+          <a:p>
+            <a:fld id="{741C03D3-FA44-40EC-9A21-1FC4FEA3E22E}" type="slidenum">
+              <a:rPr lang="ru-RU" smtClean="0">
+                <a:solidFill>
+                  <a:srgbClr val="000000"/>
+                </a:solidFill>
+              </a:rPr>
+              <a:pPr/>
+              <a:t>‹#›</a:t>
+            </a:fld>
+            <a:endParaRPr lang="ru-RU">
+              <a:solidFill>
+                <a:srgbClr val="000000"/>
+              </a:solidFill>
+            </a:endParaRPr>
+          </a:p>
+        </p:txBody>
+      </p:sp>
+      <p:sp>
+        <p:nvSpPr>
+          <p:cNvPr id="7" name="Content Placeholder 2"/>
+          <p:cNvSpPr>
+            <a:spLocks noGrp="1"/>
+          </p:cNvSpPr>
+          <p:nvPr>
+            <p:ph idx="13" hasCustomPrompt="1"/>
+          </p:nvPr>
+        </p:nvSpPr>
+        <p:spPr>
+          <a:xfrm>
+            <a:off x="0" y="0"/>
+            <a:ext cx="24382413" cy="13720763"/>
+          </a:xfrm>
+          <a:solidFill>
+            <a:schemeClr val="tx1"/>
+          </a:solidFill>
+        </p:spPr>
+        <p:txBody>
+          <a:bodyPr lIns="1152000" tIns="468000" rIns="1152000" bIns="720000" anchor="t" anchorCtr="0"/>
+          <a:lstStyle>
+            <a:lvl1pPr marL="0">
+              <a:lnSpc>
+                <a:spcPct val="150000"/>
+              </a:lnSpc>
+              <a:spcBef>
+                <a:spcPts val="0"/>
+              </a:spcBef>
+              <a:spcAft>
+                <a:spcPts val="0"/>
+              </a:spcAft>
+              <a:defRPr sz="3600" b="0" i="0">
+                <a:solidFill>
+                  <a:schemeClr val="bg1"/>
+                </a:solidFill>
+                <a:latin typeface="Verdana" charset="0"/>
+                <a:ea typeface="Verdana" charset="0"/>
+                <a:cs typeface="Verdana" charset="0"/>
+              </a:defRPr>
+            </a:lvl1pPr>
+            <a:lvl2pPr marL="0" indent="0">
+              <a:lnSpc>
+                <a:spcPts val="6000"/>
+              </a:lnSpc>
+              <a:spcBef>
+                <a:spcPts val="0"/>
+              </a:spcBef>
+              <a:spcAft>
+                <a:spcPts val="0"/>
+              </a:spcAft>
+              <a:buFont typeface="Impact" panose="020B0806030902050204" pitchFamily="34" charset="0"/>
+              <a:buNone/>
+              <a:defRPr>
+                <a:latin typeface="InputMono" panose="02000509020000090004" pitchFamily="49" charset="0"/>
+              </a:defRPr>
+            </a:lvl2pPr>
+            <a:lvl3pPr marL="1512000" indent="-792000">
+              <a:lnSpc>
+                <a:spcPts val="6000"/>
+              </a:lnSpc>
+              <a:spcBef>
+                <a:spcPts val="4000"/>
+              </a:spcBef>
+              <a:spcAft>
+                <a:spcPts val="0"/>
+              </a:spcAft>
+              <a:defRPr>
+                <a:latin typeface="InputMono" panose="02000509020000090004" pitchFamily="49" charset="0"/>
+              </a:defRPr>
+            </a:lvl3pPr>
+            <a:lvl4pPr marL="1512000" indent="-792000">
+              <a:lnSpc>
+                <a:spcPts val="6000"/>
+              </a:lnSpc>
+              <a:spcBef>
+                <a:spcPts val="4000"/>
+              </a:spcBef>
+              <a:spcAft>
+                <a:spcPts val="0"/>
+              </a:spcAft>
+              <a:defRPr>
+                <a:latin typeface="InputMono" panose="02000509020000090004" pitchFamily="49" charset="0"/>
+              </a:defRPr>
+            </a:lvl4pPr>
+          </a:lstStyle>
+          <a:p>
+            <a:pPr lvl="0"/>
+            <a:r>
+              <a:rPr lang="ru-RU" dirty="0" smtClean="0"/>
+              <a:t>Код</a:t>
+            </a:r>
+            <a:endParaRPr lang="en-US" dirty="0" smtClean="0"/>
+          </a:p>
+        </p:txBody>
+      </p:sp>
+    </p:spTree>
+    <p:extLst>
+      <p:ext uri="{BB962C8B-B14F-4D97-AF65-F5344CB8AC3E}">
+        <p14:creationId xmlns:p14="http://schemas.microsoft.com/office/powerpoint/2010/main" val="3448958607"/>
       </p:ext>
     </p:extLst>
   </p:cSld>
@@ -8956,6 +9154,7 @@
     <p:sldLayoutId id="2147483739" r:id="rId26"/>
     <p:sldLayoutId id="2147483767" r:id="rId27"/>
     <p:sldLayoutId id="2147483768" r:id="rId28"/>
+    <p:sldLayoutId id="2147483769" r:id="rId29"/>
   </p:sldLayoutIdLst>
   <p:hf hdr="0" dt="0"/>
   <p:txStyles>
@@ -10015,11 +10214,6 @@
               </a:rPr>
               <a:t>Тестирующая система</a:t>
             </a:r>
-            <a:endParaRPr lang="ru-RU" sz="6000" dirty="0" smtClean="0">
-              <a:solidFill>
-                <a:schemeClr val="bg1"/>
-              </a:solidFill>
-            </a:endParaRPr>
           </a:p>
         </p:txBody>
       </p:sp>
@@ -10138,11 +10332,6 @@
                 </a:rPr>
                 <a:t>файл</a:t>
               </a:r>
-              <a:endParaRPr lang="ru-RU" sz="4800" dirty="0" smtClean="0">
-                <a:solidFill>
-                  <a:sysClr val="windowText" lastClr="000000"/>
-                </a:solidFill>
-              </a:endParaRPr>
             </a:p>
           </p:txBody>
         </p:sp>
@@ -10783,11 +10972,6 @@
               </a:rPr>
               <a:t>Тестирующая система</a:t>
             </a:r>
-            <a:endParaRPr lang="ru-RU" sz="6000" dirty="0" smtClean="0">
-              <a:solidFill>
-                <a:schemeClr val="bg1"/>
-              </a:solidFill>
-            </a:endParaRPr>
           </a:p>
         </p:txBody>
       </p:sp>
@@ -10826,9 +11010,6 @@
                                   <p:stCondLst>
                                     <p:cond delay="0"/>
                                   </p:stCondLst>
-                                  <p:iterate type="lt">
-                                    <p:tmPct val="50000"/>
-                                  </p:iterate>
                                   <p:childTnLst>
                                     <p:anim calcmode="lin" valueType="num">
                                       <p:cBhvr>
@@ -11161,6 +11342,3400 @@
 </file>
 
 <file path=ppt/slides/slide14.xml><?xml version="1.0" encoding="utf-8"?>
+<p:sld xmlns:a="http://schemas.openxmlformats.org/drawingml/2006/main" xmlns:r="http://schemas.openxmlformats.org/officeDocument/2006/relationships" xmlns:p="http://schemas.openxmlformats.org/presentationml/2006/main">
+  <p:cSld>
+    <p:spTree>
+      <p:nvGrpSpPr>
+        <p:cNvPr id="1" name=""/>
+        <p:cNvGrpSpPr/>
+        <p:nvPr/>
+      </p:nvGrpSpPr>
+      <p:grpSpPr>
+        <a:xfrm>
+          <a:off x="0" y="0"/>
+          <a:ext cx="0" cy="0"/>
+          <a:chOff x="0" y="0"/>
+          <a:chExt cx="0" cy="0"/>
+        </a:xfrm>
+      </p:grpSpPr>
+      <p:sp>
+        <p:nvSpPr>
+          <p:cNvPr id="2" name="Заголовок 1"/>
+          <p:cNvSpPr>
+            <a:spLocks noGrp="1"/>
+          </p:cNvSpPr>
+          <p:nvPr>
+            <p:ph type="title"/>
+          </p:nvPr>
+        </p:nvSpPr>
+        <p:spPr/>
+        <p:txBody>
+          <a:bodyPr/>
+          <a:lstStyle/>
+          <a:p>
+            <a:r>
+              <a:rPr lang="ru-RU" dirty="0" smtClean="0"/>
+              <a:t>Юнит-тест </a:t>
+            </a:r>
+            <a:r>
+              <a:rPr lang="ru-RU" dirty="0" err="1" smtClean="0"/>
+              <a:t>фреймворк</a:t>
+            </a:r>
+            <a:endParaRPr lang="ru-RU" dirty="0"/>
+          </a:p>
+        </p:txBody>
+      </p:sp>
+      <p:sp>
+        <p:nvSpPr>
+          <p:cNvPr id="3" name="Объект 2"/>
+          <p:cNvSpPr>
+            <a:spLocks noGrp="1"/>
+          </p:cNvSpPr>
+          <p:nvPr>
+            <p:ph idx="1"/>
+          </p:nvPr>
+        </p:nvSpPr>
+        <p:spPr/>
+        <p:txBody>
+          <a:bodyPr/>
+          <a:lstStyle/>
+          <a:p>
+            <a:pPr lvl="1"/>
+            <a:r>
+              <a:rPr lang="ru-RU" dirty="0" smtClean="0"/>
+              <a:t>В </a:t>
+            </a:r>
+            <a:r>
+              <a:rPr lang="ru-RU" dirty="0" err="1" smtClean="0"/>
+              <a:t>видеолекциях</a:t>
+            </a:r>
+            <a:r>
+              <a:rPr lang="ru-RU" dirty="0" smtClean="0"/>
+              <a:t> мы разработали свой юнит-тест </a:t>
+            </a:r>
+            <a:r>
+              <a:rPr lang="ru-RU" dirty="0" err="1" smtClean="0"/>
+              <a:t>фреймворк</a:t>
+            </a:r>
+            <a:endParaRPr lang="ru-RU" dirty="0" smtClean="0"/>
+          </a:p>
+          <a:p>
+            <a:pPr lvl="2"/>
+            <a:r>
+              <a:rPr lang="ru-RU" dirty="0" smtClean="0"/>
+              <a:t>чтобы показать, что текущих знаний уже достаточно, чтобы сделать что-то полезное</a:t>
+            </a:r>
+          </a:p>
+          <a:p>
+            <a:pPr lvl="2"/>
+            <a:r>
+              <a:rPr lang="ru-RU" dirty="0"/>
+              <a:t>чтобы люди понимали, как он работает и как устроен </a:t>
+            </a:r>
+            <a:r>
+              <a:rPr lang="ru-RU" dirty="0" smtClean="0"/>
+              <a:t>внутри</a:t>
+            </a:r>
+          </a:p>
+          <a:p>
+            <a:pPr lvl="2"/>
+            <a:r>
+              <a:rPr lang="ru-RU" dirty="0" smtClean="0"/>
+              <a:t>чтобы они могли вносить в него изменения</a:t>
+            </a:r>
+            <a:endParaRPr lang="ru-RU" dirty="0"/>
+          </a:p>
+        </p:txBody>
+      </p:sp>
+      <p:sp>
+        <p:nvSpPr>
+          <p:cNvPr id="4" name="Нижний колонтитул 3"/>
+          <p:cNvSpPr>
+            <a:spLocks noGrp="1"/>
+          </p:cNvSpPr>
+          <p:nvPr>
+            <p:ph type="ftr" sz="quarter" idx="11"/>
+          </p:nvPr>
+        </p:nvSpPr>
+        <p:spPr/>
+        <p:txBody>
+          <a:bodyPr/>
+          <a:lstStyle/>
+          <a:p>
+            <a:endParaRPr lang="ru-RU"/>
+          </a:p>
+        </p:txBody>
+      </p:sp>
+      <p:sp>
+        <p:nvSpPr>
+          <p:cNvPr id="5" name="Номер слайда 4"/>
+          <p:cNvSpPr>
+            <a:spLocks noGrp="1"/>
+          </p:cNvSpPr>
+          <p:nvPr>
+            <p:ph type="sldNum" sz="quarter" idx="12"/>
+          </p:nvPr>
+        </p:nvSpPr>
+        <p:spPr/>
+        <p:txBody>
+          <a:bodyPr/>
+          <a:lstStyle/>
+          <a:p>
+            <a:fld id="{741C03D3-FA44-40EC-9A21-1FC4FEA3E22E}" type="slidenum">
+              <a:rPr lang="ru-RU" smtClean="0"/>
+              <a:t>14</a:t>
+            </a:fld>
+            <a:endParaRPr lang="ru-RU"/>
+          </a:p>
+        </p:txBody>
+      </p:sp>
+    </p:spTree>
+    <p:extLst>
+      <p:ext uri="{BB962C8B-B14F-4D97-AF65-F5344CB8AC3E}">
+        <p14:creationId xmlns:p14="http://schemas.microsoft.com/office/powerpoint/2010/main" val="1541568382"/>
+      </p:ext>
+    </p:extLst>
+  </p:cSld>
+  <p:clrMapOvr>
+    <a:masterClrMapping/>
+  </p:clrMapOvr>
+  <p:timing>
+    <p:tnLst>
+      <p:par>
+        <p:cTn id="1" dur="indefinite" restart="never" nodeType="tmRoot"/>
+      </p:par>
+    </p:tnLst>
+  </p:timing>
+</p:sld>
+</file>
+
+<file path=ppt/slides/slide15.xml><?xml version="1.0" encoding="utf-8"?>
+<p:sld xmlns:a="http://schemas.openxmlformats.org/drawingml/2006/main" xmlns:r="http://schemas.openxmlformats.org/officeDocument/2006/relationships" xmlns:p="http://schemas.openxmlformats.org/presentationml/2006/main">
+  <p:cSld>
+    <p:spTree>
+      <p:nvGrpSpPr>
+        <p:cNvPr id="1" name=""/>
+        <p:cNvGrpSpPr/>
+        <p:nvPr/>
+      </p:nvGrpSpPr>
+      <p:grpSpPr>
+        <a:xfrm>
+          <a:off x="0" y="0"/>
+          <a:ext cx="0" cy="0"/>
+          <a:chOff x="0" y="0"/>
+          <a:chExt cx="0" cy="0"/>
+        </a:xfrm>
+      </p:grpSpPr>
+      <p:sp>
+        <p:nvSpPr>
+          <p:cNvPr id="2" name="Заголовок 1"/>
+          <p:cNvSpPr>
+            <a:spLocks noGrp="1"/>
+          </p:cNvSpPr>
+          <p:nvPr>
+            <p:ph type="title"/>
+          </p:nvPr>
+        </p:nvSpPr>
+        <p:spPr/>
+        <p:txBody>
+          <a:bodyPr/>
+          <a:lstStyle/>
+          <a:p>
+            <a:r>
+              <a:rPr lang="ru-RU" dirty="0" smtClean="0"/>
+              <a:t>Пример применения юнит-тест </a:t>
+            </a:r>
+            <a:r>
+              <a:rPr lang="ru-RU" dirty="0" err="1" smtClean="0"/>
+              <a:t>фреймворка</a:t>
+            </a:r>
+            <a:endParaRPr lang="ru-RU" dirty="0"/>
+          </a:p>
+        </p:txBody>
+      </p:sp>
+      <p:sp>
+        <p:nvSpPr>
+          <p:cNvPr id="3" name="Нижний колонтитул 2"/>
+          <p:cNvSpPr>
+            <a:spLocks noGrp="1"/>
+          </p:cNvSpPr>
+          <p:nvPr>
+            <p:ph type="ftr" sz="quarter" idx="11"/>
+          </p:nvPr>
+        </p:nvSpPr>
+        <p:spPr/>
+        <p:txBody>
+          <a:bodyPr/>
+          <a:lstStyle/>
+          <a:p>
+            <a:endParaRPr lang="ru-RU" dirty="0"/>
+          </a:p>
+        </p:txBody>
+      </p:sp>
+      <p:sp>
+        <p:nvSpPr>
+          <p:cNvPr id="4" name="Номер слайда 3"/>
+          <p:cNvSpPr>
+            <a:spLocks noGrp="1"/>
+          </p:cNvSpPr>
+          <p:nvPr>
+            <p:ph type="sldNum" sz="quarter" idx="12"/>
+          </p:nvPr>
+        </p:nvSpPr>
+        <p:spPr/>
+        <p:txBody>
+          <a:bodyPr/>
+          <a:lstStyle/>
+          <a:p>
+            <a:fld id="{741C03D3-FA44-40EC-9A21-1FC4FEA3E22E}" type="slidenum">
+              <a:rPr lang="ru-RU" smtClean="0"/>
+              <a:t>15</a:t>
+            </a:fld>
+            <a:endParaRPr lang="ru-RU"/>
+          </a:p>
+        </p:txBody>
+      </p:sp>
+      <p:sp>
+        <p:nvSpPr>
+          <p:cNvPr id="5" name="Объект 4"/>
+          <p:cNvSpPr>
+            <a:spLocks noGrp="1"/>
+          </p:cNvSpPr>
+          <p:nvPr>
+            <p:ph idx="13"/>
+          </p:nvPr>
+        </p:nvSpPr>
+        <p:spPr>
+          <a:xfrm>
+            <a:off x="1" y="3041650"/>
+            <a:ext cx="12191206" cy="10679113"/>
+          </a:xfrm>
+        </p:spPr>
+        <p:txBody>
+          <a:bodyPr/>
+          <a:lstStyle/>
+          <a:p>
+            <a:pPr lvl="0" defTabSz="914400" eaLnBrk="0" fontAlgn="base" hangingPunct="0">
+              <a:lnSpc>
+                <a:spcPct val="100000"/>
+              </a:lnSpc>
+              <a:spcBef>
+                <a:spcPct val="0"/>
+              </a:spcBef>
+              <a:spcAft>
+                <a:spcPct val="0"/>
+              </a:spcAft>
+            </a:pPr>
+            <a:r>
+              <a:rPr lang="ru-RU" altLang="ru-RU" dirty="0">
+                <a:solidFill>
+                  <a:srgbClr val="72C3E0"/>
+                </a:solidFill>
+                <a:latin typeface="Verdana" panose="020B0604030504040204" pitchFamily="34" charset="0"/>
+              </a:rPr>
+              <a:t>#</a:t>
+            </a:r>
+            <a:r>
+              <a:rPr lang="ru-RU" altLang="ru-RU" dirty="0" err="1">
+                <a:solidFill>
+                  <a:srgbClr val="72C3E0"/>
+                </a:solidFill>
+                <a:latin typeface="Verdana" panose="020B0604030504040204" pitchFamily="34" charset="0"/>
+              </a:rPr>
+              <a:t>include</a:t>
+            </a:r>
+            <a:r>
+              <a:rPr lang="ru-RU" altLang="ru-RU" dirty="0">
+                <a:solidFill>
+                  <a:srgbClr val="72C3E0"/>
+                </a:solidFill>
+                <a:latin typeface="Verdana" panose="020B0604030504040204" pitchFamily="34" charset="0"/>
+              </a:rPr>
+              <a:t> </a:t>
+            </a:r>
+            <a:r>
+              <a:rPr lang="ru-RU" altLang="ru-RU" dirty="0">
+                <a:solidFill>
+                  <a:srgbClr val="9E64A9"/>
+                </a:solidFill>
+                <a:latin typeface="Verdana" panose="020B0604030504040204" pitchFamily="34" charset="0"/>
+              </a:rPr>
+              <a:t>"</a:t>
+            </a:r>
+            <a:r>
+              <a:rPr lang="ru-RU" altLang="ru-RU" dirty="0" err="1">
+                <a:solidFill>
+                  <a:srgbClr val="9E64A9"/>
+                </a:solidFill>
+                <a:latin typeface="Verdana" panose="020B0604030504040204" pitchFamily="34" charset="0"/>
+              </a:rPr>
+              <a:t>test_runner.h</a:t>
+            </a:r>
+            <a:r>
+              <a:rPr lang="ru-RU" altLang="ru-RU" dirty="0">
+                <a:solidFill>
+                  <a:srgbClr val="9E64A9"/>
+                </a:solidFill>
+                <a:latin typeface="Verdana" panose="020B0604030504040204" pitchFamily="34" charset="0"/>
+              </a:rPr>
+              <a:t>"</a:t>
+            </a:r>
+            <a:br>
+              <a:rPr lang="ru-RU" altLang="ru-RU" dirty="0">
+                <a:solidFill>
+                  <a:srgbClr val="9E64A9"/>
+                </a:solidFill>
+                <a:latin typeface="Verdana" panose="020B0604030504040204" pitchFamily="34" charset="0"/>
+              </a:rPr>
+            </a:br>
+            <a:r>
+              <a:rPr lang="ru-RU" altLang="ru-RU" dirty="0">
+                <a:solidFill>
+                  <a:srgbClr val="9E64A9"/>
+                </a:solidFill>
+                <a:latin typeface="Verdana" panose="020B0604030504040204" pitchFamily="34" charset="0"/>
+              </a:rPr>
+              <a:t/>
+            </a:r>
+            <a:br>
+              <a:rPr lang="ru-RU" altLang="ru-RU" dirty="0">
+                <a:solidFill>
+                  <a:srgbClr val="9E64A9"/>
+                </a:solidFill>
+                <a:latin typeface="Verdana" panose="020B0604030504040204" pitchFamily="34" charset="0"/>
+              </a:rPr>
+            </a:br>
+            <a:r>
+              <a:rPr lang="ru-RU" altLang="ru-RU" dirty="0" err="1">
+                <a:solidFill>
+                  <a:srgbClr val="FFFFFF"/>
+                </a:solidFill>
+                <a:latin typeface="Verdana" panose="020B0604030504040204" pitchFamily="34" charset="0"/>
+              </a:rPr>
+              <a:t>int</a:t>
+            </a:r>
+            <a:r>
+              <a:rPr lang="ru-RU" altLang="ru-RU" dirty="0">
+                <a:solidFill>
+                  <a:srgbClr val="FFFFFF"/>
+                </a:solidFill>
+                <a:latin typeface="Verdana" panose="020B0604030504040204" pitchFamily="34" charset="0"/>
+              </a:rPr>
+              <a:t> </a:t>
+            </a:r>
+            <a:r>
+              <a:rPr lang="ru-RU" altLang="ru-RU" dirty="0" err="1">
+                <a:solidFill>
+                  <a:srgbClr val="FFCC00"/>
+                </a:solidFill>
+                <a:latin typeface="Verdana" panose="020B0604030504040204" pitchFamily="34" charset="0"/>
+              </a:rPr>
+              <a:t>Abs</a:t>
+            </a:r>
+            <a:r>
+              <a:rPr lang="ru-RU" altLang="ru-RU" dirty="0">
+                <a:solidFill>
+                  <a:srgbClr val="FFFFFF"/>
+                </a:solidFill>
+                <a:latin typeface="Verdana" panose="020B0604030504040204" pitchFamily="34" charset="0"/>
+              </a:rPr>
+              <a:t>(</a:t>
+            </a:r>
+            <a:r>
+              <a:rPr lang="ru-RU" altLang="ru-RU" dirty="0" err="1">
+                <a:solidFill>
+                  <a:srgbClr val="FFFFFF"/>
+                </a:solidFill>
+                <a:latin typeface="Verdana" panose="020B0604030504040204" pitchFamily="34" charset="0"/>
+              </a:rPr>
+              <a:t>int</a:t>
+            </a:r>
+            <a:r>
+              <a:rPr lang="ru-RU" altLang="ru-RU" dirty="0">
+                <a:solidFill>
+                  <a:srgbClr val="FFFFFF"/>
+                </a:solidFill>
+                <a:latin typeface="Verdana" panose="020B0604030504040204" pitchFamily="34" charset="0"/>
+              </a:rPr>
+              <a:t> </a:t>
+            </a:r>
+            <a:r>
+              <a:rPr lang="ru-RU" altLang="ru-RU" dirty="0">
+                <a:solidFill>
+                  <a:srgbClr val="5BCD9D"/>
+                </a:solidFill>
+                <a:latin typeface="Verdana" panose="020B0604030504040204" pitchFamily="34" charset="0"/>
+              </a:rPr>
+              <a:t>x</a:t>
+            </a:r>
+            <a:r>
+              <a:rPr lang="ru-RU" altLang="ru-RU" dirty="0">
+                <a:solidFill>
+                  <a:srgbClr val="FFFFFF"/>
+                </a:solidFill>
+                <a:latin typeface="Verdana" panose="020B0604030504040204" pitchFamily="34" charset="0"/>
+              </a:rPr>
+              <a:t>);</a:t>
+            </a:r>
+            <a:br>
+              <a:rPr lang="ru-RU" altLang="ru-RU" dirty="0">
+                <a:solidFill>
+                  <a:srgbClr val="FFFFFF"/>
+                </a:solidFill>
+                <a:latin typeface="Verdana" panose="020B0604030504040204" pitchFamily="34" charset="0"/>
+              </a:rPr>
+            </a:br>
+            <a:r>
+              <a:rPr lang="ru-RU" altLang="ru-RU" dirty="0">
+                <a:solidFill>
+                  <a:srgbClr val="FFFFFF"/>
+                </a:solidFill>
+                <a:latin typeface="Verdana" panose="020B0604030504040204" pitchFamily="34" charset="0"/>
+              </a:rPr>
+              <a:t/>
+            </a:r>
+            <a:br>
+              <a:rPr lang="ru-RU" altLang="ru-RU" dirty="0">
+                <a:solidFill>
+                  <a:srgbClr val="FFFFFF"/>
+                </a:solidFill>
+                <a:latin typeface="Verdana" panose="020B0604030504040204" pitchFamily="34" charset="0"/>
+              </a:rPr>
+            </a:br>
+            <a:r>
+              <a:rPr lang="ru-RU" altLang="ru-RU" dirty="0" err="1">
+                <a:solidFill>
+                  <a:srgbClr val="FFFFFF"/>
+                </a:solidFill>
+                <a:latin typeface="Verdana" panose="020B0604030504040204" pitchFamily="34" charset="0"/>
+              </a:rPr>
+              <a:t>void</a:t>
+            </a:r>
+            <a:r>
+              <a:rPr lang="ru-RU" altLang="ru-RU" dirty="0">
+                <a:solidFill>
+                  <a:srgbClr val="FFFFFF"/>
+                </a:solidFill>
+                <a:latin typeface="Verdana" panose="020B0604030504040204" pitchFamily="34" charset="0"/>
+              </a:rPr>
+              <a:t> </a:t>
+            </a:r>
+            <a:r>
+              <a:rPr lang="ru-RU" altLang="ru-RU" dirty="0" err="1">
+                <a:solidFill>
+                  <a:srgbClr val="FFCC00"/>
+                </a:solidFill>
+                <a:latin typeface="Verdana" panose="020B0604030504040204" pitchFamily="34" charset="0"/>
+              </a:rPr>
+              <a:t>TestPositive</a:t>
+            </a:r>
+            <a:r>
+              <a:rPr lang="ru-RU" altLang="ru-RU" dirty="0">
+                <a:solidFill>
+                  <a:srgbClr val="FFFFFF"/>
+                </a:solidFill>
+                <a:latin typeface="Verdana" panose="020B0604030504040204" pitchFamily="34" charset="0"/>
+              </a:rPr>
+              <a:t>() { </a:t>
+            </a:r>
+            <a:br>
+              <a:rPr lang="ru-RU" altLang="ru-RU" dirty="0">
+                <a:solidFill>
+                  <a:srgbClr val="FFFFFF"/>
+                </a:solidFill>
+                <a:latin typeface="Verdana" panose="020B0604030504040204" pitchFamily="34" charset="0"/>
+              </a:rPr>
+            </a:br>
+            <a:r>
+              <a:rPr lang="ru-RU" altLang="ru-RU" dirty="0">
+                <a:solidFill>
+                  <a:srgbClr val="FFFFFF"/>
+                </a:solidFill>
+                <a:latin typeface="Verdana" panose="020B0604030504040204" pitchFamily="34" charset="0"/>
+              </a:rPr>
+              <a:t>  </a:t>
+            </a:r>
+            <a:r>
+              <a:rPr lang="ru-RU" altLang="ru-RU" dirty="0">
+                <a:solidFill>
+                  <a:srgbClr val="72C3E0"/>
+                </a:solidFill>
+                <a:latin typeface="Verdana" panose="020B0604030504040204" pitchFamily="34" charset="0"/>
+              </a:rPr>
+              <a:t>ASSERT_EQUAL</a:t>
+            </a:r>
+            <a:r>
+              <a:rPr lang="ru-RU" altLang="ru-RU" dirty="0">
+                <a:solidFill>
+                  <a:srgbClr val="FFFFFF"/>
+                </a:solidFill>
+                <a:latin typeface="Verdana" panose="020B0604030504040204" pitchFamily="34" charset="0"/>
+              </a:rPr>
+              <a:t>(</a:t>
+            </a:r>
+            <a:r>
+              <a:rPr lang="ru-RU" altLang="ru-RU" dirty="0" err="1">
+                <a:solidFill>
+                  <a:srgbClr val="FFCC00"/>
+                </a:solidFill>
+                <a:latin typeface="Verdana" panose="020B0604030504040204" pitchFamily="34" charset="0"/>
+              </a:rPr>
+              <a:t>Abs</a:t>
+            </a:r>
+            <a:r>
+              <a:rPr lang="ru-RU" altLang="ru-RU" dirty="0">
+                <a:solidFill>
+                  <a:srgbClr val="FFFFFF"/>
+                </a:solidFill>
+                <a:latin typeface="Verdana" panose="020B0604030504040204" pitchFamily="34" charset="0"/>
+              </a:rPr>
+              <a:t>(5), 5); </a:t>
+            </a:r>
+            <a:br>
+              <a:rPr lang="ru-RU" altLang="ru-RU" dirty="0">
+                <a:solidFill>
+                  <a:srgbClr val="FFFFFF"/>
+                </a:solidFill>
+                <a:latin typeface="Verdana" panose="020B0604030504040204" pitchFamily="34" charset="0"/>
+              </a:rPr>
+            </a:br>
+            <a:r>
+              <a:rPr lang="ru-RU" altLang="ru-RU" dirty="0" smtClean="0">
+                <a:solidFill>
+                  <a:srgbClr val="FFFFFF"/>
+                </a:solidFill>
+                <a:latin typeface="Verdana" panose="020B0604030504040204" pitchFamily="34" charset="0"/>
+              </a:rPr>
+              <a:t>}</a:t>
+            </a:r>
+            <a:endParaRPr lang="en-US" altLang="ru-RU" dirty="0" smtClean="0">
+              <a:solidFill>
+                <a:srgbClr val="FFFFFF"/>
+              </a:solidFill>
+              <a:latin typeface="Verdana" panose="020B0604030504040204" pitchFamily="34" charset="0"/>
+            </a:endParaRPr>
+          </a:p>
+          <a:p>
+            <a:pPr lvl="0" defTabSz="914400" eaLnBrk="0" fontAlgn="base" hangingPunct="0">
+              <a:lnSpc>
+                <a:spcPct val="100000"/>
+              </a:lnSpc>
+              <a:spcBef>
+                <a:spcPct val="0"/>
+              </a:spcBef>
+              <a:spcAft>
+                <a:spcPct val="0"/>
+              </a:spcAft>
+            </a:pPr>
+            <a:r>
+              <a:rPr lang="ru-RU" altLang="ru-RU" dirty="0">
+                <a:solidFill>
+                  <a:srgbClr val="FFFFFF"/>
+                </a:solidFill>
+                <a:latin typeface="Verdana" panose="020B0604030504040204" pitchFamily="34" charset="0"/>
+              </a:rPr>
+              <a:t/>
+            </a:r>
+            <a:br>
+              <a:rPr lang="ru-RU" altLang="ru-RU" dirty="0">
+                <a:solidFill>
+                  <a:srgbClr val="FFFFFF"/>
+                </a:solidFill>
+                <a:latin typeface="Verdana" panose="020B0604030504040204" pitchFamily="34" charset="0"/>
+              </a:rPr>
+            </a:br>
+            <a:r>
+              <a:rPr lang="ru-RU" altLang="ru-RU" dirty="0" err="1">
+                <a:solidFill>
+                  <a:srgbClr val="FFFFFF"/>
+                </a:solidFill>
+                <a:latin typeface="Verdana" panose="020B0604030504040204" pitchFamily="34" charset="0"/>
+              </a:rPr>
+              <a:t>void</a:t>
+            </a:r>
+            <a:r>
+              <a:rPr lang="ru-RU" altLang="ru-RU" dirty="0">
+                <a:solidFill>
+                  <a:srgbClr val="FFFFFF"/>
+                </a:solidFill>
+                <a:latin typeface="Verdana" panose="020B0604030504040204" pitchFamily="34" charset="0"/>
+              </a:rPr>
+              <a:t> </a:t>
+            </a:r>
+            <a:r>
+              <a:rPr lang="ru-RU" altLang="ru-RU" dirty="0" err="1">
+                <a:solidFill>
+                  <a:srgbClr val="FFCC00"/>
+                </a:solidFill>
+                <a:latin typeface="Verdana" panose="020B0604030504040204" pitchFamily="34" charset="0"/>
+              </a:rPr>
+              <a:t>TestNegative</a:t>
+            </a:r>
+            <a:r>
+              <a:rPr lang="ru-RU" altLang="ru-RU" dirty="0">
+                <a:solidFill>
+                  <a:srgbClr val="FFFFFF"/>
+                </a:solidFill>
+                <a:latin typeface="Verdana" panose="020B0604030504040204" pitchFamily="34" charset="0"/>
+              </a:rPr>
+              <a:t>() { </a:t>
+            </a:r>
+            <a:br>
+              <a:rPr lang="ru-RU" altLang="ru-RU" dirty="0">
+                <a:solidFill>
+                  <a:srgbClr val="FFFFFF"/>
+                </a:solidFill>
+                <a:latin typeface="Verdana" panose="020B0604030504040204" pitchFamily="34" charset="0"/>
+              </a:rPr>
+            </a:br>
+            <a:r>
+              <a:rPr lang="ru-RU" altLang="ru-RU" dirty="0">
+                <a:solidFill>
+                  <a:srgbClr val="FFFFFF"/>
+                </a:solidFill>
+                <a:latin typeface="Verdana" panose="020B0604030504040204" pitchFamily="34" charset="0"/>
+              </a:rPr>
+              <a:t>  </a:t>
+            </a:r>
+            <a:r>
+              <a:rPr lang="ru-RU" altLang="ru-RU" dirty="0">
+                <a:solidFill>
+                  <a:srgbClr val="72C3E0"/>
+                </a:solidFill>
+                <a:latin typeface="Verdana" panose="020B0604030504040204" pitchFamily="34" charset="0"/>
+              </a:rPr>
+              <a:t>ASSERT_EQUAL</a:t>
+            </a:r>
+            <a:r>
+              <a:rPr lang="ru-RU" altLang="ru-RU" dirty="0">
+                <a:solidFill>
+                  <a:srgbClr val="FFFFFF"/>
+                </a:solidFill>
+                <a:latin typeface="Verdana" panose="020B0604030504040204" pitchFamily="34" charset="0"/>
+              </a:rPr>
+              <a:t>(</a:t>
+            </a:r>
+            <a:r>
+              <a:rPr lang="ru-RU" altLang="ru-RU" dirty="0" err="1">
+                <a:solidFill>
+                  <a:srgbClr val="FFCC00"/>
+                </a:solidFill>
+                <a:latin typeface="Verdana" panose="020B0604030504040204" pitchFamily="34" charset="0"/>
+              </a:rPr>
+              <a:t>Abs</a:t>
+            </a:r>
+            <a:r>
+              <a:rPr lang="ru-RU" altLang="ru-RU" dirty="0">
+                <a:solidFill>
+                  <a:srgbClr val="FFFFFF"/>
+                </a:solidFill>
+                <a:latin typeface="Verdana" panose="020B0604030504040204" pitchFamily="34" charset="0"/>
+              </a:rPr>
+              <a:t>(-5), 5); </a:t>
+            </a:r>
+            <a:br>
+              <a:rPr lang="ru-RU" altLang="ru-RU" dirty="0">
+                <a:solidFill>
+                  <a:srgbClr val="FFFFFF"/>
+                </a:solidFill>
+                <a:latin typeface="Verdana" panose="020B0604030504040204" pitchFamily="34" charset="0"/>
+              </a:rPr>
+            </a:br>
+            <a:r>
+              <a:rPr lang="ru-RU" altLang="ru-RU" dirty="0">
+                <a:solidFill>
+                  <a:srgbClr val="FFFFFF"/>
+                </a:solidFill>
+                <a:latin typeface="Verdana" panose="020B0604030504040204" pitchFamily="34" charset="0"/>
+              </a:rPr>
+              <a:t>}</a:t>
+            </a:r>
+            <a:br>
+              <a:rPr lang="ru-RU" altLang="ru-RU" dirty="0">
+                <a:solidFill>
+                  <a:srgbClr val="FFFFFF"/>
+                </a:solidFill>
+                <a:latin typeface="Verdana" panose="020B0604030504040204" pitchFamily="34" charset="0"/>
+              </a:rPr>
+            </a:br>
+            <a:r>
+              <a:rPr lang="ru-RU" altLang="ru-RU" dirty="0">
+                <a:solidFill>
+                  <a:srgbClr val="FFFFFF"/>
+                </a:solidFill>
+                <a:latin typeface="Verdana" panose="020B0604030504040204" pitchFamily="34" charset="0"/>
+              </a:rPr>
+              <a:t/>
+            </a:r>
+            <a:br>
+              <a:rPr lang="ru-RU" altLang="ru-RU" dirty="0">
+                <a:solidFill>
+                  <a:srgbClr val="FFFFFF"/>
+                </a:solidFill>
+                <a:latin typeface="Verdana" panose="020B0604030504040204" pitchFamily="34" charset="0"/>
+              </a:rPr>
+            </a:br>
+            <a:r>
+              <a:rPr lang="ru-RU" altLang="ru-RU" dirty="0" err="1">
+                <a:solidFill>
+                  <a:srgbClr val="FFFFFF"/>
+                </a:solidFill>
+                <a:latin typeface="Verdana" panose="020B0604030504040204" pitchFamily="34" charset="0"/>
+              </a:rPr>
+              <a:t>int</a:t>
+            </a:r>
+            <a:r>
+              <a:rPr lang="ru-RU" altLang="ru-RU" dirty="0">
+                <a:solidFill>
+                  <a:srgbClr val="FFFFFF"/>
+                </a:solidFill>
+                <a:latin typeface="Verdana" panose="020B0604030504040204" pitchFamily="34" charset="0"/>
+              </a:rPr>
+              <a:t> </a:t>
+            </a:r>
+            <a:r>
+              <a:rPr lang="ru-RU" altLang="ru-RU" dirty="0" err="1">
+                <a:solidFill>
+                  <a:srgbClr val="FFCC00"/>
+                </a:solidFill>
+                <a:latin typeface="Verdana" panose="020B0604030504040204" pitchFamily="34" charset="0"/>
+              </a:rPr>
+              <a:t>main</a:t>
+            </a:r>
+            <a:r>
+              <a:rPr lang="ru-RU" altLang="ru-RU" dirty="0">
+                <a:solidFill>
+                  <a:srgbClr val="FFFFFF"/>
+                </a:solidFill>
+                <a:latin typeface="Verdana" panose="020B0604030504040204" pitchFamily="34" charset="0"/>
+              </a:rPr>
+              <a:t>() {</a:t>
+            </a:r>
+            <a:br>
+              <a:rPr lang="ru-RU" altLang="ru-RU" dirty="0">
+                <a:solidFill>
+                  <a:srgbClr val="FFFFFF"/>
+                </a:solidFill>
+                <a:latin typeface="Verdana" panose="020B0604030504040204" pitchFamily="34" charset="0"/>
+              </a:rPr>
+            </a:br>
+            <a:r>
+              <a:rPr lang="ru-RU" altLang="ru-RU" dirty="0">
+                <a:solidFill>
+                  <a:srgbClr val="FFFFFF"/>
+                </a:solidFill>
+                <a:latin typeface="Verdana" panose="020B0604030504040204" pitchFamily="34" charset="0"/>
+              </a:rPr>
+              <a:t>  </a:t>
+            </a:r>
+            <a:r>
+              <a:rPr lang="ru-RU" altLang="ru-RU" dirty="0" err="1">
+                <a:solidFill>
+                  <a:srgbClr val="FFCC00"/>
+                </a:solidFill>
+                <a:latin typeface="Verdana" panose="020B0604030504040204" pitchFamily="34" charset="0"/>
+              </a:rPr>
+              <a:t>TestRunner</a:t>
+            </a:r>
+            <a:r>
+              <a:rPr lang="ru-RU" altLang="ru-RU" dirty="0">
+                <a:solidFill>
+                  <a:srgbClr val="FFCC00"/>
+                </a:solidFill>
+                <a:latin typeface="Verdana" panose="020B0604030504040204" pitchFamily="34" charset="0"/>
+              </a:rPr>
+              <a:t> </a:t>
+            </a:r>
+            <a:r>
+              <a:rPr lang="ru-RU" altLang="ru-RU" dirty="0" err="1">
+                <a:solidFill>
+                  <a:srgbClr val="5BCD9D"/>
+                </a:solidFill>
+                <a:latin typeface="Verdana" panose="020B0604030504040204" pitchFamily="34" charset="0"/>
+              </a:rPr>
+              <a:t>tr</a:t>
+            </a:r>
+            <a:r>
+              <a:rPr lang="ru-RU" altLang="ru-RU" dirty="0">
+                <a:solidFill>
+                  <a:srgbClr val="FFFFFF"/>
+                </a:solidFill>
+                <a:latin typeface="Verdana" panose="020B0604030504040204" pitchFamily="34" charset="0"/>
+              </a:rPr>
+              <a:t>;</a:t>
+            </a:r>
+            <a:br>
+              <a:rPr lang="ru-RU" altLang="ru-RU" dirty="0">
+                <a:solidFill>
+                  <a:srgbClr val="FFFFFF"/>
+                </a:solidFill>
+                <a:latin typeface="Verdana" panose="020B0604030504040204" pitchFamily="34" charset="0"/>
+              </a:rPr>
+            </a:br>
+            <a:r>
+              <a:rPr lang="ru-RU" altLang="ru-RU" dirty="0">
+                <a:solidFill>
+                  <a:srgbClr val="FFFFFF"/>
+                </a:solidFill>
+                <a:latin typeface="Verdana" panose="020B0604030504040204" pitchFamily="34" charset="0"/>
+              </a:rPr>
+              <a:t>  </a:t>
+            </a:r>
+            <a:r>
+              <a:rPr lang="ru-RU" altLang="ru-RU" dirty="0">
+                <a:solidFill>
+                  <a:srgbClr val="72C3E0"/>
+                </a:solidFill>
+                <a:latin typeface="Verdana" panose="020B0604030504040204" pitchFamily="34" charset="0"/>
+              </a:rPr>
+              <a:t>RUN_TEST</a:t>
+            </a:r>
+            <a:r>
+              <a:rPr lang="ru-RU" altLang="ru-RU" dirty="0">
+                <a:solidFill>
+                  <a:srgbClr val="FFFFFF"/>
+                </a:solidFill>
+                <a:latin typeface="Verdana" panose="020B0604030504040204" pitchFamily="34" charset="0"/>
+              </a:rPr>
+              <a:t>(</a:t>
+            </a:r>
+            <a:r>
+              <a:rPr lang="ru-RU" altLang="ru-RU" dirty="0" err="1">
+                <a:solidFill>
+                  <a:srgbClr val="5BCD9D"/>
+                </a:solidFill>
+                <a:latin typeface="Verdana" panose="020B0604030504040204" pitchFamily="34" charset="0"/>
+              </a:rPr>
+              <a:t>tr</a:t>
+            </a:r>
+            <a:r>
+              <a:rPr lang="ru-RU" altLang="ru-RU" dirty="0">
+                <a:solidFill>
+                  <a:srgbClr val="FFFFFF"/>
+                </a:solidFill>
+                <a:latin typeface="Verdana" panose="020B0604030504040204" pitchFamily="34" charset="0"/>
+              </a:rPr>
+              <a:t>, </a:t>
+            </a:r>
+            <a:r>
+              <a:rPr lang="ru-RU" altLang="ru-RU" dirty="0" err="1">
+                <a:solidFill>
+                  <a:srgbClr val="FFCC00"/>
+                </a:solidFill>
+                <a:latin typeface="Verdana" panose="020B0604030504040204" pitchFamily="34" charset="0"/>
+              </a:rPr>
+              <a:t>TestPositive</a:t>
+            </a:r>
+            <a:r>
+              <a:rPr lang="ru-RU" altLang="ru-RU" dirty="0">
+                <a:solidFill>
+                  <a:srgbClr val="FFFFFF"/>
+                </a:solidFill>
+                <a:latin typeface="Verdana" panose="020B0604030504040204" pitchFamily="34" charset="0"/>
+              </a:rPr>
+              <a:t>);</a:t>
+            </a:r>
+            <a:br>
+              <a:rPr lang="ru-RU" altLang="ru-RU" dirty="0">
+                <a:solidFill>
+                  <a:srgbClr val="FFFFFF"/>
+                </a:solidFill>
+                <a:latin typeface="Verdana" panose="020B0604030504040204" pitchFamily="34" charset="0"/>
+              </a:rPr>
+            </a:br>
+            <a:r>
+              <a:rPr lang="ru-RU" altLang="ru-RU" dirty="0">
+                <a:solidFill>
+                  <a:srgbClr val="FFFFFF"/>
+                </a:solidFill>
+                <a:latin typeface="Verdana" panose="020B0604030504040204" pitchFamily="34" charset="0"/>
+              </a:rPr>
+              <a:t>  </a:t>
+            </a:r>
+            <a:r>
+              <a:rPr lang="ru-RU" altLang="ru-RU" dirty="0">
+                <a:solidFill>
+                  <a:srgbClr val="72C3E0"/>
+                </a:solidFill>
+                <a:latin typeface="Verdana" panose="020B0604030504040204" pitchFamily="34" charset="0"/>
+              </a:rPr>
+              <a:t>RUN_TEST</a:t>
+            </a:r>
+            <a:r>
+              <a:rPr lang="ru-RU" altLang="ru-RU" dirty="0">
+                <a:solidFill>
+                  <a:srgbClr val="FFFFFF"/>
+                </a:solidFill>
+                <a:latin typeface="Verdana" panose="020B0604030504040204" pitchFamily="34" charset="0"/>
+              </a:rPr>
+              <a:t>(</a:t>
+            </a:r>
+            <a:r>
+              <a:rPr lang="ru-RU" altLang="ru-RU" dirty="0" err="1">
+                <a:solidFill>
+                  <a:srgbClr val="5BCD9D"/>
+                </a:solidFill>
+                <a:latin typeface="Verdana" panose="020B0604030504040204" pitchFamily="34" charset="0"/>
+              </a:rPr>
+              <a:t>tr</a:t>
+            </a:r>
+            <a:r>
+              <a:rPr lang="ru-RU" altLang="ru-RU" dirty="0">
+                <a:solidFill>
+                  <a:srgbClr val="FFFFFF"/>
+                </a:solidFill>
+                <a:latin typeface="Verdana" panose="020B0604030504040204" pitchFamily="34" charset="0"/>
+              </a:rPr>
+              <a:t>, </a:t>
+            </a:r>
+            <a:r>
+              <a:rPr lang="ru-RU" altLang="ru-RU" dirty="0" err="1">
+                <a:solidFill>
+                  <a:srgbClr val="FFCC00"/>
+                </a:solidFill>
+                <a:latin typeface="Verdana" panose="020B0604030504040204" pitchFamily="34" charset="0"/>
+              </a:rPr>
+              <a:t>TestNegative</a:t>
+            </a:r>
+            <a:r>
+              <a:rPr lang="ru-RU" altLang="ru-RU" dirty="0">
+                <a:solidFill>
+                  <a:srgbClr val="FFFFFF"/>
+                </a:solidFill>
+                <a:latin typeface="Verdana" panose="020B0604030504040204" pitchFamily="34" charset="0"/>
+              </a:rPr>
+              <a:t>);</a:t>
+            </a:r>
+            <a:br>
+              <a:rPr lang="ru-RU" altLang="ru-RU" dirty="0">
+                <a:solidFill>
+                  <a:srgbClr val="FFFFFF"/>
+                </a:solidFill>
+                <a:latin typeface="Verdana" panose="020B0604030504040204" pitchFamily="34" charset="0"/>
+              </a:rPr>
+            </a:br>
+            <a:r>
+              <a:rPr lang="ru-RU" altLang="ru-RU" dirty="0" smtClean="0">
+                <a:solidFill>
+                  <a:srgbClr val="FFFFFF"/>
+                </a:solidFill>
+                <a:latin typeface="Verdana" panose="020B0604030504040204" pitchFamily="34" charset="0"/>
+              </a:rPr>
+              <a:t>}</a:t>
+            </a:r>
+            <a:endParaRPr lang="ru-RU" altLang="ru-RU" sz="6600" dirty="0">
+              <a:solidFill>
+                <a:schemeClr val="tx1"/>
+              </a:solidFill>
+              <a:latin typeface="Arial" panose="020B0604020202020204" pitchFamily="34" charset="0"/>
+            </a:endParaRPr>
+          </a:p>
+        </p:txBody>
+      </p:sp>
+      <p:sp>
+        <p:nvSpPr>
+          <p:cNvPr id="10" name="Объект 4"/>
+          <p:cNvSpPr txBox="1">
+            <a:spLocks/>
+          </p:cNvSpPr>
+          <p:nvPr/>
+        </p:nvSpPr>
+        <p:spPr>
+          <a:xfrm>
+            <a:off x="12186047" y="3045618"/>
+            <a:ext cx="12191206" cy="10679113"/>
+          </a:xfrm>
+          <a:prstGeom prst="rect">
+            <a:avLst/>
+          </a:prstGeom>
+          <a:solidFill>
+            <a:schemeClr val="tx1"/>
+          </a:solidFill>
+        </p:spPr>
+        <p:txBody>
+          <a:bodyPr vert="horz" lIns="1152000" tIns="468000" rIns="1152000" bIns="720000" rtlCol="0" anchor="t" anchorCtr="0">
+            <a:noAutofit/>
+          </a:bodyPr>
+          <a:lstStyle>
+            <a:lvl1pPr marL="0" indent="0" algn="l" defTabSz="1828619" rtl="0" eaLnBrk="1" latinLnBrk="0" hangingPunct="1">
+              <a:lnSpc>
+                <a:spcPct val="150000"/>
+              </a:lnSpc>
+              <a:spcBef>
+                <a:spcPts val="0"/>
+              </a:spcBef>
+              <a:spcAft>
+                <a:spcPts val="0"/>
+              </a:spcAft>
+              <a:buFontTx/>
+              <a:buNone/>
+              <a:defRPr sz="3600" b="0" i="0" kern="1200">
+                <a:solidFill>
+                  <a:schemeClr val="bg1"/>
+                </a:solidFill>
+                <a:latin typeface="Verdana" charset="0"/>
+                <a:ea typeface="Verdana" charset="0"/>
+                <a:cs typeface="Verdana" charset="0"/>
+              </a:defRPr>
+            </a:lvl1pPr>
+            <a:lvl2pPr marL="0" indent="0" algn="l" defTabSz="1907905" rtl="0" eaLnBrk="1" latinLnBrk="0" hangingPunct="1">
+              <a:lnSpc>
+                <a:spcPts val="6000"/>
+              </a:lnSpc>
+              <a:spcBef>
+                <a:spcPts val="0"/>
+              </a:spcBef>
+              <a:spcAft>
+                <a:spcPts val="0"/>
+              </a:spcAft>
+              <a:buClr>
+                <a:schemeClr val="tx2"/>
+              </a:buClr>
+              <a:buSzPct val="120000"/>
+              <a:buFont typeface="Impact" panose="020B0806030902050204" pitchFamily="34" charset="0"/>
+              <a:buNone/>
+              <a:defRPr sz="4800" kern="1200" baseline="0">
+                <a:solidFill>
+                  <a:schemeClr val="tx1"/>
+                </a:solidFill>
+                <a:latin typeface="InputMono" panose="02000509020000090004" pitchFamily="49" charset="0"/>
+                <a:ea typeface="+mn-ea"/>
+                <a:cs typeface="+mn-cs"/>
+              </a:defRPr>
+            </a:lvl2pPr>
+            <a:lvl3pPr marL="1512000" indent="-792000" algn="l" defTabSz="1828619" rtl="0" eaLnBrk="1" latinLnBrk="0" hangingPunct="1">
+              <a:lnSpc>
+                <a:spcPts val="6000"/>
+              </a:lnSpc>
+              <a:spcBef>
+                <a:spcPts val="4000"/>
+              </a:spcBef>
+              <a:spcAft>
+                <a:spcPts val="0"/>
+              </a:spcAft>
+              <a:buSzPct val="150000"/>
+              <a:buFont typeface="Yandex Sans Text Light" panose="02000000000000000000" pitchFamily="2" charset="-52"/>
+              <a:buChar char="›"/>
+              <a:defRPr sz="4800" kern="1200">
+                <a:solidFill>
+                  <a:schemeClr val="tx1"/>
+                </a:solidFill>
+                <a:latin typeface="InputMono" panose="02000509020000090004" pitchFamily="49" charset="0"/>
+                <a:ea typeface="+mn-ea"/>
+                <a:cs typeface="+mn-cs"/>
+              </a:defRPr>
+            </a:lvl3pPr>
+            <a:lvl4pPr marL="1512000" indent="-792000" algn="l" defTabSz="1828619" rtl="0" eaLnBrk="1" latinLnBrk="0" hangingPunct="1">
+              <a:lnSpc>
+                <a:spcPts val="6000"/>
+              </a:lnSpc>
+              <a:spcBef>
+                <a:spcPts val="4000"/>
+              </a:spcBef>
+              <a:spcAft>
+                <a:spcPts val="0"/>
+              </a:spcAft>
+              <a:buFont typeface="+mj-lt"/>
+              <a:buAutoNum type="arabicPeriod"/>
+              <a:defRPr sz="4800" kern="1200">
+                <a:solidFill>
+                  <a:schemeClr val="tx1"/>
+                </a:solidFill>
+                <a:latin typeface="InputMono" panose="02000509020000090004" pitchFamily="49" charset="0"/>
+                <a:ea typeface="+mn-ea"/>
+                <a:cs typeface="+mn-cs"/>
+              </a:defRPr>
+            </a:lvl4pPr>
+            <a:lvl5pPr marL="0" indent="0" algn="l" defTabSz="1828619" rtl="0" eaLnBrk="1" latinLnBrk="0" hangingPunct="1">
+              <a:lnSpc>
+                <a:spcPts val="6000"/>
+              </a:lnSpc>
+              <a:spcBef>
+                <a:spcPts val="3000"/>
+              </a:spcBef>
+              <a:spcAft>
+                <a:spcPts val="3000"/>
+              </a:spcAft>
+              <a:buFontTx/>
+              <a:buNone/>
+              <a:defRPr sz="4800" kern="1200">
+                <a:solidFill>
+                  <a:schemeClr val="tx1"/>
+                </a:solidFill>
+                <a:latin typeface="+mn-lt"/>
+                <a:ea typeface="+mn-ea"/>
+                <a:cs typeface="+mn-cs"/>
+              </a:defRPr>
+            </a:lvl5pPr>
+            <a:lvl6pPr marL="5028699" indent="-457155" algn="l" defTabSz="1828619" rtl="0" eaLnBrk="1" latinLnBrk="0" hangingPunct="1">
+              <a:lnSpc>
+                <a:spcPct val="90000"/>
+              </a:lnSpc>
+              <a:spcBef>
+                <a:spcPts val="1000"/>
+              </a:spcBef>
+              <a:buFont typeface="Arial" panose="020B0604020202020204" pitchFamily="34" charset="0"/>
+              <a:buChar char="•"/>
+              <a:defRPr sz="3600" kern="1200">
+                <a:solidFill>
+                  <a:schemeClr val="tx1"/>
+                </a:solidFill>
+                <a:latin typeface="+mn-lt"/>
+                <a:ea typeface="+mn-ea"/>
+                <a:cs typeface="+mn-cs"/>
+              </a:defRPr>
+            </a:lvl6pPr>
+            <a:lvl7pPr marL="5943007" indent="-457155" algn="l" defTabSz="1828619" rtl="0" eaLnBrk="1" latinLnBrk="0" hangingPunct="1">
+              <a:lnSpc>
+                <a:spcPct val="90000"/>
+              </a:lnSpc>
+              <a:spcBef>
+                <a:spcPts val="1000"/>
+              </a:spcBef>
+              <a:buFont typeface="Arial" panose="020B0604020202020204" pitchFamily="34" charset="0"/>
+              <a:buChar char="•"/>
+              <a:defRPr sz="3600" kern="1200">
+                <a:solidFill>
+                  <a:schemeClr val="tx1"/>
+                </a:solidFill>
+                <a:latin typeface="+mn-lt"/>
+                <a:ea typeface="+mn-ea"/>
+                <a:cs typeface="+mn-cs"/>
+              </a:defRPr>
+            </a:lvl7pPr>
+            <a:lvl8pPr marL="6857315" indent="-457155" algn="l" defTabSz="1828619" rtl="0" eaLnBrk="1" latinLnBrk="0" hangingPunct="1">
+              <a:lnSpc>
+                <a:spcPct val="90000"/>
+              </a:lnSpc>
+              <a:spcBef>
+                <a:spcPts val="1000"/>
+              </a:spcBef>
+              <a:buFont typeface="Arial" panose="020B0604020202020204" pitchFamily="34" charset="0"/>
+              <a:buChar char="•"/>
+              <a:defRPr sz="3600" kern="1200">
+                <a:solidFill>
+                  <a:schemeClr val="tx1"/>
+                </a:solidFill>
+                <a:latin typeface="+mn-lt"/>
+                <a:ea typeface="+mn-ea"/>
+                <a:cs typeface="+mn-cs"/>
+              </a:defRPr>
+            </a:lvl8pPr>
+            <a:lvl9pPr marL="7771623" indent="-457155" algn="l" defTabSz="1828619" rtl="0" eaLnBrk="1" latinLnBrk="0" hangingPunct="1">
+              <a:lnSpc>
+                <a:spcPct val="90000"/>
+              </a:lnSpc>
+              <a:spcBef>
+                <a:spcPts val="1000"/>
+              </a:spcBef>
+              <a:buFont typeface="Arial" panose="020B0604020202020204" pitchFamily="34" charset="0"/>
+              <a:buChar char="•"/>
+              <a:defRPr sz="3600" kern="1200">
+                <a:solidFill>
+                  <a:schemeClr val="tx1"/>
+                </a:solidFill>
+                <a:latin typeface="+mn-lt"/>
+                <a:ea typeface="+mn-ea"/>
+                <a:cs typeface="+mn-cs"/>
+              </a:defRPr>
+            </a:lvl9pPr>
+          </a:lstStyle>
+          <a:p>
+            <a:pPr defTabSz="914400" eaLnBrk="0" fontAlgn="base" hangingPunct="0">
+              <a:spcBef>
+                <a:spcPct val="0"/>
+              </a:spcBef>
+              <a:spcAft>
+                <a:spcPct val="0"/>
+              </a:spcAft>
+            </a:pPr>
+            <a:r>
+              <a:rPr lang="en-US" altLang="ru-RU" dirty="0" err="1"/>
+              <a:t>TestPositive</a:t>
+            </a:r>
+            <a:r>
+              <a:rPr lang="en-US" altLang="ru-RU" dirty="0"/>
+              <a:t> fail: Assertion failed: -5 != 5 hint: Abs(5) != 5, main.cpp:5</a:t>
+            </a:r>
+          </a:p>
+          <a:p>
+            <a:pPr defTabSz="914400" eaLnBrk="0" fontAlgn="base" hangingPunct="0">
+              <a:spcBef>
+                <a:spcPct val="0"/>
+              </a:spcBef>
+              <a:spcAft>
+                <a:spcPct val="0"/>
+              </a:spcAft>
+            </a:pPr>
+            <a:r>
+              <a:rPr lang="en-US" altLang="ru-RU" dirty="0" err="1"/>
+              <a:t>TestNegative</a:t>
+            </a:r>
+            <a:r>
+              <a:rPr lang="en-US" altLang="ru-RU" dirty="0"/>
+              <a:t> OK</a:t>
+            </a:r>
+          </a:p>
+          <a:p>
+            <a:pPr defTabSz="914400" eaLnBrk="0" fontAlgn="base" hangingPunct="0">
+              <a:spcBef>
+                <a:spcPct val="0"/>
+              </a:spcBef>
+              <a:spcAft>
+                <a:spcPct val="0"/>
+              </a:spcAft>
+            </a:pPr>
+            <a:r>
+              <a:rPr lang="en-US" altLang="ru-RU" dirty="0"/>
+              <a:t>1 unit tests failed. Terminate</a:t>
+            </a:r>
+          </a:p>
+        </p:txBody>
+      </p:sp>
+    </p:spTree>
+    <p:extLst>
+      <p:ext uri="{BB962C8B-B14F-4D97-AF65-F5344CB8AC3E}">
+        <p14:creationId xmlns:p14="http://schemas.microsoft.com/office/powerpoint/2010/main" val="1888546187"/>
+      </p:ext>
+    </p:extLst>
+  </p:cSld>
+  <p:clrMapOvr>
+    <a:masterClrMapping/>
+  </p:clrMapOvr>
+  <p:timing>
+    <p:tnLst>
+      <p:par>
+        <p:cTn id="1" dur="indefinite" restart="never" nodeType="tmRoot">
+          <p:childTnLst>
+            <p:seq concurrent="1" nextAc="seek">
+              <p:cTn id="2" dur="indefinite" nodeType="mainSeq">
+                <p:childTnLst>
+                  <p:par>
+                    <p:cTn id="3" fill="hold">
+                      <p:stCondLst>
+                        <p:cond delay="indefinite"/>
+                      </p:stCondLst>
+                      <p:childTnLst>
+                        <p:par>
+                          <p:cTn id="4" fill="hold">
+                            <p:stCondLst>
+                              <p:cond delay="0"/>
+                            </p:stCondLst>
+                            <p:childTnLst>
+                              <p:par>
+                                <p:cTn id="5" presetID="1" presetClass="entr" presetSubtype="0" fill="hold" nodeType="clickEffect">
+                                  <p:stCondLst>
+                                    <p:cond delay="0"/>
+                                  </p:stCondLst>
+                                  <p:childTnLst>
+                                    <p:set>
+                                      <p:cBhvr>
+                                        <p:cTn id="6" dur="1" fill="hold">
+                                          <p:stCondLst>
+                                            <p:cond delay="0"/>
+                                          </p:stCondLst>
+                                        </p:cTn>
+                                        <p:tgtEl>
+                                          <p:spTgt spid="10">
+                                            <p:txEl>
+                                              <p:pRg st="0" end="0"/>
+                                            </p:txEl>
+                                          </p:spTgt>
+                                        </p:tgtEl>
+                                        <p:attrNameLst>
+                                          <p:attrName>style.visibility</p:attrName>
+                                        </p:attrNameLst>
+                                      </p:cBhvr>
+                                      <p:to>
+                                        <p:strVal val="visible"/>
+                                      </p:to>
+                                    </p:set>
+                                  </p:childTnLst>
+                                </p:cTn>
+                              </p:par>
+                              <p:par>
+                                <p:cTn id="7" presetID="1" presetClass="entr" presetSubtype="0" fill="hold" nodeType="withEffect">
+                                  <p:stCondLst>
+                                    <p:cond delay="0"/>
+                                  </p:stCondLst>
+                                  <p:childTnLst>
+                                    <p:set>
+                                      <p:cBhvr>
+                                        <p:cTn id="8" dur="1" fill="hold">
+                                          <p:stCondLst>
+                                            <p:cond delay="0"/>
+                                          </p:stCondLst>
+                                        </p:cTn>
+                                        <p:tgtEl>
+                                          <p:spTgt spid="10">
+                                            <p:txEl>
+                                              <p:pRg st="1" end="1"/>
+                                            </p:txEl>
+                                          </p:spTgt>
+                                        </p:tgtEl>
+                                        <p:attrNameLst>
+                                          <p:attrName>style.visibility</p:attrName>
+                                        </p:attrNameLst>
+                                      </p:cBhvr>
+                                      <p:to>
+                                        <p:strVal val="visible"/>
+                                      </p:to>
+                                    </p:set>
+                                  </p:childTnLst>
+                                </p:cTn>
+                              </p:par>
+                              <p:par>
+                                <p:cTn id="9" presetID="1" presetClass="entr" presetSubtype="0" fill="hold" nodeType="withEffect">
+                                  <p:stCondLst>
+                                    <p:cond delay="0"/>
+                                  </p:stCondLst>
+                                  <p:childTnLst>
+                                    <p:set>
+                                      <p:cBhvr>
+                                        <p:cTn id="10" dur="1" fill="hold">
+                                          <p:stCondLst>
+                                            <p:cond delay="0"/>
+                                          </p:stCondLst>
+                                        </p:cTn>
+                                        <p:tgtEl>
+                                          <p:spTgt spid="10">
+                                            <p:txEl>
+                                              <p:pRg st="2" end="2"/>
+                                            </p:txEl>
+                                          </p:spTgt>
+                                        </p:tgtEl>
+                                        <p:attrNameLst>
+                                          <p:attrName>style.visibility</p:attrName>
+                                        </p:attrNameLst>
+                                      </p:cBhvr>
+                                      <p:to>
+                                        <p:strVal val="visible"/>
+                                      </p:to>
+                                    </p:set>
+                                  </p:childTnLst>
+                                </p:cTn>
+                              </p:par>
+                            </p:childTnLst>
+                          </p:cTn>
+                        </p:par>
+                      </p:childTnLst>
+                    </p:cTn>
+                  </p:par>
+                </p:childTnLst>
+              </p:cTn>
+              <p:prevCondLst>
+                <p:cond evt="onPrev" delay="0">
+                  <p:tgtEl>
+                    <p:sldTgt/>
+                  </p:tgtEl>
+                </p:cond>
+              </p:prevCondLst>
+              <p:nextCondLst>
+                <p:cond evt="onNext" delay="0">
+                  <p:tgtEl>
+                    <p:sldTgt/>
+                  </p:tgtEl>
+                </p:cond>
+              </p:nextCondLst>
+            </p:seq>
+          </p:childTnLst>
+        </p:cTn>
+      </p:par>
+    </p:tnLst>
+  </p:timing>
+</p:sld>
+</file>
+
+<file path=ppt/slides/slide16.xml><?xml version="1.0" encoding="utf-8"?>
+<p:sld xmlns:a="http://schemas.openxmlformats.org/drawingml/2006/main" xmlns:r="http://schemas.openxmlformats.org/officeDocument/2006/relationships" xmlns:p="http://schemas.openxmlformats.org/presentationml/2006/main">
+  <p:cSld>
+    <p:spTree>
+      <p:nvGrpSpPr>
+        <p:cNvPr id="1" name=""/>
+        <p:cNvGrpSpPr/>
+        <p:nvPr/>
+      </p:nvGrpSpPr>
+      <p:grpSpPr>
+        <a:xfrm>
+          <a:off x="0" y="0"/>
+          <a:ext cx="0" cy="0"/>
+          <a:chOff x="0" y="0"/>
+          <a:chExt cx="0" cy="0"/>
+        </a:xfrm>
+      </p:grpSpPr>
+      <p:sp>
+        <p:nvSpPr>
+          <p:cNvPr id="2" name="Заголовок 1"/>
+          <p:cNvSpPr>
+            <a:spLocks noGrp="1"/>
+          </p:cNvSpPr>
+          <p:nvPr>
+            <p:ph type="title"/>
+          </p:nvPr>
+        </p:nvSpPr>
+        <p:spPr/>
+        <p:txBody>
+          <a:bodyPr/>
+          <a:lstStyle/>
+          <a:p>
+            <a:r>
+              <a:rPr lang="ru-RU" dirty="0" smtClean="0"/>
+              <a:t>Класс </a:t>
+            </a:r>
+            <a:r>
+              <a:rPr lang="en-US" dirty="0" err="1" smtClean="0"/>
+              <a:t>TestRunner</a:t>
+            </a:r>
+            <a:endParaRPr lang="ru-RU" dirty="0"/>
+          </a:p>
+        </p:txBody>
+      </p:sp>
+      <p:sp>
+        <p:nvSpPr>
+          <p:cNvPr id="3" name="Нижний колонтитул 2"/>
+          <p:cNvSpPr>
+            <a:spLocks noGrp="1"/>
+          </p:cNvSpPr>
+          <p:nvPr>
+            <p:ph type="ftr" sz="quarter" idx="11"/>
+          </p:nvPr>
+        </p:nvSpPr>
+        <p:spPr/>
+        <p:txBody>
+          <a:bodyPr/>
+          <a:lstStyle/>
+          <a:p>
+            <a:endParaRPr lang="ru-RU" dirty="0"/>
+          </a:p>
+        </p:txBody>
+      </p:sp>
+      <p:sp>
+        <p:nvSpPr>
+          <p:cNvPr id="4" name="Номер слайда 3"/>
+          <p:cNvSpPr>
+            <a:spLocks noGrp="1"/>
+          </p:cNvSpPr>
+          <p:nvPr>
+            <p:ph type="sldNum" sz="quarter" idx="12"/>
+          </p:nvPr>
+        </p:nvSpPr>
+        <p:spPr/>
+        <p:txBody>
+          <a:bodyPr/>
+          <a:lstStyle/>
+          <a:p>
+            <a:fld id="{741C03D3-FA44-40EC-9A21-1FC4FEA3E22E}" type="slidenum">
+              <a:rPr lang="ru-RU" smtClean="0"/>
+              <a:t>16</a:t>
+            </a:fld>
+            <a:endParaRPr lang="ru-RU"/>
+          </a:p>
+        </p:txBody>
+      </p:sp>
+      <p:sp>
+        <p:nvSpPr>
+          <p:cNvPr id="5" name="Объект 4"/>
+          <p:cNvSpPr>
+            <a:spLocks noGrp="1"/>
+          </p:cNvSpPr>
+          <p:nvPr>
+            <p:ph idx="13"/>
+          </p:nvPr>
+        </p:nvSpPr>
+        <p:spPr>
+          <a:xfrm>
+            <a:off x="1" y="3041650"/>
+            <a:ext cx="24382412" cy="10679113"/>
+          </a:xfrm>
+        </p:spPr>
+        <p:txBody>
+          <a:bodyPr/>
+          <a:lstStyle/>
+          <a:p>
+            <a:pPr lvl="0" defTabSz="914400" eaLnBrk="0" fontAlgn="base" hangingPunct="0">
+              <a:lnSpc>
+                <a:spcPct val="100000"/>
+              </a:lnSpc>
+              <a:spcBef>
+                <a:spcPct val="0"/>
+              </a:spcBef>
+              <a:spcAft>
+                <a:spcPct val="0"/>
+              </a:spcAft>
+            </a:pPr>
+            <a:r>
+              <a:rPr lang="ru-RU" altLang="ru-RU" dirty="0" err="1">
+                <a:solidFill>
+                  <a:srgbClr val="FFFFFF"/>
+                </a:solidFill>
+                <a:latin typeface="Verdana" panose="020B0604030504040204" pitchFamily="34" charset="0"/>
+              </a:rPr>
+              <a:t>class</a:t>
+            </a:r>
+            <a:r>
+              <a:rPr lang="ru-RU" altLang="ru-RU" dirty="0">
+                <a:solidFill>
+                  <a:srgbClr val="FFFFFF"/>
+                </a:solidFill>
+                <a:latin typeface="Verdana" panose="020B0604030504040204" pitchFamily="34" charset="0"/>
+              </a:rPr>
+              <a:t> </a:t>
+            </a:r>
+            <a:r>
+              <a:rPr lang="ru-RU" altLang="ru-RU" dirty="0" err="1">
+                <a:solidFill>
+                  <a:srgbClr val="FFCC00"/>
+                </a:solidFill>
+                <a:latin typeface="Verdana" panose="020B0604030504040204" pitchFamily="34" charset="0"/>
+              </a:rPr>
+              <a:t>TestRunner</a:t>
+            </a:r>
+            <a:r>
+              <a:rPr lang="ru-RU" altLang="ru-RU" dirty="0">
+                <a:solidFill>
+                  <a:srgbClr val="FFCC00"/>
+                </a:solidFill>
+                <a:latin typeface="Verdana" panose="020B0604030504040204" pitchFamily="34" charset="0"/>
+              </a:rPr>
+              <a:t> </a:t>
+            </a:r>
+            <a:r>
+              <a:rPr lang="ru-RU" altLang="ru-RU" dirty="0">
+                <a:solidFill>
+                  <a:srgbClr val="FFFFFF"/>
+                </a:solidFill>
+                <a:latin typeface="Verdana" panose="020B0604030504040204" pitchFamily="34" charset="0"/>
+              </a:rPr>
+              <a:t>{</a:t>
+            </a:r>
+            <a:br>
+              <a:rPr lang="ru-RU" altLang="ru-RU" dirty="0">
+                <a:solidFill>
+                  <a:srgbClr val="FFFFFF"/>
+                </a:solidFill>
+                <a:latin typeface="Verdana" panose="020B0604030504040204" pitchFamily="34" charset="0"/>
+              </a:rPr>
+            </a:br>
+            <a:r>
+              <a:rPr lang="ru-RU" altLang="ru-RU" dirty="0" err="1">
+                <a:solidFill>
+                  <a:srgbClr val="FFFFFF"/>
+                </a:solidFill>
+                <a:latin typeface="Verdana" panose="020B0604030504040204" pitchFamily="34" charset="0"/>
+              </a:rPr>
+              <a:t>private</a:t>
+            </a:r>
+            <a:r>
+              <a:rPr lang="ru-RU" altLang="ru-RU" dirty="0">
+                <a:solidFill>
+                  <a:srgbClr val="FFFFFF"/>
+                </a:solidFill>
+                <a:latin typeface="Verdana" panose="020B0604030504040204" pitchFamily="34" charset="0"/>
+              </a:rPr>
+              <a:t>:</a:t>
+            </a:r>
+            <a:br>
+              <a:rPr lang="ru-RU" altLang="ru-RU" dirty="0">
+                <a:solidFill>
+                  <a:srgbClr val="FFFFFF"/>
+                </a:solidFill>
+                <a:latin typeface="Verdana" panose="020B0604030504040204" pitchFamily="34" charset="0"/>
+              </a:rPr>
+            </a:br>
+            <a:r>
+              <a:rPr lang="ru-RU" altLang="ru-RU" dirty="0">
+                <a:solidFill>
+                  <a:srgbClr val="FFFFFF"/>
+                </a:solidFill>
+                <a:latin typeface="Verdana" panose="020B0604030504040204" pitchFamily="34" charset="0"/>
+              </a:rPr>
+              <a:t>  </a:t>
+            </a:r>
+            <a:r>
+              <a:rPr lang="ru-RU" altLang="ru-RU" dirty="0" err="1">
+                <a:solidFill>
+                  <a:srgbClr val="FFFFFF"/>
+                </a:solidFill>
+                <a:latin typeface="Verdana" panose="020B0604030504040204" pitchFamily="34" charset="0"/>
+              </a:rPr>
+              <a:t>int</a:t>
+            </a:r>
+            <a:r>
+              <a:rPr lang="ru-RU" altLang="ru-RU" dirty="0">
+                <a:solidFill>
+                  <a:srgbClr val="FFFFFF"/>
+                </a:solidFill>
+                <a:latin typeface="Verdana" panose="020B0604030504040204" pitchFamily="34" charset="0"/>
+              </a:rPr>
+              <a:t> </a:t>
+            </a:r>
+            <a:r>
+              <a:rPr lang="ru-RU" altLang="ru-RU" dirty="0" err="1">
+                <a:solidFill>
+                  <a:srgbClr val="5BCD9D"/>
+                </a:solidFill>
+                <a:latin typeface="Verdana" panose="020B0604030504040204" pitchFamily="34" charset="0"/>
+              </a:rPr>
+              <a:t>fail_count</a:t>
+            </a:r>
+            <a:r>
+              <a:rPr lang="ru-RU" altLang="ru-RU" dirty="0">
+                <a:solidFill>
+                  <a:srgbClr val="5BCD9D"/>
+                </a:solidFill>
+                <a:latin typeface="Verdana" panose="020B0604030504040204" pitchFamily="34" charset="0"/>
+              </a:rPr>
+              <a:t> </a:t>
+            </a:r>
+            <a:r>
+              <a:rPr lang="ru-RU" altLang="ru-RU" dirty="0">
+                <a:solidFill>
+                  <a:srgbClr val="FFFFFF"/>
+                </a:solidFill>
+                <a:latin typeface="Verdana" panose="020B0604030504040204" pitchFamily="34" charset="0"/>
+              </a:rPr>
+              <a:t>= 0;</a:t>
+            </a:r>
+            <a:br>
+              <a:rPr lang="ru-RU" altLang="ru-RU" dirty="0">
+                <a:solidFill>
+                  <a:srgbClr val="FFFFFF"/>
+                </a:solidFill>
+                <a:latin typeface="Verdana" panose="020B0604030504040204" pitchFamily="34" charset="0"/>
+              </a:rPr>
+            </a:br>
+            <a:r>
+              <a:rPr lang="ru-RU" altLang="ru-RU" dirty="0" err="1" smtClean="0">
+                <a:solidFill>
+                  <a:srgbClr val="FFFFFF"/>
+                </a:solidFill>
+                <a:latin typeface="Verdana" panose="020B0604030504040204" pitchFamily="34" charset="0"/>
+              </a:rPr>
+              <a:t>public</a:t>
+            </a:r>
+            <a:r>
+              <a:rPr lang="ru-RU" altLang="ru-RU" dirty="0">
+                <a:solidFill>
+                  <a:srgbClr val="FFFFFF"/>
+                </a:solidFill>
+                <a:latin typeface="Verdana" panose="020B0604030504040204" pitchFamily="34" charset="0"/>
+              </a:rPr>
+              <a:t>:</a:t>
+            </a:r>
+            <a:br>
+              <a:rPr lang="ru-RU" altLang="ru-RU" dirty="0">
+                <a:solidFill>
+                  <a:srgbClr val="FFFFFF"/>
+                </a:solidFill>
+                <a:latin typeface="Verdana" panose="020B0604030504040204" pitchFamily="34" charset="0"/>
+              </a:rPr>
+            </a:br>
+            <a:r>
+              <a:rPr lang="ru-RU" altLang="ru-RU" dirty="0">
+                <a:solidFill>
+                  <a:srgbClr val="FFFFFF"/>
+                </a:solidFill>
+                <a:latin typeface="Verdana" panose="020B0604030504040204" pitchFamily="34" charset="0"/>
+              </a:rPr>
+              <a:t>  </a:t>
+            </a:r>
+            <a:r>
+              <a:rPr lang="ru-RU" altLang="ru-RU" dirty="0" err="1">
+                <a:solidFill>
+                  <a:srgbClr val="FFFFFF"/>
+                </a:solidFill>
+                <a:latin typeface="Verdana" panose="020B0604030504040204" pitchFamily="34" charset="0"/>
+              </a:rPr>
+              <a:t>template</a:t>
+            </a:r>
+            <a:r>
+              <a:rPr lang="ru-RU" altLang="ru-RU" dirty="0">
+                <a:solidFill>
+                  <a:srgbClr val="FFFFFF"/>
+                </a:solidFill>
+                <a:latin typeface="Verdana" panose="020B0604030504040204" pitchFamily="34" charset="0"/>
+              </a:rPr>
+              <a:t> &lt;</a:t>
+            </a:r>
+            <a:r>
+              <a:rPr lang="ru-RU" altLang="ru-RU" dirty="0" err="1">
+                <a:solidFill>
+                  <a:srgbClr val="FFFFFF"/>
+                </a:solidFill>
+                <a:latin typeface="Verdana" panose="020B0604030504040204" pitchFamily="34" charset="0"/>
+              </a:rPr>
+              <a:t>class</a:t>
+            </a:r>
+            <a:r>
+              <a:rPr lang="ru-RU" altLang="ru-RU" dirty="0">
+                <a:solidFill>
+                  <a:srgbClr val="FFFFFF"/>
+                </a:solidFill>
+                <a:latin typeface="Verdana" panose="020B0604030504040204" pitchFamily="34" charset="0"/>
+              </a:rPr>
+              <a:t> </a:t>
+            </a:r>
+            <a:r>
+              <a:rPr lang="ru-RU" altLang="ru-RU" dirty="0" err="1">
+                <a:solidFill>
+                  <a:srgbClr val="FFCC00"/>
+                </a:solidFill>
+                <a:latin typeface="Verdana" panose="020B0604030504040204" pitchFamily="34" charset="0"/>
+              </a:rPr>
+              <a:t>TestFunc</a:t>
+            </a:r>
+            <a:r>
+              <a:rPr lang="ru-RU" altLang="ru-RU" dirty="0">
+                <a:solidFill>
+                  <a:srgbClr val="FFFFFF"/>
+                </a:solidFill>
+                <a:latin typeface="Verdana" panose="020B0604030504040204" pitchFamily="34" charset="0"/>
+              </a:rPr>
+              <a:t>&gt;</a:t>
+            </a:r>
+            <a:br>
+              <a:rPr lang="ru-RU" altLang="ru-RU" dirty="0">
+                <a:solidFill>
+                  <a:srgbClr val="FFFFFF"/>
+                </a:solidFill>
+                <a:latin typeface="Verdana" panose="020B0604030504040204" pitchFamily="34" charset="0"/>
+              </a:rPr>
+            </a:br>
+            <a:r>
+              <a:rPr lang="ru-RU" altLang="ru-RU" dirty="0">
+                <a:solidFill>
+                  <a:srgbClr val="FFFFFF"/>
+                </a:solidFill>
+                <a:latin typeface="Verdana" panose="020B0604030504040204" pitchFamily="34" charset="0"/>
+              </a:rPr>
+              <a:t>  </a:t>
+            </a:r>
+            <a:r>
+              <a:rPr lang="ru-RU" altLang="ru-RU" dirty="0" err="1">
+                <a:solidFill>
+                  <a:srgbClr val="FFFFFF"/>
+                </a:solidFill>
+                <a:latin typeface="Verdana" panose="020B0604030504040204" pitchFamily="34" charset="0"/>
+              </a:rPr>
+              <a:t>void</a:t>
+            </a:r>
+            <a:r>
+              <a:rPr lang="ru-RU" altLang="ru-RU" dirty="0">
+                <a:solidFill>
+                  <a:srgbClr val="FFFFFF"/>
+                </a:solidFill>
+                <a:latin typeface="Verdana" panose="020B0604030504040204" pitchFamily="34" charset="0"/>
+              </a:rPr>
+              <a:t> </a:t>
+            </a:r>
+            <a:r>
+              <a:rPr lang="ru-RU" altLang="ru-RU" dirty="0" err="1">
+                <a:solidFill>
+                  <a:srgbClr val="FFCC00"/>
+                </a:solidFill>
+                <a:latin typeface="Verdana" panose="020B0604030504040204" pitchFamily="34" charset="0"/>
+              </a:rPr>
+              <a:t>RunTest</a:t>
+            </a:r>
+            <a:r>
+              <a:rPr lang="ru-RU" altLang="ru-RU" dirty="0">
+                <a:solidFill>
+                  <a:srgbClr val="FFFFFF"/>
+                </a:solidFill>
+                <a:latin typeface="Verdana" panose="020B0604030504040204" pitchFamily="34" charset="0"/>
+              </a:rPr>
+              <a:t>(</a:t>
+            </a:r>
+            <a:r>
+              <a:rPr lang="ru-RU" altLang="ru-RU" dirty="0" err="1">
+                <a:solidFill>
+                  <a:srgbClr val="FFCC00"/>
+                </a:solidFill>
+                <a:latin typeface="Verdana" panose="020B0604030504040204" pitchFamily="34" charset="0"/>
+              </a:rPr>
+              <a:t>TestFunc</a:t>
+            </a:r>
+            <a:r>
+              <a:rPr lang="ru-RU" altLang="ru-RU" dirty="0">
+                <a:solidFill>
+                  <a:srgbClr val="FFCC00"/>
+                </a:solidFill>
+                <a:latin typeface="Verdana" panose="020B0604030504040204" pitchFamily="34" charset="0"/>
+              </a:rPr>
+              <a:t> </a:t>
+            </a:r>
+            <a:r>
+              <a:rPr lang="ru-RU" altLang="ru-RU" dirty="0" err="1">
+                <a:solidFill>
+                  <a:srgbClr val="5BCD9D"/>
+                </a:solidFill>
+                <a:latin typeface="Verdana" panose="020B0604030504040204" pitchFamily="34" charset="0"/>
+              </a:rPr>
+              <a:t>func</a:t>
+            </a:r>
+            <a:r>
+              <a:rPr lang="ru-RU" altLang="ru-RU" dirty="0">
+                <a:solidFill>
+                  <a:srgbClr val="FFFFFF"/>
+                </a:solidFill>
+                <a:latin typeface="Verdana" panose="020B0604030504040204" pitchFamily="34" charset="0"/>
+              </a:rPr>
+              <a:t>, </a:t>
+            </a:r>
+            <a:r>
+              <a:rPr lang="ru-RU" altLang="ru-RU" dirty="0" err="1">
+                <a:solidFill>
+                  <a:srgbClr val="FFFFFF"/>
+                </a:solidFill>
+                <a:latin typeface="Verdana" panose="020B0604030504040204" pitchFamily="34" charset="0"/>
+              </a:rPr>
+              <a:t>const</a:t>
+            </a:r>
+            <a:r>
+              <a:rPr lang="ru-RU" altLang="ru-RU" dirty="0">
+                <a:solidFill>
+                  <a:srgbClr val="FFFFFF"/>
+                </a:solidFill>
+                <a:latin typeface="Verdana" panose="020B0604030504040204" pitchFamily="34" charset="0"/>
+              </a:rPr>
+              <a:t> </a:t>
+            </a:r>
+            <a:r>
+              <a:rPr lang="ru-RU" altLang="ru-RU" dirty="0" err="1">
+                <a:solidFill>
+                  <a:srgbClr val="FFCC00"/>
+                </a:solidFill>
+                <a:latin typeface="Verdana" panose="020B0604030504040204" pitchFamily="34" charset="0"/>
+              </a:rPr>
+              <a:t>std</a:t>
+            </a:r>
+            <a:r>
+              <a:rPr lang="ru-RU" altLang="ru-RU" dirty="0">
+                <a:solidFill>
+                  <a:srgbClr val="FFFFFF"/>
+                </a:solidFill>
+                <a:latin typeface="Verdana" panose="020B0604030504040204" pitchFamily="34" charset="0"/>
+              </a:rPr>
+              <a:t>::</a:t>
+            </a:r>
+            <a:r>
+              <a:rPr lang="ru-RU" altLang="ru-RU" dirty="0" err="1">
+                <a:solidFill>
+                  <a:srgbClr val="FFCC00"/>
+                </a:solidFill>
+                <a:latin typeface="Verdana" panose="020B0604030504040204" pitchFamily="34" charset="0"/>
+              </a:rPr>
+              <a:t>string</a:t>
+            </a:r>
+            <a:r>
+              <a:rPr lang="ru-RU" altLang="ru-RU" dirty="0">
+                <a:solidFill>
+                  <a:srgbClr val="FFFFFF"/>
+                </a:solidFill>
+                <a:latin typeface="Verdana" panose="020B0604030504040204" pitchFamily="34" charset="0"/>
+              </a:rPr>
+              <a:t>&amp; </a:t>
+            </a:r>
+            <a:r>
+              <a:rPr lang="ru-RU" altLang="ru-RU" dirty="0" err="1">
+                <a:solidFill>
+                  <a:srgbClr val="5BCD9D"/>
+                </a:solidFill>
+                <a:latin typeface="Verdana" panose="020B0604030504040204" pitchFamily="34" charset="0"/>
+              </a:rPr>
+              <a:t>test_name</a:t>
+            </a:r>
+            <a:r>
+              <a:rPr lang="ru-RU" altLang="ru-RU" dirty="0">
+                <a:solidFill>
+                  <a:srgbClr val="FFFFFF"/>
+                </a:solidFill>
+                <a:latin typeface="Verdana" panose="020B0604030504040204" pitchFamily="34" charset="0"/>
+              </a:rPr>
+              <a:t>) {</a:t>
+            </a:r>
+            <a:br>
+              <a:rPr lang="ru-RU" altLang="ru-RU" dirty="0">
+                <a:solidFill>
+                  <a:srgbClr val="FFFFFF"/>
+                </a:solidFill>
+                <a:latin typeface="Verdana" panose="020B0604030504040204" pitchFamily="34" charset="0"/>
+              </a:rPr>
+            </a:br>
+            <a:r>
+              <a:rPr lang="ru-RU" altLang="ru-RU" dirty="0">
+                <a:solidFill>
+                  <a:srgbClr val="FFFFFF"/>
+                </a:solidFill>
+                <a:latin typeface="Verdana" panose="020B0604030504040204" pitchFamily="34" charset="0"/>
+              </a:rPr>
+              <a:t>    </a:t>
+            </a:r>
+            <a:r>
+              <a:rPr lang="ru-RU" altLang="ru-RU" dirty="0" err="1">
+                <a:solidFill>
+                  <a:srgbClr val="FFFFFF"/>
+                </a:solidFill>
+                <a:latin typeface="Verdana" panose="020B0604030504040204" pitchFamily="34" charset="0"/>
+              </a:rPr>
+              <a:t>try</a:t>
+            </a:r>
+            <a:r>
+              <a:rPr lang="ru-RU" altLang="ru-RU" dirty="0">
+                <a:solidFill>
+                  <a:srgbClr val="FFFFFF"/>
+                </a:solidFill>
+                <a:latin typeface="Verdana" panose="020B0604030504040204" pitchFamily="34" charset="0"/>
+              </a:rPr>
+              <a:t> {</a:t>
+            </a:r>
+            <a:br>
+              <a:rPr lang="ru-RU" altLang="ru-RU" dirty="0">
+                <a:solidFill>
+                  <a:srgbClr val="FFFFFF"/>
+                </a:solidFill>
+                <a:latin typeface="Verdana" panose="020B0604030504040204" pitchFamily="34" charset="0"/>
+              </a:rPr>
+            </a:br>
+            <a:r>
+              <a:rPr lang="ru-RU" altLang="ru-RU" dirty="0">
+                <a:solidFill>
+                  <a:srgbClr val="FFFFFF"/>
+                </a:solidFill>
+                <a:latin typeface="Verdana" panose="020B0604030504040204" pitchFamily="34" charset="0"/>
+              </a:rPr>
+              <a:t>      </a:t>
+            </a:r>
+            <a:r>
+              <a:rPr lang="ru-RU" altLang="ru-RU" dirty="0" err="1">
+                <a:solidFill>
+                  <a:srgbClr val="5BCD9D"/>
+                </a:solidFill>
+                <a:latin typeface="Verdana" panose="020B0604030504040204" pitchFamily="34" charset="0"/>
+              </a:rPr>
+              <a:t>func</a:t>
+            </a:r>
+            <a:r>
+              <a:rPr lang="ru-RU" altLang="ru-RU" dirty="0">
+                <a:solidFill>
+                  <a:srgbClr val="FFFFFF"/>
+                </a:solidFill>
+                <a:latin typeface="Verdana" panose="020B0604030504040204" pitchFamily="34" charset="0"/>
+              </a:rPr>
+              <a:t>();</a:t>
+            </a:r>
+            <a:br>
+              <a:rPr lang="ru-RU" altLang="ru-RU" dirty="0">
+                <a:solidFill>
+                  <a:srgbClr val="FFFFFF"/>
+                </a:solidFill>
+                <a:latin typeface="Verdana" panose="020B0604030504040204" pitchFamily="34" charset="0"/>
+              </a:rPr>
+            </a:br>
+            <a:r>
+              <a:rPr lang="ru-RU" altLang="ru-RU" dirty="0">
+                <a:solidFill>
+                  <a:srgbClr val="FFFFFF"/>
+                </a:solidFill>
+                <a:latin typeface="Verdana" panose="020B0604030504040204" pitchFamily="34" charset="0"/>
+              </a:rPr>
+              <a:t>      </a:t>
+            </a:r>
+            <a:r>
+              <a:rPr lang="ru-RU" altLang="ru-RU" dirty="0" err="1">
+                <a:solidFill>
+                  <a:srgbClr val="FFCC00"/>
+                </a:solidFill>
+                <a:latin typeface="Verdana" panose="020B0604030504040204" pitchFamily="34" charset="0"/>
+              </a:rPr>
+              <a:t>std</a:t>
+            </a:r>
+            <a:r>
+              <a:rPr lang="ru-RU" altLang="ru-RU" dirty="0">
+                <a:solidFill>
+                  <a:srgbClr val="FFFFFF"/>
+                </a:solidFill>
+                <a:latin typeface="Verdana" panose="020B0604030504040204" pitchFamily="34" charset="0"/>
+              </a:rPr>
+              <a:t>::</a:t>
+            </a:r>
+            <a:r>
+              <a:rPr lang="ru-RU" altLang="ru-RU" dirty="0" err="1">
+                <a:solidFill>
+                  <a:srgbClr val="FFFFFF"/>
+                </a:solidFill>
+                <a:latin typeface="Verdana" panose="020B0604030504040204" pitchFamily="34" charset="0"/>
+              </a:rPr>
+              <a:t>cerr</a:t>
+            </a:r>
+            <a:r>
+              <a:rPr lang="ru-RU" altLang="ru-RU" dirty="0">
+                <a:solidFill>
+                  <a:srgbClr val="FFFFFF"/>
+                </a:solidFill>
+                <a:latin typeface="Verdana" panose="020B0604030504040204" pitchFamily="34" charset="0"/>
+              </a:rPr>
+              <a:t> &lt;&lt; </a:t>
+            </a:r>
+            <a:r>
+              <a:rPr lang="ru-RU" altLang="ru-RU" dirty="0" err="1">
+                <a:solidFill>
+                  <a:srgbClr val="5BCD9D"/>
+                </a:solidFill>
+                <a:latin typeface="Verdana" panose="020B0604030504040204" pitchFamily="34" charset="0"/>
+              </a:rPr>
+              <a:t>test_name</a:t>
+            </a:r>
+            <a:r>
+              <a:rPr lang="ru-RU" altLang="ru-RU" dirty="0">
+                <a:solidFill>
+                  <a:srgbClr val="5BCD9D"/>
+                </a:solidFill>
+                <a:latin typeface="Verdana" panose="020B0604030504040204" pitchFamily="34" charset="0"/>
+              </a:rPr>
+              <a:t> </a:t>
+            </a:r>
+            <a:r>
+              <a:rPr lang="ru-RU" altLang="ru-RU" dirty="0">
+                <a:solidFill>
+                  <a:srgbClr val="FFFFFF"/>
+                </a:solidFill>
+                <a:latin typeface="Verdana" panose="020B0604030504040204" pitchFamily="34" charset="0"/>
+              </a:rPr>
+              <a:t>&lt;&lt; </a:t>
+            </a:r>
+            <a:r>
+              <a:rPr lang="ru-RU" altLang="ru-RU" dirty="0">
+                <a:solidFill>
+                  <a:srgbClr val="9E64A9"/>
+                </a:solidFill>
+                <a:latin typeface="Verdana" panose="020B0604030504040204" pitchFamily="34" charset="0"/>
+              </a:rPr>
+              <a:t>" OK" </a:t>
+            </a:r>
+            <a:r>
+              <a:rPr lang="ru-RU" altLang="ru-RU" dirty="0">
+                <a:solidFill>
+                  <a:srgbClr val="FFFFFF"/>
+                </a:solidFill>
+                <a:latin typeface="Verdana" panose="020B0604030504040204" pitchFamily="34" charset="0"/>
+              </a:rPr>
+              <a:t>&lt;&lt; </a:t>
+            </a:r>
+            <a:r>
+              <a:rPr lang="ru-RU" altLang="ru-RU" dirty="0" err="1">
+                <a:solidFill>
+                  <a:srgbClr val="FFCC00"/>
+                </a:solidFill>
+                <a:latin typeface="Verdana" panose="020B0604030504040204" pitchFamily="34" charset="0"/>
+              </a:rPr>
+              <a:t>std</a:t>
+            </a:r>
+            <a:r>
+              <a:rPr lang="ru-RU" altLang="ru-RU" dirty="0">
+                <a:solidFill>
+                  <a:srgbClr val="FFFFFF"/>
+                </a:solidFill>
+                <a:latin typeface="Verdana" panose="020B0604030504040204" pitchFamily="34" charset="0"/>
+              </a:rPr>
+              <a:t>::</a:t>
+            </a:r>
+            <a:r>
+              <a:rPr lang="ru-RU" altLang="ru-RU" dirty="0" err="1">
+                <a:solidFill>
+                  <a:srgbClr val="FFCC00"/>
+                </a:solidFill>
+                <a:latin typeface="Verdana" panose="020B0604030504040204" pitchFamily="34" charset="0"/>
+              </a:rPr>
+              <a:t>endl</a:t>
+            </a:r>
+            <a:r>
+              <a:rPr lang="ru-RU" altLang="ru-RU" dirty="0">
+                <a:solidFill>
+                  <a:srgbClr val="FFFFFF"/>
+                </a:solidFill>
+                <a:latin typeface="Verdana" panose="020B0604030504040204" pitchFamily="34" charset="0"/>
+              </a:rPr>
+              <a:t>;</a:t>
+            </a:r>
+            <a:br>
+              <a:rPr lang="ru-RU" altLang="ru-RU" dirty="0">
+                <a:solidFill>
+                  <a:srgbClr val="FFFFFF"/>
+                </a:solidFill>
+                <a:latin typeface="Verdana" panose="020B0604030504040204" pitchFamily="34" charset="0"/>
+              </a:rPr>
+            </a:br>
+            <a:r>
+              <a:rPr lang="ru-RU" altLang="ru-RU" dirty="0">
+                <a:solidFill>
+                  <a:srgbClr val="FFFFFF"/>
+                </a:solidFill>
+                <a:latin typeface="Verdana" panose="020B0604030504040204" pitchFamily="34" charset="0"/>
+              </a:rPr>
+              <a:t>    } </a:t>
+            </a:r>
+            <a:r>
+              <a:rPr lang="ru-RU" altLang="ru-RU" dirty="0" err="1">
+                <a:solidFill>
+                  <a:srgbClr val="FFFFFF"/>
+                </a:solidFill>
+                <a:latin typeface="Verdana" panose="020B0604030504040204" pitchFamily="34" charset="0"/>
+              </a:rPr>
+              <a:t>catch</a:t>
+            </a:r>
+            <a:r>
+              <a:rPr lang="ru-RU" altLang="ru-RU" dirty="0">
+                <a:solidFill>
+                  <a:srgbClr val="FFFFFF"/>
+                </a:solidFill>
+                <a:latin typeface="Verdana" panose="020B0604030504040204" pitchFamily="34" charset="0"/>
+              </a:rPr>
+              <a:t> (</a:t>
+            </a:r>
+            <a:r>
+              <a:rPr lang="ru-RU" altLang="ru-RU" dirty="0" err="1">
+                <a:solidFill>
+                  <a:srgbClr val="FFCC00"/>
+                </a:solidFill>
+                <a:latin typeface="Verdana" panose="020B0604030504040204" pitchFamily="34" charset="0"/>
+              </a:rPr>
+              <a:t>std</a:t>
+            </a:r>
+            <a:r>
+              <a:rPr lang="ru-RU" altLang="ru-RU" dirty="0">
+                <a:solidFill>
+                  <a:srgbClr val="FFFFFF"/>
+                </a:solidFill>
+                <a:latin typeface="Verdana" panose="020B0604030504040204" pitchFamily="34" charset="0"/>
+              </a:rPr>
+              <a:t>::</a:t>
+            </a:r>
+            <a:r>
+              <a:rPr lang="ru-RU" altLang="ru-RU" dirty="0" err="1">
+                <a:solidFill>
+                  <a:srgbClr val="FFCC00"/>
+                </a:solidFill>
+                <a:latin typeface="Verdana" panose="020B0604030504040204" pitchFamily="34" charset="0"/>
+              </a:rPr>
+              <a:t>exception</a:t>
+            </a:r>
+            <a:r>
+              <a:rPr lang="ru-RU" altLang="ru-RU" dirty="0">
+                <a:solidFill>
+                  <a:srgbClr val="FFFFFF"/>
+                </a:solidFill>
+                <a:latin typeface="Verdana" panose="020B0604030504040204" pitchFamily="34" charset="0"/>
+              </a:rPr>
+              <a:t>&amp; </a:t>
+            </a:r>
+            <a:r>
+              <a:rPr lang="ru-RU" altLang="ru-RU" dirty="0">
+                <a:solidFill>
+                  <a:srgbClr val="A9B7C6"/>
+                </a:solidFill>
+                <a:latin typeface="Verdana" panose="020B0604030504040204" pitchFamily="34" charset="0"/>
+              </a:rPr>
+              <a:t>e</a:t>
+            </a:r>
+            <a:r>
+              <a:rPr lang="ru-RU" altLang="ru-RU" dirty="0">
+                <a:solidFill>
+                  <a:srgbClr val="FFFFFF"/>
+                </a:solidFill>
+                <a:latin typeface="Verdana" panose="020B0604030504040204" pitchFamily="34" charset="0"/>
+              </a:rPr>
+              <a:t>) {</a:t>
+            </a:r>
+            <a:br>
+              <a:rPr lang="ru-RU" altLang="ru-RU" dirty="0">
+                <a:solidFill>
+                  <a:srgbClr val="FFFFFF"/>
+                </a:solidFill>
+                <a:latin typeface="Verdana" panose="020B0604030504040204" pitchFamily="34" charset="0"/>
+              </a:rPr>
+            </a:br>
+            <a:r>
+              <a:rPr lang="ru-RU" altLang="ru-RU" dirty="0">
+                <a:solidFill>
+                  <a:srgbClr val="FFFFFF"/>
+                </a:solidFill>
+                <a:latin typeface="Verdana" panose="020B0604030504040204" pitchFamily="34" charset="0"/>
+              </a:rPr>
+              <a:t>      ++</a:t>
+            </a:r>
+            <a:r>
+              <a:rPr lang="ru-RU" altLang="ru-RU" dirty="0" err="1">
+                <a:solidFill>
+                  <a:srgbClr val="5BCD9D"/>
+                </a:solidFill>
+                <a:latin typeface="Verdana" panose="020B0604030504040204" pitchFamily="34" charset="0"/>
+              </a:rPr>
+              <a:t>fail_count</a:t>
+            </a:r>
+            <a:r>
+              <a:rPr lang="ru-RU" altLang="ru-RU" dirty="0">
+                <a:solidFill>
+                  <a:srgbClr val="FFFFFF"/>
+                </a:solidFill>
+                <a:latin typeface="Verdana" panose="020B0604030504040204" pitchFamily="34" charset="0"/>
+              </a:rPr>
+              <a:t>;</a:t>
+            </a:r>
+            <a:br>
+              <a:rPr lang="ru-RU" altLang="ru-RU" dirty="0">
+                <a:solidFill>
+                  <a:srgbClr val="FFFFFF"/>
+                </a:solidFill>
+                <a:latin typeface="Verdana" panose="020B0604030504040204" pitchFamily="34" charset="0"/>
+              </a:rPr>
+            </a:br>
+            <a:r>
+              <a:rPr lang="ru-RU" altLang="ru-RU" dirty="0">
+                <a:solidFill>
+                  <a:srgbClr val="FFFFFF"/>
+                </a:solidFill>
+                <a:latin typeface="Verdana" panose="020B0604030504040204" pitchFamily="34" charset="0"/>
+              </a:rPr>
+              <a:t>      </a:t>
+            </a:r>
+            <a:r>
+              <a:rPr lang="ru-RU" altLang="ru-RU" dirty="0" err="1">
+                <a:solidFill>
+                  <a:srgbClr val="FFCC00"/>
+                </a:solidFill>
+                <a:latin typeface="Verdana" panose="020B0604030504040204" pitchFamily="34" charset="0"/>
+              </a:rPr>
+              <a:t>std</a:t>
+            </a:r>
+            <a:r>
+              <a:rPr lang="ru-RU" altLang="ru-RU" dirty="0">
+                <a:solidFill>
+                  <a:srgbClr val="FFFFFF"/>
+                </a:solidFill>
+                <a:latin typeface="Verdana" panose="020B0604030504040204" pitchFamily="34" charset="0"/>
+              </a:rPr>
+              <a:t>::</a:t>
+            </a:r>
+            <a:r>
+              <a:rPr lang="ru-RU" altLang="ru-RU" dirty="0" err="1">
+                <a:solidFill>
+                  <a:srgbClr val="FFFFFF"/>
+                </a:solidFill>
+                <a:latin typeface="Verdana" panose="020B0604030504040204" pitchFamily="34" charset="0"/>
+              </a:rPr>
+              <a:t>cerr</a:t>
+            </a:r>
+            <a:r>
+              <a:rPr lang="ru-RU" altLang="ru-RU" dirty="0">
+                <a:solidFill>
+                  <a:srgbClr val="FFFFFF"/>
+                </a:solidFill>
+                <a:latin typeface="Verdana" panose="020B0604030504040204" pitchFamily="34" charset="0"/>
+              </a:rPr>
+              <a:t> &lt;&lt; </a:t>
+            </a:r>
+            <a:r>
+              <a:rPr lang="ru-RU" altLang="ru-RU" dirty="0" err="1">
+                <a:solidFill>
+                  <a:srgbClr val="5BCD9D"/>
+                </a:solidFill>
+                <a:latin typeface="Verdana" panose="020B0604030504040204" pitchFamily="34" charset="0"/>
+              </a:rPr>
+              <a:t>test_name</a:t>
+            </a:r>
+            <a:r>
+              <a:rPr lang="ru-RU" altLang="ru-RU" dirty="0">
+                <a:solidFill>
+                  <a:srgbClr val="5BCD9D"/>
+                </a:solidFill>
+                <a:latin typeface="Verdana" panose="020B0604030504040204" pitchFamily="34" charset="0"/>
+              </a:rPr>
+              <a:t> </a:t>
+            </a:r>
+            <a:r>
+              <a:rPr lang="ru-RU" altLang="ru-RU" dirty="0">
+                <a:solidFill>
+                  <a:srgbClr val="FFFFFF"/>
+                </a:solidFill>
+                <a:latin typeface="Verdana" panose="020B0604030504040204" pitchFamily="34" charset="0"/>
+              </a:rPr>
+              <a:t>&lt;&lt; </a:t>
+            </a:r>
+            <a:r>
+              <a:rPr lang="ru-RU" altLang="ru-RU" dirty="0">
+                <a:solidFill>
+                  <a:srgbClr val="9E64A9"/>
+                </a:solidFill>
+                <a:latin typeface="Verdana" panose="020B0604030504040204" pitchFamily="34" charset="0"/>
+              </a:rPr>
+              <a:t>" </a:t>
+            </a:r>
+            <a:r>
+              <a:rPr lang="ru-RU" altLang="ru-RU" dirty="0" err="1">
+                <a:solidFill>
+                  <a:srgbClr val="9E64A9"/>
+                </a:solidFill>
+                <a:latin typeface="Verdana" panose="020B0604030504040204" pitchFamily="34" charset="0"/>
+              </a:rPr>
+              <a:t>fail</a:t>
+            </a:r>
+            <a:r>
+              <a:rPr lang="ru-RU" altLang="ru-RU" dirty="0">
+                <a:solidFill>
+                  <a:srgbClr val="9E64A9"/>
+                </a:solidFill>
+                <a:latin typeface="Verdana" panose="020B0604030504040204" pitchFamily="34" charset="0"/>
+              </a:rPr>
+              <a:t>: " </a:t>
+            </a:r>
+            <a:r>
+              <a:rPr lang="ru-RU" altLang="ru-RU" dirty="0">
+                <a:solidFill>
+                  <a:srgbClr val="FFFFFF"/>
+                </a:solidFill>
+                <a:latin typeface="Verdana" panose="020B0604030504040204" pitchFamily="34" charset="0"/>
+              </a:rPr>
+              <a:t>&lt;&lt; </a:t>
+            </a:r>
+            <a:r>
+              <a:rPr lang="ru-RU" altLang="ru-RU" dirty="0" err="1">
+                <a:solidFill>
+                  <a:srgbClr val="A9B7C6"/>
+                </a:solidFill>
+                <a:latin typeface="Verdana" panose="020B0604030504040204" pitchFamily="34" charset="0"/>
+              </a:rPr>
+              <a:t>e</a:t>
+            </a:r>
+            <a:r>
+              <a:rPr lang="ru-RU" altLang="ru-RU" dirty="0" err="1">
+                <a:solidFill>
+                  <a:srgbClr val="FFFFFF"/>
+                </a:solidFill>
+                <a:latin typeface="Verdana" panose="020B0604030504040204" pitchFamily="34" charset="0"/>
+              </a:rPr>
+              <a:t>.</a:t>
+            </a:r>
+            <a:r>
+              <a:rPr lang="ru-RU" altLang="ru-RU" dirty="0" err="1">
+                <a:solidFill>
+                  <a:srgbClr val="FFCC00"/>
+                </a:solidFill>
+                <a:latin typeface="Verdana" panose="020B0604030504040204" pitchFamily="34" charset="0"/>
+              </a:rPr>
+              <a:t>what</a:t>
+            </a:r>
+            <a:r>
+              <a:rPr lang="ru-RU" altLang="ru-RU" dirty="0">
+                <a:solidFill>
+                  <a:srgbClr val="FFFFFF"/>
+                </a:solidFill>
+                <a:latin typeface="Verdana" panose="020B0604030504040204" pitchFamily="34" charset="0"/>
+              </a:rPr>
+              <a:t>() &lt;&lt; </a:t>
+            </a:r>
+            <a:r>
+              <a:rPr lang="ru-RU" altLang="ru-RU" dirty="0" err="1">
+                <a:solidFill>
+                  <a:srgbClr val="FFCC00"/>
+                </a:solidFill>
+                <a:latin typeface="Verdana" panose="020B0604030504040204" pitchFamily="34" charset="0"/>
+              </a:rPr>
+              <a:t>std</a:t>
+            </a:r>
+            <a:r>
+              <a:rPr lang="ru-RU" altLang="ru-RU" dirty="0">
+                <a:solidFill>
+                  <a:srgbClr val="FFFFFF"/>
+                </a:solidFill>
+                <a:latin typeface="Verdana" panose="020B0604030504040204" pitchFamily="34" charset="0"/>
+              </a:rPr>
+              <a:t>::</a:t>
+            </a:r>
+            <a:r>
+              <a:rPr lang="ru-RU" altLang="ru-RU" dirty="0" err="1">
+                <a:solidFill>
+                  <a:srgbClr val="FFCC00"/>
+                </a:solidFill>
+                <a:latin typeface="Verdana" panose="020B0604030504040204" pitchFamily="34" charset="0"/>
+              </a:rPr>
+              <a:t>endl</a:t>
+            </a:r>
+            <a:r>
+              <a:rPr lang="ru-RU" altLang="ru-RU" dirty="0">
+                <a:solidFill>
+                  <a:srgbClr val="FFFFFF"/>
+                </a:solidFill>
+                <a:latin typeface="Verdana" panose="020B0604030504040204" pitchFamily="34" charset="0"/>
+              </a:rPr>
+              <a:t>;</a:t>
+            </a:r>
+            <a:br>
+              <a:rPr lang="ru-RU" altLang="ru-RU" dirty="0">
+                <a:solidFill>
+                  <a:srgbClr val="FFFFFF"/>
+                </a:solidFill>
+                <a:latin typeface="Verdana" panose="020B0604030504040204" pitchFamily="34" charset="0"/>
+              </a:rPr>
+            </a:br>
+            <a:r>
+              <a:rPr lang="ru-RU" altLang="ru-RU" dirty="0">
+                <a:solidFill>
+                  <a:srgbClr val="FFFFFF"/>
+                </a:solidFill>
+                <a:latin typeface="Verdana" panose="020B0604030504040204" pitchFamily="34" charset="0"/>
+              </a:rPr>
+              <a:t>    } </a:t>
+            </a:r>
+            <a:r>
+              <a:rPr lang="ru-RU" altLang="ru-RU" dirty="0" err="1">
+                <a:solidFill>
+                  <a:srgbClr val="FFFFFF"/>
+                </a:solidFill>
+                <a:latin typeface="Verdana" panose="020B0604030504040204" pitchFamily="34" charset="0"/>
+              </a:rPr>
+              <a:t>catch</a:t>
+            </a:r>
+            <a:r>
+              <a:rPr lang="ru-RU" altLang="ru-RU" dirty="0">
+                <a:solidFill>
+                  <a:srgbClr val="FFFFFF"/>
+                </a:solidFill>
+                <a:latin typeface="Verdana" panose="020B0604030504040204" pitchFamily="34" charset="0"/>
+              </a:rPr>
+              <a:t> (...) {</a:t>
+            </a:r>
+            <a:br>
+              <a:rPr lang="ru-RU" altLang="ru-RU" dirty="0">
+                <a:solidFill>
+                  <a:srgbClr val="FFFFFF"/>
+                </a:solidFill>
+                <a:latin typeface="Verdana" panose="020B0604030504040204" pitchFamily="34" charset="0"/>
+              </a:rPr>
+            </a:br>
+            <a:r>
+              <a:rPr lang="ru-RU" altLang="ru-RU" dirty="0">
+                <a:solidFill>
+                  <a:srgbClr val="FFFFFF"/>
+                </a:solidFill>
+                <a:latin typeface="Verdana" panose="020B0604030504040204" pitchFamily="34" charset="0"/>
+              </a:rPr>
+              <a:t>      ++</a:t>
+            </a:r>
+            <a:r>
+              <a:rPr lang="ru-RU" altLang="ru-RU" dirty="0" err="1">
+                <a:solidFill>
+                  <a:srgbClr val="5BCD9D"/>
+                </a:solidFill>
+                <a:latin typeface="Verdana" panose="020B0604030504040204" pitchFamily="34" charset="0"/>
+              </a:rPr>
+              <a:t>fail_count</a:t>
+            </a:r>
+            <a:r>
+              <a:rPr lang="ru-RU" altLang="ru-RU" dirty="0">
+                <a:solidFill>
+                  <a:srgbClr val="FFFFFF"/>
+                </a:solidFill>
+                <a:latin typeface="Verdana" panose="020B0604030504040204" pitchFamily="34" charset="0"/>
+              </a:rPr>
+              <a:t>;</a:t>
+            </a:r>
+            <a:br>
+              <a:rPr lang="ru-RU" altLang="ru-RU" dirty="0">
+                <a:solidFill>
+                  <a:srgbClr val="FFFFFF"/>
+                </a:solidFill>
+                <a:latin typeface="Verdana" panose="020B0604030504040204" pitchFamily="34" charset="0"/>
+              </a:rPr>
+            </a:br>
+            <a:r>
+              <a:rPr lang="ru-RU" altLang="ru-RU" dirty="0">
+                <a:solidFill>
+                  <a:srgbClr val="FFFFFF"/>
+                </a:solidFill>
+                <a:latin typeface="Verdana" panose="020B0604030504040204" pitchFamily="34" charset="0"/>
+              </a:rPr>
+              <a:t>      </a:t>
+            </a:r>
+            <a:r>
+              <a:rPr lang="ru-RU" altLang="ru-RU" dirty="0" err="1">
+                <a:solidFill>
+                  <a:srgbClr val="FFCC00"/>
+                </a:solidFill>
+                <a:latin typeface="Verdana" panose="020B0604030504040204" pitchFamily="34" charset="0"/>
+              </a:rPr>
+              <a:t>std</a:t>
+            </a:r>
+            <a:r>
+              <a:rPr lang="ru-RU" altLang="ru-RU" dirty="0">
+                <a:solidFill>
+                  <a:srgbClr val="FFFFFF"/>
+                </a:solidFill>
+                <a:latin typeface="Verdana" panose="020B0604030504040204" pitchFamily="34" charset="0"/>
+              </a:rPr>
+              <a:t>::</a:t>
+            </a:r>
+            <a:r>
+              <a:rPr lang="ru-RU" altLang="ru-RU" dirty="0" err="1">
+                <a:solidFill>
+                  <a:srgbClr val="FFFFFF"/>
+                </a:solidFill>
+                <a:latin typeface="Verdana" panose="020B0604030504040204" pitchFamily="34" charset="0"/>
+              </a:rPr>
+              <a:t>cerr</a:t>
+            </a:r>
+            <a:r>
+              <a:rPr lang="ru-RU" altLang="ru-RU" dirty="0">
+                <a:solidFill>
+                  <a:srgbClr val="FFFFFF"/>
+                </a:solidFill>
+                <a:latin typeface="Verdana" panose="020B0604030504040204" pitchFamily="34" charset="0"/>
+              </a:rPr>
+              <a:t> &lt;&lt; </a:t>
+            </a:r>
+            <a:r>
+              <a:rPr lang="ru-RU" altLang="ru-RU" dirty="0">
+                <a:solidFill>
+                  <a:srgbClr val="9E64A9"/>
+                </a:solidFill>
+                <a:latin typeface="Verdana" panose="020B0604030504040204" pitchFamily="34" charset="0"/>
+              </a:rPr>
+              <a:t>"</a:t>
+            </a:r>
+            <a:r>
+              <a:rPr lang="ru-RU" altLang="ru-RU" dirty="0" err="1">
+                <a:solidFill>
+                  <a:srgbClr val="9E64A9"/>
+                </a:solidFill>
+                <a:latin typeface="Verdana" panose="020B0604030504040204" pitchFamily="34" charset="0"/>
+              </a:rPr>
+              <a:t>Unknown</a:t>
+            </a:r>
+            <a:r>
+              <a:rPr lang="ru-RU" altLang="ru-RU" dirty="0">
+                <a:solidFill>
+                  <a:srgbClr val="9E64A9"/>
+                </a:solidFill>
+                <a:latin typeface="Verdana" panose="020B0604030504040204" pitchFamily="34" charset="0"/>
+              </a:rPr>
+              <a:t> </a:t>
+            </a:r>
+            <a:r>
+              <a:rPr lang="ru-RU" altLang="ru-RU" dirty="0" err="1">
+                <a:solidFill>
+                  <a:srgbClr val="9E64A9"/>
+                </a:solidFill>
+                <a:latin typeface="Verdana" panose="020B0604030504040204" pitchFamily="34" charset="0"/>
+              </a:rPr>
+              <a:t>exception</a:t>
+            </a:r>
+            <a:r>
+              <a:rPr lang="ru-RU" altLang="ru-RU" dirty="0">
+                <a:solidFill>
+                  <a:srgbClr val="9E64A9"/>
+                </a:solidFill>
+                <a:latin typeface="Verdana" panose="020B0604030504040204" pitchFamily="34" charset="0"/>
+              </a:rPr>
+              <a:t> </a:t>
+            </a:r>
+            <a:r>
+              <a:rPr lang="ru-RU" altLang="ru-RU" dirty="0" err="1">
+                <a:solidFill>
+                  <a:srgbClr val="9E64A9"/>
+                </a:solidFill>
+                <a:latin typeface="Verdana" panose="020B0604030504040204" pitchFamily="34" charset="0"/>
+              </a:rPr>
+              <a:t>caught</a:t>
+            </a:r>
+            <a:r>
+              <a:rPr lang="ru-RU" altLang="ru-RU" dirty="0">
+                <a:solidFill>
+                  <a:srgbClr val="9E64A9"/>
+                </a:solidFill>
+                <a:latin typeface="Verdana" panose="020B0604030504040204" pitchFamily="34" charset="0"/>
+              </a:rPr>
+              <a:t>" </a:t>
+            </a:r>
+            <a:r>
+              <a:rPr lang="ru-RU" altLang="ru-RU" dirty="0">
+                <a:solidFill>
+                  <a:srgbClr val="FFFFFF"/>
+                </a:solidFill>
+                <a:latin typeface="Verdana" panose="020B0604030504040204" pitchFamily="34" charset="0"/>
+              </a:rPr>
+              <a:t>&lt;&lt; </a:t>
+            </a:r>
+            <a:r>
+              <a:rPr lang="ru-RU" altLang="ru-RU" dirty="0" err="1">
+                <a:solidFill>
+                  <a:srgbClr val="FFCC00"/>
+                </a:solidFill>
+                <a:latin typeface="Verdana" panose="020B0604030504040204" pitchFamily="34" charset="0"/>
+              </a:rPr>
+              <a:t>std</a:t>
+            </a:r>
+            <a:r>
+              <a:rPr lang="ru-RU" altLang="ru-RU" dirty="0">
+                <a:solidFill>
+                  <a:srgbClr val="FFFFFF"/>
+                </a:solidFill>
+                <a:latin typeface="Verdana" panose="020B0604030504040204" pitchFamily="34" charset="0"/>
+              </a:rPr>
+              <a:t>::</a:t>
+            </a:r>
+            <a:r>
+              <a:rPr lang="ru-RU" altLang="ru-RU" dirty="0" err="1">
+                <a:solidFill>
+                  <a:srgbClr val="FFCC00"/>
+                </a:solidFill>
+                <a:latin typeface="Verdana" panose="020B0604030504040204" pitchFamily="34" charset="0"/>
+              </a:rPr>
+              <a:t>endl</a:t>
+            </a:r>
+            <a:r>
+              <a:rPr lang="ru-RU" altLang="ru-RU" dirty="0">
+                <a:solidFill>
+                  <a:srgbClr val="FFFFFF"/>
+                </a:solidFill>
+                <a:latin typeface="Verdana" panose="020B0604030504040204" pitchFamily="34" charset="0"/>
+              </a:rPr>
+              <a:t>;</a:t>
+            </a:r>
+            <a:br>
+              <a:rPr lang="ru-RU" altLang="ru-RU" dirty="0">
+                <a:solidFill>
+                  <a:srgbClr val="FFFFFF"/>
+                </a:solidFill>
+                <a:latin typeface="Verdana" panose="020B0604030504040204" pitchFamily="34" charset="0"/>
+              </a:rPr>
+            </a:br>
+            <a:r>
+              <a:rPr lang="ru-RU" altLang="ru-RU" dirty="0">
+                <a:solidFill>
+                  <a:srgbClr val="FFFFFF"/>
+                </a:solidFill>
+                <a:latin typeface="Verdana" panose="020B0604030504040204" pitchFamily="34" charset="0"/>
+              </a:rPr>
+              <a:t>    }</a:t>
+            </a:r>
+            <a:br>
+              <a:rPr lang="ru-RU" altLang="ru-RU" dirty="0">
+                <a:solidFill>
+                  <a:srgbClr val="FFFFFF"/>
+                </a:solidFill>
+                <a:latin typeface="Verdana" panose="020B0604030504040204" pitchFamily="34" charset="0"/>
+              </a:rPr>
+            </a:br>
+            <a:r>
+              <a:rPr lang="ru-RU" altLang="ru-RU" dirty="0">
+                <a:solidFill>
+                  <a:srgbClr val="FFFFFF"/>
+                </a:solidFill>
+                <a:latin typeface="Verdana" panose="020B0604030504040204" pitchFamily="34" charset="0"/>
+              </a:rPr>
+              <a:t>  </a:t>
+            </a:r>
+            <a:r>
+              <a:rPr lang="ru-RU" altLang="ru-RU" dirty="0" smtClean="0">
+                <a:solidFill>
+                  <a:srgbClr val="FFFFFF"/>
+                </a:solidFill>
+                <a:latin typeface="Verdana" panose="020B0604030504040204" pitchFamily="34" charset="0"/>
+              </a:rPr>
+              <a:t>}</a:t>
+            </a:r>
+            <a:endParaRPr lang="ru-RU" altLang="ru-RU" sz="6600" dirty="0">
+              <a:solidFill>
+                <a:schemeClr val="tx1"/>
+              </a:solidFill>
+              <a:latin typeface="Arial" panose="020B0604020202020204" pitchFamily="34" charset="0"/>
+            </a:endParaRPr>
+          </a:p>
+        </p:txBody>
+      </p:sp>
+    </p:spTree>
+    <p:extLst>
+      <p:ext uri="{BB962C8B-B14F-4D97-AF65-F5344CB8AC3E}">
+        <p14:creationId xmlns:p14="http://schemas.microsoft.com/office/powerpoint/2010/main" val="3153256756"/>
+      </p:ext>
+    </p:extLst>
+  </p:cSld>
+  <p:clrMapOvr>
+    <a:masterClrMapping/>
+  </p:clrMapOvr>
+  <mc:AlternateContent xmlns:mc="http://schemas.openxmlformats.org/markup-compatibility/2006">
+    <mc:Choice xmlns:p14="http://schemas.microsoft.com/office/powerpoint/2010/main" Requires="p14">
+      <p:transition p14:dur="0"/>
+    </mc:Choice>
+    <mc:Fallback>
+      <p:transition/>
+    </mc:Fallback>
+  </mc:AlternateContent>
+  <p:timing>
+    <p:tnLst>
+      <p:par>
+        <p:cTn id="1" dur="indefinite" restart="never" nodeType="tmRoot"/>
+      </p:par>
+    </p:tnLst>
+  </p:timing>
+</p:sld>
+</file>
+
+<file path=ppt/slides/slide17.xml><?xml version="1.0" encoding="utf-8"?>
+<p:sld xmlns:a="http://schemas.openxmlformats.org/drawingml/2006/main" xmlns:r="http://schemas.openxmlformats.org/officeDocument/2006/relationships" xmlns:p="http://schemas.openxmlformats.org/presentationml/2006/main">
+  <p:cSld>
+    <p:spTree>
+      <p:nvGrpSpPr>
+        <p:cNvPr id="1" name=""/>
+        <p:cNvGrpSpPr/>
+        <p:nvPr/>
+      </p:nvGrpSpPr>
+      <p:grpSpPr>
+        <a:xfrm>
+          <a:off x="0" y="0"/>
+          <a:ext cx="0" cy="0"/>
+          <a:chOff x="0" y="0"/>
+          <a:chExt cx="0" cy="0"/>
+        </a:xfrm>
+      </p:grpSpPr>
+      <p:sp>
+        <p:nvSpPr>
+          <p:cNvPr id="2" name="Нижний колонтитул 1"/>
+          <p:cNvSpPr>
+            <a:spLocks noGrp="1"/>
+          </p:cNvSpPr>
+          <p:nvPr>
+            <p:ph type="ftr" sz="quarter" idx="11"/>
+          </p:nvPr>
+        </p:nvSpPr>
+        <p:spPr/>
+        <p:txBody>
+          <a:bodyPr/>
+          <a:lstStyle/>
+          <a:p>
+            <a:endParaRPr lang="ru-RU" dirty="0">
+              <a:solidFill>
+                <a:srgbClr val="000000"/>
+              </a:solidFill>
+            </a:endParaRPr>
+          </a:p>
+        </p:txBody>
+      </p:sp>
+      <p:sp>
+        <p:nvSpPr>
+          <p:cNvPr id="3" name="Номер слайда 2"/>
+          <p:cNvSpPr>
+            <a:spLocks noGrp="1"/>
+          </p:cNvSpPr>
+          <p:nvPr>
+            <p:ph type="sldNum" sz="quarter" idx="12"/>
+          </p:nvPr>
+        </p:nvSpPr>
+        <p:spPr/>
+        <p:txBody>
+          <a:bodyPr/>
+          <a:lstStyle/>
+          <a:p>
+            <a:fld id="{741C03D3-FA44-40EC-9A21-1FC4FEA3E22E}" type="slidenum">
+              <a:rPr lang="ru-RU" smtClean="0">
+                <a:solidFill>
+                  <a:srgbClr val="000000"/>
+                </a:solidFill>
+              </a:rPr>
+              <a:pPr/>
+              <a:t>17</a:t>
+            </a:fld>
+            <a:endParaRPr lang="ru-RU">
+              <a:solidFill>
+                <a:srgbClr val="000000"/>
+              </a:solidFill>
+            </a:endParaRPr>
+          </a:p>
+        </p:txBody>
+      </p:sp>
+      <p:sp>
+        <p:nvSpPr>
+          <p:cNvPr id="4" name="Объект 3"/>
+          <p:cNvSpPr>
+            <a:spLocks noGrp="1"/>
+          </p:cNvSpPr>
+          <p:nvPr>
+            <p:ph idx="13"/>
+          </p:nvPr>
+        </p:nvSpPr>
+        <p:spPr/>
+        <p:txBody>
+          <a:bodyPr/>
+          <a:lstStyle/>
+          <a:p>
+            <a:r>
+              <a:rPr lang="ru-RU" altLang="ru-RU" dirty="0" smtClean="0">
+                <a:solidFill>
+                  <a:srgbClr val="FFFFFF"/>
+                </a:solidFill>
+                <a:latin typeface="Verdana" panose="020B0604030504040204" pitchFamily="34" charset="0"/>
+              </a:rPr>
+              <a:t>  </a:t>
+            </a:r>
+            <a:r>
+              <a:rPr lang="ru-RU" altLang="ru-RU" dirty="0">
+                <a:solidFill>
+                  <a:srgbClr val="FFFFFF"/>
+                </a:solidFill>
+                <a:latin typeface="Verdana" panose="020B0604030504040204" pitchFamily="34" charset="0"/>
+              </a:rPr>
+              <a:t>~</a:t>
+            </a:r>
+            <a:r>
+              <a:rPr lang="ru-RU" altLang="ru-RU" dirty="0" err="1">
+                <a:solidFill>
+                  <a:srgbClr val="FFCC00"/>
+                </a:solidFill>
+                <a:latin typeface="Verdana" panose="020B0604030504040204" pitchFamily="34" charset="0"/>
+              </a:rPr>
+              <a:t>TestRunner</a:t>
+            </a:r>
+            <a:r>
+              <a:rPr lang="ru-RU" altLang="ru-RU" dirty="0">
+                <a:solidFill>
+                  <a:srgbClr val="FFFFFF"/>
+                </a:solidFill>
+                <a:latin typeface="Verdana" panose="020B0604030504040204" pitchFamily="34" charset="0"/>
+              </a:rPr>
+              <a:t>() {</a:t>
+            </a:r>
+            <a:br>
+              <a:rPr lang="ru-RU" altLang="ru-RU" dirty="0">
+                <a:solidFill>
+                  <a:srgbClr val="FFFFFF"/>
+                </a:solidFill>
+                <a:latin typeface="Verdana" panose="020B0604030504040204" pitchFamily="34" charset="0"/>
+              </a:rPr>
+            </a:br>
+            <a:r>
+              <a:rPr lang="ru-RU" altLang="ru-RU" dirty="0">
+                <a:solidFill>
+                  <a:srgbClr val="FFFFFF"/>
+                </a:solidFill>
+                <a:latin typeface="Verdana" panose="020B0604030504040204" pitchFamily="34" charset="0"/>
+              </a:rPr>
+              <a:t>    </a:t>
+            </a:r>
+            <a:r>
+              <a:rPr lang="ru-RU" altLang="ru-RU" dirty="0" err="1">
+                <a:solidFill>
+                  <a:srgbClr val="FFFFFF"/>
+                </a:solidFill>
+                <a:latin typeface="Verdana" panose="020B0604030504040204" pitchFamily="34" charset="0"/>
+              </a:rPr>
+              <a:t>if</a:t>
+            </a:r>
+            <a:r>
+              <a:rPr lang="ru-RU" altLang="ru-RU" dirty="0">
+                <a:solidFill>
+                  <a:srgbClr val="FFFFFF"/>
+                </a:solidFill>
+                <a:latin typeface="Verdana" panose="020B0604030504040204" pitchFamily="34" charset="0"/>
+              </a:rPr>
+              <a:t> (</a:t>
+            </a:r>
+            <a:r>
+              <a:rPr lang="ru-RU" altLang="ru-RU" dirty="0" err="1">
+                <a:solidFill>
+                  <a:srgbClr val="5BCD9D"/>
+                </a:solidFill>
+                <a:latin typeface="Verdana" panose="020B0604030504040204" pitchFamily="34" charset="0"/>
+              </a:rPr>
+              <a:t>fail_count</a:t>
+            </a:r>
+            <a:r>
+              <a:rPr lang="ru-RU" altLang="ru-RU" dirty="0">
+                <a:solidFill>
+                  <a:srgbClr val="5BCD9D"/>
+                </a:solidFill>
+                <a:latin typeface="Verdana" panose="020B0604030504040204" pitchFamily="34" charset="0"/>
+              </a:rPr>
+              <a:t> </a:t>
+            </a:r>
+            <a:r>
+              <a:rPr lang="ru-RU" altLang="ru-RU" dirty="0">
+                <a:solidFill>
+                  <a:srgbClr val="FFFFFF"/>
+                </a:solidFill>
+                <a:latin typeface="Verdana" panose="020B0604030504040204" pitchFamily="34" charset="0"/>
+              </a:rPr>
+              <a:t>&gt; 0) {</a:t>
+            </a:r>
+            <a:br>
+              <a:rPr lang="ru-RU" altLang="ru-RU" dirty="0">
+                <a:solidFill>
+                  <a:srgbClr val="FFFFFF"/>
+                </a:solidFill>
+                <a:latin typeface="Verdana" panose="020B0604030504040204" pitchFamily="34" charset="0"/>
+              </a:rPr>
+            </a:br>
+            <a:r>
+              <a:rPr lang="ru-RU" altLang="ru-RU" dirty="0">
+                <a:solidFill>
+                  <a:srgbClr val="FFFFFF"/>
+                </a:solidFill>
+                <a:latin typeface="Verdana" panose="020B0604030504040204" pitchFamily="34" charset="0"/>
+              </a:rPr>
+              <a:t>      </a:t>
+            </a:r>
+            <a:r>
+              <a:rPr lang="ru-RU" altLang="ru-RU" dirty="0" err="1">
+                <a:solidFill>
+                  <a:srgbClr val="FFCC00"/>
+                </a:solidFill>
+                <a:latin typeface="Verdana" panose="020B0604030504040204" pitchFamily="34" charset="0"/>
+              </a:rPr>
+              <a:t>std</a:t>
+            </a:r>
+            <a:r>
+              <a:rPr lang="ru-RU" altLang="ru-RU" dirty="0">
+                <a:solidFill>
+                  <a:srgbClr val="FFFFFF"/>
+                </a:solidFill>
+                <a:latin typeface="Verdana" panose="020B0604030504040204" pitchFamily="34" charset="0"/>
+              </a:rPr>
+              <a:t>::</a:t>
+            </a:r>
+            <a:r>
+              <a:rPr lang="ru-RU" altLang="ru-RU" dirty="0" err="1">
+                <a:solidFill>
+                  <a:srgbClr val="FFFFFF"/>
+                </a:solidFill>
+                <a:latin typeface="Verdana" panose="020B0604030504040204" pitchFamily="34" charset="0"/>
+              </a:rPr>
+              <a:t>cerr</a:t>
+            </a:r>
+            <a:r>
+              <a:rPr lang="ru-RU" altLang="ru-RU" dirty="0">
+                <a:solidFill>
+                  <a:srgbClr val="FFFFFF"/>
+                </a:solidFill>
+                <a:latin typeface="Verdana" panose="020B0604030504040204" pitchFamily="34" charset="0"/>
+              </a:rPr>
+              <a:t> &lt;&lt; </a:t>
+            </a:r>
+            <a:r>
+              <a:rPr lang="ru-RU" altLang="ru-RU" dirty="0" err="1">
+                <a:solidFill>
+                  <a:srgbClr val="5BCD9D"/>
+                </a:solidFill>
+                <a:latin typeface="Verdana" panose="020B0604030504040204" pitchFamily="34" charset="0"/>
+              </a:rPr>
+              <a:t>fail_count</a:t>
+            </a:r>
+            <a:r>
+              <a:rPr lang="ru-RU" altLang="ru-RU" dirty="0">
+                <a:solidFill>
+                  <a:srgbClr val="5BCD9D"/>
+                </a:solidFill>
+                <a:latin typeface="Verdana" panose="020B0604030504040204" pitchFamily="34" charset="0"/>
+              </a:rPr>
+              <a:t> </a:t>
+            </a:r>
+            <a:r>
+              <a:rPr lang="ru-RU" altLang="ru-RU" dirty="0">
+                <a:solidFill>
+                  <a:srgbClr val="FFFFFF"/>
+                </a:solidFill>
+                <a:latin typeface="Verdana" panose="020B0604030504040204" pitchFamily="34" charset="0"/>
+              </a:rPr>
+              <a:t>&lt;&lt; </a:t>
+            </a:r>
+            <a:r>
+              <a:rPr lang="ru-RU" altLang="ru-RU" dirty="0">
+                <a:solidFill>
+                  <a:srgbClr val="9E64A9"/>
+                </a:solidFill>
+                <a:latin typeface="Verdana" panose="020B0604030504040204" pitchFamily="34" charset="0"/>
+              </a:rPr>
+              <a:t>" </a:t>
+            </a:r>
+            <a:r>
+              <a:rPr lang="ru-RU" altLang="ru-RU" dirty="0" err="1">
+                <a:solidFill>
+                  <a:srgbClr val="9E64A9"/>
+                </a:solidFill>
+                <a:latin typeface="Verdana" panose="020B0604030504040204" pitchFamily="34" charset="0"/>
+              </a:rPr>
+              <a:t>unit</a:t>
+            </a:r>
+            <a:r>
+              <a:rPr lang="ru-RU" altLang="ru-RU" dirty="0">
+                <a:solidFill>
+                  <a:srgbClr val="9E64A9"/>
+                </a:solidFill>
+                <a:latin typeface="Verdana" panose="020B0604030504040204" pitchFamily="34" charset="0"/>
+              </a:rPr>
+              <a:t> </a:t>
+            </a:r>
+            <a:r>
+              <a:rPr lang="ru-RU" altLang="ru-RU" dirty="0" err="1">
+                <a:solidFill>
+                  <a:srgbClr val="9E64A9"/>
+                </a:solidFill>
+                <a:latin typeface="Verdana" panose="020B0604030504040204" pitchFamily="34" charset="0"/>
+              </a:rPr>
+              <a:t>tests</a:t>
+            </a:r>
+            <a:r>
+              <a:rPr lang="ru-RU" altLang="ru-RU" dirty="0">
+                <a:solidFill>
+                  <a:srgbClr val="9E64A9"/>
+                </a:solidFill>
+                <a:latin typeface="Verdana" panose="020B0604030504040204" pitchFamily="34" charset="0"/>
+              </a:rPr>
+              <a:t> </a:t>
+            </a:r>
+            <a:r>
+              <a:rPr lang="ru-RU" altLang="ru-RU" dirty="0" err="1">
+                <a:solidFill>
+                  <a:srgbClr val="9E64A9"/>
+                </a:solidFill>
+                <a:latin typeface="Verdana" panose="020B0604030504040204" pitchFamily="34" charset="0"/>
+              </a:rPr>
+              <a:t>failed</a:t>
+            </a:r>
+            <a:r>
+              <a:rPr lang="ru-RU" altLang="ru-RU" dirty="0">
+                <a:solidFill>
+                  <a:srgbClr val="9E64A9"/>
+                </a:solidFill>
+                <a:latin typeface="Verdana" panose="020B0604030504040204" pitchFamily="34" charset="0"/>
+              </a:rPr>
+              <a:t>. </a:t>
+            </a:r>
+            <a:r>
+              <a:rPr lang="ru-RU" altLang="ru-RU" dirty="0" err="1">
+                <a:solidFill>
+                  <a:srgbClr val="9E64A9"/>
+                </a:solidFill>
+                <a:latin typeface="Verdana" panose="020B0604030504040204" pitchFamily="34" charset="0"/>
+              </a:rPr>
+              <a:t>Terminate</a:t>
+            </a:r>
+            <a:r>
+              <a:rPr lang="ru-RU" altLang="ru-RU" dirty="0">
+                <a:solidFill>
+                  <a:srgbClr val="9E64A9"/>
+                </a:solidFill>
+                <a:latin typeface="Verdana" panose="020B0604030504040204" pitchFamily="34" charset="0"/>
+              </a:rPr>
+              <a:t>" </a:t>
+            </a:r>
+            <a:r>
+              <a:rPr lang="ru-RU" altLang="ru-RU" dirty="0">
+                <a:solidFill>
+                  <a:srgbClr val="FFFFFF"/>
+                </a:solidFill>
+                <a:latin typeface="Verdana" panose="020B0604030504040204" pitchFamily="34" charset="0"/>
+              </a:rPr>
+              <a:t>&lt;&lt; </a:t>
+            </a:r>
+            <a:r>
+              <a:rPr lang="ru-RU" altLang="ru-RU" dirty="0" err="1">
+                <a:solidFill>
+                  <a:srgbClr val="FFCC00"/>
+                </a:solidFill>
+                <a:latin typeface="Verdana" panose="020B0604030504040204" pitchFamily="34" charset="0"/>
+              </a:rPr>
+              <a:t>std</a:t>
+            </a:r>
+            <a:r>
+              <a:rPr lang="ru-RU" altLang="ru-RU" dirty="0">
+                <a:solidFill>
+                  <a:srgbClr val="FFFFFF"/>
+                </a:solidFill>
+                <a:latin typeface="Verdana" panose="020B0604030504040204" pitchFamily="34" charset="0"/>
+              </a:rPr>
+              <a:t>::</a:t>
+            </a:r>
+            <a:r>
+              <a:rPr lang="ru-RU" altLang="ru-RU" dirty="0" err="1">
+                <a:solidFill>
+                  <a:srgbClr val="FFCC00"/>
+                </a:solidFill>
+                <a:latin typeface="Verdana" panose="020B0604030504040204" pitchFamily="34" charset="0"/>
+              </a:rPr>
+              <a:t>endl</a:t>
+            </a:r>
+            <a:r>
+              <a:rPr lang="ru-RU" altLang="ru-RU" dirty="0">
+                <a:solidFill>
+                  <a:srgbClr val="FFFFFF"/>
+                </a:solidFill>
+                <a:latin typeface="Verdana" panose="020B0604030504040204" pitchFamily="34" charset="0"/>
+              </a:rPr>
+              <a:t>;</a:t>
+            </a:r>
+            <a:br>
+              <a:rPr lang="ru-RU" altLang="ru-RU" dirty="0">
+                <a:solidFill>
+                  <a:srgbClr val="FFFFFF"/>
+                </a:solidFill>
+                <a:latin typeface="Verdana" panose="020B0604030504040204" pitchFamily="34" charset="0"/>
+              </a:rPr>
+            </a:br>
+            <a:r>
+              <a:rPr lang="ru-RU" altLang="ru-RU" dirty="0">
+                <a:solidFill>
+                  <a:srgbClr val="FFFFFF"/>
+                </a:solidFill>
+                <a:latin typeface="Verdana" panose="020B0604030504040204" pitchFamily="34" charset="0"/>
+              </a:rPr>
+              <a:t>      </a:t>
+            </a:r>
+            <a:r>
+              <a:rPr lang="ru-RU" altLang="ru-RU" dirty="0" err="1">
+                <a:solidFill>
+                  <a:srgbClr val="FFCC00"/>
+                </a:solidFill>
+                <a:latin typeface="Verdana" panose="020B0604030504040204" pitchFamily="34" charset="0"/>
+              </a:rPr>
+              <a:t>exit</a:t>
+            </a:r>
+            <a:r>
+              <a:rPr lang="ru-RU" altLang="ru-RU" dirty="0">
+                <a:solidFill>
+                  <a:srgbClr val="FFFFFF"/>
+                </a:solidFill>
+                <a:latin typeface="Verdana" panose="020B0604030504040204" pitchFamily="34" charset="0"/>
+              </a:rPr>
+              <a:t>(1);</a:t>
+            </a:r>
+            <a:br>
+              <a:rPr lang="ru-RU" altLang="ru-RU" dirty="0">
+                <a:solidFill>
+                  <a:srgbClr val="FFFFFF"/>
+                </a:solidFill>
+                <a:latin typeface="Verdana" panose="020B0604030504040204" pitchFamily="34" charset="0"/>
+              </a:rPr>
+            </a:br>
+            <a:r>
+              <a:rPr lang="ru-RU" altLang="ru-RU" dirty="0">
+                <a:solidFill>
+                  <a:srgbClr val="FFFFFF"/>
+                </a:solidFill>
+                <a:latin typeface="Verdana" panose="020B0604030504040204" pitchFamily="34" charset="0"/>
+              </a:rPr>
+              <a:t>    }</a:t>
+            </a:r>
+            <a:br>
+              <a:rPr lang="ru-RU" altLang="ru-RU" dirty="0">
+                <a:solidFill>
+                  <a:srgbClr val="FFFFFF"/>
+                </a:solidFill>
+                <a:latin typeface="Verdana" panose="020B0604030504040204" pitchFamily="34" charset="0"/>
+              </a:rPr>
+            </a:br>
+            <a:r>
+              <a:rPr lang="ru-RU" altLang="ru-RU" dirty="0">
+                <a:solidFill>
+                  <a:srgbClr val="FFFFFF"/>
+                </a:solidFill>
+                <a:latin typeface="Verdana" panose="020B0604030504040204" pitchFamily="34" charset="0"/>
+              </a:rPr>
+              <a:t>  }</a:t>
+            </a:r>
+            <a:br>
+              <a:rPr lang="ru-RU" altLang="ru-RU" dirty="0">
+                <a:solidFill>
+                  <a:srgbClr val="FFFFFF"/>
+                </a:solidFill>
+                <a:latin typeface="Verdana" panose="020B0604030504040204" pitchFamily="34" charset="0"/>
+              </a:rPr>
+            </a:br>
+            <a:r>
+              <a:rPr lang="ru-RU" altLang="ru-RU" dirty="0" smtClean="0">
+                <a:solidFill>
+                  <a:srgbClr val="FFFFFF"/>
+                </a:solidFill>
+                <a:latin typeface="Verdana" panose="020B0604030504040204" pitchFamily="34" charset="0"/>
+              </a:rPr>
+              <a:t>};</a:t>
+            </a:r>
+            <a:endParaRPr lang="en-US" altLang="ru-RU" dirty="0" smtClean="0">
+              <a:solidFill>
+                <a:srgbClr val="FFFFFF"/>
+              </a:solidFill>
+              <a:latin typeface="Verdana" panose="020B0604030504040204" pitchFamily="34" charset="0"/>
+            </a:endParaRPr>
+          </a:p>
+        </p:txBody>
+      </p:sp>
+    </p:spTree>
+    <p:extLst>
+      <p:ext uri="{BB962C8B-B14F-4D97-AF65-F5344CB8AC3E}">
+        <p14:creationId xmlns:p14="http://schemas.microsoft.com/office/powerpoint/2010/main" val="3719559768"/>
+      </p:ext>
+    </p:extLst>
+  </p:cSld>
+  <p:clrMapOvr>
+    <a:masterClrMapping/>
+  </p:clrMapOvr>
+  <p:transition spd="slow">
+    <p:push dir="u"/>
+  </p:transition>
+  <p:timing>
+    <p:tnLst>
+      <p:par>
+        <p:cTn id="1" dur="indefinite" restart="never" nodeType="tmRoot"/>
+      </p:par>
+    </p:tnLst>
+  </p:timing>
+</p:sld>
+</file>
+
+<file path=ppt/slides/slide18.xml><?xml version="1.0" encoding="utf-8"?>
+<p:sld xmlns:a="http://schemas.openxmlformats.org/drawingml/2006/main" xmlns:r="http://schemas.openxmlformats.org/officeDocument/2006/relationships" xmlns:p="http://schemas.openxmlformats.org/presentationml/2006/main">
+  <p:cSld>
+    <p:spTree>
+      <p:nvGrpSpPr>
+        <p:cNvPr id="1" name=""/>
+        <p:cNvGrpSpPr/>
+        <p:nvPr/>
+      </p:nvGrpSpPr>
+      <p:grpSpPr>
+        <a:xfrm>
+          <a:off x="0" y="0"/>
+          <a:ext cx="0" cy="0"/>
+          <a:chOff x="0" y="0"/>
+          <a:chExt cx="0" cy="0"/>
+        </a:xfrm>
+      </p:grpSpPr>
+      <p:sp>
+        <p:nvSpPr>
+          <p:cNvPr id="2" name="Заголовок 1"/>
+          <p:cNvSpPr>
+            <a:spLocks noGrp="1"/>
+          </p:cNvSpPr>
+          <p:nvPr>
+            <p:ph type="title"/>
+          </p:nvPr>
+        </p:nvSpPr>
+        <p:spPr/>
+        <p:txBody>
+          <a:bodyPr/>
+          <a:lstStyle/>
+          <a:p>
+            <a:r>
+              <a:rPr lang="ru-RU" dirty="0" smtClean="0"/>
+              <a:t>Стимулируем писать юнит-тесты</a:t>
+            </a:r>
+            <a:endParaRPr lang="ru-RU" dirty="0"/>
+          </a:p>
+        </p:txBody>
+      </p:sp>
+      <p:sp>
+        <p:nvSpPr>
+          <p:cNvPr id="3" name="Объект 2"/>
+          <p:cNvSpPr>
+            <a:spLocks noGrp="1"/>
+          </p:cNvSpPr>
+          <p:nvPr>
+            <p:ph idx="1"/>
+          </p:nvPr>
+        </p:nvSpPr>
+        <p:spPr/>
+        <p:txBody>
+          <a:bodyPr/>
+          <a:lstStyle/>
+          <a:p>
+            <a:pPr lvl="1"/>
+            <a:r>
+              <a:rPr lang="ru-RU" dirty="0" smtClean="0"/>
+              <a:t>К каждой задаче выдаём заготовку решения с юнит-тестами</a:t>
+            </a:r>
+            <a:endParaRPr lang="ru-RU" dirty="0"/>
+          </a:p>
+        </p:txBody>
+      </p:sp>
+      <p:sp>
+        <p:nvSpPr>
+          <p:cNvPr id="4" name="Нижний колонтитул 3"/>
+          <p:cNvSpPr>
+            <a:spLocks noGrp="1"/>
+          </p:cNvSpPr>
+          <p:nvPr>
+            <p:ph type="ftr" sz="quarter" idx="11"/>
+          </p:nvPr>
+        </p:nvSpPr>
+        <p:spPr/>
+        <p:txBody>
+          <a:bodyPr/>
+          <a:lstStyle/>
+          <a:p>
+            <a:endParaRPr lang="ru-RU" dirty="0"/>
+          </a:p>
+        </p:txBody>
+      </p:sp>
+      <p:sp>
+        <p:nvSpPr>
+          <p:cNvPr id="5" name="Номер слайда 4"/>
+          <p:cNvSpPr>
+            <a:spLocks noGrp="1"/>
+          </p:cNvSpPr>
+          <p:nvPr>
+            <p:ph type="sldNum" sz="quarter" idx="12"/>
+          </p:nvPr>
+        </p:nvSpPr>
+        <p:spPr/>
+        <p:txBody>
+          <a:bodyPr/>
+          <a:lstStyle/>
+          <a:p>
+            <a:fld id="{741C03D3-FA44-40EC-9A21-1FC4FEA3E22E}" type="slidenum">
+              <a:rPr lang="ru-RU" smtClean="0"/>
+              <a:t>18</a:t>
+            </a:fld>
+            <a:endParaRPr lang="ru-RU"/>
+          </a:p>
+        </p:txBody>
+      </p:sp>
+      <p:sp>
+        <p:nvSpPr>
+          <p:cNvPr id="6" name="Объект 5"/>
+          <p:cNvSpPr>
+            <a:spLocks noGrp="1"/>
+          </p:cNvSpPr>
+          <p:nvPr>
+            <p:ph idx="13"/>
+          </p:nvPr>
+        </p:nvSpPr>
+        <p:spPr/>
+        <p:txBody>
+          <a:bodyPr/>
+          <a:lstStyle/>
+          <a:p>
+            <a:endParaRPr lang="ru-RU"/>
+          </a:p>
+        </p:txBody>
+      </p:sp>
+    </p:spTree>
+    <p:extLst>
+      <p:ext uri="{BB962C8B-B14F-4D97-AF65-F5344CB8AC3E}">
+        <p14:creationId xmlns:p14="http://schemas.microsoft.com/office/powerpoint/2010/main" val="208821709"/>
+      </p:ext>
+    </p:extLst>
+  </p:cSld>
+  <p:clrMapOvr>
+    <a:masterClrMapping/>
+  </p:clrMapOvr>
+  <p:timing>
+    <p:tnLst>
+      <p:par>
+        <p:cTn id="1" dur="indefinite" restart="never" nodeType="tmRoot"/>
+      </p:par>
+    </p:tnLst>
+  </p:timing>
+</p:sld>
+</file>
+
+<file path=ppt/slides/slide19.xml><?xml version="1.0" encoding="utf-8"?>
 <p:sld xmlns:a="http://schemas.openxmlformats.org/drawingml/2006/main" xmlns:r="http://schemas.openxmlformats.org/officeDocument/2006/relationships" xmlns:p="http://schemas.openxmlformats.org/presentationml/2006/main">
   <p:cSld>
     <p:spTree>
@@ -11645,7 +15220,7 @@
           <a:p>
             <a:fld id="{741C03D3-FA44-40EC-9A21-1FC4FEA3E22E}" type="slidenum">
               <a:rPr lang="ru-RU" smtClean="0"/>
-              <a:t>14</a:t>
+              <a:t>19</a:t>
             </a:fld>
             <a:endParaRPr lang="ru-RU"/>
           </a:p>
@@ -11671,7 +15246,143 @@
 </p:sld>
 </file>
 
-<file path=ppt/slides/slide15.xml><?xml version="1.0" encoding="utf-8"?>
+<file path=ppt/slides/slide2.xml><?xml version="1.0" encoding="utf-8"?>
+<p:sld xmlns:a="http://schemas.openxmlformats.org/drawingml/2006/main" xmlns:r="http://schemas.openxmlformats.org/officeDocument/2006/relationships" xmlns:p="http://schemas.openxmlformats.org/presentationml/2006/main">
+  <p:cSld>
+    <p:spTree>
+      <p:nvGrpSpPr>
+        <p:cNvPr id="1" name=""/>
+        <p:cNvGrpSpPr/>
+        <p:nvPr/>
+      </p:nvGrpSpPr>
+      <p:grpSpPr>
+        <a:xfrm>
+          <a:off x="0" y="0"/>
+          <a:ext cx="0" cy="0"/>
+          <a:chOff x="0" y="0"/>
+          <a:chExt cx="0" cy="0"/>
+        </a:xfrm>
+      </p:grpSpPr>
+      <p:sp>
+        <p:nvSpPr>
+          <p:cNvPr id="2" name="Заголовок 1"/>
+          <p:cNvSpPr>
+            <a:spLocks noGrp="1"/>
+          </p:cNvSpPr>
+          <p:nvPr>
+            <p:ph type="ctrTitle"/>
+          </p:nvPr>
+        </p:nvSpPr>
+        <p:spPr>
+          <a:xfrm>
+            <a:off x="3048000" y="3048000"/>
+            <a:ext cx="18683206" cy="7249764"/>
+          </a:xfrm>
+        </p:spPr>
+        <p:txBody>
+          <a:bodyPr/>
+          <a:lstStyle/>
+          <a:p>
+            <a:r>
+              <a:rPr lang="ru-RU" dirty="0"/>
+              <a:t>Просто о сложном: опыт создания курсов на </a:t>
+            </a:r>
+            <a:r>
+              <a:rPr lang="ru-RU" dirty="0" err="1"/>
+              <a:t>Coursera</a:t>
+            </a:r>
+            <a:endParaRPr lang="ru-RU" dirty="0"/>
+          </a:p>
+        </p:txBody>
+      </p:sp>
+      <p:sp>
+        <p:nvSpPr>
+          <p:cNvPr id="3" name="Подзаголовок 2"/>
+          <p:cNvSpPr>
+            <a:spLocks noGrp="1"/>
+          </p:cNvSpPr>
+          <p:nvPr>
+            <p:ph type="subTitle" idx="1"/>
+          </p:nvPr>
+        </p:nvSpPr>
+        <p:spPr/>
+        <p:txBody>
+          <a:bodyPr/>
+          <a:lstStyle/>
+          <a:p>
+            <a:r>
+              <a:rPr lang="ru-RU" dirty="0"/>
+              <a:t>Илья </a:t>
+            </a:r>
+            <a:r>
+              <a:rPr lang="ru-RU" dirty="0" smtClean="0"/>
+              <a:t>Шишков, старший разработчик</a:t>
+            </a:r>
+            <a:endParaRPr lang="ru-RU" dirty="0"/>
+          </a:p>
+        </p:txBody>
+      </p:sp>
+      <p:sp>
+        <p:nvSpPr>
+          <p:cNvPr id="4" name="Рисунок 3"/>
+          <p:cNvSpPr>
+            <a:spLocks noGrp="1"/>
+          </p:cNvSpPr>
+          <p:nvPr>
+            <p:ph type="pic" sz="quarter" idx="13"/>
+          </p:nvPr>
+        </p:nvSpPr>
+        <p:spPr/>
+      </p:sp>
+      <p:pic>
+        <p:nvPicPr>
+          <p:cNvPr id="7" name="Рисунок 6"/>
+          <p:cNvPicPr>
+            <a:picLocks noGrp="1" noChangeAspect="1"/>
+          </p:cNvPicPr>
+          <p:nvPr>
+            <p:ph type="pic" sz="quarter" idx="14"/>
+          </p:nvPr>
+        </p:nvPicPr>
+        <p:blipFill rotWithShape="1">
+          <a:blip r:embed="rId2">
+            <a:extLst>
+              <a:ext uri="{28A0092B-C50C-407E-A947-70E740481C1C}">
+                <a14:useLocalDpi xmlns:a14="http://schemas.microsoft.com/office/drawing/2010/main" val="0"/>
+              </a:ext>
+            </a:extLst>
+          </a:blip>
+          <a:srcRect t="13107" b="14501"/>
+          <a:stretch/>
+        </p:blipFill>
+        <p:spPr>
+          <a:xfrm>
+            <a:off x="16770112" y="1935158"/>
+            <a:ext cx="3816588" cy="1040350"/>
+          </a:xfrm>
+        </p:spPr>
+      </p:pic>
+    </p:spTree>
+    <p:extLst>
+      <p:ext uri="{BB962C8B-B14F-4D97-AF65-F5344CB8AC3E}">
+        <p14:creationId xmlns:p14="http://schemas.microsoft.com/office/powerpoint/2010/main" val="1840561225"/>
+      </p:ext>
+    </p:extLst>
+  </p:cSld>
+  <p:clrMapOvr>
+    <a:masterClrMapping/>
+  </p:clrMapOvr>
+  <p:timing>
+    <p:tnLst>
+      <p:par>
+        <p:cTn id="1" dur="indefinite" restart="never" nodeType="tmRoot"/>
+      </p:par>
+    </p:tnLst>
+  </p:timing>
+</p:sld>
+</file>
+
+<file path=ppt/slides/slide20.xml><?xml version="1.0" encoding="utf-8"?>
 <p:sld xmlns:a="http://schemas.openxmlformats.org/drawingml/2006/main" xmlns:r="http://schemas.openxmlformats.org/officeDocument/2006/relationships" xmlns:p="http://schemas.openxmlformats.org/presentationml/2006/main">
   <p:cSld>
     <p:spTree>
@@ -11810,7 +15521,7 @@
 </p:sld>
 </file>
 
-<file path=ppt/slides/slide16.xml><?xml version="1.0" encoding="utf-8"?>
+<file path=ppt/slides/slide21.xml><?xml version="1.0" encoding="utf-8"?>
 <p:sld xmlns:a="http://schemas.openxmlformats.org/drawingml/2006/main" xmlns:r="http://schemas.openxmlformats.org/officeDocument/2006/relationships" xmlns:p="http://schemas.openxmlformats.org/presentationml/2006/main">
   <p:cSld>
     <p:spTree>
@@ -11944,7 +15655,7 @@
 </p:sld>
 </file>
 
-<file path=ppt/slides/slide17.xml><?xml version="1.0" encoding="utf-8"?>
+<file path=ppt/slides/slide22.xml><?xml version="1.0" encoding="utf-8"?>
 <p:sld xmlns:a="http://schemas.openxmlformats.org/drawingml/2006/main" xmlns:r="http://schemas.openxmlformats.org/officeDocument/2006/relationships" xmlns:p="http://schemas.openxmlformats.org/presentationml/2006/main">
   <p:cSld>
     <p:spTree>
@@ -12089,7 +15800,7 @@
 </p:sld>
 </file>
 
-<file path=ppt/slides/slide18.xml><?xml version="1.0" encoding="utf-8"?>
+<file path=ppt/slides/slide23.xml><?xml version="1.0" encoding="utf-8"?>
 <p:sld xmlns:a="http://schemas.openxmlformats.org/drawingml/2006/main" xmlns:r="http://schemas.openxmlformats.org/officeDocument/2006/relationships" xmlns:p="http://schemas.openxmlformats.org/presentationml/2006/main">
   <p:cSld>
     <p:spTree>
@@ -12165,7 +15876,7 @@
           <a:p>
             <a:fld id="{741C03D3-FA44-40EC-9A21-1FC4FEA3E22E}" type="slidenum">
               <a:rPr lang="ru-RU" smtClean="0"/>
-              <a:t>18</a:t>
+              <a:t>23</a:t>
             </a:fld>
             <a:endParaRPr lang="ru-RU"/>
           </a:p>
@@ -12865,7 +16576,7 @@
 </p:sld>
 </file>
 
-<file path=ppt/slides/slide19.xml><?xml version="1.0" encoding="utf-8"?>
+<file path=ppt/slides/slide24.xml><?xml version="1.0" encoding="utf-8"?>
 <p:sld xmlns:a="http://schemas.openxmlformats.org/drawingml/2006/main" xmlns:r="http://schemas.openxmlformats.org/officeDocument/2006/relationships" xmlns:p="http://schemas.openxmlformats.org/presentationml/2006/main">
   <p:cSld>
     <p:spTree>
@@ -12941,7 +16652,7 @@
           <a:p>
             <a:fld id="{741C03D3-FA44-40EC-9A21-1FC4FEA3E22E}" type="slidenum">
               <a:rPr lang="ru-RU" smtClean="0"/>
-              <a:t>19</a:t>
+              <a:t>24</a:t>
             </a:fld>
             <a:endParaRPr lang="ru-RU"/>
           </a:p>
@@ -13497,143 +17208,7 @@
 </p:sld>
 </file>
 
-<file path=ppt/slides/slide2.xml><?xml version="1.0" encoding="utf-8"?>
-<p:sld xmlns:a="http://schemas.openxmlformats.org/drawingml/2006/main" xmlns:r="http://schemas.openxmlformats.org/officeDocument/2006/relationships" xmlns:p="http://schemas.openxmlformats.org/presentationml/2006/main">
-  <p:cSld>
-    <p:spTree>
-      <p:nvGrpSpPr>
-        <p:cNvPr id="1" name=""/>
-        <p:cNvGrpSpPr/>
-        <p:nvPr/>
-      </p:nvGrpSpPr>
-      <p:grpSpPr>
-        <a:xfrm>
-          <a:off x="0" y="0"/>
-          <a:ext cx="0" cy="0"/>
-          <a:chOff x="0" y="0"/>
-          <a:chExt cx="0" cy="0"/>
-        </a:xfrm>
-      </p:grpSpPr>
-      <p:sp>
-        <p:nvSpPr>
-          <p:cNvPr id="2" name="Заголовок 1"/>
-          <p:cNvSpPr>
-            <a:spLocks noGrp="1"/>
-          </p:cNvSpPr>
-          <p:nvPr>
-            <p:ph type="ctrTitle"/>
-          </p:nvPr>
-        </p:nvSpPr>
-        <p:spPr>
-          <a:xfrm>
-            <a:off x="3048000" y="3048000"/>
-            <a:ext cx="18683206" cy="7249764"/>
-          </a:xfrm>
-        </p:spPr>
-        <p:txBody>
-          <a:bodyPr/>
-          <a:lstStyle/>
-          <a:p>
-            <a:r>
-              <a:rPr lang="ru-RU" dirty="0"/>
-              <a:t>Просто о сложном: опыт создания курсов на </a:t>
-            </a:r>
-            <a:r>
-              <a:rPr lang="ru-RU" dirty="0" err="1"/>
-              <a:t>Coursera</a:t>
-            </a:r>
-            <a:endParaRPr lang="ru-RU" dirty="0"/>
-          </a:p>
-        </p:txBody>
-      </p:sp>
-      <p:sp>
-        <p:nvSpPr>
-          <p:cNvPr id="3" name="Подзаголовок 2"/>
-          <p:cNvSpPr>
-            <a:spLocks noGrp="1"/>
-          </p:cNvSpPr>
-          <p:nvPr>
-            <p:ph type="subTitle" idx="1"/>
-          </p:nvPr>
-        </p:nvSpPr>
-        <p:spPr/>
-        <p:txBody>
-          <a:bodyPr/>
-          <a:lstStyle/>
-          <a:p>
-            <a:r>
-              <a:rPr lang="ru-RU" dirty="0"/>
-              <a:t>Илья </a:t>
-            </a:r>
-            <a:r>
-              <a:rPr lang="ru-RU" dirty="0" smtClean="0"/>
-              <a:t>Шишков, старший разработчик</a:t>
-            </a:r>
-            <a:endParaRPr lang="ru-RU" dirty="0"/>
-          </a:p>
-        </p:txBody>
-      </p:sp>
-      <p:sp>
-        <p:nvSpPr>
-          <p:cNvPr id="4" name="Рисунок 3"/>
-          <p:cNvSpPr>
-            <a:spLocks noGrp="1"/>
-          </p:cNvSpPr>
-          <p:nvPr>
-            <p:ph type="pic" sz="quarter" idx="13"/>
-          </p:nvPr>
-        </p:nvSpPr>
-        <p:spPr/>
-      </p:sp>
-      <p:pic>
-        <p:nvPicPr>
-          <p:cNvPr id="7" name="Рисунок 6"/>
-          <p:cNvPicPr>
-            <a:picLocks noGrp="1" noChangeAspect="1"/>
-          </p:cNvPicPr>
-          <p:nvPr>
-            <p:ph type="pic" sz="quarter" idx="14"/>
-          </p:nvPr>
-        </p:nvPicPr>
-        <p:blipFill rotWithShape="1">
-          <a:blip r:embed="rId2">
-            <a:extLst>
-              <a:ext uri="{28A0092B-C50C-407E-A947-70E740481C1C}">
-                <a14:useLocalDpi xmlns:a14="http://schemas.microsoft.com/office/drawing/2010/main" val="0"/>
-              </a:ext>
-            </a:extLst>
-          </a:blip>
-          <a:srcRect t="13107" b="14501"/>
-          <a:stretch/>
-        </p:blipFill>
-        <p:spPr>
-          <a:xfrm>
-            <a:off x="16770112" y="1935158"/>
-            <a:ext cx="3816588" cy="1040350"/>
-          </a:xfrm>
-        </p:spPr>
-      </p:pic>
-    </p:spTree>
-    <p:extLst>
-      <p:ext uri="{BB962C8B-B14F-4D97-AF65-F5344CB8AC3E}">
-        <p14:creationId xmlns:p14="http://schemas.microsoft.com/office/powerpoint/2010/main" val="1840561225"/>
-      </p:ext>
-    </p:extLst>
-  </p:cSld>
-  <p:clrMapOvr>
-    <a:masterClrMapping/>
-  </p:clrMapOvr>
-  <p:timing>
-    <p:tnLst>
-      <p:par>
-        <p:cTn id="1" dur="indefinite" restart="never" nodeType="tmRoot"/>
-      </p:par>
-    </p:tnLst>
-  </p:timing>
-</p:sld>
-</file>
-
-<file path=ppt/slides/slide20.xml><?xml version="1.0" encoding="utf-8"?>
+<file path=ppt/slides/slide25.xml><?xml version="1.0" encoding="utf-8"?>
 <p:sld xmlns:a="http://schemas.openxmlformats.org/drawingml/2006/main" xmlns:r="http://schemas.openxmlformats.org/officeDocument/2006/relationships" xmlns:p="http://schemas.openxmlformats.org/presentationml/2006/main">
   <p:cSld>
     <p:spTree>
@@ -13782,7 +17357,7 @@
 </p:sld>
 </file>
 
-<file path=ppt/slides/slide21.xml><?xml version="1.0" encoding="utf-8"?>
+<file path=ppt/slides/slide26.xml><?xml version="1.0" encoding="utf-8"?>
 <p:sld xmlns:a="http://schemas.openxmlformats.org/drawingml/2006/main" xmlns:r="http://schemas.openxmlformats.org/officeDocument/2006/relationships" xmlns:p="http://schemas.openxmlformats.org/presentationml/2006/main">
   <p:cSld>
     <p:spTree>
@@ -16417,7 +19992,7 @@
 </p:sld>
 </file>
 
-<file path=ppt/slides/slide22.xml><?xml version="1.0" encoding="utf-8"?>
+<file path=ppt/slides/slide27.xml><?xml version="1.0" encoding="utf-8"?>
 <p:sld xmlns:a="http://schemas.openxmlformats.org/drawingml/2006/main" xmlns:r="http://schemas.openxmlformats.org/officeDocument/2006/relationships" xmlns:p="http://schemas.openxmlformats.org/presentationml/2006/main" show="0">
   <p:cSld>
     <p:spTree>
@@ -16526,7 +20101,7 @@
           <a:p>
             <a:fld id="{741C03D3-FA44-40EC-9A21-1FC4FEA3E22E}" type="slidenum">
               <a:rPr lang="ru-RU" smtClean="0"/>
-              <a:t>22</a:t>
+              <a:t>27</a:t>
             </a:fld>
             <a:endParaRPr lang="ru-RU"/>
           </a:p>
@@ -16850,7 +20425,7 @@
               <a:effectLst/>
               <a:extLst>
                 <a:ext uri="{C572A759-6A51-4108-AA02-DFA0A04FC94B}">
-                  <ma14:wrappingTextBoxFlag xmlns="" xmlns:ma14="http://schemas.microsoft.com/office/mac/drawingml/2011/main" val="1"/>
+                  <ma14:wrappingTextBoxFlag xmlns:ma14="http://schemas.microsoft.com/office/mac/drawingml/2011/main" xmlns="" val="1"/>
                 </a:ext>
               </a:extLst>
             </p:spPr>
@@ -16948,7 +20523,7 @@
 </p:sld>
 </file>
 
-<file path=ppt/slides/slide23.xml><?xml version="1.0" encoding="utf-8"?>
+<file path=ppt/slides/slide28.xml><?xml version="1.0" encoding="utf-8"?>
 <p:sld xmlns:a="http://schemas.openxmlformats.org/drawingml/2006/main" xmlns:r="http://schemas.openxmlformats.org/officeDocument/2006/relationships" xmlns:p="http://schemas.openxmlformats.org/presentationml/2006/main" show="0">
   <p:cSld>
     <p:spTree>
@@ -17023,7 +20598,7 @@
           <a:p>
             <a:fld id="{741C03D3-FA44-40EC-9A21-1FC4FEA3E22E}" type="slidenum">
               <a:rPr lang="ru-RU" smtClean="0"/>
-              <a:t>23</a:t>
+              <a:t>28</a:t>
             </a:fld>
             <a:endParaRPr lang="ru-RU"/>
           </a:p>
@@ -18095,7 +21670,7 @@
               <a:effectLst/>
               <a:extLst>
                 <a:ext uri="{C572A759-6A51-4108-AA02-DFA0A04FC94B}">
-                  <ma14:wrappingTextBoxFlag xmlns="" xmlns:ma14="http://schemas.microsoft.com/office/mac/drawingml/2011/main" val="1"/>
+                  <ma14:wrappingTextBoxFlag xmlns:ma14="http://schemas.microsoft.com/office/mac/drawingml/2011/main" xmlns="" val="1"/>
                 </a:ext>
               </a:extLst>
             </p:spPr>

--- a/slides.pptx
+++ b/slides.pptx
@@ -5,10 +5,10 @@
     <p:sldMasterId id="2147483684" r:id="rId1"/>
   </p:sldMasterIdLst>
   <p:notesMasterIdLst>
-    <p:notesMasterId r:id="rId30"/>
+    <p:notesMasterId r:id="rId33"/>
   </p:notesMasterIdLst>
   <p:handoutMasterIdLst>
-    <p:handoutMasterId r:id="rId31"/>
+    <p:handoutMasterId r:id="rId34"/>
   </p:handoutMasterIdLst>
   <p:sldIdLst>
     <p:sldId id="746" r:id="rId2"/>
@@ -29,16 +29,19 @@
     <p:sldId id="831" r:id="rId17"/>
     <p:sldId id="832" r:id="rId18"/>
     <p:sldId id="833" r:id="rId19"/>
-    <p:sldId id="819" r:id="rId20"/>
-    <p:sldId id="820" r:id="rId21"/>
-    <p:sldId id="821" r:id="rId22"/>
-    <p:sldId id="822" r:id="rId23"/>
-    <p:sldId id="814" r:id="rId24"/>
-    <p:sldId id="816" r:id="rId25"/>
-    <p:sldId id="796" r:id="rId26"/>
-    <p:sldId id="792" r:id="rId27"/>
-    <p:sldId id="783" r:id="rId28"/>
-    <p:sldId id="785" r:id="rId29"/>
+    <p:sldId id="834" r:id="rId20"/>
+    <p:sldId id="835" r:id="rId21"/>
+    <p:sldId id="836" r:id="rId22"/>
+    <p:sldId id="819" r:id="rId23"/>
+    <p:sldId id="820" r:id="rId24"/>
+    <p:sldId id="821" r:id="rId25"/>
+    <p:sldId id="822" r:id="rId26"/>
+    <p:sldId id="814" r:id="rId27"/>
+    <p:sldId id="816" r:id="rId28"/>
+    <p:sldId id="796" r:id="rId29"/>
+    <p:sldId id="792" r:id="rId30"/>
+    <p:sldId id="783" r:id="rId31"/>
+    <p:sldId id="785" r:id="rId32"/>
   </p:sldIdLst>
   <p:sldSz cx="24382413" cy="13716000"/>
   <p:notesSz cx="6858000" cy="9144000"/>
@@ -160,6 +163,9 @@
             <p14:sldId id="831"/>
             <p14:sldId id="832"/>
             <p14:sldId id="833"/>
+            <p14:sldId id="834"/>
+            <p14:sldId id="835"/>
+            <p14:sldId id="836"/>
             <p14:sldId id="819"/>
             <p14:sldId id="820"/>
             <p14:sldId id="821"/>
@@ -280,7 +286,7 @@
           <a:p>
             <a:fld id="{7C2C5C60-F37A-814E-99F6-3C775637DBC0}" type="datetimeFigureOut">
               <a:rPr lang="ru-RU" smtClean="0"/>
-              <a:t>23.10.2018</a:t>
+              <a:t>25.10.2018</a:t>
             </a:fld>
             <a:endParaRPr lang="ru-RU"/>
           </a:p>
@@ -445,7 +451,7 @@
           <a:p>
             <a:fld id="{A48BA324-014D-41B7-8E83-ECE8F197A959}" type="datetimeFigureOut">
               <a:rPr lang="ru-RU" smtClean="0"/>
-              <a:t>23.10.2018</a:t>
+              <a:t>25.10.2018</a:t>
             </a:fld>
             <a:endParaRPr lang="ru-RU"/>
           </a:p>
@@ -5868,7 +5874,7 @@
           </a:ln>
           <a:extLst>
             <a:ext uri="{C572A759-6A51-4108-AA02-DFA0A04FC94B}">
-              <ma14:wrappingTextBoxFlag xmlns:ma14="http://schemas.microsoft.com/office/mac/drawingml/2011/main" xmlns="" val="1"/>
+              <ma14:wrappingTextBoxFlag xmlns="" xmlns:ma14="http://schemas.microsoft.com/office/mac/drawingml/2011/main" val="1"/>
             </a:ext>
           </a:extLst>
         </p:spPr>
@@ -5911,7 +5917,7 @@
           </a:ln>
           <a:extLst>
             <a:ext uri="{C572A759-6A51-4108-AA02-DFA0A04FC94B}">
-              <ma14:wrappingTextBoxFlag xmlns:ma14="http://schemas.microsoft.com/office/mac/drawingml/2011/main" xmlns="" val="1"/>
+              <ma14:wrappingTextBoxFlag xmlns="" xmlns:ma14="http://schemas.microsoft.com/office/mac/drawingml/2011/main" val="1"/>
             </a:ext>
           </a:extLst>
         </p:spPr>
@@ -6035,7 +6041,7 @@
           </a:ln>
           <a:extLst>
             <a:ext uri="{C572A759-6A51-4108-AA02-DFA0A04FC94B}">
-              <ma14:wrappingTextBoxFlag xmlns:ma14="http://schemas.microsoft.com/office/mac/drawingml/2011/main" xmlns="" val="1"/>
+              <ma14:wrappingTextBoxFlag xmlns="" xmlns:ma14="http://schemas.microsoft.com/office/mac/drawingml/2011/main" val="1"/>
             </a:ext>
           </a:extLst>
         </p:spPr>
@@ -6126,7 +6132,7 @@
           </a:ln>
           <a:extLst>
             <a:ext uri="{C572A759-6A51-4108-AA02-DFA0A04FC94B}">
-              <ma14:wrappingTextBoxFlag xmlns:ma14="http://schemas.microsoft.com/office/mac/drawingml/2011/main" xmlns="" val="1"/>
+              <ma14:wrappingTextBoxFlag xmlns="" xmlns:ma14="http://schemas.microsoft.com/office/mac/drawingml/2011/main" val="1"/>
             </a:ext>
           </a:extLst>
         </p:spPr>
@@ -6245,7 +6251,7 @@
           </a:ln>
           <a:extLst>
             <a:ext uri="{C572A759-6A51-4108-AA02-DFA0A04FC94B}">
-              <ma14:wrappingTextBoxFlag xmlns:ma14="http://schemas.microsoft.com/office/mac/drawingml/2011/main" xmlns="" val="1"/>
+              <ma14:wrappingTextBoxFlag xmlns="" xmlns:ma14="http://schemas.microsoft.com/office/mac/drawingml/2011/main" val="1"/>
             </a:ext>
           </a:extLst>
         </p:spPr>
@@ -10922,7 +10928,7 @@
       </p:sp>
       <p:sp>
         <p:nvSpPr>
-          <p:cNvPr id="9" name="Тестирующая система"/>
+          <p:cNvPr id="9" name="Тестирующая система" hidden="1"/>
           <p:cNvSpPr/>
           <p:nvPr/>
         </p:nvSpPr>
@@ -14063,11 +14069,11 @@
   <p:clrMapOvr>
     <a:masterClrMapping/>
   </p:clrMapOvr>
-  <mc:AlternateContent xmlns:mc="http://schemas.openxmlformats.org/markup-compatibility/2006">
-    <mc:Choice xmlns:p14="http://schemas.microsoft.com/office/powerpoint/2010/main" Requires="p14">
+  <mc:AlternateContent xmlns:mc="http://schemas.openxmlformats.org/markup-compatibility/2006" xmlns:p14="http://schemas.microsoft.com/office/powerpoint/2010/main">
+    <mc:Choice Requires="p14">
       <p:transition p14:dur="0"/>
     </mc:Choice>
-    <mc:Fallback>
+    <mc:Fallback xmlns="">
       <p:transition/>
     </mc:Fallback>
   </mc:AlternateContent>
@@ -14640,7 +14646,12 @@
             <p:ph idx="1"/>
           </p:nvPr>
         </p:nvSpPr>
-        <p:spPr/>
+        <p:spPr>
+          <a:xfrm>
+            <a:off x="1143000" y="3048001"/>
+            <a:ext cx="19461162" cy="1138238"/>
+          </a:xfrm>
+        </p:spPr>
         <p:txBody>
           <a:bodyPr/>
           <a:lstStyle/>
@@ -14706,12 +14717,807 @@
             <p:ph idx="13"/>
           </p:nvPr>
         </p:nvSpPr>
-        <p:spPr/>
+        <p:spPr>
+          <a:xfrm>
+            <a:off x="1" y="4568825"/>
+            <a:ext cx="24382412" cy="9147175"/>
+          </a:xfrm>
+        </p:spPr>
         <p:txBody>
           <a:bodyPr/>
           <a:lstStyle/>
           <a:p>
-            <a:endParaRPr lang="ru-RU"/>
+            <a:pPr lvl="0" defTabSz="914400" eaLnBrk="0" fontAlgn="base" hangingPunct="0">
+              <a:lnSpc>
+                <a:spcPct val="100000"/>
+              </a:lnSpc>
+              <a:spcBef>
+                <a:spcPct val="0"/>
+              </a:spcBef>
+              <a:spcAft>
+                <a:spcPct val="0"/>
+              </a:spcAft>
+            </a:pPr>
+            <a:r>
+              <a:rPr lang="ru-RU" altLang="ru-RU" dirty="0">
+                <a:solidFill>
+                  <a:srgbClr val="72C3E0"/>
+                </a:solidFill>
+                <a:latin typeface="Verdana" panose="020B0604030504040204" pitchFamily="34" charset="0"/>
+              </a:rPr>
+              <a:t>// Реализуйте этот шаблон</a:t>
+            </a:r>
+            <a:br>
+              <a:rPr lang="ru-RU" altLang="ru-RU" dirty="0">
+                <a:solidFill>
+                  <a:srgbClr val="72C3E0"/>
+                </a:solidFill>
+                <a:latin typeface="Verdana" panose="020B0604030504040204" pitchFamily="34" charset="0"/>
+              </a:rPr>
+            </a:br>
+            <a:r>
+              <a:rPr lang="ru-RU" altLang="ru-RU" dirty="0" err="1">
+                <a:solidFill>
+                  <a:srgbClr val="FFFFFF"/>
+                </a:solidFill>
+                <a:latin typeface="Verdana" panose="020B0604030504040204" pitchFamily="34" charset="0"/>
+              </a:rPr>
+              <a:t>template</a:t>
+            </a:r>
+            <a:r>
+              <a:rPr lang="ru-RU" altLang="ru-RU" dirty="0">
+                <a:solidFill>
+                  <a:srgbClr val="FFFFFF"/>
+                </a:solidFill>
+                <a:latin typeface="Verdana" panose="020B0604030504040204" pitchFamily="34" charset="0"/>
+              </a:rPr>
+              <a:t> &lt;</a:t>
+            </a:r>
+            <a:r>
+              <a:rPr lang="ru-RU" altLang="ru-RU" dirty="0" err="1">
+                <a:solidFill>
+                  <a:srgbClr val="FFFFFF"/>
+                </a:solidFill>
+                <a:latin typeface="Verdana" panose="020B0604030504040204" pitchFamily="34" charset="0"/>
+              </a:rPr>
+              <a:t>typename</a:t>
+            </a:r>
+            <a:r>
+              <a:rPr lang="ru-RU" altLang="ru-RU" dirty="0">
+                <a:solidFill>
+                  <a:srgbClr val="FFFFFF"/>
+                </a:solidFill>
+                <a:latin typeface="Verdana" panose="020B0604030504040204" pitchFamily="34" charset="0"/>
+              </a:rPr>
+              <a:t> </a:t>
+            </a:r>
+            <a:r>
+              <a:rPr lang="ru-RU" altLang="ru-RU" dirty="0">
+                <a:solidFill>
+                  <a:srgbClr val="FFCC00"/>
+                </a:solidFill>
+                <a:latin typeface="Verdana" panose="020B0604030504040204" pitchFamily="34" charset="0"/>
+              </a:rPr>
+              <a:t>T</a:t>
+            </a:r>
+            <a:r>
+              <a:rPr lang="ru-RU" altLang="ru-RU" dirty="0">
+                <a:solidFill>
+                  <a:srgbClr val="FFFFFF"/>
+                </a:solidFill>
+                <a:latin typeface="Verdana" panose="020B0604030504040204" pitchFamily="34" charset="0"/>
+              </a:rPr>
+              <a:t>&gt; </a:t>
+            </a:r>
+            <a:r>
+              <a:rPr lang="ru-RU" altLang="ru-RU" dirty="0" err="1">
+                <a:solidFill>
+                  <a:srgbClr val="FFFFFF"/>
+                </a:solidFill>
+                <a:latin typeface="Verdana" panose="020B0604030504040204" pitchFamily="34" charset="0"/>
+              </a:rPr>
+              <a:t>void</a:t>
+            </a:r>
+            <a:r>
+              <a:rPr lang="ru-RU" altLang="ru-RU" dirty="0">
+                <a:solidFill>
+                  <a:srgbClr val="FFFFFF"/>
+                </a:solidFill>
+                <a:latin typeface="Verdana" panose="020B0604030504040204" pitchFamily="34" charset="0"/>
+              </a:rPr>
+              <a:t> </a:t>
+            </a:r>
+            <a:r>
+              <a:rPr lang="ru-RU" altLang="ru-RU" dirty="0" err="1">
+                <a:solidFill>
+                  <a:srgbClr val="FFCC00"/>
+                </a:solidFill>
+                <a:latin typeface="Verdana" panose="020B0604030504040204" pitchFamily="34" charset="0"/>
+              </a:rPr>
+              <a:t>Swap</a:t>
+            </a:r>
+            <a:r>
+              <a:rPr lang="ru-RU" altLang="ru-RU" dirty="0">
+                <a:solidFill>
+                  <a:srgbClr val="FFFFFF"/>
+                </a:solidFill>
+                <a:latin typeface="Verdana" panose="020B0604030504040204" pitchFamily="34" charset="0"/>
+              </a:rPr>
+              <a:t>(</a:t>
+            </a:r>
+            <a:r>
+              <a:rPr lang="ru-RU" altLang="ru-RU" dirty="0">
+                <a:solidFill>
+                  <a:srgbClr val="FFCC00"/>
+                </a:solidFill>
+                <a:latin typeface="Verdana" panose="020B0604030504040204" pitchFamily="34" charset="0"/>
+              </a:rPr>
+              <a:t>T</a:t>
+            </a:r>
+            <a:r>
+              <a:rPr lang="ru-RU" altLang="ru-RU" dirty="0">
+                <a:solidFill>
+                  <a:srgbClr val="FFFFFF"/>
+                </a:solidFill>
+                <a:latin typeface="Verdana" panose="020B0604030504040204" pitchFamily="34" charset="0"/>
+              </a:rPr>
+              <a:t>* </a:t>
+            </a:r>
+            <a:r>
+              <a:rPr lang="ru-RU" altLang="ru-RU" dirty="0" err="1">
+                <a:solidFill>
+                  <a:srgbClr val="5BCD9D"/>
+                </a:solidFill>
+                <a:latin typeface="Verdana" panose="020B0604030504040204" pitchFamily="34" charset="0"/>
+              </a:rPr>
+              <a:t>first</a:t>
+            </a:r>
+            <a:r>
+              <a:rPr lang="ru-RU" altLang="ru-RU" dirty="0">
+                <a:solidFill>
+                  <a:srgbClr val="FFFFFF"/>
+                </a:solidFill>
+                <a:latin typeface="Verdana" panose="020B0604030504040204" pitchFamily="34" charset="0"/>
+              </a:rPr>
+              <a:t>, </a:t>
+            </a:r>
+            <a:r>
+              <a:rPr lang="ru-RU" altLang="ru-RU" dirty="0">
+                <a:solidFill>
+                  <a:srgbClr val="FFCC00"/>
+                </a:solidFill>
+                <a:latin typeface="Verdana" panose="020B0604030504040204" pitchFamily="34" charset="0"/>
+              </a:rPr>
+              <a:t>T</a:t>
+            </a:r>
+            <a:r>
+              <a:rPr lang="ru-RU" altLang="ru-RU" dirty="0">
+                <a:solidFill>
+                  <a:srgbClr val="FFFFFF"/>
+                </a:solidFill>
+                <a:latin typeface="Verdana" panose="020B0604030504040204" pitchFamily="34" charset="0"/>
+              </a:rPr>
+              <a:t>* </a:t>
+            </a:r>
+            <a:r>
+              <a:rPr lang="ru-RU" altLang="ru-RU" dirty="0" err="1">
+                <a:solidFill>
+                  <a:srgbClr val="5BCD9D"/>
+                </a:solidFill>
+                <a:latin typeface="Verdana" panose="020B0604030504040204" pitchFamily="34" charset="0"/>
+              </a:rPr>
+              <a:t>second</a:t>
+            </a:r>
+            <a:r>
+              <a:rPr lang="ru-RU" altLang="ru-RU" dirty="0">
+                <a:solidFill>
+                  <a:srgbClr val="FFFFFF"/>
+                </a:solidFill>
+                <a:latin typeface="Verdana" panose="020B0604030504040204" pitchFamily="34" charset="0"/>
+              </a:rPr>
+              <a:t>);</a:t>
+            </a:r>
+            <a:br>
+              <a:rPr lang="ru-RU" altLang="ru-RU" dirty="0">
+                <a:solidFill>
+                  <a:srgbClr val="FFFFFF"/>
+                </a:solidFill>
+                <a:latin typeface="Verdana" panose="020B0604030504040204" pitchFamily="34" charset="0"/>
+              </a:rPr>
+            </a:br>
+            <a:r>
+              <a:rPr lang="ru-RU" altLang="ru-RU" dirty="0">
+                <a:solidFill>
+                  <a:srgbClr val="FFFFFF"/>
+                </a:solidFill>
+                <a:latin typeface="Verdana" panose="020B0604030504040204" pitchFamily="34" charset="0"/>
+              </a:rPr>
+              <a:t/>
+            </a:r>
+            <a:br>
+              <a:rPr lang="ru-RU" altLang="ru-RU" dirty="0">
+                <a:solidFill>
+                  <a:srgbClr val="FFFFFF"/>
+                </a:solidFill>
+                <a:latin typeface="Verdana" panose="020B0604030504040204" pitchFamily="34" charset="0"/>
+              </a:rPr>
+            </a:br>
+            <a:r>
+              <a:rPr lang="ru-RU" altLang="ru-RU" dirty="0" err="1">
+                <a:solidFill>
+                  <a:srgbClr val="FFFFFF"/>
+                </a:solidFill>
+                <a:latin typeface="Verdana" panose="020B0604030504040204" pitchFamily="34" charset="0"/>
+              </a:rPr>
+              <a:t>void</a:t>
+            </a:r>
+            <a:r>
+              <a:rPr lang="ru-RU" altLang="ru-RU" dirty="0">
+                <a:solidFill>
+                  <a:srgbClr val="FFFFFF"/>
+                </a:solidFill>
+                <a:latin typeface="Verdana" panose="020B0604030504040204" pitchFamily="34" charset="0"/>
+              </a:rPr>
+              <a:t> </a:t>
+            </a:r>
+            <a:r>
+              <a:rPr lang="ru-RU" altLang="ru-RU" dirty="0" err="1">
+                <a:solidFill>
+                  <a:srgbClr val="FFCC00"/>
+                </a:solidFill>
+                <a:latin typeface="Verdana" panose="020B0604030504040204" pitchFamily="34" charset="0"/>
+              </a:rPr>
+              <a:t>TestSwap</a:t>
+            </a:r>
+            <a:r>
+              <a:rPr lang="ru-RU" altLang="ru-RU" dirty="0">
+                <a:solidFill>
+                  <a:srgbClr val="FFFFFF"/>
+                </a:solidFill>
+                <a:latin typeface="Verdana" panose="020B0604030504040204" pitchFamily="34" charset="0"/>
+              </a:rPr>
+              <a:t>() {</a:t>
+            </a:r>
+            <a:br>
+              <a:rPr lang="ru-RU" altLang="ru-RU" dirty="0">
+                <a:solidFill>
+                  <a:srgbClr val="FFFFFF"/>
+                </a:solidFill>
+                <a:latin typeface="Verdana" panose="020B0604030504040204" pitchFamily="34" charset="0"/>
+              </a:rPr>
+            </a:br>
+            <a:r>
+              <a:rPr lang="ru-RU" altLang="ru-RU" dirty="0">
+                <a:solidFill>
+                  <a:srgbClr val="FFFFFF"/>
+                </a:solidFill>
+                <a:latin typeface="Verdana" panose="020B0604030504040204" pitchFamily="34" charset="0"/>
+              </a:rPr>
+              <a:t>  </a:t>
+            </a:r>
+            <a:r>
+              <a:rPr lang="ru-RU" altLang="ru-RU" dirty="0" err="1">
+                <a:solidFill>
+                  <a:srgbClr val="FFFFFF"/>
+                </a:solidFill>
+                <a:latin typeface="Verdana" panose="020B0604030504040204" pitchFamily="34" charset="0"/>
+              </a:rPr>
+              <a:t>int</a:t>
+            </a:r>
+            <a:r>
+              <a:rPr lang="ru-RU" altLang="ru-RU" dirty="0">
+                <a:solidFill>
+                  <a:srgbClr val="FFFFFF"/>
+                </a:solidFill>
+                <a:latin typeface="Verdana" panose="020B0604030504040204" pitchFamily="34" charset="0"/>
+              </a:rPr>
+              <a:t> </a:t>
+            </a:r>
+            <a:r>
+              <a:rPr lang="ru-RU" altLang="ru-RU" dirty="0">
+                <a:solidFill>
+                  <a:srgbClr val="5BCD9D"/>
+                </a:solidFill>
+                <a:latin typeface="Verdana" panose="020B0604030504040204" pitchFamily="34" charset="0"/>
+              </a:rPr>
+              <a:t>a </a:t>
+            </a:r>
+            <a:r>
+              <a:rPr lang="ru-RU" altLang="ru-RU" dirty="0">
+                <a:solidFill>
+                  <a:srgbClr val="FFFFFF"/>
+                </a:solidFill>
+                <a:latin typeface="Verdana" panose="020B0604030504040204" pitchFamily="34" charset="0"/>
+              </a:rPr>
+              <a:t>= </a:t>
+            </a:r>
+            <a:r>
+              <a:rPr lang="ru-RU" altLang="ru-RU" dirty="0" smtClean="0">
+                <a:solidFill>
+                  <a:srgbClr val="FFFFFF"/>
+                </a:solidFill>
+                <a:latin typeface="Verdana" panose="020B0604030504040204" pitchFamily="34" charset="0"/>
+              </a:rPr>
+              <a:t>1</a:t>
+            </a:r>
+            <a:r>
+              <a:rPr lang="en-US" altLang="ru-RU" dirty="0" smtClean="0">
+                <a:solidFill>
+                  <a:srgbClr val="FFFFFF"/>
+                </a:solidFill>
+                <a:latin typeface="Verdana" panose="020B0604030504040204" pitchFamily="34" charset="0"/>
+              </a:rPr>
+              <a:t>;</a:t>
+            </a:r>
+          </a:p>
+          <a:p>
+            <a:pPr lvl="0" defTabSz="914400" eaLnBrk="0" fontAlgn="base" hangingPunct="0">
+              <a:lnSpc>
+                <a:spcPct val="100000"/>
+              </a:lnSpc>
+              <a:spcBef>
+                <a:spcPct val="0"/>
+              </a:spcBef>
+              <a:spcAft>
+                <a:spcPct val="0"/>
+              </a:spcAft>
+            </a:pPr>
+            <a:r>
+              <a:rPr lang="en-US" altLang="ru-RU" dirty="0">
+                <a:solidFill>
+                  <a:srgbClr val="FFFFFF"/>
+                </a:solidFill>
+                <a:latin typeface="Verdana" panose="020B0604030504040204" pitchFamily="34" charset="0"/>
+              </a:rPr>
+              <a:t> </a:t>
+            </a:r>
+            <a:r>
+              <a:rPr lang="en-US" altLang="ru-RU" dirty="0" smtClean="0">
+                <a:solidFill>
+                  <a:srgbClr val="FFFFFF"/>
+                </a:solidFill>
+                <a:latin typeface="Verdana" panose="020B0604030504040204" pitchFamily="34" charset="0"/>
+              </a:rPr>
+              <a:t> </a:t>
+            </a:r>
+            <a:r>
+              <a:rPr lang="en-US" altLang="ru-RU" dirty="0" err="1" smtClean="0">
+                <a:solidFill>
+                  <a:srgbClr val="FFFFFF"/>
+                </a:solidFill>
+                <a:latin typeface="Verdana" panose="020B0604030504040204" pitchFamily="34" charset="0"/>
+              </a:rPr>
+              <a:t>int</a:t>
+            </a:r>
+            <a:r>
+              <a:rPr lang="ru-RU" altLang="ru-RU" dirty="0" smtClean="0">
+                <a:solidFill>
+                  <a:srgbClr val="FFFFFF"/>
+                </a:solidFill>
+                <a:latin typeface="Verdana" panose="020B0604030504040204" pitchFamily="34" charset="0"/>
+              </a:rPr>
+              <a:t> </a:t>
+            </a:r>
+            <a:r>
+              <a:rPr lang="ru-RU" altLang="ru-RU" dirty="0">
+                <a:solidFill>
+                  <a:srgbClr val="5BCD9D"/>
+                </a:solidFill>
+                <a:latin typeface="Verdana" panose="020B0604030504040204" pitchFamily="34" charset="0"/>
+              </a:rPr>
+              <a:t>b </a:t>
+            </a:r>
+            <a:r>
+              <a:rPr lang="ru-RU" altLang="ru-RU" dirty="0">
+                <a:solidFill>
+                  <a:srgbClr val="FFFFFF"/>
+                </a:solidFill>
+                <a:latin typeface="Verdana" panose="020B0604030504040204" pitchFamily="34" charset="0"/>
+              </a:rPr>
+              <a:t>= 2;</a:t>
+            </a:r>
+            <a:br>
+              <a:rPr lang="ru-RU" altLang="ru-RU" dirty="0">
+                <a:solidFill>
+                  <a:srgbClr val="FFFFFF"/>
+                </a:solidFill>
+                <a:latin typeface="Verdana" panose="020B0604030504040204" pitchFamily="34" charset="0"/>
+              </a:rPr>
+            </a:br>
+            <a:r>
+              <a:rPr lang="ru-RU" altLang="ru-RU" dirty="0">
+                <a:solidFill>
+                  <a:srgbClr val="FFFFFF"/>
+                </a:solidFill>
+                <a:latin typeface="Verdana" panose="020B0604030504040204" pitchFamily="34" charset="0"/>
+              </a:rPr>
+              <a:t>  </a:t>
+            </a:r>
+            <a:r>
+              <a:rPr lang="ru-RU" altLang="ru-RU" dirty="0" err="1">
+                <a:solidFill>
+                  <a:srgbClr val="FFCC00"/>
+                </a:solidFill>
+                <a:latin typeface="Verdana" panose="020B0604030504040204" pitchFamily="34" charset="0"/>
+              </a:rPr>
+              <a:t>Swap</a:t>
+            </a:r>
+            <a:r>
+              <a:rPr lang="ru-RU" altLang="ru-RU" dirty="0">
+                <a:solidFill>
+                  <a:srgbClr val="FFFFFF"/>
+                </a:solidFill>
+                <a:latin typeface="Verdana" panose="020B0604030504040204" pitchFamily="34" charset="0"/>
+              </a:rPr>
+              <a:t>(&amp;</a:t>
+            </a:r>
+            <a:r>
+              <a:rPr lang="ru-RU" altLang="ru-RU" dirty="0">
+                <a:solidFill>
+                  <a:srgbClr val="5BCD9D"/>
+                </a:solidFill>
+                <a:latin typeface="Verdana" panose="020B0604030504040204" pitchFamily="34" charset="0"/>
+              </a:rPr>
+              <a:t>a</a:t>
+            </a:r>
+            <a:r>
+              <a:rPr lang="ru-RU" altLang="ru-RU" dirty="0">
+                <a:solidFill>
+                  <a:srgbClr val="FFFFFF"/>
+                </a:solidFill>
+                <a:latin typeface="Verdana" panose="020B0604030504040204" pitchFamily="34" charset="0"/>
+              </a:rPr>
+              <a:t>, &amp;</a:t>
+            </a:r>
+            <a:r>
+              <a:rPr lang="ru-RU" altLang="ru-RU" dirty="0">
+                <a:solidFill>
+                  <a:srgbClr val="5BCD9D"/>
+                </a:solidFill>
+                <a:latin typeface="Verdana" panose="020B0604030504040204" pitchFamily="34" charset="0"/>
+              </a:rPr>
+              <a:t>b</a:t>
+            </a:r>
+            <a:r>
+              <a:rPr lang="ru-RU" altLang="ru-RU" dirty="0">
+                <a:solidFill>
+                  <a:srgbClr val="FFFFFF"/>
+                </a:solidFill>
+                <a:latin typeface="Verdana" panose="020B0604030504040204" pitchFamily="34" charset="0"/>
+              </a:rPr>
+              <a:t>);</a:t>
+            </a:r>
+            <a:br>
+              <a:rPr lang="ru-RU" altLang="ru-RU" dirty="0">
+                <a:solidFill>
+                  <a:srgbClr val="FFFFFF"/>
+                </a:solidFill>
+                <a:latin typeface="Verdana" panose="020B0604030504040204" pitchFamily="34" charset="0"/>
+              </a:rPr>
+            </a:br>
+            <a:r>
+              <a:rPr lang="ru-RU" altLang="ru-RU" dirty="0">
+                <a:solidFill>
+                  <a:srgbClr val="FFFFFF"/>
+                </a:solidFill>
+                <a:latin typeface="Verdana" panose="020B0604030504040204" pitchFamily="34" charset="0"/>
+              </a:rPr>
+              <a:t>  </a:t>
+            </a:r>
+            <a:r>
+              <a:rPr lang="ru-RU" altLang="ru-RU" dirty="0">
+                <a:solidFill>
+                  <a:srgbClr val="72C3E0"/>
+                </a:solidFill>
+                <a:latin typeface="Verdana" panose="020B0604030504040204" pitchFamily="34" charset="0"/>
+              </a:rPr>
+              <a:t>ASSERT_EQUAL</a:t>
+            </a:r>
+            <a:r>
+              <a:rPr lang="ru-RU" altLang="ru-RU" dirty="0">
+                <a:solidFill>
+                  <a:srgbClr val="FFFFFF"/>
+                </a:solidFill>
+                <a:latin typeface="Verdana" panose="020B0604030504040204" pitchFamily="34" charset="0"/>
+              </a:rPr>
+              <a:t>(</a:t>
+            </a:r>
+            <a:r>
+              <a:rPr lang="ru-RU" altLang="ru-RU" dirty="0">
+                <a:solidFill>
+                  <a:srgbClr val="5BCD9D"/>
+                </a:solidFill>
+                <a:latin typeface="Verdana" panose="020B0604030504040204" pitchFamily="34" charset="0"/>
+              </a:rPr>
+              <a:t>a</a:t>
+            </a:r>
+            <a:r>
+              <a:rPr lang="ru-RU" altLang="ru-RU" dirty="0">
+                <a:solidFill>
+                  <a:srgbClr val="FFFFFF"/>
+                </a:solidFill>
+                <a:latin typeface="Verdana" panose="020B0604030504040204" pitchFamily="34" charset="0"/>
+              </a:rPr>
+              <a:t>, 2);</a:t>
+            </a:r>
+            <a:br>
+              <a:rPr lang="ru-RU" altLang="ru-RU" dirty="0">
+                <a:solidFill>
+                  <a:srgbClr val="FFFFFF"/>
+                </a:solidFill>
+                <a:latin typeface="Verdana" panose="020B0604030504040204" pitchFamily="34" charset="0"/>
+              </a:rPr>
+            </a:br>
+            <a:r>
+              <a:rPr lang="ru-RU" altLang="ru-RU" dirty="0">
+                <a:solidFill>
+                  <a:srgbClr val="FFFFFF"/>
+                </a:solidFill>
+                <a:latin typeface="Verdana" panose="020B0604030504040204" pitchFamily="34" charset="0"/>
+              </a:rPr>
+              <a:t>  </a:t>
+            </a:r>
+            <a:r>
+              <a:rPr lang="ru-RU" altLang="ru-RU" dirty="0">
+                <a:solidFill>
+                  <a:srgbClr val="72C3E0"/>
+                </a:solidFill>
+                <a:latin typeface="Verdana" panose="020B0604030504040204" pitchFamily="34" charset="0"/>
+              </a:rPr>
+              <a:t>ASSERT_EQUAL</a:t>
+            </a:r>
+            <a:r>
+              <a:rPr lang="ru-RU" altLang="ru-RU" dirty="0">
+                <a:solidFill>
+                  <a:srgbClr val="FFFFFF"/>
+                </a:solidFill>
+                <a:latin typeface="Verdana" panose="020B0604030504040204" pitchFamily="34" charset="0"/>
+              </a:rPr>
+              <a:t>(</a:t>
+            </a:r>
+            <a:r>
+              <a:rPr lang="ru-RU" altLang="ru-RU" dirty="0">
+                <a:solidFill>
+                  <a:srgbClr val="5BCD9D"/>
+                </a:solidFill>
+                <a:latin typeface="Verdana" panose="020B0604030504040204" pitchFamily="34" charset="0"/>
+              </a:rPr>
+              <a:t>b</a:t>
+            </a:r>
+            <a:r>
+              <a:rPr lang="ru-RU" altLang="ru-RU" dirty="0">
+                <a:solidFill>
+                  <a:srgbClr val="FFFFFF"/>
+                </a:solidFill>
+                <a:latin typeface="Verdana" panose="020B0604030504040204" pitchFamily="34" charset="0"/>
+              </a:rPr>
+              <a:t>, 1);</a:t>
+            </a:r>
+            <a:br>
+              <a:rPr lang="ru-RU" altLang="ru-RU" dirty="0">
+                <a:solidFill>
+                  <a:srgbClr val="FFFFFF"/>
+                </a:solidFill>
+                <a:latin typeface="Verdana" panose="020B0604030504040204" pitchFamily="34" charset="0"/>
+              </a:rPr>
+            </a:br>
+            <a:r>
+              <a:rPr lang="ru-RU" altLang="ru-RU" dirty="0">
+                <a:solidFill>
+                  <a:srgbClr val="FFFFFF"/>
+                </a:solidFill>
+                <a:latin typeface="Verdana" panose="020B0604030504040204" pitchFamily="34" charset="0"/>
+              </a:rPr>
+              <a:t>}</a:t>
+            </a:r>
+            <a:br>
+              <a:rPr lang="ru-RU" altLang="ru-RU" dirty="0">
+                <a:solidFill>
+                  <a:srgbClr val="FFFFFF"/>
+                </a:solidFill>
+                <a:latin typeface="Verdana" panose="020B0604030504040204" pitchFamily="34" charset="0"/>
+              </a:rPr>
+            </a:br>
+            <a:r>
+              <a:rPr lang="ru-RU" altLang="ru-RU" dirty="0">
+                <a:solidFill>
+                  <a:srgbClr val="FFFFFF"/>
+                </a:solidFill>
+                <a:latin typeface="Verdana" panose="020B0604030504040204" pitchFamily="34" charset="0"/>
+              </a:rPr>
+              <a:t/>
+            </a:r>
+            <a:br>
+              <a:rPr lang="ru-RU" altLang="ru-RU" dirty="0">
+                <a:solidFill>
+                  <a:srgbClr val="FFFFFF"/>
+                </a:solidFill>
+                <a:latin typeface="Verdana" panose="020B0604030504040204" pitchFamily="34" charset="0"/>
+              </a:rPr>
+            </a:br>
+            <a:r>
+              <a:rPr lang="ru-RU" altLang="ru-RU" dirty="0" err="1">
+                <a:solidFill>
+                  <a:srgbClr val="FFFFFF"/>
+                </a:solidFill>
+                <a:latin typeface="Verdana" panose="020B0604030504040204" pitchFamily="34" charset="0"/>
+              </a:rPr>
+              <a:t>int</a:t>
+            </a:r>
+            <a:r>
+              <a:rPr lang="ru-RU" altLang="ru-RU" dirty="0">
+                <a:solidFill>
+                  <a:srgbClr val="FFFFFF"/>
+                </a:solidFill>
+                <a:latin typeface="Verdana" panose="020B0604030504040204" pitchFamily="34" charset="0"/>
+              </a:rPr>
+              <a:t> </a:t>
+            </a:r>
+            <a:r>
+              <a:rPr lang="ru-RU" altLang="ru-RU" dirty="0" err="1">
+                <a:solidFill>
+                  <a:srgbClr val="FFCC00"/>
+                </a:solidFill>
+                <a:latin typeface="Verdana" panose="020B0604030504040204" pitchFamily="34" charset="0"/>
+              </a:rPr>
+              <a:t>main</a:t>
+            </a:r>
+            <a:r>
+              <a:rPr lang="ru-RU" altLang="ru-RU" dirty="0">
+                <a:solidFill>
+                  <a:srgbClr val="FFFFFF"/>
+                </a:solidFill>
+                <a:latin typeface="Verdana" panose="020B0604030504040204" pitchFamily="34" charset="0"/>
+              </a:rPr>
+              <a:t>() {</a:t>
+            </a:r>
+            <a:br>
+              <a:rPr lang="ru-RU" altLang="ru-RU" dirty="0">
+                <a:solidFill>
+                  <a:srgbClr val="FFFFFF"/>
+                </a:solidFill>
+                <a:latin typeface="Verdana" panose="020B0604030504040204" pitchFamily="34" charset="0"/>
+              </a:rPr>
+            </a:br>
+            <a:r>
+              <a:rPr lang="ru-RU" altLang="ru-RU" dirty="0">
+                <a:solidFill>
+                  <a:srgbClr val="FFFFFF"/>
+                </a:solidFill>
+                <a:latin typeface="Verdana" panose="020B0604030504040204" pitchFamily="34" charset="0"/>
+              </a:rPr>
+              <a:t>  </a:t>
+            </a:r>
+            <a:r>
+              <a:rPr lang="ru-RU" altLang="ru-RU" dirty="0" err="1">
+                <a:solidFill>
+                  <a:srgbClr val="FFCC00"/>
+                </a:solidFill>
+                <a:latin typeface="Verdana" panose="020B0604030504040204" pitchFamily="34" charset="0"/>
+              </a:rPr>
+              <a:t>TestRunner</a:t>
+            </a:r>
+            <a:r>
+              <a:rPr lang="ru-RU" altLang="ru-RU" dirty="0">
+                <a:solidFill>
+                  <a:srgbClr val="FFCC00"/>
+                </a:solidFill>
+                <a:latin typeface="Verdana" panose="020B0604030504040204" pitchFamily="34" charset="0"/>
+              </a:rPr>
+              <a:t> </a:t>
+            </a:r>
+            <a:r>
+              <a:rPr lang="ru-RU" altLang="ru-RU" dirty="0" err="1">
+                <a:solidFill>
+                  <a:srgbClr val="5BCD9D"/>
+                </a:solidFill>
+                <a:latin typeface="Verdana" panose="020B0604030504040204" pitchFamily="34" charset="0"/>
+              </a:rPr>
+              <a:t>tr</a:t>
+            </a:r>
+            <a:r>
+              <a:rPr lang="ru-RU" altLang="ru-RU" dirty="0">
+                <a:solidFill>
+                  <a:srgbClr val="FFFFFF"/>
+                </a:solidFill>
+                <a:latin typeface="Verdana" panose="020B0604030504040204" pitchFamily="34" charset="0"/>
+              </a:rPr>
+              <a:t>;</a:t>
+            </a:r>
+            <a:br>
+              <a:rPr lang="ru-RU" altLang="ru-RU" dirty="0">
+                <a:solidFill>
+                  <a:srgbClr val="FFFFFF"/>
+                </a:solidFill>
+                <a:latin typeface="Verdana" panose="020B0604030504040204" pitchFamily="34" charset="0"/>
+              </a:rPr>
+            </a:br>
+            <a:r>
+              <a:rPr lang="ru-RU" altLang="ru-RU" dirty="0">
+                <a:solidFill>
+                  <a:srgbClr val="FFFFFF"/>
+                </a:solidFill>
+                <a:latin typeface="Verdana" panose="020B0604030504040204" pitchFamily="34" charset="0"/>
+              </a:rPr>
+              <a:t>  </a:t>
+            </a:r>
+            <a:r>
+              <a:rPr lang="ru-RU" altLang="ru-RU" dirty="0">
+                <a:solidFill>
+                  <a:srgbClr val="72C3E0"/>
+                </a:solidFill>
+                <a:latin typeface="Verdana" panose="020B0604030504040204" pitchFamily="34" charset="0"/>
+              </a:rPr>
+              <a:t>RUN_TEST</a:t>
+            </a:r>
+            <a:r>
+              <a:rPr lang="ru-RU" altLang="ru-RU" dirty="0">
+                <a:solidFill>
+                  <a:srgbClr val="FFFFFF"/>
+                </a:solidFill>
+                <a:latin typeface="Verdana" panose="020B0604030504040204" pitchFamily="34" charset="0"/>
+              </a:rPr>
+              <a:t>(</a:t>
+            </a:r>
+            <a:r>
+              <a:rPr lang="ru-RU" altLang="ru-RU" dirty="0" err="1">
+                <a:solidFill>
+                  <a:srgbClr val="5BCD9D"/>
+                </a:solidFill>
+                <a:latin typeface="Verdana" panose="020B0604030504040204" pitchFamily="34" charset="0"/>
+              </a:rPr>
+              <a:t>tr</a:t>
+            </a:r>
+            <a:r>
+              <a:rPr lang="ru-RU" altLang="ru-RU" dirty="0">
+                <a:solidFill>
+                  <a:srgbClr val="FFFFFF"/>
+                </a:solidFill>
+                <a:latin typeface="Verdana" panose="020B0604030504040204" pitchFamily="34" charset="0"/>
+              </a:rPr>
+              <a:t>, </a:t>
+            </a:r>
+            <a:r>
+              <a:rPr lang="ru-RU" altLang="ru-RU" dirty="0" err="1">
+                <a:solidFill>
+                  <a:srgbClr val="FFCC00"/>
+                </a:solidFill>
+                <a:latin typeface="Verdana" panose="020B0604030504040204" pitchFamily="34" charset="0"/>
+              </a:rPr>
+              <a:t>TestSwap</a:t>
+            </a:r>
+            <a:r>
+              <a:rPr lang="ru-RU" altLang="ru-RU" dirty="0">
+                <a:solidFill>
+                  <a:srgbClr val="FFFFFF"/>
+                </a:solidFill>
+                <a:latin typeface="Verdana" panose="020B0604030504040204" pitchFamily="34" charset="0"/>
+              </a:rPr>
+              <a:t>);</a:t>
+            </a:r>
+            <a:br>
+              <a:rPr lang="ru-RU" altLang="ru-RU" dirty="0">
+                <a:solidFill>
+                  <a:srgbClr val="FFFFFF"/>
+                </a:solidFill>
+                <a:latin typeface="Verdana" panose="020B0604030504040204" pitchFamily="34" charset="0"/>
+              </a:rPr>
+            </a:br>
+            <a:r>
+              <a:rPr lang="ru-RU" altLang="ru-RU" dirty="0" smtClean="0">
+                <a:solidFill>
+                  <a:srgbClr val="FFFFFF"/>
+                </a:solidFill>
+                <a:latin typeface="Verdana" panose="020B0604030504040204" pitchFamily="34" charset="0"/>
+              </a:rPr>
+              <a:t>}</a:t>
+            </a:r>
+            <a:endParaRPr lang="ru-RU" altLang="ru-RU" sz="6600" dirty="0">
+              <a:solidFill>
+                <a:schemeClr val="tx1"/>
+              </a:solidFill>
+              <a:latin typeface="Arial" panose="020B0604020202020204" pitchFamily="34" charset="0"/>
+            </a:endParaRPr>
           </a:p>
         </p:txBody>
       </p:sp>
@@ -14736,6 +15542,2535 @@
 </file>
 
 <file path=ppt/slides/slide19.xml><?xml version="1.0" encoding="utf-8"?>
+<p:sld xmlns:a="http://schemas.openxmlformats.org/drawingml/2006/main" xmlns:r="http://schemas.openxmlformats.org/officeDocument/2006/relationships" xmlns:p="http://schemas.openxmlformats.org/presentationml/2006/main">
+  <p:cSld>
+    <p:spTree>
+      <p:nvGrpSpPr>
+        <p:cNvPr id="1" name=""/>
+        <p:cNvGrpSpPr/>
+        <p:nvPr/>
+      </p:nvGrpSpPr>
+      <p:grpSpPr>
+        <a:xfrm>
+          <a:off x="0" y="0"/>
+          <a:ext cx="0" cy="0"/>
+          <a:chOff x="0" y="0"/>
+          <a:chExt cx="0" cy="0"/>
+        </a:xfrm>
+      </p:grpSpPr>
+      <p:sp>
+        <p:nvSpPr>
+          <p:cNvPr id="2" name="Заголовок 1"/>
+          <p:cNvSpPr>
+            <a:spLocks noGrp="1"/>
+          </p:cNvSpPr>
+          <p:nvPr>
+            <p:ph type="ctrTitle"/>
+          </p:nvPr>
+        </p:nvSpPr>
+        <p:spPr/>
+        <p:txBody>
+          <a:bodyPr/>
+          <a:lstStyle/>
+          <a:p>
+            <a:r>
+              <a:rPr lang="ru-RU" dirty="0" smtClean="0"/>
+              <a:t>Тестирование решений участников</a:t>
+            </a:r>
+            <a:endParaRPr lang="ru-RU" dirty="0"/>
+          </a:p>
+        </p:txBody>
+      </p:sp>
+      <p:sp>
+        <p:nvSpPr>
+          <p:cNvPr id="3" name="Текст 2"/>
+          <p:cNvSpPr>
+            <a:spLocks noGrp="1"/>
+          </p:cNvSpPr>
+          <p:nvPr>
+            <p:ph type="body" idx="1"/>
+          </p:nvPr>
+        </p:nvSpPr>
+        <p:spPr/>
+        <p:txBody>
+          <a:bodyPr/>
+          <a:lstStyle/>
+          <a:p>
+            <a:endParaRPr lang="ru-RU"/>
+          </a:p>
+        </p:txBody>
+      </p:sp>
+    </p:spTree>
+    <p:extLst>
+      <p:ext uri="{BB962C8B-B14F-4D97-AF65-F5344CB8AC3E}">
+        <p14:creationId xmlns:p14="http://schemas.microsoft.com/office/powerpoint/2010/main" val="2574184432"/>
+      </p:ext>
+    </p:extLst>
+  </p:cSld>
+  <p:clrMapOvr>
+    <a:masterClrMapping/>
+  </p:clrMapOvr>
+</p:sld>
+</file>
+
+<file path=ppt/slides/slide2.xml><?xml version="1.0" encoding="utf-8"?>
+<p:sld xmlns:a="http://schemas.openxmlformats.org/drawingml/2006/main" xmlns:r="http://schemas.openxmlformats.org/officeDocument/2006/relationships" xmlns:p="http://schemas.openxmlformats.org/presentationml/2006/main">
+  <p:cSld>
+    <p:spTree>
+      <p:nvGrpSpPr>
+        <p:cNvPr id="1" name=""/>
+        <p:cNvGrpSpPr/>
+        <p:nvPr/>
+      </p:nvGrpSpPr>
+      <p:grpSpPr>
+        <a:xfrm>
+          <a:off x="0" y="0"/>
+          <a:ext cx="0" cy="0"/>
+          <a:chOff x="0" y="0"/>
+          <a:chExt cx="0" cy="0"/>
+        </a:xfrm>
+      </p:grpSpPr>
+      <p:sp>
+        <p:nvSpPr>
+          <p:cNvPr id="2" name="Заголовок 1"/>
+          <p:cNvSpPr>
+            <a:spLocks noGrp="1"/>
+          </p:cNvSpPr>
+          <p:nvPr>
+            <p:ph type="ctrTitle"/>
+          </p:nvPr>
+        </p:nvSpPr>
+        <p:spPr>
+          <a:xfrm>
+            <a:off x="3048000" y="3048000"/>
+            <a:ext cx="18683206" cy="7249764"/>
+          </a:xfrm>
+        </p:spPr>
+        <p:txBody>
+          <a:bodyPr/>
+          <a:lstStyle/>
+          <a:p>
+            <a:r>
+              <a:rPr lang="ru-RU" dirty="0"/>
+              <a:t>Просто о сложном: опыт создания курсов на </a:t>
+            </a:r>
+            <a:r>
+              <a:rPr lang="ru-RU" dirty="0" err="1"/>
+              <a:t>Coursera</a:t>
+            </a:r>
+            <a:endParaRPr lang="ru-RU" dirty="0"/>
+          </a:p>
+        </p:txBody>
+      </p:sp>
+      <p:sp>
+        <p:nvSpPr>
+          <p:cNvPr id="3" name="Подзаголовок 2"/>
+          <p:cNvSpPr>
+            <a:spLocks noGrp="1"/>
+          </p:cNvSpPr>
+          <p:nvPr>
+            <p:ph type="subTitle" idx="1"/>
+          </p:nvPr>
+        </p:nvSpPr>
+        <p:spPr/>
+        <p:txBody>
+          <a:bodyPr/>
+          <a:lstStyle/>
+          <a:p>
+            <a:r>
+              <a:rPr lang="ru-RU" dirty="0"/>
+              <a:t>Илья </a:t>
+            </a:r>
+            <a:r>
+              <a:rPr lang="ru-RU" dirty="0" smtClean="0"/>
+              <a:t>Шишков, старший разработчик</a:t>
+            </a:r>
+            <a:endParaRPr lang="ru-RU" dirty="0"/>
+          </a:p>
+        </p:txBody>
+      </p:sp>
+      <p:sp>
+        <p:nvSpPr>
+          <p:cNvPr id="4" name="Рисунок 3"/>
+          <p:cNvSpPr>
+            <a:spLocks noGrp="1"/>
+          </p:cNvSpPr>
+          <p:nvPr>
+            <p:ph type="pic" sz="quarter" idx="13"/>
+          </p:nvPr>
+        </p:nvSpPr>
+        <p:spPr/>
+      </p:sp>
+      <p:pic>
+        <p:nvPicPr>
+          <p:cNvPr id="7" name="Рисунок 6"/>
+          <p:cNvPicPr>
+            <a:picLocks noGrp="1" noChangeAspect="1"/>
+          </p:cNvPicPr>
+          <p:nvPr>
+            <p:ph type="pic" sz="quarter" idx="14"/>
+          </p:nvPr>
+        </p:nvPicPr>
+        <p:blipFill rotWithShape="1">
+          <a:blip r:embed="rId2">
+            <a:extLst>
+              <a:ext uri="{28A0092B-C50C-407E-A947-70E740481C1C}">
+                <a14:useLocalDpi xmlns:a14="http://schemas.microsoft.com/office/drawing/2010/main" val="0"/>
+              </a:ext>
+            </a:extLst>
+          </a:blip>
+          <a:srcRect t="13107" b="14501"/>
+          <a:stretch/>
+        </p:blipFill>
+        <p:spPr>
+          <a:xfrm>
+            <a:off x="16770112" y="1935158"/>
+            <a:ext cx="3816588" cy="1040350"/>
+          </a:xfrm>
+        </p:spPr>
+      </p:pic>
+    </p:spTree>
+    <p:extLst>
+      <p:ext uri="{BB962C8B-B14F-4D97-AF65-F5344CB8AC3E}">
+        <p14:creationId xmlns:p14="http://schemas.microsoft.com/office/powerpoint/2010/main" val="1840561225"/>
+      </p:ext>
+    </p:extLst>
+  </p:cSld>
+  <p:clrMapOvr>
+    <a:masterClrMapping/>
+  </p:clrMapOvr>
+  <p:timing>
+    <p:tnLst>
+      <p:par>
+        <p:cTn id="1" dur="indefinite" restart="never" nodeType="tmRoot"/>
+      </p:par>
+    </p:tnLst>
+  </p:timing>
+</p:sld>
+</file>
+
+<file path=ppt/slides/slide20.xml><?xml version="1.0" encoding="utf-8"?>
+<p:sld xmlns:a="http://schemas.openxmlformats.org/drawingml/2006/main" xmlns:r="http://schemas.openxmlformats.org/officeDocument/2006/relationships" xmlns:p="http://schemas.openxmlformats.org/presentationml/2006/main">
+  <p:cSld>
+    <p:spTree>
+      <p:nvGrpSpPr>
+        <p:cNvPr id="1" name=""/>
+        <p:cNvGrpSpPr/>
+        <p:nvPr/>
+      </p:nvGrpSpPr>
+      <p:grpSpPr>
+        <a:xfrm>
+          <a:off x="0" y="0"/>
+          <a:ext cx="0" cy="0"/>
+          <a:chOff x="0" y="0"/>
+          <a:chExt cx="0" cy="0"/>
+        </a:xfrm>
+      </p:grpSpPr>
+      <p:sp>
+        <p:nvSpPr>
+          <p:cNvPr id="2" name="Заголовок 1"/>
+          <p:cNvSpPr>
+            <a:spLocks noGrp="1"/>
+          </p:cNvSpPr>
+          <p:nvPr>
+            <p:ph type="title"/>
+          </p:nvPr>
+        </p:nvSpPr>
+        <p:spPr/>
+        <p:txBody>
+          <a:bodyPr/>
+          <a:lstStyle/>
+          <a:p>
+            <a:r>
+              <a:rPr lang="ru-RU" dirty="0" smtClean="0"/>
+              <a:t>Типы задач на курсах</a:t>
+            </a:r>
+            <a:endParaRPr lang="ru-RU" dirty="0"/>
+          </a:p>
+        </p:txBody>
+      </p:sp>
+      <p:sp>
+        <p:nvSpPr>
+          <p:cNvPr id="3" name="Объект 2"/>
+          <p:cNvSpPr>
+            <a:spLocks noGrp="1"/>
+          </p:cNvSpPr>
+          <p:nvPr>
+            <p:ph idx="1"/>
+          </p:nvPr>
+        </p:nvSpPr>
+        <p:spPr/>
+        <p:txBody>
+          <a:bodyPr/>
+          <a:lstStyle/>
+          <a:p>
+            <a:pPr lvl="1"/>
+            <a:r>
+              <a:rPr lang="ru-RU" dirty="0" smtClean="0"/>
+              <a:t>Большинство задач относится к одной из двух категорий</a:t>
+            </a:r>
+            <a:r>
+              <a:rPr lang="en-US" dirty="0" smtClean="0"/>
+              <a:t>:</a:t>
+            </a:r>
+            <a:endParaRPr lang="ru-RU" dirty="0" smtClean="0"/>
+          </a:p>
+          <a:p>
+            <a:pPr lvl="2"/>
+            <a:r>
+              <a:rPr lang="ru-RU" dirty="0" smtClean="0"/>
+              <a:t>Написать программу </a:t>
+            </a:r>
+            <a:r>
+              <a:rPr lang="en-US" dirty="0" err="1" smtClean="0"/>
+              <a:t>stdin</a:t>
+            </a:r>
+            <a:r>
+              <a:rPr lang="ru-RU" dirty="0" smtClean="0"/>
+              <a:t> </a:t>
+            </a:r>
+            <a:r>
+              <a:rPr lang="en-US" dirty="0" smtClean="0"/>
+              <a:t>→ </a:t>
+            </a:r>
+            <a:r>
+              <a:rPr lang="en-US" dirty="0" err="1" smtClean="0"/>
+              <a:t>stdout</a:t>
+            </a:r>
+            <a:endParaRPr lang="en-US" dirty="0" smtClean="0"/>
+          </a:p>
+          <a:p>
+            <a:pPr lvl="2"/>
+            <a:r>
+              <a:rPr lang="ru-RU" dirty="0" smtClean="0"/>
+              <a:t>Реализовать функцию/класс/шаблон с заданным интерфейсом</a:t>
+            </a:r>
+            <a:endParaRPr lang="ru-RU" dirty="0"/>
+          </a:p>
+        </p:txBody>
+      </p:sp>
+      <p:sp>
+        <p:nvSpPr>
+          <p:cNvPr id="4" name="Нижний колонтитул 3"/>
+          <p:cNvSpPr>
+            <a:spLocks noGrp="1"/>
+          </p:cNvSpPr>
+          <p:nvPr>
+            <p:ph type="ftr" sz="quarter" idx="11"/>
+          </p:nvPr>
+        </p:nvSpPr>
+        <p:spPr/>
+        <p:txBody>
+          <a:bodyPr/>
+          <a:lstStyle/>
+          <a:p>
+            <a:endParaRPr lang="ru-RU"/>
+          </a:p>
+        </p:txBody>
+      </p:sp>
+      <p:sp>
+        <p:nvSpPr>
+          <p:cNvPr id="5" name="Номер слайда 4"/>
+          <p:cNvSpPr>
+            <a:spLocks noGrp="1"/>
+          </p:cNvSpPr>
+          <p:nvPr>
+            <p:ph type="sldNum" sz="quarter" idx="12"/>
+          </p:nvPr>
+        </p:nvSpPr>
+        <p:spPr/>
+        <p:txBody>
+          <a:bodyPr/>
+          <a:lstStyle/>
+          <a:p>
+            <a:fld id="{741C03D3-FA44-40EC-9A21-1FC4FEA3E22E}" type="slidenum">
+              <a:rPr lang="ru-RU" smtClean="0"/>
+              <a:t>20</a:t>
+            </a:fld>
+            <a:endParaRPr lang="ru-RU"/>
+          </a:p>
+        </p:txBody>
+      </p:sp>
+    </p:spTree>
+    <p:extLst>
+      <p:ext uri="{BB962C8B-B14F-4D97-AF65-F5344CB8AC3E}">
+        <p14:creationId xmlns:p14="http://schemas.microsoft.com/office/powerpoint/2010/main" val="2421341709"/>
+      </p:ext>
+    </p:extLst>
+  </p:cSld>
+  <p:clrMapOvr>
+    <a:masterClrMapping/>
+  </p:clrMapOvr>
+  <p:timing>
+    <p:tnLst>
+      <p:par>
+        <p:cTn id="1" dur="indefinite" restart="never" nodeType="tmRoot"/>
+      </p:par>
+    </p:tnLst>
+  </p:timing>
+</p:sld>
+</file>
+
+<file path=ppt/slides/slide21.xml><?xml version="1.0" encoding="utf-8"?>
+<p:sld xmlns:a="http://schemas.openxmlformats.org/drawingml/2006/main" xmlns:r="http://schemas.openxmlformats.org/officeDocument/2006/relationships" xmlns:p="http://schemas.openxmlformats.org/presentationml/2006/main">
+  <p:cSld>
+    <p:spTree>
+      <p:nvGrpSpPr>
+        <p:cNvPr id="1" name=""/>
+        <p:cNvGrpSpPr/>
+        <p:nvPr/>
+      </p:nvGrpSpPr>
+      <p:grpSpPr>
+        <a:xfrm>
+          <a:off x="0" y="0"/>
+          <a:ext cx="0" cy="0"/>
+          <a:chOff x="0" y="0"/>
+          <a:chExt cx="0" cy="0"/>
+        </a:xfrm>
+      </p:grpSpPr>
+      <p:sp>
+        <p:nvSpPr>
+          <p:cNvPr id="2" name="Заголовок 1"/>
+          <p:cNvSpPr>
+            <a:spLocks noGrp="1"/>
+          </p:cNvSpPr>
+          <p:nvPr>
+            <p:ph type="title"/>
+          </p:nvPr>
+        </p:nvSpPr>
+        <p:spPr/>
+        <p:txBody>
+          <a:bodyPr/>
+          <a:lstStyle/>
+          <a:p>
+            <a:r>
+              <a:rPr lang="ru-RU" dirty="0" smtClean="0"/>
+              <a:t>Тестирование задач </a:t>
+            </a:r>
+            <a:r>
+              <a:rPr lang="en-US" dirty="0" err="1"/>
+              <a:t>stdin</a:t>
+            </a:r>
+            <a:r>
+              <a:rPr lang="ru-RU" dirty="0" smtClean="0"/>
+              <a:t> </a:t>
+            </a:r>
+            <a:r>
+              <a:rPr lang="en-US" dirty="0" smtClean="0"/>
+              <a:t>→ </a:t>
+            </a:r>
+            <a:r>
+              <a:rPr lang="en-US" dirty="0" err="1" smtClean="0"/>
+              <a:t>stdout</a:t>
+            </a:r>
+            <a:endParaRPr lang="ru-RU" dirty="0"/>
+          </a:p>
+        </p:txBody>
+      </p:sp>
+      <p:sp>
+        <p:nvSpPr>
+          <p:cNvPr id="3" name="Нижний колонтитул 2"/>
+          <p:cNvSpPr>
+            <a:spLocks noGrp="1"/>
+          </p:cNvSpPr>
+          <p:nvPr>
+            <p:ph type="ftr" sz="quarter" idx="11"/>
+          </p:nvPr>
+        </p:nvSpPr>
+        <p:spPr/>
+        <p:txBody>
+          <a:bodyPr/>
+          <a:lstStyle/>
+          <a:p>
+            <a:endParaRPr lang="ru-RU" dirty="0"/>
+          </a:p>
+        </p:txBody>
+      </p:sp>
+      <p:sp>
+        <p:nvSpPr>
+          <p:cNvPr id="4" name="Номер слайда 3"/>
+          <p:cNvSpPr>
+            <a:spLocks noGrp="1"/>
+          </p:cNvSpPr>
+          <p:nvPr>
+            <p:ph type="sldNum" sz="quarter" idx="12"/>
+          </p:nvPr>
+        </p:nvSpPr>
+        <p:spPr/>
+        <p:txBody>
+          <a:bodyPr/>
+          <a:lstStyle/>
+          <a:p>
+            <a:fld id="{741C03D3-FA44-40EC-9A21-1FC4FEA3E22E}" type="slidenum">
+              <a:rPr lang="ru-RU" smtClean="0"/>
+              <a:t>21</a:t>
+            </a:fld>
+            <a:endParaRPr lang="ru-RU" dirty="0"/>
+          </a:p>
+        </p:txBody>
+      </p:sp>
+      <p:pic>
+        <p:nvPicPr>
+          <p:cNvPr id="5" name="Рисунок 4"/>
+          <p:cNvPicPr>
+            <a:picLocks noChangeAspect="1"/>
+          </p:cNvPicPr>
+          <p:nvPr/>
+        </p:nvPicPr>
+        <p:blipFill>
+          <a:blip r:embed="rId2">
+            <a:extLst>
+              <a:ext uri="{28A0092B-C50C-407E-A947-70E740481C1C}">
+                <a14:useLocalDpi xmlns:a14="http://schemas.microsoft.com/office/drawing/2010/main" val="0"/>
+              </a:ext>
+            </a:extLst>
+          </a:blip>
+          <a:stretch>
+            <a:fillRect/>
+          </a:stretch>
+        </p:blipFill>
+        <p:spPr>
+          <a:xfrm>
+            <a:off x="1143000" y="6097413"/>
+            <a:ext cx="2744384" cy="2286987"/>
+          </a:xfrm>
+          <a:prstGeom prst="rect">
+            <a:avLst/>
+          </a:prstGeom>
+        </p:spPr>
+      </p:pic>
+      <p:sp>
+        <p:nvSpPr>
+          <p:cNvPr id="9" name="Docker"/>
+          <p:cNvSpPr/>
+          <p:nvPr/>
+        </p:nvSpPr>
+        <p:spPr>
+          <a:xfrm>
+            <a:off x="5322406" y="3041650"/>
+            <a:ext cx="17935199" cy="9158288"/>
+          </a:xfrm>
+          <a:prstGeom prst="rect">
+            <a:avLst/>
+          </a:prstGeom>
+          <a:solidFill>
+            <a:schemeClr val="accent1"/>
+          </a:solidFill>
+          <a:ln w="38100">
+            <a:solidFill>
+              <a:schemeClr val="tx1"/>
+            </a:solidFill>
+          </a:ln>
+        </p:spPr>
+        <p:style>
+          <a:lnRef idx="2">
+            <a:schemeClr val="accent1">
+              <a:shade val="50000"/>
+            </a:schemeClr>
+          </a:lnRef>
+          <a:fillRef idx="1">
+            <a:schemeClr val="accent1"/>
+          </a:fillRef>
+          <a:effectRef idx="0">
+            <a:schemeClr val="accent1"/>
+          </a:effectRef>
+          <a:fontRef idx="minor">
+            <a:schemeClr val="lt1"/>
+          </a:fontRef>
+        </p:style>
+        <p:txBody>
+          <a:bodyPr rtlCol="0" anchor="b"/>
+          <a:lstStyle/>
+          <a:p>
+            <a:pPr algn="r"/>
+            <a:r>
+              <a:rPr lang="en-US" sz="4400" dirty="0" smtClean="0">
+                <a:solidFill>
+                  <a:schemeClr val="tx1"/>
+                </a:solidFill>
+              </a:rPr>
+              <a:t>Docker</a:t>
+            </a:r>
+            <a:endParaRPr lang="ru-RU" sz="4400" dirty="0" err="1" smtClean="0">
+              <a:solidFill>
+                <a:schemeClr val="tx1"/>
+              </a:solidFill>
+            </a:endParaRPr>
+          </a:p>
+        </p:txBody>
+      </p:sp>
+      <p:sp>
+        <p:nvSpPr>
+          <p:cNvPr id="10" name="Linux"/>
+          <p:cNvSpPr/>
+          <p:nvPr/>
+        </p:nvSpPr>
+        <p:spPr>
+          <a:xfrm>
+            <a:off x="5704006" y="3424238"/>
+            <a:ext cx="17171869" cy="8012962"/>
+          </a:xfrm>
+          <a:prstGeom prst="rect">
+            <a:avLst/>
+          </a:prstGeom>
+          <a:solidFill>
+            <a:schemeClr val="tx2"/>
+          </a:solidFill>
+          <a:ln w="38100">
+            <a:solidFill>
+              <a:schemeClr val="tx1"/>
+            </a:solidFill>
+          </a:ln>
+        </p:spPr>
+        <p:style>
+          <a:lnRef idx="2">
+            <a:schemeClr val="accent1">
+              <a:shade val="50000"/>
+            </a:schemeClr>
+          </a:lnRef>
+          <a:fillRef idx="1">
+            <a:schemeClr val="accent1"/>
+          </a:fillRef>
+          <a:effectRef idx="0">
+            <a:schemeClr val="accent1"/>
+          </a:effectRef>
+          <a:fontRef idx="minor">
+            <a:schemeClr val="lt1"/>
+          </a:fontRef>
+        </p:style>
+        <p:txBody>
+          <a:bodyPr rtlCol="0" anchor="b"/>
+          <a:lstStyle/>
+          <a:p>
+            <a:pPr algn="r"/>
+            <a:r>
+              <a:rPr lang="en-US" sz="4400" dirty="0" smtClean="0">
+                <a:solidFill>
+                  <a:schemeClr val="tx1"/>
+                </a:solidFill>
+              </a:rPr>
+              <a:t>Linux</a:t>
+            </a:r>
+            <a:endParaRPr lang="ru-RU" sz="4400" dirty="0" err="1" smtClean="0">
+              <a:solidFill>
+                <a:schemeClr val="tx1"/>
+              </a:solidFill>
+            </a:endParaRPr>
+          </a:p>
+        </p:txBody>
+      </p:sp>
+      <p:sp>
+        <p:nvSpPr>
+          <p:cNvPr id="11" name="Python"/>
+          <p:cNvSpPr/>
+          <p:nvPr/>
+        </p:nvSpPr>
+        <p:spPr>
+          <a:xfrm>
+            <a:off x="6085606" y="3805238"/>
+            <a:ext cx="16409269" cy="6869112"/>
+          </a:xfrm>
+          <a:prstGeom prst="rect">
+            <a:avLst/>
+          </a:prstGeom>
+          <a:solidFill>
+            <a:schemeClr val="accent2"/>
+          </a:solidFill>
+          <a:ln w="38100">
+            <a:solidFill>
+              <a:schemeClr val="tx1"/>
+            </a:solidFill>
+          </a:ln>
+        </p:spPr>
+        <p:style>
+          <a:lnRef idx="2">
+            <a:schemeClr val="accent1">
+              <a:shade val="50000"/>
+            </a:schemeClr>
+          </a:lnRef>
+          <a:fillRef idx="1">
+            <a:schemeClr val="accent1"/>
+          </a:fillRef>
+          <a:effectRef idx="0">
+            <a:schemeClr val="accent1"/>
+          </a:effectRef>
+          <a:fontRef idx="minor">
+            <a:schemeClr val="lt1"/>
+          </a:fontRef>
+        </p:style>
+        <p:txBody>
+          <a:bodyPr rtlCol="0" anchor="b"/>
+          <a:lstStyle/>
+          <a:p>
+            <a:pPr algn="r"/>
+            <a:r>
+              <a:rPr lang="en-US" sz="4400" dirty="0" smtClean="0">
+                <a:solidFill>
+                  <a:schemeClr val="tx1"/>
+                </a:solidFill>
+              </a:rPr>
+              <a:t>Python</a:t>
+            </a:r>
+            <a:endParaRPr lang="ru-RU" sz="4400" dirty="0" err="1" smtClean="0">
+              <a:solidFill>
+                <a:schemeClr val="tx1"/>
+              </a:solidFill>
+            </a:endParaRPr>
+          </a:p>
+        </p:txBody>
+      </p:sp>
+      <p:grpSp>
+        <p:nvGrpSpPr>
+          <p:cNvPr id="6" name="Группа 5"/>
+          <p:cNvGrpSpPr/>
+          <p:nvPr/>
+        </p:nvGrpSpPr>
+        <p:grpSpPr>
+          <a:xfrm>
+            <a:off x="14671686" y="4186800"/>
+            <a:ext cx="1908154" cy="1525829"/>
+            <a:chOff x="1887559" y="4568760"/>
+            <a:chExt cx="3816175" cy="4578482"/>
+          </a:xfrm>
+        </p:grpSpPr>
+        <p:sp>
+          <p:nvSpPr>
+            <p:cNvPr id="7" name="Волна 6"/>
+            <p:cNvSpPr/>
+            <p:nvPr/>
+          </p:nvSpPr>
+          <p:spPr>
+            <a:xfrm rot="5400000">
+              <a:off x="1506406" y="4949913"/>
+              <a:ext cx="4578482" cy="3816175"/>
+            </a:xfrm>
+            <a:prstGeom prst="wave">
+              <a:avLst>
+                <a:gd name="adj1" fmla="val 10937"/>
+                <a:gd name="adj2" fmla="val 0"/>
+              </a:avLst>
+            </a:prstGeom>
+            <a:solidFill>
+              <a:schemeClr val="tx2"/>
+            </a:solidFill>
+            <a:ln w="38100">
+              <a:solidFill>
+                <a:schemeClr val="tx1"/>
+              </a:solidFill>
+            </a:ln>
+          </p:spPr>
+          <p:style>
+            <a:lnRef idx="2">
+              <a:schemeClr val="accent1">
+                <a:shade val="50000"/>
+              </a:schemeClr>
+            </a:lnRef>
+            <a:fillRef idx="1">
+              <a:schemeClr val="accent1"/>
+            </a:fillRef>
+            <a:effectRef idx="0">
+              <a:schemeClr val="accent1"/>
+            </a:effectRef>
+            <a:fontRef idx="minor">
+              <a:schemeClr val="lt1"/>
+            </a:fontRef>
+          </p:style>
+          <p:txBody>
+            <a:bodyPr rtlCol="0" anchor="ctr"/>
+            <a:lstStyle/>
+            <a:p>
+              <a:pPr algn="ctr"/>
+              <a:endParaRPr lang="ru-RU" dirty="0" smtClean="0">
+                <a:solidFill>
+                  <a:schemeClr val="tx1"/>
+                </a:solidFill>
+              </a:endParaRPr>
+            </a:p>
+          </p:txBody>
+        </p:sp>
+        <p:sp>
+          <p:nvSpPr>
+            <p:cNvPr id="8" name="TextBox 7"/>
+            <p:cNvSpPr txBox="1"/>
+            <p:nvPr/>
+          </p:nvSpPr>
+          <p:spPr>
+            <a:xfrm>
+              <a:off x="2269264" y="6049201"/>
+              <a:ext cx="3052764" cy="1754706"/>
+            </a:xfrm>
+            <a:prstGeom prst="rect">
+              <a:avLst/>
+            </a:prstGeom>
+            <a:noFill/>
+          </p:spPr>
+          <p:txBody>
+            <a:bodyPr wrap="square" rtlCol="0">
+              <a:spAutoFit/>
+            </a:bodyPr>
+            <a:lstStyle/>
+            <a:p>
+              <a:pPr algn="ctr"/>
+              <a:r>
+                <a:rPr lang="ru-RU" sz="3200" dirty="0" smtClean="0">
+                  <a:solidFill>
+                    <a:sysClr val="windowText" lastClr="000000"/>
+                  </a:solidFill>
+                </a:rPr>
+                <a:t>Тест 1</a:t>
+              </a:r>
+              <a:endParaRPr lang="ru-RU" sz="3200" dirty="0" smtClean="0">
+                <a:solidFill>
+                  <a:sysClr val="windowText" lastClr="000000"/>
+                </a:solidFill>
+              </a:endParaRPr>
+            </a:p>
+          </p:txBody>
+        </p:sp>
+      </p:grpSp>
+      <p:grpSp>
+        <p:nvGrpSpPr>
+          <p:cNvPr id="18" name="Группа 17"/>
+          <p:cNvGrpSpPr/>
+          <p:nvPr/>
+        </p:nvGrpSpPr>
+        <p:grpSpPr>
+          <a:xfrm>
+            <a:off x="12290551" y="6519491"/>
+            <a:ext cx="1908153" cy="1525829"/>
+            <a:chOff x="1887561" y="4568758"/>
+            <a:chExt cx="3816176" cy="4578481"/>
+          </a:xfrm>
+        </p:grpSpPr>
+        <p:sp>
+          <p:nvSpPr>
+            <p:cNvPr id="19" name="Волна 18"/>
+            <p:cNvSpPr/>
+            <p:nvPr/>
+          </p:nvSpPr>
+          <p:spPr>
+            <a:xfrm rot="5400000">
+              <a:off x="1506408" y="4949911"/>
+              <a:ext cx="4578481" cy="3816176"/>
+            </a:xfrm>
+            <a:prstGeom prst="wave">
+              <a:avLst>
+                <a:gd name="adj1" fmla="val 10937"/>
+                <a:gd name="adj2" fmla="val 0"/>
+              </a:avLst>
+            </a:prstGeom>
+            <a:solidFill>
+              <a:schemeClr val="tx2"/>
+            </a:solidFill>
+            <a:ln w="38100">
+              <a:solidFill>
+                <a:schemeClr val="tx1"/>
+              </a:solidFill>
+            </a:ln>
+          </p:spPr>
+          <p:style>
+            <a:lnRef idx="2">
+              <a:schemeClr val="accent1">
+                <a:shade val="50000"/>
+              </a:schemeClr>
+            </a:lnRef>
+            <a:fillRef idx="1">
+              <a:schemeClr val="accent1"/>
+            </a:fillRef>
+            <a:effectRef idx="0">
+              <a:schemeClr val="accent1"/>
+            </a:effectRef>
+            <a:fontRef idx="minor">
+              <a:schemeClr val="lt1"/>
+            </a:fontRef>
+          </p:style>
+          <p:txBody>
+            <a:bodyPr rtlCol="0" anchor="ctr"/>
+            <a:lstStyle/>
+            <a:p>
+              <a:pPr algn="ctr"/>
+              <a:endParaRPr lang="ru-RU" dirty="0" smtClean="0">
+                <a:solidFill>
+                  <a:schemeClr val="tx1"/>
+                </a:solidFill>
+              </a:endParaRPr>
+            </a:p>
+          </p:txBody>
+        </p:sp>
+        <p:sp>
+          <p:nvSpPr>
+            <p:cNvPr id="20" name="TextBox 19"/>
+            <p:cNvSpPr txBox="1"/>
+            <p:nvPr/>
+          </p:nvSpPr>
+          <p:spPr>
+            <a:xfrm>
+              <a:off x="2269268" y="5615604"/>
+              <a:ext cx="3434466" cy="1754706"/>
+            </a:xfrm>
+            <a:prstGeom prst="rect">
+              <a:avLst/>
+            </a:prstGeom>
+            <a:noFill/>
+          </p:spPr>
+          <p:txBody>
+            <a:bodyPr wrap="square" rtlCol="0">
+              <a:spAutoFit/>
+            </a:bodyPr>
+            <a:lstStyle/>
+            <a:p>
+              <a:pPr algn="ctr"/>
+              <a:r>
+                <a:rPr lang="ru-RU" sz="3200" dirty="0" smtClean="0">
+                  <a:solidFill>
+                    <a:sysClr val="windowText" lastClr="000000"/>
+                  </a:solidFill>
+                </a:rPr>
+                <a:t>Рез-т 1</a:t>
+              </a:r>
+              <a:endParaRPr lang="ru-RU" sz="3200" dirty="0" smtClean="0">
+                <a:solidFill>
+                  <a:sysClr val="windowText" lastClr="000000"/>
+                </a:solidFill>
+              </a:endParaRPr>
+            </a:p>
+          </p:txBody>
+        </p:sp>
+      </p:grpSp>
+      <p:sp>
+        <p:nvSpPr>
+          <p:cNvPr id="14" name="Прямоугольник 13"/>
+          <p:cNvSpPr/>
+          <p:nvPr/>
+        </p:nvSpPr>
+        <p:spPr>
+          <a:xfrm>
+            <a:off x="9901830" y="6476400"/>
+            <a:ext cx="1526584" cy="1526400"/>
+          </a:xfrm>
+          <a:prstGeom prst="rect">
+            <a:avLst/>
+          </a:prstGeom>
+          <a:solidFill>
+            <a:schemeClr val="tx2"/>
+          </a:solidFill>
+          <a:ln w="38100">
+            <a:solidFill>
+              <a:schemeClr val="tx1"/>
+            </a:solidFill>
+          </a:ln>
+        </p:spPr>
+        <p:style>
+          <a:lnRef idx="2">
+            <a:schemeClr val="accent1">
+              <a:shade val="50000"/>
+            </a:schemeClr>
+          </a:lnRef>
+          <a:fillRef idx="1">
+            <a:schemeClr val="accent1"/>
+          </a:fillRef>
+          <a:effectRef idx="0">
+            <a:schemeClr val="accent1"/>
+          </a:effectRef>
+          <a:fontRef idx="minor">
+            <a:schemeClr val="lt1"/>
+          </a:fontRef>
+        </p:style>
+        <p:txBody>
+          <a:bodyPr rtlCol="0" anchor="ctr"/>
+          <a:lstStyle/>
+          <a:p>
+            <a:pPr algn="ctr"/>
+            <a:r>
+              <a:rPr lang="en-US" dirty="0" smtClean="0">
+                <a:solidFill>
+                  <a:schemeClr val="tx1"/>
+                </a:solidFill>
+              </a:rPr>
+              <a:t>Binary</a:t>
+            </a:r>
+            <a:endParaRPr lang="ru-RU" dirty="0" err="1" smtClean="0">
+              <a:solidFill>
+                <a:schemeClr val="tx1"/>
+              </a:solidFill>
+            </a:endParaRPr>
+          </a:p>
+        </p:txBody>
+      </p:sp>
+      <p:grpSp>
+        <p:nvGrpSpPr>
+          <p:cNvPr id="15" name="Группа 14"/>
+          <p:cNvGrpSpPr/>
+          <p:nvPr/>
+        </p:nvGrpSpPr>
+        <p:grpSpPr>
+          <a:xfrm>
+            <a:off x="1506559" y="6476971"/>
+            <a:ext cx="1908154" cy="1525829"/>
+            <a:chOff x="1887559" y="4568760"/>
+            <a:chExt cx="3816175" cy="4578482"/>
+          </a:xfrm>
+        </p:grpSpPr>
+        <p:sp>
+          <p:nvSpPr>
+            <p:cNvPr id="16" name="Волна 15"/>
+            <p:cNvSpPr/>
+            <p:nvPr/>
+          </p:nvSpPr>
+          <p:spPr>
+            <a:xfrm rot="5400000">
+              <a:off x="1506406" y="4949913"/>
+              <a:ext cx="4578482" cy="3816175"/>
+            </a:xfrm>
+            <a:prstGeom prst="wave">
+              <a:avLst>
+                <a:gd name="adj1" fmla="val 10937"/>
+                <a:gd name="adj2" fmla="val 0"/>
+              </a:avLst>
+            </a:prstGeom>
+            <a:solidFill>
+              <a:schemeClr val="tx2"/>
+            </a:solidFill>
+            <a:ln w="38100">
+              <a:solidFill>
+                <a:schemeClr val="tx1"/>
+              </a:solidFill>
+            </a:ln>
+          </p:spPr>
+          <p:style>
+            <a:lnRef idx="2">
+              <a:schemeClr val="accent1">
+                <a:shade val="50000"/>
+              </a:schemeClr>
+            </a:lnRef>
+            <a:fillRef idx="1">
+              <a:schemeClr val="accent1"/>
+            </a:fillRef>
+            <a:effectRef idx="0">
+              <a:schemeClr val="accent1"/>
+            </a:effectRef>
+            <a:fontRef idx="minor">
+              <a:schemeClr val="lt1"/>
+            </a:fontRef>
+          </p:style>
+          <p:txBody>
+            <a:bodyPr rtlCol="0" anchor="ctr"/>
+            <a:lstStyle/>
+            <a:p>
+              <a:pPr algn="ctr"/>
+              <a:endParaRPr lang="ru-RU" dirty="0" smtClean="0">
+                <a:solidFill>
+                  <a:schemeClr val="tx1"/>
+                </a:solidFill>
+              </a:endParaRPr>
+            </a:p>
+          </p:txBody>
+        </p:sp>
+        <p:sp>
+          <p:nvSpPr>
+            <p:cNvPr id="17" name="TextBox 16"/>
+            <p:cNvSpPr txBox="1"/>
+            <p:nvPr/>
+          </p:nvSpPr>
+          <p:spPr>
+            <a:xfrm>
+              <a:off x="2269264" y="6049201"/>
+              <a:ext cx="3052764" cy="1754706"/>
+            </a:xfrm>
+            <a:prstGeom prst="rect">
+              <a:avLst/>
+            </a:prstGeom>
+            <a:noFill/>
+          </p:spPr>
+          <p:txBody>
+            <a:bodyPr wrap="square" rtlCol="0">
+              <a:spAutoFit/>
+            </a:bodyPr>
+            <a:lstStyle/>
+            <a:p>
+              <a:pPr algn="ctr"/>
+              <a:r>
+                <a:rPr lang="ru-RU" sz="3200" dirty="0" smtClean="0">
+                  <a:solidFill>
+                    <a:sysClr val="windowText" lastClr="000000"/>
+                  </a:solidFill>
+                </a:rPr>
+                <a:t>.</a:t>
+              </a:r>
+              <a:r>
+                <a:rPr lang="en-US" sz="3200" dirty="0" err="1" smtClean="0">
+                  <a:solidFill>
+                    <a:sysClr val="windowText" lastClr="000000"/>
+                  </a:solidFill>
+                </a:rPr>
+                <a:t>cpp</a:t>
+              </a:r>
+              <a:endParaRPr lang="ru-RU" sz="3200" dirty="0" smtClean="0">
+                <a:solidFill>
+                  <a:sysClr val="windowText" lastClr="000000"/>
+                </a:solidFill>
+              </a:endParaRPr>
+            </a:p>
+          </p:txBody>
+        </p:sp>
+      </p:grpSp>
+      <p:sp>
+        <p:nvSpPr>
+          <p:cNvPr id="21" name="Прямоугольник 20"/>
+          <p:cNvSpPr/>
+          <p:nvPr/>
+        </p:nvSpPr>
+        <p:spPr>
+          <a:xfrm>
+            <a:off x="17533606" y="8766037"/>
+            <a:ext cx="2288381" cy="1526363"/>
+          </a:xfrm>
+          <a:prstGeom prst="rect">
+            <a:avLst/>
+          </a:prstGeom>
+          <a:solidFill>
+            <a:schemeClr val="tx1"/>
+          </a:solidFill>
+          <a:ln w="38100">
+            <a:solidFill>
+              <a:schemeClr val="tx1"/>
+            </a:solidFill>
+          </a:ln>
+        </p:spPr>
+        <p:style>
+          <a:lnRef idx="2">
+            <a:schemeClr val="accent1">
+              <a:shade val="50000"/>
+            </a:schemeClr>
+          </a:lnRef>
+          <a:fillRef idx="1">
+            <a:schemeClr val="accent1"/>
+          </a:fillRef>
+          <a:effectRef idx="0">
+            <a:schemeClr val="accent1"/>
+          </a:effectRef>
+          <a:fontRef idx="minor">
+            <a:schemeClr val="lt1"/>
+          </a:fontRef>
+        </p:style>
+        <p:txBody>
+          <a:bodyPr rtlCol="0" anchor="ctr"/>
+          <a:lstStyle/>
+          <a:p>
+            <a:pPr algn="ctr"/>
+            <a:r>
+              <a:rPr lang="en-US" dirty="0" smtClean="0">
+                <a:solidFill>
+                  <a:schemeClr val="bg1"/>
+                </a:solidFill>
+              </a:rPr>
+              <a:t>Checker</a:t>
+            </a:r>
+            <a:endParaRPr lang="ru-RU" dirty="0" smtClean="0">
+              <a:solidFill>
+                <a:schemeClr val="bg1"/>
+              </a:solidFill>
+            </a:endParaRPr>
+          </a:p>
+        </p:txBody>
+      </p:sp>
+      <p:cxnSp>
+        <p:nvCxnSpPr>
+          <p:cNvPr id="23" name="Прямая со стрелкой 22"/>
+          <p:cNvCxnSpPr>
+            <a:endCxn id="13" idx="1"/>
+          </p:cNvCxnSpPr>
+          <p:nvPr/>
+        </p:nvCxnSpPr>
+        <p:spPr>
+          <a:xfrm flipV="1">
+            <a:off x="8756650" y="7239688"/>
+            <a:ext cx="763356" cy="301"/>
+          </a:xfrm>
+          <a:prstGeom prst="straightConnector1">
+            <a:avLst/>
+          </a:prstGeom>
+          <a:ln w="38100">
+            <a:solidFill>
+              <a:schemeClr val="tx1"/>
+            </a:solidFill>
+            <a:headEnd type="none" w="lg" len="med"/>
+            <a:tailEnd type="triangle" w="lg" len="lg"/>
+          </a:ln>
+        </p:spPr>
+        <p:style>
+          <a:lnRef idx="1">
+            <a:schemeClr val="accent1"/>
+          </a:lnRef>
+          <a:fillRef idx="0">
+            <a:schemeClr val="accent1"/>
+          </a:fillRef>
+          <a:effectRef idx="0">
+            <a:schemeClr val="accent1"/>
+          </a:effectRef>
+          <a:fontRef idx="minor">
+            <a:schemeClr val="tx1"/>
+          </a:fontRef>
+        </p:style>
+      </p:cxnSp>
+      <p:sp>
+        <p:nvSpPr>
+          <p:cNvPr id="13" name="Compiler"/>
+          <p:cNvSpPr/>
+          <p:nvPr/>
+        </p:nvSpPr>
+        <p:spPr>
+          <a:xfrm>
+            <a:off x="9520006" y="6094800"/>
+            <a:ext cx="2289600" cy="2289775"/>
+          </a:xfrm>
+          <a:prstGeom prst="rect">
+            <a:avLst/>
+          </a:prstGeom>
+          <a:solidFill>
+            <a:schemeClr val="tx1"/>
+          </a:solidFill>
+          <a:ln w="38100">
+            <a:solidFill>
+              <a:schemeClr val="tx1"/>
+            </a:solidFill>
+          </a:ln>
+        </p:spPr>
+        <p:style>
+          <a:lnRef idx="2">
+            <a:schemeClr val="accent1">
+              <a:shade val="50000"/>
+            </a:schemeClr>
+          </a:lnRef>
+          <a:fillRef idx="1">
+            <a:schemeClr val="accent1"/>
+          </a:fillRef>
+          <a:effectRef idx="0">
+            <a:schemeClr val="accent1"/>
+          </a:effectRef>
+          <a:fontRef idx="minor">
+            <a:schemeClr val="lt1"/>
+          </a:fontRef>
+        </p:style>
+        <p:txBody>
+          <a:bodyPr rtlCol="0" anchor="ctr"/>
+          <a:lstStyle/>
+          <a:p>
+            <a:pPr algn="ctr"/>
+            <a:r>
+              <a:rPr lang="en-US" dirty="0" smtClean="0">
+                <a:solidFill>
+                  <a:schemeClr val="bg1"/>
+                </a:solidFill>
+              </a:rPr>
+              <a:t>Compiler</a:t>
+            </a:r>
+            <a:endParaRPr lang="ru-RU" dirty="0" smtClean="0">
+              <a:solidFill>
+                <a:schemeClr val="bg1"/>
+              </a:solidFill>
+            </a:endParaRPr>
+          </a:p>
+        </p:txBody>
+      </p:sp>
+      <p:cxnSp>
+        <p:nvCxnSpPr>
+          <p:cNvPr id="27" name="Прямая со стрелкой 26"/>
+          <p:cNvCxnSpPr>
+            <a:stCxn id="7" idx="3"/>
+          </p:cNvCxnSpPr>
+          <p:nvPr/>
+        </p:nvCxnSpPr>
+        <p:spPr>
+          <a:xfrm flipH="1">
+            <a:off x="14098588" y="5712629"/>
+            <a:ext cx="1527176" cy="1550102"/>
+          </a:xfrm>
+          <a:prstGeom prst="straightConnector1">
+            <a:avLst/>
+          </a:prstGeom>
+          <a:ln w="38100">
+            <a:solidFill>
+              <a:schemeClr val="tx1"/>
+            </a:solidFill>
+            <a:headEnd type="none" w="lg" len="med"/>
+            <a:tailEnd type="triangle" w="lg" len="lg"/>
+          </a:ln>
+        </p:spPr>
+        <p:style>
+          <a:lnRef idx="1">
+            <a:schemeClr val="accent1"/>
+          </a:lnRef>
+          <a:fillRef idx="0">
+            <a:schemeClr val="accent1"/>
+          </a:fillRef>
+          <a:effectRef idx="0">
+            <a:schemeClr val="accent1"/>
+          </a:effectRef>
+          <a:fontRef idx="minor">
+            <a:schemeClr val="tx1"/>
+          </a:fontRef>
+        </p:style>
+      </p:cxnSp>
+      <p:cxnSp>
+        <p:nvCxnSpPr>
+          <p:cNvPr id="35" name="Прямая со стрелкой 34"/>
+          <p:cNvCxnSpPr>
+            <a:endCxn id="21" idx="1"/>
+          </p:cNvCxnSpPr>
+          <p:nvPr/>
+        </p:nvCxnSpPr>
+        <p:spPr>
+          <a:xfrm>
+            <a:off x="16740454" y="9529219"/>
+            <a:ext cx="793152" cy="0"/>
+          </a:xfrm>
+          <a:prstGeom prst="straightConnector1">
+            <a:avLst/>
+          </a:prstGeom>
+          <a:ln w="38100">
+            <a:solidFill>
+              <a:schemeClr val="tx1"/>
+            </a:solidFill>
+            <a:headEnd type="none" w="lg" len="med"/>
+            <a:tailEnd type="triangle" w="lg" len="lg"/>
+          </a:ln>
+        </p:spPr>
+        <p:style>
+          <a:lnRef idx="1">
+            <a:schemeClr val="accent1"/>
+          </a:lnRef>
+          <a:fillRef idx="0">
+            <a:schemeClr val="accent1"/>
+          </a:fillRef>
+          <a:effectRef idx="0">
+            <a:schemeClr val="accent1"/>
+          </a:effectRef>
+          <a:fontRef idx="minor">
+            <a:schemeClr val="tx1"/>
+          </a:fontRef>
+        </p:style>
+      </p:cxnSp>
+      <p:cxnSp>
+        <p:nvCxnSpPr>
+          <p:cNvPr id="37" name="Прямая со стрелкой 36"/>
+          <p:cNvCxnSpPr>
+            <a:stCxn id="7" idx="3"/>
+            <a:endCxn id="21" idx="0"/>
+          </p:cNvCxnSpPr>
+          <p:nvPr/>
+        </p:nvCxnSpPr>
+        <p:spPr>
+          <a:xfrm>
+            <a:off x="15625764" y="5712629"/>
+            <a:ext cx="3052033" cy="3053408"/>
+          </a:xfrm>
+          <a:prstGeom prst="straightConnector1">
+            <a:avLst/>
+          </a:prstGeom>
+          <a:ln w="38100">
+            <a:solidFill>
+              <a:schemeClr val="tx1"/>
+            </a:solidFill>
+            <a:headEnd type="none" w="lg" len="med"/>
+            <a:tailEnd type="triangle" w="lg" len="lg"/>
+          </a:ln>
+        </p:spPr>
+        <p:style>
+          <a:lnRef idx="1">
+            <a:schemeClr val="accent1"/>
+          </a:lnRef>
+          <a:fillRef idx="0">
+            <a:schemeClr val="accent1"/>
+          </a:fillRef>
+          <a:effectRef idx="0">
+            <a:schemeClr val="accent1"/>
+          </a:effectRef>
+          <a:fontRef idx="minor">
+            <a:schemeClr val="tx1"/>
+          </a:fontRef>
+        </p:style>
+      </p:cxnSp>
+      <p:grpSp>
+        <p:nvGrpSpPr>
+          <p:cNvPr id="50" name="Группа 49"/>
+          <p:cNvGrpSpPr/>
+          <p:nvPr/>
+        </p:nvGrpSpPr>
+        <p:grpSpPr>
+          <a:xfrm>
+            <a:off x="17725095" y="4186800"/>
+            <a:ext cx="1908154" cy="1525829"/>
+            <a:chOff x="1887559" y="4568760"/>
+            <a:chExt cx="3816175" cy="4578482"/>
+          </a:xfrm>
+        </p:grpSpPr>
+        <p:sp>
+          <p:nvSpPr>
+            <p:cNvPr id="51" name="Волна 50"/>
+            <p:cNvSpPr/>
+            <p:nvPr/>
+          </p:nvSpPr>
+          <p:spPr>
+            <a:xfrm rot="5400000">
+              <a:off x="1506406" y="4949913"/>
+              <a:ext cx="4578482" cy="3816175"/>
+            </a:xfrm>
+            <a:prstGeom prst="wave">
+              <a:avLst>
+                <a:gd name="adj1" fmla="val 10937"/>
+                <a:gd name="adj2" fmla="val 0"/>
+              </a:avLst>
+            </a:prstGeom>
+            <a:solidFill>
+              <a:schemeClr val="tx2"/>
+            </a:solidFill>
+            <a:ln w="38100">
+              <a:solidFill>
+                <a:schemeClr val="tx1"/>
+              </a:solidFill>
+            </a:ln>
+          </p:spPr>
+          <p:style>
+            <a:lnRef idx="2">
+              <a:schemeClr val="accent1">
+                <a:shade val="50000"/>
+              </a:schemeClr>
+            </a:lnRef>
+            <a:fillRef idx="1">
+              <a:schemeClr val="accent1"/>
+            </a:fillRef>
+            <a:effectRef idx="0">
+              <a:schemeClr val="accent1"/>
+            </a:effectRef>
+            <a:fontRef idx="minor">
+              <a:schemeClr val="lt1"/>
+            </a:fontRef>
+          </p:style>
+          <p:txBody>
+            <a:bodyPr rtlCol="0" anchor="ctr"/>
+            <a:lstStyle/>
+            <a:p>
+              <a:pPr algn="ctr"/>
+              <a:endParaRPr lang="ru-RU" dirty="0" smtClean="0">
+                <a:solidFill>
+                  <a:schemeClr val="tx1"/>
+                </a:solidFill>
+              </a:endParaRPr>
+            </a:p>
+          </p:txBody>
+        </p:sp>
+        <p:sp>
+          <p:nvSpPr>
+            <p:cNvPr id="52" name="TextBox 51"/>
+            <p:cNvSpPr txBox="1"/>
+            <p:nvPr/>
+          </p:nvSpPr>
+          <p:spPr>
+            <a:xfrm>
+              <a:off x="2269264" y="6049201"/>
+              <a:ext cx="3052764" cy="1754706"/>
+            </a:xfrm>
+            <a:prstGeom prst="rect">
+              <a:avLst/>
+            </a:prstGeom>
+            <a:noFill/>
+          </p:spPr>
+          <p:txBody>
+            <a:bodyPr wrap="square" rtlCol="0">
+              <a:spAutoFit/>
+            </a:bodyPr>
+            <a:lstStyle/>
+            <a:p>
+              <a:pPr algn="ctr"/>
+              <a:r>
+                <a:rPr lang="ru-RU" sz="3200" dirty="0" smtClean="0">
+                  <a:solidFill>
+                    <a:sysClr val="windowText" lastClr="000000"/>
+                  </a:solidFill>
+                </a:rPr>
+                <a:t>Тест </a:t>
+              </a:r>
+              <a:r>
+                <a:rPr lang="en-US" sz="3200" dirty="0" smtClean="0">
+                  <a:solidFill>
+                    <a:sysClr val="windowText" lastClr="000000"/>
+                  </a:solidFill>
+                </a:rPr>
+                <a:t>2</a:t>
+              </a:r>
+              <a:endParaRPr lang="ru-RU" sz="3200" dirty="0" smtClean="0">
+                <a:solidFill>
+                  <a:sysClr val="windowText" lastClr="000000"/>
+                </a:solidFill>
+              </a:endParaRPr>
+            </a:p>
+          </p:txBody>
+        </p:sp>
+      </p:grpSp>
+      <p:cxnSp>
+        <p:nvCxnSpPr>
+          <p:cNvPr id="53" name="Прямая со стрелкой 52"/>
+          <p:cNvCxnSpPr>
+            <a:stCxn id="51" idx="3"/>
+          </p:cNvCxnSpPr>
+          <p:nvPr/>
+        </p:nvCxnSpPr>
+        <p:spPr>
+          <a:xfrm flipH="1">
+            <a:off x="14097212" y="5712629"/>
+            <a:ext cx="4581961" cy="1459710"/>
+          </a:xfrm>
+          <a:prstGeom prst="straightConnector1">
+            <a:avLst/>
+          </a:prstGeom>
+          <a:ln w="38100">
+            <a:solidFill>
+              <a:schemeClr val="tx1"/>
+            </a:solidFill>
+            <a:headEnd type="none" w="lg" len="med"/>
+            <a:tailEnd type="triangle" w="lg" len="lg"/>
+          </a:ln>
+        </p:spPr>
+        <p:style>
+          <a:lnRef idx="1">
+            <a:schemeClr val="accent1"/>
+          </a:lnRef>
+          <a:fillRef idx="0">
+            <a:schemeClr val="accent1"/>
+          </a:fillRef>
+          <a:effectRef idx="0">
+            <a:schemeClr val="accent1"/>
+          </a:effectRef>
+          <a:fontRef idx="minor">
+            <a:schemeClr val="tx1"/>
+          </a:fontRef>
+        </p:style>
+      </p:cxnSp>
+      <p:cxnSp>
+        <p:nvCxnSpPr>
+          <p:cNvPr id="54" name="Прямая со стрелкой 53"/>
+          <p:cNvCxnSpPr>
+            <a:stCxn id="51" idx="3"/>
+            <a:endCxn id="21" idx="0"/>
+          </p:cNvCxnSpPr>
+          <p:nvPr/>
+        </p:nvCxnSpPr>
+        <p:spPr>
+          <a:xfrm flipH="1">
+            <a:off x="18677797" y="5712629"/>
+            <a:ext cx="1376" cy="3053408"/>
+          </a:xfrm>
+          <a:prstGeom prst="straightConnector1">
+            <a:avLst/>
+          </a:prstGeom>
+          <a:ln w="38100">
+            <a:solidFill>
+              <a:schemeClr val="tx1"/>
+            </a:solidFill>
+            <a:headEnd type="none" w="lg" len="med"/>
+            <a:tailEnd type="triangle" w="lg" len="lg"/>
+          </a:ln>
+        </p:spPr>
+        <p:style>
+          <a:lnRef idx="1">
+            <a:schemeClr val="accent1"/>
+          </a:lnRef>
+          <a:fillRef idx="0">
+            <a:schemeClr val="accent1"/>
+          </a:fillRef>
+          <a:effectRef idx="0">
+            <a:schemeClr val="accent1"/>
+          </a:effectRef>
+          <a:fontRef idx="minor">
+            <a:schemeClr val="tx1"/>
+          </a:fontRef>
+        </p:style>
+      </p:cxnSp>
+      <p:grpSp>
+        <p:nvGrpSpPr>
+          <p:cNvPr id="56" name="Группа 55"/>
+          <p:cNvGrpSpPr/>
+          <p:nvPr/>
+        </p:nvGrpSpPr>
+        <p:grpSpPr>
+          <a:xfrm>
+            <a:off x="12286152" y="6505252"/>
+            <a:ext cx="1908153" cy="1525829"/>
+            <a:chOff x="1887561" y="4568758"/>
+            <a:chExt cx="3816176" cy="4578481"/>
+          </a:xfrm>
+        </p:grpSpPr>
+        <p:sp>
+          <p:nvSpPr>
+            <p:cNvPr id="57" name="Волна 56"/>
+            <p:cNvSpPr/>
+            <p:nvPr/>
+          </p:nvSpPr>
+          <p:spPr>
+            <a:xfrm rot="5400000">
+              <a:off x="1506408" y="4949911"/>
+              <a:ext cx="4578481" cy="3816176"/>
+            </a:xfrm>
+            <a:prstGeom prst="wave">
+              <a:avLst>
+                <a:gd name="adj1" fmla="val 10937"/>
+                <a:gd name="adj2" fmla="val 0"/>
+              </a:avLst>
+            </a:prstGeom>
+            <a:solidFill>
+              <a:schemeClr val="tx2"/>
+            </a:solidFill>
+            <a:ln w="38100">
+              <a:solidFill>
+                <a:schemeClr val="tx1"/>
+              </a:solidFill>
+            </a:ln>
+          </p:spPr>
+          <p:style>
+            <a:lnRef idx="2">
+              <a:schemeClr val="accent1">
+                <a:shade val="50000"/>
+              </a:schemeClr>
+            </a:lnRef>
+            <a:fillRef idx="1">
+              <a:schemeClr val="accent1"/>
+            </a:fillRef>
+            <a:effectRef idx="0">
+              <a:schemeClr val="accent1"/>
+            </a:effectRef>
+            <a:fontRef idx="minor">
+              <a:schemeClr val="lt1"/>
+            </a:fontRef>
+          </p:style>
+          <p:txBody>
+            <a:bodyPr rtlCol="0" anchor="ctr"/>
+            <a:lstStyle/>
+            <a:p>
+              <a:pPr algn="ctr"/>
+              <a:endParaRPr lang="ru-RU" dirty="0" smtClean="0">
+                <a:solidFill>
+                  <a:schemeClr val="tx1"/>
+                </a:solidFill>
+              </a:endParaRPr>
+            </a:p>
+          </p:txBody>
+        </p:sp>
+        <p:sp>
+          <p:nvSpPr>
+            <p:cNvPr id="58" name="TextBox 57"/>
+            <p:cNvSpPr txBox="1"/>
+            <p:nvPr/>
+          </p:nvSpPr>
+          <p:spPr>
+            <a:xfrm>
+              <a:off x="2269268" y="5615604"/>
+              <a:ext cx="3434466" cy="1754706"/>
+            </a:xfrm>
+            <a:prstGeom prst="rect">
+              <a:avLst/>
+            </a:prstGeom>
+            <a:noFill/>
+          </p:spPr>
+          <p:txBody>
+            <a:bodyPr wrap="square" rtlCol="0">
+              <a:spAutoFit/>
+            </a:bodyPr>
+            <a:lstStyle/>
+            <a:p>
+              <a:pPr algn="ctr"/>
+              <a:r>
+                <a:rPr lang="ru-RU" sz="3200" dirty="0" smtClean="0">
+                  <a:solidFill>
+                    <a:sysClr val="windowText" lastClr="000000"/>
+                  </a:solidFill>
+                </a:rPr>
+                <a:t>Рез-т </a:t>
+              </a:r>
+              <a:r>
+                <a:rPr lang="en-US" sz="3200" dirty="0" smtClean="0">
+                  <a:solidFill>
+                    <a:sysClr val="windowText" lastClr="000000"/>
+                  </a:solidFill>
+                </a:rPr>
+                <a:t>2</a:t>
+              </a:r>
+              <a:endParaRPr lang="ru-RU" sz="3200" dirty="0" smtClean="0">
+                <a:solidFill>
+                  <a:sysClr val="windowText" lastClr="000000"/>
+                </a:solidFill>
+              </a:endParaRPr>
+            </a:p>
+          </p:txBody>
+        </p:sp>
+      </p:grpSp>
+    </p:spTree>
+    <p:extLst>
+      <p:ext uri="{BB962C8B-B14F-4D97-AF65-F5344CB8AC3E}">
+        <p14:creationId xmlns:p14="http://schemas.microsoft.com/office/powerpoint/2010/main" val="3611772901"/>
+      </p:ext>
+    </p:extLst>
+  </p:cSld>
+  <p:clrMapOvr>
+    <a:masterClrMapping/>
+  </p:clrMapOvr>
+  <p:timing>
+    <p:tnLst>
+      <p:par>
+        <p:cTn id="1" dur="indefinite" restart="never" nodeType="tmRoot">
+          <p:childTnLst>
+            <p:seq concurrent="1" nextAc="seek">
+              <p:cTn id="2" dur="indefinite" nodeType="mainSeq">
+                <p:childTnLst>
+                  <p:par>
+                    <p:cTn id="3" fill="hold">
+                      <p:stCondLst>
+                        <p:cond delay="indefinite"/>
+                      </p:stCondLst>
+                      <p:childTnLst>
+                        <p:par>
+                          <p:cTn id="4" fill="hold">
+                            <p:stCondLst>
+                              <p:cond delay="0"/>
+                            </p:stCondLst>
+                            <p:childTnLst>
+                              <p:par>
+                                <p:cTn id="5" presetID="1" presetClass="entr" presetSubtype="0" fill="hold" nodeType="clickEffect">
+                                  <p:stCondLst>
+                                    <p:cond delay="0"/>
+                                  </p:stCondLst>
+                                  <p:childTnLst>
+                                    <p:set>
+                                      <p:cBhvr>
+                                        <p:cTn id="6" dur="1" fill="hold">
+                                          <p:stCondLst>
+                                            <p:cond delay="0"/>
+                                          </p:stCondLst>
+                                        </p:cTn>
+                                        <p:tgtEl>
+                                          <p:spTgt spid="15"/>
+                                        </p:tgtEl>
+                                        <p:attrNameLst>
+                                          <p:attrName>style.visibility</p:attrName>
+                                        </p:attrNameLst>
+                                      </p:cBhvr>
+                                      <p:to>
+                                        <p:strVal val="visible"/>
+                                      </p:to>
+                                    </p:set>
+                                  </p:childTnLst>
+                                </p:cTn>
+                              </p:par>
+                              <p:par>
+                                <p:cTn id="7" presetID="63" presetClass="path" presetSubtype="0" accel="50000" decel="50000" fill="hold" nodeType="withEffect">
+                                  <p:stCondLst>
+                                    <p:cond delay="0"/>
+                                  </p:stCondLst>
+                                  <p:childTnLst>
+                                    <p:animMotion origin="layout" path="M 1.97148E-6 2.22222E-6 L 0.21909 2.22222E-6 " pathEditMode="relative" rAng="0" ptsTypes="AA">
+                                      <p:cBhvr>
+                                        <p:cTn id="8" dur="500" fill="hold"/>
+                                        <p:tgtEl>
+                                          <p:spTgt spid="15"/>
+                                        </p:tgtEl>
+                                        <p:attrNameLst>
+                                          <p:attrName>ppt_x</p:attrName>
+                                          <p:attrName>ppt_y</p:attrName>
+                                        </p:attrNameLst>
+                                      </p:cBhvr>
+                                      <p:rCtr x="10951" y="0"/>
+                                    </p:animMotion>
+                                  </p:childTnLst>
+                                </p:cTn>
+                              </p:par>
+                            </p:childTnLst>
+                          </p:cTn>
+                        </p:par>
+                      </p:childTnLst>
+                    </p:cTn>
+                  </p:par>
+                  <p:par>
+                    <p:cTn id="9" fill="hold">
+                      <p:stCondLst>
+                        <p:cond delay="indefinite"/>
+                      </p:stCondLst>
+                      <p:childTnLst>
+                        <p:par>
+                          <p:cTn id="10" fill="hold">
+                            <p:stCondLst>
+                              <p:cond delay="0"/>
+                            </p:stCondLst>
+                            <p:childTnLst>
+                              <p:par>
+                                <p:cTn id="11" presetID="1" presetClass="entr" presetSubtype="0" fill="hold" grpId="0" nodeType="clickEffect">
+                                  <p:stCondLst>
+                                    <p:cond delay="0"/>
+                                  </p:stCondLst>
+                                  <p:childTnLst>
+                                    <p:set>
+                                      <p:cBhvr>
+                                        <p:cTn id="12" dur="1" fill="hold">
+                                          <p:stCondLst>
+                                            <p:cond delay="0"/>
+                                          </p:stCondLst>
+                                        </p:cTn>
+                                        <p:tgtEl>
+                                          <p:spTgt spid="13"/>
+                                        </p:tgtEl>
+                                        <p:attrNameLst>
+                                          <p:attrName>style.visibility</p:attrName>
+                                        </p:attrNameLst>
+                                      </p:cBhvr>
+                                      <p:to>
+                                        <p:strVal val="visible"/>
+                                      </p:to>
+                                    </p:set>
+                                  </p:childTnLst>
+                                </p:cTn>
+                              </p:par>
+                              <p:par>
+                                <p:cTn id="13" presetID="1" presetClass="entr" presetSubtype="0" fill="hold" nodeType="withEffect">
+                                  <p:stCondLst>
+                                    <p:cond delay="0"/>
+                                  </p:stCondLst>
+                                  <p:childTnLst>
+                                    <p:set>
+                                      <p:cBhvr>
+                                        <p:cTn id="14" dur="1" fill="hold">
+                                          <p:stCondLst>
+                                            <p:cond delay="0"/>
+                                          </p:stCondLst>
+                                        </p:cTn>
+                                        <p:tgtEl>
+                                          <p:spTgt spid="23"/>
+                                        </p:tgtEl>
+                                        <p:attrNameLst>
+                                          <p:attrName>style.visibility</p:attrName>
+                                        </p:attrNameLst>
+                                      </p:cBhvr>
+                                      <p:to>
+                                        <p:strVal val="visible"/>
+                                      </p:to>
+                                    </p:set>
+                                  </p:childTnLst>
+                                </p:cTn>
+                              </p:par>
+                            </p:childTnLst>
+                          </p:cTn>
+                        </p:par>
+                      </p:childTnLst>
+                    </p:cTn>
+                  </p:par>
+                  <p:par>
+                    <p:cTn id="15" fill="hold">
+                      <p:stCondLst>
+                        <p:cond delay="indefinite"/>
+                      </p:stCondLst>
+                      <p:childTnLst>
+                        <p:par>
+                          <p:cTn id="16" fill="hold">
+                            <p:stCondLst>
+                              <p:cond delay="0"/>
+                            </p:stCondLst>
+                            <p:childTnLst>
+                              <p:par>
+                                <p:cTn id="17" presetID="1" presetClass="entr" presetSubtype="0" fill="hold" grpId="0" nodeType="clickEffect">
+                                  <p:stCondLst>
+                                    <p:cond delay="0"/>
+                                  </p:stCondLst>
+                                  <p:childTnLst>
+                                    <p:set>
+                                      <p:cBhvr>
+                                        <p:cTn id="18" dur="1" fill="hold">
+                                          <p:stCondLst>
+                                            <p:cond delay="0"/>
+                                          </p:stCondLst>
+                                        </p:cTn>
+                                        <p:tgtEl>
+                                          <p:spTgt spid="14"/>
+                                        </p:tgtEl>
+                                        <p:attrNameLst>
+                                          <p:attrName>style.visibility</p:attrName>
+                                        </p:attrNameLst>
+                                      </p:cBhvr>
+                                      <p:to>
+                                        <p:strVal val="visible"/>
+                                      </p:to>
+                                    </p:set>
+                                  </p:childTnLst>
+                                </p:cTn>
+                              </p:par>
+                              <p:par>
+                                <p:cTn id="19" presetID="1" presetClass="exit" presetSubtype="0" fill="hold" nodeType="withEffect">
+                                  <p:stCondLst>
+                                    <p:cond delay="0"/>
+                                  </p:stCondLst>
+                                  <p:childTnLst>
+                                    <p:set>
+                                      <p:cBhvr>
+                                        <p:cTn id="20" dur="1" fill="hold">
+                                          <p:stCondLst>
+                                            <p:cond delay="0"/>
+                                          </p:stCondLst>
+                                        </p:cTn>
+                                        <p:tgtEl>
+                                          <p:spTgt spid="23"/>
+                                        </p:tgtEl>
+                                        <p:attrNameLst>
+                                          <p:attrName>style.visibility</p:attrName>
+                                        </p:attrNameLst>
+                                      </p:cBhvr>
+                                      <p:to>
+                                        <p:strVal val="hidden"/>
+                                      </p:to>
+                                    </p:set>
+                                  </p:childTnLst>
+                                </p:cTn>
+                              </p:par>
+                              <p:par>
+                                <p:cTn id="21" presetID="63" presetClass="path" presetSubtype="0" accel="50000" decel="50000" fill="hold" grpId="1" nodeType="withEffect">
+                                  <p:stCondLst>
+                                    <p:cond delay="0"/>
+                                  </p:stCondLst>
+                                  <p:childTnLst>
+                                    <p:animMotion origin="layout" path="M 1.73188E-6 2.22222E-6 L 0.10958 2.22222E-6 " pathEditMode="relative" rAng="0" ptsTypes="AA">
+                                      <p:cBhvr>
+                                        <p:cTn id="22" dur="500" fill="hold"/>
+                                        <p:tgtEl>
+                                          <p:spTgt spid="14"/>
+                                        </p:tgtEl>
+                                        <p:attrNameLst>
+                                          <p:attrName>ppt_x</p:attrName>
+                                          <p:attrName>ppt_y</p:attrName>
+                                        </p:attrNameLst>
+                                      </p:cBhvr>
+                                      <p:rCtr x="5476" y="0"/>
+                                    </p:animMotion>
+                                  </p:childTnLst>
+                                </p:cTn>
+                              </p:par>
+                            </p:childTnLst>
+                          </p:cTn>
+                        </p:par>
+                      </p:childTnLst>
+                    </p:cTn>
+                  </p:par>
+                  <p:par>
+                    <p:cTn id="23" fill="hold">
+                      <p:stCondLst>
+                        <p:cond delay="indefinite"/>
+                      </p:stCondLst>
+                      <p:childTnLst>
+                        <p:par>
+                          <p:cTn id="24" fill="hold">
+                            <p:stCondLst>
+                              <p:cond delay="0"/>
+                            </p:stCondLst>
+                            <p:childTnLst>
+                              <p:par>
+                                <p:cTn id="25" presetID="1" presetClass="entr" presetSubtype="0" fill="hold" nodeType="clickEffect">
+                                  <p:stCondLst>
+                                    <p:cond delay="0"/>
+                                  </p:stCondLst>
+                                  <p:childTnLst>
+                                    <p:set>
+                                      <p:cBhvr>
+                                        <p:cTn id="26" dur="1" fill="hold">
+                                          <p:stCondLst>
+                                            <p:cond delay="0"/>
+                                          </p:stCondLst>
+                                        </p:cTn>
+                                        <p:tgtEl>
+                                          <p:spTgt spid="6"/>
+                                        </p:tgtEl>
+                                        <p:attrNameLst>
+                                          <p:attrName>style.visibility</p:attrName>
+                                        </p:attrNameLst>
+                                      </p:cBhvr>
+                                      <p:to>
+                                        <p:strVal val="visible"/>
+                                      </p:to>
+                                    </p:set>
+                                  </p:childTnLst>
+                                </p:cTn>
+                              </p:par>
+                              <p:par>
+                                <p:cTn id="27" presetID="1" presetClass="entr" presetSubtype="0" fill="hold" nodeType="withEffect">
+                                  <p:stCondLst>
+                                    <p:cond delay="0"/>
+                                  </p:stCondLst>
+                                  <p:childTnLst>
+                                    <p:set>
+                                      <p:cBhvr>
+                                        <p:cTn id="28" dur="1" fill="hold">
+                                          <p:stCondLst>
+                                            <p:cond delay="0"/>
+                                          </p:stCondLst>
+                                        </p:cTn>
+                                        <p:tgtEl>
+                                          <p:spTgt spid="27"/>
+                                        </p:tgtEl>
+                                        <p:attrNameLst>
+                                          <p:attrName>style.visibility</p:attrName>
+                                        </p:attrNameLst>
+                                      </p:cBhvr>
+                                      <p:to>
+                                        <p:strVal val="visible"/>
+                                      </p:to>
+                                    </p:set>
+                                  </p:childTnLst>
+                                </p:cTn>
+                              </p:par>
+                            </p:childTnLst>
+                          </p:cTn>
+                        </p:par>
+                      </p:childTnLst>
+                    </p:cTn>
+                  </p:par>
+                  <p:par>
+                    <p:cTn id="29" fill="hold">
+                      <p:stCondLst>
+                        <p:cond delay="indefinite"/>
+                      </p:stCondLst>
+                      <p:childTnLst>
+                        <p:par>
+                          <p:cTn id="30" fill="hold">
+                            <p:stCondLst>
+                              <p:cond delay="0"/>
+                            </p:stCondLst>
+                            <p:childTnLst>
+                              <p:par>
+                                <p:cTn id="31" presetID="1" presetClass="entr" presetSubtype="0" fill="hold" nodeType="clickEffect">
+                                  <p:stCondLst>
+                                    <p:cond delay="0"/>
+                                  </p:stCondLst>
+                                  <p:childTnLst>
+                                    <p:set>
+                                      <p:cBhvr>
+                                        <p:cTn id="32" dur="1" fill="hold">
+                                          <p:stCondLst>
+                                            <p:cond delay="0"/>
+                                          </p:stCondLst>
+                                        </p:cTn>
+                                        <p:tgtEl>
+                                          <p:spTgt spid="18"/>
+                                        </p:tgtEl>
+                                        <p:attrNameLst>
+                                          <p:attrName>style.visibility</p:attrName>
+                                        </p:attrNameLst>
+                                      </p:cBhvr>
+                                      <p:to>
+                                        <p:strVal val="visible"/>
+                                      </p:to>
+                                    </p:set>
+                                  </p:childTnLst>
+                                </p:cTn>
+                              </p:par>
+                              <p:par>
+                                <p:cTn id="33" presetID="42" presetClass="path" presetSubtype="0" accel="50000" decel="50000" fill="hold" nodeType="withEffect">
+                                  <p:stCondLst>
+                                    <p:cond delay="0"/>
+                                  </p:stCondLst>
+                                  <p:childTnLst>
+                                    <p:animMotion origin="layout" path="M 5.72954E-7 -2.77778E-6 L 0.09766 0.16389 " pathEditMode="relative" rAng="0" ptsTypes="AA">
+                                      <p:cBhvr>
+                                        <p:cTn id="34" dur="750" fill="hold"/>
+                                        <p:tgtEl>
+                                          <p:spTgt spid="18"/>
+                                        </p:tgtEl>
+                                        <p:attrNameLst>
+                                          <p:attrName>ppt_x</p:attrName>
+                                          <p:attrName>ppt_y</p:attrName>
+                                        </p:attrNameLst>
+                                      </p:cBhvr>
+                                      <p:rCtr x="4883" y="8194"/>
+                                    </p:animMotion>
+                                  </p:childTnLst>
+                                </p:cTn>
+                              </p:par>
+                              <p:par>
+                                <p:cTn id="35" presetID="1" presetClass="exit" presetSubtype="0" fill="hold" nodeType="withEffect">
+                                  <p:stCondLst>
+                                    <p:cond delay="0"/>
+                                  </p:stCondLst>
+                                  <p:childTnLst>
+                                    <p:set>
+                                      <p:cBhvr>
+                                        <p:cTn id="36" dur="1" fill="hold">
+                                          <p:stCondLst>
+                                            <p:cond delay="0"/>
+                                          </p:stCondLst>
+                                        </p:cTn>
+                                        <p:tgtEl>
+                                          <p:spTgt spid="27"/>
+                                        </p:tgtEl>
+                                        <p:attrNameLst>
+                                          <p:attrName>style.visibility</p:attrName>
+                                        </p:attrNameLst>
+                                      </p:cBhvr>
+                                      <p:to>
+                                        <p:strVal val="hidden"/>
+                                      </p:to>
+                                    </p:set>
+                                  </p:childTnLst>
+                                </p:cTn>
+                              </p:par>
+                            </p:childTnLst>
+                          </p:cTn>
+                        </p:par>
+                      </p:childTnLst>
+                    </p:cTn>
+                  </p:par>
+                  <p:par>
+                    <p:cTn id="37" fill="hold">
+                      <p:stCondLst>
+                        <p:cond delay="indefinite"/>
+                      </p:stCondLst>
+                      <p:childTnLst>
+                        <p:par>
+                          <p:cTn id="38" fill="hold">
+                            <p:stCondLst>
+                              <p:cond delay="0"/>
+                            </p:stCondLst>
+                            <p:childTnLst>
+                              <p:par>
+                                <p:cTn id="39" presetID="1" presetClass="entr" presetSubtype="0" fill="hold" grpId="0" nodeType="clickEffect">
+                                  <p:stCondLst>
+                                    <p:cond delay="0"/>
+                                  </p:stCondLst>
+                                  <p:childTnLst>
+                                    <p:set>
+                                      <p:cBhvr>
+                                        <p:cTn id="40" dur="1" fill="hold">
+                                          <p:stCondLst>
+                                            <p:cond delay="0"/>
+                                          </p:stCondLst>
+                                        </p:cTn>
+                                        <p:tgtEl>
+                                          <p:spTgt spid="21"/>
+                                        </p:tgtEl>
+                                        <p:attrNameLst>
+                                          <p:attrName>style.visibility</p:attrName>
+                                        </p:attrNameLst>
+                                      </p:cBhvr>
+                                      <p:to>
+                                        <p:strVal val="visible"/>
+                                      </p:to>
+                                    </p:set>
+                                  </p:childTnLst>
+                                </p:cTn>
+                              </p:par>
+                              <p:par>
+                                <p:cTn id="41" presetID="1" presetClass="entr" presetSubtype="0" fill="hold" nodeType="withEffect">
+                                  <p:stCondLst>
+                                    <p:cond delay="0"/>
+                                  </p:stCondLst>
+                                  <p:childTnLst>
+                                    <p:set>
+                                      <p:cBhvr>
+                                        <p:cTn id="42" dur="1" fill="hold">
+                                          <p:stCondLst>
+                                            <p:cond delay="0"/>
+                                          </p:stCondLst>
+                                        </p:cTn>
+                                        <p:tgtEl>
+                                          <p:spTgt spid="35"/>
+                                        </p:tgtEl>
+                                        <p:attrNameLst>
+                                          <p:attrName>style.visibility</p:attrName>
+                                        </p:attrNameLst>
+                                      </p:cBhvr>
+                                      <p:to>
+                                        <p:strVal val="visible"/>
+                                      </p:to>
+                                    </p:set>
+                                  </p:childTnLst>
+                                </p:cTn>
+                              </p:par>
+                              <p:par>
+                                <p:cTn id="43" presetID="1" presetClass="entr" presetSubtype="0" fill="hold" nodeType="withEffect">
+                                  <p:stCondLst>
+                                    <p:cond delay="0"/>
+                                  </p:stCondLst>
+                                  <p:childTnLst>
+                                    <p:set>
+                                      <p:cBhvr>
+                                        <p:cTn id="44" dur="1" fill="hold">
+                                          <p:stCondLst>
+                                            <p:cond delay="0"/>
+                                          </p:stCondLst>
+                                        </p:cTn>
+                                        <p:tgtEl>
+                                          <p:spTgt spid="37"/>
+                                        </p:tgtEl>
+                                        <p:attrNameLst>
+                                          <p:attrName>style.visibility</p:attrName>
+                                        </p:attrNameLst>
+                                      </p:cBhvr>
+                                      <p:to>
+                                        <p:strVal val="visible"/>
+                                      </p:to>
+                                    </p:set>
+                                  </p:childTnLst>
+                                </p:cTn>
+                              </p:par>
+                            </p:childTnLst>
+                          </p:cTn>
+                        </p:par>
+                      </p:childTnLst>
+                    </p:cTn>
+                  </p:par>
+                  <p:par>
+                    <p:cTn id="45" fill="hold">
+                      <p:stCondLst>
+                        <p:cond delay="indefinite"/>
+                      </p:stCondLst>
+                      <p:childTnLst>
+                        <p:par>
+                          <p:cTn id="46" fill="hold">
+                            <p:stCondLst>
+                              <p:cond delay="0"/>
+                            </p:stCondLst>
+                            <p:childTnLst>
+                              <p:par>
+                                <p:cTn id="47" presetID="1" presetClass="entr" presetSubtype="0" fill="hold" nodeType="clickEffect">
+                                  <p:stCondLst>
+                                    <p:cond delay="0"/>
+                                  </p:stCondLst>
+                                  <p:childTnLst>
+                                    <p:set>
+                                      <p:cBhvr>
+                                        <p:cTn id="48" dur="1" fill="hold">
+                                          <p:stCondLst>
+                                            <p:cond delay="0"/>
+                                          </p:stCondLst>
+                                        </p:cTn>
+                                        <p:tgtEl>
+                                          <p:spTgt spid="50"/>
+                                        </p:tgtEl>
+                                        <p:attrNameLst>
+                                          <p:attrName>style.visibility</p:attrName>
+                                        </p:attrNameLst>
+                                      </p:cBhvr>
+                                      <p:to>
+                                        <p:strVal val="visible"/>
+                                      </p:to>
+                                    </p:set>
+                                  </p:childTnLst>
+                                </p:cTn>
+                              </p:par>
+                              <p:par>
+                                <p:cTn id="49" presetID="1" presetClass="entr" presetSubtype="0" fill="hold" nodeType="withEffect">
+                                  <p:stCondLst>
+                                    <p:cond delay="0"/>
+                                  </p:stCondLst>
+                                  <p:childTnLst>
+                                    <p:set>
+                                      <p:cBhvr>
+                                        <p:cTn id="50" dur="1" fill="hold">
+                                          <p:stCondLst>
+                                            <p:cond delay="0"/>
+                                          </p:stCondLst>
+                                        </p:cTn>
+                                        <p:tgtEl>
+                                          <p:spTgt spid="53"/>
+                                        </p:tgtEl>
+                                        <p:attrNameLst>
+                                          <p:attrName>style.visibility</p:attrName>
+                                        </p:attrNameLst>
+                                      </p:cBhvr>
+                                      <p:to>
+                                        <p:strVal val="visible"/>
+                                      </p:to>
+                                    </p:set>
+                                  </p:childTnLst>
+                                </p:cTn>
+                              </p:par>
+                              <p:par>
+                                <p:cTn id="51" presetID="1" presetClass="exit" presetSubtype="0" fill="hold" nodeType="withEffect">
+                                  <p:stCondLst>
+                                    <p:cond delay="0"/>
+                                  </p:stCondLst>
+                                  <p:childTnLst>
+                                    <p:set>
+                                      <p:cBhvr>
+                                        <p:cTn id="52" dur="1" fill="hold">
+                                          <p:stCondLst>
+                                            <p:cond delay="0"/>
+                                          </p:stCondLst>
+                                        </p:cTn>
+                                        <p:tgtEl>
+                                          <p:spTgt spid="37"/>
+                                        </p:tgtEl>
+                                        <p:attrNameLst>
+                                          <p:attrName>style.visibility</p:attrName>
+                                        </p:attrNameLst>
+                                      </p:cBhvr>
+                                      <p:to>
+                                        <p:strVal val="hidden"/>
+                                      </p:to>
+                                    </p:set>
+                                  </p:childTnLst>
+                                </p:cTn>
+                              </p:par>
+                              <p:par>
+                                <p:cTn id="53" presetID="1" presetClass="exit" presetSubtype="0" fill="hold" nodeType="withEffect">
+                                  <p:stCondLst>
+                                    <p:cond delay="0"/>
+                                  </p:stCondLst>
+                                  <p:childTnLst>
+                                    <p:set>
+                                      <p:cBhvr>
+                                        <p:cTn id="54" dur="1" fill="hold">
+                                          <p:stCondLst>
+                                            <p:cond delay="0"/>
+                                          </p:stCondLst>
+                                        </p:cTn>
+                                        <p:tgtEl>
+                                          <p:spTgt spid="18"/>
+                                        </p:tgtEl>
+                                        <p:attrNameLst>
+                                          <p:attrName>style.visibility</p:attrName>
+                                        </p:attrNameLst>
+                                      </p:cBhvr>
+                                      <p:to>
+                                        <p:strVal val="hidden"/>
+                                      </p:to>
+                                    </p:set>
+                                  </p:childTnLst>
+                                </p:cTn>
+                              </p:par>
+                              <p:par>
+                                <p:cTn id="55" presetID="1" presetClass="exit" presetSubtype="0" fill="hold" nodeType="withEffect">
+                                  <p:stCondLst>
+                                    <p:cond delay="0"/>
+                                  </p:stCondLst>
+                                  <p:childTnLst>
+                                    <p:set>
+                                      <p:cBhvr>
+                                        <p:cTn id="56" dur="1" fill="hold">
+                                          <p:stCondLst>
+                                            <p:cond delay="0"/>
+                                          </p:stCondLst>
+                                        </p:cTn>
+                                        <p:tgtEl>
+                                          <p:spTgt spid="35"/>
+                                        </p:tgtEl>
+                                        <p:attrNameLst>
+                                          <p:attrName>style.visibility</p:attrName>
+                                        </p:attrNameLst>
+                                      </p:cBhvr>
+                                      <p:to>
+                                        <p:strVal val="hidden"/>
+                                      </p:to>
+                                    </p:set>
+                                  </p:childTnLst>
+                                </p:cTn>
+                              </p:par>
+                            </p:childTnLst>
+                          </p:cTn>
+                        </p:par>
+                      </p:childTnLst>
+                    </p:cTn>
+                  </p:par>
+                  <p:par>
+                    <p:cTn id="57" fill="hold">
+                      <p:stCondLst>
+                        <p:cond delay="indefinite"/>
+                      </p:stCondLst>
+                      <p:childTnLst>
+                        <p:par>
+                          <p:cTn id="58" fill="hold">
+                            <p:stCondLst>
+                              <p:cond delay="0"/>
+                            </p:stCondLst>
+                            <p:childTnLst>
+                              <p:par>
+                                <p:cTn id="59" presetID="1" presetClass="entr" presetSubtype="0" fill="hold" nodeType="clickEffect">
+                                  <p:stCondLst>
+                                    <p:cond delay="0"/>
+                                  </p:stCondLst>
+                                  <p:childTnLst>
+                                    <p:set>
+                                      <p:cBhvr>
+                                        <p:cTn id="60" dur="1" fill="hold">
+                                          <p:stCondLst>
+                                            <p:cond delay="0"/>
+                                          </p:stCondLst>
+                                        </p:cTn>
+                                        <p:tgtEl>
+                                          <p:spTgt spid="56"/>
+                                        </p:tgtEl>
+                                        <p:attrNameLst>
+                                          <p:attrName>style.visibility</p:attrName>
+                                        </p:attrNameLst>
+                                      </p:cBhvr>
+                                      <p:to>
+                                        <p:strVal val="visible"/>
+                                      </p:to>
+                                    </p:set>
+                                  </p:childTnLst>
+                                </p:cTn>
+                              </p:par>
+                              <p:par>
+                                <p:cTn id="61" presetID="42" presetClass="path" presetSubtype="0" accel="50000" decel="50000" fill="hold" nodeType="withEffect">
+                                  <p:stCondLst>
+                                    <p:cond delay="0"/>
+                                  </p:stCondLst>
+                                  <p:childTnLst>
+                                    <p:animMotion origin="layout" path="M -4.10183E-6 -1.11111E-6 L 0.09767 0.16389 " pathEditMode="relative" rAng="0" ptsTypes="AA">
+                                      <p:cBhvr>
+                                        <p:cTn id="62" dur="750" fill="hold"/>
+                                        <p:tgtEl>
+                                          <p:spTgt spid="56"/>
+                                        </p:tgtEl>
+                                        <p:attrNameLst>
+                                          <p:attrName>ppt_x</p:attrName>
+                                          <p:attrName>ppt_y</p:attrName>
+                                        </p:attrNameLst>
+                                      </p:cBhvr>
+                                      <p:rCtr x="4883" y="8194"/>
+                                    </p:animMotion>
+                                  </p:childTnLst>
+                                </p:cTn>
+                              </p:par>
+                              <p:par>
+                                <p:cTn id="63" presetID="1" presetClass="exit" presetSubtype="0" fill="hold" nodeType="withEffect">
+                                  <p:stCondLst>
+                                    <p:cond delay="0"/>
+                                  </p:stCondLst>
+                                  <p:childTnLst>
+                                    <p:set>
+                                      <p:cBhvr>
+                                        <p:cTn id="64" dur="1" fill="hold">
+                                          <p:stCondLst>
+                                            <p:cond delay="0"/>
+                                          </p:stCondLst>
+                                        </p:cTn>
+                                        <p:tgtEl>
+                                          <p:spTgt spid="53"/>
+                                        </p:tgtEl>
+                                        <p:attrNameLst>
+                                          <p:attrName>style.visibility</p:attrName>
+                                        </p:attrNameLst>
+                                      </p:cBhvr>
+                                      <p:to>
+                                        <p:strVal val="hidden"/>
+                                      </p:to>
+                                    </p:set>
+                                  </p:childTnLst>
+                                </p:cTn>
+                              </p:par>
+                            </p:childTnLst>
+                          </p:cTn>
+                        </p:par>
+                      </p:childTnLst>
+                    </p:cTn>
+                  </p:par>
+                  <p:par>
+                    <p:cTn id="65" fill="hold">
+                      <p:stCondLst>
+                        <p:cond delay="indefinite"/>
+                      </p:stCondLst>
+                      <p:childTnLst>
+                        <p:par>
+                          <p:cTn id="66" fill="hold">
+                            <p:stCondLst>
+                              <p:cond delay="0"/>
+                            </p:stCondLst>
+                            <p:childTnLst>
+                              <p:par>
+                                <p:cTn id="67" presetID="1" presetClass="entr" presetSubtype="0" fill="hold" nodeType="clickEffect">
+                                  <p:stCondLst>
+                                    <p:cond delay="0"/>
+                                  </p:stCondLst>
+                                  <p:childTnLst>
+                                    <p:set>
+                                      <p:cBhvr>
+                                        <p:cTn id="68" dur="1" fill="hold">
+                                          <p:stCondLst>
+                                            <p:cond delay="0"/>
+                                          </p:stCondLst>
+                                        </p:cTn>
+                                        <p:tgtEl>
+                                          <p:spTgt spid="35"/>
+                                        </p:tgtEl>
+                                        <p:attrNameLst>
+                                          <p:attrName>style.visibility</p:attrName>
+                                        </p:attrNameLst>
+                                      </p:cBhvr>
+                                      <p:to>
+                                        <p:strVal val="visible"/>
+                                      </p:to>
+                                    </p:set>
+                                  </p:childTnLst>
+                                </p:cTn>
+                              </p:par>
+                              <p:par>
+                                <p:cTn id="69" presetID="1" presetClass="entr" presetSubtype="0" fill="hold" nodeType="withEffect">
+                                  <p:stCondLst>
+                                    <p:cond delay="0"/>
+                                  </p:stCondLst>
+                                  <p:childTnLst>
+                                    <p:set>
+                                      <p:cBhvr>
+                                        <p:cTn id="70" dur="1" fill="hold">
+                                          <p:stCondLst>
+                                            <p:cond delay="0"/>
+                                          </p:stCondLst>
+                                        </p:cTn>
+                                        <p:tgtEl>
+                                          <p:spTgt spid="54"/>
+                                        </p:tgtEl>
+                                        <p:attrNameLst>
+                                          <p:attrName>style.visibility</p:attrName>
+                                        </p:attrNameLst>
+                                      </p:cBhvr>
+                                      <p:to>
+                                        <p:strVal val="visible"/>
+                                      </p:to>
+                                    </p:set>
+                                  </p:childTnLst>
+                                </p:cTn>
+                              </p:par>
+                            </p:childTnLst>
+                          </p:cTn>
+                        </p:par>
+                      </p:childTnLst>
+                    </p:cTn>
+                  </p:par>
+                </p:childTnLst>
+              </p:cTn>
+              <p:prevCondLst>
+                <p:cond evt="onPrev" delay="0">
+                  <p:tgtEl>
+                    <p:sldTgt/>
+                  </p:tgtEl>
+                </p:cond>
+              </p:prevCondLst>
+              <p:nextCondLst>
+                <p:cond evt="onNext" delay="0">
+                  <p:tgtEl>
+                    <p:sldTgt/>
+                  </p:tgtEl>
+                </p:cond>
+              </p:nextCondLst>
+            </p:seq>
+          </p:childTnLst>
+        </p:cTn>
+      </p:par>
+    </p:tnLst>
+    <p:bldLst>
+      <p:bldP spid="14" grpId="0" animBg="1"/>
+      <p:bldP spid="14" grpId="1" animBg="1"/>
+      <p:bldP spid="21" grpId="0" animBg="1"/>
+      <p:bldP spid="13" grpId="0" animBg="1"/>
+    </p:bldLst>
+  </p:timing>
+</p:sld>
+</file>
+
+<file path=ppt/slides/slide22.xml><?xml version="1.0" encoding="utf-8"?>
 <p:sld xmlns:a="http://schemas.openxmlformats.org/drawingml/2006/main" xmlns:r="http://schemas.openxmlformats.org/officeDocument/2006/relationships" xmlns:p="http://schemas.openxmlformats.org/presentationml/2006/main">
   <p:cSld>
     <p:spTree>
@@ -15220,7 +18555,7 @@
           <a:p>
             <a:fld id="{741C03D3-FA44-40EC-9A21-1FC4FEA3E22E}" type="slidenum">
               <a:rPr lang="ru-RU" smtClean="0"/>
-              <a:t>19</a:t>
+              <a:t>22</a:t>
             </a:fld>
             <a:endParaRPr lang="ru-RU"/>
           </a:p>
@@ -15230,560 +18565,6 @@
     <p:extLst>
       <p:ext uri="{BB962C8B-B14F-4D97-AF65-F5344CB8AC3E}">
         <p14:creationId xmlns:p14="http://schemas.microsoft.com/office/powerpoint/2010/main" val="3481799678"/>
-      </p:ext>
-    </p:extLst>
-  </p:cSld>
-  <p:clrMapOvr>
-    <a:masterClrMapping/>
-  </p:clrMapOvr>
-  <p:timing>
-    <p:tnLst>
-      <p:par>
-        <p:cTn id="1" dur="indefinite" restart="never" nodeType="tmRoot"/>
-      </p:par>
-    </p:tnLst>
-  </p:timing>
-</p:sld>
-</file>
-
-<file path=ppt/slides/slide2.xml><?xml version="1.0" encoding="utf-8"?>
-<p:sld xmlns:a="http://schemas.openxmlformats.org/drawingml/2006/main" xmlns:r="http://schemas.openxmlformats.org/officeDocument/2006/relationships" xmlns:p="http://schemas.openxmlformats.org/presentationml/2006/main">
-  <p:cSld>
-    <p:spTree>
-      <p:nvGrpSpPr>
-        <p:cNvPr id="1" name=""/>
-        <p:cNvGrpSpPr/>
-        <p:nvPr/>
-      </p:nvGrpSpPr>
-      <p:grpSpPr>
-        <a:xfrm>
-          <a:off x="0" y="0"/>
-          <a:ext cx="0" cy="0"/>
-          <a:chOff x="0" y="0"/>
-          <a:chExt cx="0" cy="0"/>
-        </a:xfrm>
-      </p:grpSpPr>
-      <p:sp>
-        <p:nvSpPr>
-          <p:cNvPr id="2" name="Заголовок 1"/>
-          <p:cNvSpPr>
-            <a:spLocks noGrp="1"/>
-          </p:cNvSpPr>
-          <p:nvPr>
-            <p:ph type="ctrTitle"/>
-          </p:nvPr>
-        </p:nvSpPr>
-        <p:spPr>
-          <a:xfrm>
-            <a:off x="3048000" y="3048000"/>
-            <a:ext cx="18683206" cy="7249764"/>
-          </a:xfrm>
-        </p:spPr>
-        <p:txBody>
-          <a:bodyPr/>
-          <a:lstStyle/>
-          <a:p>
-            <a:r>
-              <a:rPr lang="ru-RU" dirty="0"/>
-              <a:t>Просто о сложном: опыт создания курсов на </a:t>
-            </a:r>
-            <a:r>
-              <a:rPr lang="ru-RU" dirty="0" err="1"/>
-              <a:t>Coursera</a:t>
-            </a:r>
-            <a:endParaRPr lang="ru-RU" dirty="0"/>
-          </a:p>
-        </p:txBody>
-      </p:sp>
-      <p:sp>
-        <p:nvSpPr>
-          <p:cNvPr id="3" name="Подзаголовок 2"/>
-          <p:cNvSpPr>
-            <a:spLocks noGrp="1"/>
-          </p:cNvSpPr>
-          <p:nvPr>
-            <p:ph type="subTitle" idx="1"/>
-          </p:nvPr>
-        </p:nvSpPr>
-        <p:spPr/>
-        <p:txBody>
-          <a:bodyPr/>
-          <a:lstStyle/>
-          <a:p>
-            <a:r>
-              <a:rPr lang="ru-RU" dirty="0"/>
-              <a:t>Илья </a:t>
-            </a:r>
-            <a:r>
-              <a:rPr lang="ru-RU" dirty="0" smtClean="0"/>
-              <a:t>Шишков, старший разработчик</a:t>
-            </a:r>
-            <a:endParaRPr lang="ru-RU" dirty="0"/>
-          </a:p>
-        </p:txBody>
-      </p:sp>
-      <p:sp>
-        <p:nvSpPr>
-          <p:cNvPr id="4" name="Рисунок 3"/>
-          <p:cNvSpPr>
-            <a:spLocks noGrp="1"/>
-          </p:cNvSpPr>
-          <p:nvPr>
-            <p:ph type="pic" sz="quarter" idx="13"/>
-          </p:nvPr>
-        </p:nvSpPr>
-        <p:spPr/>
-      </p:sp>
-      <p:pic>
-        <p:nvPicPr>
-          <p:cNvPr id="7" name="Рисунок 6"/>
-          <p:cNvPicPr>
-            <a:picLocks noGrp="1" noChangeAspect="1"/>
-          </p:cNvPicPr>
-          <p:nvPr>
-            <p:ph type="pic" sz="quarter" idx="14"/>
-          </p:nvPr>
-        </p:nvPicPr>
-        <p:blipFill rotWithShape="1">
-          <a:blip r:embed="rId2">
-            <a:extLst>
-              <a:ext uri="{28A0092B-C50C-407E-A947-70E740481C1C}">
-                <a14:useLocalDpi xmlns:a14="http://schemas.microsoft.com/office/drawing/2010/main" val="0"/>
-              </a:ext>
-            </a:extLst>
-          </a:blip>
-          <a:srcRect t="13107" b="14501"/>
-          <a:stretch/>
-        </p:blipFill>
-        <p:spPr>
-          <a:xfrm>
-            <a:off x="16770112" y="1935158"/>
-            <a:ext cx="3816588" cy="1040350"/>
-          </a:xfrm>
-        </p:spPr>
-      </p:pic>
-    </p:spTree>
-    <p:extLst>
-      <p:ext uri="{BB962C8B-B14F-4D97-AF65-F5344CB8AC3E}">
-        <p14:creationId xmlns:p14="http://schemas.microsoft.com/office/powerpoint/2010/main" val="1840561225"/>
-      </p:ext>
-    </p:extLst>
-  </p:cSld>
-  <p:clrMapOvr>
-    <a:masterClrMapping/>
-  </p:clrMapOvr>
-  <p:timing>
-    <p:tnLst>
-      <p:par>
-        <p:cTn id="1" dur="indefinite" restart="never" nodeType="tmRoot"/>
-      </p:par>
-    </p:tnLst>
-  </p:timing>
-</p:sld>
-</file>
-
-<file path=ppt/slides/slide20.xml><?xml version="1.0" encoding="utf-8"?>
-<p:sld xmlns:a="http://schemas.openxmlformats.org/drawingml/2006/main" xmlns:r="http://schemas.openxmlformats.org/officeDocument/2006/relationships" xmlns:p="http://schemas.openxmlformats.org/presentationml/2006/main">
-  <p:cSld>
-    <p:spTree>
-      <p:nvGrpSpPr>
-        <p:cNvPr id="1" name=""/>
-        <p:cNvGrpSpPr/>
-        <p:nvPr/>
-      </p:nvGrpSpPr>
-      <p:grpSpPr>
-        <a:xfrm>
-          <a:off x="0" y="0"/>
-          <a:ext cx="0" cy="0"/>
-          <a:chOff x="0" y="0"/>
-          <a:chExt cx="0" cy="0"/>
-        </a:xfrm>
-      </p:grpSpPr>
-      <p:sp>
-        <p:nvSpPr>
-          <p:cNvPr id="2" name="Текст 1"/>
-          <p:cNvSpPr>
-            <a:spLocks noGrp="1"/>
-          </p:cNvSpPr>
-          <p:nvPr>
-            <p:ph type="body" idx="1"/>
-          </p:nvPr>
-        </p:nvSpPr>
-        <p:spPr/>
-        <p:txBody>
-          <a:bodyPr/>
-          <a:lstStyle/>
-          <a:p>
-            <a:r>
-              <a:rPr lang="ru-RU" dirty="0" smtClean="0"/>
-              <a:t>Отзыв на «Белый пояс по </a:t>
-            </a:r>
-            <a:r>
-              <a:rPr lang="en-US" dirty="0" smtClean="0"/>
-              <a:t>C++</a:t>
-            </a:r>
-            <a:r>
-              <a:rPr lang="ru-RU" dirty="0" smtClean="0"/>
-              <a:t>»</a:t>
-            </a:r>
-            <a:endParaRPr lang="ru-RU" dirty="0"/>
-          </a:p>
-        </p:txBody>
-      </p:sp>
-      <p:sp>
-        <p:nvSpPr>
-          <p:cNvPr id="3" name="Объект 2"/>
-          <p:cNvSpPr>
-            <a:spLocks noGrp="1"/>
-          </p:cNvSpPr>
-          <p:nvPr>
-            <p:ph sz="half" idx="10"/>
-          </p:nvPr>
-        </p:nvSpPr>
-        <p:spPr/>
-        <p:txBody>
-          <a:bodyPr/>
-          <a:lstStyle/>
-          <a:p>
-            <a:r>
-              <a:rPr lang="ru-RU" dirty="0" smtClean="0"/>
-              <a:t>Этот </a:t>
-            </a:r>
-            <a:r>
-              <a:rPr lang="ru-RU" dirty="0"/>
-              <a:t>курс показал </a:t>
-            </a:r>
-            <a:r>
-              <a:rPr lang="ru-RU" dirty="0" smtClean="0"/>
-              <a:t>мне</a:t>
-            </a:r>
-            <a:endParaRPr lang="en-US" dirty="0" smtClean="0"/>
-          </a:p>
-          <a:p>
-            <a:r>
-              <a:rPr lang="ru-RU" dirty="0" smtClean="0"/>
-              <a:t>нормальный </a:t>
-            </a:r>
-            <a:r>
-              <a:rPr lang="ru-RU" dirty="0"/>
-              <a:t>C++, а </a:t>
-            </a:r>
-            <a:r>
-              <a:rPr lang="ru-RU" dirty="0" smtClean="0"/>
-              <a:t>не</a:t>
-            </a:r>
-            <a:endParaRPr lang="en-US" dirty="0" smtClean="0"/>
-          </a:p>
-          <a:p>
-            <a:r>
-              <a:rPr lang="ru-RU" dirty="0" smtClean="0"/>
-              <a:t>тот</a:t>
-            </a:r>
-            <a:r>
-              <a:rPr lang="ru-RU" dirty="0"/>
-              <a:t>, которому </a:t>
-            </a:r>
-            <a:r>
-              <a:rPr lang="ru-RU" dirty="0" smtClean="0"/>
-              <a:t>меня</a:t>
-            </a:r>
-            <a:endParaRPr lang="en-US" dirty="0" smtClean="0"/>
-          </a:p>
-          <a:p>
-            <a:r>
-              <a:rPr lang="ru-RU" dirty="0" smtClean="0"/>
-              <a:t>учили </a:t>
-            </a:r>
-            <a:r>
-              <a:rPr lang="ru-RU" dirty="0"/>
-              <a:t>в университете.</a:t>
-            </a:r>
-          </a:p>
-        </p:txBody>
-      </p:sp>
-    </p:spTree>
-    <p:extLst>
-      <p:ext uri="{BB962C8B-B14F-4D97-AF65-F5344CB8AC3E}">
-        <p14:creationId xmlns:p14="http://schemas.microsoft.com/office/powerpoint/2010/main" val="3690274279"/>
-      </p:ext>
-    </p:extLst>
-  </p:cSld>
-  <p:clrMapOvr>
-    <a:masterClrMapping/>
-  </p:clrMapOvr>
-  <p:timing>
-    <p:tnLst>
-      <p:par>
-        <p:cTn id="1" dur="indefinite" restart="never" nodeType="tmRoot"/>
-      </p:par>
-    </p:tnLst>
-  </p:timing>
-</p:sld>
-</file>
-
-<file path=ppt/slides/slide21.xml><?xml version="1.0" encoding="utf-8"?>
-<p:sld xmlns:a="http://schemas.openxmlformats.org/drawingml/2006/main" xmlns:r="http://schemas.openxmlformats.org/officeDocument/2006/relationships" xmlns:p="http://schemas.openxmlformats.org/presentationml/2006/main">
-  <p:cSld>
-    <p:spTree>
-      <p:nvGrpSpPr>
-        <p:cNvPr id="1" name=""/>
-        <p:cNvGrpSpPr/>
-        <p:nvPr/>
-      </p:nvGrpSpPr>
-      <p:grpSpPr>
-        <a:xfrm>
-          <a:off x="0" y="0"/>
-          <a:ext cx="0" cy="0"/>
-          <a:chOff x="0" y="0"/>
-          <a:chExt cx="0" cy="0"/>
-        </a:xfrm>
-      </p:grpSpPr>
-      <p:sp>
-        <p:nvSpPr>
-          <p:cNvPr id="2" name="Текст 1"/>
-          <p:cNvSpPr>
-            <a:spLocks noGrp="1"/>
-          </p:cNvSpPr>
-          <p:nvPr>
-            <p:ph type="body" idx="1"/>
-          </p:nvPr>
-        </p:nvSpPr>
-        <p:spPr/>
-        <p:txBody>
-          <a:bodyPr/>
-          <a:lstStyle/>
-          <a:p>
-            <a:r>
-              <a:rPr lang="ru-RU" dirty="0" smtClean="0"/>
-              <a:t>Отзыв на «Жёлтый пояс по </a:t>
-            </a:r>
-            <a:r>
-              <a:rPr lang="en-US" dirty="0" smtClean="0"/>
-              <a:t>C++</a:t>
-            </a:r>
-            <a:r>
-              <a:rPr lang="ru-RU" dirty="0" smtClean="0"/>
-              <a:t>»</a:t>
-            </a:r>
-            <a:endParaRPr lang="ru-RU" dirty="0"/>
-          </a:p>
-        </p:txBody>
-      </p:sp>
-      <p:sp>
-        <p:nvSpPr>
-          <p:cNvPr id="3" name="Объект 2"/>
-          <p:cNvSpPr>
-            <a:spLocks noGrp="1"/>
-          </p:cNvSpPr>
-          <p:nvPr>
-            <p:ph sz="half" idx="10"/>
-          </p:nvPr>
-        </p:nvSpPr>
-        <p:spPr>
-          <a:xfrm>
-            <a:off x="3048001" y="3048001"/>
-            <a:ext cx="19827874" cy="7250114"/>
-          </a:xfrm>
-        </p:spPr>
-        <p:txBody>
-          <a:bodyPr/>
-          <a:lstStyle/>
-          <a:p>
-            <a:r>
-              <a:rPr lang="ru-RU" dirty="0"/>
-              <a:t>На работе </a:t>
-            </a:r>
-            <a:r>
-              <a:rPr lang="ru-RU" dirty="0" smtClean="0"/>
-              <a:t>пригодились</a:t>
-            </a:r>
-          </a:p>
-          <a:p>
-            <a:r>
-              <a:rPr lang="ru-RU" dirty="0" smtClean="0"/>
-              <a:t>знания </a:t>
-            </a:r>
-            <a:r>
-              <a:rPr lang="ru-RU" dirty="0"/>
-              <a:t>по </a:t>
-            </a:r>
-            <a:r>
-              <a:rPr lang="ru-RU" dirty="0" smtClean="0"/>
-              <a:t>декомпозиции,</a:t>
-            </a:r>
-          </a:p>
-          <a:p>
-            <a:r>
-              <a:rPr lang="ru-RU" dirty="0" smtClean="0"/>
-              <a:t>алгоритмам </a:t>
-            </a:r>
-            <a:r>
-              <a:rPr lang="ru-RU" dirty="0"/>
-              <a:t>и </a:t>
-            </a:r>
-            <a:r>
-              <a:rPr lang="ru-RU" dirty="0" smtClean="0"/>
-              <a:t>юнит-</a:t>
-            </a:r>
-          </a:p>
-          <a:p>
-            <a:r>
-              <a:rPr lang="ru-RU" dirty="0" smtClean="0"/>
-              <a:t>тестированию</a:t>
-            </a:r>
-            <a:endParaRPr lang="ru-RU" dirty="0"/>
-          </a:p>
-        </p:txBody>
-      </p:sp>
-    </p:spTree>
-    <p:extLst>
-      <p:ext uri="{BB962C8B-B14F-4D97-AF65-F5344CB8AC3E}">
-        <p14:creationId xmlns:p14="http://schemas.microsoft.com/office/powerpoint/2010/main" val="2774735083"/>
-      </p:ext>
-    </p:extLst>
-  </p:cSld>
-  <p:clrMapOvr>
-    <a:masterClrMapping/>
-  </p:clrMapOvr>
-  <p:timing>
-    <p:tnLst>
-      <p:par>
-        <p:cTn id="1" dur="indefinite" restart="never" nodeType="tmRoot"/>
-      </p:par>
-    </p:tnLst>
-  </p:timing>
-</p:sld>
-</file>
-
-<file path=ppt/slides/slide22.xml><?xml version="1.0" encoding="utf-8"?>
-<p:sld xmlns:a="http://schemas.openxmlformats.org/drawingml/2006/main" xmlns:r="http://schemas.openxmlformats.org/officeDocument/2006/relationships" xmlns:p="http://schemas.openxmlformats.org/presentationml/2006/main">
-  <p:cSld>
-    <p:spTree>
-      <p:nvGrpSpPr>
-        <p:cNvPr id="1" name=""/>
-        <p:cNvGrpSpPr/>
-        <p:nvPr/>
-      </p:nvGrpSpPr>
-      <p:grpSpPr>
-        <a:xfrm>
-          <a:off x="0" y="0"/>
-          <a:ext cx="0" cy="0"/>
-          <a:chOff x="0" y="0"/>
-          <a:chExt cx="0" cy="0"/>
-        </a:xfrm>
-      </p:grpSpPr>
-      <p:sp>
-        <p:nvSpPr>
-          <p:cNvPr id="2" name="Текст 1"/>
-          <p:cNvSpPr>
-            <a:spLocks noGrp="1"/>
-          </p:cNvSpPr>
-          <p:nvPr>
-            <p:ph type="body" idx="1"/>
-          </p:nvPr>
-        </p:nvSpPr>
-        <p:spPr/>
-        <p:txBody>
-          <a:bodyPr/>
-          <a:lstStyle/>
-          <a:p>
-            <a:r>
-              <a:rPr lang="ru-RU" dirty="0" smtClean="0"/>
-              <a:t>Отзыв на </a:t>
-            </a:r>
-            <a:r>
-              <a:rPr lang="ru-RU" smtClean="0"/>
-              <a:t>«Красный пояс </a:t>
-            </a:r>
-            <a:r>
-              <a:rPr lang="ru-RU" dirty="0" smtClean="0"/>
-              <a:t>по </a:t>
-            </a:r>
-            <a:r>
-              <a:rPr lang="en-US" dirty="0" smtClean="0"/>
-              <a:t>C++</a:t>
-            </a:r>
-            <a:r>
-              <a:rPr lang="ru-RU" dirty="0" smtClean="0"/>
-              <a:t>»</a:t>
-            </a:r>
-            <a:endParaRPr lang="ru-RU" dirty="0"/>
-          </a:p>
-        </p:txBody>
-      </p:sp>
-      <p:sp>
-        <p:nvSpPr>
-          <p:cNvPr id="3" name="Объект 2"/>
-          <p:cNvSpPr>
-            <a:spLocks noGrp="1"/>
-          </p:cNvSpPr>
-          <p:nvPr>
-            <p:ph sz="half" idx="10"/>
-          </p:nvPr>
-        </p:nvSpPr>
-        <p:spPr>
-          <a:xfrm>
-            <a:off x="3048001" y="3048001"/>
-            <a:ext cx="19827874" cy="7250114"/>
-          </a:xfrm>
-        </p:spPr>
-        <p:txBody>
-          <a:bodyPr/>
-          <a:lstStyle/>
-          <a:p>
-            <a:r>
-              <a:rPr lang="ru-RU" dirty="0"/>
-              <a:t>Один из лучших курсов</a:t>
-            </a:r>
-            <a:r>
-              <a:rPr lang="ru-RU" dirty="0" smtClean="0"/>
-              <a:t>,</a:t>
-            </a:r>
-          </a:p>
-          <a:p>
-            <a:r>
-              <a:rPr lang="ru-RU" dirty="0" smtClean="0"/>
-              <a:t>что </a:t>
-            </a:r>
-            <a:r>
-              <a:rPr lang="ru-RU" dirty="0"/>
-              <a:t>я проходил в </a:t>
-            </a:r>
-            <a:r>
-              <a:rPr lang="ru-RU" dirty="0" smtClean="0"/>
-              <a:t>жизни.</a:t>
-            </a:r>
-          </a:p>
-          <a:p>
-            <a:r>
-              <a:rPr lang="ru-RU" dirty="0" smtClean="0"/>
-              <a:t>Не только </a:t>
-            </a:r>
-            <a:r>
-              <a:rPr lang="ru-RU" dirty="0"/>
-              <a:t>по </a:t>
-            </a:r>
-            <a:r>
-              <a:rPr lang="ru-RU" dirty="0" smtClean="0"/>
-              <a:t>языку</a:t>
-            </a:r>
-          </a:p>
-          <a:p>
-            <a:r>
-              <a:rPr lang="ru-RU" dirty="0" smtClean="0"/>
-              <a:t>программирования</a:t>
-            </a:r>
-            <a:r>
-              <a:rPr lang="ru-RU" dirty="0"/>
-              <a:t>.</a:t>
-            </a:r>
-          </a:p>
-        </p:txBody>
-      </p:sp>
-    </p:spTree>
-    <p:extLst>
-      <p:ext uri="{BB962C8B-B14F-4D97-AF65-F5344CB8AC3E}">
-        <p14:creationId xmlns:p14="http://schemas.microsoft.com/office/powerpoint/2010/main" val="3707661308"/>
       </p:ext>
     </p:extLst>
   </p:cSld>
@@ -15819,6 +18600,424 @@
       </p:grpSpPr>
       <p:sp>
         <p:nvSpPr>
+          <p:cNvPr id="2" name="Текст 1"/>
+          <p:cNvSpPr>
+            <a:spLocks noGrp="1"/>
+          </p:cNvSpPr>
+          <p:nvPr>
+            <p:ph type="body" idx="1"/>
+          </p:nvPr>
+        </p:nvSpPr>
+        <p:spPr/>
+        <p:txBody>
+          <a:bodyPr/>
+          <a:lstStyle/>
+          <a:p>
+            <a:r>
+              <a:rPr lang="ru-RU" dirty="0" smtClean="0"/>
+              <a:t>Отзыв на «Белый пояс по </a:t>
+            </a:r>
+            <a:r>
+              <a:rPr lang="en-US" dirty="0" smtClean="0"/>
+              <a:t>C++</a:t>
+            </a:r>
+            <a:r>
+              <a:rPr lang="ru-RU" dirty="0" smtClean="0"/>
+              <a:t>»</a:t>
+            </a:r>
+            <a:endParaRPr lang="ru-RU" dirty="0"/>
+          </a:p>
+        </p:txBody>
+      </p:sp>
+      <p:sp>
+        <p:nvSpPr>
+          <p:cNvPr id="3" name="Объект 2"/>
+          <p:cNvSpPr>
+            <a:spLocks noGrp="1"/>
+          </p:cNvSpPr>
+          <p:nvPr>
+            <p:ph sz="half" idx="10"/>
+          </p:nvPr>
+        </p:nvSpPr>
+        <p:spPr/>
+        <p:txBody>
+          <a:bodyPr/>
+          <a:lstStyle/>
+          <a:p>
+            <a:r>
+              <a:rPr lang="ru-RU" dirty="0" smtClean="0"/>
+              <a:t>Этот </a:t>
+            </a:r>
+            <a:r>
+              <a:rPr lang="ru-RU" dirty="0"/>
+              <a:t>курс показал </a:t>
+            </a:r>
+            <a:r>
+              <a:rPr lang="ru-RU" dirty="0" smtClean="0"/>
+              <a:t>мне</a:t>
+            </a:r>
+            <a:endParaRPr lang="en-US" dirty="0" smtClean="0"/>
+          </a:p>
+          <a:p>
+            <a:r>
+              <a:rPr lang="ru-RU" dirty="0" smtClean="0"/>
+              <a:t>нормальный </a:t>
+            </a:r>
+            <a:r>
+              <a:rPr lang="ru-RU" dirty="0"/>
+              <a:t>C++, а </a:t>
+            </a:r>
+            <a:r>
+              <a:rPr lang="ru-RU" dirty="0" smtClean="0"/>
+              <a:t>не</a:t>
+            </a:r>
+            <a:endParaRPr lang="en-US" dirty="0" smtClean="0"/>
+          </a:p>
+          <a:p>
+            <a:r>
+              <a:rPr lang="ru-RU" dirty="0" smtClean="0"/>
+              <a:t>тот</a:t>
+            </a:r>
+            <a:r>
+              <a:rPr lang="ru-RU" dirty="0"/>
+              <a:t>, которому </a:t>
+            </a:r>
+            <a:r>
+              <a:rPr lang="ru-RU" dirty="0" smtClean="0"/>
+              <a:t>меня</a:t>
+            </a:r>
+            <a:endParaRPr lang="en-US" dirty="0" smtClean="0"/>
+          </a:p>
+          <a:p>
+            <a:r>
+              <a:rPr lang="ru-RU" dirty="0" smtClean="0"/>
+              <a:t>учили </a:t>
+            </a:r>
+            <a:r>
+              <a:rPr lang="ru-RU" dirty="0"/>
+              <a:t>в университете.</a:t>
+            </a:r>
+          </a:p>
+        </p:txBody>
+      </p:sp>
+    </p:spTree>
+    <p:extLst>
+      <p:ext uri="{BB962C8B-B14F-4D97-AF65-F5344CB8AC3E}">
+        <p14:creationId xmlns:p14="http://schemas.microsoft.com/office/powerpoint/2010/main" val="3690274279"/>
+      </p:ext>
+    </p:extLst>
+  </p:cSld>
+  <p:clrMapOvr>
+    <a:masterClrMapping/>
+  </p:clrMapOvr>
+  <p:timing>
+    <p:tnLst>
+      <p:par>
+        <p:cTn id="1" dur="indefinite" restart="never" nodeType="tmRoot"/>
+      </p:par>
+    </p:tnLst>
+  </p:timing>
+</p:sld>
+</file>
+
+<file path=ppt/slides/slide24.xml><?xml version="1.0" encoding="utf-8"?>
+<p:sld xmlns:a="http://schemas.openxmlformats.org/drawingml/2006/main" xmlns:r="http://schemas.openxmlformats.org/officeDocument/2006/relationships" xmlns:p="http://schemas.openxmlformats.org/presentationml/2006/main">
+  <p:cSld>
+    <p:spTree>
+      <p:nvGrpSpPr>
+        <p:cNvPr id="1" name=""/>
+        <p:cNvGrpSpPr/>
+        <p:nvPr/>
+      </p:nvGrpSpPr>
+      <p:grpSpPr>
+        <a:xfrm>
+          <a:off x="0" y="0"/>
+          <a:ext cx="0" cy="0"/>
+          <a:chOff x="0" y="0"/>
+          <a:chExt cx="0" cy="0"/>
+        </a:xfrm>
+      </p:grpSpPr>
+      <p:sp>
+        <p:nvSpPr>
+          <p:cNvPr id="2" name="Текст 1"/>
+          <p:cNvSpPr>
+            <a:spLocks noGrp="1"/>
+          </p:cNvSpPr>
+          <p:nvPr>
+            <p:ph type="body" idx="1"/>
+          </p:nvPr>
+        </p:nvSpPr>
+        <p:spPr/>
+        <p:txBody>
+          <a:bodyPr/>
+          <a:lstStyle/>
+          <a:p>
+            <a:r>
+              <a:rPr lang="ru-RU" dirty="0" smtClean="0"/>
+              <a:t>Отзыв на «Жёлтый пояс по </a:t>
+            </a:r>
+            <a:r>
+              <a:rPr lang="en-US" dirty="0" smtClean="0"/>
+              <a:t>C++</a:t>
+            </a:r>
+            <a:r>
+              <a:rPr lang="ru-RU" dirty="0" smtClean="0"/>
+              <a:t>»</a:t>
+            </a:r>
+            <a:endParaRPr lang="ru-RU" dirty="0"/>
+          </a:p>
+        </p:txBody>
+      </p:sp>
+      <p:sp>
+        <p:nvSpPr>
+          <p:cNvPr id="3" name="Объект 2"/>
+          <p:cNvSpPr>
+            <a:spLocks noGrp="1"/>
+          </p:cNvSpPr>
+          <p:nvPr>
+            <p:ph sz="half" idx="10"/>
+          </p:nvPr>
+        </p:nvSpPr>
+        <p:spPr>
+          <a:xfrm>
+            <a:off x="3048001" y="3048001"/>
+            <a:ext cx="19827874" cy="7250114"/>
+          </a:xfrm>
+        </p:spPr>
+        <p:txBody>
+          <a:bodyPr/>
+          <a:lstStyle/>
+          <a:p>
+            <a:r>
+              <a:rPr lang="ru-RU" dirty="0"/>
+              <a:t>На работе </a:t>
+            </a:r>
+            <a:r>
+              <a:rPr lang="ru-RU" dirty="0" smtClean="0"/>
+              <a:t>пригодились</a:t>
+            </a:r>
+          </a:p>
+          <a:p>
+            <a:r>
+              <a:rPr lang="ru-RU" dirty="0" smtClean="0"/>
+              <a:t>знания </a:t>
+            </a:r>
+            <a:r>
+              <a:rPr lang="ru-RU" dirty="0"/>
+              <a:t>по </a:t>
+            </a:r>
+            <a:r>
+              <a:rPr lang="ru-RU" dirty="0" smtClean="0"/>
+              <a:t>декомпозиции,</a:t>
+            </a:r>
+          </a:p>
+          <a:p>
+            <a:r>
+              <a:rPr lang="ru-RU" dirty="0" smtClean="0"/>
+              <a:t>алгоритмам </a:t>
+            </a:r>
+            <a:r>
+              <a:rPr lang="ru-RU" dirty="0"/>
+              <a:t>и </a:t>
+            </a:r>
+            <a:r>
+              <a:rPr lang="ru-RU" dirty="0" smtClean="0"/>
+              <a:t>юнит-</a:t>
+            </a:r>
+          </a:p>
+          <a:p>
+            <a:r>
+              <a:rPr lang="ru-RU" dirty="0" smtClean="0"/>
+              <a:t>тестированию</a:t>
+            </a:r>
+            <a:endParaRPr lang="ru-RU" dirty="0"/>
+          </a:p>
+        </p:txBody>
+      </p:sp>
+    </p:spTree>
+    <p:extLst>
+      <p:ext uri="{BB962C8B-B14F-4D97-AF65-F5344CB8AC3E}">
+        <p14:creationId xmlns:p14="http://schemas.microsoft.com/office/powerpoint/2010/main" val="2774735083"/>
+      </p:ext>
+    </p:extLst>
+  </p:cSld>
+  <p:clrMapOvr>
+    <a:masterClrMapping/>
+  </p:clrMapOvr>
+  <p:timing>
+    <p:tnLst>
+      <p:par>
+        <p:cTn id="1" dur="indefinite" restart="never" nodeType="tmRoot"/>
+      </p:par>
+    </p:tnLst>
+  </p:timing>
+</p:sld>
+</file>
+
+<file path=ppt/slides/slide25.xml><?xml version="1.0" encoding="utf-8"?>
+<p:sld xmlns:a="http://schemas.openxmlformats.org/drawingml/2006/main" xmlns:r="http://schemas.openxmlformats.org/officeDocument/2006/relationships" xmlns:p="http://schemas.openxmlformats.org/presentationml/2006/main">
+  <p:cSld>
+    <p:spTree>
+      <p:nvGrpSpPr>
+        <p:cNvPr id="1" name=""/>
+        <p:cNvGrpSpPr/>
+        <p:nvPr/>
+      </p:nvGrpSpPr>
+      <p:grpSpPr>
+        <a:xfrm>
+          <a:off x="0" y="0"/>
+          <a:ext cx="0" cy="0"/>
+          <a:chOff x="0" y="0"/>
+          <a:chExt cx="0" cy="0"/>
+        </a:xfrm>
+      </p:grpSpPr>
+      <p:sp>
+        <p:nvSpPr>
+          <p:cNvPr id="2" name="Текст 1"/>
+          <p:cNvSpPr>
+            <a:spLocks noGrp="1"/>
+          </p:cNvSpPr>
+          <p:nvPr>
+            <p:ph type="body" idx="1"/>
+          </p:nvPr>
+        </p:nvSpPr>
+        <p:spPr/>
+        <p:txBody>
+          <a:bodyPr/>
+          <a:lstStyle/>
+          <a:p>
+            <a:r>
+              <a:rPr lang="ru-RU" dirty="0" smtClean="0"/>
+              <a:t>Отзыв на </a:t>
+            </a:r>
+            <a:r>
+              <a:rPr lang="ru-RU" smtClean="0"/>
+              <a:t>«Красный пояс </a:t>
+            </a:r>
+            <a:r>
+              <a:rPr lang="ru-RU" dirty="0" smtClean="0"/>
+              <a:t>по </a:t>
+            </a:r>
+            <a:r>
+              <a:rPr lang="en-US" dirty="0" smtClean="0"/>
+              <a:t>C++</a:t>
+            </a:r>
+            <a:r>
+              <a:rPr lang="ru-RU" dirty="0" smtClean="0"/>
+              <a:t>»</a:t>
+            </a:r>
+            <a:endParaRPr lang="ru-RU" dirty="0"/>
+          </a:p>
+        </p:txBody>
+      </p:sp>
+      <p:sp>
+        <p:nvSpPr>
+          <p:cNvPr id="3" name="Объект 2"/>
+          <p:cNvSpPr>
+            <a:spLocks noGrp="1"/>
+          </p:cNvSpPr>
+          <p:nvPr>
+            <p:ph sz="half" idx="10"/>
+          </p:nvPr>
+        </p:nvSpPr>
+        <p:spPr>
+          <a:xfrm>
+            <a:off x="3048001" y="3048001"/>
+            <a:ext cx="19827874" cy="7250114"/>
+          </a:xfrm>
+        </p:spPr>
+        <p:txBody>
+          <a:bodyPr/>
+          <a:lstStyle/>
+          <a:p>
+            <a:r>
+              <a:rPr lang="ru-RU" dirty="0"/>
+              <a:t>Один из лучших курсов</a:t>
+            </a:r>
+            <a:r>
+              <a:rPr lang="ru-RU" dirty="0" smtClean="0"/>
+              <a:t>,</a:t>
+            </a:r>
+          </a:p>
+          <a:p>
+            <a:r>
+              <a:rPr lang="ru-RU" dirty="0" smtClean="0"/>
+              <a:t>что </a:t>
+            </a:r>
+            <a:r>
+              <a:rPr lang="ru-RU" dirty="0"/>
+              <a:t>я проходил в </a:t>
+            </a:r>
+            <a:r>
+              <a:rPr lang="ru-RU" dirty="0" smtClean="0"/>
+              <a:t>жизни.</a:t>
+            </a:r>
+          </a:p>
+          <a:p>
+            <a:r>
+              <a:rPr lang="ru-RU" dirty="0" smtClean="0"/>
+              <a:t>Не только </a:t>
+            </a:r>
+            <a:r>
+              <a:rPr lang="ru-RU" dirty="0"/>
+              <a:t>по </a:t>
+            </a:r>
+            <a:r>
+              <a:rPr lang="ru-RU" dirty="0" smtClean="0"/>
+              <a:t>языку</a:t>
+            </a:r>
+          </a:p>
+          <a:p>
+            <a:r>
+              <a:rPr lang="ru-RU" dirty="0" smtClean="0"/>
+              <a:t>программирования</a:t>
+            </a:r>
+            <a:r>
+              <a:rPr lang="ru-RU" dirty="0"/>
+              <a:t>.</a:t>
+            </a:r>
+          </a:p>
+        </p:txBody>
+      </p:sp>
+    </p:spTree>
+    <p:extLst>
+      <p:ext uri="{BB962C8B-B14F-4D97-AF65-F5344CB8AC3E}">
+        <p14:creationId xmlns:p14="http://schemas.microsoft.com/office/powerpoint/2010/main" val="3707661308"/>
+      </p:ext>
+    </p:extLst>
+  </p:cSld>
+  <p:clrMapOvr>
+    <a:masterClrMapping/>
+  </p:clrMapOvr>
+  <p:timing>
+    <p:tnLst>
+      <p:par>
+        <p:cTn id="1" dur="indefinite" restart="never" nodeType="tmRoot"/>
+      </p:par>
+    </p:tnLst>
+  </p:timing>
+</p:sld>
+</file>
+
+<file path=ppt/slides/slide26.xml><?xml version="1.0" encoding="utf-8"?>
+<p:sld xmlns:a="http://schemas.openxmlformats.org/drawingml/2006/main" xmlns:r="http://schemas.openxmlformats.org/officeDocument/2006/relationships" xmlns:p="http://schemas.openxmlformats.org/presentationml/2006/main">
+  <p:cSld>
+    <p:spTree>
+      <p:nvGrpSpPr>
+        <p:cNvPr id="1" name=""/>
+        <p:cNvGrpSpPr/>
+        <p:nvPr/>
+      </p:nvGrpSpPr>
+      <p:grpSpPr>
+        <a:xfrm>
+          <a:off x="0" y="0"/>
+          <a:ext cx="0" cy="0"/>
+          <a:chOff x="0" y="0"/>
+          <a:chExt cx="0" cy="0"/>
+        </a:xfrm>
+      </p:grpSpPr>
+      <p:sp>
+        <p:nvSpPr>
           <p:cNvPr id="2" name="Заголовок 1"/>
           <p:cNvSpPr>
             <a:spLocks noGrp="1"/>
@@ -15876,7 +19075,7 @@
           <a:p>
             <a:fld id="{741C03D3-FA44-40EC-9A21-1FC4FEA3E22E}" type="slidenum">
               <a:rPr lang="ru-RU" smtClean="0"/>
-              <a:t>23</a:t>
+              <a:t>26</a:t>
             </a:fld>
             <a:endParaRPr lang="ru-RU"/>
           </a:p>
@@ -16576,7 +19775,7 @@
 </p:sld>
 </file>
 
-<file path=ppt/slides/slide24.xml><?xml version="1.0" encoding="utf-8"?>
+<file path=ppt/slides/slide27.xml><?xml version="1.0" encoding="utf-8"?>
 <p:sld xmlns:a="http://schemas.openxmlformats.org/drawingml/2006/main" xmlns:r="http://schemas.openxmlformats.org/officeDocument/2006/relationships" xmlns:p="http://schemas.openxmlformats.org/presentationml/2006/main">
   <p:cSld>
     <p:spTree>
@@ -16652,7 +19851,7 @@
           <a:p>
             <a:fld id="{741C03D3-FA44-40EC-9A21-1FC4FEA3E22E}" type="slidenum">
               <a:rPr lang="ru-RU" smtClean="0"/>
-              <a:t>24</a:t>
+              <a:t>27</a:t>
             </a:fld>
             <a:endParaRPr lang="ru-RU"/>
           </a:p>
@@ -17208,7 +20407,7 @@
 </p:sld>
 </file>
 
-<file path=ppt/slides/slide25.xml><?xml version="1.0" encoding="utf-8"?>
+<file path=ppt/slides/slide28.xml><?xml version="1.0" encoding="utf-8"?>
 <p:sld xmlns:a="http://schemas.openxmlformats.org/drawingml/2006/main" xmlns:r="http://schemas.openxmlformats.org/officeDocument/2006/relationships" xmlns:p="http://schemas.openxmlformats.org/presentationml/2006/main">
   <p:cSld>
     <p:spTree>
@@ -17357,7 +20556,7 @@
 </p:sld>
 </file>
 
-<file path=ppt/slides/slide26.xml><?xml version="1.0" encoding="utf-8"?>
+<file path=ppt/slides/slide29.xml><?xml version="1.0" encoding="utf-8"?>
 <p:sld xmlns:a="http://schemas.openxmlformats.org/drawingml/2006/main" xmlns:r="http://schemas.openxmlformats.org/officeDocument/2006/relationships" xmlns:p="http://schemas.openxmlformats.org/presentationml/2006/main">
   <p:cSld>
     <p:spTree>
@@ -19992,1830 +23191,6 @@
 </p:sld>
 </file>
 
-<file path=ppt/slides/slide27.xml><?xml version="1.0" encoding="utf-8"?>
-<p:sld xmlns:a="http://schemas.openxmlformats.org/drawingml/2006/main" xmlns:r="http://schemas.openxmlformats.org/officeDocument/2006/relationships" xmlns:p="http://schemas.openxmlformats.org/presentationml/2006/main" show="0">
-  <p:cSld>
-    <p:spTree>
-      <p:nvGrpSpPr>
-        <p:cNvPr id="1" name=""/>
-        <p:cNvGrpSpPr/>
-        <p:nvPr/>
-      </p:nvGrpSpPr>
-      <p:grpSpPr>
-        <a:xfrm>
-          <a:off x="0" y="0"/>
-          <a:ext cx="0" cy="0"/>
-          <a:chOff x="0" y="0"/>
-          <a:chExt cx="0" cy="0"/>
-        </a:xfrm>
-      </p:grpSpPr>
-      <p:sp>
-        <p:nvSpPr>
-          <p:cNvPr id="2" name="Заголовок 1"/>
-          <p:cNvSpPr>
-            <a:spLocks noGrp="1"/>
-          </p:cNvSpPr>
-          <p:nvPr>
-            <p:ph type="title"/>
-          </p:nvPr>
-        </p:nvSpPr>
-        <p:spPr/>
-        <p:txBody>
-          <a:bodyPr/>
-          <a:lstStyle/>
-          <a:p>
-            <a:r>
-              <a:rPr lang="ru-RU" dirty="0"/>
-              <a:t>Заголовок, текст и код</a:t>
-            </a:r>
-          </a:p>
-        </p:txBody>
-      </p:sp>
-      <p:sp>
-        <p:nvSpPr>
-          <p:cNvPr id="3" name="Объект 2"/>
-          <p:cNvSpPr>
-            <a:spLocks noGrp="1"/>
-          </p:cNvSpPr>
-          <p:nvPr>
-            <p:ph idx="1"/>
-          </p:nvPr>
-        </p:nvSpPr>
-        <p:spPr/>
-        <p:txBody>
-          <a:bodyPr/>
-          <a:lstStyle/>
-          <a:p>
-            <a:r>
-              <a:rPr lang="ru-RU" dirty="0"/>
-              <a:t>Этот слайд используется для вставки небольшой </a:t>
-            </a:r>
-            <a:br>
-              <a:rPr lang="ru-RU" dirty="0"/>
-            </a:br>
-            <a:r>
-              <a:rPr lang="ru-RU" dirty="0"/>
-              <a:t>части кода с </a:t>
-            </a:r>
-            <a:r>
-              <a:rPr lang="ru-RU" dirty="0" smtClean="0"/>
-              <a:t>описанием</a:t>
-            </a:r>
-            <a:endParaRPr lang="ru-RU" dirty="0"/>
-          </a:p>
-        </p:txBody>
-      </p:sp>
-      <p:sp>
-        <p:nvSpPr>
-          <p:cNvPr id="4" name="Нижний колонтитул 3"/>
-          <p:cNvSpPr>
-            <a:spLocks noGrp="1"/>
-          </p:cNvSpPr>
-          <p:nvPr>
-            <p:ph type="ftr" sz="quarter" idx="11"/>
-          </p:nvPr>
-        </p:nvSpPr>
-        <p:spPr/>
-        <p:txBody>
-          <a:bodyPr/>
-          <a:lstStyle/>
-          <a:p>
-            <a:endParaRPr lang="ru-RU" dirty="0"/>
-          </a:p>
-        </p:txBody>
-      </p:sp>
-      <p:sp>
-        <p:nvSpPr>
-          <p:cNvPr id="5" name="Номер слайда 4"/>
-          <p:cNvSpPr>
-            <a:spLocks noGrp="1"/>
-          </p:cNvSpPr>
-          <p:nvPr>
-            <p:ph type="sldNum" sz="quarter" idx="12"/>
-          </p:nvPr>
-        </p:nvSpPr>
-        <p:spPr/>
-        <p:txBody>
-          <a:bodyPr/>
-          <a:lstStyle/>
-          <a:p>
-            <a:fld id="{741C03D3-FA44-40EC-9A21-1FC4FEA3E22E}" type="slidenum">
-              <a:rPr lang="ru-RU" smtClean="0"/>
-              <a:t>27</a:t>
-            </a:fld>
-            <a:endParaRPr lang="ru-RU"/>
-          </a:p>
-        </p:txBody>
-      </p:sp>
-      <p:sp>
-        <p:nvSpPr>
-          <p:cNvPr id="6" name="Объект 5"/>
-          <p:cNvSpPr>
-            <a:spLocks noGrp="1"/>
-          </p:cNvSpPr>
-          <p:nvPr>
-            <p:ph idx="13"/>
-          </p:nvPr>
-        </p:nvSpPr>
-        <p:spPr/>
-        <p:txBody>
-          <a:bodyPr/>
-          <a:lstStyle/>
-          <a:p>
-            <a:pPr>
-              <a:lnSpc>
-                <a:spcPct val="150000"/>
-              </a:lnSpc>
-              <a:tabLst>
-                <a:tab pos="2185988" algn="l"/>
-              </a:tabLst>
-            </a:pPr>
-            <a:r>
-              <a:rPr lang="en-US" dirty="0"/>
-              <a:t>#coding=utf-8</a:t>
-            </a:r>
-            <a:br>
-              <a:rPr lang="en-US" dirty="0"/>
-            </a:br>
-            <a:r>
-              <a:rPr lang="en-US" dirty="0"/>
-              <a:t>from </a:t>
-            </a:r>
-            <a:r>
-              <a:rPr lang="en-US" dirty="0">
-                <a:solidFill>
-                  <a:schemeClr val="tx2"/>
-                </a:solidFill>
-              </a:rPr>
-              <a:t>vanilla</a:t>
-            </a:r>
-            <a:r>
-              <a:rPr lang="en-US" dirty="0"/>
-              <a:t> import *</a:t>
-            </a:r>
-            <a:br>
-              <a:rPr lang="en-US" dirty="0"/>
-            </a:br>
-            <a:r>
-              <a:rPr lang="en-US" dirty="0"/>
-              <a:t>from </a:t>
-            </a:r>
-            <a:r>
-              <a:rPr lang="en-US" dirty="0" err="1">
-                <a:solidFill>
-                  <a:schemeClr val="tx2"/>
-                </a:solidFill>
-              </a:rPr>
-              <a:t>defconAppKit</a:t>
-            </a:r>
-            <a:r>
-              <a:rPr lang="en-US" dirty="0" err="1"/>
-              <a:t>.</a:t>
-            </a:r>
-            <a:r>
-              <a:rPr lang="en-US" dirty="0" err="1">
-                <a:solidFill>
-                  <a:schemeClr val="tx2"/>
-                </a:solidFill>
-              </a:rPr>
-              <a:t>windows</a:t>
-            </a:r>
-            <a:r>
-              <a:rPr lang="en-US" dirty="0" err="1"/>
-              <a:t>.</a:t>
-            </a:r>
-            <a:r>
-              <a:rPr lang="en-US" dirty="0" err="1">
-                <a:solidFill>
-                  <a:schemeClr val="tx2"/>
-                </a:solidFill>
-              </a:rPr>
-              <a:t>baseWindow</a:t>
-            </a:r>
-            <a:r>
-              <a:rPr lang="en-US" dirty="0"/>
-              <a:t> import </a:t>
-            </a:r>
-            <a:r>
-              <a:rPr lang="en-US" dirty="0" err="1">
-                <a:solidFill>
-                  <a:schemeClr val="tx2"/>
-                </a:solidFill>
-              </a:rPr>
-              <a:t>BaseWindowController</a:t>
-            </a:r>
-            <a:r>
-              <a:rPr lang="en-US" dirty="0">
-                <a:solidFill>
-                  <a:schemeClr val="tx2"/>
-                </a:solidFill>
-              </a:rPr>
-              <a:t/>
-            </a:r>
-            <a:br>
-              <a:rPr lang="en-US" dirty="0">
-                <a:solidFill>
-                  <a:schemeClr val="tx2"/>
-                </a:solidFill>
-              </a:rPr>
-            </a:br>
-            <a:r>
-              <a:rPr lang="en-US" dirty="0"/>
-              <a:t>from </a:t>
-            </a:r>
-            <a:r>
-              <a:rPr lang="en-US" dirty="0" err="1">
-                <a:solidFill>
-                  <a:schemeClr val="tx2"/>
-                </a:solidFill>
-              </a:rPr>
-              <a:t>mojo</a:t>
-            </a:r>
-            <a:r>
-              <a:rPr lang="en-US" dirty="0" err="1"/>
-              <a:t>.</a:t>
-            </a:r>
-            <a:r>
-              <a:rPr lang="en-US" dirty="0" err="1">
-                <a:solidFill>
-                  <a:schemeClr val="tx2"/>
-                </a:solidFill>
-              </a:rPr>
-              <a:t>events</a:t>
-            </a:r>
-            <a:r>
-              <a:rPr lang="en-US" dirty="0"/>
-              <a:t> import </a:t>
-            </a:r>
-            <a:r>
-              <a:rPr lang="en-US" dirty="0" err="1">
-                <a:solidFill>
-                  <a:schemeClr val="tx2"/>
-                </a:solidFill>
-              </a:rPr>
-              <a:t>addObserver</a:t>
-            </a:r>
-            <a:r>
-              <a:rPr lang="en-US" dirty="0"/>
-              <a:t>, </a:t>
-            </a:r>
-            <a:r>
-              <a:rPr lang="en-US" dirty="0" err="1">
-                <a:solidFill>
-                  <a:schemeClr val="tx2"/>
-                </a:solidFill>
-              </a:rPr>
-              <a:t>removeObserver</a:t>
-            </a:r>
-            <a:r>
-              <a:rPr lang="en-US" dirty="0"/>
-              <a:t/>
-            </a:r>
-            <a:br>
-              <a:rPr lang="en-US" dirty="0"/>
-            </a:br>
-            <a:r>
-              <a:rPr lang="en-US" dirty="0"/>
-              <a:t>import </a:t>
-            </a:r>
-            <a:r>
-              <a:rPr lang="en-US" dirty="0" smtClean="0">
-                <a:solidFill>
-                  <a:schemeClr val="tx2"/>
-                </a:solidFill>
-              </a:rPr>
-              <a:t>math</a:t>
-            </a:r>
-            <a:r>
-              <a:rPr lang="ru-RU" dirty="0" smtClean="0">
-                <a:solidFill>
-                  <a:schemeClr val="tx2"/>
-                </a:solidFill>
-              </a:rPr>
-              <a:t/>
-            </a:r>
-            <a:br>
-              <a:rPr lang="ru-RU" dirty="0" smtClean="0">
-                <a:solidFill>
-                  <a:schemeClr val="tx2"/>
-                </a:solidFill>
-              </a:rPr>
-            </a:br>
-            <a:r>
-              <a:rPr lang="en-US" dirty="0"/>
-              <a:t/>
-            </a:r>
-            <a:br>
-              <a:rPr lang="en-US" dirty="0"/>
-            </a:br>
-            <a:r>
-              <a:rPr lang="en-US" dirty="0"/>
-              <a:t>class </a:t>
-            </a:r>
-            <a:r>
-              <a:rPr lang="en-US" dirty="0" err="1">
-                <a:solidFill>
-                  <a:srgbClr val="5BCD9D"/>
-                </a:solidFill>
-              </a:rPr>
-              <a:t>ShowMouseCoordinatesTextBox</a:t>
-            </a:r>
-            <a:r>
-              <a:rPr lang="en-US" dirty="0"/>
-              <a:t>(</a:t>
-            </a:r>
-            <a:r>
-              <a:rPr lang="en-US" dirty="0" err="1"/>
-              <a:t>TextBox</a:t>
-            </a:r>
-            <a:r>
-              <a:rPr lang="en-US" dirty="0" smtClean="0"/>
-              <a:t>):</a:t>
-            </a:r>
-            <a:endParaRPr lang="en-US" dirty="0"/>
-          </a:p>
-        </p:txBody>
-      </p:sp>
-      <p:grpSp>
-        <p:nvGrpSpPr>
-          <p:cNvPr id="7" name="Group 544"/>
-          <p:cNvGrpSpPr/>
-          <p:nvPr/>
-        </p:nvGrpSpPr>
-        <p:grpSpPr>
-          <a:xfrm>
-            <a:off x="20603585" y="2067482"/>
-            <a:ext cx="5771563" cy="1505424"/>
-            <a:chOff x="0" y="0"/>
-            <a:chExt cx="5771562" cy="1505423"/>
-          </a:xfrm>
-        </p:grpSpPr>
-        <p:grpSp>
-          <p:nvGrpSpPr>
-            <p:cNvPr id="8" name="Group 542"/>
-            <p:cNvGrpSpPr/>
-            <p:nvPr/>
-          </p:nvGrpSpPr>
-          <p:grpSpPr>
-            <a:xfrm>
-              <a:off x="0" y="0"/>
-              <a:ext cx="5771563" cy="1505424"/>
-              <a:chOff x="1340592" y="0"/>
-              <a:chExt cx="5771562" cy="1505423"/>
-            </a:xfrm>
-          </p:grpSpPr>
-          <p:sp>
-            <p:nvSpPr>
-              <p:cNvPr id="10" name="Shape 540"/>
-              <p:cNvSpPr/>
-              <p:nvPr/>
-            </p:nvSpPr>
-            <p:spPr>
-              <a:xfrm>
-                <a:off x="1340592" y="0"/>
-                <a:ext cx="5771564" cy="839767"/>
-              </a:xfrm>
-              <a:prstGeom prst="rect">
-                <a:avLst/>
-              </a:prstGeom>
-              <a:solidFill>
-                <a:srgbClr val="3878BE"/>
-              </a:solidFill>
-              <a:ln w="12700" cap="flat">
-                <a:noFill/>
-                <a:miter lim="400000"/>
-              </a:ln>
-              <a:effectLst>
-                <a:outerShdw blurRad="63500" dist="25400" dir="5400000" rotWithShape="0">
-                  <a:srgbClr val="000000">
-                    <a:alpha val="50000"/>
-                  </a:srgbClr>
-                </a:outerShdw>
-              </a:effectLst>
-            </p:spPr>
-            <p:txBody>
-              <a:bodyPr wrap="square" lIns="50800" tIns="50800" rIns="50800" bIns="50800" numCol="1" anchor="ctr">
-                <a:noAutofit/>
-              </a:bodyPr>
-              <a:lstStyle/>
-              <a:p>
-                <a:endParaRPr/>
-              </a:p>
-            </p:txBody>
-          </p:sp>
-          <p:sp>
-            <p:nvSpPr>
-              <p:cNvPr id="11" name="Shape 541"/>
-              <p:cNvSpPr/>
-              <p:nvPr/>
-            </p:nvSpPr>
-            <p:spPr>
-              <a:xfrm>
-                <a:off x="2248251" y="131081"/>
-                <a:ext cx="3887670" cy="1374343"/>
-              </a:xfrm>
-              <a:prstGeom prst="rect">
-                <a:avLst/>
-              </a:prstGeom>
-              <a:noFill/>
-              <a:ln w="12700" cap="flat">
-                <a:noFill/>
-                <a:miter lim="400000"/>
-              </a:ln>
-              <a:effectLst/>
-              <a:extLst>
-                <a:ext uri="{C572A759-6A51-4108-AA02-DFA0A04FC94B}">
-                  <ma14:wrappingTextBoxFlag xmlns:ma14="http://schemas.microsoft.com/office/mac/drawingml/2011/main" xmlns="" val="1"/>
-                </a:ext>
-              </a:extLst>
-            </p:spPr>
-            <p:txBody>
-              <a:bodyPr wrap="square" lIns="50800" tIns="50800" rIns="50800" bIns="50800" numCol="1" anchor="t">
-                <a:noAutofit/>
-              </a:bodyPr>
-              <a:lstStyle>
-                <a:lvl1pPr>
-                  <a:lnSpc>
-                    <a:spcPct val="100000"/>
-                  </a:lnSpc>
-                  <a:spcBef>
-                    <a:spcPts val="0"/>
-                  </a:spcBef>
-                  <a:tabLst>
-                    <a:tab pos="5524500" algn="l"/>
-                  </a:tabLst>
-                  <a:defRPr sz="3000" baseline="0">
-                    <a:solidFill>
-                      <a:srgbClr val="FFFFFF"/>
-                    </a:solidFill>
-                    <a:latin typeface="Yandex Sans Text Regular"/>
-                    <a:ea typeface="Yandex Sans Text Regular"/>
-                    <a:cs typeface="Yandex Sans Text Regular"/>
-                    <a:sym typeface="Yandex Sans Text Regular"/>
-                  </a:defRPr>
-                </a:lvl1pPr>
-              </a:lstStyle>
-              <a:p>
-                <a:r>
-                  <a:t>Пример </a:t>
-                </a:r>
-              </a:p>
-            </p:txBody>
-          </p:sp>
-        </p:grpSp>
-        <p:pic>
-          <p:nvPicPr>
-            <p:cNvPr id="9" name="pasted-image.pdf"/>
-            <p:cNvPicPr>
-              <a:picLocks noChangeAspect="1"/>
-            </p:cNvPicPr>
-            <p:nvPr/>
-          </p:nvPicPr>
-          <p:blipFill>
-            <a:blip r:embed="rId2">
-              <a:extLst/>
-            </a:blip>
-            <a:stretch>
-              <a:fillRect/>
-            </a:stretch>
-          </p:blipFill>
-          <p:spPr>
-            <a:xfrm>
-              <a:off x="245308" y="192651"/>
-              <a:ext cx="495301" cy="495301"/>
-            </a:xfrm>
-            <a:prstGeom prst="rect">
-              <a:avLst/>
-            </a:prstGeom>
-            <a:ln w="12700" cap="flat">
-              <a:noFill/>
-              <a:miter lim="400000"/>
-            </a:ln>
-            <a:effectLst/>
-          </p:spPr>
-        </p:pic>
-      </p:grpSp>
-    </p:spTree>
-    <p:extLst>
-      <p:ext uri="{BB962C8B-B14F-4D97-AF65-F5344CB8AC3E}">
-        <p14:creationId xmlns:p14="http://schemas.microsoft.com/office/powerpoint/2010/main" val="1293094839"/>
-      </p:ext>
-    </p:extLst>
-  </p:cSld>
-  <p:clrMapOvr>
-    <a:masterClrMapping/>
-  </p:clrMapOvr>
-  <mc:AlternateContent xmlns:mc="http://schemas.openxmlformats.org/markup-compatibility/2006" xmlns:p14="http://schemas.microsoft.com/office/powerpoint/2010/main">
-    <mc:Choice Requires="p14">
-      <p:transition spd="slow" p14:dur="2000"/>
-    </mc:Choice>
-    <mc:Fallback xmlns="">
-      <p:transition spd="slow"/>
-    </mc:Fallback>
-  </mc:AlternateContent>
-  <p:timing>
-    <p:tnLst>
-      <p:par>
-        <p:cTn id="1" dur="indefinite" restart="never" nodeType="tmRoot"/>
-      </p:par>
-    </p:tnLst>
-  </p:timing>
-</p:sld>
-</file>
-
-<file path=ppt/slides/slide28.xml><?xml version="1.0" encoding="utf-8"?>
-<p:sld xmlns:a="http://schemas.openxmlformats.org/drawingml/2006/main" xmlns:r="http://schemas.openxmlformats.org/officeDocument/2006/relationships" xmlns:p="http://schemas.openxmlformats.org/presentationml/2006/main" show="0">
-  <p:cSld>
-    <p:spTree>
-      <p:nvGrpSpPr>
-        <p:cNvPr id="1" name=""/>
-        <p:cNvGrpSpPr/>
-        <p:nvPr/>
-      </p:nvGrpSpPr>
-      <p:grpSpPr>
-        <a:xfrm>
-          <a:off x="0" y="0"/>
-          <a:ext cx="0" cy="0"/>
-          <a:chOff x="0" y="0"/>
-          <a:chExt cx="0" cy="0"/>
-        </a:xfrm>
-      </p:grpSpPr>
-      <p:sp>
-        <p:nvSpPr>
-          <p:cNvPr id="2" name="Заголовок 1"/>
-          <p:cNvSpPr>
-            <a:spLocks noGrp="1"/>
-          </p:cNvSpPr>
-          <p:nvPr>
-            <p:ph type="title"/>
-          </p:nvPr>
-        </p:nvSpPr>
-        <p:spPr/>
-        <p:txBody>
-          <a:bodyPr/>
-          <a:lstStyle/>
-          <a:p>
-            <a:r>
-              <a:rPr lang="ru-RU" dirty="0"/>
-              <a:t>Заголовок, текст и код</a:t>
-            </a:r>
-          </a:p>
-        </p:txBody>
-      </p:sp>
-      <p:sp>
-        <p:nvSpPr>
-          <p:cNvPr id="3" name="Нижний колонтитул 2"/>
-          <p:cNvSpPr>
-            <a:spLocks noGrp="1"/>
-          </p:cNvSpPr>
-          <p:nvPr>
-            <p:ph type="ftr" sz="quarter" idx="11"/>
-          </p:nvPr>
-        </p:nvSpPr>
-        <p:spPr/>
-        <p:txBody>
-          <a:bodyPr/>
-          <a:lstStyle/>
-          <a:p>
-            <a:endParaRPr lang="ru-RU" dirty="0"/>
-          </a:p>
-        </p:txBody>
-      </p:sp>
-      <p:sp>
-        <p:nvSpPr>
-          <p:cNvPr id="4" name="Номер слайда 3"/>
-          <p:cNvSpPr>
-            <a:spLocks noGrp="1"/>
-          </p:cNvSpPr>
-          <p:nvPr>
-            <p:ph type="sldNum" sz="quarter" idx="12"/>
-          </p:nvPr>
-        </p:nvSpPr>
-        <p:spPr/>
-        <p:txBody>
-          <a:bodyPr/>
-          <a:lstStyle/>
-          <a:p>
-            <a:fld id="{741C03D3-FA44-40EC-9A21-1FC4FEA3E22E}" type="slidenum">
-              <a:rPr lang="ru-RU" smtClean="0"/>
-              <a:t>28</a:t>
-            </a:fld>
-            <a:endParaRPr lang="ru-RU"/>
-          </a:p>
-        </p:txBody>
-      </p:sp>
-      <p:sp>
-        <p:nvSpPr>
-          <p:cNvPr id="5" name="Объект 4"/>
-          <p:cNvSpPr>
-            <a:spLocks noGrp="1"/>
-          </p:cNvSpPr>
-          <p:nvPr>
-            <p:ph idx="13"/>
-          </p:nvPr>
-        </p:nvSpPr>
-        <p:spPr/>
-        <p:txBody>
-          <a:bodyPr/>
-          <a:lstStyle/>
-          <a:p>
-            <a:pPr>
-              <a:lnSpc>
-                <a:spcPct val="150000"/>
-              </a:lnSpc>
-            </a:pPr>
-            <a:r>
-              <a:rPr lang="en-US" dirty="0"/>
-              <a:t>#coding=utf-8</a:t>
-            </a:r>
-            <a:br>
-              <a:rPr lang="en-US" dirty="0"/>
-            </a:br>
-            <a:r>
-              <a:rPr lang="en-US" dirty="0"/>
-              <a:t>from </a:t>
-            </a:r>
-            <a:r>
-              <a:rPr lang="en-US" dirty="0">
-                <a:solidFill>
-                  <a:schemeClr val="tx2"/>
-                </a:solidFill>
-              </a:rPr>
-              <a:t>vanilla</a:t>
-            </a:r>
-            <a:r>
-              <a:rPr lang="en-US" dirty="0"/>
-              <a:t> import *</a:t>
-            </a:r>
-            <a:br>
-              <a:rPr lang="en-US" dirty="0"/>
-            </a:br>
-            <a:r>
-              <a:rPr lang="en-US" dirty="0"/>
-              <a:t>from </a:t>
-            </a:r>
-            <a:r>
-              <a:rPr lang="en-US" dirty="0" err="1">
-                <a:solidFill>
-                  <a:schemeClr val="tx2"/>
-                </a:solidFill>
-              </a:rPr>
-              <a:t>defconAppKit</a:t>
-            </a:r>
-            <a:r>
-              <a:rPr lang="en-US" dirty="0" err="1"/>
-              <a:t>.</a:t>
-            </a:r>
-            <a:r>
-              <a:rPr lang="en-US" dirty="0" err="1">
-                <a:solidFill>
-                  <a:schemeClr val="tx2"/>
-                </a:solidFill>
-              </a:rPr>
-              <a:t>windows</a:t>
-            </a:r>
-            <a:r>
-              <a:rPr lang="en-US" dirty="0" err="1"/>
-              <a:t>.</a:t>
-            </a:r>
-            <a:r>
-              <a:rPr lang="en-US" dirty="0" err="1">
-                <a:solidFill>
-                  <a:schemeClr val="tx2"/>
-                </a:solidFill>
-              </a:rPr>
-              <a:t>baseWindow</a:t>
-            </a:r>
-            <a:r>
-              <a:rPr lang="en-US" dirty="0"/>
-              <a:t> import </a:t>
-            </a:r>
-            <a:r>
-              <a:rPr lang="en-US" dirty="0" err="1">
-                <a:solidFill>
-                  <a:schemeClr val="tx2"/>
-                </a:solidFill>
-              </a:rPr>
-              <a:t>BaseWindowController</a:t>
-            </a:r>
-            <a:r>
-              <a:rPr lang="en-US" dirty="0">
-                <a:solidFill>
-                  <a:schemeClr val="tx2"/>
-                </a:solidFill>
-              </a:rPr>
-              <a:t/>
-            </a:r>
-            <a:br>
-              <a:rPr lang="en-US" dirty="0">
-                <a:solidFill>
-                  <a:schemeClr val="tx2"/>
-                </a:solidFill>
-              </a:rPr>
-            </a:br>
-            <a:r>
-              <a:rPr lang="en-US" dirty="0"/>
-              <a:t>from </a:t>
-            </a:r>
-            <a:r>
-              <a:rPr lang="en-US" dirty="0" err="1">
-                <a:solidFill>
-                  <a:schemeClr val="tx2"/>
-                </a:solidFill>
-              </a:rPr>
-              <a:t>mojo</a:t>
-            </a:r>
-            <a:r>
-              <a:rPr lang="en-US" dirty="0" err="1"/>
-              <a:t>.</a:t>
-            </a:r>
-            <a:r>
-              <a:rPr lang="en-US" dirty="0" err="1">
-                <a:solidFill>
-                  <a:schemeClr val="tx2"/>
-                </a:solidFill>
-              </a:rPr>
-              <a:t>events</a:t>
-            </a:r>
-            <a:r>
-              <a:rPr lang="en-US" dirty="0"/>
-              <a:t> import </a:t>
-            </a:r>
-            <a:r>
-              <a:rPr lang="en-US" dirty="0" err="1">
-                <a:solidFill>
-                  <a:schemeClr val="tx2"/>
-                </a:solidFill>
-              </a:rPr>
-              <a:t>addObserver</a:t>
-            </a:r>
-            <a:r>
-              <a:rPr lang="en-US" dirty="0"/>
-              <a:t>, </a:t>
-            </a:r>
-            <a:r>
-              <a:rPr lang="en-US" dirty="0" err="1">
-                <a:solidFill>
-                  <a:schemeClr val="tx2"/>
-                </a:solidFill>
-              </a:rPr>
-              <a:t>removeObserver</a:t>
-            </a:r>
-            <a:r>
-              <a:rPr lang="en-US" dirty="0"/>
-              <a:t/>
-            </a:r>
-            <a:br>
-              <a:rPr lang="en-US" dirty="0"/>
-            </a:br>
-            <a:r>
-              <a:rPr lang="en-US" dirty="0"/>
-              <a:t>import </a:t>
-            </a:r>
-            <a:r>
-              <a:rPr lang="en-US" dirty="0">
-                <a:solidFill>
-                  <a:schemeClr val="tx2"/>
-                </a:solidFill>
-              </a:rPr>
-              <a:t>math</a:t>
-            </a:r>
-            <a:r>
-              <a:rPr lang="ru-RU" dirty="0">
-                <a:solidFill>
-                  <a:schemeClr val="tx2"/>
-                </a:solidFill>
-              </a:rPr>
-              <a:t/>
-            </a:r>
-            <a:br>
-              <a:rPr lang="ru-RU" dirty="0">
-                <a:solidFill>
-                  <a:schemeClr val="tx2"/>
-                </a:solidFill>
-              </a:rPr>
-            </a:br>
-            <a:r>
-              <a:rPr lang="en-US" dirty="0"/>
-              <a:t/>
-            </a:r>
-            <a:br>
-              <a:rPr lang="en-US" dirty="0"/>
-            </a:br>
-            <a:r>
-              <a:rPr lang="en-US" dirty="0"/>
-              <a:t>class </a:t>
-            </a:r>
-            <a:r>
-              <a:rPr lang="en-US" dirty="0" err="1">
-                <a:solidFill>
-                  <a:srgbClr val="5BCD9D"/>
-                </a:solidFill>
-              </a:rPr>
-              <a:t>ShowMouseCoordinatesTextBox</a:t>
-            </a:r>
-            <a:r>
-              <a:rPr lang="en-US" dirty="0"/>
-              <a:t>(</a:t>
-            </a:r>
-            <a:r>
-              <a:rPr lang="en-US" dirty="0" err="1"/>
-              <a:t>TextBox</a:t>
-            </a:r>
-            <a:r>
-              <a:rPr lang="en-US" dirty="0" smtClean="0"/>
-              <a:t>):</a:t>
-            </a:r>
-            <a:r>
-              <a:rPr lang="en-US" dirty="0"/>
-              <a:t/>
-            </a:r>
-            <a:br>
-              <a:rPr lang="en-US" dirty="0"/>
-            </a:br>
-            <a:r>
-              <a:rPr lang="ru-RU" dirty="0" smtClean="0"/>
-              <a:t>	</a:t>
-            </a:r>
-            <a:r>
-              <a:rPr lang="en-US" dirty="0" smtClean="0">
-                <a:solidFill>
-                  <a:srgbClr val="FC6767"/>
-                </a:solidFill>
-              </a:rPr>
-              <a:t>"""</a:t>
-            </a:r>
-            <a:r>
-              <a:rPr lang="en-US" dirty="0">
-                <a:solidFill>
-                  <a:srgbClr val="FC6767"/>
-                </a:solidFill>
-              </a:rPr>
-              <a:t/>
-            </a:r>
-            <a:br>
-              <a:rPr lang="en-US" dirty="0">
-                <a:solidFill>
-                  <a:srgbClr val="FC6767"/>
-                </a:solidFill>
-              </a:rPr>
-            </a:br>
-            <a:r>
-              <a:rPr lang="en-US" dirty="0">
-                <a:solidFill>
-                  <a:srgbClr val="FC6767"/>
-                </a:solidFill>
-              </a:rPr>
-              <a:t>	A vanilla text box with some goodies about the mouse.</a:t>
-            </a:r>
-            <a:br>
-              <a:rPr lang="en-US" dirty="0">
-                <a:solidFill>
-                  <a:srgbClr val="FC6767"/>
-                </a:solidFill>
-              </a:rPr>
-            </a:br>
-            <a:r>
-              <a:rPr lang="en-US" dirty="0">
-                <a:solidFill>
-                  <a:srgbClr val="FC6767"/>
-                </a:solidFill>
-              </a:rPr>
-              <a:t>	"""</a:t>
-            </a:r>
-            <a:r>
-              <a:rPr lang="en-US" dirty="0"/>
-              <a:t/>
-            </a:r>
-            <a:br>
-              <a:rPr lang="en-US" dirty="0"/>
-            </a:br>
-            <a:r>
-              <a:rPr lang="en-US" dirty="0"/>
-              <a:t>	</a:t>
-            </a:r>
-            <a:r>
-              <a:rPr lang="en-US" dirty="0" err="1"/>
-              <a:t>def</a:t>
-            </a:r>
-            <a:r>
-              <a:rPr lang="en-US" dirty="0"/>
-              <a:t> </a:t>
-            </a:r>
-            <a:r>
-              <a:rPr lang="en-US" dirty="0">
-                <a:solidFill>
-                  <a:srgbClr val="5BCD9D"/>
-                </a:solidFill>
-              </a:rPr>
-              <a:t>__</a:t>
-            </a:r>
-            <a:r>
-              <a:rPr lang="en-US" dirty="0" err="1">
-                <a:solidFill>
-                  <a:srgbClr val="5BCD9D"/>
-                </a:solidFill>
-              </a:rPr>
-              <a:t>init</a:t>
-            </a:r>
-            <a:r>
-              <a:rPr lang="en-US" dirty="0">
-                <a:solidFill>
-                  <a:srgbClr val="5BCD9D"/>
-                </a:solidFill>
-              </a:rPr>
-              <a:t>__</a:t>
-            </a:r>
-            <a:r>
-              <a:rPr lang="en-US" dirty="0"/>
-              <a:t>(</a:t>
-            </a:r>
-            <a:r>
-              <a:rPr lang="en-US" dirty="0">
-                <a:solidFill>
-                  <a:schemeClr val="tx2"/>
-                </a:solidFill>
-              </a:rPr>
-              <a:t>self</a:t>
-            </a:r>
-            <a:r>
-              <a:rPr lang="en-US" dirty="0"/>
-              <a:t>, *</a:t>
-            </a:r>
-            <a:r>
-              <a:rPr lang="en-US" dirty="0" err="1">
-                <a:solidFill>
-                  <a:schemeClr val="tx2"/>
-                </a:solidFill>
-              </a:rPr>
-              <a:t>args</a:t>
-            </a:r>
-            <a:r>
-              <a:rPr lang="en-US" dirty="0"/>
-              <a:t>, **</a:t>
-            </a:r>
-            <a:r>
-              <a:rPr lang="en-US" dirty="0" err="1">
-                <a:solidFill>
-                  <a:schemeClr val="tx2"/>
-                </a:solidFill>
-              </a:rPr>
-              <a:t>kwargs</a:t>
-            </a:r>
-            <a:r>
-              <a:rPr lang="en-US" dirty="0"/>
-              <a:t>):</a:t>
-            </a:r>
-            <a:br>
-              <a:rPr lang="en-US" dirty="0"/>
-            </a:br>
-            <a:r>
-              <a:rPr lang="en-US" dirty="0"/>
-              <a:t>	</a:t>
-            </a:r>
-            <a:r>
-              <a:rPr lang="en-US" dirty="0" err="1"/>
-              <a:t>self.observers</a:t>
-            </a:r>
-            <a:r>
-              <a:rPr lang="en-US" dirty="0"/>
-              <a:t> = {</a:t>
-            </a:r>
-            <a:r>
-              <a:rPr lang="en-US" dirty="0">
-                <a:solidFill>
-                  <a:srgbClr val="9E64A9"/>
-                </a:solidFill>
-              </a:rPr>
-              <a:t>"</a:t>
-            </a:r>
-            <a:r>
-              <a:rPr lang="en-US" dirty="0" err="1">
-                <a:solidFill>
-                  <a:srgbClr val="9E64A9"/>
-                </a:solidFill>
-              </a:rPr>
-              <a:t>mouseMoved</a:t>
-            </a:r>
-            <a:r>
-              <a:rPr lang="en-US" dirty="0">
-                <a:solidFill>
-                  <a:srgbClr val="9E64A9"/>
-                </a:solidFill>
-              </a:rPr>
-              <a:t>"</a:t>
-            </a:r>
-            <a:r>
-              <a:rPr lang="en-US" dirty="0"/>
-              <a:t>, </a:t>
-            </a:r>
-            <a:r>
-              <a:rPr lang="en-US" dirty="0">
-                <a:solidFill>
-                  <a:srgbClr val="9E64A9"/>
-                </a:solidFill>
-              </a:rPr>
-              <a:t>"</a:t>
-            </a:r>
-            <a:r>
-              <a:rPr lang="en-US" dirty="0" err="1">
-                <a:solidFill>
-                  <a:srgbClr val="9E64A9"/>
-                </a:solidFill>
-              </a:rPr>
-              <a:t>mouseDragged</a:t>
-            </a:r>
-            <a:r>
-              <a:rPr lang="en-US" dirty="0">
-                <a:solidFill>
-                  <a:srgbClr val="9E64A9"/>
-                </a:solidFill>
-              </a:rPr>
-              <a:t>"</a:t>
-            </a:r>
-            <a:r>
-              <a:rPr lang="en-US" dirty="0"/>
-              <a:t>, </a:t>
-            </a:r>
-            <a:r>
-              <a:rPr lang="en-US" dirty="0">
-                <a:solidFill>
-                  <a:srgbClr val="9E64A9"/>
-                </a:solidFill>
-              </a:rPr>
-              <a:t>"</a:t>
-            </a:r>
-            <a:r>
-              <a:rPr lang="en-US" dirty="0" err="1">
-                <a:solidFill>
-                  <a:srgbClr val="9E64A9"/>
-                </a:solidFill>
-              </a:rPr>
-              <a:t>mouseUp</a:t>
-            </a:r>
-            <a:r>
-              <a:rPr lang="en-US" dirty="0" smtClean="0">
-                <a:solidFill>
-                  <a:srgbClr val="9E64A9"/>
-                </a:solidFill>
-              </a:rPr>
-              <a:t>"</a:t>
-            </a:r>
-            <a:r>
-              <a:rPr lang="en-US" dirty="0" smtClean="0"/>
-              <a:t>}</a:t>
-            </a:r>
-            <a:endParaRPr lang="ru-RU" dirty="0"/>
-          </a:p>
-        </p:txBody>
-      </p:sp>
-      <p:grpSp>
-        <p:nvGrpSpPr>
-          <p:cNvPr id="6" name="Группа 5"/>
-          <p:cNvGrpSpPr/>
-          <p:nvPr/>
-        </p:nvGrpSpPr>
-        <p:grpSpPr>
-          <a:xfrm>
-            <a:off x="18651239" y="6657259"/>
-            <a:ext cx="4838129" cy="5450725"/>
-            <a:chOff x="18436207" y="3572959"/>
-            <a:chExt cx="4838129" cy="5450725"/>
-          </a:xfrm>
-        </p:grpSpPr>
-        <p:sp>
-          <p:nvSpPr>
-            <p:cNvPr id="7" name="Прямоугольник 6"/>
-            <p:cNvSpPr/>
-            <p:nvPr/>
-          </p:nvSpPr>
-          <p:spPr>
-            <a:xfrm>
-              <a:off x="18436207" y="3572959"/>
-              <a:ext cx="4838129" cy="5450725"/>
-            </a:xfrm>
-            <a:prstGeom prst="rect">
-              <a:avLst/>
-            </a:prstGeom>
-            <a:solidFill>
-              <a:schemeClr val="accent1"/>
-            </a:solidFill>
-            <a:ln w="50800">
-              <a:noFill/>
-            </a:ln>
-          </p:spPr>
-          <p:style>
-            <a:lnRef idx="2">
-              <a:schemeClr val="accent1">
-                <a:shade val="50000"/>
-              </a:schemeClr>
-            </a:lnRef>
-            <a:fillRef idx="1">
-              <a:schemeClr val="accent1"/>
-            </a:fillRef>
-            <a:effectRef idx="0">
-              <a:schemeClr val="accent1"/>
-            </a:effectRef>
-            <a:fontRef idx="minor">
-              <a:schemeClr val="lt1"/>
-            </a:fontRef>
-          </p:style>
-          <p:txBody>
-            <a:bodyPr rtlCol="0" anchor="ctr"/>
-            <a:lstStyle/>
-            <a:p>
-              <a:pPr algn="ctr"/>
-              <a:endParaRPr lang="ru-RU"/>
-            </a:p>
-          </p:txBody>
-        </p:sp>
-        <p:sp>
-          <p:nvSpPr>
-            <p:cNvPr id="8" name="Объект 2"/>
-            <p:cNvSpPr txBox="1">
-              <a:spLocks/>
-            </p:cNvSpPr>
-            <p:nvPr/>
-          </p:nvSpPr>
-          <p:spPr>
-            <a:xfrm>
-              <a:off x="18893165" y="3916239"/>
-              <a:ext cx="4199409" cy="2570658"/>
-            </a:xfrm>
-            <a:prstGeom prst="rect">
-              <a:avLst/>
-            </a:prstGeom>
-          </p:spPr>
-          <p:txBody>
-            <a:bodyPr vert="horz" lIns="0" tIns="45720" rIns="91440" bIns="45720" rtlCol="0" anchor="ctr">
-              <a:noAutofit/>
-            </a:bodyPr>
-            <a:lstStyle>
-              <a:lvl1pPr marL="0" indent="0" algn="l" defTabSz="1828709" rtl="0" eaLnBrk="1" latinLnBrk="0" hangingPunct="1">
-                <a:lnSpc>
-                  <a:spcPts val="6000"/>
-                </a:lnSpc>
-                <a:spcBef>
-                  <a:spcPts val="3000"/>
-                </a:spcBef>
-                <a:spcAft>
-                  <a:spcPts val="3000"/>
-                </a:spcAft>
-                <a:buFontTx/>
-                <a:buNone/>
-                <a:defRPr sz="4800" kern="1200">
-                  <a:solidFill>
-                    <a:schemeClr val="tx1"/>
-                  </a:solidFill>
-                  <a:latin typeface="Yandex Sans Text Light" panose="02000000000000000000" pitchFamily="2" charset="-52"/>
-                  <a:ea typeface="+mn-ea"/>
-                  <a:cs typeface="+mn-cs"/>
-                </a:defRPr>
-              </a:lvl1pPr>
-              <a:lvl2pPr marL="0" indent="-720000" algn="l" defTabSz="1908000" rtl="0" eaLnBrk="1" latinLnBrk="0" hangingPunct="1">
-                <a:lnSpc>
-                  <a:spcPts val="6000"/>
-                </a:lnSpc>
-                <a:spcBef>
-                  <a:spcPts val="0"/>
-                </a:spcBef>
-                <a:spcAft>
-                  <a:spcPts val="0"/>
-                </a:spcAft>
-                <a:buClr>
-                  <a:schemeClr val="tx2"/>
-                </a:buClr>
-                <a:buSzPct val="120000"/>
-                <a:buFont typeface="Impact" panose="020B0806030902050204" pitchFamily="34" charset="0"/>
-                <a:buChar char="▌"/>
-                <a:defRPr sz="4800" kern="1200" baseline="0">
-                  <a:solidFill>
-                    <a:schemeClr val="tx1"/>
-                  </a:solidFill>
-                  <a:latin typeface="Yandex Sans Text Regular" pitchFamily="2" charset="-52"/>
-                  <a:ea typeface="+mn-ea"/>
-                  <a:cs typeface="+mn-cs"/>
-                </a:defRPr>
-              </a:lvl2pPr>
-              <a:lvl3pPr marL="1512000" indent="-720000" algn="l" defTabSz="1828709" rtl="0" eaLnBrk="1" latinLnBrk="0" hangingPunct="1">
-                <a:lnSpc>
-                  <a:spcPts val="6000"/>
-                </a:lnSpc>
-                <a:spcBef>
-                  <a:spcPts val="3000"/>
-                </a:spcBef>
-                <a:spcAft>
-                  <a:spcPts val="0"/>
-                </a:spcAft>
-                <a:buSzPct val="150000"/>
-                <a:buFont typeface="Yandex Sans Text Light" panose="02000000000000000000" pitchFamily="2" charset="-52"/>
-                <a:buChar char="›"/>
-                <a:defRPr sz="4800" kern="1200" baseline="0">
-                  <a:solidFill>
-                    <a:schemeClr val="tx1"/>
-                  </a:solidFill>
-                  <a:latin typeface="Yandex Sans Text Light" panose="02000000000000000000" pitchFamily="2" charset="-52"/>
-                  <a:ea typeface="+mn-ea"/>
-                  <a:cs typeface="+mn-cs"/>
-                </a:defRPr>
-              </a:lvl3pPr>
-              <a:lvl4pPr marL="1512000" indent="-720000" algn="l" defTabSz="1828709" rtl="0" eaLnBrk="1" latinLnBrk="0" hangingPunct="1">
-                <a:lnSpc>
-                  <a:spcPts val="6000"/>
-                </a:lnSpc>
-                <a:spcBef>
-                  <a:spcPts val="3000"/>
-                </a:spcBef>
-                <a:spcAft>
-                  <a:spcPts val="0"/>
-                </a:spcAft>
-                <a:buFont typeface="+mj-lt"/>
-                <a:buAutoNum type="arabicPeriod"/>
-                <a:defRPr sz="4800" kern="1200">
-                  <a:solidFill>
-                    <a:schemeClr val="tx1"/>
-                  </a:solidFill>
-                  <a:latin typeface="Yandex Sans Text Light" panose="02000000000000000000" pitchFamily="2" charset="-52"/>
-                  <a:ea typeface="+mn-ea"/>
-                  <a:cs typeface="+mn-cs"/>
-                </a:defRPr>
-              </a:lvl4pPr>
-              <a:lvl5pPr marL="0" indent="0" algn="l" defTabSz="1828709" rtl="0" eaLnBrk="1" latinLnBrk="0" hangingPunct="1">
-                <a:lnSpc>
-                  <a:spcPct val="90000"/>
-                </a:lnSpc>
-                <a:spcBef>
-                  <a:spcPts val="1000"/>
-                </a:spcBef>
-                <a:buFontTx/>
-                <a:buNone/>
-                <a:defRPr sz="5000" kern="1200">
-                  <a:solidFill>
-                    <a:schemeClr val="tx1"/>
-                  </a:solidFill>
-                  <a:latin typeface="+mn-lt"/>
-                  <a:ea typeface="+mn-ea"/>
-                  <a:cs typeface="+mn-cs"/>
-                </a:defRPr>
-              </a:lvl5pPr>
-              <a:lvl6pPr marL="5028949" indent="-457177" algn="l" defTabSz="1828709" rtl="0" eaLnBrk="1" latinLnBrk="0" hangingPunct="1">
-                <a:lnSpc>
-                  <a:spcPct val="90000"/>
-                </a:lnSpc>
-                <a:spcBef>
-                  <a:spcPts val="1000"/>
-                </a:spcBef>
-                <a:buFont typeface="Arial" panose="020B0604020202020204" pitchFamily="34" charset="0"/>
-                <a:buChar char="•"/>
-                <a:defRPr sz="3600" kern="1200">
-                  <a:solidFill>
-                    <a:schemeClr val="tx1"/>
-                  </a:solidFill>
-                  <a:latin typeface="+mn-lt"/>
-                  <a:ea typeface="+mn-ea"/>
-                  <a:cs typeface="+mn-cs"/>
-                </a:defRPr>
-              </a:lvl6pPr>
-              <a:lvl7pPr marL="5943303" indent="-457177" algn="l" defTabSz="1828709" rtl="0" eaLnBrk="1" latinLnBrk="0" hangingPunct="1">
-                <a:lnSpc>
-                  <a:spcPct val="90000"/>
-                </a:lnSpc>
-                <a:spcBef>
-                  <a:spcPts val="1000"/>
-                </a:spcBef>
-                <a:buFont typeface="Arial" panose="020B0604020202020204" pitchFamily="34" charset="0"/>
-                <a:buChar char="•"/>
-                <a:defRPr sz="3600" kern="1200">
-                  <a:solidFill>
-                    <a:schemeClr val="tx1"/>
-                  </a:solidFill>
-                  <a:latin typeface="+mn-lt"/>
-                  <a:ea typeface="+mn-ea"/>
-                  <a:cs typeface="+mn-cs"/>
-                </a:defRPr>
-              </a:lvl7pPr>
-              <a:lvl8pPr marL="6857657" indent="-457177" algn="l" defTabSz="1828709" rtl="0" eaLnBrk="1" latinLnBrk="0" hangingPunct="1">
-                <a:lnSpc>
-                  <a:spcPct val="90000"/>
-                </a:lnSpc>
-                <a:spcBef>
-                  <a:spcPts val="1000"/>
-                </a:spcBef>
-                <a:buFont typeface="Arial" panose="020B0604020202020204" pitchFamily="34" charset="0"/>
-                <a:buChar char="•"/>
-                <a:defRPr sz="3600" kern="1200">
-                  <a:solidFill>
-                    <a:schemeClr val="tx1"/>
-                  </a:solidFill>
-                  <a:latin typeface="+mn-lt"/>
-                  <a:ea typeface="+mn-ea"/>
-                  <a:cs typeface="+mn-cs"/>
-                </a:defRPr>
-              </a:lvl8pPr>
-              <a:lvl9pPr marL="7772011" indent="-457177" algn="l" defTabSz="1828709" rtl="0" eaLnBrk="1" latinLnBrk="0" hangingPunct="1">
-                <a:lnSpc>
-                  <a:spcPct val="90000"/>
-                </a:lnSpc>
-                <a:spcBef>
-                  <a:spcPts val="1000"/>
-                </a:spcBef>
-                <a:buFont typeface="Arial" panose="020B0604020202020204" pitchFamily="34" charset="0"/>
-                <a:buChar char="•"/>
-                <a:defRPr sz="3600" kern="1200">
-                  <a:solidFill>
-                    <a:schemeClr val="tx1"/>
-                  </a:solidFill>
-                  <a:latin typeface="+mn-lt"/>
-                  <a:ea typeface="+mn-ea"/>
-                  <a:cs typeface="+mn-cs"/>
-                </a:defRPr>
-              </a:lvl9pPr>
-            </a:lstStyle>
-            <a:p>
-              <a:pPr>
-                <a:lnSpc>
-                  <a:spcPct val="100000"/>
-                </a:lnSpc>
-              </a:pPr>
-              <a:r>
-                <a:rPr lang="ru-RU" sz="2200" dirty="0">
-                  <a:solidFill>
-                    <a:schemeClr val="bg1"/>
-                  </a:solidFill>
-                  <a:latin typeface="+mn-lt"/>
-                  <a:ea typeface="Yandex Sans Text Regular"/>
-                  <a:cs typeface="Yandex Sans Text Regular"/>
-                  <a:sym typeface="Yandex Sans Text Regular"/>
-                </a:rPr>
-                <a:t>В случае, если ваш </a:t>
-              </a:r>
-              <a:r>
-                <a:rPr lang="ru-RU" sz="2200" smtClean="0">
-                  <a:solidFill>
-                    <a:schemeClr val="bg1"/>
-                  </a:solidFill>
-                  <a:latin typeface="+mn-lt"/>
-                  <a:ea typeface="Yandex Sans Text Regular"/>
-                  <a:cs typeface="Yandex Sans Text Regular"/>
-                  <a:sym typeface="Yandex Sans Text Regular"/>
-                </a:rPr>
-                <a:t>код </a:t>
-              </a:r>
-              <a:br>
-                <a:rPr lang="ru-RU" sz="2200" smtClean="0">
-                  <a:solidFill>
-                    <a:schemeClr val="bg1"/>
-                  </a:solidFill>
-                  <a:latin typeface="+mn-lt"/>
-                  <a:ea typeface="Yandex Sans Text Regular"/>
-                  <a:cs typeface="Yandex Sans Text Regular"/>
-                  <a:sym typeface="Yandex Sans Text Regular"/>
-                </a:rPr>
-              </a:br>
-              <a:r>
-                <a:rPr lang="ru-RU" sz="2200" smtClean="0">
-                  <a:solidFill>
-                    <a:schemeClr val="bg1"/>
-                  </a:solidFill>
-                  <a:latin typeface="+mn-lt"/>
-                  <a:ea typeface="Yandex Sans Text Regular"/>
-                  <a:cs typeface="Yandex Sans Text Regular"/>
-                  <a:sym typeface="Yandex Sans Text Regular"/>
-                </a:rPr>
-                <a:t>не </a:t>
-              </a:r>
-              <a:r>
-                <a:rPr lang="ru-RU" sz="2200" dirty="0">
-                  <a:solidFill>
-                    <a:schemeClr val="bg1"/>
-                  </a:solidFill>
-                  <a:latin typeface="+mn-lt"/>
-                  <a:ea typeface="Yandex Sans Text Regular"/>
-                  <a:cs typeface="Yandex Sans Text Regular"/>
-                  <a:sym typeface="Yandex Sans Text Regular"/>
-                </a:rPr>
-                <a:t>помещается на одной странице, его можно продлить на следующем слайде</a:t>
-              </a:r>
-              <a:r>
-                <a:rPr lang="ru-RU" sz="2200">
-                  <a:solidFill>
-                    <a:schemeClr val="bg1"/>
-                  </a:solidFill>
-                  <a:latin typeface="+mn-lt"/>
-                  <a:ea typeface="Yandex Sans Text Regular"/>
-                  <a:cs typeface="Yandex Sans Text Regular"/>
-                  <a:sym typeface="Yandex Sans Text Regular"/>
-                </a:rPr>
-                <a:t>; </a:t>
-              </a:r>
-              <a:r>
-                <a:rPr lang="ru-RU" sz="2200" smtClean="0">
-                  <a:solidFill>
-                    <a:schemeClr val="bg1"/>
-                  </a:solidFill>
-                  <a:latin typeface="+mn-lt"/>
-                  <a:ea typeface="Yandex Sans Text Regular"/>
-                  <a:cs typeface="Yandex Sans Text Regular"/>
-                  <a:sym typeface="Yandex Sans Text Regular"/>
-                </a:rPr>
-                <a:t/>
-              </a:r>
-              <a:br>
-                <a:rPr lang="ru-RU" sz="2200" smtClean="0">
-                  <a:solidFill>
-                    <a:schemeClr val="bg1"/>
-                  </a:solidFill>
-                  <a:latin typeface="+mn-lt"/>
-                  <a:ea typeface="Yandex Sans Text Regular"/>
-                  <a:cs typeface="Yandex Sans Text Regular"/>
-                  <a:sym typeface="Yandex Sans Text Regular"/>
-                </a:rPr>
-              </a:br>
-              <a:r>
-                <a:rPr lang="ru-RU" sz="2200" smtClean="0">
-                  <a:solidFill>
-                    <a:schemeClr val="bg1"/>
-                  </a:solidFill>
-                  <a:latin typeface="+mn-lt"/>
-                  <a:ea typeface="Yandex Sans Text Regular"/>
-                  <a:cs typeface="Yandex Sans Text Regular"/>
-                  <a:sym typeface="Yandex Sans Text Regular"/>
-                </a:rPr>
-                <a:t>в </a:t>
-              </a:r>
-              <a:r>
-                <a:rPr lang="ru-RU" sz="2200" dirty="0" smtClean="0">
-                  <a:solidFill>
-                    <a:schemeClr val="bg1"/>
-                  </a:solidFill>
-                  <a:latin typeface="+mn-lt"/>
-                  <a:ea typeface="Yandex Sans Text Regular"/>
-                  <a:cs typeface="Yandex Sans Text Regular"/>
-                  <a:sym typeface="Yandex Sans Text Regular"/>
-                </a:rPr>
-                <a:t>разделе </a:t>
-              </a:r>
-              <a:r>
-                <a:rPr lang="ru-RU" sz="2200" dirty="0" smtClean="0">
-                  <a:solidFill>
-                    <a:schemeClr val="bg1"/>
-                  </a:solidFill>
-                  <a:latin typeface="+mj-lt"/>
-                  <a:ea typeface="Yandex Sans Text Regular"/>
-                  <a:cs typeface="Yandex Sans Text Regular"/>
-                  <a:sym typeface="Yandex Sans Text Regular"/>
-                </a:rPr>
-                <a:t>«Переходы», </a:t>
-              </a:r>
-              <a:r>
-                <a:rPr lang="ru-RU" sz="2200" dirty="0" smtClean="0">
-                  <a:solidFill>
-                    <a:schemeClr val="bg1"/>
-                  </a:solidFill>
-                  <a:latin typeface="+mn-lt"/>
-                  <a:ea typeface="Yandex Sans Text Regular"/>
-                  <a:cs typeface="Yandex Sans Text Regular"/>
-                  <a:sym typeface="Yandex Sans Text Regular"/>
-                </a:rPr>
-                <a:t>между </a:t>
-              </a:r>
-              <a:r>
-                <a:rPr lang="ru-RU" sz="2200" dirty="0">
-                  <a:solidFill>
-                    <a:schemeClr val="bg1"/>
-                  </a:solidFill>
-                  <a:latin typeface="+mn-lt"/>
-                  <a:ea typeface="Yandex Sans Text Regular"/>
-                  <a:cs typeface="Yandex Sans Text Regular"/>
-                  <a:sym typeface="Yandex Sans Text Regular"/>
-                </a:rPr>
-                <a:t>слайдами поставить переход </a:t>
-              </a:r>
-              <a:r>
-                <a:rPr lang="ru-RU" sz="2200" dirty="0" smtClean="0">
-                  <a:solidFill>
-                    <a:schemeClr val="bg1"/>
-                  </a:solidFill>
-                  <a:latin typeface="+mj-lt"/>
-                  <a:ea typeface="Yandex Sans Text Regular"/>
-                  <a:cs typeface="Yandex Sans Text Regular"/>
-                  <a:sym typeface="Yandex Sans Text Regular"/>
-                </a:rPr>
-                <a:t>«</a:t>
-              </a:r>
-              <a:r>
-                <a:rPr lang="ru-RU" sz="2200" dirty="0" err="1">
-                  <a:solidFill>
-                    <a:schemeClr val="bg1"/>
-                  </a:solidFill>
-                  <a:latin typeface="+mj-lt"/>
-                  <a:ea typeface="Yandex Sans Text Regular"/>
-                  <a:cs typeface="Yandex Sans Text Regular"/>
-                  <a:sym typeface="Yandex Sans Text Regular"/>
-                </a:rPr>
-                <a:t>З</a:t>
-              </a:r>
-              <a:r>
-                <a:rPr lang="ru-RU" sz="2200" dirty="0" err="1" smtClean="0">
-                  <a:solidFill>
-                    <a:schemeClr val="bg1"/>
-                  </a:solidFill>
-                  <a:latin typeface="+mj-lt"/>
-                  <a:ea typeface="Yandex Sans Text Regular"/>
-                  <a:cs typeface="Yandex Sans Text Regular"/>
-                  <a:sym typeface="Yandex Sans Text Regular"/>
-                </a:rPr>
-                <a:t>адвигание</a:t>
-              </a:r>
-              <a:r>
-                <a:rPr lang="ru-RU" sz="2200" dirty="0" smtClean="0">
-                  <a:solidFill>
-                    <a:schemeClr val="bg1"/>
-                  </a:solidFill>
-                  <a:latin typeface="+mj-lt"/>
-                  <a:ea typeface="Yandex Sans Text Regular"/>
-                  <a:cs typeface="Yandex Sans Text Regular"/>
-                  <a:sym typeface="Yandex Sans Text Regular"/>
-                </a:rPr>
-                <a:t>»</a:t>
-              </a:r>
-              <a:endParaRPr lang="ru-RU" sz="2200" dirty="0">
-                <a:solidFill>
-                  <a:schemeClr val="bg1"/>
-                </a:solidFill>
-                <a:latin typeface="+mn-lt"/>
-                <a:ea typeface="Yandex Sans Text Regular"/>
-                <a:cs typeface="Yandex Sans Text Regular"/>
-                <a:sym typeface="Yandex Sans Text Regular"/>
-              </a:endParaRPr>
-            </a:p>
-          </p:txBody>
-        </p:sp>
-        <p:pic>
-          <p:nvPicPr>
-            <p:cNvPr id="9" name="Изображение 8"/>
-            <p:cNvPicPr>
-              <a:picLocks noChangeAspect="1"/>
-            </p:cNvPicPr>
-            <p:nvPr/>
-          </p:nvPicPr>
-          <p:blipFill rotWithShape="1">
-            <a:blip r:embed="rId2">
-              <a:extLst>
-                <a:ext uri="{28A0092B-C50C-407E-A947-70E740481C1C}">
-                  <a14:useLocalDpi xmlns:a14="http://schemas.microsoft.com/office/drawing/2010/main" val="0"/>
-                </a:ext>
-              </a:extLst>
-            </a:blip>
-            <a:srcRect t="1533"/>
-            <a:stretch/>
-          </p:blipFill>
-          <p:spPr>
-            <a:xfrm>
-              <a:off x="18893165" y="6727902"/>
-              <a:ext cx="3923760" cy="1790455"/>
-            </a:xfrm>
-            <a:prstGeom prst="rect">
-              <a:avLst/>
-            </a:prstGeom>
-          </p:spPr>
-        </p:pic>
-      </p:grpSp>
-      <p:grpSp>
-        <p:nvGrpSpPr>
-          <p:cNvPr id="10" name="Group 544"/>
-          <p:cNvGrpSpPr/>
-          <p:nvPr/>
-        </p:nvGrpSpPr>
-        <p:grpSpPr>
-          <a:xfrm>
-            <a:off x="20603585" y="2067482"/>
-            <a:ext cx="5771563" cy="1505424"/>
-            <a:chOff x="0" y="0"/>
-            <a:chExt cx="5771562" cy="1505423"/>
-          </a:xfrm>
-        </p:grpSpPr>
-        <p:grpSp>
-          <p:nvGrpSpPr>
-            <p:cNvPr id="11" name="Group 542"/>
-            <p:cNvGrpSpPr/>
-            <p:nvPr/>
-          </p:nvGrpSpPr>
-          <p:grpSpPr>
-            <a:xfrm>
-              <a:off x="0" y="0"/>
-              <a:ext cx="5771563" cy="1505424"/>
-              <a:chOff x="1340592" y="0"/>
-              <a:chExt cx="5771562" cy="1505423"/>
-            </a:xfrm>
-          </p:grpSpPr>
-          <p:sp>
-            <p:nvSpPr>
-              <p:cNvPr id="13" name="Shape 540"/>
-              <p:cNvSpPr/>
-              <p:nvPr/>
-            </p:nvSpPr>
-            <p:spPr>
-              <a:xfrm>
-                <a:off x="1340592" y="0"/>
-                <a:ext cx="5771564" cy="839767"/>
-              </a:xfrm>
-              <a:prstGeom prst="rect">
-                <a:avLst/>
-              </a:prstGeom>
-              <a:solidFill>
-                <a:srgbClr val="3878BE"/>
-              </a:solidFill>
-              <a:ln w="12700" cap="flat">
-                <a:noFill/>
-                <a:miter lim="400000"/>
-              </a:ln>
-              <a:effectLst>
-                <a:outerShdw blurRad="63500" dist="25400" dir="5400000" rotWithShape="0">
-                  <a:srgbClr val="000000">
-                    <a:alpha val="50000"/>
-                  </a:srgbClr>
-                </a:outerShdw>
-              </a:effectLst>
-            </p:spPr>
-            <p:txBody>
-              <a:bodyPr wrap="square" lIns="50800" tIns="50800" rIns="50800" bIns="50800" numCol="1" anchor="ctr">
-                <a:noAutofit/>
-              </a:bodyPr>
-              <a:lstStyle/>
-              <a:p>
-                <a:endParaRPr/>
-              </a:p>
-            </p:txBody>
-          </p:sp>
-          <p:sp>
-            <p:nvSpPr>
-              <p:cNvPr id="14" name="Shape 541"/>
-              <p:cNvSpPr/>
-              <p:nvPr/>
-            </p:nvSpPr>
-            <p:spPr>
-              <a:xfrm>
-                <a:off x="2248251" y="131081"/>
-                <a:ext cx="3887670" cy="1374343"/>
-              </a:xfrm>
-              <a:prstGeom prst="rect">
-                <a:avLst/>
-              </a:prstGeom>
-              <a:noFill/>
-              <a:ln w="12700" cap="flat">
-                <a:noFill/>
-                <a:miter lim="400000"/>
-              </a:ln>
-              <a:effectLst/>
-              <a:extLst>
-                <a:ext uri="{C572A759-6A51-4108-AA02-DFA0A04FC94B}">
-                  <ma14:wrappingTextBoxFlag xmlns:ma14="http://schemas.microsoft.com/office/mac/drawingml/2011/main" xmlns="" val="1"/>
-                </a:ext>
-              </a:extLst>
-            </p:spPr>
-            <p:txBody>
-              <a:bodyPr wrap="square" lIns="50800" tIns="50800" rIns="50800" bIns="50800" numCol="1" anchor="t">
-                <a:noAutofit/>
-              </a:bodyPr>
-              <a:lstStyle>
-                <a:lvl1pPr>
-                  <a:lnSpc>
-                    <a:spcPct val="100000"/>
-                  </a:lnSpc>
-                  <a:spcBef>
-                    <a:spcPts val="0"/>
-                  </a:spcBef>
-                  <a:tabLst>
-                    <a:tab pos="5524500" algn="l"/>
-                  </a:tabLst>
-                  <a:defRPr sz="3000" baseline="0">
-                    <a:solidFill>
-                      <a:srgbClr val="FFFFFF"/>
-                    </a:solidFill>
-                    <a:latin typeface="Yandex Sans Text Regular"/>
-                    <a:ea typeface="Yandex Sans Text Regular"/>
-                    <a:cs typeface="Yandex Sans Text Regular"/>
-                    <a:sym typeface="Yandex Sans Text Regular"/>
-                  </a:defRPr>
-                </a:lvl1pPr>
-              </a:lstStyle>
-              <a:p>
-                <a:r>
-                  <a:t>Пример </a:t>
-                </a:r>
-              </a:p>
-            </p:txBody>
-          </p:sp>
-        </p:grpSp>
-        <p:pic>
-          <p:nvPicPr>
-            <p:cNvPr id="12" name="pasted-image.pdf"/>
-            <p:cNvPicPr>
-              <a:picLocks noChangeAspect="1"/>
-            </p:cNvPicPr>
-            <p:nvPr/>
-          </p:nvPicPr>
-          <p:blipFill>
-            <a:blip r:embed="rId3">
-              <a:extLst/>
-            </a:blip>
-            <a:stretch>
-              <a:fillRect/>
-            </a:stretch>
-          </p:blipFill>
-          <p:spPr>
-            <a:xfrm>
-              <a:off x="245308" y="192651"/>
-              <a:ext cx="495301" cy="495301"/>
-            </a:xfrm>
-            <a:prstGeom prst="rect">
-              <a:avLst/>
-            </a:prstGeom>
-            <a:ln w="12700" cap="flat">
-              <a:noFill/>
-              <a:miter lim="400000"/>
-            </a:ln>
-            <a:effectLst/>
-          </p:spPr>
-        </p:pic>
-      </p:grpSp>
-      <p:sp>
-        <p:nvSpPr>
-          <p:cNvPr id="16" name="TextBox 15"/>
-          <p:cNvSpPr txBox="1"/>
-          <p:nvPr/>
-        </p:nvSpPr>
-        <p:spPr>
-          <a:xfrm>
-            <a:off x="13826530" y="282219"/>
-            <a:ext cx="4905860" cy="1631216"/>
-          </a:xfrm>
-          <a:prstGeom prst="rect">
-            <a:avLst/>
-          </a:prstGeom>
-          <a:noFill/>
-        </p:spPr>
-        <p:txBody>
-          <a:bodyPr wrap="square" rtlCol="0">
-            <a:spAutoFit/>
-          </a:bodyPr>
-          <a:lstStyle/>
-          <a:p>
-            <a:r>
-              <a:rPr lang="ru-RU" sz="5000" dirty="0" smtClean="0">
-                <a:solidFill>
-                  <a:schemeClr val="bg1"/>
-                </a:solidFill>
-              </a:rPr>
-              <a:t>Красный цвет </a:t>
-            </a:r>
-            <a:br>
-              <a:rPr lang="ru-RU" sz="5000" dirty="0" smtClean="0">
-                <a:solidFill>
-                  <a:schemeClr val="bg1"/>
-                </a:solidFill>
-              </a:rPr>
-            </a:br>
-            <a:r>
-              <a:rPr lang="ru-RU" sz="5000" dirty="0" smtClean="0">
-                <a:solidFill>
-                  <a:schemeClr val="bg1"/>
-                </a:solidFill>
-              </a:rPr>
-              <a:t>не правильный</a:t>
-            </a:r>
-          </a:p>
-        </p:txBody>
-      </p:sp>
-    </p:spTree>
-    <p:extLst>
-      <p:ext uri="{BB962C8B-B14F-4D97-AF65-F5344CB8AC3E}">
-        <p14:creationId xmlns:p14="http://schemas.microsoft.com/office/powerpoint/2010/main" val="647706898"/>
-      </p:ext>
-    </p:extLst>
-  </p:cSld>
-  <p:clrMapOvr>
-    <a:masterClrMapping/>
-  </p:clrMapOvr>
-  <mc:AlternateContent xmlns:mc="http://schemas.openxmlformats.org/markup-compatibility/2006" xmlns:p14="http://schemas.microsoft.com/office/powerpoint/2010/main">
-    <mc:Choice Requires="p14">
-      <p:transition spd="slow" p14:dur="2000"/>
-    </mc:Choice>
-    <mc:Fallback xmlns="">
-      <p:transition spd="slow"/>
-    </mc:Fallback>
-  </mc:AlternateContent>
-  <p:timing>
-    <p:tnLst>
-      <p:par>
-        <p:cTn id="1" dur="indefinite" restart="never" nodeType="tmRoot"/>
-      </p:par>
-    </p:tnLst>
-  </p:timing>
-</p:sld>
-</file>
-
 <file path=ppt/slides/slide3.xml><?xml version="1.0" encoding="utf-8"?>
 <p:sld xmlns:a="http://schemas.openxmlformats.org/drawingml/2006/main" xmlns:r="http://schemas.openxmlformats.org/officeDocument/2006/relationships" xmlns:p="http://schemas.openxmlformats.org/presentationml/2006/main">
   <p:cSld>
@@ -22839,6 +24214,1830 @@
       <p:bldP spid="10" grpId="0"/>
       <p:bldP spid="16" grpId="0"/>
     </p:bldLst>
+  </p:timing>
+</p:sld>
+</file>
+
+<file path=ppt/slides/slide30.xml><?xml version="1.0" encoding="utf-8"?>
+<p:sld xmlns:a="http://schemas.openxmlformats.org/drawingml/2006/main" xmlns:r="http://schemas.openxmlformats.org/officeDocument/2006/relationships" xmlns:p="http://schemas.openxmlformats.org/presentationml/2006/main" show="0">
+  <p:cSld>
+    <p:spTree>
+      <p:nvGrpSpPr>
+        <p:cNvPr id="1" name=""/>
+        <p:cNvGrpSpPr/>
+        <p:nvPr/>
+      </p:nvGrpSpPr>
+      <p:grpSpPr>
+        <a:xfrm>
+          <a:off x="0" y="0"/>
+          <a:ext cx="0" cy="0"/>
+          <a:chOff x="0" y="0"/>
+          <a:chExt cx="0" cy="0"/>
+        </a:xfrm>
+      </p:grpSpPr>
+      <p:sp>
+        <p:nvSpPr>
+          <p:cNvPr id="2" name="Заголовок 1"/>
+          <p:cNvSpPr>
+            <a:spLocks noGrp="1"/>
+          </p:cNvSpPr>
+          <p:nvPr>
+            <p:ph type="title"/>
+          </p:nvPr>
+        </p:nvSpPr>
+        <p:spPr/>
+        <p:txBody>
+          <a:bodyPr/>
+          <a:lstStyle/>
+          <a:p>
+            <a:r>
+              <a:rPr lang="ru-RU" dirty="0"/>
+              <a:t>Заголовок, текст и код</a:t>
+            </a:r>
+          </a:p>
+        </p:txBody>
+      </p:sp>
+      <p:sp>
+        <p:nvSpPr>
+          <p:cNvPr id="3" name="Объект 2"/>
+          <p:cNvSpPr>
+            <a:spLocks noGrp="1"/>
+          </p:cNvSpPr>
+          <p:nvPr>
+            <p:ph idx="1"/>
+          </p:nvPr>
+        </p:nvSpPr>
+        <p:spPr/>
+        <p:txBody>
+          <a:bodyPr/>
+          <a:lstStyle/>
+          <a:p>
+            <a:r>
+              <a:rPr lang="ru-RU" dirty="0"/>
+              <a:t>Этот слайд используется для вставки небольшой </a:t>
+            </a:r>
+            <a:br>
+              <a:rPr lang="ru-RU" dirty="0"/>
+            </a:br>
+            <a:r>
+              <a:rPr lang="ru-RU" dirty="0"/>
+              <a:t>части кода с </a:t>
+            </a:r>
+            <a:r>
+              <a:rPr lang="ru-RU" dirty="0" smtClean="0"/>
+              <a:t>описанием</a:t>
+            </a:r>
+            <a:endParaRPr lang="ru-RU" dirty="0"/>
+          </a:p>
+        </p:txBody>
+      </p:sp>
+      <p:sp>
+        <p:nvSpPr>
+          <p:cNvPr id="4" name="Нижний колонтитул 3"/>
+          <p:cNvSpPr>
+            <a:spLocks noGrp="1"/>
+          </p:cNvSpPr>
+          <p:nvPr>
+            <p:ph type="ftr" sz="quarter" idx="11"/>
+          </p:nvPr>
+        </p:nvSpPr>
+        <p:spPr/>
+        <p:txBody>
+          <a:bodyPr/>
+          <a:lstStyle/>
+          <a:p>
+            <a:endParaRPr lang="ru-RU" dirty="0"/>
+          </a:p>
+        </p:txBody>
+      </p:sp>
+      <p:sp>
+        <p:nvSpPr>
+          <p:cNvPr id="5" name="Номер слайда 4"/>
+          <p:cNvSpPr>
+            <a:spLocks noGrp="1"/>
+          </p:cNvSpPr>
+          <p:nvPr>
+            <p:ph type="sldNum" sz="quarter" idx="12"/>
+          </p:nvPr>
+        </p:nvSpPr>
+        <p:spPr/>
+        <p:txBody>
+          <a:bodyPr/>
+          <a:lstStyle/>
+          <a:p>
+            <a:fld id="{741C03D3-FA44-40EC-9A21-1FC4FEA3E22E}" type="slidenum">
+              <a:rPr lang="ru-RU" smtClean="0"/>
+              <a:t>30</a:t>
+            </a:fld>
+            <a:endParaRPr lang="ru-RU"/>
+          </a:p>
+        </p:txBody>
+      </p:sp>
+      <p:sp>
+        <p:nvSpPr>
+          <p:cNvPr id="6" name="Объект 5"/>
+          <p:cNvSpPr>
+            <a:spLocks noGrp="1"/>
+          </p:cNvSpPr>
+          <p:nvPr>
+            <p:ph idx="13"/>
+          </p:nvPr>
+        </p:nvSpPr>
+        <p:spPr/>
+        <p:txBody>
+          <a:bodyPr/>
+          <a:lstStyle/>
+          <a:p>
+            <a:pPr>
+              <a:lnSpc>
+                <a:spcPct val="150000"/>
+              </a:lnSpc>
+              <a:tabLst>
+                <a:tab pos="2185988" algn="l"/>
+              </a:tabLst>
+            </a:pPr>
+            <a:r>
+              <a:rPr lang="en-US" dirty="0"/>
+              <a:t>#coding=utf-8</a:t>
+            </a:r>
+            <a:br>
+              <a:rPr lang="en-US" dirty="0"/>
+            </a:br>
+            <a:r>
+              <a:rPr lang="en-US" dirty="0"/>
+              <a:t>from </a:t>
+            </a:r>
+            <a:r>
+              <a:rPr lang="en-US" dirty="0">
+                <a:solidFill>
+                  <a:schemeClr val="tx2"/>
+                </a:solidFill>
+              </a:rPr>
+              <a:t>vanilla</a:t>
+            </a:r>
+            <a:r>
+              <a:rPr lang="en-US" dirty="0"/>
+              <a:t> import *</a:t>
+            </a:r>
+            <a:br>
+              <a:rPr lang="en-US" dirty="0"/>
+            </a:br>
+            <a:r>
+              <a:rPr lang="en-US" dirty="0"/>
+              <a:t>from </a:t>
+            </a:r>
+            <a:r>
+              <a:rPr lang="en-US" dirty="0" err="1">
+                <a:solidFill>
+                  <a:schemeClr val="tx2"/>
+                </a:solidFill>
+              </a:rPr>
+              <a:t>defconAppKit</a:t>
+            </a:r>
+            <a:r>
+              <a:rPr lang="en-US" dirty="0" err="1"/>
+              <a:t>.</a:t>
+            </a:r>
+            <a:r>
+              <a:rPr lang="en-US" dirty="0" err="1">
+                <a:solidFill>
+                  <a:schemeClr val="tx2"/>
+                </a:solidFill>
+              </a:rPr>
+              <a:t>windows</a:t>
+            </a:r>
+            <a:r>
+              <a:rPr lang="en-US" dirty="0" err="1"/>
+              <a:t>.</a:t>
+            </a:r>
+            <a:r>
+              <a:rPr lang="en-US" dirty="0" err="1">
+                <a:solidFill>
+                  <a:schemeClr val="tx2"/>
+                </a:solidFill>
+              </a:rPr>
+              <a:t>baseWindow</a:t>
+            </a:r>
+            <a:r>
+              <a:rPr lang="en-US" dirty="0"/>
+              <a:t> import </a:t>
+            </a:r>
+            <a:r>
+              <a:rPr lang="en-US" dirty="0" err="1">
+                <a:solidFill>
+                  <a:schemeClr val="tx2"/>
+                </a:solidFill>
+              </a:rPr>
+              <a:t>BaseWindowController</a:t>
+            </a:r>
+            <a:r>
+              <a:rPr lang="en-US" dirty="0">
+                <a:solidFill>
+                  <a:schemeClr val="tx2"/>
+                </a:solidFill>
+              </a:rPr>
+              <a:t/>
+            </a:r>
+            <a:br>
+              <a:rPr lang="en-US" dirty="0">
+                <a:solidFill>
+                  <a:schemeClr val="tx2"/>
+                </a:solidFill>
+              </a:rPr>
+            </a:br>
+            <a:r>
+              <a:rPr lang="en-US" dirty="0"/>
+              <a:t>from </a:t>
+            </a:r>
+            <a:r>
+              <a:rPr lang="en-US" dirty="0" err="1">
+                <a:solidFill>
+                  <a:schemeClr val="tx2"/>
+                </a:solidFill>
+              </a:rPr>
+              <a:t>mojo</a:t>
+            </a:r>
+            <a:r>
+              <a:rPr lang="en-US" dirty="0" err="1"/>
+              <a:t>.</a:t>
+            </a:r>
+            <a:r>
+              <a:rPr lang="en-US" dirty="0" err="1">
+                <a:solidFill>
+                  <a:schemeClr val="tx2"/>
+                </a:solidFill>
+              </a:rPr>
+              <a:t>events</a:t>
+            </a:r>
+            <a:r>
+              <a:rPr lang="en-US" dirty="0"/>
+              <a:t> import </a:t>
+            </a:r>
+            <a:r>
+              <a:rPr lang="en-US" dirty="0" err="1">
+                <a:solidFill>
+                  <a:schemeClr val="tx2"/>
+                </a:solidFill>
+              </a:rPr>
+              <a:t>addObserver</a:t>
+            </a:r>
+            <a:r>
+              <a:rPr lang="en-US" dirty="0"/>
+              <a:t>, </a:t>
+            </a:r>
+            <a:r>
+              <a:rPr lang="en-US" dirty="0" err="1">
+                <a:solidFill>
+                  <a:schemeClr val="tx2"/>
+                </a:solidFill>
+              </a:rPr>
+              <a:t>removeObserver</a:t>
+            </a:r>
+            <a:r>
+              <a:rPr lang="en-US" dirty="0"/>
+              <a:t/>
+            </a:r>
+            <a:br>
+              <a:rPr lang="en-US" dirty="0"/>
+            </a:br>
+            <a:r>
+              <a:rPr lang="en-US" dirty="0"/>
+              <a:t>import </a:t>
+            </a:r>
+            <a:r>
+              <a:rPr lang="en-US" dirty="0" smtClean="0">
+                <a:solidFill>
+                  <a:schemeClr val="tx2"/>
+                </a:solidFill>
+              </a:rPr>
+              <a:t>math</a:t>
+            </a:r>
+            <a:r>
+              <a:rPr lang="ru-RU" dirty="0" smtClean="0">
+                <a:solidFill>
+                  <a:schemeClr val="tx2"/>
+                </a:solidFill>
+              </a:rPr>
+              <a:t/>
+            </a:r>
+            <a:br>
+              <a:rPr lang="ru-RU" dirty="0" smtClean="0">
+                <a:solidFill>
+                  <a:schemeClr val="tx2"/>
+                </a:solidFill>
+              </a:rPr>
+            </a:br>
+            <a:r>
+              <a:rPr lang="en-US" dirty="0"/>
+              <a:t/>
+            </a:r>
+            <a:br>
+              <a:rPr lang="en-US" dirty="0"/>
+            </a:br>
+            <a:r>
+              <a:rPr lang="en-US" dirty="0"/>
+              <a:t>class </a:t>
+            </a:r>
+            <a:r>
+              <a:rPr lang="en-US" dirty="0" err="1">
+                <a:solidFill>
+                  <a:srgbClr val="5BCD9D"/>
+                </a:solidFill>
+              </a:rPr>
+              <a:t>ShowMouseCoordinatesTextBox</a:t>
+            </a:r>
+            <a:r>
+              <a:rPr lang="en-US" dirty="0"/>
+              <a:t>(</a:t>
+            </a:r>
+            <a:r>
+              <a:rPr lang="en-US" dirty="0" err="1"/>
+              <a:t>TextBox</a:t>
+            </a:r>
+            <a:r>
+              <a:rPr lang="en-US" dirty="0" smtClean="0"/>
+              <a:t>):</a:t>
+            </a:r>
+            <a:endParaRPr lang="en-US" dirty="0"/>
+          </a:p>
+        </p:txBody>
+      </p:sp>
+      <p:grpSp>
+        <p:nvGrpSpPr>
+          <p:cNvPr id="7" name="Group 544"/>
+          <p:cNvGrpSpPr/>
+          <p:nvPr/>
+        </p:nvGrpSpPr>
+        <p:grpSpPr>
+          <a:xfrm>
+            <a:off x="20603585" y="2067482"/>
+            <a:ext cx="5771563" cy="1505424"/>
+            <a:chOff x="0" y="0"/>
+            <a:chExt cx="5771562" cy="1505423"/>
+          </a:xfrm>
+        </p:grpSpPr>
+        <p:grpSp>
+          <p:nvGrpSpPr>
+            <p:cNvPr id="8" name="Group 542"/>
+            <p:cNvGrpSpPr/>
+            <p:nvPr/>
+          </p:nvGrpSpPr>
+          <p:grpSpPr>
+            <a:xfrm>
+              <a:off x="0" y="0"/>
+              <a:ext cx="5771563" cy="1505424"/>
+              <a:chOff x="1340592" y="0"/>
+              <a:chExt cx="5771562" cy="1505423"/>
+            </a:xfrm>
+          </p:grpSpPr>
+          <p:sp>
+            <p:nvSpPr>
+              <p:cNvPr id="10" name="Shape 540"/>
+              <p:cNvSpPr/>
+              <p:nvPr/>
+            </p:nvSpPr>
+            <p:spPr>
+              <a:xfrm>
+                <a:off x="1340592" y="0"/>
+                <a:ext cx="5771564" cy="839767"/>
+              </a:xfrm>
+              <a:prstGeom prst="rect">
+                <a:avLst/>
+              </a:prstGeom>
+              <a:solidFill>
+                <a:srgbClr val="3878BE"/>
+              </a:solidFill>
+              <a:ln w="12700" cap="flat">
+                <a:noFill/>
+                <a:miter lim="400000"/>
+              </a:ln>
+              <a:effectLst>
+                <a:outerShdw blurRad="63500" dist="25400" dir="5400000" rotWithShape="0">
+                  <a:srgbClr val="000000">
+                    <a:alpha val="50000"/>
+                  </a:srgbClr>
+                </a:outerShdw>
+              </a:effectLst>
+            </p:spPr>
+            <p:txBody>
+              <a:bodyPr wrap="square" lIns="50800" tIns="50800" rIns="50800" bIns="50800" numCol="1" anchor="ctr">
+                <a:noAutofit/>
+              </a:bodyPr>
+              <a:lstStyle/>
+              <a:p>
+                <a:endParaRPr/>
+              </a:p>
+            </p:txBody>
+          </p:sp>
+          <p:sp>
+            <p:nvSpPr>
+              <p:cNvPr id="11" name="Shape 541"/>
+              <p:cNvSpPr/>
+              <p:nvPr/>
+            </p:nvSpPr>
+            <p:spPr>
+              <a:xfrm>
+                <a:off x="2248251" y="131081"/>
+                <a:ext cx="3887670" cy="1374343"/>
+              </a:xfrm>
+              <a:prstGeom prst="rect">
+                <a:avLst/>
+              </a:prstGeom>
+              <a:noFill/>
+              <a:ln w="12700" cap="flat">
+                <a:noFill/>
+                <a:miter lim="400000"/>
+              </a:ln>
+              <a:effectLst/>
+              <a:extLst>
+                <a:ext uri="{C572A759-6A51-4108-AA02-DFA0A04FC94B}">
+                  <ma14:wrappingTextBoxFlag xmlns="" xmlns:ma14="http://schemas.microsoft.com/office/mac/drawingml/2011/main" val="1"/>
+                </a:ext>
+              </a:extLst>
+            </p:spPr>
+            <p:txBody>
+              <a:bodyPr wrap="square" lIns="50800" tIns="50800" rIns="50800" bIns="50800" numCol="1" anchor="t">
+                <a:noAutofit/>
+              </a:bodyPr>
+              <a:lstStyle>
+                <a:lvl1pPr>
+                  <a:lnSpc>
+                    <a:spcPct val="100000"/>
+                  </a:lnSpc>
+                  <a:spcBef>
+                    <a:spcPts val="0"/>
+                  </a:spcBef>
+                  <a:tabLst>
+                    <a:tab pos="5524500" algn="l"/>
+                  </a:tabLst>
+                  <a:defRPr sz="3000" baseline="0">
+                    <a:solidFill>
+                      <a:srgbClr val="FFFFFF"/>
+                    </a:solidFill>
+                    <a:latin typeface="Yandex Sans Text Regular"/>
+                    <a:ea typeface="Yandex Sans Text Regular"/>
+                    <a:cs typeface="Yandex Sans Text Regular"/>
+                    <a:sym typeface="Yandex Sans Text Regular"/>
+                  </a:defRPr>
+                </a:lvl1pPr>
+              </a:lstStyle>
+              <a:p>
+                <a:r>
+                  <a:t>Пример </a:t>
+                </a:r>
+              </a:p>
+            </p:txBody>
+          </p:sp>
+        </p:grpSp>
+        <p:pic>
+          <p:nvPicPr>
+            <p:cNvPr id="9" name="pasted-image.pdf"/>
+            <p:cNvPicPr>
+              <a:picLocks noChangeAspect="1"/>
+            </p:cNvPicPr>
+            <p:nvPr/>
+          </p:nvPicPr>
+          <p:blipFill>
+            <a:blip r:embed="rId2">
+              <a:extLst/>
+            </a:blip>
+            <a:stretch>
+              <a:fillRect/>
+            </a:stretch>
+          </p:blipFill>
+          <p:spPr>
+            <a:xfrm>
+              <a:off x="245308" y="192651"/>
+              <a:ext cx="495301" cy="495301"/>
+            </a:xfrm>
+            <a:prstGeom prst="rect">
+              <a:avLst/>
+            </a:prstGeom>
+            <a:ln w="12700" cap="flat">
+              <a:noFill/>
+              <a:miter lim="400000"/>
+            </a:ln>
+            <a:effectLst/>
+          </p:spPr>
+        </p:pic>
+      </p:grpSp>
+    </p:spTree>
+    <p:extLst>
+      <p:ext uri="{BB962C8B-B14F-4D97-AF65-F5344CB8AC3E}">
+        <p14:creationId xmlns:p14="http://schemas.microsoft.com/office/powerpoint/2010/main" val="1293094839"/>
+      </p:ext>
+    </p:extLst>
+  </p:cSld>
+  <p:clrMapOvr>
+    <a:masterClrMapping/>
+  </p:clrMapOvr>
+  <mc:AlternateContent xmlns:mc="http://schemas.openxmlformats.org/markup-compatibility/2006" xmlns:p14="http://schemas.microsoft.com/office/powerpoint/2010/main">
+    <mc:Choice Requires="p14">
+      <p:transition spd="slow" p14:dur="2000"/>
+    </mc:Choice>
+    <mc:Fallback xmlns="">
+      <p:transition spd="slow"/>
+    </mc:Fallback>
+  </mc:AlternateContent>
+  <p:timing>
+    <p:tnLst>
+      <p:par>
+        <p:cTn id="1" dur="indefinite" restart="never" nodeType="tmRoot"/>
+      </p:par>
+    </p:tnLst>
+  </p:timing>
+</p:sld>
+</file>
+
+<file path=ppt/slides/slide31.xml><?xml version="1.0" encoding="utf-8"?>
+<p:sld xmlns:a="http://schemas.openxmlformats.org/drawingml/2006/main" xmlns:r="http://schemas.openxmlformats.org/officeDocument/2006/relationships" xmlns:p="http://schemas.openxmlformats.org/presentationml/2006/main" show="0">
+  <p:cSld>
+    <p:spTree>
+      <p:nvGrpSpPr>
+        <p:cNvPr id="1" name=""/>
+        <p:cNvGrpSpPr/>
+        <p:nvPr/>
+      </p:nvGrpSpPr>
+      <p:grpSpPr>
+        <a:xfrm>
+          <a:off x="0" y="0"/>
+          <a:ext cx="0" cy="0"/>
+          <a:chOff x="0" y="0"/>
+          <a:chExt cx="0" cy="0"/>
+        </a:xfrm>
+      </p:grpSpPr>
+      <p:sp>
+        <p:nvSpPr>
+          <p:cNvPr id="2" name="Заголовок 1"/>
+          <p:cNvSpPr>
+            <a:spLocks noGrp="1"/>
+          </p:cNvSpPr>
+          <p:nvPr>
+            <p:ph type="title"/>
+          </p:nvPr>
+        </p:nvSpPr>
+        <p:spPr/>
+        <p:txBody>
+          <a:bodyPr/>
+          <a:lstStyle/>
+          <a:p>
+            <a:r>
+              <a:rPr lang="ru-RU" dirty="0"/>
+              <a:t>Заголовок, текст и код</a:t>
+            </a:r>
+          </a:p>
+        </p:txBody>
+      </p:sp>
+      <p:sp>
+        <p:nvSpPr>
+          <p:cNvPr id="3" name="Нижний колонтитул 2"/>
+          <p:cNvSpPr>
+            <a:spLocks noGrp="1"/>
+          </p:cNvSpPr>
+          <p:nvPr>
+            <p:ph type="ftr" sz="quarter" idx="11"/>
+          </p:nvPr>
+        </p:nvSpPr>
+        <p:spPr/>
+        <p:txBody>
+          <a:bodyPr/>
+          <a:lstStyle/>
+          <a:p>
+            <a:endParaRPr lang="ru-RU" dirty="0"/>
+          </a:p>
+        </p:txBody>
+      </p:sp>
+      <p:sp>
+        <p:nvSpPr>
+          <p:cNvPr id="4" name="Номер слайда 3"/>
+          <p:cNvSpPr>
+            <a:spLocks noGrp="1"/>
+          </p:cNvSpPr>
+          <p:nvPr>
+            <p:ph type="sldNum" sz="quarter" idx="12"/>
+          </p:nvPr>
+        </p:nvSpPr>
+        <p:spPr/>
+        <p:txBody>
+          <a:bodyPr/>
+          <a:lstStyle/>
+          <a:p>
+            <a:fld id="{741C03D3-FA44-40EC-9A21-1FC4FEA3E22E}" type="slidenum">
+              <a:rPr lang="ru-RU" smtClean="0"/>
+              <a:t>31</a:t>
+            </a:fld>
+            <a:endParaRPr lang="ru-RU"/>
+          </a:p>
+        </p:txBody>
+      </p:sp>
+      <p:sp>
+        <p:nvSpPr>
+          <p:cNvPr id="5" name="Объект 4"/>
+          <p:cNvSpPr>
+            <a:spLocks noGrp="1"/>
+          </p:cNvSpPr>
+          <p:nvPr>
+            <p:ph idx="13"/>
+          </p:nvPr>
+        </p:nvSpPr>
+        <p:spPr/>
+        <p:txBody>
+          <a:bodyPr/>
+          <a:lstStyle/>
+          <a:p>
+            <a:pPr>
+              <a:lnSpc>
+                <a:spcPct val="150000"/>
+              </a:lnSpc>
+            </a:pPr>
+            <a:r>
+              <a:rPr lang="en-US" dirty="0"/>
+              <a:t>#coding=utf-8</a:t>
+            </a:r>
+            <a:br>
+              <a:rPr lang="en-US" dirty="0"/>
+            </a:br>
+            <a:r>
+              <a:rPr lang="en-US" dirty="0"/>
+              <a:t>from </a:t>
+            </a:r>
+            <a:r>
+              <a:rPr lang="en-US" dirty="0">
+                <a:solidFill>
+                  <a:schemeClr val="tx2"/>
+                </a:solidFill>
+              </a:rPr>
+              <a:t>vanilla</a:t>
+            </a:r>
+            <a:r>
+              <a:rPr lang="en-US" dirty="0"/>
+              <a:t> import *</a:t>
+            </a:r>
+            <a:br>
+              <a:rPr lang="en-US" dirty="0"/>
+            </a:br>
+            <a:r>
+              <a:rPr lang="en-US" dirty="0"/>
+              <a:t>from </a:t>
+            </a:r>
+            <a:r>
+              <a:rPr lang="en-US" dirty="0" err="1">
+                <a:solidFill>
+                  <a:schemeClr val="tx2"/>
+                </a:solidFill>
+              </a:rPr>
+              <a:t>defconAppKit</a:t>
+            </a:r>
+            <a:r>
+              <a:rPr lang="en-US" dirty="0" err="1"/>
+              <a:t>.</a:t>
+            </a:r>
+            <a:r>
+              <a:rPr lang="en-US" dirty="0" err="1">
+                <a:solidFill>
+                  <a:schemeClr val="tx2"/>
+                </a:solidFill>
+              </a:rPr>
+              <a:t>windows</a:t>
+            </a:r>
+            <a:r>
+              <a:rPr lang="en-US" dirty="0" err="1"/>
+              <a:t>.</a:t>
+            </a:r>
+            <a:r>
+              <a:rPr lang="en-US" dirty="0" err="1">
+                <a:solidFill>
+                  <a:schemeClr val="tx2"/>
+                </a:solidFill>
+              </a:rPr>
+              <a:t>baseWindow</a:t>
+            </a:r>
+            <a:r>
+              <a:rPr lang="en-US" dirty="0"/>
+              <a:t> import </a:t>
+            </a:r>
+            <a:r>
+              <a:rPr lang="en-US" dirty="0" err="1">
+                <a:solidFill>
+                  <a:schemeClr val="tx2"/>
+                </a:solidFill>
+              </a:rPr>
+              <a:t>BaseWindowController</a:t>
+            </a:r>
+            <a:r>
+              <a:rPr lang="en-US" dirty="0">
+                <a:solidFill>
+                  <a:schemeClr val="tx2"/>
+                </a:solidFill>
+              </a:rPr>
+              <a:t/>
+            </a:r>
+            <a:br>
+              <a:rPr lang="en-US" dirty="0">
+                <a:solidFill>
+                  <a:schemeClr val="tx2"/>
+                </a:solidFill>
+              </a:rPr>
+            </a:br>
+            <a:r>
+              <a:rPr lang="en-US" dirty="0"/>
+              <a:t>from </a:t>
+            </a:r>
+            <a:r>
+              <a:rPr lang="en-US" dirty="0" err="1">
+                <a:solidFill>
+                  <a:schemeClr val="tx2"/>
+                </a:solidFill>
+              </a:rPr>
+              <a:t>mojo</a:t>
+            </a:r>
+            <a:r>
+              <a:rPr lang="en-US" dirty="0" err="1"/>
+              <a:t>.</a:t>
+            </a:r>
+            <a:r>
+              <a:rPr lang="en-US" dirty="0" err="1">
+                <a:solidFill>
+                  <a:schemeClr val="tx2"/>
+                </a:solidFill>
+              </a:rPr>
+              <a:t>events</a:t>
+            </a:r>
+            <a:r>
+              <a:rPr lang="en-US" dirty="0"/>
+              <a:t> import </a:t>
+            </a:r>
+            <a:r>
+              <a:rPr lang="en-US" dirty="0" err="1">
+                <a:solidFill>
+                  <a:schemeClr val="tx2"/>
+                </a:solidFill>
+              </a:rPr>
+              <a:t>addObserver</a:t>
+            </a:r>
+            <a:r>
+              <a:rPr lang="en-US" dirty="0"/>
+              <a:t>, </a:t>
+            </a:r>
+            <a:r>
+              <a:rPr lang="en-US" dirty="0" err="1">
+                <a:solidFill>
+                  <a:schemeClr val="tx2"/>
+                </a:solidFill>
+              </a:rPr>
+              <a:t>removeObserver</a:t>
+            </a:r>
+            <a:r>
+              <a:rPr lang="en-US" dirty="0"/>
+              <a:t/>
+            </a:r>
+            <a:br>
+              <a:rPr lang="en-US" dirty="0"/>
+            </a:br>
+            <a:r>
+              <a:rPr lang="en-US" dirty="0"/>
+              <a:t>import </a:t>
+            </a:r>
+            <a:r>
+              <a:rPr lang="en-US" dirty="0">
+                <a:solidFill>
+                  <a:schemeClr val="tx2"/>
+                </a:solidFill>
+              </a:rPr>
+              <a:t>math</a:t>
+            </a:r>
+            <a:r>
+              <a:rPr lang="ru-RU" dirty="0">
+                <a:solidFill>
+                  <a:schemeClr val="tx2"/>
+                </a:solidFill>
+              </a:rPr>
+              <a:t/>
+            </a:r>
+            <a:br>
+              <a:rPr lang="ru-RU" dirty="0">
+                <a:solidFill>
+                  <a:schemeClr val="tx2"/>
+                </a:solidFill>
+              </a:rPr>
+            </a:br>
+            <a:r>
+              <a:rPr lang="en-US" dirty="0"/>
+              <a:t/>
+            </a:r>
+            <a:br>
+              <a:rPr lang="en-US" dirty="0"/>
+            </a:br>
+            <a:r>
+              <a:rPr lang="en-US" dirty="0"/>
+              <a:t>class </a:t>
+            </a:r>
+            <a:r>
+              <a:rPr lang="en-US" dirty="0" err="1">
+                <a:solidFill>
+                  <a:srgbClr val="5BCD9D"/>
+                </a:solidFill>
+              </a:rPr>
+              <a:t>ShowMouseCoordinatesTextBox</a:t>
+            </a:r>
+            <a:r>
+              <a:rPr lang="en-US" dirty="0"/>
+              <a:t>(</a:t>
+            </a:r>
+            <a:r>
+              <a:rPr lang="en-US" dirty="0" err="1"/>
+              <a:t>TextBox</a:t>
+            </a:r>
+            <a:r>
+              <a:rPr lang="en-US" dirty="0" smtClean="0"/>
+              <a:t>):</a:t>
+            </a:r>
+            <a:r>
+              <a:rPr lang="en-US" dirty="0"/>
+              <a:t/>
+            </a:r>
+            <a:br>
+              <a:rPr lang="en-US" dirty="0"/>
+            </a:br>
+            <a:r>
+              <a:rPr lang="ru-RU" dirty="0" smtClean="0"/>
+              <a:t>	</a:t>
+            </a:r>
+            <a:r>
+              <a:rPr lang="en-US" dirty="0" smtClean="0">
+                <a:solidFill>
+                  <a:srgbClr val="FC6767"/>
+                </a:solidFill>
+              </a:rPr>
+              <a:t>"""</a:t>
+            </a:r>
+            <a:r>
+              <a:rPr lang="en-US" dirty="0">
+                <a:solidFill>
+                  <a:srgbClr val="FC6767"/>
+                </a:solidFill>
+              </a:rPr>
+              <a:t/>
+            </a:r>
+            <a:br>
+              <a:rPr lang="en-US" dirty="0">
+                <a:solidFill>
+                  <a:srgbClr val="FC6767"/>
+                </a:solidFill>
+              </a:rPr>
+            </a:br>
+            <a:r>
+              <a:rPr lang="en-US" dirty="0">
+                <a:solidFill>
+                  <a:srgbClr val="FC6767"/>
+                </a:solidFill>
+              </a:rPr>
+              <a:t>	A vanilla text box with some goodies about the mouse.</a:t>
+            </a:r>
+            <a:br>
+              <a:rPr lang="en-US" dirty="0">
+                <a:solidFill>
+                  <a:srgbClr val="FC6767"/>
+                </a:solidFill>
+              </a:rPr>
+            </a:br>
+            <a:r>
+              <a:rPr lang="en-US" dirty="0">
+                <a:solidFill>
+                  <a:srgbClr val="FC6767"/>
+                </a:solidFill>
+              </a:rPr>
+              <a:t>	"""</a:t>
+            </a:r>
+            <a:r>
+              <a:rPr lang="en-US" dirty="0"/>
+              <a:t/>
+            </a:r>
+            <a:br>
+              <a:rPr lang="en-US" dirty="0"/>
+            </a:br>
+            <a:r>
+              <a:rPr lang="en-US" dirty="0"/>
+              <a:t>	</a:t>
+            </a:r>
+            <a:r>
+              <a:rPr lang="en-US" dirty="0" err="1"/>
+              <a:t>def</a:t>
+            </a:r>
+            <a:r>
+              <a:rPr lang="en-US" dirty="0"/>
+              <a:t> </a:t>
+            </a:r>
+            <a:r>
+              <a:rPr lang="en-US" dirty="0">
+                <a:solidFill>
+                  <a:srgbClr val="5BCD9D"/>
+                </a:solidFill>
+              </a:rPr>
+              <a:t>__</a:t>
+            </a:r>
+            <a:r>
+              <a:rPr lang="en-US" dirty="0" err="1">
+                <a:solidFill>
+                  <a:srgbClr val="5BCD9D"/>
+                </a:solidFill>
+              </a:rPr>
+              <a:t>init</a:t>
+            </a:r>
+            <a:r>
+              <a:rPr lang="en-US" dirty="0">
+                <a:solidFill>
+                  <a:srgbClr val="5BCD9D"/>
+                </a:solidFill>
+              </a:rPr>
+              <a:t>__</a:t>
+            </a:r>
+            <a:r>
+              <a:rPr lang="en-US" dirty="0"/>
+              <a:t>(</a:t>
+            </a:r>
+            <a:r>
+              <a:rPr lang="en-US" dirty="0">
+                <a:solidFill>
+                  <a:schemeClr val="tx2"/>
+                </a:solidFill>
+              </a:rPr>
+              <a:t>self</a:t>
+            </a:r>
+            <a:r>
+              <a:rPr lang="en-US" dirty="0"/>
+              <a:t>, *</a:t>
+            </a:r>
+            <a:r>
+              <a:rPr lang="en-US" dirty="0" err="1">
+                <a:solidFill>
+                  <a:schemeClr val="tx2"/>
+                </a:solidFill>
+              </a:rPr>
+              <a:t>args</a:t>
+            </a:r>
+            <a:r>
+              <a:rPr lang="en-US" dirty="0"/>
+              <a:t>, **</a:t>
+            </a:r>
+            <a:r>
+              <a:rPr lang="en-US" dirty="0" err="1">
+                <a:solidFill>
+                  <a:schemeClr val="tx2"/>
+                </a:solidFill>
+              </a:rPr>
+              <a:t>kwargs</a:t>
+            </a:r>
+            <a:r>
+              <a:rPr lang="en-US" dirty="0"/>
+              <a:t>):</a:t>
+            </a:r>
+            <a:br>
+              <a:rPr lang="en-US" dirty="0"/>
+            </a:br>
+            <a:r>
+              <a:rPr lang="en-US" dirty="0"/>
+              <a:t>	</a:t>
+            </a:r>
+            <a:r>
+              <a:rPr lang="en-US" dirty="0" err="1"/>
+              <a:t>self.observers</a:t>
+            </a:r>
+            <a:r>
+              <a:rPr lang="en-US" dirty="0"/>
+              <a:t> = {</a:t>
+            </a:r>
+            <a:r>
+              <a:rPr lang="en-US" dirty="0">
+                <a:solidFill>
+                  <a:srgbClr val="9E64A9"/>
+                </a:solidFill>
+              </a:rPr>
+              <a:t>"</a:t>
+            </a:r>
+            <a:r>
+              <a:rPr lang="en-US" dirty="0" err="1">
+                <a:solidFill>
+                  <a:srgbClr val="9E64A9"/>
+                </a:solidFill>
+              </a:rPr>
+              <a:t>mouseMoved</a:t>
+            </a:r>
+            <a:r>
+              <a:rPr lang="en-US" dirty="0">
+                <a:solidFill>
+                  <a:srgbClr val="9E64A9"/>
+                </a:solidFill>
+              </a:rPr>
+              <a:t>"</a:t>
+            </a:r>
+            <a:r>
+              <a:rPr lang="en-US" dirty="0"/>
+              <a:t>, </a:t>
+            </a:r>
+            <a:r>
+              <a:rPr lang="en-US" dirty="0">
+                <a:solidFill>
+                  <a:srgbClr val="9E64A9"/>
+                </a:solidFill>
+              </a:rPr>
+              <a:t>"</a:t>
+            </a:r>
+            <a:r>
+              <a:rPr lang="en-US" dirty="0" err="1">
+                <a:solidFill>
+                  <a:srgbClr val="9E64A9"/>
+                </a:solidFill>
+              </a:rPr>
+              <a:t>mouseDragged</a:t>
+            </a:r>
+            <a:r>
+              <a:rPr lang="en-US" dirty="0">
+                <a:solidFill>
+                  <a:srgbClr val="9E64A9"/>
+                </a:solidFill>
+              </a:rPr>
+              <a:t>"</a:t>
+            </a:r>
+            <a:r>
+              <a:rPr lang="en-US" dirty="0"/>
+              <a:t>, </a:t>
+            </a:r>
+            <a:r>
+              <a:rPr lang="en-US" dirty="0">
+                <a:solidFill>
+                  <a:srgbClr val="9E64A9"/>
+                </a:solidFill>
+              </a:rPr>
+              <a:t>"</a:t>
+            </a:r>
+            <a:r>
+              <a:rPr lang="en-US" dirty="0" err="1">
+                <a:solidFill>
+                  <a:srgbClr val="9E64A9"/>
+                </a:solidFill>
+              </a:rPr>
+              <a:t>mouseUp</a:t>
+            </a:r>
+            <a:r>
+              <a:rPr lang="en-US" dirty="0" smtClean="0">
+                <a:solidFill>
+                  <a:srgbClr val="9E64A9"/>
+                </a:solidFill>
+              </a:rPr>
+              <a:t>"</a:t>
+            </a:r>
+            <a:r>
+              <a:rPr lang="en-US" dirty="0" smtClean="0"/>
+              <a:t>}</a:t>
+            </a:r>
+            <a:endParaRPr lang="ru-RU" dirty="0"/>
+          </a:p>
+        </p:txBody>
+      </p:sp>
+      <p:grpSp>
+        <p:nvGrpSpPr>
+          <p:cNvPr id="6" name="Группа 5"/>
+          <p:cNvGrpSpPr/>
+          <p:nvPr/>
+        </p:nvGrpSpPr>
+        <p:grpSpPr>
+          <a:xfrm>
+            <a:off x="18651239" y="6657259"/>
+            <a:ext cx="4838129" cy="5450725"/>
+            <a:chOff x="18436207" y="3572959"/>
+            <a:chExt cx="4838129" cy="5450725"/>
+          </a:xfrm>
+        </p:grpSpPr>
+        <p:sp>
+          <p:nvSpPr>
+            <p:cNvPr id="7" name="Прямоугольник 6"/>
+            <p:cNvSpPr/>
+            <p:nvPr/>
+          </p:nvSpPr>
+          <p:spPr>
+            <a:xfrm>
+              <a:off x="18436207" y="3572959"/>
+              <a:ext cx="4838129" cy="5450725"/>
+            </a:xfrm>
+            <a:prstGeom prst="rect">
+              <a:avLst/>
+            </a:prstGeom>
+            <a:solidFill>
+              <a:schemeClr val="accent1"/>
+            </a:solidFill>
+            <a:ln w="50800">
+              <a:noFill/>
+            </a:ln>
+          </p:spPr>
+          <p:style>
+            <a:lnRef idx="2">
+              <a:schemeClr val="accent1">
+                <a:shade val="50000"/>
+              </a:schemeClr>
+            </a:lnRef>
+            <a:fillRef idx="1">
+              <a:schemeClr val="accent1"/>
+            </a:fillRef>
+            <a:effectRef idx="0">
+              <a:schemeClr val="accent1"/>
+            </a:effectRef>
+            <a:fontRef idx="minor">
+              <a:schemeClr val="lt1"/>
+            </a:fontRef>
+          </p:style>
+          <p:txBody>
+            <a:bodyPr rtlCol="0" anchor="ctr"/>
+            <a:lstStyle/>
+            <a:p>
+              <a:pPr algn="ctr"/>
+              <a:endParaRPr lang="ru-RU"/>
+            </a:p>
+          </p:txBody>
+        </p:sp>
+        <p:sp>
+          <p:nvSpPr>
+            <p:cNvPr id="8" name="Объект 2"/>
+            <p:cNvSpPr txBox="1">
+              <a:spLocks/>
+            </p:cNvSpPr>
+            <p:nvPr/>
+          </p:nvSpPr>
+          <p:spPr>
+            <a:xfrm>
+              <a:off x="18893165" y="3916239"/>
+              <a:ext cx="4199409" cy="2570658"/>
+            </a:xfrm>
+            <a:prstGeom prst="rect">
+              <a:avLst/>
+            </a:prstGeom>
+          </p:spPr>
+          <p:txBody>
+            <a:bodyPr vert="horz" lIns="0" tIns="45720" rIns="91440" bIns="45720" rtlCol="0" anchor="ctr">
+              <a:noAutofit/>
+            </a:bodyPr>
+            <a:lstStyle>
+              <a:lvl1pPr marL="0" indent="0" algn="l" defTabSz="1828709" rtl="0" eaLnBrk="1" latinLnBrk="0" hangingPunct="1">
+                <a:lnSpc>
+                  <a:spcPts val="6000"/>
+                </a:lnSpc>
+                <a:spcBef>
+                  <a:spcPts val="3000"/>
+                </a:spcBef>
+                <a:spcAft>
+                  <a:spcPts val="3000"/>
+                </a:spcAft>
+                <a:buFontTx/>
+                <a:buNone/>
+                <a:defRPr sz="4800" kern="1200">
+                  <a:solidFill>
+                    <a:schemeClr val="tx1"/>
+                  </a:solidFill>
+                  <a:latin typeface="Yandex Sans Text Light" panose="02000000000000000000" pitchFamily="2" charset="-52"/>
+                  <a:ea typeface="+mn-ea"/>
+                  <a:cs typeface="+mn-cs"/>
+                </a:defRPr>
+              </a:lvl1pPr>
+              <a:lvl2pPr marL="0" indent="-720000" algn="l" defTabSz="1908000" rtl="0" eaLnBrk="1" latinLnBrk="0" hangingPunct="1">
+                <a:lnSpc>
+                  <a:spcPts val="6000"/>
+                </a:lnSpc>
+                <a:spcBef>
+                  <a:spcPts val="0"/>
+                </a:spcBef>
+                <a:spcAft>
+                  <a:spcPts val="0"/>
+                </a:spcAft>
+                <a:buClr>
+                  <a:schemeClr val="tx2"/>
+                </a:buClr>
+                <a:buSzPct val="120000"/>
+                <a:buFont typeface="Impact" panose="020B0806030902050204" pitchFamily="34" charset="0"/>
+                <a:buChar char="▌"/>
+                <a:defRPr sz="4800" kern="1200" baseline="0">
+                  <a:solidFill>
+                    <a:schemeClr val="tx1"/>
+                  </a:solidFill>
+                  <a:latin typeface="Yandex Sans Text Regular" pitchFamily="2" charset="-52"/>
+                  <a:ea typeface="+mn-ea"/>
+                  <a:cs typeface="+mn-cs"/>
+                </a:defRPr>
+              </a:lvl2pPr>
+              <a:lvl3pPr marL="1512000" indent="-720000" algn="l" defTabSz="1828709" rtl="0" eaLnBrk="1" latinLnBrk="0" hangingPunct="1">
+                <a:lnSpc>
+                  <a:spcPts val="6000"/>
+                </a:lnSpc>
+                <a:spcBef>
+                  <a:spcPts val="3000"/>
+                </a:spcBef>
+                <a:spcAft>
+                  <a:spcPts val="0"/>
+                </a:spcAft>
+                <a:buSzPct val="150000"/>
+                <a:buFont typeface="Yandex Sans Text Light" panose="02000000000000000000" pitchFamily="2" charset="-52"/>
+                <a:buChar char="›"/>
+                <a:defRPr sz="4800" kern="1200" baseline="0">
+                  <a:solidFill>
+                    <a:schemeClr val="tx1"/>
+                  </a:solidFill>
+                  <a:latin typeface="Yandex Sans Text Light" panose="02000000000000000000" pitchFamily="2" charset="-52"/>
+                  <a:ea typeface="+mn-ea"/>
+                  <a:cs typeface="+mn-cs"/>
+                </a:defRPr>
+              </a:lvl3pPr>
+              <a:lvl4pPr marL="1512000" indent="-720000" algn="l" defTabSz="1828709" rtl="0" eaLnBrk="1" latinLnBrk="0" hangingPunct="1">
+                <a:lnSpc>
+                  <a:spcPts val="6000"/>
+                </a:lnSpc>
+                <a:spcBef>
+                  <a:spcPts val="3000"/>
+                </a:spcBef>
+                <a:spcAft>
+                  <a:spcPts val="0"/>
+                </a:spcAft>
+                <a:buFont typeface="+mj-lt"/>
+                <a:buAutoNum type="arabicPeriod"/>
+                <a:defRPr sz="4800" kern="1200">
+                  <a:solidFill>
+                    <a:schemeClr val="tx1"/>
+                  </a:solidFill>
+                  <a:latin typeface="Yandex Sans Text Light" panose="02000000000000000000" pitchFamily="2" charset="-52"/>
+                  <a:ea typeface="+mn-ea"/>
+                  <a:cs typeface="+mn-cs"/>
+                </a:defRPr>
+              </a:lvl4pPr>
+              <a:lvl5pPr marL="0" indent="0" algn="l" defTabSz="1828709" rtl="0" eaLnBrk="1" latinLnBrk="0" hangingPunct="1">
+                <a:lnSpc>
+                  <a:spcPct val="90000"/>
+                </a:lnSpc>
+                <a:spcBef>
+                  <a:spcPts val="1000"/>
+                </a:spcBef>
+                <a:buFontTx/>
+                <a:buNone/>
+                <a:defRPr sz="5000" kern="1200">
+                  <a:solidFill>
+                    <a:schemeClr val="tx1"/>
+                  </a:solidFill>
+                  <a:latin typeface="+mn-lt"/>
+                  <a:ea typeface="+mn-ea"/>
+                  <a:cs typeface="+mn-cs"/>
+                </a:defRPr>
+              </a:lvl5pPr>
+              <a:lvl6pPr marL="5028949" indent="-457177" algn="l" defTabSz="1828709" rtl="0" eaLnBrk="1" latinLnBrk="0" hangingPunct="1">
+                <a:lnSpc>
+                  <a:spcPct val="90000"/>
+                </a:lnSpc>
+                <a:spcBef>
+                  <a:spcPts val="1000"/>
+                </a:spcBef>
+                <a:buFont typeface="Arial" panose="020B0604020202020204" pitchFamily="34" charset="0"/>
+                <a:buChar char="•"/>
+                <a:defRPr sz="3600" kern="1200">
+                  <a:solidFill>
+                    <a:schemeClr val="tx1"/>
+                  </a:solidFill>
+                  <a:latin typeface="+mn-lt"/>
+                  <a:ea typeface="+mn-ea"/>
+                  <a:cs typeface="+mn-cs"/>
+                </a:defRPr>
+              </a:lvl6pPr>
+              <a:lvl7pPr marL="5943303" indent="-457177" algn="l" defTabSz="1828709" rtl="0" eaLnBrk="1" latinLnBrk="0" hangingPunct="1">
+                <a:lnSpc>
+                  <a:spcPct val="90000"/>
+                </a:lnSpc>
+                <a:spcBef>
+                  <a:spcPts val="1000"/>
+                </a:spcBef>
+                <a:buFont typeface="Arial" panose="020B0604020202020204" pitchFamily="34" charset="0"/>
+                <a:buChar char="•"/>
+                <a:defRPr sz="3600" kern="1200">
+                  <a:solidFill>
+                    <a:schemeClr val="tx1"/>
+                  </a:solidFill>
+                  <a:latin typeface="+mn-lt"/>
+                  <a:ea typeface="+mn-ea"/>
+                  <a:cs typeface="+mn-cs"/>
+                </a:defRPr>
+              </a:lvl7pPr>
+              <a:lvl8pPr marL="6857657" indent="-457177" algn="l" defTabSz="1828709" rtl="0" eaLnBrk="1" latinLnBrk="0" hangingPunct="1">
+                <a:lnSpc>
+                  <a:spcPct val="90000"/>
+                </a:lnSpc>
+                <a:spcBef>
+                  <a:spcPts val="1000"/>
+                </a:spcBef>
+                <a:buFont typeface="Arial" panose="020B0604020202020204" pitchFamily="34" charset="0"/>
+                <a:buChar char="•"/>
+                <a:defRPr sz="3600" kern="1200">
+                  <a:solidFill>
+                    <a:schemeClr val="tx1"/>
+                  </a:solidFill>
+                  <a:latin typeface="+mn-lt"/>
+                  <a:ea typeface="+mn-ea"/>
+                  <a:cs typeface="+mn-cs"/>
+                </a:defRPr>
+              </a:lvl8pPr>
+              <a:lvl9pPr marL="7772011" indent="-457177" algn="l" defTabSz="1828709" rtl="0" eaLnBrk="1" latinLnBrk="0" hangingPunct="1">
+                <a:lnSpc>
+                  <a:spcPct val="90000"/>
+                </a:lnSpc>
+                <a:spcBef>
+                  <a:spcPts val="1000"/>
+                </a:spcBef>
+                <a:buFont typeface="Arial" panose="020B0604020202020204" pitchFamily="34" charset="0"/>
+                <a:buChar char="•"/>
+                <a:defRPr sz="3600" kern="1200">
+                  <a:solidFill>
+                    <a:schemeClr val="tx1"/>
+                  </a:solidFill>
+                  <a:latin typeface="+mn-lt"/>
+                  <a:ea typeface="+mn-ea"/>
+                  <a:cs typeface="+mn-cs"/>
+                </a:defRPr>
+              </a:lvl9pPr>
+            </a:lstStyle>
+            <a:p>
+              <a:pPr>
+                <a:lnSpc>
+                  <a:spcPct val="100000"/>
+                </a:lnSpc>
+              </a:pPr>
+              <a:r>
+                <a:rPr lang="ru-RU" sz="2200" dirty="0">
+                  <a:solidFill>
+                    <a:schemeClr val="bg1"/>
+                  </a:solidFill>
+                  <a:latin typeface="+mn-lt"/>
+                  <a:ea typeface="Yandex Sans Text Regular"/>
+                  <a:cs typeface="Yandex Sans Text Regular"/>
+                  <a:sym typeface="Yandex Sans Text Regular"/>
+                </a:rPr>
+                <a:t>В случае, если ваш </a:t>
+              </a:r>
+              <a:r>
+                <a:rPr lang="ru-RU" sz="2200" smtClean="0">
+                  <a:solidFill>
+                    <a:schemeClr val="bg1"/>
+                  </a:solidFill>
+                  <a:latin typeface="+mn-lt"/>
+                  <a:ea typeface="Yandex Sans Text Regular"/>
+                  <a:cs typeface="Yandex Sans Text Regular"/>
+                  <a:sym typeface="Yandex Sans Text Regular"/>
+                </a:rPr>
+                <a:t>код </a:t>
+              </a:r>
+              <a:br>
+                <a:rPr lang="ru-RU" sz="2200" smtClean="0">
+                  <a:solidFill>
+                    <a:schemeClr val="bg1"/>
+                  </a:solidFill>
+                  <a:latin typeface="+mn-lt"/>
+                  <a:ea typeface="Yandex Sans Text Regular"/>
+                  <a:cs typeface="Yandex Sans Text Regular"/>
+                  <a:sym typeface="Yandex Sans Text Regular"/>
+                </a:rPr>
+              </a:br>
+              <a:r>
+                <a:rPr lang="ru-RU" sz="2200" smtClean="0">
+                  <a:solidFill>
+                    <a:schemeClr val="bg1"/>
+                  </a:solidFill>
+                  <a:latin typeface="+mn-lt"/>
+                  <a:ea typeface="Yandex Sans Text Regular"/>
+                  <a:cs typeface="Yandex Sans Text Regular"/>
+                  <a:sym typeface="Yandex Sans Text Regular"/>
+                </a:rPr>
+                <a:t>не </a:t>
+              </a:r>
+              <a:r>
+                <a:rPr lang="ru-RU" sz="2200" dirty="0">
+                  <a:solidFill>
+                    <a:schemeClr val="bg1"/>
+                  </a:solidFill>
+                  <a:latin typeface="+mn-lt"/>
+                  <a:ea typeface="Yandex Sans Text Regular"/>
+                  <a:cs typeface="Yandex Sans Text Regular"/>
+                  <a:sym typeface="Yandex Sans Text Regular"/>
+                </a:rPr>
+                <a:t>помещается на одной странице, его можно продлить на следующем слайде</a:t>
+              </a:r>
+              <a:r>
+                <a:rPr lang="ru-RU" sz="2200">
+                  <a:solidFill>
+                    <a:schemeClr val="bg1"/>
+                  </a:solidFill>
+                  <a:latin typeface="+mn-lt"/>
+                  <a:ea typeface="Yandex Sans Text Regular"/>
+                  <a:cs typeface="Yandex Sans Text Regular"/>
+                  <a:sym typeface="Yandex Sans Text Regular"/>
+                </a:rPr>
+                <a:t>; </a:t>
+              </a:r>
+              <a:r>
+                <a:rPr lang="ru-RU" sz="2200" smtClean="0">
+                  <a:solidFill>
+                    <a:schemeClr val="bg1"/>
+                  </a:solidFill>
+                  <a:latin typeface="+mn-lt"/>
+                  <a:ea typeface="Yandex Sans Text Regular"/>
+                  <a:cs typeface="Yandex Sans Text Regular"/>
+                  <a:sym typeface="Yandex Sans Text Regular"/>
+                </a:rPr>
+                <a:t/>
+              </a:r>
+              <a:br>
+                <a:rPr lang="ru-RU" sz="2200" smtClean="0">
+                  <a:solidFill>
+                    <a:schemeClr val="bg1"/>
+                  </a:solidFill>
+                  <a:latin typeface="+mn-lt"/>
+                  <a:ea typeface="Yandex Sans Text Regular"/>
+                  <a:cs typeface="Yandex Sans Text Regular"/>
+                  <a:sym typeface="Yandex Sans Text Regular"/>
+                </a:rPr>
+              </a:br>
+              <a:r>
+                <a:rPr lang="ru-RU" sz="2200" smtClean="0">
+                  <a:solidFill>
+                    <a:schemeClr val="bg1"/>
+                  </a:solidFill>
+                  <a:latin typeface="+mn-lt"/>
+                  <a:ea typeface="Yandex Sans Text Regular"/>
+                  <a:cs typeface="Yandex Sans Text Regular"/>
+                  <a:sym typeface="Yandex Sans Text Regular"/>
+                </a:rPr>
+                <a:t>в </a:t>
+              </a:r>
+              <a:r>
+                <a:rPr lang="ru-RU" sz="2200" dirty="0" smtClean="0">
+                  <a:solidFill>
+                    <a:schemeClr val="bg1"/>
+                  </a:solidFill>
+                  <a:latin typeface="+mn-lt"/>
+                  <a:ea typeface="Yandex Sans Text Regular"/>
+                  <a:cs typeface="Yandex Sans Text Regular"/>
+                  <a:sym typeface="Yandex Sans Text Regular"/>
+                </a:rPr>
+                <a:t>разделе </a:t>
+              </a:r>
+              <a:r>
+                <a:rPr lang="ru-RU" sz="2200" dirty="0" smtClean="0">
+                  <a:solidFill>
+                    <a:schemeClr val="bg1"/>
+                  </a:solidFill>
+                  <a:latin typeface="+mj-lt"/>
+                  <a:ea typeface="Yandex Sans Text Regular"/>
+                  <a:cs typeface="Yandex Sans Text Regular"/>
+                  <a:sym typeface="Yandex Sans Text Regular"/>
+                </a:rPr>
+                <a:t>«Переходы», </a:t>
+              </a:r>
+              <a:r>
+                <a:rPr lang="ru-RU" sz="2200" dirty="0" smtClean="0">
+                  <a:solidFill>
+                    <a:schemeClr val="bg1"/>
+                  </a:solidFill>
+                  <a:latin typeface="+mn-lt"/>
+                  <a:ea typeface="Yandex Sans Text Regular"/>
+                  <a:cs typeface="Yandex Sans Text Regular"/>
+                  <a:sym typeface="Yandex Sans Text Regular"/>
+                </a:rPr>
+                <a:t>между </a:t>
+              </a:r>
+              <a:r>
+                <a:rPr lang="ru-RU" sz="2200" dirty="0">
+                  <a:solidFill>
+                    <a:schemeClr val="bg1"/>
+                  </a:solidFill>
+                  <a:latin typeface="+mn-lt"/>
+                  <a:ea typeface="Yandex Sans Text Regular"/>
+                  <a:cs typeface="Yandex Sans Text Regular"/>
+                  <a:sym typeface="Yandex Sans Text Regular"/>
+                </a:rPr>
+                <a:t>слайдами поставить переход </a:t>
+              </a:r>
+              <a:r>
+                <a:rPr lang="ru-RU" sz="2200" dirty="0" smtClean="0">
+                  <a:solidFill>
+                    <a:schemeClr val="bg1"/>
+                  </a:solidFill>
+                  <a:latin typeface="+mj-lt"/>
+                  <a:ea typeface="Yandex Sans Text Regular"/>
+                  <a:cs typeface="Yandex Sans Text Regular"/>
+                  <a:sym typeface="Yandex Sans Text Regular"/>
+                </a:rPr>
+                <a:t>«</a:t>
+              </a:r>
+              <a:r>
+                <a:rPr lang="ru-RU" sz="2200" dirty="0" err="1">
+                  <a:solidFill>
+                    <a:schemeClr val="bg1"/>
+                  </a:solidFill>
+                  <a:latin typeface="+mj-lt"/>
+                  <a:ea typeface="Yandex Sans Text Regular"/>
+                  <a:cs typeface="Yandex Sans Text Regular"/>
+                  <a:sym typeface="Yandex Sans Text Regular"/>
+                </a:rPr>
+                <a:t>З</a:t>
+              </a:r>
+              <a:r>
+                <a:rPr lang="ru-RU" sz="2200" dirty="0" err="1" smtClean="0">
+                  <a:solidFill>
+                    <a:schemeClr val="bg1"/>
+                  </a:solidFill>
+                  <a:latin typeface="+mj-lt"/>
+                  <a:ea typeface="Yandex Sans Text Regular"/>
+                  <a:cs typeface="Yandex Sans Text Regular"/>
+                  <a:sym typeface="Yandex Sans Text Regular"/>
+                </a:rPr>
+                <a:t>адвигание</a:t>
+              </a:r>
+              <a:r>
+                <a:rPr lang="ru-RU" sz="2200" dirty="0" smtClean="0">
+                  <a:solidFill>
+                    <a:schemeClr val="bg1"/>
+                  </a:solidFill>
+                  <a:latin typeface="+mj-lt"/>
+                  <a:ea typeface="Yandex Sans Text Regular"/>
+                  <a:cs typeface="Yandex Sans Text Regular"/>
+                  <a:sym typeface="Yandex Sans Text Regular"/>
+                </a:rPr>
+                <a:t>»</a:t>
+              </a:r>
+              <a:endParaRPr lang="ru-RU" sz="2200" dirty="0">
+                <a:solidFill>
+                  <a:schemeClr val="bg1"/>
+                </a:solidFill>
+                <a:latin typeface="+mn-lt"/>
+                <a:ea typeface="Yandex Sans Text Regular"/>
+                <a:cs typeface="Yandex Sans Text Regular"/>
+                <a:sym typeface="Yandex Sans Text Regular"/>
+              </a:endParaRPr>
+            </a:p>
+          </p:txBody>
+        </p:sp>
+        <p:pic>
+          <p:nvPicPr>
+            <p:cNvPr id="9" name="Изображение 8"/>
+            <p:cNvPicPr>
+              <a:picLocks noChangeAspect="1"/>
+            </p:cNvPicPr>
+            <p:nvPr/>
+          </p:nvPicPr>
+          <p:blipFill rotWithShape="1">
+            <a:blip r:embed="rId2">
+              <a:extLst>
+                <a:ext uri="{28A0092B-C50C-407E-A947-70E740481C1C}">
+                  <a14:useLocalDpi xmlns:a14="http://schemas.microsoft.com/office/drawing/2010/main" val="0"/>
+                </a:ext>
+              </a:extLst>
+            </a:blip>
+            <a:srcRect t="1533"/>
+            <a:stretch/>
+          </p:blipFill>
+          <p:spPr>
+            <a:xfrm>
+              <a:off x="18893165" y="6727902"/>
+              <a:ext cx="3923760" cy="1790455"/>
+            </a:xfrm>
+            <a:prstGeom prst="rect">
+              <a:avLst/>
+            </a:prstGeom>
+          </p:spPr>
+        </p:pic>
+      </p:grpSp>
+      <p:grpSp>
+        <p:nvGrpSpPr>
+          <p:cNvPr id="10" name="Group 544"/>
+          <p:cNvGrpSpPr/>
+          <p:nvPr/>
+        </p:nvGrpSpPr>
+        <p:grpSpPr>
+          <a:xfrm>
+            <a:off x="20603585" y="2067482"/>
+            <a:ext cx="5771563" cy="1505424"/>
+            <a:chOff x="0" y="0"/>
+            <a:chExt cx="5771562" cy="1505423"/>
+          </a:xfrm>
+        </p:grpSpPr>
+        <p:grpSp>
+          <p:nvGrpSpPr>
+            <p:cNvPr id="11" name="Group 542"/>
+            <p:cNvGrpSpPr/>
+            <p:nvPr/>
+          </p:nvGrpSpPr>
+          <p:grpSpPr>
+            <a:xfrm>
+              <a:off x="0" y="0"/>
+              <a:ext cx="5771563" cy="1505424"/>
+              <a:chOff x="1340592" y="0"/>
+              <a:chExt cx="5771562" cy="1505423"/>
+            </a:xfrm>
+          </p:grpSpPr>
+          <p:sp>
+            <p:nvSpPr>
+              <p:cNvPr id="13" name="Shape 540"/>
+              <p:cNvSpPr/>
+              <p:nvPr/>
+            </p:nvSpPr>
+            <p:spPr>
+              <a:xfrm>
+                <a:off x="1340592" y="0"/>
+                <a:ext cx="5771564" cy="839767"/>
+              </a:xfrm>
+              <a:prstGeom prst="rect">
+                <a:avLst/>
+              </a:prstGeom>
+              <a:solidFill>
+                <a:srgbClr val="3878BE"/>
+              </a:solidFill>
+              <a:ln w="12700" cap="flat">
+                <a:noFill/>
+                <a:miter lim="400000"/>
+              </a:ln>
+              <a:effectLst>
+                <a:outerShdw blurRad="63500" dist="25400" dir="5400000" rotWithShape="0">
+                  <a:srgbClr val="000000">
+                    <a:alpha val="50000"/>
+                  </a:srgbClr>
+                </a:outerShdw>
+              </a:effectLst>
+            </p:spPr>
+            <p:txBody>
+              <a:bodyPr wrap="square" lIns="50800" tIns="50800" rIns="50800" bIns="50800" numCol="1" anchor="ctr">
+                <a:noAutofit/>
+              </a:bodyPr>
+              <a:lstStyle/>
+              <a:p>
+                <a:endParaRPr/>
+              </a:p>
+            </p:txBody>
+          </p:sp>
+          <p:sp>
+            <p:nvSpPr>
+              <p:cNvPr id="14" name="Shape 541"/>
+              <p:cNvSpPr/>
+              <p:nvPr/>
+            </p:nvSpPr>
+            <p:spPr>
+              <a:xfrm>
+                <a:off x="2248251" y="131081"/>
+                <a:ext cx="3887670" cy="1374343"/>
+              </a:xfrm>
+              <a:prstGeom prst="rect">
+                <a:avLst/>
+              </a:prstGeom>
+              <a:noFill/>
+              <a:ln w="12700" cap="flat">
+                <a:noFill/>
+                <a:miter lim="400000"/>
+              </a:ln>
+              <a:effectLst/>
+              <a:extLst>
+                <a:ext uri="{C572A759-6A51-4108-AA02-DFA0A04FC94B}">
+                  <ma14:wrappingTextBoxFlag xmlns="" xmlns:ma14="http://schemas.microsoft.com/office/mac/drawingml/2011/main" val="1"/>
+                </a:ext>
+              </a:extLst>
+            </p:spPr>
+            <p:txBody>
+              <a:bodyPr wrap="square" lIns="50800" tIns="50800" rIns="50800" bIns="50800" numCol="1" anchor="t">
+                <a:noAutofit/>
+              </a:bodyPr>
+              <a:lstStyle>
+                <a:lvl1pPr>
+                  <a:lnSpc>
+                    <a:spcPct val="100000"/>
+                  </a:lnSpc>
+                  <a:spcBef>
+                    <a:spcPts val="0"/>
+                  </a:spcBef>
+                  <a:tabLst>
+                    <a:tab pos="5524500" algn="l"/>
+                  </a:tabLst>
+                  <a:defRPr sz="3000" baseline="0">
+                    <a:solidFill>
+                      <a:srgbClr val="FFFFFF"/>
+                    </a:solidFill>
+                    <a:latin typeface="Yandex Sans Text Regular"/>
+                    <a:ea typeface="Yandex Sans Text Regular"/>
+                    <a:cs typeface="Yandex Sans Text Regular"/>
+                    <a:sym typeface="Yandex Sans Text Regular"/>
+                  </a:defRPr>
+                </a:lvl1pPr>
+              </a:lstStyle>
+              <a:p>
+                <a:r>
+                  <a:t>Пример </a:t>
+                </a:r>
+              </a:p>
+            </p:txBody>
+          </p:sp>
+        </p:grpSp>
+        <p:pic>
+          <p:nvPicPr>
+            <p:cNvPr id="12" name="pasted-image.pdf"/>
+            <p:cNvPicPr>
+              <a:picLocks noChangeAspect="1"/>
+            </p:cNvPicPr>
+            <p:nvPr/>
+          </p:nvPicPr>
+          <p:blipFill>
+            <a:blip r:embed="rId3">
+              <a:extLst/>
+            </a:blip>
+            <a:stretch>
+              <a:fillRect/>
+            </a:stretch>
+          </p:blipFill>
+          <p:spPr>
+            <a:xfrm>
+              <a:off x="245308" y="192651"/>
+              <a:ext cx="495301" cy="495301"/>
+            </a:xfrm>
+            <a:prstGeom prst="rect">
+              <a:avLst/>
+            </a:prstGeom>
+            <a:ln w="12700" cap="flat">
+              <a:noFill/>
+              <a:miter lim="400000"/>
+            </a:ln>
+            <a:effectLst/>
+          </p:spPr>
+        </p:pic>
+      </p:grpSp>
+      <p:sp>
+        <p:nvSpPr>
+          <p:cNvPr id="16" name="TextBox 15"/>
+          <p:cNvSpPr txBox="1"/>
+          <p:nvPr/>
+        </p:nvSpPr>
+        <p:spPr>
+          <a:xfrm>
+            <a:off x="13826530" y="282219"/>
+            <a:ext cx="4905860" cy="1631216"/>
+          </a:xfrm>
+          <a:prstGeom prst="rect">
+            <a:avLst/>
+          </a:prstGeom>
+          <a:noFill/>
+        </p:spPr>
+        <p:txBody>
+          <a:bodyPr wrap="square" rtlCol="0">
+            <a:spAutoFit/>
+          </a:bodyPr>
+          <a:lstStyle/>
+          <a:p>
+            <a:r>
+              <a:rPr lang="ru-RU" sz="5000" dirty="0" smtClean="0">
+                <a:solidFill>
+                  <a:schemeClr val="bg1"/>
+                </a:solidFill>
+              </a:rPr>
+              <a:t>Красный цвет </a:t>
+            </a:r>
+            <a:br>
+              <a:rPr lang="ru-RU" sz="5000" dirty="0" smtClean="0">
+                <a:solidFill>
+                  <a:schemeClr val="bg1"/>
+                </a:solidFill>
+              </a:rPr>
+            </a:br>
+            <a:r>
+              <a:rPr lang="ru-RU" sz="5000" dirty="0" smtClean="0">
+                <a:solidFill>
+                  <a:schemeClr val="bg1"/>
+                </a:solidFill>
+              </a:rPr>
+              <a:t>не правильный</a:t>
+            </a:r>
+          </a:p>
+        </p:txBody>
+      </p:sp>
+    </p:spTree>
+    <p:extLst>
+      <p:ext uri="{BB962C8B-B14F-4D97-AF65-F5344CB8AC3E}">
+        <p14:creationId xmlns:p14="http://schemas.microsoft.com/office/powerpoint/2010/main" val="647706898"/>
+      </p:ext>
+    </p:extLst>
+  </p:cSld>
+  <p:clrMapOvr>
+    <a:masterClrMapping/>
+  </p:clrMapOvr>
+  <mc:AlternateContent xmlns:mc="http://schemas.openxmlformats.org/markup-compatibility/2006" xmlns:p14="http://schemas.microsoft.com/office/powerpoint/2010/main">
+    <mc:Choice Requires="p14">
+      <p:transition spd="slow" p14:dur="2000"/>
+    </mc:Choice>
+    <mc:Fallback xmlns="">
+      <p:transition spd="slow"/>
+    </mc:Fallback>
+  </mc:AlternateContent>
+  <p:timing>
+    <p:tnLst>
+      <p:par>
+        <p:cTn id="1" dur="indefinite" restart="never" nodeType="tmRoot"/>
+      </p:par>
+    </p:tnLst>
   </p:timing>
 </p:sld>
 </file>

--- a/slides.pptx
+++ b/slides.pptx
@@ -5,10 +5,10 @@
     <p:sldMasterId id="2147483684" r:id="rId1"/>
   </p:sldMasterIdLst>
   <p:notesMasterIdLst>
-    <p:notesMasterId r:id="rId33"/>
+    <p:notesMasterId r:id="rId35"/>
   </p:notesMasterIdLst>
   <p:handoutMasterIdLst>
-    <p:handoutMasterId r:id="rId34"/>
+    <p:handoutMasterId r:id="rId36"/>
   </p:handoutMasterIdLst>
   <p:sldIdLst>
     <p:sldId id="746" r:id="rId2"/>
@@ -32,16 +32,18 @@
     <p:sldId id="834" r:id="rId20"/>
     <p:sldId id="835" r:id="rId21"/>
     <p:sldId id="836" r:id="rId22"/>
-    <p:sldId id="819" r:id="rId23"/>
-    <p:sldId id="820" r:id="rId24"/>
-    <p:sldId id="821" r:id="rId25"/>
-    <p:sldId id="822" r:id="rId26"/>
-    <p:sldId id="814" r:id="rId27"/>
-    <p:sldId id="816" r:id="rId28"/>
-    <p:sldId id="796" r:id="rId29"/>
-    <p:sldId id="792" r:id="rId30"/>
-    <p:sldId id="783" r:id="rId31"/>
-    <p:sldId id="785" r:id="rId32"/>
+    <p:sldId id="837" r:id="rId23"/>
+    <p:sldId id="838" r:id="rId24"/>
+    <p:sldId id="819" r:id="rId25"/>
+    <p:sldId id="820" r:id="rId26"/>
+    <p:sldId id="821" r:id="rId27"/>
+    <p:sldId id="822" r:id="rId28"/>
+    <p:sldId id="814" r:id="rId29"/>
+    <p:sldId id="816" r:id="rId30"/>
+    <p:sldId id="796" r:id="rId31"/>
+    <p:sldId id="792" r:id="rId32"/>
+    <p:sldId id="783" r:id="rId33"/>
+    <p:sldId id="785" r:id="rId34"/>
   </p:sldIdLst>
   <p:sldSz cx="24382413" cy="13716000"/>
   <p:notesSz cx="6858000" cy="9144000"/>
@@ -166,6 +168,8 @@
             <p14:sldId id="834"/>
             <p14:sldId id="835"/>
             <p14:sldId id="836"/>
+            <p14:sldId id="837"/>
+            <p14:sldId id="838"/>
             <p14:sldId id="819"/>
             <p14:sldId id="820"/>
             <p14:sldId id="821"/>
@@ -286,7 +290,7 @@
           <a:p>
             <a:fld id="{7C2C5C60-F37A-814E-99F6-3C775637DBC0}" type="datetimeFigureOut">
               <a:rPr lang="ru-RU" smtClean="0"/>
-              <a:t>25.10.2018</a:t>
+              <a:t>26.10.2018</a:t>
             </a:fld>
             <a:endParaRPr lang="ru-RU"/>
           </a:p>
@@ -451,7 +455,7 @@
           <a:p>
             <a:fld id="{A48BA324-014D-41B7-8E83-ECE8F197A959}" type="datetimeFigureOut">
               <a:rPr lang="ru-RU" smtClean="0"/>
-              <a:t>25.10.2018</a:t>
+              <a:t>26.10.2018</a:t>
             </a:fld>
             <a:endParaRPr lang="ru-RU"/>
           </a:p>
@@ -5874,7 +5878,7 @@
           </a:ln>
           <a:extLst>
             <a:ext uri="{C572A759-6A51-4108-AA02-DFA0A04FC94B}">
-              <ma14:wrappingTextBoxFlag xmlns="" xmlns:ma14="http://schemas.microsoft.com/office/mac/drawingml/2011/main" val="1"/>
+              <ma14:wrappingTextBoxFlag xmlns:ma14="http://schemas.microsoft.com/office/mac/drawingml/2011/main" xmlns="" val="1"/>
             </a:ext>
           </a:extLst>
         </p:spPr>
@@ -5917,7 +5921,7 @@
           </a:ln>
           <a:extLst>
             <a:ext uri="{C572A759-6A51-4108-AA02-DFA0A04FC94B}">
-              <ma14:wrappingTextBoxFlag xmlns="" xmlns:ma14="http://schemas.microsoft.com/office/mac/drawingml/2011/main" val="1"/>
+              <ma14:wrappingTextBoxFlag xmlns:ma14="http://schemas.microsoft.com/office/mac/drawingml/2011/main" xmlns="" val="1"/>
             </a:ext>
           </a:extLst>
         </p:spPr>
@@ -6041,7 +6045,7 @@
           </a:ln>
           <a:extLst>
             <a:ext uri="{C572A759-6A51-4108-AA02-DFA0A04FC94B}">
-              <ma14:wrappingTextBoxFlag xmlns="" xmlns:ma14="http://schemas.microsoft.com/office/mac/drawingml/2011/main" val="1"/>
+              <ma14:wrappingTextBoxFlag xmlns:ma14="http://schemas.microsoft.com/office/mac/drawingml/2011/main" xmlns="" val="1"/>
             </a:ext>
           </a:extLst>
         </p:spPr>
@@ -6132,7 +6136,7 @@
           </a:ln>
           <a:extLst>
             <a:ext uri="{C572A759-6A51-4108-AA02-DFA0A04FC94B}">
-              <ma14:wrappingTextBoxFlag xmlns="" xmlns:ma14="http://schemas.microsoft.com/office/mac/drawingml/2011/main" val="1"/>
+              <ma14:wrappingTextBoxFlag xmlns:ma14="http://schemas.microsoft.com/office/mac/drawingml/2011/main" xmlns="" val="1"/>
             </a:ext>
           </a:extLst>
         </p:spPr>
@@ -6251,7 +6255,7 @@
           </a:ln>
           <a:extLst>
             <a:ext uri="{C572A759-6A51-4108-AA02-DFA0A04FC94B}">
-              <ma14:wrappingTextBoxFlag xmlns="" xmlns:ma14="http://schemas.microsoft.com/office/mac/drawingml/2011/main" val="1"/>
+              <ma14:wrappingTextBoxFlag xmlns:ma14="http://schemas.microsoft.com/office/mac/drawingml/2011/main" xmlns="" val="1"/>
             </a:ext>
           </a:extLst>
         </p:spPr>
@@ -16319,11 +16323,6 @@
                 </a:rPr>
                 <a:t>Тест 1</a:t>
               </a:r>
-              <a:endParaRPr lang="ru-RU" sz="3200" dirty="0" smtClean="0">
-                <a:solidFill>
-                  <a:sysClr val="windowText" lastClr="000000"/>
-                </a:solidFill>
-              </a:endParaRPr>
             </a:p>
           </p:txBody>
         </p:sp>
@@ -16428,11 +16427,6 @@
                 </a:rPr>
                 <a:t>Рез-т 1</a:t>
               </a:r>
-              <a:endParaRPr lang="ru-RU" sz="3200" dirty="0" smtClean="0">
-                <a:solidFill>
-                  <a:sysClr val="windowText" lastClr="000000"/>
-                </a:solidFill>
-              </a:endParaRPr>
             </a:p>
           </p:txBody>
         </p:sp>
@@ -18104,6 +18098,3347 @@
           <a:p>
             <a:r>
               <a:rPr lang="ru-RU" dirty="0" smtClean="0"/>
+              <a:t>Тестирование </a:t>
+            </a:r>
+            <a:r>
+              <a:rPr lang="ru-RU" dirty="0" smtClean="0"/>
+              <a:t>реализации интерфейса</a:t>
+            </a:r>
+            <a:endParaRPr lang="ru-RU" dirty="0"/>
+          </a:p>
+        </p:txBody>
+      </p:sp>
+      <p:sp>
+        <p:nvSpPr>
+          <p:cNvPr id="3" name="Нижний колонтитул 2"/>
+          <p:cNvSpPr>
+            <a:spLocks noGrp="1"/>
+          </p:cNvSpPr>
+          <p:nvPr>
+            <p:ph type="ftr" sz="quarter" idx="11"/>
+          </p:nvPr>
+        </p:nvSpPr>
+        <p:spPr/>
+        <p:txBody>
+          <a:bodyPr/>
+          <a:lstStyle/>
+          <a:p>
+            <a:endParaRPr lang="ru-RU" dirty="0"/>
+          </a:p>
+        </p:txBody>
+      </p:sp>
+      <p:sp>
+        <p:nvSpPr>
+          <p:cNvPr id="4" name="Номер слайда 3"/>
+          <p:cNvSpPr>
+            <a:spLocks noGrp="1"/>
+          </p:cNvSpPr>
+          <p:nvPr>
+            <p:ph type="sldNum" sz="quarter" idx="12"/>
+          </p:nvPr>
+        </p:nvSpPr>
+        <p:spPr/>
+        <p:txBody>
+          <a:bodyPr/>
+          <a:lstStyle/>
+          <a:p>
+            <a:fld id="{741C03D3-FA44-40EC-9A21-1FC4FEA3E22E}" type="slidenum">
+              <a:rPr lang="ru-RU" smtClean="0"/>
+              <a:t>22</a:t>
+            </a:fld>
+            <a:endParaRPr lang="ru-RU" dirty="0"/>
+          </a:p>
+        </p:txBody>
+      </p:sp>
+      <p:pic>
+        <p:nvPicPr>
+          <p:cNvPr id="5" name="Рисунок 4"/>
+          <p:cNvPicPr>
+            <a:picLocks noChangeAspect="1"/>
+          </p:cNvPicPr>
+          <p:nvPr/>
+        </p:nvPicPr>
+        <p:blipFill>
+          <a:blip r:embed="rId2">
+            <a:extLst>
+              <a:ext uri="{28A0092B-C50C-407E-A947-70E740481C1C}">
+                <a14:useLocalDpi xmlns:a14="http://schemas.microsoft.com/office/drawing/2010/main" val="0"/>
+              </a:ext>
+            </a:extLst>
+          </a:blip>
+          <a:stretch>
+            <a:fillRect/>
+          </a:stretch>
+        </p:blipFill>
+        <p:spPr>
+          <a:xfrm>
+            <a:off x="1143000" y="6097413"/>
+            <a:ext cx="2744384" cy="2286987"/>
+          </a:xfrm>
+          <a:prstGeom prst="rect">
+            <a:avLst/>
+          </a:prstGeom>
+        </p:spPr>
+      </p:pic>
+      <p:sp>
+        <p:nvSpPr>
+          <p:cNvPr id="9" name="Docker"/>
+          <p:cNvSpPr/>
+          <p:nvPr/>
+        </p:nvSpPr>
+        <p:spPr>
+          <a:xfrm>
+            <a:off x="5322406" y="3041650"/>
+            <a:ext cx="17935199" cy="9158288"/>
+          </a:xfrm>
+          <a:prstGeom prst="rect">
+            <a:avLst/>
+          </a:prstGeom>
+          <a:solidFill>
+            <a:schemeClr val="accent1"/>
+          </a:solidFill>
+          <a:ln w="38100">
+            <a:solidFill>
+              <a:schemeClr val="tx1"/>
+            </a:solidFill>
+          </a:ln>
+        </p:spPr>
+        <p:style>
+          <a:lnRef idx="2">
+            <a:schemeClr val="accent1">
+              <a:shade val="50000"/>
+            </a:schemeClr>
+          </a:lnRef>
+          <a:fillRef idx="1">
+            <a:schemeClr val="accent1"/>
+          </a:fillRef>
+          <a:effectRef idx="0">
+            <a:schemeClr val="accent1"/>
+          </a:effectRef>
+          <a:fontRef idx="minor">
+            <a:schemeClr val="lt1"/>
+          </a:fontRef>
+        </p:style>
+        <p:txBody>
+          <a:bodyPr rtlCol="0" anchor="b"/>
+          <a:lstStyle/>
+          <a:p>
+            <a:pPr algn="r"/>
+            <a:r>
+              <a:rPr lang="en-US" sz="4400" dirty="0" smtClean="0">
+                <a:solidFill>
+                  <a:schemeClr val="tx1"/>
+                </a:solidFill>
+              </a:rPr>
+              <a:t>Docker</a:t>
+            </a:r>
+            <a:endParaRPr lang="ru-RU" sz="4400" dirty="0" err="1" smtClean="0">
+              <a:solidFill>
+                <a:schemeClr val="tx1"/>
+              </a:solidFill>
+            </a:endParaRPr>
+          </a:p>
+        </p:txBody>
+      </p:sp>
+      <p:sp>
+        <p:nvSpPr>
+          <p:cNvPr id="10" name="Linux"/>
+          <p:cNvSpPr/>
+          <p:nvPr/>
+        </p:nvSpPr>
+        <p:spPr>
+          <a:xfrm>
+            <a:off x="5704006" y="3424238"/>
+            <a:ext cx="17171869" cy="8012962"/>
+          </a:xfrm>
+          <a:prstGeom prst="rect">
+            <a:avLst/>
+          </a:prstGeom>
+          <a:solidFill>
+            <a:schemeClr val="tx2"/>
+          </a:solidFill>
+          <a:ln w="38100">
+            <a:solidFill>
+              <a:schemeClr val="tx1"/>
+            </a:solidFill>
+          </a:ln>
+        </p:spPr>
+        <p:style>
+          <a:lnRef idx="2">
+            <a:schemeClr val="accent1">
+              <a:shade val="50000"/>
+            </a:schemeClr>
+          </a:lnRef>
+          <a:fillRef idx="1">
+            <a:schemeClr val="accent1"/>
+          </a:fillRef>
+          <a:effectRef idx="0">
+            <a:schemeClr val="accent1"/>
+          </a:effectRef>
+          <a:fontRef idx="minor">
+            <a:schemeClr val="lt1"/>
+          </a:fontRef>
+        </p:style>
+        <p:txBody>
+          <a:bodyPr rtlCol="0" anchor="b"/>
+          <a:lstStyle/>
+          <a:p>
+            <a:pPr algn="r"/>
+            <a:r>
+              <a:rPr lang="en-US" sz="4400" dirty="0" smtClean="0">
+                <a:solidFill>
+                  <a:schemeClr val="tx1"/>
+                </a:solidFill>
+              </a:rPr>
+              <a:t>Linux</a:t>
+            </a:r>
+            <a:endParaRPr lang="ru-RU" sz="4400" dirty="0" err="1" smtClean="0">
+              <a:solidFill>
+                <a:schemeClr val="tx1"/>
+              </a:solidFill>
+            </a:endParaRPr>
+          </a:p>
+        </p:txBody>
+      </p:sp>
+      <p:sp>
+        <p:nvSpPr>
+          <p:cNvPr id="11" name="Python"/>
+          <p:cNvSpPr/>
+          <p:nvPr/>
+        </p:nvSpPr>
+        <p:spPr>
+          <a:xfrm>
+            <a:off x="6085606" y="3805238"/>
+            <a:ext cx="16409269" cy="6869112"/>
+          </a:xfrm>
+          <a:prstGeom prst="rect">
+            <a:avLst/>
+          </a:prstGeom>
+          <a:solidFill>
+            <a:schemeClr val="accent2"/>
+          </a:solidFill>
+          <a:ln w="38100">
+            <a:solidFill>
+              <a:schemeClr val="tx1"/>
+            </a:solidFill>
+          </a:ln>
+        </p:spPr>
+        <p:style>
+          <a:lnRef idx="2">
+            <a:schemeClr val="accent1">
+              <a:shade val="50000"/>
+            </a:schemeClr>
+          </a:lnRef>
+          <a:fillRef idx="1">
+            <a:schemeClr val="accent1"/>
+          </a:fillRef>
+          <a:effectRef idx="0">
+            <a:schemeClr val="accent1"/>
+          </a:effectRef>
+          <a:fontRef idx="minor">
+            <a:schemeClr val="lt1"/>
+          </a:fontRef>
+        </p:style>
+        <p:txBody>
+          <a:bodyPr rtlCol="0" anchor="b"/>
+          <a:lstStyle/>
+          <a:p>
+            <a:pPr algn="r"/>
+            <a:r>
+              <a:rPr lang="en-US" sz="4400" dirty="0" smtClean="0">
+                <a:solidFill>
+                  <a:schemeClr val="tx1"/>
+                </a:solidFill>
+              </a:rPr>
+              <a:t>Python</a:t>
+            </a:r>
+            <a:endParaRPr lang="ru-RU" sz="4400" dirty="0" err="1" smtClean="0">
+              <a:solidFill>
+                <a:schemeClr val="tx1"/>
+              </a:solidFill>
+            </a:endParaRPr>
+          </a:p>
+        </p:txBody>
+      </p:sp>
+      <p:sp>
+        <p:nvSpPr>
+          <p:cNvPr id="14" name="Binary"/>
+          <p:cNvSpPr/>
+          <p:nvPr/>
+        </p:nvSpPr>
+        <p:spPr>
+          <a:xfrm>
+            <a:off x="11428006" y="6476400"/>
+            <a:ext cx="1526584" cy="1526400"/>
+          </a:xfrm>
+          <a:prstGeom prst="rect">
+            <a:avLst/>
+          </a:prstGeom>
+          <a:solidFill>
+            <a:schemeClr val="tx2"/>
+          </a:solidFill>
+          <a:ln w="38100">
+            <a:solidFill>
+              <a:schemeClr val="tx1"/>
+            </a:solidFill>
+          </a:ln>
+        </p:spPr>
+        <p:style>
+          <a:lnRef idx="2">
+            <a:schemeClr val="accent1">
+              <a:shade val="50000"/>
+            </a:schemeClr>
+          </a:lnRef>
+          <a:fillRef idx="1">
+            <a:schemeClr val="accent1"/>
+          </a:fillRef>
+          <a:effectRef idx="0">
+            <a:schemeClr val="accent1"/>
+          </a:effectRef>
+          <a:fontRef idx="minor">
+            <a:schemeClr val="lt1"/>
+          </a:fontRef>
+        </p:style>
+        <p:txBody>
+          <a:bodyPr rtlCol="0" anchor="ctr"/>
+          <a:lstStyle/>
+          <a:p>
+            <a:pPr algn="ctr"/>
+            <a:r>
+              <a:rPr lang="en-US" dirty="0" smtClean="0">
+                <a:solidFill>
+                  <a:schemeClr val="tx1"/>
+                </a:solidFill>
+              </a:rPr>
+              <a:t>Binary</a:t>
+            </a:r>
+            <a:endParaRPr lang="ru-RU" dirty="0" err="1" smtClean="0">
+              <a:solidFill>
+                <a:schemeClr val="tx1"/>
+              </a:solidFill>
+            </a:endParaRPr>
+          </a:p>
+        </p:txBody>
+      </p:sp>
+      <p:grpSp>
+        <p:nvGrpSpPr>
+          <p:cNvPr id="15" name="Группа 14"/>
+          <p:cNvGrpSpPr/>
+          <p:nvPr/>
+        </p:nvGrpSpPr>
+        <p:grpSpPr>
+          <a:xfrm>
+            <a:off x="1506559" y="6476971"/>
+            <a:ext cx="1908154" cy="1525829"/>
+            <a:chOff x="1887559" y="4568760"/>
+            <a:chExt cx="3816175" cy="4578482"/>
+          </a:xfrm>
+        </p:grpSpPr>
+        <p:sp>
+          <p:nvSpPr>
+            <p:cNvPr id="16" name="Волна 15"/>
+            <p:cNvSpPr/>
+            <p:nvPr/>
+          </p:nvSpPr>
+          <p:spPr>
+            <a:xfrm rot="5400000">
+              <a:off x="1506406" y="4949913"/>
+              <a:ext cx="4578482" cy="3816175"/>
+            </a:xfrm>
+            <a:prstGeom prst="wave">
+              <a:avLst>
+                <a:gd name="adj1" fmla="val 10937"/>
+                <a:gd name="adj2" fmla="val 0"/>
+              </a:avLst>
+            </a:prstGeom>
+            <a:solidFill>
+              <a:schemeClr val="tx2"/>
+            </a:solidFill>
+            <a:ln w="38100">
+              <a:solidFill>
+                <a:schemeClr val="tx1"/>
+              </a:solidFill>
+            </a:ln>
+          </p:spPr>
+          <p:style>
+            <a:lnRef idx="2">
+              <a:schemeClr val="accent1">
+                <a:shade val="50000"/>
+              </a:schemeClr>
+            </a:lnRef>
+            <a:fillRef idx="1">
+              <a:schemeClr val="accent1"/>
+            </a:fillRef>
+            <a:effectRef idx="0">
+              <a:schemeClr val="accent1"/>
+            </a:effectRef>
+            <a:fontRef idx="minor">
+              <a:schemeClr val="lt1"/>
+            </a:fontRef>
+          </p:style>
+          <p:txBody>
+            <a:bodyPr rtlCol="0" anchor="ctr"/>
+            <a:lstStyle/>
+            <a:p>
+              <a:pPr algn="ctr"/>
+              <a:endParaRPr lang="ru-RU" dirty="0" smtClean="0">
+                <a:solidFill>
+                  <a:schemeClr val="tx1"/>
+                </a:solidFill>
+              </a:endParaRPr>
+            </a:p>
+          </p:txBody>
+        </p:sp>
+        <p:sp>
+          <p:nvSpPr>
+            <p:cNvPr id="17" name="TextBox 16"/>
+            <p:cNvSpPr txBox="1"/>
+            <p:nvPr/>
+          </p:nvSpPr>
+          <p:spPr>
+            <a:xfrm>
+              <a:off x="2269264" y="6049201"/>
+              <a:ext cx="3052764" cy="1754706"/>
+            </a:xfrm>
+            <a:prstGeom prst="rect">
+              <a:avLst/>
+            </a:prstGeom>
+            <a:noFill/>
+          </p:spPr>
+          <p:txBody>
+            <a:bodyPr wrap="square" rtlCol="0">
+              <a:spAutoFit/>
+            </a:bodyPr>
+            <a:lstStyle/>
+            <a:p>
+              <a:pPr algn="ctr"/>
+              <a:r>
+                <a:rPr lang="ru-RU" sz="3200" dirty="0" smtClean="0">
+                  <a:solidFill>
+                    <a:sysClr val="windowText" lastClr="000000"/>
+                  </a:solidFill>
+                </a:rPr>
+                <a:t>.</a:t>
+              </a:r>
+              <a:r>
+                <a:rPr lang="en-US" sz="3200" dirty="0" err="1" smtClean="0">
+                  <a:solidFill>
+                    <a:sysClr val="windowText" lastClr="000000"/>
+                  </a:solidFill>
+                </a:rPr>
+                <a:t>cpp</a:t>
+              </a:r>
+              <a:endParaRPr lang="ru-RU" sz="3200" dirty="0" smtClean="0">
+                <a:solidFill>
+                  <a:sysClr val="windowText" lastClr="000000"/>
+                </a:solidFill>
+              </a:endParaRPr>
+            </a:p>
+          </p:txBody>
+        </p:sp>
+      </p:grpSp>
+      <p:cxnSp>
+        <p:nvCxnSpPr>
+          <p:cNvPr id="23" name="Прямая со стрелкой 22"/>
+          <p:cNvCxnSpPr>
+            <a:endCxn id="13" idx="1"/>
+          </p:cNvCxnSpPr>
+          <p:nvPr/>
+        </p:nvCxnSpPr>
+        <p:spPr>
+          <a:xfrm flipV="1">
+            <a:off x="10283206" y="7239688"/>
+            <a:ext cx="763200" cy="302"/>
+          </a:xfrm>
+          <a:prstGeom prst="straightConnector1">
+            <a:avLst/>
+          </a:prstGeom>
+          <a:ln w="38100">
+            <a:solidFill>
+              <a:schemeClr val="tx1"/>
+            </a:solidFill>
+            <a:headEnd type="none" w="lg" len="med"/>
+            <a:tailEnd type="triangle" w="lg" len="lg"/>
+          </a:ln>
+        </p:spPr>
+        <p:style>
+          <a:lnRef idx="1">
+            <a:schemeClr val="accent1"/>
+          </a:lnRef>
+          <a:fillRef idx="0">
+            <a:schemeClr val="accent1"/>
+          </a:fillRef>
+          <a:effectRef idx="0">
+            <a:schemeClr val="accent1"/>
+          </a:effectRef>
+          <a:fontRef idx="minor">
+            <a:schemeClr val="tx1"/>
+          </a:fontRef>
+        </p:style>
+      </p:cxnSp>
+      <p:sp>
+        <p:nvSpPr>
+          <p:cNvPr id="13" name="Compiler"/>
+          <p:cNvSpPr/>
+          <p:nvPr/>
+        </p:nvSpPr>
+        <p:spPr>
+          <a:xfrm>
+            <a:off x="11046406" y="6094800"/>
+            <a:ext cx="2289600" cy="2289775"/>
+          </a:xfrm>
+          <a:prstGeom prst="rect">
+            <a:avLst/>
+          </a:prstGeom>
+          <a:solidFill>
+            <a:schemeClr val="tx1"/>
+          </a:solidFill>
+          <a:ln w="38100">
+            <a:solidFill>
+              <a:schemeClr val="tx1"/>
+            </a:solidFill>
+          </a:ln>
+        </p:spPr>
+        <p:style>
+          <a:lnRef idx="2">
+            <a:schemeClr val="accent1">
+              <a:shade val="50000"/>
+            </a:schemeClr>
+          </a:lnRef>
+          <a:fillRef idx="1">
+            <a:schemeClr val="accent1"/>
+          </a:fillRef>
+          <a:effectRef idx="0">
+            <a:schemeClr val="accent1"/>
+          </a:effectRef>
+          <a:fontRef idx="minor">
+            <a:schemeClr val="lt1"/>
+          </a:fontRef>
+        </p:style>
+        <p:txBody>
+          <a:bodyPr rtlCol="0" anchor="ctr"/>
+          <a:lstStyle/>
+          <a:p>
+            <a:pPr algn="ctr"/>
+            <a:r>
+              <a:rPr lang="en-US" dirty="0" smtClean="0">
+                <a:solidFill>
+                  <a:schemeClr val="bg1"/>
+                </a:solidFill>
+              </a:rPr>
+              <a:t>Compiler</a:t>
+            </a:r>
+            <a:endParaRPr lang="ru-RU" dirty="0" smtClean="0">
+              <a:solidFill>
+                <a:schemeClr val="bg1"/>
+              </a:solidFill>
+            </a:endParaRPr>
+          </a:p>
+        </p:txBody>
+      </p:sp>
+      <p:grpSp>
+        <p:nvGrpSpPr>
+          <p:cNvPr id="34" name="Группа 33"/>
+          <p:cNvGrpSpPr/>
+          <p:nvPr/>
+        </p:nvGrpSpPr>
+        <p:grpSpPr>
+          <a:xfrm>
+            <a:off x="18471552" y="6476085"/>
+            <a:ext cx="1908154" cy="1525829"/>
+            <a:chOff x="1887559" y="4568760"/>
+            <a:chExt cx="3816175" cy="4578482"/>
+          </a:xfrm>
+        </p:grpSpPr>
+        <p:sp>
+          <p:nvSpPr>
+            <p:cNvPr id="36" name="Волна 35"/>
+            <p:cNvSpPr/>
+            <p:nvPr/>
+          </p:nvSpPr>
+          <p:spPr>
+            <a:xfrm rot="5400000">
+              <a:off x="1506406" y="4949913"/>
+              <a:ext cx="4578482" cy="3816175"/>
+            </a:xfrm>
+            <a:prstGeom prst="wave">
+              <a:avLst>
+                <a:gd name="adj1" fmla="val 10937"/>
+                <a:gd name="adj2" fmla="val 0"/>
+              </a:avLst>
+            </a:prstGeom>
+            <a:solidFill>
+              <a:schemeClr val="tx2"/>
+            </a:solidFill>
+            <a:ln w="38100">
+              <a:solidFill>
+                <a:schemeClr val="tx1"/>
+              </a:solidFill>
+            </a:ln>
+          </p:spPr>
+          <p:style>
+            <a:lnRef idx="2">
+              <a:schemeClr val="accent1">
+                <a:shade val="50000"/>
+              </a:schemeClr>
+            </a:lnRef>
+            <a:fillRef idx="1">
+              <a:schemeClr val="accent1"/>
+            </a:fillRef>
+            <a:effectRef idx="0">
+              <a:schemeClr val="accent1"/>
+            </a:effectRef>
+            <a:fontRef idx="minor">
+              <a:schemeClr val="lt1"/>
+            </a:fontRef>
+          </p:style>
+          <p:txBody>
+            <a:bodyPr rtlCol="0" anchor="ctr"/>
+            <a:lstStyle/>
+            <a:p>
+              <a:pPr algn="ctr"/>
+              <a:endParaRPr lang="ru-RU" dirty="0" smtClean="0">
+                <a:solidFill>
+                  <a:schemeClr val="tx1"/>
+                </a:solidFill>
+              </a:endParaRPr>
+            </a:p>
+          </p:txBody>
+        </p:sp>
+        <p:sp>
+          <p:nvSpPr>
+            <p:cNvPr id="38" name="TextBox 37"/>
+            <p:cNvSpPr txBox="1"/>
+            <p:nvPr/>
+          </p:nvSpPr>
+          <p:spPr>
+            <a:xfrm>
+              <a:off x="2269264" y="6049201"/>
+              <a:ext cx="3052764" cy="1754706"/>
+            </a:xfrm>
+            <a:prstGeom prst="rect">
+              <a:avLst/>
+            </a:prstGeom>
+            <a:noFill/>
+          </p:spPr>
+          <p:txBody>
+            <a:bodyPr wrap="square" rtlCol="0">
+              <a:spAutoFit/>
+            </a:bodyPr>
+            <a:lstStyle/>
+            <a:p>
+              <a:pPr algn="ctr"/>
+              <a:r>
+                <a:rPr lang="en-US" sz="3200" dirty="0" smtClean="0">
+                  <a:solidFill>
+                    <a:sysClr val="windowText" lastClr="000000"/>
+                  </a:solidFill>
+                </a:rPr>
+                <a:t>UT</a:t>
+              </a:r>
+              <a:endParaRPr lang="ru-RU" sz="3200" dirty="0" smtClean="0">
+                <a:solidFill>
+                  <a:sysClr val="windowText" lastClr="000000"/>
+                </a:solidFill>
+              </a:endParaRPr>
+            </a:p>
+          </p:txBody>
+        </p:sp>
+      </p:grpSp>
+      <p:sp>
+        <p:nvSpPr>
+          <p:cNvPr id="39" name="C++"/>
+          <p:cNvSpPr/>
+          <p:nvPr/>
+        </p:nvSpPr>
+        <p:spPr>
+          <a:xfrm>
+            <a:off x="17533938" y="4186237"/>
+            <a:ext cx="4576764" cy="5724525"/>
+          </a:xfrm>
+          <a:prstGeom prst="rect">
+            <a:avLst/>
+          </a:prstGeom>
+          <a:solidFill>
+            <a:schemeClr val="accent5"/>
+          </a:solidFill>
+          <a:ln w="38100">
+            <a:solidFill>
+              <a:schemeClr val="tx1"/>
+            </a:solidFill>
+          </a:ln>
+        </p:spPr>
+        <p:style>
+          <a:lnRef idx="2">
+            <a:schemeClr val="accent1">
+              <a:shade val="50000"/>
+            </a:schemeClr>
+          </a:lnRef>
+          <a:fillRef idx="1">
+            <a:schemeClr val="accent1"/>
+          </a:fillRef>
+          <a:effectRef idx="0">
+            <a:schemeClr val="accent1"/>
+          </a:effectRef>
+          <a:fontRef idx="minor">
+            <a:schemeClr val="lt1"/>
+          </a:fontRef>
+        </p:style>
+        <p:txBody>
+          <a:bodyPr rtlCol="0" anchor="b"/>
+          <a:lstStyle/>
+          <a:p>
+            <a:pPr algn="r"/>
+            <a:r>
+              <a:rPr lang="en-US" sz="4400" dirty="0" smtClean="0">
+                <a:solidFill>
+                  <a:schemeClr val="tx1"/>
+                </a:solidFill>
+              </a:rPr>
+              <a:t>C++</a:t>
+            </a:r>
+            <a:endParaRPr lang="ru-RU" sz="4400" dirty="0" err="1" smtClean="0">
+              <a:solidFill>
+                <a:schemeClr val="tx1"/>
+              </a:solidFill>
+            </a:endParaRPr>
+          </a:p>
+        </p:txBody>
+      </p:sp>
+    </p:spTree>
+    <p:extLst>
+      <p:ext uri="{BB962C8B-B14F-4D97-AF65-F5344CB8AC3E}">
+        <p14:creationId xmlns:p14="http://schemas.microsoft.com/office/powerpoint/2010/main" val="3691985133"/>
+      </p:ext>
+    </p:extLst>
+  </p:cSld>
+  <p:clrMapOvr>
+    <a:masterClrMapping/>
+  </p:clrMapOvr>
+  <p:timing>
+    <p:tnLst>
+      <p:par>
+        <p:cTn id="1" dur="indefinite" restart="never" nodeType="tmRoot">
+          <p:childTnLst>
+            <p:seq concurrent="1" nextAc="seek">
+              <p:cTn id="2" dur="indefinite" nodeType="mainSeq">
+                <p:childTnLst>
+                  <p:par>
+                    <p:cTn id="3" fill="hold">
+                      <p:stCondLst>
+                        <p:cond delay="indefinite"/>
+                      </p:stCondLst>
+                      <p:childTnLst>
+                        <p:par>
+                          <p:cTn id="4" fill="hold">
+                            <p:stCondLst>
+                              <p:cond delay="0"/>
+                            </p:stCondLst>
+                            <p:childTnLst>
+                              <p:par>
+                                <p:cTn id="5" presetID="1" presetClass="entr" presetSubtype="0" fill="hold" nodeType="clickEffect">
+                                  <p:stCondLst>
+                                    <p:cond delay="0"/>
+                                  </p:stCondLst>
+                                  <p:childTnLst>
+                                    <p:set>
+                                      <p:cBhvr>
+                                        <p:cTn id="6" dur="1" fill="hold">
+                                          <p:stCondLst>
+                                            <p:cond delay="0"/>
+                                          </p:stCondLst>
+                                        </p:cTn>
+                                        <p:tgtEl>
+                                          <p:spTgt spid="15"/>
+                                        </p:tgtEl>
+                                        <p:attrNameLst>
+                                          <p:attrName>style.visibility</p:attrName>
+                                        </p:attrNameLst>
+                                      </p:cBhvr>
+                                      <p:to>
+                                        <p:strVal val="visible"/>
+                                      </p:to>
+                                    </p:set>
+                                  </p:childTnLst>
+                                </p:cTn>
+                              </p:par>
+                              <p:par>
+                                <p:cTn id="7" presetID="63" presetClass="path" presetSubtype="0" accel="50000" decel="50000" fill="hold" nodeType="withEffect">
+                                  <p:stCondLst>
+                                    <p:cond delay="0"/>
+                                  </p:stCondLst>
+                                  <p:childTnLst>
+                                    <p:animMotion origin="layout" path="M 1.97148E-6 2.22222E-6 L 0.21909 2.22222E-6 " pathEditMode="relative" rAng="0" ptsTypes="AA">
+                                      <p:cBhvr>
+                                        <p:cTn id="8" dur="500" fill="hold"/>
+                                        <p:tgtEl>
+                                          <p:spTgt spid="15"/>
+                                        </p:tgtEl>
+                                        <p:attrNameLst>
+                                          <p:attrName>ppt_x</p:attrName>
+                                          <p:attrName>ppt_y</p:attrName>
+                                        </p:attrNameLst>
+                                      </p:cBhvr>
+                                      <p:rCtr x="10951" y="0"/>
+                                    </p:animMotion>
+                                  </p:childTnLst>
+                                </p:cTn>
+                              </p:par>
+                            </p:childTnLst>
+                          </p:cTn>
+                        </p:par>
+                      </p:childTnLst>
+                    </p:cTn>
+                  </p:par>
+                  <p:par>
+                    <p:cTn id="9" fill="hold">
+                      <p:stCondLst>
+                        <p:cond delay="indefinite"/>
+                      </p:stCondLst>
+                      <p:childTnLst>
+                        <p:par>
+                          <p:cTn id="10" fill="hold">
+                            <p:stCondLst>
+                              <p:cond delay="0"/>
+                            </p:stCondLst>
+                            <p:childTnLst>
+                              <p:par>
+                                <p:cTn id="11" presetID="35" presetClass="path" presetSubtype="0" accel="50000" decel="50000" fill="hold" nodeType="clickEffect">
+                                  <p:stCondLst>
+                                    <p:cond delay="0"/>
+                                  </p:stCondLst>
+                                  <p:childTnLst>
+                                    <p:animMotion origin="layout" path="M -0.00156 2.22222E-6 L -0.41624 2.22222E-6 " pathEditMode="relative" rAng="0" ptsTypes="AA">
+                                      <p:cBhvr>
+                                        <p:cTn id="12" dur="750" fill="hold"/>
+                                        <p:tgtEl>
+                                          <p:spTgt spid="34"/>
+                                        </p:tgtEl>
+                                        <p:attrNameLst>
+                                          <p:attrName>ppt_x</p:attrName>
+                                          <p:attrName>ppt_y</p:attrName>
+                                        </p:attrNameLst>
+                                      </p:cBhvr>
+                                      <p:rCtr x="-20737" y="0"/>
+                                    </p:animMotion>
+                                  </p:childTnLst>
+                                </p:cTn>
+                              </p:par>
+                            </p:childTnLst>
+                          </p:cTn>
+                        </p:par>
+                      </p:childTnLst>
+                    </p:cTn>
+                  </p:par>
+                  <p:par>
+                    <p:cTn id="13" fill="hold">
+                      <p:stCondLst>
+                        <p:cond delay="indefinite"/>
+                      </p:stCondLst>
+                      <p:childTnLst>
+                        <p:par>
+                          <p:cTn id="14" fill="hold">
+                            <p:stCondLst>
+                              <p:cond delay="0"/>
+                            </p:stCondLst>
+                            <p:childTnLst>
+                              <p:par>
+                                <p:cTn id="15" presetID="1" presetClass="entr" presetSubtype="0" fill="hold" grpId="0" nodeType="clickEffect">
+                                  <p:stCondLst>
+                                    <p:cond delay="0"/>
+                                  </p:stCondLst>
+                                  <p:childTnLst>
+                                    <p:set>
+                                      <p:cBhvr>
+                                        <p:cTn id="16" dur="1" fill="hold">
+                                          <p:stCondLst>
+                                            <p:cond delay="0"/>
+                                          </p:stCondLst>
+                                        </p:cTn>
+                                        <p:tgtEl>
+                                          <p:spTgt spid="13"/>
+                                        </p:tgtEl>
+                                        <p:attrNameLst>
+                                          <p:attrName>style.visibility</p:attrName>
+                                        </p:attrNameLst>
+                                      </p:cBhvr>
+                                      <p:to>
+                                        <p:strVal val="visible"/>
+                                      </p:to>
+                                    </p:set>
+                                  </p:childTnLst>
+                                </p:cTn>
+                              </p:par>
+                              <p:par>
+                                <p:cTn id="17" presetID="1" presetClass="entr" presetSubtype="0" fill="hold" nodeType="withEffect">
+                                  <p:stCondLst>
+                                    <p:cond delay="0"/>
+                                  </p:stCondLst>
+                                  <p:childTnLst>
+                                    <p:set>
+                                      <p:cBhvr>
+                                        <p:cTn id="18" dur="1" fill="hold">
+                                          <p:stCondLst>
+                                            <p:cond delay="0"/>
+                                          </p:stCondLst>
+                                        </p:cTn>
+                                        <p:tgtEl>
+                                          <p:spTgt spid="23"/>
+                                        </p:tgtEl>
+                                        <p:attrNameLst>
+                                          <p:attrName>style.visibility</p:attrName>
+                                        </p:attrNameLst>
+                                      </p:cBhvr>
+                                      <p:to>
+                                        <p:strVal val="visible"/>
+                                      </p:to>
+                                    </p:set>
+                                  </p:childTnLst>
+                                </p:cTn>
+                              </p:par>
+                            </p:childTnLst>
+                          </p:cTn>
+                        </p:par>
+                      </p:childTnLst>
+                    </p:cTn>
+                  </p:par>
+                  <p:par>
+                    <p:cTn id="19" fill="hold">
+                      <p:stCondLst>
+                        <p:cond delay="indefinite"/>
+                      </p:stCondLst>
+                      <p:childTnLst>
+                        <p:par>
+                          <p:cTn id="20" fill="hold">
+                            <p:stCondLst>
+                              <p:cond delay="0"/>
+                            </p:stCondLst>
+                            <p:childTnLst>
+                              <p:par>
+                                <p:cTn id="21" presetID="1" presetClass="entr" presetSubtype="0" fill="hold" grpId="0" nodeType="clickEffect">
+                                  <p:stCondLst>
+                                    <p:cond delay="0"/>
+                                  </p:stCondLst>
+                                  <p:childTnLst>
+                                    <p:set>
+                                      <p:cBhvr>
+                                        <p:cTn id="22" dur="1" fill="hold">
+                                          <p:stCondLst>
+                                            <p:cond delay="0"/>
+                                          </p:stCondLst>
+                                        </p:cTn>
+                                        <p:tgtEl>
+                                          <p:spTgt spid="14"/>
+                                        </p:tgtEl>
+                                        <p:attrNameLst>
+                                          <p:attrName>style.visibility</p:attrName>
+                                        </p:attrNameLst>
+                                      </p:cBhvr>
+                                      <p:to>
+                                        <p:strVal val="visible"/>
+                                      </p:to>
+                                    </p:set>
+                                  </p:childTnLst>
+                                </p:cTn>
+                              </p:par>
+                              <p:par>
+                                <p:cTn id="23" presetID="1" presetClass="exit" presetSubtype="0" fill="hold" nodeType="withEffect">
+                                  <p:stCondLst>
+                                    <p:cond delay="0"/>
+                                  </p:stCondLst>
+                                  <p:childTnLst>
+                                    <p:set>
+                                      <p:cBhvr>
+                                        <p:cTn id="24" dur="1" fill="hold">
+                                          <p:stCondLst>
+                                            <p:cond delay="0"/>
+                                          </p:stCondLst>
+                                        </p:cTn>
+                                        <p:tgtEl>
+                                          <p:spTgt spid="23"/>
+                                        </p:tgtEl>
+                                        <p:attrNameLst>
+                                          <p:attrName>style.visibility</p:attrName>
+                                        </p:attrNameLst>
+                                      </p:cBhvr>
+                                      <p:to>
+                                        <p:strVal val="hidden"/>
+                                      </p:to>
+                                    </p:set>
+                                  </p:childTnLst>
+                                </p:cTn>
+                              </p:par>
+                              <p:par>
+                                <p:cTn id="25" presetID="63" presetClass="path" presetSubtype="0" accel="50000" decel="50000" fill="hold" grpId="1" nodeType="withEffect">
+                                  <p:stCondLst>
+                                    <p:cond delay="0"/>
+                                  </p:stCondLst>
+                                  <p:childTnLst>
+                                    <p:animMotion origin="layout" path="M 2.5542E-6 2.22222E-6 L 0.10957 2.22222E-6 " pathEditMode="relative" rAng="0" ptsTypes="AA">
+                                      <p:cBhvr>
+                                        <p:cTn id="26" dur="500" fill="hold"/>
+                                        <p:tgtEl>
+                                          <p:spTgt spid="14"/>
+                                        </p:tgtEl>
+                                        <p:attrNameLst>
+                                          <p:attrName>ppt_x</p:attrName>
+                                          <p:attrName>ppt_y</p:attrName>
+                                        </p:attrNameLst>
+                                      </p:cBhvr>
+                                      <p:rCtr x="5476" y="0"/>
+                                    </p:animMotion>
+                                  </p:childTnLst>
+                                </p:cTn>
+                              </p:par>
+                            </p:childTnLst>
+                          </p:cTn>
+                        </p:par>
+                      </p:childTnLst>
+                    </p:cTn>
+                  </p:par>
+                  <p:par>
+                    <p:cTn id="27" fill="hold">
+                      <p:stCondLst>
+                        <p:cond delay="indefinite"/>
+                      </p:stCondLst>
+                      <p:childTnLst>
+                        <p:par>
+                          <p:cTn id="28" fill="hold">
+                            <p:stCondLst>
+                              <p:cond delay="0"/>
+                            </p:stCondLst>
+                            <p:childTnLst>
+                              <p:par>
+                                <p:cTn id="29" presetID="32" presetClass="emph" presetSubtype="0" fill="hold" grpId="2" nodeType="clickEffect">
+                                  <p:stCondLst>
+                                    <p:cond delay="0"/>
+                                  </p:stCondLst>
+                                  <p:childTnLst>
+                                    <p:animRot by="120000">
+                                      <p:cBhvr>
+                                        <p:cTn id="30" dur="100" fill="hold">
+                                          <p:stCondLst>
+                                            <p:cond delay="0"/>
+                                          </p:stCondLst>
+                                        </p:cTn>
+                                        <p:tgtEl>
+                                          <p:spTgt spid="14"/>
+                                        </p:tgtEl>
+                                        <p:attrNameLst>
+                                          <p:attrName>r</p:attrName>
+                                        </p:attrNameLst>
+                                      </p:cBhvr>
+                                    </p:animRot>
+                                    <p:animRot by="-240000">
+                                      <p:cBhvr>
+                                        <p:cTn id="31" dur="200" fill="hold">
+                                          <p:stCondLst>
+                                            <p:cond delay="200"/>
+                                          </p:stCondLst>
+                                        </p:cTn>
+                                        <p:tgtEl>
+                                          <p:spTgt spid="14"/>
+                                        </p:tgtEl>
+                                        <p:attrNameLst>
+                                          <p:attrName>r</p:attrName>
+                                        </p:attrNameLst>
+                                      </p:cBhvr>
+                                    </p:animRot>
+                                    <p:animRot by="240000">
+                                      <p:cBhvr>
+                                        <p:cTn id="32" dur="200" fill="hold">
+                                          <p:stCondLst>
+                                            <p:cond delay="400"/>
+                                          </p:stCondLst>
+                                        </p:cTn>
+                                        <p:tgtEl>
+                                          <p:spTgt spid="14"/>
+                                        </p:tgtEl>
+                                        <p:attrNameLst>
+                                          <p:attrName>r</p:attrName>
+                                        </p:attrNameLst>
+                                      </p:cBhvr>
+                                    </p:animRot>
+                                    <p:animRot by="-240000">
+                                      <p:cBhvr>
+                                        <p:cTn id="33" dur="200" fill="hold">
+                                          <p:stCondLst>
+                                            <p:cond delay="600"/>
+                                          </p:stCondLst>
+                                        </p:cTn>
+                                        <p:tgtEl>
+                                          <p:spTgt spid="14"/>
+                                        </p:tgtEl>
+                                        <p:attrNameLst>
+                                          <p:attrName>r</p:attrName>
+                                        </p:attrNameLst>
+                                      </p:cBhvr>
+                                    </p:animRot>
+                                    <p:animRot by="120000">
+                                      <p:cBhvr>
+                                        <p:cTn id="34" dur="200" fill="hold">
+                                          <p:stCondLst>
+                                            <p:cond delay="800"/>
+                                          </p:stCondLst>
+                                        </p:cTn>
+                                        <p:tgtEl>
+                                          <p:spTgt spid="14"/>
+                                        </p:tgtEl>
+                                        <p:attrNameLst>
+                                          <p:attrName>r</p:attrName>
+                                        </p:attrNameLst>
+                                      </p:cBhvr>
+                                    </p:animRot>
+                                  </p:childTnLst>
+                                </p:cTn>
+                              </p:par>
+                            </p:childTnLst>
+                          </p:cTn>
+                        </p:par>
+                      </p:childTnLst>
+                    </p:cTn>
+                  </p:par>
+                </p:childTnLst>
+              </p:cTn>
+              <p:prevCondLst>
+                <p:cond evt="onPrev" delay="0">
+                  <p:tgtEl>
+                    <p:sldTgt/>
+                  </p:tgtEl>
+                </p:cond>
+              </p:prevCondLst>
+              <p:nextCondLst>
+                <p:cond evt="onNext" delay="0">
+                  <p:tgtEl>
+                    <p:sldTgt/>
+                  </p:tgtEl>
+                </p:cond>
+              </p:nextCondLst>
+            </p:seq>
+          </p:childTnLst>
+        </p:cTn>
+      </p:par>
+    </p:tnLst>
+    <p:bldLst>
+      <p:bldP spid="14" grpId="0" animBg="1"/>
+      <p:bldP spid="14" grpId="1" animBg="1"/>
+      <p:bldP spid="14" grpId="2" animBg="1"/>
+      <p:bldP spid="13" grpId="0" animBg="1"/>
+    </p:bldLst>
+  </p:timing>
+</p:sld>
+</file>
+
+<file path=ppt/slides/slide23.xml><?xml version="1.0" encoding="utf-8"?>
+<p:sld xmlns:a="http://schemas.openxmlformats.org/drawingml/2006/main" xmlns:r="http://schemas.openxmlformats.org/officeDocument/2006/relationships" xmlns:p="http://schemas.openxmlformats.org/presentationml/2006/main">
+  <p:cSld>
+    <p:spTree>
+      <p:nvGrpSpPr>
+        <p:cNvPr id="1" name=""/>
+        <p:cNvGrpSpPr/>
+        <p:nvPr/>
+      </p:nvGrpSpPr>
+      <p:grpSpPr>
+        <a:xfrm>
+          <a:off x="0" y="0"/>
+          <a:ext cx="0" cy="0"/>
+          <a:chOff x="0" y="0"/>
+          <a:chExt cx="0" cy="0"/>
+        </a:xfrm>
+      </p:grpSpPr>
+      <p:sp>
+        <p:nvSpPr>
+          <p:cNvPr id="2" name="Заголовок 1"/>
+          <p:cNvSpPr>
+            <a:spLocks noGrp="1"/>
+          </p:cNvSpPr>
+          <p:nvPr>
+            <p:ph type="title"/>
+          </p:nvPr>
+        </p:nvSpPr>
+        <p:spPr/>
+        <p:txBody>
+          <a:bodyPr/>
+          <a:lstStyle/>
+          <a:p>
+            <a:r>
+              <a:rPr lang="ru-RU" dirty="0" smtClean="0"/>
+              <a:t>Проблема с функцией </a:t>
+            </a:r>
+            <a:r>
+              <a:rPr lang="en-US" dirty="0" smtClean="0"/>
+              <a:t>main</a:t>
+            </a:r>
+            <a:endParaRPr lang="ru-RU" dirty="0"/>
+          </a:p>
+        </p:txBody>
+      </p:sp>
+      <p:sp>
+        <p:nvSpPr>
+          <p:cNvPr id="4" name="Нижний колонтитул 3"/>
+          <p:cNvSpPr>
+            <a:spLocks noGrp="1"/>
+          </p:cNvSpPr>
+          <p:nvPr>
+            <p:ph type="ftr" sz="quarter" idx="11"/>
+          </p:nvPr>
+        </p:nvSpPr>
+        <p:spPr/>
+        <p:txBody>
+          <a:bodyPr/>
+          <a:lstStyle/>
+          <a:p>
+            <a:endParaRPr lang="ru-RU" dirty="0"/>
+          </a:p>
+        </p:txBody>
+      </p:sp>
+      <p:sp>
+        <p:nvSpPr>
+          <p:cNvPr id="5" name="Номер слайда 4"/>
+          <p:cNvSpPr>
+            <a:spLocks noGrp="1"/>
+          </p:cNvSpPr>
+          <p:nvPr>
+            <p:ph type="sldNum" sz="quarter" idx="12"/>
+          </p:nvPr>
+        </p:nvSpPr>
+        <p:spPr/>
+        <p:txBody>
+          <a:bodyPr/>
+          <a:lstStyle/>
+          <a:p>
+            <a:fld id="{741C03D3-FA44-40EC-9A21-1FC4FEA3E22E}" type="slidenum">
+              <a:rPr lang="ru-RU" smtClean="0"/>
+              <a:t>23</a:t>
+            </a:fld>
+            <a:endParaRPr lang="ru-RU"/>
+          </a:p>
+        </p:txBody>
+      </p:sp>
+      <p:sp>
+        <p:nvSpPr>
+          <p:cNvPr id="6" name="Объект 5"/>
+          <p:cNvSpPr>
+            <a:spLocks noGrp="1"/>
+          </p:cNvSpPr>
+          <p:nvPr>
+            <p:ph idx="13"/>
+          </p:nvPr>
+        </p:nvSpPr>
+        <p:spPr>
+          <a:xfrm>
+            <a:off x="1" y="3042001"/>
+            <a:ext cx="24382412" cy="10674000"/>
+          </a:xfrm>
+          <a:solidFill>
+            <a:schemeClr val="tx1"/>
+          </a:solidFill>
+        </p:spPr>
+        <p:txBody>
+          <a:bodyPr/>
+          <a:lstStyle/>
+          <a:p>
+            <a:pPr lvl="0" defTabSz="914400" eaLnBrk="0" fontAlgn="base" hangingPunct="0">
+              <a:lnSpc>
+                <a:spcPct val="100000"/>
+              </a:lnSpc>
+              <a:spcBef>
+                <a:spcPct val="0"/>
+              </a:spcBef>
+              <a:spcAft>
+                <a:spcPct val="0"/>
+              </a:spcAft>
+            </a:pPr>
+            <a:r>
+              <a:rPr lang="ru-RU" altLang="ru-RU" dirty="0">
+                <a:solidFill>
+                  <a:srgbClr val="72C3E0"/>
+                </a:solidFill>
+                <a:latin typeface="Verdana" panose="020B0604030504040204" pitchFamily="34" charset="0"/>
+              </a:rPr>
+              <a:t>// Реализуйте этот шаблон</a:t>
+            </a:r>
+            <a:br>
+              <a:rPr lang="ru-RU" altLang="ru-RU" dirty="0">
+                <a:solidFill>
+                  <a:srgbClr val="72C3E0"/>
+                </a:solidFill>
+                <a:latin typeface="Verdana" panose="020B0604030504040204" pitchFamily="34" charset="0"/>
+              </a:rPr>
+            </a:br>
+            <a:r>
+              <a:rPr lang="ru-RU" altLang="ru-RU" dirty="0" err="1">
+                <a:solidFill>
+                  <a:srgbClr val="FFFFFF"/>
+                </a:solidFill>
+                <a:latin typeface="Verdana" panose="020B0604030504040204" pitchFamily="34" charset="0"/>
+              </a:rPr>
+              <a:t>template</a:t>
+            </a:r>
+            <a:r>
+              <a:rPr lang="ru-RU" altLang="ru-RU" dirty="0">
+                <a:solidFill>
+                  <a:srgbClr val="FFFFFF"/>
+                </a:solidFill>
+                <a:latin typeface="Verdana" panose="020B0604030504040204" pitchFamily="34" charset="0"/>
+              </a:rPr>
+              <a:t> &lt;</a:t>
+            </a:r>
+            <a:r>
+              <a:rPr lang="ru-RU" altLang="ru-RU" dirty="0" err="1">
+                <a:solidFill>
+                  <a:srgbClr val="FFFFFF"/>
+                </a:solidFill>
+                <a:latin typeface="Verdana" panose="020B0604030504040204" pitchFamily="34" charset="0"/>
+              </a:rPr>
+              <a:t>typename</a:t>
+            </a:r>
+            <a:r>
+              <a:rPr lang="ru-RU" altLang="ru-RU" dirty="0">
+                <a:solidFill>
+                  <a:srgbClr val="FFFFFF"/>
+                </a:solidFill>
+                <a:latin typeface="Verdana" panose="020B0604030504040204" pitchFamily="34" charset="0"/>
+              </a:rPr>
+              <a:t> </a:t>
+            </a:r>
+            <a:r>
+              <a:rPr lang="ru-RU" altLang="ru-RU" dirty="0">
+                <a:solidFill>
+                  <a:srgbClr val="FFCC00"/>
+                </a:solidFill>
+                <a:latin typeface="Verdana" panose="020B0604030504040204" pitchFamily="34" charset="0"/>
+              </a:rPr>
+              <a:t>T</a:t>
+            </a:r>
+            <a:r>
+              <a:rPr lang="ru-RU" altLang="ru-RU" dirty="0">
+                <a:solidFill>
+                  <a:srgbClr val="FFFFFF"/>
+                </a:solidFill>
+                <a:latin typeface="Verdana" panose="020B0604030504040204" pitchFamily="34" charset="0"/>
+              </a:rPr>
+              <a:t>&gt; </a:t>
+            </a:r>
+            <a:endParaRPr lang="en-US" altLang="ru-RU" dirty="0" smtClean="0">
+              <a:solidFill>
+                <a:srgbClr val="FFFFFF"/>
+              </a:solidFill>
+              <a:latin typeface="Verdana" panose="020B0604030504040204" pitchFamily="34" charset="0"/>
+            </a:endParaRPr>
+          </a:p>
+          <a:p>
+            <a:pPr lvl="0" defTabSz="914400" eaLnBrk="0" fontAlgn="base" hangingPunct="0">
+              <a:lnSpc>
+                <a:spcPct val="100000"/>
+              </a:lnSpc>
+              <a:spcBef>
+                <a:spcPct val="0"/>
+              </a:spcBef>
+              <a:spcAft>
+                <a:spcPct val="0"/>
+              </a:spcAft>
+            </a:pPr>
+            <a:r>
+              <a:rPr lang="ru-RU" altLang="ru-RU" dirty="0" err="1" smtClean="0">
+                <a:solidFill>
+                  <a:srgbClr val="FFFFFF"/>
+                </a:solidFill>
+                <a:latin typeface="Verdana" panose="020B0604030504040204" pitchFamily="34" charset="0"/>
+              </a:rPr>
+              <a:t>void</a:t>
+            </a:r>
+            <a:r>
+              <a:rPr lang="ru-RU" altLang="ru-RU" dirty="0" smtClean="0">
+                <a:solidFill>
+                  <a:srgbClr val="FFFFFF"/>
+                </a:solidFill>
+                <a:latin typeface="Verdana" panose="020B0604030504040204" pitchFamily="34" charset="0"/>
+              </a:rPr>
+              <a:t> </a:t>
+            </a:r>
+            <a:r>
+              <a:rPr lang="ru-RU" altLang="ru-RU" dirty="0" err="1">
+                <a:solidFill>
+                  <a:srgbClr val="FFCC00"/>
+                </a:solidFill>
+                <a:latin typeface="Verdana" panose="020B0604030504040204" pitchFamily="34" charset="0"/>
+              </a:rPr>
+              <a:t>Swap</a:t>
+            </a:r>
+            <a:r>
+              <a:rPr lang="ru-RU" altLang="ru-RU" dirty="0">
+                <a:solidFill>
+                  <a:srgbClr val="FFFFFF"/>
+                </a:solidFill>
+                <a:latin typeface="Verdana" panose="020B0604030504040204" pitchFamily="34" charset="0"/>
+              </a:rPr>
+              <a:t>(</a:t>
+            </a:r>
+            <a:r>
+              <a:rPr lang="ru-RU" altLang="ru-RU" dirty="0">
+                <a:solidFill>
+                  <a:srgbClr val="FFCC00"/>
+                </a:solidFill>
+                <a:latin typeface="Verdana" panose="020B0604030504040204" pitchFamily="34" charset="0"/>
+              </a:rPr>
+              <a:t>T</a:t>
+            </a:r>
+            <a:r>
+              <a:rPr lang="ru-RU" altLang="ru-RU" dirty="0">
+                <a:solidFill>
+                  <a:srgbClr val="FFFFFF"/>
+                </a:solidFill>
+                <a:latin typeface="Verdana" panose="020B0604030504040204" pitchFamily="34" charset="0"/>
+              </a:rPr>
+              <a:t>* </a:t>
+            </a:r>
+            <a:r>
+              <a:rPr lang="ru-RU" altLang="ru-RU" dirty="0" err="1">
+                <a:solidFill>
+                  <a:srgbClr val="5BCD9D"/>
+                </a:solidFill>
+                <a:latin typeface="Verdana" panose="020B0604030504040204" pitchFamily="34" charset="0"/>
+              </a:rPr>
+              <a:t>first</a:t>
+            </a:r>
+            <a:r>
+              <a:rPr lang="ru-RU" altLang="ru-RU" dirty="0">
+                <a:solidFill>
+                  <a:srgbClr val="FFFFFF"/>
+                </a:solidFill>
+                <a:latin typeface="Verdana" panose="020B0604030504040204" pitchFamily="34" charset="0"/>
+              </a:rPr>
+              <a:t>, </a:t>
+            </a:r>
+            <a:r>
+              <a:rPr lang="ru-RU" altLang="ru-RU" dirty="0">
+                <a:solidFill>
+                  <a:srgbClr val="FFCC00"/>
+                </a:solidFill>
+                <a:latin typeface="Verdana" panose="020B0604030504040204" pitchFamily="34" charset="0"/>
+              </a:rPr>
+              <a:t>T</a:t>
+            </a:r>
+            <a:r>
+              <a:rPr lang="ru-RU" altLang="ru-RU" dirty="0">
+                <a:solidFill>
+                  <a:srgbClr val="FFFFFF"/>
+                </a:solidFill>
+                <a:latin typeface="Verdana" panose="020B0604030504040204" pitchFamily="34" charset="0"/>
+              </a:rPr>
+              <a:t>* </a:t>
+            </a:r>
+            <a:r>
+              <a:rPr lang="ru-RU" altLang="ru-RU" dirty="0" err="1">
+                <a:solidFill>
+                  <a:srgbClr val="5BCD9D"/>
+                </a:solidFill>
+                <a:latin typeface="Verdana" panose="020B0604030504040204" pitchFamily="34" charset="0"/>
+              </a:rPr>
+              <a:t>second</a:t>
+            </a:r>
+            <a:r>
+              <a:rPr lang="ru-RU" altLang="ru-RU" dirty="0" smtClean="0">
+                <a:solidFill>
+                  <a:srgbClr val="FFFFFF"/>
+                </a:solidFill>
+                <a:latin typeface="Verdana" panose="020B0604030504040204" pitchFamily="34" charset="0"/>
+              </a:rPr>
+              <a:t>)</a:t>
+            </a:r>
+            <a:r>
+              <a:rPr lang="en-US" altLang="ru-RU" dirty="0" smtClean="0">
+                <a:solidFill>
+                  <a:srgbClr val="FFFFFF"/>
+                </a:solidFill>
+                <a:latin typeface="Verdana" panose="020B0604030504040204" pitchFamily="34" charset="0"/>
+              </a:rPr>
+              <a:t> {</a:t>
+            </a:r>
+          </a:p>
+          <a:p>
+            <a:pPr lvl="0" defTabSz="914400" eaLnBrk="0" fontAlgn="base" hangingPunct="0">
+              <a:lnSpc>
+                <a:spcPct val="100000"/>
+              </a:lnSpc>
+              <a:spcBef>
+                <a:spcPct val="0"/>
+              </a:spcBef>
+              <a:spcAft>
+                <a:spcPct val="0"/>
+              </a:spcAft>
+            </a:pPr>
+            <a:r>
+              <a:rPr lang="en-US" altLang="ru-RU" dirty="0">
+                <a:solidFill>
+                  <a:srgbClr val="FFFFFF"/>
+                </a:solidFill>
+                <a:latin typeface="Verdana" panose="020B0604030504040204" pitchFamily="34" charset="0"/>
+              </a:rPr>
+              <a:t> </a:t>
+            </a:r>
+            <a:r>
+              <a:rPr lang="en-US" altLang="ru-RU" dirty="0" smtClean="0">
+                <a:solidFill>
+                  <a:srgbClr val="FFFFFF"/>
+                </a:solidFill>
+                <a:latin typeface="Verdana" panose="020B0604030504040204" pitchFamily="34" charset="0"/>
+              </a:rPr>
+              <a:t> </a:t>
+            </a:r>
+            <a:r>
+              <a:rPr lang="en-US" altLang="ru-RU" dirty="0" err="1" smtClean="0">
+                <a:solidFill>
+                  <a:srgbClr val="FFFFFF"/>
+                </a:solidFill>
+                <a:latin typeface="Verdana" panose="020B0604030504040204" pitchFamily="34" charset="0"/>
+              </a:rPr>
+              <a:t>std</a:t>
+            </a:r>
+            <a:r>
+              <a:rPr lang="en-US" altLang="ru-RU" dirty="0" smtClean="0">
+                <a:solidFill>
+                  <a:srgbClr val="FFFFFF"/>
+                </a:solidFill>
+                <a:latin typeface="Verdana" panose="020B0604030504040204" pitchFamily="34" charset="0"/>
+              </a:rPr>
+              <a:t>::</a:t>
+            </a:r>
+            <a:r>
+              <a:rPr lang="en-US" altLang="ru-RU" dirty="0" err="1">
+                <a:solidFill>
+                  <a:srgbClr val="FFCC00"/>
+                </a:solidFill>
+                <a:latin typeface="Verdana" panose="020B0604030504040204" pitchFamily="34" charset="0"/>
+              </a:rPr>
+              <a:t>iter_swap</a:t>
+            </a:r>
+            <a:r>
+              <a:rPr lang="en-US" altLang="ru-RU" dirty="0" smtClean="0">
+                <a:solidFill>
+                  <a:srgbClr val="FFFFFF"/>
+                </a:solidFill>
+                <a:latin typeface="Verdana" panose="020B0604030504040204" pitchFamily="34" charset="0"/>
+              </a:rPr>
+              <a:t>(</a:t>
+            </a:r>
+            <a:r>
+              <a:rPr lang="en-US" altLang="ru-RU" dirty="0">
+                <a:solidFill>
+                  <a:srgbClr val="5BCD9D"/>
+                </a:solidFill>
+                <a:latin typeface="Verdana" panose="020B0604030504040204" pitchFamily="34" charset="0"/>
+              </a:rPr>
+              <a:t>first</a:t>
+            </a:r>
+            <a:r>
+              <a:rPr lang="en-US" altLang="ru-RU" dirty="0" smtClean="0">
+                <a:solidFill>
+                  <a:srgbClr val="FFFFFF"/>
+                </a:solidFill>
+                <a:latin typeface="Verdana" panose="020B0604030504040204" pitchFamily="34" charset="0"/>
+              </a:rPr>
+              <a:t>, </a:t>
+            </a:r>
+            <a:r>
+              <a:rPr lang="en-US" altLang="ru-RU" dirty="0">
+                <a:solidFill>
+                  <a:srgbClr val="5BCD9D"/>
+                </a:solidFill>
+                <a:latin typeface="Verdana" panose="020B0604030504040204" pitchFamily="34" charset="0"/>
+              </a:rPr>
+              <a:t>second</a:t>
+            </a:r>
+            <a:r>
+              <a:rPr lang="en-US" altLang="ru-RU" dirty="0" smtClean="0">
+                <a:solidFill>
+                  <a:srgbClr val="FFFFFF"/>
+                </a:solidFill>
+                <a:latin typeface="Verdana" panose="020B0604030504040204" pitchFamily="34" charset="0"/>
+              </a:rPr>
+              <a:t>); </a:t>
+            </a:r>
+          </a:p>
+          <a:p>
+            <a:pPr lvl="0" defTabSz="914400" eaLnBrk="0" fontAlgn="base" hangingPunct="0">
+              <a:lnSpc>
+                <a:spcPct val="100000"/>
+              </a:lnSpc>
+              <a:spcBef>
+                <a:spcPct val="0"/>
+              </a:spcBef>
+              <a:spcAft>
+                <a:spcPct val="0"/>
+              </a:spcAft>
+            </a:pPr>
+            <a:r>
+              <a:rPr lang="en-US" altLang="ru-RU" dirty="0" smtClean="0">
+                <a:solidFill>
+                  <a:srgbClr val="FFFFFF"/>
+                </a:solidFill>
+                <a:latin typeface="Verdana" panose="020B0604030504040204" pitchFamily="34" charset="0"/>
+              </a:rPr>
+              <a:t>}</a:t>
+            </a:r>
+          </a:p>
+          <a:p>
+            <a:pPr lvl="0" defTabSz="914400" eaLnBrk="0" fontAlgn="base" hangingPunct="0">
+              <a:lnSpc>
+                <a:spcPct val="100000"/>
+              </a:lnSpc>
+              <a:spcBef>
+                <a:spcPct val="0"/>
+              </a:spcBef>
+              <a:spcAft>
+                <a:spcPct val="0"/>
+              </a:spcAft>
+            </a:pPr>
+            <a:endParaRPr lang="en-US" altLang="ru-RU" dirty="0">
+              <a:solidFill>
+                <a:srgbClr val="FFFFFF"/>
+              </a:solidFill>
+              <a:latin typeface="Verdana" panose="020B0604030504040204" pitchFamily="34" charset="0"/>
+            </a:endParaRPr>
+          </a:p>
+          <a:p>
+            <a:pPr lvl="0" defTabSz="914400" eaLnBrk="0" fontAlgn="base" hangingPunct="0">
+              <a:lnSpc>
+                <a:spcPct val="100000"/>
+              </a:lnSpc>
+              <a:spcBef>
+                <a:spcPct val="0"/>
+              </a:spcBef>
+              <a:spcAft>
+                <a:spcPct val="0"/>
+              </a:spcAft>
+            </a:pPr>
+            <a:r>
+              <a:rPr lang="ru-RU" altLang="ru-RU" dirty="0" err="1" smtClean="0">
+                <a:solidFill>
+                  <a:srgbClr val="FFFFFF"/>
+                </a:solidFill>
+                <a:latin typeface="Verdana" panose="020B0604030504040204" pitchFamily="34" charset="0"/>
+              </a:rPr>
+              <a:t>void</a:t>
+            </a:r>
+            <a:r>
+              <a:rPr lang="ru-RU" altLang="ru-RU" dirty="0" smtClean="0">
+                <a:solidFill>
+                  <a:srgbClr val="FFFFFF"/>
+                </a:solidFill>
+                <a:latin typeface="Verdana" panose="020B0604030504040204" pitchFamily="34" charset="0"/>
+              </a:rPr>
+              <a:t> </a:t>
+            </a:r>
+            <a:r>
+              <a:rPr lang="ru-RU" altLang="ru-RU" dirty="0" err="1">
+                <a:solidFill>
+                  <a:srgbClr val="FFCC00"/>
+                </a:solidFill>
+                <a:latin typeface="Verdana" panose="020B0604030504040204" pitchFamily="34" charset="0"/>
+              </a:rPr>
+              <a:t>TestSwap</a:t>
+            </a:r>
+            <a:r>
+              <a:rPr lang="ru-RU" altLang="ru-RU" dirty="0">
+                <a:solidFill>
+                  <a:srgbClr val="FFFFFF"/>
+                </a:solidFill>
+                <a:latin typeface="Verdana" panose="020B0604030504040204" pitchFamily="34" charset="0"/>
+              </a:rPr>
+              <a:t>() {</a:t>
+            </a:r>
+            <a:br>
+              <a:rPr lang="ru-RU" altLang="ru-RU" dirty="0">
+                <a:solidFill>
+                  <a:srgbClr val="FFFFFF"/>
+                </a:solidFill>
+                <a:latin typeface="Verdana" panose="020B0604030504040204" pitchFamily="34" charset="0"/>
+              </a:rPr>
+            </a:br>
+            <a:r>
+              <a:rPr lang="ru-RU" altLang="ru-RU" dirty="0">
+                <a:solidFill>
+                  <a:srgbClr val="FFFFFF"/>
+                </a:solidFill>
+                <a:latin typeface="Verdana" panose="020B0604030504040204" pitchFamily="34" charset="0"/>
+              </a:rPr>
+              <a:t>  </a:t>
+            </a:r>
+            <a:r>
+              <a:rPr lang="ru-RU" altLang="ru-RU" dirty="0" err="1">
+                <a:solidFill>
+                  <a:srgbClr val="FFFFFF"/>
+                </a:solidFill>
+                <a:latin typeface="Verdana" panose="020B0604030504040204" pitchFamily="34" charset="0"/>
+              </a:rPr>
+              <a:t>int</a:t>
+            </a:r>
+            <a:r>
+              <a:rPr lang="ru-RU" altLang="ru-RU" dirty="0">
+                <a:solidFill>
+                  <a:srgbClr val="FFFFFF"/>
+                </a:solidFill>
+                <a:latin typeface="Verdana" panose="020B0604030504040204" pitchFamily="34" charset="0"/>
+              </a:rPr>
+              <a:t> </a:t>
+            </a:r>
+            <a:r>
+              <a:rPr lang="ru-RU" altLang="ru-RU" dirty="0">
+                <a:solidFill>
+                  <a:srgbClr val="5BCD9D"/>
+                </a:solidFill>
+                <a:latin typeface="Verdana" panose="020B0604030504040204" pitchFamily="34" charset="0"/>
+              </a:rPr>
+              <a:t>a </a:t>
+            </a:r>
+            <a:r>
+              <a:rPr lang="ru-RU" altLang="ru-RU" dirty="0">
+                <a:solidFill>
+                  <a:srgbClr val="FFFFFF"/>
+                </a:solidFill>
+                <a:latin typeface="Verdana" panose="020B0604030504040204" pitchFamily="34" charset="0"/>
+              </a:rPr>
+              <a:t>= </a:t>
+            </a:r>
+            <a:r>
+              <a:rPr lang="ru-RU" altLang="ru-RU" dirty="0" smtClean="0">
+                <a:solidFill>
+                  <a:srgbClr val="FFFFFF"/>
+                </a:solidFill>
+                <a:latin typeface="Verdana" panose="020B0604030504040204" pitchFamily="34" charset="0"/>
+              </a:rPr>
+              <a:t>1</a:t>
+            </a:r>
+            <a:r>
+              <a:rPr lang="en-US" altLang="ru-RU" dirty="0" smtClean="0">
+                <a:solidFill>
+                  <a:srgbClr val="FFFFFF"/>
+                </a:solidFill>
+                <a:latin typeface="Verdana" panose="020B0604030504040204" pitchFamily="34" charset="0"/>
+              </a:rPr>
+              <a:t>;</a:t>
+            </a:r>
+          </a:p>
+          <a:p>
+            <a:pPr lvl="0" defTabSz="914400" eaLnBrk="0" fontAlgn="base" hangingPunct="0">
+              <a:lnSpc>
+                <a:spcPct val="100000"/>
+              </a:lnSpc>
+              <a:spcBef>
+                <a:spcPct val="0"/>
+              </a:spcBef>
+              <a:spcAft>
+                <a:spcPct val="0"/>
+              </a:spcAft>
+            </a:pPr>
+            <a:r>
+              <a:rPr lang="en-US" altLang="ru-RU" dirty="0">
+                <a:solidFill>
+                  <a:srgbClr val="FFFFFF"/>
+                </a:solidFill>
+                <a:latin typeface="Verdana" panose="020B0604030504040204" pitchFamily="34" charset="0"/>
+              </a:rPr>
+              <a:t> </a:t>
+            </a:r>
+            <a:r>
+              <a:rPr lang="en-US" altLang="ru-RU" dirty="0" smtClean="0">
+                <a:solidFill>
+                  <a:srgbClr val="FFFFFF"/>
+                </a:solidFill>
+                <a:latin typeface="Verdana" panose="020B0604030504040204" pitchFamily="34" charset="0"/>
+              </a:rPr>
+              <a:t> </a:t>
+            </a:r>
+            <a:r>
+              <a:rPr lang="en-US" altLang="ru-RU" dirty="0" err="1" smtClean="0">
+                <a:solidFill>
+                  <a:srgbClr val="FFFFFF"/>
+                </a:solidFill>
+                <a:latin typeface="Verdana" panose="020B0604030504040204" pitchFamily="34" charset="0"/>
+              </a:rPr>
+              <a:t>int</a:t>
+            </a:r>
+            <a:r>
+              <a:rPr lang="ru-RU" altLang="ru-RU" dirty="0" smtClean="0">
+                <a:solidFill>
+                  <a:srgbClr val="FFFFFF"/>
+                </a:solidFill>
+                <a:latin typeface="Verdana" panose="020B0604030504040204" pitchFamily="34" charset="0"/>
+              </a:rPr>
+              <a:t> </a:t>
+            </a:r>
+            <a:r>
+              <a:rPr lang="ru-RU" altLang="ru-RU" dirty="0">
+                <a:solidFill>
+                  <a:srgbClr val="5BCD9D"/>
+                </a:solidFill>
+                <a:latin typeface="Verdana" panose="020B0604030504040204" pitchFamily="34" charset="0"/>
+              </a:rPr>
+              <a:t>b </a:t>
+            </a:r>
+            <a:r>
+              <a:rPr lang="ru-RU" altLang="ru-RU" dirty="0">
+                <a:solidFill>
+                  <a:srgbClr val="FFFFFF"/>
+                </a:solidFill>
+                <a:latin typeface="Verdana" panose="020B0604030504040204" pitchFamily="34" charset="0"/>
+              </a:rPr>
+              <a:t>= 2;</a:t>
+            </a:r>
+            <a:br>
+              <a:rPr lang="ru-RU" altLang="ru-RU" dirty="0">
+                <a:solidFill>
+                  <a:srgbClr val="FFFFFF"/>
+                </a:solidFill>
+                <a:latin typeface="Verdana" panose="020B0604030504040204" pitchFamily="34" charset="0"/>
+              </a:rPr>
+            </a:br>
+            <a:r>
+              <a:rPr lang="ru-RU" altLang="ru-RU" dirty="0">
+                <a:solidFill>
+                  <a:srgbClr val="FFFFFF"/>
+                </a:solidFill>
+                <a:latin typeface="Verdana" panose="020B0604030504040204" pitchFamily="34" charset="0"/>
+              </a:rPr>
+              <a:t>  </a:t>
+            </a:r>
+            <a:r>
+              <a:rPr lang="ru-RU" altLang="ru-RU" dirty="0" err="1">
+                <a:solidFill>
+                  <a:srgbClr val="FFCC00"/>
+                </a:solidFill>
+                <a:latin typeface="Verdana" panose="020B0604030504040204" pitchFamily="34" charset="0"/>
+              </a:rPr>
+              <a:t>Swap</a:t>
+            </a:r>
+            <a:r>
+              <a:rPr lang="ru-RU" altLang="ru-RU" dirty="0">
+                <a:solidFill>
+                  <a:srgbClr val="FFFFFF"/>
+                </a:solidFill>
+                <a:latin typeface="Verdana" panose="020B0604030504040204" pitchFamily="34" charset="0"/>
+              </a:rPr>
+              <a:t>(&amp;</a:t>
+            </a:r>
+            <a:r>
+              <a:rPr lang="ru-RU" altLang="ru-RU" dirty="0">
+                <a:solidFill>
+                  <a:srgbClr val="5BCD9D"/>
+                </a:solidFill>
+                <a:latin typeface="Verdana" panose="020B0604030504040204" pitchFamily="34" charset="0"/>
+              </a:rPr>
+              <a:t>a</a:t>
+            </a:r>
+            <a:r>
+              <a:rPr lang="ru-RU" altLang="ru-RU" dirty="0">
+                <a:solidFill>
+                  <a:srgbClr val="FFFFFF"/>
+                </a:solidFill>
+                <a:latin typeface="Verdana" panose="020B0604030504040204" pitchFamily="34" charset="0"/>
+              </a:rPr>
+              <a:t>, &amp;</a:t>
+            </a:r>
+            <a:r>
+              <a:rPr lang="ru-RU" altLang="ru-RU" dirty="0">
+                <a:solidFill>
+                  <a:srgbClr val="5BCD9D"/>
+                </a:solidFill>
+                <a:latin typeface="Verdana" panose="020B0604030504040204" pitchFamily="34" charset="0"/>
+              </a:rPr>
+              <a:t>b</a:t>
+            </a:r>
+            <a:r>
+              <a:rPr lang="ru-RU" altLang="ru-RU" dirty="0">
+                <a:solidFill>
+                  <a:srgbClr val="FFFFFF"/>
+                </a:solidFill>
+                <a:latin typeface="Verdana" panose="020B0604030504040204" pitchFamily="34" charset="0"/>
+              </a:rPr>
+              <a:t>);</a:t>
+            </a:r>
+            <a:br>
+              <a:rPr lang="ru-RU" altLang="ru-RU" dirty="0">
+                <a:solidFill>
+                  <a:srgbClr val="FFFFFF"/>
+                </a:solidFill>
+                <a:latin typeface="Verdana" panose="020B0604030504040204" pitchFamily="34" charset="0"/>
+              </a:rPr>
+            </a:br>
+            <a:r>
+              <a:rPr lang="ru-RU" altLang="ru-RU" dirty="0">
+                <a:solidFill>
+                  <a:srgbClr val="FFFFFF"/>
+                </a:solidFill>
+                <a:latin typeface="Verdana" panose="020B0604030504040204" pitchFamily="34" charset="0"/>
+              </a:rPr>
+              <a:t>  </a:t>
+            </a:r>
+            <a:r>
+              <a:rPr lang="ru-RU" altLang="ru-RU" dirty="0">
+                <a:solidFill>
+                  <a:srgbClr val="72C3E0"/>
+                </a:solidFill>
+                <a:latin typeface="Verdana" panose="020B0604030504040204" pitchFamily="34" charset="0"/>
+              </a:rPr>
+              <a:t>ASSERT_EQUAL</a:t>
+            </a:r>
+            <a:r>
+              <a:rPr lang="ru-RU" altLang="ru-RU" dirty="0">
+                <a:solidFill>
+                  <a:srgbClr val="FFFFFF"/>
+                </a:solidFill>
+                <a:latin typeface="Verdana" panose="020B0604030504040204" pitchFamily="34" charset="0"/>
+              </a:rPr>
+              <a:t>(</a:t>
+            </a:r>
+            <a:r>
+              <a:rPr lang="ru-RU" altLang="ru-RU" dirty="0">
+                <a:solidFill>
+                  <a:srgbClr val="5BCD9D"/>
+                </a:solidFill>
+                <a:latin typeface="Verdana" panose="020B0604030504040204" pitchFamily="34" charset="0"/>
+              </a:rPr>
+              <a:t>a</a:t>
+            </a:r>
+            <a:r>
+              <a:rPr lang="ru-RU" altLang="ru-RU" dirty="0">
+                <a:solidFill>
+                  <a:srgbClr val="FFFFFF"/>
+                </a:solidFill>
+                <a:latin typeface="Verdana" panose="020B0604030504040204" pitchFamily="34" charset="0"/>
+              </a:rPr>
+              <a:t>, 2);</a:t>
+            </a:r>
+            <a:br>
+              <a:rPr lang="ru-RU" altLang="ru-RU" dirty="0">
+                <a:solidFill>
+                  <a:srgbClr val="FFFFFF"/>
+                </a:solidFill>
+                <a:latin typeface="Verdana" panose="020B0604030504040204" pitchFamily="34" charset="0"/>
+              </a:rPr>
+            </a:br>
+            <a:r>
+              <a:rPr lang="ru-RU" altLang="ru-RU" dirty="0">
+                <a:solidFill>
+                  <a:srgbClr val="FFFFFF"/>
+                </a:solidFill>
+                <a:latin typeface="Verdana" panose="020B0604030504040204" pitchFamily="34" charset="0"/>
+              </a:rPr>
+              <a:t>  </a:t>
+            </a:r>
+            <a:r>
+              <a:rPr lang="ru-RU" altLang="ru-RU" dirty="0">
+                <a:solidFill>
+                  <a:srgbClr val="72C3E0"/>
+                </a:solidFill>
+                <a:latin typeface="Verdana" panose="020B0604030504040204" pitchFamily="34" charset="0"/>
+              </a:rPr>
+              <a:t>ASSERT_EQUAL</a:t>
+            </a:r>
+            <a:r>
+              <a:rPr lang="ru-RU" altLang="ru-RU" dirty="0">
+                <a:solidFill>
+                  <a:srgbClr val="FFFFFF"/>
+                </a:solidFill>
+                <a:latin typeface="Verdana" panose="020B0604030504040204" pitchFamily="34" charset="0"/>
+              </a:rPr>
+              <a:t>(</a:t>
+            </a:r>
+            <a:r>
+              <a:rPr lang="ru-RU" altLang="ru-RU" dirty="0">
+                <a:solidFill>
+                  <a:srgbClr val="5BCD9D"/>
+                </a:solidFill>
+                <a:latin typeface="Verdana" panose="020B0604030504040204" pitchFamily="34" charset="0"/>
+              </a:rPr>
+              <a:t>b</a:t>
+            </a:r>
+            <a:r>
+              <a:rPr lang="ru-RU" altLang="ru-RU" dirty="0">
+                <a:solidFill>
+                  <a:srgbClr val="FFFFFF"/>
+                </a:solidFill>
+                <a:latin typeface="Verdana" panose="020B0604030504040204" pitchFamily="34" charset="0"/>
+              </a:rPr>
+              <a:t>, 1);</a:t>
+            </a:r>
+            <a:br>
+              <a:rPr lang="ru-RU" altLang="ru-RU" dirty="0">
+                <a:solidFill>
+                  <a:srgbClr val="FFFFFF"/>
+                </a:solidFill>
+                <a:latin typeface="Verdana" panose="020B0604030504040204" pitchFamily="34" charset="0"/>
+              </a:rPr>
+            </a:br>
+            <a:r>
+              <a:rPr lang="ru-RU" altLang="ru-RU" dirty="0">
+                <a:solidFill>
+                  <a:srgbClr val="FFFFFF"/>
+                </a:solidFill>
+                <a:latin typeface="Verdana" panose="020B0604030504040204" pitchFamily="34" charset="0"/>
+              </a:rPr>
+              <a:t>}</a:t>
+            </a:r>
+            <a:br>
+              <a:rPr lang="ru-RU" altLang="ru-RU" dirty="0">
+                <a:solidFill>
+                  <a:srgbClr val="FFFFFF"/>
+                </a:solidFill>
+                <a:latin typeface="Verdana" panose="020B0604030504040204" pitchFamily="34" charset="0"/>
+              </a:rPr>
+            </a:br>
+            <a:r>
+              <a:rPr lang="ru-RU" altLang="ru-RU" dirty="0">
+                <a:solidFill>
+                  <a:srgbClr val="FFFFFF"/>
+                </a:solidFill>
+                <a:latin typeface="Verdana" panose="020B0604030504040204" pitchFamily="34" charset="0"/>
+              </a:rPr>
+              <a:t/>
+            </a:r>
+            <a:br>
+              <a:rPr lang="ru-RU" altLang="ru-RU" dirty="0">
+                <a:solidFill>
+                  <a:srgbClr val="FFFFFF"/>
+                </a:solidFill>
+                <a:latin typeface="Verdana" panose="020B0604030504040204" pitchFamily="34" charset="0"/>
+              </a:rPr>
+            </a:br>
+            <a:r>
+              <a:rPr lang="ru-RU" altLang="ru-RU" dirty="0" err="1">
+                <a:solidFill>
+                  <a:srgbClr val="FFFFFF"/>
+                </a:solidFill>
+                <a:latin typeface="Verdana" panose="020B0604030504040204" pitchFamily="34" charset="0"/>
+              </a:rPr>
+              <a:t>int</a:t>
+            </a:r>
+            <a:r>
+              <a:rPr lang="ru-RU" altLang="ru-RU" dirty="0">
+                <a:solidFill>
+                  <a:srgbClr val="FFFFFF"/>
+                </a:solidFill>
+                <a:latin typeface="Verdana" panose="020B0604030504040204" pitchFamily="34" charset="0"/>
+              </a:rPr>
+              <a:t> </a:t>
+            </a:r>
+            <a:r>
+              <a:rPr lang="ru-RU" altLang="ru-RU" dirty="0" err="1">
+                <a:solidFill>
+                  <a:srgbClr val="FFCC00"/>
+                </a:solidFill>
+                <a:latin typeface="Verdana" panose="020B0604030504040204" pitchFamily="34" charset="0"/>
+              </a:rPr>
+              <a:t>main</a:t>
+            </a:r>
+            <a:r>
+              <a:rPr lang="ru-RU" altLang="ru-RU" dirty="0">
+                <a:solidFill>
+                  <a:srgbClr val="FFFFFF"/>
+                </a:solidFill>
+                <a:latin typeface="Verdana" panose="020B0604030504040204" pitchFamily="34" charset="0"/>
+              </a:rPr>
+              <a:t>() {</a:t>
+            </a:r>
+            <a:br>
+              <a:rPr lang="ru-RU" altLang="ru-RU" dirty="0">
+                <a:solidFill>
+                  <a:srgbClr val="FFFFFF"/>
+                </a:solidFill>
+                <a:latin typeface="Verdana" panose="020B0604030504040204" pitchFamily="34" charset="0"/>
+              </a:rPr>
+            </a:br>
+            <a:r>
+              <a:rPr lang="ru-RU" altLang="ru-RU" dirty="0">
+                <a:solidFill>
+                  <a:srgbClr val="FFFFFF"/>
+                </a:solidFill>
+                <a:latin typeface="Verdana" panose="020B0604030504040204" pitchFamily="34" charset="0"/>
+              </a:rPr>
+              <a:t>  </a:t>
+            </a:r>
+            <a:r>
+              <a:rPr lang="ru-RU" altLang="ru-RU" dirty="0" err="1">
+                <a:solidFill>
+                  <a:srgbClr val="FFCC00"/>
+                </a:solidFill>
+                <a:latin typeface="Verdana" panose="020B0604030504040204" pitchFamily="34" charset="0"/>
+              </a:rPr>
+              <a:t>TestRunner</a:t>
+            </a:r>
+            <a:r>
+              <a:rPr lang="ru-RU" altLang="ru-RU" dirty="0">
+                <a:solidFill>
+                  <a:srgbClr val="FFCC00"/>
+                </a:solidFill>
+                <a:latin typeface="Verdana" panose="020B0604030504040204" pitchFamily="34" charset="0"/>
+              </a:rPr>
+              <a:t> </a:t>
+            </a:r>
+            <a:r>
+              <a:rPr lang="ru-RU" altLang="ru-RU" dirty="0" err="1">
+                <a:solidFill>
+                  <a:srgbClr val="5BCD9D"/>
+                </a:solidFill>
+                <a:latin typeface="Verdana" panose="020B0604030504040204" pitchFamily="34" charset="0"/>
+              </a:rPr>
+              <a:t>tr</a:t>
+            </a:r>
+            <a:r>
+              <a:rPr lang="ru-RU" altLang="ru-RU" dirty="0">
+                <a:solidFill>
+                  <a:srgbClr val="FFFFFF"/>
+                </a:solidFill>
+                <a:latin typeface="Verdana" panose="020B0604030504040204" pitchFamily="34" charset="0"/>
+              </a:rPr>
+              <a:t>;</a:t>
+            </a:r>
+            <a:br>
+              <a:rPr lang="ru-RU" altLang="ru-RU" dirty="0">
+                <a:solidFill>
+                  <a:srgbClr val="FFFFFF"/>
+                </a:solidFill>
+                <a:latin typeface="Verdana" panose="020B0604030504040204" pitchFamily="34" charset="0"/>
+              </a:rPr>
+            </a:br>
+            <a:r>
+              <a:rPr lang="ru-RU" altLang="ru-RU" dirty="0">
+                <a:solidFill>
+                  <a:srgbClr val="FFFFFF"/>
+                </a:solidFill>
+                <a:latin typeface="Verdana" panose="020B0604030504040204" pitchFamily="34" charset="0"/>
+              </a:rPr>
+              <a:t>  </a:t>
+            </a:r>
+            <a:r>
+              <a:rPr lang="ru-RU" altLang="ru-RU" dirty="0">
+                <a:solidFill>
+                  <a:srgbClr val="72C3E0"/>
+                </a:solidFill>
+                <a:latin typeface="Verdana" panose="020B0604030504040204" pitchFamily="34" charset="0"/>
+              </a:rPr>
+              <a:t>RUN_TEST</a:t>
+            </a:r>
+            <a:r>
+              <a:rPr lang="ru-RU" altLang="ru-RU" dirty="0">
+                <a:solidFill>
+                  <a:srgbClr val="FFFFFF"/>
+                </a:solidFill>
+                <a:latin typeface="Verdana" panose="020B0604030504040204" pitchFamily="34" charset="0"/>
+              </a:rPr>
+              <a:t>(</a:t>
+            </a:r>
+            <a:r>
+              <a:rPr lang="ru-RU" altLang="ru-RU" dirty="0" err="1">
+                <a:solidFill>
+                  <a:srgbClr val="5BCD9D"/>
+                </a:solidFill>
+                <a:latin typeface="Verdana" panose="020B0604030504040204" pitchFamily="34" charset="0"/>
+              </a:rPr>
+              <a:t>tr</a:t>
+            </a:r>
+            <a:r>
+              <a:rPr lang="ru-RU" altLang="ru-RU" dirty="0">
+                <a:solidFill>
+                  <a:srgbClr val="FFFFFF"/>
+                </a:solidFill>
+                <a:latin typeface="Verdana" panose="020B0604030504040204" pitchFamily="34" charset="0"/>
+              </a:rPr>
+              <a:t>, </a:t>
+            </a:r>
+            <a:r>
+              <a:rPr lang="ru-RU" altLang="ru-RU" dirty="0" err="1">
+                <a:solidFill>
+                  <a:srgbClr val="FFCC00"/>
+                </a:solidFill>
+                <a:latin typeface="Verdana" panose="020B0604030504040204" pitchFamily="34" charset="0"/>
+              </a:rPr>
+              <a:t>TestSwap</a:t>
+            </a:r>
+            <a:r>
+              <a:rPr lang="ru-RU" altLang="ru-RU" dirty="0">
+                <a:solidFill>
+                  <a:srgbClr val="FFFFFF"/>
+                </a:solidFill>
+                <a:latin typeface="Verdana" panose="020B0604030504040204" pitchFamily="34" charset="0"/>
+              </a:rPr>
+              <a:t>);</a:t>
+            </a:r>
+            <a:br>
+              <a:rPr lang="ru-RU" altLang="ru-RU" dirty="0">
+                <a:solidFill>
+                  <a:srgbClr val="FFFFFF"/>
+                </a:solidFill>
+                <a:latin typeface="Verdana" panose="020B0604030504040204" pitchFamily="34" charset="0"/>
+              </a:rPr>
+            </a:br>
+            <a:r>
+              <a:rPr lang="ru-RU" altLang="ru-RU" dirty="0" smtClean="0">
+                <a:solidFill>
+                  <a:srgbClr val="FFFFFF"/>
+                </a:solidFill>
+                <a:latin typeface="Verdana" panose="020B0604030504040204" pitchFamily="34" charset="0"/>
+              </a:rPr>
+              <a:t>}</a:t>
+            </a:r>
+            <a:endParaRPr lang="ru-RU" altLang="ru-RU" sz="6600" dirty="0">
+              <a:solidFill>
+                <a:schemeClr val="tx1"/>
+              </a:solidFill>
+              <a:latin typeface="Arial" panose="020B0604020202020204" pitchFamily="34" charset="0"/>
+            </a:endParaRPr>
+          </a:p>
+        </p:txBody>
+      </p:sp>
+      <p:sp>
+        <p:nvSpPr>
+          <p:cNvPr id="8" name="Объект 5"/>
+          <p:cNvSpPr>
+            <a:spLocks noGrp="1"/>
+          </p:cNvSpPr>
+          <p:nvPr>
+            <p:ph idx="13"/>
+          </p:nvPr>
+        </p:nvSpPr>
+        <p:spPr>
+          <a:xfrm>
+            <a:off x="11447076" y="3056289"/>
+            <a:ext cx="11809799" cy="10674000"/>
+          </a:xfrm>
+          <a:solidFill>
+            <a:schemeClr val="tx1"/>
+          </a:solidFill>
+        </p:spPr>
+        <p:txBody>
+          <a:bodyPr/>
+          <a:lstStyle/>
+          <a:p>
+            <a:pPr lvl="0" defTabSz="914400" eaLnBrk="0" fontAlgn="base" hangingPunct="0">
+              <a:lnSpc>
+                <a:spcPct val="100000"/>
+              </a:lnSpc>
+              <a:spcBef>
+                <a:spcPct val="0"/>
+              </a:spcBef>
+              <a:spcAft>
+                <a:spcPct val="0"/>
+              </a:spcAft>
+            </a:pPr>
+            <a:r>
+              <a:rPr lang="ru-RU" altLang="ru-RU" dirty="0" err="1">
+                <a:solidFill>
+                  <a:srgbClr val="FFFFFF"/>
+                </a:solidFill>
+                <a:latin typeface="Verdana" panose="020B0604030504040204" pitchFamily="34" charset="0"/>
+              </a:rPr>
+              <a:t>int</a:t>
+            </a:r>
+            <a:r>
+              <a:rPr lang="ru-RU" altLang="ru-RU" dirty="0">
+                <a:solidFill>
+                  <a:srgbClr val="FFFFFF"/>
+                </a:solidFill>
+                <a:latin typeface="Verdana" panose="020B0604030504040204" pitchFamily="34" charset="0"/>
+              </a:rPr>
+              <a:t> </a:t>
+            </a:r>
+            <a:r>
+              <a:rPr lang="ru-RU" altLang="ru-RU" dirty="0" err="1">
+                <a:solidFill>
+                  <a:srgbClr val="FFCC00"/>
+                </a:solidFill>
+                <a:latin typeface="Verdana" panose="020B0604030504040204" pitchFamily="34" charset="0"/>
+              </a:rPr>
+              <a:t>main</a:t>
+            </a:r>
+            <a:r>
+              <a:rPr lang="ru-RU" altLang="ru-RU" dirty="0">
+                <a:solidFill>
+                  <a:srgbClr val="FFFFFF"/>
+                </a:solidFill>
+                <a:latin typeface="Verdana" panose="020B0604030504040204" pitchFamily="34" charset="0"/>
+              </a:rPr>
+              <a:t>() {</a:t>
+            </a:r>
+            <a:br>
+              <a:rPr lang="ru-RU" altLang="ru-RU" dirty="0">
+                <a:solidFill>
+                  <a:srgbClr val="FFFFFF"/>
+                </a:solidFill>
+                <a:latin typeface="Verdana" panose="020B0604030504040204" pitchFamily="34" charset="0"/>
+              </a:rPr>
+            </a:br>
+            <a:r>
+              <a:rPr lang="ru-RU" altLang="ru-RU" dirty="0">
+                <a:solidFill>
+                  <a:srgbClr val="FFFFFF"/>
+                </a:solidFill>
+                <a:latin typeface="Verdana" panose="020B0604030504040204" pitchFamily="34" charset="0"/>
+              </a:rPr>
+              <a:t>  </a:t>
+            </a:r>
+            <a:r>
+              <a:rPr lang="ru-RU" altLang="ru-RU" dirty="0" err="1">
+                <a:solidFill>
+                  <a:srgbClr val="FFCC00"/>
+                </a:solidFill>
+                <a:latin typeface="Verdana" panose="020B0604030504040204" pitchFamily="34" charset="0"/>
+              </a:rPr>
+              <a:t>string</a:t>
+            </a:r>
+            <a:r>
+              <a:rPr lang="ru-RU" altLang="ru-RU" dirty="0">
+                <a:solidFill>
+                  <a:srgbClr val="FFCC00"/>
+                </a:solidFill>
+                <a:latin typeface="Verdana" panose="020B0604030504040204" pitchFamily="34" charset="0"/>
+              </a:rPr>
+              <a:t> </a:t>
+            </a:r>
+            <a:r>
+              <a:rPr lang="ru-RU" altLang="ru-RU" dirty="0" err="1">
+                <a:solidFill>
+                  <a:srgbClr val="5BCD9D"/>
+                </a:solidFill>
+                <a:latin typeface="Verdana" panose="020B0604030504040204" pitchFamily="34" charset="0"/>
+              </a:rPr>
+              <a:t>left</a:t>
+            </a:r>
+            <a:r>
+              <a:rPr lang="ru-RU" altLang="ru-RU" dirty="0">
+                <a:solidFill>
+                  <a:srgbClr val="5BCD9D"/>
+                </a:solidFill>
+                <a:latin typeface="Verdana" panose="020B0604030504040204" pitchFamily="34" charset="0"/>
+              </a:rPr>
+              <a:t> </a:t>
+            </a:r>
+            <a:r>
+              <a:rPr lang="ru-RU" altLang="ru-RU" dirty="0">
+                <a:solidFill>
+                  <a:srgbClr val="FFFFFF"/>
+                </a:solidFill>
+                <a:latin typeface="Verdana" panose="020B0604030504040204" pitchFamily="34" charset="0"/>
+              </a:rPr>
+              <a:t>= </a:t>
+            </a:r>
+            <a:r>
+              <a:rPr lang="ru-RU" altLang="ru-RU" dirty="0">
+                <a:solidFill>
+                  <a:srgbClr val="9E64A9"/>
+                </a:solidFill>
+                <a:latin typeface="Verdana" panose="020B0604030504040204" pitchFamily="34" charset="0"/>
+              </a:rPr>
+              <a:t>"</a:t>
+            </a:r>
+            <a:r>
+              <a:rPr lang="ru-RU" altLang="ru-RU" dirty="0" err="1">
+                <a:solidFill>
+                  <a:srgbClr val="9E64A9"/>
+                </a:solidFill>
+                <a:latin typeface="Verdana" panose="020B0604030504040204" pitchFamily="34" charset="0"/>
+              </a:rPr>
+              <a:t>leftstring</a:t>
+            </a:r>
+            <a:r>
+              <a:rPr lang="ru-RU" altLang="ru-RU" dirty="0">
+                <a:solidFill>
+                  <a:srgbClr val="9E64A9"/>
+                </a:solidFill>
+                <a:latin typeface="Verdana" panose="020B0604030504040204" pitchFamily="34" charset="0"/>
+              </a:rPr>
+              <a:t>"</a:t>
+            </a:r>
+            <a:r>
+              <a:rPr lang="ru-RU" altLang="ru-RU" dirty="0">
+                <a:solidFill>
+                  <a:srgbClr val="FFFFFF"/>
+                </a:solidFill>
+                <a:latin typeface="Verdana" panose="020B0604030504040204" pitchFamily="34" charset="0"/>
+              </a:rPr>
+              <a:t>;</a:t>
+            </a:r>
+            <a:br>
+              <a:rPr lang="ru-RU" altLang="ru-RU" dirty="0">
+                <a:solidFill>
+                  <a:srgbClr val="FFFFFF"/>
+                </a:solidFill>
+                <a:latin typeface="Verdana" panose="020B0604030504040204" pitchFamily="34" charset="0"/>
+              </a:rPr>
+            </a:br>
+            <a:r>
+              <a:rPr lang="ru-RU" altLang="ru-RU" dirty="0">
+                <a:solidFill>
+                  <a:srgbClr val="FFFFFF"/>
+                </a:solidFill>
+                <a:latin typeface="Verdana" panose="020B0604030504040204" pitchFamily="34" charset="0"/>
+              </a:rPr>
+              <a:t>  </a:t>
+            </a:r>
+            <a:r>
+              <a:rPr lang="ru-RU" altLang="ru-RU" dirty="0" err="1">
+                <a:solidFill>
+                  <a:srgbClr val="FFCC00"/>
+                </a:solidFill>
+                <a:latin typeface="Verdana" panose="020B0604030504040204" pitchFamily="34" charset="0"/>
+              </a:rPr>
+              <a:t>string</a:t>
+            </a:r>
+            <a:r>
+              <a:rPr lang="ru-RU" altLang="ru-RU" dirty="0">
+                <a:solidFill>
+                  <a:srgbClr val="FFCC00"/>
+                </a:solidFill>
+                <a:latin typeface="Verdana" panose="020B0604030504040204" pitchFamily="34" charset="0"/>
+              </a:rPr>
+              <a:t> </a:t>
+            </a:r>
+            <a:r>
+              <a:rPr lang="ru-RU" altLang="ru-RU" dirty="0" err="1">
+                <a:solidFill>
+                  <a:srgbClr val="5BCD9D"/>
+                </a:solidFill>
+                <a:latin typeface="Verdana" panose="020B0604030504040204" pitchFamily="34" charset="0"/>
+              </a:rPr>
+              <a:t>right</a:t>
+            </a:r>
+            <a:r>
+              <a:rPr lang="ru-RU" altLang="ru-RU" dirty="0">
+                <a:solidFill>
+                  <a:srgbClr val="5BCD9D"/>
+                </a:solidFill>
+                <a:latin typeface="Verdana" panose="020B0604030504040204" pitchFamily="34" charset="0"/>
+              </a:rPr>
+              <a:t> </a:t>
+            </a:r>
+            <a:r>
+              <a:rPr lang="ru-RU" altLang="ru-RU" dirty="0">
+                <a:solidFill>
+                  <a:srgbClr val="FFFFFF"/>
+                </a:solidFill>
+                <a:latin typeface="Verdana" panose="020B0604030504040204" pitchFamily="34" charset="0"/>
+              </a:rPr>
+              <a:t>= </a:t>
+            </a:r>
+            <a:r>
+              <a:rPr lang="ru-RU" altLang="ru-RU" dirty="0">
+                <a:solidFill>
+                  <a:srgbClr val="9E64A9"/>
+                </a:solidFill>
+                <a:latin typeface="Verdana" panose="020B0604030504040204" pitchFamily="34" charset="0"/>
+              </a:rPr>
+              <a:t>"</a:t>
+            </a:r>
+            <a:r>
+              <a:rPr lang="ru-RU" altLang="ru-RU" dirty="0" err="1">
+                <a:solidFill>
+                  <a:srgbClr val="9E64A9"/>
+                </a:solidFill>
+                <a:latin typeface="Verdana" panose="020B0604030504040204" pitchFamily="34" charset="0"/>
+              </a:rPr>
+              <a:t>rightstring</a:t>
+            </a:r>
+            <a:r>
+              <a:rPr lang="ru-RU" altLang="ru-RU" dirty="0">
+                <a:solidFill>
+                  <a:srgbClr val="9E64A9"/>
+                </a:solidFill>
+                <a:latin typeface="Verdana" panose="020B0604030504040204" pitchFamily="34" charset="0"/>
+              </a:rPr>
+              <a:t>"</a:t>
+            </a:r>
+            <a:r>
+              <a:rPr lang="ru-RU" altLang="ru-RU" dirty="0">
+                <a:solidFill>
+                  <a:srgbClr val="FFFFFF"/>
+                </a:solidFill>
+                <a:latin typeface="Verdana" panose="020B0604030504040204" pitchFamily="34" charset="0"/>
+              </a:rPr>
+              <a:t>;</a:t>
+            </a:r>
+            <a:br>
+              <a:rPr lang="ru-RU" altLang="ru-RU" dirty="0">
+                <a:solidFill>
+                  <a:srgbClr val="FFFFFF"/>
+                </a:solidFill>
+                <a:latin typeface="Verdana" panose="020B0604030504040204" pitchFamily="34" charset="0"/>
+              </a:rPr>
+            </a:br>
+            <a:r>
+              <a:rPr lang="ru-RU" altLang="ru-RU" dirty="0">
+                <a:solidFill>
+                  <a:srgbClr val="FFFFFF"/>
+                </a:solidFill>
+                <a:latin typeface="Verdana" panose="020B0604030504040204" pitchFamily="34" charset="0"/>
+              </a:rPr>
+              <a:t/>
+            </a:r>
+            <a:br>
+              <a:rPr lang="ru-RU" altLang="ru-RU" dirty="0">
+                <a:solidFill>
+                  <a:srgbClr val="FFFFFF"/>
+                </a:solidFill>
+                <a:latin typeface="Verdana" panose="020B0604030504040204" pitchFamily="34" charset="0"/>
+              </a:rPr>
+            </a:br>
+            <a:r>
+              <a:rPr lang="ru-RU" altLang="ru-RU" dirty="0">
+                <a:solidFill>
+                  <a:srgbClr val="FFFFFF"/>
+                </a:solidFill>
+                <a:latin typeface="Verdana" panose="020B0604030504040204" pitchFamily="34" charset="0"/>
+              </a:rPr>
+              <a:t>  </a:t>
+            </a:r>
+            <a:r>
+              <a:rPr lang="ru-RU" altLang="ru-RU" dirty="0" err="1">
+                <a:solidFill>
+                  <a:srgbClr val="FFCC00"/>
+                </a:solidFill>
+                <a:latin typeface="Verdana" panose="020B0604030504040204" pitchFamily="34" charset="0"/>
+              </a:rPr>
+              <a:t>Swap</a:t>
+            </a:r>
+            <a:r>
+              <a:rPr lang="ru-RU" altLang="ru-RU" dirty="0">
+                <a:solidFill>
+                  <a:srgbClr val="FFFFFF"/>
+                </a:solidFill>
+                <a:latin typeface="Verdana" panose="020B0604030504040204" pitchFamily="34" charset="0"/>
+              </a:rPr>
+              <a:t>(&amp;</a:t>
+            </a:r>
+            <a:r>
+              <a:rPr lang="ru-RU" altLang="ru-RU" dirty="0" err="1">
+                <a:solidFill>
+                  <a:srgbClr val="5BCD9D"/>
+                </a:solidFill>
+                <a:latin typeface="Verdana" panose="020B0604030504040204" pitchFamily="34" charset="0"/>
+              </a:rPr>
+              <a:t>left</a:t>
+            </a:r>
+            <a:r>
+              <a:rPr lang="ru-RU" altLang="ru-RU" dirty="0">
+                <a:solidFill>
+                  <a:srgbClr val="FFFFFF"/>
+                </a:solidFill>
+                <a:latin typeface="Verdana" panose="020B0604030504040204" pitchFamily="34" charset="0"/>
+              </a:rPr>
+              <a:t>, &amp;</a:t>
+            </a:r>
+            <a:r>
+              <a:rPr lang="ru-RU" altLang="ru-RU" dirty="0" err="1">
+                <a:solidFill>
+                  <a:srgbClr val="5BCD9D"/>
+                </a:solidFill>
+                <a:latin typeface="Verdana" panose="020B0604030504040204" pitchFamily="34" charset="0"/>
+              </a:rPr>
+              <a:t>right</a:t>
+            </a:r>
+            <a:r>
+              <a:rPr lang="ru-RU" altLang="ru-RU" dirty="0">
+                <a:solidFill>
+                  <a:srgbClr val="FFFFFF"/>
+                </a:solidFill>
+                <a:latin typeface="Verdana" panose="020B0604030504040204" pitchFamily="34" charset="0"/>
+              </a:rPr>
+              <a:t>);</a:t>
+            </a:r>
+            <a:br>
+              <a:rPr lang="ru-RU" altLang="ru-RU" dirty="0">
+                <a:solidFill>
+                  <a:srgbClr val="FFFFFF"/>
+                </a:solidFill>
+                <a:latin typeface="Verdana" panose="020B0604030504040204" pitchFamily="34" charset="0"/>
+              </a:rPr>
+            </a:br>
+            <a:r>
+              <a:rPr lang="ru-RU" altLang="ru-RU" dirty="0">
+                <a:solidFill>
+                  <a:srgbClr val="FFFFFF"/>
+                </a:solidFill>
+                <a:latin typeface="Verdana" panose="020B0604030504040204" pitchFamily="34" charset="0"/>
+              </a:rPr>
+              <a:t>  </a:t>
+            </a:r>
+            <a:r>
+              <a:rPr lang="ru-RU" altLang="ru-RU" dirty="0" err="1">
+                <a:solidFill>
+                  <a:srgbClr val="FFCC00"/>
+                </a:solidFill>
+                <a:latin typeface="Verdana" panose="020B0604030504040204" pitchFamily="34" charset="0"/>
+              </a:rPr>
+              <a:t>belts</a:t>
+            </a:r>
+            <a:r>
+              <a:rPr lang="ru-RU" altLang="ru-RU" dirty="0">
+                <a:solidFill>
+                  <a:srgbClr val="FFFFFF"/>
+                </a:solidFill>
+                <a:latin typeface="Verdana" panose="020B0604030504040204" pitchFamily="34" charset="0"/>
+              </a:rPr>
+              <a:t>::</a:t>
+            </a:r>
+            <a:r>
+              <a:rPr lang="ru-RU" altLang="ru-RU" dirty="0" err="1">
+                <a:solidFill>
+                  <a:srgbClr val="FFCC00"/>
+                </a:solidFill>
+                <a:latin typeface="Verdana" panose="020B0604030504040204" pitchFamily="34" charset="0"/>
+              </a:rPr>
+              <a:t>Assert</a:t>
+            </a:r>
+            <a:r>
+              <a:rPr lang="ru-RU" altLang="ru-RU" dirty="0">
+                <a:solidFill>
+                  <a:srgbClr val="FFFFFF"/>
+                </a:solidFill>
+                <a:latin typeface="Verdana" panose="020B0604030504040204" pitchFamily="34" charset="0"/>
+              </a:rPr>
+              <a:t>(</a:t>
+            </a:r>
+            <a:r>
+              <a:rPr lang="ru-RU" altLang="ru-RU" dirty="0" err="1">
+                <a:solidFill>
+                  <a:srgbClr val="5BCD9D"/>
+                </a:solidFill>
+                <a:latin typeface="Verdana" panose="020B0604030504040204" pitchFamily="34" charset="0"/>
+              </a:rPr>
+              <a:t>left</a:t>
+            </a:r>
+            <a:r>
+              <a:rPr lang="ru-RU" altLang="ru-RU" dirty="0">
+                <a:solidFill>
+                  <a:srgbClr val="5BCD9D"/>
+                </a:solidFill>
+                <a:latin typeface="Verdana" panose="020B0604030504040204" pitchFamily="34" charset="0"/>
+              </a:rPr>
+              <a:t> </a:t>
+            </a:r>
+            <a:r>
+              <a:rPr lang="ru-RU" altLang="ru-RU" dirty="0">
+                <a:solidFill>
+                  <a:srgbClr val="FFFFFF"/>
+                </a:solidFill>
+                <a:latin typeface="Verdana" panose="020B0604030504040204" pitchFamily="34" charset="0"/>
+              </a:rPr>
+              <a:t>== </a:t>
+            </a:r>
+            <a:r>
+              <a:rPr lang="ru-RU" altLang="ru-RU" dirty="0">
+                <a:solidFill>
+                  <a:srgbClr val="9E64A9"/>
+                </a:solidFill>
+                <a:latin typeface="Verdana" panose="020B0604030504040204" pitchFamily="34" charset="0"/>
+              </a:rPr>
+              <a:t>"</a:t>
+            </a:r>
+            <a:r>
+              <a:rPr lang="ru-RU" altLang="ru-RU" dirty="0" err="1">
+                <a:solidFill>
+                  <a:srgbClr val="9E64A9"/>
+                </a:solidFill>
+                <a:latin typeface="Verdana" panose="020B0604030504040204" pitchFamily="34" charset="0"/>
+              </a:rPr>
+              <a:t>rightstring</a:t>
+            </a:r>
+            <a:r>
+              <a:rPr lang="ru-RU" altLang="ru-RU" dirty="0">
+                <a:solidFill>
+                  <a:srgbClr val="9E64A9"/>
+                </a:solidFill>
+                <a:latin typeface="Verdana" panose="020B0604030504040204" pitchFamily="34" charset="0"/>
+              </a:rPr>
+              <a:t>"</a:t>
+            </a:r>
+            <a:r>
+              <a:rPr lang="ru-RU" altLang="ru-RU" dirty="0">
+                <a:solidFill>
+                  <a:srgbClr val="FFFFFF"/>
+                </a:solidFill>
+                <a:latin typeface="Verdana" panose="020B0604030504040204" pitchFamily="34" charset="0"/>
+              </a:rPr>
+              <a:t>);</a:t>
+            </a:r>
+            <a:br>
+              <a:rPr lang="ru-RU" altLang="ru-RU" dirty="0">
+                <a:solidFill>
+                  <a:srgbClr val="FFFFFF"/>
+                </a:solidFill>
+                <a:latin typeface="Verdana" panose="020B0604030504040204" pitchFamily="34" charset="0"/>
+              </a:rPr>
+            </a:br>
+            <a:r>
+              <a:rPr lang="ru-RU" altLang="ru-RU" dirty="0">
+                <a:solidFill>
+                  <a:srgbClr val="FFFFFF"/>
+                </a:solidFill>
+                <a:latin typeface="Verdana" panose="020B0604030504040204" pitchFamily="34" charset="0"/>
+              </a:rPr>
+              <a:t>  </a:t>
+            </a:r>
+            <a:r>
+              <a:rPr lang="ru-RU" altLang="ru-RU" dirty="0" err="1">
+                <a:solidFill>
+                  <a:srgbClr val="FFCC00"/>
+                </a:solidFill>
+                <a:latin typeface="Verdana" panose="020B0604030504040204" pitchFamily="34" charset="0"/>
+              </a:rPr>
+              <a:t>belts</a:t>
+            </a:r>
+            <a:r>
+              <a:rPr lang="ru-RU" altLang="ru-RU" dirty="0">
+                <a:solidFill>
+                  <a:srgbClr val="FFFFFF"/>
+                </a:solidFill>
+                <a:latin typeface="Verdana" panose="020B0604030504040204" pitchFamily="34" charset="0"/>
+              </a:rPr>
+              <a:t>::</a:t>
+            </a:r>
+            <a:r>
+              <a:rPr lang="ru-RU" altLang="ru-RU" dirty="0" err="1">
+                <a:solidFill>
+                  <a:srgbClr val="FFCC00"/>
+                </a:solidFill>
+                <a:latin typeface="Verdana" panose="020B0604030504040204" pitchFamily="34" charset="0"/>
+              </a:rPr>
+              <a:t>Assert</a:t>
+            </a:r>
+            <a:r>
+              <a:rPr lang="ru-RU" altLang="ru-RU" dirty="0">
+                <a:solidFill>
+                  <a:srgbClr val="FFFFFF"/>
+                </a:solidFill>
+                <a:latin typeface="Verdana" panose="020B0604030504040204" pitchFamily="34" charset="0"/>
+              </a:rPr>
+              <a:t>(</a:t>
+            </a:r>
+            <a:r>
+              <a:rPr lang="ru-RU" altLang="ru-RU" dirty="0" err="1">
+                <a:solidFill>
+                  <a:srgbClr val="5BCD9D"/>
+                </a:solidFill>
+                <a:latin typeface="Verdana" panose="020B0604030504040204" pitchFamily="34" charset="0"/>
+              </a:rPr>
+              <a:t>right</a:t>
+            </a:r>
+            <a:r>
+              <a:rPr lang="ru-RU" altLang="ru-RU" dirty="0">
+                <a:solidFill>
+                  <a:srgbClr val="5BCD9D"/>
+                </a:solidFill>
+                <a:latin typeface="Verdana" panose="020B0604030504040204" pitchFamily="34" charset="0"/>
+              </a:rPr>
+              <a:t> </a:t>
+            </a:r>
+            <a:r>
+              <a:rPr lang="ru-RU" altLang="ru-RU" dirty="0">
+                <a:solidFill>
+                  <a:srgbClr val="FFFFFF"/>
+                </a:solidFill>
+                <a:latin typeface="Verdana" panose="020B0604030504040204" pitchFamily="34" charset="0"/>
+              </a:rPr>
+              <a:t>== </a:t>
+            </a:r>
+            <a:r>
+              <a:rPr lang="ru-RU" altLang="ru-RU" dirty="0">
+                <a:solidFill>
+                  <a:srgbClr val="9E64A9"/>
+                </a:solidFill>
+                <a:latin typeface="Verdana" panose="020B0604030504040204" pitchFamily="34" charset="0"/>
+              </a:rPr>
+              <a:t>"</a:t>
+            </a:r>
+            <a:r>
+              <a:rPr lang="ru-RU" altLang="ru-RU" dirty="0" err="1">
+                <a:solidFill>
+                  <a:srgbClr val="9E64A9"/>
+                </a:solidFill>
+                <a:latin typeface="Verdana" panose="020B0604030504040204" pitchFamily="34" charset="0"/>
+              </a:rPr>
+              <a:t>leftstring</a:t>
+            </a:r>
+            <a:r>
+              <a:rPr lang="ru-RU" altLang="ru-RU" dirty="0">
+                <a:solidFill>
+                  <a:srgbClr val="9E64A9"/>
+                </a:solidFill>
+                <a:latin typeface="Verdana" panose="020B0604030504040204" pitchFamily="34" charset="0"/>
+              </a:rPr>
+              <a:t>"</a:t>
+            </a:r>
+            <a:r>
+              <a:rPr lang="ru-RU" altLang="ru-RU" dirty="0">
+                <a:solidFill>
+                  <a:srgbClr val="FFFFFF"/>
+                </a:solidFill>
+                <a:latin typeface="Verdana" panose="020B0604030504040204" pitchFamily="34" charset="0"/>
+              </a:rPr>
+              <a:t>);</a:t>
+            </a:r>
+            <a:br>
+              <a:rPr lang="ru-RU" altLang="ru-RU" dirty="0">
+                <a:solidFill>
+                  <a:srgbClr val="FFFFFF"/>
+                </a:solidFill>
+                <a:latin typeface="Verdana" panose="020B0604030504040204" pitchFamily="34" charset="0"/>
+              </a:rPr>
+            </a:br>
+            <a:r>
+              <a:rPr lang="ru-RU" altLang="ru-RU" dirty="0">
+                <a:solidFill>
+                  <a:srgbClr val="FFFFFF"/>
+                </a:solidFill>
+                <a:latin typeface="Verdana" panose="020B0604030504040204" pitchFamily="34" charset="0"/>
+              </a:rPr>
+              <a:t>}</a:t>
+            </a:r>
+            <a:br>
+              <a:rPr lang="ru-RU" altLang="ru-RU" dirty="0">
+                <a:solidFill>
+                  <a:srgbClr val="FFFFFF"/>
+                </a:solidFill>
+                <a:latin typeface="Verdana" panose="020B0604030504040204" pitchFamily="34" charset="0"/>
+              </a:rPr>
+            </a:br>
+            <a:endParaRPr lang="ru-RU" altLang="ru-RU" sz="6600" dirty="0">
+              <a:solidFill>
+                <a:schemeClr val="tx1"/>
+              </a:solidFill>
+              <a:latin typeface="Arial" panose="020B0604020202020204" pitchFamily="34" charset="0"/>
+            </a:endParaRPr>
+          </a:p>
+        </p:txBody>
+      </p:sp>
+      <p:sp>
+        <p:nvSpPr>
+          <p:cNvPr id="21" name="Полилиния 20"/>
+          <p:cNvSpPr/>
+          <p:nvPr/>
+        </p:nvSpPr>
+        <p:spPr>
+          <a:xfrm>
+            <a:off x="4066162" y="3537995"/>
+            <a:ext cx="8307421" cy="7946745"/>
+          </a:xfrm>
+          <a:custGeom>
+            <a:avLst/>
+            <a:gdLst>
+              <a:gd name="connsiteX0" fmla="*/ 8307421 w 8307421"/>
+              <a:gd name="connsiteY0" fmla="*/ 294703 h 7946745"/>
+              <a:gd name="connsiteX1" fmla="*/ 6322978 w 8307421"/>
+              <a:gd name="connsiteY1" fmla="*/ 508711 h 7946745"/>
+              <a:gd name="connsiteX2" fmla="*/ 6128425 w 8307421"/>
+              <a:gd name="connsiteY2" fmla="*/ 5002890 h 7946745"/>
+              <a:gd name="connsiteX3" fmla="*/ 5330757 w 8307421"/>
+              <a:gd name="connsiteY3" fmla="*/ 7648814 h 7946745"/>
+              <a:gd name="connsiteX4" fmla="*/ 0 w 8307421"/>
+              <a:gd name="connsiteY4" fmla="*/ 7940643 h 7946745"/>
+            </a:gdLst>
+            <a:ahLst/>
+            <a:cxnLst>
+              <a:cxn ang="0">
+                <a:pos x="connsiteX0" y="connsiteY0"/>
+              </a:cxn>
+              <a:cxn ang="0">
+                <a:pos x="connsiteX1" y="connsiteY1"/>
+              </a:cxn>
+              <a:cxn ang="0">
+                <a:pos x="connsiteX2" y="connsiteY2"/>
+              </a:cxn>
+              <a:cxn ang="0">
+                <a:pos x="connsiteX3" y="connsiteY3"/>
+              </a:cxn>
+              <a:cxn ang="0">
+                <a:pos x="connsiteX4" y="connsiteY4"/>
+              </a:cxn>
+            </a:cxnLst>
+            <a:rect l="l" t="t" r="r" b="b"/>
+            <a:pathLst>
+              <a:path w="8307421" h="7946745">
+                <a:moveTo>
+                  <a:pt x="8307421" y="294703"/>
+                </a:moveTo>
+                <a:cubicBezTo>
+                  <a:pt x="7496782" y="9358"/>
+                  <a:pt x="6686144" y="-275987"/>
+                  <a:pt x="6322978" y="508711"/>
+                </a:cubicBezTo>
+                <a:cubicBezTo>
+                  <a:pt x="5959812" y="1293409"/>
+                  <a:pt x="6293795" y="3812873"/>
+                  <a:pt x="6128425" y="5002890"/>
+                </a:cubicBezTo>
+                <a:cubicBezTo>
+                  <a:pt x="5963055" y="6192907"/>
+                  <a:pt x="6352161" y="7159189"/>
+                  <a:pt x="5330757" y="7648814"/>
+                </a:cubicBezTo>
+                <a:cubicBezTo>
+                  <a:pt x="4309353" y="8138440"/>
+                  <a:pt x="881974" y="7856337"/>
+                  <a:pt x="0" y="7940643"/>
+                </a:cubicBezTo>
+              </a:path>
+            </a:pathLst>
+          </a:custGeom>
+          <a:noFill/>
+          <a:ln w="76200">
+            <a:solidFill>
+              <a:schemeClr val="bg2"/>
+            </a:solidFill>
+            <a:headEnd type="triangle" w="lg" len="lg"/>
+            <a:tailEnd type="triangle" w="lg" len="lg"/>
+          </a:ln>
+        </p:spPr>
+        <p:style>
+          <a:lnRef idx="2">
+            <a:schemeClr val="accent1">
+              <a:shade val="50000"/>
+            </a:schemeClr>
+          </a:lnRef>
+          <a:fillRef idx="1">
+            <a:schemeClr val="accent1"/>
+          </a:fillRef>
+          <a:effectRef idx="0">
+            <a:schemeClr val="accent1"/>
+          </a:effectRef>
+          <a:fontRef idx="minor">
+            <a:schemeClr val="lt1"/>
+          </a:fontRef>
+        </p:style>
+        <p:txBody>
+          <a:bodyPr rtlCol="0" anchor="ctr"/>
+          <a:lstStyle/>
+          <a:p>
+            <a:pPr algn="ctr"/>
+            <a:endParaRPr lang="ru-RU"/>
+          </a:p>
+        </p:txBody>
+      </p:sp>
+    </p:spTree>
+    <p:extLst>
+      <p:ext uri="{BB962C8B-B14F-4D97-AF65-F5344CB8AC3E}">
+        <p14:creationId xmlns:p14="http://schemas.microsoft.com/office/powerpoint/2010/main" val="2924155169"/>
+      </p:ext>
+    </p:extLst>
+  </p:cSld>
+  <p:clrMapOvr>
+    <a:masterClrMapping/>
+  </p:clrMapOvr>
+  <p:timing>
+    <p:tnLst>
+      <p:par>
+        <p:cTn id="1" dur="indefinite" restart="never" nodeType="tmRoot">
+          <p:childTnLst>
+            <p:seq concurrent="1" nextAc="seek">
+              <p:cTn id="2" dur="indefinite" nodeType="mainSeq">
+                <p:childTnLst>
+                  <p:par>
+                    <p:cTn id="3" fill="hold">
+                      <p:stCondLst>
+                        <p:cond delay="indefinite"/>
+                      </p:stCondLst>
+                      <p:childTnLst>
+                        <p:par>
+                          <p:cTn id="4" fill="hold">
+                            <p:stCondLst>
+                              <p:cond delay="0"/>
+                            </p:stCondLst>
+                            <p:childTnLst>
+                              <p:par>
+                                <p:cTn id="5" presetID="1" presetClass="entr" presetSubtype="0" fill="hold" nodeType="clickEffect">
+                                  <p:stCondLst>
+                                    <p:cond delay="0"/>
+                                  </p:stCondLst>
+                                  <p:iterate type="lt">
+                                    <p:tmAbs val="50"/>
+                                  </p:iterate>
+                                  <p:childTnLst>
+                                    <p:set>
+                                      <p:cBhvr>
+                                        <p:cTn id="6" dur="1" fill="hold">
+                                          <p:stCondLst>
+                                            <p:cond delay="0"/>
+                                          </p:stCondLst>
+                                        </p:cTn>
+                                        <p:tgtEl>
+                                          <p:spTgt spid="6">
+                                            <p:txEl>
+                                              <p:pRg st="2" end="2"/>
+                                            </p:txEl>
+                                          </p:spTgt>
+                                        </p:tgtEl>
+                                        <p:attrNameLst>
+                                          <p:attrName>style.visibility</p:attrName>
+                                        </p:attrNameLst>
+                                      </p:cBhvr>
+                                      <p:to>
+                                        <p:strVal val="visible"/>
+                                      </p:to>
+                                    </p:set>
+                                  </p:childTnLst>
+                                </p:cTn>
+                              </p:par>
+                            </p:childTnLst>
+                          </p:cTn>
+                        </p:par>
+                        <p:par>
+                          <p:cTn id="7" fill="hold">
+                            <p:stCondLst>
+                              <p:cond delay="1401"/>
+                            </p:stCondLst>
+                            <p:childTnLst>
+                              <p:par>
+                                <p:cTn id="8" presetID="1" presetClass="entr" presetSubtype="0" fill="hold" nodeType="afterEffect">
+                                  <p:stCondLst>
+                                    <p:cond delay="0"/>
+                                  </p:stCondLst>
+                                  <p:iterate type="lt">
+                                    <p:tmAbs val="0"/>
+                                  </p:iterate>
+                                  <p:childTnLst>
+                                    <p:set>
+                                      <p:cBhvr>
+                                        <p:cTn id="9" dur="1" fill="hold">
+                                          <p:stCondLst>
+                                            <p:cond delay="0"/>
+                                          </p:stCondLst>
+                                        </p:cTn>
+                                        <p:tgtEl>
+                                          <p:spTgt spid="6">
+                                            <p:txEl>
+                                              <p:pRg st="3" end="3"/>
+                                            </p:txEl>
+                                          </p:spTgt>
+                                        </p:tgtEl>
+                                        <p:attrNameLst>
+                                          <p:attrName>style.visibility</p:attrName>
+                                        </p:attrNameLst>
+                                      </p:cBhvr>
+                                      <p:to>
+                                        <p:strVal val="visible"/>
+                                      </p:to>
+                                    </p:set>
+                                  </p:childTnLst>
+                                </p:cTn>
+                              </p:par>
+                            </p:childTnLst>
+                          </p:cTn>
+                        </p:par>
+                      </p:childTnLst>
+                    </p:cTn>
+                  </p:par>
+                  <p:par>
+                    <p:cTn id="10" fill="hold">
+                      <p:stCondLst>
+                        <p:cond delay="indefinite"/>
+                      </p:stCondLst>
+                      <p:childTnLst>
+                        <p:par>
+                          <p:cTn id="11" fill="hold">
+                            <p:stCondLst>
+                              <p:cond delay="0"/>
+                            </p:stCondLst>
+                            <p:childTnLst>
+                              <p:par>
+                                <p:cTn id="12" presetID="2" presetClass="entr" presetSubtype="2" fill="hold" grpId="0" nodeType="clickEffect">
+                                  <p:stCondLst>
+                                    <p:cond delay="0"/>
+                                  </p:stCondLst>
+                                  <p:childTnLst>
+                                    <p:set>
+                                      <p:cBhvr>
+                                        <p:cTn id="13" dur="1" fill="hold">
+                                          <p:stCondLst>
+                                            <p:cond delay="0"/>
+                                          </p:stCondLst>
+                                        </p:cTn>
+                                        <p:tgtEl>
+                                          <p:spTgt spid="8">
+                                            <p:bg/>
+                                          </p:spTgt>
+                                        </p:tgtEl>
+                                        <p:attrNameLst>
+                                          <p:attrName>style.visibility</p:attrName>
+                                        </p:attrNameLst>
+                                      </p:cBhvr>
+                                      <p:to>
+                                        <p:strVal val="visible"/>
+                                      </p:to>
+                                    </p:set>
+                                    <p:anim calcmode="lin" valueType="num">
+                                      <p:cBhvr additive="base">
+                                        <p:cTn id="14" dur="500" fill="hold"/>
+                                        <p:tgtEl>
+                                          <p:spTgt spid="8">
+                                            <p:bg/>
+                                          </p:spTgt>
+                                        </p:tgtEl>
+                                        <p:attrNameLst>
+                                          <p:attrName>ppt_x</p:attrName>
+                                        </p:attrNameLst>
+                                      </p:cBhvr>
+                                      <p:tavLst>
+                                        <p:tav tm="0">
+                                          <p:val>
+                                            <p:strVal val="1+#ppt_w/2"/>
+                                          </p:val>
+                                        </p:tav>
+                                        <p:tav tm="100000">
+                                          <p:val>
+                                            <p:strVal val="#ppt_x"/>
+                                          </p:val>
+                                        </p:tav>
+                                      </p:tavLst>
+                                    </p:anim>
+                                    <p:anim calcmode="lin" valueType="num">
+                                      <p:cBhvr additive="base">
+                                        <p:cTn id="15" dur="500" fill="hold"/>
+                                        <p:tgtEl>
+                                          <p:spTgt spid="8">
+                                            <p:bg/>
+                                          </p:spTgt>
+                                        </p:tgtEl>
+                                        <p:attrNameLst>
+                                          <p:attrName>ppt_y</p:attrName>
+                                        </p:attrNameLst>
+                                      </p:cBhvr>
+                                      <p:tavLst>
+                                        <p:tav tm="0">
+                                          <p:val>
+                                            <p:strVal val="#ppt_y"/>
+                                          </p:val>
+                                        </p:tav>
+                                        <p:tav tm="100000">
+                                          <p:val>
+                                            <p:strVal val="#ppt_y"/>
+                                          </p:val>
+                                        </p:tav>
+                                      </p:tavLst>
+                                    </p:anim>
+                                  </p:childTnLst>
+                                </p:cTn>
+                              </p:par>
+                            </p:childTnLst>
+                          </p:cTn>
+                        </p:par>
+                      </p:childTnLst>
+                    </p:cTn>
+                  </p:par>
+                  <p:par>
+                    <p:cTn id="16" fill="hold">
+                      <p:stCondLst>
+                        <p:cond delay="indefinite"/>
+                      </p:stCondLst>
+                      <p:childTnLst>
+                        <p:par>
+                          <p:cTn id="17" fill="hold">
+                            <p:stCondLst>
+                              <p:cond delay="0"/>
+                            </p:stCondLst>
+                            <p:childTnLst>
+                              <p:par>
+                                <p:cTn id="18" presetID="2" presetClass="entr" presetSubtype="2" fill="hold" grpId="0" nodeType="clickEffect">
+                                  <p:stCondLst>
+                                    <p:cond delay="0"/>
+                                  </p:stCondLst>
+                                  <p:childTnLst>
+                                    <p:set>
+                                      <p:cBhvr>
+                                        <p:cTn id="19" dur="1" fill="hold">
+                                          <p:stCondLst>
+                                            <p:cond delay="0"/>
+                                          </p:stCondLst>
+                                        </p:cTn>
+                                        <p:tgtEl>
+                                          <p:spTgt spid="8">
+                                            <p:txEl>
+                                              <p:pRg st="0" end="0"/>
+                                            </p:txEl>
+                                          </p:spTgt>
+                                        </p:tgtEl>
+                                        <p:attrNameLst>
+                                          <p:attrName>style.visibility</p:attrName>
+                                        </p:attrNameLst>
+                                      </p:cBhvr>
+                                      <p:to>
+                                        <p:strVal val="visible"/>
+                                      </p:to>
+                                    </p:set>
+                                    <p:anim calcmode="lin" valueType="num">
+                                      <p:cBhvr additive="base">
+                                        <p:cTn id="20" dur="500" fill="hold"/>
+                                        <p:tgtEl>
+                                          <p:spTgt spid="8">
+                                            <p:txEl>
+                                              <p:pRg st="0" end="0"/>
+                                            </p:txEl>
+                                          </p:spTgt>
+                                        </p:tgtEl>
+                                        <p:attrNameLst>
+                                          <p:attrName>ppt_x</p:attrName>
+                                        </p:attrNameLst>
+                                      </p:cBhvr>
+                                      <p:tavLst>
+                                        <p:tav tm="0">
+                                          <p:val>
+                                            <p:strVal val="1+#ppt_w/2"/>
+                                          </p:val>
+                                        </p:tav>
+                                        <p:tav tm="100000">
+                                          <p:val>
+                                            <p:strVal val="#ppt_x"/>
+                                          </p:val>
+                                        </p:tav>
+                                      </p:tavLst>
+                                    </p:anim>
+                                    <p:anim calcmode="lin" valueType="num">
+                                      <p:cBhvr additive="base">
+                                        <p:cTn id="21" dur="500" fill="hold"/>
+                                        <p:tgtEl>
+                                          <p:spTgt spid="8">
+                                            <p:txEl>
+                                              <p:pRg st="0" end="0"/>
+                                            </p:txEl>
+                                          </p:spTgt>
+                                        </p:tgtEl>
+                                        <p:attrNameLst>
+                                          <p:attrName>ppt_y</p:attrName>
+                                        </p:attrNameLst>
+                                      </p:cBhvr>
+                                      <p:tavLst>
+                                        <p:tav tm="0">
+                                          <p:val>
+                                            <p:strVal val="#ppt_y"/>
+                                          </p:val>
+                                        </p:tav>
+                                        <p:tav tm="100000">
+                                          <p:val>
+                                            <p:strVal val="#ppt_y"/>
+                                          </p:val>
+                                        </p:tav>
+                                      </p:tavLst>
+                                    </p:anim>
+                                  </p:childTnLst>
+                                </p:cTn>
+                              </p:par>
+                            </p:childTnLst>
+                          </p:cTn>
+                        </p:par>
+                      </p:childTnLst>
+                    </p:cTn>
+                  </p:par>
+                  <p:par>
+                    <p:cTn id="22" fill="hold">
+                      <p:stCondLst>
+                        <p:cond delay="indefinite"/>
+                      </p:stCondLst>
+                      <p:childTnLst>
+                        <p:par>
+                          <p:cTn id="23" fill="hold">
+                            <p:stCondLst>
+                              <p:cond delay="0"/>
+                            </p:stCondLst>
+                            <p:childTnLst>
+                              <p:par>
+                                <p:cTn id="24" presetID="1" presetClass="entr" presetSubtype="0" fill="hold" grpId="0" nodeType="clickEffect">
+                                  <p:stCondLst>
+                                    <p:cond delay="0"/>
+                                  </p:stCondLst>
+                                  <p:childTnLst>
+                                    <p:set>
+                                      <p:cBhvr>
+                                        <p:cTn id="25" dur="1" fill="hold">
+                                          <p:stCondLst>
+                                            <p:cond delay="0"/>
+                                          </p:stCondLst>
+                                        </p:cTn>
+                                        <p:tgtEl>
+                                          <p:spTgt spid="21"/>
+                                        </p:tgtEl>
+                                        <p:attrNameLst>
+                                          <p:attrName>style.visibility</p:attrName>
+                                        </p:attrNameLst>
+                                      </p:cBhvr>
+                                      <p:to>
+                                        <p:strVal val="visible"/>
+                                      </p:to>
+                                    </p:set>
+                                  </p:childTnLst>
+                                </p:cTn>
+                              </p:par>
+                            </p:childTnLst>
+                          </p:cTn>
+                        </p:par>
+                      </p:childTnLst>
+                    </p:cTn>
+                  </p:par>
+                </p:childTnLst>
+              </p:cTn>
+              <p:prevCondLst>
+                <p:cond evt="onPrev" delay="0">
+                  <p:tgtEl>
+                    <p:sldTgt/>
+                  </p:tgtEl>
+                </p:cond>
+              </p:prevCondLst>
+              <p:nextCondLst>
+                <p:cond evt="onNext" delay="0">
+                  <p:tgtEl>
+                    <p:sldTgt/>
+                  </p:tgtEl>
+                </p:cond>
+              </p:nextCondLst>
+            </p:seq>
+          </p:childTnLst>
+        </p:cTn>
+      </p:par>
+    </p:tnLst>
+    <p:bldLst>
+      <p:bldP spid="8" grpId="0" uiExpand="1" build="p" animBg="1"/>
+      <p:bldP spid="21" grpId="0" animBg="1"/>
+    </p:bldLst>
+  </p:timing>
+</p:sld>
+</file>
+
+<file path=ppt/slides/slide24.xml><?xml version="1.0" encoding="utf-8"?>
+<p:sld xmlns:a="http://schemas.openxmlformats.org/drawingml/2006/main" xmlns:r="http://schemas.openxmlformats.org/officeDocument/2006/relationships" xmlns:p="http://schemas.openxmlformats.org/presentationml/2006/main">
+  <p:cSld>
+    <p:spTree>
+      <p:nvGrpSpPr>
+        <p:cNvPr id="1" name=""/>
+        <p:cNvGrpSpPr/>
+        <p:nvPr/>
+      </p:nvGrpSpPr>
+      <p:grpSpPr>
+        <a:xfrm>
+          <a:off x="0" y="0"/>
+          <a:ext cx="0" cy="0"/>
+          <a:chOff x="0" y="0"/>
+          <a:chExt cx="0" cy="0"/>
+        </a:xfrm>
+      </p:grpSpPr>
+      <p:sp>
+        <p:nvSpPr>
+          <p:cNvPr id="2" name="Заголовок 1"/>
+          <p:cNvSpPr>
+            <a:spLocks noGrp="1"/>
+          </p:cNvSpPr>
+          <p:nvPr>
+            <p:ph type="title"/>
+          </p:nvPr>
+        </p:nvSpPr>
+        <p:spPr/>
+        <p:txBody>
+          <a:bodyPr/>
+          <a:lstStyle/>
+          <a:p>
+            <a:r>
+              <a:rPr lang="ru-RU" dirty="0" smtClean="0"/>
               <a:t>Результаты</a:t>
             </a:r>
             <a:endParaRPr lang="ru-RU" dirty="0"/>
@@ -18555,7 +21890,7 @@
           <a:p>
             <a:fld id="{741C03D3-FA44-40EC-9A21-1FC4FEA3E22E}" type="slidenum">
               <a:rPr lang="ru-RU" smtClean="0"/>
-              <a:t>22</a:t>
+              <a:t>24</a:t>
             </a:fld>
             <a:endParaRPr lang="ru-RU"/>
           </a:p>
@@ -18565,279 +21900,6 @@
     <p:extLst>
       <p:ext uri="{BB962C8B-B14F-4D97-AF65-F5344CB8AC3E}">
         <p14:creationId xmlns:p14="http://schemas.microsoft.com/office/powerpoint/2010/main" val="3481799678"/>
-      </p:ext>
-    </p:extLst>
-  </p:cSld>
-  <p:clrMapOvr>
-    <a:masterClrMapping/>
-  </p:clrMapOvr>
-  <p:timing>
-    <p:tnLst>
-      <p:par>
-        <p:cTn id="1" dur="indefinite" restart="never" nodeType="tmRoot"/>
-      </p:par>
-    </p:tnLst>
-  </p:timing>
-</p:sld>
-</file>
-
-<file path=ppt/slides/slide23.xml><?xml version="1.0" encoding="utf-8"?>
-<p:sld xmlns:a="http://schemas.openxmlformats.org/drawingml/2006/main" xmlns:r="http://schemas.openxmlformats.org/officeDocument/2006/relationships" xmlns:p="http://schemas.openxmlformats.org/presentationml/2006/main">
-  <p:cSld>
-    <p:spTree>
-      <p:nvGrpSpPr>
-        <p:cNvPr id="1" name=""/>
-        <p:cNvGrpSpPr/>
-        <p:nvPr/>
-      </p:nvGrpSpPr>
-      <p:grpSpPr>
-        <a:xfrm>
-          <a:off x="0" y="0"/>
-          <a:ext cx="0" cy="0"/>
-          <a:chOff x="0" y="0"/>
-          <a:chExt cx="0" cy="0"/>
-        </a:xfrm>
-      </p:grpSpPr>
-      <p:sp>
-        <p:nvSpPr>
-          <p:cNvPr id="2" name="Текст 1"/>
-          <p:cNvSpPr>
-            <a:spLocks noGrp="1"/>
-          </p:cNvSpPr>
-          <p:nvPr>
-            <p:ph type="body" idx="1"/>
-          </p:nvPr>
-        </p:nvSpPr>
-        <p:spPr/>
-        <p:txBody>
-          <a:bodyPr/>
-          <a:lstStyle/>
-          <a:p>
-            <a:r>
-              <a:rPr lang="ru-RU" dirty="0" smtClean="0"/>
-              <a:t>Отзыв на «Белый пояс по </a:t>
-            </a:r>
-            <a:r>
-              <a:rPr lang="en-US" dirty="0" smtClean="0"/>
-              <a:t>C++</a:t>
-            </a:r>
-            <a:r>
-              <a:rPr lang="ru-RU" dirty="0" smtClean="0"/>
-              <a:t>»</a:t>
-            </a:r>
-            <a:endParaRPr lang="ru-RU" dirty="0"/>
-          </a:p>
-        </p:txBody>
-      </p:sp>
-      <p:sp>
-        <p:nvSpPr>
-          <p:cNvPr id="3" name="Объект 2"/>
-          <p:cNvSpPr>
-            <a:spLocks noGrp="1"/>
-          </p:cNvSpPr>
-          <p:nvPr>
-            <p:ph sz="half" idx="10"/>
-          </p:nvPr>
-        </p:nvSpPr>
-        <p:spPr/>
-        <p:txBody>
-          <a:bodyPr/>
-          <a:lstStyle/>
-          <a:p>
-            <a:r>
-              <a:rPr lang="ru-RU" dirty="0" smtClean="0"/>
-              <a:t>Этот </a:t>
-            </a:r>
-            <a:r>
-              <a:rPr lang="ru-RU" dirty="0"/>
-              <a:t>курс показал </a:t>
-            </a:r>
-            <a:r>
-              <a:rPr lang="ru-RU" dirty="0" smtClean="0"/>
-              <a:t>мне</a:t>
-            </a:r>
-            <a:endParaRPr lang="en-US" dirty="0" smtClean="0"/>
-          </a:p>
-          <a:p>
-            <a:r>
-              <a:rPr lang="ru-RU" dirty="0" smtClean="0"/>
-              <a:t>нормальный </a:t>
-            </a:r>
-            <a:r>
-              <a:rPr lang="ru-RU" dirty="0"/>
-              <a:t>C++, а </a:t>
-            </a:r>
-            <a:r>
-              <a:rPr lang="ru-RU" dirty="0" smtClean="0"/>
-              <a:t>не</a:t>
-            </a:r>
-            <a:endParaRPr lang="en-US" dirty="0" smtClean="0"/>
-          </a:p>
-          <a:p>
-            <a:r>
-              <a:rPr lang="ru-RU" dirty="0" smtClean="0"/>
-              <a:t>тот</a:t>
-            </a:r>
-            <a:r>
-              <a:rPr lang="ru-RU" dirty="0"/>
-              <a:t>, которому </a:t>
-            </a:r>
-            <a:r>
-              <a:rPr lang="ru-RU" dirty="0" smtClean="0"/>
-              <a:t>меня</a:t>
-            </a:r>
-            <a:endParaRPr lang="en-US" dirty="0" smtClean="0"/>
-          </a:p>
-          <a:p>
-            <a:r>
-              <a:rPr lang="ru-RU" dirty="0" smtClean="0"/>
-              <a:t>учили </a:t>
-            </a:r>
-            <a:r>
-              <a:rPr lang="ru-RU" dirty="0"/>
-              <a:t>в университете.</a:t>
-            </a:r>
-          </a:p>
-        </p:txBody>
-      </p:sp>
-    </p:spTree>
-    <p:extLst>
-      <p:ext uri="{BB962C8B-B14F-4D97-AF65-F5344CB8AC3E}">
-        <p14:creationId xmlns:p14="http://schemas.microsoft.com/office/powerpoint/2010/main" val="3690274279"/>
-      </p:ext>
-    </p:extLst>
-  </p:cSld>
-  <p:clrMapOvr>
-    <a:masterClrMapping/>
-  </p:clrMapOvr>
-  <p:timing>
-    <p:tnLst>
-      <p:par>
-        <p:cTn id="1" dur="indefinite" restart="never" nodeType="tmRoot"/>
-      </p:par>
-    </p:tnLst>
-  </p:timing>
-</p:sld>
-</file>
-
-<file path=ppt/slides/slide24.xml><?xml version="1.0" encoding="utf-8"?>
-<p:sld xmlns:a="http://schemas.openxmlformats.org/drawingml/2006/main" xmlns:r="http://schemas.openxmlformats.org/officeDocument/2006/relationships" xmlns:p="http://schemas.openxmlformats.org/presentationml/2006/main">
-  <p:cSld>
-    <p:spTree>
-      <p:nvGrpSpPr>
-        <p:cNvPr id="1" name=""/>
-        <p:cNvGrpSpPr/>
-        <p:nvPr/>
-      </p:nvGrpSpPr>
-      <p:grpSpPr>
-        <a:xfrm>
-          <a:off x="0" y="0"/>
-          <a:ext cx="0" cy="0"/>
-          <a:chOff x="0" y="0"/>
-          <a:chExt cx="0" cy="0"/>
-        </a:xfrm>
-      </p:grpSpPr>
-      <p:sp>
-        <p:nvSpPr>
-          <p:cNvPr id="2" name="Текст 1"/>
-          <p:cNvSpPr>
-            <a:spLocks noGrp="1"/>
-          </p:cNvSpPr>
-          <p:nvPr>
-            <p:ph type="body" idx="1"/>
-          </p:nvPr>
-        </p:nvSpPr>
-        <p:spPr/>
-        <p:txBody>
-          <a:bodyPr/>
-          <a:lstStyle/>
-          <a:p>
-            <a:r>
-              <a:rPr lang="ru-RU" dirty="0" smtClean="0"/>
-              <a:t>Отзыв на «Жёлтый пояс по </a:t>
-            </a:r>
-            <a:r>
-              <a:rPr lang="en-US" dirty="0" smtClean="0"/>
-              <a:t>C++</a:t>
-            </a:r>
-            <a:r>
-              <a:rPr lang="ru-RU" dirty="0" smtClean="0"/>
-              <a:t>»</a:t>
-            </a:r>
-            <a:endParaRPr lang="ru-RU" dirty="0"/>
-          </a:p>
-        </p:txBody>
-      </p:sp>
-      <p:sp>
-        <p:nvSpPr>
-          <p:cNvPr id="3" name="Объект 2"/>
-          <p:cNvSpPr>
-            <a:spLocks noGrp="1"/>
-          </p:cNvSpPr>
-          <p:nvPr>
-            <p:ph sz="half" idx="10"/>
-          </p:nvPr>
-        </p:nvSpPr>
-        <p:spPr>
-          <a:xfrm>
-            <a:off x="3048001" y="3048001"/>
-            <a:ext cx="19827874" cy="7250114"/>
-          </a:xfrm>
-        </p:spPr>
-        <p:txBody>
-          <a:bodyPr/>
-          <a:lstStyle/>
-          <a:p>
-            <a:r>
-              <a:rPr lang="ru-RU" dirty="0"/>
-              <a:t>На работе </a:t>
-            </a:r>
-            <a:r>
-              <a:rPr lang="ru-RU" dirty="0" smtClean="0"/>
-              <a:t>пригодились</a:t>
-            </a:r>
-          </a:p>
-          <a:p>
-            <a:r>
-              <a:rPr lang="ru-RU" dirty="0" smtClean="0"/>
-              <a:t>знания </a:t>
-            </a:r>
-            <a:r>
-              <a:rPr lang="ru-RU" dirty="0"/>
-              <a:t>по </a:t>
-            </a:r>
-            <a:r>
-              <a:rPr lang="ru-RU" dirty="0" smtClean="0"/>
-              <a:t>декомпозиции,</a:t>
-            </a:r>
-          </a:p>
-          <a:p>
-            <a:r>
-              <a:rPr lang="ru-RU" dirty="0" smtClean="0"/>
-              <a:t>алгоритмам </a:t>
-            </a:r>
-            <a:r>
-              <a:rPr lang="ru-RU" dirty="0"/>
-              <a:t>и </a:t>
-            </a:r>
-            <a:r>
-              <a:rPr lang="ru-RU" dirty="0" smtClean="0"/>
-              <a:t>юнит-</a:t>
-            </a:r>
-          </a:p>
-          <a:p>
-            <a:r>
-              <a:rPr lang="ru-RU" dirty="0" smtClean="0"/>
-              <a:t>тестированию</a:t>
-            </a:r>
-            <a:endParaRPr lang="ru-RU" dirty="0"/>
-          </a:p>
-        </p:txBody>
-      </p:sp>
-    </p:spTree>
-    <p:extLst>
-      <p:ext uri="{BB962C8B-B14F-4D97-AF65-F5344CB8AC3E}">
-        <p14:creationId xmlns:p14="http://schemas.microsoft.com/office/powerpoint/2010/main" val="2774735083"/>
       </p:ext>
     </p:extLst>
   </p:cSld>
@@ -18888,15 +21950,7 @@
           <a:p>
             <a:r>
               <a:rPr lang="ru-RU" dirty="0" smtClean="0"/>
-              <a:t>Отзыв на </a:t>
-            </a:r>
-            <a:r>
-              <a:rPr lang="ru-RU" smtClean="0"/>
-              <a:t>«Красный пояс </a:t>
-            </a:r>
-            <a:r>
-              <a:rPr lang="ru-RU" dirty="0" smtClean="0"/>
-              <a:t>по </a:t>
+              <a:t>Отзыв на «Белый пояс по </a:t>
             </a:r>
             <a:r>
               <a:rPr lang="en-US" dirty="0" smtClean="0"/>
@@ -18920,61 +21974,63 @@
             <p:ph sz="half" idx="10"/>
           </p:nvPr>
         </p:nvSpPr>
-        <p:spPr>
-          <a:xfrm>
-            <a:off x="3048001" y="3048001"/>
-            <a:ext cx="19827874" cy="7250114"/>
-          </a:xfrm>
-        </p:spPr>
+        <p:spPr/>
         <p:txBody>
           <a:bodyPr/>
           <a:lstStyle/>
           <a:p>
             <a:r>
+              <a:rPr lang="ru-RU" dirty="0" smtClean="0"/>
+              <a:t>Этот </a:t>
+            </a:r>
+            <a:r>
               <a:rPr lang="ru-RU" dirty="0"/>
-              <a:t>Один из лучших курсов</a:t>
+              <a:t>курс показал </a:t>
             </a:r>
             <a:r>
               <a:rPr lang="ru-RU" dirty="0" smtClean="0"/>
-              <a:t>,</a:t>
-            </a:r>
+              <a:t>мне</a:t>
+            </a:r>
+            <a:endParaRPr lang="en-US" dirty="0" smtClean="0"/>
           </a:p>
           <a:p>
             <a:r>
               <a:rPr lang="ru-RU" dirty="0" smtClean="0"/>
-              <a:t>что </a:t>
+              <a:t>нормальный </a:t>
             </a:r>
             <a:r>
               <a:rPr lang="ru-RU" dirty="0"/>
-              <a:t>я проходил в </a:t>
+              <a:t>C++, а </a:t>
             </a:r>
             <a:r>
               <a:rPr lang="ru-RU" dirty="0" smtClean="0"/>
-              <a:t>жизни.</a:t>
-            </a:r>
+              <a:t>не</a:t>
+            </a:r>
+            <a:endParaRPr lang="en-US" dirty="0" smtClean="0"/>
           </a:p>
           <a:p>
             <a:r>
               <a:rPr lang="ru-RU" dirty="0" smtClean="0"/>
-              <a:t>Не только </a:t>
+              <a:t>тот</a:t>
             </a:r>
             <a:r>
               <a:rPr lang="ru-RU" dirty="0"/>
-              <a:t>по </a:t>
+              <a:t>, которому </a:t>
             </a:r>
             <a:r>
               <a:rPr lang="ru-RU" dirty="0" smtClean="0"/>
-              <a:t>языку</a:t>
-            </a:r>
+              <a:t>меня</a:t>
+            </a:r>
+            <a:endParaRPr lang="en-US" dirty="0" smtClean="0"/>
           </a:p>
           <a:p>
             <a:r>
               <a:rPr lang="ru-RU" dirty="0" smtClean="0"/>
-              <a:t>программирования</a:t>
+              <a:t>учили </a:t>
             </a:r>
             <a:r>
               <a:rPr lang="ru-RU" dirty="0"/>
-              <a:t>.</a:t>
+              <a:t>в университете.</a:t>
             </a:r>
           </a:p>
         </p:txBody>
@@ -18982,7 +22038,7 @@
     </p:spTree>
     <p:extLst>
       <p:ext uri="{BB962C8B-B14F-4D97-AF65-F5344CB8AC3E}">
-        <p14:creationId xmlns:p14="http://schemas.microsoft.com/office/powerpoint/2010/main" val="3707661308"/>
+        <p14:creationId xmlns:p14="http://schemas.microsoft.com/office/powerpoint/2010/main" val="3690274279"/>
       </p:ext>
     </p:extLst>
   </p:cSld>
@@ -19018,6 +22074,285 @@
       </p:grpSpPr>
       <p:sp>
         <p:nvSpPr>
+          <p:cNvPr id="2" name="Текст 1"/>
+          <p:cNvSpPr>
+            <a:spLocks noGrp="1"/>
+          </p:cNvSpPr>
+          <p:nvPr>
+            <p:ph type="body" idx="1"/>
+          </p:nvPr>
+        </p:nvSpPr>
+        <p:spPr/>
+        <p:txBody>
+          <a:bodyPr/>
+          <a:lstStyle/>
+          <a:p>
+            <a:r>
+              <a:rPr lang="ru-RU" dirty="0" smtClean="0"/>
+              <a:t>Отзыв на «Жёлтый пояс по </a:t>
+            </a:r>
+            <a:r>
+              <a:rPr lang="en-US" dirty="0" smtClean="0"/>
+              <a:t>C++</a:t>
+            </a:r>
+            <a:r>
+              <a:rPr lang="ru-RU" dirty="0" smtClean="0"/>
+              <a:t>»</a:t>
+            </a:r>
+            <a:endParaRPr lang="ru-RU" dirty="0"/>
+          </a:p>
+        </p:txBody>
+      </p:sp>
+      <p:sp>
+        <p:nvSpPr>
+          <p:cNvPr id="3" name="Объект 2"/>
+          <p:cNvSpPr>
+            <a:spLocks noGrp="1"/>
+          </p:cNvSpPr>
+          <p:nvPr>
+            <p:ph sz="half" idx="10"/>
+          </p:nvPr>
+        </p:nvSpPr>
+        <p:spPr>
+          <a:xfrm>
+            <a:off x="3048001" y="3048001"/>
+            <a:ext cx="19827874" cy="7250114"/>
+          </a:xfrm>
+        </p:spPr>
+        <p:txBody>
+          <a:bodyPr/>
+          <a:lstStyle/>
+          <a:p>
+            <a:r>
+              <a:rPr lang="ru-RU" dirty="0"/>
+              <a:t>На работе </a:t>
+            </a:r>
+            <a:r>
+              <a:rPr lang="ru-RU" dirty="0" smtClean="0"/>
+              <a:t>пригодились</a:t>
+            </a:r>
+          </a:p>
+          <a:p>
+            <a:r>
+              <a:rPr lang="ru-RU" dirty="0" smtClean="0"/>
+              <a:t>знания </a:t>
+            </a:r>
+            <a:r>
+              <a:rPr lang="ru-RU" dirty="0"/>
+              <a:t>по </a:t>
+            </a:r>
+            <a:r>
+              <a:rPr lang="ru-RU" dirty="0" smtClean="0"/>
+              <a:t>декомпозиции,</a:t>
+            </a:r>
+          </a:p>
+          <a:p>
+            <a:r>
+              <a:rPr lang="ru-RU" dirty="0" smtClean="0"/>
+              <a:t>алгоритмам </a:t>
+            </a:r>
+            <a:r>
+              <a:rPr lang="ru-RU" dirty="0"/>
+              <a:t>и </a:t>
+            </a:r>
+            <a:r>
+              <a:rPr lang="ru-RU" dirty="0" smtClean="0"/>
+              <a:t>юнит-</a:t>
+            </a:r>
+          </a:p>
+          <a:p>
+            <a:r>
+              <a:rPr lang="ru-RU" dirty="0" smtClean="0"/>
+              <a:t>тестированию</a:t>
+            </a:r>
+            <a:endParaRPr lang="ru-RU" dirty="0"/>
+          </a:p>
+        </p:txBody>
+      </p:sp>
+    </p:spTree>
+    <p:extLst>
+      <p:ext uri="{BB962C8B-B14F-4D97-AF65-F5344CB8AC3E}">
+        <p14:creationId xmlns:p14="http://schemas.microsoft.com/office/powerpoint/2010/main" val="2774735083"/>
+      </p:ext>
+    </p:extLst>
+  </p:cSld>
+  <p:clrMapOvr>
+    <a:masterClrMapping/>
+  </p:clrMapOvr>
+  <p:timing>
+    <p:tnLst>
+      <p:par>
+        <p:cTn id="1" dur="indefinite" restart="never" nodeType="tmRoot"/>
+      </p:par>
+    </p:tnLst>
+  </p:timing>
+</p:sld>
+</file>
+
+<file path=ppt/slides/slide27.xml><?xml version="1.0" encoding="utf-8"?>
+<p:sld xmlns:a="http://schemas.openxmlformats.org/drawingml/2006/main" xmlns:r="http://schemas.openxmlformats.org/officeDocument/2006/relationships" xmlns:p="http://schemas.openxmlformats.org/presentationml/2006/main">
+  <p:cSld>
+    <p:spTree>
+      <p:nvGrpSpPr>
+        <p:cNvPr id="1" name=""/>
+        <p:cNvGrpSpPr/>
+        <p:nvPr/>
+      </p:nvGrpSpPr>
+      <p:grpSpPr>
+        <a:xfrm>
+          <a:off x="0" y="0"/>
+          <a:ext cx="0" cy="0"/>
+          <a:chOff x="0" y="0"/>
+          <a:chExt cx="0" cy="0"/>
+        </a:xfrm>
+      </p:grpSpPr>
+      <p:sp>
+        <p:nvSpPr>
+          <p:cNvPr id="2" name="Текст 1"/>
+          <p:cNvSpPr>
+            <a:spLocks noGrp="1"/>
+          </p:cNvSpPr>
+          <p:nvPr>
+            <p:ph type="body" idx="1"/>
+          </p:nvPr>
+        </p:nvSpPr>
+        <p:spPr/>
+        <p:txBody>
+          <a:bodyPr/>
+          <a:lstStyle/>
+          <a:p>
+            <a:r>
+              <a:rPr lang="ru-RU" dirty="0" smtClean="0"/>
+              <a:t>Отзыв на </a:t>
+            </a:r>
+            <a:r>
+              <a:rPr lang="ru-RU" smtClean="0"/>
+              <a:t>«Красный пояс </a:t>
+            </a:r>
+            <a:r>
+              <a:rPr lang="ru-RU" dirty="0" smtClean="0"/>
+              <a:t>по </a:t>
+            </a:r>
+            <a:r>
+              <a:rPr lang="en-US" dirty="0" smtClean="0"/>
+              <a:t>C++</a:t>
+            </a:r>
+            <a:r>
+              <a:rPr lang="ru-RU" dirty="0" smtClean="0"/>
+              <a:t>»</a:t>
+            </a:r>
+            <a:endParaRPr lang="ru-RU" dirty="0"/>
+          </a:p>
+        </p:txBody>
+      </p:sp>
+      <p:sp>
+        <p:nvSpPr>
+          <p:cNvPr id="3" name="Объект 2"/>
+          <p:cNvSpPr>
+            <a:spLocks noGrp="1"/>
+          </p:cNvSpPr>
+          <p:nvPr>
+            <p:ph sz="half" idx="10"/>
+          </p:nvPr>
+        </p:nvSpPr>
+        <p:spPr>
+          <a:xfrm>
+            <a:off x="3048001" y="3048001"/>
+            <a:ext cx="19827874" cy="7250114"/>
+          </a:xfrm>
+        </p:spPr>
+        <p:txBody>
+          <a:bodyPr/>
+          <a:lstStyle/>
+          <a:p>
+            <a:r>
+              <a:rPr lang="ru-RU" dirty="0"/>
+              <a:t>Один из лучших курсов</a:t>
+            </a:r>
+            <a:r>
+              <a:rPr lang="ru-RU" dirty="0" smtClean="0"/>
+              <a:t>,</a:t>
+            </a:r>
+          </a:p>
+          <a:p>
+            <a:r>
+              <a:rPr lang="ru-RU" dirty="0" smtClean="0"/>
+              <a:t>что </a:t>
+            </a:r>
+            <a:r>
+              <a:rPr lang="ru-RU" dirty="0"/>
+              <a:t>я проходил в </a:t>
+            </a:r>
+            <a:r>
+              <a:rPr lang="ru-RU" dirty="0" smtClean="0"/>
+              <a:t>жизни.</a:t>
+            </a:r>
+          </a:p>
+          <a:p>
+            <a:r>
+              <a:rPr lang="ru-RU" dirty="0" smtClean="0"/>
+              <a:t>Не только </a:t>
+            </a:r>
+            <a:r>
+              <a:rPr lang="ru-RU" dirty="0"/>
+              <a:t>по </a:t>
+            </a:r>
+            <a:r>
+              <a:rPr lang="ru-RU" dirty="0" smtClean="0"/>
+              <a:t>языку</a:t>
+            </a:r>
+          </a:p>
+          <a:p>
+            <a:r>
+              <a:rPr lang="ru-RU" dirty="0" smtClean="0"/>
+              <a:t>программирования</a:t>
+            </a:r>
+            <a:r>
+              <a:rPr lang="ru-RU" dirty="0"/>
+              <a:t>.</a:t>
+            </a:r>
+          </a:p>
+        </p:txBody>
+      </p:sp>
+    </p:spTree>
+    <p:extLst>
+      <p:ext uri="{BB962C8B-B14F-4D97-AF65-F5344CB8AC3E}">
+        <p14:creationId xmlns:p14="http://schemas.microsoft.com/office/powerpoint/2010/main" val="3707661308"/>
+      </p:ext>
+    </p:extLst>
+  </p:cSld>
+  <p:clrMapOvr>
+    <a:masterClrMapping/>
+  </p:clrMapOvr>
+  <p:timing>
+    <p:tnLst>
+      <p:par>
+        <p:cTn id="1" dur="indefinite" restart="never" nodeType="tmRoot"/>
+      </p:par>
+    </p:tnLst>
+  </p:timing>
+</p:sld>
+</file>
+
+<file path=ppt/slides/slide28.xml><?xml version="1.0" encoding="utf-8"?>
+<p:sld xmlns:a="http://schemas.openxmlformats.org/drawingml/2006/main" xmlns:r="http://schemas.openxmlformats.org/officeDocument/2006/relationships" xmlns:p="http://schemas.openxmlformats.org/presentationml/2006/main">
+  <p:cSld>
+    <p:spTree>
+      <p:nvGrpSpPr>
+        <p:cNvPr id="1" name=""/>
+        <p:cNvGrpSpPr/>
+        <p:nvPr/>
+      </p:nvGrpSpPr>
+      <p:grpSpPr>
+        <a:xfrm>
+          <a:off x="0" y="0"/>
+          <a:ext cx="0" cy="0"/>
+          <a:chOff x="0" y="0"/>
+          <a:chExt cx="0" cy="0"/>
+        </a:xfrm>
+      </p:grpSpPr>
+      <p:sp>
+        <p:nvSpPr>
           <p:cNvPr id="2" name="Заголовок 1"/>
           <p:cNvSpPr>
             <a:spLocks noGrp="1"/>
@@ -19075,7 +22410,7 @@
           <a:p>
             <a:fld id="{741C03D3-FA44-40EC-9A21-1FC4FEA3E22E}" type="slidenum">
               <a:rPr lang="ru-RU" smtClean="0"/>
-              <a:t>26</a:t>
+              <a:t>28</a:t>
             </a:fld>
             <a:endParaRPr lang="ru-RU"/>
           </a:p>
@@ -19775,7 +23110,7 @@
 </p:sld>
 </file>
 
-<file path=ppt/slides/slide27.xml><?xml version="1.0" encoding="utf-8"?>
+<file path=ppt/slides/slide29.xml><?xml version="1.0" encoding="utf-8"?>
 <p:sld xmlns:a="http://schemas.openxmlformats.org/drawingml/2006/main" xmlns:r="http://schemas.openxmlformats.org/officeDocument/2006/relationships" xmlns:p="http://schemas.openxmlformats.org/presentationml/2006/main">
   <p:cSld>
     <p:spTree>
@@ -19851,7 +23186,7 @@
           <a:p>
             <a:fld id="{741C03D3-FA44-40EC-9A21-1FC4FEA3E22E}" type="slidenum">
               <a:rPr lang="ru-RU" smtClean="0"/>
-              <a:t>27</a:t>
+              <a:t>29</a:t>
             </a:fld>
             <a:endParaRPr lang="ru-RU"/>
           </a:p>
@@ -20407,7 +23742,1034 @@
 </p:sld>
 </file>
 
-<file path=ppt/slides/slide28.xml><?xml version="1.0" encoding="utf-8"?>
+<file path=ppt/slides/slide3.xml><?xml version="1.0" encoding="utf-8"?>
+<p:sld xmlns:a="http://schemas.openxmlformats.org/drawingml/2006/main" xmlns:r="http://schemas.openxmlformats.org/officeDocument/2006/relationships" xmlns:p="http://schemas.openxmlformats.org/presentationml/2006/main">
+  <p:cSld>
+    <p:spTree>
+      <p:nvGrpSpPr>
+        <p:cNvPr id="1" name=""/>
+        <p:cNvGrpSpPr/>
+        <p:nvPr/>
+      </p:nvGrpSpPr>
+      <p:grpSpPr>
+        <a:xfrm>
+          <a:off x="0" y="0"/>
+          <a:ext cx="0" cy="0"/>
+          <a:chOff x="0" y="0"/>
+          <a:chExt cx="0" cy="0"/>
+        </a:xfrm>
+      </p:grpSpPr>
+      <p:sp>
+        <p:nvSpPr>
+          <p:cNvPr id="2" name="Заголовок 1"/>
+          <p:cNvSpPr>
+            <a:spLocks noGrp="1"/>
+          </p:cNvSpPr>
+          <p:nvPr>
+            <p:ph type="title"/>
+          </p:nvPr>
+        </p:nvSpPr>
+        <p:spPr/>
+        <p:txBody>
+          <a:bodyPr/>
+          <a:lstStyle/>
+          <a:p>
+            <a:r>
+              <a:rPr lang="ru-RU" dirty="0" smtClean="0"/>
+              <a:t>Состав специализации</a:t>
+            </a:r>
+            <a:endParaRPr lang="ru-RU" dirty="0"/>
+          </a:p>
+        </p:txBody>
+      </p:sp>
+      <p:sp>
+        <p:nvSpPr>
+          <p:cNvPr id="4" name="Нижний колонтитул 3"/>
+          <p:cNvSpPr>
+            <a:spLocks noGrp="1"/>
+          </p:cNvSpPr>
+          <p:nvPr>
+            <p:ph type="ftr" sz="quarter" idx="11"/>
+          </p:nvPr>
+        </p:nvSpPr>
+        <p:spPr/>
+        <p:txBody>
+          <a:bodyPr/>
+          <a:lstStyle/>
+          <a:p>
+            <a:endParaRPr lang="ru-RU"/>
+          </a:p>
+        </p:txBody>
+      </p:sp>
+      <p:pic>
+        <p:nvPicPr>
+          <p:cNvPr id="11" name="Объект 10"/>
+          <p:cNvPicPr>
+            <a:picLocks noGrp="1" noChangeAspect="1"/>
+          </p:cNvPicPr>
+          <p:nvPr>
+            <p:ph idx="1"/>
+          </p:nvPr>
+        </p:nvPicPr>
+        <p:blipFill>
+          <a:blip r:embed="rId2">
+            <a:extLst>
+              <a:ext uri="{28A0092B-C50C-407E-A947-70E740481C1C}">
+                <a14:useLocalDpi xmlns:a14="http://schemas.microsoft.com/office/drawing/2010/main" val="0"/>
+              </a:ext>
+            </a:extLst>
+          </a:blip>
+          <a:stretch>
+            <a:fillRect/>
+          </a:stretch>
+        </p:blipFill>
+        <p:spPr>
+          <a:xfrm>
+            <a:off x="1124806" y="4158000"/>
+            <a:ext cx="2311800" cy="5400000"/>
+          </a:xfrm>
+        </p:spPr>
+      </p:pic>
+      <p:pic>
+        <p:nvPicPr>
+          <p:cNvPr id="12" name="Рисунок 11"/>
+          <p:cNvPicPr>
+            <a:picLocks noChangeAspect="1"/>
+          </p:cNvPicPr>
+          <p:nvPr/>
+        </p:nvPicPr>
+        <p:blipFill>
+          <a:blip r:embed="rId3">
+            <a:extLst>
+              <a:ext uri="{28A0092B-C50C-407E-A947-70E740481C1C}">
+                <a14:useLocalDpi xmlns:a14="http://schemas.microsoft.com/office/drawing/2010/main" val="0"/>
+              </a:ext>
+            </a:extLst>
+          </a:blip>
+          <a:stretch>
+            <a:fillRect/>
+          </a:stretch>
+        </p:blipFill>
+        <p:spPr>
+          <a:xfrm>
+            <a:off x="4940806" y="4158000"/>
+            <a:ext cx="2966400" cy="5400000"/>
+          </a:xfrm>
+          <a:prstGeom prst="rect">
+            <a:avLst/>
+          </a:prstGeom>
+        </p:spPr>
+      </p:pic>
+      <p:pic>
+        <p:nvPicPr>
+          <p:cNvPr id="13" name="Рисунок 12"/>
+          <p:cNvPicPr>
+            <a:picLocks noChangeAspect="1"/>
+          </p:cNvPicPr>
+          <p:nvPr/>
+        </p:nvPicPr>
+        <p:blipFill>
+          <a:blip r:embed="rId4">
+            <a:extLst>
+              <a:ext uri="{28A0092B-C50C-407E-A947-70E740481C1C}">
+                <a14:useLocalDpi xmlns:a14="http://schemas.microsoft.com/office/drawing/2010/main" val="0"/>
+              </a:ext>
+            </a:extLst>
+          </a:blip>
+          <a:stretch>
+            <a:fillRect/>
+          </a:stretch>
+        </p:blipFill>
+        <p:spPr>
+          <a:xfrm>
+            <a:off x="9138406" y="4158000"/>
+            <a:ext cx="4231500" cy="5400000"/>
+          </a:xfrm>
+          <a:prstGeom prst="rect">
+            <a:avLst/>
+          </a:prstGeom>
+        </p:spPr>
+      </p:pic>
+      <p:pic>
+        <p:nvPicPr>
+          <p:cNvPr id="14" name="Рисунок 13"/>
+          <p:cNvPicPr>
+            <a:picLocks noChangeAspect="1"/>
+          </p:cNvPicPr>
+          <p:nvPr/>
+        </p:nvPicPr>
+        <p:blipFill>
+          <a:blip r:embed="rId5">
+            <a:extLst>
+              <a:ext uri="{28A0092B-C50C-407E-A947-70E740481C1C}">
+                <a14:useLocalDpi xmlns:a14="http://schemas.microsoft.com/office/drawing/2010/main" val="0"/>
+              </a:ext>
+            </a:extLst>
+          </a:blip>
+          <a:stretch>
+            <a:fillRect/>
+          </a:stretch>
+        </p:blipFill>
+        <p:spPr>
+          <a:xfrm>
+            <a:off x="14853809" y="4158000"/>
+            <a:ext cx="2956650" cy="5400000"/>
+          </a:xfrm>
+          <a:prstGeom prst="rect">
+            <a:avLst/>
+          </a:prstGeom>
+        </p:spPr>
+      </p:pic>
+      <p:pic>
+        <p:nvPicPr>
+          <p:cNvPr id="15" name="Рисунок 14"/>
+          <p:cNvPicPr>
+            <a:picLocks noChangeAspect="1"/>
+          </p:cNvPicPr>
+          <p:nvPr/>
+        </p:nvPicPr>
+        <p:blipFill>
+          <a:blip r:embed="rId6">
+            <a:extLst>
+              <a:ext uri="{28A0092B-C50C-407E-A947-70E740481C1C}">
+                <a14:useLocalDpi xmlns:a14="http://schemas.microsoft.com/office/drawing/2010/main" val="0"/>
+              </a:ext>
+            </a:extLst>
+          </a:blip>
+          <a:stretch>
+            <a:fillRect/>
+          </a:stretch>
+        </p:blipFill>
+        <p:spPr>
+          <a:xfrm>
+            <a:off x="18514906" y="4158000"/>
+            <a:ext cx="4742700" cy="5400000"/>
+          </a:xfrm>
+          <a:prstGeom prst="rect">
+            <a:avLst/>
+          </a:prstGeom>
+        </p:spPr>
+      </p:pic>
+      <p:sp>
+        <p:nvSpPr>
+          <p:cNvPr id="3" name="TextBox 2"/>
+          <p:cNvSpPr txBox="1"/>
+          <p:nvPr/>
+        </p:nvSpPr>
+        <p:spPr>
+          <a:xfrm>
+            <a:off x="1143000" y="10406286"/>
+            <a:ext cx="2515432" cy="1569660"/>
+          </a:xfrm>
+          <a:prstGeom prst="rect">
+            <a:avLst/>
+          </a:prstGeom>
+          <a:noFill/>
+        </p:spPr>
+        <p:txBody>
+          <a:bodyPr wrap="none" rtlCol="0">
+            <a:spAutoFit/>
+          </a:bodyPr>
+          <a:lstStyle/>
+          <a:p>
+            <a:pPr algn="ctr"/>
+            <a:r>
+              <a:rPr lang="ru-RU" sz="4800" dirty="0" smtClean="0">
+                <a:solidFill>
+                  <a:sysClr val="windowText" lastClr="000000"/>
+                </a:solidFill>
+              </a:rPr>
+              <a:t>Рейтинг</a:t>
+            </a:r>
+          </a:p>
+          <a:p>
+            <a:pPr algn="ctr"/>
+            <a:r>
+              <a:rPr lang="en-US" sz="4800" dirty="0" smtClean="0">
+                <a:solidFill>
+                  <a:sysClr val="windowText" lastClr="000000"/>
+                </a:solidFill>
+              </a:rPr>
+              <a:t>4.8/5</a:t>
+            </a:r>
+            <a:endParaRPr lang="ru-RU" sz="4800" dirty="0" err="1" smtClean="0">
+              <a:solidFill>
+                <a:sysClr val="windowText" lastClr="000000"/>
+              </a:solidFill>
+            </a:endParaRPr>
+          </a:p>
+        </p:txBody>
+      </p:sp>
+      <p:sp>
+        <p:nvSpPr>
+          <p:cNvPr id="10" name="TextBox 9"/>
+          <p:cNvSpPr txBox="1"/>
+          <p:nvPr/>
+        </p:nvSpPr>
+        <p:spPr>
+          <a:xfrm>
+            <a:off x="5391774" y="10406286"/>
+            <a:ext cx="2515432" cy="1569660"/>
+          </a:xfrm>
+          <a:prstGeom prst="rect">
+            <a:avLst/>
+          </a:prstGeom>
+          <a:noFill/>
+        </p:spPr>
+        <p:txBody>
+          <a:bodyPr wrap="none" rtlCol="0">
+            <a:spAutoFit/>
+          </a:bodyPr>
+          <a:lstStyle/>
+          <a:p>
+            <a:pPr algn="ctr"/>
+            <a:r>
+              <a:rPr lang="ru-RU" sz="4800" dirty="0" smtClean="0">
+                <a:solidFill>
+                  <a:sysClr val="windowText" lastClr="000000"/>
+                </a:solidFill>
+              </a:rPr>
+              <a:t>Рейтинг</a:t>
+            </a:r>
+          </a:p>
+          <a:p>
+            <a:pPr algn="ctr"/>
+            <a:r>
+              <a:rPr lang="en-US" sz="4800" dirty="0" smtClean="0">
+                <a:solidFill>
+                  <a:sysClr val="windowText" lastClr="000000"/>
+                </a:solidFill>
+              </a:rPr>
+              <a:t>4.9/5</a:t>
+            </a:r>
+            <a:endParaRPr lang="ru-RU" sz="4800" dirty="0" err="1" smtClean="0">
+              <a:solidFill>
+                <a:sysClr val="windowText" lastClr="000000"/>
+              </a:solidFill>
+            </a:endParaRPr>
+          </a:p>
+        </p:txBody>
+      </p:sp>
+      <p:sp>
+        <p:nvSpPr>
+          <p:cNvPr id="5" name="Номер слайда 4"/>
+          <p:cNvSpPr>
+            <a:spLocks noGrp="1"/>
+          </p:cNvSpPr>
+          <p:nvPr>
+            <p:ph type="sldNum" sz="quarter" idx="12"/>
+          </p:nvPr>
+        </p:nvSpPr>
+        <p:spPr/>
+        <p:txBody>
+          <a:bodyPr/>
+          <a:lstStyle/>
+          <a:p>
+            <a:fld id="{741C03D3-FA44-40EC-9A21-1FC4FEA3E22E}" type="slidenum">
+              <a:rPr lang="ru-RU" smtClean="0"/>
+              <a:t>3</a:t>
+            </a:fld>
+            <a:endParaRPr lang="ru-RU"/>
+          </a:p>
+        </p:txBody>
+      </p:sp>
+      <p:sp>
+        <p:nvSpPr>
+          <p:cNvPr id="16" name="TextBox 15"/>
+          <p:cNvSpPr txBox="1"/>
+          <p:nvPr/>
+        </p:nvSpPr>
+        <p:spPr>
+          <a:xfrm>
+            <a:off x="9996440" y="10411903"/>
+            <a:ext cx="2515432" cy="1569660"/>
+          </a:xfrm>
+          <a:prstGeom prst="rect">
+            <a:avLst/>
+          </a:prstGeom>
+          <a:noFill/>
+        </p:spPr>
+        <p:txBody>
+          <a:bodyPr wrap="none" rtlCol="0">
+            <a:spAutoFit/>
+          </a:bodyPr>
+          <a:lstStyle/>
+          <a:p>
+            <a:pPr algn="ctr"/>
+            <a:r>
+              <a:rPr lang="ru-RU" sz="4800" dirty="0" smtClean="0">
+                <a:solidFill>
+                  <a:sysClr val="windowText" lastClr="000000"/>
+                </a:solidFill>
+              </a:rPr>
+              <a:t>Рейтинг</a:t>
+            </a:r>
+          </a:p>
+          <a:p>
+            <a:pPr algn="ctr"/>
+            <a:r>
+              <a:rPr lang="en-US" sz="4800" dirty="0" smtClean="0">
+                <a:solidFill>
+                  <a:sysClr val="windowText" lastClr="000000"/>
+                </a:solidFill>
+              </a:rPr>
+              <a:t>5/5</a:t>
+            </a:r>
+            <a:endParaRPr lang="ru-RU" sz="4800" dirty="0" err="1" smtClean="0">
+              <a:solidFill>
+                <a:sysClr val="windowText" lastClr="000000"/>
+              </a:solidFill>
+            </a:endParaRPr>
+          </a:p>
+        </p:txBody>
+      </p:sp>
+    </p:spTree>
+    <p:extLst>
+      <p:ext uri="{BB962C8B-B14F-4D97-AF65-F5344CB8AC3E}">
+        <p14:creationId xmlns:p14="http://schemas.microsoft.com/office/powerpoint/2010/main" val="4095235961"/>
+      </p:ext>
+    </p:extLst>
+  </p:cSld>
+  <p:clrMapOvr>
+    <a:masterClrMapping/>
+  </p:clrMapOvr>
+  <p:timing>
+    <p:tnLst>
+      <p:par>
+        <p:cTn id="1" dur="indefinite" restart="never" nodeType="tmRoot">
+          <p:childTnLst>
+            <p:seq concurrent="1" nextAc="seek">
+              <p:cTn id="2" dur="indefinite" nodeType="mainSeq">
+                <p:childTnLst>
+                  <p:par>
+                    <p:cTn id="3" fill="hold">
+                      <p:stCondLst>
+                        <p:cond delay="indefinite"/>
+                      </p:stCondLst>
+                      <p:childTnLst>
+                        <p:par>
+                          <p:cTn id="4" fill="hold">
+                            <p:stCondLst>
+                              <p:cond delay="0"/>
+                            </p:stCondLst>
+                            <p:childTnLst>
+                              <p:par>
+                                <p:cTn id="5" presetID="2" presetClass="entr" presetSubtype="8" fill="hold" nodeType="clickEffect">
+                                  <p:stCondLst>
+                                    <p:cond delay="0"/>
+                                  </p:stCondLst>
+                                  <p:childTnLst>
+                                    <p:set>
+                                      <p:cBhvr>
+                                        <p:cTn id="6" dur="1" fill="hold">
+                                          <p:stCondLst>
+                                            <p:cond delay="0"/>
+                                          </p:stCondLst>
+                                        </p:cTn>
+                                        <p:tgtEl>
+                                          <p:spTgt spid="11"/>
+                                        </p:tgtEl>
+                                        <p:attrNameLst>
+                                          <p:attrName>style.visibility</p:attrName>
+                                        </p:attrNameLst>
+                                      </p:cBhvr>
+                                      <p:to>
+                                        <p:strVal val="visible"/>
+                                      </p:to>
+                                    </p:set>
+                                    <p:anim calcmode="lin" valueType="num">
+                                      <p:cBhvr additive="base">
+                                        <p:cTn id="7" dur="300" fill="hold"/>
+                                        <p:tgtEl>
+                                          <p:spTgt spid="11"/>
+                                        </p:tgtEl>
+                                        <p:attrNameLst>
+                                          <p:attrName>ppt_x</p:attrName>
+                                        </p:attrNameLst>
+                                      </p:cBhvr>
+                                      <p:tavLst>
+                                        <p:tav tm="0">
+                                          <p:val>
+                                            <p:strVal val="0-#ppt_w/2"/>
+                                          </p:val>
+                                        </p:tav>
+                                        <p:tav tm="100000">
+                                          <p:val>
+                                            <p:strVal val="#ppt_x"/>
+                                          </p:val>
+                                        </p:tav>
+                                      </p:tavLst>
+                                    </p:anim>
+                                    <p:anim calcmode="lin" valueType="num">
+                                      <p:cBhvr additive="base">
+                                        <p:cTn id="8" dur="300" fill="hold"/>
+                                        <p:tgtEl>
+                                          <p:spTgt spid="11"/>
+                                        </p:tgtEl>
+                                        <p:attrNameLst>
+                                          <p:attrName>ppt_y</p:attrName>
+                                        </p:attrNameLst>
+                                      </p:cBhvr>
+                                      <p:tavLst>
+                                        <p:tav tm="0">
+                                          <p:val>
+                                            <p:strVal val="#ppt_y"/>
+                                          </p:val>
+                                        </p:tav>
+                                        <p:tav tm="100000">
+                                          <p:val>
+                                            <p:strVal val="#ppt_y"/>
+                                          </p:val>
+                                        </p:tav>
+                                      </p:tavLst>
+                                    </p:anim>
+                                  </p:childTnLst>
+                                </p:cTn>
+                              </p:par>
+                            </p:childTnLst>
+                          </p:cTn>
+                        </p:par>
+                      </p:childTnLst>
+                    </p:cTn>
+                  </p:par>
+                  <p:par>
+                    <p:cTn id="9" fill="hold">
+                      <p:stCondLst>
+                        <p:cond delay="indefinite"/>
+                      </p:stCondLst>
+                      <p:childTnLst>
+                        <p:par>
+                          <p:cTn id="10" fill="hold">
+                            <p:stCondLst>
+                              <p:cond delay="0"/>
+                            </p:stCondLst>
+                            <p:childTnLst>
+                              <p:par>
+                                <p:cTn id="11" presetID="2" presetClass="entr" presetSubtype="8" fill="hold" nodeType="clickEffect">
+                                  <p:stCondLst>
+                                    <p:cond delay="0"/>
+                                  </p:stCondLst>
+                                  <p:childTnLst>
+                                    <p:set>
+                                      <p:cBhvr>
+                                        <p:cTn id="12" dur="1" fill="hold">
+                                          <p:stCondLst>
+                                            <p:cond delay="0"/>
+                                          </p:stCondLst>
+                                        </p:cTn>
+                                        <p:tgtEl>
+                                          <p:spTgt spid="12"/>
+                                        </p:tgtEl>
+                                        <p:attrNameLst>
+                                          <p:attrName>style.visibility</p:attrName>
+                                        </p:attrNameLst>
+                                      </p:cBhvr>
+                                      <p:to>
+                                        <p:strVal val="visible"/>
+                                      </p:to>
+                                    </p:set>
+                                    <p:anim calcmode="lin" valueType="num">
+                                      <p:cBhvr additive="base">
+                                        <p:cTn id="13" dur="300" fill="hold"/>
+                                        <p:tgtEl>
+                                          <p:spTgt spid="12"/>
+                                        </p:tgtEl>
+                                        <p:attrNameLst>
+                                          <p:attrName>ppt_x</p:attrName>
+                                        </p:attrNameLst>
+                                      </p:cBhvr>
+                                      <p:tavLst>
+                                        <p:tav tm="0">
+                                          <p:val>
+                                            <p:strVal val="0-#ppt_w/2"/>
+                                          </p:val>
+                                        </p:tav>
+                                        <p:tav tm="100000">
+                                          <p:val>
+                                            <p:strVal val="#ppt_x"/>
+                                          </p:val>
+                                        </p:tav>
+                                      </p:tavLst>
+                                    </p:anim>
+                                    <p:anim calcmode="lin" valueType="num">
+                                      <p:cBhvr additive="base">
+                                        <p:cTn id="14" dur="300" fill="hold"/>
+                                        <p:tgtEl>
+                                          <p:spTgt spid="12"/>
+                                        </p:tgtEl>
+                                        <p:attrNameLst>
+                                          <p:attrName>ppt_y</p:attrName>
+                                        </p:attrNameLst>
+                                      </p:cBhvr>
+                                      <p:tavLst>
+                                        <p:tav tm="0">
+                                          <p:val>
+                                            <p:strVal val="#ppt_y"/>
+                                          </p:val>
+                                        </p:tav>
+                                        <p:tav tm="100000">
+                                          <p:val>
+                                            <p:strVal val="#ppt_y"/>
+                                          </p:val>
+                                        </p:tav>
+                                      </p:tavLst>
+                                    </p:anim>
+                                  </p:childTnLst>
+                                </p:cTn>
+                              </p:par>
+                            </p:childTnLst>
+                          </p:cTn>
+                        </p:par>
+                      </p:childTnLst>
+                    </p:cTn>
+                  </p:par>
+                  <p:par>
+                    <p:cTn id="15" fill="hold">
+                      <p:stCondLst>
+                        <p:cond delay="indefinite"/>
+                      </p:stCondLst>
+                      <p:childTnLst>
+                        <p:par>
+                          <p:cTn id="16" fill="hold">
+                            <p:stCondLst>
+                              <p:cond delay="0"/>
+                            </p:stCondLst>
+                            <p:childTnLst>
+                              <p:par>
+                                <p:cTn id="17" presetID="2" presetClass="entr" presetSubtype="2" fill="hold" nodeType="clickEffect">
+                                  <p:stCondLst>
+                                    <p:cond delay="0"/>
+                                  </p:stCondLst>
+                                  <p:childTnLst>
+                                    <p:set>
+                                      <p:cBhvr>
+                                        <p:cTn id="18" dur="1" fill="hold">
+                                          <p:stCondLst>
+                                            <p:cond delay="0"/>
+                                          </p:stCondLst>
+                                        </p:cTn>
+                                        <p:tgtEl>
+                                          <p:spTgt spid="13"/>
+                                        </p:tgtEl>
+                                        <p:attrNameLst>
+                                          <p:attrName>style.visibility</p:attrName>
+                                        </p:attrNameLst>
+                                      </p:cBhvr>
+                                      <p:to>
+                                        <p:strVal val="visible"/>
+                                      </p:to>
+                                    </p:set>
+                                    <p:anim calcmode="lin" valueType="num">
+                                      <p:cBhvr additive="base">
+                                        <p:cTn id="19" dur="300" fill="hold"/>
+                                        <p:tgtEl>
+                                          <p:spTgt spid="13"/>
+                                        </p:tgtEl>
+                                        <p:attrNameLst>
+                                          <p:attrName>ppt_x</p:attrName>
+                                        </p:attrNameLst>
+                                      </p:cBhvr>
+                                      <p:tavLst>
+                                        <p:tav tm="0">
+                                          <p:val>
+                                            <p:strVal val="1+#ppt_w/2"/>
+                                          </p:val>
+                                        </p:tav>
+                                        <p:tav tm="100000">
+                                          <p:val>
+                                            <p:strVal val="#ppt_x"/>
+                                          </p:val>
+                                        </p:tav>
+                                      </p:tavLst>
+                                    </p:anim>
+                                    <p:anim calcmode="lin" valueType="num">
+                                      <p:cBhvr additive="base">
+                                        <p:cTn id="20" dur="300" fill="hold"/>
+                                        <p:tgtEl>
+                                          <p:spTgt spid="13"/>
+                                        </p:tgtEl>
+                                        <p:attrNameLst>
+                                          <p:attrName>ppt_y</p:attrName>
+                                        </p:attrNameLst>
+                                      </p:cBhvr>
+                                      <p:tavLst>
+                                        <p:tav tm="0">
+                                          <p:val>
+                                            <p:strVal val="#ppt_y"/>
+                                          </p:val>
+                                        </p:tav>
+                                        <p:tav tm="100000">
+                                          <p:val>
+                                            <p:strVal val="#ppt_y"/>
+                                          </p:val>
+                                        </p:tav>
+                                      </p:tavLst>
+                                    </p:anim>
+                                  </p:childTnLst>
+                                </p:cTn>
+                              </p:par>
+                            </p:childTnLst>
+                          </p:cTn>
+                        </p:par>
+                        <p:par>
+                          <p:cTn id="21" fill="hold">
+                            <p:stCondLst>
+                              <p:cond delay="300"/>
+                            </p:stCondLst>
+                            <p:childTnLst>
+                              <p:par>
+                                <p:cTn id="22" presetID="2" presetClass="entr" presetSubtype="2" fill="hold" nodeType="afterEffect">
+                                  <p:stCondLst>
+                                    <p:cond delay="0"/>
+                                  </p:stCondLst>
+                                  <p:childTnLst>
+                                    <p:set>
+                                      <p:cBhvr>
+                                        <p:cTn id="23" dur="1" fill="hold">
+                                          <p:stCondLst>
+                                            <p:cond delay="0"/>
+                                          </p:stCondLst>
+                                        </p:cTn>
+                                        <p:tgtEl>
+                                          <p:spTgt spid="14"/>
+                                        </p:tgtEl>
+                                        <p:attrNameLst>
+                                          <p:attrName>style.visibility</p:attrName>
+                                        </p:attrNameLst>
+                                      </p:cBhvr>
+                                      <p:to>
+                                        <p:strVal val="visible"/>
+                                      </p:to>
+                                    </p:set>
+                                    <p:anim calcmode="lin" valueType="num">
+                                      <p:cBhvr additive="base">
+                                        <p:cTn id="24" dur="300" fill="hold"/>
+                                        <p:tgtEl>
+                                          <p:spTgt spid="14"/>
+                                        </p:tgtEl>
+                                        <p:attrNameLst>
+                                          <p:attrName>ppt_x</p:attrName>
+                                        </p:attrNameLst>
+                                      </p:cBhvr>
+                                      <p:tavLst>
+                                        <p:tav tm="0">
+                                          <p:val>
+                                            <p:strVal val="1+#ppt_w/2"/>
+                                          </p:val>
+                                        </p:tav>
+                                        <p:tav tm="100000">
+                                          <p:val>
+                                            <p:strVal val="#ppt_x"/>
+                                          </p:val>
+                                        </p:tav>
+                                      </p:tavLst>
+                                    </p:anim>
+                                    <p:anim calcmode="lin" valueType="num">
+                                      <p:cBhvr additive="base">
+                                        <p:cTn id="25" dur="300" fill="hold"/>
+                                        <p:tgtEl>
+                                          <p:spTgt spid="14"/>
+                                        </p:tgtEl>
+                                        <p:attrNameLst>
+                                          <p:attrName>ppt_y</p:attrName>
+                                        </p:attrNameLst>
+                                      </p:cBhvr>
+                                      <p:tavLst>
+                                        <p:tav tm="0">
+                                          <p:val>
+                                            <p:strVal val="#ppt_y"/>
+                                          </p:val>
+                                        </p:tav>
+                                        <p:tav tm="100000">
+                                          <p:val>
+                                            <p:strVal val="#ppt_y"/>
+                                          </p:val>
+                                        </p:tav>
+                                      </p:tavLst>
+                                    </p:anim>
+                                  </p:childTnLst>
+                                </p:cTn>
+                              </p:par>
+                            </p:childTnLst>
+                          </p:cTn>
+                        </p:par>
+                        <p:par>
+                          <p:cTn id="26" fill="hold">
+                            <p:stCondLst>
+                              <p:cond delay="600"/>
+                            </p:stCondLst>
+                            <p:childTnLst>
+                              <p:par>
+                                <p:cTn id="27" presetID="2" presetClass="entr" presetSubtype="2" fill="hold" nodeType="afterEffect">
+                                  <p:stCondLst>
+                                    <p:cond delay="0"/>
+                                  </p:stCondLst>
+                                  <p:childTnLst>
+                                    <p:set>
+                                      <p:cBhvr>
+                                        <p:cTn id="28" dur="1" fill="hold">
+                                          <p:stCondLst>
+                                            <p:cond delay="0"/>
+                                          </p:stCondLst>
+                                        </p:cTn>
+                                        <p:tgtEl>
+                                          <p:spTgt spid="15"/>
+                                        </p:tgtEl>
+                                        <p:attrNameLst>
+                                          <p:attrName>style.visibility</p:attrName>
+                                        </p:attrNameLst>
+                                      </p:cBhvr>
+                                      <p:to>
+                                        <p:strVal val="visible"/>
+                                      </p:to>
+                                    </p:set>
+                                    <p:anim calcmode="lin" valueType="num">
+                                      <p:cBhvr additive="base">
+                                        <p:cTn id="29" dur="300" fill="hold"/>
+                                        <p:tgtEl>
+                                          <p:spTgt spid="15"/>
+                                        </p:tgtEl>
+                                        <p:attrNameLst>
+                                          <p:attrName>ppt_x</p:attrName>
+                                        </p:attrNameLst>
+                                      </p:cBhvr>
+                                      <p:tavLst>
+                                        <p:tav tm="0">
+                                          <p:val>
+                                            <p:strVal val="1+#ppt_w/2"/>
+                                          </p:val>
+                                        </p:tav>
+                                        <p:tav tm="100000">
+                                          <p:val>
+                                            <p:strVal val="#ppt_x"/>
+                                          </p:val>
+                                        </p:tav>
+                                      </p:tavLst>
+                                    </p:anim>
+                                    <p:anim calcmode="lin" valueType="num">
+                                      <p:cBhvr additive="base">
+                                        <p:cTn id="30" dur="300" fill="hold"/>
+                                        <p:tgtEl>
+                                          <p:spTgt spid="15"/>
+                                        </p:tgtEl>
+                                        <p:attrNameLst>
+                                          <p:attrName>ppt_y</p:attrName>
+                                        </p:attrNameLst>
+                                      </p:cBhvr>
+                                      <p:tavLst>
+                                        <p:tav tm="0">
+                                          <p:val>
+                                            <p:strVal val="#ppt_y"/>
+                                          </p:val>
+                                        </p:tav>
+                                        <p:tav tm="100000">
+                                          <p:val>
+                                            <p:strVal val="#ppt_y"/>
+                                          </p:val>
+                                        </p:tav>
+                                      </p:tavLst>
+                                    </p:anim>
+                                  </p:childTnLst>
+                                </p:cTn>
+                              </p:par>
+                            </p:childTnLst>
+                          </p:cTn>
+                        </p:par>
+                      </p:childTnLst>
+                    </p:cTn>
+                  </p:par>
+                  <p:par>
+                    <p:cTn id="31" fill="hold">
+                      <p:stCondLst>
+                        <p:cond delay="indefinite"/>
+                      </p:stCondLst>
+                      <p:childTnLst>
+                        <p:par>
+                          <p:cTn id="32" fill="hold">
+                            <p:stCondLst>
+                              <p:cond delay="0"/>
+                            </p:stCondLst>
+                            <p:childTnLst>
+                              <p:par>
+                                <p:cTn id="33" presetID="9" presetClass="emph" presetSubtype="0" nodeType="clickEffect">
+                                  <p:stCondLst>
+                                    <p:cond delay="0"/>
+                                  </p:stCondLst>
+                                  <p:childTnLst>
+                                    <p:set>
+                                      <p:cBhvr rctx="PPT">
+                                        <p:cTn id="34" dur="indefinite"/>
+                                        <p:tgtEl>
+                                          <p:spTgt spid="14"/>
+                                        </p:tgtEl>
+                                        <p:attrNameLst>
+                                          <p:attrName>style.opacity</p:attrName>
+                                        </p:attrNameLst>
+                                      </p:cBhvr>
+                                      <p:to>
+                                        <p:strVal val="0.2"/>
+                                      </p:to>
+                                    </p:set>
+                                    <p:animEffect filter="image" prLst="opacity: 0.2">
+                                      <p:cBhvr rctx="IE">
+                                        <p:cTn id="35" dur="indefinite"/>
+                                        <p:tgtEl>
+                                          <p:spTgt spid="14"/>
+                                        </p:tgtEl>
+                                      </p:cBhvr>
+                                    </p:animEffect>
+                                  </p:childTnLst>
+                                </p:cTn>
+                              </p:par>
+                              <p:par>
+                                <p:cTn id="36" presetID="9" presetClass="emph" presetSubtype="0" nodeType="withEffect">
+                                  <p:stCondLst>
+                                    <p:cond delay="0"/>
+                                  </p:stCondLst>
+                                  <p:childTnLst>
+                                    <p:set>
+                                      <p:cBhvr rctx="PPT">
+                                        <p:cTn id="37" dur="indefinite"/>
+                                        <p:tgtEl>
+                                          <p:spTgt spid="15"/>
+                                        </p:tgtEl>
+                                        <p:attrNameLst>
+                                          <p:attrName>style.opacity</p:attrName>
+                                        </p:attrNameLst>
+                                      </p:cBhvr>
+                                      <p:to>
+                                        <p:strVal val="0.2"/>
+                                      </p:to>
+                                    </p:set>
+                                    <p:animEffect filter="image" prLst="opacity: 0.2">
+                                      <p:cBhvr rctx="IE">
+                                        <p:cTn id="38" dur="indefinite"/>
+                                        <p:tgtEl>
+                                          <p:spTgt spid="15"/>
+                                        </p:tgtEl>
+                                      </p:cBhvr>
+                                    </p:animEffect>
+                                  </p:childTnLst>
+                                </p:cTn>
+                              </p:par>
+                              <p:par>
+                                <p:cTn id="39" presetID="1" presetClass="entr" presetSubtype="0" fill="hold" grpId="0" nodeType="withEffect">
+                                  <p:stCondLst>
+                                    <p:cond delay="0"/>
+                                  </p:stCondLst>
+                                  <p:childTnLst>
+                                    <p:set>
+                                      <p:cBhvr>
+                                        <p:cTn id="40" dur="1" fill="hold">
+                                          <p:stCondLst>
+                                            <p:cond delay="0"/>
+                                          </p:stCondLst>
+                                        </p:cTn>
+                                        <p:tgtEl>
+                                          <p:spTgt spid="3"/>
+                                        </p:tgtEl>
+                                        <p:attrNameLst>
+                                          <p:attrName>style.visibility</p:attrName>
+                                        </p:attrNameLst>
+                                      </p:cBhvr>
+                                      <p:to>
+                                        <p:strVal val="visible"/>
+                                      </p:to>
+                                    </p:set>
+                                  </p:childTnLst>
+                                </p:cTn>
+                              </p:par>
+                              <p:par>
+                                <p:cTn id="41" presetID="1" presetClass="entr" presetSubtype="0" fill="hold" grpId="0" nodeType="withEffect">
+                                  <p:stCondLst>
+                                    <p:cond delay="0"/>
+                                  </p:stCondLst>
+                                  <p:childTnLst>
+                                    <p:set>
+                                      <p:cBhvr>
+                                        <p:cTn id="42" dur="1" fill="hold">
+                                          <p:stCondLst>
+                                            <p:cond delay="0"/>
+                                          </p:stCondLst>
+                                        </p:cTn>
+                                        <p:tgtEl>
+                                          <p:spTgt spid="10"/>
+                                        </p:tgtEl>
+                                        <p:attrNameLst>
+                                          <p:attrName>style.visibility</p:attrName>
+                                        </p:attrNameLst>
+                                      </p:cBhvr>
+                                      <p:to>
+                                        <p:strVal val="visible"/>
+                                      </p:to>
+                                    </p:set>
+                                  </p:childTnLst>
+                                </p:cTn>
+                              </p:par>
+                              <p:par>
+                                <p:cTn id="43" presetID="1" presetClass="entr" presetSubtype="0" fill="hold" grpId="0" nodeType="withEffect">
+                                  <p:stCondLst>
+                                    <p:cond delay="0"/>
+                                  </p:stCondLst>
+                                  <p:childTnLst>
+                                    <p:set>
+                                      <p:cBhvr>
+                                        <p:cTn id="44" dur="1" fill="hold">
+                                          <p:stCondLst>
+                                            <p:cond delay="0"/>
+                                          </p:stCondLst>
+                                        </p:cTn>
+                                        <p:tgtEl>
+                                          <p:spTgt spid="16"/>
+                                        </p:tgtEl>
+                                        <p:attrNameLst>
+                                          <p:attrName>style.visibility</p:attrName>
+                                        </p:attrNameLst>
+                                      </p:cBhvr>
+                                      <p:to>
+                                        <p:strVal val="visible"/>
+                                      </p:to>
+                                    </p:set>
+                                  </p:childTnLst>
+                                </p:cTn>
+                              </p:par>
+                            </p:childTnLst>
+                          </p:cTn>
+                        </p:par>
+                      </p:childTnLst>
+                    </p:cTn>
+                  </p:par>
+                </p:childTnLst>
+              </p:cTn>
+              <p:prevCondLst>
+                <p:cond evt="onPrev" delay="0">
+                  <p:tgtEl>
+                    <p:sldTgt/>
+                  </p:tgtEl>
+                </p:cond>
+              </p:prevCondLst>
+              <p:nextCondLst>
+                <p:cond evt="onNext" delay="0">
+                  <p:tgtEl>
+                    <p:sldTgt/>
+                  </p:tgtEl>
+                </p:cond>
+              </p:nextCondLst>
+            </p:seq>
+          </p:childTnLst>
+        </p:cTn>
+      </p:par>
+    </p:tnLst>
+    <p:bldLst>
+      <p:bldP spid="3" grpId="0"/>
+      <p:bldP spid="10" grpId="0"/>
+      <p:bldP spid="16" grpId="0"/>
+    </p:bldLst>
+  </p:timing>
+</p:sld>
+</file>
+
+<file path=ppt/slides/slide30.xml><?xml version="1.0" encoding="utf-8"?>
 <p:sld xmlns:a="http://schemas.openxmlformats.org/drawingml/2006/main" xmlns:r="http://schemas.openxmlformats.org/officeDocument/2006/relationships" xmlns:p="http://schemas.openxmlformats.org/presentationml/2006/main">
   <p:cSld>
     <p:spTree>
@@ -20556,7 +24918,7 @@
 </p:sld>
 </file>
 
-<file path=ppt/slides/slide29.xml><?xml version="1.0" encoding="utf-8"?>
+<file path=ppt/slides/slide31.xml><?xml version="1.0" encoding="utf-8"?>
 <p:sld xmlns:a="http://schemas.openxmlformats.org/drawingml/2006/main" xmlns:r="http://schemas.openxmlformats.org/officeDocument/2006/relationships" xmlns:p="http://schemas.openxmlformats.org/presentationml/2006/main">
   <p:cSld>
     <p:spTree>
@@ -23191,1034 +27553,7 @@
 </p:sld>
 </file>
 
-<file path=ppt/slides/slide3.xml><?xml version="1.0" encoding="utf-8"?>
-<p:sld xmlns:a="http://schemas.openxmlformats.org/drawingml/2006/main" xmlns:r="http://schemas.openxmlformats.org/officeDocument/2006/relationships" xmlns:p="http://schemas.openxmlformats.org/presentationml/2006/main">
-  <p:cSld>
-    <p:spTree>
-      <p:nvGrpSpPr>
-        <p:cNvPr id="1" name=""/>
-        <p:cNvGrpSpPr/>
-        <p:nvPr/>
-      </p:nvGrpSpPr>
-      <p:grpSpPr>
-        <a:xfrm>
-          <a:off x="0" y="0"/>
-          <a:ext cx="0" cy="0"/>
-          <a:chOff x="0" y="0"/>
-          <a:chExt cx="0" cy="0"/>
-        </a:xfrm>
-      </p:grpSpPr>
-      <p:sp>
-        <p:nvSpPr>
-          <p:cNvPr id="2" name="Заголовок 1"/>
-          <p:cNvSpPr>
-            <a:spLocks noGrp="1"/>
-          </p:cNvSpPr>
-          <p:nvPr>
-            <p:ph type="title"/>
-          </p:nvPr>
-        </p:nvSpPr>
-        <p:spPr/>
-        <p:txBody>
-          <a:bodyPr/>
-          <a:lstStyle/>
-          <a:p>
-            <a:r>
-              <a:rPr lang="ru-RU" dirty="0" smtClean="0"/>
-              <a:t>Состав специализации</a:t>
-            </a:r>
-            <a:endParaRPr lang="ru-RU" dirty="0"/>
-          </a:p>
-        </p:txBody>
-      </p:sp>
-      <p:sp>
-        <p:nvSpPr>
-          <p:cNvPr id="4" name="Нижний колонтитул 3"/>
-          <p:cNvSpPr>
-            <a:spLocks noGrp="1"/>
-          </p:cNvSpPr>
-          <p:nvPr>
-            <p:ph type="ftr" sz="quarter" idx="11"/>
-          </p:nvPr>
-        </p:nvSpPr>
-        <p:spPr/>
-        <p:txBody>
-          <a:bodyPr/>
-          <a:lstStyle/>
-          <a:p>
-            <a:endParaRPr lang="ru-RU"/>
-          </a:p>
-        </p:txBody>
-      </p:sp>
-      <p:pic>
-        <p:nvPicPr>
-          <p:cNvPr id="11" name="Объект 10"/>
-          <p:cNvPicPr>
-            <a:picLocks noGrp="1" noChangeAspect="1"/>
-          </p:cNvPicPr>
-          <p:nvPr>
-            <p:ph idx="1"/>
-          </p:nvPr>
-        </p:nvPicPr>
-        <p:blipFill>
-          <a:blip r:embed="rId2">
-            <a:extLst>
-              <a:ext uri="{28A0092B-C50C-407E-A947-70E740481C1C}">
-                <a14:useLocalDpi xmlns:a14="http://schemas.microsoft.com/office/drawing/2010/main" val="0"/>
-              </a:ext>
-            </a:extLst>
-          </a:blip>
-          <a:stretch>
-            <a:fillRect/>
-          </a:stretch>
-        </p:blipFill>
-        <p:spPr>
-          <a:xfrm>
-            <a:off x="1124806" y="4158000"/>
-            <a:ext cx="2311800" cy="5400000"/>
-          </a:xfrm>
-        </p:spPr>
-      </p:pic>
-      <p:pic>
-        <p:nvPicPr>
-          <p:cNvPr id="12" name="Рисунок 11"/>
-          <p:cNvPicPr>
-            <a:picLocks noChangeAspect="1"/>
-          </p:cNvPicPr>
-          <p:nvPr/>
-        </p:nvPicPr>
-        <p:blipFill>
-          <a:blip r:embed="rId3">
-            <a:extLst>
-              <a:ext uri="{28A0092B-C50C-407E-A947-70E740481C1C}">
-                <a14:useLocalDpi xmlns:a14="http://schemas.microsoft.com/office/drawing/2010/main" val="0"/>
-              </a:ext>
-            </a:extLst>
-          </a:blip>
-          <a:stretch>
-            <a:fillRect/>
-          </a:stretch>
-        </p:blipFill>
-        <p:spPr>
-          <a:xfrm>
-            <a:off x="4940806" y="4158000"/>
-            <a:ext cx="2966400" cy="5400000"/>
-          </a:xfrm>
-          <a:prstGeom prst="rect">
-            <a:avLst/>
-          </a:prstGeom>
-        </p:spPr>
-      </p:pic>
-      <p:pic>
-        <p:nvPicPr>
-          <p:cNvPr id="13" name="Рисунок 12"/>
-          <p:cNvPicPr>
-            <a:picLocks noChangeAspect="1"/>
-          </p:cNvPicPr>
-          <p:nvPr/>
-        </p:nvPicPr>
-        <p:blipFill>
-          <a:blip r:embed="rId4">
-            <a:extLst>
-              <a:ext uri="{28A0092B-C50C-407E-A947-70E740481C1C}">
-                <a14:useLocalDpi xmlns:a14="http://schemas.microsoft.com/office/drawing/2010/main" val="0"/>
-              </a:ext>
-            </a:extLst>
-          </a:blip>
-          <a:stretch>
-            <a:fillRect/>
-          </a:stretch>
-        </p:blipFill>
-        <p:spPr>
-          <a:xfrm>
-            <a:off x="9138406" y="4158000"/>
-            <a:ext cx="4231500" cy="5400000"/>
-          </a:xfrm>
-          <a:prstGeom prst="rect">
-            <a:avLst/>
-          </a:prstGeom>
-        </p:spPr>
-      </p:pic>
-      <p:pic>
-        <p:nvPicPr>
-          <p:cNvPr id="14" name="Рисунок 13"/>
-          <p:cNvPicPr>
-            <a:picLocks noChangeAspect="1"/>
-          </p:cNvPicPr>
-          <p:nvPr/>
-        </p:nvPicPr>
-        <p:blipFill>
-          <a:blip r:embed="rId5">
-            <a:extLst>
-              <a:ext uri="{28A0092B-C50C-407E-A947-70E740481C1C}">
-                <a14:useLocalDpi xmlns:a14="http://schemas.microsoft.com/office/drawing/2010/main" val="0"/>
-              </a:ext>
-            </a:extLst>
-          </a:blip>
-          <a:stretch>
-            <a:fillRect/>
-          </a:stretch>
-        </p:blipFill>
-        <p:spPr>
-          <a:xfrm>
-            <a:off x="14853809" y="4158000"/>
-            <a:ext cx="2956650" cy="5400000"/>
-          </a:xfrm>
-          <a:prstGeom prst="rect">
-            <a:avLst/>
-          </a:prstGeom>
-        </p:spPr>
-      </p:pic>
-      <p:pic>
-        <p:nvPicPr>
-          <p:cNvPr id="15" name="Рисунок 14"/>
-          <p:cNvPicPr>
-            <a:picLocks noChangeAspect="1"/>
-          </p:cNvPicPr>
-          <p:nvPr/>
-        </p:nvPicPr>
-        <p:blipFill>
-          <a:blip r:embed="rId6">
-            <a:extLst>
-              <a:ext uri="{28A0092B-C50C-407E-A947-70E740481C1C}">
-                <a14:useLocalDpi xmlns:a14="http://schemas.microsoft.com/office/drawing/2010/main" val="0"/>
-              </a:ext>
-            </a:extLst>
-          </a:blip>
-          <a:stretch>
-            <a:fillRect/>
-          </a:stretch>
-        </p:blipFill>
-        <p:spPr>
-          <a:xfrm>
-            <a:off x="18514906" y="4158000"/>
-            <a:ext cx="4742700" cy="5400000"/>
-          </a:xfrm>
-          <a:prstGeom prst="rect">
-            <a:avLst/>
-          </a:prstGeom>
-        </p:spPr>
-      </p:pic>
-      <p:sp>
-        <p:nvSpPr>
-          <p:cNvPr id="3" name="TextBox 2"/>
-          <p:cNvSpPr txBox="1"/>
-          <p:nvPr/>
-        </p:nvSpPr>
-        <p:spPr>
-          <a:xfrm>
-            <a:off x="1143000" y="10406286"/>
-            <a:ext cx="2515432" cy="1569660"/>
-          </a:xfrm>
-          <a:prstGeom prst="rect">
-            <a:avLst/>
-          </a:prstGeom>
-          <a:noFill/>
-        </p:spPr>
-        <p:txBody>
-          <a:bodyPr wrap="none" rtlCol="0">
-            <a:spAutoFit/>
-          </a:bodyPr>
-          <a:lstStyle/>
-          <a:p>
-            <a:pPr algn="ctr"/>
-            <a:r>
-              <a:rPr lang="ru-RU" sz="4800" dirty="0" smtClean="0">
-                <a:solidFill>
-                  <a:sysClr val="windowText" lastClr="000000"/>
-                </a:solidFill>
-              </a:rPr>
-              <a:t>Рейтинг</a:t>
-            </a:r>
-          </a:p>
-          <a:p>
-            <a:pPr algn="ctr"/>
-            <a:r>
-              <a:rPr lang="en-US" sz="4800" dirty="0" smtClean="0">
-                <a:solidFill>
-                  <a:sysClr val="windowText" lastClr="000000"/>
-                </a:solidFill>
-              </a:rPr>
-              <a:t>4.8/5</a:t>
-            </a:r>
-            <a:endParaRPr lang="ru-RU" sz="4800" dirty="0" err="1" smtClean="0">
-              <a:solidFill>
-                <a:sysClr val="windowText" lastClr="000000"/>
-              </a:solidFill>
-            </a:endParaRPr>
-          </a:p>
-        </p:txBody>
-      </p:sp>
-      <p:sp>
-        <p:nvSpPr>
-          <p:cNvPr id="10" name="TextBox 9"/>
-          <p:cNvSpPr txBox="1"/>
-          <p:nvPr/>
-        </p:nvSpPr>
-        <p:spPr>
-          <a:xfrm>
-            <a:off x="5391774" y="10406286"/>
-            <a:ext cx="2515432" cy="1569660"/>
-          </a:xfrm>
-          <a:prstGeom prst="rect">
-            <a:avLst/>
-          </a:prstGeom>
-          <a:noFill/>
-        </p:spPr>
-        <p:txBody>
-          <a:bodyPr wrap="none" rtlCol="0">
-            <a:spAutoFit/>
-          </a:bodyPr>
-          <a:lstStyle/>
-          <a:p>
-            <a:pPr algn="ctr"/>
-            <a:r>
-              <a:rPr lang="ru-RU" sz="4800" dirty="0" smtClean="0">
-                <a:solidFill>
-                  <a:sysClr val="windowText" lastClr="000000"/>
-                </a:solidFill>
-              </a:rPr>
-              <a:t>Рейтинг</a:t>
-            </a:r>
-          </a:p>
-          <a:p>
-            <a:pPr algn="ctr"/>
-            <a:r>
-              <a:rPr lang="en-US" sz="4800" dirty="0" smtClean="0">
-                <a:solidFill>
-                  <a:sysClr val="windowText" lastClr="000000"/>
-                </a:solidFill>
-              </a:rPr>
-              <a:t>4.9/5</a:t>
-            </a:r>
-            <a:endParaRPr lang="ru-RU" sz="4800" dirty="0" err="1" smtClean="0">
-              <a:solidFill>
-                <a:sysClr val="windowText" lastClr="000000"/>
-              </a:solidFill>
-            </a:endParaRPr>
-          </a:p>
-        </p:txBody>
-      </p:sp>
-      <p:sp>
-        <p:nvSpPr>
-          <p:cNvPr id="5" name="Номер слайда 4"/>
-          <p:cNvSpPr>
-            <a:spLocks noGrp="1"/>
-          </p:cNvSpPr>
-          <p:nvPr>
-            <p:ph type="sldNum" sz="quarter" idx="12"/>
-          </p:nvPr>
-        </p:nvSpPr>
-        <p:spPr/>
-        <p:txBody>
-          <a:bodyPr/>
-          <a:lstStyle/>
-          <a:p>
-            <a:fld id="{741C03D3-FA44-40EC-9A21-1FC4FEA3E22E}" type="slidenum">
-              <a:rPr lang="ru-RU" smtClean="0"/>
-              <a:t>3</a:t>
-            </a:fld>
-            <a:endParaRPr lang="ru-RU"/>
-          </a:p>
-        </p:txBody>
-      </p:sp>
-      <p:sp>
-        <p:nvSpPr>
-          <p:cNvPr id="16" name="TextBox 15"/>
-          <p:cNvSpPr txBox="1"/>
-          <p:nvPr/>
-        </p:nvSpPr>
-        <p:spPr>
-          <a:xfrm>
-            <a:off x="9996440" y="10411903"/>
-            <a:ext cx="2515432" cy="1569660"/>
-          </a:xfrm>
-          <a:prstGeom prst="rect">
-            <a:avLst/>
-          </a:prstGeom>
-          <a:noFill/>
-        </p:spPr>
-        <p:txBody>
-          <a:bodyPr wrap="none" rtlCol="0">
-            <a:spAutoFit/>
-          </a:bodyPr>
-          <a:lstStyle/>
-          <a:p>
-            <a:pPr algn="ctr"/>
-            <a:r>
-              <a:rPr lang="ru-RU" sz="4800" dirty="0" smtClean="0">
-                <a:solidFill>
-                  <a:sysClr val="windowText" lastClr="000000"/>
-                </a:solidFill>
-              </a:rPr>
-              <a:t>Рейтинг</a:t>
-            </a:r>
-          </a:p>
-          <a:p>
-            <a:pPr algn="ctr"/>
-            <a:r>
-              <a:rPr lang="en-US" sz="4800" dirty="0" smtClean="0">
-                <a:solidFill>
-                  <a:sysClr val="windowText" lastClr="000000"/>
-                </a:solidFill>
-              </a:rPr>
-              <a:t>5/5</a:t>
-            </a:r>
-            <a:endParaRPr lang="ru-RU" sz="4800" dirty="0" err="1" smtClean="0">
-              <a:solidFill>
-                <a:sysClr val="windowText" lastClr="000000"/>
-              </a:solidFill>
-            </a:endParaRPr>
-          </a:p>
-        </p:txBody>
-      </p:sp>
-    </p:spTree>
-    <p:extLst>
-      <p:ext uri="{BB962C8B-B14F-4D97-AF65-F5344CB8AC3E}">
-        <p14:creationId xmlns:p14="http://schemas.microsoft.com/office/powerpoint/2010/main" val="4095235961"/>
-      </p:ext>
-    </p:extLst>
-  </p:cSld>
-  <p:clrMapOvr>
-    <a:masterClrMapping/>
-  </p:clrMapOvr>
-  <p:timing>
-    <p:tnLst>
-      <p:par>
-        <p:cTn id="1" dur="indefinite" restart="never" nodeType="tmRoot">
-          <p:childTnLst>
-            <p:seq concurrent="1" nextAc="seek">
-              <p:cTn id="2" dur="indefinite" nodeType="mainSeq">
-                <p:childTnLst>
-                  <p:par>
-                    <p:cTn id="3" fill="hold">
-                      <p:stCondLst>
-                        <p:cond delay="indefinite"/>
-                      </p:stCondLst>
-                      <p:childTnLst>
-                        <p:par>
-                          <p:cTn id="4" fill="hold">
-                            <p:stCondLst>
-                              <p:cond delay="0"/>
-                            </p:stCondLst>
-                            <p:childTnLst>
-                              <p:par>
-                                <p:cTn id="5" presetID="2" presetClass="entr" presetSubtype="8" fill="hold" nodeType="clickEffect">
-                                  <p:stCondLst>
-                                    <p:cond delay="0"/>
-                                  </p:stCondLst>
-                                  <p:childTnLst>
-                                    <p:set>
-                                      <p:cBhvr>
-                                        <p:cTn id="6" dur="1" fill="hold">
-                                          <p:stCondLst>
-                                            <p:cond delay="0"/>
-                                          </p:stCondLst>
-                                        </p:cTn>
-                                        <p:tgtEl>
-                                          <p:spTgt spid="11"/>
-                                        </p:tgtEl>
-                                        <p:attrNameLst>
-                                          <p:attrName>style.visibility</p:attrName>
-                                        </p:attrNameLst>
-                                      </p:cBhvr>
-                                      <p:to>
-                                        <p:strVal val="visible"/>
-                                      </p:to>
-                                    </p:set>
-                                    <p:anim calcmode="lin" valueType="num">
-                                      <p:cBhvr additive="base">
-                                        <p:cTn id="7" dur="300" fill="hold"/>
-                                        <p:tgtEl>
-                                          <p:spTgt spid="11"/>
-                                        </p:tgtEl>
-                                        <p:attrNameLst>
-                                          <p:attrName>ppt_x</p:attrName>
-                                        </p:attrNameLst>
-                                      </p:cBhvr>
-                                      <p:tavLst>
-                                        <p:tav tm="0">
-                                          <p:val>
-                                            <p:strVal val="0-#ppt_w/2"/>
-                                          </p:val>
-                                        </p:tav>
-                                        <p:tav tm="100000">
-                                          <p:val>
-                                            <p:strVal val="#ppt_x"/>
-                                          </p:val>
-                                        </p:tav>
-                                      </p:tavLst>
-                                    </p:anim>
-                                    <p:anim calcmode="lin" valueType="num">
-                                      <p:cBhvr additive="base">
-                                        <p:cTn id="8" dur="300" fill="hold"/>
-                                        <p:tgtEl>
-                                          <p:spTgt spid="11"/>
-                                        </p:tgtEl>
-                                        <p:attrNameLst>
-                                          <p:attrName>ppt_y</p:attrName>
-                                        </p:attrNameLst>
-                                      </p:cBhvr>
-                                      <p:tavLst>
-                                        <p:tav tm="0">
-                                          <p:val>
-                                            <p:strVal val="#ppt_y"/>
-                                          </p:val>
-                                        </p:tav>
-                                        <p:tav tm="100000">
-                                          <p:val>
-                                            <p:strVal val="#ppt_y"/>
-                                          </p:val>
-                                        </p:tav>
-                                      </p:tavLst>
-                                    </p:anim>
-                                  </p:childTnLst>
-                                </p:cTn>
-                              </p:par>
-                            </p:childTnLst>
-                          </p:cTn>
-                        </p:par>
-                      </p:childTnLst>
-                    </p:cTn>
-                  </p:par>
-                  <p:par>
-                    <p:cTn id="9" fill="hold">
-                      <p:stCondLst>
-                        <p:cond delay="indefinite"/>
-                      </p:stCondLst>
-                      <p:childTnLst>
-                        <p:par>
-                          <p:cTn id="10" fill="hold">
-                            <p:stCondLst>
-                              <p:cond delay="0"/>
-                            </p:stCondLst>
-                            <p:childTnLst>
-                              <p:par>
-                                <p:cTn id="11" presetID="2" presetClass="entr" presetSubtype="8" fill="hold" nodeType="clickEffect">
-                                  <p:stCondLst>
-                                    <p:cond delay="0"/>
-                                  </p:stCondLst>
-                                  <p:childTnLst>
-                                    <p:set>
-                                      <p:cBhvr>
-                                        <p:cTn id="12" dur="1" fill="hold">
-                                          <p:stCondLst>
-                                            <p:cond delay="0"/>
-                                          </p:stCondLst>
-                                        </p:cTn>
-                                        <p:tgtEl>
-                                          <p:spTgt spid="12"/>
-                                        </p:tgtEl>
-                                        <p:attrNameLst>
-                                          <p:attrName>style.visibility</p:attrName>
-                                        </p:attrNameLst>
-                                      </p:cBhvr>
-                                      <p:to>
-                                        <p:strVal val="visible"/>
-                                      </p:to>
-                                    </p:set>
-                                    <p:anim calcmode="lin" valueType="num">
-                                      <p:cBhvr additive="base">
-                                        <p:cTn id="13" dur="300" fill="hold"/>
-                                        <p:tgtEl>
-                                          <p:spTgt spid="12"/>
-                                        </p:tgtEl>
-                                        <p:attrNameLst>
-                                          <p:attrName>ppt_x</p:attrName>
-                                        </p:attrNameLst>
-                                      </p:cBhvr>
-                                      <p:tavLst>
-                                        <p:tav tm="0">
-                                          <p:val>
-                                            <p:strVal val="0-#ppt_w/2"/>
-                                          </p:val>
-                                        </p:tav>
-                                        <p:tav tm="100000">
-                                          <p:val>
-                                            <p:strVal val="#ppt_x"/>
-                                          </p:val>
-                                        </p:tav>
-                                      </p:tavLst>
-                                    </p:anim>
-                                    <p:anim calcmode="lin" valueType="num">
-                                      <p:cBhvr additive="base">
-                                        <p:cTn id="14" dur="300" fill="hold"/>
-                                        <p:tgtEl>
-                                          <p:spTgt spid="12"/>
-                                        </p:tgtEl>
-                                        <p:attrNameLst>
-                                          <p:attrName>ppt_y</p:attrName>
-                                        </p:attrNameLst>
-                                      </p:cBhvr>
-                                      <p:tavLst>
-                                        <p:tav tm="0">
-                                          <p:val>
-                                            <p:strVal val="#ppt_y"/>
-                                          </p:val>
-                                        </p:tav>
-                                        <p:tav tm="100000">
-                                          <p:val>
-                                            <p:strVal val="#ppt_y"/>
-                                          </p:val>
-                                        </p:tav>
-                                      </p:tavLst>
-                                    </p:anim>
-                                  </p:childTnLst>
-                                </p:cTn>
-                              </p:par>
-                            </p:childTnLst>
-                          </p:cTn>
-                        </p:par>
-                      </p:childTnLst>
-                    </p:cTn>
-                  </p:par>
-                  <p:par>
-                    <p:cTn id="15" fill="hold">
-                      <p:stCondLst>
-                        <p:cond delay="indefinite"/>
-                      </p:stCondLst>
-                      <p:childTnLst>
-                        <p:par>
-                          <p:cTn id="16" fill="hold">
-                            <p:stCondLst>
-                              <p:cond delay="0"/>
-                            </p:stCondLst>
-                            <p:childTnLst>
-                              <p:par>
-                                <p:cTn id="17" presetID="2" presetClass="entr" presetSubtype="2" fill="hold" nodeType="clickEffect">
-                                  <p:stCondLst>
-                                    <p:cond delay="0"/>
-                                  </p:stCondLst>
-                                  <p:childTnLst>
-                                    <p:set>
-                                      <p:cBhvr>
-                                        <p:cTn id="18" dur="1" fill="hold">
-                                          <p:stCondLst>
-                                            <p:cond delay="0"/>
-                                          </p:stCondLst>
-                                        </p:cTn>
-                                        <p:tgtEl>
-                                          <p:spTgt spid="13"/>
-                                        </p:tgtEl>
-                                        <p:attrNameLst>
-                                          <p:attrName>style.visibility</p:attrName>
-                                        </p:attrNameLst>
-                                      </p:cBhvr>
-                                      <p:to>
-                                        <p:strVal val="visible"/>
-                                      </p:to>
-                                    </p:set>
-                                    <p:anim calcmode="lin" valueType="num">
-                                      <p:cBhvr additive="base">
-                                        <p:cTn id="19" dur="300" fill="hold"/>
-                                        <p:tgtEl>
-                                          <p:spTgt spid="13"/>
-                                        </p:tgtEl>
-                                        <p:attrNameLst>
-                                          <p:attrName>ppt_x</p:attrName>
-                                        </p:attrNameLst>
-                                      </p:cBhvr>
-                                      <p:tavLst>
-                                        <p:tav tm="0">
-                                          <p:val>
-                                            <p:strVal val="1+#ppt_w/2"/>
-                                          </p:val>
-                                        </p:tav>
-                                        <p:tav tm="100000">
-                                          <p:val>
-                                            <p:strVal val="#ppt_x"/>
-                                          </p:val>
-                                        </p:tav>
-                                      </p:tavLst>
-                                    </p:anim>
-                                    <p:anim calcmode="lin" valueType="num">
-                                      <p:cBhvr additive="base">
-                                        <p:cTn id="20" dur="300" fill="hold"/>
-                                        <p:tgtEl>
-                                          <p:spTgt spid="13"/>
-                                        </p:tgtEl>
-                                        <p:attrNameLst>
-                                          <p:attrName>ppt_y</p:attrName>
-                                        </p:attrNameLst>
-                                      </p:cBhvr>
-                                      <p:tavLst>
-                                        <p:tav tm="0">
-                                          <p:val>
-                                            <p:strVal val="#ppt_y"/>
-                                          </p:val>
-                                        </p:tav>
-                                        <p:tav tm="100000">
-                                          <p:val>
-                                            <p:strVal val="#ppt_y"/>
-                                          </p:val>
-                                        </p:tav>
-                                      </p:tavLst>
-                                    </p:anim>
-                                  </p:childTnLst>
-                                </p:cTn>
-                              </p:par>
-                            </p:childTnLst>
-                          </p:cTn>
-                        </p:par>
-                        <p:par>
-                          <p:cTn id="21" fill="hold">
-                            <p:stCondLst>
-                              <p:cond delay="300"/>
-                            </p:stCondLst>
-                            <p:childTnLst>
-                              <p:par>
-                                <p:cTn id="22" presetID="2" presetClass="entr" presetSubtype="2" fill="hold" nodeType="afterEffect">
-                                  <p:stCondLst>
-                                    <p:cond delay="0"/>
-                                  </p:stCondLst>
-                                  <p:childTnLst>
-                                    <p:set>
-                                      <p:cBhvr>
-                                        <p:cTn id="23" dur="1" fill="hold">
-                                          <p:stCondLst>
-                                            <p:cond delay="0"/>
-                                          </p:stCondLst>
-                                        </p:cTn>
-                                        <p:tgtEl>
-                                          <p:spTgt spid="14"/>
-                                        </p:tgtEl>
-                                        <p:attrNameLst>
-                                          <p:attrName>style.visibility</p:attrName>
-                                        </p:attrNameLst>
-                                      </p:cBhvr>
-                                      <p:to>
-                                        <p:strVal val="visible"/>
-                                      </p:to>
-                                    </p:set>
-                                    <p:anim calcmode="lin" valueType="num">
-                                      <p:cBhvr additive="base">
-                                        <p:cTn id="24" dur="300" fill="hold"/>
-                                        <p:tgtEl>
-                                          <p:spTgt spid="14"/>
-                                        </p:tgtEl>
-                                        <p:attrNameLst>
-                                          <p:attrName>ppt_x</p:attrName>
-                                        </p:attrNameLst>
-                                      </p:cBhvr>
-                                      <p:tavLst>
-                                        <p:tav tm="0">
-                                          <p:val>
-                                            <p:strVal val="1+#ppt_w/2"/>
-                                          </p:val>
-                                        </p:tav>
-                                        <p:tav tm="100000">
-                                          <p:val>
-                                            <p:strVal val="#ppt_x"/>
-                                          </p:val>
-                                        </p:tav>
-                                      </p:tavLst>
-                                    </p:anim>
-                                    <p:anim calcmode="lin" valueType="num">
-                                      <p:cBhvr additive="base">
-                                        <p:cTn id="25" dur="300" fill="hold"/>
-                                        <p:tgtEl>
-                                          <p:spTgt spid="14"/>
-                                        </p:tgtEl>
-                                        <p:attrNameLst>
-                                          <p:attrName>ppt_y</p:attrName>
-                                        </p:attrNameLst>
-                                      </p:cBhvr>
-                                      <p:tavLst>
-                                        <p:tav tm="0">
-                                          <p:val>
-                                            <p:strVal val="#ppt_y"/>
-                                          </p:val>
-                                        </p:tav>
-                                        <p:tav tm="100000">
-                                          <p:val>
-                                            <p:strVal val="#ppt_y"/>
-                                          </p:val>
-                                        </p:tav>
-                                      </p:tavLst>
-                                    </p:anim>
-                                  </p:childTnLst>
-                                </p:cTn>
-                              </p:par>
-                            </p:childTnLst>
-                          </p:cTn>
-                        </p:par>
-                        <p:par>
-                          <p:cTn id="26" fill="hold">
-                            <p:stCondLst>
-                              <p:cond delay="600"/>
-                            </p:stCondLst>
-                            <p:childTnLst>
-                              <p:par>
-                                <p:cTn id="27" presetID="2" presetClass="entr" presetSubtype="2" fill="hold" nodeType="afterEffect">
-                                  <p:stCondLst>
-                                    <p:cond delay="0"/>
-                                  </p:stCondLst>
-                                  <p:childTnLst>
-                                    <p:set>
-                                      <p:cBhvr>
-                                        <p:cTn id="28" dur="1" fill="hold">
-                                          <p:stCondLst>
-                                            <p:cond delay="0"/>
-                                          </p:stCondLst>
-                                        </p:cTn>
-                                        <p:tgtEl>
-                                          <p:spTgt spid="15"/>
-                                        </p:tgtEl>
-                                        <p:attrNameLst>
-                                          <p:attrName>style.visibility</p:attrName>
-                                        </p:attrNameLst>
-                                      </p:cBhvr>
-                                      <p:to>
-                                        <p:strVal val="visible"/>
-                                      </p:to>
-                                    </p:set>
-                                    <p:anim calcmode="lin" valueType="num">
-                                      <p:cBhvr additive="base">
-                                        <p:cTn id="29" dur="300" fill="hold"/>
-                                        <p:tgtEl>
-                                          <p:spTgt spid="15"/>
-                                        </p:tgtEl>
-                                        <p:attrNameLst>
-                                          <p:attrName>ppt_x</p:attrName>
-                                        </p:attrNameLst>
-                                      </p:cBhvr>
-                                      <p:tavLst>
-                                        <p:tav tm="0">
-                                          <p:val>
-                                            <p:strVal val="1+#ppt_w/2"/>
-                                          </p:val>
-                                        </p:tav>
-                                        <p:tav tm="100000">
-                                          <p:val>
-                                            <p:strVal val="#ppt_x"/>
-                                          </p:val>
-                                        </p:tav>
-                                      </p:tavLst>
-                                    </p:anim>
-                                    <p:anim calcmode="lin" valueType="num">
-                                      <p:cBhvr additive="base">
-                                        <p:cTn id="30" dur="300" fill="hold"/>
-                                        <p:tgtEl>
-                                          <p:spTgt spid="15"/>
-                                        </p:tgtEl>
-                                        <p:attrNameLst>
-                                          <p:attrName>ppt_y</p:attrName>
-                                        </p:attrNameLst>
-                                      </p:cBhvr>
-                                      <p:tavLst>
-                                        <p:tav tm="0">
-                                          <p:val>
-                                            <p:strVal val="#ppt_y"/>
-                                          </p:val>
-                                        </p:tav>
-                                        <p:tav tm="100000">
-                                          <p:val>
-                                            <p:strVal val="#ppt_y"/>
-                                          </p:val>
-                                        </p:tav>
-                                      </p:tavLst>
-                                    </p:anim>
-                                  </p:childTnLst>
-                                </p:cTn>
-                              </p:par>
-                            </p:childTnLst>
-                          </p:cTn>
-                        </p:par>
-                      </p:childTnLst>
-                    </p:cTn>
-                  </p:par>
-                  <p:par>
-                    <p:cTn id="31" fill="hold">
-                      <p:stCondLst>
-                        <p:cond delay="indefinite"/>
-                      </p:stCondLst>
-                      <p:childTnLst>
-                        <p:par>
-                          <p:cTn id="32" fill="hold">
-                            <p:stCondLst>
-                              <p:cond delay="0"/>
-                            </p:stCondLst>
-                            <p:childTnLst>
-                              <p:par>
-                                <p:cTn id="33" presetID="9" presetClass="emph" presetSubtype="0" nodeType="clickEffect">
-                                  <p:stCondLst>
-                                    <p:cond delay="0"/>
-                                  </p:stCondLst>
-                                  <p:childTnLst>
-                                    <p:set>
-                                      <p:cBhvr rctx="PPT">
-                                        <p:cTn id="34" dur="indefinite"/>
-                                        <p:tgtEl>
-                                          <p:spTgt spid="14"/>
-                                        </p:tgtEl>
-                                        <p:attrNameLst>
-                                          <p:attrName>style.opacity</p:attrName>
-                                        </p:attrNameLst>
-                                      </p:cBhvr>
-                                      <p:to>
-                                        <p:strVal val="0.2"/>
-                                      </p:to>
-                                    </p:set>
-                                    <p:animEffect filter="image" prLst="opacity: 0.2">
-                                      <p:cBhvr rctx="IE">
-                                        <p:cTn id="35" dur="indefinite"/>
-                                        <p:tgtEl>
-                                          <p:spTgt spid="14"/>
-                                        </p:tgtEl>
-                                      </p:cBhvr>
-                                    </p:animEffect>
-                                  </p:childTnLst>
-                                </p:cTn>
-                              </p:par>
-                              <p:par>
-                                <p:cTn id="36" presetID="9" presetClass="emph" presetSubtype="0" nodeType="withEffect">
-                                  <p:stCondLst>
-                                    <p:cond delay="0"/>
-                                  </p:stCondLst>
-                                  <p:childTnLst>
-                                    <p:set>
-                                      <p:cBhvr rctx="PPT">
-                                        <p:cTn id="37" dur="indefinite"/>
-                                        <p:tgtEl>
-                                          <p:spTgt spid="15"/>
-                                        </p:tgtEl>
-                                        <p:attrNameLst>
-                                          <p:attrName>style.opacity</p:attrName>
-                                        </p:attrNameLst>
-                                      </p:cBhvr>
-                                      <p:to>
-                                        <p:strVal val="0.2"/>
-                                      </p:to>
-                                    </p:set>
-                                    <p:animEffect filter="image" prLst="opacity: 0.2">
-                                      <p:cBhvr rctx="IE">
-                                        <p:cTn id="38" dur="indefinite"/>
-                                        <p:tgtEl>
-                                          <p:spTgt spid="15"/>
-                                        </p:tgtEl>
-                                      </p:cBhvr>
-                                    </p:animEffect>
-                                  </p:childTnLst>
-                                </p:cTn>
-                              </p:par>
-                              <p:par>
-                                <p:cTn id="39" presetID="1" presetClass="entr" presetSubtype="0" fill="hold" grpId="0" nodeType="withEffect">
-                                  <p:stCondLst>
-                                    <p:cond delay="0"/>
-                                  </p:stCondLst>
-                                  <p:childTnLst>
-                                    <p:set>
-                                      <p:cBhvr>
-                                        <p:cTn id="40" dur="1" fill="hold">
-                                          <p:stCondLst>
-                                            <p:cond delay="0"/>
-                                          </p:stCondLst>
-                                        </p:cTn>
-                                        <p:tgtEl>
-                                          <p:spTgt spid="3"/>
-                                        </p:tgtEl>
-                                        <p:attrNameLst>
-                                          <p:attrName>style.visibility</p:attrName>
-                                        </p:attrNameLst>
-                                      </p:cBhvr>
-                                      <p:to>
-                                        <p:strVal val="visible"/>
-                                      </p:to>
-                                    </p:set>
-                                  </p:childTnLst>
-                                </p:cTn>
-                              </p:par>
-                              <p:par>
-                                <p:cTn id="41" presetID="1" presetClass="entr" presetSubtype="0" fill="hold" grpId="0" nodeType="withEffect">
-                                  <p:stCondLst>
-                                    <p:cond delay="0"/>
-                                  </p:stCondLst>
-                                  <p:childTnLst>
-                                    <p:set>
-                                      <p:cBhvr>
-                                        <p:cTn id="42" dur="1" fill="hold">
-                                          <p:stCondLst>
-                                            <p:cond delay="0"/>
-                                          </p:stCondLst>
-                                        </p:cTn>
-                                        <p:tgtEl>
-                                          <p:spTgt spid="10"/>
-                                        </p:tgtEl>
-                                        <p:attrNameLst>
-                                          <p:attrName>style.visibility</p:attrName>
-                                        </p:attrNameLst>
-                                      </p:cBhvr>
-                                      <p:to>
-                                        <p:strVal val="visible"/>
-                                      </p:to>
-                                    </p:set>
-                                  </p:childTnLst>
-                                </p:cTn>
-                              </p:par>
-                              <p:par>
-                                <p:cTn id="43" presetID="1" presetClass="entr" presetSubtype="0" fill="hold" grpId="0" nodeType="withEffect">
-                                  <p:stCondLst>
-                                    <p:cond delay="0"/>
-                                  </p:stCondLst>
-                                  <p:childTnLst>
-                                    <p:set>
-                                      <p:cBhvr>
-                                        <p:cTn id="44" dur="1" fill="hold">
-                                          <p:stCondLst>
-                                            <p:cond delay="0"/>
-                                          </p:stCondLst>
-                                        </p:cTn>
-                                        <p:tgtEl>
-                                          <p:spTgt spid="16"/>
-                                        </p:tgtEl>
-                                        <p:attrNameLst>
-                                          <p:attrName>style.visibility</p:attrName>
-                                        </p:attrNameLst>
-                                      </p:cBhvr>
-                                      <p:to>
-                                        <p:strVal val="visible"/>
-                                      </p:to>
-                                    </p:set>
-                                  </p:childTnLst>
-                                </p:cTn>
-                              </p:par>
-                            </p:childTnLst>
-                          </p:cTn>
-                        </p:par>
-                      </p:childTnLst>
-                    </p:cTn>
-                  </p:par>
-                </p:childTnLst>
-              </p:cTn>
-              <p:prevCondLst>
-                <p:cond evt="onPrev" delay="0">
-                  <p:tgtEl>
-                    <p:sldTgt/>
-                  </p:tgtEl>
-                </p:cond>
-              </p:prevCondLst>
-              <p:nextCondLst>
-                <p:cond evt="onNext" delay="0">
-                  <p:tgtEl>
-                    <p:sldTgt/>
-                  </p:tgtEl>
-                </p:cond>
-              </p:nextCondLst>
-            </p:seq>
-          </p:childTnLst>
-        </p:cTn>
-      </p:par>
-    </p:tnLst>
-    <p:bldLst>
-      <p:bldP spid="3" grpId="0"/>
-      <p:bldP spid="10" grpId="0"/>
-      <p:bldP spid="16" grpId="0"/>
-    </p:bldLst>
-  </p:timing>
-</p:sld>
-</file>
-
-<file path=ppt/slides/slide30.xml><?xml version="1.0" encoding="utf-8"?>
+<file path=ppt/slides/slide32.xml><?xml version="1.0" encoding="utf-8"?>
 <p:sld xmlns:a="http://schemas.openxmlformats.org/drawingml/2006/main" xmlns:r="http://schemas.openxmlformats.org/officeDocument/2006/relationships" xmlns:p="http://schemas.openxmlformats.org/presentationml/2006/main" show="0">
   <p:cSld>
     <p:spTree>
@@ -24327,7 +27662,7 @@
           <a:p>
             <a:fld id="{741C03D3-FA44-40EC-9A21-1FC4FEA3E22E}" type="slidenum">
               <a:rPr lang="ru-RU" smtClean="0"/>
-              <a:t>30</a:t>
+              <a:t>32</a:t>
             </a:fld>
             <a:endParaRPr lang="ru-RU"/>
           </a:p>
@@ -24651,7 +27986,7 @@
               <a:effectLst/>
               <a:extLst>
                 <a:ext uri="{C572A759-6A51-4108-AA02-DFA0A04FC94B}">
-                  <ma14:wrappingTextBoxFlag xmlns="" xmlns:ma14="http://schemas.microsoft.com/office/mac/drawingml/2011/main" val="1"/>
+                  <ma14:wrappingTextBoxFlag xmlns:ma14="http://schemas.microsoft.com/office/mac/drawingml/2011/main" xmlns="" val="1"/>
                 </a:ext>
               </a:extLst>
             </p:spPr>
@@ -24749,7 +28084,7 @@
 </p:sld>
 </file>
 
-<file path=ppt/slides/slide31.xml><?xml version="1.0" encoding="utf-8"?>
+<file path=ppt/slides/slide33.xml><?xml version="1.0" encoding="utf-8"?>
 <p:sld xmlns:a="http://schemas.openxmlformats.org/drawingml/2006/main" xmlns:r="http://schemas.openxmlformats.org/officeDocument/2006/relationships" xmlns:p="http://schemas.openxmlformats.org/presentationml/2006/main" show="0">
   <p:cSld>
     <p:spTree>
@@ -24824,7 +28159,7 @@
           <a:p>
             <a:fld id="{741C03D3-FA44-40EC-9A21-1FC4FEA3E22E}" type="slidenum">
               <a:rPr lang="ru-RU" smtClean="0"/>
-              <a:t>31</a:t>
+              <a:t>33</a:t>
             </a:fld>
             <a:endParaRPr lang="ru-RU"/>
           </a:p>
@@ -25896,7 +29231,7 @@
               <a:effectLst/>
               <a:extLst>
                 <a:ext uri="{C572A759-6A51-4108-AA02-DFA0A04FC94B}">
-                  <ma14:wrappingTextBoxFlag xmlns="" xmlns:ma14="http://schemas.microsoft.com/office/mac/drawingml/2011/main" val="1"/>
+                  <ma14:wrappingTextBoxFlag xmlns:ma14="http://schemas.microsoft.com/office/mac/drawingml/2011/main" xmlns="" val="1"/>
                 </a:ext>
               </a:extLst>
             </p:spPr>

--- a/slides.pptx
+++ b/slides.pptx
@@ -5,10 +5,10 @@
     <p:sldMasterId id="2147483684" r:id="rId1"/>
   </p:sldMasterIdLst>
   <p:notesMasterIdLst>
-    <p:notesMasterId r:id="rId35"/>
+    <p:notesMasterId r:id="rId39"/>
   </p:notesMasterIdLst>
   <p:handoutMasterIdLst>
-    <p:handoutMasterId r:id="rId36"/>
+    <p:handoutMasterId r:id="rId40"/>
   </p:handoutMasterIdLst>
   <p:sldIdLst>
     <p:sldId id="746" r:id="rId2"/>
@@ -34,16 +34,20 @@
     <p:sldId id="836" r:id="rId22"/>
     <p:sldId id="837" r:id="rId23"/>
     <p:sldId id="838" r:id="rId24"/>
-    <p:sldId id="819" r:id="rId25"/>
-    <p:sldId id="820" r:id="rId26"/>
-    <p:sldId id="821" r:id="rId27"/>
-    <p:sldId id="822" r:id="rId28"/>
-    <p:sldId id="814" r:id="rId29"/>
-    <p:sldId id="816" r:id="rId30"/>
-    <p:sldId id="796" r:id="rId31"/>
-    <p:sldId id="792" r:id="rId32"/>
-    <p:sldId id="783" r:id="rId33"/>
-    <p:sldId id="785" r:id="rId34"/>
+    <p:sldId id="839" r:id="rId25"/>
+    <p:sldId id="840" r:id="rId26"/>
+    <p:sldId id="841" r:id="rId27"/>
+    <p:sldId id="842" r:id="rId28"/>
+    <p:sldId id="819" r:id="rId29"/>
+    <p:sldId id="820" r:id="rId30"/>
+    <p:sldId id="821" r:id="rId31"/>
+    <p:sldId id="822" r:id="rId32"/>
+    <p:sldId id="814" r:id="rId33"/>
+    <p:sldId id="816" r:id="rId34"/>
+    <p:sldId id="796" r:id="rId35"/>
+    <p:sldId id="792" r:id="rId36"/>
+    <p:sldId id="783" r:id="rId37"/>
+    <p:sldId id="785" r:id="rId38"/>
   </p:sldIdLst>
   <p:sldSz cx="24382413" cy="13716000"/>
   <p:notesSz cx="6858000" cy="9144000"/>
@@ -170,6 +174,10 @@
             <p14:sldId id="836"/>
             <p14:sldId id="837"/>
             <p14:sldId id="838"/>
+            <p14:sldId id="839"/>
+            <p14:sldId id="840"/>
+            <p14:sldId id="841"/>
+            <p14:sldId id="842"/>
             <p14:sldId id="819"/>
             <p14:sldId id="820"/>
             <p14:sldId id="821"/>
@@ -290,7 +298,7 @@
           <a:p>
             <a:fld id="{7C2C5C60-F37A-814E-99F6-3C775637DBC0}" type="datetimeFigureOut">
               <a:rPr lang="ru-RU" smtClean="0"/>
-              <a:t>26.10.2018</a:t>
+              <a:t>28.10.2018</a:t>
             </a:fld>
             <a:endParaRPr lang="ru-RU"/>
           </a:p>
@@ -455,7 +463,7 @@
           <a:p>
             <a:fld id="{A48BA324-014D-41B7-8E83-ECE8F197A959}" type="datetimeFigureOut">
               <a:rPr lang="ru-RU" smtClean="0"/>
-              <a:t>26.10.2018</a:t>
+              <a:t>28.10.2018</a:t>
             </a:fld>
             <a:endParaRPr lang="ru-RU"/>
           </a:p>
@@ -5878,7 +5886,7 @@
           </a:ln>
           <a:extLst>
             <a:ext uri="{C572A759-6A51-4108-AA02-DFA0A04FC94B}">
-              <ma14:wrappingTextBoxFlag xmlns:ma14="http://schemas.microsoft.com/office/mac/drawingml/2011/main" xmlns="" val="1"/>
+              <ma14:wrappingTextBoxFlag xmlns="" xmlns:ma14="http://schemas.microsoft.com/office/mac/drawingml/2011/main" val="1"/>
             </a:ext>
           </a:extLst>
         </p:spPr>
@@ -5921,7 +5929,7 @@
           </a:ln>
           <a:extLst>
             <a:ext uri="{C572A759-6A51-4108-AA02-DFA0A04FC94B}">
-              <ma14:wrappingTextBoxFlag xmlns:ma14="http://schemas.microsoft.com/office/mac/drawingml/2011/main" xmlns="" val="1"/>
+              <ma14:wrappingTextBoxFlag xmlns="" xmlns:ma14="http://schemas.microsoft.com/office/mac/drawingml/2011/main" val="1"/>
             </a:ext>
           </a:extLst>
         </p:spPr>
@@ -6045,7 +6053,7 @@
           </a:ln>
           <a:extLst>
             <a:ext uri="{C572A759-6A51-4108-AA02-DFA0A04FC94B}">
-              <ma14:wrappingTextBoxFlag xmlns:ma14="http://schemas.microsoft.com/office/mac/drawingml/2011/main" xmlns="" val="1"/>
+              <ma14:wrappingTextBoxFlag xmlns="" xmlns:ma14="http://schemas.microsoft.com/office/mac/drawingml/2011/main" val="1"/>
             </a:ext>
           </a:extLst>
         </p:spPr>
@@ -6136,7 +6144,7 @@
           </a:ln>
           <a:extLst>
             <a:ext uri="{C572A759-6A51-4108-AA02-DFA0A04FC94B}">
-              <ma14:wrappingTextBoxFlag xmlns:ma14="http://schemas.microsoft.com/office/mac/drawingml/2011/main" xmlns="" val="1"/>
+              <ma14:wrappingTextBoxFlag xmlns="" xmlns:ma14="http://schemas.microsoft.com/office/mac/drawingml/2011/main" val="1"/>
             </a:ext>
           </a:extLst>
         </p:spPr>
@@ -6255,7 +6263,7 @@
           </a:ln>
           <a:extLst>
             <a:ext uri="{C572A759-6A51-4108-AA02-DFA0A04FC94B}">
-              <ma14:wrappingTextBoxFlag xmlns:ma14="http://schemas.microsoft.com/office/mac/drawingml/2011/main" xmlns="" val="1"/>
+              <ma14:wrappingTextBoxFlag xmlns="" xmlns:ma14="http://schemas.microsoft.com/office/mac/drawingml/2011/main" val="1"/>
             </a:ext>
           </a:extLst>
         </p:spPr>
@@ -10932,7 +10940,7 @@
       </p:sp>
       <p:sp>
         <p:nvSpPr>
-          <p:cNvPr id="9" name="Тестирующая система" hidden="1"/>
+          <p:cNvPr id="9" name="Тестирующая система"/>
           <p:cNvSpPr/>
           <p:nvPr/>
         </p:nvSpPr>
@@ -14587,7 +14595,7 @@
   <p:clrMapOvr>
     <a:masterClrMapping/>
   </p:clrMapOvr>
-  <p:transition spd="slow">
+  <p:transition spd="med">
     <p:push dir="u"/>
   </p:transition>
   <p:timing>
@@ -15614,6 +15622,13 @@
   <p:clrMapOvr>
     <a:masterClrMapping/>
   </p:clrMapOvr>
+  <p:timing>
+    <p:tnLst>
+      <p:par>
+        <p:cTn id="1" dur="indefinite" restart="never" nodeType="tmRoot"/>
+      </p:par>
+    </p:tnLst>
+  </p:timing>
 </p:sld>
 </file>
 
@@ -18098,11 +18113,7 @@
           <a:p>
             <a:r>
               <a:rPr lang="ru-RU" dirty="0" smtClean="0"/>
-              <a:t>Тестирование </a:t>
-            </a:r>
-            <a:r>
-              <a:rPr lang="ru-RU" dirty="0" smtClean="0"/>
-              <a:t>реализации интерфейса</a:t>
+              <a:t>Тестирование реализации интерфейса</a:t>
             </a:r>
             <a:endParaRPr lang="ru-RU" dirty="0"/>
           </a:p>
@@ -21222,33 +21233,15 @@
                                   </p:childTnLst>
                                 </p:cTn>
                               </p:par>
-                            </p:childTnLst>
-                          </p:cTn>
-                        </p:par>
-                      </p:childTnLst>
-                    </p:cTn>
-                  </p:par>
-                  <p:par>
-                    <p:cTn id="16" fill="hold">
-                      <p:stCondLst>
-                        <p:cond delay="indefinite"/>
-                      </p:stCondLst>
-                      <p:childTnLst>
-                        <p:par>
-                          <p:cTn id="17" fill="hold">
-                            <p:stCondLst>
-                              <p:cond delay="0"/>
-                            </p:stCondLst>
-                            <p:childTnLst>
                               <p:par>
-                                <p:cTn id="18" presetID="2" presetClass="entr" presetSubtype="2" fill="hold" grpId="0" nodeType="clickEffect">
+                                <p:cTn id="16" presetID="2" presetClass="entr" presetSubtype="2" fill="hold" grpId="0" nodeType="withEffect">
                                   <p:stCondLst>
                                     <p:cond delay="0"/>
                                   </p:stCondLst>
                                   <p:childTnLst>
                                     <p:set>
                                       <p:cBhvr>
-                                        <p:cTn id="19" dur="1" fill="hold">
+                                        <p:cTn id="17" dur="1" fill="hold">
                                           <p:stCondLst>
                                             <p:cond delay="0"/>
                                           </p:stCondLst>
@@ -21270,7 +21263,7 @@
                                     </p:set>
                                     <p:anim calcmode="lin" valueType="num">
                                       <p:cBhvr additive="base">
-                                        <p:cTn id="20" dur="500" fill="hold"/>
+                                        <p:cTn id="18" dur="500" fill="hold"/>
                                         <p:tgtEl>
                                           <p:spTgt spid="8">
                                             <p:txEl>
@@ -21297,7 +21290,7 @@
                                     </p:anim>
                                     <p:anim calcmode="lin" valueType="num">
                                       <p:cBhvr additive="base">
-                                        <p:cTn id="21" dur="500" fill="hold"/>
+                                        <p:cTn id="19" dur="500" fill="hold"/>
                                         <p:tgtEl>
                                           <p:spTgt spid="8">
                                             <p:txEl>
@@ -21332,26 +21325,26 @@
                     </p:cTn>
                   </p:par>
                   <p:par>
-                    <p:cTn id="22" fill="hold">
+                    <p:cTn id="20" fill="hold">
                       <p:stCondLst>
                         <p:cond delay="indefinite"/>
                       </p:stCondLst>
                       <p:childTnLst>
                         <p:par>
-                          <p:cTn id="23" fill="hold">
+                          <p:cTn id="21" fill="hold">
                             <p:stCondLst>
                               <p:cond delay="0"/>
                             </p:stCondLst>
                             <p:childTnLst>
                               <p:par>
-                                <p:cTn id="24" presetID="1" presetClass="entr" presetSubtype="0" fill="hold" grpId="0" nodeType="clickEffect">
+                                <p:cTn id="22" presetID="1" presetClass="entr" presetSubtype="0" fill="hold" grpId="0" nodeType="clickEffect">
                                   <p:stCondLst>
                                     <p:cond delay="0"/>
                                   </p:stCondLst>
                                   <p:childTnLst>
                                     <p:set>
                                       <p:cBhvr>
-                                        <p:cTn id="25" dur="1" fill="hold">
+                                        <p:cTn id="23" dur="1" fill="hold">
                                           <p:stCondLst>
                                             <p:cond delay="0"/>
                                           </p:stCondLst>
@@ -21406,6 +21399,2772 @@
 </file>
 
 <file path=ppt/slides/slide24.xml><?xml version="1.0" encoding="utf-8"?>
+<p:sld xmlns:a="http://schemas.openxmlformats.org/drawingml/2006/main" xmlns:r="http://schemas.openxmlformats.org/officeDocument/2006/relationships" xmlns:p="http://schemas.openxmlformats.org/presentationml/2006/main">
+  <p:cSld>
+    <p:spTree>
+      <p:nvGrpSpPr>
+        <p:cNvPr id="1" name=""/>
+        <p:cNvGrpSpPr/>
+        <p:nvPr/>
+      </p:nvGrpSpPr>
+      <p:grpSpPr>
+        <a:xfrm>
+          <a:off x="0" y="0"/>
+          <a:ext cx="0" cy="0"/>
+          <a:chOff x="0" y="0"/>
+          <a:chExt cx="0" cy="0"/>
+        </a:xfrm>
+      </p:grpSpPr>
+      <p:sp>
+        <p:nvSpPr>
+          <p:cNvPr id="2" name="Заголовок 1"/>
+          <p:cNvSpPr>
+            <a:spLocks noGrp="1"/>
+          </p:cNvSpPr>
+          <p:nvPr>
+            <p:ph type="title"/>
+          </p:nvPr>
+        </p:nvSpPr>
+        <p:spPr/>
+        <p:txBody>
+          <a:bodyPr/>
+          <a:lstStyle/>
+          <a:p>
+            <a:r>
+              <a:rPr lang="ru-RU" dirty="0" smtClean="0"/>
+              <a:t>Как удалить функцию </a:t>
+            </a:r>
+            <a:r>
+              <a:rPr lang="en-US" dirty="0" smtClean="0"/>
+              <a:t>main</a:t>
+            </a:r>
+            <a:r>
+              <a:rPr lang="ru-RU" dirty="0" smtClean="0"/>
+              <a:t>?</a:t>
+            </a:r>
+            <a:endParaRPr lang="ru-RU" dirty="0"/>
+          </a:p>
+        </p:txBody>
+      </p:sp>
+      <p:sp>
+        <p:nvSpPr>
+          <p:cNvPr id="3" name="Объект 2"/>
+          <p:cNvSpPr>
+            <a:spLocks noGrp="1"/>
+          </p:cNvSpPr>
+          <p:nvPr>
+            <p:ph idx="1"/>
+          </p:nvPr>
+        </p:nvSpPr>
+        <p:spPr/>
+        <p:txBody>
+          <a:bodyPr/>
+          <a:lstStyle/>
+          <a:p>
+            <a:pPr lvl="1"/>
+            <a:r>
+              <a:rPr lang="ru-RU" dirty="0" smtClean="0"/>
+              <a:t>Просить участников удалять её из своих файлов перед посылкой</a:t>
+            </a:r>
+            <a:endParaRPr lang="en-US" dirty="0" smtClean="0"/>
+          </a:p>
+          <a:p>
+            <a:pPr lvl="2"/>
+            <a:r>
+              <a:rPr lang="en-US" dirty="0" smtClean="0"/>
+              <a:t>«</a:t>
+            </a:r>
+            <a:r>
+              <a:rPr lang="ru-RU" dirty="0" smtClean="0"/>
+              <a:t>Файл, присланный на проверку, не должен содержать функцию </a:t>
+            </a:r>
+            <a:r>
+              <a:rPr lang="en-US" dirty="0" smtClean="0"/>
+              <a:t>main. </a:t>
+            </a:r>
+            <a:r>
+              <a:rPr lang="ru-RU" dirty="0" smtClean="0"/>
+              <a:t>Если в нём будет функция </a:t>
+            </a:r>
+            <a:r>
+              <a:rPr lang="en-US" dirty="0" smtClean="0"/>
+              <a:t>main, </a:t>
+            </a:r>
+            <a:r>
+              <a:rPr lang="ru-RU" dirty="0" smtClean="0"/>
+              <a:t>вы получите ошибку компиляции</a:t>
+            </a:r>
+            <a:r>
+              <a:rPr lang="en-US" dirty="0" smtClean="0"/>
+              <a:t>»</a:t>
+            </a:r>
+            <a:endParaRPr lang="ru-RU" dirty="0" smtClean="0"/>
+          </a:p>
+          <a:p>
+            <a:pPr lvl="1"/>
+            <a:endParaRPr lang="ru-RU" dirty="0" smtClean="0"/>
+          </a:p>
+          <a:p>
+            <a:pPr lvl="1"/>
+            <a:r>
+              <a:rPr lang="ru-RU" dirty="0" smtClean="0"/>
+              <a:t>Неудобно!</a:t>
+            </a:r>
+          </a:p>
+        </p:txBody>
+      </p:sp>
+      <p:sp>
+        <p:nvSpPr>
+          <p:cNvPr id="4" name="Нижний колонтитул 3"/>
+          <p:cNvSpPr>
+            <a:spLocks noGrp="1"/>
+          </p:cNvSpPr>
+          <p:nvPr>
+            <p:ph type="ftr" sz="quarter" idx="11"/>
+          </p:nvPr>
+        </p:nvSpPr>
+        <p:spPr/>
+        <p:txBody>
+          <a:bodyPr/>
+          <a:lstStyle/>
+          <a:p>
+            <a:endParaRPr lang="ru-RU"/>
+          </a:p>
+        </p:txBody>
+      </p:sp>
+      <p:sp>
+        <p:nvSpPr>
+          <p:cNvPr id="5" name="Номер слайда 4"/>
+          <p:cNvSpPr>
+            <a:spLocks noGrp="1"/>
+          </p:cNvSpPr>
+          <p:nvPr>
+            <p:ph type="sldNum" sz="quarter" idx="12"/>
+          </p:nvPr>
+        </p:nvSpPr>
+        <p:spPr/>
+        <p:txBody>
+          <a:bodyPr/>
+          <a:lstStyle/>
+          <a:p>
+            <a:fld id="{741C03D3-FA44-40EC-9A21-1FC4FEA3E22E}" type="slidenum">
+              <a:rPr lang="ru-RU" smtClean="0"/>
+              <a:t>24</a:t>
+            </a:fld>
+            <a:endParaRPr lang="ru-RU"/>
+          </a:p>
+        </p:txBody>
+      </p:sp>
+    </p:spTree>
+    <p:extLst>
+      <p:ext uri="{BB962C8B-B14F-4D97-AF65-F5344CB8AC3E}">
+        <p14:creationId xmlns:p14="http://schemas.microsoft.com/office/powerpoint/2010/main" val="1342365360"/>
+      </p:ext>
+    </p:extLst>
+  </p:cSld>
+  <p:clrMapOvr>
+    <a:masterClrMapping/>
+  </p:clrMapOvr>
+  <p:timing>
+    <p:tnLst>
+      <p:par>
+        <p:cTn id="1" dur="indefinite" restart="never" nodeType="tmRoot">
+          <p:childTnLst>
+            <p:seq concurrent="1" nextAc="seek">
+              <p:cTn id="2" dur="indefinite" nodeType="mainSeq">
+                <p:childTnLst>
+                  <p:par>
+                    <p:cTn id="3" fill="hold">
+                      <p:stCondLst>
+                        <p:cond delay="indefinite"/>
+                      </p:stCondLst>
+                      <p:childTnLst>
+                        <p:par>
+                          <p:cTn id="4" fill="hold">
+                            <p:stCondLst>
+                              <p:cond delay="0"/>
+                            </p:stCondLst>
+                            <p:childTnLst>
+                              <p:par>
+                                <p:cTn id="5" presetID="1" presetClass="entr" presetSubtype="0" fill="hold" nodeType="clickEffect">
+                                  <p:stCondLst>
+                                    <p:cond delay="0"/>
+                                  </p:stCondLst>
+                                  <p:childTnLst>
+                                    <p:set>
+                                      <p:cBhvr>
+                                        <p:cTn id="6" dur="1" fill="hold">
+                                          <p:stCondLst>
+                                            <p:cond delay="0"/>
+                                          </p:stCondLst>
+                                        </p:cTn>
+                                        <p:tgtEl>
+                                          <p:spTgt spid="3">
+                                            <p:txEl>
+                                              <p:pRg st="3" end="3"/>
+                                            </p:txEl>
+                                          </p:spTgt>
+                                        </p:tgtEl>
+                                        <p:attrNameLst>
+                                          <p:attrName>style.visibility</p:attrName>
+                                        </p:attrNameLst>
+                                      </p:cBhvr>
+                                      <p:to>
+                                        <p:strVal val="visible"/>
+                                      </p:to>
+                                    </p:set>
+                                  </p:childTnLst>
+                                </p:cTn>
+                              </p:par>
+                            </p:childTnLst>
+                          </p:cTn>
+                        </p:par>
+                      </p:childTnLst>
+                    </p:cTn>
+                  </p:par>
+                </p:childTnLst>
+              </p:cTn>
+              <p:prevCondLst>
+                <p:cond evt="onPrev" delay="0">
+                  <p:tgtEl>
+                    <p:sldTgt/>
+                  </p:tgtEl>
+                </p:cond>
+              </p:prevCondLst>
+              <p:nextCondLst>
+                <p:cond evt="onNext" delay="0">
+                  <p:tgtEl>
+                    <p:sldTgt/>
+                  </p:tgtEl>
+                </p:cond>
+              </p:nextCondLst>
+            </p:seq>
+          </p:childTnLst>
+        </p:cTn>
+      </p:par>
+    </p:tnLst>
+  </p:timing>
+</p:sld>
+</file>
+
+<file path=ppt/slides/slide25.xml><?xml version="1.0" encoding="utf-8"?>
+<p:sld xmlns:a="http://schemas.openxmlformats.org/drawingml/2006/main" xmlns:r="http://schemas.openxmlformats.org/officeDocument/2006/relationships" xmlns:p="http://schemas.openxmlformats.org/presentationml/2006/main">
+  <p:cSld>
+    <p:spTree>
+      <p:nvGrpSpPr>
+        <p:cNvPr id="1" name=""/>
+        <p:cNvGrpSpPr/>
+        <p:nvPr/>
+      </p:nvGrpSpPr>
+      <p:grpSpPr>
+        <a:xfrm>
+          <a:off x="0" y="0"/>
+          <a:ext cx="0" cy="0"/>
+          <a:chOff x="0" y="0"/>
+          <a:chExt cx="0" cy="0"/>
+        </a:xfrm>
+      </p:grpSpPr>
+      <p:sp>
+        <p:nvSpPr>
+          <p:cNvPr id="2" name="Заголовок 1"/>
+          <p:cNvSpPr>
+            <a:spLocks noGrp="1"/>
+          </p:cNvSpPr>
+          <p:nvPr>
+            <p:ph type="title"/>
+          </p:nvPr>
+        </p:nvSpPr>
+        <p:spPr/>
+        <p:txBody>
+          <a:bodyPr/>
+          <a:lstStyle/>
+          <a:p>
+            <a:r>
+              <a:rPr lang="ru-RU" dirty="0" smtClean="0"/>
+              <a:t>Как удалить функцию </a:t>
+            </a:r>
+            <a:r>
+              <a:rPr lang="en-US" dirty="0" smtClean="0"/>
+              <a:t>main</a:t>
+            </a:r>
+            <a:r>
+              <a:rPr lang="ru-RU" dirty="0" smtClean="0"/>
+              <a:t>?</a:t>
+            </a:r>
+            <a:endParaRPr lang="ru-RU" dirty="0"/>
+          </a:p>
+        </p:txBody>
+      </p:sp>
+      <p:sp>
+        <p:nvSpPr>
+          <p:cNvPr id="3" name="Объект 2"/>
+          <p:cNvSpPr>
+            <a:spLocks noGrp="1"/>
+          </p:cNvSpPr>
+          <p:nvPr>
+            <p:ph idx="1"/>
+          </p:nvPr>
+        </p:nvSpPr>
+        <p:spPr>
+          <a:xfrm>
+            <a:off x="1143000" y="3048000"/>
+            <a:ext cx="19461162" cy="6099175"/>
+          </a:xfrm>
+        </p:spPr>
+        <p:txBody>
+          <a:bodyPr/>
+          <a:lstStyle/>
+          <a:p>
+            <a:pPr lvl="1"/>
+            <a:r>
+              <a:rPr lang="ru-RU" dirty="0" smtClean="0"/>
+              <a:t>Автоматически удалять из присланного файла</a:t>
+            </a:r>
+            <a:endParaRPr lang="en-US" dirty="0" smtClean="0"/>
+          </a:p>
+          <a:p>
+            <a:pPr lvl="2"/>
+            <a:r>
+              <a:rPr lang="ru-RU" dirty="0" err="1" smtClean="0"/>
+              <a:t>Регуляркой</a:t>
+            </a:r>
+            <a:r>
+              <a:rPr lang="ru-RU" dirty="0" smtClean="0"/>
+              <a:t> находим строку «</a:t>
+            </a:r>
+            <a:r>
+              <a:rPr lang="en-US" dirty="0" err="1" smtClean="0"/>
+              <a:t>int</a:t>
+            </a:r>
+            <a:r>
+              <a:rPr lang="en-US" dirty="0" smtClean="0"/>
+              <a:t> main(</a:t>
+            </a:r>
+            <a:r>
+              <a:rPr lang="ru-RU" dirty="0" smtClean="0"/>
+              <a:t>»</a:t>
+            </a:r>
+            <a:endParaRPr lang="en-US" dirty="0" smtClean="0"/>
+          </a:p>
+          <a:p>
+            <a:pPr lvl="2"/>
+            <a:r>
+              <a:rPr lang="ru-RU" dirty="0" smtClean="0"/>
+              <a:t>Двигаемся дальше, считая баланс фигурных скобок</a:t>
+            </a:r>
+          </a:p>
+          <a:p>
+            <a:pPr lvl="2"/>
+            <a:r>
+              <a:rPr lang="ru-RU" dirty="0" smtClean="0"/>
+              <a:t>Как только он стал нулевым, удаляем выбранный фрагмент</a:t>
+            </a:r>
+          </a:p>
+          <a:p>
+            <a:pPr lvl="1"/>
+            <a:endParaRPr lang="ru-RU" dirty="0" smtClean="0"/>
+          </a:p>
+          <a:p>
+            <a:pPr lvl="1"/>
+            <a:r>
+              <a:rPr lang="ru-RU" dirty="0" smtClean="0"/>
+              <a:t>Хрупкое решение</a:t>
+            </a:r>
+            <a:r>
+              <a:rPr lang="en-US" dirty="0" smtClean="0"/>
+              <a:t> — </a:t>
+            </a:r>
+            <a:r>
+              <a:rPr lang="ru-RU" dirty="0"/>
+              <a:t>баланс скобок не учитывает комментарии</a:t>
+            </a:r>
+            <a:endParaRPr lang="ru-RU" dirty="0" smtClean="0"/>
+          </a:p>
+        </p:txBody>
+      </p:sp>
+      <p:sp>
+        <p:nvSpPr>
+          <p:cNvPr id="4" name="Нижний колонтитул 3"/>
+          <p:cNvSpPr>
+            <a:spLocks noGrp="1"/>
+          </p:cNvSpPr>
+          <p:nvPr>
+            <p:ph type="ftr" sz="quarter" idx="11"/>
+          </p:nvPr>
+        </p:nvSpPr>
+        <p:spPr/>
+        <p:txBody>
+          <a:bodyPr/>
+          <a:lstStyle/>
+          <a:p>
+            <a:endParaRPr lang="ru-RU"/>
+          </a:p>
+        </p:txBody>
+      </p:sp>
+      <p:sp>
+        <p:nvSpPr>
+          <p:cNvPr id="5" name="Номер слайда 4"/>
+          <p:cNvSpPr>
+            <a:spLocks noGrp="1"/>
+          </p:cNvSpPr>
+          <p:nvPr>
+            <p:ph type="sldNum" sz="quarter" idx="12"/>
+          </p:nvPr>
+        </p:nvSpPr>
+        <p:spPr/>
+        <p:txBody>
+          <a:bodyPr/>
+          <a:lstStyle/>
+          <a:p>
+            <a:fld id="{741C03D3-FA44-40EC-9A21-1FC4FEA3E22E}" type="slidenum">
+              <a:rPr lang="ru-RU" smtClean="0"/>
+              <a:t>25</a:t>
+            </a:fld>
+            <a:endParaRPr lang="ru-RU"/>
+          </a:p>
+        </p:txBody>
+      </p:sp>
+      <p:sp>
+        <p:nvSpPr>
+          <p:cNvPr id="6" name="Объект 5"/>
+          <p:cNvSpPr>
+            <a:spLocks noGrp="1"/>
+          </p:cNvSpPr>
+          <p:nvPr>
+            <p:ph idx="13"/>
+          </p:nvPr>
+        </p:nvSpPr>
+        <p:spPr>
+          <a:xfrm>
+            <a:off x="1" y="9147175"/>
+            <a:ext cx="24382412" cy="4568825"/>
+          </a:xfrm>
+        </p:spPr>
+        <p:txBody>
+          <a:bodyPr/>
+          <a:lstStyle/>
+          <a:p>
+            <a:pPr lvl="0" defTabSz="914400" eaLnBrk="0" fontAlgn="base" hangingPunct="0">
+              <a:lnSpc>
+                <a:spcPct val="125000"/>
+              </a:lnSpc>
+              <a:spcBef>
+                <a:spcPct val="0"/>
+              </a:spcBef>
+              <a:spcAft>
+                <a:spcPct val="0"/>
+              </a:spcAft>
+            </a:pPr>
+            <a:r>
+              <a:rPr lang="ru-RU" altLang="ru-RU" dirty="0" err="1">
+                <a:solidFill>
+                  <a:srgbClr val="FFFFFF"/>
+                </a:solidFill>
+                <a:latin typeface="Verdana" panose="020B0604030504040204" pitchFamily="34" charset="0"/>
+              </a:rPr>
+              <a:t>int</a:t>
+            </a:r>
+            <a:r>
+              <a:rPr lang="ru-RU" altLang="ru-RU" dirty="0">
+                <a:solidFill>
+                  <a:srgbClr val="FFFFFF"/>
+                </a:solidFill>
+                <a:latin typeface="Verdana" panose="020B0604030504040204" pitchFamily="34" charset="0"/>
+              </a:rPr>
+              <a:t> </a:t>
+            </a:r>
+            <a:r>
+              <a:rPr lang="ru-RU" altLang="ru-RU" dirty="0" err="1">
+                <a:solidFill>
+                  <a:srgbClr val="FFCC00"/>
+                </a:solidFill>
+                <a:latin typeface="Verdana" panose="020B0604030504040204" pitchFamily="34" charset="0"/>
+              </a:rPr>
+              <a:t>main</a:t>
+            </a:r>
+            <a:r>
+              <a:rPr lang="ru-RU" altLang="ru-RU" dirty="0">
+                <a:solidFill>
+                  <a:srgbClr val="FFFFFF"/>
+                </a:solidFill>
+                <a:latin typeface="Verdana" panose="020B0604030504040204" pitchFamily="34" charset="0"/>
+              </a:rPr>
+              <a:t>() {</a:t>
+            </a:r>
+            <a:br>
+              <a:rPr lang="ru-RU" altLang="ru-RU" dirty="0">
+                <a:solidFill>
+                  <a:srgbClr val="FFFFFF"/>
+                </a:solidFill>
+                <a:latin typeface="Verdana" panose="020B0604030504040204" pitchFamily="34" charset="0"/>
+              </a:rPr>
+            </a:br>
+            <a:r>
+              <a:rPr lang="ru-RU" altLang="ru-RU" dirty="0">
+                <a:solidFill>
+                  <a:srgbClr val="FFFFFF"/>
+                </a:solidFill>
+                <a:latin typeface="Verdana" panose="020B0604030504040204" pitchFamily="34" charset="0"/>
+              </a:rPr>
+              <a:t>  </a:t>
+            </a:r>
+            <a:r>
+              <a:rPr lang="ru-RU" altLang="ru-RU" dirty="0" err="1">
+                <a:solidFill>
+                  <a:srgbClr val="FFFFFF"/>
+                </a:solidFill>
+                <a:latin typeface="Verdana" panose="020B0604030504040204" pitchFamily="34" charset="0"/>
+              </a:rPr>
+              <a:t>int</a:t>
+            </a:r>
+            <a:r>
+              <a:rPr lang="ru-RU" altLang="ru-RU" dirty="0">
+                <a:solidFill>
+                  <a:srgbClr val="FFFFFF"/>
+                </a:solidFill>
+                <a:latin typeface="Verdana" panose="020B0604030504040204" pitchFamily="34" charset="0"/>
+              </a:rPr>
+              <a:t>  </a:t>
+            </a:r>
+            <a:r>
+              <a:rPr lang="ru-RU" altLang="ru-RU" dirty="0">
+                <a:solidFill>
+                  <a:srgbClr val="5BCD9D"/>
+                </a:solidFill>
+                <a:latin typeface="Verdana" panose="020B0604030504040204" pitchFamily="34" charset="0"/>
+              </a:rPr>
+              <a:t>x</a:t>
+            </a:r>
+            <a:r>
+              <a:rPr lang="ru-RU" altLang="ru-RU" dirty="0">
+                <a:solidFill>
+                  <a:srgbClr val="FFFFFF"/>
+                </a:solidFill>
+                <a:latin typeface="Verdana" panose="020B0604030504040204" pitchFamily="34" charset="0"/>
+              </a:rPr>
+              <a:t>;</a:t>
+            </a:r>
+            <a:br>
+              <a:rPr lang="ru-RU" altLang="ru-RU" dirty="0">
+                <a:solidFill>
+                  <a:srgbClr val="FFFFFF"/>
+                </a:solidFill>
+                <a:latin typeface="Verdana" panose="020B0604030504040204" pitchFamily="34" charset="0"/>
+              </a:rPr>
+            </a:br>
+            <a:r>
+              <a:rPr lang="ru-RU" altLang="ru-RU" dirty="0">
+                <a:solidFill>
+                  <a:srgbClr val="FFFFFF"/>
+                </a:solidFill>
+                <a:latin typeface="Verdana" panose="020B0604030504040204" pitchFamily="34" charset="0"/>
+              </a:rPr>
+              <a:t>  </a:t>
+            </a:r>
+            <a:r>
+              <a:rPr lang="ru-RU" altLang="ru-RU" dirty="0" err="1">
+                <a:solidFill>
+                  <a:srgbClr val="FFFFFF"/>
+                </a:solidFill>
+                <a:latin typeface="Verdana" panose="020B0604030504040204" pitchFamily="34" charset="0"/>
+              </a:rPr>
+              <a:t>cin</a:t>
+            </a:r>
+            <a:r>
+              <a:rPr lang="ru-RU" altLang="ru-RU" dirty="0">
+                <a:solidFill>
+                  <a:srgbClr val="FFFFFF"/>
+                </a:solidFill>
+                <a:latin typeface="Verdana" panose="020B0604030504040204" pitchFamily="34" charset="0"/>
+              </a:rPr>
+              <a:t> &gt;&gt; </a:t>
+            </a:r>
+            <a:r>
+              <a:rPr lang="ru-RU" altLang="ru-RU" dirty="0">
+                <a:solidFill>
+                  <a:srgbClr val="5BCD9D"/>
+                </a:solidFill>
+                <a:latin typeface="Verdana" panose="020B0604030504040204" pitchFamily="34" charset="0"/>
+              </a:rPr>
+              <a:t>x</a:t>
+            </a:r>
+            <a:r>
+              <a:rPr lang="ru-RU" altLang="ru-RU" dirty="0">
+                <a:solidFill>
+                  <a:srgbClr val="FFFFFF"/>
+                </a:solidFill>
+                <a:latin typeface="Verdana" panose="020B0604030504040204" pitchFamily="34" charset="0"/>
+              </a:rPr>
+              <a:t>;</a:t>
+            </a:r>
+            <a:br>
+              <a:rPr lang="ru-RU" altLang="ru-RU" dirty="0">
+                <a:solidFill>
+                  <a:srgbClr val="FFFFFF"/>
+                </a:solidFill>
+                <a:latin typeface="Verdana" panose="020B0604030504040204" pitchFamily="34" charset="0"/>
+              </a:rPr>
+            </a:br>
+            <a:r>
+              <a:rPr lang="ru-RU" altLang="ru-RU" dirty="0">
+                <a:solidFill>
+                  <a:srgbClr val="72C3E0"/>
+                </a:solidFill>
+                <a:latin typeface="Verdana" panose="020B0604030504040204" pitchFamily="34" charset="0"/>
+              </a:rPr>
+              <a:t>//  </a:t>
+            </a:r>
+            <a:r>
+              <a:rPr lang="ru-RU" altLang="ru-RU" dirty="0" err="1">
+                <a:solidFill>
+                  <a:srgbClr val="72C3E0"/>
+                </a:solidFill>
+                <a:latin typeface="Verdana" panose="020B0604030504040204" pitchFamily="34" charset="0"/>
+              </a:rPr>
+              <a:t>if</a:t>
+            </a:r>
+            <a:r>
+              <a:rPr lang="ru-RU" altLang="ru-RU" dirty="0">
+                <a:solidFill>
+                  <a:srgbClr val="72C3E0"/>
+                </a:solidFill>
+                <a:latin typeface="Verdana" panose="020B0604030504040204" pitchFamily="34" charset="0"/>
+              </a:rPr>
+              <a:t> (x &gt; 0) {</a:t>
+            </a:r>
+            <a:br>
+              <a:rPr lang="ru-RU" altLang="ru-RU" dirty="0">
+                <a:solidFill>
+                  <a:srgbClr val="72C3E0"/>
+                </a:solidFill>
+                <a:latin typeface="Verdana" panose="020B0604030504040204" pitchFamily="34" charset="0"/>
+              </a:rPr>
+            </a:br>
+            <a:r>
+              <a:rPr lang="en-US" altLang="ru-RU" dirty="0" smtClean="0">
+                <a:solidFill>
+                  <a:srgbClr val="72C3E0"/>
+                </a:solidFill>
+                <a:latin typeface="Verdana" panose="020B0604030504040204" pitchFamily="34" charset="0"/>
+              </a:rPr>
+              <a:t> </a:t>
+            </a:r>
+            <a:r>
+              <a:rPr lang="ru-RU" altLang="ru-RU" dirty="0" smtClean="0">
+                <a:solidFill>
+                  <a:srgbClr val="72C3E0"/>
+                </a:solidFill>
+                <a:latin typeface="Verdana" panose="020B0604030504040204" pitchFamily="34" charset="0"/>
+              </a:rPr>
+              <a:t> </a:t>
+            </a:r>
+            <a:r>
+              <a:rPr lang="ru-RU" altLang="ru-RU" dirty="0" err="1">
+                <a:solidFill>
+                  <a:srgbClr val="FFFFFF"/>
+                </a:solidFill>
+                <a:latin typeface="Verdana" panose="020B0604030504040204" pitchFamily="34" charset="0"/>
+              </a:rPr>
+              <a:t>return</a:t>
+            </a:r>
+            <a:r>
+              <a:rPr lang="ru-RU" altLang="ru-RU" dirty="0">
+                <a:solidFill>
+                  <a:srgbClr val="FFFFFF"/>
+                </a:solidFill>
+                <a:latin typeface="Verdana" panose="020B0604030504040204" pitchFamily="34" charset="0"/>
+              </a:rPr>
+              <a:t> </a:t>
+            </a:r>
+            <a:r>
+              <a:rPr lang="ru-RU" altLang="ru-RU" dirty="0">
+                <a:solidFill>
+                  <a:srgbClr val="5BCD9D"/>
+                </a:solidFill>
+                <a:latin typeface="Verdana" panose="020B0604030504040204" pitchFamily="34" charset="0"/>
+              </a:rPr>
+              <a:t>x</a:t>
+            </a:r>
+            <a:r>
+              <a:rPr lang="ru-RU" altLang="ru-RU" dirty="0">
+                <a:solidFill>
+                  <a:srgbClr val="FFFFFF"/>
+                </a:solidFill>
+                <a:latin typeface="Verdana" panose="020B0604030504040204" pitchFamily="34" charset="0"/>
+              </a:rPr>
+              <a:t>;</a:t>
+            </a:r>
+            <a:br>
+              <a:rPr lang="ru-RU" altLang="ru-RU" dirty="0">
+                <a:solidFill>
+                  <a:srgbClr val="FFFFFF"/>
+                </a:solidFill>
+                <a:latin typeface="Verdana" panose="020B0604030504040204" pitchFamily="34" charset="0"/>
+              </a:rPr>
+            </a:br>
+            <a:r>
+              <a:rPr lang="ru-RU" altLang="ru-RU" dirty="0" smtClean="0">
+                <a:solidFill>
+                  <a:srgbClr val="FFFFFF"/>
+                </a:solidFill>
+                <a:latin typeface="Verdana" panose="020B0604030504040204" pitchFamily="34" charset="0"/>
+              </a:rPr>
+              <a:t>}</a:t>
+            </a:r>
+            <a:endParaRPr lang="ru-RU" altLang="ru-RU" sz="6600" dirty="0">
+              <a:solidFill>
+                <a:schemeClr val="tx1"/>
+              </a:solidFill>
+              <a:latin typeface="Arial" panose="020B0604020202020204" pitchFamily="34" charset="0"/>
+            </a:endParaRPr>
+          </a:p>
+        </p:txBody>
+      </p:sp>
+    </p:spTree>
+    <p:extLst>
+      <p:ext uri="{BB962C8B-B14F-4D97-AF65-F5344CB8AC3E}">
+        <p14:creationId xmlns:p14="http://schemas.microsoft.com/office/powerpoint/2010/main" val="3648435875"/>
+      </p:ext>
+    </p:extLst>
+  </p:cSld>
+  <p:clrMapOvr>
+    <a:masterClrMapping/>
+  </p:clrMapOvr>
+  <p:timing>
+    <p:tnLst>
+      <p:par>
+        <p:cTn id="1" dur="indefinite" restart="never" nodeType="tmRoot">
+          <p:childTnLst>
+            <p:seq concurrent="1" nextAc="seek">
+              <p:cTn id="2" dur="indefinite" nodeType="mainSeq">
+                <p:childTnLst>
+                  <p:par>
+                    <p:cTn id="3" fill="hold">
+                      <p:stCondLst>
+                        <p:cond delay="indefinite"/>
+                      </p:stCondLst>
+                      <p:childTnLst>
+                        <p:par>
+                          <p:cTn id="4" fill="hold">
+                            <p:stCondLst>
+                              <p:cond delay="0"/>
+                            </p:stCondLst>
+                            <p:childTnLst>
+                              <p:par>
+                                <p:cTn id="5" presetID="1" presetClass="entr" presetSubtype="0" fill="hold" nodeType="clickEffect">
+                                  <p:stCondLst>
+                                    <p:cond delay="0"/>
+                                  </p:stCondLst>
+                                  <p:childTnLst>
+                                    <p:set>
+                                      <p:cBhvr>
+                                        <p:cTn id="6" dur="1" fill="hold">
+                                          <p:stCondLst>
+                                            <p:cond delay="0"/>
+                                          </p:stCondLst>
+                                        </p:cTn>
+                                        <p:tgtEl>
+                                          <p:spTgt spid="3">
+                                            <p:txEl>
+                                              <p:pRg st="5" end="5"/>
+                                            </p:txEl>
+                                          </p:spTgt>
+                                        </p:tgtEl>
+                                        <p:attrNameLst>
+                                          <p:attrName>style.visibility</p:attrName>
+                                        </p:attrNameLst>
+                                      </p:cBhvr>
+                                      <p:to>
+                                        <p:strVal val="visible"/>
+                                      </p:to>
+                                    </p:set>
+                                  </p:childTnLst>
+                                </p:cTn>
+                              </p:par>
+                              <p:par>
+                                <p:cTn id="7" presetID="1" presetClass="entr" presetSubtype="0" fill="hold" grpId="0" nodeType="withEffect">
+                                  <p:stCondLst>
+                                    <p:cond delay="0"/>
+                                  </p:stCondLst>
+                                  <p:childTnLst>
+                                    <p:set>
+                                      <p:cBhvr>
+                                        <p:cTn id="8" dur="1" fill="hold">
+                                          <p:stCondLst>
+                                            <p:cond delay="0"/>
+                                          </p:stCondLst>
+                                        </p:cTn>
+                                        <p:tgtEl>
+                                          <p:spTgt spid="6">
+                                            <p:bg/>
+                                          </p:spTgt>
+                                        </p:tgtEl>
+                                        <p:attrNameLst>
+                                          <p:attrName>style.visibility</p:attrName>
+                                        </p:attrNameLst>
+                                      </p:cBhvr>
+                                      <p:to>
+                                        <p:strVal val="visible"/>
+                                      </p:to>
+                                    </p:set>
+                                  </p:childTnLst>
+                                </p:cTn>
+                              </p:par>
+                              <p:par>
+                                <p:cTn id="9" presetID="1" presetClass="entr" presetSubtype="0" fill="hold" grpId="0" nodeType="withEffect">
+                                  <p:stCondLst>
+                                    <p:cond delay="0"/>
+                                  </p:stCondLst>
+                                  <p:childTnLst>
+                                    <p:set>
+                                      <p:cBhvr>
+                                        <p:cTn id="10" dur="1" fill="hold">
+                                          <p:stCondLst>
+                                            <p:cond delay="0"/>
+                                          </p:stCondLst>
+                                        </p:cTn>
+                                        <p:tgtEl>
+                                          <p:spTgt spid="6">
+                                            <p:txEl>
+                                              <p:pRg st="0" end="0"/>
+                                            </p:txEl>
+                                          </p:spTgt>
+                                        </p:tgtEl>
+                                        <p:attrNameLst>
+                                          <p:attrName>style.visibility</p:attrName>
+                                        </p:attrNameLst>
+                                      </p:cBhvr>
+                                      <p:to>
+                                        <p:strVal val="visible"/>
+                                      </p:to>
+                                    </p:set>
+                                  </p:childTnLst>
+                                </p:cTn>
+                              </p:par>
+                            </p:childTnLst>
+                          </p:cTn>
+                        </p:par>
+                      </p:childTnLst>
+                    </p:cTn>
+                  </p:par>
+                </p:childTnLst>
+              </p:cTn>
+              <p:prevCondLst>
+                <p:cond evt="onPrev" delay="0">
+                  <p:tgtEl>
+                    <p:sldTgt/>
+                  </p:tgtEl>
+                </p:cond>
+              </p:prevCondLst>
+              <p:nextCondLst>
+                <p:cond evt="onNext" delay="0">
+                  <p:tgtEl>
+                    <p:sldTgt/>
+                  </p:tgtEl>
+                </p:cond>
+              </p:nextCondLst>
+            </p:seq>
+          </p:childTnLst>
+        </p:cTn>
+      </p:par>
+    </p:tnLst>
+    <p:bldLst>
+      <p:bldP spid="6" grpId="0" uiExpand="1" build="p" animBg="1"/>
+    </p:bldLst>
+  </p:timing>
+</p:sld>
+</file>
+
+<file path=ppt/slides/slide26.xml><?xml version="1.0" encoding="utf-8"?>
+<p:sld xmlns:a="http://schemas.openxmlformats.org/drawingml/2006/main" xmlns:r="http://schemas.openxmlformats.org/officeDocument/2006/relationships" xmlns:p="http://schemas.openxmlformats.org/presentationml/2006/main">
+  <p:cSld>
+    <p:spTree>
+      <p:nvGrpSpPr>
+        <p:cNvPr id="1" name=""/>
+        <p:cNvGrpSpPr/>
+        <p:nvPr/>
+      </p:nvGrpSpPr>
+      <p:grpSpPr>
+        <a:xfrm>
+          <a:off x="0" y="0"/>
+          <a:ext cx="0" cy="0"/>
+          <a:chOff x="0" y="0"/>
+          <a:chExt cx="0" cy="0"/>
+        </a:xfrm>
+      </p:grpSpPr>
+      <p:sp>
+        <p:nvSpPr>
+          <p:cNvPr id="2" name="Заголовок 1"/>
+          <p:cNvSpPr>
+            <a:spLocks noGrp="1"/>
+          </p:cNvSpPr>
+          <p:nvPr>
+            <p:ph type="title"/>
+          </p:nvPr>
+        </p:nvSpPr>
+        <p:spPr/>
+        <p:txBody>
+          <a:bodyPr/>
+          <a:lstStyle/>
+          <a:p>
+            <a:r>
+              <a:rPr lang="ru-RU" dirty="0"/>
+              <a:t>Как удалить функцию </a:t>
+            </a:r>
+            <a:r>
+              <a:rPr lang="en-US" dirty="0"/>
+              <a:t>main</a:t>
+            </a:r>
+            <a:r>
+              <a:rPr lang="ru-RU" dirty="0"/>
+              <a:t>?</a:t>
+            </a:r>
+          </a:p>
+        </p:txBody>
+      </p:sp>
+      <p:sp>
+        <p:nvSpPr>
+          <p:cNvPr id="3" name="Объект 2"/>
+          <p:cNvSpPr>
+            <a:spLocks noGrp="1"/>
+          </p:cNvSpPr>
+          <p:nvPr>
+            <p:ph idx="1"/>
+          </p:nvPr>
+        </p:nvSpPr>
+        <p:spPr>
+          <a:xfrm>
+            <a:off x="1143000" y="3048000"/>
+            <a:ext cx="19461162" cy="3428999"/>
+          </a:xfrm>
+        </p:spPr>
+        <p:txBody>
+          <a:bodyPr/>
+          <a:lstStyle/>
+          <a:p>
+            <a:pPr lvl="1"/>
+            <a:r>
+              <a:rPr lang="ru-RU" dirty="0" smtClean="0"/>
+              <a:t>Её не надо удалять — её достаточно переименовать!</a:t>
+            </a:r>
+          </a:p>
+          <a:p>
+            <a:pPr lvl="2"/>
+            <a:r>
+              <a:rPr lang="ru-RU" dirty="0" smtClean="0"/>
+              <a:t>Это решение работает как часы уже 1,5 года</a:t>
+            </a:r>
+            <a:endParaRPr lang="ru-RU" dirty="0"/>
+          </a:p>
+        </p:txBody>
+      </p:sp>
+      <p:sp>
+        <p:nvSpPr>
+          <p:cNvPr id="4" name="Нижний колонтитул 3"/>
+          <p:cNvSpPr>
+            <a:spLocks noGrp="1"/>
+          </p:cNvSpPr>
+          <p:nvPr>
+            <p:ph type="ftr" sz="quarter" idx="11"/>
+          </p:nvPr>
+        </p:nvSpPr>
+        <p:spPr/>
+        <p:txBody>
+          <a:bodyPr/>
+          <a:lstStyle/>
+          <a:p>
+            <a:endParaRPr lang="ru-RU" dirty="0"/>
+          </a:p>
+        </p:txBody>
+      </p:sp>
+      <p:sp>
+        <p:nvSpPr>
+          <p:cNvPr id="5" name="Номер слайда 4"/>
+          <p:cNvSpPr>
+            <a:spLocks noGrp="1"/>
+          </p:cNvSpPr>
+          <p:nvPr>
+            <p:ph type="sldNum" sz="quarter" idx="12"/>
+          </p:nvPr>
+        </p:nvSpPr>
+        <p:spPr/>
+        <p:txBody>
+          <a:bodyPr/>
+          <a:lstStyle/>
+          <a:p>
+            <a:fld id="{741C03D3-FA44-40EC-9A21-1FC4FEA3E22E}" type="slidenum">
+              <a:rPr lang="ru-RU" smtClean="0"/>
+              <a:t>26</a:t>
+            </a:fld>
+            <a:endParaRPr lang="ru-RU"/>
+          </a:p>
+        </p:txBody>
+      </p:sp>
+      <p:sp>
+        <p:nvSpPr>
+          <p:cNvPr id="6" name="Объект 5"/>
+          <p:cNvSpPr>
+            <a:spLocks noGrp="1"/>
+          </p:cNvSpPr>
+          <p:nvPr>
+            <p:ph idx="13"/>
+          </p:nvPr>
+        </p:nvSpPr>
+        <p:spPr/>
+        <p:txBody>
+          <a:bodyPr/>
+          <a:lstStyle/>
+          <a:p>
+            <a:pPr lvl="0" defTabSz="914400" eaLnBrk="0" fontAlgn="base" hangingPunct="0">
+              <a:lnSpc>
+                <a:spcPct val="100000"/>
+              </a:lnSpc>
+              <a:spcBef>
+                <a:spcPct val="0"/>
+              </a:spcBef>
+              <a:spcAft>
+                <a:spcPct val="0"/>
+              </a:spcAft>
+            </a:pPr>
+            <a:r>
+              <a:rPr lang="ru-RU" altLang="ru-RU" dirty="0" err="1">
+                <a:solidFill>
+                  <a:srgbClr val="FFFFFF"/>
+                </a:solidFill>
+                <a:latin typeface="Verdana" panose="020B0604030504040204" pitchFamily="34" charset="0"/>
+              </a:rPr>
+              <a:t>template</a:t>
+            </a:r>
+            <a:r>
+              <a:rPr lang="ru-RU" altLang="ru-RU" dirty="0">
+                <a:solidFill>
+                  <a:srgbClr val="FFFFFF"/>
+                </a:solidFill>
+                <a:latin typeface="Verdana" panose="020B0604030504040204" pitchFamily="34" charset="0"/>
+              </a:rPr>
+              <a:t> &lt;</a:t>
+            </a:r>
+            <a:r>
+              <a:rPr lang="ru-RU" altLang="ru-RU" dirty="0" err="1">
+                <a:solidFill>
+                  <a:srgbClr val="FFFFFF"/>
+                </a:solidFill>
+                <a:latin typeface="Verdana" panose="020B0604030504040204" pitchFamily="34" charset="0"/>
+              </a:rPr>
+              <a:t>typename</a:t>
+            </a:r>
+            <a:r>
+              <a:rPr lang="ru-RU" altLang="ru-RU" dirty="0">
+                <a:solidFill>
+                  <a:srgbClr val="FFFFFF"/>
+                </a:solidFill>
+                <a:latin typeface="Verdana" panose="020B0604030504040204" pitchFamily="34" charset="0"/>
+              </a:rPr>
+              <a:t> </a:t>
+            </a:r>
+            <a:r>
+              <a:rPr lang="ru-RU" altLang="ru-RU" dirty="0">
+                <a:solidFill>
+                  <a:srgbClr val="FFCC00"/>
+                </a:solidFill>
+                <a:latin typeface="Verdana" panose="020B0604030504040204" pitchFamily="34" charset="0"/>
+              </a:rPr>
+              <a:t>T</a:t>
+            </a:r>
+            <a:r>
+              <a:rPr lang="ru-RU" altLang="ru-RU" dirty="0">
+                <a:solidFill>
+                  <a:srgbClr val="FFFFFF"/>
+                </a:solidFill>
+                <a:latin typeface="Verdana" panose="020B0604030504040204" pitchFamily="34" charset="0"/>
+              </a:rPr>
+              <a:t>&gt; </a:t>
+            </a:r>
+            <a:endParaRPr lang="en-US" altLang="ru-RU" dirty="0">
+              <a:solidFill>
+                <a:srgbClr val="FFFFFF"/>
+              </a:solidFill>
+              <a:latin typeface="Verdana" panose="020B0604030504040204" pitchFamily="34" charset="0"/>
+            </a:endParaRPr>
+          </a:p>
+          <a:p>
+            <a:pPr lvl="0" defTabSz="914400" eaLnBrk="0" fontAlgn="base" hangingPunct="0">
+              <a:lnSpc>
+                <a:spcPct val="100000"/>
+              </a:lnSpc>
+              <a:spcBef>
+                <a:spcPct val="0"/>
+              </a:spcBef>
+              <a:spcAft>
+                <a:spcPct val="0"/>
+              </a:spcAft>
+            </a:pPr>
+            <a:r>
+              <a:rPr lang="ru-RU" altLang="ru-RU" dirty="0" err="1">
+                <a:solidFill>
+                  <a:srgbClr val="FFFFFF"/>
+                </a:solidFill>
+                <a:latin typeface="Verdana" panose="020B0604030504040204" pitchFamily="34" charset="0"/>
+              </a:rPr>
+              <a:t>void</a:t>
+            </a:r>
+            <a:r>
+              <a:rPr lang="ru-RU" altLang="ru-RU" dirty="0">
+                <a:solidFill>
+                  <a:srgbClr val="FFFFFF"/>
+                </a:solidFill>
+                <a:latin typeface="Verdana" panose="020B0604030504040204" pitchFamily="34" charset="0"/>
+              </a:rPr>
+              <a:t> </a:t>
+            </a:r>
+            <a:r>
+              <a:rPr lang="ru-RU" altLang="ru-RU" dirty="0" err="1">
+                <a:solidFill>
+                  <a:srgbClr val="FFCC00"/>
+                </a:solidFill>
+                <a:latin typeface="Verdana" panose="020B0604030504040204" pitchFamily="34" charset="0"/>
+              </a:rPr>
+              <a:t>Swap</a:t>
+            </a:r>
+            <a:r>
+              <a:rPr lang="ru-RU" altLang="ru-RU" dirty="0">
+                <a:solidFill>
+                  <a:srgbClr val="FFFFFF"/>
+                </a:solidFill>
+                <a:latin typeface="Verdana" panose="020B0604030504040204" pitchFamily="34" charset="0"/>
+              </a:rPr>
+              <a:t>(</a:t>
+            </a:r>
+            <a:r>
+              <a:rPr lang="ru-RU" altLang="ru-RU" dirty="0">
+                <a:solidFill>
+                  <a:srgbClr val="FFCC00"/>
+                </a:solidFill>
+                <a:latin typeface="Verdana" panose="020B0604030504040204" pitchFamily="34" charset="0"/>
+              </a:rPr>
+              <a:t>T</a:t>
+            </a:r>
+            <a:r>
+              <a:rPr lang="ru-RU" altLang="ru-RU" dirty="0">
+                <a:solidFill>
+                  <a:srgbClr val="FFFFFF"/>
+                </a:solidFill>
+                <a:latin typeface="Verdana" panose="020B0604030504040204" pitchFamily="34" charset="0"/>
+              </a:rPr>
+              <a:t>* </a:t>
+            </a:r>
+            <a:r>
+              <a:rPr lang="ru-RU" altLang="ru-RU" dirty="0" err="1">
+                <a:solidFill>
+                  <a:srgbClr val="5BCD9D"/>
+                </a:solidFill>
+                <a:latin typeface="Verdana" panose="020B0604030504040204" pitchFamily="34" charset="0"/>
+              </a:rPr>
+              <a:t>first</a:t>
+            </a:r>
+            <a:r>
+              <a:rPr lang="ru-RU" altLang="ru-RU" dirty="0">
+                <a:solidFill>
+                  <a:srgbClr val="FFFFFF"/>
+                </a:solidFill>
+                <a:latin typeface="Verdana" panose="020B0604030504040204" pitchFamily="34" charset="0"/>
+              </a:rPr>
+              <a:t>, </a:t>
+            </a:r>
+            <a:r>
+              <a:rPr lang="ru-RU" altLang="ru-RU" dirty="0">
+                <a:solidFill>
+                  <a:srgbClr val="FFCC00"/>
+                </a:solidFill>
+                <a:latin typeface="Verdana" panose="020B0604030504040204" pitchFamily="34" charset="0"/>
+              </a:rPr>
+              <a:t>T</a:t>
+            </a:r>
+            <a:r>
+              <a:rPr lang="ru-RU" altLang="ru-RU" dirty="0">
+                <a:solidFill>
+                  <a:srgbClr val="FFFFFF"/>
+                </a:solidFill>
+                <a:latin typeface="Verdana" panose="020B0604030504040204" pitchFamily="34" charset="0"/>
+              </a:rPr>
+              <a:t>* </a:t>
+            </a:r>
+            <a:r>
+              <a:rPr lang="ru-RU" altLang="ru-RU" dirty="0" err="1">
+                <a:solidFill>
+                  <a:srgbClr val="5BCD9D"/>
+                </a:solidFill>
+                <a:latin typeface="Verdana" panose="020B0604030504040204" pitchFamily="34" charset="0"/>
+              </a:rPr>
+              <a:t>second</a:t>
+            </a:r>
+            <a:r>
+              <a:rPr lang="ru-RU" altLang="ru-RU" dirty="0">
+                <a:solidFill>
+                  <a:srgbClr val="FFFFFF"/>
+                </a:solidFill>
+                <a:latin typeface="Verdana" panose="020B0604030504040204" pitchFamily="34" charset="0"/>
+              </a:rPr>
+              <a:t>)</a:t>
+            </a:r>
+            <a:r>
+              <a:rPr lang="en-US" altLang="ru-RU" dirty="0">
+                <a:solidFill>
+                  <a:srgbClr val="FFFFFF"/>
+                </a:solidFill>
+                <a:latin typeface="Verdana" panose="020B0604030504040204" pitchFamily="34" charset="0"/>
+              </a:rPr>
+              <a:t> {</a:t>
+            </a:r>
+          </a:p>
+          <a:p>
+            <a:pPr lvl="0" defTabSz="914400" eaLnBrk="0" fontAlgn="base" hangingPunct="0">
+              <a:lnSpc>
+                <a:spcPct val="100000"/>
+              </a:lnSpc>
+              <a:spcBef>
+                <a:spcPct val="0"/>
+              </a:spcBef>
+              <a:spcAft>
+                <a:spcPct val="0"/>
+              </a:spcAft>
+            </a:pPr>
+            <a:r>
+              <a:rPr lang="en-US" altLang="ru-RU" dirty="0">
+                <a:solidFill>
+                  <a:srgbClr val="FFFFFF"/>
+                </a:solidFill>
+                <a:latin typeface="Verdana" panose="020B0604030504040204" pitchFamily="34" charset="0"/>
+              </a:rPr>
+              <a:t>  </a:t>
+            </a:r>
+            <a:r>
+              <a:rPr lang="en-US" altLang="ru-RU" dirty="0" err="1">
+                <a:solidFill>
+                  <a:srgbClr val="FFFFFF"/>
+                </a:solidFill>
+                <a:latin typeface="Verdana" panose="020B0604030504040204" pitchFamily="34" charset="0"/>
+              </a:rPr>
+              <a:t>std</a:t>
+            </a:r>
+            <a:r>
+              <a:rPr lang="en-US" altLang="ru-RU" dirty="0">
+                <a:solidFill>
+                  <a:srgbClr val="FFFFFF"/>
+                </a:solidFill>
+                <a:latin typeface="Verdana" panose="020B0604030504040204" pitchFamily="34" charset="0"/>
+              </a:rPr>
+              <a:t>::</a:t>
+            </a:r>
+            <a:r>
+              <a:rPr lang="en-US" altLang="ru-RU" dirty="0" err="1">
+                <a:solidFill>
+                  <a:srgbClr val="FFCC00"/>
+                </a:solidFill>
+                <a:latin typeface="Verdana" panose="020B0604030504040204" pitchFamily="34" charset="0"/>
+              </a:rPr>
+              <a:t>iter_swap</a:t>
+            </a:r>
+            <a:r>
+              <a:rPr lang="en-US" altLang="ru-RU" dirty="0">
+                <a:solidFill>
+                  <a:srgbClr val="FFFFFF"/>
+                </a:solidFill>
+                <a:latin typeface="Verdana" panose="020B0604030504040204" pitchFamily="34" charset="0"/>
+              </a:rPr>
+              <a:t>(</a:t>
+            </a:r>
+            <a:r>
+              <a:rPr lang="en-US" altLang="ru-RU" dirty="0">
+                <a:solidFill>
+                  <a:srgbClr val="5BCD9D"/>
+                </a:solidFill>
+                <a:latin typeface="Verdana" panose="020B0604030504040204" pitchFamily="34" charset="0"/>
+              </a:rPr>
+              <a:t>first</a:t>
+            </a:r>
+            <a:r>
+              <a:rPr lang="en-US" altLang="ru-RU" dirty="0">
+                <a:solidFill>
+                  <a:srgbClr val="FFFFFF"/>
+                </a:solidFill>
+                <a:latin typeface="Verdana" panose="020B0604030504040204" pitchFamily="34" charset="0"/>
+              </a:rPr>
+              <a:t>, </a:t>
+            </a:r>
+            <a:r>
+              <a:rPr lang="en-US" altLang="ru-RU" dirty="0">
+                <a:solidFill>
+                  <a:srgbClr val="5BCD9D"/>
+                </a:solidFill>
+                <a:latin typeface="Verdana" panose="020B0604030504040204" pitchFamily="34" charset="0"/>
+              </a:rPr>
+              <a:t>second</a:t>
+            </a:r>
+            <a:r>
+              <a:rPr lang="en-US" altLang="ru-RU" dirty="0">
+                <a:solidFill>
+                  <a:srgbClr val="FFFFFF"/>
+                </a:solidFill>
+                <a:latin typeface="Verdana" panose="020B0604030504040204" pitchFamily="34" charset="0"/>
+              </a:rPr>
+              <a:t>); </a:t>
+            </a:r>
+          </a:p>
+          <a:p>
+            <a:pPr lvl="0" defTabSz="914400" eaLnBrk="0" fontAlgn="base" hangingPunct="0">
+              <a:lnSpc>
+                <a:spcPct val="100000"/>
+              </a:lnSpc>
+              <a:spcBef>
+                <a:spcPct val="0"/>
+              </a:spcBef>
+              <a:spcAft>
+                <a:spcPct val="0"/>
+              </a:spcAft>
+            </a:pPr>
+            <a:r>
+              <a:rPr lang="en-US" altLang="ru-RU" dirty="0">
+                <a:solidFill>
+                  <a:srgbClr val="FFFFFF"/>
+                </a:solidFill>
+                <a:latin typeface="Verdana" panose="020B0604030504040204" pitchFamily="34" charset="0"/>
+              </a:rPr>
+              <a:t>}</a:t>
+            </a:r>
+          </a:p>
+          <a:p>
+            <a:pPr lvl="0" defTabSz="914400" eaLnBrk="0" fontAlgn="base" hangingPunct="0">
+              <a:lnSpc>
+                <a:spcPct val="100000"/>
+              </a:lnSpc>
+              <a:spcBef>
+                <a:spcPct val="0"/>
+              </a:spcBef>
+              <a:spcAft>
+                <a:spcPct val="0"/>
+              </a:spcAft>
+            </a:pPr>
+            <a:endParaRPr lang="en-US" altLang="ru-RU" dirty="0">
+              <a:solidFill>
+                <a:srgbClr val="FFFFFF"/>
+              </a:solidFill>
+              <a:latin typeface="Verdana" panose="020B0604030504040204" pitchFamily="34" charset="0"/>
+            </a:endParaRPr>
+          </a:p>
+          <a:p>
+            <a:pPr lvl="0" defTabSz="914400" eaLnBrk="0" fontAlgn="base" hangingPunct="0">
+              <a:lnSpc>
+                <a:spcPct val="100000"/>
+              </a:lnSpc>
+              <a:spcBef>
+                <a:spcPct val="0"/>
+              </a:spcBef>
+              <a:spcAft>
+                <a:spcPct val="0"/>
+              </a:spcAft>
+            </a:pPr>
+            <a:r>
+              <a:rPr lang="ru-RU" altLang="ru-RU" dirty="0" err="1">
+                <a:solidFill>
+                  <a:srgbClr val="FFFFFF"/>
+                </a:solidFill>
+                <a:latin typeface="Verdana" panose="020B0604030504040204" pitchFamily="34" charset="0"/>
+              </a:rPr>
+              <a:t>void</a:t>
+            </a:r>
+            <a:r>
+              <a:rPr lang="ru-RU" altLang="ru-RU" dirty="0">
+                <a:solidFill>
+                  <a:srgbClr val="FFFFFF"/>
+                </a:solidFill>
+                <a:latin typeface="Verdana" panose="020B0604030504040204" pitchFamily="34" charset="0"/>
+              </a:rPr>
+              <a:t> </a:t>
+            </a:r>
+            <a:r>
+              <a:rPr lang="ru-RU" altLang="ru-RU" dirty="0" err="1">
+                <a:solidFill>
+                  <a:srgbClr val="FFCC00"/>
+                </a:solidFill>
+                <a:latin typeface="Verdana" panose="020B0604030504040204" pitchFamily="34" charset="0"/>
+              </a:rPr>
+              <a:t>TestSwap</a:t>
+            </a:r>
+            <a:r>
+              <a:rPr lang="ru-RU" altLang="ru-RU" dirty="0" smtClean="0">
+                <a:solidFill>
+                  <a:srgbClr val="FFFFFF"/>
+                </a:solidFill>
+                <a:latin typeface="Verdana" panose="020B0604030504040204" pitchFamily="34" charset="0"/>
+              </a:rPr>
+              <a:t>()</a:t>
+            </a:r>
+            <a:r>
+              <a:rPr lang="en-US" altLang="ru-RU" dirty="0">
+                <a:solidFill>
+                  <a:srgbClr val="FFFFFF"/>
+                </a:solidFill>
+                <a:latin typeface="Verdana" panose="020B0604030504040204" pitchFamily="34" charset="0"/>
+              </a:rPr>
+              <a:t> </a:t>
+            </a:r>
+            <a:r>
+              <a:rPr lang="en-US" altLang="ru-RU" dirty="0" smtClean="0">
+                <a:solidFill>
+                  <a:srgbClr val="FFFFFF"/>
+                </a:solidFill>
+                <a:latin typeface="Verdana" panose="020B0604030504040204" pitchFamily="34" charset="0"/>
+              </a:rPr>
+              <a:t>{ … }</a:t>
+            </a:r>
+          </a:p>
+          <a:p>
+            <a:pPr lvl="0" defTabSz="914400" eaLnBrk="0" fontAlgn="base" hangingPunct="0">
+              <a:lnSpc>
+                <a:spcPct val="100000"/>
+              </a:lnSpc>
+              <a:spcBef>
+                <a:spcPct val="0"/>
+              </a:spcBef>
+              <a:spcAft>
+                <a:spcPct val="0"/>
+              </a:spcAft>
+            </a:pPr>
+            <a:r>
+              <a:rPr lang="ru-RU" altLang="ru-RU" dirty="0">
+                <a:solidFill>
+                  <a:srgbClr val="FFFFFF"/>
+                </a:solidFill>
+                <a:latin typeface="Verdana" panose="020B0604030504040204" pitchFamily="34" charset="0"/>
+              </a:rPr>
+              <a:t/>
+            </a:r>
+            <a:br>
+              <a:rPr lang="ru-RU" altLang="ru-RU" dirty="0">
+                <a:solidFill>
+                  <a:srgbClr val="FFFFFF"/>
+                </a:solidFill>
+                <a:latin typeface="Verdana" panose="020B0604030504040204" pitchFamily="34" charset="0"/>
+              </a:rPr>
+            </a:br>
+            <a:r>
+              <a:rPr lang="ru-RU" altLang="ru-RU" dirty="0" err="1" smtClean="0">
+                <a:solidFill>
+                  <a:srgbClr val="FFFFFF"/>
+                </a:solidFill>
+                <a:latin typeface="Verdana" panose="020B0604030504040204" pitchFamily="34" charset="0"/>
+              </a:rPr>
+              <a:t>int</a:t>
+            </a:r>
+            <a:r>
+              <a:rPr lang="ru-RU" altLang="ru-RU" dirty="0" smtClean="0">
+                <a:solidFill>
+                  <a:srgbClr val="FFFFFF"/>
+                </a:solidFill>
+                <a:latin typeface="Verdana" panose="020B0604030504040204" pitchFamily="34" charset="0"/>
+              </a:rPr>
+              <a:t> </a:t>
+            </a:r>
+            <a:r>
+              <a:rPr lang="ru-RU" altLang="ru-RU" dirty="0" err="1" smtClean="0">
+                <a:solidFill>
+                  <a:srgbClr val="FFCC00"/>
+                </a:solidFill>
+                <a:latin typeface="Verdana" panose="020B0604030504040204" pitchFamily="34" charset="0"/>
+              </a:rPr>
+              <a:t>main</a:t>
+            </a:r>
+            <a:endParaRPr lang="en-US" altLang="ru-RU" dirty="0" smtClean="0">
+              <a:solidFill>
+                <a:srgbClr val="FFFFFF"/>
+              </a:solidFill>
+              <a:latin typeface="Verdana" panose="020B0604030504040204" pitchFamily="34" charset="0"/>
+            </a:endParaRPr>
+          </a:p>
+          <a:p>
+            <a:pPr lvl="0" defTabSz="914400" eaLnBrk="0" fontAlgn="base" hangingPunct="0">
+              <a:lnSpc>
+                <a:spcPct val="100000"/>
+              </a:lnSpc>
+              <a:spcBef>
+                <a:spcPct val="0"/>
+              </a:spcBef>
+              <a:spcAft>
+                <a:spcPct val="0"/>
+              </a:spcAft>
+            </a:pPr>
+            <a:r>
+              <a:rPr lang="ru-RU" altLang="ru-RU" dirty="0" smtClean="0">
+                <a:solidFill>
+                  <a:srgbClr val="FFFFFF"/>
+                </a:solidFill>
+                <a:latin typeface="Verdana" panose="020B0604030504040204" pitchFamily="34" charset="0"/>
+              </a:rPr>
+              <a:t>  </a:t>
+            </a:r>
+            <a:r>
+              <a:rPr lang="ru-RU" altLang="ru-RU" dirty="0" err="1" smtClean="0">
+                <a:solidFill>
+                  <a:srgbClr val="FFCC00"/>
+                </a:solidFill>
+                <a:latin typeface="Verdana" panose="020B0604030504040204" pitchFamily="34" charset="0"/>
+              </a:rPr>
+              <a:t>TestRunner</a:t>
+            </a:r>
+            <a:r>
+              <a:rPr lang="ru-RU" altLang="ru-RU" dirty="0" smtClean="0">
+                <a:solidFill>
+                  <a:srgbClr val="FFCC00"/>
+                </a:solidFill>
+                <a:latin typeface="Verdana" panose="020B0604030504040204" pitchFamily="34" charset="0"/>
+              </a:rPr>
+              <a:t> </a:t>
+            </a:r>
+            <a:r>
+              <a:rPr lang="ru-RU" altLang="ru-RU" dirty="0" err="1" smtClean="0">
+                <a:solidFill>
+                  <a:srgbClr val="5BCD9D"/>
+                </a:solidFill>
+                <a:latin typeface="Verdana" panose="020B0604030504040204" pitchFamily="34" charset="0"/>
+              </a:rPr>
+              <a:t>tr</a:t>
+            </a:r>
+            <a:r>
+              <a:rPr lang="ru-RU" altLang="ru-RU" dirty="0" smtClean="0">
+                <a:solidFill>
+                  <a:srgbClr val="FFFFFF"/>
+                </a:solidFill>
+                <a:latin typeface="Verdana" panose="020B0604030504040204" pitchFamily="34" charset="0"/>
+              </a:rPr>
+              <a:t>;</a:t>
+            </a:r>
+            <a:br>
+              <a:rPr lang="ru-RU" altLang="ru-RU" dirty="0" smtClean="0">
+                <a:solidFill>
+                  <a:srgbClr val="FFFFFF"/>
+                </a:solidFill>
+                <a:latin typeface="Verdana" panose="020B0604030504040204" pitchFamily="34" charset="0"/>
+              </a:rPr>
+            </a:br>
+            <a:r>
+              <a:rPr lang="ru-RU" altLang="ru-RU" dirty="0" smtClean="0">
+                <a:solidFill>
+                  <a:srgbClr val="FFFFFF"/>
+                </a:solidFill>
+                <a:latin typeface="Verdana" panose="020B0604030504040204" pitchFamily="34" charset="0"/>
+              </a:rPr>
+              <a:t>  </a:t>
+            </a:r>
+            <a:r>
+              <a:rPr lang="ru-RU" altLang="ru-RU" dirty="0" smtClean="0">
+                <a:solidFill>
+                  <a:srgbClr val="72C3E0"/>
+                </a:solidFill>
+                <a:latin typeface="Verdana" panose="020B0604030504040204" pitchFamily="34" charset="0"/>
+              </a:rPr>
+              <a:t>RUN_TEST</a:t>
+            </a:r>
+            <a:r>
+              <a:rPr lang="ru-RU" altLang="ru-RU" dirty="0" smtClean="0">
+                <a:solidFill>
+                  <a:srgbClr val="FFFFFF"/>
+                </a:solidFill>
+                <a:latin typeface="Verdana" panose="020B0604030504040204" pitchFamily="34" charset="0"/>
+              </a:rPr>
+              <a:t>(</a:t>
+            </a:r>
+            <a:r>
+              <a:rPr lang="ru-RU" altLang="ru-RU" dirty="0" err="1" smtClean="0">
+                <a:solidFill>
+                  <a:srgbClr val="5BCD9D"/>
+                </a:solidFill>
+                <a:latin typeface="Verdana" panose="020B0604030504040204" pitchFamily="34" charset="0"/>
+              </a:rPr>
+              <a:t>tr</a:t>
+            </a:r>
+            <a:r>
+              <a:rPr lang="ru-RU" altLang="ru-RU" dirty="0" smtClean="0">
+                <a:solidFill>
+                  <a:srgbClr val="FFFFFF"/>
+                </a:solidFill>
+                <a:latin typeface="Verdana" panose="020B0604030504040204" pitchFamily="34" charset="0"/>
+              </a:rPr>
+              <a:t>, </a:t>
+            </a:r>
+            <a:r>
+              <a:rPr lang="ru-RU" altLang="ru-RU" dirty="0" err="1" smtClean="0">
+                <a:solidFill>
+                  <a:srgbClr val="FFCC00"/>
+                </a:solidFill>
+                <a:latin typeface="Verdana" panose="020B0604030504040204" pitchFamily="34" charset="0"/>
+              </a:rPr>
+              <a:t>TestSwap</a:t>
+            </a:r>
+            <a:r>
+              <a:rPr lang="ru-RU" altLang="ru-RU" dirty="0" smtClean="0">
+                <a:solidFill>
+                  <a:srgbClr val="FFFFFF"/>
+                </a:solidFill>
+                <a:latin typeface="Verdana" panose="020B0604030504040204" pitchFamily="34" charset="0"/>
+              </a:rPr>
+              <a:t>);</a:t>
+            </a:r>
+            <a:br>
+              <a:rPr lang="ru-RU" altLang="ru-RU" dirty="0" smtClean="0">
+                <a:solidFill>
+                  <a:srgbClr val="FFFFFF"/>
+                </a:solidFill>
+                <a:latin typeface="Verdana" panose="020B0604030504040204" pitchFamily="34" charset="0"/>
+              </a:rPr>
+            </a:br>
+            <a:r>
+              <a:rPr lang="ru-RU" altLang="ru-RU" dirty="0" smtClean="0">
+                <a:solidFill>
+                  <a:srgbClr val="FFFFFF"/>
+                </a:solidFill>
+                <a:latin typeface="Verdana" panose="020B0604030504040204" pitchFamily="34" charset="0"/>
+              </a:rPr>
+              <a:t>}</a:t>
+            </a:r>
+            <a:endParaRPr lang="ru-RU" altLang="ru-RU" sz="6600" dirty="0" smtClean="0">
+              <a:solidFill>
+                <a:schemeClr val="tx1"/>
+              </a:solidFill>
+              <a:latin typeface="Arial" panose="020B0604020202020204" pitchFamily="34" charset="0"/>
+            </a:endParaRPr>
+          </a:p>
+          <a:p>
+            <a:endParaRPr lang="ru-RU" dirty="0" smtClean="0"/>
+          </a:p>
+        </p:txBody>
+      </p:sp>
+      <p:sp>
+        <p:nvSpPr>
+          <p:cNvPr id="8" name="TextBox 7"/>
+          <p:cNvSpPr txBox="1"/>
+          <p:nvPr/>
+        </p:nvSpPr>
+        <p:spPr>
+          <a:xfrm>
+            <a:off x="2944341" y="11114772"/>
+            <a:ext cx="2233304" cy="646331"/>
+          </a:xfrm>
+          <a:prstGeom prst="rect">
+            <a:avLst/>
+          </a:prstGeom>
+          <a:noFill/>
+        </p:spPr>
+        <p:txBody>
+          <a:bodyPr wrap="none" rtlCol="0">
+            <a:spAutoFit/>
+          </a:bodyPr>
+          <a:lstStyle/>
+          <a:p>
+            <a:r>
+              <a:rPr lang="en-US" dirty="0" smtClean="0">
+                <a:solidFill>
+                  <a:srgbClr val="FFC000"/>
+                </a:solidFill>
+                <a:latin typeface="Verdana" panose="020B0604030504040204" pitchFamily="34" charset="0"/>
+                <a:ea typeface="Verdana" panose="020B0604030504040204" pitchFamily="34" charset="0"/>
+              </a:rPr>
+              <a:t>8645</a:t>
+            </a:r>
+            <a:r>
+              <a:rPr lang="en-US" dirty="0" smtClean="0">
+                <a:solidFill>
+                  <a:schemeClr val="bg1"/>
+                </a:solidFill>
+                <a:latin typeface="Verdana" panose="020B0604030504040204" pitchFamily="34" charset="0"/>
+                <a:ea typeface="Verdana" panose="020B0604030504040204" pitchFamily="34" charset="0"/>
+              </a:rPr>
+              <a:t>() {</a:t>
+            </a:r>
+            <a:endParaRPr lang="ru-RU" dirty="0" err="1" smtClean="0">
+              <a:solidFill>
+                <a:schemeClr val="bg1"/>
+              </a:solidFill>
+              <a:latin typeface="Verdana" panose="020B0604030504040204" pitchFamily="34" charset="0"/>
+              <a:ea typeface="Verdana" panose="020B0604030504040204" pitchFamily="34" charset="0"/>
+            </a:endParaRPr>
+          </a:p>
+        </p:txBody>
+      </p:sp>
+      <p:sp>
+        <p:nvSpPr>
+          <p:cNvPr id="9" name="TextBox 8"/>
+          <p:cNvSpPr txBox="1"/>
+          <p:nvPr/>
+        </p:nvSpPr>
+        <p:spPr>
+          <a:xfrm>
+            <a:off x="2944341" y="11087536"/>
+            <a:ext cx="1059906" cy="646331"/>
+          </a:xfrm>
+          <a:prstGeom prst="rect">
+            <a:avLst/>
+          </a:prstGeom>
+          <a:noFill/>
+        </p:spPr>
+        <p:txBody>
+          <a:bodyPr wrap="none" rtlCol="0">
+            <a:spAutoFit/>
+          </a:bodyPr>
+          <a:lstStyle/>
+          <a:p>
+            <a:r>
+              <a:rPr lang="en-US" dirty="0" smtClean="0">
+                <a:solidFill>
+                  <a:schemeClr val="bg1"/>
+                </a:solidFill>
+                <a:latin typeface="Verdana" panose="020B0604030504040204" pitchFamily="34" charset="0"/>
+                <a:ea typeface="Verdana" panose="020B0604030504040204" pitchFamily="34" charset="0"/>
+              </a:rPr>
+              <a:t>() {</a:t>
+            </a:r>
+            <a:endParaRPr lang="ru-RU" dirty="0" err="1" smtClean="0">
+              <a:solidFill>
+                <a:schemeClr val="bg1"/>
+              </a:solidFill>
+              <a:latin typeface="Verdana" panose="020B0604030504040204" pitchFamily="34" charset="0"/>
+              <a:ea typeface="Verdana" panose="020B0604030504040204" pitchFamily="34" charset="0"/>
+            </a:endParaRPr>
+          </a:p>
+        </p:txBody>
+      </p:sp>
+      <p:sp>
+        <p:nvSpPr>
+          <p:cNvPr id="10" name="TextBox 9"/>
+          <p:cNvSpPr txBox="1"/>
+          <p:nvPr/>
+        </p:nvSpPr>
+        <p:spPr>
+          <a:xfrm>
+            <a:off x="10679763" y="7284463"/>
+            <a:ext cx="8776762" cy="4524315"/>
+          </a:xfrm>
+          <a:prstGeom prst="rect">
+            <a:avLst/>
+          </a:prstGeom>
+          <a:noFill/>
+        </p:spPr>
+        <p:txBody>
+          <a:bodyPr wrap="none" rtlCol="0">
+            <a:spAutoFit/>
+          </a:bodyPr>
+          <a:lstStyle/>
+          <a:p>
+            <a:pPr lvl="0" defTabSz="914400" eaLnBrk="0" fontAlgn="base" hangingPunct="0">
+              <a:lnSpc>
+                <a:spcPct val="100000"/>
+              </a:lnSpc>
+              <a:spcBef>
+                <a:spcPct val="0"/>
+              </a:spcBef>
+              <a:spcAft>
+                <a:spcPct val="0"/>
+              </a:spcAft>
+            </a:pPr>
+            <a:r>
+              <a:rPr lang="ru-RU" altLang="ru-RU" dirty="0" err="1">
+                <a:solidFill>
+                  <a:srgbClr val="FFFFFF"/>
+                </a:solidFill>
+                <a:latin typeface="Verdana" panose="020B0604030504040204" pitchFamily="34" charset="0"/>
+              </a:rPr>
+              <a:t>int</a:t>
+            </a:r>
+            <a:r>
+              <a:rPr lang="ru-RU" altLang="ru-RU" dirty="0">
+                <a:solidFill>
+                  <a:srgbClr val="FFFFFF"/>
+                </a:solidFill>
+                <a:latin typeface="Verdana" panose="020B0604030504040204" pitchFamily="34" charset="0"/>
+              </a:rPr>
+              <a:t> </a:t>
+            </a:r>
+            <a:r>
+              <a:rPr lang="ru-RU" altLang="ru-RU" dirty="0" err="1">
+                <a:solidFill>
+                  <a:srgbClr val="FFCC00"/>
+                </a:solidFill>
+                <a:latin typeface="Verdana" panose="020B0604030504040204" pitchFamily="34" charset="0"/>
+              </a:rPr>
+              <a:t>main</a:t>
+            </a:r>
+            <a:r>
+              <a:rPr lang="ru-RU" altLang="ru-RU" dirty="0">
+                <a:solidFill>
+                  <a:srgbClr val="FFFFFF"/>
+                </a:solidFill>
+                <a:latin typeface="Verdana" panose="020B0604030504040204" pitchFamily="34" charset="0"/>
+              </a:rPr>
+              <a:t>() {</a:t>
+            </a:r>
+            <a:br>
+              <a:rPr lang="ru-RU" altLang="ru-RU" dirty="0">
+                <a:solidFill>
+                  <a:srgbClr val="FFFFFF"/>
+                </a:solidFill>
+                <a:latin typeface="Verdana" panose="020B0604030504040204" pitchFamily="34" charset="0"/>
+              </a:rPr>
+            </a:br>
+            <a:r>
+              <a:rPr lang="ru-RU" altLang="ru-RU" dirty="0">
+                <a:solidFill>
+                  <a:srgbClr val="FFFFFF"/>
+                </a:solidFill>
+                <a:latin typeface="Verdana" panose="020B0604030504040204" pitchFamily="34" charset="0"/>
+              </a:rPr>
+              <a:t>  </a:t>
+            </a:r>
+            <a:r>
+              <a:rPr lang="ru-RU" altLang="ru-RU" dirty="0" err="1">
+                <a:solidFill>
+                  <a:srgbClr val="FFCC00"/>
+                </a:solidFill>
+                <a:latin typeface="Verdana" panose="020B0604030504040204" pitchFamily="34" charset="0"/>
+              </a:rPr>
+              <a:t>string</a:t>
+            </a:r>
+            <a:r>
+              <a:rPr lang="ru-RU" altLang="ru-RU" dirty="0">
+                <a:solidFill>
+                  <a:srgbClr val="FFCC00"/>
+                </a:solidFill>
+                <a:latin typeface="Verdana" panose="020B0604030504040204" pitchFamily="34" charset="0"/>
+              </a:rPr>
+              <a:t> </a:t>
+            </a:r>
+            <a:r>
+              <a:rPr lang="ru-RU" altLang="ru-RU" dirty="0" err="1">
+                <a:solidFill>
+                  <a:srgbClr val="5BCD9D"/>
+                </a:solidFill>
+                <a:latin typeface="Verdana" panose="020B0604030504040204" pitchFamily="34" charset="0"/>
+              </a:rPr>
+              <a:t>left</a:t>
+            </a:r>
+            <a:r>
+              <a:rPr lang="ru-RU" altLang="ru-RU" dirty="0">
+                <a:solidFill>
+                  <a:srgbClr val="5BCD9D"/>
+                </a:solidFill>
+                <a:latin typeface="Verdana" panose="020B0604030504040204" pitchFamily="34" charset="0"/>
+              </a:rPr>
+              <a:t> </a:t>
+            </a:r>
+            <a:r>
+              <a:rPr lang="ru-RU" altLang="ru-RU" dirty="0">
+                <a:solidFill>
+                  <a:srgbClr val="FFFFFF"/>
+                </a:solidFill>
+                <a:latin typeface="Verdana" panose="020B0604030504040204" pitchFamily="34" charset="0"/>
+              </a:rPr>
+              <a:t>= </a:t>
+            </a:r>
+            <a:r>
+              <a:rPr lang="ru-RU" altLang="ru-RU" dirty="0">
+                <a:solidFill>
+                  <a:srgbClr val="9E64A9"/>
+                </a:solidFill>
+                <a:latin typeface="Verdana" panose="020B0604030504040204" pitchFamily="34" charset="0"/>
+              </a:rPr>
+              <a:t>"</a:t>
+            </a:r>
+            <a:r>
+              <a:rPr lang="ru-RU" altLang="ru-RU" dirty="0" err="1">
+                <a:solidFill>
+                  <a:srgbClr val="9E64A9"/>
+                </a:solidFill>
+                <a:latin typeface="Verdana" panose="020B0604030504040204" pitchFamily="34" charset="0"/>
+              </a:rPr>
+              <a:t>leftstring</a:t>
+            </a:r>
+            <a:r>
+              <a:rPr lang="ru-RU" altLang="ru-RU" dirty="0">
+                <a:solidFill>
+                  <a:srgbClr val="9E64A9"/>
+                </a:solidFill>
+                <a:latin typeface="Verdana" panose="020B0604030504040204" pitchFamily="34" charset="0"/>
+              </a:rPr>
+              <a:t>"</a:t>
+            </a:r>
+            <a:r>
+              <a:rPr lang="ru-RU" altLang="ru-RU" dirty="0">
+                <a:solidFill>
+                  <a:srgbClr val="FFFFFF"/>
+                </a:solidFill>
+                <a:latin typeface="Verdana" panose="020B0604030504040204" pitchFamily="34" charset="0"/>
+              </a:rPr>
+              <a:t>;</a:t>
+            </a:r>
+            <a:br>
+              <a:rPr lang="ru-RU" altLang="ru-RU" dirty="0">
+                <a:solidFill>
+                  <a:srgbClr val="FFFFFF"/>
+                </a:solidFill>
+                <a:latin typeface="Verdana" panose="020B0604030504040204" pitchFamily="34" charset="0"/>
+              </a:rPr>
+            </a:br>
+            <a:r>
+              <a:rPr lang="ru-RU" altLang="ru-RU" dirty="0">
+                <a:solidFill>
+                  <a:srgbClr val="FFFFFF"/>
+                </a:solidFill>
+                <a:latin typeface="Verdana" panose="020B0604030504040204" pitchFamily="34" charset="0"/>
+              </a:rPr>
+              <a:t>  </a:t>
+            </a:r>
+            <a:r>
+              <a:rPr lang="ru-RU" altLang="ru-RU" dirty="0" err="1">
+                <a:solidFill>
+                  <a:srgbClr val="FFCC00"/>
+                </a:solidFill>
+                <a:latin typeface="Verdana" panose="020B0604030504040204" pitchFamily="34" charset="0"/>
+              </a:rPr>
+              <a:t>string</a:t>
+            </a:r>
+            <a:r>
+              <a:rPr lang="ru-RU" altLang="ru-RU" dirty="0">
+                <a:solidFill>
+                  <a:srgbClr val="FFCC00"/>
+                </a:solidFill>
+                <a:latin typeface="Verdana" panose="020B0604030504040204" pitchFamily="34" charset="0"/>
+              </a:rPr>
+              <a:t> </a:t>
+            </a:r>
+            <a:r>
+              <a:rPr lang="ru-RU" altLang="ru-RU" dirty="0" err="1">
+                <a:solidFill>
+                  <a:srgbClr val="5BCD9D"/>
+                </a:solidFill>
+                <a:latin typeface="Verdana" panose="020B0604030504040204" pitchFamily="34" charset="0"/>
+              </a:rPr>
+              <a:t>right</a:t>
+            </a:r>
+            <a:r>
+              <a:rPr lang="ru-RU" altLang="ru-RU" dirty="0">
+                <a:solidFill>
+                  <a:srgbClr val="5BCD9D"/>
+                </a:solidFill>
+                <a:latin typeface="Verdana" panose="020B0604030504040204" pitchFamily="34" charset="0"/>
+              </a:rPr>
+              <a:t> </a:t>
+            </a:r>
+            <a:r>
+              <a:rPr lang="ru-RU" altLang="ru-RU" dirty="0">
+                <a:solidFill>
+                  <a:srgbClr val="FFFFFF"/>
+                </a:solidFill>
+                <a:latin typeface="Verdana" panose="020B0604030504040204" pitchFamily="34" charset="0"/>
+              </a:rPr>
+              <a:t>= </a:t>
+            </a:r>
+            <a:r>
+              <a:rPr lang="ru-RU" altLang="ru-RU" dirty="0">
+                <a:solidFill>
+                  <a:srgbClr val="9E64A9"/>
+                </a:solidFill>
+                <a:latin typeface="Verdana" panose="020B0604030504040204" pitchFamily="34" charset="0"/>
+              </a:rPr>
+              <a:t>"</a:t>
+            </a:r>
+            <a:r>
+              <a:rPr lang="ru-RU" altLang="ru-RU" dirty="0" err="1">
+                <a:solidFill>
+                  <a:srgbClr val="9E64A9"/>
+                </a:solidFill>
+                <a:latin typeface="Verdana" panose="020B0604030504040204" pitchFamily="34" charset="0"/>
+              </a:rPr>
+              <a:t>rightstring</a:t>
+            </a:r>
+            <a:r>
+              <a:rPr lang="ru-RU" altLang="ru-RU" dirty="0">
+                <a:solidFill>
+                  <a:srgbClr val="9E64A9"/>
+                </a:solidFill>
+                <a:latin typeface="Verdana" panose="020B0604030504040204" pitchFamily="34" charset="0"/>
+              </a:rPr>
+              <a:t>"</a:t>
+            </a:r>
+            <a:r>
+              <a:rPr lang="ru-RU" altLang="ru-RU" dirty="0">
+                <a:solidFill>
+                  <a:srgbClr val="FFFFFF"/>
+                </a:solidFill>
+                <a:latin typeface="Verdana" panose="020B0604030504040204" pitchFamily="34" charset="0"/>
+              </a:rPr>
+              <a:t>;</a:t>
+            </a:r>
+            <a:br>
+              <a:rPr lang="ru-RU" altLang="ru-RU" dirty="0">
+                <a:solidFill>
+                  <a:srgbClr val="FFFFFF"/>
+                </a:solidFill>
+                <a:latin typeface="Verdana" panose="020B0604030504040204" pitchFamily="34" charset="0"/>
+              </a:rPr>
+            </a:br>
+            <a:r>
+              <a:rPr lang="ru-RU" altLang="ru-RU" dirty="0">
+                <a:solidFill>
+                  <a:srgbClr val="FFFFFF"/>
+                </a:solidFill>
+                <a:latin typeface="Verdana" panose="020B0604030504040204" pitchFamily="34" charset="0"/>
+              </a:rPr>
+              <a:t/>
+            </a:r>
+            <a:br>
+              <a:rPr lang="ru-RU" altLang="ru-RU" dirty="0">
+                <a:solidFill>
+                  <a:srgbClr val="FFFFFF"/>
+                </a:solidFill>
+                <a:latin typeface="Verdana" panose="020B0604030504040204" pitchFamily="34" charset="0"/>
+              </a:rPr>
+            </a:br>
+            <a:r>
+              <a:rPr lang="ru-RU" altLang="ru-RU" dirty="0">
+                <a:solidFill>
+                  <a:srgbClr val="FFFFFF"/>
+                </a:solidFill>
+                <a:latin typeface="Verdana" panose="020B0604030504040204" pitchFamily="34" charset="0"/>
+              </a:rPr>
+              <a:t>  </a:t>
+            </a:r>
+            <a:r>
+              <a:rPr lang="ru-RU" altLang="ru-RU" dirty="0" err="1">
+                <a:solidFill>
+                  <a:srgbClr val="FFCC00"/>
+                </a:solidFill>
+                <a:latin typeface="Verdana" panose="020B0604030504040204" pitchFamily="34" charset="0"/>
+              </a:rPr>
+              <a:t>Swap</a:t>
+            </a:r>
+            <a:r>
+              <a:rPr lang="ru-RU" altLang="ru-RU" dirty="0">
+                <a:solidFill>
+                  <a:srgbClr val="FFFFFF"/>
+                </a:solidFill>
+                <a:latin typeface="Verdana" panose="020B0604030504040204" pitchFamily="34" charset="0"/>
+              </a:rPr>
+              <a:t>(&amp;</a:t>
+            </a:r>
+            <a:r>
+              <a:rPr lang="ru-RU" altLang="ru-RU" dirty="0" err="1">
+                <a:solidFill>
+                  <a:srgbClr val="5BCD9D"/>
+                </a:solidFill>
+                <a:latin typeface="Verdana" panose="020B0604030504040204" pitchFamily="34" charset="0"/>
+              </a:rPr>
+              <a:t>left</a:t>
+            </a:r>
+            <a:r>
+              <a:rPr lang="ru-RU" altLang="ru-RU" dirty="0">
+                <a:solidFill>
+                  <a:srgbClr val="FFFFFF"/>
+                </a:solidFill>
+                <a:latin typeface="Verdana" panose="020B0604030504040204" pitchFamily="34" charset="0"/>
+              </a:rPr>
+              <a:t>, &amp;</a:t>
+            </a:r>
+            <a:r>
+              <a:rPr lang="ru-RU" altLang="ru-RU" dirty="0" err="1">
+                <a:solidFill>
+                  <a:srgbClr val="5BCD9D"/>
+                </a:solidFill>
+                <a:latin typeface="Verdana" panose="020B0604030504040204" pitchFamily="34" charset="0"/>
+              </a:rPr>
+              <a:t>right</a:t>
+            </a:r>
+            <a:r>
+              <a:rPr lang="ru-RU" altLang="ru-RU" dirty="0">
+                <a:solidFill>
+                  <a:srgbClr val="FFFFFF"/>
+                </a:solidFill>
+                <a:latin typeface="Verdana" panose="020B0604030504040204" pitchFamily="34" charset="0"/>
+              </a:rPr>
+              <a:t>);</a:t>
+            </a:r>
+            <a:br>
+              <a:rPr lang="ru-RU" altLang="ru-RU" dirty="0">
+                <a:solidFill>
+                  <a:srgbClr val="FFFFFF"/>
+                </a:solidFill>
+                <a:latin typeface="Verdana" panose="020B0604030504040204" pitchFamily="34" charset="0"/>
+              </a:rPr>
+            </a:br>
+            <a:r>
+              <a:rPr lang="ru-RU" altLang="ru-RU" dirty="0">
+                <a:solidFill>
+                  <a:srgbClr val="FFFFFF"/>
+                </a:solidFill>
+                <a:latin typeface="Verdana" panose="020B0604030504040204" pitchFamily="34" charset="0"/>
+              </a:rPr>
+              <a:t>  </a:t>
+            </a:r>
+            <a:r>
+              <a:rPr lang="ru-RU" altLang="ru-RU" dirty="0" err="1">
+                <a:solidFill>
+                  <a:srgbClr val="FFCC00"/>
+                </a:solidFill>
+                <a:latin typeface="Verdana" panose="020B0604030504040204" pitchFamily="34" charset="0"/>
+              </a:rPr>
+              <a:t>belts</a:t>
+            </a:r>
+            <a:r>
+              <a:rPr lang="ru-RU" altLang="ru-RU" dirty="0">
+                <a:solidFill>
+                  <a:srgbClr val="FFFFFF"/>
+                </a:solidFill>
+                <a:latin typeface="Verdana" panose="020B0604030504040204" pitchFamily="34" charset="0"/>
+              </a:rPr>
+              <a:t>::</a:t>
+            </a:r>
+            <a:r>
+              <a:rPr lang="ru-RU" altLang="ru-RU" dirty="0" err="1">
+                <a:solidFill>
+                  <a:srgbClr val="FFCC00"/>
+                </a:solidFill>
+                <a:latin typeface="Verdana" panose="020B0604030504040204" pitchFamily="34" charset="0"/>
+              </a:rPr>
+              <a:t>Assert</a:t>
+            </a:r>
+            <a:r>
+              <a:rPr lang="ru-RU" altLang="ru-RU" dirty="0">
+                <a:solidFill>
+                  <a:srgbClr val="FFFFFF"/>
+                </a:solidFill>
+                <a:latin typeface="Verdana" panose="020B0604030504040204" pitchFamily="34" charset="0"/>
+              </a:rPr>
+              <a:t>(</a:t>
+            </a:r>
+            <a:r>
+              <a:rPr lang="ru-RU" altLang="ru-RU" dirty="0" err="1">
+                <a:solidFill>
+                  <a:srgbClr val="5BCD9D"/>
+                </a:solidFill>
+                <a:latin typeface="Verdana" panose="020B0604030504040204" pitchFamily="34" charset="0"/>
+              </a:rPr>
+              <a:t>left</a:t>
+            </a:r>
+            <a:r>
+              <a:rPr lang="ru-RU" altLang="ru-RU" dirty="0">
+                <a:solidFill>
+                  <a:srgbClr val="5BCD9D"/>
+                </a:solidFill>
+                <a:latin typeface="Verdana" panose="020B0604030504040204" pitchFamily="34" charset="0"/>
+              </a:rPr>
+              <a:t> </a:t>
+            </a:r>
+            <a:r>
+              <a:rPr lang="ru-RU" altLang="ru-RU" dirty="0">
+                <a:solidFill>
+                  <a:srgbClr val="FFFFFF"/>
+                </a:solidFill>
+                <a:latin typeface="Verdana" panose="020B0604030504040204" pitchFamily="34" charset="0"/>
+              </a:rPr>
+              <a:t>== </a:t>
+            </a:r>
+            <a:r>
+              <a:rPr lang="ru-RU" altLang="ru-RU" dirty="0">
+                <a:solidFill>
+                  <a:srgbClr val="9E64A9"/>
+                </a:solidFill>
+                <a:latin typeface="Verdana" panose="020B0604030504040204" pitchFamily="34" charset="0"/>
+              </a:rPr>
+              <a:t>"</a:t>
+            </a:r>
+            <a:r>
+              <a:rPr lang="ru-RU" altLang="ru-RU" dirty="0" err="1">
+                <a:solidFill>
+                  <a:srgbClr val="9E64A9"/>
+                </a:solidFill>
+                <a:latin typeface="Verdana" panose="020B0604030504040204" pitchFamily="34" charset="0"/>
+              </a:rPr>
+              <a:t>rightstring</a:t>
+            </a:r>
+            <a:r>
+              <a:rPr lang="ru-RU" altLang="ru-RU" dirty="0">
+                <a:solidFill>
+                  <a:srgbClr val="9E64A9"/>
+                </a:solidFill>
+                <a:latin typeface="Verdana" panose="020B0604030504040204" pitchFamily="34" charset="0"/>
+              </a:rPr>
+              <a:t>"</a:t>
+            </a:r>
+            <a:r>
+              <a:rPr lang="ru-RU" altLang="ru-RU" dirty="0">
+                <a:solidFill>
+                  <a:srgbClr val="FFFFFF"/>
+                </a:solidFill>
+                <a:latin typeface="Verdana" panose="020B0604030504040204" pitchFamily="34" charset="0"/>
+              </a:rPr>
+              <a:t>);</a:t>
+            </a:r>
+            <a:br>
+              <a:rPr lang="ru-RU" altLang="ru-RU" dirty="0">
+                <a:solidFill>
+                  <a:srgbClr val="FFFFFF"/>
+                </a:solidFill>
+                <a:latin typeface="Verdana" panose="020B0604030504040204" pitchFamily="34" charset="0"/>
+              </a:rPr>
+            </a:br>
+            <a:r>
+              <a:rPr lang="ru-RU" altLang="ru-RU" dirty="0">
+                <a:solidFill>
+                  <a:srgbClr val="FFFFFF"/>
+                </a:solidFill>
+                <a:latin typeface="Verdana" panose="020B0604030504040204" pitchFamily="34" charset="0"/>
+              </a:rPr>
+              <a:t>  </a:t>
+            </a:r>
+            <a:r>
+              <a:rPr lang="ru-RU" altLang="ru-RU" dirty="0" err="1">
+                <a:solidFill>
+                  <a:srgbClr val="FFCC00"/>
+                </a:solidFill>
+                <a:latin typeface="Verdana" panose="020B0604030504040204" pitchFamily="34" charset="0"/>
+              </a:rPr>
+              <a:t>belts</a:t>
+            </a:r>
+            <a:r>
+              <a:rPr lang="ru-RU" altLang="ru-RU" dirty="0">
+                <a:solidFill>
+                  <a:srgbClr val="FFFFFF"/>
+                </a:solidFill>
+                <a:latin typeface="Verdana" panose="020B0604030504040204" pitchFamily="34" charset="0"/>
+              </a:rPr>
+              <a:t>::</a:t>
+            </a:r>
+            <a:r>
+              <a:rPr lang="ru-RU" altLang="ru-RU" dirty="0" err="1">
+                <a:solidFill>
+                  <a:srgbClr val="FFCC00"/>
+                </a:solidFill>
+                <a:latin typeface="Verdana" panose="020B0604030504040204" pitchFamily="34" charset="0"/>
+              </a:rPr>
+              <a:t>Assert</a:t>
+            </a:r>
+            <a:r>
+              <a:rPr lang="ru-RU" altLang="ru-RU" dirty="0">
+                <a:solidFill>
+                  <a:srgbClr val="FFFFFF"/>
+                </a:solidFill>
+                <a:latin typeface="Verdana" panose="020B0604030504040204" pitchFamily="34" charset="0"/>
+              </a:rPr>
+              <a:t>(</a:t>
+            </a:r>
+            <a:r>
+              <a:rPr lang="ru-RU" altLang="ru-RU" dirty="0" err="1">
+                <a:solidFill>
+                  <a:srgbClr val="5BCD9D"/>
+                </a:solidFill>
+                <a:latin typeface="Verdana" panose="020B0604030504040204" pitchFamily="34" charset="0"/>
+              </a:rPr>
+              <a:t>right</a:t>
+            </a:r>
+            <a:r>
+              <a:rPr lang="ru-RU" altLang="ru-RU" dirty="0">
+                <a:solidFill>
+                  <a:srgbClr val="5BCD9D"/>
+                </a:solidFill>
+                <a:latin typeface="Verdana" panose="020B0604030504040204" pitchFamily="34" charset="0"/>
+              </a:rPr>
+              <a:t> </a:t>
+            </a:r>
+            <a:r>
+              <a:rPr lang="ru-RU" altLang="ru-RU" dirty="0">
+                <a:solidFill>
+                  <a:srgbClr val="FFFFFF"/>
+                </a:solidFill>
+                <a:latin typeface="Verdana" panose="020B0604030504040204" pitchFamily="34" charset="0"/>
+              </a:rPr>
+              <a:t>== </a:t>
+            </a:r>
+            <a:r>
+              <a:rPr lang="ru-RU" altLang="ru-RU" dirty="0">
+                <a:solidFill>
+                  <a:srgbClr val="9E64A9"/>
+                </a:solidFill>
+                <a:latin typeface="Verdana" panose="020B0604030504040204" pitchFamily="34" charset="0"/>
+              </a:rPr>
+              <a:t>"</a:t>
+            </a:r>
+            <a:r>
+              <a:rPr lang="ru-RU" altLang="ru-RU" dirty="0" err="1">
+                <a:solidFill>
+                  <a:srgbClr val="9E64A9"/>
+                </a:solidFill>
+                <a:latin typeface="Verdana" panose="020B0604030504040204" pitchFamily="34" charset="0"/>
+              </a:rPr>
+              <a:t>leftstring</a:t>
+            </a:r>
+            <a:r>
+              <a:rPr lang="ru-RU" altLang="ru-RU" dirty="0">
+                <a:solidFill>
+                  <a:srgbClr val="9E64A9"/>
+                </a:solidFill>
+                <a:latin typeface="Verdana" panose="020B0604030504040204" pitchFamily="34" charset="0"/>
+              </a:rPr>
+              <a:t>"</a:t>
+            </a:r>
+            <a:r>
+              <a:rPr lang="ru-RU" altLang="ru-RU" dirty="0">
+                <a:solidFill>
+                  <a:srgbClr val="FFFFFF"/>
+                </a:solidFill>
+                <a:latin typeface="Verdana" panose="020B0604030504040204" pitchFamily="34" charset="0"/>
+              </a:rPr>
+              <a:t>);</a:t>
+            </a:r>
+            <a:br>
+              <a:rPr lang="ru-RU" altLang="ru-RU" dirty="0">
+                <a:solidFill>
+                  <a:srgbClr val="FFFFFF"/>
+                </a:solidFill>
+                <a:latin typeface="Verdana" panose="020B0604030504040204" pitchFamily="34" charset="0"/>
+              </a:rPr>
+            </a:br>
+            <a:r>
+              <a:rPr lang="ru-RU" altLang="ru-RU" dirty="0" smtClean="0">
+                <a:solidFill>
+                  <a:srgbClr val="FFFFFF"/>
+                </a:solidFill>
+                <a:latin typeface="Verdana" panose="020B0604030504040204" pitchFamily="34" charset="0"/>
+              </a:rPr>
+              <a:t>}</a:t>
+            </a:r>
+            <a:endParaRPr lang="ru-RU" altLang="ru-RU" dirty="0">
+              <a:latin typeface="Arial" panose="020B0604020202020204" pitchFamily="34" charset="0"/>
+            </a:endParaRPr>
+          </a:p>
+        </p:txBody>
+      </p:sp>
+    </p:spTree>
+    <p:extLst>
+      <p:ext uri="{BB962C8B-B14F-4D97-AF65-F5344CB8AC3E}">
+        <p14:creationId xmlns:p14="http://schemas.microsoft.com/office/powerpoint/2010/main" val="3523585503"/>
+      </p:ext>
+    </p:extLst>
+  </p:cSld>
+  <p:clrMapOvr>
+    <a:masterClrMapping/>
+  </p:clrMapOvr>
+  <p:timing>
+    <p:tnLst>
+      <p:par>
+        <p:cTn id="1" dur="indefinite" restart="never" nodeType="tmRoot">
+          <p:childTnLst>
+            <p:seq concurrent="1" nextAc="seek">
+              <p:cTn id="2" dur="indefinite" nodeType="mainSeq">
+                <p:childTnLst>
+                  <p:par>
+                    <p:cTn id="3" fill="hold">
+                      <p:stCondLst>
+                        <p:cond delay="indefinite"/>
+                      </p:stCondLst>
+                      <p:childTnLst>
+                        <p:par>
+                          <p:cTn id="4" fill="hold">
+                            <p:stCondLst>
+                              <p:cond delay="0"/>
+                            </p:stCondLst>
+                            <p:childTnLst>
+                              <p:par>
+                                <p:cTn id="5" presetID="1" presetClass="exit" presetSubtype="0" fill="hold" grpId="0" nodeType="clickEffect">
+                                  <p:stCondLst>
+                                    <p:cond delay="0"/>
+                                  </p:stCondLst>
+                                  <p:iterate type="lt">
+                                    <p:tmAbs val="200"/>
+                                  </p:iterate>
+                                  <p:childTnLst>
+                                    <p:set>
+                                      <p:cBhvr>
+                                        <p:cTn id="6" dur="1" fill="hold">
+                                          <p:stCondLst>
+                                            <p:cond delay="0"/>
+                                          </p:stCondLst>
+                                        </p:cTn>
+                                        <p:tgtEl>
+                                          <p:spTgt spid="9"/>
+                                        </p:tgtEl>
+                                        <p:attrNameLst>
+                                          <p:attrName>style.visibility</p:attrName>
+                                        </p:attrNameLst>
+                                      </p:cBhvr>
+                                      <p:to>
+                                        <p:strVal val="hidden"/>
+                                      </p:to>
+                                    </p:set>
+                                  </p:childTnLst>
+                                </p:cTn>
+                              </p:par>
+                            </p:childTnLst>
+                          </p:cTn>
+                        </p:par>
+                      </p:childTnLst>
+                    </p:cTn>
+                  </p:par>
+                  <p:par>
+                    <p:cTn id="7" fill="hold">
+                      <p:stCondLst>
+                        <p:cond delay="indefinite"/>
+                      </p:stCondLst>
+                      <p:childTnLst>
+                        <p:par>
+                          <p:cTn id="8" fill="hold">
+                            <p:stCondLst>
+                              <p:cond delay="0"/>
+                            </p:stCondLst>
+                            <p:childTnLst>
+                              <p:par>
+                                <p:cTn id="9" presetID="1" presetClass="entr" presetSubtype="0" fill="hold" grpId="0" nodeType="clickEffect">
+                                  <p:stCondLst>
+                                    <p:cond delay="0"/>
+                                  </p:stCondLst>
+                                  <p:iterate type="lt">
+                                    <p:tmAbs val="200"/>
+                                  </p:iterate>
+                                  <p:childTnLst>
+                                    <p:set>
+                                      <p:cBhvr>
+                                        <p:cTn id="10" dur="1" fill="hold">
+                                          <p:stCondLst>
+                                            <p:cond delay="0"/>
+                                          </p:stCondLst>
+                                        </p:cTn>
+                                        <p:tgtEl>
+                                          <p:spTgt spid="8"/>
+                                        </p:tgtEl>
+                                        <p:attrNameLst>
+                                          <p:attrName>style.visibility</p:attrName>
+                                        </p:attrNameLst>
+                                      </p:cBhvr>
+                                      <p:to>
+                                        <p:strVal val="visible"/>
+                                      </p:to>
+                                    </p:set>
+                                  </p:childTnLst>
+                                </p:cTn>
+                              </p:par>
+                            </p:childTnLst>
+                          </p:cTn>
+                        </p:par>
+                      </p:childTnLst>
+                    </p:cTn>
+                  </p:par>
+                  <p:par>
+                    <p:cTn id="11" fill="hold">
+                      <p:stCondLst>
+                        <p:cond delay="indefinite"/>
+                      </p:stCondLst>
+                      <p:childTnLst>
+                        <p:par>
+                          <p:cTn id="12" fill="hold">
+                            <p:stCondLst>
+                              <p:cond delay="0"/>
+                            </p:stCondLst>
+                            <p:childTnLst>
+                              <p:par>
+                                <p:cTn id="13" presetID="2" presetClass="entr" presetSubtype="2" fill="hold" grpId="0" nodeType="clickEffect">
+                                  <p:stCondLst>
+                                    <p:cond delay="0"/>
+                                  </p:stCondLst>
+                                  <p:childTnLst>
+                                    <p:set>
+                                      <p:cBhvr>
+                                        <p:cTn id="14" dur="1" fill="hold">
+                                          <p:stCondLst>
+                                            <p:cond delay="0"/>
+                                          </p:stCondLst>
+                                        </p:cTn>
+                                        <p:tgtEl>
+                                          <p:spTgt spid="10"/>
+                                        </p:tgtEl>
+                                        <p:attrNameLst>
+                                          <p:attrName>style.visibility</p:attrName>
+                                        </p:attrNameLst>
+                                      </p:cBhvr>
+                                      <p:to>
+                                        <p:strVal val="visible"/>
+                                      </p:to>
+                                    </p:set>
+                                    <p:anim calcmode="lin" valueType="num">
+                                      <p:cBhvr additive="base">
+                                        <p:cTn id="15" dur="500" fill="hold"/>
+                                        <p:tgtEl>
+                                          <p:spTgt spid="10"/>
+                                        </p:tgtEl>
+                                        <p:attrNameLst>
+                                          <p:attrName>ppt_x</p:attrName>
+                                        </p:attrNameLst>
+                                      </p:cBhvr>
+                                      <p:tavLst>
+                                        <p:tav tm="0">
+                                          <p:val>
+                                            <p:strVal val="1+#ppt_w/2"/>
+                                          </p:val>
+                                        </p:tav>
+                                        <p:tav tm="100000">
+                                          <p:val>
+                                            <p:strVal val="#ppt_x"/>
+                                          </p:val>
+                                        </p:tav>
+                                      </p:tavLst>
+                                    </p:anim>
+                                    <p:anim calcmode="lin" valueType="num">
+                                      <p:cBhvr additive="base">
+                                        <p:cTn id="16" dur="500" fill="hold"/>
+                                        <p:tgtEl>
+                                          <p:spTgt spid="10"/>
+                                        </p:tgtEl>
+                                        <p:attrNameLst>
+                                          <p:attrName>ppt_y</p:attrName>
+                                        </p:attrNameLst>
+                                      </p:cBhvr>
+                                      <p:tavLst>
+                                        <p:tav tm="0">
+                                          <p:val>
+                                            <p:strVal val="#ppt_y"/>
+                                          </p:val>
+                                        </p:tav>
+                                        <p:tav tm="100000">
+                                          <p:val>
+                                            <p:strVal val="#ppt_y"/>
+                                          </p:val>
+                                        </p:tav>
+                                      </p:tavLst>
+                                    </p:anim>
+                                  </p:childTnLst>
+                                </p:cTn>
+                              </p:par>
+                            </p:childTnLst>
+                          </p:cTn>
+                        </p:par>
+                      </p:childTnLst>
+                    </p:cTn>
+                  </p:par>
+                </p:childTnLst>
+              </p:cTn>
+              <p:prevCondLst>
+                <p:cond evt="onPrev" delay="0">
+                  <p:tgtEl>
+                    <p:sldTgt/>
+                  </p:tgtEl>
+                </p:cond>
+              </p:prevCondLst>
+              <p:nextCondLst>
+                <p:cond evt="onNext" delay="0">
+                  <p:tgtEl>
+                    <p:sldTgt/>
+                  </p:tgtEl>
+                </p:cond>
+              </p:nextCondLst>
+            </p:seq>
+          </p:childTnLst>
+        </p:cTn>
+      </p:par>
+    </p:tnLst>
+    <p:bldLst>
+      <p:bldP spid="8" grpId="0"/>
+      <p:bldP spid="9" grpId="0"/>
+      <p:bldP spid="10" grpId="0"/>
+    </p:bldLst>
+  </p:timing>
+</p:sld>
+</file>
+
+<file path=ppt/slides/slide27.xml><?xml version="1.0" encoding="utf-8"?>
+<p:sld xmlns:a="http://schemas.openxmlformats.org/drawingml/2006/main" xmlns:r="http://schemas.openxmlformats.org/officeDocument/2006/relationships" xmlns:p="http://schemas.openxmlformats.org/presentationml/2006/main">
+  <p:cSld>
+    <p:spTree>
+      <p:nvGrpSpPr>
+        <p:cNvPr id="1" name=""/>
+        <p:cNvGrpSpPr/>
+        <p:nvPr/>
+      </p:nvGrpSpPr>
+      <p:grpSpPr>
+        <a:xfrm>
+          <a:off x="0" y="0"/>
+          <a:ext cx="0" cy="0"/>
+          <a:chOff x="0" y="0"/>
+          <a:chExt cx="0" cy="0"/>
+        </a:xfrm>
+      </p:grpSpPr>
+      <p:sp>
+        <p:nvSpPr>
+          <p:cNvPr id="2" name="Заголовок 1"/>
+          <p:cNvSpPr>
+            <a:spLocks noGrp="1"/>
+          </p:cNvSpPr>
+          <p:nvPr>
+            <p:ph type="title"/>
+          </p:nvPr>
+        </p:nvSpPr>
+        <p:spPr/>
+        <p:txBody>
+          <a:bodyPr/>
+          <a:lstStyle/>
+          <a:p>
+            <a:r>
+              <a:rPr lang="ru-RU" dirty="0" smtClean="0"/>
+              <a:t>Тестирование интерфейса. Итоги</a:t>
+            </a:r>
+            <a:endParaRPr lang="ru-RU" dirty="0"/>
+          </a:p>
+        </p:txBody>
+      </p:sp>
+      <p:sp>
+        <p:nvSpPr>
+          <p:cNvPr id="3" name="Объект 2"/>
+          <p:cNvSpPr>
+            <a:spLocks noGrp="1"/>
+          </p:cNvSpPr>
+          <p:nvPr>
+            <p:ph idx="1"/>
+          </p:nvPr>
+        </p:nvSpPr>
+        <p:spPr>
+          <a:xfrm>
+            <a:off x="1143000" y="3048000"/>
+            <a:ext cx="19824700" cy="9158288"/>
+          </a:xfrm>
+        </p:spPr>
+        <p:txBody>
+          <a:bodyPr/>
+          <a:lstStyle/>
+          <a:p>
+            <a:pPr lvl="1"/>
+            <a:r>
+              <a:rPr lang="en-US" dirty="0" smtClean="0"/>
+              <a:t>«</a:t>
+            </a:r>
+            <a:r>
+              <a:rPr lang="ru-RU" dirty="0" smtClean="0"/>
+              <a:t>Удаление</a:t>
+            </a:r>
+            <a:r>
+              <a:rPr lang="en-US" dirty="0" smtClean="0"/>
+              <a:t>»</a:t>
+            </a:r>
+            <a:r>
+              <a:rPr lang="ru-RU" dirty="0" smtClean="0"/>
+              <a:t> функции </a:t>
+            </a:r>
+            <a:r>
+              <a:rPr lang="en-US" dirty="0" smtClean="0"/>
+              <a:t>main </a:t>
+            </a:r>
+            <a:r>
+              <a:rPr lang="ru-RU" dirty="0" smtClean="0"/>
+              <a:t>делает работу с тестирующей</a:t>
+            </a:r>
+          </a:p>
+          <a:p>
+            <a:pPr lvl="1"/>
+            <a:r>
+              <a:rPr lang="ru-RU" dirty="0" smtClean="0"/>
+              <a:t>системой удобнее</a:t>
+            </a:r>
+          </a:p>
+          <a:p>
+            <a:pPr lvl="1"/>
+            <a:endParaRPr lang="ru-RU" dirty="0"/>
+          </a:p>
+          <a:p>
+            <a:pPr lvl="1"/>
+            <a:r>
+              <a:rPr lang="ru-RU" dirty="0" smtClean="0"/>
+              <a:t>Трюк с переименованием функции помог нам сэкономить время</a:t>
+            </a:r>
+          </a:p>
+          <a:p>
+            <a:pPr lvl="1"/>
+            <a:endParaRPr lang="ru-RU" dirty="0"/>
+          </a:p>
+          <a:p>
+            <a:pPr lvl="1"/>
+            <a:r>
+              <a:rPr lang="ru-RU" dirty="0" smtClean="0"/>
+              <a:t>Это простое решение, которое </a:t>
+            </a:r>
+            <a:r>
+              <a:rPr lang="ru-RU" smtClean="0"/>
+              <a:t>надёжно работает более </a:t>
+            </a:r>
+            <a:r>
+              <a:rPr lang="ru-RU" dirty="0" smtClean="0"/>
+              <a:t>1,5 лет</a:t>
+            </a:r>
+            <a:endParaRPr lang="ru-RU" dirty="0"/>
+          </a:p>
+        </p:txBody>
+      </p:sp>
+      <p:sp>
+        <p:nvSpPr>
+          <p:cNvPr id="4" name="Нижний колонтитул 3"/>
+          <p:cNvSpPr>
+            <a:spLocks noGrp="1"/>
+          </p:cNvSpPr>
+          <p:nvPr>
+            <p:ph type="ftr" sz="quarter" idx="11"/>
+          </p:nvPr>
+        </p:nvSpPr>
+        <p:spPr/>
+        <p:txBody>
+          <a:bodyPr/>
+          <a:lstStyle/>
+          <a:p>
+            <a:endParaRPr lang="ru-RU"/>
+          </a:p>
+        </p:txBody>
+      </p:sp>
+      <p:sp>
+        <p:nvSpPr>
+          <p:cNvPr id="5" name="Номер слайда 4"/>
+          <p:cNvSpPr>
+            <a:spLocks noGrp="1"/>
+          </p:cNvSpPr>
+          <p:nvPr>
+            <p:ph type="sldNum" sz="quarter" idx="12"/>
+          </p:nvPr>
+        </p:nvSpPr>
+        <p:spPr/>
+        <p:txBody>
+          <a:bodyPr/>
+          <a:lstStyle/>
+          <a:p>
+            <a:fld id="{741C03D3-FA44-40EC-9A21-1FC4FEA3E22E}" type="slidenum">
+              <a:rPr lang="ru-RU" smtClean="0"/>
+              <a:t>27</a:t>
+            </a:fld>
+            <a:endParaRPr lang="ru-RU"/>
+          </a:p>
+        </p:txBody>
+      </p:sp>
+    </p:spTree>
+    <p:extLst>
+      <p:ext uri="{BB962C8B-B14F-4D97-AF65-F5344CB8AC3E}">
+        <p14:creationId xmlns:p14="http://schemas.microsoft.com/office/powerpoint/2010/main" val="1926044249"/>
+      </p:ext>
+    </p:extLst>
+  </p:cSld>
+  <p:clrMapOvr>
+    <a:masterClrMapping/>
+  </p:clrMapOvr>
+  <p:timing>
+    <p:tnLst>
+      <p:par>
+        <p:cTn id="1" dur="indefinite" restart="never" nodeType="tmRoot"/>
+      </p:par>
+    </p:tnLst>
+  </p:timing>
+</p:sld>
+</file>
+
+<file path=ppt/slides/slide28.xml><?xml version="1.0" encoding="utf-8"?>
 <p:sld xmlns:a="http://schemas.openxmlformats.org/drawingml/2006/main" xmlns:r="http://schemas.openxmlformats.org/officeDocument/2006/relationships" xmlns:p="http://schemas.openxmlformats.org/presentationml/2006/main">
   <p:cSld>
     <p:spTree>
@@ -21890,7 +24649,7 @@
           <a:p>
             <a:fld id="{741C03D3-FA44-40EC-9A21-1FC4FEA3E22E}" type="slidenum">
               <a:rPr lang="ru-RU" smtClean="0"/>
-              <a:t>24</a:t>
+              <a:t>28</a:t>
             </a:fld>
             <a:endParaRPr lang="ru-RU"/>
           </a:p>
@@ -21900,1200 +24659,6 @@
     <p:extLst>
       <p:ext uri="{BB962C8B-B14F-4D97-AF65-F5344CB8AC3E}">
         <p14:creationId xmlns:p14="http://schemas.microsoft.com/office/powerpoint/2010/main" val="3481799678"/>
-      </p:ext>
-    </p:extLst>
-  </p:cSld>
-  <p:clrMapOvr>
-    <a:masterClrMapping/>
-  </p:clrMapOvr>
-  <p:timing>
-    <p:tnLst>
-      <p:par>
-        <p:cTn id="1" dur="indefinite" restart="never" nodeType="tmRoot"/>
-      </p:par>
-    </p:tnLst>
-  </p:timing>
-</p:sld>
-</file>
-
-<file path=ppt/slides/slide25.xml><?xml version="1.0" encoding="utf-8"?>
-<p:sld xmlns:a="http://schemas.openxmlformats.org/drawingml/2006/main" xmlns:r="http://schemas.openxmlformats.org/officeDocument/2006/relationships" xmlns:p="http://schemas.openxmlformats.org/presentationml/2006/main">
-  <p:cSld>
-    <p:spTree>
-      <p:nvGrpSpPr>
-        <p:cNvPr id="1" name=""/>
-        <p:cNvGrpSpPr/>
-        <p:nvPr/>
-      </p:nvGrpSpPr>
-      <p:grpSpPr>
-        <a:xfrm>
-          <a:off x="0" y="0"/>
-          <a:ext cx="0" cy="0"/>
-          <a:chOff x="0" y="0"/>
-          <a:chExt cx="0" cy="0"/>
-        </a:xfrm>
-      </p:grpSpPr>
-      <p:sp>
-        <p:nvSpPr>
-          <p:cNvPr id="2" name="Текст 1"/>
-          <p:cNvSpPr>
-            <a:spLocks noGrp="1"/>
-          </p:cNvSpPr>
-          <p:nvPr>
-            <p:ph type="body" idx="1"/>
-          </p:nvPr>
-        </p:nvSpPr>
-        <p:spPr/>
-        <p:txBody>
-          <a:bodyPr/>
-          <a:lstStyle/>
-          <a:p>
-            <a:r>
-              <a:rPr lang="ru-RU" dirty="0" smtClean="0"/>
-              <a:t>Отзыв на «Белый пояс по </a:t>
-            </a:r>
-            <a:r>
-              <a:rPr lang="en-US" dirty="0" smtClean="0"/>
-              <a:t>C++</a:t>
-            </a:r>
-            <a:r>
-              <a:rPr lang="ru-RU" dirty="0" smtClean="0"/>
-              <a:t>»</a:t>
-            </a:r>
-            <a:endParaRPr lang="ru-RU" dirty="0"/>
-          </a:p>
-        </p:txBody>
-      </p:sp>
-      <p:sp>
-        <p:nvSpPr>
-          <p:cNvPr id="3" name="Объект 2"/>
-          <p:cNvSpPr>
-            <a:spLocks noGrp="1"/>
-          </p:cNvSpPr>
-          <p:nvPr>
-            <p:ph sz="half" idx="10"/>
-          </p:nvPr>
-        </p:nvSpPr>
-        <p:spPr/>
-        <p:txBody>
-          <a:bodyPr/>
-          <a:lstStyle/>
-          <a:p>
-            <a:r>
-              <a:rPr lang="ru-RU" dirty="0" smtClean="0"/>
-              <a:t>Этот </a:t>
-            </a:r>
-            <a:r>
-              <a:rPr lang="ru-RU" dirty="0"/>
-              <a:t>курс показал </a:t>
-            </a:r>
-            <a:r>
-              <a:rPr lang="ru-RU" dirty="0" smtClean="0"/>
-              <a:t>мне</a:t>
-            </a:r>
-            <a:endParaRPr lang="en-US" dirty="0" smtClean="0"/>
-          </a:p>
-          <a:p>
-            <a:r>
-              <a:rPr lang="ru-RU" dirty="0" smtClean="0"/>
-              <a:t>нормальный </a:t>
-            </a:r>
-            <a:r>
-              <a:rPr lang="ru-RU" dirty="0"/>
-              <a:t>C++, а </a:t>
-            </a:r>
-            <a:r>
-              <a:rPr lang="ru-RU" dirty="0" smtClean="0"/>
-              <a:t>не</a:t>
-            </a:r>
-            <a:endParaRPr lang="en-US" dirty="0" smtClean="0"/>
-          </a:p>
-          <a:p>
-            <a:r>
-              <a:rPr lang="ru-RU" dirty="0" smtClean="0"/>
-              <a:t>тот</a:t>
-            </a:r>
-            <a:r>
-              <a:rPr lang="ru-RU" dirty="0"/>
-              <a:t>, которому </a:t>
-            </a:r>
-            <a:r>
-              <a:rPr lang="ru-RU" dirty="0" smtClean="0"/>
-              <a:t>меня</a:t>
-            </a:r>
-            <a:endParaRPr lang="en-US" dirty="0" smtClean="0"/>
-          </a:p>
-          <a:p>
-            <a:r>
-              <a:rPr lang="ru-RU" dirty="0" smtClean="0"/>
-              <a:t>учили </a:t>
-            </a:r>
-            <a:r>
-              <a:rPr lang="ru-RU" dirty="0"/>
-              <a:t>в университете.</a:t>
-            </a:r>
-          </a:p>
-        </p:txBody>
-      </p:sp>
-    </p:spTree>
-    <p:extLst>
-      <p:ext uri="{BB962C8B-B14F-4D97-AF65-F5344CB8AC3E}">
-        <p14:creationId xmlns:p14="http://schemas.microsoft.com/office/powerpoint/2010/main" val="3690274279"/>
-      </p:ext>
-    </p:extLst>
-  </p:cSld>
-  <p:clrMapOvr>
-    <a:masterClrMapping/>
-  </p:clrMapOvr>
-  <p:timing>
-    <p:tnLst>
-      <p:par>
-        <p:cTn id="1" dur="indefinite" restart="never" nodeType="tmRoot"/>
-      </p:par>
-    </p:tnLst>
-  </p:timing>
-</p:sld>
-</file>
-
-<file path=ppt/slides/slide26.xml><?xml version="1.0" encoding="utf-8"?>
-<p:sld xmlns:a="http://schemas.openxmlformats.org/drawingml/2006/main" xmlns:r="http://schemas.openxmlformats.org/officeDocument/2006/relationships" xmlns:p="http://schemas.openxmlformats.org/presentationml/2006/main">
-  <p:cSld>
-    <p:spTree>
-      <p:nvGrpSpPr>
-        <p:cNvPr id="1" name=""/>
-        <p:cNvGrpSpPr/>
-        <p:nvPr/>
-      </p:nvGrpSpPr>
-      <p:grpSpPr>
-        <a:xfrm>
-          <a:off x="0" y="0"/>
-          <a:ext cx="0" cy="0"/>
-          <a:chOff x="0" y="0"/>
-          <a:chExt cx="0" cy="0"/>
-        </a:xfrm>
-      </p:grpSpPr>
-      <p:sp>
-        <p:nvSpPr>
-          <p:cNvPr id="2" name="Текст 1"/>
-          <p:cNvSpPr>
-            <a:spLocks noGrp="1"/>
-          </p:cNvSpPr>
-          <p:nvPr>
-            <p:ph type="body" idx="1"/>
-          </p:nvPr>
-        </p:nvSpPr>
-        <p:spPr/>
-        <p:txBody>
-          <a:bodyPr/>
-          <a:lstStyle/>
-          <a:p>
-            <a:r>
-              <a:rPr lang="ru-RU" dirty="0" smtClean="0"/>
-              <a:t>Отзыв на «Жёлтый пояс по </a:t>
-            </a:r>
-            <a:r>
-              <a:rPr lang="en-US" dirty="0" smtClean="0"/>
-              <a:t>C++</a:t>
-            </a:r>
-            <a:r>
-              <a:rPr lang="ru-RU" dirty="0" smtClean="0"/>
-              <a:t>»</a:t>
-            </a:r>
-            <a:endParaRPr lang="ru-RU" dirty="0"/>
-          </a:p>
-        </p:txBody>
-      </p:sp>
-      <p:sp>
-        <p:nvSpPr>
-          <p:cNvPr id="3" name="Объект 2"/>
-          <p:cNvSpPr>
-            <a:spLocks noGrp="1"/>
-          </p:cNvSpPr>
-          <p:nvPr>
-            <p:ph sz="half" idx="10"/>
-          </p:nvPr>
-        </p:nvSpPr>
-        <p:spPr>
-          <a:xfrm>
-            <a:off x="3048001" y="3048001"/>
-            <a:ext cx="19827874" cy="7250114"/>
-          </a:xfrm>
-        </p:spPr>
-        <p:txBody>
-          <a:bodyPr/>
-          <a:lstStyle/>
-          <a:p>
-            <a:r>
-              <a:rPr lang="ru-RU" dirty="0"/>
-              <a:t>На работе </a:t>
-            </a:r>
-            <a:r>
-              <a:rPr lang="ru-RU" dirty="0" smtClean="0"/>
-              <a:t>пригодились</a:t>
-            </a:r>
-          </a:p>
-          <a:p>
-            <a:r>
-              <a:rPr lang="ru-RU" dirty="0" smtClean="0"/>
-              <a:t>знания </a:t>
-            </a:r>
-            <a:r>
-              <a:rPr lang="ru-RU" dirty="0"/>
-              <a:t>по </a:t>
-            </a:r>
-            <a:r>
-              <a:rPr lang="ru-RU" dirty="0" smtClean="0"/>
-              <a:t>декомпозиции,</a:t>
-            </a:r>
-          </a:p>
-          <a:p>
-            <a:r>
-              <a:rPr lang="ru-RU" dirty="0" smtClean="0"/>
-              <a:t>алгоритмам </a:t>
-            </a:r>
-            <a:r>
-              <a:rPr lang="ru-RU" dirty="0"/>
-              <a:t>и </a:t>
-            </a:r>
-            <a:r>
-              <a:rPr lang="ru-RU" dirty="0" smtClean="0"/>
-              <a:t>юнит-</a:t>
-            </a:r>
-          </a:p>
-          <a:p>
-            <a:r>
-              <a:rPr lang="ru-RU" dirty="0" smtClean="0"/>
-              <a:t>тестированию</a:t>
-            </a:r>
-            <a:endParaRPr lang="ru-RU" dirty="0"/>
-          </a:p>
-        </p:txBody>
-      </p:sp>
-    </p:spTree>
-    <p:extLst>
-      <p:ext uri="{BB962C8B-B14F-4D97-AF65-F5344CB8AC3E}">
-        <p14:creationId xmlns:p14="http://schemas.microsoft.com/office/powerpoint/2010/main" val="2774735083"/>
-      </p:ext>
-    </p:extLst>
-  </p:cSld>
-  <p:clrMapOvr>
-    <a:masterClrMapping/>
-  </p:clrMapOvr>
-  <p:timing>
-    <p:tnLst>
-      <p:par>
-        <p:cTn id="1" dur="indefinite" restart="never" nodeType="tmRoot"/>
-      </p:par>
-    </p:tnLst>
-  </p:timing>
-</p:sld>
-</file>
-
-<file path=ppt/slides/slide27.xml><?xml version="1.0" encoding="utf-8"?>
-<p:sld xmlns:a="http://schemas.openxmlformats.org/drawingml/2006/main" xmlns:r="http://schemas.openxmlformats.org/officeDocument/2006/relationships" xmlns:p="http://schemas.openxmlformats.org/presentationml/2006/main">
-  <p:cSld>
-    <p:spTree>
-      <p:nvGrpSpPr>
-        <p:cNvPr id="1" name=""/>
-        <p:cNvGrpSpPr/>
-        <p:nvPr/>
-      </p:nvGrpSpPr>
-      <p:grpSpPr>
-        <a:xfrm>
-          <a:off x="0" y="0"/>
-          <a:ext cx="0" cy="0"/>
-          <a:chOff x="0" y="0"/>
-          <a:chExt cx="0" cy="0"/>
-        </a:xfrm>
-      </p:grpSpPr>
-      <p:sp>
-        <p:nvSpPr>
-          <p:cNvPr id="2" name="Текст 1"/>
-          <p:cNvSpPr>
-            <a:spLocks noGrp="1"/>
-          </p:cNvSpPr>
-          <p:nvPr>
-            <p:ph type="body" idx="1"/>
-          </p:nvPr>
-        </p:nvSpPr>
-        <p:spPr/>
-        <p:txBody>
-          <a:bodyPr/>
-          <a:lstStyle/>
-          <a:p>
-            <a:r>
-              <a:rPr lang="ru-RU" dirty="0" smtClean="0"/>
-              <a:t>Отзыв на </a:t>
-            </a:r>
-            <a:r>
-              <a:rPr lang="ru-RU" smtClean="0"/>
-              <a:t>«Красный пояс </a:t>
-            </a:r>
-            <a:r>
-              <a:rPr lang="ru-RU" dirty="0" smtClean="0"/>
-              <a:t>по </a:t>
-            </a:r>
-            <a:r>
-              <a:rPr lang="en-US" dirty="0" smtClean="0"/>
-              <a:t>C++</a:t>
-            </a:r>
-            <a:r>
-              <a:rPr lang="ru-RU" dirty="0" smtClean="0"/>
-              <a:t>»</a:t>
-            </a:r>
-            <a:endParaRPr lang="ru-RU" dirty="0"/>
-          </a:p>
-        </p:txBody>
-      </p:sp>
-      <p:sp>
-        <p:nvSpPr>
-          <p:cNvPr id="3" name="Объект 2"/>
-          <p:cNvSpPr>
-            <a:spLocks noGrp="1"/>
-          </p:cNvSpPr>
-          <p:nvPr>
-            <p:ph sz="half" idx="10"/>
-          </p:nvPr>
-        </p:nvSpPr>
-        <p:spPr>
-          <a:xfrm>
-            <a:off x="3048001" y="3048001"/>
-            <a:ext cx="19827874" cy="7250114"/>
-          </a:xfrm>
-        </p:spPr>
-        <p:txBody>
-          <a:bodyPr/>
-          <a:lstStyle/>
-          <a:p>
-            <a:r>
-              <a:rPr lang="ru-RU" dirty="0"/>
-              <a:t>Один из лучших курсов</a:t>
-            </a:r>
-            <a:r>
-              <a:rPr lang="ru-RU" dirty="0" smtClean="0"/>
-              <a:t>,</a:t>
-            </a:r>
-          </a:p>
-          <a:p>
-            <a:r>
-              <a:rPr lang="ru-RU" dirty="0" smtClean="0"/>
-              <a:t>что </a:t>
-            </a:r>
-            <a:r>
-              <a:rPr lang="ru-RU" dirty="0"/>
-              <a:t>я проходил в </a:t>
-            </a:r>
-            <a:r>
-              <a:rPr lang="ru-RU" dirty="0" smtClean="0"/>
-              <a:t>жизни.</a:t>
-            </a:r>
-          </a:p>
-          <a:p>
-            <a:r>
-              <a:rPr lang="ru-RU" dirty="0" smtClean="0"/>
-              <a:t>Не только </a:t>
-            </a:r>
-            <a:r>
-              <a:rPr lang="ru-RU" dirty="0"/>
-              <a:t>по </a:t>
-            </a:r>
-            <a:r>
-              <a:rPr lang="ru-RU" dirty="0" smtClean="0"/>
-              <a:t>языку</a:t>
-            </a:r>
-          </a:p>
-          <a:p>
-            <a:r>
-              <a:rPr lang="ru-RU" dirty="0" smtClean="0"/>
-              <a:t>программирования</a:t>
-            </a:r>
-            <a:r>
-              <a:rPr lang="ru-RU" dirty="0"/>
-              <a:t>.</a:t>
-            </a:r>
-          </a:p>
-        </p:txBody>
-      </p:sp>
-    </p:spTree>
-    <p:extLst>
-      <p:ext uri="{BB962C8B-B14F-4D97-AF65-F5344CB8AC3E}">
-        <p14:creationId xmlns:p14="http://schemas.microsoft.com/office/powerpoint/2010/main" val="3707661308"/>
-      </p:ext>
-    </p:extLst>
-  </p:cSld>
-  <p:clrMapOvr>
-    <a:masterClrMapping/>
-  </p:clrMapOvr>
-  <p:timing>
-    <p:tnLst>
-      <p:par>
-        <p:cTn id="1" dur="indefinite" restart="never" nodeType="tmRoot"/>
-      </p:par>
-    </p:tnLst>
-  </p:timing>
-</p:sld>
-</file>
-
-<file path=ppt/slides/slide28.xml><?xml version="1.0" encoding="utf-8"?>
-<p:sld xmlns:a="http://schemas.openxmlformats.org/drawingml/2006/main" xmlns:r="http://schemas.openxmlformats.org/officeDocument/2006/relationships" xmlns:p="http://schemas.openxmlformats.org/presentationml/2006/main">
-  <p:cSld>
-    <p:spTree>
-      <p:nvGrpSpPr>
-        <p:cNvPr id="1" name=""/>
-        <p:cNvGrpSpPr/>
-        <p:nvPr/>
-      </p:nvGrpSpPr>
-      <p:grpSpPr>
-        <a:xfrm>
-          <a:off x="0" y="0"/>
-          <a:ext cx="0" cy="0"/>
-          <a:chOff x="0" y="0"/>
-          <a:chExt cx="0" cy="0"/>
-        </a:xfrm>
-      </p:grpSpPr>
-      <p:sp>
-        <p:nvSpPr>
-          <p:cNvPr id="2" name="Заголовок 1"/>
-          <p:cNvSpPr>
-            <a:spLocks noGrp="1"/>
-          </p:cNvSpPr>
-          <p:nvPr>
-            <p:ph type="title"/>
-          </p:nvPr>
-        </p:nvSpPr>
-        <p:spPr/>
-        <p:txBody>
-          <a:bodyPr/>
-          <a:lstStyle/>
-          <a:p>
-            <a:r>
-              <a:rPr lang="ru-RU" dirty="0" smtClean="0"/>
-              <a:t>Понятность</a:t>
-            </a:r>
-            <a:endParaRPr lang="ru-RU" dirty="0"/>
-          </a:p>
-        </p:txBody>
-      </p:sp>
-      <p:sp>
-        <p:nvSpPr>
-          <p:cNvPr id="4" name="Нижний колонтитул 3"/>
-          <p:cNvSpPr>
-            <a:spLocks noGrp="1"/>
-          </p:cNvSpPr>
-          <p:nvPr>
-            <p:ph type="ftr" sz="quarter" idx="11"/>
-          </p:nvPr>
-        </p:nvSpPr>
-        <p:spPr/>
-        <p:txBody>
-          <a:bodyPr/>
-          <a:lstStyle/>
-          <a:p>
-            <a:endParaRPr lang="ru-RU"/>
-          </a:p>
-        </p:txBody>
-      </p:sp>
-      <p:sp>
-        <p:nvSpPr>
-          <p:cNvPr id="5" name="Номер слайда 4"/>
-          <p:cNvSpPr>
-            <a:spLocks noGrp="1"/>
-          </p:cNvSpPr>
-          <p:nvPr>
-            <p:ph type="sldNum" sz="quarter" idx="12"/>
-          </p:nvPr>
-        </p:nvSpPr>
-        <p:spPr/>
-        <p:txBody>
-          <a:bodyPr/>
-          <a:lstStyle/>
-          <a:p>
-            <a:fld id="{741C03D3-FA44-40EC-9A21-1FC4FEA3E22E}" type="slidenum">
-              <a:rPr lang="ru-RU" smtClean="0"/>
-              <a:t>28</a:t>
-            </a:fld>
-            <a:endParaRPr lang="ru-RU"/>
-          </a:p>
-        </p:txBody>
-      </p:sp>
-      <p:sp>
-        <p:nvSpPr>
-          <p:cNvPr id="10" name="Текст 1"/>
-          <p:cNvSpPr txBox="1">
-            <a:spLocks/>
-          </p:cNvSpPr>
-          <p:nvPr/>
-        </p:nvSpPr>
-        <p:spPr>
-          <a:xfrm>
-            <a:off x="4178301" y="10674350"/>
-            <a:ext cx="17148970" cy="1144588"/>
-          </a:xfrm>
-          <a:prstGeom prst="rect">
-            <a:avLst/>
-          </a:prstGeom>
-        </p:spPr>
-        <p:txBody>
-          <a:bodyPr vert="horz" lIns="0" tIns="165592" rIns="91435" bIns="45718" rtlCol="0" anchor="t">
-            <a:noAutofit/>
-          </a:bodyPr>
-          <a:lstStyle>
-            <a:lvl1pPr marL="0" indent="0" algn="l" defTabSz="1828619" rtl="0" eaLnBrk="1" latinLnBrk="0" hangingPunct="1">
-              <a:lnSpc>
-                <a:spcPts val="6000"/>
-              </a:lnSpc>
-              <a:spcBef>
-                <a:spcPts val="3000"/>
-              </a:spcBef>
-              <a:spcAft>
-                <a:spcPts val="3000"/>
-              </a:spcAft>
-              <a:buFontTx/>
-              <a:buNone/>
-              <a:defRPr sz="4800" kern="1200">
-                <a:solidFill>
-                  <a:schemeClr val="bg1"/>
-                </a:solidFill>
-                <a:latin typeface="Yandex Sans Text Light" panose="02000000000000000000" pitchFamily="2" charset="-52"/>
-                <a:ea typeface="+mn-ea"/>
-                <a:cs typeface="+mn-cs"/>
-              </a:defRPr>
-            </a:lvl1pPr>
-            <a:lvl2pPr marL="914308" indent="0" algn="l" defTabSz="1907905" rtl="0" eaLnBrk="1" latinLnBrk="0" hangingPunct="1">
-              <a:lnSpc>
-                <a:spcPts val="6000"/>
-              </a:lnSpc>
-              <a:spcBef>
-                <a:spcPts val="0"/>
-              </a:spcBef>
-              <a:spcAft>
-                <a:spcPts val="0"/>
-              </a:spcAft>
-              <a:buClr>
-                <a:schemeClr val="tx2"/>
-              </a:buClr>
-              <a:buSzPct val="120000"/>
-              <a:buFont typeface="Impact" panose="020B0806030902050204" pitchFamily="34" charset="0"/>
-              <a:buNone/>
-              <a:defRPr sz="4000" kern="1200" baseline="0">
-                <a:solidFill>
-                  <a:schemeClr val="tx1">
-                    <a:tint val="75000"/>
-                  </a:schemeClr>
-                </a:solidFill>
-                <a:latin typeface="Yandex Sans Text Regular" pitchFamily="2" charset="-52"/>
-                <a:ea typeface="+mn-ea"/>
-                <a:cs typeface="+mn-cs"/>
-              </a:defRPr>
-            </a:lvl2pPr>
-            <a:lvl3pPr marL="1828619" indent="0" algn="l" defTabSz="1828619" rtl="0" eaLnBrk="1" latinLnBrk="0" hangingPunct="1">
-              <a:lnSpc>
-                <a:spcPts val="6000"/>
-              </a:lnSpc>
-              <a:spcBef>
-                <a:spcPts val="3000"/>
-              </a:spcBef>
-              <a:spcAft>
-                <a:spcPts val="0"/>
-              </a:spcAft>
-              <a:buSzPct val="150000"/>
-              <a:buFont typeface="Yandex Sans Text Light" panose="02000000000000000000" pitchFamily="2" charset="-52"/>
-              <a:buNone/>
-              <a:defRPr sz="3600" kern="1200">
-                <a:solidFill>
-                  <a:schemeClr val="tx1">
-                    <a:tint val="75000"/>
-                  </a:schemeClr>
-                </a:solidFill>
-                <a:latin typeface="Yandex Sans Text Light" panose="02000000000000000000" pitchFamily="2" charset="-52"/>
-                <a:ea typeface="+mn-ea"/>
-                <a:cs typeface="+mn-cs"/>
-              </a:defRPr>
-            </a:lvl3pPr>
-            <a:lvl4pPr marL="2742927" indent="0" algn="l" defTabSz="1828619" rtl="0" eaLnBrk="1" latinLnBrk="0" hangingPunct="1">
-              <a:lnSpc>
-                <a:spcPts val="6000"/>
-              </a:lnSpc>
-              <a:spcBef>
-                <a:spcPts val="3000"/>
-              </a:spcBef>
-              <a:spcAft>
-                <a:spcPts val="0"/>
-              </a:spcAft>
-              <a:buFont typeface="+mj-lt"/>
-              <a:buNone/>
-              <a:defRPr sz="3200" kern="1200">
-                <a:solidFill>
-                  <a:schemeClr val="tx1">
-                    <a:tint val="75000"/>
-                  </a:schemeClr>
-                </a:solidFill>
-                <a:latin typeface="Yandex Sans Text Light" panose="02000000000000000000" pitchFamily="2" charset="-52"/>
-                <a:ea typeface="+mn-ea"/>
-                <a:cs typeface="+mn-cs"/>
-              </a:defRPr>
-            </a:lvl4pPr>
-            <a:lvl5pPr marL="3657235" indent="0" algn="l" defTabSz="1828619" rtl="0" eaLnBrk="1" latinLnBrk="0" hangingPunct="1">
-              <a:lnSpc>
-                <a:spcPts val="6000"/>
-              </a:lnSpc>
-              <a:spcBef>
-                <a:spcPts val="3000"/>
-              </a:spcBef>
-              <a:spcAft>
-                <a:spcPts val="3000"/>
-              </a:spcAft>
-              <a:buFontTx/>
-              <a:buNone/>
-              <a:defRPr sz="3200" kern="1200">
-                <a:solidFill>
-                  <a:schemeClr val="tx1">
-                    <a:tint val="75000"/>
-                  </a:schemeClr>
-                </a:solidFill>
-                <a:latin typeface="+mn-lt"/>
-                <a:ea typeface="+mn-ea"/>
-                <a:cs typeface="+mn-cs"/>
-              </a:defRPr>
-            </a:lvl5pPr>
-            <a:lvl6pPr marL="4571543" indent="0" algn="l" defTabSz="1828619" rtl="0" eaLnBrk="1" latinLnBrk="0" hangingPunct="1">
-              <a:lnSpc>
-                <a:spcPct val="90000"/>
-              </a:lnSpc>
-              <a:spcBef>
-                <a:spcPts val="1000"/>
-              </a:spcBef>
-              <a:buFont typeface="Arial" panose="020B0604020202020204" pitchFamily="34" charset="0"/>
-              <a:buNone/>
-              <a:defRPr sz="3200" kern="1200">
-                <a:solidFill>
-                  <a:schemeClr val="tx1">
-                    <a:tint val="75000"/>
-                  </a:schemeClr>
-                </a:solidFill>
-                <a:latin typeface="+mn-lt"/>
-                <a:ea typeface="+mn-ea"/>
-                <a:cs typeface="+mn-cs"/>
-              </a:defRPr>
-            </a:lvl6pPr>
-            <a:lvl7pPr marL="5485852" indent="0" algn="l" defTabSz="1828619" rtl="0" eaLnBrk="1" latinLnBrk="0" hangingPunct="1">
-              <a:lnSpc>
-                <a:spcPct val="90000"/>
-              </a:lnSpc>
-              <a:spcBef>
-                <a:spcPts val="1000"/>
-              </a:spcBef>
-              <a:buFont typeface="Arial" panose="020B0604020202020204" pitchFamily="34" charset="0"/>
-              <a:buNone/>
-              <a:defRPr sz="3200" kern="1200">
-                <a:solidFill>
-                  <a:schemeClr val="tx1">
-                    <a:tint val="75000"/>
-                  </a:schemeClr>
-                </a:solidFill>
-                <a:latin typeface="+mn-lt"/>
-                <a:ea typeface="+mn-ea"/>
-                <a:cs typeface="+mn-cs"/>
-              </a:defRPr>
-            </a:lvl7pPr>
-            <a:lvl8pPr marL="6400160" indent="0" algn="l" defTabSz="1828619" rtl="0" eaLnBrk="1" latinLnBrk="0" hangingPunct="1">
-              <a:lnSpc>
-                <a:spcPct val="90000"/>
-              </a:lnSpc>
-              <a:spcBef>
-                <a:spcPts val="1000"/>
-              </a:spcBef>
-              <a:buFont typeface="Arial" panose="020B0604020202020204" pitchFamily="34" charset="0"/>
-              <a:buNone/>
-              <a:defRPr sz="3200" kern="1200">
-                <a:solidFill>
-                  <a:schemeClr val="tx1">
-                    <a:tint val="75000"/>
-                  </a:schemeClr>
-                </a:solidFill>
-                <a:latin typeface="+mn-lt"/>
-                <a:ea typeface="+mn-ea"/>
-                <a:cs typeface="+mn-cs"/>
-              </a:defRPr>
-            </a:lvl8pPr>
-            <a:lvl9pPr marL="7314468" indent="0" algn="l" defTabSz="1828619" rtl="0" eaLnBrk="1" latinLnBrk="0" hangingPunct="1">
-              <a:lnSpc>
-                <a:spcPct val="90000"/>
-              </a:lnSpc>
-              <a:spcBef>
-                <a:spcPts val="1000"/>
-              </a:spcBef>
-              <a:buFont typeface="Arial" panose="020B0604020202020204" pitchFamily="34" charset="0"/>
-              <a:buNone/>
-              <a:defRPr sz="3200" kern="1200">
-                <a:solidFill>
-                  <a:schemeClr val="tx1">
-                    <a:tint val="75000"/>
-                  </a:schemeClr>
-                </a:solidFill>
-                <a:latin typeface="+mn-lt"/>
-                <a:ea typeface="+mn-ea"/>
-                <a:cs typeface="+mn-cs"/>
-              </a:defRPr>
-            </a:lvl9pPr>
-          </a:lstStyle>
-          <a:p>
-            <a:pPr marL="0" marR="0" lvl="0" indent="0" algn="l" defTabSz="1828619" rtl="0" eaLnBrk="1" fontAlgn="auto" latinLnBrk="0" hangingPunct="1">
-              <a:lnSpc>
-                <a:spcPts val="6000"/>
-              </a:lnSpc>
-              <a:spcBef>
-                <a:spcPts val="3000"/>
-              </a:spcBef>
-              <a:spcAft>
-                <a:spcPts val="3000"/>
-              </a:spcAft>
-              <a:buClrTx/>
-              <a:buSzTx/>
-              <a:buFontTx/>
-              <a:buNone/>
-              <a:tabLst/>
-              <a:defRPr/>
-            </a:pPr>
-            <a:r>
-              <a:rPr kumimoji="0" lang="en-US" sz="4800" b="0" i="0" u="none" strike="noStrike" kern="1200" cap="none" spc="0" normalizeH="0" baseline="0" noProof="0" smtClean="0">
-                <a:ln>
-                  <a:noFill/>
-                </a:ln>
-                <a:solidFill>
-                  <a:srgbClr val="000000"/>
-                </a:solidFill>
-                <a:effectLst/>
-                <a:uLnTx/>
-                <a:uFillTx/>
-                <a:latin typeface="Yandex Sans Text Light" panose="02000000000000000000" pitchFamily="2" charset="-52"/>
-                <a:ea typeface="+mn-ea"/>
-                <a:cs typeface="+mn-cs"/>
-              </a:rPr>
-              <a:t>Bjarne Stroustrup</a:t>
-            </a:r>
-            <a:endParaRPr kumimoji="0" lang="ru-RU" sz="4800" b="0" i="0" u="none" strike="noStrike" kern="1200" cap="none" spc="0" normalizeH="0" baseline="0" noProof="0" dirty="0">
-              <a:ln>
-                <a:noFill/>
-              </a:ln>
-              <a:solidFill>
-                <a:srgbClr val="000000"/>
-              </a:solidFill>
-              <a:effectLst/>
-              <a:uLnTx/>
-              <a:uFillTx/>
-              <a:latin typeface="Yandex Sans Text Light" panose="02000000000000000000" pitchFamily="2" charset="-52"/>
-              <a:ea typeface="+mn-ea"/>
-              <a:cs typeface="+mn-cs"/>
-            </a:endParaRPr>
-          </a:p>
-        </p:txBody>
-      </p:sp>
-      <p:sp>
-        <p:nvSpPr>
-          <p:cNvPr id="11" name="Объект 2"/>
-          <p:cNvSpPr txBox="1">
-            <a:spLocks/>
-          </p:cNvSpPr>
-          <p:nvPr/>
-        </p:nvSpPr>
-        <p:spPr>
-          <a:xfrm>
-            <a:off x="3048001" y="3048001"/>
-            <a:ext cx="18263741" cy="7250114"/>
-          </a:xfrm>
-          <a:prstGeom prst="rect">
-            <a:avLst/>
-          </a:prstGeom>
-        </p:spPr>
-        <p:txBody>
-          <a:bodyPr vert="horz" wrap="square" lIns="0" tIns="107995" rIns="467977" bIns="45718" rtlCol="0" anchor="ctr">
-            <a:noAutofit/>
-          </a:bodyPr>
-          <a:lstStyle>
-            <a:lvl1pPr marL="791960" indent="-1115944" algn="l" defTabSz="1828619" rtl="0" eaLnBrk="1" latinLnBrk="0" hangingPunct="1">
-              <a:lnSpc>
-                <a:spcPts val="13999"/>
-              </a:lnSpc>
-              <a:spcBef>
-                <a:spcPts val="0"/>
-              </a:spcBef>
-              <a:spcAft>
-                <a:spcPts val="0"/>
-              </a:spcAft>
-              <a:buClr>
-                <a:schemeClr val="bg2"/>
-              </a:buClr>
-              <a:buSzPct val="104000"/>
-              <a:buFont typeface="Arial" panose="020B0604020202020204" pitchFamily="34" charset="0"/>
-              <a:buChar char="│"/>
-              <a:defRPr sz="12000" b="0" kern="1200" baseline="0">
-                <a:solidFill>
-                  <a:schemeClr val="bg1"/>
-                </a:solidFill>
-                <a:latin typeface="Yandex Sans Text Light" panose="02000000000000000000" pitchFamily="2" charset="-52"/>
-                <a:ea typeface="+mn-ea"/>
-                <a:cs typeface="+mn-cs"/>
-              </a:defRPr>
-            </a:lvl1pPr>
-            <a:lvl2pPr marL="431978" indent="-431978" algn="l" defTabSz="1907905" rtl="0" eaLnBrk="1" latinLnBrk="0" hangingPunct="1">
-              <a:lnSpc>
-                <a:spcPts val="6000"/>
-              </a:lnSpc>
-              <a:spcBef>
-                <a:spcPts val="0"/>
-              </a:spcBef>
-              <a:spcAft>
-                <a:spcPts val="0"/>
-              </a:spcAft>
-              <a:buClr>
-                <a:schemeClr val="tx2"/>
-              </a:buClr>
-              <a:buSzPct val="120000"/>
-              <a:buFont typeface="Impact" panose="020B0806030902050204" pitchFamily="34" charset="0"/>
-              <a:buChar char="▌"/>
-              <a:defRPr sz="4800" kern="1200" baseline="0">
-                <a:solidFill>
-                  <a:schemeClr val="tx1"/>
-                </a:solidFill>
-                <a:latin typeface="Yandex Sans Text Regular" pitchFamily="2" charset="-52"/>
-                <a:ea typeface="+mn-ea"/>
-                <a:cs typeface="+mn-cs"/>
-              </a:defRPr>
-            </a:lvl2pPr>
-            <a:lvl3pPr marL="1007950" indent="-539973" algn="l" defTabSz="1828619" rtl="0" eaLnBrk="1" latinLnBrk="0" hangingPunct="1">
-              <a:lnSpc>
-                <a:spcPts val="6000"/>
-              </a:lnSpc>
-              <a:spcBef>
-                <a:spcPts val="3000"/>
-              </a:spcBef>
-              <a:spcAft>
-                <a:spcPts val="0"/>
-              </a:spcAft>
-              <a:buSzPct val="150000"/>
-              <a:buFont typeface="Yandex Sans Text Light" panose="02000000000000000000" pitchFamily="2" charset="-52"/>
-              <a:buChar char="›"/>
-              <a:defRPr sz="4800" kern="1200">
-                <a:solidFill>
-                  <a:schemeClr val="tx1"/>
-                </a:solidFill>
-                <a:latin typeface="Yandex Sans Text Light" panose="02000000000000000000" pitchFamily="2" charset="-52"/>
-                <a:ea typeface="+mn-ea"/>
-                <a:cs typeface="+mn-cs"/>
-              </a:defRPr>
-            </a:lvl3pPr>
-            <a:lvl4pPr marL="1007950" indent="-539973" algn="l" defTabSz="1828619" rtl="0" eaLnBrk="1" latinLnBrk="0" hangingPunct="1">
-              <a:lnSpc>
-                <a:spcPts val="6000"/>
-              </a:lnSpc>
-              <a:spcBef>
-                <a:spcPts val="3000"/>
-              </a:spcBef>
-              <a:spcAft>
-                <a:spcPts val="0"/>
-              </a:spcAft>
-              <a:buFont typeface="+mj-lt"/>
-              <a:buAutoNum type="arabicPeriod"/>
-              <a:defRPr sz="4800" kern="1200">
-                <a:solidFill>
-                  <a:schemeClr val="tx1"/>
-                </a:solidFill>
-                <a:latin typeface="Yandex Sans Text Light" panose="02000000000000000000" pitchFamily="2" charset="-52"/>
-                <a:ea typeface="+mn-ea"/>
-                <a:cs typeface="+mn-cs"/>
-              </a:defRPr>
-            </a:lvl4pPr>
-            <a:lvl5pPr marL="0" indent="0" algn="l" defTabSz="1828619" rtl="0" eaLnBrk="1" latinLnBrk="0" hangingPunct="1">
-              <a:lnSpc>
-                <a:spcPts val="6000"/>
-              </a:lnSpc>
-              <a:spcBef>
-                <a:spcPts val="3000"/>
-              </a:spcBef>
-              <a:spcAft>
-                <a:spcPts val="3000"/>
-              </a:spcAft>
-              <a:buFontTx/>
-              <a:buNone/>
-              <a:defRPr sz="4800" kern="1200">
-                <a:solidFill>
-                  <a:schemeClr val="tx1"/>
-                </a:solidFill>
-                <a:latin typeface="+mn-lt"/>
-                <a:ea typeface="+mn-ea"/>
-                <a:cs typeface="+mn-cs"/>
-              </a:defRPr>
-            </a:lvl5pPr>
-            <a:lvl6pPr marL="5028699" indent="-457155" algn="l" defTabSz="1828619" rtl="0" eaLnBrk="1" latinLnBrk="0" hangingPunct="1">
-              <a:lnSpc>
-                <a:spcPct val="90000"/>
-              </a:lnSpc>
-              <a:spcBef>
-                <a:spcPts val="1000"/>
-              </a:spcBef>
-              <a:buFont typeface="Arial" panose="020B0604020202020204" pitchFamily="34" charset="0"/>
-              <a:buChar char="•"/>
-              <a:defRPr sz="3600" kern="1200">
-                <a:solidFill>
-                  <a:schemeClr val="tx1"/>
-                </a:solidFill>
-                <a:latin typeface="+mn-lt"/>
-                <a:ea typeface="+mn-ea"/>
-                <a:cs typeface="+mn-cs"/>
-              </a:defRPr>
-            </a:lvl6pPr>
-            <a:lvl7pPr marL="5943007" indent="-457155" algn="l" defTabSz="1828619" rtl="0" eaLnBrk="1" latinLnBrk="0" hangingPunct="1">
-              <a:lnSpc>
-                <a:spcPct val="90000"/>
-              </a:lnSpc>
-              <a:spcBef>
-                <a:spcPts val="1000"/>
-              </a:spcBef>
-              <a:buFont typeface="Arial" panose="020B0604020202020204" pitchFamily="34" charset="0"/>
-              <a:buChar char="•"/>
-              <a:defRPr sz="3600" kern="1200">
-                <a:solidFill>
-                  <a:schemeClr val="tx1"/>
-                </a:solidFill>
-                <a:latin typeface="+mn-lt"/>
-                <a:ea typeface="+mn-ea"/>
-                <a:cs typeface="+mn-cs"/>
-              </a:defRPr>
-            </a:lvl7pPr>
-            <a:lvl8pPr marL="6857315" indent="-457155" algn="l" defTabSz="1828619" rtl="0" eaLnBrk="1" latinLnBrk="0" hangingPunct="1">
-              <a:lnSpc>
-                <a:spcPct val="90000"/>
-              </a:lnSpc>
-              <a:spcBef>
-                <a:spcPts val="1000"/>
-              </a:spcBef>
-              <a:buFont typeface="Arial" panose="020B0604020202020204" pitchFamily="34" charset="0"/>
-              <a:buChar char="•"/>
-              <a:defRPr sz="3600" kern="1200">
-                <a:solidFill>
-                  <a:schemeClr val="tx1"/>
-                </a:solidFill>
-                <a:latin typeface="+mn-lt"/>
-                <a:ea typeface="+mn-ea"/>
-                <a:cs typeface="+mn-cs"/>
-              </a:defRPr>
-            </a:lvl8pPr>
-            <a:lvl9pPr marL="7771623" indent="-457155" algn="l" defTabSz="1828619" rtl="0" eaLnBrk="1" latinLnBrk="0" hangingPunct="1">
-              <a:lnSpc>
-                <a:spcPct val="90000"/>
-              </a:lnSpc>
-              <a:spcBef>
-                <a:spcPts val="1000"/>
-              </a:spcBef>
-              <a:buFont typeface="Arial" panose="020B0604020202020204" pitchFamily="34" charset="0"/>
-              <a:buChar char="•"/>
-              <a:defRPr sz="3600" kern="1200">
-                <a:solidFill>
-                  <a:schemeClr val="tx1"/>
-                </a:solidFill>
-                <a:latin typeface="+mn-lt"/>
-                <a:ea typeface="+mn-ea"/>
-                <a:cs typeface="+mn-cs"/>
-              </a:defRPr>
-            </a:lvl9pPr>
-          </a:lstStyle>
-          <a:p>
-            <a:pPr marL="791960" marR="0" lvl="0" indent="-1115944" algn="l" defTabSz="1828619" rtl="0" eaLnBrk="1" fontAlgn="auto" latinLnBrk="0" hangingPunct="1">
-              <a:lnSpc>
-                <a:spcPts val="13999"/>
-              </a:lnSpc>
-              <a:spcBef>
-                <a:spcPts val="0"/>
-              </a:spcBef>
-              <a:spcAft>
-                <a:spcPts val="0"/>
-              </a:spcAft>
-              <a:buClr>
-                <a:srgbClr val="FFCC00"/>
-              </a:buClr>
-              <a:buSzPct val="104000"/>
-              <a:buFont typeface="Arial" panose="020B0604020202020204" pitchFamily="34" charset="0"/>
-              <a:buChar char="│"/>
-              <a:tabLst/>
-              <a:defRPr/>
-            </a:pPr>
-            <a:r>
-              <a:rPr kumimoji="0" lang="en-US" sz="12000" b="0" i="0" u="none" strike="noStrike" kern="1200" cap="none" spc="0" normalizeH="0" baseline="0" noProof="0" smtClean="0">
-                <a:ln>
-                  <a:noFill/>
-                </a:ln>
-                <a:solidFill>
-                  <a:srgbClr val="000000"/>
-                </a:solidFill>
-                <a:effectLst/>
-                <a:uLnTx/>
-                <a:uFillTx/>
-                <a:latin typeface="Yandex Sans Text Light" panose="02000000000000000000" pitchFamily="2" charset="-52"/>
-                <a:ea typeface="+mn-ea"/>
-                <a:cs typeface="+mn-cs"/>
-              </a:rPr>
-              <a:t>Teaching is relatively</a:t>
-            </a:r>
-            <a:endParaRPr kumimoji="0" lang="ru-RU" sz="12000" b="0" i="0" u="none" strike="noStrike" kern="1200" cap="none" spc="0" normalizeH="0" baseline="0" noProof="0" smtClean="0">
-              <a:ln>
-                <a:noFill/>
-              </a:ln>
-              <a:solidFill>
-                <a:srgbClr val="000000"/>
-              </a:solidFill>
-              <a:effectLst/>
-              <a:uLnTx/>
-              <a:uFillTx/>
-              <a:latin typeface="Yandex Sans Text Light" panose="02000000000000000000" pitchFamily="2" charset="-52"/>
-              <a:ea typeface="+mn-ea"/>
-              <a:cs typeface="+mn-cs"/>
-            </a:endParaRPr>
-          </a:p>
-          <a:p>
-            <a:pPr marL="791960" marR="0" lvl="0" indent="-1115944" algn="l" defTabSz="1828619" rtl="0" eaLnBrk="1" fontAlgn="auto" latinLnBrk="0" hangingPunct="1">
-              <a:lnSpc>
-                <a:spcPts val="13999"/>
-              </a:lnSpc>
-              <a:spcBef>
-                <a:spcPts val="0"/>
-              </a:spcBef>
-              <a:spcAft>
-                <a:spcPts val="0"/>
-              </a:spcAft>
-              <a:buClr>
-                <a:srgbClr val="FFCC00"/>
-              </a:buClr>
-              <a:buSzPct val="104000"/>
-              <a:buFont typeface="Arial" panose="020B0604020202020204" pitchFamily="34" charset="0"/>
-              <a:buChar char="│"/>
-              <a:tabLst/>
-              <a:defRPr/>
-            </a:pPr>
-            <a:r>
-              <a:rPr kumimoji="0" lang="en-US" sz="12000" b="0" i="0" u="none" strike="noStrike" kern="1200" cap="none" spc="0" normalizeH="0" baseline="0" noProof="0" smtClean="0">
-                <a:ln>
-                  <a:noFill/>
-                </a:ln>
-                <a:solidFill>
-                  <a:srgbClr val="000000"/>
-                </a:solidFill>
-                <a:effectLst/>
-                <a:uLnTx/>
-                <a:uFillTx/>
-                <a:latin typeface="Yandex Sans Text Light" panose="02000000000000000000" pitchFamily="2" charset="-52"/>
-                <a:ea typeface="+mn-ea"/>
-                <a:cs typeface="+mn-cs"/>
-              </a:rPr>
-              <a:t>easy. Getting people</a:t>
-            </a:r>
-            <a:endParaRPr kumimoji="0" lang="ru-RU" sz="12000" b="0" i="0" u="none" strike="noStrike" kern="1200" cap="none" spc="0" normalizeH="0" baseline="0" noProof="0" smtClean="0">
-              <a:ln>
-                <a:noFill/>
-              </a:ln>
-              <a:solidFill>
-                <a:srgbClr val="000000"/>
-              </a:solidFill>
-              <a:effectLst/>
-              <a:uLnTx/>
-              <a:uFillTx/>
-              <a:latin typeface="Yandex Sans Text Light" panose="02000000000000000000" pitchFamily="2" charset="-52"/>
-              <a:ea typeface="+mn-ea"/>
-              <a:cs typeface="+mn-cs"/>
-            </a:endParaRPr>
-          </a:p>
-          <a:p>
-            <a:pPr marL="791960" marR="0" lvl="0" indent="-1115944" algn="l" defTabSz="1828619" rtl="0" eaLnBrk="1" fontAlgn="auto" latinLnBrk="0" hangingPunct="1">
-              <a:lnSpc>
-                <a:spcPts val="13999"/>
-              </a:lnSpc>
-              <a:spcBef>
-                <a:spcPts val="0"/>
-              </a:spcBef>
-              <a:spcAft>
-                <a:spcPts val="0"/>
-              </a:spcAft>
-              <a:buClr>
-                <a:srgbClr val="FFCC00"/>
-              </a:buClr>
-              <a:buSzPct val="104000"/>
-              <a:buFont typeface="Arial" panose="020B0604020202020204" pitchFamily="34" charset="0"/>
-              <a:buChar char="│"/>
-              <a:tabLst/>
-              <a:defRPr/>
-            </a:pPr>
-            <a:r>
-              <a:rPr kumimoji="0" lang="en-US" sz="12000" b="0" i="0" u="none" strike="noStrike" kern="1200" cap="none" spc="0" normalizeH="0" baseline="0" noProof="0" smtClean="0">
-                <a:ln>
-                  <a:noFill/>
-                </a:ln>
-                <a:solidFill>
-                  <a:srgbClr val="000000"/>
-                </a:solidFill>
-                <a:effectLst/>
-                <a:uLnTx/>
-                <a:uFillTx/>
-                <a:latin typeface="Yandex Sans Text Light" panose="02000000000000000000" pitchFamily="2" charset="-52"/>
-                <a:ea typeface="+mn-ea"/>
-                <a:cs typeface="+mn-cs"/>
-              </a:rPr>
-              <a:t>to</a:t>
-            </a:r>
-            <a:r>
-              <a:rPr kumimoji="0" lang="ru-RU" sz="12000" b="0" i="0" u="none" strike="noStrike" kern="1200" cap="none" spc="0" normalizeH="0" baseline="0" noProof="0" smtClean="0">
-                <a:ln>
-                  <a:noFill/>
-                </a:ln>
-                <a:solidFill>
-                  <a:srgbClr val="000000"/>
-                </a:solidFill>
-                <a:effectLst/>
-                <a:uLnTx/>
-                <a:uFillTx/>
-                <a:latin typeface="Yandex Sans Text Light" panose="02000000000000000000" pitchFamily="2" charset="-52"/>
-                <a:ea typeface="+mn-ea"/>
-                <a:cs typeface="+mn-cs"/>
-              </a:rPr>
-              <a:t> </a:t>
-            </a:r>
-            <a:r>
-              <a:rPr kumimoji="0" lang="en-US" sz="12000" b="0" i="0" u="none" strike="noStrike" kern="1200" cap="none" spc="0" normalizeH="0" baseline="0" noProof="0" smtClean="0">
-                <a:ln>
-                  <a:noFill/>
-                </a:ln>
-                <a:solidFill>
-                  <a:srgbClr val="000000"/>
-                </a:solidFill>
-                <a:effectLst/>
-                <a:uLnTx/>
-                <a:uFillTx/>
-                <a:latin typeface="Yandex Sans Text Light" panose="02000000000000000000" pitchFamily="2" charset="-52"/>
-                <a:ea typeface="+mn-ea"/>
-                <a:cs typeface="+mn-cs"/>
-              </a:rPr>
-              <a:t>learn is hard</a:t>
-            </a:r>
-            <a:endParaRPr kumimoji="0" lang="ru-RU" sz="12000" b="0" i="0" u="none" strike="noStrike" kern="1200" cap="none" spc="0" normalizeH="0" baseline="0" noProof="0" dirty="0">
-              <a:ln>
-                <a:noFill/>
-              </a:ln>
-              <a:solidFill>
-                <a:srgbClr val="000000"/>
-              </a:solidFill>
-              <a:effectLst/>
-              <a:uLnTx/>
-              <a:uFillTx/>
-              <a:latin typeface="Yandex Sans Text Light" panose="02000000000000000000" pitchFamily="2" charset="-52"/>
-              <a:ea typeface="+mn-ea"/>
-              <a:cs typeface="+mn-cs"/>
-            </a:endParaRPr>
-          </a:p>
-        </p:txBody>
-      </p:sp>
-    </p:spTree>
-    <p:extLst>
-      <p:ext uri="{BB962C8B-B14F-4D97-AF65-F5344CB8AC3E}">
-        <p14:creationId xmlns:p14="http://schemas.microsoft.com/office/powerpoint/2010/main" val="3487108593"/>
       </p:ext>
     </p:extLst>
   </p:cSld>
@@ -23129,12 +24694,12 @@
       </p:grpSpPr>
       <p:sp>
         <p:nvSpPr>
-          <p:cNvPr id="2" name="Заголовок 1"/>
+          <p:cNvPr id="2" name="Текст 1"/>
           <p:cNvSpPr>
             <a:spLocks noGrp="1"/>
           </p:cNvSpPr>
           <p:nvPr>
-            <p:ph type="title"/>
+            <p:ph type="body" idx="1"/>
           </p:nvPr>
         </p:nvSpPr>
         <p:spPr/>
@@ -23144,7 +24709,15 @@
           <a:p>
             <a:r>
               <a:rPr lang="ru-RU" dirty="0" smtClean="0"/>
-              <a:t>Практичность</a:t>
+              <a:t>Отзыв на «Белый пояс по </a:t>
+            </a:r>
+            <a:r>
+              <a:rPr lang="en-US" dirty="0" smtClean="0"/>
+              <a:t>C++</a:t>
+            </a:r>
+            <a:r>
+              <a:rPr lang="ru-RU" dirty="0" smtClean="0"/>
+              <a:t>»</a:t>
             </a:r>
             <a:endParaRPr lang="ru-RU" dirty="0"/>
           </a:p>
@@ -23152,12 +24725,12 @@
       </p:sp>
       <p:sp>
         <p:nvSpPr>
-          <p:cNvPr id="4" name="Нижний колонтитул 3"/>
+          <p:cNvPr id="3" name="Объект 2"/>
           <p:cNvSpPr>
             <a:spLocks noGrp="1"/>
           </p:cNvSpPr>
           <p:nvPr>
-            <p:ph type="ftr" sz="quarter" idx="11"/>
+            <p:ph sz="half" idx="10"/>
           </p:nvPr>
         </p:nvSpPr>
         <p:spPr/>
@@ -23165,489 +24738,66 @@
           <a:bodyPr/>
           <a:lstStyle/>
           <a:p>
-            <a:endParaRPr lang="ru-RU"/>
-          </a:p>
-        </p:txBody>
-      </p:sp>
-      <p:sp>
-        <p:nvSpPr>
-          <p:cNvPr id="5" name="Номер слайда 4"/>
-          <p:cNvSpPr>
-            <a:spLocks noGrp="1"/>
-          </p:cNvSpPr>
-          <p:nvPr>
-            <p:ph type="sldNum" sz="quarter" idx="12"/>
-          </p:nvPr>
-        </p:nvSpPr>
-        <p:spPr/>
-        <p:txBody>
-          <a:bodyPr/>
-          <a:lstStyle/>
-          <a:p>
-            <a:fld id="{741C03D3-FA44-40EC-9A21-1FC4FEA3E22E}" type="slidenum">
-              <a:rPr lang="ru-RU" smtClean="0"/>
-              <a:t>29</a:t>
-            </a:fld>
-            <a:endParaRPr lang="ru-RU"/>
-          </a:p>
-        </p:txBody>
-      </p:sp>
-      <p:sp>
-        <p:nvSpPr>
-          <p:cNvPr id="6" name="Объект 5"/>
-          <p:cNvSpPr>
-            <a:spLocks noGrp="1"/>
-          </p:cNvSpPr>
-          <p:nvPr>
-            <p:ph idx="13"/>
-          </p:nvPr>
-        </p:nvSpPr>
-        <p:spPr>
-          <a:noFill/>
-        </p:spPr>
-        <p:txBody>
-          <a:bodyPr/>
-          <a:lstStyle/>
-          <a:p>
-            <a:r>
-              <a:rPr lang="ru-RU" altLang="ru-RU" sz="5400" dirty="0" err="1">
-                <a:solidFill>
-                  <a:srgbClr val="9100DC"/>
-                </a:solidFill>
-                <a:latin typeface="Consolas" panose="020B0609020204030204" pitchFamily="49" charset="0"/>
-              </a:rPr>
-              <a:t>void</a:t>
-            </a:r>
-            <a:r>
-              <a:rPr lang="ru-RU" altLang="ru-RU" sz="5400" dirty="0">
-                <a:solidFill>
-                  <a:srgbClr val="9100DC"/>
-                </a:solidFill>
-                <a:latin typeface="Consolas" panose="020B0609020204030204" pitchFamily="49" charset="0"/>
-              </a:rPr>
-              <a:t> </a:t>
-            </a:r>
-            <a:r>
-              <a:rPr lang="ru-RU" altLang="ru-RU" sz="5400" dirty="0" err="1">
-                <a:solidFill>
-                  <a:srgbClr val="3878BE"/>
-                </a:solidFill>
-                <a:latin typeface="Consolas" panose="020B0609020204030204" pitchFamily="49" charset="0"/>
-              </a:rPr>
-              <a:t>PrintSize</a:t>
-            </a:r>
-            <a:r>
-              <a:rPr lang="ru-RU" altLang="ru-RU" sz="5400" dirty="0">
-                <a:solidFill>
-                  <a:srgbClr val="000000"/>
-                </a:solidFill>
-                <a:latin typeface="Consolas" panose="020B0609020204030204" pitchFamily="49" charset="0"/>
-              </a:rPr>
-              <a:t>(</a:t>
-            </a:r>
-            <a:r>
-              <a:rPr lang="ru-RU" altLang="ru-RU" sz="5400" dirty="0" err="1">
-                <a:solidFill>
-                  <a:srgbClr val="9100DC"/>
-                </a:solidFill>
-                <a:latin typeface="Consolas" panose="020B0609020204030204" pitchFamily="49" charset="0"/>
-              </a:rPr>
-              <a:t>const</a:t>
-            </a:r>
-            <a:r>
-              <a:rPr lang="ru-RU" altLang="ru-RU" sz="5400" dirty="0">
-                <a:solidFill>
-                  <a:srgbClr val="9100DC"/>
-                </a:solidFill>
-                <a:latin typeface="Consolas" panose="020B0609020204030204" pitchFamily="49" charset="0"/>
-              </a:rPr>
-              <a:t> </a:t>
-            </a:r>
-            <a:r>
-              <a:rPr lang="ru-RU" altLang="ru-RU" sz="5400" dirty="0" err="1">
-                <a:solidFill>
-                  <a:srgbClr val="9100DC"/>
-                </a:solidFill>
-                <a:latin typeface="Consolas" panose="020B0609020204030204" pitchFamily="49" charset="0"/>
-              </a:rPr>
-              <a:t>vector</a:t>
-            </a:r>
-            <a:r>
-              <a:rPr lang="ru-RU" altLang="ru-RU" sz="5400" dirty="0">
-                <a:solidFill>
-                  <a:srgbClr val="000000"/>
-                </a:solidFill>
-                <a:latin typeface="Consolas" panose="020B0609020204030204" pitchFamily="49" charset="0"/>
-              </a:rPr>
-              <a:t>&lt;</a:t>
-            </a:r>
-            <a:r>
-              <a:rPr lang="ru-RU" altLang="ru-RU" sz="5400" dirty="0" err="1">
-                <a:solidFill>
-                  <a:srgbClr val="9100DC"/>
-                </a:solidFill>
-                <a:latin typeface="Consolas" panose="020B0609020204030204" pitchFamily="49" charset="0"/>
-              </a:rPr>
-              <a:t>Person</a:t>
-            </a:r>
-            <a:r>
-              <a:rPr lang="ru-RU" altLang="ru-RU" sz="5400" dirty="0">
-                <a:solidFill>
-                  <a:srgbClr val="000000"/>
-                </a:solidFill>
-                <a:latin typeface="Consolas" panose="020B0609020204030204" pitchFamily="49" charset="0"/>
-              </a:rPr>
-              <a:t>&gt;&amp; </a:t>
-            </a:r>
-            <a:r>
-              <a:rPr lang="ru-RU" altLang="ru-RU" sz="5400" dirty="0" err="1">
-                <a:solidFill>
-                  <a:srgbClr val="000000"/>
-                </a:solidFill>
-                <a:latin typeface="Consolas" panose="020B0609020204030204" pitchFamily="49" charset="0"/>
-              </a:rPr>
-              <a:t>people</a:t>
-            </a:r>
-            <a:r>
-              <a:rPr lang="ru-RU" altLang="ru-RU" sz="5400" dirty="0">
-                <a:solidFill>
-                  <a:srgbClr val="000000"/>
-                </a:solidFill>
-                <a:latin typeface="Consolas" panose="020B0609020204030204" pitchFamily="49" charset="0"/>
-              </a:rPr>
-              <a:t>) {</a:t>
-            </a:r>
-            <a:br>
-              <a:rPr lang="ru-RU" altLang="ru-RU" sz="5400" dirty="0">
-                <a:solidFill>
-                  <a:srgbClr val="000000"/>
-                </a:solidFill>
-                <a:latin typeface="Consolas" panose="020B0609020204030204" pitchFamily="49" charset="0"/>
-              </a:rPr>
-            </a:br>
-            <a:r>
-              <a:rPr lang="ru-RU" altLang="ru-RU" sz="5400" dirty="0">
-                <a:solidFill>
-                  <a:srgbClr val="000000"/>
-                </a:solidFill>
-                <a:latin typeface="Consolas" panose="020B0609020204030204" pitchFamily="49" charset="0"/>
-              </a:rPr>
-              <a:t>  </a:t>
-            </a:r>
-            <a:r>
-              <a:rPr lang="ru-RU" altLang="ru-RU" sz="5400" dirty="0" err="1">
-                <a:solidFill>
-                  <a:srgbClr val="000000"/>
-                </a:solidFill>
-                <a:latin typeface="Consolas" panose="020B0609020204030204" pitchFamily="49" charset="0"/>
-              </a:rPr>
-              <a:t>cout</a:t>
-            </a:r>
-            <a:r>
-              <a:rPr lang="ru-RU" altLang="ru-RU" sz="5400" dirty="0">
-                <a:solidFill>
-                  <a:srgbClr val="000000"/>
-                </a:solidFill>
-                <a:latin typeface="Consolas" panose="020B0609020204030204" pitchFamily="49" charset="0"/>
-              </a:rPr>
-              <a:t> </a:t>
-            </a:r>
-            <a:r>
-              <a:rPr lang="ru-RU" altLang="ru-RU" sz="5400" dirty="0">
-                <a:solidFill>
-                  <a:srgbClr val="008080"/>
-                </a:solidFill>
-                <a:latin typeface="Consolas" panose="020B0609020204030204" pitchFamily="49" charset="0"/>
-              </a:rPr>
-              <a:t>&lt;&lt; </a:t>
-            </a:r>
-            <a:r>
-              <a:rPr lang="ru-RU" altLang="ru-RU" sz="5400" dirty="0" err="1">
-                <a:solidFill>
-                  <a:srgbClr val="000000"/>
-                </a:solidFill>
-                <a:latin typeface="Consolas" panose="020B0609020204030204" pitchFamily="49" charset="0"/>
-              </a:rPr>
-              <a:t>people.</a:t>
-            </a:r>
-            <a:r>
-              <a:rPr lang="ru-RU" altLang="ru-RU" sz="5400" dirty="0" err="1">
-                <a:solidFill>
-                  <a:srgbClr val="3878BE"/>
-                </a:solidFill>
-                <a:latin typeface="Consolas" panose="020B0609020204030204" pitchFamily="49" charset="0"/>
-              </a:rPr>
-              <a:t>size</a:t>
-            </a:r>
-            <a:r>
-              <a:rPr lang="ru-RU" altLang="ru-RU" sz="5400" dirty="0">
-                <a:solidFill>
-                  <a:srgbClr val="000000"/>
-                </a:solidFill>
-                <a:latin typeface="Consolas" panose="020B0609020204030204" pitchFamily="49" charset="0"/>
-              </a:rPr>
-              <a:t>() </a:t>
-            </a:r>
-            <a:r>
-              <a:rPr lang="ru-RU" altLang="ru-RU" sz="5400" dirty="0">
-                <a:solidFill>
-                  <a:srgbClr val="008080"/>
-                </a:solidFill>
-                <a:latin typeface="Consolas" panose="020B0609020204030204" pitchFamily="49" charset="0"/>
-              </a:rPr>
-              <a:t>&lt;&lt; </a:t>
-            </a:r>
-            <a:r>
-              <a:rPr lang="ru-RU" altLang="ru-RU" sz="5400" dirty="0" err="1">
-                <a:solidFill>
-                  <a:srgbClr val="3878BE"/>
-                </a:solidFill>
-                <a:latin typeface="Consolas" panose="020B0609020204030204" pitchFamily="49" charset="0"/>
-              </a:rPr>
-              <a:t>endl</a:t>
-            </a:r>
-            <a:r>
-              <a:rPr lang="ru-RU" altLang="ru-RU" sz="5400" dirty="0">
-                <a:solidFill>
-                  <a:srgbClr val="000000"/>
-                </a:solidFill>
-                <a:latin typeface="Consolas" panose="020B0609020204030204" pitchFamily="49" charset="0"/>
-              </a:rPr>
-              <a:t>;</a:t>
-            </a:r>
-            <a:br>
-              <a:rPr lang="ru-RU" altLang="ru-RU" sz="5400" dirty="0">
-                <a:solidFill>
-                  <a:srgbClr val="000000"/>
-                </a:solidFill>
-                <a:latin typeface="Consolas" panose="020B0609020204030204" pitchFamily="49" charset="0"/>
-              </a:rPr>
-            </a:br>
-            <a:r>
-              <a:rPr lang="ru-RU" altLang="ru-RU" sz="5400" dirty="0">
-                <a:solidFill>
-                  <a:srgbClr val="000000"/>
-                </a:solidFill>
-                <a:latin typeface="Consolas" panose="020B0609020204030204" pitchFamily="49" charset="0"/>
-              </a:rPr>
-              <a:t>}</a:t>
-            </a:r>
-            <a:br>
-              <a:rPr lang="ru-RU" altLang="ru-RU" sz="5400" dirty="0">
-                <a:solidFill>
-                  <a:srgbClr val="000000"/>
-                </a:solidFill>
-                <a:latin typeface="Consolas" panose="020B0609020204030204" pitchFamily="49" charset="0"/>
-              </a:rPr>
-            </a:br>
-            <a:r>
-              <a:rPr lang="ru-RU" altLang="ru-RU" sz="5400" dirty="0" err="1" smtClean="0">
-                <a:solidFill>
-                  <a:srgbClr val="9100DC"/>
-                </a:solidFill>
-                <a:latin typeface="Consolas" panose="020B0609020204030204" pitchFamily="49" charset="0"/>
-              </a:rPr>
-              <a:t>int</a:t>
-            </a:r>
-            <a:r>
-              <a:rPr lang="ru-RU" altLang="ru-RU" sz="5400" dirty="0" smtClean="0">
-                <a:solidFill>
-                  <a:srgbClr val="9100DC"/>
-                </a:solidFill>
-                <a:latin typeface="Consolas" panose="020B0609020204030204" pitchFamily="49" charset="0"/>
-              </a:rPr>
-              <a:t> </a:t>
-            </a:r>
-            <a:r>
-              <a:rPr lang="ru-RU" altLang="ru-RU" sz="5400" dirty="0" err="1">
-                <a:solidFill>
-                  <a:srgbClr val="3878BE"/>
-                </a:solidFill>
-                <a:latin typeface="Consolas" panose="020B0609020204030204" pitchFamily="49" charset="0"/>
-              </a:rPr>
-              <a:t>main</a:t>
-            </a:r>
-            <a:r>
-              <a:rPr lang="ru-RU" altLang="ru-RU" sz="5400" dirty="0">
-                <a:solidFill>
-                  <a:srgbClr val="000000"/>
-                </a:solidFill>
-                <a:latin typeface="Consolas" panose="020B0609020204030204" pitchFamily="49" charset="0"/>
-              </a:rPr>
-              <a:t>() {</a:t>
-            </a:r>
-            <a:br>
-              <a:rPr lang="ru-RU" altLang="ru-RU" sz="5400" dirty="0">
-                <a:solidFill>
-                  <a:srgbClr val="000000"/>
-                </a:solidFill>
-                <a:latin typeface="Consolas" panose="020B0609020204030204" pitchFamily="49" charset="0"/>
-              </a:rPr>
-            </a:br>
-            <a:r>
-              <a:rPr lang="ru-RU" altLang="ru-RU" sz="5400" dirty="0">
-                <a:solidFill>
-                  <a:srgbClr val="000000"/>
-                </a:solidFill>
-                <a:latin typeface="Consolas" panose="020B0609020204030204" pitchFamily="49" charset="0"/>
-              </a:rPr>
-              <a:t>  </a:t>
-            </a:r>
-            <a:r>
-              <a:rPr lang="ru-RU" altLang="ru-RU" sz="5400" dirty="0" err="1">
-                <a:solidFill>
-                  <a:srgbClr val="9100DC"/>
-                </a:solidFill>
-                <a:latin typeface="Consolas" panose="020B0609020204030204" pitchFamily="49" charset="0"/>
-              </a:rPr>
-              <a:t>vector</a:t>
-            </a:r>
-            <a:r>
-              <a:rPr lang="ru-RU" altLang="ru-RU" sz="5400" dirty="0">
-                <a:solidFill>
-                  <a:srgbClr val="000000"/>
-                </a:solidFill>
-                <a:latin typeface="Consolas" panose="020B0609020204030204" pitchFamily="49" charset="0"/>
-              </a:rPr>
-              <a:t>&lt;</a:t>
-            </a:r>
-            <a:r>
-              <a:rPr lang="ru-RU" altLang="ru-RU" sz="5400" dirty="0" err="1">
-                <a:solidFill>
-                  <a:srgbClr val="9100DC"/>
-                </a:solidFill>
-                <a:latin typeface="Consolas" panose="020B0609020204030204" pitchFamily="49" charset="0"/>
-              </a:rPr>
-              <a:t>Person</a:t>
-            </a:r>
-            <a:r>
-              <a:rPr lang="ru-RU" altLang="ru-RU" sz="5400" dirty="0">
-                <a:solidFill>
-                  <a:srgbClr val="000000"/>
-                </a:solidFill>
-                <a:latin typeface="Consolas" panose="020B0609020204030204" pitchFamily="49" charset="0"/>
-              </a:rPr>
-              <a:t>&gt; </a:t>
-            </a:r>
-            <a:r>
-              <a:rPr lang="ru-RU" altLang="ru-RU" sz="5400" dirty="0" err="1">
-                <a:solidFill>
-                  <a:srgbClr val="000000"/>
-                </a:solidFill>
-                <a:latin typeface="Consolas" panose="020B0609020204030204" pitchFamily="49" charset="0"/>
-              </a:rPr>
-              <a:t>people</a:t>
-            </a:r>
-            <a:r>
-              <a:rPr lang="ru-RU" altLang="ru-RU" sz="5400" dirty="0">
-                <a:solidFill>
-                  <a:srgbClr val="000000"/>
-                </a:solidFill>
-                <a:latin typeface="Consolas" panose="020B0609020204030204" pitchFamily="49" charset="0"/>
-              </a:rPr>
-              <a:t>(</a:t>
-            </a:r>
-            <a:r>
-              <a:rPr lang="ru-RU" altLang="ru-RU" sz="5400" dirty="0">
-                <a:solidFill>
-                  <a:srgbClr val="FFAA00"/>
-                </a:solidFill>
-                <a:latin typeface="Consolas" panose="020B0609020204030204" pitchFamily="49" charset="0"/>
-              </a:rPr>
-              <a:t>15'000'000</a:t>
-            </a:r>
-            <a:r>
-              <a:rPr lang="ru-RU" altLang="ru-RU" sz="5400" dirty="0">
-                <a:solidFill>
-                  <a:srgbClr val="000000"/>
-                </a:solidFill>
-                <a:latin typeface="Consolas" panose="020B0609020204030204" pitchFamily="49" charset="0"/>
-              </a:rPr>
-              <a:t>);</a:t>
-            </a:r>
-            <a:br>
-              <a:rPr lang="ru-RU" altLang="ru-RU" sz="5400" dirty="0">
-                <a:solidFill>
-                  <a:srgbClr val="000000"/>
-                </a:solidFill>
-                <a:latin typeface="Consolas" panose="020B0609020204030204" pitchFamily="49" charset="0"/>
-              </a:rPr>
-            </a:br>
-            <a:r>
-              <a:rPr lang="ru-RU" altLang="ru-RU" sz="5400" dirty="0">
-                <a:solidFill>
-                  <a:srgbClr val="000000"/>
-                </a:solidFill>
-                <a:latin typeface="Consolas" panose="020B0609020204030204" pitchFamily="49" charset="0"/>
-              </a:rPr>
-              <a:t>  </a:t>
-            </a:r>
-            <a:r>
-              <a:rPr lang="ru-RU" altLang="ru-RU" sz="5400" dirty="0" err="1">
-                <a:solidFill>
-                  <a:srgbClr val="3878BE"/>
-                </a:solidFill>
-                <a:latin typeface="Consolas" panose="020B0609020204030204" pitchFamily="49" charset="0"/>
-              </a:rPr>
-              <a:t>PrintSize</a:t>
-            </a:r>
-            <a:r>
-              <a:rPr lang="ru-RU" altLang="ru-RU" sz="5400" dirty="0">
-                <a:solidFill>
-                  <a:srgbClr val="000000"/>
-                </a:solidFill>
-                <a:latin typeface="Consolas" panose="020B0609020204030204" pitchFamily="49" charset="0"/>
-              </a:rPr>
-              <a:t>(</a:t>
-            </a:r>
-            <a:r>
-              <a:rPr lang="ru-RU" altLang="ru-RU" sz="5400" dirty="0" err="1">
-                <a:solidFill>
-                  <a:srgbClr val="000000"/>
-                </a:solidFill>
-                <a:latin typeface="Consolas" panose="020B0609020204030204" pitchFamily="49" charset="0"/>
-              </a:rPr>
-              <a:t>people</a:t>
-            </a:r>
-            <a:r>
-              <a:rPr lang="ru-RU" altLang="ru-RU" sz="5400" dirty="0">
-                <a:solidFill>
-                  <a:srgbClr val="000000"/>
-                </a:solidFill>
-                <a:latin typeface="Consolas" panose="020B0609020204030204" pitchFamily="49" charset="0"/>
-              </a:rPr>
-              <a:t>);</a:t>
-            </a:r>
-            <a:br>
-              <a:rPr lang="ru-RU" altLang="ru-RU" sz="5400" dirty="0">
-                <a:solidFill>
-                  <a:srgbClr val="000000"/>
-                </a:solidFill>
-                <a:latin typeface="Consolas" panose="020B0609020204030204" pitchFamily="49" charset="0"/>
-              </a:rPr>
-            </a:br>
-            <a:r>
-              <a:rPr lang="ru-RU" altLang="ru-RU" sz="5400" dirty="0" smtClean="0">
-                <a:solidFill>
-                  <a:srgbClr val="000000"/>
-                </a:solidFill>
-                <a:latin typeface="Consolas" panose="020B0609020204030204" pitchFamily="49" charset="0"/>
-              </a:rPr>
-              <a:t>}</a:t>
-            </a:r>
-            <a:endParaRPr lang="ru-RU" altLang="ru-RU" sz="5400" dirty="0">
-              <a:solidFill>
-                <a:schemeClr val="tx1"/>
-              </a:solidFill>
-              <a:latin typeface="Arial" panose="020B0604020202020204" pitchFamily="34" charset="0"/>
-            </a:endParaRPr>
+            <a:r>
+              <a:rPr lang="ru-RU" dirty="0" smtClean="0"/>
+              <a:t>Этот </a:t>
+            </a:r>
+            <a:r>
+              <a:rPr lang="ru-RU" dirty="0"/>
+              <a:t>курс показал </a:t>
+            </a:r>
+            <a:r>
+              <a:rPr lang="ru-RU" dirty="0" smtClean="0"/>
+              <a:t>мне</a:t>
+            </a:r>
+            <a:endParaRPr lang="en-US" dirty="0" smtClean="0"/>
+          </a:p>
+          <a:p>
+            <a:r>
+              <a:rPr lang="ru-RU" dirty="0" smtClean="0"/>
+              <a:t>нормальный </a:t>
+            </a:r>
+            <a:r>
+              <a:rPr lang="ru-RU" dirty="0"/>
+              <a:t>C++, а </a:t>
+            </a:r>
+            <a:r>
+              <a:rPr lang="ru-RU" dirty="0" smtClean="0"/>
+              <a:t>не</a:t>
+            </a:r>
+            <a:endParaRPr lang="en-US" dirty="0" smtClean="0"/>
+          </a:p>
+          <a:p>
+            <a:r>
+              <a:rPr lang="ru-RU" dirty="0" smtClean="0"/>
+              <a:t>тот</a:t>
+            </a:r>
+            <a:r>
+              <a:rPr lang="ru-RU" dirty="0"/>
+              <a:t>, которому </a:t>
+            </a:r>
+            <a:r>
+              <a:rPr lang="ru-RU" dirty="0" smtClean="0"/>
+              <a:t>меня</a:t>
+            </a:r>
+            <a:endParaRPr lang="en-US" dirty="0" smtClean="0"/>
+          </a:p>
+          <a:p>
+            <a:r>
+              <a:rPr lang="ru-RU" dirty="0" smtClean="0"/>
+              <a:t>учили </a:t>
+            </a:r>
+            <a:r>
+              <a:rPr lang="ru-RU" dirty="0"/>
+              <a:t>в университете.</a:t>
+            </a:r>
           </a:p>
         </p:txBody>
       </p:sp>
     </p:spTree>
     <p:extLst>
       <p:ext uri="{BB962C8B-B14F-4D97-AF65-F5344CB8AC3E}">
-        <p14:creationId xmlns:p14="http://schemas.microsoft.com/office/powerpoint/2010/main" val="291813132"/>
+        <p14:creationId xmlns:p14="http://schemas.microsoft.com/office/powerpoint/2010/main" val="3690274279"/>
       </p:ext>
     </p:extLst>
   </p:cSld>
@@ -23657,85 +24807,7 @@
   <p:timing>
     <p:tnLst>
       <p:par>
-        <p:cTn id="1" dur="indefinite" restart="never" nodeType="tmRoot">
-          <p:childTnLst>
-            <p:seq concurrent="1" nextAc="seek">
-              <p:cTn id="2" dur="indefinite" nodeType="mainSeq">
-                <p:childTnLst>
-                  <p:par>
-                    <p:cTn id="3" fill="hold">
-                      <p:stCondLst>
-                        <p:cond delay="indefinite"/>
-                        <p:cond evt="onBegin" delay="0">
-                          <p:tn val="2"/>
-                        </p:cond>
-                      </p:stCondLst>
-                      <p:childTnLst>
-                        <p:par>
-                          <p:cTn id="4" fill="hold">
-                            <p:stCondLst>
-                              <p:cond delay="0"/>
-                            </p:stCondLst>
-                            <p:childTnLst>
-                              <p:par>
-                                <p:cTn id="5" presetID="1" presetClass="entr" presetSubtype="0" fill="hold" nodeType="withEffect">
-                                  <p:stCondLst>
-                                    <p:cond delay="0"/>
-                                  </p:stCondLst>
-                                  <p:iterate type="wd">
-                                    <p:tmAbs val="400"/>
-                                  </p:iterate>
-                                  <p:childTnLst>
-                                    <p:set>
-                                      <p:cBhvr>
-                                        <p:cTn id="6" dur="1" fill="hold">
-                                          <p:stCondLst>
-                                            <p:cond delay="0"/>
-                                          </p:stCondLst>
-                                        </p:cTn>
-                                        <p:tgtEl>
-                                          <p:spTgt spid="6">
-                                            <p:txEl>
-                                              <p:pRg st="0" end="0"/>
-                                            </p:txEl>
-                                          </p:spTgt>
-                                        </p:tgtEl>
-                                        <p:attrNameLst>
-                                          <p:attrName>style.visibility</p:attrName>
-                                        </p:attrNameLst>
-                                      </p:cBhvr>
-                                      <p:to>
-                                        <p:strVal val="visible"/>
-                                      </p:to>
-                                    </p:set>
-                                  </p:childTnLst>
-                                </p:cTn>
-                              </p:par>
-                            </p:childTnLst>
-                          </p:cTn>
-                        </p:par>
-                      </p:childTnLst>
-                    </p:cTn>
-                  </p:par>
-                </p:childTnLst>
-              </p:cTn>
-              <p:prevCondLst>
-                <p:cond evt="onPrev" delay="0">
-                  <p:tgtEl>
-                    <p:sldTgt/>
-                  </p:tgtEl>
-                </p:cond>
-              </p:prevCondLst>
-              <p:nextCondLst>
-                <p:cond evt="onNext" delay="0">
-                  <p:tgtEl>
-                    <p:sldTgt/>
-                  </p:tgtEl>
-                </p:cond>
-              </p:nextCondLst>
-            </p:seq>
-          </p:childTnLst>
-        </p:cTn>
+        <p:cTn id="1" dur="indefinite" restart="never" nodeType="tmRoot"/>
       </p:par>
     </p:tnLst>
   </p:timing>
@@ -24108,12 +25180,20 @@
           <a:p>
             <a:pPr algn="ctr"/>
             <a:r>
+              <a:rPr lang="ru-RU" sz="4800" dirty="0" smtClean="0">
+                <a:solidFill>
+                  <a:sysClr val="windowText" lastClr="000000"/>
+                </a:solidFill>
+              </a:rPr>
+              <a:t>4.8</a:t>
+            </a:r>
+            <a:r>
               <a:rPr lang="en-US" sz="4800" dirty="0" smtClean="0">
                 <a:solidFill>
                   <a:sysClr val="windowText" lastClr="000000"/>
                 </a:solidFill>
               </a:rPr>
-              <a:t>5/5</a:t>
+              <a:t>/5</a:t>
             </a:r>
             <a:endParaRPr lang="ru-RU" sz="4800" dirty="0" err="1" smtClean="0">
               <a:solidFill>
@@ -24801,6 +25881,1693 @@
           <a:bodyPr/>
           <a:lstStyle/>
           <a:p>
+            <a:r>
+              <a:rPr lang="ru-RU" dirty="0" smtClean="0"/>
+              <a:t>Отзыв на «Жёлтый пояс по </a:t>
+            </a:r>
+            <a:r>
+              <a:rPr lang="en-US" dirty="0" smtClean="0"/>
+              <a:t>C++</a:t>
+            </a:r>
+            <a:r>
+              <a:rPr lang="ru-RU" dirty="0" smtClean="0"/>
+              <a:t>»</a:t>
+            </a:r>
+            <a:endParaRPr lang="ru-RU" dirty="0"/>
+          </a:p>
+        </p:txBody>
+      </p:sp>
+      <p:sp>
+        <p:nvSpPr>
+          <p:cNvPr id="3" name="Объект 2"/>
+          <p:cNvSpPr>
+            <a:spLocks noGrp="1"/>
+          </p:cNvSpPr>
+          <p:nvPr>
+            <p:ph sz="half" idx="10"/>
+          </p:nvPr>
+        </p:nvSpPr>
+        <p:spPr>
+          <a:xfrm>
+            <a:off x="3048001" y="3048001"/>
+            <a:ext cx="19827874" cy="7250114"/>
+          </a:xfrm>
+        </p:spPr>
+        <p:txBody>
+          <a:bodyPr/>
+          <a:lstStyle/>
+          <a:p>
+            <a:r>
+              <a:rPr lang="ru-RU" dirty="0"/>
+              <a:t>На работе </a:t>
+            </a:r>
+            <a:r>
+              <a:rPr lang="ru-RU" dirty="0" smtClean="0"/>
+              <a:t>пригодились</a:t>
+            </a:r>
+          </a:p>
+          <a:p>
+            <a:r>
+              <a:rPr lang="ru-RU" dirty="0" smtClean="0"/>
+              <a:t>знания </a:t>
+            </a:r>
+            <a:r>
+              <a:rPr lang="ru-RU" dirty="0"/>
+              <a:t>по </a:t>
+            </a:r>
+            <a:r>
+              <a:rPr lang="ru-RU" dirty="0" smtClean="0"/>
+              <a:t>декомпозиции,</a:t>
+            </a:r>
+          </a:p>
+          <a:p>
+            <a:r>
+              <a:rPr lang="ru-RU" dirty="0" smtClean="0"/>
+              <a:t>алгоритмам </a:t>
+            </a:r>
+            <a:r>
+              <a:rPr lang="ru-RU" dirty="0"/>
+              <a:t>и </a:t>
+            </a:r>
+            <a:r>
+              <a:rPr lang="ru-RU" dirty="0" smtClean="0"/>
+              <a:t>юнит-</a:t>
+            </a:r>
+          </a:p>
+          <a:p>
+            <a:r>
+              <a:rPr lang="ru-RU" dirty="0" smtClean="0"/>
+              <a:t>тестированию</a:t>
+            </a:r>
+            <a:endParaRPr lang="ru-RU" dirty="0"/>
+          </a:p>
+        </p:txBody>
+      </p:sp>
+    </p:spTree>
+    <p:extLst>
+      <p:ext uri="{BB962C8B-B14F-4D97-AF65-F5344CB8AC3E}">
+        <p14:creationId xmlns:p14="http://schemas.microsoft.com/office/powerpoint/2010/main" val="2774735083"/>
+      </p:ext>
+    </p:extLst>
+  </p:cSld>
+  <p:clrMapOvr>
+    <a:masterClrMapping/>
+  </p:clrMapOvr>
+  <p:timing>
+    <p:tnLst>
+      <p:par>
+        <p:cTn id="1" dur="indefinite" restart="never" nodeType="tmRoot"/>
+      </p:par>
+    </p:tnLst>
+  </p:timing>
+</p:sld>
+</file>
+
+<file path=ppt/slides/slide31.xml><?xml version="1.0" encoding="utf-8"?>
+<p:sld xmlns:a="http://schemas.openxmlformats.org/drawingml/2006/main" xmlns:r="http://schemas.openxmlformats.org/officeDocument/2006/relationships" xmlns:p="http://schemas.openxmlformats.org/presentationml/2006/main">
+  <p:cSld>
+    <p:spTree>
+      <p:nvGrpSpPr>
+        <p:cNvPr id="1" name=""/>
+        <p:cNvGrpSpPr/>
+        <p:nvPr/>
+      </p:nvGrpSpPr>
+      <p:grpSpPr>
+        <a:xfrm>
+          <a:off x="0" y="0"/>
+          <a:ext cx="0" cy="0"/>
+          <a:chOff x="0" y="0"/>
+          <a:chExt cx="0" cy="0"/>
+        </a:xfrm>
+      </p:grpSpPr>
+      <p:sp>
+        <p:nvSpPr>
+          <p:cNvPr id="2" name="Текст 1"/>
+          <p:cNvSpPr>
+            <a:spLocks noGrp="1"/>
+          </p:cNvSpPr>
+          <p:nvPr>
+            <p:ph type="body" idx="1"/>
+          </p:nvPr>
+        </p:nvSpPr>
+        <p:spPr/>
+        <p:txBody>
+          <a:bodyPr/>
+          <a:lstStyle/>
+          <a:p>
+            <a:r>
+              <a:rPr lang="ru-RU" dirty="0" smtClean="0"/>
+              <a:t>Отзыв на </a:t>
+            </a:r>
+            <a:r>
+              <a:rPr lang="ru-RU" smtClean="0"/>
+              <a:t>«Красный пояс </a:t>
+            </a:r>
+            <a:r>
+              <a:rPr lang="ru-RU" dirty="0" smtClean="0"/>
+              <a:t>по </a:t>
+            </a:r>
+            <a:r>
+              <a:rPr lang="en-US" dirty="0" smtClean="0"/>
+              <a:t>C++</a:t>
+            </a:r>
+            <a:r>
+              <a:rPr lang="ru-RU" dirty="0" smtClean="0"/>
+              <a:t>»</a:t>
+            </a:r>
+            <a:endParaRPr lang="ru-RU" dirty="0"/>
+          </a:p>
+        </p:txBody>
+      </p:sp>
+      <p:sp>
+        <p:nvSpPr>
+          <p:cNvPr id="3" name="Объект 2"/>
+          <p:cNvSpPr>
+            <a:spLocks noGrp="1"/>
+          </p:cNvSpPr>
+          <p:nvPr>
+            <p:ph sz="half" idx="10"/>
+          </p:nvPr>
+        </p:nvSpPr>
+        <p:spPr>
+          <a:xfrm>
+            <a:off x="3048001" y="3048001"/>
+            <a:ext cx="19827874" cy="7250114"/>
+          </a:xfrm>
+        </p:spPr>
+        <p:txBody>
+          <a:bodyPr/>
+          <a:lstStyle/>
+          <a:p>
+            <a:r>
+              <a:rPr lang="ru-RU" dirty="0"/>
+              <a:t>Один из лучших курсов</a:t>
+            </a:r>
+            <a:r>
+              <a:rPr lang="ru-RU" dirty="0" smtClean="0"/>
+              <a:t>,</a:t>
+            </a:r>
+          </a:p>
+          <a:p>
+            <a:r>
+              <a:rPr lang="ru-RU" dirty="0" smtClean="0"/>
+              <a:t>что </a:t>
+            </a:r>
+            <a:r>
+              <a:rPr lang="ru-RU" dirty="0"/>
+              <a:t>я проходил в </a:t>
+            </a:r>
+            <a:r>
+              <a:rPr lang="ru-RU" dirty="0" smtClean="0"/>
+              <a:t>жизни.</a:t>
+            </a:r>
+          </a:p>
+          <a:p>
+            <a:r>
+              <a:rPr lang="ru-RU" dirty="0" smtClean="0"/>
+              <a:t>Не только </a:t>
+            </a:r>
+            <a:r>
+              <a:rPr lang="ru-RU" dirty="0"/>
+              <a:t>по </a:t>
+            </a:r>
+            <a:r>
+              <a:rPr lang="ru-RU" dirty="0" smtClean="0"/>
+              <a:t>языку</a:t>
+            </a:r>
+          </a:p>
+          <a:p>
+            <a:r>
+              <a:rPr lang="ru-RU" dirty="0" smtClean="0"/>
+              <a:t>программирования</a:t>
+            </a:r>
+            <a:r>
+              <a:rPr lang="ru-RU" dirty="0"/>
+              <a:t>.</a:t>
+            </a:r>
+          </a:p>
+        </p:txBody>
+      </p:sp>
+    </p:spTree>
+    <p:extLst>
+      <p:ext uri="{BB962C8B-B14F-4D97-AF65-F5344CB8AC3E}">
+        <p14:creationId xmlns:p14="http://schemas.microsoft.com/office/powerpoint/2010/main" val="3707661308"/>
+      </p:ext>
+    </p:extLst>
+  </p:cSld>
+  <p:clrMapOvr>
+    <a:masterClrMapping/>
+  </p:clrMapOvr>
+  <p:timing>
+    <p:tnLst>
+      <p:par>
+        <p:cTn id="1" dur="indefinite" restart="never" nodeType="tmRoot"/>
+      </p:par>
+    </p:tnLst>
+  </p:timing>
+</p:sld>
+</file>
+
+<file path=ppt/slides/slide32.xml><?xml version="1.0" encoding="utf-8"?>
+<p:sld xmlns:a="http://schemas.openxmlformats.org/drawingml/2006/main" xmlns:r="http://schemas.openxmlformats.org/officeDocument/2006/relationships" xmlns:p="http://schemas.openxmlformats.org/presentationml/2006/main">
+  <p:cSld>
+    <p:spTree>
+      <p:nvGrpSpPr>
+        <p:cNvPr id="1" name=""/>
+        <p:cNvGrpSpPr/>
+        <p:nvPr/>
+      </p:nvGrpSpPr>
+      <p:grpSpPr>
+        <a:xfrm>
+          <a:off x="0" y="0"/>
+          <a:ext cx="0" cy="0"/>
+          <a:chOff x="0" y="0"/>
+          <a:chExt cx="0" cy="0"/>
+        </a:xfrm>
+      </p:grpSpPr>
+      <p:sp>
+        <p:nvSpPr>
+          <p:cNvPr id="2" name="Заголовок 1"/>
+          <p:cNvSpPr>
+            <a:spLocks noGrp="1"/>
+          </p:cNvSpPr>
+          <p:nvPr>
+            <p:ph type="title"/>
+          </p:nvPr>
+        </p:nvSpPr>
+        <p:spPr/>
+        <p:txBody>
+          <a:bodyPr/>
+          <a:lstStyle/>
+          <a:p>
+            <a:r>
+              <a:rPr lang="ru-RU" dirty="0" smtClean="0"/>
+              <a:t>Понятность</a:t>
+            </a:r>
+            <a:endParaRPr lang="ru-RU" dirty="0"/>
+          </a:p>
+        </p:txBody>
+      </p:sp>
+      <p:sp>
+        <p:nvSpPr>
+          <p:cNvPr id="4" name="Нижний колонтитул 3"/>
+          <p:cNvSpPr>
+            <a:spLocks noGrp="1"/>
+          </p:cNvSpPr>
+          <p:nvPr>
+            <p:ph type="ftr" sz="quarter" idx="11"/>
+          </p:nvPr>
+        </p:nvSpPr>
+        <p:spPr/>
+        <p:txBody>
+          <a:bodyPr/>
+          <a:lstStyle/>
+          <a:p>
+            <a:endParaRPr lang="ru-RU"/>
+          </a:p>
+        </p:txBody>
+      </p:sp>
+      <p:sp>
+        <p:nvSpPr>
+          <p:cNvPr id="5" name="Номер слайда 4"/>
+          <p:cNvSpPr>
+            <a:spLocks noGrp="1"/>
+          </p:cNvSpPr>
+          <p:nvPr>
+            <p:ph type="sldNum" sz="quarter" idx="12"/>
+          </p:nvPr>
+        </p:nvSpPr>
+        <p:spPr/>
+        <p:txBody>
+          <a:bodyPr/>
+          <a:lstStyle/>
+          <a:p>
+            <a:fld id="{741C03D3-FA44-40EC-9A21-1FC4FEA3E22E}" type="slidenum">
+              <a:rPr lang="ru-RU" smtClean="0"/>
+              <a:t>32</a:t>
+            </a:fld>
+            <a:endParaRPr lang="ru-RU"/>
+          </a:p>
+        </p:txBody>
+      </p:sp>
+      <p:sp>
+        <p:nvSpPr>
+          <p:cNvPr id="10" name="Текст 1"/>
+          <p:cNvSpPr txBox="1">
+            <a:spLocks/>
+          </p:cNvSpPr>
+          <p:nvPr/>
+        </p:nvSpPr>
+        <p:spPr>
+          <a:xfrm>
+            <a:off x="4178301" y="10674350"/>
+            <a:ext cx="17148970" cy="1144588"/>
+          </a:xfrm>
+          <a:prstGeom prst="rect">
+            <a:avLst/>
+          </a:prstGeom>
+        </p:spPr>
+        <p:txBody>
+          <a:bodyPr vert="horz" lIns="0" tIns="165592" rIns="91435" bIns="45718" rtlCol="0" anchor="t">
+            <a:noAutofit/>
+          </a:bodyPr>
+          <a:lstStyle>
+            <a:lvl1pPr marL="0" indent="0" algn="l" defTabSz="1828619" rtl="0" eaLnBrk="1" latinLnBrk="0" hangingPunct="1">
+              <a:lnSpc>
+                <a:spcPts val="6000"/>
+              </a:lnSpc>
+              <a:spcBef>
+                <a:spcPts val="3000"/>
+              </a:spcBef>
+              <a:spcAft>
+                <a:spcPts val="3000"/>
+              </a:spcAft>
+              <a:buFontTx/>
+              <a:buNone/>
+              <a:defRPr sz="4800" kern="1200">
+                <a:solidFill>
+                  <a:schemeClr val="bg1"/>
+                </a:solidFill>
+                <a:latin typeface="Yandex Sans Text Light" panose="02000000000000000000" pitchFamily="2" charset="-52"/>
+                <a:ea typeface="+mn-ea"/>
+                <a:cs typeface="+mn-cs"/>
+              </a:defRPr>
+            </a:lvl1pPr>
+            <a:lvl2pPr marL="914308" indent="0" algn="l" defTabSz="1907905" rtl="0" eaLnBrk="1" latinLnBrk="0" hangingPunct="1">
+              <a:lnSpc>
+                <a:spcPts val="6000"/>
+              </a:lnSpc>
+              <a:spcBef>
+                <a:spcPts val="0"/>
+              </a:spcBef>
+              <a:spcAft>
+                <a:spcPts val="0"/>
+              </a:spcAft>
+              <a:buClr>
+                <a:schemeClr val="tx2"/>
+              </a:buClr>
+              <a:buSzPct val="120000"/>
+              <a:buFont typeface="Impact" panose="020B0806030902050204" pitchFamily="34" charset="0"/>
+              <a:buNone/>
+              <a:defRPr sz="4000" kern="1200" baseline="0">
+                <a:solidFill>
+                  <a:schemeClr val="tx1">
+                    <a:tint val="75000"/>
+                  </a:schemeClr>
+                </a:solidFill>
+                <a:latin typeface="Yandex Sans Text Regular" pitchFamily="2" charset="-52"/>
+                <a:ea typeface="+mn-ea"/>
+                <a:cs typeface="+mn-cs"/>
+              </a:defRPr>
+            </a:lvl2pPr>
+            <a:lvl3pPr marL="1828619" indent="0" algn="l" defTabSz="1828619" rtl="0" eaLnBrk="1" latinLnBrk="0" hangingPunct="1">
+              <a:lnSpc>
+                <a:spcPts val="6000"/>
+              </a:lnSpc>
+              <a:spcBef>
+                <a:spcPts val="3000"/>
+              </a:spcBef>
+              <a:spcAft>
+                <a:spcPts val="0"/>
+              </a:spcAft>
+              <a:buSzPct val="150000"/>
+              <a:buFont typeface="Yandex Sans Text Light" panose="02000000000000000000" pitchFamily="2" charset="-52"/>
+              <a:buNone/>
+              <a:defRPr sz="3600" kern="1200">
+                <a:solidFill>
+                  <a:schemeClr val="tx1">
+                    <a:tint val="75000"/>
+                  </a:schemeClr>
+                </a:solidFill>
+                <a:latin typeface="Yandex Sans Text Light" panose="02000000000000000000" pitchFamily="2" charset="-52"/>
+                <a:ea typeface="+mn-ea"/>
+                <a:cs typeface="+mn-cs"/>
+              </a:defRPr>
+            </a:lvl3pPr>
+            <a:lvl4pPr marL="2742927" indent="0" algn="l" defTabSz="1828619" rtl="0" eaLnBrk="1" latinLnBrk="0" hangingPunct="1">
+              <a:lnSpc>
+                <a:spcPts val="6000"/>
+              </a:lnSpc>
+              <a:spcBef>
+                <a:spcPts val="3000"/>
+              </a:spcBef>
+              <a:spcAft>
+                <a:spcPts val="0"/>
+              </a:spcAft>
+              <a:buFont typeface="+mj-lt"/>
+              <a:buNone/>
+              <a:defRPr sz="3200" kern="1200">
+                <a:solidFill>
+                  <a:schemeClr val="tx1">
+                    <a:tint val="75000"/>
+                  </a:schemeClr>
+                </a:solidFill>
+                <a:latin typeface="Yandex Sans Text Light" panose="02000000000000000000" pitchFamily="2" charset="-52"/>
+                <a:ea typeface="+mn-ea"/>
+                <a:cs typeface="+mn-cs"/>
+              </a:defRPr>
+            </a:lvl4pPr>
+            <a:lvl5pPr marL="3657235" indent="0" algn="l" defTabSz="1828619" rtl="0" eaLnBrk="1" latinLnBrk="0" hangingPunct="1">
+              <a:lnSpc>
+                <a:spcPts val="6000"/>
+              </a:lnSpc>
+              <a:spcBef>
+                <a:spcPts val="3000"/>
+              </a:spcBef>
+              <a:spcAft>
+                <a:spcPts val="3000"/>
+              </a:spcAft>
+              <a:buFontTx/>
+              <a:buNone/>
+              <a:defRPr sz="3200" kern="1200">
+                <a:solidFill>
+                  <a:schemeClr val="tx1">
+                    <a:tint val="75000"/>
+                  </a:schemeClr>
+                </a:solidFill>
+                <a:latin typeface="+mn-lt"/>
+                <a:ea typeface="+mn-ea"/>
+                <a:cs typeface="+mn-cs"/>
+              </a:defRPr>
+            </a:lvl5pPr>
+            <a:lvl6pPr marL="4571543" indent="0" algn="l" defTabSz="1828619" rtl="0" eaLnBrk="1" latinLnBrk="0" hangingPunct="1">
+              <a:lnSpc>
+                <a:spcPct val="90000"/>
+              </a:lnSpc>
+              <a:spcBef>
+                <a:spcPts val="1000"/>
+              </a:spcBef>
+              <a:buFont typeface="Arial" panose="020B0604020202020204" pitchFamily="34" charset="0"/>
+              <a:buNone/>
+              <a:defRPr sz="3200" kern="1200">
+                <a:solidFill>
+                  <a:schemeClr val="tx1">
+                    <a:tint val="75000"/>
+                  </a:schemeClr>
+                </a:solidFill>
+                <a:latin typeface="+mn-lt"/>
+                <a:ea typeface="+mn-ea"/>
+                <a:cs typeface="+mn-cs"/>
+              </a:defRPr>
+            </a:lvl6pPr>
+            <a:lvl7pPr marL="5485852" indent="0" algn="l" defTabSz="1828619" rtl="0" eaLnBrk="1" latinLnBrk="0" hangingPunct="1">
+              <a:lnSpc>
+                <a:spcPct val="90000"/>
+              </a:lnSpc>
+              <a:spcBef>
+                <a:spcPts val="1000"/>
+              </a:spcBef>
+              <a:buFont typeface="Arial" panose="020B0604020202020204" pitchFamily="34" charset="0"/>
+              <a:buNone/>
+              <a:defRPr sz="3200" kern="1200">
+                <a:solidFill>
+                  <a:schemeClr val="tx1">
+                    <a:tint val="75000"/>
+                  </a:schemeClr>
+                </a:solidFill>
+                <a:latin typeface="+mn-lt"/>
+                <a:ea typeface="+mn-ea"/>
+                <a:cs typeface="+mn-cs"/>
+              </a:defRPr>
+            </a:lvl7pPr>
+            <a:lvl8pPr marL="6400160" indent="0" algn="l" defTabSz="1828619" rtl="0" eaLnBrk="1" latinLnBrk="0" hangingPunct="1">
+              <a:lnSpc>
+                <a:spcPct val="90000"/>
+              </a:lnSpc>
+              <a:spcBef>
+                <a:spcPts val="1000"/>
+              </a:spcBef>
+              <a:buFont typeface="Arial" panose="020B0604020202020204" pitchFamily="34" charset="0"/>
+              <a:buNone/>
+              <a:defRPr sz="3200" kern="1200">
+                <a:solidFill>
+                  <a:schemeClr val="tx1">
+                    <a:tint val="75000"/>
+                  </a:schemeClr>
+                </a:solidFill>
+                <a:latin typeface="+mn-lt"/>
+                <a:ea typeface="+mn-ea"/>
+                <a:cs typeface="+mn-cs"/>
+              </a:defRPr>
+            </a:lvl8pPr>
+            <a:lvl9pPr marL="7314468" indent="0" algn="l" defTabSz="1828619" rtl="0" eaLnBrk="1" latinLnBrk="0" hangingPunct="1">
+              <a:lnSpc>
+                <a:spcPct val="90000"/>
+              </a:lnSpc>
+              <a:spcBef>
+                <a:spcPts val="1000"/>
+              </a:spcBef>
+              <a:buFont typeface="Arial" panose="020B0604020202020204" pitchFamily="34" charset="0"/>
+              <a:buNone/>
+              <a:defRPr sz="3200" kern="1200">
+                <a:solidFill>
+                  <a:schemeClr val="tx1">
+                    <a:tint val="75000"/>
+                  </a:schemeClr>
+                </a:solidFill>
+                <a:latin typeface="+mn-lt"/>
+                <a:ea typeface="+mn-ea"/>
+                <a:cs typeface="+mn-cs"/>
+              </a:defRPr>
+            </a:lvl9pPr>
+          </a:lstStyle>
+          <a:p>
+            <a:pPr marL="0" marR="0" lvl="0" indent="0" algn="l" defTabSz="1828619" rtl="0" eaLnBrk="1" fontAlgn="auto" latinLnBrk="0" hangingPunct="1">
+              <a:lnSpc>
+                <a:spcPts val="6000"/>
+              </a:lnSpc>
+              <a:spcBef>
+                <a:spcPts val="3000"/>
+              </a:spcBef>
+              <a:spcAft>
+                <a:spcPts val="3000"/>
+              </a:spcAft>
+              <a:buClrTx/>
+              <a:buSzTx/>
+              <a:buFontTx/>
+              <a:buNone/>
+              <a:tabLst/>
+              <a:defRPr/>
+            </a:pPr>
+            <a:r>
+              <a:rPr kumimoji="0" lang="en-US" sz="4800" b="0" i="0" u="none" strike="noStrike" kern="1200" cap="none" spc="0" normalizeH="0" baseline="0" noProof="0" smtClean="0">
+                <a:ln>
+                  <a:noFill/>
+                </a:ln>
+                <a:solidFill>
+                  <a:srgbClr val="000000"/>
+                </a:solidFill>
+                <a:effectLst/>
+                <a:uLnTx/>
+                <a:uFillTx/>
+                <a:latin typeface="Yandex Sans Text Light" panose="02000000000000000000" pitchFamily="2" charset="-52"/>
+                <a:ea typeface="+mn-ea"/>
+                <a:cs typeface="+mn-cs"/>
+              </a:rPr>
+              <a:t>Bjarne Stroustrup</a:t>
+            </a:r>
+            <a:endParaRPr kumimoji="0" lang="ru-RU" sz="4800" b="0" i="0" u="none" strike="noStrike" kern="1200" cap="none" spc="0" normalizeH="0" baseline="0" noProof="0" dirty="0">
+              <a:ln>
+                <a:noFill/>
+              </a:ln>
+              <a:solidFill>
+                <a:srgbClr val="000000"/>
+              </a:solidFill>
+              <a:effectLst/>
+              <a:uLnTx/>
+              <a:uFillTx/>
+              <a:latin typeface="Yandex Sans Text Light" panose="02000000000000000000" pitchFamily="2" charset="-52"/>
+              <a:ea typeface="+mn-ea"/>
+              <a:cs typeface="+mn-cs"/>
+            </a:endParaRPr>
+          </a:p>
+        </p:txBody>
+      </p:sp>
+      <p:sp>
+        <p:nvSpPr>
+          <p:cNvPr id="11" name="Объект 2"/>
+          <p:cNvSpPr txBox="1">
+            <a:spLocks/>
+          </p:cNvSpPr>
+          <p:nvPr/>
+        </p:nvSpPr>
+        <p:spPr>
+          <a:xfrm>
+            <a:off x="3048001" y="3048001"/>
+            <a:ext cx="18263741" cy="7250114"/>
+          </a:xfrm>
+          <a:prstGeom prst="rect">
+            <a:avLst/>
+          </a:prstGeom>
+        </p:spPr>
+        <p:txBody>
+          <a:bodyPr vert="horz" wrap="square" lIns="0" tIns="107995" rIns="467977" bIns="45718" rtlCol="0" anchor="ctr">
+            <a:noAutofit/>
+          </a:bodyPr>
+          <a:lstStyle>
+            <a:lvl1pPr marL="791960" indent="-1115944" algn="l" defTabSz="1828619" rtl="0" eaLnBrk="1" latinLnBrk="0" hangingPunct="1">
+              <a:lnSpc>
+                <a:spcPts val="13999"/>
+              </a:lnSpc>
+              <a:spcBef>
+                <a:spcPts val="0"/>
+              </a:spcBef>
+              <a:spcAft>
+                <a:spcPts val="0"/>
+              </a:spcAft>
+              <a:buClr>
+                <a:schemeClr val="bg2"/>
+              </a:buClr>
+              <a:buSzPct val="104000"/>
+              <a:buFont typeface="Arial" panose="020B0604020202020204" pitchFamily="34" charset="0"/>
+              <a:buChar char="│"/>
+              <a:defRPr sz="12000" b="0" kern="1200" baseline="0">
+                <a:solidFill>
+                  <a:schemeClr val="bg1"/>
+                </a:solidFill>
+                <a:latin typeface="Yandex Sans Text Light" panose="02000000000000000000" pitchFamily="2" charset="-52"/>
+                <a:ea typeface="+mn-ea"/>
+                <a:cs typeface="+mn-cs"/>
+              </a:defRPr>
+            </a:lvl1pPr>
+            <a:lvl2pPr marL="431978" indent="-431978" algn="l" defTabSz="1907905" rtl="0" eaLnBrk="1" latinLnBrk="0" hangingPunct="1">
+              <a:lnSpc>
+                <a:spcPts val="6000"/>
+              </a:lnSpc>
+              <a:spcBef>
+                <a:spcPts val="0"/>
+              </a:spcBef>
+              <a:spcAft>
+                <a:spcPts val="0"/>
+              </a:spcAft>
+              <a:buClr>
+                <a:schemeClr val="tx2"/>
+              </a:buClr>
+              <a:buSzPct val="120000"/>
+              <a:buFont typeface="Impact" panose="020B0806030902050204" pitchFamily="34" charset="0"/>
+              <a:buChar char="▌"/>
+              <a:defRPr sz="4800" kern="1200" baseline="0">
+                <a:solidFill>
+                  <a:schemeClr val="tx1"/>
+                </a:solidFill>
+                <a:latin typeface="Yandex Sans Text Regular" pitchFamily="2" charset="-52"/>
+                <a:ea typeface="+mn-ea"/>
+                <a:cs typeface="+mn-cs"/>
+              </a:defRPr>
+            </a:lvl2pPr>
+            <a:lvl3pPr marL="1007950" indent="-539973" algn="l" defTabSz="1828619" rtl="0" eaLnBrk="1" latinLnBrk="0" hangingPunct="1">
+              <a:lnSpc>
+                <a:spcPts val="6000"/>
+              </a:lnSpc>
+              <a:spcBef>
+                <a:spcPts val="3000"/>
+              </a:spcBef>
+              <a:spcAft>
+                <a:spcPts val="0"/>
+              </a:spcAft>
+              <a:buSzPct val="150000"/>
+              <a:buFont typeface="Yandex Sans Text Light" panose="02000000000000000000" pitchFamily="2" charset="-52"/>
+              <a:buChar char="›"/>
+              <a:defRPr sz="4800" kern="1200">
+                <a:solidFill>
+                  <a:schemeClr val="tx1"/>
+                </a:solidFill>
+                <a:latin typeface="Yandex Sans Text Light" panose="02000000000000000000" pitchFamily="2" charset="-52"/>
+                <a:ea typeface="+mn-ea"/>
+                <a:cs typeface="+mn-cs"/>
+              </a:defRPr>
+            </a:lvl3pPr>
+            <a:lvl4pPr marL="1007950" indent="-539973" algn="l" defTabSz="1828619" rtl="0" eaLnBrk="1" latinLnBrk="0" hangingPunct="1">
+              <a:lnSpc>
+                <a:spcPts val="6000"/>
+              </a:lnSpc>
+              <a:spcBef>
+                <a:spcPts val="3000"/>
+              </a:spcBef>
+              <a:spcAft>
+                <a:spcPts val="0"/>
+              </a:spcAft>
+              <a:buFont typeface="+mj-lt"/>
+              <a:buAutoNum type="arabicPeriod"/>
+              <a:defRPr sz="4800" kern="1200">
+                <a:solidFill>
+                  <a:schemeClr val="tx1"/>
+                </a:solidFill>
+                <a:latin typeface="Yandex Sans Text Light" panose="02000000000000000000" pitchFamily="2" charset="-52"/>
+                <a:ea typeface="+mn-ea"/>
+                <a:cs typeface="+mn-cs"/>
+              </a:defRPr>
+            </a:lvl4pPr>
+            <a:lvl5pPr marL="0" indent="0" algn="l" defTabSz="1828619" rtl="0" eaLnBrk="1" latinLnBrk="0" hangingPunct="1">
+              <a:lnSpc>
+                <a:spcPts val="6000"/>
+              </a:lnSpc>
+              <a:spcBef>
+                <a:spcPts val="3000"/>
+              </a:spcBef>
+              <a:spcAft>
+                <a:spcPts val="3000"/>
+              </a:spcAft>
+              <a:buFontTx/>
+              <a:buNone/>
+              <a:defRPr sz="4800" kern="1200">
+                <a:solidFill>
+                  <a:schemeClr val="tx1"/>
+                </a:solidFill>
+                <a:latin typeface="+mn-lt"/>
+                <a:ea typeface="+mn-ea"/>
+                <a:cs typeface="+mn-cs"/>
+              </a:defRPr>
+            </a:lvl5pPr>
+            <a:lvl6pPr marL="5028699" indent="-457155" algn="l" defTabSz="1828619" rtl="0" eaLnBrk="1" latinLnBrk="0" hangingPunct="1">
+              <a:lnSpc>
+                <a:spcPct val="90000"/>
+              </a:lnSpc>
+              <a:spcBef>
+                <a:spcPts val="1000"/>
+              </a:spcBef>
+              <a:buFont typeface="Arial" panose="020B0604020202020204" pitchFamily="34" charset="0"/>
+              <a:buChar char="•"/>
+              <a:defRPr sz="3600" kern="1200">
+                <a:solidFill>
+                  <a:schemeClr val="tx1"/>
+                </a:solidFill>
+                <a:latin typeface="+mn-lt"/>
+                <a:ea typeface="+mn-ea"/>
+                <a:cs typeface="+mn-cs"/>
+              </a:defRPr>
+            </a:lvl6pPr>
+            <a:lvl7pPr marL="5943007" indent="-457155" algn="l" defTabSz="1828619" rtl="0" eaLnBrk="1" latinLnBrk="0" hangingPunct="1">
+              <a:lnSpc>
+                <a:spcPct val="90000"/>
+              </a:lnSpc>
+              <a:spcBef>
+                <a:spcPts val="1000"/>
+              </a:spcBef>
+              <a:buFont typeface="Arial" panose="020B0604020202020204" pitchFamily="34" charset="0"/>
+              <a:buChar char="•"/>
+              <a:defRPr sz="3600" kern="1200">
+                <a:solidFill>
+                  <a:schemeClr val="tx1"/>
+                </a:solidFill>
+                <a:latin typeface="+mn-lt"/>
+                <a:ea typeface="+mn-ea"/>
+                <a:cs typeface="+mn-cs"/>
+              </a:defRPr>
+            </a:lvl7pPr>
+            <a:lvl8pPr marL="6857315" indent="-457155" algn="l" defTabSz="1828619" rtl="0" eaLnBrk="1" latinLnBrk="0" hangingPunct="1">
+              <a:lnSpc>
+                <a:spcPct val="90000"/>
+              </a:lnSpc>
+              <a:spcBef>
+                <a:spcPts val="1000"/>
+              </a:spcBef>
+              <a:buFont typeface="Arial" panose="020B0604020202020204" pitchFamily="34" charset="0"/>
+              <a:buChar char="•"/>
+              <a:defRPr sz="3600" kern="1200">
+                <a:solidFill>
+                  <a:schemeClr val="tx1"/>
+                </a:solidFill>
+                <a:latin typeface="+mn-lt"/>
+                <a:ea typeface="+mn-ea"/>
+                <a:cs typeface="+mn-cs"/>
+              </a:defRPr>
+            </a:lvl8pPr>
+            <a:lvl9pPr marL="7771623" indent="-457155" algn="l" defTabSz="1828619" rtl="0" eaLnBrk="1" latinLnBrk="0" hangingPunct="1">
+              <a:lnSpc>
+                <a:spcPct val="90000"/>
+              </a:lnSpc>
+              <a:spcBef>
+                <a:spcPts val="1000"/>
+              </a:spcBef>
+              <a:buFont typeface="Arial" panose="020B0604020202020204" pitchFamily="34" charset="0"/>
+              <a:buChar char="•"/>
+              <a:defRPr sz="3600" kern="1200">
+                <a:solidFill>
+                  <a:schemeClr val="tx1"/>
+                </a:solidFill>
+                <a:latin typeface="+mn-lt"/>
+                <a:ea typeface="+mn-ea"/>
+                <a:cs typeface="+mn-cs"/>
+              </a:defRPr>
+            </a:lvl9pPr>
+          </a:lstStyle>
+          <a:p>
+            <a:pPr marL="791960" marR="0" lvl="0" indent="-1115944" algn="l" defTabSz="1828619" rtl="0" eaLnBrk="1" fontAlgn="auto" latinLnBrk="0" hangingPunct="1">
+              <a:lnSpc>
+                <a:spcPts val="13999"/>
+              </a:lnSpc>
+              <a:spcBef>
+                <a:spcPts val="0"/>
+              </a:spcBef>
+              <a:spcAft>
+                <a:spcPts val="0"/>
+              </a:spcAft>
+              <a:buClr>
+                <a:srgbClr val="FFCC00"/>
+              </a:buClr>
+              <a:buSzPct val="104000"/>
+              <a:buFont typeface="Arial" panose="020B0604020202020204" pitchFamily="34" charset="0"/>
+              <a:buChar char="│"/>
+              <a:tabLst/>
+              <a:defRPr/>
+            </a:pPr>
+            <a:r>
+              <a:rPr kumimoji="0" lang="en-US" sz="12000" b="0" i="0" u="none" strike="noStrike" kern="1200" cap="none" spc="0" normalizeH="0" baseline="0" noProof="0" smtClean="0">
+                <a:ln>
+                  <a:noFill/>
+                </a:ln>
+                <a:solidFill>
+                  <a:srgbClr val="000000"/>
+                </a:solidFill>
+                <a:effectLst/>
+                <a:uLnTx/>
+                <a:uFillTx/>
+                <a:latin typeface="Yandex Sans Text Light" panose="02000000000000000000" pitchFamily="2" charset="-52"/>
+                <a:ea typeface="+mn-ea"/>
+                <a:cs typeface="+mn-cs"/>
+              </a:rPr>
+              <a:t>Teaching is relatively</a:t>
+            </a:r>
+            <a:endParaRPr kumimoji="0" lang="ru-RU" sz="12000" b="0" i="0" u="none" strike="noStrike" kern="1200" cap="none" spc="0" normalizeH="0" baseline="0" noProof="0" smtClean="0">
+              <a:ln>
+                <a:noFill/>
+              </a:ln>
+              <a:solidFill>
+                <a:srgbClr val="000000"/>
+              </a:solidFill>
+              <a:effectLst/>
+              <a:uLnTx/>
+              <a:uFillTx/>
+              <a:latin typeface="Yandex Sans Text Light" panose="02000000000000000000" pitchFamily="2" charset="-52"/>
+              <a:ea typeface="+mn-ea"/>
+              <a:cs typeface="+mn-cs"/>
+            </a:endParaRPr>
+          </a:p>
+          <a:p>
+            <a:pPr marL="791960" marR="0" lvl="0" indent="-1115944" algn="l" defTabSz="1828619" rtl="0" eaLnBrk="1" fontAlgn="auto" latinLnBrk="0" hangingPunct="1">
+              <a:lnSpc>
+                <a:spcPts val="13999"/>
+              </a:lnSpc>
+              <a:spcBef>
+                <a:spcPts val="0"/>
+              </a:spcBef>
+              <a:spcAft>
+                <a:spcPts val="0"/>
+              </a:spcAft>
+              <a:buClr>
+                <a:srgbClr val="FFCC00"/>
+              </a:buClr>
+              <a:buSzPct val="104000"/>
+              <a:buFont typeface="Arial" panose="020B0604020202020204" pitchFamily="34" charset="0"/>
+              <a:buChar char="│"/>
+              <a:tabLst/>
+              <a:defRPr/>
+            </a:pPr>
+            <a:r>
+              <a:rPr kumimoji="0" lang="en-US" sz="12000" b="0" i="0" u="none" strike="noStrike" kern="1200" cap="none" spc="0" normalizeH="0" baseline="0" noProof="0" smtClean="0">
+                <a:ln>
+                  <a:noFill/>
+                </a:ln>
+                <a:solidFill>
+                  <a:srgbClr val="000000"/>
+                </a:solidFill>
+                <a:effectLst/>
+                <a:uLnTx/>
+                <a:uFillTx/>
+                <a:latin typeface="Yandex Sans Text Light" panose="02000000000000000000" pitchFamily="2" charset="-52"/>
+                <a:ea typeface="+mn-ea"/>
+                <a:cs typeface="+mn-cs"/>
+              </a:rPr>
+              <a:t>easy. Getting people</a:t>
+            </a:r>
+            <a:endParaRPr kumimoji="0" lang="ru-RU" sz="12000" b="0" i="0" u="none" strike="noStrike" kern="1200" cap="none" spc="0" normalizeH="0" baseline="0" noProof="0" smtClean="0">
+              <a:ln>
+                <a:noFill/>
+              </a:ln>
+              <a:solidFill>
+                <a:srgbClr val="000000"/>
+              </a:solidFill>
+              <a:effectLst/>
+              <a:uLnTx/>
+              <a:uFillTx/>
+              <a:latin typeface="Yandex Sans Text Light" panose="02000000000000000000" pitchFamily="2" charset="-52"/>
+              <a:ea typeface="+mn-ea"/>
+              <a:cs typeface="+mn-cs"/>
+            </a:endParaRPr>
+          </a:p>
+          <a:p>
+            <a:pPr marL="791960" marR="0" lvl="0" indent="-1115944" algn="l" defTabSz="1828619" rtl="0" eaLnBrk="1" fontAlgn="auto" latinLnBrk="0" hangingPunct="1">
+              <a:lnSpc>
+                <a:spcPts val="13999"/>
+              </a:lnSpc>
+              <a:spcBef>
+                <a:spcPts val="0"/>
+              </a:spcBef>
+              <a:spcAft>
+                <a:spcPts val="0"/>
+              </a:spcAft>
+              <a:buClr>
+                <a:srgbClr val="FFCC00"/>
+              </a:buClr>
+              <a:buSzPct val="104000"/>
+              <a:buFont typeface="Arial" panose="020B0604020202020204" pitchFamily="34" charset="0"/>
+              <a:buChar char="│"/>
+              <a:tabLst/>
+              <a:defRPr/>
+            </a:pPr>
+            <a:r>
+              <a:rPr kumimoji="0" lang="en-US" sz="12000" b="0" i="0" u="none" strike="noStrike" kern="1200" cap="none" spc="0" normalizeH="0" baseline="0" noProof="0" smtClean="0">
+                <a:ln>
+                  <a:noFill/>
+                </a:ln>
+                <a:solidFill>
+                  <a:srgbClr val="000000"/>
+                </a:solidFill>
+                <a:effectLst/>
+                <a:uLnTx/>
+                <a:uFillTx/>
+                <a:latin typeface="Yandex Sans Text Light" panose="02000000000000000000" pitchFamily="2" charset="-52"/>
+                <a:ea typeface="+mn-ea"/>
+                <a:cs typeface="+mn-cs"/>
+              </a:rPr>
+              <a:t>to</a:t>
+            </a:r>
+            <a:r>
+              <a:rPr kumimoji="0" lang="ru-RU" sz="12000" b="0" i="0" u="none" strike="noStrike" kern="1200" cap="none" spc="0" normalizeH="0" baseline="0" noProof="0" smtClean="0">
+                <a:ln>
+                  <a:noFill/>
+                </a:ln>
+                <a:solidFill>
+                  <a:srgbClr val="000000"/>
+                </a:solidFill>
+                <a:effectLst/>
+                <a:uLnTx/>
+                <a:uFillTx/>
+                <a:latin typeface="Yandex Sans Text Light" panose="02000000000000000000" pitchFamily="2" charset="-52"/>
+                <a:ea typeface="+mn-ea"/>
+                <a:cs typeface="+mn-cs"/>
+              </a:rPr>
+              <a:t> </a:t>
+            </a:r>
+            <a:r>
+              <a:rPr kumimoji="0" lang="en-US" sz="12000" b="0" i="0" u="none" strike="noStrike" kern="1200" cap="none" spc="0" normalizeH="0" baseline="0" noProof="0" smtClean="0">
+                <a:ln>
+                  <a:noFill/>
+                </a:ln>
+                <a:solidFill>
+                  <a:srgbClr val="000000"/>
+                </a:solidFill>
+                <a:effectLst/>
+                <a:uLnTx/>
+                <a:uFillTx/>
+                <a:latin typeface="Yandex Sans Text Light" panose="02000000000000000000" pitchFamily="2" charset="-52"/>
+                <a:ea typeface="+mn-ea"/>
+                <a:cs typeface="+mn-cs"/>
+              </a:rPr>
+              <a:t>learn is hard</a:t>
+            </a:r>
+            <a:endParaRPr kumimoji="0" lang="ru-RU" sz="12000" b="0" i="0" u="none" strike="noStrike" kern="1200" cap="none" spc="0" normalizeH="0" baseline="0" noProof="0" dirty="0">
+              <a:ln>
+                <a:noFill/>
+              </a:ln>
+              <a:solidFill>
+                <a:srgbClr val="000000"/>
+              </a:solidFill>
+              <a:effectLst/>
+              <a:uLnTx/>
+              <a:uFillTx/>
+              <a:latin typeface="Yandex Sans Text Light" panose="02000000000000000000" pitchFamily="2" charset="-52"/>
+              <a:ea typeface="+mn-ea"/>
+              <a:cs typeface="+mn-cs"/>
+            </a:endParaRPr>
+          </a:p>
+        </p:txBody>
+      </p:sp>
+    </p:spTree>
+    <p:extLst>
+      <p:ext uri="{BB962C8B-B14F-4D97-AF65-F5344CB8AC3E}">
+        <p14:creationId xmlns:p14="http://schemas.microsoft.com/office/powerpoint/2010/main" val="3487108593"/>
+      </p:ext>
+    </p:extLst>
+  </p:cSld>
+  <p:clrMapOvr>
+    <a:masterClrMapping/>
+  </p:clrMapOvr>
+  <p:timing>
+    <p:tnLst>
+      <p:par>
+        <p:cTn id="1" dur="indefinite" restart="never" nodeType="tmRoot"/>
+      </p:par>
+    </p:tnLst>
+  </p:timing>
+</p:sld>
+</file>
+
+<file path=ppt/slides/slide33.xml><?xml version="1.0" encoding="utf-8"?>
+<p:sld xmlns:a="http://schemas.openxmlformats.org/drawingml/2006/main" xmlns:r="http://schemas.openxmlformats.org/officeDocument/2006/relationships" xmlns:p="http://schemas.openxmlformats.org/presentationml/2006/main">
+  <p:cSld>
+    <p:spTree>
+      <p:nvGrpSpPr>
+        <p:cNvPr id="1" name=""/>
+        <p:cNvGrpSpPr/>
+        <p:nvPr/>
+      </p:nvGrpSpPr>
+      <p:grpSpPr>
+        <a:xfrm>
+          <a:off x="0" y="0"/>
+          <a:ext cx="0" cy="0"/>
+          <a:chOff x="0" y="0"/>
+          <a:chExt cx="0" cy="0"/>
+        </a:xfrm>
+      </p:grpSpPr>
+      <p:sp>
+        <p:nvSpPr>
+          <p:cNvPr id="2" name="Заголовок 1"/>
+          <p:cNvSpPr>
+            <a:spLocks noGrp="1"/>
+          </p:cNvSpPr>
+          <p:nvPr>
+            <p:ph type="title"/>
+          </p:nvPr>
+        </p:nvSpPr>
+        <p:spPr/>
+        <p:txBody>
+          <a:bodyPr/>
+          <a:lstStyle/>
+          <a:p>
+            <a:r>
+              <a:rPr lang="ru-RU" dirty="0" smtClean="0"/>
+              <a:t>Практичность</a:t>
+            </a:r>
+            <a:endParaRPr lang="ru-RU" dirty="0"/>
+          </a:p>
+        </p:txBody>
+      </p:sp>
+      <p:sp>
+        <p:nvSpPr>
+          <p:cNvPr id="4" name="Нижний колонтитул 3"/>
+          <p:cNvSpPr>
+            <a:spLocks noGrp="1"/>
+          </p:cNvSpPr>
+          <p:nvPr>
+            <p:ph type="ftr" sz="quarter" idx="11"/>
+          </p:nvPr>
+        </p:nvSpPr>
+        <p:spPr/>
+        <p:txBody>
+          <a:bodyPr/>
+          <a:lstStyle/>
+          <a:p>
+            <a:endParaRPr lang="ru-RU"/>
+          </a:p>
+        </p:txBody>
+      </p:sp>
+      <p:sp>
+        <p:nvSpPr>
+          <p:cNvPr id="5" name="Номер слайда 4"/>
+          <p:cNvSpPr>
+            <a:spLocks noGrp="1"/>
+          </p:cNvSpPr>
+          <p:nvPr>
+            <p:ph type="sldNum" sz="quarter" idx="12"/>
+          </p:nvPr>
+        </p:nvSpPr>
+        <p:spPr/>
+        <p:txBody>
+          <a:bodyPr/>
+          <a:lstStyle/>
+          <a:p>
+            <a:fld id="{741C03D3-FA44-40EC-9A21-1FC4FEA3E22E}" type="slidenum">
+              <a:rPr lang="ru-RU" smtClean="0"/>
+              <a:t>33</a:t>
+            </a:fld>
+            <a:endParaRPr lang="ru-RU"/>
+          </a:p>
+        </p:txBody>
+      </p:sp>
+      <p:sp>
+        <p:nvSpPr>
+          <p:cNvPr id="6" name="Объект 5"/>
+          <p:cNvSpPr>
+            <a:spLocks noGrp="1"/>
+          </p:cNvSpPr>
+          <p:nvPr>
+            <p:ph idx="13"/>
+          </p:nvPr>
+        </p:nvSpPr>
+        <p:spPr>
+          <a:noFill/>
+        </p:spPr>
+        <p:txBody>
+          <a:bodyPr/>
+          <a:lstStyle/>
+          <a:p>
+            <a:r>
+              <a:rPr lang="ru-RU" altLang="ru-RU" sz="5400" dirty="0" err="1">
+                <a:solidFill>
+                  <a:srgbClr val="9100DC"/>
+                </a:solidFill>
+                <a:latin typeface="Consolas" panose="020B0609020204030204" pitchFamily="49" charset="0"/>
+              </a:rPr>
+              <a:t>void</a:t>
+            </a:r>
+            <a:r>
+              <a:rPr lang="ru-RU" altLang="ru-RU" sz="5400" dirty="0">
+                <a:solidFill>
+                  <a:srgbClr val="9100DC"/>
+                </a:solidFill>
+                <a:latin typeface="Consolas" panose="020B0609020204030204" pitchFamily="49" charset="0"/>
+              </a:rPr>
+              <a:t> </a:t>
+            </a:r>
+            <a:r>
+              <a:rPr lang="ru-RU" altLang="ru-RU" sz="5400" dirty="0" err="1">
+                <a:solidFill>
+                  <a:srgbClr val="3878BE"/>
+                </a:solidFill>
+                <a:latin typeface="Consolas" panose="020B0609020204030204" pitchFamily="49" charset="0"/>
+              </a:rPr>
+              <a:t>PrintSize</a:t>
+            </a:r>
+            <a:r>
+              <a:rPr lang="ru-RU" altLang="ru-RU" sz="5400" dirty="0">
+                <a:solidFill>
+                  <a:srgbClr val="000000"/>
+                </a:solidFill>
+                <a:latin typeface="Consolas" panose="020B0609020204030204" pitchFamily="49" charset="0"/>
+              </a:rPr>
+              <a:t>(</a:t>
+            </a:r>
+            <a:r>
+              <a:rPr lang="ru-RU" altLang="ru-RU" sz="5400" dirty="0" err="1">
+                <a:solidFill>
+                  <a:srgbClr val="9100DC"/>
+                </a:solidFill>
+                <a:latin typeface="Consolas" panose="020B0609020204030204" pitchFamily="49" charset="0"/>
+              </a:rPr>
+              <a:t>const</a:t>
+            </a:r>
+            <a:r>
+              <a:rPr lang="ru-RU" altLang="ru-RU" sz="5400" dirty="0">
+                <a:solidFill>
+                  <a:srgbClr val="9100DC"/>
+                </a:solidFill>
+                <a:latin typeface="Consolas" panose="020B0609020204030204" pitchFamily="49" charset="0"/>
+              </a:rPr>
+              <a:t> </a:t>
+            </a:r>
+            <a:r>
+              <a:rPr lang="ru-RU" altLang="ru-RU" sz="5400" dirty="0" err="1">
+                <a:solidFill>
+                  <a:srgbClr val="9100DC"/>
+                </a:solidFill>
+                <a:latin typeface="Consolas" panose="020B0609020204030204" pitchFamily="49" charset="0"/>
+              </a:rPr>
+              <a:t>vector</a:t>
+            </a:r>
+            <a:r>
+              <a:rPr lang="ru-RU" altLang="ru-RU" sz="5400" dirty="0">
+                <a:solidFill>
+                  <a:srgbClr val="000000"/>
+                </a:solidFill>
+                <a:latin typeface="Consolas" panose="020B0609020204030204" pitchFamily="49" charset="0"/>
+              </a:rPr>
+              <a:t>&lt;</a:t>
+            </a:r>
+            <a:r>
+              <a:rPr lang="ru-RU" altLang="ru-RU" sz="5400" dirty="0" err="1">
+                <a:solidFill>
+                  <a:srgbClr val="9100DC"/>
+                </a:solidFill>
+                <a:latin typeface="Consolas" panose="020B0609020204030204" pitchFamily="49" charset="0"/>
+              </a:rPr>
+              <a:t>Person</a:t>
+            </a:r>
+            <a:r>
+              <a:rPr lang="ru-RU" altLang="ru-RU" sz="5400" dirty="0">
+                <a:solidFill>
+                  <a:srgbClr val="000000"/>
+                </a:solidFill>
+                <a:latin typeface="Consolas" panose="020B0609020204030204" pitchFamily="49" charset="0"/>
+              </a:rPr>
+              <a:t>&gt;&amp; </a:t>
+            </a:r>
+            <a:r>
+              <a:rPr lang="ru-RU" altLang="ru-RU" sz="5400" dirty="0" err="1">
+                <a:solidFill>
+                  <a:srgbClr val="000000"/>
+                </a:solidFill>
+                <a:latin typeface="Consolas" panose="020B0609020204030204" pitchFamily="49" charset="0"/>
+              </a:rPr>
+              <a:t>people</a:t>
+            </a:r>
+            <a:r>
+              <a:rPr lang="ru-RU" altLang="ru-RU" sz="5400" dirty="0">
+                <a:solidFill>
+                  <a:srgbClr val="000000"/>
+                </a:solidFill>
+                <a:latin typeface="Consolas" panose="020B0609020204030204" pitchFamily="49" charset="0"/>
+              </a:rPr>
+              <a:t>) {</a:t>
+            </a:r>
+            <a:br>
+              <a:rPr lang="ru-RU" altLang="ru-RU" sz="5400" dirty="0">
+                <a:solidFill>
+                  <a:srgbClr val="000000"/>
+                </a:solidFill>
+                <a:latin typeface="Consolas" panose="020B0609020204030204" pitchFamily="49" charset="0"/>
+              </a:rPr>
+            </a:br>
+            <a:r>
+              <a:rPr lang="ru-RU" altLang="ru-RU" sz="5400" dirty="0">
+                <a:solidFill>
+                  <a:srgbClr val="000000"/>
+                </a:solidFill>
+                <a:latin typeface="Consolas" panose="020B0609020204030204" pitchFamily="49" charset="0"/>
+              </a:rPr>
+              <a:t>  </a:t>
+            </a:r>
+            <a:r>
+              <a:rPr lang="ru-RU" altLang="ru-RU" sz="5400" dirty="0" err="1">
+                <a:solidFill>
+                  <a:srgbClr val="000000"/>
+                </a:solidFill>
+                <a:latin typeface="Consolas" panose="020B0609020204030204" pitchFamily="49" charset="0"/>
+              </a:rPr>
+              <a:t>cout</a:t>
+            </a:r>
+            <a:r>
+              <a:rPr lang="ru-RU" altLang="ru-RU" sz="5400" dirty="0">
+                <a:solidFill>
+                  <a:srgbClr val="000000"/>
+                </a:solidFill>
+                <a:latin typeface="Consolas" panose="020B0609020204030204" pitchFamily="49" charset="0"/>
+              </a:rPr>
+              <a:t> </a:t>
+            </a:r>
+            <a:r>
+              <a:rPr lang="ru-RU" altLang="ru-RU" sz="5400" dirty="0">
+                <a:solidFill>
+                  <a:srgbClr val="008080"/>
+                </a:solidFill>
+                <a:latin typeface="Consolas" panose="020B0609020204030204" pitchFamily="49" charset="0"/>
+              </a:rPr>
+              <a:t>&lt;&lt; </a:t>
+            </a:r>
+            <a:r>
+              <a:rPr lang="ru-RU" altLang="ru-RU" sz="5400" dirty="0" err="1">
+                <a:solidFill>
+                  <a:srgbClr val="000000"/>
+                </a:solidFill>
+                <a:latin typeface="Consolas" panose="020B0609020204030204" pitchFamily="49" charset="0"/>
+              </a:rPr>
+              <a:t>people.</a:t>
+            </a:r>
+            <a:r>
+              <a:rPr lang="ru-RU" altLang="ru-RU" sz="5400" dirty="0" err="1">
+                <a:solidFill>
+                  <a:srgbClr val="3878BE"/>
+                </a:solidFill>
+                <a:latin typeface="Consolas" panose="020B0609020204030204" pitchFamily="49" charset="0"/>
+              </a:rPr>
+              <a:t>size</a:t>
+            </a:r>
+            <a:r>
+              <a:rPr lang="ru-RU" altLang="ru-RU" sz="5400" dirty="0">
+                <a:solidFill>
+                  <a:srgbClr val="000000"/>
+                </a:solidFill>
+                <a:latin typeface="Consolas" panose="020B0609020204030204" pitchFamily="49" charset="0"/>
+              </a:rPr>
+              <a:t>() </a:t>
+            </a:r>
+            <a:r>
+              <a:rPr lang="ru-RU" altLang="ru-RU" sz="5400" dirty="0">
+                <a:solidFill>
+                  <a:srgbClr val="008080"/>
+                </a:solidFill>
+                <a:latin typeface="Consolas" panose="020B0609020204030204" pitchFamily="49" charset="0"/>
+              </a:rPr>
+              <a:t>&lt;&lt; </a:t>
+            </a:r>
+            <a:r>
+              <a:rPr lang="ru-RU" altLang="ru-RU" sz="5400" dirty="0" err="1">
+                <a:solidFill>
+                  <a:srgbClr val="3878BE"/>
+                </a:solidFill>
+                <a:latin typeface="Consolas" panose="020B0609020204030204" pitchFamily="49" charset="0"/>
+              </a:rPr>
+              <a:t>endl</a:t>
+            </a:r>
+            <a:r>
+              <a:rPr lang="ru-RU" altLang="ru-RU" sz="5400" dirty="0">
+                <a:solidFill>
+                  <a:srgbClr val="000000"/>
+                </a:solidFill>
+                <a:latin typeface="Consolas" panose="020B0609020204030204" pitchFamily="49" charset="0"/>
+              </a:rPr>
+              <a:t>;</a:t>
+            </a:r>
+            <a:br>
+              <a:rPr lang="ru-RU" altLang="ru-RU" sz="5400" dirty="0">
+                <a:solidFill>
+                  <a:srgbClr val="000000"/>
+                </a:solidFill>
+                <a:latin typeface="Consolas" panose="020B0609020204030204" pitchFamily="49" charset="0"/>
+              </a:rPr>
+            </a:br>
+            <a:r>
+              <a:rPr lang="ru-RU" altLang="ru-RU" sz="5400" dirty="0">
+                <a:solidFill>
+                  <a:srgbClr val="000000"/>
+                </a:solidFill>
+                <a:latin typeface="Consolas" panose="020B0609020204030204" pitchFamily="49" charset="0"/>
+              </a:rPr>
+              <a:t>}</a:t>
+            </a:r>
+            <a:br>
+              <a:rPr lang="ru-RU" altLang="ru-RU" sz="5400" dirty="0">
+                <a:solidFill>
+                  <a:srgbClr val="000000"/>
+                </a:solidFill>
+                <a:latin typeface="Consolas" panose="020B0609020204030204" pitchFamily="49" charset="0"/>
+              </a:rPr>
+            </a:br>
+            <a:r>
+              <a:rPr lang="ru-RU" altLang="ru-RU" sz="5400" dirty="0" err="1" smtClean="0">
+                <a:solidFill>
+                  <a:srgbClr val="9100DC"/>
+                </a:solidFill>
+                <a:latin typeface="Consolas" panose="020B0609020204030204" pitchFamily="49" charset="0"/>
+              </a:rPr>
+              <a:t>int</a:t>
+            </a:r>
+            <a:r>
+              <a:rPr lang="ru-RU" altLang="ru-RU" sz="5400" dirty="0" smtClean="0">
+                <a:solidFill>
+                  <a:srgbClr val="9100DC"/>
+                </a:solidFill>
+                <a:latin typeface="Consolas" panose="020B0609020204030204" pitchFamily="49" charset="0"/>
+              </a:rPr>
+              <a:t> </a:t>
+            </a:r>
+            <a:r>
+              <a:rPr lang="ru-RU" altLang="ru-RU" sz="5400" dirty="0" err="1">
+                <a:solidFill>
+                  <a:srgbClr val="3878BE"/>
+                </a:solidFill>
+                <a:latin typeface="Consolas" panose="020B0609020204030204" pitchFamily="49" charset="0"/>
+              </a:rPr>
+              <a:t>main</a:t>
+            </a:r>
+            <a:r>
+              <a:rPr lang="ru-RU" altLang="ru-RU" sz="5400" dirty="0">
+                <a:solidFill>
+                  <a:srgbClr val="000000"/>
+                </a:solidFill>
+                <a:latin typeface="Consolas" panose="020B0609020204030204" pitchFamily="49" charset="0"/>
+              </a:rPr>
+              <a:t>() {</a:t>
+            </a:r>
+            <a:br>
+              <a:rPr lang="ru-RU" altLang="ru-RU" sz="5400" dirty="0">
+                <a:solidFill>
+                  <a:srgbClr val="000000"/>
+                </a:solidFill>
+                <a:latin typeface="Consolas" panose="020B0609020204030204" pitchFamily="49" charset="0"/>
+              </a:rPr>
+            </a:br>
+            <a:r>
+              <a:rPr lang="ru-RU" altLang="ru-RU" sz="5400" dirty="0">
+                <a:solidFill>
+                  <a:srgbClr val="000000"/>
+                </a:solidFill>
+                <a:latin typeface="Consolas" panose="020B0609020204030204" pitchFamily="49" charset="0"/>
+              </a:rPr>
+              <a:t>  </a:t>
+            </a:r>
+            <a:r>
+              <a:rPr lang="ru-RU" altLang="ru-RU" sz="5400" dirty="0" err="1">
+                <a:solidFill>
+                  <a:srgbClr val="9100DC"/>
+                </a:solidFill>
+                <a:latin typeface="Consolas" panose="020B0609020204030204" pitchFamily="49" charset="0"/>
+              </a:rPr>
+              <a:t>vector</a:t>
+            </a:r>
+            <a:r>
+              <a:rPr lang="ru-RU" altLang="ru-RU" sz="5400" dirty="0">
+                <a:solidFill>
+                  <a:srgbClr val="000000"/>
+                </a:solidFill>
+                <a:latin typeface="Consolas" panose="020B0609020204030204" pitchFamily="49" charset="0"/>
+              </a:rPr>
+              <a:t>&lt;</a:t>
+            </a:r>
+            <a:r>
+              <a:rPr lang="ru-RU" altLang="ru-RU" sz="5400" dirty="0" err="1">
+                <a:solidFill>
+                  <a:srgbClr val="9100DC"/>
+                </a:solidFill>
+                <a:latin typeface="Consolas" panose="020B0609020204030204" pitchFamily="49" charset="0"/>
+              </a:rPr>
+              <a:t>Person</a:t>
+            </a:r>
+            <a:r>
+              <a:rPr lang="ru-RU" altLang="ru-RU" sz="5400" dirty="0">
+                <a:solidFill>
+                  <a:srgbClr val="000000"/>
+                </a:solidFill>
+                <a:latin typeface="Consolas" panose="020B0609020204030204" pitchFamily="49" charset="0"/>
+              </a:rPr>
+              <a:t>&gt; </a:t>
+            </a:r>
+            <a:r>
+              <a:rPr lang="ru-RU" altLang="ru-RU" sz="5400" dirty="0" err="1">
+                <a:solidFill>
+                  <a:srgbClr val="000000"/>
+                </a:solidFill>
+                <a:latin typeface="Consolas" panose="020B0609020204030204" pitchFamily="49" charset="0"/>
+              </a:rPr>
+              <a:t>people</a:t>
+            </a:r>
+            <a:r>
+              <a:rPr lang="ru-RU" altLang="ru-RU" sz="5400" dirty="0">
+                <a:solidFill>
+                  <a:srgbClr val="000000"/>
+                </a:solidFill>
+                <a:latin typeface="Consolas" panose="020B0609020204030204" pitchFamily="49" charset="0"/>
+              </a:rPr>
+              <a:t>(</a:t>
+            </a:r>
+            <a:r>
+              <a:rPr lang="ru-RU" altLang="ru-RU" sz="5400" dirty="0">
+                <a:solidFill>
+                  <a:srgbClr val="FFAA00"/>
+                </a:solidFill>
+                <a:latin typeface="Consolas" panose="020B0609020204030204" pitchFamily="49" charset="0"/>
+              </a:rPr>
+              <a:t>15'000'000</a:t>
+            </a:r>
+            <a:r>
+              <a:rPr lang="ru-RU" altLang="ru-RU" sz="5400" dirty="0">
+                <a:solidFill>
+                  <a:srgbClr val="000000"/>
+                </a:solidFill>
+                <a:latin typeface="Consolas" panose="020B0609020204030204" pitchFamily="49" charset="0"/>
+              </a:rPr>
+              <a:t>);</a:t>
+            </a:r>
+            <a:br>
+              <a:rPr lang="ru-RU" altLang="ru-RU" sz="5400" dirty="0">
+                <a:solidFill>
+                  <a:srgbClr val="000000"/>
+                </a:solidFill>
+                <a:latin typeface="Consolas" panose="020B0609020204030204" pitchFamily="49" charset="0"/>
+              </a:rPr>
+            </a:br>
+            <a:r>
+              <a:rPr lang="ru-RU" altLang="ru-RU" sz="5400" dirty="0">
+                <a:solidFill>
+                  <a:srgbClr val="000000"/>
+                </a:solidFill>
+                <a:latin typeface="Consolas" panose="020B0609020204030204" pitchFamily="49" charset="0"/>
+              </a:rPr>
+              <a:t>  </a:t>
+            </a:r>
+            <a:r>
+              <a:rPr lang="ru-RU" altLang="ru-RU" sz="5400" dirty="0" err="1">
+                <a:solidFill>
+                  <a:srgbClr val="3878BE"/>
+                </a:solidFill>
+                <a:latin typeface="Consolas" panose="020B0609020204030204" pitchFamily="49" charset="0"/>
+              </a:rPr>
+              <a:t>PrintSize</a:t>
+            </a:r>
+            <a:r>
+              <a:rPr lang="ru-RU" altLang="ru-RU" sz="5400" dirty="0">
+                <a:solidFill>
+                  <a:srgbClr val="000000"/>
+                </a:solidFill>
+                <a:latin typeface="Consolas" panose="020B0609020204030204" pitchFamily="49" charset="0"/>
+              </a:rPr>
+              <a:t>(</a:t>
+            </a:r>
+            <a:r>
+              <a:rPr lang="ru-RU" altLang="ru-RU" sz="5400" dirty="0" err="1">
+                <a:solidFill>
+                  <a:srgbClr val="000000"/>
+                </a:solidFill>
+                <a:latin typeface="Consolas" panose="020B0609020204030204" pitchFamily="49" charset="0"/>
+              </a:rPr>
+              <a:t>people</a:t>
+            </a:r>
+            <a:r>
+              <a:rPr lang="ru-RU" altLang="ru-RU" sz="5400" dirty="0">
+                <a:solidFill>
+                  <a:srgbClr val="000000"/>
+                </a:solidFill>
+                <a:latin typeface="Consolas" panose="020B0609020204030204" pitchFamily="49" charset="0"/>
+              </a:rPr>
+              <a:t>);</a:t>
+            </a:r>
+            <a:br>
+              <a:rPr lang="ru-RU" altLang="ru-RU" sz="5400" dirty="0">
+                <a:solidFill>
+                  <a:srgbClr val="000000"/>
+                </a:solidFill>
+                <a:latin typeface="Consolas" panose="020B0609020204030204" pitchFamily="49" charset="0"/>
+              </a:rPr>
+            </a:br>
+            <a:r>
+              <a:rPr lang="ru-RU" altLang="ru-RU" sz="5400" dirty="0" smtClean="0">
+                <a:solidFill>
+                  <a:srgbClr val="000000"/>
+                </a:solidFill>
+                <a:latin typeface="Consolas" panose="020B0609020204030204" pitchFamily="49" charset="0"/>
+              </a:rPr>
+              <a:t>}</a:t>
+            </a:r>
+            <a:endParaRPr lang="ru-RU" altLang="ru-RU" sz="5400" dirty="0">
+              <a:solidFill>
+                <a:schemeClr val="tx1"/>
+              </a:solidFill>
+              <a:latin typeface="Arial" panose="020B0604020202020204" pitchFamily="34" charset="0"/>
+            </a:endParaRPr>
+          </a:p>
+        </p:txBody>
+      </p:sp>
+    </p:spTree>
+    <p:extLst>
+      <p:ext uri="{BB962C8B-B14F-4D97-AF65-F5344CB8AC3E}">
+        <p14:creationId xmlns:p14="http://schemas.microsoft.com/office/powerpoint/2010/main" val="291813132"/>
+      </p:ext>
+    </p:extLst>
+  </p:cSld>
+  <p:clrMapOvr>
+    <a:masterClrMapping/>
+  </p:clrMapOvr>
+  <p:timing>
+    <p:tnLst>
+      <p:par>
+        <p:cTn id="1" dur="indefinite" restart="never" nodeType="tmRoot">
+          <p:childTnLst>
+            <p:seq concurrent="1" nextAc="seek">
+              <p:cTn id="2" dur="indefinite" nodeType="mainSeq">
+                <p:childTnLst>
+                  <p:par>
+                    <p:cTn id="3" fill="hold">
+                      <p:stCondLst>
+                        <p:cond delay="indefinite"/>
+                        <p:cond evt="onBegin" delay="0">
+                          <p:tn val="2"/>
+                        </p:cond>
+                      </p:stCondLst>
+                      <p:childTnLst>
+                        <p:par>
+                          <p:cTn id="4" fill="hold">
+                            <p:stCondLst>
+                              <p:cond delay="0"/>
+                            </p:stCondLst>
+                            <p:childTnLst>
+                              <p:par>
+                                <p:cTn id="5" presetID="1" presetClass="entr" presetSubtype="0" fill="hold" nodeType="withEffect">
+                                  <p:stCondLst>
+                                    <p:cond delay="0"/>
+                                  </p:stCondLst>
+                                  <p:iterate type="wd">
+                                    <p:tmAbs val="400"/>
+                                  </p:iterate>
+                                  <p:childTnLst>
+                                    <p:set>
+                                      <p:cBhvr>
+                                        <p:cTn id="6" dur="1" fill="hold">
+                                          <p:stCondLst>
+                                            <p:cond delay="0"/>
+                                          </p:stCondLst>
+                                        </p:cTn>
+                                        <p:tgtEl>
+                                          <p:spTgt spid="6">
+                                            <p:txEl>
+                                              <p:pRg st="0" end="0"/>
+                                            </p:txEl>
+                                          </p:spTgt>
+                                        </p:tgtEl>
+                                        <p:attrNameLst>
+                                          <p:attrName>style.visibility</p:attrName>
+                                        </p:attrNameLst>
+                                      </p:cBhvr>
+                                      <p:to>
+                                        <p:strVal val="visible"/>
+                                      </p:to>
+                                    </p:set>
+                                  </p:childTnLst>
+                                </p:cTn>
+                              </p:par>
+                            </p:childTnLst>
+                          </p:cTn>
+                        </p:par>
+                      </p:childTnLst>
+                    </p:cTn>
+                  </p:par>
+                </p:childTnLst>
+              </p:cTn>
+              <p:prevCondLst>
+                <p:cond evt="onPrev" delay="0">
+                  <p:tgtEl>
+                    <p:sldTgt/>
+                  </p:tgtEl>
+                </p:cond>
+              </p:prevCondLst>
+              <p:nextCondLst>
+                <p:cond evt="onNext" delay="0">
+                  <p:tgtEl>
+                    <p:sldTgt/>
+                  </p:tgtEl>
+                </p:cond>
+              </p:nextCondLst>
+            </p:seq>
+          </p:childTnLst>
+        </p:cTn>
+      </p:par>
+    </p:tnLst>
+  </p:timing>
+</p:sld>
+</file>
+
+<file path=ppt/slides/slide34.xml><?xml version="1.0" encoding="utf-8"?>
+<p:sld xmlns:a="http://schemas.openxmlformats.org/drawingml/2006/main" xmlns:r="http://schemas.openxmlformats.org/officeDocument/2006/relationships" xmlns:p="http://schemas.openxmlformats.org/presentationml/2006/main">
+  <p:cSld>
+    <p:spTree>
+      <p:nvGrpSpPr>
+        <p:cNvPr id="1" name=""/>
+        <p:cNvGrpSpPr/>
+        <p:nvPr/>
+      </p:nvGrpSpPr>
+      <p:grpSpPr>
+        <a:xfrm>
+          <a:off x="0" y="0"/>
+          <a:ext cx="0" cy="0"/>
+          <a:chOff x="0" y="0"/>
+          <a:chExt cx="0" cy="0"/>
+        </a:xfrm>
+      </p:grpSpPr>
+      <p:sp>
+        <p:nvSpPr>
+          <p:cNvPr id="2" name="Текст 1"/>
+          <p:cNvSpPr>
+            <a:spLocks noGrp="1"/>
+          </p:cNvSpPr>
+          <p:nvPr>
+            <p:ph type="body" idx="1"/>
+          </p:nvPr>
+        </p:nvSpPr>
+        <p:spPr/>
+        <p:txBody>
+          <a:bodyPr/>
+          <a:lstStyle/>
+          <a:p>
             <a:endParaRPr lang="ru-RU"/>
           </a:p>
         </p:txBody>
@@ -24918,7 +27685,7 @@
 </p:sld>
 </file>
 
-<file path=ppt/slides/slide31.xml><?xml version="1.0" encoding="utf-8"?>
+<file path=ppt/slides/slide35.xml><?xml version="1.0" encoding="utf-8"?>
 <p:sld xmlns:a="http://schemas.openxmlformats.org/drawingml/2006/main" xmlns:r="http://schemas.openxmlformats.org/officeDocument/2006/relationships" xmlns:p="http://schemas.openxmlformats.org/presentationml/2006/main">
   <p:cSld>
     <p:spTree>
@@ -27553,7 +30320,7 @@
 </p:sld>
 </file>
 
-<file path=ppt/slides/slide32.xml><?xml version="1.0" encoding="utf-8"?>
+<file path=ppt/slides/slide36.xml><?xml version="1.0" encoding="utf-8"?>
 <p:sld xmlns:a="http://schemas.openxmlformats.org/drawingml/2006/main" xmlns:r="http://schemas.openxmlformats.org/officeDocument/2006/relationships" xmlns:p="http://schemas.openxmlformats.org/presentationml/2006/main" show="0">
   <p:cSld>
     <p:spTree>
@@ -27662,7 +30429,7 @@
           <a:p>
             <a:fld id="{741C03D3-FA44-40EC-9A21-1FC4FEA3E22E}" type="slidenum">
               <a:rPr lang="ru-RU" smtClean="0"/>
-              <a:t>32</a:t>
+              <a:t>36</a:t>
             </a:fld>
             <a:endParaRPr lang="ru-RU"/>
           </a:p>
@@ -27986,7 +30753,7 @@
               <a:effectLst/>
               <a:extLst>
                 <a:ext uri="{C572A759-6A51-4108-AA02-DFA0A04FC94B}">
-                  <ma14:wrappingTextBoxFlag xmlns:ma14="http://schemas.microsoft.com/office/mac/drawingml/2011/main" xmlns="" val="1"/>
+                  <ma14:wrappingTextBoxFlag xmlns="" xmlns:ma14="http://schemas.microsoft.com/office/mac/drawingml/2011/main" val="1"/>
                 </a:ext>
               </a:extLst>
             </p:spPr>
@@ -28084,7 +30851,7 @@
 </p:sld>
 </file>
 
-<file path=ppt/slides/slide33.xml><?xml version="1.0" encoding="utf-8"?>
+<file path=ppt/slides/slide37.xml><?xml version="1.0" encoding="utf-8"?>
 <p:sld xmlns:a="http://schemas.openxmlformats.org/drawingml/2006/main" xmlns:r="http://schemas.openxmlformats.org/officeDocument/2006/relationships" xmlns:p="http://schemas.openxmlformats.org/presentationml/2006/main" show="0">
   <p:cSld>
     <p:spTree>
@@ -28159,7 +30926,7 @@
           <a:p>
             <a:fld id="{741C03D3-FA44-40EC-9A21-1FC4FEA3E22E}" type="slidenum">
               <a:rPr lang="ru-RU" smtClean="0"/>
-              <a:t>33</a:t>
+              <a:t>37</a:t>
             </a:fld>
             <a:endParaRPr lang="ru-RU"/>
           </a:p>
@@ -29231,7 +31998,7 @@
               <a:effectLst/>
               <a:extLst>
                 <a:ext uri="{C572A759-6A51-4108-AA02-DFA0A04FC94B}">
-                  <ma14:wrappingTextBoxFlag xmlns:ma14="http://schemas.microsoft.com/office/mac/drawingml/2011/main" xmlns="" val="1"/>
+                  <ma14:wrappingTextBoxFlag xmlns="" xmlns:ma14="http://schemas.microsoft.com/office/mac/drawingml/2011/main" val="1"/>
                 </a:ext>
               </a:extLst>
             </p:spPr>

--- a/slides.pptx
+++ b/slides.pptx
@@ -5,10 +5,10 @@
     <p:sldMasterId id="2147483684" r:id="rId1"/>
   </p:sldMasterIdLst>
   <p:notesMasterIdLst>
-    <p:notesMasterId r:id="rId39"/>
+    <p:notesMasterId r:id="rId46"/>
   </p:notesMasterIdLst>
   <p:handoutMasterIdLst>
-    <p:handoutMasterId r:id="rId40"/>
+    <p:handoutMasterId r:id="rId47"/>
   </p:handoutMasterIdLst>
   <p:sldIdLst>
     <p:sldId id="746" r:id="rId2"/>
@@ -38,16 +38,23 @@
     <p:sldId id="840" r:id="rId26"/>
     <p:sldId id="841" r:id="rId27"/>
     <p:sldId id="842" r:id="rId28"/>
-    <p:sldId id="819" r:id="rId29"/>
-    <p:sldId id="820" r:id="rId30"/>
-    <p:sldId id="821" r:id="rId31"/>
-    <p:sldId id="822" r:id="rId32"/>
-    <p:sldId id="814" r:id="rId33"/>
-    <p:sldId id="816" r:id="rId34"/>
-    <p:sldId id="796" r:id="rId35"/>
-    <p:sldId id="792" r:id="rId36"/>
-    <p:sldId id="783" r:id="rId37"/>
-    <p:sldId id="785" r:id="rId38"/>
+    <p:sldId id="843" r:id="rId29"/>
+    <p:sldId id="844" r:id="rId30"/>
+    <p:sldId id="845" r:id="rId31"/>
+    <p:sldId id="846" r:id="rId32"/>
+    <p:sldId id="847" r:id="rId33"/>
+    <p:sldId id="849" r:id="rId34"/>
+    <p:sldId id="850" r:id="rId35"/>
+    <p:sldId id="819" r:id="rId36"/>
+    <p:sldId id="820" r:id="rId37"/>
+    <p:sldId id="821" r:id="rId38"/>
+    <p:sldId id="822" r:id="rId39"/>
+    <p:sldId id="814" r:id="rId40"/>
+    <p:sldId id="816" r:id="rId41"/>
+    <p:sldId id="796" r:id="rId42"/>
+    <p:sldId id="792" r:id="rId43"/>
+    <p:sldId id="783" r:id="rId44"/>
+    <p:sldId id="785" r:id="rId45"/>
   </p:sldIdLst>
   <p:sldSz cx="24382413" cy="13716000"/>
   <p:notesSz cx="6858000" cy="9144000"/>
@@ -178,6 +185,13 @@
             <p14:sldId id="840"/>
             <p14:sldId id="841"/>
             <p14:sldId id="842"/>
+            <p14:sldId id="843"/>
+            <p14:sldId id="844"/>
+            <p14:sldId id="845"/>
+            <p14:sldId id="846"/>
+            <p14:sldId id="847"/>
+            <p14:sldId id="849"/>
+            <p14:sldId id="850"/>
             <p14:sldId id="819"/>
             <p14:sldId id="820"/>
             <p14:sldId id="821"/>
@@ -24088,15 +24102,7 @@
             <a:pPr lvl="1"/>
             <a:r>
               <a:rPr lang="ru-RU" dirty="0" smtClean="0"/>
-              <a:t>Это простое решение, которое </a:t>
-            </a:r>
-            <a:r>
-              <a:rPr lang="ru-RU" smtClean="0"/>
-              <a:t>надёжно работает более </a:t>
-            </a:r>
-            <a:r>
-              <a:rPr lang="ru-RU" dirty="0" smtClean="0"/>
-              <a:t>1,5 лет</a:t>
+              <a:t>Это простое решение, которое надёжно работает более 1,5 лет</a:t>
             </a:r>
             <a:endParaRPr lang="ru-RU" dirty="0"/>
           </a:p>
@@ -24188,7 +24194,42 @@
             <a:spLocks noGrp="1"/>
           </p:cNvSpPr>
           <p:nvPr>
-            <p:ph type="title"/>
+            <p:ph type="ctrTitle"/>
+          </p:nvPr>
+        </p:nvSpPr>
+        <p:spPr>
+          <a:xfrm>
+            <a:off x="3048000" y="3048000"/>
+            <a:ext cx="19064288" cy="7249764"/>
+          </a:xfrm>
+        </p:spPr>
+        <p:txBody>
+          <a:bodyPr/>
+          <a:lstStyle/>
+          <a:p>
+            <a:r>
+              <a:rPr lang="ru-RU" dirty="0" smtClean="0"/>
+              <a:t>Ограничение использования</a:t>
+            </a:r>
+            <a:br>
+              <a:rPr lang="ru-RU" dirty="0" smtClean="0"/>
+            </a:br>
+            <a:r>
+              <a:rPr lang="ru-RU" dirty="0" smtClean="0"/>
+              <a:t>стандартных контейнеров</a:t>
+            </a:r>
+            <a:endParaRPr lang="ru-RU" dirty="0"/>
+          </a:p>
+        </p:txBody>
+      </p:sp>
+      <p:sp>
+        <p:nvSpPr>
+          <p:cNvPr id="3" name="Текст 2"/>
+          <p:cNvSpPr>
+            <a:spLocks noGrp="1"/>
+          </p:cNvSpPr>
+          <p:nvPr>
+            <p:ph type="body" idx="1"/>
           </p:nvPr>
         </p:nvSpPr>
         <p:spPr/>
@@ -24196,461 +24237,6 @@
           <a:bodyPr/>
           <a:lstStyle/>
           <a:p>
-            <a:r>
-              <a:rPr lang="ru-RU" dirty="0" smtClean="0"/>
-              <a:t>Результаты</a:t>
-            </a:r>
-            <a:endParaRPr lang="ru-RU" dirty="0"/>
-          </a:p>
-        </p:txBody>
-      </p:sp>
-      <p:graphicFrame>
-        <p:nvGraphicFramePr>
-          <p:cNvPr id="6" name="Объект 5"/>
-          <p:cNvGraphicFramePr>
-            <a:graphicFrameLocks noGrp="1"/>
-          </p:cNvGraphicFramePr>
-          <p:nvPr>
-            <p:ph idx="1"/>
-            <p:extLst>
-              <p:ext uri="{D42A27DB-BD31-4B8C-83A1-F6EECF244321}">
-                <p14:modId xmlns:p14="http://schemas.microsoft.com/office/powerpoint/2010/main" val="391563321"/>
-              </p:ext>
-            </p:extLst>
-          </p:nvPr>
-        </p:nvGraphicFramePr>
-        <p:xfrm>
-          <a:off x="1135062" y="4495800"/>
-          <a:ext cx="22112288" cy="5905500"/>
-        </p:xfrm>
-        <a:graphic>
-          <a:graphicData uri="http://schemas.openxmlformats.org/drawingml/2006/table">
-            <a:tbl>
-              <a:tblPr firstRow="1" bandRow="1">
-                <a:tableStyleId>{5940675A-B579-460E-94D1-54222C63F5DA}</a:tableStyleId>
-              </a:tblPr>
-              <a:tblGrid>
-                <a:gridCol w="5528072">
-                  <a:extLst>
-                    <a:ext uri="{9D8B030D-6E8A-4147-A177-3AD203B41FA5}">
-                      <a16:colId xmlns:a16="http://schemas.microsoft.com/office/drawing/2014/main" val="20000"/>
-                    </a:ext>
-                  </a:extLst>
-                </a:gridCol>
-                <a:gridCol w="5528072">
-                  <a:extLst>
-                    <a:ext uri="{9D8B030D-6E8A-4147-A177-3AD203B41FA5}">
-                      <a16:colId xmlns:a16="http://schemas.microsoft.com/office/drawing/2014/main" val="20001"/>
-                    </a:ext>
-                  </a:extLst>
-                </a:gridCol>
-                <a:gridCol w="5528072">
-                  <a:extLst>
-                    <a:ext uri="{9D8B030D-6E8A-4147-A177-3AD203B41FA5}">
-                      <a16:colId xmlns:a16="http://schemas.microsoft.com/office/drawing/2014/main" val="20002"/>
-                    </a:ext>
-                  </a:extLst>
-                </a:gridCol>
-                <a:gridCol w="5528072">
-                  <a:extLst>
-                    <a:ext uri="{9D8B030D-6E8A-4147-A177-3AD203B41FA5}">
-                      <a16:colId xmlns:a16="http://schemas.microsoft.com/office/drawing/2014/main" val="20003"/>
-                    </a:ext>
-                  </a:extLst>
-                </a:gridCol>
-              </a:tblGrid>
-              <a:tr h="1181100">
-                <a:tc>
-                  <a:txBody>
-                    <a:bodyPr/>
-                    <a:lstStyle/>
-                    <a:p>
-                      <a:r>
-                        <a:rPr lang="ru-RU" sz="4400" dirty="0" smtClean="0"/>
-                        <a:t>Курс</a:t>
-                      </a:r>
-                      <a:endParaRPr lang="ru-RU" sz="4400" dirty="0"/>
-                    </a:p>
-                  </a:txBody>
-                  <a:tcPr anchor="ctr"/>
-                </a:tc>
-                <a:tc>
-                  <a:txBody>
-                    <a:bodyPr/>
-                    <a:lstStyle/>
-                    <a:p>
-                      <a:pPr algn="ctr"/>
-                      <a:r>
-                        <a:rPr lang="ru-RU" sz="4400" dirty="0" smtClean="0"/>
-                        <a:t>Белый пояс</a:t>
-                      </a:r>
-                      <a:endParaRPr lang="ru-RU" sz="4400" dirty="0"/>
-                    </a:p>
-                  </a:txBody>
-                  <a:tcPr anchor="ctr"/>
-                </a:tc>
-                <a:tc>
-                  <a:txBody>
-                    <a:bodyPr/>
-                    <a:lstStyle/>
-                    <a:p>
-                      <a:pPr algn="ctr"/>
-                      <a:r>
-                        <a:rPr lang="ru-RU" sz="4400" dirty="0" smtClean="0"/>
-                        <a:t>Жёлтый пояс</a:t>
-                      </a:r>
-                      <a:endParaRPr lang="ru-RU" sz="4400" dirty="0"/>
-                    </a:p>
-                  </a:txBody>
-                  <a:tcPr anchor="ctr">
-                    <a:solidFill>
-                      <a:schemeClr val="tx2"/>
-                    </a:solidFill>
-                  </a:tcPr>
-                </a:tc>
-                <a:tc>
-                  <a:txBody>
-                    <a:bodyPr/>
-                    <a:lstStyle/>
-                    <a:p>
-                      <a:pPr algn="ctr"/>
-                      <a:r>
-                        <a:rPr lang="ru-RU" sz="4400" b="1" dirty="0" smtClean="0">
-                          <a:solidFill>
-                            <a:schemeClr val="bg1"/>
-                          </a:solidFill>
-                        </a:rPr>
-                        <a:t>Красный пояс</a:t>
-                      </a:r>
-                      <a:endParaRPr lang="ru-RU" sz="4400" b="1" dirty="0">
-                        <a:solidFill>
-                          <a:schemeClr val="bg1"/>
-                        </a:solidFill>
-                      </a:endParaRPr>
-                    </a:p>
-                  </a:txBody>
-                  <a:tcPr anchor="ctr">
-                    <a:solidFill>
-                      <a:schemeClr val="bg2"/>
-                    </a:solidFill>
-                  </a:tcPr>
-                </a:tc>
-                <a:extLst>
-                  <a:ext uri="{0D108BD9-81ED-4DB2-BD59-A6C34878D82A}">
-                    <a16:rowId xmlns:a16="http://schemas.microsoft.com/office/drawing/2014/main" val="10000"/>
-                  </a:ext>
-                </a:extLst>
-              </a:tr>
-              <a:tr h="1181100">
-                <a:tc>
-                  <a:txBody>
-                    <a:bodyPr/>
-                    <a:lstStyle/>
-                    <a:p>
-                      <a:r>
-                        <a:rPr lang="ru-RU" sz="4400" dirty="0" smtClean="0"/>
-                        <a:t>Дата запуска</a:t>
-                      </a:r>
-                      <a:endParaRPr lang="ru-RU" sz="4400" dirty="0"/>
-                    </a:p>
-                  </a:txBody>
-                  <a:tcPr anchor="ctr"/>
-                </a:tc>
-                <a:tc>
-                  <a:txBody>
-                    <a:bodyPr/>
-                    <a:lstStyle/>
-                    <a:p>
-                      <a:pPr algn="ctr"/>
-                      <a:r>
-                        <a:rPr lang="ru-RU" sz="4400" dirty="0" smtClean="0"/>
-                        <a:t>Июнь 2017</a:t>
-                      </a:r>
-                      <a:endParaRPr lang="ru-RU" sz="4400" dirty="0"/>
-                    </a:p>
-                  </a:txBody>
-                  <a:tcPr anchor="ctr"/>
-                </a:tc>
-                <a:tc>
-                  <a:txBody>
-                    <a:bodyPr/>
-                    <a:lstStyle/>
-                    <a:p>
-                      <a:pPr algn="ctr"/>
-                      <a:r>
-                        <a:rPr lang="ru-RU" sz="4400" dirty="0" smtClean="0"/>
-                        <a:t>Декабрь 2017</a:t>
-                      </a:r>
-                      <a:endParaRPr lang="ru-RU" sz="4400" dirty="0"/>
-                    </a:p>
-                  </a:txBody>
-                  <a:tcPr anchor="ctr"/>
-                </a:tc>
-                <a:tc>
-                  <a:txBody>
-                    <a:bodyPr/>
-                    <a:lstStyle/>
-                    <a:p>
-                      <a:pPr algn="ctr"/>
-                      <a:r>
-                        <a:rPr lang="ru-RU" sz="4400" dirty="0" smtClean="0"/>
-                        <a:t>Июль 2018</a:t>
-                      </a:r>
-                      <a:endParaRPr lang="ru-RU" sz="4400" dirty="0"/>
-                    </a:p>
-                  </a:txBody>
-                  <a:tcPr anchor="ctr"/>
-                </a:tc>
-                <a:extLst>
-                  <a:ext uri="{0D108BD9-81ED-4DB2-BD59-A6C34878D82A}">
-                    <a16:rowId xmlns:a16="http://schemas.microsoft.com/office/drawing/2014/main" val="10004"/>
-                  </a:ext>
-                </a:extLst>
-              </a:tr>
-              <a:tr h="1181100">
-                <a:tc>
-                  <a:txBody>
-                    <a:bodyPr/>
-                    <a:lstStyle/>
-                    <a:p>
-                      <a:r>
-                        <a:rPr lang="ru-RU" sz="4400" dirty="0" smtClean="0"/>
-                        <a:t>Активные</a:t>
-                      </a:r>
-                      <a:r>
-                        <a:rPr lang="ru-RU" sz="4400" baseline="0" dirty="0" smtClean="0"/>
-                        <a:t> участники</a:t>
-                      </a:r>
-                      <a:endParaRPr lang="ru-RU" sz="4400" dirty="0"/>
-                    </a:p>
-                  </a:txBody>
-                  <a:tcPr anchor="ctr"/>
-                </a:tc>
-                <a:tc>
-                  <a:txBody>
-                    <a:bodyPr/>
-                    <a:lstStyle/>
-                    <a:p>
-                      <a:pPr algn="ctr"/>
-                      <a:r>
-                        <a:rPr lang="en-US" sz="4400" dirty="0" smtClean="0"/>
-                        <a:t>16 943</a:t>
-                      </a:r>
-                      <a:endParaRPr lang="ru-RU" sz="4400" dirty="0"/>
-                    </a:p>
-                  </a:txBody>
-                  <a:tcPr anchor="ctr"/>
-                </a:tc>
-                <a:tc>
-                  <a:txBody>
-                    <a:bodyPr/>
-                    <a:lstStyle/>
-                    <a:p>
-                      <a:pPr algn="ctr"/>
-                      <a:r>
-                        <a:rPr lang="en-US" sz="4400" dirty="0" smtClean="0"/>
-                        <a:t>2440</a:t>
-                      </a:r>
-                      <a:endParaRPr lang="ru-RU" sz="4400" dirty="0"/>
-                    </a:p>
-                  </a:txBody>
-                  <a:tcPr anchor="ctr"/>
-                </a:tc>
-                <a:tc>
-                  <a:txBody>
-                    <a:bodyPr/>
-                    <a:lstStyle/>
-                    <a:p>
-                      <a:pPr algn="ctr"/>
-                      <a:r>
-                        <a:rPr lang="en-US" sz="4400" dirty="0" smtClean="0"/>
-                        <a:t>464</a:t>
-                      </a:r>
-                      <a:endParaRPr lang="ru-RU" sz="4400" dirty="0"/>
-                    </a:p>
-                  </a:txBody>
-                  <a:tcPr anchor="ctr"/>
-                </a:tc>
-                <a:extLst>
-                  <a:ext uri="{0D108BD9-81ED-4DB2-BD59-A6C34878D82A}">
-                    <a16:rowId xmlns:a16="http://schemas.microsoft.com/office/drawing/2014/main" val="10001"/>
-                  </a:ext>
-                </a:extLst>
-              </a:tr>
-              <a:tr h="1181100">
-                <a:tc>
-                  <a:txBody>
-                    <a:bodyPr/>
-                    <a:lstStyle/>
-                    <a:p>
-                      <a:r>
-                        <a:rPr lang="ru-RU" sz="4400" dirty="0" smtClean="0"/>
-                        <a:t>Выпускники</a:t>
-                      </a:r>
-                      <a:endParaRPr lang="ru-RU" sz="4400" dirty="0"/>
-                    </a:p>
-                  </a:txBody>
-                  <a:tcPr anchor="ctr"/>
-                </a:tc>
-                <a:tc>
-                  <a:txBody>
-                    <a:bodyPr/>
-                    <a:lstStyle/>
-                    <a:p>
-                      <a:pPr algn="ctr"/>
-                      <a:r>
-                        <a:rPr lang="en-US" sz="4400" dirty="0" smtClean="0"/>
-                        <a:t>969</a:t>
-                      </a:r>
-                      <a:endParaRPr lang="ru-RU" sz="4400" dirty="0"/>
-                    </a:p>
-                  </a:txBody>
-                  <a:tcPr anchor="ctr"/>
-                </a:tc>
-                <a:tc>
-                  <a:txBody>
-                    <a:bodyPr/>
-                    <a:lstStyle/>
-                    <a:p>
-                      <a:pPr algn="ctr"/>
-                      <a:r>
-                        <a:rPr lang="en-US" sz="4400" dirty="0" smtClean="0"/>
-                        <a:t>223</a:t>
-                      </a:r>
-                      <a:endParaRPr lang="ru-RU" sz="4400" dirty="0"/>
-                    </a:p>
-                  </a:txBody>
-                  <a:tcPr anchor="ctr"/>
-                </a:tc>
-                <a:tc>
-                  <a:txBody>
-                    <a:bodyPr/>
-                    <a:lstStyle/>
-                    <a:p>
-                      <a:pPr algn="ctr"/>
-                      <a:r>
-                        <a:rPr lang="en-US" sz="4400" dirty="0" smtClean="0"/>
-                        <a:t>17</a:t>
-                      </a:r>
-                      <a:endParaRPr lang="ru-RU" sz="4400" dirty="0"/>
-                    </a:p>
-                  </a:txBody>
-                  <a:tcPr anchor="ctr"/>
-                </a:tc>
-                <a:extLst>
-                  <a:ext uri="{0D108BD9-81ED-4DB2-BD59-A6C34878D82A}">
-                    <a16:rowId xmlns:a16="http://schemas.microsoft.com/office/drawing/2014/main" val="10002"/>
-                  </a:ext>
-                </a:extLst>
-              </a:tr>
-              <a:tr h="1181100">
-                <a:tc>
-                  <a:txBody>
-                    <a:bodyPr/>
-                    <a:lstStyle/>
-                    <a:p>
-                      <a:r>
-                        <a:rPr lang="ru-RU" sz="4400" dirty="0" smtClean="0"/>
-                        <a:t>Оценка</a:t>
-                      </a:r>
-                      <a:endParaRPr lang="ru-RU" sz="4400" dirty="0"/>
-                    </a:p>
-                  </a:txBody>
-                  <a:tcPr anchor="ctr"/>
-                </a:tc>
-                <a:tc>
-                  <a:txBody>
-                    <a:bodyPr/>
-                    <a:lstStyle/>
-                    <a:p>
-                      <a:pPr algn="ctr"/>
-                      <a:r>
-                        <a:rPr lang="en-US" sz="4400" dirty="0" smtClean="0"/>
-                        <a:t>4,8/5</a:t>
-                      </a:r>
-                      <a:endParaRPr lang="ru-RU" sz="4400" dirty="0"/>
-                    </a:p>
-                  </a:txBody>
-                  <a:tcPr anchor="ctr"/>
-                </a:tc>
-                <a:tc>
-                  <a:txBody>
-                    <a:bodyPr/>
-                    <a:lstStyle/>
-                    <a:p>
-                      <a:pPr algn="ctr"/>
-                      <a:r>
-                        <a:rPr lang="en-US" sz="4400" dirty="0" smtClean="0"/>
-                        <a:t>4,9/5</a:t>
-                      </a:r>
-                      <a:endParaRPr lang="ru-RU" sz="4400" dirty="0"/>
-                    </a:p>
-                  </a:txBody>
-                  <a:tcPr anchor="ctr"/>
-                </a:tc>
-                <a:tc>
-                  <a:txBody>
-                    <a:bodyPr/>
-                    <a:lstStyle/>
-                    <a:p>
-                      <a:pPr algn="ctr"/>
-                      <a:r>
-                        <a:rPr lang="en-US" sz="4400" dirty="0" smtClean="0"/>
-                        <a:t>5/5</a:t>
-                      </a:r>
-                      <a:endParaRPr lang="ru-RU" sz="4400" dirty="0"/>
-                    </a:p>
-                  </a:txBody>
-                  <a:tcPr anchor="ctr"/>
-                </a:tc>
-                <a:extLst>
-                  <a:ext uri="{0D108BD9-81ED-4DB2-BD59-A6C34878D82A}">
-                    <a16:rowId xmlns:a16="http://schemas.microsoft.com/office/drawing/2014/main" val="10003"/>
-                  </a:ext>
-                </a:extLst>
-              </a:tr>
-            </a:tbl>
-          </a:graphicData>
-        </a:graphic>
-      </p:graphicFrame>
-      <p:sp>
-        <p:nvSpPr>
-          <p:cNvPr id="4" name="Нижний колонтитул 3"/>
-          <p:cNvSpPr>
-            <a:spLocks noGrp="1"/>
-          </p:cNvSpPr>
-          <p:nvPr>
-            <p:ph type="ftr" sz="quarter" idx="11"/>
-          </p:nvPr>
-        </p:nvSpPr>
-        <p:spPr/>
-        <p:txBody>
-          <a:bodyPr/>
-          <a:lstStyle/>
-          <a:p>
-            <a:endParaRPr lang="ru-RU"/>
-          </a:p>
-        </p:txBody>
-      </p:sp>
-      <p:sp>
-        <p:nvSpPr>
-          <p:cNvPr id="5" name="Номер слайда 4"/>
-          <p:cNvSpPr>
-            <a:spLocks noGrp="1"/>
-          </p:cNvSpPr>
-          <p:nvPr>
-            <p:ph type="sldNum" sz="quarter" idx="12"/>
-          </p:nvPr>
-        </p:nvSpPr>
-        <p:spPr/>
-        <p:txBody>
-          <a:bodyPr/>
-          <a:lstStyle/>
-          <a:p>
-            <a:fld id="{741C03D3-FA44-40EC-9A21-1FC4FEA3E22E}" type="slidenum">
-              <a:rPr lang="ru-RU" smtClean="0"/>
-              <a:t>28</a:t>
-            </a:fld>
             <a:endParaRPr lang="ru-RU"/>
           </a:p>
         </p:txBody>
@@ -24658,7 +24244,7 @@
     </p:spTree>
     <p:extLst>
       <p:ext uri="{BB962C8B-B14F-4D97-AF65-F5344CB8AC3E}">
-        <p14:creationId xmlns:p14="http://schemas.microsoft.com/office/powerpoint/2010/main" val="3481799678"/>
+        <p14:creationId xmlns:p14="http://schemas.microsoft.com/office/powerpoint/2010/main" val="3235925530"/>
       </p:ext>
     </p:extLst>
   </p:cSld>
@@ -24694,12 +24280,12 @@
       </p:grpSpPr>
       <p:sp>
         <p:nvSpPr>
-          <p:cNvPr id="2" name="Текст 1"/>
+          <p:cNvPr id="2" name="Заголовок 1"/>
           <p:cNvSpPr>
             <a:spLocks noGrp="1"/>
           </p:cNvSpPr>
           <p:nvPr>
-            <p:ph type="body" idx="1"/>
+            <p:ph type="title"/>
           </p:nvPr>
         </p:nvSpPr>
         <p:spPr/>
@@ -24709,15 +24295,11 @@
           <a:p>
             <a:r>
               <a:rPr lang="ru-RU" dirty="0" smtClean="0"/>
-              <a:t>Отзыв на «Белый пояс по </a:t>
-            </a:r>
-            <a:r>
-              <a:rPr lang="en-US" dirty="0" smtClean="0"/>
-              <a:t>C++</a:t>
-            </a:r>
-            <a:r>
-              <a:rPr lang="ru-RU" dirty="0" smtClean="0"/>
-              <a:t>»</a:t>
+              <a:t>Задача </a:t>
+            </a:r>
+            <a:r>
+              <a:rPr lang="en-US" dirty="0" err="1" smtClean="0"/>
+              <a:t>SimpleVector</a:t>
             </a:r>
             <a:endParaRPr lang="ru-RU" dirty="0"/>
           </a:p>
@@ -24725,12 +24307,61 @@
       </p:sp>
       <p:sp>
         <p:nvSpPr>
-          <p:cNvPr id="3" name="Объект 2"/>
+          <p:cNvPr id="8" name="Объект 7"/>
           <p:cNvSpPr>
             <a:spLocks noGrp="1"/>
           </p:cNvSpPr>
           <p:nvPr>
-            <p:ph sz="half" idx="10"/>
+            <p:ph idx="1"/>
+          </p:nvPr>
+        </p:nvSpPr>
+        <p:spPr>
+          <a:xfrm>
+            <a:off x="1143000" y="3048000"/>
+            <a:ext cx="19461162" cy="2665413"/>
+          </a:xfrm>
+        </p:spPr>
+        <p:txBody>
+          <a:bodyPr/>
+          <a:lstStyle/>
+          <a:p>
+            <a:pPr lvl="1"/>
+            <a:r>
+              <a:rPr lang="ru-RU" dirty="0" smtClean="0"/>
+              <a:t>В задаче надо реализовать сильно упрощённый вектор</a:t>
+            </a:r>
+            <a:endParaRPr lang="en-US" dirty="0" smtClean="0"/>
+          </a:p>
+          <a:p>
+            <a:pPr lvl="1"/>
+            <a:endParaRPr lang="en-US" dirty="0"/>
+          </a:p>
+          <a:p>
+            <a:pPr lvl="1"/>
+            <a:r>
+              <a:rPr lang="ru-RU" dirty="0" smtClean="0"/>
+              <a:t>Простейший способ — использовать </a:t>
+            </a:r>
+            <a:r>
+              <a:rPr lang="en-US" dirty="0" err="1" smtClean="0"/>
+              <a:t>std</a:t>
+            </a:r>
+            <a:r>
+              <a:rPr lang="en-US" dirty="0" smtClean="0"/>
+              <a:t>::vector&lt;T&gt;</a:t>
+            </a:r>
+            <a:endParaRPr lang="ru-RU" dirty="0" smtClean="0"/>
+          </a:p>
+        </p:txBody>
+      </p:sp>
+      <p:sp>
+        <p:nvSpPr>
+          <p:cNvPr id="4" name="Нижний колонтитул 3"/>
+          <p:cNvSpPr>
+            <a:spLocks noGrp="1"/>
+          </p:cNvSpPr>
+          <p:nvPr>
+            <p:ph type="ftr" sz="quarter" idx="11"/>
           </p:nvPr>
         </p:nvSpPr>
         <p:spPr/>
@@ -24738,66 +24369,852 @@
           <a:bodyPr/>
           <a:lstStyle/>
           <a:p>
-            <a:r>
-              <a:rPr lang="ru-RU" dirty="0" smtClean="0"/>
-              <a:t>Этот </a:t>
-            </a:r>
-            <a:r>
-              <a:rPr lang="ru-RU" dirty="0"/>
-              <a:t>курс показал </a:t>
-            </a:r>
-            <a:r>
-              <a:rPr lang="ru-RU" dirty="0" smtClean="0"/>
-              <a:t>мне</a:t>
-            </a:r>
-            <a:endParaRPr lang="en-US" dirty="0" smtClean="0"/>
-          </a:p>
-          <a:p>
-            <a:r>
-              <a:rPr lang="ru-RU" dirty="0" smtClean="0"/>
-              <a:t>нормальный </a:t>
-            </a:r>
-            <a:r>
-              <a:rPr lang="ru-RU" dirty="0"/>
-              <a:t>C++, а </a:t>
-            </a:r>
-            <a:r>
-              <a:rPr lang="ru-RU" dirty="0" smtClean="0"/>
-              <a:t>не</a:t>
-            </a:r>
-            <a:endParaRPr lang="en-US" dirty="0" smtClean="0"/>
-          </a:p>
-          <a:p>
-            <a:r>
-              <a:rPr lang="ru-RU" dirty="0" smtClean="0"/>
-              <a:t>тот</a:t>
-            </a:r>
-            <a:r>
-              <a:rPr lang="ru-RU" dirty="0"/>
-              <a:t>, которому </a:t>
-            </a:r>
-            <a:r>
-              <a:rPr lang="ru-RU" dirty="0" smtClean="0"/>
-              <a:t>меня</a:t>
-            </a:r>
-            <a:endParaRPr lang="en-US" dirty="0" smtClean="0"/>
-          </a:p>
-          <a:p>
-            <a:r>
-              <a:rPr lang="ru-RU" dirty="0" smtClean="0"/>
-              <a:t>учили </a:t>
-            </a:r>
-            <a:r>
-              <a:rPr lang="ru-RU" dirty="0"/>
-              <a:t>в университете.</a:t>
-            </a:r>
+            <a:endParaRPr lang="ru-RU"/>
+          </a:p>
+        </p:txBody>
+      </p:sp>
+      <p:sp>
+        <p:nvSpPr>
+          <p:cNvPr id="5" name="Номер слайда 4"/>
+          <p:cNvSpPr>
+            <a:spLocks noGrp="1"/>
+          </p:cNvSpPr>
+          <p:nvPr>
+            <p:ph type="sldNum" sz="quarter" idx="12"/>
+          </p:nvPr>
+        </p:nvSpPr>
+        <p:spPr/>
+        <p:txBody>
+          <a:bodyPr/>
+          <a:lstStyle/>
+          <a:p>
+            <a:fld id="{741C03D3-FA44-40EC-9A21-1FC4FEA3E22E}" type="slidenum">
+              <a:rPr lang="ru-RU" smtClean="0"/>
+              <a:t>29</a:t>
+            </a:fld>
+            <a:endParaRPr lang="ru-RU"/>
+          </a:p>
+        </p:txBody>
+      </p:sp>
+      <p:sp>
+        <p:nvSpPr>
+          <p:cNvPr id="6" name="Объект 5"/>
+          <p:cNvSpPr>
+            <a:spLocks noGrp="1"/>
+          </p:cNvSpPr>
+          <p:nvPr>
+            <p:ph idx="13"/>
+          </p:nvPr>
+        </p:nvSpPr>
+        <p:spPr>
+          <a:xfrm>
+            <a:off x="1" y="6094413"/>
+            <a:ext cx="24382412" cy="7621587"/>
+          </a:xfrm>
+        </p:spPr>
+        <p:txBody>
+          <a:bodyPr/>
+          <a:lstStyle/>
+          <a:p>
+            <a:pPr>
+              <a:lnSpc>
+                <a:spcPct val="100000"/>
+              </a:lnSpc>
+            </a:pPr>
+            <a:r>
+              <a:rPr lang="ru-RU" altLang="ru-RU" dirty="0" err="1">
+                <a:solidFill>
+                  <a:srgbClr val="FFFFFF"/>
+                </a:solidFill>
+                <a:latin typeface="Verdana" panose="020B0604030504040204" pitchFamily="34" charset="0"/>
+              </a:rPr>
+              <a:t>template</a:t>
+            </a:r>
+            <a:r>
+              <a:rPr lang="ru-RU" altLang="ru-RU" dirty="0">
+                <a:solidFill>
+                  <a:srgbClr val="FFFFFF"/>
+                </a:solidFill>
+                <a:latin typeface="Verdana" panose="020B0604030504040204" pitchFamily="34" charset="0"/>
+              </a:rPr>
+              <a:t> &lt;</a:t>
+            </a:r>
+            <a:r>
+              <a:rPr lang="ru-RU" altLang="ru-RU" dirty="0" err="1">
+                <a:solidFill>
+                  <a:srgbClr val="FFFFFF"/>
+                </a:solidFill>
+                <a:latin typeface="Verdana" panose="020B0604030504040204" pitchFamily="34" charset="0"/>
+              </a:rPr>
+              <a:t>typename</a:t>
+            </a:r>
+            <a:r>
+              <a:rPr lang="ru-RU" altLang="ru-RU" dirty="0">
+                <a:solidFill>
+                  <a:srgbClr val="FFFFFF"/>
+                </a:solidFill>
+                <a:latin typeface="Verdana" panose="020B0604030504040204" pitchFamily="34" charset="0"/>
+              </a:rPr>
+              <a:t> </a:t>
+            </a:r>
+            <a:r>
+              <a:rPr lang="ru-RU" altLang="ru-RU" dirty="0" smtClean="0">
+                <a:solidFill>
+                  <a:srgbClr val="FFCC00"/>
+                </a:solidFill>
+                <a:latin typeface="Verdana" panose="020B0604030504040204" pitchFamily="34" charset="0"/>
+              </a:rPr>
+              <a:t>T</a:t>
+            </a:r>
+            <a:r>
+              <a:rPr lang="ru-RU" altLang="ru-RU" dirty="0" smtClean="0">
+                <a:solidFill>
+                  <a:srgbClr val="FFFFFF"/>
+                </a:solidFill>
+                <a:latin typeface="Verdana" panose="020B0604030504040204" pitchFamily="34" charset="0"/>
+              </a:rPr>
+              <a:t>&gt;</a:t>
+            </a:r>
+            <a:r>
+              <a:rPr lang="en-US" altLang="ru-RU" dirty="0" smtClean="0">
+                <a:solidFill>
+                  <a:srgbClr val="FFFFFF"/>
+                </a:solidFill>
+                <a:latin typeface="Verdana" panose="020B0604030504040204" pitchFamily="34" charset="0"/>
+              </a:rPr>
+              <a:t> </a:t>
+            </a:r>
+            <a:r>
+              <a:rPr lang="ru-RU" altLang="ru-RU" dirty="0" err="1" smtClean="0">
+                <a:solidFill>
+                  <a:srgbClr val="FFFFFF"/>
+                </a:solidFill>
+                <a:latin typeface="Verdana" panose="020B0604030504040204" pitchFamily="34" charset="0"/>
+              </a:rPr>
+              <a:t>class</a:t>
+            </a:r>
+            <a:r>
+              <a:rPr lang="ru-RU" altLang="ru-RU" dirty="0" smtClean="0">
+                <a:solidFill>
+                  <a:srgbClr val="FFFFFF"/>
+                </a:solidFill>
+                <a:latin typeface="Verdana" panose="020B0604030504040204" pitchFamily="34" charset="0"/>
+              </a:rPr>
+              <a:t> </a:t>
+            </a:r>
+            <a:r>
+              <a:rPr lang="ru-RU" altLang="ru-RU" dirty="0" err="1">
+                <a:solidFill>
+                  <a:srgbClr val="FFCC00"/>
+                </a:solidFill>
+                <a:latin typeface="Verdana" panose="020B0604030504040204" pitchFamily="34" charset="0"/>
+              </a:rPr>
+              <a:t>SimpleVector</a:t>
+            </a:r>
+            <a:r>
+              <a:rPr lang="ru-RU" altLang="ru-RU" dirty="0">
+                <a:solidFill>
+                  <a:srgbClr val="FFCC00"/>
+                </a:solidFill>
+                <a:latin typeface="Verdana" panose="020B0604030504040204" pitchFamily="34" charset="0"/>
+              </a:rPr>
+              <a:t> </a:t>
+            </a:r>
+            <a:r>
+              <a:rPr lang="ru-RU" altLang="ru-RU" dirty="0">
+                <a:solidFill>
+                  <a:srgbClr val="FFFFFF"/>
+                </a:solidFill>
+                <a:latin typeface="Verdana" panose="020B0604030504040204" pitchFamily="34" charset="0"/>
+              </a:rPr>
+              <a:t>{</a:t>
+            </a:r>
+            <a:br>
+              <a:rPr lang="ru-RU" altLang="ru-RU" dirty="0">
+                <a:solidFill>
+                  <a:srgbClr val="FFFFFF"/>
+                </a:solidFill>
+                <a:latin typeface="Verdana" panose="020B0604030504040204" pitchFamily="34" charset="0"/>
+              </a:rPr>
+            </a:br>
+            <a:r>
+              <a:rPr lang="ru-RU" altLang="ru-RU" dirty="0" err="1">
+                <a:solidFill>
+                  <a:srgbClr val="FFFFFF"/>
+                </a:solidFill>
+                <a:latin typeface="Verdana" panose="020B0604030504040204" pitchFamily="34" charset="0"/>
+              </a:rPr>
+              <a:t>public</a:t>
+            </a:r>
+            <a:r>
+              <a:rPr lang="ru-RU" altLang="ru-RU" dirty="0">
+                <a:solidFill>
+                  <a:srgbClr val="FFFFFF"/>
+                </a:solidFill>
+                <a:latin typeface="Verdana" panose="020B0604030504040204" pitchFamily="34" charset="0"/>
+              </a:rPr>
+              <a:t>:</a:t>
+            </a:r>
+            <a:br>
+              <a:rPr lang="ru-RU" altLang="ru-RU" dirty="0">
+                <a:solidFill>
+                  <a:srgbClr val="FFFFFF"/>
+                </a:solidFill>
+                <a:latin typeface="Verdana" panose="020B0604030504040204" pitchFamily="34" charset="0"/>
+              </a:rPr>
+            </a:br>
+            <a:r>
+              <a:rPr lang="ru-RU" altLang="ru-RU" dirty="0">
+                <a:solidFill>
+                  <a:srgbClr val="FFFFFF"/>
+                </a:solidFill>
+                <a:latin typeface="Verdana" panose="020B0604030504040204" pitchFamily="34" charset="0"/>
+              </a:rPr>
+              <a:t>  </a:t>
+            </a:r>
+            <a:r>
+              <a:rPr lang="ru-RU" altLang="ru-RU" dirty="0" err="1">
+                <a:solidFill>
+                  <a:srgbClr val="FFCC00"/>
+                </a:solidFill>
+                <a:latin typeface="Verdana" panose="020B0604030504040204" pitchFamily="34" charset="0"/>
+              </a:rPr>
+              <a:t>SimpleVector</a:t>
+            </a:r>
+            <a:r>
+              <a:rPr lang="ru-RU" altLang="ru-RU" dirty="0">
+                <a:solidFill>
+                  <a:srgbClr val="FFFFFF"/>
+                </a:solidFill>
+                <a:latin typeface="Verdana" panose="020B0604030504040204" pitchFamily="34" charset="0"/>
+              </a:rPr>
+              <a:t>() = </a:t>
+            </a:r>
+            <a:r>
+              <a:rPr lang="ru-RU" altLang="ru-RU" dirty="0" err="1">
+                <a:solidFill>
+                  <a:srgbClr val="FFFFFF"/>
+                </a:solidFill>
+                <a:latin typeface="Verdana" panose="020B0604030504040204" pitchFamily="34" charset="0"/>
+              </a:rPr>
+              <a:t>default</a:t>
+            </a:r>
+            <a:r>
+              <a:rPr lang="ru-RU" altLang="ru-RU" dirty="0">
+                <a:solidFill>
+                  <a:srgbClr val="FFFFFF"/>
+                </a:solidFill>
+                <a:latin typeface="Verdana" panose="020B0604030504040204" pitchFamily="34" charset="0"/>
+              </a:rPr>
+              <a:t>;</a:t>
+            </a:r>
+            <a:br>
+              <a:rPr lang="ru-RU" altLang="ru-RU" dirty="0">
+                <a:solidFill>
+                  <a:srgbClr val="FFFFFF"/>
+                </a:solidFill>
+                <a:latin typeface="Verdana" panose="020B0604030504040204" pitchFamily="34" charset="0"/>
+              </a:rPr>
+            </a:br>
+            <a:r>
+              <a:rPr lang="ru-RU" altLang="ru-RU" dirty="0">
+                <a:solidFill>
+                  <a:srgbClr val="FFFFFF"/>
+                </a:solidFill>
+                <a:latin typeface="Verdana" panose="020B0604030504040204" pitchFamily="34" charset="0"/>
+              </a:rPr>
+              <a:t>  </a:t>
+            </a:r>
+            <a:r>
+              <a:rPr lang="ru-RU" altLang="ru-RU" dirty="0" err="1">
+                <a:solidFill>
+                  <a:srgbClr val="FFFFFF"/>
+                </a:solidFill>
+                <a:latin typeface="Verdana" panose="020B0604030504040204" pitchFamily="34" charset="0"/>
+              </a:rPr>
+              <a:t>explicit</a:t>
+            </a:r>
+            <a:r>
+              <a:rPr lang="ru-RU" altLang="ru-RU" dirty="0">
+                <a:solidFill>
+                  <a:srgbClr val="FFFFFF"/>
+                </a:solidFill>
+                <a:latin typeface="Verdana" panose="020B0604030504040204" pitchFamily="34" charset="0"/>
+              </a:rPr>
+              <a:t> </a:t>
+            </a:r>
+            <a:r>
+              <a:rPr lang="ru-RU" altLang="ru-RU" dirty="0" err="1">
+                <a:solidFill>
+                  <a:srgbClr val="FFCC00"/>
+                </a:solidFill>
+                <a:latin typeface="Verdana" panose="020B0604030504040204" pitchFamily="34" charset="0"/>
+              </a:rPr>
+              <a:t>SimpleVector</a:t>
+            </a:r>
+            <a:r>
+              <a:rPr lang="ru-RU" altLang="ru-RU" dirty="0">
+                <a:solidFill>
+                  <a:srgbClr val="FFFFFF"/>
+                </a:solidFill>
+                <a:latin typeface="Verdana" panose="020B0604030504040204" pitchFamily="34" charset="0"/>
+              </a:rPr>
+              <a:t>(</a:t>
+            </a:r>
+            <a:r>
+              <a:rPr lang="ru-RU" altLang="ru-RU" dirty="0" err="1">
+                <a:solidFill>
+                  <a:srgbClr val="FFCC00"/>
+                </a:solidFill>
+                <a:latin typeface="Verdana" panose="020B0604030504040204" pitchFamily="34" charset="0"/>
+              </a:rPr>
+              <a:t>size_t</a:t>
+            </a:r>
+            <a:r>
+              <a:rPr lang="ru-RU" altLang="ru-RU" dirty="0">
+                <a:solidFill>
+                  <a:srgbClr val="FFCC00"/>
+                </a:solidFill>
+                <a:latin typeface="Verdana" panose="020B0604030504040204" pitchFamily="34" charset="0"/>
+              </a:rPr>
+              <a:t> </a:t>
+            </a:r>
+            <a:r>
+              <a:rPr lang="ru-RU" altLang="ru-RU" dirty="0" err="1">
+                <a:solidFill>
+                  <a:srgbClr val="5BCD9D"/>
+                </a:solidFill>
+                <a:latin typeface="Verdana" panose="020B0604030504040204" pitchFamily="34" charset="0"/>
+              </a:rPr>
+              <a:t>size</a:t>
+            </a:r>
+            <a:r>
+              <a:rPr lang="ru-RU" altLang="ru-RU" dirty="0">
+                <a:solidFill>
+                  <a:srgbClr val="FFFFFF"/>
+                </a:solidFill>
+                <a:latin typeface="Verdana" panose="020B0604030504040204" pitchFamily="34" charset="0"/>
+              </a:rPr>
+              <a:t>);</a:t>
+            </a:r>
+            <a:br>
+              <a:rPr lang="ru-RU" altLang="ru-RU" dirty="0">
+                <a:solidFill>
+                  <a:srgbClr val="FFFFFF"/>
+                </a:solidFill>
+                <a:latin typeface="Verdana" panose="020B0604030504040204" pitchFamily="34" charset="0"/>
+              </a:rPr>
+            </a:br>
+            <a:r>
+              <a:rPr lang="ru-RU" altLang="ru-RU" dirty="0">
+                <a:solidFill>
+                  <a:srgbClr val="FFFFFF"/>
+                </a:solidFill>
+                <a:latin typeface="Verdana" panose="020B0604030504040204" pitchFamily="34" charset="0"/>
+              </a:rPr>
+              <a:t>  ~</a:t>
+            </a:r>
+            <a:r>
+              <a:rPr lang="ru-RU" altLang="ru-RU" dirty="0" err="1">
+                <a:solidFill>
+                  <a:srgbClr val="FFCC00"/>
+                </a:solidFill>
+                <a:latin typeface="Verdana" panose="020B0604030504040204" pitchFamily="34" charset="0"/>
+              </a:rPr>
+              <a:t>SimpleVector</a:t>
+            </a:r>
+            <a:r>
+              <a:rPr lang="ru-RU" altLang="ru-RU" dirty="0">
+                <a:solidFill>
+                  <a:srgbClr val="FFFFFF"/>
+                </a:solidFill>
+                <a:latin typeface="Verdana" panose="020B0604030504040204" pitchFamily="34" charset="0"/>
+              </a:rPr>
+              <a:t>();</a:t>
+            </a:r>
+            <a:br>
+              <a:rPr lang="ru-RU" altLang="ru-RU" dirty="0">
+                <a:solidFill>
+                  <a:srgbClr val="FFFFFF"/>
+                </a:solidFill>
+                <a:latin typeface="Verdana" panose="020B0604030504040204" pitchFamily="34" charset="0"/>
+              </a:rPr>
+            </a:br>
+            <a:r>
+              <a:rPr lang="ru-RU" altLang="ru-RU" dirty="0" smtClean="0">
+                <a:solidFill>
+                  <a:srgbClr val="FFFFFF"/>
+                </a:solidFill>
+                <a:latin typeface="Verdana" panose="020B0604030504040204" pitchFamily="34" charset="0"/>
+              </a:rPr>
+              <a:t>  </a:t>
+            </a:r>
+            <a:r>
+              <a:rPr lang="ru-RU" altLang="ru-RU" dirty="0">
+                <a:solidFill>
+                  <a:srgbClr val="FFCC00"/>
+                </a:solidFill>
+                <a:latin typeface="Verdana" panose="020B0604030504040204" pitchFamily="34" charset="0"/>
+              </a:rPr>
+              <a:t>T</a:t>
+            </a:r>
+            <a:r>
+              <a:rPr lang="ru-RU" altLang="ru-RU" dirty="0">
+                <a:solidFill>
+                  <a:srgbClr val="FFFFFF"/>
+                </a:solidFill>
+                <a:latin typeface="Verdana" panose="020B0604030504040204" pitchFamily="34" charset="0"/>
+              </a:rPr>
+              <a:t>&amp; </a:t>
+            </a:r>
+            <a:r>
+              <a:rPr lang="ru-RU" altLang="ru-RU" dirty="0" err="1">
+                <a:solidFill>
+                  <a:srgbClr val="FFFFFF"/>
+                </a:solidFill>
+                <a:latin typeface="Verdana" panose="020B0604030504040204" pitchFamily="34" charset="0"/>
+              </a:rPr>
+              <a:t>operator</a:t>
+            </a:r>
+            <a:r>
+              <a:rPr lang="ru-RU" altLang="ru-RU" dirty="0">
+                <a:solidFill>
+                  <a:srgbClr val="FFFFFF"/>
+                </a:solidFill>
+                <a:latin typeface="Verdana" panose="020B0604030504040204" pitchFamily="34" charset="0"/>
+              </a:rPr>
+              <a:t>[</a:t>
+            </a:r>
+            <a:r>
+              <a:rPr lang="ru-RU" altLang="ru-RU" dirty="0">
+                <a:solidFill>
+                  <a:srgbClr val="FFFFFF"/>
+                </a:solidFill>
+                <a:latin typeface="Verdana" panose="020B0604030504040204" pitchFamily="34" charset="0"/>
+              </a:rPr>
+              <a:t>](</a:t>
+            </a:r>
+            <a:r>
+              <a:rPr lang="ru-RU" altLang="ru-RU" dirty="0" err="1">
+                <a:solidFill>
+                  <a:srgbClr val="FFCC00"/>
+                </a:solidFill>
+                <a:latin typeface="Verdana" panose="020B0604030504040204" pitchFamily="34" charset="0"/>
+              </a:rPr>
+              <a:t>size_t</a:t>
+            </a:r>
+            <a:r>
+              <a:rPr lang="ru-RU" altLang="ru-RU" dirty="0">
+                <a:solidFill>
+                  <a:srgbClr val="FFCC00"/>
+                </a:solidFill>
+                <a:latin typeface="Verdana" panose="020B0604030504040204" pitchFamily="34" charset="0"/>
+              </a:rPr>
+              <a:t> </a:t>
+            </a:r>
+            <a:r>
+              <a:rPr lang="ru-RU" altLang="ru-RU" dirty="0" err="1">
+                <a:solidFill>
+                  <a:srgbClr val="5BCD9D"/>
+                </a:solidFill>
+                <a:latin typeface="Verdana" panose="020B0604030504040204" pitchFamily="34" charset="0"/>
+              </a:rPr>
+              <a:t>index</a:t>
+            </a:r>
+            <a:r>
+              <a:rPr lang="ru-RU" altLang="ru-RU" dirty="0">
+                <a:solidFill>
+                  <a:srgbClr val="FFFFFF"/>
+                </a:solidFill>
+                <a:latin typeface="Verdana" panose="020B0604030504040204" pitchFamily="34" charset="0"/>
+              </a:rPr>
+              <a:t>);</a:t>
+            </a:r>
+            <a:br>
+              <a:rPr lang="ru-RU" altLang="ru-RU" dirty="0">
+                <a:solidFill>
+                  <a:srgbClr val="FFFFFF"/>
+                </a:solidFill>
+                <a:latin typeface="Verdana" panose="020B0604030504040204" pitchFamily="34" charset="0"/>
+              </a:rPr>
+            </a:br>
+            <a:r>
+              <a:rPr lang="ru-RU" altLang="ru-RU" dirty="0" smtClean="0">
+                <a:solidFill>
+                  <a:srgbClr val="FFFFFF"/>
+                </a:solidFill>
+                <a:latin typeface="Verdana" panose="020B0604030504040204" pitchFamily="34" charset="0"/>
+              </a:rPr>
+              <a:t>  </a:t>
+            </a:r>
+            <a:r>
+              <a:rPr lang="ru-RU" altLang="ru-RU" dirty="0">
+                <a:solidFill>
+                  <a:srgbClr val="FFCC00"/>
+                </a:solidFill>
+                <a:latin typeface="Verdana" panose="020B0604030504040204" pitchFamily="34" charset="0"/>
+              </a:rPr>
+              <a:t>T</a:t>
+            </a:r>
+            <a:r>
+              <a:rPr lang="ru-RU" altLang="ru-RU" dirty="0">
+                <a:solidFill>
+                  <a:srgbClr val="FFFFFF"/>
+                </a:solidFill>
+                <a:latin typeface="Verdana" panose="020B0604030504040204" pitchFamily="34" charset="0"/>
+              </a:rPr>
+              <a:t>* </a:t>
+            </a:r>
+            <a:r>
+              <a:rPr lang="ru-RU" altLang="ru-RU" dirty="0" err="1">
+                <a:solidFill>
+                  <a:srgbClr val="FFCC00"/>
+                </a:solidFill>
+                <a:latin typeface="Verdana" panose="020B0604030504040204" pitchFamily="34" charset="0"/>
+              </a:rPr>
+              <a:t>begin</a:t>
+            </a:r>
+            <a:r>
+              <a:rPr lang="ru-RU" altLang="ru-RU" dirty="0">
+                <a:solidFill>
+                  <a:srgbClr val="FFFFFF"/>
+                </a:solidFill>
+                <a:latin typeface="Verdana" panose="020B0604030504040204" pitchFamily="34" charset="0"/>
+              </a:rPr>
+              <a:t>();</a:t>
+            </a:r>
+            <a:br>
+              <a:rPr lang="ru-RU" altLang="ru-RU" dirty="0">
+                <a:solidFill>
+                  <a:srgbClr val="FFFFFF"/>
+                </a:solidFill>
+                <a:latin typeface="Verdana" panose="020B0604030504040204" pitchFamily="34" charset="0"/>
+              </a:rPr>
+            </a:br>
+            <a:r>
+              <a:rPr lang="ru-RU" altLang="ru-RU" dirty="0">
+                <a:solidFill>
+                  <a:srgbClr val="FFFFFF"/>
+                </a:solidFill>
+                <a:latin typeface="Verdana" panose="020B0604030504040204" pitchFamily="34" charset="0"/>
+              </a:rPr>
+              <a:t>  </a:t>
+            </a:r>
+            <a:r>
+              <a:rPr lang="ru-RU" altLang="ru-RU" dirty="0">
+                <a:solidFill>
+                  <a:srgbClr val="FFCC00"/>
+                </a:solidFill>
+                <a:latin typeface="Verdana" panose="020B0604030504040204" pitchFamily="34" charset="0"/>
+              </a:rPr>
+              <a:t>T</a:t>
+            </a:r>
+            <a:r>
+              <a:rPr lang="ru-RU" altLang="ru-RU" dirty="0">
+                <a:solidFill>
+                  <a:srgbClr val="FFFFFF"/>
+                </a:solidFill>
+                <a:latin typeface="Verdana" panose="020B0604030504040204" pitchFamily="34" charset="0"/>
+              </a:rPr>
+              <a:t>* </a:t>
+            </a:r>
+            <a:r>
+              <a:rPr lang="ru-RU" altLang="ru-RU" dirty="0" err="1">
+                <a:solidFill>
+                  <a:srgbClr val="FFCC00"/>
+                </a:solidFill>
+                <a:latin typeface="Verdana" panose="020B0604030504040204" pitchFamily="34" charset="0"/>
+              </a:rPr>
+              <a:t>end</a:t>
+            </a:r>
+            <a:r>
+              <a:rPr lang="ru-RU" altLang="ru-RU" dirty="0">
+                <a:solidFill>
+                  <a:srgbClr val="FFFFFF"/>
+                </a:solidFill>
+                <a:latin typeface="Verdana" panose="020B0604030504040204" pitchFamily="34" charset="0"/>
+              </a:rPr>
+              <a:t>();</a:t>
+            </a:r>
+            <a:br>
+              <a:rPr lang="ru-RU" altLang="ru-RU" dirty="0">
+                <a:solidFill>
+                  <a:srgbClr val="FFFFFF"/>
+                </a:solidFill>
+                <a:latin typeface="Verdana" panose="020B0604030504040204" pitchFamily="34" charset="0"/>
+              </a:rPr>
+            </a:br>
+            <a:r>
+              <a:rPr lang="ru-RU" altLang="ru-RU" dirty="0" smtClean="0">
+                <a:solidFill>
+                  <a:srgbClr val="FFFFFF"/>
+                </a:solidFill>
+                <a:latin typeface="Verdana" panose="020B0604030504040204" pitchFamily="34" charset="0"/>
+              </a:rPr>
+              <a:t>  </a:t>
+            </a:r>
+            <a:r>
+              <a:rPr lang="ru-RU" altLang="ru-RU" dirty="0" err="1">
+                <a:solidFill>
+                  <a:srgbClr val="FFCC00"/>
+                </a:solidFill>
+                <a:latin typeface="Verdana" panose="020B0604030504040204" pitchFamily="34" charset="0"/>
+              </a:rPr>
+              <a:t>size_t</a:t>
+            </a:r>
+            <a:r>
+              <a:rPr lang="ru-RU" altLang="ru-RU" dirty="0">
+                <a:solidFill>
+                  <a:srgbClr val="FFCC00"/>
+                </a:solidFill>
+                <a:latin typeface="Verdana" panose="020B0604030504040204" pitchFamily="34" charset="0"/>
+              </a:rPr>
+              <a:t> </a:t>
+            </a:r>
+            <a:r>
+              <a:rPr lang="ru-RU" altLang="ru-RU" dirty="0" err="1">
+                <a:solidFill>
+                  <a:srgbClr val="FFCC00"/>
+                </a:solidFill>
+                <a:latin typeface="Verdana" panose="020B0604030504040204" pitchFamily="34" charset="0"/>
+              </a:rPr>
+              <a:t>Size</a:t>
+            </a:r>
+            <a:r>
+              <a:rPr lang="ru-RU" altLang="ru-RU" dirty="0">
+                <a:solidFill>
+                  <a:srgbClr val="FFFFFF"/>
+                </a:solidFill>
+                <a:latin typeface="Verdana" panose="020B0604030504040204" pitchFamily="34" charset="0"/>
+              </a:rPr>
+              <a:t>() </a:t>
+            </a:r>
+            <a:r>
+              <a:rPr lang="ru-RU" altLang="ru-RU" dirty="0" err="1">
+                <a:solidFill>
+                  <a:srgbClr val="FFFFFF"/>
+                </a:solidFill>
+                <a:latin typeface="Verdana" panose="020B0604030504040204" pitchFamily="34" charset="0"/>
+              </a:rPr>
+              <a:t>const</a:t>
+            </a:r>
+            <a:r>
+              <a:rPr lang="ru-RU" altLang="ru-RU" dirty="0">
+                <a:solidFill>
+                  <a:srgbClr val="FFFFFF"/>
+                </a:solidFill>
+                <a:latin typeface="Verdana" panose="020B0604030504040204" pitchFamily="34" charset="0"/>
+              </a:rPr>
+              <a:t>;</a:t>
+            </a:r>
+            <a:br>
+              <a:rPr lang="ru-RU" altLang="ru-RU" dirty="0">
+                <a:solidFill>
+                  <a:srgbClr val="FFFFFF"/>
+                </a:solidFill>
+                <a:latin typeface="Verdana" panose="020B0604030504040204" pitchFamily="34" charset="0"/>
+              </a:rPr>
+            </a:br>
+            <a:r>
+              <a:rPr lang="ru-RU" altLang="ru-RU" dirty="0">
+                <a:solidFill>
+                  <a:srgbClr val="FFFFFF"/>
+                </a:solidFill>
+                <a:latin typeface="Verdana" panose="020B0604030504040204" pitchFamily="34" charset="0"/>
+              </a:rPr>
+              <a:t>  </a:t>
+            </a:r>
+            <a:r>
+              <a:rPr lang="ru-RU" altLang="ru-RU" dirty="0" err="1">
+                <a:solidFill>
+                  <a:srgbClr val="FFCC00"/>
+                </a:solidFill>
+                <a:latin typeface="Verdana" panose="020B0604030504040204" pitchFamily="34" charset="0"/>
+              </a:rPr>
+              <a:t>size_t</a:t>
+            </a:r>
+            <a:r>
+              <a:rPr lang="ru-RU" altLang="ru-RU" dirty="0">
+                <a:solidFill>
+                  <a:srgbClr val="FFCC00"/>
+                </a:solidFill>
+                <a:latin typeface="Verdana" panose="020B0604030504040204" pitchFamily="34" charset="0"/>
+              </a:rPr>
+              <a:t> </a:t>
+            </a:r>
+            <a:r>
+              <a:rPr lang="ru-RU" altLang="ru-RU" dirty="0" err="1">
+                <a:solidFill>
+                  <a:srgbClr val="FFCC00"/>
+                </a:solidFill>
+                <a:latin typeface="Verdana" panose="020B0604030504040204" pitchFamily="34" charset="0"/>
+              </a:rPr>
+              <a:t>Capacity</a:t>
+            </a:r>
+            <a:r>
+              <a:rPr lang="ru-RU" altLang="ru-RU" dirty="0">
+                <a:solidFill>
+                  <a:srgbClr val="FFFFFF"/>
+                </a:solidFill>
+                <a:latin typeface="Verdana" panose="020B0604030504040204" pitchFamily="34" charset="0"/>
+              </a:rPr>
+              <a:t>() </a:t>
+            </a:r>
+            <a:r>
+              <a:rPr lang="ru-RU" altLang="ru-RU" dirty="0" err="1">
+                <a:solidFill>
+                  <a:srgbClr val="FFFFFF"/>
+                </a:solidFill>
+                <a:latin typeface="Verdana" panose="020B0604030504040204" pitchFamily="34" charset="0"/>
+              </a:rPr>
+              <a:t>const</a:t>
+            </a:r>
+            <a:r>
+              <a:rPr lang="ru-RU" altLang="ru-RU" dirty="0">
+                <a:solidFill>
+                  <a:srgbClr val="FFFFFF"/>
+                </a:solidFill>
+                <a:latin typeface="Verdana" panose="020B0604030504040204" pitchFamily="34" charset="0"/>
+              </a:rPr>
+              <a:t>;</a:t>
+            </a:r>
+            <a:br>
+              <a:rPr lang="ru-RU" altLang="ru-RU" dirty="0">
+                <a:solidFill>
+                  <a:srgbClr val="FFFFFF"/>
+                </a:solidFill>
+                <a:latin typeface="Verdana" panose="020B0604030504040204" pitchFamily="34" charset="0"/>
+              </a:rPr>
+            </a:br>
+            <a:r>
+              <a:rPr lang="ru-RU" altLang="ru-RU" dirty="0">
+                <a:solidFill>
+                  <a:srgbClr val="FFFFFF"/>
+                </a:solidFill>
+                <a:latin typeface="Verdana" panose="020B0604030504040204" pitchFamily="34" charset="0"/>
+              </a:rPr>
+              <a:t>  </a:t>
+            </a:r>
+            <a:r>
+              <a:rPr lang="ru-RU" altLang="ru-RU" dirty="0" err="1">
+                <a:solidFill>
+                  <a:srgbClr val="FFFFFF"/>
+                </a:solidFill>
+                <a:latin typeface="Verdana" panose="020B0604030504040204" pitchFamily="34" charset="0"/>
+              </a:rPr>
+              <a:t>void</a:t>
+            </a:r>
+            <a:r>
+              <a:rPr lang="ru-RU" altLang="ru-RU" dirty="0">
+                <a:solidFill>
+                  <a:srgbClr val="FFFFFF"/>
+                </a:solidFill>
+                <a:latin typeface="Verdana" panose="020B0604030504040204" pitchFamily="34" charset="0"/>
+              </a:rPr>
+              <a:t> </a:t>
+            </a:r>
+            <a:r>
+              <a:rPr lang="ru-RU" altLang="ru-RU" dirty="0" err="1">
+                <a:solidFill>
+                  <a:srgbClr val="FFCC00"/>
+                </a:solidFill>
+                <a:latin typeface="Verdana" panose="020B0604030504040204" pitchFamily="34" charset="0"/>
+              </a:rPr>
+              <a:t>PushBack</a:t>
+            </a:r>
+            <a:r>
+              <a:rPr lang="ru-RU" altLang="ru-RU" dirty="0">
+                <a:solidFill>
+                  <a:srgbClr val="FFFFFF"/>
+                </a:solidFill>
+                <a:latin typeface="Verdana" panose="020B0604030504040204" pitchFamily="34" charset="0"/>
+              </a:rPr>
+              <a:t>(</a:t>
+            </a:r>
+            <a:r>
+              <a:rPr lang="ru-RU" altLang="ru-RU" dirty="0" err="1">
+                <a:solidFill>
+                  <a:srgbClr val="FFFFFF"/>
+                </a:solidFill>
+                <a:latin typeface="Verdana" panose="020B0604030504040204" pitchFamily="34" charset="0"/>
+              </a:rPr>
+              <a:t>const</a:t>
+            </a:r>
+            <a:r>
+              <a:rPr lang="ru-RU" altLang="ru-RU" dirty="0">
+                <a:solidFill>
+                  <a:srgbClr val="FFFFFF"/>
+                </a:solidFill>
+                <a:latin typeface="Verdana" panose="020B0604030504040204" pitchFamily="34" charset="0"/>
+              </a:rPr>
+              <a:t> </a:t>
+            </a:r>
+            <a:r>
+              <a:rPr lang="ru-RU" altLang="ru-RU" dirty="0">
+                <a:solidFill>
+                  <a:srgbClr val="FFCC00"/>
+                </a:solidFill>
+                <a:latin typeface="Verdana" panose="020B0604030504040204" pitchFamily="34" charset="0"/>
+              </a:rPr>
+              <a:t>T</a:t>
+            </a:r>
+            <a:r>
+              <a:rPr lang="ru-RU" altLang="ru-RU" dirty="0">
+                <a:solidFill>
+                  <a:srgbClr val="FFFFFF"/>
+                </a:solidFill>
+                <a:latin typeface="Verdana" panose="020B0604030504040204" pitchFamily="34" charset="0"/>
+              </a:rPr>
+              <a:t>&amp; </a:t>
+            </a:r>
+            <a:r>
+              <a:rPr lang="ru-RU" altLang="ru-RU" dirty="0" err="1">
+                <a:solidFill>
+                  <a:srgbClr val="5BCD9D"/>
+                </a:solidFill>
+                <a:latin typeface="Verdana" panose="020B0604030504040204" pitchFamily="34" charset="0"/>
+              </a:rPr>
+              <a:t>value</a:t>
+            </a:r>
+            <a:r>
+              <a:rPr lang="ru-RU" altLang="ru-RU" dirty="0">
+                <a:solidFill>
+                  <a:srgbClr val="FFFFFF"/>
+                </a:solidFill>
+                <a:latin typeface="Verdana" panose="020B0604030504040204" pitchFamily="34" charset="0"/>
+              </a:rPr>
+              <a:t>);</a:t>
+            </a:r>
+            <a:br>
+              <a:rPr lang="ru-RU" altLang="ru-RU" dirty="0">
+                <a:solidFill>
+                  <a:srgbClr val="FFFFFF"/>
+                </a:solidFill>
+                <a:latin typeface="Verdana" panose="020B0604030504040204" pitchFamily="34" charset="0"/>
+              </a:rPr>
+            </a:br>
+            <a:r>
+              <a:rPr lang="ru-RU" altLang="ru-RU" dirty="0" smtClean="0">
+                <a:solidFill>
+                  <a:srgbClr val="FFFFFF"/>
+                </a:solidFill>
+                <a:latin typeface="Verdana" panose="020B0604030504040204" pitchFamily="34" charset="0"/>
+              </a:rPr>
+              <a:t>};</a:t>
+            </a:r>
+            <a:endParaRPr lang="ru-RU" altLang="ru-RU" sz="6600" dirty="0">
+              <a:solidFill>
+                <a:schemeClr val="tx1"/>
+              </a:solidFill>
+              <a:latin typeface="Arial" panose="020B0604020202020204" pitchFamily="34" charset="0"/>
+            </a:endParaRPr>
           </a:p>
         </p:txBody>
       </p:sp>
     </p:spTree>
     <p:extLst>
       <p:ext uri="{BB962C8B-B14F-4D97-AF65-F5344CB8AC3E}">
-        <p14:creationId xmlns:p14="http://schemas.microsoft.com/office/powerpoint/2010/main" val="3690274279"/>
+        <p14:creationId xmlns:p14="http://schemas.microsoft.com/office/powerpoint/2010/main" val="126944824"/>
       </p:ext>
     </p:extLst>
   </p:cSld>
@@ -25868,12 +26285,12 @@
       </p:grpSpPr>
       <p:sp>
         <p:nvSpPr>
-          <p:cNvPr id="2" name="Текст 1"/>
+          <p:cNvPr id="2" name="Заголовок 1"/>
           <p:cNvSpPr>
             <a:spLocks noGrp="1"/>
           </p:cNvSpPr>
           <p:nvPr>
-            <p:ph type="body" idx="1"/>
+            <p:ph type="title"/>
           </p:nvPr>
         </p:nvSpPr>
         <p:spPr/>
@@ -25883,15 +26300,15 @@
           <a:p>
             <a:r>
               <a:rPr lang="ru-RU" dirty="0" smtClean="0"/>
-              <a:t>Отзыв на «Жёлтый пояс по </a:t>
+              <a:t>Как запретить использовать </a:t>
+            </a:r>
+            <a:r>
+              <a:rPr lang="en-US" dirty="0" err="1" smtClean="0"/>
+              <a:t>std</a:t>
             </a:r>
             <a:r>
               <a:rPr lang="en-US" dirty="0" smtClean="0"/>
-              <a:t>C++</a:t>
-            </a:r>
-            <a:r>
-              <a:rPr lang="ru-RU" dirty="0" smtClean="0"/>
-              <a:t>»</a:t>
+              <a:t>::vector?</a:t>
             </a:r>
             <a:endParaRPr lang="ru-RU" dirty="0"/>
           </a:p>
@@ -25904,69 +26321,104 @@
             <a:spLocks noGrp="1"/>
           </p:cNvSpPr>
           <p:nvPr>
-            <p:ph sz="half" idx="10"/>
+            <p:ph idx="1"/>
           </p:nvPr>
         </p:nvSpPr>
-        <p:spPr>
-          <a:xfrm>
-            <a:off x="3048001" y="3048001"/>
-            <a:ext cx="19827874" cy="7250114"/>
-          </a:xfrm>
-        </p:spPr>
+        <p:spPr/>
         <p:txBody>
           <a:bodyPr/>
           <a:lstStyle/>
           <a:p>
-            <a:r>
-              <a:rPr lang="ru-RU" dirty="0"/>
-              <a:t>На работе </a:t>
+            <a:pPr lvl="1"/>
+            <a:r>
+              <a:rPr lang="ru-RU" dirty="0" err="1" smtClean="0"/>
+              <a:t>Парсить</a:t>
             </a:r>
             <a:r>
               <a:rPr lang="ru-RU" dirty="0" smtClean="0"/>
-              <a:t>пригодились</a:t>
-            </a:r>
-          </a:p>
-          <a:p>
+              <a:t> решение участника и анализировать секцию </a:t>
+            </a:r>
+            <a:r>
+              <a:rPr lang="en-US" dirty="0" smtClean="0"/>
+              <a:t>private</a:t>
+            </a:r>
+            <a:endParaRPr lang="ru-RU" dirty="0" smtClean="0"/>
+          </a:p>
+          <a:p>
+            <a:pPr lvl="1"/>
             <a:r>
               <a:rPr lang="ru-RU" dirty="0" smtClean="0"/>
-              <a:t>знания </a:t>
-            </a:r>
-            <a:r>
-              <a:rPr lang="ru-RU" dirty="0"/>
-              <a:t>по </a:t>
-            </a:r>
+              <a:t>шаблона </a:t>
+            </a:r>
+            <a:r>
+              <a:rPr lang="en-US" dirty="0" err="1" smtClean="0"/>
+              <a:t>SimpleVector</a:t>
+            </a:r>
+            <a:endParaRPr lang="ru-RU" dirty="0" smtClean="0"/>
+          </a:p>
+          <a:p>
+            <a:pPr lvl="2"/>
             <a:r>
               <a:rPr lang="ru-RU" dirty="0" smtClean="0"/>
-              <a:t>декомпозиции,</a:t>
-            </a:r>
-          </a:p>
-          <a:p>
+              <a:t>Сложно</a:t>
+            </a:r>
+          </a:p>
+          <a:p>
+            <a:pPr lvl="2"/>
             <a:r>
               <a:rPr lang="ru-RU" dirty="0" smtClean="0"/>
-              <a:t>алгоритмам </a:t>
-            </a:r>
-            <a:r>
-              <a:rPr lang="ru-RU" dirty="0"/>
-              <a:t>и </a:t>
-            </a:r>
-            <a:r>
-              <a:rPr lang="ru-RU" dirty="0" smtClean="0"/>
-              <a:t>юнит-</a:t>
-            </a:r>
-          </a:p>
-          <a:p>
-            <a:r>
-              <a:rPr lang="ru-RU" dirty="0" smtClean="0"/>
-              <a:t>тестированию</a:t>
+              <a:t>Хрупко</a:t>
             </a:r>
             <a:endParaRPr lang="ru-RU" dirty="0"/>
+          </a:p>
+        </p:txBody>
+      </p:sp>
+      <p:sp>
+        <p:nvSpPr>
+          <p:cNvPr id="4" name="Нижний колонтитул 3"/>
+          <p:cNvSpPr>
+            <a:spLocks noGrp="1"/>
+          </p:cNvSpPr>
+          <p:nvPr>
+            <p:ph type="ftr" sz="quarter" idx="11"/>
+          </p:nvPr>
+        </p:nvSpPr>
+        <p:spPr/>
+        <p:txBody>
+          <a:bodyPr/>
+          <a:lstStyle/>
+          <a:p>
+            <a:endParaRPr lang="ru-RU"/>
+          </a:p>
+        </p:txBody>
+      </p:sp>
+      <p:sp>
+        <p:nvSpPr>
+          <p:cNvPr id="5" name="Номер слайда 4"/>
+          <p:cNvSpPr>
+            <a:spLocks noGrp="1"/>
+          </p:cNvSpPr>
+          <p:nvPr>
+            <p:ph type="sldNum" sz="quarter" idx="12"/>
+          </p:nvPr>
+        </p:nvSpPr>
+        <p:spPr/>
+        <p:txBody>
+          <a:bodyPr/>
+          <a:lstStyle/>
+          <a:p>
+            <a:fld id="{741C03D3-FA44-40EC-9A21-1FC4FEA3E22E}" type="slidenum">
+              <a:rPr lang="ru-RU" smtClean="0"/>
+              <a:t>30</a:t>
+            </a:fld>
+            <a:endParaRPr lang="ru-RU"/>
           </a:p>
         </p:txBody>
       </p:sp>
     </p:spTree>
     <p:extLst>
       <p:ext uri="{BB962C8B-B14F-4D97-AF65-F5344CB8AC3E}">
-        <p14:creationId xmlns:p14="http://schemas.microsoft.com/office/powerpoint/2010/main" val="2774735083"/>
+        <p14:creationId xmlns:p14="http://schemas.microsoft.com/office/powerpoint/2010/main" val="4204422106"/>
       </p:ext>
     </p:extLst>
   </p:cSld>
@@ -25976,7 +26428,110 @@
   <p:timing>
     <p:tnLst>
       <p:par>
-        <p:cTn id="1" dur="indefinite" restart="never" nodeType="tmRoot"/>
+        <p:cTn id="1" dur="indefinite" restart="never" nodeType="tmRoot">
+          <p:childTnLst>
+            <p:seq concurrent="1" nextAc="seek">
+              <p:cTn id="2" dur="indefinite" nodeType="mainSeq">
+                <p:childTnLst>
+                  <p:par>
+                    <p:cTn id="3" fill="hold">
+                      <p:stCondLst>
+                        <p:cond delay="indefinite"/>
+                      </p:stCondLst>
+                      <p:childTnLst>
+                        <p:par>
+                          <p:cTn id="4" fill="hold">
+                            <p:stCondLst>
+                              <p:cond delay="0"/>
+                            </p:stCondLst>
+                            <p:childTnLst>
+                              <p:par>
+                                <p:cTn id="5" presetID="1" presetClass="entr" presetSubtype="0" fill="hold" nodeType="clickEffect">
+                                  <p:stCondLst>
+                                    <p:cond delay="0"/>
+                                  </p:stCondLst>
+                                  <p:childTnLst>
+                                    <p:set>
+                                      <p:cBhvr>
+                                        <p:cTn id="6" dur="1" fill="hold">
+                                          <p:stCondLst>
+                                            <p:cond delay="0"/>
+                                          </p:stCondLst>
+                                        </p:cTn>
+                                        <p:tgtEl>
+                                          <p:spTgt spid="3">
+                                            <p:txEl>
+                                              <p:pRg st="2" end="2"/>
+                                            </p:txEl>
+                                          </p:spTgt>
+                                        </p:tgtEl>
+                                        <p:attrNameLst>
+                                          <p:attrName>style.visibility</p:attrName>
+                                        </p:attrNameLst>
+                                      </p:cBhvr>
+                                      <p:to>
+                                        <p:strVal val="visible"/>
+                                      </p:to>
+                                    </p:set>
+                                  </p:childTnLst>
+                                </p:cTn>
+                              </p:par>
+                              <p:par>
+                                <p:cTn id="7" presetID="1" presetClass="entr" presetSubtype="0" fill="hold" nodeType="withEffect">
+                                  <p:stCondLst>
+                                    <p:cond delay="0"/>
+                                  </p:stCondLst>
+                                  <p:childTnLst>
+                                    <p:set>
+                                      <p:cBhvr>
+                                        <p:cTn id="8" dur="1" fill="hold">
+                                          <p:stCondLst>
+                                            <p:cond delay="0"/>
+                                          </p:stCondLst>
+                                        </p:cTn>
+                                        <p:tgtEl>
+                                          <p:spTgt spid="3">
+                                            <p:txEl>
+                                              <p:pRg st="3" end="3"/>
+                                            </p:txEl>
+                                          </p:spTgt>
+                                        </p:tgtEl>
+                                        <p:attrNameLst>
+                                          <p:attrName>style.visibility</p:attrName>
+                                        </p:attrNameLst>
+                                      </p:cBhvr>
+                                      <p:to>
+                                        <p:strVal val="visible"/>
+                                      </p:to>
+                                    </p:set>
+                                  </p:childTnLst>
+                                </p:cTn>
+                              </p:par>
+                            </p:childTnLst>
+                          </p:cTn>
+                        </p:par>
+                      </p:childTnLst>
+                    </p:cTn>
+                  </p:par>
+                </p:childTnLst>
+              </p:cTn>
+              <p:prevCondLst>
+                <p:cond evt="onPrev" delay="0">
+                  <p:tgtEl>
+                    <p:sldTgt/>
+                  </p:tgtEl>
+                </p:cond>
+              </p:prevCondLst>
+              <p:nextCondLst>
+                <p:cond evt="onNext" delay="0">
+                  <p:tgtEl>
+                    <p:sldTgt/>
+                  </p:tgtEl>
+                </p:cond>
+              </p:nextCondLst>
+            </p:seq>
+          </p:childTnLst>
+        </p:cTn>
       </p:par>
     </p:tnLst>
   </p:timing>
@@ -26002,12 +26557,12 @@
       </p:grpSpPr>
       <p:sp>
         <p:nvSpPr>
-          <p:cNvPr id="2" name="Текст 1"/>
+          <p:cNvPr id="2" name="Заголовок 1"/>
           <p:cNvSpPr>
             <a:spLocks noGrp="1"/>
           </p:cNvSpPr>
           <p:nvPr>
-            <p:ph type="body" idx="1"/>
+            <p:ph type="title"/>
           </p:nvPr>
         </p:nvSpPr>
         <p:spPr/>
@@ -26016,24 +26571,16 @@
           <a:lstStyle/>
           <a:p>
             <a:r>
-              <a:rPr lang="ru-RU" dirty="0" smtClean="0"/>
-              <a:t>Отзыв на </a:t>
-            </a:r>
-            <a:r>
-              <a:rPr lang="ru-RU" smtClean="0"/>
-              <a:t>«Красный пояс </a:t>
-            </a:r>
-            <a:r>
-              <a:rPr lang="ru-RU" dirty="0" smtClean="0"/>
-              <a:t>по </a:t>
-            </a:r>
-            <a:r>
-              <a:rPr lang="en-US" dirty="0" smtClean="0"/>
-              <a:t>C++</a:t>
-            </a:r>
-            <a:r>
-              <a:rPr lang="ru-RU" dirty="0" smtClean="0"/>
-              <a:t>»</a:t>
+              <a:rPr lang="ru-RU" dirty="0"/>
+              <a:t>Как запретить использовать </a:t>
+            </a:r>
+            <a:r>
+              <a:rPr lang="en-US" dirty="0" err="1"/>
+              <a:t>std</a:t>
+            </a:r>
+            <a:r>
+              <a:rPr lang="en-US" dirty="0"/>
+              <a:t>::vector?</a:t>
             </a:r>
             <a:endParaRPr lang="ru-RU" dirty="0"/>
           </a:p>
@@ -26041,77 +26588,290 @@
       </p:sp>
       <p:sp>
         <p:nvSpPr>
-          <p:cNvPr id="3" name="Объект 2"/>
+          <p:cNvPr id="3" name="Нижний колонтитул 2"/>
           <p:cNvSpPr>
             <a:spLocks noGrp="1"/>
           </p:cNvSpPr>
           <p:nvPr>
-            <p:ph sz="half" idx="10"/>
+            <p:ph type="ftr" sz="quarter" idx="11"/>
           </p:nvPr>
+        </p:nvSpPr>
+        <p:spPr/>
+        <p:txBody>
+          <a:bodyPr/>
+          <a:lstStyle/>
+          <a:p>
+            <a:endParaRPr lang="ru-RU" dirty="0"/>
+          </a:p>
+        </p:txBody>
+      </p:sp>
+      <p:sp>
+        <p:nvSpPr>
+          <p:cNvPr id="4" name="Номер слайда 3"/>
+          <p:cNvSpPr>
+            <a:spLocks noGrp="1"/>
+          </p:cNvSpPr>
+          <p:nvPr>
+            <p:ph type="sldNum" sz="quarter" idx="12"/>
+          </p:nvPr>
+        </p:nvSpPr>
+        <p:spPr/>
+        <p:txBody>
+          <a:bodyPr/>
+          <a:lstStyle/>
+          <a:p>
+            <a:fld id="{741C03D3-FA44-40EC-9A21-1FC4FEA3E22E}" type="slidenum">
+              <a:rPr lang="ru-RU" smtClean="0"/>
+              <a:t>31</a:t>
+            </a:fld>
+            <a:endParaRPr lang="ru-RU" dirty="0"/>
+          </a:p>
+        </p:txBody>
+      </p:sp>
+      <p:sp>
+        <p:nvSpPr>
+          <p:cNvPr id="5" name="Docker"/>
+          <p:cNvSpPr/>
+          <p:nvPr/>
         </p:nvSpPr>
         <p:spPr>
           <a:xfrm>
-            <a:off x="3048001" y="3048001"/>
-            <a:ext cx="19827874" cy="7250114"/>
+            <a:off x="1143000" y="3041650"/>
+            <a:ext cx="22114606" cy="9158288"/>
           </a:xfrm>
+          <a:prstGeom prst="rect">
+            <a:avLst/>
+          </a:prstGeom>
+          <a:solidFill>
+            <a:schemeClr val="accent1"/>
+          </a:solidFill>
+          <a:ln w="38100">
+            <a:solidFill>
+              <a:schemeClr val="tx1"/>
+            </a:solidFill>
+          </a:ln>
         </p:spPr>
+        <p:style>
+          <a:lnRef idx="2">
+            <a:schemeClr val="accent1">
+              <a:shade val="50000"/>
+            </a:schemeClr>
+          </a:lnRef>
+          <a:fillRef idx="1">
+            <a:schemeClr val="accent1"/>
+          </a:fillRef>
+          <a:effectRef idx="0">
+            <a:schemeClr val="accent1"/>
+          </a:effectRef>
+          <a:fontRef idx="minor">
+            <a:schemeClr val="lt1"/>
+          </a:fontRef>
+        </p:style>
         <p:txBody>
-          <a:bodyPr/>
+          <a:bodyPr rtlCol="0" anchor="b"/>
           <a:lstStyle/>
           <a:p>
-            <a:r>
-              <a:rPr lang="ru-RU" dirty="0"/>
-              <a:t>Один из лучших курсов</a:t>
-            </a:r>
-            <a:r>
-              <a:rPr lang="ru-RU" dirty="0" smtClean="0"/>
-              <a:t>,</a:t>
-            </a:r>
-          </a:p>
-          <a:p>
-            <a:r>
-              <a:rPr lang="ru-RU" dirty="0" smtClean="0"/>
-              <a:t>что </a:t>
-            </a:r>
-            <a:r>
-              <a:rPr lang="ru-RU" dirty="0"/>
-              <a:t>я проходил в </a:t>
-            </a:r>
-            <a:r>
-              <a:rPr lang="ru-RU" dirty="0" smtClean="0"/>
-              <a:t>жизни.</a:t>
-            </a:r>
-          </a:p>
-          <a:p>
-            <a:r>
-              <a:rPr lang="ru-RU" dirty="0" smtClean="0"/>
-              <a:t>Не только </a:t>
-            </a:r>
-            <a:r>
-              <a:rPr lang="ru-RU" dirty="0"/>
-              <a:t>по </a:t>
-            </a:r>
-            <a:r>
-              <a:rPr lang="ru-RU" dirty="0" smtClean="0"/>
-              <a:t>языку</a:t>
-            </a:r>
-          </a:p>
-          <a:p>
-            <a:r>
-              <a:rPr lang="ru-RU" dirty="0" smtClean="0"/>
-              <a:t>программирования</a:t>
-            </a:r>
-            <a:r>
-              <a:rPr lang="ru-RU" dirty="0"/>
-              <a:t>.</a:t>
-            </a:r>
+            <a:pPr algn="r"/>
+            <a:r>
+              <a:rPr lang="en-US" sz="9600" dirty="0" smtClean="0">
+                <a:solidFill>
+                  <a:schemeClr val="tx1"/>
+                </a:solidFill>
+              </a:rPr>
+              <a:t>Docker</a:t>
+            </a:r>
+            <a:endParaRPr lang="ru-RU" sz="9600" dirty="0" err="1" smtClean="0">
+              <a:solidFill>
+                <a:schemeClr val="tx1"/>
+              </a:solidFill>
+            </a:endParaRPr>
+          </a:p>
+        </p:txBody>
+      </p:sp>
+      <p:sp>
+        <p:nvSpPr>
+          <p:cNvPr id="6" name="Linux"/>
+          <p:cNvSpPr/>
+          <p:nvPr/>
+        </p:nvSpPr>
+        <p:spPr>
+          <a:xfrm>
+            <a:off x="1506537" y="3424238"/>
+            <a:ext cx="20224751" cy="7250112"/>
+          </a:xfrm>
+          <a:prstGeom prst="rect">
+            <a:avLst/>
+          </a:prstGeom>
+          <a:solidFill>
+            <a:schemeClr val="tx2"/>
+          </a:solidFill>
+          <a:ln w="38100">
+            <a:solidFill>
+              <a:schemeClr val="tx1"/>
+            </a:solidFill>
+          </a:ln>
+        </p:spPr>
+        <p:style>
+          <a:lnRef idx="2">
+            <a:schemeClr val="accent1">
+              <a:shade val="50000"/>
+            </a:schemeClr>
+          </a:lnRef>
+          <a:fillRef idx="1">
+            <a:schemeClr val="accent1"/>
+          </a:fillRef>
+          <a:effectRef idx="0">
+            <a:schemeClr val="accent1"/>
+          </a:effectRef>
+          <a:fontRef idx="minor">
+            <a:schemeClr val="lt1"/>
+          </a:fontRef>
+        </p:style>
+        <p:txBody>
+          <a:bodyPr rtlCol="0" anchor="b"/>
+          <a:lstStyle/>
+          <a:p>
+            <a:pPr algn="r"/>
+            <a:r>
+              <a:rPr lang="en-US" sz="9600" dirty="0" smtClean="0">
+                <a:solidFill>
+                  <a:schemeClr val="tx1"/>
+                </a:solidFill>
+              </a:rPr>
+              <a:t>Linux</a:t>
+            </a:r>
+            <a:endParaRPr lang="ru-RU" sz="9600" dirty="0" err="1" smtClean="0">
+              <a:solidFill>
+                <a:schemeClr val="tx1"/>
+              </a:solidFill>
+            </a:endParaRPr>
+          </a:p>
+        </p:txBody>
+      </p:sp>
+      <p:sp>
+        <p:nvSpPr>
+          <p:cNvPr id="7" name="Python"/>
+          <p:cNvSpPr/>
+          <p:nvPr/>
+        </p:nvSpPr>
+        <p:spPr>
+          <a:xfrm>
+            <a:off x="1887538" y="3805238"/>
+            <a:ext cx="18316575" cy="5341937"/>
+          </a:xfrm>
+          <a:prstGeom prst="rect">
+            <a:avLst/>
+          </a:prstGeom>
+          <a:solidFill>
+            <a:schemeClr val="accent2"/>
+          </a:solidFill>
+          <a:ln w="38100">
+            <a:solidFill>
+              <a:schemeClr val="tx1"/>
+            </a:solidFill>
+          </a:ln>
+        </p:spPr>
+        <p:style>
+          <a:lnRef idx="2">
+            <a:schemeClr val="accent1">
+              <a:shade val="50000"/>
+            </a:schemeClr>
+          </a:lnRef>
+          <a:fillRef idx="1">
+            <a:schemeClr val="accent1"/>
+          </a:fillRef>
+          <a:effectRef idx="0">
+            <a:schemeClr val="accent1"/>
+          </a:effectRef>
+          <a:fontRef idx="minor">
+            <a:schemeClr val="lt1"/>
+          </a:fontRef>
+        </p:style>
+        <p:txBody>
+          <a:bodyPr rtlCol="0" anchor="b"/>
+          <a:lstStyle/>
+          <a:p>
+            <a:pPr algn="r"/>
+            <a:r>
+              <a:rPr lang="en-US" sz="9600" dirty="0" smtClean="0">
+                <a:solidFill>
+                  <a:schemeClr val="tx1"/>
+                </a:solidFill>
+              </a:rPr>
+              <a:t>Python</a:t>
+            </a:r>
+            <a:endParaRPr lang="ru-RU" sz="9600" dirty="0" err="1" smtClean="0">
+              <a:solidFill>
+                <a:schemeClr val="tx1"/>
+              </a:solidFill>
+            </a:endParaRPr>
+          </a:p>
+        </p:txBody>
+      </p:sp>
+      <p:sp>
+        <p:nvSpPr>
+          <p:cNvPr id="8" name="C++"/>
+          <p:cNvSpPr/>
+          <p:nvPr/>
+        </p:nvSpPr>
+        <p:spPr>
+          <a:xfrm>
+            <a:off x="2270124" y="4186239"/>
+            <a:ext cx="16408401" cy="3435350"/>
+          </a:xfrm>
+          <a:prstGeom prst="rect">
+            <a:avLst/>
+          </a:prstGeom>
+          <a:solidFill>
+            <a:schemeClr val="accent5"/>
+          </a:solidFill>
+          <a:ln w="38100">
+            <a:solidFill>
+              <a:schemeClr val="tx1"/>
+            </a:solidFill>
+          </a:ln>
+        </p:spPr>
+        <p:style>
+          <a:lnRef idx="2">
+            <a:schemeClr val="accent1">
+              <a:shade val="50000"/>
+            </a:schemeClr>
+          </a:lnRef>
+          <a:fillRef idx="1">
+            <a:schemeClr val="accent1"/>
+          </a:fillRef>
+          <a:effectRef idx="0">
+            <a:schemeClr val="accent1"/>
+          </a:effectRef>
+          <a:fontRef idx="minor">
+            <a:schemeClr val="lt1"/>
+          </a:fontRef>
+        </p:style>
+        <p:txBody>
+          <a:bodyPr rtlCol="0" anchor="b"/>
+          <a:lstStyle/>
+          <a:p>
+            <a:pPr algn="r"/>
+            <a:r>
+              <a:rPr lang="en-US" sz="9600" dirty="0" smtClean="0">
+                <a:solidFill>
+                  <a:schemeClr val="tx1"/>
+                </a:solidFill>
+              </a:rPr>
+              <a:t>C++</a:t>
+            </a:r>
+            <a:endParaRPr lang="ru-RU" sz="9600" dirty="0" err="1" smtClean="0">
+              <a:solidFill>
+                <a:schemeClr val="tx1"/>
+              </a:solidFill>
+            </a:endParaRPr>
           </a:p>
         </p:txBody>
       </p:sp>
     </p:spTree>
     <p:extLst>
       <p:ext uri="{BB962C8B-B14F-4D97-AF65-F5344CB8AC3E}">
-        <p14:creationId xmlns:p14="http://schemas.microsoft.com/office/powerpoint/2010/main" val="3707661308"/>
+        <p14:creationId xmlns:p14="http://schemas.microsoft.com/office/powerpoint/2010/main" val="48064531"/>
       </p:ext>
     </p:extLst>
   </p:cSld>
@@ -26162,7 +26922,78 @@
           <a:p>
             <a:r>
               <a:rPr lang="ru-RU" dirty="0" smtClean="0"/>
-              <a:t>Понятность</a:t>
+              <a:t>Как запретить использовать </a:t>
+            </a:r>
+            <a:r>
+              <a:rPr lang="en-US" dirty="0" err="1" smtClean="0"/>
+              <a:t>std</a:t>
+            </a:r>
+            <a:r>
+              <a:rPr lang="en-US" dirty="0" smtClean="0"/>
+              <a:t>::vector?</a:t>
+            </a:r>
+            <a:endParaRPr lang="ru-RU" dirty="0"/>
+          </a:p>
+        </p:txBody>
+      </p:sp>
+      <p:sp>
+        <p:nvSpPr>
+          <p:cNvPr id="3" name="Объект 2"/>
+          <p:cNvSpPr>
+            <a:spLocks noGrp="1"/>
+          </p:cNvSpPr>
+          <p:nvPr>
+            <p:ph idx="1"/>
+          </p:nvPr>
+        </p:nvSpPr>
+        <p:spPr>
+          <a:xfrm>
+            <a:off x="1143000" y="3048000"/>
+            <a:ext cx="19461162" cy="4191000"/>
+          </a:xfrm>
+        </p:spPr>
+        <p:txBody>
+          <a:bodyPr/>
+          <a:lstStyle/>
+          <a:p>
+            <a:pPr lvl="1"/>
+            <a:r>
+              <a:rPr lang="ru-RU" dirty="0" smtClean="0"/>
+              <a:t>У нас фиксирована версия компилятора!</a:t>
+            </a:r>
+          </a:p>
+          <a:p>
+            <a:pPr lvl="2"/>
+            <a:r>
+              <a:rPr lang="ru-RU" dirty="0" smtClean="0"/>
+              <a:t>Смотрим на имена </a:t>
+            </a:r>
+            <a:r>
+              <a:rPr lang="en-US" dirty="0" smtClean="0"/>
+              <a:t>include-guard’</a:t>
+            </a:r>
+            <a:r>
+              <a:rPr lang="ru-RU" dirty="0" err="1" smtClean="0"/>
+              <a:t>ов</a:t>
+            </a:r>
+            <a:r>
+              <a:rPr lang="ru-RU" dirty="0" smtClean="0"/>
+              <a:t> в нашей реализации стандартной библиотеки</a:t>
+            </a:r>
+          </a:p>
+          <a:p>
+            <a:pPr lvl="2"/>
+            <a:r>
+              <a:rPr lang="ru-RU" dirty="0" smtClean="0"/>
+              <a:t>Вызываем </a:t>
+            </a:r>
+            <a:r>
+              <a:rPr lang="en-US" dirty="0" smtClean="0"/>
+              <a:t>#error, </a:t>
+            </a:r>
+            <a:r>
+              <a:rPr lang="ru-RU" dirty="0" smtClean="0"/>
+              <a:t>если они видны</a:t>
             </a:r>
             <a:endParaRPr lang="ru-RU" dirty="0"/>
           </a:p>
@@ -26205,6 +27036,2785 @@
             <a:fld id="{741C03D3-FA44-40EC-9A21-1FC4FEA3E22E}" type="slidenum">
               <a:rPr lang="ru-RU" smtClean="0"/>
               <a:t>32</a:t>
+            </a:fld>
+            <a:endParaRPr lang="ru-RU"/>
+          </a:p>
+        </p:txBody>
+      </p:sp>
+      <p:sp>
+        <p:nvSpPr>
+          <p:cNvPr id="6" name="Объект 5"/>
+          <p:cNvSpPr>
+            <a:spLocks noGrp="1"/>
+          </p:cNvSpPr>
+          <p:nvPr>
+            <p:ph idx="13"/>
+          </p:nvPr>
+        </p:nvSpPr>
+        <p:spPr>
+          <a:xfrm>
+            <a:off x="1" y="7239000"/>
+            <a:ext cx="24382412" cy="6477000"/>
+          </a:xfrm>
+        </p:spPr>
+        <p:txBody>
+          <a:bodyPr/>
+          <a:lstStyle/>
+          <a:p>
+            <a:r>
+              <a:rPr lang="en-US" dirty="0" smtClean="0"/>
+              <a:t>__SUBMISSION__</a:t>
+            </a:r>
+            <a:r>
+              <a:rPr lang="ru-RU" dirty="0" smtClean="0"/>
+              <a:t>     </a:t>
+            </a:r>
+            <a:r>
+              <a:rPr lang="ru-RU" altLang="ru-RU" dirty="0" smtClean="0">
+                <a:solidFill>
+                  <a:srgbClr val="72C3E0"/>
+                </a:solidFill>
+                <a:latin typeface="Verdana" panose="020B0604030504040204" pitchFamily="34" charset="0"/>
+              </a:rPr>
+              <a:t>// </a:t>
+            </a:r>
+            <a:r>
+              <a:rPr lang="ru-RU" altLang="ru-RU" dirty="0">
+                <a:solidFill>
+                  <a:srgbClr val="72C3E0"/>
+                </a:solidFill>
+                <a:latin typeface="Verdana" panose="020B0604030504040204" pitchFamily="34" charset="0"/>
+              </a:rPr>
+              <a:t>Заменяется </a:t>
+            </a:r>
+            <a:r>
+              <a:rPr lang="ru-RU" altLang="ru-RU" dirty="0" err="1">
+                <a:solidFill>
+                  <a:srgbClr val="72C3E0"/>
+                </a:solidFill>
+                <a:latin typeface="Verdana" panose="020B0604030504040204" pitchFamily="34" charset="0"/>
+              </a:rPr>
+              <a:t>Python'ом</a:t>
+            </a:r>
+            <a:r>
+              <a:rPr lang="ru-RU" altLang="ru-RU" dirty="0">
+                <a:solidFill>
+                  <a:srgbClr val="72C3E0"/>
+                </a:solidFill>
+                <a:latin typeface="Verdana" panose="020B0604030504040204" pitchFamily="34" charset="0"/>
+              </a:rPr>
+              <a:t> на содержимое файла </a:t>
+            </a:r>
+            <a:r>
+              <a:rPr lang="ru-RU" altLang="ru-RU" dirty="0" smtClean="0">
+                <a:solidFill>
+                  <a:srgbClr val="72C3E0"/>
+                </a:solidFill>
+                <a:latin typeface="Verdana" panose="020B0604030504040204" pitchFamily="34" charset="0"/>
+              </a:rPr>
+              <a:t>участника</a:t>
+            </a:r>
+            <a:endParaRPr lang="en-US" dirty="0" smtClean="0"/>
+          </a:p>
+          <a:p>
+            <a:r>
+              <a:rPr lang="ru-RU" altLang="ru-RU" dirty="0">
+                <a:solidFill>
+                  <a:srgbClr val="72C3E0"/>
+                </a:solidFill>
+                <a:latin typeface="Verdana" panose="020B0604030504040204" pitchFamily="34" charset="0"/>
+              </a:rPr>
+              <a:t>#</a:t>
+            </a:r>
+            <a:r>
+              <a:rPr lang="ru-RU" altLang="ru-RU" dirty="0" err="1">
+                <a:solidFill>
+                  <a:srgbClr val="72C3E0"/>
+                </a:solidFill>
+                <a:latin typeface="Verdana" panose="020B0604030504040204" pitchFamily="34" charset="0"/>
+              </a:rPr>
+              <a:t>ifdef</a:t>
+            </a:r>
+            <a:r>
+              <a:rPr lang="ru-RU" altLang="ru-RU" dirty="0">
+                <a:solidFill>
+                  <a:srgbClr val="72C3E0"/>
+                </a:solidFill>
+                <a:latin typeface="Verdana" panose="020B0604030504040204" pitchFamily="34" charset="0"/>
+              </a:rPr>
+              <a:t> _GLIBCXX_VECTOR</a:t>
+            </a:r>
+            <a:br>
+              <a:rPr lang="ru-RU" altLang="ru-RU" dirty="0">
+                <a:solidFill>
+                  <a:srgbClr val="72C3E0"/>
+                </a:solidFill>
+                <a:latin typeface="Verdana" panose="020B0604030504040204" pitchFamily="34" charset="0"/>
+              </a:rPr>
+            </a:br>
+            <a:r>
+              <a:rPr lang="ru-RU" altLang="ru-RU" dirty="0">
+                <a:solidFill>
+                  <a:srgbClr val="72C3E0"/>
+                </a:solidFill>
+                <a:latin typeface="Verdana" panose="020B0604030504040204" pitchFamily="34" charset="0"/>
+              </a:rPr>
+              <a:t>#</a:t>
+            </a:r>
+            <a:r>
+              <a:rPr lang="ru-RU" altLang="ru-RU" dirty="0" err="1">
+                <a:solidFill>
+                  <a:srgbClr val="72C3E0"/>
+                </a:solidFill>
+                <a:latin typeface="Verdana" panose="020B0604030504040204" pitchFamily="34" charset="0"/>
+              </a:rPr>
+              <a:t>error</a:t>
+            </a:r>
+            <a:r>
+              <a:rPr lang="ru-RU" altLang="ru-RU" dirty="0">
+                <a:solidFill>
+                  <a:srgbClr val="72C3E0"/>
+                </a:solidFill>
+                <a:latin typeface="Verdana" panose="020B0604030504040204" pitchFamily="34" charset="0"/>
+              </a:rPr>
+              <a:t> </a:t>
+            </a:r>
+            <a:r>
+              <a:rPr lang="ru-RU" altLang="ru-RU" dirty="0">
+                <a:solidFill>
+                  <a:srgbClr val="9E64A9"/>
+                </a:solidFill>
+                <a:latin typeface="Verdana" panose="020B0604030504040204" pitchFamily="34" charset="0"/>
+              </a:rPr>
+              <a:t>"</a:t>
+            </a:r>
+            <a:r>
+              <a:rPr lang="ru-RU" altLang="ru-RU" dirty="0" err="1">
+                <a:solidFill>
+                  <a:srgbClr val="9E64A9"/>
+                </a:solidFill>
+                <a:latin typeface="Verdana" panose="020B0604030504040204" pitchFamily="34" charset="0"/>
+              </a:rPr>
+              <a:t>You</a:t>
+            </a:r>
+            <a:r>
+              <a:rPr lang="ru-RU" altLang="ru-RU" dirty="0">
+                <a:solidFill>
+                  <a:srgbClr val="9E64A9"/>
+                </a:solidFill>
+                <a:latin typeface="Verdana" panose="020B0604030504040204" pitchFamily="34" charset="0"/>
+              </a:rPr>
+              <a:t> </a:t>
+            </a:r>
+            <a:r>
+              <a:rPr lang="ru-RU" altLang="ru-RU" dirty="0" err="1">
+                <a:solidFill>
+                  <a:srgbClr val="9E64A9"/>
+                </a:solidFill>
+                <a:latin typeface="Verdana" panose="020B0604030504040204" pitchFamily="34" charset="0"/>
+              </a:rPr>
+              <a:t>are</a:t>
+            </a:r>
+            <a:r>
+              <a:rPr lang="ru-RU" altLang="ru-RU" dirty="0">
+                <a:solidFill>
+                  <a:srgbClr val="9E64A9"/>
+                </a:solidFill>
+                <a:latin typeface="Verdana" panose="020B0604030504040204" pitchFamily="34" charset="0"/>
+              </a:rPr>
+              <a:t> </a:t>
+            </a:r>
+            <a:r>
+              <a:rPr lang="ru-RU" altLang="ru-RU" dirty="0" err="1">
+                <a:solidFill>
+                  <a:srgbClr val="9E64A9"/>
+                </a:solidFill>
+                <a:latin typeface="Verdana" panose="020B0604030504040204" pitchFamily="34" charset="0"/>
+              </a:rPr>
+              <a:t>not</a:t>
+            </a:r>
+            <a:r>
+              <a:rPr lang="ru-RU" altLang="ru-RU" dirty="0">
+                <a:solidFill>
+                  <a:srgbClr val="9E64A9"/>
+                </a:solidFill>
+                <a:latin typeface="Verdana" panose="020B0604030504040204" pitchFamily="34" charset="0"/>
+              </a:rPr>
+              <a:t> </a:t>
+            </a:r>
+            <a:r>
+              <a:rPr lang="ru-RU" altLang="ru-RU" dirty="0" err="1">
+                <a:solidFill>
+                  <a:srgbClr val="9E64A9"/>
+                </a:solidFill>
+                <a:latin typeface="Verdana" panose="020B0604030504040204" pitchFamily="34" charset="0"/>
+              </a:rPr>
+              <a:t>allowed</a:t>
+            </a:r>
+            <a:r>
+              <a:rPr lang="ru-RU" altLang="ru-RU" dirty="0">
+                <a:solidFill>
+                  <a:srgbClr val="9E64A9"/>
+                </a:solidFill>
+                <a:latin typeface="Verdana" panose="020B0604030504040204" pitchFamily="34" charset="0"/>
+              </a:rPr>
+              <a:t> </a:t>
+            </a:r>
+            <a:r>
+              <a:rPr lang="ru-RU" altLang="ru-RU" dirty="0" err="1">
+                <a:solidFill>
+                  <a:srgbClr val="9E64A9"/>
+                </a:solidFill>
+                <a:latin typeface="Verdana" panose="020B0604030504040204" pitchFamily="34" charset="0"/>
+              </a:rPr>
+              <a:t>to</a:t>
+            </a:r>
+            <a:r>
+              <a:rPr lang="ru-RU" altLang="ru-RU" dirty="0">
+                <a:solidFill>
+                  <a:srgbClr val="9E64A9"/>
+                </a:solidFill>
+                <a:latin typeface="Verdana" panose="020B0604030504040204" pitchFamily="34" charset="0"/>
+              </a:rPr>
+              <a:t> </a:t>
+            </a:r>
+            <a:r>
+              <a:rPr lang="ru-RU" altLang="ru-RU" dirty="0" err="1">
+                <a:solidFill>
+                  <a:srgbClr val="9E64A9"/>
+                </a:solidFill>
+                <a:latin typeface="Verdana" panose="020B0604030504040204" pitchFamily="34" charset="0"/>
+              </a:rPr>
+              <a:t>use</a:t>
+            </a:r>
+            <a:r>
+              <a:rPr lang="ru-RU" altLang="ru-RU" dirty="0">
+                <a:solidFill>
+                  <a:srgbClr val="9E64A9"/>
+                </a:solidFill>
+                <a:latin typeface="Verdana" panose="020B0604030504040204" pitchFamily="34" charset="0"/>
+              </a:rPr>
+              <a:t> </a:t>
+            </a:r>
+            <a:r>
+              <a:rPr lang="ru-RU" altLang="ru-RU" dirty="0" err="1">
+                <a:solidFill>
+                  <a:srgbClr val="9E64A9"/>
+                </a:solidFill>
+                <a:latin typeface="Verdana" panose="020B0604030504040204" pitchFamily="34" charset="0"/>
+              </a:rPr>
+              <a:t>header</a:t>
+            </a:r>
+            <a:r>
+              <a:rPr lang="ru-RU" altLang="ru-RU" dirty="0">
+                <a:solidFill>
+                  <a:srgbClr val="9E64A9"/>
+                </a:solidFill>
+                <a:latin typeface="Verdana" panose="020B0604030504040204" pitchFamily="34" charset="0"/>
+              </a:rPr>
+              <a:t> </a:t>
+            </a:r>
+            <a:r>
+              <a:rPr lang="ru-RU" altLang="ru-RU" dirty="0" err="1">
+                <a:solidFill>
+                  <a:srgbClr val="9E64A9"/>
+                </a:solidFill>
+                <a:latin typeface="Verdana" panose="020B0604030504040204" pitchFamily="34" charset="0"/>
+              </a:rPr>
+              <a:t>file</a:t>
+            </a:r>
+            <a:r>
+              <a:rPr lang="ru-RU" altLang="ru-RU" dirty="0">
+                <a:solidFill>
+                  <a:srgbClr val="9E64A9"/>
+                </a:solidFill>
+                <a:latin typeface="Verdana" panose="020B0604030504040204" pitchFamily="34" charset="0"/>
+              </a:rPr>
+              <a:t> &lt;</a:t>
+            </a:r>
+            <a:r>
+              <a:rPr lang="ru-RU" altLang="ru-RU" dirty="0" err="1">
+                <a:solidFill>
+                  <a:srgbClr val="9E64A9"/>
+                </a:solidFill>
+                <a:latin typeface="Verdana" panose="020B0604030504040204" pitchFamily="34" charset="0"/>
+              </a:rPr>
+              <a:t>vector</a:t>
+            </a:r>
+            <a:r>
+              <a:rPr lang="ru-RU" altLang="ru-RU" dirty="0">
+                <a:solidFill>
+                  <a:srgbClr val="9E64A9"/>
+                </a:solidFill>
+                <a:latin typeface="Verdana" panose="020B0604030504040204" pitchFamily="34" charset="0"/>
+              </a:rPr>
+              <a:t>&gt; </a:t>
+            </a:r>
+            <a:r>
+              <a:rPr lang="ru-RU" altLang="ru-RU" dirty="0" err="1">
+                <a:solidFill>
+                  <a:srgbClr val="9E64A9"/>
+                </a:solidFill>
+                <a:latin typeface="Verdana" panose="020B0604030504040204" pitchFamily="34" charset="0"/>
+              </a:rPr>
+              <a:t>in</a:t>
+            </a:r>
+            <a:r>
+              <a:rPr lang="ru-RU" altLang="ru-RU" dirty="0">
+                <a:solidFill>
+                  <a:srgbClr val="9E64A9"/>
+                </a:solidFill>
+                <a:latin typeface="Verdana" panose="020B0604030504040204" pitchFamily="34" charset="0"/>
+              </a:rPr>
+              <a:t> </a:t>
+            </a:r>
+            <a:r>
+              <a:rPr lang="ru-RU" altLang="ru-RU" dirty="0" err="1">
+                <a:solidFill>
+                  <a:srgbClr val="9E64A9"/>
+                </a:solidFill>
+                <a:latin typeface="Verdana" panose="020B0604030504040204" pitchFamily="34" charset="0"/>
+              </a:rPr>
+              <a:t>this</a:t>
+            </a:r>
+            <a:r>
+              <a:rPr lang="ru-RU" altLang="ru-RU" dirty="0">
+                <a:solidFill>
+                  <a:srgbClr val="9E64A9"/>
+                </a:solidFill>
+                <a:latin typeface="Verdana" panose="020B0604030504040204" pitchFamily="34" charset="0"/>
+              </a:rPr>
+              <a:t> </a:t>
+            </a:r>
+            <a:r>
+              <a:rPr lang="ru-RU" altLang="ru-RU" dirty="0" err="1">
+                <a:solidFill>
+                  <a:srgbClr val="9E64A9"/>
+                </a:solidFill>
+                <a:latin typeface="Verdana" panose="020B0604030504040204" pitchFamily="34" charset="0"/>
+              </a:rPr>
+              <a:t>problem</a:t>
+            </a:r>
+            <a:r>
+              <a:rPr lang="ru-RU" altLang="ru-RU" dirty="0">
+                <a:solidFill>
+                  <a:srgbClr val="9E64A9"/>
+                </a:solidFill>
+                <a:latin typeface="Verdana" panose="020B0604030504040204" pitchFamily="34" charset="0"/>
+              </a:rPr>
+              <a:t>"</a:t>
+            </a:r>
+            <a:br>
+              <a:rPr lang="ru-RU" altLang="ru-RU" dirty="0">
+                <a:solidFill>
+                  <a:srgbClr val="9E64A9"/>
+                </a:solidFill>
+                <a:latin typeface="Verdana" panose="020B0604030504040204" pitchFamily="34" charset="0"/>
+              </a:rPr>
+            </a:br>
+            <a:r>
+              <a:rPr lang="ru-RU" altLang="ru-RU" dirty="0">
+                <a:solidFill>
+                  <a:srgbClr val="72C3E0"/>
+                </a:solidFill>
+                <a:latin typeface="Verdana" panose="020B0604030504040204" pitchFamily="34" charset="0"/>
+              </a:rPr>
+              <a:t>#</a:t>
+            </a:r>
+            <a:r>
+              <a:rPr lang="ru-RU" altLang="ru-RU" dirty="0" err="1" smtClean="0">
+                <a:solidFill>
+                  <a:srgbClr val="72C3E0"/>
+                </a:solidFill>
+                <a:latin typeface="Verdana" panose="020B0604030504040204" pitchFamily="34" charset="0"/>
+              </a:rPr>
+              <a:t>endif</a:t>
+            </a:r>
+            <a:endParaRPr lang="en-US" altLang="ru-RU" dirty="0" smtClean="0">
+              <a:solidFill>
+                <a:srgbClr val="72C3E0"/>
+              </a:solidFill>
+              <a:latin typeface="Verdana" panose="020B0604030504040204" pitchFamily="34" charset="0"/>
+            </a:endParaRPr>
+          </a:p>
+          <a:p>
+            <a:pPr lvl="0"/>
+            <a:r>
+              <a:rPr lang="ru-RU" altLang="ru-RU" dirty="0">
+                <a:solidFill>
+                  <a:srgbClr val="72C3E0"/>
+                </a:solidFill>
+                <a:latin typeface="Verdana" panose="020B0604030504040204" pitchFamily="34" charset="0"/>
+              </a:rPr>
+              <a:t>#</a:t>
+            </a:r>
+            <a:r>
+              <a:rPr lang="ru-RU" altLang="ru-RU" dirty="0" err="1">
+                <a:solidFill>
+                  <a:srgbClr val="72C3E0"/>
+                </a:solidFill>
+                <a:latin typeface="Verdana" panose="020B0604030504040204" pitchFamily="34" charset="0"/>
+              </a:rPr>
+              <a:t>ifdef</a:t>
+            </a:r>
+            <a:r>
+              <a:rPr lang="ru-RU" altLang="ru-RU" dirty="0">
+                <a:solidFill>
+                  <a:srgbClr val="72C3E0"/>
+                </a:solidFill>
+                <a:latin typeface="Verdana" panose="020B0604030504040204" pitchFamily="34" charset="0"/>
+              </a:rPr>
+              <a:t> _</a:t>
+            </a:r>
+            <a:r>
+              <a:rPr lang="ru-RU" altLang="ru-RU" dirty="0" smtClean="0">
+                <a:solidFill>
+                  <a:srgbClr val="72C3E0"/>
+                </a:solidFill>
+                <a:latin typeface="Verdana" panose="020B0604030504040204" pitchFamily="34" charset="0"/>
+              </a:rPr>
+              <a:t>GLIBCXX_</a:t>
+            </a:r>
+            <a:r>
+              <a:rPr lang="en-US" altLang="ru-RU" dirty="0" smtClean="0">
+                <a:solidFill>
+                  <a:srgbClr val="72C3E0"/>
+                </a:solidFill>
+                <a:latin typeface="Verdana" panose="020B0604030504040204" pitchFamily="34" charset="0"/>
+              </a:rPr>
+              <a:t>DEQUE</a:t>
+            </a:r>
+            <a:r>
+              <a:rPr lang="ru-RU" altLang="ru-RU" dirty="0">
+                <a:solidFill>
+                  <a:srgbClr val="72C3E0"/>
+                </a:solidFill>
+                <a:latin typeface="Verdana" panose="020B0604030504040204" pitchFamily="34" charset="0"/>
+              </a:rPr>
+              <a:t/>
+            </a:r>
+            <a:br>
+              <a:rPr lang="ru-RU" altLang="ru-RU" dirty="0">
+                <a:solidFill>
+                  <a:srgbClr val="72C3E0"/>
+                </a:solidFill>
+                <a:latin typeface="Verdana" panose="020B0604030504040204" pitchFamily="34" charset="0"/>
+              </a:rPr>
+            </a:br>
+            <a:r>
+              <a:rPr lang="ru-RU" altLang="ru-RU" dirty="0">
+                <a:solidFill>
+                  <a:srgbClr val="72C3E0"/>
+                </a:solidFill>
+                <a:latin typeface="Verdana" panose="020B0604030504040204" pitchFamily="34" charset="0"/>
+              </a:rPr>
+              <a:t>#</a:t>
+            </a:r>
+            <a:r>
+              <a:rPr lang="ru-RU" altLang="ru-RU" dirty="0" err="1">
+                <a:solidFill>
+                  <a:srgbClr val="72C3E0"/>
+                </a:solidFill>
+                <a:latin typeface="Verdana" panose="020B0604030504040204" pitchFamily="34" charset="0"/>
+              </a:rPr>
+              <a:t>error</a:t>
+            </a:r>
+            <a:r>
+              <a:rPr lang="ru-RU" altLang="ru-RU" dirty="0">
+                <a:solidFill>
+                  <a:srgbClr val="72C3E0"/>
+                </a:solidFill>
+                <a:latin typeface="Verdana" panose="020B0604030504040204" pitchFamily="34" charset="0"/>
+              </a:rPr>
+              <a:t> </a:t>
+            </a:r>
+            <a:r>
+              <a:rPr lang="ru-RU" altLang="ru-RU" dirty="0">
+                <a:solidFill>
+                  <a:srgbClr val="9E64A9"/>
+                </a:solidFill>
+                <a:latin typeface="Verdana" panose="020B0604030504040204" pitchFamily="34" charset="0"/>
+              </a:rPr>
+              <a:t>"</a:t>
+            </a:r>
+            <a:r>
+              <a:rPr lang="ru-RU" altLang="ru-RU" dirty="0" err="1">
+                <a:solidFill>
+                  <a:srgbClr val="9E64A9"/>
+                </a:solidFill>
+                <a:latin typeface="Verdana" panose="020B0604030504040204" pitchFamily="34" charset="0"/>
+              </a:rPr>
+              <a:t>You</a:t>
+            </a:r>
+            <a:r>
+              <a:rPr lang="ru-RU" altLang="ru-RU" dirty="0">
+                <a:solidFill>
+                  <a:srgbClr val="9E64A9"/>
+                </a:solidFill>
+                <a:latin typeface="Verdana" panose="020B0604030504040204" pitchFamily="34" charset="0"/>
+              </a:rPr>
+              <a:t> </a:t>
+            </a:r>
+            <a:r>
+              <a:rPr lang="ru-RU" altLang="ru-RU" dirty="0" err="1">
+                <a:solidFill>
+                  <a:srgbClr val="9E64A9"/>
+                </a:solidFill>
+                <a:latin typeface="Verdana" panose="020B0604030504040204" pitchFamily="34" charset="0"/>
+              </a:rPr>
+              <a:t>are</a:t>
+            </a:r>
+            <a:r>
+              <a:rPr lang="ru-RU" altLang="ru-RU" dirty="0">
+                <a:solidFill>
+                  <a:srgbClr val="9E64A9"/>
+                </a:solidFill>
+                <a:latin typeface="Verdana" panose="020B0604030504040204" pitchFamily="34" charset="0"/>
+              </a:rPr>
+              <a:t> </a:t>
+            </a:r>
+            <a:r>
+              <a:rPr lang="ru-RU" altLang="ru-RU" dirty="0" err="1">
+                <a:solidFill>
+                  <a:srgbClr val="9E64A9"/>
+                </a:solidFill>
+                <a:latin typeface="Verdana" panose="020B0604030504040204" pitchFamily="34" charset="0"/>
+              </a:rPr>
+              <a:t>not</a:t>
+            </a:r>
+            <a:r>
+              <a:rPr lang="ru-RU" altLang="ru-RU" dirty="0">
+                <a:solidFill>
+                  <a:srgbClr val="9E64A9"/>
+                </a:solidFill>
+                <a:latin typeface="Verdana" panose="020B0604030504040204" pitchFamily="34" charset="0"/>
+              </a:rPr>
+              <a:t> </a:t>
+            </a:r>
+            <a:r>
+              <a:rPr lang="ru-RU" altLang="ru-RU" dirty="0" err="1">
+                <a:solidFill>
+                  <a:srgbClr val="9E64A9"/>
+                </a:solidFill>
+                <a:latin typeface="Verdana" panose="020B0604030504040204" pitchFamily="34" charset="0"/>
+              </a:rPr>
+              <a:t>allowed</a:t>
+            </a:r>
+            <a:r>
+              <a:rPr lang="ru-RU" altLang="ru-RU" dirty="0">
+                <a:solidFill>
+                  <a:srgbClr val="9E64A9"/>
+                </a:solidFill>
+                <a:latin typeface="Verdana" panose="020B0604030504040204" pitchFamily="34" charset="0"/>
+              </a:rPr>
+              <a:t> </a:t>
+            </a:r>
+            <a:r>
+              <a:rPr lang="ru-RU" altLang="ru-RU" dirty="0" err="1">
+                <a:solidFill>
+                  <a:srgbClr val="9E64A9"/>
+                </a:solidFill>
+                <a:latin typeface="Verdana" panose="020B0604030504040204" pitchFamily="34" charset="0"/>
+              </a:rPr>
+              <a:t>to</a:t>
+            </a:r>
+            <a:r>
+              <a:rPr lang="ru-RU" altLang="ru-RU" dirty="0">
+                <a:solidFill>
+                  <a:srgbClr val="9E64A9"/>
+                </a:solidFill>
+                <a:latin typeface="Verdana" panose="020B0604030504040204" pitchFamily="34" charset="0"/>
+              </a:rPr>
+              <a:t> </a:t>
+            </a:r>
+            <a:r>
+              <a:rPr lang="ru-RU" altLang="ru-RU" dirty="0" err="1">
+                <a:solidFill>
+                  <a:srgbClr val="9E64A9"/>
+                </a:solidFill>
+                <a:latin typeface="Verdana" panose="020B0604030504040204" pitchFamily="34" charset="0"/>
+              </a:rPr>
+              <a:t>use</a:t>
+            </a:r>
+            <a:r>
+              <a:rPr lang="ru-RU" altLang="ru-RU" dirty="0">
+                <a:solidFill>
+                  <a:srgbClr val="9E64A9"/>
+                </a:solidFill>
+                <a:latin typeface="Verdana" panose="020B0604030504040204" pitchFamily="34" charset="0"/>
+              </a:rPr>
+              <a:t> </a:t>
+            </a:r>
+            <a:r>
+              <a:rPr lang="ru-RU" altLang="ru-RU" dirty="0" err="1">
+                <a:solidFill>
+                  <a:srgbClr val="9E64A9"/>
+                </a:solidFill>
+                <a:latin typeface="Verdana" panose="020B0604030504040204" pitchFamily="34" charset="0"/>
+              </a:rPr>
+              <a:t>header</a:t>
+            </a:r>
+            <a:r>
+              <a:rPr lang="ru-RU" altLang="ru-RU" dirty="0">
+                <a:solidFill>
+                  <a:srgbClr val="9E64A9"/>
+                </a:solidFill>
+                <a:latin typeface="Verdana" panose="020B0604030504040204" pitchFamily="34" charset="0"/>
+              </a:rPr>
+              <a:t> </a:t>
+            </a:r>
+            <a:r>
+              <a:rPr lang="ru-RU" altLang="ru-RU" dirty="0" err="1">
+                <a:solidFill>
+                  <a:srgbClr val="9E64A9"/>
+                </a:solidFill>
+                <a:latin typeface="Verdana" panose="020B0604030504040204" pitchFamily="34" charset="0"/>
+              </a:rPr>
+              <a:t>file</a:t>
+            </a:r>
+            <a:r>
+              <a:rPr lang="ru-RU" altLang="ru-RU" dirty="0">
+                <a:solidFill>
+                  <a:srgbClr val="9E64A9"/>
+                </a:solidFill>
+                <a:latin typeface="Verdana" panose="020B0604030504040204" pitchFamily="34" charset="0"/>
+              </a:rPr>
+              <a:t> </a:t>
+            </a:r>
+            <a:r>
+              <a:rPr lang="ru-RU" altLang="ru-RU" dirty="0" smtClean="0">
+                <a:solidFill>
+                  <a:srgbClr val="9E64A9"/>
+                </a:solidFill>
+                <a:latin typeface="Verdana" panose="020B0604030504040204" pitchFamily="34" charset="0"/>
+              </a:rPr>
+              <a:t>&lt;</a:t>
+            </a:r>
+            <a:r>
+              <a:rPr lang="en-US" altLang="ru-RU" dirty="0" err="1" smtClean="0">
+                <a:solidFill>
+                  <a:srgbClr val="9E64A9"/>
+                </a:solidFill>
+                <a:latin typeface="Verdana" panose="020B0604030504040204" pitchFamily="34" charset="0"/>
+              </a:rPr>
+              <a:t>deque</a:t>
+            </a:r>
+            <a:r>
+              <a:rPr lang="ru-RU" altLang="ru-RU" dirty="0" smtClean="0">
+                <a:solidFill>
+                  <a:srgbClr val="9E64A9"/>
+                </a:solidFill>
+                <a:latin typeface="Verdana" panose="020B0604030504040204" pitchFamily="34" charset="0"/>
+              </a:rPr>
+              <a:t>&gt; </a:t>
+            </a:r>
+            <a:r>
+              <a:rPr lang="ru-RU" altLang="ru-RU" dirty="0" err="1">
+                <a:solidFill>
+                  <a:srgbClr val="9E64A9"/>
+                </a:solidFill>
+                <a:latin typeface="Verdana" panose="020B0604030504040204" pitchFamily="34" charset="0"/>
+              </a:rPr>
+              <a:t>in</a:t>
+            </a:r>
+            <a:r>
+              <a:rPr lang="ru-RU" altLang="ru-RU" dirty="0">
+                <a:solidFill>
+                  <a:srgbClr val="9E64A9"/>
+                </a:solidFill>
+                <a:latin typeface="Verdana" panose="020B0604030504040204" pitchFamily="34" charset="0"/>
+              </a:rPr>
+              <a:t> </a:t>
+            </a:r>
+            <a:r>
+              <a:rPr lang="ru-RU" altLang="ru-RU" dirty="0" err="1">
+                <a:solidFill>
+                  <a:srgbClr val="9E64A9"/>
+                </a:solidFill>
+                <a:latin typeface="Verdana" panose="020B0604030504040204" pitchFamily="34" charset="0"/>
+              </a:rPr>
+              <a:t>this</a:t>
+            </a:r>
+            <a:r>
+              <a:rPr lang="ru-RU" altLang="ru-RU" dirty="0">
+                <a:solidFill>
+                  <a:srgbClr val="9E64A9"/>
+                </a:solidFill>
+                <a:latin typeface="Verdana" panose="020B0604030504040204" pitchFamily="34" charset="0"/>
+              </a:rPr>
+              <a:t> </a:t>
+            </a:r>
+            <a:r>
+              <a:rPr lang="ru-RU" altLang="ru-RU" dirty="0" err="1">
+                <a:solidFill>
+                  <a:srgbClr val="9E64A9"/>
+                </a:solidFill>
+                <a:latin typeface="Verdana" panose="020B0604030504040204" pitchFamily="34" charset="0"/>
+              </a:rPr>
+              <a:t>problem</a:t>
+            </a:r>
+            <a:r>
+              <a:rPr lang="ru-RU" altLang="ru-RU" dirty="0">
+                <a:solidFill>
+                  <a:srgbClr val="9E64A9"/>
+                </a:solidFill>
+                <a:latin typeface="Verdana" panose="020B0604030504040204" pitchFamily="34" charset="0"/>
+              </a:rPr>
+              <a:t>"</a:t>
+            </a:r>
+            <a:br>
+              <a:rPr lang="ru-RU" altLang="ru-RU" dirty="0">
+                <a:solidFill>
+                  <a:srgbClr val="9E64A9"/>
+                </a:solidFill>
+                <a:latin typeface="Verdana" panose="020B0604030504040204" pitchFamily="34" charset="0"/>
+              </a:rPr>
+            </a:br>
+            <a:r>
+              <a:rPr lang="ru-RU" altLang="ru-RU" dirty="0">
+                <a:solidFill>
+                  <a:srgbClr val="72C3E0"/>
+                </a:solidFill>
+                <a:latin typeface="Verdana" panose="020B0604030504040204" pitchFamily="34" charset="0"/>
+              </a:rPr>
+              <a:t>#</a:t>
+            </a:r>
+            <a:r>
+              <a:rPr lang="ru-RU" altLang="ru-RU" dirty="0" err="1">
+                <a:solidFill>
+                  <a:srgbClr val="72C3E0"/>
+                </a:solidFill>
+                <a:latin typeface="Verdana" panose="020B0604030504040204" pitchFamily="34" charset="0"/>
+              </a:rPr>
+              <a:t>endif</a:t>
+            </a:r>
+            <a:endParaRPr lang="ru-RU" altLang="ru-RU" sz="6600" dirty="0">
+              <a:solidFill>
+                <a:srgbClr val="000000"/>
+              </a:solidFill>
+              <a:latin typeface="Arial" panose="020B0604020202020204" pitchFamily="34" charset="0"/>
+            </a:endParaRPr>
+          </a:p>
+          <a:p>
+            <a:endParaRPr lang="ru-RU" altLang="ru-RU" sz="6600" dirty="0">
+              <a:solidFill>
+                <a:schemeClr val="tx1"/>
+              </a:solidFill>
+              <a:latin typeface="Arial" panose="020B0604020202020204" pitchFamily="34" charset="0"/>
+            </a:endParaRPr>
+          </a:p>
+        </p:txBody>
+      </p:sp>
+    </p:spTree>
+    <p:extLst>
+      <p:ext uri="{BB962C8B-B14F-4D97-AF65-F5344CB8AC3E}">
+        <p14:creationId xmlns:p14="http://schemas.microsoft.com/office/powerpoint/2010/main" val="1050556525"/>
+      </p:ext>
+    </p:extLst>
+  </p:cSld>
+  <p:clrMapOvr>
+    <a:masterClrMapping/>
+  </p:clrMapOvr>
+  <p:timing>
+    <p:tnLst>
+      <p:par>
+        <p:cTn id="1" dur="indefinite" restart="never" nodeType="tmRoot">
+          <p:childTnLst>
+            <p:seq concurrent="1" nextAc="seek">
+              <p:cTn id="2" dur="indefinite" nodeType="mainSeq">
+                <p:childTnLst>
+                  <p:par>
+                    <p:cTn id="3" fill="hold">
+                      <p:stCondLst>
+                        <p:cond delay="indefinite"/>
+                      </p:stCondLst>
+                      <p:childTnLst>
+                        <p:par>
+                          <p:cTn id="4" fill="hold">
+                            <p:stCondLst>
+                              <p:cond delay="0"/>
+                            </p:stCondLst>
+                            <p:childTnLst>
+                              <p:par>
+                                <p:cTn id="5" presetID="1" presetClass="entr" presetSubtype="0" fill="hold" nodeType="clickEffect">
+                                  <p:stCondLst>
+                                    <p:cond delay="0"/>
+                                  </p:stCondLst>
+                                  <p:childTnLst>
+                                    <p:set>
+                                      <p:cBhvr>
+                                        <p:cTn id="6" dur="1" fill="hold">
+                                          <p:stCondLst>
+                                            <p:cond delay="0"/>
+                                          </p:stCondLst>
+                                        </p:cTn>
+                                        <p:tgtEl>
+                                          <p:spTgt spid="3">
+                                            <p:txEl>
+                                              <p:pRg st="1" end="1"/>
+                                            </p:txEl>
+                                          </p:spTgt>
+                                        </p:tgtEl>
+                                        <p:attrNameLst>
+                                          <p:attrName>style.visibility</p:attrName>
+                                        </p:attrNameLst>
+                                      </p:cBhvr>
+                                      <p:to>
+                                        <p:strVal val="visible"/>
+                                      </p:to>
+                                    </p:set>
+                                  </p:childTnLst>
+                                </p:cTn>
+                              </p:par>
+                              <p:par>
+                                <p:cTn id="7" presetID="1" presetClass="entr" presetSubtype="0" fill="hold" nodeType="withEffect">
+                                  <p:stCondLst>
+                                    <p:cond delay="0"/>
+                                  </p:stCondLst>
+                                  <p:childTnLst>
+                                    <p:set>
+                                      <p:cBhvr>
+                                        <p:cTn id="8" dur="1" fill="hold">
+                                          <p:stCondLst>
+                                            <p:cond delay="0"/>
+                                          </p:stCondLst>
+                                        </p:cTn>
+                                        <p:tgtEl>
+                                          <p:spTgt spid="3">
+                                            <p:txEl>
+                                              <p:pRg st="2" end="2"/>
+                                            </p:txEl>
+                                          </p:spTgt>
+                                        </p:tgtEl>
+                                        <p:attrNameLst>
+                                          <p:attrName>style.visibility</p:attrName>
+                                        </p:attrNameLst>
+                                      </p:cBhvr>
+                                      <p:to>
+                                        <p:strVal val="visible"/>
+                                      </p:to>
+                                    </p:set>
+                                  </p:childTnLst>
+                                </p:cTn>
+                              </p:par>
+                              <p:par>
+                                <p:cTn id="9" presetID="1" presetClass="entr" presetSubtype="0" fill="hold" grpId="0" nodeType="withEffect">
+                                  <p:stCondLst>
+                                    <p:cond delay="0"/>
+                                  </p:stCondLst>
+                                  <p:childTnLst>
+                                    <p:set>
+                                      <p:cBhvr>
+                                        <p:cTn id="10" dur="1" fill="hold">
+                                          <p:stCondLst>
+                                            <p:cond delay="0"/>
+                                          </p:stCondLst>
+                                        </p:cTn>
+                                        <p:tgtEl>
+                                          <p:spTgt spid="6">
+                                            <p:bg/>
+                                          </p:spTgt>
+                                        </p:tgtEl>
+                                        <p:attrNameLst>
+                                          <p:attrName>style.visibility</p:attrName>
+                                        </p:attrNameLst>
+                                      </p:cBhvr>
+                                      <p:to>
+                                        <p:strVal val="visible"/>
+                                      </p:to>
+                                    </p:set>
+                                  </p:childTnLst>
+                                </p:cTn>
+                              </p:par>
+                            </p:childTnLst>
+                          </p:cTn>
+                        </p:par>
+                      </p:childTnLst>
+                    </p:cTn>
+                  </p:par>
+                  <p:par>
+                    <p:cTn id="11" fill="hold">
+                      <p:stCondLst>
+                        <p:cond delay="indefinite"/>
+                      </p:stCondLst>
+                      <p:childTnLst>
+                        <p:par>
+                          <p:cTn id="12" fill="hold">
+                            <p:stCondLst>
+                              <p:cond delay="0"/>
+                            </p:stCondLst>
+                            <p:childTnLst>
+                              <p:par>
+                                <p:cTn id="13" presetID="1" presetClass="entr" presetSubtype="0" fill="hold" grpId="0" nodeType="clickEffect">
+                                  <p:stCondLst>
+                                    <p:cond delay="0"/>
+                                  </p:stCondLst>
+                                  <p:childTnLst>
+                                    <p:set>
+                                      <p:cBhvr>
+                                        <p:cTn id="14" dur="1" fill="hold">
+                                          <p:stCondLst>
+                                            <p:cond delay="0"/>
+                                          </p:stCondLst>
+                                        </p:cTn>
+                                        <p:tgtEl>
+                                          <p:spTgt spid="6">
+                                            <p:txEl>
+                                              <p:pRg st="0" end="0"/>
+                                            </p:txEl>
+                                          </p:spTgt>
+                                        </p:tgtEl>
+                                        <p:attrNameLst>
+                                          <p:attrName>style.visibility</p:attrName>
+                                        </p:attrNameLst>
+                                      </p:cBhvr>
+                                      <p:to>
+                                        <p:strVal val="visible"/>
+                                      </p:to>
+                                    </p:set>
+                                  </p:childTnLst>
+                                </p:cTn>
+                              </p:par>
+                              <p:par>
+                                <p:cTn id="15" presetID="1" presetClass="entr" presetSubtype="0" fill="hold" grpId="0" nodeType="withEffect">
+                                  <p:stCondLst>
+                                    <p:cond delay="0"/>
+                                  </p:stCondLst>
+                                  <p:childTnLst>
+                                    <p:set>
+                                      <p:cBhvr>
+                                        <p:cTn id="16" dur="1" fill="hold">
+                                          <p:stCondLst>
+                                            <p:cond delay="0"/>
+                                          </p:stCondLst>
+                                        </p:cTn>
+                                        <p:tgtEl>
+                                          <p:spTgt spid="6">
+                                            <p:txEl>
+                                              <p:pRg st="1" end="1"/>
+                                            </p:txEl>
+                                          </p:spTgt>
+                                        </p:tgtEl>
+                                        <p:attrNameLst>
+                                          <p:attrName>style.visibility</p:attrName>
+                                        </p:attrNameLst>
+                                      </p:cBhvr>
+                                      <p:to>
+                                        <p:strVal val="visible"/>
+                                      </p:to>
+                                    </p:set>
+                                  </p:childTnLst>
+                                </p:cTn>
+                              </p:par>
+                              <p:par>
+                                <p:cTn id="17" presetID="1" presetClass="entr" presetSubtype="0" fill="hold" grpId="0" nodeType="withEffect">
+                                  <p:stCondLst>
+                                    <p:cond delay="0"/>
+                                  </p:stCondLst>
+                                  <p:childTnLst>
+                                    <p:set>
+                                      <p:cBhvr>
+                                        <p:cTn id="18" dur="1" fill="hold">
+                                          <p:stCondLst>
+                                            <p:cond delay="0"/>
+                                          </p:stCondLst>
+                                        </p:cTn>
+                                        <p:tgtEl>
+                                          <p:spTgt spid="6">
+                                            <p:txEl>
+                                              <p:pRg st="2" end="2"/>
+                                            </p:txEl>
+                                          </p:spTgt>
+                                        </p:tgtEl>
+                                        <p:attrNameLst>
+                                          <p:attrName>style.visibility</p:attrName>
+                                        </p:attrNameLst>
+                                      </p:cBhvr>
+                                      <p:to>
+                                        <p:strVal val="visible"/>
+                                      </p:to>
+                                    </p:set>
+                                  </p:childTnLst>
+                                </p:cTn>
+                              </p:par>
+                            </p:childTnLst>
+                          </p:cTn>
+                        </p:par>
+                      </p:childTnLst>
+                    </p:cTn>
+                  </p:par>
+                </p:childTnLst>
+              </p:cTn>
+              <p:prevCondLst>
+                <p:cond evt="onPrev" delay="0">
+                  <p:tgtEl>
+                    <p:sldTgt/>
+                  </p:tgtEl>
+                </p:cond>
+              </p:prevCondLst>
+              <p:nextCondLst>
+                <p:cond evt="onNext" delay="0">
+                  <p:tgtEl>
+                    <p:sldTgt/>
+                  </p:tgtEl>
+                </p:cond>
+              </p:nextCondLst>
+            </p:seq>
+          </p:childTnLst>
+        </p:cTn>
+      </p:par>
+    </p:tnLst>
+    <p:bldLst>
+      <p:bldP spid="6" grpId="0" build="p" animBg="1"/>
+    </p:bldLst>
+  </p:timing>
+</p:sld>
+</file>
+
+<file path=ppt/slides/slide33.xml><?xml version="1.0" encoding="utf-8"?>
+<p:sld xmlns:a="http://schemas.openxmlformats.org/drawingml/2006/main" xmlns:r="http://schemas.openxmlformats.org/officeDocument/2006/relationships" xmlns:p="http://schemas.openxmlformats.org/presentationml/2006/main">
+  <p:cSld>
+    <p:spTree>
+      <p:nvGrpSpPr>
+        <p:cNvPr id="1" name=""/>
+        <p:cNvGrpSpPr/>
+        <p:nvPr/>
+      </p:nvGrpSpPr>
+      <p:grpSpPr>
+        <a:xfrm>
+          <a:off x="0" y="0"/>
+          <a:ext cx="0" cy="0"/>
+          <a:chOff x="0" y="0"/>
+          <a:chExt cx="0" cy="0"/>
+        </a:xfrm>
+      </p:grpSpPr>
+      <p:sp>
+        <p:nvSpPr>
+          <p:cNvPr id="2" name="Нижний колонтитул 1"/>
+          <p:cNvSpPr>
+            <a:spLocks noGrp="1"/>
+          </p:cNvSpPr>
+          <p:nvPr>
+            <p:ph type="ftr" sz="quarter" idx="11"/>
+          </p:nvPr>
+        </p:nvSpPr>
+        <p:spPr/>
+        <p:txBody>
+          <a:bodyPr/>
+          <a:lstStyle/>
+          <a:p>
+            <a:endParaRPr lang="ru-RU" dirty="0">
+              <a:solidFill>
+                <a:srgbClr val="000000"/>
+              </a:solidFill>
+            </a:endParaRPr>
+          </a:p>
+        </p:txBody>
+      </p:sp>
+      <p:sp>
+        <p:nvSpPr>
+          <p:cNvPr id="3" name="Номер слайда 2"/>
+          <p:cNvSpPr>
+            <a:spLocks noGrp="1"/>
+          </p:cNvSpPr>
+          <p:nvPr>
+            <p:ph type="sldNum" sz="quarter" idx="12"/>
+          </p:nvPr>
+        </p:nvSpPr>
+        <p:spPr/>
+        <p:txBody>
+          <a:bodyPr/>
+          <a:lstStyle/>
+          <a:p>
+            <a:fld id="{741C03D3-FA44-40EC-9A21-1FC4FEA3E22E}" type="slidenum">
+              <a:rPr lang="ru-RU" smtClean="0">
+                <a:solidFill>
+                  <a:srgbClr val="000000"/>
+                </a:solidFill>
+              </a:rPr>
+              <a:pPr/>
+              <a:t>33</a:t>
+            </a:fld>
+            <a:endParaRPr lang="ru-RU">
+              <a:solidFill>
+                <a:srgbClr val="000000"/>
+              </a:solidFill>
+            </a:endParaRPr>
+          </a:p>
+        </p:txBody>
+      </p:sp>
+      <p:sp>
+        <p:nvSpPr>
+          <p:cNvPr id="4" name="Объект 3"/>
+          <p:cNvSpPr>
+            <a:spLocks noGrp="1"/>
+          </p:cNvSpPr>
+          <p:nvPr>
+            <p:ph idx="13"/>
+          </p:nvPr>
+        </p:nvSpPr>
+        <p:spPr/>
+        <p:txBody>
+          <a:bodyPr/>
+          <a:lstStyle/>
+          <a:p>
+            <a:r>
+              <a:rPr lang="ru-RU" altLang="ru-RU" dirty="0" err="1">
+                <a:solidFill>
+                  <a:srgbClr val="FFFFFF"/>
+                </a:solidFill>
+                <a:latin typeface="Verdana" panose="020B0604030504040204" pitchFamily="34" charset="0"/>
+              </a:rPr>
+              <a:t>int</a:t>
+            </a:r>
+            <a:r>
+              <a:rPr lang="ru-RU" altLang="ru-RU" dirty="0">
+                <a:solidFill>
+                  <a:srgbClr val="FFFFFF"/>
+                </a:solidFill>
+                <a:latin typeface="Verdana" panose="020B0604030504040204" pitchFamily="34" charset="0"/>
+              </a:rPr>
+              <a:t> </a:t>
+            </a:r>
+            <a:r>
+              <a:rPr lang="ru-RU" altLang="ru-RU" dirty="0" err="1">
+                <a:solidFill>
+                  <a:srgbClr val="FFCC00"/>
+                </a:solidFill>
+                <a:latin typeface="Verdana" panose="020B0604030504040204" pitchFamily="34" charset="0"/>
+              </a:rPr>
+              <a:t>main</a:t>
+            </a:r>
+            <a:r>
+              <a:rPr lang="ru-RU" altLang="ru-RU" dirty="0">
+                <a:solidFill>
+                  <a:srgbClr val="FFFFFF"/>
+                </a:solidFill>
+                <a:latin typeface="Verdana" panose="020B0604030504040204" pitchFamily="34" charset="0"/>
+              </a:rPr>
+              <a:t>() {</a:t>
+            </a:r>
+            <a:br>
+              <a:rPr lang="ru-RU" altLang="ru-RU" dirty="0">
+                <a:solidFill>
+                  <a:srgbClr val="FFFFFF"/>
+                </a:solidFill>
+                <a:latin typeface="Verdana" panose="020B0604030504040204" pitchFamily="34" charset="0"/>
+              </a:rPr>
+            </a:br>
+            <a:r>
+              <a:rPr lang="ru-RU" altLang="ru-RU" dirty="0">
+                <a:solidFill>
+                  <a:srgbClr val="FFFFFF"/>
+                </a:solidFill>
+                <a:latin typeface="Verdana" panose="020B0604030504040204" pitchFamily="34" charset="0"/>
+              </a:rPr>
+              <a:t>  </a:t>
+            </a:r>
+            <a:r>
+              <a:rPr lang="ru-RU" altLang="ru-RU" dirty="0" err="1">
+                <a:solidFill>
+                  <a:srgbClr val="FFCC00"/>
+                </a:solidFill>
+                <a:latin typeface="Verdana" panose="020B0604030504040204" pitchFamily="34" charset="0"/>
+              </a:rPr>
+              <a:t>SimpleVector</a:t>
+            </a:r>
+            <a:r>
+              <a:rPr lang="ru-RU" altLang="ru-RU" dirty="0">
+                <a:solidFill>
+                  <a:srgbClr val="FFFFFF"/>
+                </a:solidFill>
+                <a:latin typeface="Verdana" panose="020B0604030504040204" pitchFamily="34" charset="0"/>
+              </a:rPr>
+              <a:t>&lt;</a:t>
+            </a:r>
+            <a:r>
+              <a:rPr lang="ru-RU" altLang="ru-RU" dirty="0" err="1">
+                <a:solidFill>
+                  <a:srgbClr val="FFFFFF"/>
+                </a:solidFill>
+                <a:latin typeface="Verdana" panose="020B0604030504040204" pitchFamily="34" charset="0"/>
+              </a:rPr>
+              <a:t>int</a:t>
+            </a:r>
+            <a:r>
+              <a:rPr lang="ru-RU" altLang="ru-RU" dirty="0">
+                <a:solidFill>
+                  <a:srgbClr val="FFFFFF"/>
+                </a:solidFill>
+                <a:latin typeface="Verdana" panose="020B0604030504040204" pitchFamily="34" charset="0"/>
+              </a:rPr>
+              <a:t>&gt; </a:t>
+            </a:r>
+            <a:r>
+              <a:rPr lang="ru-RU" altLang="ru-RU" dirty="0" err="1">
+                <a:solidFill>
+                  <a:srgbClr val="5BCD9D"/>
+                </a:solidFill>
+                <a:latin typeface="Verdana" panose="020B0604030504040204" pitchFamily="34" charset="0"/>
+              </a:rPr>
+              <a:t>values</a:t>
+            </a:r>
+            <a:r>
+              <a:rPr lang="ru-RU" altLang="ru-RU" dirty="0">
+                <a:solidFill>
+                  <a:srgbClr val="FFFFFF"/>
+                </a:solidFill>
+                <a:latin typeface="Verdana" panose="020B0604030504040204" pitchFamily="34" charset="0"/>
+              </a:rPr>
+              <a:t>(5);</a:t>
+            </a:r>
+            <a:br>
+              <a:rPr lang="ru-RU" altLang="ru-RU" dirty="0">
+                <a:solidFill>
+                  <a:srgbClr val="FFFFFF"/>
+                </a:solidFill>
+                <a:latin typeface="Verdana" panose="020B0604030504040204" pitchFamily="34" charset="0"/>
+              </a:rPr>
+            </a:br>
+            <a:r>
+              <a:rPr lang="ru-RU" altLang="ru-RU" dirty="0">
+                <a:solidFill>
+                  <a:srgbClr val="FFFFFF"/>
+                </a:solidFill>
+                <a:latin typeface="Verdana" panose="020B0604030504040204" pitchFamily="34" charset="0"/>
+              </a:rPr>
+              <a:t>  </a:t>
+            </a:r>
+            <a:r>
+              <a:rPr lang="ru-RU" altLang="ru-RU" dirty="0" err="1">
+                <a:solidFill>
+                  <a:srgbClr val="FFCC00"/>
+                </a:solidFill>
+                <a:latin typeface="Verdana" panose="020B0604030504040204" pitchFamily="34" charset="0"/>
+              </a:rPr>
+              <a:t>belts</a:t>
+            </a:r>
+            <a:r>
+              <a:rPr lang="ru-RU" altLang="ru-RU" dirty="0">
+                <a:solidFill>
+                  <a:srgbClr val="FFFFFF"/>
+                </a:solidFill>
+                <a:latin typeface="Verdana" panose="020B0604030504040204" pitchFamily="34" charset="0"/>
+              </a:rPr>
+              <a:t>::</a:t>
+            </a:r>
+            <a:r>
+              <a:rPr lang="ru-RU" altLang="ru-RU" dirty="0" err="1">
+                <a:solidFill>
+                  <a:srgbClr val="FFCC00"/>
+                </a:solidFill>
+                <a:latin typeface="Verdana" panose="020B0604030504040204" pitchFamily="34" charset="0"/>
+              </a:rPr>
+              <a:t>Assert</a:t>
+            </a:r>
+            <a:r>
+              <a:rPr lang="ru-RU" altLang="ru-RU" dirty="0">
+                <a:solidFill>
+                  <a:srgbClr val="FFFFFF"/>
+                </a:solidFill>
+                <a:latin typeface="Verdana" panose="020B0604030504040204" pitchFamily="34" charset="0"/>
+              </a:rPr>
+              <a:t>(</a:t>
+            </a:r>
+            <a:r>
+              <a:rPr lang="ru-RU" altLang="ru-RU" dirty="0" err="1">
+                <a:solidFill>
+                  <a:srgbClr val="5BCD9D"/>
+                </a:solidFill>
+                <a:latin typeface="Verdana" panose="020B0604030504040204" pitchFamily="34" charset="0"/>
+              </a:rPr>
+              <a:t>values</a:t>
+            </a:r>
+            <a:r>
+              <a:rPr lang="ru-RU" altLang="ru-RU" dirty="0" err="1">
+                <a:solidFill>
+                  <a:srgbClr val="FFFFFF"/>
+                </a:solidFill>
+                <a:latin typeface="Verdana" panose="020B0604030504040204" pitchFamily="34" charset="0"/>
+              </a:rPr>
+              <a:t>.</a:t>
+            </a:r>
+            <a:r>
+              <a:rPr lang="ru-RU" altLang="ru-RU" dirty="0" err="1">
+                <a:solidFill>
+                  <a:srgbClr val="FFCC00"/>
+                </a:solidFill>
+                <a:latin typeface="Verdana" panose="020B0604030504040204" pitchFamily="34" charset="0"/>
+              </a:rPr>
+              <a:t>Size</a:t>
+            </a:r>
+            <a:r>
+              <a:rPr lang="ru-RU" altLang="ru-RU" dirty="0">
+                <a:solidFill>
+                  <a:srgbClr val="FFFFFF"/>
+                </a:solidFill>
+                <a:latin typeface="Verdana" panose="020B0604030504040204" pitchFamily="34" charset="0"/>
+              </a:rPr>
+              <a:t>() == 5u);</a:t>
+            </a:r>
+            <a:br>
+              <a:rPr lang="ru-RU" altLang="ru-RU" dirty="0">
+                <a:solidFill>
+                  <a:srgbClr val="FFFFFF"/>
+                </a:solidFill>
+                <a:latin typeface="Verdana" panose="020B0604030504040204" pitchFamily="34" charset="0"/>
+              </a:rPr>
+            </a:br>
+            <a:r>
+              <a:rPr lang="ru-RU" altLang="ru-RU" dirty="0">
+                <a:solidFill>
+                  <a:srgbClr val="FFFFFF"/>
+                </a:solidFill>
+                <a:latin typeface="Verdana" panose="020B0604030504040204" pitchFamily="34" charset="0"/>
+              </a:rPr>
+              <a:t>  </a:t>
+            </a:r>
+            <a:r>
+              <a:rPr lang="ru-RU" altLang="ru-RU" dirty="0" err="1">
+                <a:solidFill>
+                  <a:srgbClr val="FFCC00"/>
+                </a:solidFill>
+                <a:latin typeface="Verdana" panose="020B0604030504040204" pitchFamily="34" charset="0"/>
+              </a:rPr>
+              <a:t>belts</a:t>
+            </a:r>
+            <a:r>
+              <a:rPr lang="ru-RU" altLang="ru-RU" dirty="0">
+                <a:solidFill>
+                  <a:srgbClr val="FFFFFF"/>
+                </a:solidFill>
+                <a:latin typeface="Verdana" panose="020B0604030504040204" pitchFamily="34" charset="0"/>
+              </a:rPr>
+              <a:t>::</a:t>
+            </a:r>
+            <a:r>
+              <a:rPr lang="ru-RU" altLang="ru-RU" dirty="0" err="1">
+                <a:solidFill>
+                  <a:srgbClr val="FFCC00"/>
+                </a:solidFill>
+                <a:latin typeface="Verdana" panose="020B0604030504040204" pitchFamily="34" charset="0"/>
+              </a:rPr>
+              <a:t>Assert</a:t>
+            </a:r>
+            <a:r>
+              <a:rPr lang="ru-RU" altLang="ru-RU" dirty="0">
+                <a:solidFill>
+                  <a:srgbClr val="FFFFFF"/>
+                </a:solidFill>
+                <a:latin typeface="Verdana" panose="020B0604030504040204" pitchFamily="34" charset="0"/>
+              </a:rPr>
+              <a:t>(</a:t>
+            </a:r>
+            <a:r>
+              <a:rPr lang="ru-RU" altLang="ru-RU" dirty="0" err="1">
+                <a:solidFill>
+                  <a:srgbClr val="5BCD9D"/>
+                </a:solidFill>
+                <a:latin typeface="Verdana" panose="020B0604030504040204" pitchFamily="34" charset="0"/>
+              </a:rPr>
+              <a:t>values</a:t>
+            </a:r>
+            <a:r>
+              <a:rPr lang="ru-RU" altLang="ru-RU" dirty="0" err="1">
+                <a:solidFill>
+                  <a:srgbClr val="FFFFFF"/>
+                </a:solidFill>
+                <a:latin typeface="Verdana" panose="020B0604030504040204" pitchFamily="34" charset="0"/>
+              </a:rPr>
+              <a:t>.</a:t>
+            </a:r>
+            <a:r>
+              <a:rPr lang="ru-RU" altLang="ru-RU" dirty="0" err="1">
+                <a:solidFill>
+                  <a:srgbClr val="FFCC00"/>
+                </a:solidFill>
+                <a:latin typeface="Verdana" panose="020B0604030504040204" pitchFamily="34" charset="0"/>
+              </a:rPr>
+              <a:t>Size</a:t>
+            </a:r>
+            <a:r>
+              <a:rPr lang="ru-RU" altLang="ru-RU" dirty="0">
+                <a:solidFill>
+                  <a:srgbClr val="FFFFFF"/>
+                </a:solidFill>
+                <a:latin typeface="Verdana" panose="020B0604030504040204" pitchFamily="34" charset="0"/>
+              </a:rPr>
+              <a:t>() &lt;= </a:t>
+            </a:r>
+            <a:r>
+              <a:rPr lang="ru-RU" altLang="ru-RU" dirty="0" err="1">
+                <a:solidFill>
+                  <a:srgbClr val="5BCD9D"/>
+                </a:solidFill>
+                <a:latin typeface="Verdana" panose="020B0604030504040204" pitchFamily="34" charset="0"/>
+              </a:rPr>
+              <a:t>values</a:t>
+            </a:r>
+            <a:r>
+              <a:rPr lang="ru-RU" altLang="ru-RU" dirty="0" err="1">
+                <a:solidFill>
+                  <a:srgbClr val="FFFFFF"/>
+                </a:solidFill>
+                <a:latin typeface="Verdana" panose="020B0604030504040204" pitchFamily="34" charset="0"/>
+              </a:rPr>
+              <a:t>.</a:t>
+            </a:r>
+            <a:r>
+              <a:rPr lang="ru-RU" altLang="ru-RU" dirty="0" err="1">
+                <a:solidFill>
+                  <a:srgbClr val="FFCC00"/>
+                </a:solidFill>
+                <a:latin typeface="Verdana" panose="020B0604030504040204" pitchFamily="34" charset="0"/>
+              </a:rPr>
+              <a:t>Capacity</a:t>
+            </a:r>
+            <a:r>
+              <a:rPr lang="ru-RU" altLang="ru-RU" dirty="0">
+                <a:solidFill>
+                  <a:srgbClr val="FFFFFF"/>
+                </a:solidFill>
+                <a:latin typeface="Verdana" panose="020B0604030504040204" pitchFamily="34" charset="0"/>
+              </a:rPr>
+              <a:t>());</a:t>
+            </a:r>
+            <a:br>
+              <a:rPr lang="ru-RU" altLang="ru-RU" dirty="0">
+                <a:solidFill>
+                  <a:srgbClr val="FFFFFF"/>
+                </a:solidFill>
+                <a:latin typeface="Verdana" panose="020B0604030504040204" pitchFamily="34" charset="0"/>
+              </a:rPr>
+            </a:br>
+            <a:r>
+              <a:rPr lang="ru-RU" altLang="ru-RU" dirty="0" smtClean="0">
+                <a:solidFill>
+                  <a:srgbClr val="FFFFFF"/>
+                </a:solidFill>
+                <a:latin typeface="Verdana" panose="020B0604030504040204" pitchFamily="34" charset="0"/>
+              </a:rPr>
+              <a:t>  </a:t>
+            </a:r>
+            <a:r>
+              <a:rPr lang="ru-RU" altLang="ru-RU" dirty="0" err="1">
+                <a:solidFill>
+                  <a:srgbClr val="5BCD9D"/>
+                </a:solidFill>
+                <a:latin typeface="Verdana" panose="020B0604030504040204" pitchFamily="34" charset="0"/>
+              </a:rPr>
+              <a:t>values</a:t>
+            </a:r>
+            <a:r>
+              <a:rPr lang="ru-RU" altLang="ru-RU" dirty="0">
+                <a:solidFill>
+                  <a:srgbClr val="FFFFFF"/>
+                </a:solidFill>
+                <a:latin typeface="Verdana" panose="020B0604030504040204" pitchFamily="34" charset="0"/>
+              </a:rPr>
+              <a:t>[2] = 123;</a:t>
+            </a:r>
+            <a:br>
+              <a:rPr lang="ru-RU" altLang="ru-RU" dirty="0">
+                <a:solidFill>
+                  <a:srgbClr val="FFFFFF"/>
+                </a:solidFill>
+                <a:latin typeface="Verdana" panose="020B0604030504040204" pitchFamily="34" charset="0"/>
+              </a:rPr>
+            </a:br>
+            <a:r>
+              <a:rPr lang="ru-RU" altLang="ru-RU" dirty="0">
+                <a:solidFill>
+                  <a:srgbClr val="FFFFFF"/>
+                </a:solidFill>
+                <a:latin typeface="Verdana" panose="020B0604030504040204" pitchFamily="34" charset="0"/>
+              </a:rPr>
+              <a:t>  </a:t>
+            </a:r>
+            <a:r>
+              <a:rPr lang="ru-RU" altLang="ru-RU" dirty="0" err="1">
+                <a:solidFill>
+                  <a:srgbClr val="FFCC00"/>
+                </a:solidFill>
+                <a:latin typeface="Verdana" panose="020B0604030504040204" pitchFamily="34" charset="0"/>
+              </a:rPr>
+              <a:t>belts</a:t>
+            </a:r>
+            <a:r>
+              <a:rPr lang="ru-RU" altLang="ru-RU" dirty="0">
+                <a:solidFill>
+                  <a:srgbClr val="FFFFFF"/>
+                </a:solidFill>
+                <a:latin typeface="Verdana" panose="020B0604030504040204" pitchFamily="34" charset="0"/>
+              </a:rPr>
+              <a:t>::</a:t>
+            </a:r>
+            <a:r>
+              <a:rPr lang="ru-RU" altLang="ru-RU" dirty="0" err="1">
+                <a:solidFill>
+                  <a:srgbClr val="FFCC00"/>
+                </a:solidFill>
+                <a:latin typeface="Verdana" panose="020B0604030504040204" pitchFamily="34" charset="0"/>
+              </a:rPr>
+              <a:t>Assert</a:t>
+            </a:r>
+            <a:r>
+              <a:rPr lang="ru-RU" altLang="ru-RU" dirty="0">
+                <a:solidFill>
+                  <a:srgbClr val="FFFFFF"/>
+                </a:solidFill>
+                <a:latin typeface="Verdana" panose="020B0604030504040204" pitchFamily="34" charset="0"/>
+              </a:rPr>
+              <a:t>(</a:t>
+            </a:r>
+            <a:r>
+              <a:rPr lang="ru-RU" altLang="ru-RU" dirty="0" err="1">
+                <a:solidFill>
+                  <a:srgbClr val="5BCD9D"/>
+                </a:solidFill>
+                <a:latin typeface="Verdana" panose="020B0604030504040204" pitchFamily="34" charset="0"/>
+              </a:rPr>
+              <a:t>values</a:t>
+            </a:r>
+            <a:r>
+              <a:rPr lang="ru-RU" altLang="ru-RU" dirty="0">
+                <a:solidFill>
+                  <a:srgbClr val="FFFFFF"/>
+                </a:solidFill>
+                <a:latin typeface="Verdana" panose="020B0604030504040204" pitchFamily="34" charset="0"/>
+              </a:rPr>
+              <a:t>[2] == 123);</a:t>
+            </a:r>
+            <a:br>
+              <a:rPr lang="ru-RU" altLang="ru-RU" dirty="0">
+                <a:solidFill>
+                  <a:srgbClr val="FFFFFF"/>
+                </a:solidFill>
+                <a:latin typeface="Verdana" panose="020B0604030504040204" pitchFamily="34" charset="0"/>
+              </a:rPr>
+            </a:br>
+            <a:r>
+              <a:rPr lang="ru-RU" altLang="ru-RU" dirty="0" smtClean="0">
+                <a:solidFill>
+                  <a:srgbClr val="FFFFFF"/>
+                </a:solidFill>
+                <a:latin typeface="Verdana" panose="020B0604030504040204" pitchFamily="34" charset="0"/>
+              </a:rPr>
+              <a:t>}</a:t>
+            </a:r>
+            <a:endParaRPr lang="ru-RU" altLang="ru-RU" sz="6600" dirty="0">
+              <a:solidFill>
+                <a:schemeClr val="tx1"/>
+              </a:solidFill>
+              <a:latin typeface="Arial" panose="020B0604020202020204" pitchFamily="34" charset="0"/>
+            </a:endParaRPr>
+          </a:p>
+        </p:txBody>
+      </p:sp>
+    </p:spTree>
+    <p:extLst>
+      <p:ext uri="{BB962C8B-B14F-4D97-AF65-F5344CB8AC3E}">
+        <p14:creationId xmlns:p14="http://schemas.microsoft.com/office/powerpoint/2010/main" val="3424855108"/>
+      </p:ext>
+    </p:extLst>
+  </p:cSld>
+  <p:clrMapOvr>
+    <a:masterClrMapping/>
+  </p:clrMapOvr>
+  <p:transition spd="med">
+    <p:push dir="u"/>
+  </p:transition>
+  <p:timing>
+    <p:tnLst>
+      <p:par>
+        <p:cTn id="1" dur="indefinite" restart="never" nodeType="tmRoot"/>
+      </p:par>
+    </p:tnLst>
+  </p:timing>
+</p:sld>
+</file>
+
+<file path=ppt/slides/slide34.xml><?xml version="1.0" encoding="utf-8"?>
+<p:sld xmlns:a="http://schemas.openxmlformats.org/drawingml/2006/main" xmlns:r="http://schemas.openxmlformats.org/officeDocument/2006/relationships" xmlns:p="http://schemas.openxmlformats.org/presentationml/2006/main">
+  <p:cSld>
+    <p:spTree>
+      <p:nvGrpSpPr>
+        <p:cNvPr id="1" name=""/>
+        <p:cNvGrpSpPr/>
+        <p:nvPr/>
+      </p:nvGrpSpPr>
+      <p:grpSpPr>
+        <a:xfrm>
+          <a:off x="0" y="0"/>
+          <a:ext cx="0" cy="0"/>
+          <a:chOff x="0" y="0"/>
+          <a:chExt cx="0" cy="0"/>
+        </a:xfrm>
+      </p:grpSpPr>
+      <p:sp>
+        <p:nvSpPr>
+          <p:cNvPr id="2" name="Заголовок 1"/>
+          <p:cNvSpPr>
+            <a:spLocks noGrp="1"/>
+          </p:cNvSpPr>
+          <p:nvPr>
+            <p:ph type="title"/>
+          </p:nvPr>
+        </p:nvSpPr>
+        <p:spPr/>
+        <p:txBody>
+          <a:bodyPr/>
+          <a:lstStyle/>
+          <a:p>
+            <a:r>
+              <a:rPr lang="ru-RU" dirty="0" smtClean="0"/>
+              <a:t>Краткий итог</a:t>
+            </a:r>
+            <a:endParaRPr lang="ru-RU" dirty="0"/>
+          </a:p>
+        </p:txBody>
+      </p:sp>
+      <p:sp>
+        <p:nvSpPr>
+          <p:cNvPr id="3" name="Объект 2"/>
+          <p:cNvSpPr>
+            <a:spLocks noGrp="1"/>
+          </p:cNvSpPr>
+          <p:nvPr>
+            <p:ph idx="1"/>
+          </p:nvPr>
+        </p:nvSpPr>
+        <p:spPr/>
+        <p:txBody>
+          <a:bodyPr/>
+          <a:lstStyle/>
+          <a:p>
+            <a:pPr lvl="1"/>
+            <a:r>
+              <a:rPr lang="ru-RU" dirty="0" smtClean="0"/>
+              <a:t>Ограничиваем использование стандартных контейнеров,</a:t>
+            </a:r>
+          </a:p>
+          <a:p>
+            <a:pPr lvl="1"/>
+            <a:r>
+              <a:rPr lang="ru-RU" dirty="0" smtClean="0"/>
+              <a:t>анализируя видимые </a:t>
+            </a:r>
+            <a:r>
+              <a:rPr lang="en-US" dirty="0" smtClean="0"/>
+              <a:t>include-guard’</a:t>
+            </a:r>
+            <a:r>
+              <a:rPr lang="ru-RU" dirty="0" smtClean="0"/>
+              <a:t>ы</a:t>
+            </a:r>
+            <a:endParaRPr lang="en-US" dirty="0" smtClean="0"/>
+          </a:p>
+          <a:p>
+            <a:pPr lvl="1"/>
+            <a:endParaRPr lang="en-US" dirty="0"/>
+          </a:p>
+          <a:p>
+            <a:pPr lvl="1"/>
+            <a:r>
+              <a:rPr lang="ru-RU" dirty="0" smtClean="0"/>
+              <a:t>Переход от общей задачи к её частному случаю позволил </a:t>
+            </a:r>
+          </a:p>
+          <a:p>
+            <a:pPr lvl="1"/>
+            <a:r>
+              <a:rPr lang="ru-RU" dirty="0" smtClean="0"/>
+              <a:t>создать простое решение</a:t>
+            </a:r>
+          </a:p>
+          <a:p>
+            <a:pPr lvl="1"/>
+            <a:endParaRPr lang="ru-RU" dirty="0"/>
+          </a:p>
+          <a:p>
+            <a:pPr lvl="1"/>
+            <a:r>
+              <a:rPr lang="ru-RU" dirty="0" smtClean="0"/>
+              <a:t>Оно сэкономило нам массу времени и </a:t>
+            </a:r>
+            <a:r>
+              <a:rPr lang="ru-RU" smtClean="0"/>
+              <a:t>надёжно работает</a:t>
+            </a:r>
+            <a:endParaRPr lang="ru-RU" dirty="0"/>
+          </a:p>
+        </p:txBody>
+      </p:sp>
+      <p:sp>
+        <p:nvSpPr>
+          <p:cNvPr id="4" name="Нижний колонтитул 3"/>
+          <p:cNvSpPr>
+            <a:spLocks noGrp="1"/>
+          </p:cNvSpPr>
+          <p:nvPr>
+            <p:ph type="ftr" sz="quarter" idx="11"/>
+          </p:nvPr>
+        </p:nvSpPr>
+        <p:spPr/>
+        <p:txBody>
+          <a:bodyPr/>
+          <a:lstStyle/>
+          <a:p>
+            <a:endParaRPr lang="ru-RU"/>
+          </a:p>
+        </p:txBody>
+      </p:sp>
+      <p:sp>
+        <p:nvSpPr>
+          <p:cNvPr id="5" name="Номер слайда 4"/>
+          <p:cNvSpPr>
+            <a:spLocks noGrp="1"/>
+          </p:cNvSpPr>
+          <p:nvPr>
+            <p:ph type="sldNum" sz="quarter" idx="12"/>
+          </p:nvPr>
+        </p:nvSpPr>
+        <p:spPr/>
+        <p:txBody>
+          <a:bodyPr/>
+          <a:lstStyle/>
+          <a:p>
+            <a:fld id="{741C03D3-FA44-40EC-9A21-1FC4FEA3E22E}" type="slidenum">
+              <a:rPr lang="ru-RU" smtClean="0"/>
+              <a:t>34</a:t>
+            </a:fld>
+            <a:endParaRPr lang="ru-RU"/>
+          </a:p>
+        </p:txBody>
+      </p:sp>
+    </p:spTree>
+    <p:extLst>
+      <p:ext uri="{BB962C8B-B14F-4D97-AF65-F5344CB8AC3E}">
+        <p14:creationId xmlns:p14="http://schemas.microsoft.com/office/powerpoint/2010/main" val="2480799906"/>
+      </p:ext>
+    </p:extLst>
+  </p:cSld>
+  <p:clrMapOvr>
+    <a:masterClrMapping/>
+  </p:clrMapOvr>
+  <p:timing>
+    <p:tnLst>
+      <p:par>
+        <p:cTn id="1" dur="indefinite" restart="never" nodeType="tmRoot"/>
+      </p:par>
+    </p:tnLst>
+  </p:timing>
+</p:sld>
+</file>
+
+<file path=ppt/slides/slide35.xml><?xml version="1.0" encoding="utf-8"?>
+<p:sld xmlns:a="http://schemas.openxmlformats.org/drawingml/2006/main" xmlns:r="http://schemas.openxmlformats.org/officeDocument/2006/relationships" xmlns:p="http://schemas.openxmlformats.org/presentationml/2006/main">
+  <p:cSld>
+    <p:spTree>
+      <p:nvGrpSpPr>
+        <p:cNvPr id="1" name=""/>
+        <p:cNvGrpSpPr/>
+        <p:nvPr/>
+      </p:nvGrpSpPr>
+      <p:grpSpPr>
+        <a:xfrm>
+          <a:off x="0" y="0"/>
+          <a:ext cx="0" cy="0"/>
+          <a:chOff x="0" y="0"/>
+          <a:chExt cx="0" cy="0"/>
+        </a:xfrm>
+      </p:grpSpPr>
+      <p:sp>
+        <p:nvSpPr>
+          <p:cNvPr id="2" name="Заголовок 1"/>
+          <p:cNvSpPr>
+            <a:spLocks noGrp="1"/>
+          </p:cNvSpPr>
+          <p:nvPr>
+            <p:ph type="title"/>
+          </p:nvPr>
+        </p:nvSpPr>
+        <p:spPr/>
+        <p:txBody>
+          <a:bodyPr/>
+          <a:lstStyle/>
+          <a:p>
+            <a:r>
+              <a:rPr lang="ru-RU" dirty="0" smtClean="0"/>
+              <a:t>Результаты</a:t>
+            </a:r>
+            <a:endParaRPr lang="ru-RU" dirty="0"/>
+          </a:p>
+        </p:txBody>
+      </p:sp>
+      <p:graphicFrame>
+        <p:nvGraphicFramePr>
+          <p:cNvPr id="6" name="Объект 5"/>
+          <p:cNvGraphicFramePr>
+            <a:graphicFrameLocks noGrp="1"/>
+          </p:cNvGraphicFramePr>
+          <p:nvPr>
+            <p:ph idx="1"/>
+            <p:extLst>
+              <p:ext uri="{D42A27DB-BD31-4B8C-83A1-F6EECF244321}">
+                <p14:modId xmlns:p14="http://schemas.microsoft.com/office/powerpoint/2010/main" val="391563321"/>
+              </p:ext>
+            </p:extLst>
+          </p:nvPr>
+        </p:nvGraphicFramePr>
+        <p:xfrm>
+          <a:off x="1135062" y="4495800"/>
+          <a:ext cx="22112288" cy="5905500"/>
+        </p:xfrm>
+        <a:graphic>
+          <a:graphicData uri="http://schemas.openxmlformats.org/drawingml/2006/table">
+            <a:tbl>
+              <a:tblPr firstRow="1" bandRow="1">
+                <a:tableStyleId>{5940675A-B579-460E-94D1-54222C63F5DA}</a:tableStyleId>
+              </a:tblPr>
+              <a:tblGrid>
+                <a:gridCol w="5528072">
+                  <a:extLst>
+                    <a:ext uri="{9D8B030D-6E8A-4147-A177-3AD203B41FA5}">
+                      <a16:colId xmlns:a16="http://schemas.microsoft.com/office/drawing/2014/main" val="20000"/>
+                    </a:ext>
+                  </a:extLst>
+                </a:gridCol>
+                <a:gridCol w="5528072">
+                  <a:extLst>
+                    <a:ext uri="{9D8B030D-6E8A-4147-A177-3AD203B41FA5}">
+                      <a16:colId xmlns:a16="http://schemas.microsoft.com/office/drawing/2014/main" val="20001"/>
+                    </a:ext>
+                  </a:extLst>
+                </a:gridCol>
+                <a:gridCol w="5528072">
+                  <a:extLst>
+                    <a:ext uri="{9D8B030D-6E8A-4147-A177-3AD203B41FA5}">
+                      <a16:colId xmlns:a16="http://schemas.microsoft.com/office/drawing/2014/main" val="20002"/>
+                    </a:ext>
+                  </a:extLst>
+                </a:gridCol>
+                <a:gridCol w="5528072">
+                  <a:extLst>
+                    <a:ext uri="{9D8B030D-6E8A-4147-A177-3AD203B41FA5}">
+                      <a16:colId xmlns:a16="http://schemas.microsoft.com/office/drawing/2014/main" val="20003"/>
+                    </a:ext>
+                  </a:extLst>
+                </a:gridCol>
+              </a:tblGrid>
+              <a:tr h="1181100">
+                <a:tc>
+                  <a:txBody>
+                    <a:bodyPr/>
+                    <a:lstStyle/>
+                    <a:p>
+                      <a:r>
+                        <a:rPr lang="ru-RU" sz="4400" dirty="0" smtClean="0"/>
+                        <a:t>Курс</a:t>
+                      </a:r>
+                      <a:endParaRPr lang="ru-RU" sz="4400" dirty="0"/>
+                    </a:p>
+                  </a:txBody>
+                  <a:tcPr anchor="ctr"/>
+                </a:tc>
+                <a:tc>
+                  <a:txBody>
+                    <a:bodyPr/>
+                    <a:lstStyle/>
+                    <a:p>
+                      <a:pPr algn="ctr"/>
+                      <a:r>
+                        <a:rPr lang="ru-RU" sz="4400" dirty="0" smtClean="0"/>
+                        <a:t>Белый пояс</a:t>
+                      </a:r>
+                      <a:endParaRPr lang="ru-RU" sz="4400" dirty="0"/>
+                    </a:p>
+                  </a:txBody>
+                  <a:tcPr anchor="ctr"/>
+                </a:tc>
+                <a:tc>
+                  <a:txBody>
+                    <a:bodyPr/>
+                    <a:lstStyle/>
+                    <a:p>
+                      <a:pPr algn="ctr"/>
+                      <a:r>
+                        <a:rPr lang="ru-RU" sz="4400" dirty="0" smtClean="0"/>
+                        <a:t>Жёлтый пояс</a:t>
+                      </a:r>
+                      <a:endParaRPr lang="ru-RU" sz="4400" dirty="0"/>
+                    </a:p>
+                  </a:txBody>
+                  <a:tcPr anchor="ctr">
+                    <a:solidFill>
+                      <a:schemeClr val="tx2"/>
+                    </a:solidFill>
+                  </a:tcPr>
+                </a:tc>
+                <a:tc>
+                  <a:txBody>
+                    <a:bodyPr/>
+                    <a:lstStyle/>
+                    <a:p>
+                      <a:pPr algn="ctr"/>
+                      <a:r>
+                        <a:rPr lang="ru-RU" sz="4400" b="1" dirty="0" smtClean="0">
+                          <a:solidFill>
+                            <a:schemeClr val="bg1"/>
+                          </a:solidFill>
+                        </a:rPr>
+                        <a:t>Красный пояс</a:t>
+                      </a:r>
+                      <a:endParaRPr lang="ru-RU" sz="4400" b="1" dirty="0">
+                        <a:solidFill>
+                          <a:schemeClr val="bg1"/>
+                        </a:solidFill>
+                      </a:endParaRPr>
+                    </a:p>
+                  </a:txBody>
+                  <a:tcPr anchor="ctr">
+                    <a:solidFill>
+                      <a:schemeClr val="bg2"/>
+                    </a:solidFill>
+                  </a:tcPr>
+                </a:tc>
+                <a:extLst>
+                  <a:ext uri="{0D108BD9-81ED-4DB2-BD59-A6C34878D82A}">
+                    <a16:rowId xmlns:a16="http://schemas.microsoft.com/office/drawing/2014/main" val="10000"/>
+                  </a:ext>
+                </a:extLst>
+              </a:tr>
+              <a:tr h="1181100">
+                <a:tc>
+                  <a:txBody>
+                    <a:bodyPr/>
+                    <a:lstStyle/>
+                    <a:p>
+                      <a:r>
+                        <a:rPr lang="ru-RU" sz="4400" dirty="0" smtClean="0"/>
+                        <a:t>Дата запуска</a:t>
+                      </a:r>
+                      <a:endParaRPr lang="ru-RU" sz="4400" dirty="0"/>
+                    </a:p>
+                  </a:txBody>
+                  <a:tcPr anchor="ctr"/>
+                </a:tc>
+                <a:tc>
+                  <a:txBody>
+                    <a:bodyPr/>
+                    <a:lstStyle/>
+                    <a:p>
+                      <a:pPr algn="ctr"/>
+                      <a:r>
+                        <a:rPr lang="ru-RU" sz="4400" dirty="0" smtClean="0"/>
+                        <a:t>Июнь 2017</a:t>
+                      </a:r>
+                      <a:endParaRPr lang="ru-RU" sz="4400" dirty="0"/>
+                    </a:p>
+                  </a:txBody>
+                  <a:tcPr anchor="ctr"/>
+                </a:tc>
+                <a:tc>
+                  <a:txBody>
+                    <a:bodyPr/>
+                    <a:lstStyle/>
+                    <a:p>
+                      <a:pPr algn="ctr"/>
+                      <a:r>
+                        <a:rPr lang="ru-RU" sz="4400" dirty="0" smtClean="0"/>
+                        <a:t>Декабрь 2017</a:t>
+                      </a:r>
+                      <a:endParaRPr lang="ru-RU" sz="4400" dirty="0"/>
+                    </a:p>
+                  </a:txBody>
+                  <a:tcPr anchor="ctr"/>
+                </a:tc>
+                <a:tc>
+                  <a:txBody>
+                    <a:bodyPr/>
+                    <a:lstStyle/>
+                    <a:p>
+                      <a:pPr algn="ctr"/>
+                      <a:r>
+                        <a:rPr lang="ru-RU" sz="4400" dirty="0" smtClean="0"/>
+                        <a:t>Июль 2018</a:t>
+                      </a:r>
+                      <a:endParaRPr lang="ru-RU" sz="4400" dirty="0"/>
+                    </a:p>
+                  </a:txBody>
+                  <a:tcPr anchor="ctr"/>
+                </a:tc>
+                <a:extLst>
+                  <a:ext uri="{0D108BD9-81ED-4DB2-BD59-A6C34878D82A}">
+                    <a16:rowId xmlns:a16="http://schemas.microsoft.com/office/drawing/2014/main" val="10004"/>
+                  </a:ext>
+                </a:extLst>
+              </a:tr>
+              <a:tr h="1181100">
+                <a:tc>
+                  <a:txBody>
+                    <a:bodyPr/>
+                    <a:lstStyle/>
+                    <a:p>
+                      <a:r>
+                        <a:rPr lang="ru-RU" sz="4400" dirty="0" smtClean="0"/>
+                        <a:t>Активные</a:t>
+                      </a:r>
+                      <a:r>
+                        <a:rPr lang="ru-RU" sz="4400" baseline="0" dirty="0" smtClean="0"/>
+                        <a:t> участники</a:t>
+                      </a:r>
+                      <a:endParaRPr lang="ru-RU" sz="4400" dirty="0"/>
+                    </a:p>
+                  </a:txBody>
+                  <a:tcPr anchor="ctr"/>
+                </a:tc>
+                <a:tc>
+                  <a:txBody>
+                    <a:bodyPr/>
+                    <a:lstStyle/>
+                    <a:p>
+                      <a:pPr algn="ctr"/>
+                      <a:r>
+                        <a:rPr lang="en-US" sz="4400" dirty="0" smtClean="0"/>
+                        <a:t>16 943</a:t>
+                      </a:r>
+                      <a:endParaRPr lang="ru-RU" sz="4400" dirty="0"/>
+                    </a:p>
+                  </a:txBody>
+                  <a:tcPr anchor="ctr"/>
+                </a:tc>
+                <a:tc>
+                  <a:txBody>
+                    <a:bodyPr/>
+                    <a:lstStyle/>
+                    <a:p>
+                      <a:pPr algn="ctr"/>
+                      <a:r>
+                        <a:rPr lang="en-US" sz="4400" dirty="0" smtClean="0"/>
+                        <a:t>2440</a:t>
+                      </a:r>
+                      <a:endParaRPr lang="ru-RU" sz="4400" dirty="0"/>
+                    </a:p>
+                  </a:txBody>
+                  <a:tcPr anchor="ctr"/>
+                </a:tc>
+                <a:tc>
+                  <a:txBody>
+                    <a:bodyPr/>
+                    <a:lstStyle/>
+                    <a:p>
+                      <a:pPr algn="ctr"/>
+                      <a:r>
+                        <a:rPr lang="en-US" sz="4400" dirty="0" smtClean="0"/>
+                        <a:t>464</a:t>
+                      </a:r>
+                      <a:endParaRPr lang="ru-RU" sz="4400" dirty="0"/>
+                    </a:p>
+                  </a:txBody>
+                  <a:tcPr anchor="ctr"/>
+                </a:tc>
+                <a:extLst>
+                  <a:ext uri="{0D108BD9-81ED-4DB2-BD59-A6C34878D82A}">
+                    <a16:rowId xmlns:a16="http://schemas.microsoft.com/office/drawing/2014/main" val="10001"/>
+                  </a:ext>
+                </a:extLst>
+              </a:tr>
+              <a:tr h="1181100">
+                <a:tc>
+                  <a:txBody>
+                    <a:bodyPr/>
+                    <a:lstStyle/>
+                    <a:p>
+                      <a:r>
+                        <a:rPr lang="ru-RU" sz="4400" dirty="0" smtClean="0"/>
+                        <a:t>Выпускники</a:t>
+                      </a:r>
+                      <a:endParaRPr lang="ru-RU" sz="4400" dirty="0"/>
+                    </a:p>
+                  </a:txBody>
+                  <a:tcPr anchor="ctr"/>
+                </a:tc>
+                <a:tc>
+                  <a:txBody>
+                    <a:bodyPr/>
+                    <a:lstStyle/>
+                    <a:p>
+                      <a:pPr algn="ctr"/>
+                      <a:r>
+                        <a:rPr lang="en-US" sz="4400" dirty="0" smtClean="0"/>
+                        <a:t>969</a:t>
+                      </a:r>
+                      <a:endParaRPr lang="ru-RU" sz="4400" dirty="0"/>
+                    </a:p>
+                  </a:txBody>
+                  <a:tcPr anchor="ctr"/>
+                </a:tc>
+                <a:tc>
+                  <a:txBody>
+                    <a:bodyPr/>
+                    <a:lstStyle/>
+                    <a:p>
+                      <a:pPr algn="ctr"/>
+                      <a:r>
+                        <a:rPr lang="en-US" sz="4400" dirty="0" smtClean="0"/>
+                        <a:t>223</a:t>
+                      </a:r>
+                      <a:endParaRPr lang="ru-RU" sz="4400" dirty="0"/>
+                    </a:p>
+                  </a:txBody>
+                  <a:tcPr anchor="ctr"/>
+                </a:tc>
+                <a:tc>
+                  <a:txBody>
+                    <a:bodyPr/>
+                    <a:lstStyle/>
+                    <a:p>
+                      <a:pPr algn="ctr"/>
+                      <a:r>
+                        <a:rPr lang="en-US" sz="4400" dirty="0" smtClean="0"/>
+                        <a:t>17</a:t>
+                      </a:r>
+                      <a:endParaRPr lang="ru-RU" sz="4400" dirty="0"/>
+                    </a:p>
+                  </a:txBody>
+                  <a:tcPr anchor="ctr"/>
+                </a:tc>
+                <a:extLst>
+                  <a:ext uri="{0D108BD9-81ED-4DB2-BD59-A6C34878D82A}">
+                    <a16:rowId xmlns:a16="http://schemas.microsoft.com/office/drawing/2014/main" val="10002"/>
+                  </a:ext>
+                </a:extLst>
+              </a:tr>
+              <a:tr h="1181100">
+                <a:tc>
+                  <a:txBody>
+                    <a:bodyPr/>
+                    <a:lstStyle/>
+                    <a:p>
+                      <a:r>
+                        <a:rPr lang="ru-RU" sz="4400" dirty="0" smtClean="0"/>
+                        <a:t>Оценка</a:t>
+                      </a:r>
+                      <a:endParaRPr lang="ru-RU" sz="4400" dirty="0"/>
+                    </a:p>
+                  </a:txBody>
+                  <a:tcPr anchor="ctr"/>
+                </a:tc>
+                <a:tc>
+                  <a:txBody>
+                    <a:bodyPr/>
+                    <a:lstStyle/>
+                    <a:p>
+                      <a:pPr algn="ctr"/>
+                      <a:r>
+                        <a:rPr lang="en-US" sz="4400" dirty="0" smtClean="0"/>
+                        <a:t>4,8/5</a:t>
+                      </a:r>
+                      <a:endParaRPr lang="ru-RU" sz="4400" dirty="0"/>
+                    </a:p>
+                  </a:txBody>
+                  <a:tcPr anchor="ctr"/>
+                </a:tc>
+                <a:tc>
+                  <a:txBody>
+                    <a:bodyPr/>
+                    <a:lstStyle/>
+                    <a:p>
+                      <a:pPr algn="ctr"/>
+                      <a:r>
+                        <a:rPr lang="en-US" sz="4400" dirty="0" smtClean="0"/>
+                        <a:t>4,9/5</a:t>
+                      </a:r>
+                      <a:endParaRPr lang="ru-RU" sz="4400" dirty="0"/>
+                    </a:p>
+                  </a:txBody>
+                  <a:tcPr anchor="ctr"/>
+                </a:tc>
+                <a:tc>
+                  <a:txBody>
+                    <a:bodyPr/>
+                    <a:lstStyle/>
+                    <a:p>
+                      <a:pPr algn="ctr"/>
+                      <a:r>
+                        <a:rPr lang="en-US" sz="4400" dirty="0" smtClean="0"/>
+                        <a:t>5/5</a:t>
+                      </a:r>
+                      <a:endParaRPr lang="ru-RU" sz="4400" dirty="0"/>
+                    </a:p>
+                  </a:txBody>
+                  <a:tcPr anchor="ctr"/>
+                </a:tc>
+                <a:extLst>
+                  <a:ext uri="{0D108BD9-81ED-4DB2-BD59-A6C34878D82A}">
+                    <a16:rowId xmlns:a16="http://schemas.microsoft.com/office/drawing/2014/main" val="10003"/>
+                  </a:ext>
+                </a:extLst>
+              </a:tr>
+            </a:tbl>
+          </a:graphicData>
+        </a:graphic>
+      </p:graphicFrame>
+      <p:sp>
+        <p:nvSpPr>
+          <p:cNvPr id="4" name="Нижний колонтитул 3"/>
+          <p:cNvSpPr>
+            <a:spLocks noGrp="1"/>
+          </p:cNvSpPr>
+          <p:nvPr>
+            <p:ph type="ftr" sz="quarter" idx="11"/>
+          </p:nvPr>
+        </p:nvSpPr>
+        <p:spPr/>
+        <p:txBody>
+          <a:bodyPr/>
+          <a:lstStyle/>
+          <a:p>
+            <a:endParaRPr lang="ru-RU"/>
+          </a:p>
+        </p:txBody>
+      </p:sp>
+      <p:sp>
+        <p:nvSpPr>
+          <p:cNvPr id="5" name="Номер слайда 4"/>
+          <p:cNvSpPr>
+            <a:spLocks noGrp="1"/>
+          </p:cNvSpPr>
+          <p:nvPr>
+            <p:ph type="sldNum" sz="quarter" idx="12"/>
+          </p:nvPr>
+        </p:nvSpPr>
+        <p:spPr/>
+        <p:txBody>
+          <a:bodyPr/>
+          <a:lstStyle/>
+          <a:p>
+            <a:fld id="{741C03D3-FA44-40EC-9A21-1FC4FEA3E22E}" type="slidenum">
+              <a:rPr lang="ru-RU" smtClean="0"/>
+              <a:t>35</a:t>
+            </a:fld>
+            <a:endParaRPr lang="ru-RU"/>
+          </a:p>
+        </p:txBody>
+      </p:sp>
+    </p:spTree>
+    <p:extLst>
+      <p:ext uri="{BB962C8B-B14F-4D97-AF65-F5344CB8AC3E}">
+        <p14:creationId xmlns:p14="http://schemas.microsoft.com/office/powerpoint/2010/main" val="3481799678"/>
+      </p:ext>
+    </p:extLst>
+  </p:cSld>
+  <p:clrMapOvr>
+    <a:masterClrMapping/>
+  </p:clrMapOvr>
+  <p:timing>
+    <p:tnLst>
+      <p:par>
+        <p:cTn id="1" dur="indefinite" restart="never" nodeType="tmRoot"/>
+      </p:par>
+    </p:tnLst>
+  </p:timing>
+</p:sld>
+</file>
+
+<file path=ppt/slides/slide36.xml><?xml version="1.0" encoding="utf-8"?>
+<p:sld xmlns:a="http://schemas.openxmlformats.org/drawingml/2006/main" xmlns:r="http://schemas.openxmlformats.org/officeDocument/2006/relationships" xmlns:p="http://schemas.openxmlformats.org/presentationml/2006/main">
+  <p:cSld>
+    <p:spTree>
+      <p:nvGrpSpPr>
+        <p:cNvPr id="1" name=""/>
+        <p:cNvGrpSpPr/>
+        <p:nvPr/>
+      </p:nvGrpSpPr>
+      <p:grpSpPr>
+        <a:xfrm>
+          <a:off x="0" y="0"/>
+          <a:ext cx="0" cy="0"/>
+          <a:chOff x="0" y="0"/>
+          <a:chExt cx="0" cy="0"/>
+        </a:xfrm>
+      </p:grpSpPr>
+      <p:sp>
+        <p:nvSpPr>
+          <p:cNvPr id="2" name="Текст 1"/>
+          <p:cNvSpPr>
+            <a:spLocks noGrp="1"/>
+          </p:cNvSpPr>
+          <p:nvPr>
+            <p:ph type="body" idx="1"/>
+          </p:nvPr>
+        </p:nvSpPr>
+        <p:spPr/>
+        <p:txBody>
+          <a:bodyPr/>
+          <a:lstStyle/>
+          <a:p>
+            <a:r>
+              <a:rPr lang="ru-RU" dirty="0" smtClean="0"/>
+              <a:t>Отзыв на «Белый пояс по </a:t>
+            </a:r>
+            <a:r>
+              <a:rPr lang="en-US" dirty="0" smtClean="0"/>
+              <a:t>C++</a:t>
+            </a:r>
+            <a:r>
+              <a:rPr lang="ru-RU" dirty="0" smtClean="0"/>
+              <a:t>»</a:t>
+            </a:r>
+            <a:endParaRPr lang="ru-RU" dirty="0"/>
+          </a:p>
+        </p:txBody>
+      </p:sp>
+      <p:sp>
+        <p:nvSpPr>
+          <p:cNvPr id="3" name="Объект 2"/>
+          <p:cNvSpPr>
+            <a:spLocks noGrp="1"/>
+          </p:cNvSpPr>
+          <p:nvPr>
+            <p:ph sz="half" idx="10"/>
+          </p:nvPr>
+        </p:nvSpPr>
+        <p:spPr/>
+        <p:txBody>
+          <a:bodyPr/>
+          <a:lstStyle/>
+          <a:p>
+            <a:r>
+              <a:rPr lang="ru-RU" dirty="0" smtClean="0"/>
+              <a:t>Этот </a:t>
+            </a:r>
+            <a:r>
+              <a:rPr lang="ru-RU" dirty="0"/>
+              <a:t>курс показал </a:t>
+            </a:r>
+            <a:r>
+              <a:rPr lang="ru-RU" dirty="0" smtClean="0"/>
+              <a:t>мне</a:t>
+            </a:r>
+            <a:endParaRPr lang="en-US" dirty="0" smtClean="0"/>
+          </a:p>
+          <a:p>
+            <a:r>
+              <a:rPr lang="ru-RU" dirty="0" smtClean="0"/>
+              <a:t>нормальный </a:t>
+            </a:r>
+            <a:r>
+              <a:rPr lang="ru-RU" dirty="0"/>
+              <a:t>C++, а </a:t>
+            </a:r>
+            <a:r>
+              <a:rPr lang="ru-RU" dirty="0" smtClean="0"/>
+              <a:t>не</a:t>
+            </a:r>
+            <a:endParaRPr lang="en-US" dirty="0" smtClean="0"/>
+          </a:p>
+          <a:p>
+            <a:r>
+              <a:rPr lang="ru-RU" dirty="0" smtClean="0"/>
+              <a:t>тот</a:t>
+            </a:r>
+            <a:r>
+              <a:rPr lang="ru-RU" dirty="0"/>
+              <a:t>, которому </a:t>
+            </a:r>
+            <a:r>
+              <a:rPr lang="ru-RU" dirty="0" smtClean="0"/>
+              <a:t>меня</a:t>
+            </a:r>
+            <a:endParaRPr lang="en-US" dirty="0" smtClean="0"/>
+          </a:p>
+          <a:p>
+            <a:r>
+              <a:rPr lang="ru-RU" dirty="0" smtClean="0"/>
+              <a:t>учили </a:t>
+            </a:r>
+            <a:r>
+              <a:rPr lang="ru-RU" dirty="0"/>
+              <a:t>в университете.</a:t>
+            </a:r>
+          </a:p>
+        </p:txBody>
+      </p:sp>
+    </p:spTree>
+    <p:extLst>
+      <p:ext uri="{BB962C8B-B14F-4D97-AF65-F5344CB8AC3E}">
+        <p14:creationId xmlns:p14="http://schemas.microsoft.com/office/powerpoint/2010/main" val="3690274279"/>
+      </p:ext>
+    </p:extLst>
+  </p:cSld>
+  <p:clrMapOvr>
+    <a:masterClrMapping/>
+  </p:clrMapOvr>
+  <p:timing>
+    <p:tnLst>
+      <p:par>
+        <p:cTn id="1" dur="indefinite" restart="never" nodeType="tmRoot"/>
+      </p:par>
+    </p:tnLst>
+  </p:timing>
+</p:sld>
+</file>
+
+<file path=ppt/slides/slide37.xml><?xml version="1.0" encoding="utf-8"?>
+<p:sld xmlns:a="http://schemas.openxmlformats.org/drawingml/2006/main" xmlns:r="http://schemas.openxmlformats.org/officeDocument/2006/relationships" xmlns:p="http://schemas.openxmlformats.org/presentationml/2006/main">
+  <p:cSld>
+    <p:spTree>
+      <p:nvGrpSpPr>
+        <p:cNvPr id="1" name=""/>
+        <p:cNvGrpSpPr/>
+        <p:nvPr/>
+      </p:nvGrpSpPr>
+      <p:grpSpPr>
+        <a:xfrm>
+          <a:off x="0" y="0"/>
+          <a:ext cx="0" cy="0"/>
+          <a:chOff x="0" y="0"/>
+          <a:chExt cx="0" cy="0"/>
+        </a:xfrm>
+      </p:grpSpPr>
+      <p:sp>
+        <p:nvSpPr>
+          <p:cNvPr id="2" name="Текст 1"/>
+          <p:cNvSpPr>
+            <a:spLocks noGrp="1"/>
+          </p:cNvSpPr>
+          <p:nvPr>
+            <p:ph type="body" idx="1"/>
+          </p:nvPr>
+        </p:nvSpPr>
+        <p:spPr/>
+        <p:txBody>
+          <a:bodyPr/>
+          <a:lstStyle/>
+          <a:p>
+            <a:r>
+              <a:rPr lang="ru-RU" dirty="0" smtClean="0"/>
+              <a:t>Отзыв на «Жёлтый пояс по </a:t>
+            </a:r>
+            <a:r>
+              <a:rPr lang="en-US" dirty="0" smtClean="0"/>
+              <a:t>C++</a:t>
+            </a:r>
+            <a:r>
+              <a:rPr lang="ru-RU" dirty="0" smtClean="0"/>
+              <a:t>»</a:t>
+            </a:r>
+            <a:endParaRPr lang="ru-RU" dirty="0"/>
+          </a:p>
+        </p:txBody>
+      </p:sp>
+      <p:sp>
+        <p:nvSpPr>
+          <p:cNvPr id="3" name="Объект 2"/>
+          <p:cNvSpPr>
+            <a:spLocks noGrp="1"/>
+          </p:cNvSpPr>
+          <p:nvPr>
+            <p:ph sz="half" idx="10"/>
+          </p:nvPr>
+        </p:nvSpPr>
+        <p:spPr>
+          <a:xfrm>
+            <a:off x="3048001" y="3048001"/>
+            <a:ext cx="19827874" cy="7250114"/>
+          </a:xfrm>
+        </p:spPr>
+        <p:txBody>
+          <a:bodyPr/>
+          <a:lstStyle/>
+          <a:p>
+            <a:r>
+              <a:rPr lang="ru-RU" dirty="0"/>
+              <a:t>На работе </a:t>
+            </a:r>
+            <a:r>
+              <a:rPr lang="ru-RU" dirty="0" smtClean="0"/>
+              <a:t>пригодились</a:t>
+            </a:r>
+          </a:p>
+          <a:p>
+            <a:r>
+              <a:rPr lang="ru-RU" dirty="0" smtClean="0"/>
+              <a:t>знания </a:t>
+            </a:r>
+            <a:r>
+              <a:rPr lang="ru-RU" dirty="0"/>
+              <a:t>по </a:t>
+            </a:r>
+            <a:r>
+              <a:rPr lang="ru-RU" dirty="0" smtClean="0"/>
+              <a:t>декомпозиции,</a:t>
+            </a:r>
+          </a:p>
+          <a:p>
+            <a:r>
+              <a:rPr lang="ru-RU" dirty="0" smtClean="0"/>
+              <a:t>алгоритмам </a:t>
+            </a:r>
+            <a:r>
+              <a:rPr lang="ru-RU" dirty="0"/>
+              <a:t>и </a:t>
+            </a:r>
+            <a:r>
+              <a:rPr lang="ru-RU" dirty="0" smtClean="0"/>
+              <a:t>юнит-</a:t>
+            </a:r>
+          </a:p>
+          <a:p>
+            <a:r>
+              <a:rPr lang="ru-RU" dirty="0" smtClean="0"/>
+              <a:t>тестированию</a:t>
+            </a:r>
+            <a:endParaRPr lang="ru-RU" dirty="0"/>
+          </a:p>
+        </p:txBody>
+      </p:sp>
+    </p:spTree>
+    <p:extLst>
+      <p:ext uri="{BB962C8B-B14F-4D97-AF65-F5344CB8AC3E}">
+        <p14:creationId xmlns:p14="http://schemas.microsoft.com/office/powerpoint/2010/main" val="2774735083"/>
+      </p:ext>
+    </p:extLst>
+  </p:cSld>
+  <p:clrMapOvr>
+    <a:masterClrMapping/>
+  </p:clrMapOvr>
+  <p:timing>
+    <p:tnLst>
+      <p:par>
+        <p:cTn id="1" dur="indefinite" restart="never" nodeType="tmRoot"/>
+      </p:par>
+    </p:tnLst>
+  </p:timing>
+</p:sld>
+</file>
+
+<file path=ppt/slides/slide38.xml><?xml version="1.0" encoding="utf-8"?>
+<p:sld xmlns:a="http://schemas.openxmlformats.org/drawingml/2006/main" xmlns:r="http://schemas.openxmlformats.org/officeDocument/2006/relationships" xmlns:p="http://schemas.openxmlformats.org/presentationml/2006/main">
+  <p:cSld>
+    <p:spTree>
+      <p:nvGrpSpPr>
+        <p:cNvPr id="1" name=""/>
+        <p:cNvGrpSpPr/>
+        <p:nvPr/>
+      </p:nvGrpSpPr>
+      <p:grpSpPr>
+        <a:xfrm>
+          <a:off x="0" y="0"/>
+          <a:ext cx="0" cy="0"/>
+          <a:chOff x="0" y="0"/>
+          <a:chExt cx="0" cy="0"/>
+        </a:xfrm>
+      </p:grpSpPr>
+      <p:sp>
+        <p:nvSpPr>
+          <p:cNvPr id="2" name="Текст 1"/>
+          <p:cNvSpPr>
+            <a:spLocks noGrp="1"/>
+          </p:cNvSpPr>
+          <p:nvPr>
+            <p:ph type="body" idx="1"/>
+          </p:nvPr>
+        </p:nvSpPr>
+        <p:spPr/>
+        <p:txBody>
+          <a:bodyPr/>
+          <a:lstStyle/>
+          <a:p>
+            <a:r>
+              <a:rPr lang="ru-RU" dirty="0" smtClean="0"/>
+              <a:t>Отзыв на </a:t>
+            </a:r>
+            <a:r>
+              <a:rPr lang="ru-RU" smtClean="0"/>
+              <a:t>«Красный пояс </a:t>
+            </a:r>
+            <a:r>
+              <a:rPr lang="ru-RU" dirty="0" smtClean="0"/>
+              <a:t>по </a:t>
+            </a:r>
+            <a:r>
+              <a:rPr lang="en-US" dirty="0" smtClean="0"/>
+              <a:t>C++</a:t>
+            </a:r>
+            <a:r>
+              <a:rPr lang="ru-RU" dirty="0" smtClean="0"/>
+              <a:t>»</a:t>
+            </a:r>
+            <a:endParaRPr lang="ru-RU" dirty="0"/>
+          </a:p>
+        </p:txBody>
+      </p:sp>
+      <p:sp>
+        <p:nvSpPr>
+          <p:cNvPr id="3" name="Объект 2"/>
+          <p:cNvSpPr>
+            <a:spLocks noGrp="1"/>
+          </p:cNvSpPr>
+          <p:nvPr>
+            <p:ph sz="half" idx="10"/>
+          </p:nvPr>
+        </p:nvSpPr>
+        <p:spPr>
+          <a:xfrm>
+            <a:off x="3048001" y="3048001"/>
+            <a:ext cx="19827874" cy="7250114"/>
+          </a:xfrm>
+        </p:spPr>
+        <p:txBody>
+          <a:bodyPr/>
+          <a:lstStyle/>
+          <a:p>
+            <a:r>
+              <a:rPr lang="ru-RU" dirty="0"/>
+              <a:t>Один из лучших курсов</a:t>
+            </a:r>
+            <a:r>
+              <a:rPr lang="ru-RU" dirty="0" smtClean="0"/>
+              <a:t>,</a:t>
+            </a:r>
+          </a:p>
+          <a:p>
+            <a:r>
+              <a:rPr lang="ru-RU" dirty="0" smtClean="0"/>
+              <a:t>что </a:t>
+            </a:r>
+            <a:r>
+              <a:rPr lang="ru-RU" dirty="0"/>
+              <a:t>я проходил в </a:t>
+            </a:r>
+            <a:r>
+              <a:rPr lang="ru-RU" dirty="0" smtClean="0"/>
+              <a:t>жизни.</a:t>
+            </a:r>
+          </a:p>
+          <a:p>
+            <a:r>
+              <a:rPr lang="ru-RU" dirty="0" smtClean="0"/>
+              <a:t>Не только </a:t>
+            </a:r>
+            <a:r>
+              <a:rPr lang="ru-RU" dirty="0"/>
+              <a:t>по </a:t>
+            </a:r>
+            <a:r>
+              <a:rPr lang="ru-RU" dirty="0" smtClean="0"/>
+              <a:t>языку</a:t>
+            </a:r>
+          </a:p>
+          <a:p>
+            <a:r>
+              <a:rPr lang="ru-RU" dirty="0" smtClean="0"/>
+              <a:t>программирования</a:t>
+            </a:r>
+            <a:r>
+              <a:rPr lang="ru-RU" dirty="0"/>
+              <a:t>.</a:t>
+            </a:r>
+          </a:p>
+        </p:txBody>
+      </p:sp>
+    </p:spTree>
+    <p:extLst>
+      <p:ext uri="{BB962C8B-B14F-4D97-AF65-F5344CB8AC3E}">
+        <p14:creationId xmlns:p14="http://schemas.microsoft.com/office/powerpoint/2010/main" val="3707661308"/>
+      </p:ext>
+    </p:extLst>
+  </p:cSld>
+  <p:clrMapOvr>
+    <a:masterClrMapping/>
+  </p:clrMapOvr>
+  <p:timing>
+    <p:tnLst>
+      <p:par>
+        <p:cTn id="1" dur="indefinite" restart="never" nodeType="tmRoot"/>
+      </p:par>
+    </p:tnLst>
+  </p:timing>
+</p:sld>
+</file>
+
+<file path=ppt/slides/slide39.xml><?xml version="1.0" encoding="utf-8"?>
+<p:sld xmlns:a="http://schemas.openxmlformats.org/drawingml/2006/main" xmlns:r="http://schemas.openxmlformats.org/officeDocument/2006/relationships" xmlns:p="http://schemas.openxmlformats.org/presentationml/2006/main">
+  <p:cSld>
+    <p:spTree>
+      <p:nvGrpSpPr>
+        <p:cNvPr id="1" name=""/>
+        <p:cNvGrpSpPr/>
+        <p:nvPr/>
+      </p:nvGrpSpPr>
+      <p:grpSpPr>
+        <a:xfrm>
+          <a:off x="0" y="0"/>
+          <a:ext cx="0" cy="0"/>
+          <a:chOff x="0" y="0"/>
+          <a:chExt cx="0" cy="0"/>
+        </a:xfrm>
+      </p:grpSpPr>
+      <p:sp>
+        <p:nvSpPr>
+          <p:cNvPr id="2" name="Заголовок 1"/>
+          <p:cNvSpPr>
+            <a:spLocks noGrp="1"/>
+          </p:cNvSpPr>
+          <p:nvPr>
+            <p:ph type="title"/>
+          </p:nvPr>
+        </p:nvSpPr>
+        <p:spPr/>
+        <p:txBody>
+          <a:bodyPr/>
+          <a:lstStyle/>
+          <a:p>
+            <a:r>
+              <a:rPr lang="ru-RU" dirty="0" smtClean="0"/>
+              <a:t>Понятность</a:t>
+            </a:r>
+            <a:endParaRPr lang="ru-RU" dirty="0"/>
+          </a:p>
+        </p:txBody>
+      </p:sp>
+      <p:sp>
+        <p:nvSpPr>
+          <p:cNvPr id="4" name="Нижний колонтитул 3"/>
+          <p:cNvSpPr>
+            <a:spLocks noGrp="1"/>
+          </p:cNvSpPr>
+          <p:nvPr>
+            <p:ph type="ftr" sz="quarter" idx="11"/>
+          </p:nvPr>
+        </p:nvSpPr>
+        <p:spPr/>
+        <p:txBody>
+          <a:bodyPr/>
+          <a:lstStyle/>
+          <a:p>
+            <a:endParaRPr lang="ru-RU"/>
+          </a:p>
+        </p:txBody>
+      </p:sp>
+      <p:sp>
+        <p:nvSpPr>
+          <p:cNvPr id="5" name="Номер слайда 4"/>
+          <p:cNvSpPr>
+            <a:spLocks noGrp="1"/>
+          </p:cNvSpPr>
+          <p:nvPr>
+            <p:ph type="sldNum" sz="quarter" idx="12"/>
+          </p:nvPr>
+        </p:nvSpPr>
+        <p:spPr/>
+        <p:txBody>
+          <a:bodyPr/>
+          <a:lstStyle/>
+          <a:p>
+            <a:fld id="{741C03D3-FA44-40EC-9A21-1FC4FEA3E22E}" type="slidenum">
+              <a:rPr lang="ru-RU" smtClean="0"/>
+              <a:t>39</a:t>
             </a:fld>
             <a:endParaRPr lang="ru-RU"/>
           </a:p>
@@ -26904,7 +30514,7 @@
 </p:sld>
 </file>
 
-<file path=ppt/slides/slide33.xml><?xml version="1.0" encoding="utf-8"?>
+<file path=ppt/slides/slide4.xml><?xml version="1.0" encoding="utf-8"?>
 <p:sld xmlns:a="http://schemas.openxmlformats.org/drawingml/2006/main" xmlns:r="http://schemas.openxmlformats.org/officeDocument/2006/relationships" xmlns:p="http://schemas.openxmlformats.org/presentationml/2006/main">
   <p:cSld>
     <p:spTree>
@@ -26938,9 +30548,63 @@
           <a:p>
             <a:r>
               <a:rPr lang="ru-RU" dirty="0" smtClean="0"/>
-              <a:t>Практичность</a:t>
+              <a:t>Целевая аудитория специализации</a:t>
             </a:r>
             <a:endParaRPr lang="ru-RU" dirty="0"/>
+          </a:p>
+        </p:txBody>
+      </p:sp>
+      <p:sp>
+        <p:nvSpPr>
+          <p:cNvPr id="3" name="Объект 2"/>
+          <p:cNvSpPr>
+            <a:spLocks noGrp="1"/>
+          </p:cNvSpPr>
+          <p:nvPr>
+            <p:ph idx="1"/>
+          </p:nvPr>
+        </p:nvSpPr>
+        <p:spPr>
+          <a:xfrm>
+            <a:off x="1143000" y="3048000"/>
+            <a:ext cx="22113875" cy="9158288"/>
+          </a:xfrm>
+        </p:spPr>
+        <p:txBody>
+          <a:bodyPr/>
+          <a:lstStyle/>
+          <a:p>
+            <a:pPr lvl="1"/>
+            <a:r>
+              <a:rPr lang="ru-RU" dirty="0" smtClean="0"/>
+              <a:t>Люди, владеющие любым языком программирования</a:t>
+            </a:r>
+            <a:endParaRPr lang="ru-RU" dirty="0"/>
+          </a:p>
+          <a:p>
+            <a:pPr lvl="2"/>
+            <a:r>
+              <a:rPr lang="ru-RU" dirty="0" smtClean="0"/>
+              <a:t>надо знать, что такое переменные, условный оператор и циклы</a:t>
+            </a:r>
+          </a:p>
+          <a:p>
+            <a:pPr lvl="2"/>
+            <a:r>
+              <a:rPr lang="ru-RU" dirty="0" smtClean="0"/>
+              <a:t>иметь представление о принципах объектно-ориентированного программирования</a:t>
+            </a:r>
+          </a:p>
+          <a:p>
+            <a:pPr lvl="2"/>
+            <a:r>
+              <a:rPr lang="ru-RU" dirty="0" smtClean="0"/>
+              <a:t>знать базовые алгоритмы и структуры данных: </a:t>
+            </a:r>
+            <a:r>
+              <a:rPr lang="ru-RU" dirty="0"/>
+              <a:t>сортировка, поиск, массив, словарь</a:t>
+            </a:r>
           </a:p>
         </p:txBody>
       </p:sp>
@@ -26980,7 +30644,109 @@
           <a:p>
             <a:fld id="{741C03D3-FA44-40EC-9A21-1FC4FEA3E22E}" type="slidenum">
               <a:rPr lang="ru-RU" smtClean="0"/>
-              <a:t>33</a:t>
+              <a:t>4</a:t>
+            </a:fld>
+            <a:endParaRPr lang="ru-RU"/>
+          </a:p>
+        </p:txBody>
+      </p:sp>
+    </p:spTree>
+    <p:extLst>
+      <p:ext uri="{BB962C8B-B14F-4D97-AF65-F5344CB8AC3E}">
+        <p14:creationId xmlns:p14="http://schemas.microsoft.com/office/powerpoint/2010/main" val="1554901223"/>
+      </p:ext>
+    </p:extLst>
+  </p:cSld>
+  <p:clrMapOvr>
+    <a:masterClrMapping/>
+  </p:clrMapOvr>
+  <p:timing>
+    <p:tnLst>
+      <p:par>
+        <p:cTn id="1" dur="indefinite" restart="never" nodeType="tmRoot"/>
+      </p:par>
+    </p:tnLst>
+  </p:timing>
+</p:sld>
+</file>
+
+<file path=ppt/slides/slide40.xml><?xml version="1.0" encoding="utf-8"?>
+<p:sld xmlns:a="http://schemas.openxmlformats.org/drawingml/2006/main" xmlns:r="http://schemas.openxmlformats.org/officeDocument/2006/relationships" xmlns:p="http://schemas.openxmlformats.org/presentationml/2006/main">
+  <p:cSld>
+    <p:spTree>
+      <p:nvGrpSpPr>
+        <p:cNvPr id="1" name=""/>
+        <p:cNvGrpSpPr/>
+        <p:nvPr/>
+      </p:nvGrpSpPr>
+      <p:grpSpPr>
+        <a:xfrm>
+          <a:off x="0" y="0"/>
+          <a:ext cx="0" cy="0"/>
+          <a:chOff x="0" y="0"/>
+          <a:chExt cx="0" cy="0"/>
+        </a:xfrm>
+      </p:grpSpPr>
+      <p:sp>
+        <p:nvSpPr>
+          <p:cNvPr id="2" name="Заголовок 1"/>
+          <p:cNvSpPr>
+            <a:spLocks noGrp="1"/>
+          </p:cNvSpPr>
+          <p:nvPr>
+            <p:ph type="title"/>
+          </p:nvPr>
+        </p:nvSpPr>
+        <p:spPr/>
+        <p:txBody>
+          <a:bodyPr/>
+          <a:lstStyle/>
+          <a:p>
+            <a:r>
+              <a:rPr lang="ru-RU" dirty="0" smtClean="0"/>
+              <a:t>Практичность</a:t>
+            </a:r>
+            <a:endParaRPr lang="ru-RU" dirty="0"/>
+          </a:p>
+        </p:txBody>
+      </p:sp>
+      <p:sp>
+        <p:nvSpPr>
+          <p:cNvPr id="4" name="Нижний колонтитул 3"/>
+          <p:cNvSpPr>
+            <a:spLocks noGrp="1"/>
+          </p:cNvSpPr>
+          <p:nvPr>
+            <p:ph type="ftr" sz="quarter" idx="11"/>
+          </p:nvPr>
+        </p:nvSpPr>
+        <p:spPr/>
+        <p:txBody>
+          <a:bodyPr/>
+          <a:lstStyle/>
+          <a:p>
+            <a:endParaRPr lang="ru-RU"/>
+          </a:p>
+        </p:txBody>
+      </p:sp>
+      <p:sp>
+        <p:nvSpPr>
+          <p:cNvPr id="5" name="Номер слайда 4"/>
+          <p:cNvSpPr>
+            <a:spLocks noGrp="1"/>
+          </p:cNvSpPr>
+          <p:nvPr>
+            <p:ph type="sldNum" sz="quarter" idx="12"/>
+          </p:nvPr>
+        </p:nvSpPr>
+        <p:spPr/>
+        <p:txBody>
+          <a:bodyPr/>
+          <a:lstStyle/>
+          <a:p>
+            <a:fld id="{741C03D3-FA44-40EC-9A21-1FC4FEA3E22E}" type="slidenum">
+              <a:rPr lang="ru-RU" smtClean="0"/>
+              <a:t>40</a:t>
             </a:fld>
             <a:endParaRPr lang="ru-RU"/>
           </a:p>
@@ -27536,7 +31302,7 @@
 </p:sld>
 </file>
 
-<file path=ppt/slides/slide34.xml><?xml version="1.0" encoding="utf-8"?>
+<file path=ppt/slides/slide41.xml><?xml version="1.0" encoding="utf-8"?>
 <p:sld xmlns:a="http://schemas.openxmlformats.org/drawingml/2006/main" xmlns:r="http://schemas.openxmlformats.org/officeDocument/2006/relationships" xmlns:p="http://schemas.openxmlformats.org/presentationml/2006/main">
   <p:cSld>
     <p:spTree>
@@ -27685,7 +31451,7 @@
 </p:sld>
 </file>
 
-<file path=ppt/slides/slide35.xml><?xml version="1.0" encoding="utf-8"?>
+<file path=ppt/slides/slide42.xml><?xml version="1.0" encoding="utf-8"?>
 <p:sld xmlns:a="http://schemas.openxmlformats.org/drawingml/2006/main" xmlns:r="http://schemas.openxmlformats.org/officeDocument/2006/relationships" xmlns:p="http://schemas.openxmlformats.org/presentationml/2006/main">
   <p:cSld>
     <p:spTree>
@@ -30320,7 +34086,7 @@
 </p:sld>
 </file>
 
-<file path=ppt/slides/slide36.xml><?xml version="1.0" encoding="utf-8"?>
+<file path=ppt/slides/slide43.xml><?xml version="1.0" encoding="utf-8"?>
 <p:sld xmlns:a="http://schemas.openxmlformats.org/drawingml/2006/main" xmlns:r="http://schemas.openxmlformats.org/officeDocument/2006/relationships" xmlns:p="http://schemas.openxmlformats.org/presentationml/2006/main" show="0">
   <p:cSld>
     <p:spTree>
@@ -30429,7 +34195,7 @@
           <a:p>
             <a:fld id="{741C03D3-FA44-40EC-9A21-1FC4FEA3E22E}" type="slidenum">
               <a:rPr lang="ru-RU" smtClean="0"/>
-              <a:t>36</a:t>
+              <a:t>43</a:t>
             </a:fld>
             <a:endParaRPr lang="ru-RU"/>
           </a:p>
@@ -30851,7 +34617,7 @@
 </p:sld>
 </file>
 
-<file path=ppt/slides/slide37.xml><?xml version="1.0" encoding="utf-8"?>
+<file path=ppt/slides/slide44.xml><?xml version="1.0" encoding="utf-8"?>
 <p:sld xmlns:a="http://schemas.openxmlformats.org/drawingml/2006/main" xmlns:r="http://schemas.openxmlformats.org/officeDocument/2006/relationships" xmlns:p="http://schemas.openxmlformats.org/presentationml/2006/main" show="0">
   <p:cSld>
     <p:spTree>
@@ -30926,7 +34692,7 @@
           <a:p>
             <a:fld id="{741C03D3-FA44-40EC-9A21-1FC4FEA3E22E}" type="slidenum">
               <a:rPr lang="ru-RU" smtClean="0"/>
-              <a:t>37</a:t>
+              <a:t>44</a:t>
             </a:fld>
             <a:endParaRPr lang="ru-RU"/>
           </a:p>
@@ -32134,162 +35900,6 @@
       <p:transition spd="slow"/>
     </mc:Fallback>
   </mc:AlternateContent>
-  <p:timing>
-    <p:tnLst>
-      <p:par>
-        <p:cTn id="1" dur="indefinite" restart="never" nodeType="tmRoot"/>
-      </p:par>
-    </p:tnLst>
-  </p:timing>
-</p:sld>
-</file>
-
-<file path=ppt/slides/slide4.xml><?xml version="1.0" encoding="utf-8"?>
-<p:sld xmlns:a="http://schemas.openxmlformats.org/drawingml/2006/main" xmlns:r="http://schemas.openxmlformats.org/officeDocument/2006/relationships" xmlns:p="http://schemas.openxmlformats.org/presentationml/2006/main">
-  <p:cSld>
-    <p:spTree>
-      <p:nvGrpSpPr>
-        <p:cNvPr id="1" name=""/>
-        <p:cNvGrpSpPr/>
-        <p:nvPr/>
-      </p:nvGrpSpPr>
-      <p:grpSpPr>
-        <a:xfrm>
-          <a:off x="0" y="0"/>
-          <a:ext cx="0" cy="0"/>
-          <a:chOff x="0" y="0"/>
-          <a:chExt cx="0" cy="0"/>
-        </a:xfrm>
-      </p:grpSpPr>
-      <p:sp>
-        <p:nvSpPr>
-          <p:cNvPr id="2" name="Заголовок 1"/>
-          <p:cNvSpPr>
-            <a:spLocks noGrp="1"/>
-          </p:cNvSpPr>
-          <p:nvPr>
-            <p:ph type="title"/>
-          </p:nvPr>
-        </p:nvSpPr>
-        <p:spPr/>
-        <p:txBody>
-          <a:bodyPr/>
-          <a:lstStyle/>
-          <a:p>
-            <a:r>
-              <a:rPr lang="ru-RU" dirty="0" smtClean="0"/>
-              <a:t>Целевая аудитория специализации</a:t>
-            </a:r>
-            <a:endParaRPr lang="ru-RU" dirty="0"/>
-          </a:p>
-        </p:txBody>
-      </p:sp>
-      <p:sp>
-        <p:nvSpPr>
-          <p:cNvPr id="3" name="Объект 2"/>
-          <p:cNvSpPr>
-            <a:spLocks noGrp="1"/>
-          </p:cNvSpPr>
-          <p:nvPr>
-            <p:ph idx="1"/>
-          </p:nvPr>
-        </p:nvSpPr>
-        <p:spPr>
-          <a:xfrm>
-            <a:off x="1143000" y="3048000"/>
-            <a:ext cx="22113875" cy="9158288"/>
-          </a:xfrm>
-        </p:spPr>
-        <p:txBody>
-          <a:bodyPr/>
-          <a:lstStyle/>
-          <a:p>
-            <a:pPr lvl="1"/>
-            <a:r>
-              <a:rPr lang="ru-RU" dirty="0" smtClean="0"/>
-              <a:t>Люди, владеющие любым языком программирования</a:t>
-            </a:r>
-            <a:endParaRPr lang="ru-RU" dirty="0"/>
-          </a:p>
-          <a:p>
-            <a:pPr lvl="2"/>
-            <a:r>
-              <a:rPr lang="ru-RU" dirty="0" smtClean="0"/>
-              <a:t>надо знать, что такое переменные, условный оператор и циклы</a:t>
-            </a:r>
-          </a:p>
-          <a:p>
-            <a:pPr lvl="2"/>
-            <a:r>
-              <a:rPr lang="ru-RU" dirty="0" smtClean="0"/>
-              <a:t>иметь представление о принципах объектно-ориентированного программирования</a:t>
-            </a:r>
-          </a:p>
-          <a:p>
-            <a:pPr lvl="2"/>
-            <a:r>
-              <a:rPr lang="ru-RU" dirty="0" smtClean="0"/>
-              <a:t>знать базовые алгоритмы и структуры данных: </a:t>
-            </a:r>
-            <a:r>
-              <a:rPr lang="ru-RU" dirty="0"/>
-              <a:t>сортировка, поиск, массив, словарь</a:t>
-            </a:r>
-          </a:p>
-        </p:txBody>
-      </p:sp>
-      <p:sp>
-        <p:nvSpPr>
-          <p:cNvPr id="4" name="Нижний колонтитул 3"/>
-          <p:cNvSpPr>
-            <a:spLocks noGrp="1"/>
-          </p:cNvSpPr>
-          <p:nvPr>
-            <p:ph type="ftr" sz="quarter" idx="11"/>
-          </p:nvPr>
-        </p:nvSpPr>
-        <p:spPr/>
-        <p:txBody>
-          <a:bodyPr/>
-          <a:lstStyle/>
-          <a:p>
-            <a:endParaRPr lang="ru-RU"/>
-          </a:p>
-        </p:txBody>
-      </p:sp>
-      <p:sp>
-        <p:nvSpPr>
-          <p:cNvPr id="5" name="Номер слайда 4"/>
-          <p:cNvSpPr>
-            <a:spLocks noGrp="1"/>
-          </p:cNvSpPr>
-          <p:nvPr>
-            <p:ph type="sldNum" sz="quarter" idx="12"/>
-          </p:nvPr>
-        </p:nvSpPr>
-        <p:spPr/>
-        <p:txBody>
-          <a:bodyPr/>
-          <a:lstStyle/>
-          <a:p>
-            <a:fld id="{741C03D3-FA44-40EC-9A21-1FC4FEA3E22E}" type="slidenum">
-              <a:rPr lang="ru-RU" smtClean="0"/>
-              <a:t>4</a:t>
-            </a:fld>
-            <a:endParaRPr lang="ru-RU"/>
-          </a:p>
-        </p:txBody>
-      </p:sp>
-    </p:spTree>
-    <p:extLst>
-      <p:ext uri="{BB962C8B-B14F-4D97-AF65-F5344CB8AC3E}">
-        <p14:creationId xmlns:p14="http://schemas.microsoft.com/office/powerpoint/2010/main" val="1554901223"/>
-      </p:ext>
-    </p:extLst>
-  </p:cSld>
-  <p:clrMapOvr>
-    <a:masterClrMapping/>
-  </p:clrMapOvr>
   <p:timing>
     <p:tnLst>
       <p:par>

--- a/slides.pptx
+++ b/slides.pptx
@@ -312,7 +312,7 @@
           <a:p>
             <a:fld id="{7C2C5C60-F37A-814E-99F6-3C775637DBC0}" type="datetimeFigureOut">
               <a:rPr lang="ru-RU" smtClean="0"/>
-              <a:t>28.10.2018</a:t>
+              <a:t>29.10.2018</a:t>
             </a:fld>
             <a:endParaRPr lang="ru-RU"/>
           </a:p>
@@ -477,7 +477,7 @@
           <a:p>
             <a:fld id="{A48BA324-014D-41B7-8E83-ECE8F197A959}" type="datetimeFigureOut">
               <a:rPr lang="ru-RU" smtClean="0"/>
-              <a:t>28.10.2018</a:t>
+              <a:t>29.10.2018</a:t>
             </a:fld>
             <a:endParaRPr lang="ru-RU"/>
           </a:p>
@@ -5900,7 +5900,7 @@
           </a:ln>
           <a:extLst>
             <a:ext uri="{C572A759-6A51-4108-AA02-DFA0A04FC94B}">
-              <ma14:wrappingTextBoxFlag xmlns="" xmlns:ma14="http://schemas.microsoft.com/office/mac/drawingml/2011/main" val="1"/>
+              <ma14:wrappingTextBoxFlag xmlns:ma14="http://schemas.microsoft.com/office/mac/drawingml/2011/main" xmlns="" val="1"/>
             </a:ext>
           </a:extLst>
         </p:spPr>
@@ -5943,7 +5943,7 @@
           </a:ln>
           <a:extLst>
             <a:ext uri="{C572A759-6A51-4108-AA02-DFA0A04FC94B}">
-              <ma14:wrappingTextBoxFlag xmlns="" xmlns:ma14="http://schemas.microsoft.com/office/mac/drawingml/2011/main" val="1"/>
+              <ma14:wrappingTextBoxFlag xmlns:ma14="http://schemas.microsoft.com/office/mac/drawingml/2011/main" xmlns="" val="1"/>
             </a:ext>
           </a:extLst>
         </p:spPr>
@@ -6067,7 +6067,7 @@
           </a:ln>
           <a:extLst>
             <a:ext uri="{C572A759-6A51-4108-AA02-DFA0A04FC94B}">
-              <ma14:wrappingTextBoxFlag xmlns="" xmlns:ma14="http://schemas.microsoft.com/office/mac/drawingml/2011/main" val="1"/>
+              <ma14:wrappingTextBoxFlag xmlns:ma14="http://schemas.microsoft.com/office/mac/drawingml/2011/main" xmlns="" val="1"/>
             </a:ext>
           </a:extLst>
         </p:spPr>
@@ -6158,7 +6158,7 @@
           </a:ln>
           <a:extLst>
             <a:ext uri="{C572A759-6A51-4108-AA02-DFA0A04FC94B}">
-              <ma14:wrappingTextBoxFlag xmlns="" xmlns:ma14="http://schemas.microsoft.com/office/mac/drawingml/2011/main" val="1"/>
+              <ma14:wrappingTextBoxFlag xmlns:ma14="http://schemas.microsoft.com/office/mac/drawingml/2011/main" xmlns="" val="1"/>
             </a:ext>
           </a:extLst>
         </p:spPr>
@@ -6277,7 +6277,7 @@
           </a:ln>
           <a:extLst>
             <a:ext uri="{C572A759-6A51-4108-AA02-DFA0A04FC94B}">
-              <ma14:wrappingTextBoxFlag xmlns="" xmlns:ma14="http://schemas.microsoft.com/office/mac/drawingml/2011/main" val="1"/>
+              <ma14:wrappingTextBoxFlag xmlns:ma14="http://schemas.microsoft.com/office/mac/drawingml/2011/main" xmlns="" val="1"/>
             </a:ext>
           </a:extLst>
         </p:spPr>
@@ -15684,12 +15684,16 @@
           <a:lstStyle/>
           <a:p>
             <a:r>
-              <a:rPr lang="ru-RU" dirty="0"/>
-              <a:t>Просто о сложном: опыт создания курсов на </a:t>
-            </a:r>
-            <a:r>
-              <a:rPr lang="ru-RU" dirty="0" err="1"/>
-              <a:t>Coursera</a:t>
+              <a:rPr lang="ru-RU" dirty="0" smtClean="0"/>
+              <a:t>Заглядываем под капот «Поясов по</a:t>
+            </a:r>
+            <a:r>
+              <a:rPr lang="en-US" dirty="0" smtClean="0"/>
+              <a:t> C++</a:t>
+            </a:r>
+            <a:r>
+              <a:rPr lang="ru-RU" dirty="0" smtClean="0"/>
+              <a:t>»</a:t>
             </a:r>
             <a:endParaRPr lang="ru-RU" dirty="0"/>
           </a:p>
@@ -15734,34 +15738,18 @@
         </p:nvSpPr>
         <p:spPr/>
       </p:sp>
-      <p:pic>
-        <p:nvPicPr>
-          <p:cNvPr id="7" name="Рисунок 6"/>
-          <p:cNvPicPr>
-            <a:picLocks noGrp="1" noChangeAspect="1"/>
-          </p:cNvPicPr>
+      <p:sp>
+        <p:nvSpPr>
+          <p:cNvPr id="5" name="Рисунок 4"/>
+          <p:cNvSpPr>
+            <a:spLocks noGrp="1"/>
+          </p:cNvSpPr>
           <p:nvPr>
             <p:ph type="pic" sz="quarter" idx="14"/>
           </p:nvPr>
-        </p:nvPicPr>
-        <p:blipFill rotWithShape="1">
-          <a:blip r:embed="rId2">
-            <a:extLst>
-              <a:ext uri="{28A0092B-C50C-407E-A947-70E740481C1C}">
-                <a14:useLocalDpi xmlns:a14="http://schemas.microsoft.com/office/drawing/2010/main" val="0"/>
-              </a:ext>
-            </a:extLst>
-          </a:blip>
-          <a:srcRect t="13107" b="14501"/>
-          <a:stretch/>
-        </p:blipFill>
-        <p:spPr>
-          <a:xfrm>
-            <a:off x="16770112" y="1935158"/>
-            <a:ext cx="3816588" cy="1040350"/>
-          </a:xfrm>
-        </p:spPr>
-      </p:pic>
+        </p:nvSpPr>
+        <p:spPr/>
+      </p:sp>
     </p:spTree>
     <p:extLst>
       <p:ext uri="{BB962C8B-B14F-4D97-AF65-F5344CB8AC3E}">
@@ -24783,16 +24771,7 @@
                 </a:solidFill>
                 <a:latin typeface="Verdana" panose="020B0604030504040204" pitchFamily="34" charset="0"/>
               </a:rPr>
-              <a:t>[</a:t>
-            </a:r>
-            <a:r>
-              <a:rPr lang="ru-RU" altLang="ru-RU" dirty="0">
-                <a:solidFill>
-                  <a:srgbClr val="FFFFFF"/>
-                </a:solidFill>
-                <a:latin typeface="Verdana" panose="020B0604030504040204" pitchFamily="34" charset="0"/>
-              </a:rPr>
-              <a:t>](</a:t>
+              <a:t>[](</a:t>
             </a:r>
             <a:r>
               <a:rPr lang="ru-RU" altLang="ru-RU" dirty="0" err="1">
@@ -34519,7 +34498,7 @@
               <a:effectLst/>
               <a:extLst>
                 <a:ext uri="{C572A759-6A51-4108-AA02-DFA0A04FC94B}">
-                  <ma14:wrappingTextBoxFlag xmlns="" xmlns:ma14="http://schemas.microsoft.com/office/mac/drawingml/2011/main" val="1"/>
+                  <ma14:wrappingTextBoxFlag xmlns:ma14="http://schemas.microsoft.com/office/mac/drawingml/2011/main" xmlns="" val="1"/>
                 </a:ext>
               </a:extLst>
             </p:spPr>
@@ -35764,7 +35743,7 @@
               <a:effectLst/>
               <a:extLst>
                 <a:ext uri="{C572A759-6A51-4108-AA02-DFA0A04FC94B}">
-                  <ma14:wrappingTextBoxFlag xmlns="" xmlns:ma14="http://schemas.microsoft.com/office/mac/drawingml/2011/main" val="1"/>
+                  <ma14:wrappingTextBoxFlag xmlns:ma14="http://schemas.microsoft.com/office/mac/drawingml/2011/main" xmlns="" val="1"/>
                 </a:ext>
               </a:extLst>
             </p:spPr>

--- a/slides.pptx
+++ b/slides.pptx
@@ -5,10 +5,10 @@
     <p:sldMasterId id="2147483684" r:id="rId1"/>
   </p:sldMasterIdLst>
   <p:notesMasterIdLst>
-    <p:notesMasterId r:id="rId46"/>
+    <p:notesMasterId r:id="rId49"/>
   </p:notesMasterIdLst>
   <p:handoutMasterIdLst>
-    <p:handoutMasterId r:id="rId47"/>
+    <p:handoutMasterId r:id="rId50"/>
   </p:handoutMasterIdLst>
   <p:sldIdLst>
     <p:sldId id="746" r:id="rId2"/>
@@ -45,16 +45,19 @@
     <p:sldId id="847" r:id="rId33"/>
     <p:sldId id="849" r:id="rId34"/>
     <p:sldId id="850" r:id="rId35"/>
-    <p:sldId id="819" r:id="rId36"/>
-    <p:sldId id="820" r:id="rId37"/>
-    <p:sldId id="821" r:id="rId38"/>
-    <p:sldId id="822" r:id="rId39"/>
-    <p:sldId id="814" r:id="rId40"/>
-    <p:sldId id="816" r:id="rId41"/>
-    <p:sldId id="796" r:id="rId42"/>
-    <p:sldId id="792" r:id="rId43"/>
-    <p:sldId id="783" r:id="rId44"/>
-    <p:sldId id="785" r:id="rId45"/>
+    <p:sldId id="851" r:id="rId36"/>
+    <p:sldId id="852" r:id="rId37"/>
+    <p:sldId id="853" r:id="rId38"/>
+    <p:sldId id="819" r:id="rId39"/>
+    <p:sldId id="820" r:id="rId40"/>
+    <p:sldId id="821" r:id="rId41"/>
+    <p:sldId id="822" r:id="rId42"/>
+    <p:sldId id="814" r:id="rId43"/>
+    <p:sldId id="816" r:id="rId44"/>
+    <p:sldId id="796" r:id="rId45"/>
+    <p:sldId id="792" r:id="rId46"/>
+    <p:sldId id="783" r:id="rId47"/>
+    <p:sldId id="785" r:id="rId48"/>
   </p:sldIdLst>
   <p:sldSz cx="24382413" cy="13716000"/>
   <p:notesSz cx="6858000" cy="9144000"/>
@@ -192,6 +195,9 @@
             <p14:sldId id="847"/>
             <p14:sldId id="849"/>
             <p14:sldId id="850"/>
+            <p14:sldId id="851"/>
+            <p14:sldId id="852"/>
+            <p14:sldId id="853"/>
             <p14:sldId id="819"/>
             <p14:sldId id="820"/>
             <p14:sldId id="821"/>
@@ -5900,7 +5906,7 @@
           </a:ln>
           <a:extLst>
             <a:ext uri="{C572A759-6A51-4108-AA02-DFA0A04FC94B}">
-              <ma14:wrappingTextBoxFlag xmlns:ma14="http://schemas.microsoft.com/office/mac/drawingml/2011/main" xmlns="" val="1"/>
+              <ma14:wrappingTextBoxFlag xmlns="" xmlns:ma14="http://schemas.microsoft.com/office/mac/drawingml/2011/main" val="1"/>
             </a:ext>
           </a:extLst>
         </p:spPr>
@@ -5943,7 +5949,7 @@
           </a:ln>
           <a:extLst>
             <a:ext uri="{C572A759-6A51-4108-AA02-DFA0A04FC94B}">
-              <ma14:wrappingTextBoxFlag xmlns:ma14="http://schemas.microsoft.com/office/mac/drawingml/2011/main" xmlns="" val="1"/>
+              <ma14:wrappingTextBoxFlag xmlns="" xmlns:ma14="http://schemas.microsoft.com/office/mac/drawingml/2011/main" val="1"/>
             </a:ext>
           </a:extLst>
         </p:spPr>
@@ -6067,7 +6073,7 @@
           </a:ln>
           <a:extLst>
             <a:ext uri="{C572A759-6A51-4108-AA02-DFA0A04FC94B}">
-              <ma14:wrappingTextBoxFlag xmlns:ma14="http://schemas.microsoft.com/office/mac/drawingml/2011/main" xmlns="" val="1"/>
+              <ma14:wrappingTextBoxFlag xmlns="" xmlns:ma14="http://schemas.microsoft.com/office/mac/drawingml/2011/main" val="1"/>
             </a:ext>
           </a:extLst>
         </p:spPr>
@@ -6158,7 +6164,7 @@
           </a:ln>
           <a:extLst>
             <a:ext uri="{C572A759-6A51-4108-AA02-DFA0A04FC94B}">
-              <ma14:wrappingTextBoxFlag xmlns:ma14="http://schemas.microsoft.com/office/mac/drawingml/2011/main" xmlns="" val="1"/>
+              <ma14:wrappingTextBoxFlag xmlns="" xmlns:ma14="http://schemas.microsoft.com/office/mac/drawingml/2011/main" val="1"/>
             </a:ext>
           </a:extLst>
         </p:spPr>
@@ -6277,7 +6283,7 @@
           </a:ln>
           <a:extLst>
             <a:ext uri="{C572A759-6A51-4108-AA02-DFA0A04FC94B}">
-              <ma14:wrappingTextBoxFlag xmlns:ma14="http://schemas.microsoft.com/office/mac/drawingml/2011/main" xmlns="" val="1"/>
+              <ma14:wrappingTextBoxFlag xmlns="" xmlns:ma14="http://schemas.microsoft.com/office/mac/drawingml/2011/main" val="1"/>
             </a:ext>
           </a:extLst>
         </p:spPr>
@@ -28812,6 +28818,2026 @@
             <a:spLocks noGrp="1"/>
           </p:cNvSpPr>
           <p:nvPr>
+            <p:ph type="ctrTitle"/>
+          </p:nvPr>
+        </p:nvSpPr>
+        <p:spPr/>
+        <p:txBody>
+          <a:bodyPr/>
+          <a:lstStyle/>
+          <a:p>
+            <a:r>
+              <a:rPr lang="en-US" dirty="0" smtClean="0"/>
+              <a:t>Compile-time </a:t>
+            </a:r>
+            <a:r>
+              <a:rPr lang="ru-RU" dirty="0" smtClean="0"/>
+              <a:t>проверка интерфейса</a:t>
+            </a:r>
+            <a:endParaRPr lang="ru-RU" dirty="0"/>
+          </a:p>
+        </p:txBody>
+      </p:sp>
+      <p:sp>
+        <p:nvSpPr>
+          <p:cNvPr id="3" name="Текст 2"/>
+          <p:cNvSpPr>
+            <a:spLocks noGrp="1"/>
+          </p:cNvSpPr>
+          <p:nvPr>
+            <p:ph type="body" idx="1"/>
+          </p:nvPr>
+        </p:nvSpPr>
+        <p:spPr/>
+        <p:txBody>
+          <a:bodyPr/>
+          <a:lstStyle/>
+          <a:p>
+            <a:endParaRPr lang="ru-RU"/>
+          </a:p>
+        </p:txBody>
+      </p:sp>
+    </p:spTree>
+    <p:extLst>
+      <p:ext uri="{BB962C8B-B14F-4D97-AF65-F5344CB8AC3E}">
+        <p14:creationId xmlns:p14="http://schemas.microsoft.com/office/powerpoint/2010/main" val="4215148244"/>
+      </p:ext>
+    </p:extLst>
+  </p:cSld>
+  <p:clrMapOvr>
+    <a:masterClrMapping/>
+  </p:clrMapOvr>
+  <p:timing>
+    <p:tnLst>
+      <p:par>
+        <p:cTn id="1" dur="indefinite" restart="never" nodeType="tmRoot"/>
+      </p:par>
+    </p:tnLst>
+  </p:timing>
+</p:sld>
+</file>
+
+<file path=ppt/slides/slide36.xml><?xml version="1.0" encoding="utf-8"?>
+<p:sld xmlns:a="http://schemas.openxmlformats.org/drawingml/2006/main" xmlns:r="http://schemas.openxmlformats.org/officeDocument/2006/relationships" xmlns:p="http://schemas.openxmlformats.org/presentationml/2006/main">
+  <p:cSld>
+    <p:spTree>
+      <p:nvGrpSpPr>
+        <p:cNvPr id="1" name=""/>
+        <p:cNvGrpSpPr/>
+        <p:nvPr/>
+      </p:nvGrpSpPr>
+      <p:grpSpPr>
+        <a:xfrm>
+          <a:off x="0" y="0"/>
+          <a:ext cx="0" cy="0"/>
+          <a:chOff x="0" y="0"/>
+          <a:chExt cx="0" cy="0"/>
+        </a:xfrm>
+      </p:grpSpPr>
+      <p:sp>
+        <p:nvSpPr>
+          <p:cNvPr id="2" name="Заголовок 1"/>
+          <p:cNvSpPr>
+            <a:spLocks noGrp="1"/>
+          </p:cNvSpPr>
+          <p:nvPr>
+            <p:ph type="title"/>
+          </p:nvPr>
+        </p:nvSpPr>
+        <p:spPr/>
+        <p:txBody>
+          <a:bodyPr/>
+          <a:lstStyle/>
+          <a:p>
+            <a:r>
+              <a:rPr lang="ru-RU" dirty="0" smtClean="0"/>
+              <a:t>Задача </a:t>
+            </a:r>
+            <a:r>
+              <a:rPr lang="en-US" dirty="0" err="1" smtClean="0"/>
+              <a:t>SimpleVector</a:t>
+            </a:r>
+            <a:endParaRPr lang="ru-RU" dirty="0"/>
+          </a:p>
+        </p:txBody>
+      </p:sp>
+      <p:sp>
+        <p:nvSpPr>
+          <p:cNvPr id="8" name="Объект 7"/>
+          <p:cNvSpPr>
+            <a:spLocks noGrp="1"/>
+          </p:cNvSpPr>
+          <p:nvPr>
+            <p:ph idx="1"/>
+          </p:nvPr>
+        </p:nvSpPr>
+        <p:spPr>
+          <a:xfrm>
+            <a:off x="1143000" y="3048000"/>
+            <a:ext cx="22112290" cy="2665413"/>
+          </a:xfrm>
+        </p:spPr>
+        <p:txBody>
+          <a:bodyPr/>
+          <a:lstStyle/>
+          <a:p>
+            <a:pPr lvl="1"/>
+            <a:r>
+              <a:rPr lang="ru-RU" dirty="0" smtClean="0"/>
+              <a:t>Как проверить, что присланный шаблон имеет требуемый интерфейс?</a:t>
+            </a:r>
+          </a:p>
+          <a:p>
+            <a:pPr lvl="2"/>
+            <a:r>
+              <a:rPr lang="ru-RU" dirty="0" smtClean="0"/>
+              <a:t>Например, что </a:t>
+            </a:r>
+            <a:r>
+              <a:rPr lang="en-US" dirty="0" smtClean="0"/>
+              <a:t>operator[] </a:t>
+            </a:r>
+            <a:r>
+              <a:rPr lang="ru-RU" dirty="0" smtClean="0"/>
+              <a:t>возвращает </a:t>
+            </a:r>
+            <a:r>
+              <a:rPr lang="en-US" dirty="0" smtClean="0"/>
+              <a:t>T&amp;</a:t>
+            </a:r>
+            <a:endParaRPr lang="ru-RU" dirty="0" smtClean="0"/>
+          </a:p>
+        </p:txBody>
+      </p:sp>
+      <p:sp>
+        <p:nvSpPr>
+          <p:cNvPr id="4" name="Нижний колонтитул 3"/>
+          <p:cNvSpPr>
+            <a:spLocks noGrp="1"/>
+          </p:cNvSpPr>
+          <p:nvPr>
+            <p:ph type="ftr" sz="quarter" idx="11"/>
+          </p:nvPr>
+        </p:nvSpPr>
+        <p:spPr/>
+        <p:txBody>
+          <a:bodyPr/>
+          <a:lstStyle/>
+          <a:p>
+            <a:endParaRPr lang="ru-RU"/>
+          </a:p>
+        </p:txBody>
+      </p:sp>
+      <p:sp>
+        <p:nvSpPr>
+          <p:cNvPr id="5" name="Номер слайда 4"/>
+          <p:cNvSpPr>
+            <a:spLocks noGrp="1"/>
+          </p:cNvSpPr>
+          <p:nvPr>
+            <p:ph type="sldNum" sz="quarter" idx="12"/>
+          </p:nvPr>
+        </p:nvSpPr>
+        <p:spPr/>
+        <p:txBody>
+          <a:bodyPr/>
+          <a:lstStyle/>
+          <a:p>
+            <a:fld id="{741C03D3-FA44-40EC-9A21-1FC4FEA3E22E}" type="slidenum">
+              <a:rPr lang="ru-RU" smtClean="0"/>
+              <a:t>36</a:t>
+            </a:fld>
+            <a:endParaRPr lang="ru-RU"/>
+          </a:p>
+        </p:txBody>
+      </p:sp>
+      <p:sp>
+        <p:nvSpPr>
+          <p:cNvPr id="6" name="Объект 5"/>
+          <p:cNvSpPr>
+            <a:spLocks noGrp="1"/>
+          </p:cNvSpPr>
+          <p:nvPr>
+            <p:ph idx="13"/>
+          </p:nvPr>
+        </p:nvSpPr>
+        <p:spPr>
+          <a:xfrm>
+            <a:off x="1" y="6094413"/>
+            <a:ext cx="24382412" cy="7621587"/>
+          </a:xfrm>
+        </p:spPr>
+        <p:txBody>
+          <a:bodyPr/>
+          <a:lstStyle/>
+          <a:p>
+            <a:pPr>
+              <a:lnSpc>
+                <a:spcPct val="100000"/>
+              </a:lnSpc>
+            </a:pPr>
+            <a:r>
+              <a:rPr lang="ru-RU" altLang="ru-RU" dirty="0" err="1">
+                <a:solidFill>
+                  <a:srgbClr val="FFFFFF"/>
+                </a:solidFill>
+                <a:latin typeface="Verdana" panose="020B0604030504040204" pitchFamily="34" charset="0"/>
+              </a:rPr>
+              <a:t>template</a:t>
+            </a:r>
+            <a:r>
+              <a:rPr lang="ru-RU" altLang="ru-RU" dirty="0">
+                <a:solidFill>
+                  <a:srgbClr val="FFFFFF"/>
+                </a:solidFill>
+                <a:latin typeface="Verdana" panose="020B0604030504040204" pitchFamily="34" charset="0"/>
+              </a:rPr>
+              <a:t> &lt;</a:t>
+            </a:r>
+            <a:r>
+              <a:rPr lang="ru-RU" altLang="ru-RU" dirty="0" err="1">
+                <a:solidFill>
+                  <a:srgbClr val="FFFFFF"/>
+                </a:solidFill>
+                <a:latin typeface="Verdana" panose="020B0604030504040204" pitchFamily="34" charset="0"/>
+              </a:rPr>
+              <a:t>typename</a:t>
+            </a:r>
+            <a:r>
+              <a:rPr lang="ru-RU" altLang="ru-RU" dirty="0">
+                <a:solidFill>
+                  <a:srgbClr val="FFFFFF"/>
+                </a:solidFill>
+                <a:latin typeface="Verdana" panose="020B0604030504040204" pitchFamily="34" charset="0"/>
+              </a:rPr>
+              <a:t> </a:t>
+            </a:r>
+            <a:r>
+              <a:rPr lang="ru-RU" altLang="ru-RU" dirty="0" smtClean="0">
+                <a:solidFill>
+                  <a:srgbClr val="FFCC00"/>
+                </a:solidFill>
+                <a:latin typeface="Verdana" panose="020B0604030504040204" pitchFamily="34" charset="0"/>
+              </a:rPr>
+              <a:t>T</a:t>
+            </a:r>
+            <a:r>
+              <a:rPr lang="ru-RU" altLang="ru-RU" dirty="0" smtClean="0">
+                <a:solidFill>
+                  <a:srgbClr val="FFFFFF"/>
+                </a:solidFill>
+                <a:latin typeface="Verdana" panose="020B0604030504040204" pitchFamily="34" charset="0"/>
+              </a:rPr>
+              <a:t>&gt;</a:t>
+            </a:r>
+            <a:r>
+              <a:rPr lang="en-US" altLang="ru-RU" dirty="0" smtClean="0">
+                <a:solidFill>
+                  <a:srgbClr val="FFFFFF"/>
+                </a:solidFill>
+                <a:latin typeface="Verdana" panose="020B0604030504040204" pitchFamily="34" charset="0"/>
+              </a:rPr>
+              <a:t> </a:t>
+            </a:r>
+            <a:r>
+              <a:rPr lang="ru-RU" altLang="ru-RU" dirty="0" err="1" smtClean="0">
+                <a:solidFill>
+                  <a:srgbClr val="FFFFFF"/>
+                </a:solidFill>
+                <a:latin typeface="Verdana" panose="020B0604030504040204" pitchFamily="34" charset="0"/>
+              </a:rPr>
+              <a:t>class</a:t>
+            </a:r>
+            <a:r>
+              <a:rPr lang="ru-RU" altLang="ru-RU" dirty="0" smtClean="0">
+                <a:solidFill>
+                  <a:srgbClr val="FFFFFF"/>
+                </a:solidFill>
+                <a:latin typeface="Verdana" panose="020B0604030504040204" pitchFamily="34" charset="0"/>
+              </a:rPr>
+              <a:t> </a:t>
+            </a:r>
+            <a:r>
+              <a:rPr lang="ru-RU" altLang="ru-RU" dirty="0" err="1">
+                <a:solidFill>
+                  <a:srgbClr val="FFCC00"/>
+                </a:solidFill>
+                <a:latin typeface="Verdana" panose="020B0604030504040204" pitchFamily="34" charset="0"/>
+              </a:rPr>
+              <a:t>SimpleVector</a:t>
+            </a:r>
+            <a:r>
+              <a:rPr lang="ru-RU" altLang="ru-RU" dirty="0">
+                <a:solidFill>
+                  <a:srgbClr val="FFCC00"/>
+                </a:solidFill>
+                <a:latin typeface="Verdana" panose="020B0604030504040204" pitchFamily="34" charset="0"/>
+              </a:rPr>
+              <a:t> </a:t>
+            </a:r>
+            <a:r>
+              <a:rPr lang="ru-RU" altLang="ru-RU" dirty="0">
+                <a:solidFill>
+                  <a:srgbClr val="FFFFFF"/>
+                </a:solidFill>
+                <a:latin typeface="Verdana" panose="020B0604030504040204" pitchFamily="34" charset="0"/>
+              </a:rPr>
+              <a:t>{</a:t>
+            </a:r>
+            <a:br>
+              <a:rPr lang="ru-RU" altLang="ru-RU" dirty="0">
+                <a:solidFill>
+                  <a:srgbClr val="FFFFFF"/>
+                </a:solidFill>
+                <a:latin typeface="Verdana" panose="020B0604030504040204" pitchFamily="34" charset="0"/>
+              </a:rPr>
+            </a:br>
+            <a:r>
+              <a:rPr lang="ru-RU" altLang="ru-RU" dirty="0" err="1">
+                <a:solidFill>
+                  <a:srgbClr val="FFFFFF"/>
+                </a:solidFill>
+                <a:latin typeface="Verdana" panose="020B0604030504040204" pitchFamily="34" charset="0"/>
+              </a:rPr>
+              <a:t>public</a:t>
+            </a:r>
+            <a:r>
+              <a:rPr lang="ru-RU" altLang="ru-RU" dirty="0">
+                <a:solidFill>
+                  <a:srgbClr val="FFFFFF"/>
+                </a:solidFill>
+                <a:latin typeface="Verdana" panose="020B0604030504040204" pitchFamily="34" charset="0"/>
+              </a:rPr>
+              <a:t>:</a:t>
+            </a:r>
+            <a:br>
+              <a:rPr lang="ru-RU" altLang="ru-RU" dirty="0">
+                <a:solidFill>
+                  <a:srgbClr val="FFFFFF"/>
+                </a:solidFill>
+                <a:latin typeface="Verdana" panose="020B0604030504040204" pitchFamily="34" charset="0"/>
+              </a:rPr>
+            </a:br>
+            <a:r>
+              <a:rPr lang="ru-RU" altLang="ru-RU" dirty="0">
+                <a:solidFill>
+                  <a:srgbClr val="FFFFFF"/>
+                </a:solidFill>
+                <a:latin typeface="Verdana" panose="020B0604030504040204" pitchFamily="34" charset="0"/>
+              </a:rPr>
+              <a:t>  </a:t>
+            </a:r>
+            <a:r>
+              <a:rPr lang="ru-RU" altLang="ru-RU" dirty="0" err="1">
+                <a:solidFill>
+                  <a:srgbClr val="FFCC00"/>
+                </a:solidFill>
+                <a:latin typeface="Verdana" panose="020B0604030504040204" pitchFamily="34" charset="0"/>
+              </a:rPr>
+              <a:t>SimpleVector</a:t>
+            </a:r>
+            <a:r>
+              <a:rPr lang="ru-RU" altLang="ru-RU" dirty="0">
+                <a:solidFill>
+                  <a:srgbClr val="FFFFFF"/>
+                </a:solidFill>
+                <a:latin typeface="Verdana" panose="020B0604030504040204" pitchFamily="34" charset="0"/>
+              </a:rPr>
+              <a:t>() = </a:t>
+            </a:r>
+            <a:r>
+              <a:rPr lang="ru-RU" altLang="ru-RU" dirty="0" err="1">
+                <a:solidFill>
+                  <a:srgbClr val="FFFFFF"/>
+                </a:solidFill>
+                <a:latin typeface="Verdana" panose="020B0604030504040204" pitchFamily="34" charset="0"/>
+              </a:rPr>
+              <a:t>default</a:t>
+            </a:r>
+            <a:r>
+              <a:rPr lang="ru-RU" altLang="ru-RU" dirty="0">
+                <a:solidFill>
+                  <a:srgbClr val="FFFFFF"/>
+                </a:solidFill>
+                <a:latin typeface="Verdana" panose="020B0604030504040204" pitchFamily="34" charset="0"/>
+              </a:rPr>
+              <a:t>;</a:t>
+            </a:r>
+            <a:br>
+              <a:rPr lang="ru-RU" altLang="ru-RU" dirty="0">
+                <a:solidFill>
+                  <a:srgbClr val="FFFFFF"/>
+                </a:solidFill>
+                <a:latin typeface="Verdana" panose="020B0604030504040204" pitchFamily="34" charset="0"/>
+              </a:rPr>
+            </a:br>
+            <a:r>
+              <a:rPr lang="ru-RU" altLang="ru-RU" dirty="0">
+                <a:solidFill>
+                  <a:srgbClr val="FFFFFF"/>
+                </a:solidFill>
+                <a:latin typeface="Verdana" panose="020B0604030504040204" pitchFamily="34" charset="0"/>
+              </a:rPr>
+              <a:t>  </a:t>
+            </a:r>
+            <a:r>
+              <a:rPr lang="ru-RU" altLang="ru-RU" dirty="0" err="1">
+                <a:solidFill>
+                  <a:srgbClr val="FFFFFF"/>
+                </a:solidFill>
+                <a:latin typeface="Verdana" panose="020B0604030504040204" pitchFamily="34" charset="0"/>
+              </a:rPr>
+              <a:t>explicit</a:t>
+            </a:r>
+            <a:r>
+              <a:rPr lang="ru-RU" altLang="ru-RU" dirty="0">
+                <a:solidFill>
+                  <a:srgbClr val="FFFFFF"/>
+                </a:solidFill>
+                <a:latin typeface="Verdana" panose="020B0604030504040204" pitchFamily="34" charset="0"/>
+              </a:rPr>
+              <a:t> </a:t>
+            </a:r>
+            <a:r>
+              <a:rPr lang="ru-RU" altLang="ru-RU" dirty="0" err="1">
+                <a:solidFill>
+                  <a:srgbClr val="FFCC00"/>
+                </a:solidFill>
+                <a:latin typeface="Verdana" panose="020B0604030504040204" pitchFamily="34" charset="0"/>
+              </a:rPr>
+              <a:t>SimpleVector</a:t>
+            </a:r>
+            <a:r>
+              <a:rPr lang="ru-RU" altLang="ru-RU" dirty="0">
+                <a:solidFill>
+                  <a:srgbClr val="FFFFFF"/>
+                </a:solidFill>
+                <a:latin typeface="Verdana" panose="020B0604030504040204" pitchFamily="34" charset="0"/>
+              </a:rPr>
+              <a:t>(</a:t>
+            </a:r>
+            <a:r>
+              <a:rPr lang="ru-RU" altLang="ru-RU" dirty="0" err="1">
+                <a:solidFill>
+                  <a:srgbClr val="FFCC00"/>
+                </a:solidFill>
+                <a:latin typeface="Verdana" panose="020B0604030504040204" pitchFamily="34" charset="0"/>
+              </a:rPr>
+              <a:t>size_t</a:t>
+            </a:r>
+            <a:r>
+              <a:rPr lang="ru-RU" altLang="ru-RU" dirty="0">
+                <a:solidFill>
+                  <a:srgbClr val="FFCC00"/>
+                </a:solidFill>
+                <a:latin typeface="Verdana" panose="020B0604030504040204" pitchFamily="34" charset="0"/>
+              </a:rPr>
+              <a:t> </a:t>
+            </a:r>
+            <a:r>
+              <a:rPr lang="ru-RU" altLang="ru-RU" dirty="0" err="1">
+                <a:solidFill>
+                  <a:srgbClr val="5BCD9D"/>
+                </a:solidFill>
+                <a:latin typeface="Verdana" panose="020B0604030504040204" pitchFamily="34" charset="0"/>
+              </a:rPr>
+              <a:t>size</a:t>
+            </a:r>
+            <a:r>
+              <a:rPr lang="ru-RU" altLang="ru-RU" dirty="0">
+                <a:solidFill>
+                  <a:srgbClr val="FFFFFF"/>
+                </a:solidFill>
+                <a:latin typeface="Verdana" panose="020B0604030504040204" pitchFamily="34" charset="0"/>
+              </a:rPr>
+              <a:t>);</a:t>
+            </a:r>
+            <a:br>
+              <a:rPr lang="ru-RU" altLang="ru-RU" dirty="0">
+                <a:solidFill>
+                  <a:srgbClr val="FFFFFF"/>
+                </a:solidFill>
+                <a:latin typeface="Verdana" panose="020B0604030504040204" pitchFamily="34" charset="0"/>
+              </a:rPr>
+            </a:br>
+            <a:r>
+              <a:rPr lang="ru-RU" altLang="ru-RU" dirty="0">
+                <a:solidFill>
+                  <a:srgbClr val="FFFFFF"/>
+                </a:solidFill>
+                <a:latin typeface="Verdana" panose="020B0604030504040204" pitchFamily="34" charset="0"/>
+              </a:rPr>
+              <a:t>  ~</a:t>
+            </a:r>
+            <a:r>
+              <a:rPr lang="ru-RU" altLang="ru-RU" dirty="0" err="1">
+                <a:solidFill>
+                  <a:srgbClr val="FFCC00"/>
+                </a:solidFill>
+                <a:latin typeface="Verdana" panose="020B0604030504040204" pitchFamily="34" charset="0"/>
+              </a:rPr>
+              <a:t>SimpleVector</a:t>
+            </a:r>
+            <a:r>
+              <a:rPr lang="ru-RU" altLang="ru-RU" dirty="0">
+                <a:solidFill>
+                  <a:srgbClr val="FFFFFF"/>
+                </a:solidFill>
+                <a:latin typeface="Verdana" panose="020B0604030504040204" pitchFamily="34" charset="0"/>
+              </a:rPr>
+              <a:t>();</a:t>
+            </a:r>
+            <a:br>
+              <a:rPr lang="ru-RU" altLang="ru-RU" dirty="0">
+                <a:solidFill>
+                  <a:srgbClr val="FFFFFF"/>
+                </a:solidFill>
+                <a:latin typeface="Verdana" panose="020B0604030504040204" pitchFamily="34" charset="0"/>
+              </a:rPr>
+            </a:br>
+            <a:r>
+              <a:rPr lang="ru-RU" altLang="ru-RU" dirty="0" smtClean="0">
+                <a:solidFill>
+                  <a:srgbClr val="FFFFFF"/>
+                </a:solidFill>
+                <a:latin typeface="Verdana" panose="020B0604030504040204" pitchFamily="34" charset="0"/>
+              </a:rPr>
+              <a:t>  </a:t>
+            </a:r>
+            <a:r>
+              <a:rPr lang="ru-RU" altLang="ru-RU" dirty="0">
+                <a:solidFill>
+                  <a:srgbClr val="FFCC00"/>
+                </a:solidFill>
+                <a:latin typeface="Verdana" panose="020B0604030504040204" pitchFamily="34" charset="0"/>
+              </a:rPr>
+              <a:t>T</a:t>
+            </a:r>
+            <a:r>
+              <a:rPr lang="ru-RU" altLang="ru-RU" dirty="0">
+                <a:solidFill>
+                  <a:srgbClr val="FFFFFF"/>
+                </a:solidFill>
+                <a:latin typeface="Verdana" panose="020B0604030504040204" pitchFamily="34" charset="0"/>
+              </a:rPr>
+              <a:t>&amp; </a:t>
+            </a:r>
+            <a:r>
+              <a:rPr lang="ru-RU" altLang="ru-RU" dirty="0" err="1">
+                <a:solidFill>
+                  <a:srgbClr val="FFFFFF"/>
+                </a:solidFill>
+                <a:latin typeface="Verdana" panose="020B0604030504040204" pitchFamily="34" charset="0"/>
+              </a:rPr>
+              <a:t>operator</a:t>
+            </a:r>
+            <a:r>
+              <a:rPr lang="ru-RU" altLang="ru-RU" dirty="0">
+                <a:solidFill>
+                  <a:srgbClr val="FFFFFF"/>
+                </a:solidFill>
+                <a:latin typeface="Verdana" panose="020B0604030504040204" pitchFamily="34" charset="0"/>
+              </a:rPr>
+              <a:t>[](</a:t>
+            </a:r>
+            <a:r>
+              <a:rPr lang="ru-RU" altLang="ru-RU" dirty="0" err="1">
+                <a:solidFill>
+                  <a:srgbClr val="FFCC00"/>
+                </a:solidFill>
+                <a:latin typeface="Verdana" panose="020B0604030504040204" pitchFamily="34" charset="0"/>
+              </a:rPr>
+              <a:t>size_t</a:t>
+            </a:r>
+            <a:r>
+              <a:rPr lang="ru-RU" altLang="ru-RU" dirty="0">
+                <a:solidFill>
+                  <a:srgbClr val="FFCC00"/>
+                </a:solidFill>
+                <a:latin typeface="Verdana" panose="020B0604030504040204" pitchFamily="34" charset="0"/>
+              </a:rPr>
+              <a:t> </a:t>
+            </a:r>
+            <a:r>
+              <a:rPr lang="ru-RU" altLang="ru-RU" dirty="0" err="1">
+                <a:solidFill>
+                  <a:srgbClr val="5BCD9D"/>
+                </a:solidFill>
+                <a:latin typeface="Verdana" panose="020B0604030504040204" pitchFamily="34" charset="0"/>
+              </a:rPr>
+              <a:t>index</a:t>
+            </a:r>
+            <a:r>
+              <a:rPr lang="ru-RU" altLang="ru-RU" dirty="0">
+                <a:solidFill>
+                  <a:srgbClr val="FFFFFF"/>
+                </a:solidFill>
+                <a:latin typeface="Verdana" panose="020B0604030504040204" pitchFamily="34" charset="0"/>
+              </a:rPr>
+              <a:t>);</a:t>
+            </a:r>
+            <a:br>
+              <a:rPr lang="ru-RU" altLang="ru-RU" dirty="0">
+                <a:solidFill>
+                  <a:srgbClr val="FFFFFF"/>
+                </a:solidFill>
+                <a:latin typeface="Verdana" panose="020B0604030504040204" pitchFamily="34" charset="0"/>
+              </a:rPr>
+            </a:br>
+            <a:r>
+              <a:rPr lang="ru-RU" altLang="ru-RU" dirty="0" smtClean="0">
+                <a:solidFill>
+                  <a:srgbClr val="FFFFFF"/>
+                </a:solidFill>
+                <a:latin typeface="Verdana" panose="020B0604030504040204" pitchFamily="34" charset="0"/>
+              </a:rPr>
+              <a:t>  </a:t>
+            </a:r>
+            <a:r>
+              <a:rPr lang="ru-RU" altLang="ru-RU" dirty="0">
+                <a:solidFill>
+                  <a:srgbClr val="FFCC00"/>
+                </a:solidFill>
+                <a:latin typeface="Verdana" panose="020B0604030504040204" pitchFamily="34" charset="0"/>
+              </a:rPr>
+              <a:t>T</a:t>
+            </a:r>
+            <a:r>
+              <a:rPr lang="ru-RU" altLang="ru-RU" dirty="0">
+                <a:solidFill>
+                  <a:srgbClr val="FFFFFF"/>
+                </a:solidFill>
+                <a:latin typeface="Verdana" panose="020B0604030504040204" pitchFamily="34" charset="0"/>
+              </a:rPr>
+              <a:t>* </a:t>
+            </a:r>
+            <a:r>
+              <a:rPr lang="ru-RU" altLang="ru-RU" dirty="0" err="1">
+                <a:solidFill>
+                  <a:srgbClr val="FFCC00"/>
+                </a:solidFill>
+                <a:latin typeface="Verdana" panose="020B0604030504040204" pitchFamily="34" charset="0"/>
+              </a:rPr>
+              <a:t>begin</a:t>
+            </a:r>
+            <a:r>
+              <a:rPr lang="ru-RU" altLang="ru-RU" dirty="0">
+                <a:solidFill>
+                  <a:srgbClr val="FFFFFF"/>
+                </a:solidFill>
+                <a:latin typeface="Verdana" panose="020B0604030504040204" pitchFamily="34" charset="0"/>
+              </a:rPr>
+              <a:t>();</a:t>
+            </a:r>
+            <a:br>
+              <a:rPr lang="ru-RU" altLang="ru-RU" dirty="0">
+                <a:solidFill>
+                  <a:srgbClr val="FFFFFF"/>
+                </a:solidFill>
+                <a:latin typeface="Verdana" panose="020B0604030504040204" pitchFamily="34" charset="0"/>
+              </a:rPr>
+            </a:br>
+            <a:r>
+              <a:rPr lang="ru-RU" altLang="ru-RU" dirty="0">
+                <a:solidFill>
+                  <a:srgbClr val="FFFFFF"/>
+                </a:solidFill>
+                <a:latin typeface="Verdana" panose="020B0604030504040204" pitchFamily="34" charset="0"/>
+              </a:rPr>
+              <a:t>  </a:t>
+            </a:r>
+            <a:r>
+              <a:rPr lang="ru-RU" altLang="ru-RU" dirty="0">
+                <a:solidFill>
+                  <a:srgbClr val="FFCC00"/>
+                </a:solidFill>
+                <a:latin typeface="Verdana" panose="020B0604030504040204" pitchFamily="34" charset="0"/>
+              </a:rPr>
+              <a:t>T</a:t>
+            </a:r>
+            <a:r>
+              <a:rPr lang="ru-RU" altLang="ru-RU" dirty="0">
+                <a:solidFill>
+                  <a:srgbClr val="FFFFFF"/>
+                </a:solidFill>
+                <a:latin typeface="Verdana" panose="020B0604030504040204" pitchFamily="34" charset="0"/>
+              </a:rPr>
+              <a:t>* </a:t>
+            </a:r>
+            <a:r>
+              <a:rPr lang="ru-RU" altLang="ru-RU" dirty="0" err="1">
+                <a:solidFill>
+                  <a:srgbClr val="FFCC00"/>
+                </a:solidFill>
+                <a:latin typeface="Verdana" panose="020B0604030504040204" pitchFamily="34" charset="0"/>
+              </a:rPr>
+              <a:t>end</a:t>
+            </a:r>
+            <a:r>
+              <a:rPr lang="ru-RU" altLang="ru-RU" dirty="0">
+                <a:solidFill>
+                  <a:srgbClr val="FFFFFF"/>
+                </a:solidFill>
+                <a:latin typeface="Verdana" panose="020B0604030504040204" pitchFamily="34" charset="0"/>
+              </a:rPr>
+              <a:t>();</a:t>
+            </a:r>
+            <a:br>
+              <a:rPr lang="ru-RU" altLang="ru-RU" dirty="0">
+                <a:solidFill>
+                  <a:srgbClr val="FFFFFF"/>
+                </a:solidFill>
+                <a:latin typeface="Verdana" panose="020B0604030504040204" pitchFamily="34" charset="0"/>
+              </a:rPr>
+            </a:br>
+            <a:r>
+              <a:rPr lang="ru-RU" altLang="ru-RU" dirty="0" smtClean="0">
+                <a:solidFill>
+                  <a:srgbClr val="FFFFFF"/>
+                </a:solidFill>
+                <a:latin typeface="Verdana" panose="020B0604030504040204" pitchFamily="34" charset="0"/>
+              </a:rPr>
+              <a:t>  </a:t>
+            </a:r>
+            <a:r>
+              <a:rPr lang="ru-RU" altLang="ru-RU" dirty="0" err="1">
+                <a:solidFill>
+                  <a:srgbClr val="FFCC00"/>
+                </a:solidFill>
+                <a:latin typeface="Verdana" panose="020B0604030504040204" pitchFamily="34" charset="0"/>
+              </a:rPr>
+              <a:t>size_t</a:t>
+            </a:r>
+            <a:r>
+              <a:rPr lang="ru-RU" altLang="ru-RU" dirty="0">
+                <a:solidFill>
+                  <a:srgbClr val="FFCC00"/>
+                </a:solidFill>
+                <a:latin typeface="Verdana" panose="020B0604030504040204" pitchFamily="34" charset="0"/>
+              </a:rPr>
+              <a:t> </a:t>
+            </a:r>
+            <a:r>
+              <a:rPr lang="ru-RU" altLang="ru-RU" dirty="0" err="1">
+                <a:solidFill>
+                  <a:srgbClr val="FFCC00"/>
+                </a:solidFill>
+                <a:latin typeface="Verdana" panose="020B0604030504040204" pitchFamily="34" charset="0"/>
+              </a:rPr>
+              <a:t>Size</a:t>
+            </a:r>
+            <a:r>
+              <a:rPr lang="ru-RU" altLang="ru-RU" dirty="0">
+                <a:solidFill>
+                  <a:srgbClr val="FFFFFF"/>
+                </a:solidFill>
+                <a:latin typeface="Verdana" panose="020B0604030504040204" pitchFamily="34" charset="0"/>
+              </a:rPr>
+              <a:t>() </a:t>
+            </a:r>
+            <a:r>
+              <a:rPr lang="ru-RU" altLang="ru-RU" dirty="0" err="1">
+                <a:solidFill>
+                  <a:srgbClr val="FFFFFF"/>
+                </a:solidFill>
+                <a:latin typeface="Verdana" panose="020B0604030504040204" pitchFamily="34" charset="0"/>
+              </a:rPr>
+              <a:t>const</a:t>
+            </a:r>
+            <a:r>
+              <a:rPr lang="ru-RU" altLang="ru-RU" dirty="0">
+                <a:solidFill>
+                  <a:srgbClr val="FFFFFF"/>
+                </a:solidFill>
+                <a:latin typeface="Verdana" panose="020B0604030504040204" pitchFamily="34" charset="0"/>
+              </a:rPr>
+              <a:t>;</a:t>
+            </a:r>
+            <a:br>
+              <a:rPr lang="ru-RU" altLang="ru-RU" dirty="0">
+                <a:solidFill>
+                  <a:srgbClr val="FFFFFF"/>
+                </a:solidFill>
+                <a:latin typeface="Verdana" panose="020B0604030504040204" pitchFamily="34" charset="0"/>
+              </a:rPr>
+            </a:br>
+            <a:r>
+              <a:rPr lang="ru-RU" altLang="ru-RU" dirty="0">
+                <a:solidFill>
+                  <a:srgbClr val="FFFFFF"/>
+                </a:solidFill>
+                <a:latin typeface="Verdana" panose="020B0604030504040204" pitchFamily="34" charset="0"/>
+              </a:rPr>
+              <a:t>  </a:t>
+            </a:r>
+            <a:r>
+              <a:rPr lang="ru-RU" altLang="ru-RU" dirty="0" err="1">
+                <a:solidFill>
+                  <a:srgbClr val="FFCC00"/>
+                </a:solidFill>
+                <a:latin typeface="Verdana" panose="020B0604030504040204" pitchFamily="34" charset="0"/>
+              </a:rPr>
+              <a:t>size_t</a:t>
+            </a:r>
+            <a:r>
+              <a:rPr lang="ru-RU" altLang="ru-RU" dirty="0">
+                <a:solidFill>
+                  <a:srgbClr val="FFCC00"/>
+                </a:solidFill>
+                <a:latin typeface="Verdana" panose="020B0604030504040204" pitchFamily="34" charset="0"/>
+              </a:rPr>
+              <a:t> </a:t>
+            </a:r>
+            <a:r>
+              <a:rPr lang="ru-RU" altLang="ru-RU" dirty="0" err="1">
+                <a:solidFill>
+                  <a:srgbClr val="FFCC00"/>
+                </a:solidFill>
+                <a:latin typeface="Verdana" panose="020B0604030504040204" pitchFamily="34" charset="0"/>
+              </a:rPr>
+              <a:t>Capacity</a:t>
+            </a:r>
+            <a:r>
+              <a:rPr lang="ru-RU" altLang="ru-RU" dirty="0">
+                <a:solidFill>
+                  <a:srgbClr val="FFFFFF"/>
+                </a:solidFill>
+                <a:latin typeface="Verdana" panose="020B0604030504040204" pitchFamily="34" charset="0"/>
+              </a:rPr>
+              <a:t>() </a:t>
+            </a:r>
+            <a:r>
+              <a:rPr lang="ru-RU" altLang="ru-RU" dirty="0" err="1">
+                <a:solidFill>
+                  <a:srgbClr val="FFFFFF"/>
+                </a:solidFill>
+                <a:latin typeface="Verdana" panose="020B0604030504040204" pitchFamily="34" charset="0"/>
+              </a:rPr>
+              <a:t>const</a:t>
+            </a:r>
+            <a:r>
+              <a:rPr lang="ru-RU" altLang="ru-RU" dirty="0">
+                <a:solidFill>
+                  <a:srgbClr val="FFFFFF"/>
+                </a:solidFill>
+                <a:latin typeface="Verdana" panose="020B0604030504040204" pitchFamily="34" charset="0"/>
+              </a:rPr>
+              <a:t>;</a:t>
+            </a:r>
+            <a:br>
+              <a:rPr lang="ru-RU" altLang="ru-RU" dirty="0">
+                <a:solidFill>
+                  <a:srgbClr val="FFFFFF"/>
+                </a:solidFill>
+                <a:latin typeface="Verdana" panose="020B0604030504040204" pitchFamily="34" charset="0"/>
+              </a:rPr>
+            </a:br>
+            <a:r>
+              <a:rPr lang="ru-RU" altLang="ru-RU" dirty="0">
+                <a:solidFill>
+                  <a:srgbClr val="FFFFFF"/>
+                </a:solidFill>
+                <a:latin typeface="Verdana" panose="020B0604030504040204" pitchFamily="34" charset="0"/>
+              </a:rPr>
+              <a:t>  </a:t>
+            </a:r>
+            <a:r>
+              <a:rPr lang="ru-RU" altLang="ru-RU" dirty="0" err="1">
+                <a:solidFill>
+                  <a:srgbClr val="FFFFFF"/>
+                </a:solidFill>
+                <a:latin typeface="Verdana" panose="020B0604030504040204" pitchFamily="34" charset="0"/>
+              </a:rPr>
+              <a:t>void</a:t>
+            </a:r>
+            <a:r>
+              <a:rPr lang="ru-RU" altLang="ru-RU" dirty="0">
+                <a:solidFill>
+                  <a:srgbClr val="FFFFFF"/>
+                </a:solidFill>
+                <a:latin typeface="Verdana" panose="020B0604030504040204" pitchFamily="34" charset="0"/>
+              </a:rPr>
+              <a:t> </a:t>
+            </a:r>
+            <a:r>
+              <a:rPr lang="ru-RU" altLang="ru-RU" dirty="0" err="1">
+                <a:solidFill>
+                  <a:srgbClr val="FFCC00"/>
+                </a:solidFill>
+                <a:latin typeface="Verdana" panose="020B0604030504040204" pitchFamily="34" charset="0"/>
+              </a:rPr>
+              <a:t>PushBack</a:t>
+            </a:r>
+            <a:r>
+              <a:rPr lang="ru-RU" altLang="ru-RU" dirty="0">
+                <a:solidFill>
+                  <a:srgbClr val="FFFFFF"/>
+                </a:solidFill>
+                <a:latin typeface="Verdana" panose="020B0604030504040204" pitchFamily="34" charset="0"/>
+              </a:rPr>
+              <a:t>(</a:t>
+            </a:r>
+            <a:r>
+              <a:rPr lang="ru-RU" altLang="ru-RU" dirty="0" err="1">
+                <a:solidFill>
+                  <a:srgbClr val="FFFFFF"/>
+                </a:solidFill>
+                <a:latin typeface="Verdana" panose="020B0604030504040204" pitchFamily="34" charset="0"/>
+              </a:rPr>
+              <a:t>const</a:t>
+            </a:r>
+            <a:r>
+              <a:rPr lang="ru-RU" altLang="ru-RU" dirty="0">
+                <a:solidFill>
+                  <a:srgbClr val="FFFFFF"/>
+                </a:solidFill>
+                <a:latin typeface="Verdana" panose="020B0604030504040204" pitchFamily="34" charset="0"/>
+              </a:rPr>
+              <a:t> </a:t>
+            </a:r>
+            <a:r>
+              <a:rPr lang="ru-RU" altLang="ru-RU" dirty="0">
+                <a:solidFill>
+                  <a:srgbClr val="FFCC00"/>
+                </a:solidFill>
+                <a:latin typeface="Verdana" panose="020B0604030504040204" pitchFamily="34" charset="0"/>
+              </a:rPr>
+              <a:t>T</a:t>
+            </a:r>
+            <a:r>
+              <a:rPr lang="ru-RU" altLang="ru-RU" dirty="0">
+                <a:solidFill>
+                  <a:srgbClr val="FFFFFF"/>
+                </a:solidFill>
+                <a:latin typeface="Verdana" panose="020B0604030504040204" pitchFamily="34" charset="0"/>
+              </a:rPr>
+              <a:t>&amp; </a:t>
+            </a:r>
+            <a:r>
+              <a:rPr lang="ru-RU" altLang="ru-RU" dirty="0" err="1">
+                <a:solidFill>
+                  <a:srgbClr val="5BCD9D"/>
+                </a:solidFill>
+                <a:latin typeface="Verdana" panose="020B0604030504040204" pitchFamily="34" charset="0"/>
+              </a:rPr>
+              <a:t>value</a:t>
+            </a:r>
+            <a:r>
+              <a:rPr lang="ru-RU" altLang="ru-RU" dirty="0">
+                <a:solidFill>
+                  <a:srgbClr val="FFFFFF"/>
+                </a:solidFill>
+                <a:latin typeface="Verdana" panose="020B0604030504040204" pitchFamily="34" charset="0"/>
+              </a:rPr>
+              <a:t>);</a:t>
+            </a:r>
+            <a:br>
+              <a:rPr lang="ru-RU" altLang="ru-RU" dirty="0">
+                <a:solidFill>
+                  <a:srgbClr val="FFFFFF"/>
+                </a:solidFill>
+                <a:latin typeface="Verdana" panose="020B0604030504040204" pitchFamily="34" charset="0"/>
+              </a:rPr>
+            </a:br>
+            <a:r>
+              <a:rPr lang="ru-RU" altLang="ru-RU" dirty="0" smtClean="0">
+                <a:solidFill>
+                  <a:srgbClr val="FFFFFF"/>
+                </a:solidFill>
+                <a:latin typeface="Verdana" panose="020B0604030504040204" pitchFamily="34" charset="0"/>
+              </a:rPr>
+              <a:t>};</a:t>
+            </a:r>
+            <a:endParaRPr lang="ru-RU" altLang="ru-RU" sz="6600" dirty="0">
+              <a:solidFill>
+                <a:schemeClr val="tx1"/>
+              </a:solidFill>
+              <a:latin typeface="Arial" panose="020B0604020202020204" pitchFamily="34" charset="0"/>
+            </a:endParaRPr>
+          </a:p>
+        </p:txBody>
+      </p:sp>
+    </p:spTree>
+    <p:extLst>
+      <p:ext uri="{BB962C8B-B14F-4D97-AF65-F5344CB8AC3E}">
+        <p14:creationId xmlns:p14="http://schemas.microsoft.com/office/powerpoint/2010/main" val="2151869753"/>
+      </p:ext>
+    </p:extLst>
+  </p:cSld>
+  <p:clrMapOvr>
+    <a:masterClrMapping/>
+  </p:clrMapOvr>
+  <p:timing>
+    <p:tnLst>
+      <p:par>
+        <p:cTn id="1" dur="indefinite" restart="never" nodeType="tmRoot"/>
+      </p:par>
+    </p:tnLst>
+  </p:timing>
+</p:sld>
+</file>
+
+<file path=ppt/slides/slide37.xml><?xml version="1.0" encoding="utf-8"?>
+<p:sld xmlns:a="http://schemas.openxmlformats.org/drawingml/2006/main" xmlns:r="http://schemas.openxmlformats.org/officeDocument/2006/relationships" xmlns:p="http://schemas.openxmlformats.org/presentationml/2006/main">
+  <p:cSld>
+    <p:spTree>
+      <p:nvGrpSpPr>
+        <p:cNvPr id="1" name=""/>
+        <p:cNvGrpSpPr/>
+        <p:nvPr/>
+      </p:nvGrpSpPr>
+      <p:grpSpPr>
+        <a:xfrm>
+          <a:off x="0" y="0"/>
+          <a:ext cx="0" cy="0"/>
+          <a:chOff x="0" y="0"/>
+          <a:chExt cx="0" cy="0"/>
+        </a:xfrm>
+      </p:grpSpPr>
+      <p:sp>
+        <p:nvSpPr>
+          <p:cNvPr id="2" name="Заголовок 1"/>
+          <p:cNvSpPr>
+            <a:spLocks noGrp="1"/>
+          </p:cNvSpPr>
+          <p:nvPr>
+            <p:ph type="title"/>
+          </p:nvPr>
+        </p:nvSpPr>
+        <p:spPr/>
+        <p:txBody>
+          <a:bodyPr/>
+          <a:lstStyle/>
+          <a:p>
+            <a:r>
+              <a:rPr lang="ru-RU" dirty="0" smtClean="0"/>
+              <a:t>Тестирование интерфейса </a:t>
+            </a:r>
+            <a:r>
+              <a:rPr lang="en-US" dirty="0" err="1" smtClean="0"/>
+              <a:t>SimpleVector</a:t>
+            </a:r>
+            <a:endParaRPr lang="ru-RU" dirty="0"/>
+          </a:p>
+        </p:txBody>
+      </p:sp>
+      <p:sp>
+        <p:nvSpPr>
+          <p:cNvPr id="8" name="Объект 7"/>
+          <p:cNvSpPr>
+            <a:spLocks noGrp="1"/>
+          </p:cNvSpPr>
+          <p:nvPr>
+            <p:ph idx="1"/>
+          </p:nvPr>
+        </p:nvSpPr>
+        <p:spPr>
+          <a:xfrm>
+            <a:off x="1143000" y="3048000"/>
+            <a:ext cx="22112290" cy="2665413"/>
+          </a:xfrm>
+        </p:spPr>
+        <p:txBody>
+          <a:bodyPr/>
+          <a:lstStyle/>
+          <a:p>
+            <a:pPr lvl="1"/>
+            <a:r>
+              <a:rPr lang="ru-RU" dirty="0" smtClean="0"/>
+              <a:t>Можно запускать компиляцию и возвращать сообщение компилятора,</a:t>
+            </a:r>
+          </a:p>
+          <a:p>
+            <a:pPr lvl="1"/>
+            <a:r>
+              <a:rPr lang="ru-RU" dirty="0" smtClean="0"/>
+              <a:t>если она не удалась</a:t>
+            </a:r>
+            <a:endParaRPr lang="ru-RU" dirty="0" smtClean="0"/>
+          </a:p>
+        </p:txBody>
+      </p:sp>
+      <p:sp>
+        <p:nvSpPr>
+          <p:cNvPr id="4" name="Нижний колонтитул 3"/>
+          <p:cNvSpPr>
+            <a:spLocks noGrp="1"/>
+          </p:cNvSpPr>
+          <p:nvPr>
+            <p:ph type="ftr" sz="quarter" idx="11"/>
+          </p:nvPr>
+        </p:nvSpPr>
+        <p:spPr/>
+        <p:txBody>
+          <a:bodyPr/>
+          <a:lstStyle/>
+          <a:p>
+            <a:endParaRPr lang="ru-RU"/>
+          </a:p>
+        </p:txBody>
+      </p:sp>
+      <p:sp>
+        <p:nvSpPr>
+          <p:cNvPr id="5" name="Номер слайда 4"/>
+          <p:cNvSpPr>
+            <a:spLocks noGrp="1"/>
+          </p:cNvSpPr>
+          <p:nvPr>
+            <p:ph type="sldNum" sz="quarter" idx="12"/>
+          </p:nvPr>
+        </p:nvSpPr>
+        <p:spPr/>
+        <p:txBody>
+          <a:bodyPr/>
+          <a:lstStyle/>
+          <a:p>
+            <a:fld id="{741C03D3-FA44-40EC-9A21-1FC4FEA3E22E}" type="slidenum">
+              <a:rPr lang="ru-RU" smtClean="0"/>
+              <a:t>37</a:t>
+            </a:fld>
+            <a:endParaRPr lang="ru-RU"/>
+          </a:p>
+        </p:txBody>
+      </p:sp>
+      <p:sp>
+        <p:nvSpPr>
+          <p:cNvPr id="6" name="Объект 5"/>
+          <p:cNvSpPr>
+            <a:spLocks noGrp="1"/>
+          </p:cNvSpPr>
+          <p:nvPr>
+            <p:ph idx="13"/>
+          </p:nvPr>
+        </p:nvSpPr>
+        <p:spPr>
+          <a:xfrm>
+            <a:off x="1" y="6094413"/>
+            <a:ext cx="24382412" cy="7621587"/>
+          </a:xfrm>
+        </p:spPr>
+        <p:txBody>
+          <a:bodyPr/>
+          <a:lstStyle/>
+          <a:p>
+            <a:pPr defTabSz="914400" eaLnBrk="0" fontAlgn="base" hangingPunct="0">
+              <a:lnSpc>
+                <a:spcPct val="125000"/>
+              </a:lnSpc>
+              <a:spcBef>
+                <a:spcPct val="0"/>
+              </a:spcBef>
+              <a:spcAft>
+                <a:spcPct val="0"/>
+              </a:spcAft>
+            </a:pPr>
+            <a:r>
+              <a:rPr lang="en-US" dirty="0"/>
+              <a:t>__SUBMISSION__</a:t>
+            </a:r>
+            <a:r>
+              <a:rPr lang="ru-RU" dirty="0"/>
+              <a:t>     </a:t>
+            </a:r>
+            <a:r>
+              <a:rPr lang="ru-RU" altLang="ru-RU" dirty="0">
+                <a:solidFill>
+                  <a:srgbClr val="72C3E0"/>
+                </a:solidFill>
+                <a:latin typeface="Verdana" panose="020B0604030504040204" pitchFamily="34" charset="0"/>
+              </a:rPr>
+              <a:t>// Заменяется </a:t>
+            </a:r>
+            <a:r>
+              <a:rPr lang="ru-RU" altLang="ru-RU" dirty="0" err="1">
+                <a:solidFill>
+                  <a:srgbClr val="72C3E0"/>
+                </a:solidFill>
+                <a:latin typeface="Verdana" panose="020B0604030504040204" pitchFamily="34" charset="0"/>
+              </a:rPr>
+              <a:t>Python'ом</a:t>
+            </a:r>
+            <a:r>
+              <a:rPr lang="ru-RU" altLang="ru-RU" dirty="0">
+                <a:solidFill>
+                  <a:srgbClr val="72C3E0"/>
+                </a:solidFill>
+                <a:latin typeface="Verdana" panose="020B0604030504040204" pitchFamily="34" charset="0"/>
+              </a:rPr>
+              <a:t> на содержимое файла участника</a:t>
+            </a:r>
+            <a:endParaRPr lang="en-US" dirty="0"/>
+          </a:p>
+          <a:p>
+            <a:pPr lvl="0">
+              <a:lnSpc>
+                <a:spcPct val="125000"/>
+              </a:lnSpc>
+            </a:pPr>
+            <a:r>
+              <a:rPr lang="ru-RU" altLang="ru-RU" dirty="0" err="1" smtClean="0">
+                <a:solidFill>
+                  <a:srgbClr val="FFFFFF"/>
+                </a:solidFill>
+                <a:latin typeface="Verdana" panose="020B0604030504040204" pitchFamily="34" charset="0"/>
+              </a:rPr>
+              <a:t>int</a:t>
+            </a:r>
+            <a:r>
+              <a:rPr lang="ru-RU" altLang="ru-RU" dirty="0" smtClean="0">
+                <a:solidFill>
+                  <a:srgbClr val="FFFFFF"/>
+                </a:solidFill>
+                <a:latin typeface="Verdana" panose="020B0604030504040204" pitchFamily="34" charset="0"/>
+              </a:rPr>
+              <a:t> </a:t>
+            </a:r>
+            <a:r>
+              <a:rPr lang="ru-RU" altLang="ru-RU" dirty="0" err="1" smtClean="0">
+                <a:solidFill>
+                  <a:srgbClr val="FFCC00"/>
+                </a:solidFill>
+                <a:latin typeface="Verdana" panose="020B0604030504040204" pitchFamily="34" charset="0"/>
+              </a:rPr>
+              <a:t>main</a:t>
+            </a:r>
+            <a:r>
+              <a:rPr lang="ru-RU" altLang="ru-RU" dirty="0" smtClean="0">
+                <a:solidFill>
+                  <a:srgbClr val="FFFFFF"/>
+                </a:solidFill>
+                <a:latin typeface="Verdana" panose="020B0604030504040204" pitchFamily="34" charset="0"/>
+              </a:rPr>
+              <a:t>() {</a:t>
+            </a:r>
+            <a:br>
+              <a:rPr lang="ru-RU" altLang="ru-RU" dirty="0" smtClean="0">
+                <a:solidFill>
+                  <a:srgbClr val="FFFFFF"/>
+                </a:solidFill>
+                <a:latin typeface="Verdana" panose="020B0604030504040204" pitchFamily="34" charset="0"/>
+              </a:rPr>
+            </a:br>
+            <a:r>
+              <a:rPr lang="ru-RU" altLang="ru-RU" dirty="0" smtClean="0">
+                <a:solidFill>
+                  <a:srgbClr val="FFFFFF"/>
+                </a:solidFill>
+                <a:latin typeface="Verdana" panose="020B0604030504040204" pitchFamily="34" charset="0"/>
+              </a:rPr>
+              <a:t>    </a:t>
+            </a:r>
+            <a:r>
+              <a:rPr lang="ru-RU" altLang="ru-RU" dirty="0" err="1" smtClean="0">
+                <a:solidFill>
+                  <a:srgbClr val="FFCC00"/>
+                </a:solidFill>
+                <a:latin typeface="Verdana" panose="020B0604030504040204" pitchFamily="34" charset="0"/>
+              </a:rPr>
+              <a:t>SimpleVector</a:t>
+            </a:r>
+            <a:r>
+              <a:rPr lang="ru-RU" altLang="ru-RU" dirty="0" smtClean="0">
+                <a:solidFill>
+                  <a:srgbClr val="FFFFFF"/>
+                </a:solidFill>
+                <a:latin typeface="Verdana" panose="020B0604030504040204" pitchFamily="34" charset="0"/>
+              </a:rPr>
+              <a:t>&lt;</a:t>
+            </a:r>
+            <a:r>
+              <a:rPr lang="ru-RU" altLang="ru-RU" dirty="0" err="1" smtClean="0">
+                <a:solidFill>
+                  <a:srgbClr val="FFFFFF"/>
+                </a:solidFill>
+                <a:latin typeface="Verdana" panose="020B0604030504040204" pitchFamily="34" charset="0"/>
+              </a:rPr>
+              <a:t>int</a:t>
+            </a:r>
+            <a:r>
+              <a:rPr lang="ru-RU" altLang="ru-RU" dirty="0" smtClean="0">
+                <a:solidFill>
+                  <a:srgbClr val="FFFFFF"/>
+                </a:solidFill>
+                <a:latin typeface="Verdana" panose="020B0604030504040204" pitchFamily="34" charset="0"/>
+              </a:rPr>
+              <a:t>&gt; </a:t>
+            </a:r>
+            <a:r>
+              <a:rPr lang="ru-RU" altLang="ru-RU" dirty="0" smtClean="0">
+                <a:solidFill>
+                  <a:srgbClr val="5BCD9D"/>
+                </a:solidFill>
+                <a:latin typeface="Verdana" panose="020B0604030504040204" pitchFamily="34" charset="0"/>
+              </a:rPr>
+              <a:t>v</a:t>
+            </a:r>
+            <a:r>
+              <a:rPr lang="ru-RU" altLang="ru-RU" dirty="0" smtClean="0">
+                <a:solidFill>
+                  <a:srgbClr val="FFFFFF"/>
+                </a:solidFill>
+                <a:latin typeface="Verdana" panose="020B0604030504040204" pitchFamily="34" charset="0"/>
+              </a:rPr>
+              <a:t>(1);</a:t>
+            </a:r>
+            <a:br>
+              <a:rPr lang="ru-RU" altLang="ru-RU" dirty="0" smtClean="0">
+                <a:solidFill>
+                  <a:srgbClr val="FFFFFF"/>
+                </a:solidFill>
+                <a:latin typeface="Verdana" panose="020B0604030504040204" pitchFamily="34" charset="0"/>
+              </a:rPr>
+            </a:br>
+            <a:r>
+              <a:rPr lang="ru-RU" altLang="ru-RU" dirty="0" smtClean="0">
+                <a:solidFill>
+                  <a:srgbClr val="FFFFFF"/>
+                </a:solidFill>
+                <a:latin typeface="Verdana" panose="020B0604030504040204" pitchFamily="34" charset="0"/>
+              </a:rPr>
+              <a:t>    </a:t>
+            </a:r>
+            <a:r>
+              <a:rPr lang="ru-RU" altLang="ru-RU" dirty="0" err="1" smtClean="0">
+                <a:solidFill>
+                  <a:srgbClr val="FFFFFF"/>
+                </a:solidFill>
+                <a:latin typeface="Verdana" panose="020B0604030504040204" pitchFamily="34" charset="0"/>
+              </a:rPr>
+              <a:t>int</a:t>
+            </a:r>
+            <a:r>
+              <a:rPr lang="ru-RU" altLang="ru-RU" dirty="0" smtClean="0">
+                <a:solidFill>
+                  <a:srgbClr val="FFFFFF"/>
+                </a:solidFill>
+                <a:latin typeface="Verdana" panose="020B0604030504040204" pitchFamily="34" charset="0"/>
+              </a:rPr>
+              <a:t>&amp; </a:t>
+            </a:r>
+            <a:r>
+              <a:rPr lang="ru-RU" altLang="ru-RU" dirty="0" smtClean="0">
+                <a:solidFill>
+                  <a:srgbClr val="5BCD9D"/>
+                </a:solidFill>
+                <a:latin typeface="Verdana" panose="020B0604030504040204" pitchFamily="34" charset="0"/>
+              </a:rPr>
+              <a:t>x </a:t>
+            </a:r>
+            <a:r>
+              <a:rPr lang="ru-RU" altLang="ru-RU" dirty="0" smtClean="0">
+                <a:solidFill>
+                  <a:srgbClr val="FFFFFF"/>
+                </a:solidFill>
+                <a:latin typeface="Verdana" panose="020B0604030504040204" pitchFamily="34" charset="0"/>
+              </a:rPr>
+              <a:t>= </a:t>
+            </a:r>
+            <a:r>
+              <a:rPr lang="ru-RU" altLang="ru-RU" dirty="0" smtClean="0">
+                <a:solidFill>
+                  <a:srgbClr val="5BCD9D"/>
+                </a:solidFill>
+                <a:latin typeface="Verdana" panose="020B0604030504040204" pitchFamily="34" charset="0"/>
+              </a:rPr>
+              <a:t>v</a:t>
+            </a:r>
+            <a:r>
+              <a:rPr lang="ru-RU" altLang="ru-RU" dirty="0" smtClean="0">
+                <a:solidFill>
+                  <a:srgbClr val="FFFFFF"/>
+                </a:solidFill>
+                <a:latin typeface="Verdana" panose="020B0604030504040204" pitchFamily="34" charset="0"/>
+              </a:rPr>
+              <a:t>[0];</a:t>
+            </a:r>
+            <a:r>
+              <a:rPr lang="en-US" altLang="ru-RU" dirty="0" smtClean="0">
+                <a:solidFill>
+                  <a:srgbClr val="FFFFFF"/>
+                </a:solidFill>
+                <a:latin typeface="Verdana" panose="020B0604030504040204" pitchFamily="34" charset="0"/>
+              </a:rPr>
+              <a:t>       </a:t>
+            </a:r>
+            <a:r>
+              <a:rPr lang="en-US" altLang="ru-RU" dirty="0" smtClean="0">
+                <a:solidFill>
+                  <a:srgbClr val="72C3E0"/>
+                </a:solidFill>
+                <a:latin typeface="Verdana" panose="020B0604030504040204" pitchFamily="34" charset="0"/>
+              </a:rPr>
+              <a:t>// </a:t>
+            </a:r>
+            <a:r>
+              <a:rPr lang="ru-RU" altLang="ru-RU" dirty="0" smtClean="0">
+                <a:solidFill>
+                  <a:srgbClr val="72C3E0"/>
+                </a:solidFill>
+                <a:latin typeface="Verdana" panose="020B0604030504040204" pitchFamily="34" charset="0"/>
+              </a:rPr>
+              <a:t>Проверяем, что </a:t>
+            </a:r>
+            <a:r>
+              <a:rPr lang="en-US" altLang="ru-RU" dirty="0" smtClean="0">
+                <a:solidFill>
+                  <a:srgbClr val="72C3E0"/>
+                </a:solidFill>
+                <a:latin typeface="Verdana" panose="020B0604030504040204" pitchFamily="34" charset="0"/>
+              </a:rPr>
+              <a:t>operator[] </a:t>
+            </a:r>
+            <a:r>
+              <a:rPr lang="ru-RU" altLang="ru-RU" dirty="0" smtClean="0">
+                <a:solidFill>
+                  <a:srgbClr val="72C3E0"/>
+                </a:solidFill>
+                <a:latin typeface="Verdana" panose="020B0604030504040204" pitchFamily="34" charset="0"/>
+              </a:rPr>
+              <a:t>возвращает </a:t>
+            </a:r>
+            <a:r>
+              <a:rPr lang="en-US" altLang="ru-RU" dirty="0" smtClean="0">
+                <a:solidFill>
+                  <a:srgbClr val="72C3E0"/>
+                </a:solidFill>
+                <a:latin typeface="Verdana" panose="020B0604030504040204" pitchFamily="34" charset="0"/>
+              </a:rPr>
+              <a:t>T&amp;</a:t>
+            </a:r>
+            <a:r>
+              <a:rPr lang="ru-RU" altLang="ru-RU" dirty="0" smtClean="0">
+                <a:solidFill>
+                  <a:srgbClr val="72C3E0"/>
+                </a:solidFill>
+                <a:latin typeface="Verdana" panose="020B0604030504040204" pitchFamily="34" charset="0"/>
+              </a:rPr>
+              <a:t/>
+            </a:r>
+            <a:br>
+              <a:rPr lang="ru-RU" altLang="ru-RU" dirty="0" smtClean="0">
+                <a:solidFill>
+                  <a:srgbClr val="72C3E0"/>
+                </a:solidFill>
+                <a:latin typeface="Verdana" panose="020B0604030504040204" pitchFamily="34" charset="0"/>
+              </a:rPr>
+            </a:br>
+            <a:r>
+              <a:rPr lang="ru-RU" altLang="ru-RU" dirty="0" smtClean="0">
+                <a:solidFill>
+                  <a:srgbClr val="FFFFFF"/>
+                </a:solidFill>
+                <a:latin typeface="Verdana" panose="020B0604030504040204" pitchFamily="34" charset="0"/>
+              </a:rPr>
+              <a:t>}</a:t>
+            </a:r>
+            <a:br>
+              <a:rPr lang="ru-RU" altLang="ru-RU" dirty="0" smtClean="0">
+                <a:solidFill>
+                  <a:srgbClr val="FFFFFF"/>
+                </a:solidFill>
+                <a:latin typeface="Verdana" panose="020B0604030504040204" pitchFamily="34" charset="0"/>
+              </a:rPr>
+            </a:br>
+            <a:endParaRPr lang="ru-RU" altLang="ru-RU" dirty="0" smtClean="0">
+              <a:solidFill>
+                <a:srgbClr val="FFFFFF"/>
+              </a:solidFill>
+              <a:latin typeface="Verdana" panose="020B0604030504040204" pitchFamily="34" charset="0"/>
+            </a:endParaRPr>
+          </a:p>
+          <a:p>
+            <a:pPr lvl="0">
+              <a:lnSpc>
+                <a:spcPct val="125000"/>
+              </a:lnSpc>
+            </a:pPr>
+            <a:r>
+              <a:rPr lang="en-US" dirty="0" smtClean="0">
+                <a:solidFill>
+                  <a:srgbClr val="FFFFFF"/>
+                </a:solidFill>
+              </a:rPr>
+              <a:t>error</a:t>
+            </a:r>
+            <a:r>
+              <a:rPr lang="en-US" dirty="0">
+                <a:solidFill>
+                  <a:srgbClr val="FFFFFF"/>
+                </a:solidFill>
+              </a:rPr>
+              <a:t>: cannot bind non-</a:t>
+            </a:r>
+            <a:r>
+              <a:rPr lang="en-US" dirty="0" err="1">
+                <a:solidFill>
+                  <a:srgbClr val="FFFFFF"/>
+                </a:solidFill>
+              </a:rPr>
+              <a:t>const</a:t>
+            </a:r>
+            <a:r>
+              <a:rPr lang="en-US" dirty="0">
+                <a:solidFill>
+                  <a:srgbClr val="FFFFFF"/>
+                </a:solidFill>
+              </a:rPr>
+              <a:t> </a:t>
+            </a:r>
+            <a:r>
+              <a:rPr lang="en-US" dirty="0" err="1">
+                <a:solidFill>
+                  <a:srgbClr val="FFFFFF"/>
+                </a:solidFill>
+              </a:rPr>
+              <a:t>lvalue</a:t>
+            </a:r>
+            <a:r>
+              <a:rPr lang="en-US" dirty="0">
+                <a:solidFill>
+                  <a:srgbClr val="FFFFFF"/>
+                </a:solidFill>
+              </a:rPr>
+              <a:t> reference of type '</a:t>
+            </a:r>
+            <a:r>
+              <a:rPr lang="en-US" dirty="0" err="1">
+                <a:solidFill>
+                  <a:srgbClr val="FFFFFF"/>
+                </a:solidFill>
+              </a:rPr>
+              <a:t>int</a:t>
+            </a:r>
+            <a:r>
+              <a:rPr lang="en-US" dirty="0">
+                <a:solidFill>
+                  <a:srgbClr val="FFFFFF"/>
+                </a:solidFill>
+              </a:rPr>
+              <a:t>&amp;' to an </a:t>
+            </a:r>
+            <a:r>
+              <a:rPr lang="en-US" dirty="0" err="1">
+                <a:solidFill>
+                  <a:srgbClr val="FFFFFF"/>
+                </a:solidFill>
+              </a:rPr>
+              <a:t>rvalue</a:t>
+            </a:r>
+            <a:r>
+              <a:rPr lang="en-US" dirty="0">
+                <a:solidFill>
+                  <a:srgbClr val="FFFFFF"/>
+                </a:solidFill>
+              </a:rPr>
+              <a:t> of type </a:t>
+            </a:r>
+            <a:r>
+              <a:rPr lang="en-US" dirty="0" smtClean="0">
+                <a:solidFill>
+                  <a:srgbClr val="FFFFFF"/>
+                </a:solidFill>
+              </a:rPr>
+              <a:t>'</a:t>
+            </a:r>
+            <a:r>
+              <a:rPr lang="en-US" dirty="0" err="1" smtClean="0">
+                <a:solidFill>
+                  <a:srgbClr val="FFFFFF"/>
+                </a:solidFill>
+              </a:rPr>
+              <a:t>int</a:t>
+            </a:r>
+            <a:r>
+              <a:rPr lang="en-US" dirty="0" smtClean="0">
+                <a:solidFill>
+                  <a:srgbClr val="FFFFFF"/>
+                </a:solidFill>
+              </a:rPr>
+              <a:t>‘</a:t>
+            </a:r>
+            <a:endParaRPr lang="ru-RU" dirty="0" smtClean="0">
+              <a:solidFill>
+                <a:srgbClr val="FFFFFF"/>
+              </a:solidFill>
+            </a:endParaRPr>
+          </a:p>
+          <a:p>
+            <a:pPr lvl="0">
+              <a:lnSpc>
+                <a:spcPct val="125000"/>
+              </a:lnSpc>
+            </a:pPr>
+            <a:r>
+              <a:rPr lang="en-US" dirty="0" err="1" smtClean="0">
+                <a:solidFill>
+                  <a:srgbClr val="FFFFFF"/>
+                </a:solidFill>
+              </a:rPr>
+              <a:t>int</a:t>
+            </a:r>
+            <a:r>
+              <a:rPr lang="en-US" dirty="0">
+                <a:solidFill>
+                  <a:srgbClr val="FFFFFF"/>
+                </a:solidFill>
+              </a:rPr>
+              <a:t>&amp; x = v[0</a:t>
+            </a:r>
+            <a:r>
+              <a:rPr lang="en-US" dirty="0" smtClean="0">
+                <a:solidFill>
+                  <a:srgbClr val="FFFFFF"/>
+                </a:solidFill>
+              </a:rPr>
+              <a:t>];</a:t>
+            </a:r>
+            <a:endParaRPr lang="ru-RU" dirty="0" smtClean="0">
+              <a:solidFill>
+                <a:srgbClr val="FFFFFF"/>
+              </a:solidFill>
+            </a:endParaRPr>
+          </a:p>
+          <a:p>
+            <a:pPr lvl="0">
+              <a:lnSpc>
+                <a:spcPct val="125000"/>
+              </a:lnSpc>
+            </a:pPr>
+            <a:r>
+              <a:rPr lang="en-US" dirty="0" smtClean="0">
+                <a:solidFill>
+                  <a:srgbClr val="FFFFFF"/>
+                </a:solidFill>
+              </a:rPr>
+              <a:t>  ~~~^</a:t>
+            </a:r>
+            <a:endParaRPr lang="ru-RU" altLang="ru-RU" sz="6600" dirty="0">
+              <a:solidFill>
+                <a:schemeClr val="tx1"/>
+              </a:solidFill>
+              <a:latin typeface="Arial" panose="020B0604020202020204" pitchFamily="34" charset="0"/>
+            </a:endParaRPr>
+          </a:p>
+        </p:txBody>
+      </p:sp>
+      <p:sp>
+        <p:nvSpPr>
+          <p:cNvPr id="7" name="Овальная выноска 6"/>
+          <p:cNvSpPr/>
+          <p:nvPr/>
+        </p:nvSpPr>
+        <p:spPr>
+          <a:xfrm>
+            <a:off x="5704681" y="10598396"/>
+            <a:ext cx="9158287" cy="2441083"/>
+          </a:xfrm>
+          <a:prstGeom prst="wedgeEllipseCallout">
+            <a:avLst>
+              <a:gd name="adj1" fmla="val -74928"/>
+              <a:gd name="adj2" fmla="val -112308"/>
+            </a:avLst>
+          </a:prstGeom>
+          <a:solidFill>
+            <a:schemeClr val="tx2"/>
+          </a:solidFill>
+          <a:ln w="38100">
+            <a:solidFill>
+              <a:schemeClr val="tx1"/>
+            </a:solidFill>
+          </a:ln>
+        </p:spPr>
+        <p:style>
+          <a:lnRef idx="2">
+            <a:schemeClr val="accent1">
+              <a:shade val="50000"/>
+            </a:schemeClr>
+          </a:lnRef>
+          <a:fillRef idx="1">
+            <a:schemeClr val="accent1"/>
+          </a:fillRef>
+          <a:effectRef idx="0">
+            <a:schemeClr val="accent1"/>
+          </a:effectRef>
+          <a:fontRef idx="minor">
+            <a:schemeClr val="lt1"/>
+          </a:fontRef>
+        </p:style>
+        <p:txBody>
+          <a:bodyPr rtlCol="0" anchor="ctr"/>
+          <a:lstStyle/>
+          <a:p>
+            <a:pPr algn="ctr"/>
+            <a:r>
+              <a:rPr lang="ru-RU" dirty="0" smtClean="0">
+                <a:solidFill>
+                  <a:schemeClr val="tx1"/>
+                </a:solidFill>
+              </a:rPr>
+              <a:t>Если </a:t>
+            </a:r>
+            <a:r>
+              <a:rPr lang="en-US" dirty="0">
+                <a:solidFill>
+                  <a:schemeClr val="tx1"/>
+                </a:solidFill>
+              </a:rPr>
+              <a:t>v[0] </a:t>
+            </a:r>
+            <a:r>
+              <a:rPr lang="ru-RU" dirty="0" smtClean="0">
+                <a:solidFill>
+                  <a:schemeClr val="tx1"/>
+                </a:solidFill>
+              </a:rPr>
+              <a:t>возвращает не </a:t>
+            </a:r>
+            <a:r>
+              <a:rPr lang="en-US" dirty="0" err="1" smtClean="0">
+                <a:solidFill>
+                  <a:schemeClr val="tx1"/>
+                </a:solidFill>
+              </a:rPr>
+              <a:t>int</a:t>
+            </a:r>
+            <a:r>
+              <a:rPr lang="en-US" dirty="0" smtClean="0">
+                <a:solidFill>
+                  <a:schemeClr val="tx1"/>
+                </a:solidFill>
+              </a:rPr>
+              <a:t>&amp;, </a:t>
+            </a:r>
+            <a:r>
+              <a:rPr lang="ru-RU" dirty="0" smtClean="0">
+                <a:solidFill>
+                  <a:schemeClr val="tx1"/>
+                </a:solidFill>
+              </a:rPr>
+              <a:t>это не скомпилируется</a:t>
+            </a:r>
+            <a:endParaRPr lang="ru-RU" dirty="0" smtClean="0">
+              <a:solidFill>
+                <a:schemeClr val="tx1"/>
+              </a:solidFill>
+            </a:endParaRPr>
+          </a:p>
+        </p:txBody>
+      </p:sp>
+    </p:spTree>
+    <p:extLst>
+      <p:ext uri="{BB962C8B-B14F-4D97-AF65-F5344CB8AC3E}">
+        <p14:creationId xmlns:p14="http://schemas.microsoft.com/office/powerpoint/2010/main" val="2381652857"/>
+      </p:ext>
+    </p:extLst>
+  </p:cSld>
+  <p:clrMapOvr>
+    <a:masterClrMapping/>
+  </p:clrMapOvr>
+  <p:timing>
+    <p:tnLst>
+      <p:par>
+        <p:cTn id="1" dur="indefinite" restart="never" nodeType="tmRoot">
+          <p:childTnLst>
+            <p:seq concurrent="1" nextAc="seek">
+              <p:cTn id="2" dur="indefinite" nodeType="mainSeq">
+                <p:childTnLst>
+                  <p:par>
+                    <p:cTn id="3" fill="hold">
+                      <p:stCondLst>
+                        <p:cond delay="indefinite"/>
+                      </p:stCondLst>
+                      <p:childTnLst>
+                        <p:par>
+                          <p:cTn id="4" fill="hold">
+                            <p:stCondLst>
+                              <p:cond delay="0"/>
+                            </p:stCondLst>
+                            <p:childTnLst>
+                              <p:par>
+                                <p:cTn id="5" presetID="1" presetClass="entr" presetSubtype="0" fill="hold" grpId="0" nodeType="clickEffect">
+                                  <p:stCondLst>
+                                    <p:cond delay="0"/>
+                                  </p:stCondLst>
+                                  <p:childTnLst>
+                                    <p:set>
+                                      <p:cBhvr>
+                                        <p:cTn id="6" dur="1" fill="hold">
+                                          <p:stCondLst>
+                                            <p:cond delay="0"/>
+                                          </p:stCondLst>
+                                        </p:cTn>
+                                        <p:tgtEl>
+                                          <p:spTgt spid="7"/>
+                                        </p:tgtEl>
+                                        <p:attrNameLst>
+                                          <p:attrName>style.visibility</p:attrName>
+                                        </p:attrNameLst>
+                                      </p:cBhvr>
+                                      <p:to>
+                                        <p:strVal val="visible"/>
+                                      </p:to>
+                                    </p:set>
+                                  </p:childTnLst>
+                                </p:cTn>
+                              </p:par>
+                            </p:childTnLst>
+                          </p:cTn>
+                        </p:par>
+                      </p:childTnLst>
+                    </p:cTn>
+                  </p:par>
+                  <p:par>
+                    <p:cTn id="7" fill="hold">
+                      <p:stCondLst>
+                        <p:cond delay="indefinite"/>
+                      </p:stCondLst>
+                      <p:childTnLst>
+                        <p:par>
+                          <p:cTn id="8" fill="hold">
+                            <p:stCondLst>
+                              <p:cond delay="0"/>
+                            </p:stCondLst>
+                            <p:childTnLst>
+                              <p:par>
+                                <p:cTn id="9" presetID="1" presetClass="exit" presetSubtype="0" fill="hold" grpId="1" nodeType="clickEffect">
+                                  <p:stCondLst>
+                                    <p:cond delay="0"/>
+                                  </p:stCondLst>
+                                  <p:childTnLst>
+                                    <p:set>
+                                      <p:cBhvr>
+                                        <p:cTn id="10" dur="1" fill="hold">
+                                          <p:stCondLst>
+                                            <p:cond delay="0"/>
+                                          </p:stCondLst>
+                                        </p:cTn>
+                                        <p:tgtEl>
+                                          <p:spTgt spid="7"/>
+                                        </p:tgtEl>
+                                        <p:attrNameLst>
+                                          <p:attrName>style.visibility</p:attrName>
+                                        </p:attrNameLst>
+                                      </p:cBhvr>
+                                      <p:to>
+                                        <p:strVal val="hidden"/>
+                                      </p:to>
+                                    </p:set>
+                                  </p:childTnLst>
+                                </p:cTn>
+                              </p:par>
+                              <p:par>
+                                <p:cTn id="11" presetID="1" presetClass="entr" presetSubtype="0" fill="hold" nodeType="withEffect">
+                                  <p:stCondLst>
+                                    <p:cond delay="0"/>
+                                  </p:stCondLst>
+                                  <p:childTnLst>
+                                    <p:set>
+                                      <p:cBhvr>
+                                        <p:cTn id="12" dur="1" fill="hold">
+                                          <p:stCondLst>
+                                            <p:cond delay="0"/>
+                                          </p:stCondLst>
+                                        </p:cTn>
+                                        <p:tgtEl>
+                                          <p:spTgt spid="6">
+                                            <p:txEl>
+                                              <p:pRg st="2" end="2"/>
+                                            </p:txEl>
+                                          </p:spTgt>
+                                        </p:tgtEl>
+                                        <p:attrNameLst>
+                                          <p:attrName>style.visibility</p:attrName>
+                                        </p:attrNameLst>
+                                      </p:cBhvr>
+                                      <p:to>
+                                        <p:strVal val="visible"/>
+                                      </p:to>
+                                    </p:set>
+                                  </p:childTnLst>
+                                </p:cTn>
+                              </p:par>
+                              <p:par>
+                                <p:cTn id="13" presetID="1" presetClass="entr" presetSubtype="0" fill="hold" nodeType="withEffect">
+                                  <p:stCondLst>
+                                    <p:cond delay="0"/>
+                                  </p:stCondLst>
+                                  <p:childTnLst>
+                                    <p:set>
+                                      <p:cBhvr>
+                                        <p:cTn id="14" dur="1" fill="hold">
+                                          <p:stCondLst>
+                                            <p:cond delay="0"/>
+                                          </p:stCondLst>
+                                        </p:cTn>
+                                        <p:tgtEl>
+                                          <p:spTgt spid="6">
+                                            <p:txEl>
+                                              <p:pRg st="3" end="3"/>
+                                            </p:txEl>
+                                          </p:spTgt>
+                                        </p:tgtEl>
+                                        <p:attrNameLst>
+                                          <p:attrName>style.visibility</p:attrName>
+                                        </p:attrNameLst>
+                                      </p:cBhvr>
+                                      <p:to>
+                                        <p:strVal val="visible"/>
+                                      </p:to>
+                                    </p:set>
+                                  </p:childTnLst>
+                                </p:cTn>
+                              </p:par>
+                              <p:par>
+                                <p:cTn id="15" presetID="1" presetClass="entr" presetSubtype="0" fill="hold" nodeType="withEffect">
+                                  <p:stCondLst>
+                                    <p:cond delay="0"/>
+                                  </p:stCondLst>
+                                  <p:childTnLst>
+                                    <p:set>
+                                      <p:cBhvr>
+                                        <p:cTn id="16" dur="1" fill="hold">
+                                          <p:stCondLst>
+                                            <p:cond delay="0"/>
+                                          </p:stCondLst>
+                                        </p:cTn>
+                                        <p:tgtEl>
+                                          <p:spTgt spid="6">
+                                            <p:txEl>
+                                              <p:pRg st="4" end="4"/>
+                                            </p:txEl>
+                                          </p:spTgt>
+                                        </p:tgtEl>
+                                        <p:attrNameLst>
+                                          <p:attrName>style.visibility</p:attrName>
+                                        </p:attrNameLst>
+                                      </p:cBhvr>
+                                      <p:to>
+                                        <p:strVal val="visible"/>
+                                      </p:to>
+                                    </p:set>
+                                  </p:childTnLst>
+                                </p:cTn>
+                              </p:par>
+                            </p:childTnLst>
+                          </p:cTn>
+                        </p:par>
+                      </p:childTnLst>
+                    </p:cTn>
+                  </p:par>
+                </p:childTnLst>
+              </p:cTn>
+              <p:prevCondLst>
+                <p:cond evt="onPrev" delay="0">
+                  <p:tgtEl>
+                    <p:sldTgt/>
+                  </p:tgtEl>
+                </p:cond>
+              </p:prevCondLst>
+              <p:nextCondLst>
+                <p:cond evt="onNext" delay="0">
+                  <p:tgtEl>
+                    <p:sldTgt/>
+                  </p:tgtEl>
+                </p:cond>
+              </p:nextCondLst>
+            </p:seq>
+          </p:childTnLst>
+        </p:cTn>
+      </p:par>
+    </p:tnLst>
+    <p:bldLst>
+      <p:bldP spid="7" grpId="0" animBg="1"/>
+      <p:bldP spid="7" grpId="1" animBg="1"/>
+    </p:bldLst>
+  </p:timing>
+</p:sld>
+</file>
+
+<file path=ppt/slides/slide38.xml><?xml version="1.0" encoding="utf-8"?>
+<p:sld xmlns:a="http://schemas.openxmlformats.org/drawingml/2006/main" xmlns:r="http://schemas.openxmlformats.org/officeDocument/2006/relationships" xmlns:p="http://schemas.openxmlformats.org/presentationml/2006/main">
+  <p:cSld>
+    <p:spTree>
+      <p:nvGrpSpPr>
+        <p:cNvPr id="1" name=""/>
+        <p:cNvGrpSpPr/>
+        <p:nvPr/>
+      </p:nvGrpSpPr>
+      <p:grpSpPr>
+        <a:xfrm>
+          <a:off x="0" y="0"/>
+          <a:ext cx="0" cy="0"/>
+          <a:chOff x="0" y="0"/>
+          <a:chExt cx="0" cy="0"/>
+        </a:xfrm>
+      </p:grpSpPr>
+      <p:sp>
+        <p:nvSpPr>
+          <p:cNvPr id="2" name="Заголовок 1"/>
+          <p:cNvSpPr>
+            <a:spLocks noGrp="1"/>
+          </p:cNvSpPr>
+          <p:nvPr>
             <p:ph type="title"/>
           </p:nvPr>
         </p:nvSpPr>
@@ -29273,7 +31299,7 @@
           <a:p>
             <a:fld id="{741C03D3-FA44-40EC-9A21-1FC4FEA3E22E}" type="slidenum">
               <a:rPr lang="ru-RU" smtClean="0"/>
-              <a:t>35</a:t>
+              <a:t>38</a:t>
             </a:fld>
             <a:endParaRPr lang="ru-RU"/>
           </a:p>
@@ -29283,424 +31309,6 @@
     <p:extLst>
       <p:ext uri="{BB962C8B-B14F-4D97-AF65-F5344CB8AC3E}">
         <p14:creationId xmlns:p14="http://schemas.microsoft.com/office/powerpoint/2010/main" val="3481799678"/>
-      </p:ext>
-    </p:extLst>
-  </p:cSld>
-  <p:clrMapOvr>
-    <a:masterClrMapping/>
-  </p:clrMapOvr>
-  <p:timing>
-    <p:tnLst>
-      <p:par>
-        <p:cTn id="1" dur="indefinite" restart="never" nodeType="tmRoot"/>
-      </p:par>
-    </p:tnLst>
-  </p:timing>
-</p:sld>
-</file>
-
-<file path=ppt/slides/slide36.xml><?xml version="1.0" encoding="utf-8"?>
-<p:sld xmlns:a="http://schemas.openxmlformats.org/drawingml/2006/main" xmlns:r="http://schemas.openxmlformats.org/officeDocument/2006/relationships" xmlns:p="http://schemas.openxmlformats.org/presentationml/2006/main">
-  <p:cSld>
-    <p:spTree>
-      <p:nvGrpSpPr>
-        <p:cNvPr id="1" name=""/>
-        <p:cNvGrpSpPr/>
-        <p:nvPr/>
-      </p:nvGrpSpPr>
-      <p:grpSpPr>
-        <a:xfrm>
-          <a:off x="0" y="0"/>
-          <a:ext cx="0" cy="0"/>
-          <a:chOff x="0" y="0"/>
-          <a:chExt cx="0" cy="0"/>
-        </a:xfrm>
-      </p:grpSpPr>
-      <p:sp>
-        <p:nvSpPr>
-          <p:cNvPr id="2" name="Текст 1"/>
-          <p:cNvSpPr>
-            <a:spLocks noGrp="1"/>
-          </p:cNvSpPr>
-          <p:nvPr>
-            <p:ph type="body" idx="1"/>
-          </p:nvPr>
-        </p:nvSpPr>
-        <p:spPr/>
-        <p:txBody>
-          <a:bodyPr/>
-          <a:lstStyle/>
-          <a:p>
-            <a:r>
-              <a:rPr lang="ru-RU" dirty="0" smtClean="0"/>
-              <a:t>Отзыв на «Белый пояс по </a:t>
-            </a:r>
-            <a:r>
-              <a:rPr lang="en-US" dirty="0" smtClean="0"/>
-              <a:t>C++</a:t>
-            </a:r>
-            <a:r>
-              <a:rPr lang="ru-RU" dirty="0" smtClean="0"/>
-              <a:t>»</a:t>
-            </a:r>
-            <a:endParaRPr lang="ru-RU" dirty="0"/>
-          </a:p>
-        </p:txBody>
-      </p:sp>
-      <p:sp>
-        <p:nvSpPr>
-          <p:cNvPr id="3" name="Объект 2"/>
-          <p:cNvSpPr>
-            <a:spLocks noGrp="1"/>
-          </p:cNvSpPr>
-          <p:nvPr>
-            <p:ph sz="half" idx="10"/>
-          </p:nvPr>
-        </p:nvSpPr>
-        <p:spPr/>
-        <p:txBody>
-          <a:bodyPr/>
-          <a:lstStyle/>
-          <a:p>
-            <a:r>
-              <a:rPr lang="ru-RU" dirty="0" smtClean="0"/>
-              <a:t>Этот </a:t>
-            </a:r>
-            <a:r>
-              <a:rPr lang="ru-RU" dirty="0"/>
-              <a:t>курс показал </a:t>
-            </a:r>
-            <a:r>
-              <a:rPr lang="ru-RU" dirty="0" smtClean="0"/>
-              <a:t>мне</a:t>
-            </a:r>
-            <a:endParaRPr lang="en-US" dirty="0" smtClean="0"/>
-          </a:p>
-          <a:p>
-            <a:r>
-              <a:rPr lang="ru-RU" dirty="0" smtClean="0"/>
-              <a:t>нормальный </a:t>
-            </a:r>
-            <a:r>
-              <a:rPr lang="ru-RU" dirty="0"/>
-              <a:t>C++, а </a:t>
-            </a:r>
-            <a:r>
-              <a:rPr lang="ru-RU" dirty="0" smtClean="0"/>
-              <a:t>не</a:t>
-            </a:r>
-            <a:endParaRPr lang="en-US" dirty="0" smtClean="0"/>
-          </a:p>
-          <a:p>
-            <a:r>
-              <a:rPr lang="ru-RU" dirty="0" smtClean="0"/>
-              <a:t>тот</a:t>
-            </a:r>
-            <a:r>
-              <a:rPr lang="ru-RU" dirty="0"/>
-              <a:t>, которому </a:t>
-            </a:r>
-            <a:r>
-              <a:rPr lang="ru-RU" dirty="0" smtClean="0"/>
-              <a:t>меня</a:t>
-            </a:r>
-            <a:endParaRPr lang="en-US" dirty="0" smtClean="0"/>
-          </a:p>
-          <a:p>
-            <a:r>
-              <a:rPr lang="ru-RU" dirty="0" smtClean="0"/>
-              <a:t>учили </a:t>
-            </a:r>
-            <a:r>
-              <a:rPr lang="ru-RU" dirty="0"/>
-              <a:t>в университете.</a:t>
-            </a:r>
-          </a:p>
-        </p:txBody>
-      </p:sp>
-    </p:spTree>
-    <p:extLst>
-      <p:ext uri="{BB962C8B-B14F-4D97-AF65-F5344CB8AC3E}">
-        <p14:creationId xmlns:p14="http://schemas.microsoft.com/office/powerpoint/2010/main" val="3690274279"/>
-      </p:ext>
-    </p:extLst>
-  </p:cSld>
-  <p:clrMapOvr>
-    <a:masterClrMapping/>
-  </p:clrMapOvr>
-  <p:timing>
-    <p:tnLst>
-      <p:par>
-        <p:cTn id="1" dur="indefinite" restart="never" nodeType="tmRoot"/>
-      </p:par>
-    </p:tnLst>
-  </p:timing>
-</p:sld>
-</file>
-
-<file path=ppt/slides/slide37.xml><?xml version="1.0" encoding="utf-8"?>
-<p:sld xmlns:a="http://schemas.openxmlformats.org/drawingml/2006/main" xmlns:r="http://schemas.openxmlformats.org/officeDocument/2006/relationships" xmlns:p="http://schemas.openxmlformats.org/presentationml/2006/main">
-  <p:cSld>
-    <p:spTree>
-      <p:nvGrpSpPr>
-        <p:cNvPr id="1" name=""/>
-        <p:cNvGrpSpPr/>
-        <p:nvPr/>
-      </p:nvGrpSpPr>
-      <p:grpSpPr>
-        <a:xfrm>
-          <a:off x="0" y="0"/>
-          <a:ext cx="0" cy="0"/>
-          <a:chOff x="0" y="0"/>
-          <a:chExt cx="0" cy="0"/>
-        </a:xfrm>
-      </p:grpSpPr>
-      <p:sp>
-        <p:nvSpPr>
-          <p:cNvPr id="2" name="Текст 1"/>
-          <p:cNvSpPr>
-            <a:spLocks noGrp="1"/>
-          </p:cNvSpPr>
-          <p:nvPr>
-            <p:ph type="body" idx="1"/>
-          </p:nvPr>
-        </p:nvSpPr>
-        <p:spPr/>
-        <p:txBody>
-          <a:bodyPr/>
-          <a:lstStyle/>
-          <a:p>
-            <a:r>
-              <a:rPr lang="ru-RU" dirty="0" smtClean="0"/>
-              <a:t>Отзыв на «Жёлтый пояс по </a:t>
-            </a:r>
-            <a:r>
-              <a:rPr lang="en-US" dirty="0" smtClean="0"/>
-              <a:t>C++</a:t>
-            </a:r>
-            <a:r>
-              <a:rPr lang="ru-RU" dirty="0" smtClean="0"/>
-              <a:t>»</a:t>
-            </a:r>
-            <a:endParaRPr lang="ru-RU" dirty="0"/>
-          </a:p>
-        </p:txBody>
-      </p:sp>
-      <p:sp>
-        <p:nvSpPr>
-          <p:cNvPr id="3" name="Объект 2"/>
-          <p:cNvSpPr>
-            <a:spLocks noGrp="1"/>
-          </p:cNvSpPr>
-          <p:nvPr>
-            <p:ph sz="half" idx="10"/>
-          </p:nvPr>
-        </p:nvSpPr>
-        <p:spPr>
-          <a:xfrm>
-            <a:off x="3048001" y="3048001"/>
-            <a:ext cx="19827874" cy="7250114"/>
-          </a:xfrm>
-        </p:spPr>
-        <p:txBody>
-          <a:bodyPr/>
-          <a:lstStyle/>
-          <a:p>
-            <a:r>
-              <a:rPr lang="ru-RU" dirty="0"/>
-              <a:t>На работе </a:t>
-            </a:r>
-            <a:r>
-              <a:rPr lang="ru-RU" dirty="0" smtClean="0"/>
-              <a:t>пригодились</a:t>
-            </a:r>
-          </a:p>
-          <a:p>
-            <a:r>
-              <a:rPr lang="ru-RU" dirty="0" smtClean="0"/>
-              <a:t>знания </a:t>
-            </a:r>
-            <a:r>
-              <a:rPr lang="ru-RU" dirty="0"/>
-              <a:t>по </a:t>
-            </a:r>
-            <a:r>
-              <a:rPr lang="ru-RU" dirty="0" smtClean="0"/>
-              <a:t>декомпозиции,</a:t>
-            </a:r>
-          </a:p>
-          <a:p>
-            <a:r>
-              <a:rPr lang="ru-RU" dirty="0" smtClean="0"/>
-              <a:t>алгоритмам </a:t>
-            </a:r>
-            <a:r>
-              <a:rPr lang="ru-RU" dirty="0"/>
-              <a:t>и </a:t>
-            </a:r>
-            <a:r>
-              <a:rPr lang="ru-RU" dirty="0" smtClean="0"/>
-              <a:t>юнит-</a:t>
-            </a:r>
-          </a:p>
-          <a:p>
-            <a:r>
-              <a:rPr lang="ru-RU" dirty="0" smtClean="0"/>
-              <a:t>тестированию</a:t>
-            </a:r>
-            <a:endParaRPr lang="ru-RU" dirty="0"/>
-          </a:p>
-        </p:txBody>
-      </p:sp>
-    </p:spTree>
-    <p:extLst>
-      <p:ext uri="{BB962C8B-B14F-4D97-AF65-F5344CB8AC3E}">
-        <p14:creationId xmlns:p14="http://schemas.microsoft.com/office/powerpoint/2010/main" val="2774735083"/>
-      </p:ext>
-    </p:extLst>
-  </p:cSld>
-  <p:clrMapOvr>
-    <a:masterClrMapping/>
-  </p:clrMapOvr>
-  <p:timing>
-    <p:tnLst>
-      <p:par>
-        <p:cTn id="1" dur="indefinite" restart="never" nodeType="tmRoot"/>
-      </p:par>
-    </p:tnLst>
-  </p:timing>
-</p:sld>
-</file>
-
-<file path=ppt/slides/slide38.xml><?xml version="1.0" encoding="utf-8"?>
-<p:sld xmlns:a="http://schemas.openxmlformats.org/drawingml/2006/main" xmlns:r="http://schemas.openxmlformats.org/officeDocument/2006/relationships" xmlns:p="http://schemas.openxmlformats.org/presentationml/2006/main">
-  <p:cSld>
-    <p:spTree>
-      <p:nvGrpSpPr>
-        <p:cNvPr id="1" name=""/>
-        <p:cNvGrpSpPr/>
-        <p:nvPr/>
-      </p:nvGrpSpPr>
-      <p:grpSpPr>
-        <a:xfrm>
-          <a:off x="0" y="0"/>
-          <a:ext cx="0" cy="0"/>
-          <a:chOff x="0" y="0"/>
-          <a:chExt cx="0" cy="0"/>
-        </a:xfrm>
-      </p:grpSpPr>
-      <p:sp>
-        <p:nvSpPr>
-          <p:cNvPr id="2" name="Текст 1"/>
-          <p:cNvSpPr>
-            <a:spLocks noGrp="1"/>
-          </p:cNvSpPr>
-          <p:nvPr>
-            <p:ph type="body" idx="1"/>
-          </p:nvPr>
-        </p:nvSpPr>
-        <p:spPr/>
-        <p:txBody>
-          <a:bodyPr/>
-          <a:lstStyle/>
-          <a:p>
-            <a:r>
-              <a:rPr lang="ru-RU" dirty="0" smtClean="0"/>
-              <a:t>Отзыв на </a:t>
-            </a:r>
-            <a:r>
-              <a:rPr lang="ru-RU" smtClean="0"/>
-              <a:t>«Красный пояс </a:t>
-            </a:r>
-            <a:r>
-              <a:rPr lang="ru-RU" dirty="0" smtClean="0"/>
-              <a:t>по </a:t>
-            </a:r>
-            <a:r>
-              <a:rPr lang="en-US" dirty="0" smtClean="0"/>
-              <a:t>C++</a:t>
-            </a:r>
-            <a:r>
-              <a:rPr lang="ru-RU" dirty="0" smtClean="0"/>
-              <a:t>»</a:t>
-            </a:r>
-            <a:endParaRPr lang="ru-RU" dirty="0"/>
-          </a:p>
-        </p:txBody>
-      </p:sp>
-      <p:sp>
-        <p:nvSpPr>
-          <p:cNvPr id="3" name="Объект 2"/>
-          <p:cNvSpPr>
-            <a:spLocks noGrp="1"/>
-          </p:cNvSpPr>
-          <p:nvPr>
-            <p:ph sz="half" idx="10"/>
-          </p:nvPr>
-        </p:nvSpPr>
-        <p:spPr>
-          <a:xfrm>
-            <a:off x="3048001" y="3048001"/>
-            <a:ext cx="19827874" cy="7250114"/>
-          </a:xfrm>
-        </p:spPr>
-        <p:txBody>
-          <a:bodyPr/>
-          <a:lstStyle/>
-          <a:p>
-            <a:r>
-              <a:rPr lang="ru-RU" dirty="0"/>
-              <a:t>Один из лучших курсов</a:t>
-            </a:r>
-            <a:r>
-              <a:rPr lang="ru-RU" dirty="0" smtClean="0"/>
-              <a:t>,</a:t>
-            </a:r>
-          </a:p>
-          <a:p>
-            <a:r>
-              <a:rPr lang="ru-RU" dirty="0" smtClean="0"/>
-              <a:t>что </a:t>
-            </a:r>
-            <a:r>
-              <a:rPr lang="ru-RU" dirty="0"/>
-              <a:t>я проходил в </a:t>
-            </a:r>
-            <a:r>
-              <a:rPr lang="ru-RU" dirty="0" smtClean="0"/>
-              <a:t>жизни.</a:t>
-            </a:r>
-          </a:p>
-          <a:p>
-            <a:r>
-              <a:rPr lang="ru-RU" dirty="0" smtClean="0"/>
-              <a:t>Не только </a:t>
-            </a:r>
-            <a:r>
-              <a:rPr lang="ru-RU" dirty="0"/>
-              <a:t>по </a:t>
-            </a:r>
-            <a:r>
-              <a:rPr lang="ru-RU" dirty="0" smtClean="0"/>
-              <a:t>языку</a:t>
-            </a:r>
-          </a:p>
-          <a:p>
-            <a:r>
-              <a:rPr lang="ru-RU" dirty="0" smtClean="0"/>
-              <a:t>программирования</a:t>
-            </a:r>
-            <a:r>
-              <a:rPr lang="ru-RU" dirty="0"/>
-              <a:t>.</a:t>
-            </a:r>
-          </a:p>
-        </p:txBody>
-      </p:sp>
-    </p:spTree>
-    <p:extLst>
-      <p:ext uri="{BB962C8B-B14F-4D97-AF65-F5344CB8AC3E}">
-        <p14:creationId xmlns:p14="http://schemas.microsoft.com/office/powerpoint/2010/main" val="3707661308"/>
       </p:ext>
     </p:extLst>
   </p:cSld>
@@ -29736,12 +31344,12 @@
       </p:grpSpPr>
       <p:sp>
         <p:nvSpPr>
-          <p:cNvPr id="2" name="Заголовок 1"/>
+          <p:cNvPr id="2" name="Текст 1"/>
           <p:cNvSpPr>
             <a:spLocks noGrp="1"/>
           </p:cNvSpPr>
           <p:nvPr>
-            <p:ph type="title"/>
+            <p:ph type="body" idx="1"/>
           </p:nvPr>
         </p:nvSpPr>
         <p:spPr/>
@@ -29751,7 +31359,15 @@
           <a:p>
             <a:r>
               <a:rPr lang="ru-RU" dirty="0" smtClean="0"/>
-              <a:t>Понятность</a:t>
+              <a:t>Отзыв на «Белый пояс по </a:t>
+            </a:r>
+            <a:r>
+              <a:rPr lang="en-US" dirty="0" smtClean="0"/>
+              <a:t>C++</a:t>
+            </a:r>
+            <a:r>
+              <a:rPr lang="ru-RU" dirty="0" smtClean="0"/>
+              <a:t>»</a:t>
             </a:r>
             <a:endParaRPr lang="ru-RU" dirty="0"/>
           </a:p>
@@ -29759,12 +31375,12 @@
       </p:sp>
       <p:sp>
         <p:nvSpPr>
-          <p:cNvPr id="4" name="Нижний колонтитул 3"/>
+          <p:cNvPr id="3" name="Объект 2"/>
           <p:cNvSpPr>
             <a:spLocks noGrp="1"/>
           </p:cNvSpPr>
           <p:nvPr>
-            <p:ph type="ftr" sz="quarter" idx="11"/>
+            <p:ph sz="half" idx="10"/>
           </p:nvPr>
         </p:nvSpPr>
         <p:spPr/>
@@ -29772,711 +31388,66 @@
           <a:bodyPr/>
           <a:lstStyle/>
           <a:p>
-            <a:endParaRPr lang="ru-RU"/>
-          </a:p>
-        </p:txBody>
-      </p:sp>
-      <p:sp>
-        <p:nvSpPr>
-          <p:cNvPr id="5" name="Номер слайда 4"/>
-          <p:cNvSpPr>
-            <a:spLocks noGrp="1"/>
-          </p:cNvSpPr>
-          <p:nvPr>
-            <p:ph type="sldNum" sz="quarter" idx="12"/>
-          </p:nvPr>
-        </p:nvSpPr>
-        <p:spPr/>
-        <p:txBody>
-          <a:bodyPr/>
-          <a:lstStyle/>
-          <a:p>
-            <a:fld id="{741C03D3-FA44-40EC-9A21-1FC4FEA3E22E}" type="slidenum">
-              <a:rPr lang="ru-RU" smtClean="0"/>
-              <a:t>39</a:t>
-            </a:fld>
-            <a:endParaRPr lang="ru-RU"/>
-          </a:p>
-        </p:txBody>
-      </p:sp>
-      <p:sp>
-        <p:nvSpPr>
-          <p:cNvPr id="10" name="Текст 1"/>
-          <p:cNvSpPr txBox="1">
-            <a:spLocks/>
-          </p:cNvSpPr>
-          <p:nvPr/>
-        </p:nvSpPr>
-        <p:spPr>
-          <a:xfrm>
-            <a:off x="4178301" y="10674350"/>
-            <a:ext cx="17148970" cy="1144588"/>
-          </a:xfrm>
-          <a:prstGeom prst="rect">
-            <a:avLst/>
-          </a:prstGeom>
-        </p:spPr>
-        <p:txBody>
-          <a:bodyPr vert="horz" lIns="0" tIns="165592" rIns="91435" bIns="45718" rtlCol="0" anchor="t">
-            <a:noAutofit/>
-          </a:bodyPr>
-          <a:lstStyle>
-            <a:lvl1pPr marL="0" indent="0" algn="l" defTabSz="1828619" rtl="0" eaLnBrk="1" latinLnBrk="0" hangingPunct="1">
-              <a:lnSpc>
-                <a:spcPts val="6000"/>
-              </a:lnSpc>
-              <a:spcBef>
-                <a:spcPts val="3000"/>
-              </a:spcBef>
-              <a:spcAft>
-                <a:spcPts val="3000"/>
-              </a:spcAft>
-              <a:buFontTx/>
-              <a:buNone/>
-              <a:defRPr sz="4800" kern="1200">
-                <a:solidFill>
-                  <a:schemeClr val="bg1"/>
-                </a:solidFill>
-                <a:latin typeface="Yandex Sans Text Light" panose="02000000000000000000" pitchFamily="2" charset="-52"/>
-                <a:ea typeface="+mn-ea"/>
-                <a:cs typeface="+mn-cs"/>
-              </a:defRPr>
-            </a:lvl1pPr>
-            <a:lvl2pPr marL="914308" indent="0" algn="l" defTabSz="1907905" rtl="0" eaLnBrk="1" latinLnBrk="0" hangingPunct="1">
-              <a:lnSpc>
-                <a:spcPts val="6000"/>
-              </a:lnSpc>
-              <a:spcBef>
-                <a:spcPts val="0"/>
-              </a:spcBef>
-              <a:spcAft>
-                <a:spcPts val="0"/>
-              </a:spcAft>
-              <a:buClr>
-                <a:schemeClr val="tx2"/>
-              </a:buClr>
-              <a:buSzPct val="120000"/>
-              <a:buFont typeface="Impact" panose="020B0806030902050204" pitchFamily="34" charset="0"/>
-              <a:buNone/>
-              <a:defRPr sz="4000" kern="1200" baseline="0">
-                <a:solidFill>
-                  <a:schemeClr val="tx1">
-                    <a:tint val="75000"/>
-                  </a:schemeClr>
-                </a:solidFill>
-                <a:latin typeface="Yandex Sans Text Regular" pitchFamily="2" charset="-52"/>
-                <a:ea typeface="+mn-ea"/>
-                <a:cs typeface="+mn-cs"/>
-              </a:defRPr>
-            </a:lvl2pPr>
-            <a:lvl3pPr marL="1828619" indent="0" algn="l" defTabSz="1828619" rtl="0" eaLnBrk="1" latinLnBrk="0" hangingPunct="1">
-              <a:lnSpc>
-                <a:spcPts val="6000"/>
-              </a:lnSpc>
-              <a:spcBef>
-                <a:spcPts val="3000"/>
-              </a:spcBef>
-              <a:spcAft>
-                <a:spcPts val="0"/>
-              </a:spcAft>
-              <a:buSzPct val="150000"/>
-              <a:buFont typeface="Yandex Sans Text Light" panose="02000000000000000000" pitchFamily="2" charset="-52"/>
-              <a:buNone/>
-              <a:defRPr sz="3600" kern="1200">
-                <a:solidFill>
-                  <a:schemeClr val="tx1">
-                    <a:tint val="75000"/>
-                  </a:schemeClr>
-                </a:solidFill>
-                <a:latin typeface="Yandex Sans Text Light" panose="02000000000000000000" pitchFamily="2" charset="-52"/>
-                <a:ea typeface="+mn-ea"/>
-                <a:cs typeface="+mn-cs"/>
-              </a:defRPr>
-            </a:lvl3pPr>
-            <a:lvl4pPr marL="2742927" indent="0" algn="l" defTabSz="1828619" rtl="0" eaLnBrk="1" latinLnBrk="0" hangingPunct="1">
-              <a:lnSpc>
-                <a:spcPts val="6000"/>
-              </a:lnSpc>
-              <a:spcBef>
-                <a:spcPts val="3000"/>
-              </a:spcBef>
-              <a:spcAft>
-                <a:spcPts val="0"/>
-              </a:spcAft>
-              <a:buFont typeface="+mj-lt"/>
-              <a:buNone/>
-              <a:defRPr sz="3200" kern="1200">
-                <a:solidFill>
-                  <a:schemeClr val="tx1">
-                    <a:tint val="75000"/>
-                  </a:schemeClr>
-                </a:solidFill>
-                <a:latin typeface="Yandex Sans Text Light" panose="02000000000000000000" pitchFamily="2" charset="-52"/>
-                <a:ea typeface="+mn-ea"/>
-                <a:cs typeface="+mn-cs"/>
-              </a:defRPr>
-            </a:lvl4pPr>
-            <a:lvl5pPr marL="3657235" indent="0" algn="l" defTabSz="1828619" rtl="0" eaLnBrk="1" latinLnBrk="0" hangingPunct="1">
-              <a:lnSpc>
-                <a:spcPts val="6000"/>
-              </a:lnSpc>
-              <a:spcBef>
-                <a:spcPts val="3000"/>
-              </a:spcBef>
-              <a:spcAft>
-                <a:spcPts val="3000"/>
-              </a:spcAft>
-              <a:buFontTx/>
-              <a:buNone/>
-              <a:defRPr sz="3200" kern="1200">
-                <a:solidFill>
-                  <a:schemeClr val="tx1">
-                    <a:tint val="75000"/>
-                  </a:schemeClr>
-                </a:solidFill>
-                <a:latin typeface="+mn-lt"/>
-                <a:ea typeface="+mn-ea"/>
-                <a:cs typeface="+mn-cs"/>
-              </a:defRPr>
-            </a:lvl5pPr>
-            <a:lvl6pPr marL="4571543" indent="0" algn="l" defTabSz="1828619" rtl="0" eaLnBrk="1" latinLnBrk="0" hangingPunct="1">
-              <a:lnSpc>
-                <a:spcPct val="90000"/>
-              </a:lnSpc>
-              <a:spcBef>
-                <a:spcPts val="1000"/>
-              </a:spcBef>
-              <a:buFont typeface="Arial" panose="020B0604020202020204" pitchFamily="34" charset="0"/>
-              <a:buNone/>
-              <a:defRPr sz="3200" kern="1200">
-                <a:solidFill>
-                  <a:schemeClr val="tx1">
-                    <a:tint val="75000"/>
-                  </a:schemeClr>
-                </a:solidFill>
-                <a:latin typeface="+mn-lt"/>
-                <a:ea typeface="+mn-ea"/>
-                <a:cs typeface="+mn-cs"/>
-              </a:defRPr>
-            </a:lvl6pPr>
-            <a:lvl7pPr marL="5485852" indent="0" algn="l" defTabSz="1828619" rtl="0" eaLnBrk="1" latinLnBrk="0" hangingPunct="1">
-              <a:lnSpc>
-                <a:spcPct val="90000"/>
-              </a:lnSpc>
-              <a:spcBef>
-                <a:spcPts val="1000"/>
-              </a:spcBef>
-              <a:buFont typeface="Arial" panose="020B0604020202020204" pitchFamily="34" charset="0"/>
-              <a:buNone/>
-              <a:defRPr sz="3200" kern="1200">
-                <a:solidFill>
-                  <a:schemeClr val="tx1">
-                    <a:tint val="75000"/>
-                  </a:schemeClr>
-                </a:solidFill>
-                <a:latin typeface="+mn-lt"/>
-                <a:ea typeface="+mn-ea"/>
-                <a:cs typeface="+mn-cs"/>
-              </a:defRPr>
-            </a:lvl7pPr>
-            <a:lvl8pPr marL="6400160" indent="0" algn="l" defTabSz="1828619" rtl="0" eaLnBrk="1" latinLnBrk="0" hangingPunct="1">
-              <a:lnSpc>
-                <a:spcPct val="90000"/>
-              </a:lnSpc>
-              <a:spcBef>
-                <a:spcPts val="1000"/>
-              </a:spcBef>
-              <a:buFont typeface="Arial" panose="020B0604020202020204" pitchFamily="34" charset="0"/>
-              <a:buNone/>
-              <a:defRPr sz="3200" kern="1200">
-                <a:solidFill>
-                  <a:schemeClr val="tx1">
-                    <a:tint val="75000"/>
-                  </a:schemeClr>
-                </a:solidFill>
-                <a:latin typeface="+mn-lt"/>
-                <a:ea typeface="+mn-ea"/>
-                <a:cs typeface="+mn-cs"/>
-              </a:defRPr>
-            </a:lvl8pPr>
-            <a:lvl9pPr marL="7314468" indent="0" algn="l" defTabSz="1828619" rtl="0" eaLnBrk="1" latinLnBrk="0" hangingPunct="1">
-              <a:lnSpc>
-                <a:spcPct val="90000"/>
-              </a:lnSpc>
-              <a:spcBef>
-                <a:spcPts val="1000"/>
-              </a:spcBef>
-              <a:buFont typeface="Arial" panose="020B0604020202020204" pitchFamily="34" charset="0"/>
-              <a:buNone/>
-              <a:defRPr sz="3200" kern="1200">
-                <a:solidFill>
-                  <a:schemeClr val="tx1">
-                    <a:tint val="75000"/>
-                  </a:schemeClr>
-                </a:solidFill>
-                <a:latin typeface="+mn-lt"/>
-                <a:ea typeface="+mn-ea"/>
-                <a:cs typeface="+mn-cs"/>
-              </a:defRPr>
-            </a:lvl9pPr>
-          </a:lstStyle>
-          <a:p>
-            <a:pPr marL="0" marR="0" lvl="0" indent="0" algn="l" defTabSz="1828619" rtl="0" eaLnBrk="1" fontAlgn="auto" latinLnBrk="0" hangingPunct="1">
-              <a:lnSpc>
-                <a:spcPts val="6000"/>
-              </a:lnSpc>
-              <a:spcBef>
-                <a:spcPts val="3000"/>
-              </a:spcBef>
-              <a:spcAft>
-                <a:spcPts val="3000"/>
-              </a:spcAft>
-              <a:buClrTx/>
-              <a:buSzTx/>
-              <a:buFontTx/>
-              <a:buNone/>
-              <a:tabLst/>
-              <a:defRPr/>
-            </a:pPr>
-            <a:r>
-              <a:rPr kumimoji="0" lang="en-US" sz="4800" b="0" i="0" u="none" strike="noStrike" kern="1200" cap="none" spc="0" normalizeH="0" baseline="0" noProof="0" smtClean="0">
-                <a:ln>
-                  <a:noFill/>
-                </a:ln>
-                <a:solidFill>
-                  <a:srgbClr val="000000"/>
-                </a:solidFill>
-                <a:effectLst/>
-                <a:uLnTx/>
-                <a:uFillTx/>
-                <a:latin typeface="Yandex Sans Text Light" panose="02000000000000000000" pitchFamily="2" charset="-52"/>
-                <a:ea typeface="+mn-ea"/>
-                <a:cs typeface="+mn-cs"/>
-              </a:rPr>
-              <a:t>Bjarne Stroustrup</a:t>
-            </a:r>
-            <a:endParaRPr kumimoji="0" lang="ru-RU" sz="4800" b="0" i="0" u="none" strike="noStrike" kern="1200" cap="none" spc="0" normalizeH="0" baseline="0" noProof="0" dirty="0">
-              <a:ln>
-                <a:noFill/>
-              </a:ln>
-              <a:solidFill>
-                <a:srgbClr val="000000"/>
-              </a:solidFill>
-              <a:effectLst/>
-              <a:uLnTx/>
-              <a:uFillTx/>
-              <a:latin typeface="Yandex Sans Text Light" panose="02000000000000000000" pitchFamily="2" charset="-52"/>
-              <a:ea typeface="+mn-ea"/>
-              <a:cs typeface="+mn-cs"/>
-            </a:endParaRPr>
-          </a:p>
-        </p:txBody>
-      </p:sp>
-      <p:sp>
-        <p:nvSpPr>
-          <p:cNvPr id="11" name="Объект 2"/>
-          <p:cNvSpPr txBox="1">
-            <a:spLocks/>
-          </p:cNvSpPr>
-          <p:nvPr/>
-        </p:nvSpPr>
-        <p:spPr>
-          <a:xfrm>
-            <a:off x="3048001" y="3048001"/>
-            <a:ext cx="18263741" cy="7250114"/>
-          </a:xfrm>
-          <a:prstGeom prst="rect">
-            <a:avLst/>
-          </a:prstGeom>
-        </p:spPr>
-        <p:txBody>
-          <a:bodyPr vert="horz" wrap="square" lIns="0" tIns="107995" rIns="467977" bIns="45718" rtlCol="0" anchor="ctr">
-            <a:noAutofit/>
-          </a:bodyPr>
-          <a:lstStyle>
-            <a:lvl1pPr marL="791960" indent="-1115944" algn="l" defTabSz="1828619" rtl="0" eaLnBrk="1" latinLnBrk="0" hangingPunct="1">
-              <a:lnSpc>
-                <a:spcPts val="13999"/>
-              </a:lnSpc>
-              <a:spcBef>
-                <a:spcPts val="0"/>
-              </a:spcBef>
-              <a:spcAft>
-                <a:spcPts val="0"/>
-              </a:spcAft>
-              <a:buClr>
-                <a:schemeClr val="bg2"/>
-              </a:buClr>
-              <a:buSzPct val="104000"/>
-              <a:buFont typeface="Arial" panose="020B0604020202020204" pitchFamily="34" charset="0"/>
-              <a:buChar char="│"/>
-              <a:defRPr sz="12000" b="0" kern="1200" baseline="0">
-                <a:solidFill>
-                  <a:schemeClr val="bg1"/>
-                </a:solidFill>
-                <a:latin typeface="Yandex Sans Text Light" panose="02000000000000000000" pitchFamily="2" charset="-52"/>
-                <a:ea typeface="+mn-ea"/>
-                <a:cs typeface="+mn-cs"/>
-              </a:defRPr>
-            </a:lvl1pPr>
-            <a:lvl2pPr marL="431978" indent="-431978" algn="l" defTabSz="1907905" rtl="0" eaLnBrk="1" latinLnBrk="0" hangingPunct="1">
-              <a:lnSpc>
-                <a:spcPts val="6000"/>
-              </a:lnSpc>
-              <a:spcBef>
-                <a:spcPts val="0"/>
-              </a:spcBef>
-              <a:spcAft>
-                <a:spcPts val="0"/>
-              </a:spcAft>
-              <a:buClr>
-                <a:schemeClr val="tx2"/>
-              </a:buClr>
-              <a:buSzPct val="120000"/>
-              <a:buFont typeface="Impact" panose="020B0806030902050204" pitchFamily="34" charset="0"/>
-              <a:buChar char="▌"/>
-              <a:defRPr sz="4800" kern="1200" baseline="0">
-                <a:solidFill>
-                  <a:schemeClr val="tx1"/>
-                </a:solidFill>
-                <a:latin typeface="Yandex Sans Text Regular" pitchFamily="2" charset="-52"/>
-                <a:ea typeface="+mn-ea"/>
-                <a:cs typeface="+mn-cs"/>
-              </a:defRPr>
-            </a:lvl2pPr>
-            <a:lvl3pPr marL="1007950" indent="-539973" algn="l" defTabSz="1828619" rtl="0" eaLnBrk="1" latinLnBrk="0" hangingPunct="1">
-              <a:lnSpc>
-                <a:spcPts val="6000"/>
-              </a:lnSpc>
-              <a:spcBef>
-                <a:spcPts val="3000"/>
-              </a:spcBef>
-              <a:spcAft>
-                <a:spcPts val="0"/>
-              </a:spcAft>
-              <a:buSzPct val="150000"/>
-              <a:buFont typeface="Yandex Sans Text Light" panose="02000000000000000000" pitchFamily="2" charset="-52"/>
-              <a:buChar char="›"/>
-              <a:defRPr sz="4800" kern="1200">
-                <a:solidFill>
-                  <a:schemeClr val="tx1"/>
-                </a:solidFill>
-                <a:latin typeface="Yandex Sans Text Light" panose="02000000000000000000" pitchFamily="2" charset="-52"/>
-                <a:ea typeface="+mn-ea"/>
-                <a:cs typeface="+mn-cs"/>
-              </a:defRPr>
-            </a:lvl3pPr>
-            <a:lvl4pPr marL="1007950" indent="-539973" algn="l" defTabSz="1828619" rtl="0" eaLnBrk="1" latinLnBrk="0" hangingPunct="1">
-              <a:lnSpc>
-                <a:spcPts val="6000"/>
-              </a:lnSpc>
-              <a:spcBef>
-                <a:spcPts val="3000"/>
-              </a:spcBef>
-              <a:spcAft>
-                <a:spcPts val="0"/>
-              </a:spcAft>
-              <a:buFont typeface="+mj-lt"/>
-              <a:buAutoNum type="arabicPeriod"/>
-              <a:defRPr sz="4800" kern="1200">
-                <a:solidFill>
-                  <a:schemeClr val="tx1"/>
-                </a:solidFill>
-                <a:latin typeface="Yandex Sans Text Light" panose="02000000000000000000" pitchFamily="2" charset="-52"/>
-                <a:ea typeface="+mn-ea"/>
-                <a:cs typeface="+mn-cs"/>
-              </a:defRPr>
-            </a:lvl4pPr>
-            <a:lvl5pPr marL="0" indent="0" algn="l" defTabSz="1828619" rtl="0" eaLnBrk="1" latinLnBrk="0" hangingPunct="1">
-              <a:lnSpc>
-                <a:spcPts val="6000"/>
-              </a:lnSpc>
-              <a:spcBef>
-                <a:spcPts val="3000"/>
-              </a:spcBef>
-              <a:spcAft>
-                <a:spcPts val="3000"/>
-              </a:spcAft>
-              <a:buFontTx/>
-              <a:buNone/>
-              <a:defRPr sz="4800" kern="1200">
-                <a:solidFill>
-                  <a:schemeClr val="tx1"/>
-                </a:solidFill>
-                <a:latin typeface="+mn-lt"/>
-                <a:ea typeface="+mn-ea"/>
-                <a:cs typeface="+mn-cs"/>
-              </a:defRPr>
-            </a:lvl5pPr>
-            <a:lvl6pPr marL="5028699" indent="-457155" algn="l" defTabSz="1828619" rtl="0" eaLnBrk="1" latinLnBrk="0" hangingPunct="1">
-              <a:lnSpc>
-                <a:spcPct val="90000"/>
-              </a:lnSpc>
-              <a:spcBef>
-                <a:spcPts val="1000"/>
-              </a:spcBef>
-              <a:buFont typeface="Arial" panose="020B0604020202020204" pitchFamily="34" charset="0"/>
-              <a:buChar char="•"/>
-              <a:defRPr sz="3600" kern="1200">
-                <a:solidFill>
-                  <a:schemeClr val="tx1"/>
-                </a:solidFill>
-                <a:latin typeface="+mn-lt"/>
-                <a:ea typeface="+mn-ea"/>
-                <a:cs typeface="+mn-cs"/>
-              </a:defRPr>
-            </a:lvl6pPr>
-            <a:lvl7pPr marL="5943007" indent="-457155" algn="l" defTabSz="1828619" rtl="0" eaLnBrk="1" latinLnBrk="0" hangingPunct="1">
-              <a:lnSpc>
-                <a:spcPct val="90000"/>
-              </a:lnSpc>
-              <a:spcBef>
-                <a:spcPts val="1000"/>
-              </a:spcBef>
-              <a:buFont typeface="Arial" panose="020B0604020202020204" pitchFamily="34" charset="0"/>
-              <a:buChar char="•"/>
-              <a:defRPr sz="3600" kern="1200">
-                <a:solidFill>
-                  <a:schemeClr val="tx1"/>
-                </a:solidFill>
-                <a:latin typeface="+mn-lt"/>
-                <a:ea typeface="+mn-ea"/>
-                <a:cs typeface="+mn-cs"/>
-              </a:defRPr>
-            </a:lvl7pPr>
-            <a:lvl8pPr marL="6857315" indent="-457155" algn="l" defTabSz="1828619" rtl="0" eaLnBrk="1" latinLnBrk="0" hangingPunct="1">
-              <a:lnSpc>
-                <a:spcPct val="90000"/>
-              </a:lnSpc>
-              <a:spcBef>
-                <a:spcPts val="1000"/>
-              </a:spcBef>
-              <a:buFont typeface="Arial" panose="020B0604020202020204" pitchFamily="34" charset="0"/>
-              <a:buChar char="•"/>
-              <a:defRPr sz="3600" kern="1200">
-                <a:solidFill>
-                  <a:schemeClr val="tx1"/>
-                </a:solidFill>
-                <a:latin typeface="+mn-lt"/>
-                <a:ea typeface="+mn-ea"/>
-                <a:cs typeface="+mn-cs"/>
-              </a:defRPr>
-            </a:lvl8pPr>
-            <a:lvl9pPr marL="7771623" indent="-457155" algn="l" defTabSz="1828619" rtl="0" eaLnBrk="1" latinLnBrk="0" hangingPunct="1">
-              <a:lnSpc>
-                <a:spcPct val="90000"/>
-              </a:lnSpc>
-              <a:spcBef>
-                <a:spcPts val="1000"/>
-              </a:spcBef>
-              <a:buFont typeface="Arial" panose="020B0604020202020204" pitchFamily="34" charset="0"/>
-              <a:buChar char="•"/>
-              <a:defRPr sz="3600" kern="1200">
-                <a:solidFill>
-                  <a:schemeClr val="tx1"/>
-                </a:solidFill>
-                <a:latin typeface="+mn-lt"/>
-                <a:ea typeface="+mn-ea"/>
-                <a:cs typeface="+mn-cs"/>
-              </a:defRPr>
-            </a:lvl9pPr>
-          </a:lstStyle>
-          <a:p>
-            <a:pPr marL="791960" marR="0" lvl="0" indent="-1115944" algn="l" defTabSz="1828619" rtl="0" eaLnBrk="1" fontAlgn="auto" latinLnBrk="0" hangingPunct="1">
-              <a:lnSpc>
-                <a:spcPts val="13999"/>
-              </a:lnSpc>
-              <a:spcBef>
-                <a:spcPts val="0"/>
-              </a:spcBef>
-              <a:spcAft>
-                <a:spcPts val="0"/>
-              </a:spcAft>
-              <a:buClr>
-                <a:srgbClr val="FFCC00"/>
-              </a:buClr>
-              <a:buSzPct val="104000"/>
-              <a:buFont typeface="Arial" panose="020B0604020202020204" pitchFamily="34" charset="0"/>
-              <a:buChar char="│"/>
-              <a:tabLst/>
-              <a:defRPr/>
-            </a:pPr>
-            <a:r>
-              <a:rPr kumimoji="0" lang="en-US" sz="12000" b="0" i="0" u="none" strike="noStrike" kern="1200" cap="none" spc="0" normalizeH="0" baseline="0" noProof="0" smtClean="0">
-                <a:ln>
-                  <a:noFill/>
-                </a:ln>
-                <a:solidFill>
-                  <a:srgbClr val="000000"/>
-                </a:solidFill>
-                <a:effectLst/>
-                <a:uLnTx/>
-                <a:uFillTx/>
-                <a:latin typeface="Yandex Sans Text Light" panose="02000000000000000000" pitchFamily="2" charset="-52"/>
-                <a:ea typeface="+mn-ea"/>
-                <a:cs typeface="+mn-cs"/>
-              </a:rPr>
-              <a:t>Teaching is relatively</a:t>
-            </a:r>
-            <a:endParaRPr kumimoji="0" lang="ru-RU" sz="12000" b="0" i="0" u="none" strike="noStrike" kern="1200" cap="none" spc="0" normalizeH="0" baseline="0" noProof="0" smtClean="0">
-              <a:ln>
-                <a:noFill/>
-              </a:ln>
-              <a:solidFill>
-                <a:srgbClr val="000000"/>
-              </a:solidFill>
-              <a:effectLst/>
-              <a:uLnTx/>
-              <a:uFillTx/>
-              <a:latin typeface="Yandex Sans Text Light" panose="02000000000000000000" pitchFamily="2" charset="-52"/>
-              <a:ea typeface="+mn-ea"/>
-              <a:cs typeface="+mn-cs"/>
-            </a:endParaRPr>
-          </a:p>
-          <a:p>
-            <a:pPr marL="791960" marR="0" lvl="0" indent="-1115944" algn="l" defTabSz="1828619" rtl="0" eaLnBrk="1" fontAlgn="auto" latinLnBrk="0" hangingPunct="1">
-              <a:lnSpc>
-                <a:spcPts val="13999"/>
-              </a:lnSpc>
-              <a:spcBef>
-                <a:spcPts val="0"/>
-              </a:spcBef>
-              <a:spcAft>
-                <a:spcPts val="0"/>
-              </a:spcAft>
-              <a:buClr>
-                <a:srgbClr val="FFCC00"/>
-              </a:buClr>
-              <a:buSzPct val="104000"/>
-              <a:buFont typeface="Arial" panose="020B0604020202020204" pitchFamily="34" charset="0"/>
-              <a:buChar char="│"/>
-              <a:tabLst/>
-              <a:defRPr/>
-            </a:pPr>
-            <a:r>
-              <a:rPr kumimoji="0" lang="en-US" sz="12000" b="0" i="0" u="none" strike="noStrike" kern="1200" cap="none" spc="0" normalizeH="0" baseline="0" noProof="0" smtClean="0">
-                <a:ln>
-                  <a:noFill/>
-                </a:ln>
-                <a:solidFill>
-                  <a:srgbClr val="000000"/>
-                </a:solidFill>
-                <a:effectLst/>
-                <a:uLnTx/>
-                <a:uFillTx/>
-                <a:latin typeface="Yandex Sans Text Light" panose="02000000000000000000" pitchFamily="2" charset="-52"/>
-                <a:ea typeface="+mn-ea"/>
-                <a:cs typeface="+mn-cs"/>
-              </a:rPr>
-              <a:t>easy. Getting people</a:t>
-            </a:r>
-            <a:endParaRPr kumimoji="0" lang="ru-RU" sz="12000" b="0" i="0" u="none" strike="noStrike" kern="1200" cap="none" spc="0" normalizeH="0" baseline="0" noProof="0" smtClean="0">
-              <a:ln>
-                <a:noFill/>
-              </a:ln>
-              <a:solidFill>
-                <a:srgbClr val="000000"/>
-              </a:solidFill>
-              <a:effectLst/>
-              <a:uLnTx/>
-              <a:uFillTx/>
-              <a:latin typeface="Yandex Sans Text Light" panose="02000000000000000000" pitchFamily="2" charset="-52"/>
-              <a:ea typeface="+mn-ea"/>
-              <a:cs typeface="+mn-cs"/>
-            </a:endParaRPr>
-          </a:p>
-          <a:p>
-            <a:pPr marL="791960" marR="0" lvl="0" indent="-1115944" algn="l" defTabSz="1828619" rtl="0" eaLnBrk="1" fontAlgn="auto" latinLnBrk="0" hangingPunct="1">
-              <a:lnSpc>
-                <a:spcPts val="13999"/>
-              </a:lnSpc>
-              <a:spcBef>
-                <a:spcPts val="0"/>
-              </a:spcBef>
-              <a:spcAft>
-                <a:spcPts val="0"/>
-              </a:spcAft>
-              <a:buClr>
-                <a:srgbClr val="FFCC00"/>
-              </a:buClr>
-              <a:buSzPct val="104000"/>
-              <a:buFont typeface="Arial" panose="020B0604020202020204" pitchFamily="34" charset="0"/>
-              <a:buChar char="│"/>
-              <a:tabLst/>
-              <a:defRPr/>
-            </a:pPr>
-            <a:r>
-              <a:rPr kumimoji="0" lang="en-US" sz="12000" b="0" i="0" u="none" strike="noStrike" kern="1200" cap="none" spc="0" normalizeH="0" baseline="0" noProof="0" smtClean="0">
-                <a:ln>
-                  <a:noFill/>
-                </a:ln>
-                <a:solidFill>
-                  <a:srgbClr val="000000"/>
-                </a:solidFill>
-                <a:effectLst/>
-                <a:uLnTx/>
-                <a:uFillTx/>
-                <a:latin typeface="Yandex Sans Text Light" panose="02000000000000000000" pitchFamily="2" charset="-52"/>
-                <a:ea typeface="+mn-ea"/>
-                <a:cs typeface="+mn-cs"/>
-              </a:rPr>
-              <a:t>to</a:t>
-            </a:r>
-            <a:r>
-              <a:rPr kumimoji="0" lang="ru-RU" sz="12000" b="0" i="0" u="none" strike="noStrike" kern="1200" cap="none" spc="0" normalizeH="0" baseline="0" noProof="0" smtClean="0">
-                <a:ln>
-                  <a:noFill/>
-                </a:ln>
-                <a:solidFill>
-                  <a:srgbClr val="000000"/>
-                </a:solidFill>
-                <a:effectLst/>
-                <a:uLnTx/>
-                <a:uFillTx/>
-                <a:latin typeface="Yandex Sans Text Light" panose="02000000000000000000" pitchFamily="2" charset="-52"/>
-                <a:ea typeface="+mn-ea"/>
-                <a:cs typeface="+mn-cs"/>
-              </a:rPr>
-              <a:t> </a:t>
-            </a:r>
-            <a:r>
-              <a:rPr kumimoji="0" lang="en-US" sz="12000" b="0" i="0" u="none" strike="noStrike" kern="1200" cap="none" spc="0" normalizeH="0" baseline="0" noProof="0" smtClean="0">
-                <a:ln>
-                  <a:noFill/>
-                </a:ln>
-                <a:solidFill>
-                  <a:srgbClr val="000000"/>
-                </a:solidFill>
-                <a:effectLst/>
-                <a:uLnTx/>
-                <a:uFillTx/>
-                <a:latin typeface="Yandex Sans Text Light" panose="02000000000000000000" pitchFamily="2" charset="-52"/>
-                <a:ea typeface="+mn-ea"/>
-                <a:cs typeface="+mn-cs"/>
-              </a:rPr>
-              <a:t>learn is hard</a:t>
-            </a:r>
-            <a:endParaRPr kumimoji="0" lang="ru-RU" sz="12000" b="0" i="0" u="none" strike="noStrike" kern="1200" cap="none" spc="0" normalizeH="0" baseline="0" noProof="0" dirty="0">
-              <a:ln>
-                <a:noFill/>
-              </a:ln>
-              <a:solidFill>
-                <a:srgbClr val="000000"/>
-              </a:solidFill>
-              <a:effectLst/>
-              <a:uLnTx/>
-              <a:uFillTx/>
-              <a:latin typeface="Yandex Sans Text Light" panose="02000000000000000000" pitchFamily="2" charset="-52"/>
-              <a:ea typeface="+mn-ea"/>
-              <a:cs typeface="+mn-cs"/>
-            </a:endParaRPr>
+            <a:r>
+              <a:rPr lang="ru-RU" dirty="0" smtClean="0"/>
+              <a:t>Этот </a:t>
+            </a:r>
+            <a:r>
+              <a:rPr lang="ru-RU" dirty="0"/>
+              <a:t>курс показал </a:t>
+            </a:r>
+            <a:r>
+              <a:rPr lang="ru-RU" dirty="0" smtClean="0"/>
+              <a:t>мне</a:t>
+            </a:r>
+            <a:endParaRPr lang="en-US" dirty="0" smtClean="0"/>
+          </a:p>
+          <a:p>
+            <a:r>
+              <a:rPr lang="ru-RU" dirty="0" smtClean="0"/>
+              <a:t>нормальный </a:t>
+            </a:r>
+            <a:r>
+              <a:rPr lang="ru-RU" dirty="0"/>
+              <a:t>C++, а </a:t>
+            </a:r>
+            <a:r>
+              <a:rPr lang="ru-RU" dirty="0" smtClean="0"/>
+              <a:t>не</a:t>
+            </a:r>
+            <a:endParaRPr lang="en-US" dirty="0" smtClean="0"/>
+          </a:p>
+          <a:p>
+            <a:r>
+              <a:rPr lang="ru-RU" dirty="0" smtClean="0"/>
+              <a:t>тот</a:t>
+            </a:r>
+            <a:r>
+              <a:rPr lang="ru-RU" dirty="0"/>
+              <a:t>, которому </a:t>
+            </a:r>
+            <a:r>
+              <a:rPr lang="ru-RU" dirty="0" smtClean="0"/>
+              <a:t>меня</a:t>
+            </a:r>
+            <a:endParaRPr lang="en-US" dirty="0" smtClean="0"/>
+          </a:p>
+          <a:p>
+            <a:r>
+              <a:rPr lang="ru-RU" dirty="0" smtClean="0"/>
+              <a:t>учили </a:t>
+            </a:r>
+            <a:r>
+              <a:rPr lang="ru-RU" dirty="0"/>
+              <a:t>в университете.</a:t>
+            </a:r>
           </a:p>
         </p:txBody>
       </p:sp>
     </p:spTree>
     <p:extLst>
       <p:ext uri="{BB962C8B-B14F-4D97-AF65-F5344CB8AC3E}">
-        <p14:creationId xmlns:p14="http://schemas.microsoft.com/office/powerpoint/2010/main" val="3487108593"/>
+        <p14:creationId xmlns:p14="http://schemas.microsoft.com/office/powerpoint/2010/main" val="3690274279"/>
       </p:ext>
     </p:extLst>
   </p:cSld>
@@ -30668,6 +31639,285 @@
       </p:grpSpPr>
       <p:sp>
         <p:nvSpPr>
+          <p:cNvPr id="2" name="Текст 1"/>
+          <p:cNvSpPr>
+            <a:spLocks noGrp="1"/>
+          </p:cNvSpPr>
+          <p:nvPr>
+            <p:ph type="body" idx="1"/>
+          </p:nvPr>
+        </p:nvSpPr>
+        <p:spPr/>
+        <p:txBody>
+          <a:bodyPr/>
+          <a:lstStyle/>
+          <a:p>
+            <a:r>
+              <a:rPr lang="ru-RU" dirty="0" smtClean="0"/>
+              <a:t>Отзыв на «Жёлтый пояс по </a:t>
+            </a:r>
+            <a:r>
+              <a:rPr lang="en-US" dirty="0" smtClean="0"/>
+              <a:t>C++</a:t>
+            </a:r>
+            <a:r>
+              <a:rPr lang="ru-RU" dirty="0" smtClean="0"/>
+              <a:t>»</a:t>
+            </a:r>
+            <a:endParaRPr lang="ru-RU" dirty="0"/>
+          </a:p>
+        </p:txBody>
+      </p:sp>
+      <p:sp>
+        <p:nvSpPr>
+          <p:cNvPr id="3" name="Объект 2"/>
+          <p:cNvSpPr>
+            <a:spLocks noGrp="1"/>
+          </p:cNvSpPr>
+          <p:nvPr>
+            <p:ph sz="half" idx="10"/>
+          </p:nvPr>
+        </p:nvSpPr>
+        <p:spPr>
+          <a:xfrm>
+            <a:off x="3048001" y="3048001"/>
+            <a:ext cx="19827874" cy="7250114"/>
+          </a:xfrm>
+        </p:spPr>
+        <p:txBody>
+          <a:bodyPr/>
+          <a:lstStyle/>
+          <a:p>
+            <a:r>
+              <a:rPr lang="ru-RU" dirty="0"/>
+              <a:t>На работе </a:t>
+            </a:r>
+            <a:r>
+              <a:rPr lang="ru-RU" dirty="0" smtClean="0"/>
+              <a:t>пригодились</a:t>
+            </a:r>
+          </a:p>
+          <a:p>
+            <a:r>
+              <a:rPr lang="ru-RU" dirty="0" smtClean="0"/>
+              <a:t>знания </a:t>
+            </a:r>
+            <a:r>
+              <a:rPr lang="ru-RU" dirty="0"/>
+              <a:t>по </a:t>
+            </a:r>
+            <a:r>
+              <a:rPr lang="ru-RU" dirty="0" smtClean="0"/>
+              <a:t>декомпозиции,</a:t>
+            </a:r>
+          </a:p>
+          <a:p>
+            <a:r>
+              <a:rPr lang="ru-RU" dirty="0" smtClean="0"/>
+              <a:t>алгоритмам </a:t>
+            </a:r>
+            <a:r>
+              <a:rPr lang="ru-RU" dirty="0"/>
+              <a:t>и </a:t>
+            </a:r>
+            <a:r>
+              <a:rPr lang="ru-RU" dirty="0" smtClean="0"/>
+              <a:t>юнит-</a:t>
+            </a:r>
+          </a:p>
+          <a:p>
+            <a:r>
+              <a:rPr lang="ru-RU" dirty="0" smtClean="0"/>
+              <a:t>тестированию</a:t>
+            </a:r>
+            <a:endParaRPr lang="ru-RU" dirty="0"/>
+          </a:p>
+        </p:txBody>
+      </p:sp>
+    </p:spTree>
+    <p:extLst>
+      <p:ext uri="{BB962C8B-B14F-4D97-AF65-F5344CB8AC3E}">
+        <p14:creationId xmlns:p14="http://schemas.microsoft.com/office/powerpoint/2010/main" val="2774735083"/>
+      </p:ext>
+    </p:extLst>
+  </p:cSld>
+  <p:clrMapOvr>
+    <a:masterClrMapping/>
+  </p:clrMapOvr>
+  <p:timing>
+    <p:tnLst>
+      <p:par>
+        <p:cTn id="1" dur="indefinite" restart="never" nodeType="tmRoot"/>
+      </p:par>
+    </p:tnLst>
+  </p:timing>
+</p:sld>
+</file>
+
+<file path=ppt/slides/slide41.xml><?xml version="1.0" encoding="utf-8"?>
+<p:sld xmlns:a="http://schemas.openxmlformats.org/drawingml/2006/main" xmlns:r="http://schemas.openxmlformats.org/officeDocument/2006/relationships" xmlns:p="http://schemas.openxmlformats.org/presentationml/2006/main">
+  <p:cSld>
+    <p:spTree>
+      <p:nvGrpSpPr>
+        <p:cNvPr id="1" name=""/>
+        <p:cNvGrpSpPr/>
+        <p:nvPr/>
+      </p:nvGrpSpPr>
+      <p:grpSpPr>
+        <a:xfrm>
+          <a:off x="0" y="0"/>
+          <a:ext cx="0" cy="0"/>
+          <a:chOff x="0" y="0"/>
+          <a:chExt cx="0" cy="0"/>
+        </a:xfrm>
+      </p:grpSpPr>
+      <p:sp>
+        <p:nvSpPr>
+          <p:cNvPr id="2" name="Текст 1"/>
+          <p:cNvSpPr>
+            <a:spLocks noGrp="1"/>
+          </p:cNvSpPr>
+          <p:nvPr>
+            <p:ph type="body" idx="1"/>
+          </p:nvPr>
+        </p:nvSpPr>
+        <p:spPr/>
+        <p:txBody>
+          <a:bodyPr/>
+          <a:lstStyle/>
+          <a:p>
+            <a:r>
+              <a:rPr lang="ru-RU" dirty="0" smtClean="0"/>
+              <a:t>Отзыв на </a:t>
+            </a:r>
+            <a:r>
+              <a:rPr lang="ru-RU" smtClean="0"/>
+              <a:t>«Красный пояс </a:t>
+            </a:r>
+            <a:r>
+              <a:rPr lang="ru-RU" dirty="0" smtClean="0"/>
+              <a:t>по </a:t>
+            </a:r>
+            <a:r>
+              <a:rPr lang="en-US" dirty="0" smtClean="0"/>
+              <a:t>C++</a:t>
+            </a:r>
+            <a:r>
+              <a:rPr lang="ru-RU" dirty="0" smtClean="0"/>
+              <a:t>»</a:t>
+            </a:r>
+            <a:endParaRPr lang="ru-RU" dirty="0"/>
+          </a:p>
+        </p:txBody>
+      </p:sp>
+      <p:sp>
+        <p:nvSpPr>
+          <p:cNvPr id="3" name="Объект 2"/>
+          <p:cNvSpPr>
+            <a:spLocks noGrp="1"/>
+          </p:cNvSpPr>
+          <p:nvPr>
+            <p:ph sz="half" idx="10"/>
+          </p:nvPr>
+        </p:nvSpPr>
+        <p:spPr>
+          <a:xfrm>
+            <a:off x="3048001" y="3048001"/>
+            <a:ext cx="19827874" cy="7250114"/>
+          </a:xfrm>
+        </p:spPr>
+        <p:txBody>
+          <a:bodyPr/>
+          <a:lstStyle/>
+          <a:p>
+            <a:r>
+              <a:rPr lang="ru-RU" dirty="0"/>
+              <a:t>Один из лучших курсов</a:t>
+            </a:r>
+            <a:r>
+              <a:rPr lang="ru-RU" dirty="0" smtClean="0"/>
+              <a:t>,</a:t>
+            </a:r>
+          </a:p>
+          <a:p>
+            <a:r>
+              <a:rPr lang="ru-RU" dirty="0" smtClean="0"/>
+              <a:t>что </a:t>
+            </a:r>
+            <a:r>
+              <a:rPr lang="ru-RU" dirty="0"/>
+              <a:t>я проходил в </a:t>
+            </a:r>
+            <a:r>
+              <a:rPr lang="ru-RU" dirty="0" smtClean="0"/>
+              <a:t>жизни.</a:t>
+            </a:r>
+          </a:p>
+          <a:p>
+            <a:r>
+              <a:rPr lang="ru-RU" dirty="0" smtClean="0"/>
+              <a:t>Не только </a:t>
+            </a:r>
+            <a:r>
+              <a:rPr lang="ru-RU" dirty="0"/>
+              <a:t>по </a:t>
+            </a:r>
+            <a:r>
+              <a:rPr lang="ru-RU" dirty="0" smtClean="0"/>
+              <a:t>языку</a:t>
+            </a:r>
+          </a:p>
+          <a:p>
+            <a:r>
+              <a:rPr lang="ru-RU" dirty="0" smtClean="0"/>
+              <a:t>программирования</a:t>
+            </a:r>
+            <a:r>
+              <a:rPr lang="ru-RU" dirty="0"/>
+              <a:t>.</a:t>
+            </a:r>
+          </a:p>
+        </p:txBody>
+      </p:sp>
+    </p:spTree>
+    <p:extLst>
+      <p:ext uri="{BB962C8B-B14F-4D97-AF65-F5344CB8AC3E}">
+        <p14:creationId xmlns:p14="http://schemas.microsoft.com/office/powerpoint/2010/main" val="3707661308"/>
+      </p:ext>
+    </p:extLst>
+  </p:cSld>
+  <p:clrMapOvr>
+    <a:masterClrMapping/>
+  </p:clrMapOvr>
+  <p:timing>
+    <p:tnLst>
+      <p:par>
+        <p:cTn id="1" dur="indefinite" restart="never" nodeType="tmRoot"/>
+      </p:par>
+    </p:tnLst>
+  </p:timing>
+</p:sld>
+</file>
+
+<file path=ppt/slides/slide42.xml><?xml version="1.0" encoding="utf-8"?>
+<p:sld xmlns:a="http://schemas.openxmlformats.org/drawingml/2006/main" xmlns:r="http://schemas.openxmlformats.org/officeDocument/2006/relationships" xmlns:p="http://schemas.openxmlformats.org/presentationml/2006/main">
+  <p:cSld>
+    <p:spTree>
+      <p:nvGrpSpPr>
+        <p:cNvPr id="1" name=""/>
+        <p:cNvGrpSpPr/>
+        <p:nvPr/>
+      </p:nvGrpSpPr>
+      <p:grpSpPr>
+        <a:xfrm>
+          <a:off x="0" y="0"/>
+          <a:ext cx="0" cy="0"/>
+          <a:chOff x="0" y="0"/>
+          <a:chExt cx="0" cy="0"/>
+        </a:xfrm>
+      </p:grpSpPr>
+      <p:sp>
+        <p:nvSpPr>
           <p:cNvPr id="2" name="Заголовок 1"/>
           <p:cNvSpPr>
             <a:spLocks noGrp="1"/>
@@ -30683,7 +31933,7 @@
           <a:p>
             <a:r>
               <a:rPr lang="ru-RU" dirty="0" smtClean="0"/>
-              <a:t>Практичность</a:t>
+              <a:t>Понятность</a:t>
             </a:r>
             <a:endParaRPr lang="ru-RU" dirty="0"/>
           </a:p>
@@ -30725,7 +31975,783 @@
           <a:p>
             <a:fld id="{741C03D3-FA44-40EC-9A21-1FC4FEA3E22E}" type="slidenum">
               <a:rPr lang="ru-RU" smtClean="0"/>
-              <a:t>40</a:t>
+              <a:t>42</a:t>
+            </a:fld>
+            <a:endParaRPr lang="ru-RU"/>
+          </a:p>
+        </p:txBody>
+      </p:sp>
+      <p:sp>
+        <p:nvSpPr>
+          <p:cNvPr id="10" name="Текст 1"/>
+          <p:cNvSpPr txBox="1">
+            <a:spLocks/>
+          </p:cNvSpPr>
+          <p:nvPr/>
+        </p:nvSpPr>
+        <p:spPr>
+          <a:xfrm>
+            <a:off x="4178301" y="10674350"/>
+            <a:ext cx="17148970" cy="1144588"/>
+          </a:xfrm>
+          <a:prstGeom prst="rect">
+            <a:avLst/>
+          </a:prstGeom>
+        </p:spPr>
+        <p:txBody>
+          <a:bodyPr vert="horz" lIns="0" tIns="165592" rIns="91435" bIns="45718" rtlCol="0" anchor="t">
+            <a:noAutofit/>
+          </a:bodyPr>
+          <a:lstStyle>
+            <a:lvl1pPr marL="0" indent="0" algn="l" defTabSz="1828619" rtl="0" eaLnBrk="1" latinLnBrk="0" hangingPunct="1">
+              <a:lnSpc>
+                <a:spcPts val="6000"/>
+              </a:lnSpc>
+              <a:spcBef>
+                <a:spcPts val="3000"/>
+              </a:spcBef>
+              <a:spcAft>
+                <a:spcPts val="3000"/>
+              </a:spcAft>
+              <a:buFontTx/>
+              <a:buNone/>
+              <a:defRPr sz="4800" kern="1200">
+                <a:solidFill>
+                  <a:schemeClr val="bg1"/>
+                </a:solidFill>
+                <a:latin typeface="Yandex Sans Text Light" panose="02000000000000000000" pitchFamily="2" charset="-52"/>
+                <a:ea typeface="+mn-ea"/>
+                <a:cs typeface="+mn-cs"/>
+              </a:defRPr>
+            </a:lvl1pPr>
+            <a:lvl2pPr marL="914308" indent="0" algn="l" defTabSz="1907905" rtl="0" eaLnBrk="1" latinLnBrk="0" hangingPunct="1">
+              <a:lnSpc>
+                <a:spcPts val="6000"/>
+              </a:lnSpc>
+              <a:spcBef>
+                <a:spcPts val="0"/>
+              </a:spcBef>
+              <a:spcAft>
+                <a:spcPts val="0"/>
+              </a:spcAft>
+              <a:buClr>
+                <a:schemeClr val="tx2"/>
+              </a:buClr>
+              <a:buSzPct val="120000"/>
+              <a:buFont typeface="Impact" panose="020B0806030902050204" pitchFamily="34" charset="0"/>
+              <a:buNone/>
+              <a:defRPr sz="4000" kern="1200" baseline="0">
+                <a:solidFill>
+                  <a:schemeClr val="tx1">
+                    <a:tint val="75000"/>
+                  </a:schemeClr>
+                </a:solidFill>
+                <a:latin typeface="Yandex Sans Text Regular" pitchFamily="2" charset="-52"/>
+                <a:ea typeface="+mn-ea"/>
+                <a:cs typeface="+mn-cs"/>
+              </a:defRPr>
+            </a:lvl2pPr>
+            <a:lvl3pPr marL="1828619" indent="0" algn="l" defTabSz="1828619" rtl="0" eaLnBrk="1" latinLnBrk="0" hangingPunct="1">
+              <a:lnSpc>
+                <a:spcPts val="6000"/>
+              </a:lnSpc>
+              <a:spcBef>
+                <a:spcPts val="3000"/>
+              </a:spcBef>
+              <a:spcAft>
+                <a:spcPts val="0"/>
+              </a:spcAft>
+              <a:buSzPct val="150000"/>
+              <a:buFont typeface="Yandex Sans Text Light" panose="02000000000000000000" pitchFamily="2" charset="-52"/>
+              <a:buNone/>
+              <a:defRPr sz="3600" kern="1200">
+                <a:solidFill>
+                  <a:schemeClr val="tx1">
+                    <a:tint val="75000"/>
+                  </a:schemeClr>
+                </a:solidFill>
+                <a:latin typeface="Yandex Sans Text Light" panose="02000000000000000000" pitchFamily="2" charset="-52"/>
+                <a:ea typeface="+mn-ea"/>
+                <a:cs typeface="+mn-cs"/>
+              </a:defRPr>
+            </a:lvl3pPr>
+            <a:lvl4pPr marL="2742927" indent="0" algn="l" defTabSz="1828619" rtl="0" eaLnBrk="1" latinLnBrk="0" hangingPunct="1">
+              <a:lnSpc>
+                <a:spcPts val="6000"/>
+              </a:lnSpc>
+              <a:spcBef>
+                <a:spcPts val="3000"/>
+              </a:spcBef>
+              <a:spcAft>
+                <a:spcPts val="0"/>
+              </a:spcAft>
+              <a:buFont typeface="+mj-lt"/>
+              <a:buNone/>
+              <a:defRPr sz="3200" kern="1200">
+                <a:solidFill>
+                  <a:schemeClr val="tx1">
+                    <a:tint val="75000"/>
+                  </a:schemeClr>
+                </a:solidFill>
+                <a:latin typeface="Yandex Sans Text Light" panose="02000000000000000000" pitchFamily="2" charset="-52"/>
+                <a:ea typeface="+mn-ea"/>
+                <a:cs typeface="+mn-cs"/>
+              </a:defRPr>
+            </a:lvl4pPr>
+            <a:lvl5pPr marL="3657235" indent="0" algn="l" defTabSz="1828619" rtl="0" eaLnBrk="1" latinLnBrk="0" hangingPunct="1">
+              <a:lnSpc>
+                <a:spcPts val="6000"/>
+              </a:lnSpc>
+              <a:spcBef>
+                <a:spcPts val="3000"/>
+              </a:spcBef>
+              <a:spcAft>
+                <a:spcPts val="3000"/>
+              </a:spcAft>
+              <a:buFontTx/>
+              <a:buNone/>
+              <a:defRPr sz="3200" kern="1200">
+                <a:solidFill>
+                  <a:schemeClr val="tx1">
+                    <a:tint val="75000"/>
+                  </a:schemeClr>
+                </a:solidFill>
+                <a:latin typeface="+mn-lt"/>
+                <a:ea typeface="+mn-ea"/>
+                <a:cs typeface="+mn-cs"/>
+              </a:defRPr>
+            </a:lvl5pPr>
+            <a:lvl6pPr marL="4571543" indent="0" algn="l" defTabSz="1828619" rtl="0" eaLnBrk="1" latinLnBrk="0" hangingPunct="1">
+              <a:lnSpc>
+                <a:spcPct val="90000"/>
+              </a:lnSpc>
+              <a:spcBef>
+                <a:spcPts val="1000"/>
+              </a:spcBef>
+              <a:buFont typeface="Arial" panose="020B0604020202020204" pitchFamily="34" charset="0"/>
+              <a:buNone/>
+              <a:defRPr sz="3200" kern="1200">
+                <a:solidFill>
+                  <a:schemeClr val="tx1">
+                    <a:tint val="75000"/>
+                  </a:schemeClr>
+                </a:solidFill>
+                <a:latin typeface="+mn-lt"/>
+                <a:ea typeface="+mn-ea"/>
+                <a:cs typeface="+mn-cs"/>
+              </a:defRPr>
+            </a:lvl6pPr>
+            <a:lvl7pPr marL="5485852" indent="0" algn="l" defTabSz="1828619" rtl="0" eaLnBrk="1" latinLnBrk="0" hangingPunct="1">
+              <a:lnSpc>
+                <a:spcPct val="90000"/>
+              </a:lnSpc>
+              <a:spcBef>
+                <a:spcPts val="1000"/>
+              </a:spcBef>
+              <a:buFont typeface="Arial" panose="020B0604020202020204" pitchFamily="34" charset="0"/>
+              <a:buNone/>
+              <a:defRPr sz="3200" kern="1200">
+                <a:solidFill>
+                  <a:schemeClr val="tx1">
+                    <a:tint val="75000"/>
+                  </a:schemeClr>
+                </a:solidFill>
+                <a:latin typeface="+mn-lt"/>
+                <a:ea typeface="+mn-ea"/>
+                <a:cs typeface="+mn-cs"/>
+              </a:defRPr>
+            </a:lvl7pPr>
+            <a:lvl8pPr marL="6400160" indent="0" algn="l" defTabSz="1828619" rtl="0" eaLnBrk="1" latinLnBrk="0" hangingPunct="1">
+              <a:lnSpc>
+                <a:spcPct val="90000"/>
+              </a:lnSpc>
+              <a:spcBef>
+                <a:spcPts val="1000"/>
+              </a:spcBef>
+              <a:buFont typeface="Arial" panose="020B0604020202020204" pitchFamily="34" charset="0"/>
+              <a:buNone/>
+              <a:defRPr sz="3200" kern="1200">
+                <a:solidFill>
+                  <a:schemeClr val="tx1">
+                    <a:tint val="75000"/>
+                  </a:schemeClr>
+                </a:solidFill>
+                <a:latin typeface="+mn-lt"/>
+                <a:ea typeface="+mn-ea"/>
+                <a:cs typeface="+mn-cs"/>
+              </a:defRPr>
+            </a:lvl8pPr>
+            <a:lvl9pPr marL="7314468" indent="0" algn="l" defTabSz="1828619" rtl="0" eaLnBrk="1" latinLnBrk="0" hangingPunct="1">
+              <a:lnSpc>
+                <a:spcPct val="90000"/>
+              </a:lnSpc>
+              <a:spcBef>
+                <a:spcPts val="1000"/>
+              </a:spcBef>
+              <a:buFont typeface="Arial" panose="020B0604020202020204" pitchFamily="34" charset="0"/>
+              <a:buNone/>
+              <a:defRPr sz="3200" kern="1200">
+                <a:solidFill>
+                  <a:schemeClr val="tx1">
+                    <a:tint val="75000"/>
+                  </a:schemeClr>
+                </a:solidFill>
+                <a:latin typeface="+mn-lt"/>
+                <a:ea typeface="+mn-ea"/>
+                <a:cs typeface="+mn-cs"/>
+              </a:defRPr>
+            </a:lvl9pPr>
+          </a:lstStyle>
+          <a:p>
+            <a:pPr marL="0" marR="0" lvl="0" indent="0" algn="l" defTabSz="1828619" rtl="0" eaLnBrk="1" fontAlgn="auto" latinLnBrk="0" hangingPunct="1">
+              <a:lnSpc>
+                <a:spcPts val="6000"/>
+              </a:lnSpc>
+              <a:spcBef>
+                <a:spcPts val="3000"/>
+              </a:spcBef>
+              <a:spcAft>
+                <a:spcPts val="3000"/>
+              </a:spcAft>
+              <a:buClrTx/>
+              <a:buSzTx/>
+              <a:buFontTx/>
+              <a:buNone/>
+              <a:tabLst/>
+              <a:defRPr/>
+            </a:pPr>
+            <a:r>
+              <a:rPr kumimoji="0" lang="en-US" sz="4800" b="0" i="0" u="none" strike="noStrike" kern="1200" cap="none" spc="0" normalizeH="0" baseline="0" noProof="0" smtClean="0">
+                <a:ln>
+                  <a:noFill/>
+                </a:ln>
+                <a:solidFill>
+                  <a:srgbClr val="000000"/>
+                </a:solidFill>
+                <a:effectLst/>
+                <a:uLnTx/>
+                <a:uFillTx/>
+                <a:latin typeface="Yandex Sans Text Light" panose="02000000000000000000" pitchFamily="2" charset="-52"/>
+                <a:ea typeface="+mn-ea"/>
+                <a:cs typeface="+mn-cs"/>
+              </a:rPr>
+              <a:t>Bjarne Stroustrup</a:t>
+            </a:r>
+            <a:endParaRPr kumimoji="0" lang="ru-RU" sz="4800" b="0" i="0" u="none" strike="noStrike" kern="1200" cap="none" spc="0" normalizeH="0" baseline="0" noProof="0" dirty="0">
+              <a:ln>
+                <a:noFill/>
+              </a:ln>
+              <a:solidFill>
+                <a:srgbClr val="000000"/>
+              </a:solidFill>
+              <a:effectLst/>
+              <a:uLnTx/>
+              <a:uFillTx/>
+              <a:latin typeface="Yandex Sans Text Light" panose="02000000000000000000" pitchFamily="2" charset="-52"/>
+              <a:ea typeface="+mn-ea"/>
+              <a:cs typeface="+mn-cs"/>
+            </a:endParaRPr>
+          </a:p>
+        </p:txBody>
+      </p:sp>
+      <p:sp>
+        <p:nvSpPr>
+          <p:cNvPr id="11" name="Объект 2"/>
+          <p:cNvSpPr txBox="1">
+            <a:spLocks/>
+          </p:cNvSpPr>
+          <p:nvPr/>
+        </p:nvSpPr>
+        <p:spPr>
+          <a:xfrm>
+            <a:off x="3048001" y="3048001"/>
+            <a:ext cx="18263741" cy="7250114"/>
+          </a:xfrm>
+          <a:prstGeom prst="rect">
+            <a:avLst/>
+          </a:prstGeom>
+        </p:spPr>
+        <p:txBody>
+          <a:bodyPr vert="horz" wrap="square" lIns="0" tIns="107995" rIns="467977" bIns="45718" rtlCol="0" anchor="ctr">
+            <a:noAutofit/>
+          </a:bodyPr>
+          <a:lstStyle>
+            <a:lvl1pPr marL="791960" indent="-1115944" algn="l" defTabSz="1828619" rtl="0" eaLnBrk="1" latinLnBrk="0" hangingPunct="1">
+              <a:lnSpc>
+                <a:spcPts val="13999"/>
+              </a:lnSpc>
+              <a:spcBef>
+                <a:spcPts val="0"/>
+              </a:spcBef>
+              <a:spcAft>
+                <a:spcPts val="0"/>
+              </a:spcAft>
+              <a:buClr>
+                <a:schemeClr val="bg2"/>
+              </a:buClr>
+              <a:buSzPct val="104000"/>
+              <a:buFont typeface="Arial" panose="020B0604020202020204" pitchFamily="34" charset="0"/>
+              <a:buChar char="│"/>
+              <a:defRPr sz="12000" b="0" kern="1200" baseline="0">
+                <a:solidFill>
+                  <a:schemeClr val="bg1"/>
+                </a:solidFill>
+                <a:latin typeface="Yandex Sans Text Light" panose="02000000000000000000" pitchFamily="2" charset="-52"/>
+                <a:ea typeface="+mn-ea"/>
+                <a:cs typeface="+mn-cs"/>
+              </a:defRPr>
+            </a:lvl1pPr>
+            <a:lvl2pPr marL="431978" indent="-431978" algn="l" defTabSz="1907905" rtl="0" eaLnBrk="1" latinLnBrk="0" hangingPunct="1">
+              <a:lnSpc>
+                <a:spcPts val="6000"/>
+              </a:lnSpc>
+              <a:spcBef>
+                <a:spcPts val="0"/>
+              </a:spcBef>
+              <a:spcAft>
+                <a:spcPts val="0"/>
+              </a:spcAft>
+              <a:buClr>
+                <a:schemeClr val="tx2"/>
+              </a:buClr>
+              <a:buSzPct val="120000"/>
+              <a:buFont typeface="Impact" panose="020B0806030902050204" pitchFamily="34" charset="0"/>
+              <a:buChar char="▌"/>
+              <a:defRPr sz="4800" kern="1200" baseline="0">
+                <a:solidFill>
+                  <a:schemeClr val="tx1"/>
+                </a:solidFill>
+                <a:latin typeface="Yandex Sans Text Regular" pitchFamily="2" charset="-52"/>
+                <a:ea typeface="+mn-ea"/>
+                <a:cs typeface="+mn-cs"/>
+              </a:defRPr>
+            </a:lvl2pPr>
+            <a:lvl3pPr marL="1007950" indent="-539973" algn="l" defTabSz="1828619" rtl="0" eaLnBrk="1" latinLnBrk="0" hangingPunct="1">
+              <a:lnSpc>
+                <a:spcPts val="6000"/>
+              </a:lnSpc>
+              <a:spcBef>
+                <a:spcPts val="3000"/>
+              </a:spcBef>
+              <a:spcAft>
+                <a:spcPts val="0"/>
+              </a:spcAft>
+              <a:buSzPct val="150000"/>
+              <a:buFont typeface="Yandex Sans Text Light" panose="02000000000000000000" pitchFamily="2" charset="-52"/>
+              <a:buChar char="›"/>
+              <a:defRPr sz="4800" kern="1200">
+                <a:solidFill>
+                  <a:schemeClr val="tx1"/>
+                </a:solidFill>
+                <a:latin typeface="Yandex Sans Text Light" panose="02000000000000000000" pitchFamily="2" charset="-52"/>
+                <a:ea typeface="+mn-ea"/>
+                <a:cs typeface="+mn-cs"/>
+              </a:defRPr>
+            </a:lvl3pPr>
+            <a:lvl4pPr marL="1007950" indent="-539973" algn="l" defTabSz="1828619" rtl="0" eaLnBrk="1" latinLnBrk="0" hangingPunct="1">
+              <a:lnSpc>
+                <a:spcPts val="6000"/>
+              </a:lnSpc>
+              <a:spcBef>
+                <a:spcPts val="3000"/>
+              </a:spcBef>
+              <a:spcAft>
+                <a:spcPts val="0"/>
+              </a:spcAft>
+              <a:buFont typeface="+mj-lt"/>
+              <a:buAutoNum type="arabicPeriod"/>
+              <a:defRPr sz="4800" kern="1200">
+                <a:solidFill>
+                  <a:schemeClr val="tx1"/>
+                </a:solidFill>
+                <a:latin typeface="Yandex Sans Text Light" panose="02000000000000000000" pitchFamily="2" charset="-52"/>
+                <a:ea typeface="+mn-ea"/>
+                <a:cs typeface="+mn-cs"/>
+              </a:defRPr>
+            </a:lvl4pPr>
+            <a:lvl5pPr marL="0" indent="0" algn="l" defTabSz="1828619" rtl="0" eaLnBrk="1" latinLnBrk="0" hangingPunct="1">
+              <a:lnSpc>
+                <a:spcPts val="6000"/>
+              </a:lnSpc>
+              <a:spcBef>
+                <a:spcPts val="3000"/>
+              </a:spcBef>
+              <a:spcAft>
+                <a:spcPts val="3000"/>
+              </a:spcAft>
+              <a:buFontTx/>
+              <a:buNone/>
+              <a:defRPr sz="4800" kern="1200">
+                <a:solidFill>
+                  <a:schemeClr val="tx1"/>
+                </a:solidFill>
+                <a:latin typeface="+mn-lt"/>
+                <a:ea typeface="+mn-ea"/>
+                <a:cs typeface="+mn-cs"/>
+              </a:defRPr>
+            </a:lvl5pPr>
+            <a:lvl6pPr marL="5028699" indent="-457155" algn="l" defTabSz="1828619" rtl="0" eaLnBrk="1" latinLnBrk="0" hangingPunct="1">
+              <a:lnSpc>
+                <a:spcPct val="90000"/>
+              </a:lnSpc>
+              <a:spcBef>
+                <a:spcPts val="1000"/>
+              </a:spcBef>
+              <a:buFont typeface="Arial" panose="020B0604020202020204" pitchFamily="34" charset="0"/>
+              <a:buChar char="•"/>
+              <a:defRPr sz="3600" kern="1200">
+                <a:solidFill>
+                  <a:schemeClr val="tx1"/>
+                </a:solidFill>
+                <a:latin typeface="+mn-lt"/>
+                <a:ea typeface="+mn-ea"/>
+                <a:cs typeface="+mn-cs"/>
+              </a:defRPr>
+            </a:lvl6pPr>
+            <a:lvl7pPr marL="5943007" indent="-457155" algn="l" defTabSz="1828619" rtl="0" eaLnBrk="1" latinLnBrk="0" hangingPunct="1">
+              <a:lnSpc>
+                <a:spcPct val="90000"/>
+              </a:lnSpc>
+              <a:spcBef>
+                <a:spcPts val="1000"/>
+              </a:spcBef>
+              <a:buFont typeface="Arial" panose="020B0604020202020204" pitchFamily="34" charset="0"/>
+              <a:buChar char="•"/>
+              <a:defRPr sz="3600" kern="1200">
+                <a:solidFill>
+                  <a:schemeClr val="tx1"/>
+                </a:solidFill>
+                <a:latin typeface="+mn-lt"/>
+                <a:ea typeface="+mn-ea"/>
+                <a:cs typeface="+mn-cs"/>
+              </a:defRPr>
+            </a:lvl7pPr>
+            <a:lvl8pPr marL="6857315" indent="-457155" algn="l" defTabSz="1828619" rtl="0" eaLnBrk="1" latinLnBrk="0" hangingPunct="1">
+              <a:lnSpc>
+                <a:spcPct val="90000"/>
+              </a:lnSpc>
+              <a:spcBef>
+                <a:spcPts val="1000"/>
+              </a:spcBef>
+              <a:buFont typeface="Arial" panose="020B0604020202020204" pitchFamily="34" charset="0"/>
+              <a:buChar char="•"/>
+              <a:defRPr sz="3600" kern="1200">
+                <a:solidFill>
+                  <a:schemeClr val="tx1"/>
+                </a:solidFill>
+                <a:latin typeface="+mn-lt"/>
+                <a:ea typeface="+mn-ea"/>
+                <a:cs typeface="+mn-cs"/>
+              </a:defRPr>
+            </a:lvl8pPr>
+            <a:lvl9pPr marL="7771623" indent="-457155" algn="l" defTabSz="1828619" rtl="0" eaLnBrk="1" latinLnBrk="0" hangingPunct="1">
+              <a:lnSpc>
+                <a:spcPct val="90000"/>
+              </a:lnSpc>
+              <a:spcBef>
+                <a:spcPts val="1000"/>
+              </a:spcBef>
+              <a:buFont typeface="Arial" panose="020B0604020202020204" pitchFamily="34" charset="0"/>
+              <a:buChar char="•"/>
+              <a:defRPr sz="3600" kern="1200">
+                <a:solidFill>
+                  <a:schemeClr val="tx1"/>
+                </a:solidFill>
+                <a:latin typeface="+mn-lt"/>
+                <a:ea typeface="+mn-ea"/>
+                <a:cs typeface="+mn-cs"/>
+              </a:defRPr>
+            </a:lvl9pPr>
+          </a:lstStyle>
+          <a:p>
+            <a:pPr marL="791960" marR="0" lvl="0" indent="-1115944" algn="l" defTabSz="1828619" rtl="0" eaLnBrk="1" fontAlgn="auto" latinLnBrk="0" hangingPunct="1">
+              <a:lnSpc>
+                <a:spcPts val="13999"/>
+              </a:lnSpc>
+              <a:spcBef>
+                <a:spcPts val="0"/>
+              </a:spcBef>
+              <a:spcAft>
+                <a:spcPts val="0"/>
+              </a:spcAft>
+              <a:buClr>
+                <a:srgbClr val="FFCC00"/>
+              </a:buClr>
+              <a:buSzPct val="104000"/>
+              <a:buFont typeface="Arial" panose="020B0604020202020204" pitchFamily="34" charset="0"/>
+              <a:buChar char="│"/>
+              <a:tabLst/>
+              <a:defRPr/>
+            </a:pPr>
+            <a:r>
+              <a:rPr kumimoji="0" lang="en-US" sz="12000" b="0" i="0" u="none" strike="noStrike" kern="1200" cap="none" spc="0" normalizeH="0" baseline="0" noProof="0" smtClean="0">
+                <a:ln>
+                  <a:noFill/>
+                </a:ln>
+                <a:solidFill>
+                  <a:srgbClr val="000000"/>
+                </a:solidFill>
+                <a:effectLst/>
+                <a:uLnTx/>
+                <a:uFillTx/>
+                <a:latin typeface="Yandex Sans Text Light" panose="02000000000000000000" pitchFamily="2" charset="-52"/>
+                <a:ea typeface="+mn-ea"/>
+                <a:cs typeface="+mn-cs"/>
+              </a:rPr>
+              <a:t>Teaching is relatively</a:t>
+            </a:r>
+            <a:endParaRPr kumimoji="0" lang="ru-RU" sz="12000" b="0" i="0" u="none" strike="noStrike" kern="1200" cap="none" spc="0" normalizeH="0" baseline="0" noProof="0" smtClean="0">
+              <a:ln>
+                <a:noFill/>
+              </a:ln>
+              <a:solidFill>
+                <a:srgbClr val="000000"/>
+              </a:solidFill>
+              <a:effectLst/>
+              <a:uLnTx/>
+              <a:uFillTx/>
+              <a:latin typeface="Yandex Sans Text Light" panose="02000000000000000000" pitchFamily="2" charset="-52"/>
+              <a:ea typeface="+mn-ea"/>
+              <a:cs typeface="+mn-cs"/>
+            </a:endParaRPr>
+          </a:p>
+          <a:p>
+            <a:pPr marL="791960" marR="0" lvl="0" indent="-1115944" algn="l" defTabSz="1828619" rtl="0" eaLnBrk="1" fontAlgn="auto" latinLnBrk="0" hangingPunct="1">
+              <a:lnSpc>
+                <a:spcPts val="13999"/>
+              </a:lnSpc>
+              <a:spcBef>
+                <a:spcPts val="0"/>
+              </a:spcBef>
+              <a:spcAft>
+                <a:spcPts val="0"/>
+              </a:spcAft>
+              <a:buClr>
+                <a:srgbClr val="FFCC00"/>
+              </a:buClr>
+              <a:buSzPct val="104000"/>
+              <a:buFont typeface="Arial" panose="020B0604020202020204" pitchFamily="34" charset="0"/>
+              <a:buChar char="│"/>
+              <a:tabLst/>
+              <a:defRPr/>
+            </a:pPr>
+            <a:r>
+              <a:rPr kumimoji="0" lang="en-US" sz="12000" b="0" i="0" u="none" strike="noStrike" kern="1200" cap="none" spc="0" normalizeH="0" baseline="0" noProof="0" smtClean="0">
+                <a:ln>
+                  <a:noFill/>
+                </a:ln>
+                <a:solidFill>
+                  <a:srgbClr val="000000"/>
+                </a:solidFill>
+                <a:effectLst/>
+                <a:uLnTx/>
+                <a:uFillTx/>
+                <a:latin typeface="Yandex Sans Text Light" panose="02000000000000000000" pitchFamily="2" charset="-52"/>
+                <a:ea typeface="+mn-ea"/>
+                <a:cs typeface="+mn-cs"/>
+              </a:rPr>
+              <a:t>easy. Getting people</a:t>
+            </a:r>
+            <a:endParaRPr kumimoji="0" lang="ru-RU" sz="12000" b="0" i="0" u="none" strike="noStrike" kern="1200" cap="none" spc="0" normalizeH="0" baseline="0" noProof="0" smtClean="0">
+              <a:ln>
+                <a:noFill/>
+              </a:ln>
+              <a:solidFill>
+                <a:srgbClr val="000000"/>
+              </a:solidFill>
+              <a:effectLst/>
+              <a:uLnTx/>
+              <a:uFillTx/>
+              <a:latin typeface="Yandex Sans Text Light" panose="02000000000000000000" pitchFamily="2" charset="-52"/>
+              <a:ea typeface="+mn-ea"/>
+              <a:cs typeface="+mn-cs"/>
+            </a:endParaRPr>
+          </a:p>
+          <a:p>
+            <a:pPr marL="791960" marR="0" lvl="0" indent="-1115944" algn="l" defTabSz="1828619" rtl="0" eaLnBrk="1" fontAlgn="auto" latinLnBrk="0" hangingPunct="1">
+              <a:lnSpc>
+                <a:spcPts val="13999"/>
+              </a:lnSpc>
+              <a:spcBef>
+                <a:spcPts val="0"/>
+              </a:spcBef>
+              <a:spcAft>
+                <a:spcPts val="0"/>
+              </a:spcAft>
+              <a:buClr>
+                <a:srgbClr val="FFCC00"/>
+              </a:buClr>
+              <a:buSzPct val="104000"/>
+              <a:buFont typeface="Arial" panose="020B0604020202020204" pitchFamily="34" charset="0"/>
+              <a:buChar char="│"/>
+              <a:tabLst/>
+              <a:defRPr/>
+            </a:pPr>
+            <a:r>
+              <a:rPr kumimoji="0" lang="en-US" sz="12000" b="0" i="0" u="none" strike="noStrike" kern="1200" cap="none" spc="0" normalizeH="0" baseline="0" noProof="0" smtClean="0">
+                <a:ln>
+                  <a:noFill/>
+                </a:ln>
+                <a:solidFill>
+                  <a:srgbClr val="000000"/>
+                </a:solidFill>
+                <a:effectLst/>
+                <a:uLnTx/>
+                <a:uFillTx/>
+                <a:latin typeface="Yandex Sans Text Light" panose="02000000000000000000" pitchFamily="2" charset="-52"/>
+                <a:ea typeface="+mn-ea"/>
+                <a:cs typeface="+mn-cs"/>
+              </a:rPr>
+              <a:t>to</a:t>
+            </a:r>
+            <a:r>
+              <a:rPr kumimoji="0" lang="ru-RU" sz="12000" b="0" i="0" u="none" strike="noStrike" kern="1200" cap="none" spc="0" normalizeH="0" baseline="0" noProof="0" smtClean="0">
+                <a:ln>
+                  <a:noFill/>
+                </a:ln>
+                <a:solidFill>
+                  <a:srgbClr val="000000"/>
+                </a:solidFill>
+                <a:effectLst/>
+                <a:uLnTx/>
+                <a:uFillTx/>
+                <a:latin typeface="Yandex Sans Text Light" panose="02000000000000000000" pitchFamily="2" charset="-52"/>
+                <a:ea typeface="+mn-ea"/>
+                <a:cs typeface="+mn-cs"/>
+              </a:rPr>
+              <a:t> </a:t>
+            </a:r>
+            <a:r>
+              <a:rPr kumimoji="0" lang="en-US" sz="12000" b="0" i="0" u="none" strike="noStrike" kern="1200" cap="none" spc="0" normalizeH="0" baseline="0" noProof="0" smtClean="0">
+                <a:ln>
+                  <a:noFill/>
+                </a:ln>
+                <a:solidFill>
+                  <a:srgbClr val="000000"/>
+                </a:solidFill>
+                <a:effectLst/>
+                <a:uLnTx/>
+                <a:uFillTx/>
+                <a:latin typeface="Yandex Sans Text Light" panose="02000000000000000000" pitchFamily="2" charset="-52"/>
+                <a:ea typeface="+mn-ea"/>
+                <a:cs typeface="+mn-cs"/>
+              </a:rPr>
+              <a:t>learn is hard</a:t>
+            </a:r>
+            <a:endParaRPr kumimoji="0" lang="ru-RU" sz="12000" b="0" i="0" u="none" strike="noStrike" kern="1200" cap="none" spc="0" normalizeH="0" baseline="0" noProof="0" dirty="0">
+              <a:ln>
+                <a:noFill/>
+              </a:ln>
+              <a:solidFill>
+                <a:srgbClr val="000000"/>
+              </a:solidFill>
+              <a:effectLst/>
+              <a:uLnTx/>
+              <a:uFillTx/>
+              <a:latin typeface="Yandex Sans Text Light" panose="02000000000000000000" pitchFamily="2" charset="-52"/>
+              <a:ea typeface="+mn-ea"/>
+              <a:cs typeface="+mn-cs"/>
+            </a:endParaRPr>
+          </a:p>
+        </p:txBody>
+      </p:sp>
+    </p:spTree>
+    <p:extLst>
+      <p:ext uri="{BB962C8B-B14F-4D97-AF65-F5344CB8AC3E}">
+        <p14:creationId xmlns:p14="http://schemas.microsoft.com/office/powerpoint/2010/main" val="3487108593"/>
+      </p:ext>
+    </p:extLst>
+  </p:cSld>
+  <p:clrMapOvr>
+    <a:masterClrMapping/>
+  </p:clrMapOvr>
+  <p:timing>
+    <p:tnLst>
+      <p:par>
+        <p:cTn id="1" dur="indefinite" restart="never" nodeType="tmRoot"/>
+      </p:par>
+    </p:tnLst>
+  </p:timing>
+</p:sld>
+</file>
+
+<file path=ppt/slides/slide43.xml><?xml version="1.0" encoding="utf-8"?>
+<p:sld xmlns:a="http://schemas.openxmlformats.org/drawingml/2006/main" xmlns:r="http://schemas.openxmlformats.org/officeDocument/2006/relationships" xmlns:p="http://schemas.openxmlformats.org/presentationml/2006/main">
+  <p:cSld>
+    <p:spTree>
+      <p:nvGrpSpPr>
+        <p:cNvPr id="1" name=""/>
+        <p:cNvGrpSpPr/>
+        <p:nvPr/>
+      </p:nvGrpSpPr>
+      <p:grpSpPr>
+        <a:xfrm>
+          <a:off x="0" y="0"/>
+          <a:ext cx="0" cy="0"/>
+          <a:chOff x="0" y="0"/>
+          <a:chExt cx="0" cy="0"/>
+        </a:xfrm>
+      </p:grpSpPr>
+      <p:sp>
+        <p:nvSpPr>
+          <p:cNvPr id="2" name="Заголовок 1"/>
+          <p:cNvSpPr>
+            <a:spLocks noGrp="1"/>
+          </p:cNvSpPr>
+          <p:nvPr>
+            <p:ph type="title"/>
+          </p:nvPr>
+        </p:nvSpPr>
+        <p:spPr/>
+        <p:txBody>
+          <a:bodyPr/>
+          <a:lstStyle/>
+          <a:p>
+            <a:r>
+              <a:rPr lang="ru-RU" dirty="0" smtClean="0"/>
+              <a:t>Практичность</a:t>
+            </a:r>
+            <a:endParaRPr lang="ru-RU" dirty="0"/>
+          </a:p>
+        </p:txBody>
+      </p:sp>
+      <p:sp>
+        <p:nvSpPr>
+          <p:cNvPr id="4" name="Нижний колонтитул 3"/>
+          <p:cNvSpPr>
+            <a:spLocks noGrp="1"/>
+          </p:cNvSpPr>
+          <p:nvPr>
+            <p:ph type="ftr" sz="quarter" idx="11"/>
+          </p:nvPr>
+        </p:nvSpPr>
+        <p:spPr/>
+        <p:txBody>
+          <a:bodyPr/>
+          <a:lstStyle/>
+          <a:p>
+            <a:endParaRPr lang="ru-RU"/>
+          </a:p>
+        </p:txBody>
+      </p:sp>
+      <p:sp>
+        <p:nvSpPr>
+          <p:cNvPr id="5" name="Номер слайда 4"/>
+          <p:cNvSpPr>
+            <a:spLocks noGrp="1"/>
+          </p:cNvSpPr>
+          <p:nvPr>
+            <p:ph type="sldNum" sz="quarter" idx="12"/>
+          </p:nvPr>
+        </p:nvSpPr>
+        <p:spPr/>
+        <p:txBody>
+          <a:bodyPr/>
+          <a:lstStyle/>
+          <a:p>
+            <a:fld id="{741C03D3-FA44-40EC-9A21-1FC4FEA3E22E}" type="slidenum">
+              <a:rPr lang="ru-RU" smtClean="0"/>
+              <a:t>43</a:t>
             </a:fld>
             <a:endParaRPr lang="ru-RU"/>
           </a:p>
@@ -31281,7 +33307,7 @@
 </p:sld>
 </file>
 
-<file path=ppt/slides/slide41.xml><?xml version="1.0" encoding="utf-8"?>
+<file path=ppt/slides/slide44.xml><?xml version="1.0" encoding="utf-8"?>
 <p:sld xmlns:a="http://schemas.openxmlformats.org/drawingml/2006/main" xmlns:r="http://schemas.openxmlformats.org/officeDocument/2006/relationships" xmlns:p="http://schemas.openxmlformats.org/presentationml/2006/main">
   <p:cSld>
     <p:spTree>
@@ -31430,7 +33456,7 @@
 </p:sld>
 </file>
 
-<file path=ppt/slides/slide42.xml><?xml version="1.0" encoding="utf-8"?>
+<file path=ppt/slides/slide45.xml><?xml version="1.0" encoding="utf-8"?>
 <p:sld xmlns:a="http://schemas.openxmlformats.org/drawingml/2006/main" xmlns:r="http://schemas.openxmlformats.org/officeDocument/2006/relationships" xmlns:p="http://schemas.openxmlformats.org/presentationml/2006/main">
   <p:cSld>
     <p:spTree>
@@ -34065,7 +36091,7 @@
 </p:sld>
 </file>
 
-<file path=ppt/slides/slide43.xml><?xml version="1.0" encoding="utf-8"?>
+<file path=ppt/slides/slide46.xml><?xml version="1.0" encoding="utf-8"?>
 <p:sld xmlns:a="http://schemas.openxmlformats.org/drawingml/2006/main" xmlns:r="http://schemas.openxmlformats.org/officeDocument/2006/relationships" xmlns:p="http://schemas.openxmlformats.org/presentationml/2006/main" show="0">
   <p:cSld>
     <p:spTree>
@@ -34174,7 +36200,7 @@
           <a:p>
             <a:fld id="{741C03D3-FA44-40EC-9A21-1FC4FEA3E22E}" type="slidenum">
               <a:rPr lang="ru-RU" smtClean="0"/>
-              <a:t>43</a:t>
+              <a:t>46</a:t>
             </a:fld>
             <a:endParaRPr lang="ru-RU"/>
           </a:p>
@@ -34498,7 +36524,7 @@
               <a:effectLst/>
               <a:extLst>
                 <a:ext uri="{C572A759-6A51-4108-AA02-DFA0A04FC94B}">
-                  <ma14:wrappingTextBoxFlag xmlns:ma14="http://schemas.microsoft.com/office/mac/drawingml/2011/main" xmlns="" val="1"/>
+                  <ma14:wrappingTextBoxFlag xmlns="" xmlns:ma14="http://schemas.microsoft.com/office/mac/drawingml/2011/main" val="1"/>
                 </a:ext>
               </a:extLst>
             </p:spPr>
@@ -34596,7 +36622,7 @@
 </p:sld>
 </file>
 
-<file path=ppt/slides/slide44.xml><?xml version="1.0" encoding="utf-8"?>
+<file path=ppt/slides/slide47.xml><?xml version="1.0" encoding="utf-8"?>
 <p:sld xmlns:a="http://schemas.openxmlformats.org/drawingml/2006/main" xmlns:r="http://schemas.openxmlformats.org/officeDocument/2006/relationships" xmlns:p="http://schemas.openxmlformats.org/presentationml/2006/main" show="0">
   <p:cSld>
     <p:spTree>
@@ -34671,7 +36697,7 @@
           <a:p>
             <a:fld id="{741C03D3-FA44-40EC-9A21-1FC4FEA3E22E}" type="slidenum">
               <a:rPr lang="ru-RU" smtClean="0"/>
-              <a:t>44</a:t>
+              <a:t>47</a:t>
             </a:fld>
             <a:endParaRPr lang="ru-RU"/>
           </a:p>
@@ -35743,7 +37769,7 @@
               <a:effectLst/>
               <a:extLst>
                 <a:ext uri="{C572A759-6A51-4108-AA02-DFA0A04FC94B}">
-                  <ma14:wrappingTextBoxFlag xmlns:ma14="http://schemas.microsoft.com/office/mac/drawingml/2011/main" xmlns="" val="1"/>
+                  <ma14:wrappingTextBoxFlag xmlns="" xmlns:ma14="http://schemas.microsoft.com/office/mac/drawingml/2011/main" val="1"/>
                 </a:ext>
               </a:extLst>
             </p:spPr>

--- a/slides.pptx
+++ b/slides.pptx
@@ -5,10 +5,10 @@
     <p:sldMasterId id="2147483684" r:id="rId1"/>
   </p:sldMasterIdLst>
   <p:notesMasterIdLst>
-    <p:notesMasterId r:id="rId49"/>
+    <p:notesMasterId r:id="rId54"/>
   </p:notesMasterIdLst>
   <p:handoutMasterIdLst>
-    <p:handoutMasterId r:id="rId50"/>
+    <p:handoutMasterId r:id="rId55"/>
   </p:handoutMasterIdLst>
   <p:sldIdLst>
     <p:sldId id="746" r:id="rId2"/>
@@ -48,16 +48,21 @@
     <p:sldId id="851" r:id="rId36"/>
     <p:sldId id="852" r:id="rId37"/>
     <p:sldId id="853" r:id="rId38"/>
-    <p:sldId id="819" r:id="rId39"/>
-    <p:sldId id="820" r:id="rId40"/>
-    <p:sldId id="821" r:id="rId41"/>
-    <p:sldId id="822" r:id="rId42"/>
-    <p:sldId id="814" r:id="rId43"/>
-    <p:sldId id="816" r:id="rId44"/>
-    <p:sldId id="796" r:id="rId45"/>
-    <p:sldId id="792" r:id="rId46"/>
-    <p:sldId id="783" r:id="rId47"/>
-    <p:sldId id="785" r:id="rId48"/>
+    <p:sldId id="854" r:id="rId39"/>
+    <p:sldId id="855" r:id="rId40"/>
+    <p:sldId id="856" r:id="rId41"/>
+    <p:sldId id="857" r:id="rId42"/>
+    <p:sldId id="858" r:id="rId43"/>
+    <p:sldId id="819" r:id="rId44"/>
+    <p:sldId id="820" r:id="rId45"/>
+    <p:sldId id="821" r:id="rId46"/>
+    <p:sldId id="822" r:id="rId47"/>
+    <p:sldId id="816" r:id="rId48"/>
+    <p:sldId id="859" r:id="rId49"/>
+    <p:sldId id="796" r:id="rId50"/>
+    <p:sldId id="792" r:id="rId51"/>
+    <p:sldId id="783" r:id="rId52"/>
+    <p:sldId id="785" r:id="rId53"/>
   </p:sldIdLst>
   <p:sldSz cx="24382413" cy="13716000"/>
   <p:notesSz cx="6858000" cy="9144000"/>
@@ -198,12 +203,17 @@
             <p14:sldId id="851"/>
             <p14:sldId id="852"/>
             <p14:sldId id="853"/>
+            <p14:sldId id="854"/>
+            <p14:sldId id="855"/>
+            <p14:sldId id="856"/>
+            <p14:sldId id="857"/>
+            <p14:sldId id="858"/>
             <p14:sldId id="819"/>
             <p14:sldId id="820"/>
             <p14:sldId id="821"/>
             <p14:sldId id="822"/>
-            <p14:sldId id="814"/>
             <p14:sldId id="816"/>
+            <p14:sldId id="859"/>
             <p14:sldId id="796"/>
             <p14:sldId id="792"/>
             <p14:sldId id="783"/>
@@ -318,7 +328,7 @@
           <a:p>
             <a:fld id="{7C2C5C60-F37A-814E-99F6-3C775637DBC0}" type="datetimeFigureOut">
               <a:rPr lang="ru-RU" smtClean="0"/>
-              <a:t>29.10.2018</a:t>
+              <a:t>30.10.2018</a:t>
             </a:fld>
             <a:endParaRPr lang="ru-RU"/>
           </a:p>
@@ -483,7 +493,7 @@
           <a:p>
             <a:fld id="{A48BA324-014D-41B7-8E83-ECE8F197A959}" type="datetimeFigureOut">
               <a:rPr lang="ru-RU" smtClean="0"/>
-              <a:t>29.10.2018</a:t>
+              <a:t>30.10.2018</a:t>
             </a:fld>
             <a:endParaRPr lang="ru-RU"/>
           </a:p>
@@ -5906,7 +5916,7 @@
           </a:ln>
           <a:extLst>
             <a:ext uri="{C572A759-6A51-4108-AA02-DFA0A04FC94B}">
-              <ma14:wrappingTextBoxFlag xmlns="" xmlns:ma14="http://schemas.microsoft.com/office/mac/drawingml/2011/main" val="1"/>
+              <ma14:wrappingTextBoxFlag xmlns:ma14="http://schemas.microsoft.com/office/mac/drawingml/2011/main" xmlns="" val="1"/>
             </a:ext>
           </a:extLst>
         </p:spPr>
@@ -5949,7 +5959,7 @@
           </a:ln>
           <a:extLst>
             <a:ext uri="{C572A759-6A51-4108-AA02-DFA0A04FC94B}">
-              <ma14:wrappingTextBoxFlag xmlns="" xmlns:ma14="http://schemas.microsoft.com/office/mac/drawingml/2011/main" val="1"/>
+              <ma14:wrappingTextBoxFlag xmlns:ma14="http://schemas.microsoft.com/office/mac/drawingml/2011/main" xmlns="" val="1"/>
             </a:ext>
           </a:extLst>
         </p:spPr>
@@ -6073,7 +6083,7 @@
           </a:ln>
           <a:extLst>
             <a:ext uri="{C572A759-6A51-4108-AA02-DFA0A04FC94B}">
-              <ma14:wrappingTextBoxFlag xmlns="" xmlns:ma14="http://schemas.microsoft.com/office/mac/drawingml/2011/main" val="1"/>
+              <ma14:wrappingTextBoxFlag xmlns:ma14="http://schemas.microsoft.com/office/mac/drawingml/2011/main" xmlns="" val="1"/>
             </a:ext>
           </a:extLst>
         </p:spPr>
@@ -6164,7 +6174,7 @@
           </a:ln>
           <a:extLst>
             <a:ext uri="{C572A759-6A51-4108-AA02-DFA0A04FC94B}">
-              <ma14:wrappingTextBoxFlag xmlns="" xmlns:ma14="http://schemas.microsoft.com/office/mac/drawingml/2011/main" val="1"/>
+              <ma14:wrappingTextBoxFlag xmlns:ma14="http://schemas.microsoft.com/office/mac/drawingml/2011/main" xmlns="" val="1"/>
             </a:ext>
           </a:extLst>
         </p:spPr>
@@ -6283,7 +6293,7 @@
           </a:ln>
           <a:extLst>
             <a:ext uri="{C572A759-6A51-4108-AA02-DFA0A04FC94B}">
-              <ma14:wrappingTextBoxFlag xmlns="" xmlns:ma14="http://schemas.microsoft.com/office/mac/drawingml/2011/main" val="1"/>
+              <ma14:wrappingTextBoxFlag xmlns:ma14="http://schemas.microsoft.com/office/mac/drawingml/2011/main" xmlns="" val="1"/>
             </a:ext>
           </a:extLst>
         </p:spPr>
@@ -29913,7 +29923,6 @@
               <a:rPr lang="ru-RU" dirty="0" smtClean="0"/>
               <a:t>если она не удалась</a:t>
             </a:r>
-            <a:endParaRPr lang="ru-RU" dirty="0" smtClean="0"/>
           </a:p>
         </p:txBody>
       </p:sp>
@@ -30575,6 +30584,135 @@
                 </a:solidFill>
               </a:rPr>
               <a:t>это не скомпилируется</a:t>
+            </a:r>
+          </a:p>
+        </p:txBody>
+      </p:sp>
+      <p:sp>
+        <p:nvSpPr>
+          <p:cNvPr id="9" name="Овальная выноска 8"/>
+          <p:cNvSpPr/>
+          <p:nvPr/>
+        </p:nvSpPr>
+        <p:spPr>
+          <a:xfrm>
+            <a:off x="10049156" y="8337457"/>
+            <a:ext cx="3287432" cy="1294093"/>
+          </a:xfrm>
+          <a:prstGeom prst="wedgeEllipseCallout">
+            <a:avLst>
+              <a:gd name="adj1" fmla="val -64042"/>
+              <a:gd name="adj2" fmla="val 138080"/>
+            </a:avLst>
+          </a:prstGeom>
+          <a:solidFill>
+            <a:schemeClr val="tx2"/>
+          </a:solidFill>
+          <a:ln w="38100">
+            <a:solidFill>
+              <a:schemeClr val="tx1"/>
+            </a:solidFill>
+          </a:ln>
+        </p:spPr>
+        <p:style>
+          <a:lnRef idx="2">
+            <a:schemeClr val="accent1">
+              <a:shade val="50000"/>
+            </a:schemeClr>
+          </a:lnRef>
+          <a:fillRef idx="1">
+            <a:schemeClr val="accent1"/>
+          </a:fillRef>
+          <a:effectRef idx="0">
+            <a:schemeClr val="accent1"/>
+          </a:effectRef>
+          <a:fontRef idx="minor">
+            <a:schemeClr val="lt1"/>
+          </a:fontRef>
+        </p:style>
+        <p:txBody>
+          <a:bodyPr rtlCol="0" anchor="ctr"/>
+          <a:lstStyle/>
+          <a:p>
+            <a:pPr algn="ctr"/>
+            <a:r>
+              <a:rPr lang="en-US" dirty="0" smtClean="0">
+                <a:solidFill>
+                  <a:schemeClr val="tx1"/>
+                </a:solidFill>
+              </a:rPr>
+              <a:t>WAT</a:t>
+            </a:r>
+            <a:r>
+              <a:rPr lang="ru-RU" dirty="0" smtClean="0">
+                <a:solidFill>
+                  <a:schemeClr val="tx1"/>
+                </a:solidFill>
+              </a:rPr>
+              <a:t>??</a:t>
+            </a:r>
+            <a:endParaRPr lang="ru-RU" dirty="0" smtClean="0">
+              <a:solidFill>
+                <a:schemeClr val="tx1"/>
+              </a:solidFill>
+            </a:endParaRPr>
+          </a:p>
+        </p:txBody>
+      </p:sp>
+      <p:sp>
+        <p:nvSpPr>
+          <p:cNvPr id="10" name="Овальная выноска 9"/>
+          <p:cNvSpPr/>
+          <p:nvPr/>
+        </p:nvSpPr>
+        <p:spPr>
+          <a:xfrm>
+            <a:off x="8077525" y="11437938"/>
+            <a:ext cx="5592109" cy="1689240"/>
+          </a:xfrm>
+          <a:prstGeom prst="wedgeEllipseCallout">
+            <a:avLst>
+              <a:gd name="adj1" fmla="val -117746"/>
+              <a:gd name="adj2" fmla="val -35191"/>
+            </a:avLst>
+          </a:prstGeom>
+          <a:solidFill>
+            <a:schemeClr val="tx2"/>
+          </a:solidFill>
+          <a:ln w="38100">
+            <a:solidFill>
+              <a:schemeClr val="tx1"/>
+            </a:solidFill>
+          </a:ln>
+        </p:spPr>
+        <p:style>
+          <a:lnRef idx="2">
+            <a:schemeClr val="accent1">
+              <a:shade val="50000"/>
+            </a:schemeClr>
+          </a:lnRef>
+          <a:fillRef idx="1">
+            <a:schemeClr val="accent1"/>
+          </a:fillRef>
+          <a:effectRef idx="0">
+            <a:schemeClr val="accent1"/>
+          </a:effectRef>
+          <a:fontRef idx="minor">
+            <a:schemeClr val="lt1"/>
+          </a:fontRef>
+        </p:style>
+        <p:txBody>
+          <a:bodyPr rtlCol="0" anchor="ctr"/>
+          <a:lstStyle/>
+          <a:p>
+            <a:pPr algn="ctr"/>
+            <a:r>
+              <a:rPr lang="ru-RU" dirty="0" smtClean="0">
+                <a:solidFill>
+                  <a:schemeClr val="tx1"/>
+                </a:solidFill>
+              </a:rPr>
+              <a:t>У меня такого кода нет…</a:t>
             </a:r>
             <a:endParaRPr lang="ru-RU" dirty="0" smtClean="0">
               <a:solidFill>
@@ -30785,6 +30923,123 @@
                       </p:childTnLst>
                     </p:cTn>
                   </p:par>
+                  <p:par>
+                    <p:cTn id="17" fill="hold">
+                      <p:stCondLst>
+                        <p:cond delay="indefinite"/>
+                      </p:stCondLst>
+                      <p:childTnLst>
+                        <p:par>
+                          <p:cTn id="18" fill="hold">
+                            <p:stCondLst>
+                              <p:cond delay="0"/>
+                            </p:stCondLst>
+                            <p:childTnLst>
+                              <p:par>
+                                <p:cTn id="19" presetID="1" presetClass="entr" presetSubtype="0" fill="hold" grpId="0" nodeType="clickEffect">
+                                  <p:stCondLst>
+                                    <p:cond delay="0"/>
+                                  </p:stCondLst>
+                                  <p:childTnLst>
+                                    <p:set>
+                                      <p:cBhvr>
+                                        <p:cTn id="20" dur="1" fill="hold">
+                                          <p:stCondLst>
+                                            <p:cond delay="0"/>
+                                          </p:stCondLst>
+                                        </p:cTn>
+                                        <p:tgtEl>
+                                          <p:spTgt spid="9"/>
+                                        </p:tgtEl>
+                                        <p:attrNameLst>
+                                          <p:attrName>style.visibility</p:attrName>
+                                        </p:attrNameLst>
+                                      </p:cBhvr>
+                                      <p:to>
+                                        <p:strVal val="visible"/>
+                                      </p:to>
+                                    </p:set>
+                                  </p:childTnLst>
+                                </p:cTn>
+                              </p:par>
+                            </p:childTnLst>
+                          </p:cTn>
+                        </p:par>
+                      </p:childTnLst>
+                    </p:cTn>
+                  </p:par>
+                  <p:par>
+                    <p:cTn id="21" fill="hold">
+                      <p:stCondLst>
+                        <p:cond delay="indefinite"/>
+                      </p:stCondLst>
+                      <p:childTnLst>
+                        <p:par>
+                          <p:cTn id="22" fill="hold">
+                            <p:stCondLst>
+                              <p:cond delay="0"/>
+                            </p:stCondLst>
+                            <p:childTnLst>
+                              <p:par>
+                                <p:cTn id="23" presetID="1" presetClass="exit" presetSubtype="0" fill="hold" grpId="1" nodeType="clickEffect">
+                                  <p:stCondLst>
+                                    <p:cond delay="0"/>
+                                  </p:stCondLst>
+                                  <p:childTnLst>
+                                    <p:set>
+                                      <p:cBhvr>
+                                        <p:cTn id="24" dur="1" fill="hold">
+                                          <p:stCondLst>
+                                            <p:cond delay="0"/>
+                                          </p:stCondLst>
+                                        </p:cTn>
+                                        <p:tgtEl>
+                                          <p:spTgt spid="9"/>
+                                        </p:tgtEl>
+                                        <p:attrNameLst>
+                                          <p:attrName>style.visibility</p:attrName>
+                                        </p:attrNameLst>
+                                      </p:cBhvr>
+                                      <p:to>
+                                        <p:strVal val="hidden"/>
+                                      </p:to>
+                                    </p:set>
+                                  </p:childTnLst>
+                                </p:cTn>
+                              </p:par>
+                              <p:par>
+                                <p:cTn id="25" presetID="1" presetClass="entr" presetSubtype="0" fill="hold" grpId="0" nodeType="withEffect">
+                                  <p:stCondLst>
+                                    <p:cond delay="0"/>
+                                  </p:stCondLst>
+                                  <p:childTnLst>
+                                    <p:set>
+                                      <p:cBhvr>
+                                        <p:cTn id="26" dur="1" fill="hold">
+                                          <p:stCondLst>
+                                            <p:cond delay="0"/>
+                                          </p:stCondLst>
+                                        </p:cTn>
+                                        <p:tgtEl>
+                                          <p:spTgt spid="10"/>
+                                        </p:tgtEl>
+                                        <p:attrNameLst>
+                                          <p:attrName>style.visibility</p:attrName>
+                                        </p:attrNameLst>
+                                      </p:cBhvr>
+                                      <p:to>
+                                        <p:strVal val="visible"/>
+                                      </p:to>
+                                    </p:set>
+                                  </p:childTnLst>
+                                </p:cTn>
+                              </p:par>
+                            </p:childTnLst>
+                          </p:cTn>
+                        </p:par>
+                      </p:childTnLst>
+                    </p:cTn>
+                  </p:par>
                 </p:childTnLst>
               </p:cTn>
               <p:prevCondLst>
@@ -30809,6 +31064,9 @@
     <p:bldLst>
       <p:bldP spid="7" grpId="0" animBg="1"/>
       <p:bldP spid="7" grpId="1" animBg="1"/>
+      <p:bldP spid="9" grpId="0" animBg="1"/>
+      <p:bldP spid="9" grpId="1" animBg="1"/>
+      <p:bldP spid="10" grpId="0" animBg="1"/>
     </p:bldLst>
   </p:timing>
 </p:sld>
@@ -30847,6 +31105,1899 @@
           <a:lstStyle/>
           <a:p>
             <a:r>
+              <a:rPr lang="en-US" dirty="0" smtClean="0"/>
+              <a:t>Compile-time </a:t>
+            </a:r>
+            <a:r>
+              <a:rPr lang="ru-RU" dirty="0" smtClean="0"/>
+              <a:t>проверка интерфейса</a:t>
+            </a:r>
+            <a:endParaRPr lang="ru-RU" dirty="0"/>
+          </a:p>
+        </p:txBody>
+      </p:sp>
+      <p:sp>
+        <p:nvSpPr>
+          <p:cNvPr id="3" name="Объект 2"/>
+          <p:cNvSpPr>
+            <a:spLocks noGrp="1"/>
+          </p:cNvSpPr>
+          <p:nvPr>
+            <p:ph idx="1"/>
+          </p:nvPr>
+        </p:nvSpPr>
+        <p:spPr/>
+        <p:txBody>
+          <a:bodyPr/>
+          <a:lstStyle/>
+          <a:p>
+            <a:pPr lvl="1"/>
+            <a:r>
+              <a:rPr lang="ru-RU" dirty="0" smtClean="0"/>
+              <a:t>Если человек ошибся в интерфейсе, не стоит</a:t>
+            </a:r>
+            <a:r>
+              <a:rPr lang="en-US" dirty="0" smtClean="0"/>
+              <a:t> </a:t>
+            </a:r>
+            <a:r>
+              <a:rPr lang="ru-RU" dirty="0" smtClean="0"/>
+              <a:t>отдавать ему</a:t>
+            </a:r>
+          </a:p>
+          <a:p>
+            <a:pPr lvl="1"/>
+            <a:r>
+              <a:rPr lang="ru-RU" dirty="0" smtClean="0"/>
+              <a:t>сообщения компилятора:</a:t>
+            </a:r>
+          </a:p>
+          <a:p>
+            <a:pPr lvl="2"/>
+            <a:r>
+              <a:rPr lang="ru-RU" dirty="0" smtClean="0"/>
+              <a:t>они могут быть громоздкими</a:t>
+            </a:r>
+          </a:p>
+          <a:p>
+            <a:pPr lvl="2"/>
+            <a:r>
+              <a:rPr lang="ru-RU" dirty="0" smtClean="0"/>
+              <a:t>могут сбивать с толку</a:t>
+            </a:r>
+          </a:p>
+          <a:p>
+            <a:pPr lvl="2"/>
+            <a:endParaRPr lang="ru-RU" dirty="0"/>
+          </a:p>
+          <a:p>
+            <a:pPr lvl="1"/>
+            <a:r>
+              <a:rPr lang="ru-RU" dirty="0" smtClean="0"/>
+              <a:t>Нужен способ проверять интерфейс в </a:t>
+            </a:r>
+            <a:r>
+              <a:rPr lang="en-US" dirty="0" smtClean="0"/>
+              <a:t>compile time </a:t>
+            </a:r>
+            <a:r>
+              <a:rPr lang="ru-RU" dirty="0" smtClean="0"/>
+              <a:t>и отдавать</a:t>
+            </a:r>
+          </a:p>
+          <a:p>
+            <a:pPr lvl="1"/>
+            <a:r>
+              <a:rPr lang="ru-RU" dirty="0" smtClean="0"/>
+              <a:t>внятные сообщения</a:t>
+            </a:r>
+          </a:p>
+          <a:p>
+            <a:pPr lvl="2"/>
+            <a:r>
+              <a:rPr lang="ru-RU" dirty="0" smtClean="0"/>
+              <a:t>И мы нашли такой способ — </a:t>
+            </a:r>
+            <a:r>
+              <a:rPr lang="en-US" dirty="0" smtClean="0"/>
+              <a:t>Detector idiom</a:t>
+            </a:r>
+            <a:endParaRPr lang="ru-RU" dirty="0"/>
+          </a:p>
+        </p:txBody>
+      </p:sp>
+      <p:sp>
+        <p:nvSpPr>
+          <p:cNvPr id="4" name="Нижний колонтитул 3"/>
+          <p:cNvSpPr>
+            <a:spLocks noGrp="1"/>
+          </p:cNvSpPr>
+          <p:nvPr>
+            <p:ph type="ftr" sz="quarter" idx="11"/>
+          </p:nvPr>
+        </p:nvSpPr>
+        <p:spPr/>
+        <p:txBody>
+          <a:bodyPr/>
+          <a:lstStyle/>
+          <a:p>
+            <a:endParaRPr lang="ru-RU"/>
+          </a:p>
+        </p:txBody>
+      </p:sp>
+      <p:sp>
+        <p:nvSpPr>
+          <p:cNvPr id="5" name="Номер слайда 4"/>
+          <p:cNvSpPr>
+            <a:spLocks noGrp="1"/>
+          </p:cNvSpPr>
+          <p:nvPr>
+            <p:ph type="sldNum" sz="quarter" idx="12"/>
+          </p:nvPr>
+        </p:nvSpPr>
+        <p:spPr/>
+        <p:txBody>
+          <a:bodyPr/>
+          <a:lstStyle/>
+          <a:p>
+            <a:fld id="{741C03D3-FA44-40EC-9A21-1FC4FEA3E22E}" type="slidenum">
+              <a:rPr lang="ru-RU" smtClean="0"/>
+              <a:t>38</a:t>
+            </a:fld>
+            <a:endParaRPr lang="ru-RU"/>
+          </a:p>
+        </p:txBody>
+      </p:sp>
+    </p:spTree>
+    <p:extLst>
+      <p:ext uri="{BB962C8B-B14F-4D97-AF65-F5344CB8AC3E}">
+        <p14:creationId xmlns:p14="http://schemas.microsoft.com/office/powerpoint/2010/main" val="237416196"/>
+      </p:ext>
+    </p:extLst>
+  </p:cSld>
+  <p:clrMapOvr>
+    <a:masterClrMapping/>
+  </p:clrMapOvr>
+  <p:timing>
+    <p:tnLst>
+      <p:par>
+        <p:cTn id="1" dur="indefinite" restart="never" nodeType="tmRoot"/>
+      </p:par>
+    </p:tnLst>
+  </p:timing>
+</p:sld>
+</file>
+
+<file path=ppt/slides/slide39.xml><?xml version="1.0" encoding="utf-8"?>
+<p:sld xmlns:a="http://schemas.openxmlformats.org/drawingml/2006/main" xmlns:r="http://schemas.openxmlformats.org/officeDocument/2006/relationships" xmlns:p="http://schemas.openxmlformats.org/presentationml/2006/main">
+  <p:cSld>
+    <p:spTree>
+      <p:nvGrpSpPr>
+        <p:cNvPr id="1" name=""/>
+        <p:cNvGrpSpPr/>
+        <p:nvPr/>
+      </p:nvGrpSpPr>
+      <p:grpSpPr>
+        <a:xfrm>
+          <a:off x="0" y="0"/>
+          <a:ext cx="0" cy="0"/>
+          <a:chOff x="0" y="0"/>
+          <a:chExt cx="0" cy="0"/>
+        </a:xfrm>
+      </p:grpSpPr>
+      <p:sp>
+        <p:nvSpPr>
+          <p:cNvPr id="2" name="Заголовок 1"/>
+          <p:cNvSpPr>
+            <a:spLocks noGrp="1"/>
+          </p:cNvSpPr>
+          <p:nvPr>
+            <p:ph type="title"/>
+          </p:nvPr>
+        </p:nvSpPr>
+        <p:spPr/>
+        <p:txBody>
+          <a:bodyPr/>
+          <a:lstStyle/>
+          <a:p>
+            <a:r>
+              <a:rPr lang="en-US" dirty="0" smtClean="0"/>
+              <a:t>Detector idiom</a:t>
+            </a:r>
+            <a:endParaRPr lang="ru-RU" dirty="0"/>
+          </a:p>
+        </p:txBody>
+      </p:sp>
+      <p:sp>
+        <p:nvSpPr>
+          <p:cNvPr id="3" name="Объект 2"/>
+          <p:cNvSpPr>
+            <a:spLocks noGrp="1"/>
+          </p:cNvSpPr>
+          <p:nvPr>
+            <p:ph idx="1"/>
+          </p:nvPr>
+        </p:nvSpPr>
+        <p:spPr/>
+        <p:txBody>
+          <a:bodyPr/>
+          <a:lstStyle/>
+          <a:p>
+            <a:pPr lvl="1"/>
+            <a:r>
+              <a:rPr lang="en-US" dirty="0" smtClean="0"/>
+              <a:t>Walter E. Brown «Modern Template Metaprogramming:</a:t>
+            </a:r>
+          </a:p>
+          <a:p>
+            <a:pPr lvl="1"/>
+            <a:r>
+              <a:rPr lang="en-US" dirty="0" smtClean="0"/>
+              <a:t>A Compendium», </a:t>
+            </a:r>
+            <a:r>
+              <a:rPr lang="en-US" dirty="0" err="1" smtClean="0"/>
+              <a:t>CppCon</a:t>
+            </a:r>
+            <a:r>
+              <a:rPr lang="en-US" dirty="0" smtClean="0"/>
+              <a:t> 2014</a:t>
+            </a:r>
+          </a:p>
+          <a:p>
+            <a:pPr lvl="1"/>
+            <a:endParaRPr lang="en-US" dirty="0"/>
+          </a:p>
+          <a:p>
+            <a:pPr lvl="1"/>
+            <a:r>
+              <a:rPr lang="en-US" dirty="0" smtClean="0"/>
+              <a:t>Marshall </a:t>
+            </a:r>
+            <a:r>
+              <a:rPr lang="en-US" dirty="0" err="1"/>
+              <a:t>Clow</a:t>
+            </a:r>
+            <a:r>
+              <a:rPr lang="en-US" dirty="0"/>
+              <a:t> </a:t>
+            </a:r>
+            <a:r>
+              <a:rPr lang="en-US" dirty="0" smtClean="0"/>
+              <a:t>«The </a:t>
+            </a:r>
+            <a:r>
+              <a:rPr lang="en-US" dirty="0"/>
+              <a:t>'Detection idiom:' A Better Way to </a:t>
+            </a:r>
+            <a:r>
+              <a:rPr lang="en-US" dirty="0" smtClean="0"/>
+              <a:t>SFINAE»,</a:t>
+            </a:r>
+          </a:p>
+          <a:p>
+            <a:pPr lvl="1"/>
+            <a:r>
+              <a:rPr lang="en-US" dirty="0" smtClean="0"/>
+              <a:t>C</a:t>
+            </a:r>
+            <a:r>
+              <a:rPr lang="en-US" dirty="0"/>
+              <a:t>++Now 2017</a:t>
+            </a:r>
+            <a:endParaRPr lang="en-US" dirty="0"/>
+          </a:p>
+          <a:p>
+            <a:pPr lvl="1"/>
+            <a:endParaRPr lang="en-US" dirty="0" smtClean="0"/>
+          </a:p>
+          <a:p>
+            <a:pPr lvl="1"/>
+            <a:r>
+              <a:rPr lang="en-US" dirty="0"/>
+              <a:t>Ivan </a:t>
+            </a:r>
+            <a:r>
+              <a:rPr lang="en-US" dirty="0" err="1" smtClean="0"/>
+              <a:t>Čukić</a:t>
+            </a:r>
+            <a:r>
+              <a:rPr lang="en-US" dirty="0" smtClean="0"/>
+              <a:t> «</a:t>
+            </a:r>
+            <a:r>
+              <a:rPr lang="en-US" dirty="0"/>
+              <a:t>2020: A </a:t>
+            </a:r>
+            <a:r>
+              <a:rPr lang="en-US" dirty="0" err="1"/>
+              <a:t>void_t</a:t>
+            </a:r>
+            <a:r>
+              <a:rPr lang="en-US" dirty="0"/>
+              <a:t> </a:t>
+            </a:r>
+            <a:r>
+              <a:rPr lang="en-US" dirty="0" smtClean="0"/>
+              <a:t>odyssey», C++ Russia 2018</a:t>
+            </a:r>
+            <a:endParaRPr lang="en-US" dirty="0"/>
+          </a:p>
+          <a:p>
+            <a:pPr lvl="1"/>
+            <a:endParaRPr lang="ru-RU" dirty="0"/>
+          </a:p>
+        </p:txBody>
+      </p:sp>
+      <p:sp>
+        <p:nvSpPr>
+          <p:cNvPr id="4" name="Нижний колонтитул 3"/>
+          <p:cNvSpPr>
+            <a:spLocks noGrp="1"/>
+          </p:cNvSpPr>
+          <p:nvPr>
+            <p:ph type="ftr" sz="quarter" idx="11"/>
+          </p:nvPr>
+        </p:nvSpPr>
+        <p:spPr/>
+        <p:txBody>
+          <a:bodyPr/>
+          <a:lstStyle/>
+          <a:p>
+            <a:endParaRPr lang="ru-RU"/>
+          </a:p>
+        </p:txBody>
+      </p:sp>
+      <p:sp>
+        <p:nvSpPr>
+          <p:cNvPr id="5" name="Номер слайда 4"/>
+          <p:cNvSpPr>
+            <a:spLocks noGrp="1"/>
+          </p:cNvSpPr>
+          <p:nvPr>
+            <p:ph type="sldNum" sz="quarter" idx="12"/>
+          </p:nvPr>
+        </p:nvSpPr>
+        <p:spPr/>
+        <p:txBody>
+          <a:bodyPr/>
+          <a:lstStyle/>
+          <a:p>
+            <a:fld id="{741C03D3-FA44-40EC-9A21-1FC4FEA3E22E}" type="slidenum">
+              <a:rPr lang="ru-RU" smtClean="0"/>
+              <a:t>39</a:t>
+            </a:fld>
+            <a:endParaRPr lang="ru-RU"/>
+          </a:p>
+        </p:txBody>
+      </p:sp>
+    </p:spTree>
+    <p:extLst>
+      <p:ext uri="{BB962C8B-B14F-4D97-AF65-F5344CB8AC3E}">
+        <p14:creationId xmlns:p14="http://schemas.microsoft.com/office/powerpoint/2010/main" val="2985091132"/>
+      </p:ext>
+    </p:extLst>
+  </p:cSld>
+  <p:clrMapOvr>
+    <a:masterClrMapping/>
+  </p:clrMapOvr>
+  <p:timing>
+    <p:tnLst>
+      <p:par>
+        <p:cTn id="1" dur="indefinite" restart="never" nodeType="tmRoot"/>
+      </p:par>
+    </p:tnLst>
+  </p:timing>
+</p:sld>
+</file>
+
+<file path=ppt/slides/slide4.xml><?xml version="1.0" encoding="utf-8"?>
+<p:sld xmlns:a="http://schemas.openxmlformats.org/drawingml/2006/main" xmlns:r="http://schemas.openxmlformats.org/officeDocument/2006/relationships" xmlns:p="http://schemas.openxmlformats.org/presentationml/2006/main">
+  <p:cSld>
+    <p:spTree>
+      <p:nvGrpSpPr>
+        <p:cNvPr id="1" name=""/>
+        <p:cNvGrpSpPr/>
+        <p:nvPr/>
+      </p:nvGrpSpPr>
+      <p:grpSpPr>
+        <a:xfrm>
+          <a:off x="0" y="0"/>
+          <a:ext cx="0" cy="0"/>
+          <a:chOff x="0" y="0"/>
+          <a:chExt cx="0" cy="0"/>
+        </a:xfrm>
+      </p:grpSpPr>
+      <p:sp>
+        <p:nvSpPr>
+          <p:cNvPr id="2" name="Заголовок 1"/>
+          <p:cNvSpPr>
+            <a:spLocks noGrp="1"/>
+          </p:cNvSpPr>
+          <p:nvPr>
+            <p:ph type="title"/>
+          </p:nvPr>
+        </p:nvSpPr>
+        <p:spPr/>
+        <p:txBody>
+          <a:bodyPr/>
+          <a:lstStyle/>
+          <a:p>
+            <a:r>
+              <a:rPr lang="ru-RU" dirty="0" smtClean="0"/>
+              <a:t>Целевая аудитория специализации</a:t>
+            </a:r>
+            <a:endParaRPr lang="ru-RU" dirty="0"/>
+          </a:p>
+        </p:txBody>
+      </p:sp>
+      <p:sp>
+        <p:nvSpPr>
+          <p:cNvPr id="3" name="Объект 2"/>
+          <p:cNvSpPr>
+            <a:spLocks noGrp="1"/>
+          </p:cNvSpPr>
+          <p:nvPr>
+            <p:ph idx="1"/>
+          </p:nvPr>
+        </p:nvSpPr>
+        <p:spPr>
+          <a:xfrm>
+            <a:off x="1143000" y="3048000"/>
+            <a:ext cx="22113875" cy="9158288"/>
+          </a:xfrm>
+        </p:spPr>
+        <p:txBody>
+          <a:bodyPr/>
+          <a:lstStyle/>
+          <a:p>
+            <a:pPr lvl="1"/>
+            <a:r>
+              <a:rPr lang="ru-RU" dirty="0" smtClean="0"/>
+              <a:t>Люди, владеющие любым языком программирования</a:t>
+            </a:r>
+            <a:endParaRPr lang="ru-RU" dirty="0"/>
+          </a:p>
+          <a:p>
+            <a:pPr lvl="2"/>
+            <a:r>
+              <a:rPr lang="ru-RU" dirty="0" smtClean="0"/>
+              <a:t>надо знать, что такое переменные, условный оператор и циклы</a:t>
+            </a:r>
+          </a:p>
+          <a:p>
+            <a:pPr lvl="2"/>
+            <a:r>
+              <a:rPr lang="ru-RU" dirty="0" smtClean="0"/>
+              <a:t>иметь представление о принципах объектно-ориентированного программирования</a:t>
+            </a:r>
+          </a:p>
+          <a:p>
+            <a:pPr lvl="2"/>
+            <a:r>
+              <a:rPr lang="ru-RU" dirty="0" smtClean="0"/>
+              <a:t>знать базовые алгоритмы и структуры данных: </a:t>
+            </a:r>
+            <a:r>
+              <a:rPr lang="ru-RU" dirty="0"/>
+              <a:t>сортировка, поиск, массив, словарь</a:t>
+            </a:r>
+          </a:p>
+        </p:txBody>
+      </p:sp>
+      <p:sp>
+        <p:nvSpPr>
+          <p:cNvPr id="4" name="Нижний колонтитул 3"/>
+          <p:cNvSpPr>
+            <a:spLocks noGrp="1"/>
+          </p:cNvSpPr>
+          <p:nvPr>
+            <p:ph type="ftr" sz="quarter" idx="11"/>
+          </p:nvPr>
+        </p:nvSpPr>
+        <p:spPr/>
+        <p:txBody>
+          <a:bodyPr/>
+          <a:lstStyle/>
+          <a:p>
+            <a:endParaRPr lang="ru-RU"/>
+          </a:p>
+        </p:txBody>
+      </p:sp>
+      <p:sp>
+        <p:nvSpPr>
+          <p:cNvPr id="5" name="Номер слайда 4"/>
+          <p:cNvSpPr>
+            <a:spLocks noGrp="1"/>
+          </p:cNvSpPr>
+          <p:nvPr>
+            <p:ph type="sldNum" sz="quarter" idx="12"/>
+          </p:nvPr>
+        </p:nvSpPr>
+        <p:spPr/>
+        <p:txBody>
+          <a:bodyPr/>
+          <a:lstStyle/>
+          <a:p>
+            <a:fld id="{741C03D3-FA44-40EC-9A21-1FC4FEA3E22E}" type="slidenum">
+              <a:rPr lang="ru-RU" smtClean="0"/>
+              <a:t>4</a:t>
+            </a:fld>
+            <a:endParaRPr lang="ru-RU"/>
+          </a:p>
+        </p:txBody>
+      </p:sp>
+    </p:spTree>
+    <p:extLst>
+      <p:ext uri="{BB962C8B-B14F-4D97-AF65-F5344CB8AC3E}">
+        <p14:creationId xmlns:p14="http://schemas.microsoft.com/office/powerpoint/2010/main" val="1554901223"/>
+      </p:ext>
+    </p:extLst>
+  </p:cSld>
+  <p:clrMapOvr>
+    <a:masterClrMapping/>
+  </p:clrMapOvr>
+  <p:timing>
+    <p:tnLst>
+      <p:par>
+        <p:cTn id="1" dur="indefinite" restart="never" nodeType="tmRoot"/>
+      </p:par>
+    </p:tnLst>
+  </p:timing>
+</p:sld>
+</file>
+
+<file path=ppt/slides/slide40.xml><?xml version="1.0" encoding="utf-8"?>
+<p:sld xmlns:a="http://schemas.openxmlformats.org/drawingml/2006/main" xmlns:r="http://schemas.openxmlformats.org/officeDocument/2006/relationships" xmlns:p="http://schemas.openxmlformats.org/presentationml/2006/main">
+  <p:cSld>
+    <p:spTree>
+      <p:nvGrpSpPr>
+        <p:cNvPr id="1" name=""/>
+        <p:cNvGrpSpPr/>
+        <p:nvPr/>
+      </p:nvGrpSpPr>
+      <p:grpSpPr>
+        <a:xfrm>
+          <a:off x="0" y="0"/>
+          <a:ext cx="0" cy="0"/>
+          <a:chOff x="0" y="0"/>
+          <a:chExt cx="0" cy="0"/>
+        </a:xfrm>
+      </p:grpSpPr>
+      <p:sp>
+        <p:nvSpPr>
+          <p:cNvPr id="2" name="Заголовок 1"/>
+          <p:cNvSpPr>
+            <a:spLocks noGrp="1"/>
+          </p:cNvSpPr>
+          <p:nvPr>
+            <p:ph type="title"/>
+          </p:nvPr>
+        </p:nvSpPr>
+        <p:spPr/>
+        <p:txBody>
+          <a:bodyPr/>
+          <a:lstStyle/>
+          <a:p>
+            <a:r>
+              <a:rPr lang="en-US" dirty="0" smtClean="0"/>
+              <a:t>Detector idiom</a:t>
+            </a:r>
+            <a:endParaRPr lang="ru-RU" dirty="0"/>
+          </a:p>
+        </p:txBody>
+      </p:sp>
+      <p:sp>
+        <p:nvSpPr>
+          <p:cNvPr id="3" name="Нижний колонтитул 2"/>
+          <p:cNvSpPr>
+            <a:spLocks noGrp="1"/>
+          </p:cNvSpPr>
+          <p:nvPr>
+            <p:ph type="ftr" sz="quarter" idx="11"/>
+          </p:nvPr>
+        </p:nvSpPr>
+        <p:spPr/>
+        <p:txBody>
+          <a:bodyPr/>
+          <a:lstStyle/>
+          <a:p>
+            <a:endParaRPr lang="ru-RU" dirty="0"/>
+          </a:p>
+        </p:txBody>
+      </p:sp>
+      <p:sp>
+        <p:nvSpPr>
+          <p:cNvPr id="4" name="Номер слайда 3"/>
+          <p:cNvSpPr>
+            <a:spLocks noGrp="1"/>
+          </p:cNvSpPr>
+          <p:nvPr>
+            <p:ph type="sldNum" sz="quarter" idx="12"/>
+          </p:nvPr>
+        </p:nvSpPr>
+        <p:spPr/>
+        <p:txBody>
+          <a:bodyPr/>
+          <a:lstStyle/>
+          <a:p>
+            <a:fld id="{741C03D3-FA44-40EC-9A21-1FC4FEA3E22E}" type="slidenum">
+              <a:rPr lang="ru-RU" smtClean="0"/>
+              <a:t>40</a:t>
+            </a:fld>
+            <a:endParaRPr lang="ru-RU"/>
+          </a:p>
+        </p:txBody>
+      </p:sp>
+      <p:sp>
+        <p:nvSpPr>
+          <p:cNvPr id="5" name="Объект 4"/>
+          <p:cNvSpPr>
+            <a:spLocks noGrp="1"/>
+          </p:cNvSpPr>
+          <p:nvPr>
+            <p:ph idx="13"/>
+          </p:nvPr>
+        </p:nvSpPr>
+        <p:spPr/>
+        <p:txBody>
+          <a:bodyPr/>
+          <a:lstStyle/>
+          <a:p>
+            <a:pPr defTabSz="914400" eaLnBrk="0" fontAlgn="base" hangingPunct="0">
+              <a:spcBef>
+                <a:spcPct val="0"/>
+              </a:spcBef>
+              <a:spcAft>
+                <a:spcPct val="0"/>
+              </a:spcAft>
+            </a:pPr>
+            <a:r>
+              <a:rPr lang="ru-RU" altLang="ru-RU" dirty="0">
+                <a:solidFill>
+                  <a:srgbClr val="72C3E0"/>
+                </a:solidFill>
+                <a:latin typeface="Verdana" panose="020B0604030504040204" pitchFamily="34" charset="0"/>
+              </a:rPr>
+              <a:t>#</a:t>
+            </a:r>
+            <a:r>
+              <a:rPr lang="ru-RU" altLang="ru-RU" dirty="0" err="1">
+                <a:solidFill>
+                  <a:srgbClr val="72C3E0"/>
+                </a:solidFill>
+                <a:latin typeface="Verdana" panose="020B0604030504040204" pitchFamily="34" charset="0"/>
+              </a:rPr>
+              <a:t>include</a:t>
+            </a:r>
+            <a:r>
+              <a:rPr lang="ru-RU" altLang="ru-RU" dirty="0">
+                <a:solidFill>
+                  <a:srgbClr val="72C3E0"/>
+                </a:solidFill>
+                <a:latin typeface="Verdana" panose="020B0604030504040204" pitchFamily="34" charset="0"/>
+              </a:rPr>
+              <a:t> </a:t>
+            </a:r>
+            <a:r>
+              <a:rPr lang="ru-RU" altLang="ru-RU" dirty="0">
+                <a:solidFill>
+                  <a:srgbClr val="9E64A9"/>
+                </a:solidFill>
+                <a:latin typeface="Verdana" panose="020B0604030504040204" pitchFamily="34" charset="0"/>
+              </a:rPr>
+              <a:t>"</a:t>
+            </a:r>
+            <a:r>
+              <a:rPr lang="ru-RU" altLang="ru-RU" dirty="0" err="1" smtClean="0">
+                <a:solidFill>
+                  <a:srgbClr val="9E64A9"/>
+                </a:solidFill>
+                <a:latin typeface="Verdana" panose="020B0604030504040204" pitchFamily="34" charset="0"/>
+              </a:rPr>
+              <a:t>detector.h</a:t>
+            </a:r>
+            <a:r>
+              <a:rPr lang="ru-RU" altLang="ru-RU" dirty="0" smtClean="0">
+                <a:solidFill>
+                  <a:srgbClr val="9E64A9"/>
+                </a:solidFill>
+                <a:latin typeface="Verdana" panose="020B0604030504040204" pitchFamily="34" charset="0"/>
+              </a:rPr>
+              <a:t>“ </a:t>
+            </a:r>
+            <a:r>
+              <a:rPr lang="en-US" altLang="ru-RU" dirty="0" smtClean="0">
+                <a:solidFill>
+                  <a:srgbClr val="9E64A9"/>
+                </a:solidFill>
+                <a:latin typeface="Verdana" panose="020B0604030504040204" pitchFamily="34" charset="0"/>
+              </a:rPr>
+              <a:t> </a:t>
+            </a:r>
+            <a:r>
+              <a:rPr lang="ru-RU" altLang="ru-RU" dirty="0" smtClean="0">
+                <a:solidFill>
+                  <a:srgbClr val="72C3E0"/>
+                </a:solidFill>
+                <a:latin typeface="Verdana" panose="020B0604030504040204" pitchFamily="34" charset="0"/>
+              </a:rPr>
+              <a:t>// </a:t>
+            </a:r>
+            <a:r>
+              <a:rPr lang="ru-RU" altLang="ru-RU" dirty="0">
+                <a:solidFill>
+                  <a:srgbClr val="72C3E0"/>
+                </a:solidFill>
+                <a:latin typeface="Verdana" panose="020B0604030504040204" pitchFamily="34" charset="0"/>
+              </a:rPr>
+              <a:t>Реализация </a:t>
+            </a:r>
+            <a:r>
+              <a:rPr lang="en-US" altLang="ru-RU" dirty="0">
+                <a:solidFill>
+                  <a:srgbClr val="72C3E0"/>
+                </a:solidFill>
+                <a:latin typeface="Verdana" panose="020B0604030504040204" pitchFamily="34" charset="0"/>
+              </a:rPr>
+              <a:t>Detector idiom</a:t>
+            </a:r>
+          </a:p>
+          <a:p>
+            <a:pPr defTabSz="914400" eaLnBrk="0" fontAlgn="base" hangingPunct="0">
+              <a:spcBef>
+                <a:spcPct val="0"/>
+              </a:spcBef>
+              <a:spcAft>
+                <a:spcPct val="0"/>
+              </a:spcAft>
+            </a:pPr>
+            <a:endParaRPr lang="en-US" altLang="ru-RU" dirty="0" smtClean="0">
+              <a:solidFill>
+                <a:srgbClr val="FFFFFF"/>
+              </a:solidFill>
+              <a:latin typeface="Verdana" panose="020B0604030504040204" pitchFamily="34" charset="0"/>
+            </a:endParaRPr>
+          </a:p>
+          <a:p>
+            <a:pPr lvl="0" defTabSz="914400" eaLnBrk="0" fontAlgn="base" hangingPunct="0">
+              <a:spcBef>
+                <a:spcPct val="0"/>
+              </a:spcBef>
+              <a:spcAft>
+                <a:spcPct val="0"/>
+              </a:spcAft>
+            </a:pPr>
+            <a:r>
+              <a:rPr lang="ru-RU" altLang="ru-RU" dirty="0" err="1" smtClean="0">
+                <a:solidFill>
+                  <a:srgbClr val="FFFFFF"/>
+                </a:solidFill>
+                <a:latin typeface="Verdana" panose="020B0604030504040204" pitchFamily="34" charset="0"/>
+              </a:rPr>
+              <a:t>template</a:t>
+            </a:r>
+            <a:r>
+              <a:rPr lang="ru-RU" altLang="ru-RU" dirty="0" smtClean="0">
+                <a:solidFill>
+                  <a:srgbClr val="FFFFFF"/>
+                </a:solidFill>
+                <a:latin typeface="Verdana" panose="020B0604030504040204" pitchFamily="34" charset="0"/>
+              </a:rPr>
+              <a:t> </a:t>
+            </a:r>
+            <a:r>
+              <a:rPr lang="ru-RU" altLang="ru-RU" dirty="0">
+                <a:solidFill>
+                  <a:srgbClr val="FFFFFF"/>
+                </a:solidFill>
+                <a:latin typeface="Verdana" panose="020B0604030504040204" pitchFamily="34" charset="0"/>
+              </a:rPr>
+              <a:t>&lt;</a:t>
+            </a:r>
+            <a:r>
+              <a:rPr lang="ru-RU" altLang="ru-RU" dirty="0" err="1">
+                <a:solidFill>
+                  <a:srgbClr val="FFFFFF"/>
+                </a:solidFill>
+                <a:latin typeface="Verdana" panose="020B0604030504040204" pitchFamily="34" charset="0"/>
+              </a:rPr>
+              <a:t>typename</a:t>
+            </a:r>
+            <a:r>
+              <a:rPr lang="ru-RU" altLang="ru-RU" dirty="0">
+                <a:solidFill>
+                  <a:srgbClr val="FFFFFF"/>
+                </a:solidFill>
+                <a:latin typeface="Verdana" panose="020B0604030504040204" pitchFamily="34" charset="0"/>
+              </a:rPr>
+              <a:t> </a:t>
+            </a:r>
+            <a:r>
+              <a:rPr lang="ru-RU" altLang="ru-RU" dirty="0">
+                <a:solidFill>
+                  <a:srgbClr val="FFCC00"/>
+                </a:solidFill>
+                <a:latin typeface="Verdana" panose="020B0604030504040204" pitchFamily="34" charset="0"/>
+              </a:rPr>
+              <a:t>T</a:t>
+            </a:r>
+            <a:r>
+              <a:rPr lang="ru-RU" altLang="ru-RU" dirty="0">
+                <a:solidFill>
+                  <a:srgbClr val="FFFFFF"/>
+                </a:solidFill>
+                <a:latin typeface="Verdana" panose="020B0604030504040204" pitchFamily="34" charset="0"/>
+              </a:rPr>
+              <a:t>&gt;</a:t>
+            </a:r>
+            <a:br>
+              <a:rPr lang="ru-RU" altLang="ru-RU" dirty="0">
+                <a:solidFill>
+                  <a:srgbClr val="FFFFFF"/>
+                </a:solidFill>
+                <a:latin typeface="Verdana" panose="020B0604030504040204" pitchFamily="34" charset="0"/>
+              </a:rPr>
+            </a:br>
+            <a:r>
+              <a:rPr lang="ru-RU" altLang="ru-RU" dirty="0" err="1">
+                <a:solidFill>
+                  <a:srgbClr val="FFFFFF"/>
+                </a:solidFill>
+                <a:latin typeface="Verdana" panose="020B0604030504040204" pitchFamily="34" charset="0"/>
+              </a:rPr>
+              <a:t>using</a:t>
+            </a:r>
+            <a:r>
+              <a:rPr lang="ru-RU" altLang="ru-RU" dirty="0">
+                <a:solidFill>
+                  <a:srgbClr val="FFFFFF"/>
+                </a:solidFill>
+                <a:latin typeface="Verdana" panose="020B0604030504040204" pitchFamily="34" charset="0"/>
+              </a:rPr>
+              <a:t> </a:t>
+            </a:r>
+            <a:r>
+              <a:rPr lang="ru-RU" altLang="ru-RU" dirty="0" err="1">
+                <a:solidFill>
+                  <a:srgbClr val="FFCC00"/>
+                </a:solidFill>
+                <a:latin typeface="Verdana" panose="020B0604030504040204" pitchFamily="34" charset="0"/>
+              </a:rPr>
+              <a:t>HasIndexOperator</a:t>
+            </a:r>
+            <a:r>
+              <a:rPr lang="ru-RU" altLang="ru-RU" dirty="0">
+                <a:solidFill>
+                  <a:srgbClr val="FFCC00"/>
+                </a:solidFill>
+                <a:latin typeface="Verdana" panose="020B0604030504040204" pitchFamily="34" charset="0"/>
+              </a:rPr>
+              <a:t> </a:t>
+            </a:r>
+            <a:r>
+              <a:rPr lang="ru-RU" altLang="ru-RU" dirty="0">
+                <a:solidFill>
+                  <a:srgbClr val="FFFFFF"/>
+                </a:solidFill>
+                <a:latin typeface="Verdana" panose="020B0604030504040204" pitchFamily="34" charset="0"/>
+              </a:rPr>
+              <a:t>= </a:t>
+            </a:r>
+            <a:r>
+              <a:rPr lang="ru-RU" altLang="ru-RU" dirty="0" err="1">
+                <a:solidFill>
+                  <a:srgbClr val="FFFFFF"/>
+                </a:solidFill>
+                <a:latin typeface="Verdana" panose="020B0604030504040204" pitchFamily="34" charset="0"/>
+              </a:rPr>
+              <a:t>decltype</a:t>
+            </a:r>
+            <a:r>
+              <a:rPr lang="ru-RU" altLang="ru-RU" dirty="0">
+                <a:solidFill>
+                  <a:srgbClr val="FFFFFF"/>
+                </a:solidFill>
+                <a:latin typeface="Verdana" panose="020B0604030504040204" pitchFamily="34" charset="0"/>
+              </a:rPr>
+              <a:t>(</a:t>
+            </a:r>
+            <a:r>
+              <a:rPr lang="ru-RU" altLang="ru-RU" dirty="0" err="1">
+                <a:solidFill>
+                  <a:srgbClr val="FFCC00"/>
+                </a:solidFill>
+                <a:latin typeface="Verdana" panose="020B0604030504040204" pitchFamily="34" charset="0"/>
+              </a:rPr>
+              <a:t>std</a:t>
+            </a:r>
+            <a:r>
+              <a:rPr lang="ru-RU" altLang="ru-RU" dirty="0">
+                <a:solidFill>
+                  <a:srgbClr val="FFFFFF"/>
+                </a:solidFill>
+                <a:latin typeface="Verdana" panose="020B0604030504040204" pitchFamily="34" charset="0"/>
+              </a:rPr>
+              <a:t>::</a:t>
+            </a:r>
+            <a:r>
+              <a:rPr lang="ru-RU" altLang="ru-RU" dirty="0" err="1">
+                <a:solidFill>
+                  <a:srgbClr val="FFCC00"/>
+                </a:solidFill>
+                <a:latin typeface="Verdana" panose="020B0604030504040204" pitchFamily="34" charset="0"/>
+              </a:rPr>
+              <a:t>declval</a:t>
+            </a:r>
+            <a:r>
+              <a:rPr lang="ru-RU" altLang="ru-RU" dirty="0">
+                <a:solidFill>
+                  <a:srgbClr val="FFFFFF"/>
+                </a:solidFill>
+                <a:latin typeface="Verdana" panose="020B0604030504040204" pitchFamily="34" charset="0"/>
+              </a:rPr>
+              <a:t>&lt;</a:t>
+            </a:r>
+            <a:r>
+              <a:rPr lang="ru-RU" altLang="ru-RU" dirty="0">
+                <a:solidFill>
+                  <a:srgbClr val="FFCC00"/>
+                </a:solidFill>
+                <a:latin typeface="Verdana" panose="020B0604030504040204" pitchFamily="34" charset="0"/>
+              </a:rPr>
+              <a:t>T</a:t>
+            </a:r>
+            <a:r>
+              <a:rPr lang="ru-RU" altLang="ru-RU" dirty="0">
+                <a:solidFill>
+                  <a:srgbClr val="FFFFFF"/>
+                </a:solidFill>
+                <a:latin typeface="Verdana" panose="020B0604030504040204" pitchFamily="34" charset="0"/>
+              </a:rPr>
+              <a:t>&gt;()[0]);</a:t>
+            </a:r>
+            <a:br>
+              <a:rPr lang="ru-RU" altLang="ru-RU" dirty="0">
+                <a:solidFill>
+                  <a:srgbClr val="FFFFFF"/>
+                </a:solidFill>
+                <a:latin typeface="Verdana" panose="020B0604030504040204" pitchFamily="34" charset="0"/>
+              </a:rPr>
+            </a:br>
+            <a:endParaRPr lang="en-US" altLang="ru-RU" dirty="0" smtClean="0">
+              <a:solidFill>
+                <a:srgbClr val="FFFFFF"/>
+              </a:solidFill>
+              <a:latin typeface="Verdana" panose="020B0604030504040204" pitchFamily="34" charset="0"/>
+            </a:endParaRPr>
+          </a:p>
+          <a:p>
+            <a:pPr lvl="0" defTabSz="914400" eaLnBrk="0" fontAlgn="base" hangingPunct="0">
+              <a:spcBef>
+                <a:spcPct val="0"/>
+              </a:spcBef>
+              <a:spcAft>
+                <a:spcPct val="0"/>
+              </a:spcAft>
+            </a:pPr>
+            <a:r>
+              <a:rPr lang="ru-RU" altLang="ru-RU" dirty="0" err="1" smtClean="0">
+                <a:solidFill>
+                  <a:srgbClr val="FFFFFF"/>
+                </a:solidFill>
+                <a:latin typeface="Verdana" panose="020B0604030504040204" pitchFamily="34" charset="0"/>
+              </a:rPr>
+              <a:t>static_assert</a:t>
+            </a:r>
+            <a:r>
+              <a:rPr lang="ru-RU" altLang="ru-RU" dirty="0">
+                <a:solidFill>
+                  <a:srgbClr val="FFFFFF"/>
+                </a:solidFill>
+                <a:latin typeface="Verdana" panose="020B0604030504040204" pitchFamily="34" charset="0"/>
+              </a:rPr>
+              <a:t>(</a:t>
+            </a:r>
+            <a:br>
+              <a:rPr lang="ru-RU" altLang="ru-RU" dirty="0">
+                <a:solidFill>
+                  <a:srgbClr val="FFFFFF"/>
+                </a:solidFill>
+                <a:latin typeface="Verdana" panose="020B0604030504040204" pitchFamily="34" charset="0"/>
+              </a:rPr>
+            </a:br>
+            <a:r>
+              <a:rPr lang="ru-RU" altLang="ru-RU" dirty="0">
+                <a:solidFill>
+                  <a:srgbClr val="FFFFFF"/>
+                </a:solidFill>
+                <a:latin typeface="Verdana" panose="020B0604030504040204" pitchFamily="34" charset="0"/>
+              </a:rPr>
+              <a:t>  </a:t>
+            </a:r>
+            <a:r>
+              <a:rPr lang="ru-RU" altLang="ru-RU" dirty="0" err="1">
+                <a:solidFill>
+                  <a:srgbClr val="FFCC00"/>
+                </a:solidFill>
+                <a:latin typeface="Verdana" panose="020B0604030504040204" pitchFamily="34" charset="0"/>
+              </a:rPr>
+              <a:t>std</a:t>
+            </a:r>
+            <a:r>
+              <a:rPr lang="ru-RU" altLang="ru-RU" dirty="0">
+                <a:solidFill>
+                  <a:srgbClr val="FFFFFF"/>
+                </a:solidFill>
+                <a:latin typeface="Verdana" panose="020B0604030504040204" pitchFamily="34" charset="0"/>
+              </a:rPr>
+              <a:t>::</a:t>
+            </a:r>
+            <a:r>
+              <a:rPr lang="ru-RU" altLang="ru-RU" dirty="0" err="1">
+                <a:solidFill>
+                  <a:srgbClr val="FFFFFF"/>
+                </a:solidFill>
+                <a:latin typeface="Verdana" panose="020B0604030504040204" pitchFamily="34" charset="0"/>
+              </a:rPr>
+              <a:t>is_same_v</a:t>
+            </a:r>
+            <a:r>
+              <a:rPr lang="ru-RU" altLang="ru-RU" dirty="0" smtClean="0">
+                <a:solidFill>
+                  <a:srgbClr val="FFFFFF"/>
+                </a:solidFill>
+                <a:latin typeface="Verdana" panose="020B0604030504040204" pitchFamily="34" charset="0"/>
+              </a:rPr>
+              <a:t>&lt;</a:t>
+            </a:r>
+            <a:endParaRPr lang="en-US" altLang="ru-RU" dirty="0" smtClean="0">
+              <a:solidFill>
+                <a:srgbClr val="FFFFFF"/>
+              </a:solidFill>
+              <a:latin typeface="Verdana" panose="020B0604030504040204" pitchFamily="34" charset="0"/>
+            </a:endParaRPr>
+          </a:p>
+          <a:p>
+            <a:pPr lvl="0" defTabSz="914400" eaLnBrk="0" fontAlgn="base" hangingPunct="0">
+              <a:spcBef>
+                <a:spcPct val="0"/>
+              </a:spcBef>
+              <a:spcAft>
+                <a:spcPct val="0"/>
+              </a:spcAft>
+            </a:pPr>
+            <a:r>
+              <a:rPr lang="en-US" altLang="ru-RU" dirty="0">
+                <a:solidFill>
+                  <a:srgbClr val="FFFFFF"/>
+                </a:solidFill>
+                <a:latin typeface="Verdana" panose="020B0604030504040204" pitchFamily="34" charset="0"/>
+              </a:rPr>
+              <a:t> </a:t>
+            </a:r>
+            <a:r>
+              <a:rPr lang="en-US" altLang="ru-RU" dirty="0" smtClean="0">
+                <a:solidFill>
+                  <a:srgbClr val="FFFFFF"/>
+                </a:solidFill>
+                <a:latin typeface="Verdana" panose="020B0604030504040204" pitchFamily="34" charset="0"/>
+              </a:rPr>
+              <a:t>   </a:t>
+            </a:r>
+            <a:r>
+              <a:rPr lang="ru-RU" altLang="ru-RU" dirty="0" err="1" smtClean="0">
+                <a:solidFill>
+                  <a:srgbClr val="FFCC00"/>
+                </a:solidFill>
+                <a:latin typeface="Verdana" panose="020B0604030504040204" pitchFamily="34" charset="0"/>
+              </a:rPr>
+              <a:t>detected_t</a:t>
+            </a:r>
+            <a:r>
+              <a:rPr lang="ru-RU" altLang="ru-RU" dirty="0" smtClean="0">
+                <a:solidFill>
+                  <a:srgbClr val="FFFFFF"/>
+                </a:solidFill>
+                <a:latin typeface="Verdana" panose="020B0604030504040204" pitchFamily="34" charset="0"/>
+              </a:rPr>
+              <a:t>&lt;</a:t>
+            </a:r>
+            <a:r>
+              <a:rPr lang="ru-RU" altLang="ru-RU" dirty="0" err="1" smtClean="0">
+                <a:solidFill>
+                  <a:srgbClr val="FFCC00"/>
+                </a:solidFill>
+                <a:latin typeface="Verdana" panose="020B0604030504040204" pitchFamily="34" charset="0"/>
+              </a:rPr>
+              <a:t>HasIndexOperator</a:t>
+            </a:r>
+            <a:r>
+              <a:rPr lang="ru-RU" altLang="ru-RU" dirty="0">
+                <a:solidFill>
+                  <a:srgbClr val="FFFFFF"/>
+                </a:solidFill>
+                <a:latin typeface="Verdana" panose="020B0604030504040204" pitchFamily="34" charset="0"/>
+              </a:rPr>
+              <a:t>, </a:t>
+            </a:r>
+            <a:r>
+              <a:rPr lang="ru-RU" altLang="ru-RU" dirty="0" err="1">
+                <a:solidFill>
+                  <a:srgbClr val="FFCC00"/>
+                </a:solidFill>
+                <a:latin typeface="Verdana" panose="020B0604030504040204" pitchFamily="34" charset="0"/>
+              </a:rPr>
+              <a:t>SimpleVector</a:t>
+            </a:r>
+            <a:r>
+              <a:rPr lang="ru-RU" altLang="ru-RU" dirty="0">
+                <a:solidFill>
+                  <a:srgbClr val="FFFFFF"/>
+                </a:solidFill>
+                <a:latin typeface="Verdana" panose="020B0604030504040204" pitchFamily="34" charset="0"/>
+              </a:rPr>
+              <a:t>&lt;</a:t>
+            </a:r>
+            <a:r>
+              <a:rPr lang="ru-RU" altLang="ru-RU" dirty="0" err="1">
+                <a:solidFill>
+                  <a:srgbClr val="FFFFFF"/>
+                </a:solidFill>
+                <a:latin typeface="Verdana" panose="020B0604030504040204" pitchFamily="34" charset="0"/>
+              </a:rPr>
+              <a:t>int</a:t>
+            </a:r>
+            <a:r>
+              <a:rPr lang="ru-RU" altLang="ru-RU" dirty="0" smtClean="0">
+                <a:solidFill>
+                  <a:srgbClr val="FFFFFF"/>
+                </a:solidFill>
+                <a:latin typeface="Verdana" panose="020B0604030504040204" pitchFamily="34" charset="0"/>
+              </a:rPr>
+              <a:t>&gt;&gt;,</a:t>
+            </a:r>
+            <a:endParaRPr lang="en-US" altLang="ru-RU" dirty="0" smtClean="0">
+              <a:solidFill>
+                <a:srgbClr val="FFFFFF"/>
+              </a:solidFill>
+              <a:latin typeface="Verdana" panose="020B0604030504040204" pitchFamily="34" charset="0"/>
+            </a:endParaRPr>
+          </a:p>
+          <a:p>
+            <a:pPr lvl="0" defTabSz="914400" eaLnBrk="0" fontAlgn="base" hangingPunct="0">
+              <a:spcBef>
+                <a:spcPct val="0"/>
+              </a:spcBef>
+              <a:spcAft>
+                <a:spcPct val="0"/>
+              </a:spcAft>
+            </a:pPr>
+            <a:r>
+              <a:rPr lang="en-US" altLang="ru-RU" dirty="0">
+                <a:solidFill>
+                  <a:srgbClr val="FFFFFF"/>
+                </a:solidFill>
+                <a:latin typeface="Verdana" panose="020B0604030504040204" pitchFamily="34" charset="0"/>
+              </a:rPr>
+              <a:t> </a:t>
+            </a:r>
+            <a:r>
+              <a:rPr lang="en-US" altLang="ru-RU" dirty="0" smtClean="0">
+                <a:solidFill>
+                  <a:srgbClr val="FFFFFF"/>
+                </a:solidFill>
+                <a:latin typeface="Verdana" panose="020B0604030504040204" pitchFamily="34" charset="0"/>
+              </a:rPr>
+              <a:t>  </a:t>
+            </a:r>
+            <a:r>
+              <a:rPr lang="ru-RU" altLang="ru-RU" dirty="0" smtClean="0">
+                <a:solidFill>
+                  <a:srgbClr val="FFFFFF"/>
+                </a:solidFill>
+                <a:latin typeface="Verdana" panose="020B0604030504040204" pitchFamily="34" charset="0"/>
+              </a:rPr>
+              <a:t> </a:t>
+            </a:r>
+            <a:r>
+              <a:rPr lang="ru-RU" altLang="ru-RU" dirty="0" err="1">
+                <a:solidFill>
+                  <a:srgbClr val="FFFFFF"/>
+                </a:solidFill>
+                <a:latin typeface="Verdana" panose="020B0604030504040204" pitchFamily="34" charset="0"/>
+              </a:rPr>
+              <a:t>int</a:t>
+            </a:r>
+            <a:r>
+              <a:rPr lang="ru-RU" altLang="ru-RU" dirty="0" smtClean="0">
+                <a:solidFill>
+                  <a:srgbClr val="FFFFFF"/>
+                </a:solidFill>
+                <a:latin typeface="Verdana" panose="020B0604030504040204" pitchFamily="34" charset="0"/>
+              </a:rPr>
+              <a:t>&amp;</a:t>
+            </a:r>
+            <a:endParaRPr lang="en-US" altLang="ru-RU" dirty="0" smtClean="0">
+              <a:solidFill>
+                <a:srgbClr val="FFFFFF"/>
+              </a:solidFill>
+              <a:latin typeface="Verdana" panose="020B0604030504040204" pitchFamily="34" charset="0"/>
+            </a:endParaRPr>
+          </a:p>
+          <a:p>
+            <a:pPr lvl="0" defTabSz="914400" eaLnBrk="0" fontAlgn="base" hangingPunct="0">
+              <a:spcBef>
+                <a:spcPct val="0"/>
+              </a:spcBef>
+              <a:spcAft>
+                <a:spcPct val="0"/>
+              </a:spcAft>
+            </a:pPr>
+            <a:r>
+              <a:rPr lang="en-US" altLang="ru-RU" dirty="0">
+                <a:solidFill>
+                  <a:srgbClr val="FFFFFF"/>
+                </a:solidFill>
+                <a:latin typeface="Verdana" panose="020B0604030504040204" pitchFamily="34" charset="0"/>
+              </a:rPr>
+              <a:t> </a:t>
+            </a:r>
+            <a:r>
+              <a:rPr lang="en-US" altLang="ru-RU" dirty="0" smtClean="0">
+                <a:solidFill>
+                  <a:srgbClr val="FFFFFF"/>
+                </a:solidFill>
+                <a:latin typeface="Verdana" panose="020B0604030504040204" pitchFamily="34" charset="0"/>
+              </a:rPr>
+              <a:t> </a:t>
+            </a:r>
+            <a:r>
+              <a:rPr lang="ru-RU" altLang="ru-RU" dirty="0" smtClean="0">
+                <a:solidFill>
+                  <a:srgbClr val="FFFFFF"/>
+                </a:solidFill>
+                <a:latin typeface="Verdana" panose="020B0604030504040204" pitchFamily="34" charset="0"/>
+              </a:rPr>
+              <a:t>&gt;,</a:t>
+            </a:r>
+            <a:r>
+              <a:rPr lang="ru-RU" altLang="ru-RU" dirty="0">
+                <a:solidFill>
+                  <a:srgbClr val="FFFFFF"/>
+                </a:solidFill>
+                <a:latin typeface="Verdana" panose="020B0604030504040204" pitchFamily="34" charset="0"/>
+              </a:rPr>
+              <a:t/>
+            </a:r>
+            <a:br>
+              <a:rPr lang="ru-RU" altLang="ru-RU" dirty="0">
+                <a:solidFill>
+                  <a:srgbClr val="FFFFFF"/>
+                </a:solidFill>
+                <a:latin typeface="Verdana" panose="020B0604030504040204" pitchFamily="34" charset="0"/>
+              </a:rPr>
+            </a:br>
+            <a:r>
+              <a:rPr lang="ru-RU" altLang="ru-RU" dirty="0">
+                <a:solidFill>
+                  <a:srgbClr val="FFFFFF"/>
+                </a:solidFill>
+                <a:latin typeface="Verdana" panose="020B0604030504040204" pitchFamily="34" charset="0"/>
+              </a:rPr>
+              <a:t>  </a:t>
+            </a:r>
+            <a:r>
+              <a:rPr lang="ru-RU" altLang="ru-RU" dirty="0">
+                <a:solidFill>
+                  <a:srgbClr val="9E64A9"/>
+                </a:solidFill>
+                <a:latin typeface="Verdana" panose="020B0604030504040204" pitchFamily="34" charset="0"/>
+              </a:rPr>
+              <a:t>"</a:t>
+            </a:r>
+            <a:r>
+              <a:rPr lang="ru-RU" altLang="ru-RU" dirty="0" err="1">
+                <a:solidFill>
+                  <a:srgbClr val="9E64A9"/>
+                </a:solidFill>
+                <a:latin typeface="Verdana" panose="020B0604030504040204" pitchFamily="34" charset="0"/>
+              </a:rPr>
+              <a:t>Member</a:t>
+            </a:r>
+            <a:r>
+              <a:rPr lang="ru-RU" altLang="ru-RU" dirty="0">
+                <a:solidFill>
+                  <a:srgbClr val="9E64A9"/>
+                </a:solidFill>
+                <a:latin typeface="Verdana" panose="020B0604030504040204" pitchFamily="34" charset="0"/>
+              </a:rPr>
+              <a:t> </a:t>
+            </a:r>
+            <a:r>
+              <a:rPr lang="ru-RU" altLang="ru-RU" dirty="0" err="1">
+                <a:solidFill>
+                  <a:srgbClr val="9E64A9"/>
+                </a:solidFill>
+                <a:latin typeface="Verdana" panose="020B0604030504040204" pitchFamily="34" charset="0"/>
+              </a:rPr>
+              <a:t>function</a:t>
+            </a:r>
+            <a:r>
+              <a:rPr lang="ru-RU" altLang="ru-RU" dirty="0">
+                <a:solidFill>
+                  <a:srgbClr val="9E64A9"/>
+                </a:solidFill>
+                <a:latin typeface="Verdana" panose="020B0604030504040204" pitchFamily="34" charset="0"/>
+              </a:rPr>
+              <a:t> T&amp; </a:t>
+            </a:r>
+            <a:r>
+              <a:rPr lang="ru-RU" altLang="ru-RU" dirty="0" err="1">
+                <a:solidFill>
+                  <a:srgbClr val="9E64A9"/>
+                </a:solidFill>
+                <a:latin typeface="Verdana" panose="020B0604030504040204" pitchFamily="34" charset="0"/>
+              </a:rPr>
+              <a:t>operator</a:t>
+            </a:r>
+            <a:r>
+              <a:rPr lang="ru-RU" altLang="ru-RU" dirty="0">
+                <a:solidFill>
+                  <a:srgbClr val="9E64A9"/>
+                </a:solidFill>
+                <a:latin typeface="Verdana" panose="020B0604030504040204" pitchFamily="34" charset="0"/>
+              </a:rPr>
+              <a:t>[](</a:t>
+            </a:r>
+            <a:r>
+              <a:rPr lang="ru-RU" altLang="ru-RU" dirty="0" err="1">
+                <a:solidFill>
+                  <a:srgbClr val="9E64A9"/>
+                </a:solidFill>
+                <a:latin typeface="Verdana" panose="020B0604030504040204" pitchFamily="34" charset="0"/>
+              </a:rPr>
+              <a:t>size_t</a:t>
+            </a:r>
+            <a:r>
+              <a:rPr lang="ru-RU" altLang="ru-RU" dirty="0">
+                <a:solidFill>
+                  <a:srgbClr val="9E64A9"/>
+                </a:solidFill>
+                <a:latin typeface="Verdana" panose="020B0604030504040204" pitchFamily="34" charset="0"/>
+              </a:rPr>
+              <a:t>) </a:t>
+            </a:r>
+            <a:r>
+              <a:rPr lang="ru-RU" altLang="ru-RU" dirty="0" err="1">
+                <a:solidFill>
+                  <a:srgbClr val="9E64A9"/>
+                </a:solidFill>
+                <a:latin typeface="Verdana" panose="020B0604030504040204" pitchFamily="34" charset="0"/>
+              </a:rPr>
+              <a:t>not</a:t>
+            </a:r>
+            <a:r>
+              <a:rPr lang="ru-RU" altLang="ru-RU" dirty="0">
+                <a:solidFill>
+                  <a:srgbClr val="9E64A9"/>
+                </a:solidFill>
+                <a:latin typeface="Verdana" panose="020B0604030504040204" pitchFamily="34" charset="0"/>
+              </a:rPr>
+              <a:t> </a:t>
+            </a:r>
+            <a:r>
+              <a:rPr lang="ru-RU" altLang="ru-RU" dirty="0" err="1">
+                <a:solidFill>
+                  <a:srgbClr val="9E64A9"/>
+                </a:solidFill>
+                <a:latin typeface="Verdana" panose="020B0604030504040204" pitchFamily="34" charset="0"/>
+              </a:rPr>
+              <a:t>found</a:t>
+            </a:r>
+            <a:r>
+              <a:rPr lang="ru-RU" altLang="ru-RU" dirty="0">
+                <a:solidFill>
+                  <a:srgbClr val="9E64A9"/>
+                </a:solidFill>
+                <a:latin typeface="Verdana" panose="020B0604030504040204" pitchFamily="34" charset="0"/>
+              </a:rPr>
+              <a:t> </a:t>
+            </a:r>
+            <a:r>
+              <a:rPr lang="ru-RU" altLang="ru-RU" dirty="0" err="1">
+                <a:solidFill>
+                  <a:srgbClr val="9E64A9"/>
+                </a:solidFill>
+                <a:latin typeface="Verdana" panose="020B0604030504040204" pitchFamily="34" charset="0"/>
+              </a:rPr>
+              <a:t>in</a:t>
+            </a:r>
+            <a:r>
+              <a:rPr lang="ru-RU" altLang="ru-RU" dirty="0">
+                <a:solidFill>
+                  <a:srgbClr val="9E64A9"/>
+                </a:solidFill>
+                <a:latin typeface="Verdana" panose="020B0604030504040204" pitchFamily="34" charset="0"/>
+              </a:rPr>
+              <a:t> </a:t>
+            </a:r>
+            <a:r>
+              <a:rPr lang="ru-RU" altLang="ru-RU" dirty="0" err="1">
+                <a:solidFill>
+                  <a:srgbClr val="9E64A9"/>
+                </a:solidFill>
+                <a:latin typeface="Verdana" panose="020B0604030504040204" pitchFamily="34" charset="0"/>
+              </a:rPr>
+              <a:t>SimpleVector</a:t>
+            </a:r>
+            <a:r>
+              <a:rPr lang="ru-RU" altLang="ru-RU" dirty="0">
+                <a:solidFill>
+                  <a:srgbClr val="9E64A9"/>
+                </a:solidFill>
+                <a:latin typeface="Verdana" panose="020B0604030504040204" pitchFamily="34" charset="0"/>
+              </a:rPr>
+              <a:t>&lt;T&gt;"</a:t>
+            </a:r>
+            <a:br>
+              <a:rPr lang="ru-RU" altLang="ru-RU" dirty="0">
+                <a:solidFill>
+                  <a:srgbClr val="9E64A9"/>
+                </a:solidFill>
+                <a:latin typeface="Verdana" panose="020B0604030504040204" pitchFamily="34" charset="0"/>
+              </a:rPr>
+            </a:br>
+            <a:r>
+              <a:rPr lang="ru-RU" altLang="ru-RU" dirty="0">
+                <a:solidFill>
+                  <a:srgbClr val="FFFFFF"/>
+                </a:solidFill>
+                <a:latin typeface="Verdana" panose="020B0604030504040204" pitchFamily="34" charset="0"/>
+              </a:rPr>
+              <a:t>);</a:t>
+            </a:r>
+            <a:br>
+              <a:rPr lang="ru-RU" altLang="ru-RU" dirty="0">
+                <a:solidFill>
+                  <a:srgbClr val="FFFFFF"/>
+                </a:solidFill>
+                <a:latin typeface="Verdana" panose="020B0604030504040204" pitchFamily="34" charset="0"/>
+              </a:rPr>
+            </a:br>
+            <a:endParaRPr lang="ru-RU" altLang="ru-RU" sz="6600" dirty="0">
+              <a:solidFill>
+                <a:schemeClr val="tx1"/>
+              </a:solidFill>
+              <a:latin typeface="Arial" panose="020B0604020202020204" pitchFamily="34" charset="0"/>
+            </a:endParaRPr>
+          </a:p>
+        </p:txBody>
+      </p:sp>
+    </p:spTree>
+    <p:extLst>
+      <p:ext uri="{BB962C8B-B14F-4D97-AF65-F5344CB8AC3E}">
+        <p14:creationId xmlns:p14="http://schemas.microsoft.com/office/powerpoint/2010/main" val="2435251483"/>
+      </p:ext>
+    </p:extLst>
+  </p:cSld>
+  <p:clrMapOvr>
+    <a:masterClrMapping/>
+  </p:clrMapOvr>
+  <p:timing>
+    <p:tnLst>
+      <p:par>
+        <p:cTn id="1" dur="indefinite" restart="never" nodeType="tmRoot"/>
+      </p:par>
+    </p:tnLst>
+  </p:timing>
+</p:sld>
+</file>
+
+<file path=ppt/slides/slide41.xml><?xml version="1.0" encoding="utf-8"?>
+<p:sld xmlns:a="http://schemas.openxmlformats.org/drawingml/2006/main" xmlns:r="http://schemas.openxmlformats.org/officeDocument/2006/relationships" xmlns:p="http://schemas.openxmlformats.org/presentationml/2006/main">
+  <p:cSld>
+    <p:spTree>
+      <p:nvGrpSpPr>
+        <p:cNvPr id="1" name=""/>
+        <p:cNvGrpSpPr/>
+        <p:nvPr/>
+      </p:nvGrpSpPr>
+      <p:grpSpPr>
+        <a:xfrm>
+          <a:off x="0" y="0"/>
+          <a:ext cx="0" cy="0"/>
+          <a:chOff x="0" y="0"/>
+          <a:chExt cx="0" cy="0"/>
+        </a:xfrm>
+      </p:grpSpPr>
+      <p:sp>
+        <p:nvSpPr>
+          <p:cNvPr id="2" name="Заголовок 1"/>
+          <p:cNvSpPr>
+            <a:spLocks noGrp="1"/>
+          </p:cNvSpPr>
+          <p:nvPr>
+            <p:ph type="title"/>
+          </p:nvPr>
+        </p:nvSpPr>
+        <p:spPr/>
+        <p:txBody>
+          <a:bodyPr/>
+          <a:lstStyle/>
+          <a:p>
+            <a:r>
+              <a:rPr lang="en-US" dirty="0" smtClean="0"/>
+              <a:t>Detector idiom</a:t>
+            </a:r>
+            <a:endParaRPr lang="ru-RU" dirty="0"/>
+          </a:p>
+        </p:txBody>
+      </p:sp>
+      <p:sp>
+        <p:nvSpPr>
+          <p:cNvPr id="3" name="Объект 2"/>
+          <p:cNvSpPr>
+            <a:spLocks noGrp="1"/>
+          </p:cNvSpPr>
+          <p:nvPr>
+            <p:ph idx="1"/>
+          </p:nvPr>
+        </p:nvSpPr>
+        <p:spPr/>
+        <p:txBody>
+          <a:bodyPr/>
+          <a:lstStyle/>
+          <a:p>
+            <a:pPr lvl="1"/>
+            <a:r>
+              <a:rPr lang="ru-RU" dirty="0" smtClean="0"/>
+              <a:t>Если слушатель будет возвращать не ссылку из </a:t>
+            </a:r>
+            <a:r>
+              <a:rPr lang="en-US" dirty="0" smtClean="0"/>
+              <a:t>operator[], </a:t>
+            </a:r>
+            <a:r>
+              <a:rPr lang="ru-RU" dirty="0" smtClean="0"/>
+              <a:t>он </a:t>
+            </a:r>
+          </a:p>
+          <a:p>
+            <a:pPr lvl="1"/>
+            <a:r>
+              <a:rPr lang="ru-RU" dirty="0" smtClean="0"/>
+              <a:t>получит внятное сообщение</a:t>
+            </a:r>
+            <a:endParaRPr lang="ru-RU" dirty="0"/>
+          </a:p>
+        </p:txBody>
+      </p:sp>
+      <p:sp>
+        <p:nvSpPr>
+          <p:cNvPr id="4" name="Нижний колонтитул 3"/>
+          <p:cNvSpPr>
+            <a:spLocks noGrp="1"/>
+          </p:cNvSpPr>
+          <p:nvPr>
+            <p:ph type="ftr" sz="quarter" idx="11"/>
+          </p:nvPr>
+        </p:nvSpPr>
+        <p:spPr/>
+        <p:txBody>
+          <a:bodyPr/>
+          <a:lstStyle/>
+          <a:p>
+            <a:endParaRPr lang="ru-RU" dirty="0"/>
+          </a:p>
+        </p:txBody>
+      </p:sp>
+      <p:sp>
+        <p:nvSpPr>
+          <p:cNvPr id="5" name="Номер слайда 4"/>
+          <p:cNvSpPr>
+            <a:spLocks noGrp="1"/>
+          </p:cNvSpPr>
+          <p:nvPr>
+            <p:ph type="sldNum" sz="quarter" idx="12"/>
+          </p:nvPr>
+        </p:nvSpPr>
+        <p:spPr/>
+        <p:txBody>
+          <a:bodyPr/>
+          <a:lstStyle/>
+          <a:p>
+            <a:fld id="{741C03D3-FA44-40EC-9A21-1FC4FEA3E22E}" type="slidenum">
+              <a:rPr lang="ru-RU" smtClean="0"/>
+              <a:t>41</a:t>
+            </a:fld>
+            <a:endParaRPr lang="ru-RU"/>
+          </a:p>
+        </p:txBody>
+      </p:sp>
+      <p:sp>
+        <p:nvSpPr>
+          <p:cNvPr id="6" name="Объект 5"/>
+          <p:cNvSpPr>
+            <a:spLocks noGrp="1"/>
+          </p:cNvSpPr>
+          <p:nvPr>
+            <p:ph idx="13"/>
+          </p:nvPr>
+        </p:nvSpPr>
+        <p:spPr/>
+        <p:txBody>
+          <a:bodyPr/>
+          <a:lstStyle/>
+          <a:p>
+            <a:r>
+              <a:rPr lang="en-US" dirty="0"/>
+              <a:t>error: static assertion failed: Member function T&amp; operator[](</a:t>
+            </a:r>
+            <a:r>
+              <a:rPr lang="en-US" dirty="0" err="1"/>
+              <a:t>size_t</a:t>
+            </a:r>
+            <a:r>
+              <a:rPr lang="en-US" dirty="0"/>
+              <a:t>) not found in </a:t>
+            </a:r>
+            <a:r>
+              <a:rPr lang="en-US" dirty="0" err="1"/>
+              <a:t>SimpleVector</a:t>
+            </a:r>
+            <a:r>
+              <a:rPr lang="en-US" dirty="0"/>
+              <a:t>&lt;T&gt;</a:t>
+            </a:r>
+            <a:endParaRPr lang="ru-RU" dirty="0"/>
+          </a:p>
+        </p:txBody>
+      </p:sp>
+    </p:spTree>
+    <p:extLst>
+      <p:ext uri="{BB962C8B-B14F-4D97-AF65-F5344CB8AC3E}">
+        <p14:creationId xmlns:p14="http://schemas.microsoft.com/office/powerpoint/2010/main" val="1369655253"/>
+      </p:ext>
+    </p:extLst>
+  </p:cSld>
+  <p:clrMapOvr>
+    <a:masterClrMapping/>
+  </p:clrMapOvr>
+  <p:timing>
+    <p:tnLst>
+      <p:par>
+        <p:cTn id="1" dur="indefinite" restart="never" nodeType="tmRoot"/>
+      </p:par>
+    </p:tnLst>
+  </p:timing>
+</p:sld>
+</file>
+
+<file path=ppt/slides/slide42.xml><?xml version="1.0" encoding="utf-8"?>
+<p:sld xmlns:a="http://schemas.openxmlformats.org/drawingml/2006/main" xmlns:r="http://schemas.openxmlformats.org/officeDocument/2006/relationships" xmlns:p="http://schemas.openxmlformats.org/presentationml/2006/main">
+  <p:cSld>
+    <p:spTree>
+      <p:nvGrpSpPr>
+        <p:cNvPr id="1" name=""/>
+        <p:cNvGrpSpPr/>
+        <p:nvPr/>
+      </p:nvGrpSpPr>
+      <p:grpSpPr>
+        <a:xfrm>
+          <a:off x="0" y="0"/>
+          <a:ext cx="0" cy="0"/>
+          <a:chOff x="0" y="0"/>
+          <a:chExt cx="0" cy="0"/>
+        </a:xfrm>
+      </p:grpSpPr>
+      <p:sp>
+        <p:nvSpPr>
+          <p:cNvPr id="2" name="Заголовок 1"/>
+          <p:cNvSpPr>
+            <a:spLocks noGrp="1"/>
+          </p:cNvSpPr>
+          <p:nvPr>
+            <p:ph type="title"/>
+          </p:nvPr>
+        </p:nvSpPr>
+        <p:spPr/>
+        <p:txBody>
+          <a:bodyPr/>
+          <a:lstStyle/>
+          <a:p>
+            <a:r>
+              <a:rPr lang="en-US" dirty="0"/>
+              <a:t>Compile-time </a:t>
+            </a:r>
+            <a:r>
+              <a:rPr lang="ru-RU" dirty="0"/>
+              <a:t>проверка </a:t>
+            </a:r>
+            <a:r>
+              <a:rPr lang="ru-RU" dirty="0" smtClean="0"/>
+              <a:t>интерфейса. Итоги</a:t>
+            </a:r>
+            <a:endParaRPr lang="ru-RU" dirty="0"/>
+          </a:p>
+        </p:txBody>
+      </p:sp>
+      <p:sp>
+        <p:nvSpPr>
+          <p:cNvPr id="3" name="Объект 2"/>
+          <p:cNvSpPr>
+            <a:spLocks noGrp="1"/>
+          </p:cNvSpPr>
+          <p:nvPr>
+            <p:ph idx="1"/>
+          </p:nvPr>
+        </p:nvSpPr>
+        <p:spPr/>
+        <p:txBody>
+          <a:bodyPr/>
+          <a:lstStyle/>
+          <a:p>
+            <a:pPr lvl="1"/>
+            <a:r>
+              <a:rPr lang="ru-RU" dirty="0" smtClean="0"/>
+              <a:t>Сообщения компилятора могут сбивать с толку начинающих</a:t>
+            </a:r>
+            <a:endParaRPr lang="en-US" dirty="0" smtClean="0"/>
+          </a:p>
+          <a:p>
+            <a:pPr lvl="1"/>
+            <a:r>
+              <a:rPr lang="ru-RU" dirty="0" smtClean="0"/>
+              <a:t>программистов на </a:t>
+            </a:r>
+            <a:r>
+              <a:rPr lang="en-US" dirty="0" smtClean="0"/>
+              <a:t>C++</a:t>
+            </a:r>
+          </a:p>
+          <a:p>
+            <a:pPr lvl="1"/>
+            <a:endParaRPr lang="en-US" dirty="0"/>
+          </a:p>
+          <a:p>
+            <a:pPr lvl="1"/>
+            <a:r>
+              <a:rPr lang="ru-RU" dirty="0" smtClean="0"/>
+              <a:t>Мы стараемся более внятно сообщать участникам, что не так</a:t>
+            </a:r>
+          </a:p>
+          <a:p>
+            <a:pPr lvl="1"/>
+            <a:r>
+              <a:rPr lang="ru-RU" dirty="0" smtClean="0"/>
+              <a:t>в их коде</a:t>
+            </a:r>
+          </a:p>
+          <a:p>
+            <a:pPr lvl="1"/>
+            <a:endParaRPr lang="ru-RU" dirty="0"/>
+          </a:p>
+          <a:p>
+            <a:pPr lvl="1"/>
+            <a:r>
+              <a:rPr lang="en-US" dirty="0" smtClean="0"/>
+              <a:t>Detector idiom </a:t>
+            </a:r>
+            <a:r>
+              <a:rPr lang="ru-RU" dirty="0" smtClean="0"/>
+              <a:t>сильно упрощает исследование интерфейса</a:t>
+            </a:r>
+            <a:endParaRPr lang="en-US" dirty="0" smtClean="0"/>
+          </a:p>
+          <a:p>
+            <a:pPr lvl="1"/>
+            <a:r>
+              <a:rPr lang="ru-RU" dirty="0" smtClean="0"/>
+              <a:t>класса в </a:t>
+            </a:r>
+            <a:r>
+              <a:rPr lang="en-US" dirty="0" smtClean="0"/>
+              <a:t>compile time</a:t>
+            </a:r>
+            <a:endParaRPr lang="ru-RU" dirty="0"/>
+          </a:p>
+        </p:txBody>
+      </p:sp>
+      <p:sp>
+        <p:nvSpPr>
+          <p:cNvPr id="4" name="Нижний колонтитул 3"/>
+          <p:cNvSpPr>
+            <a:spLocks noGrp="1"/>
+          </p:cNvSpPr>
+          <p:nvPr>
+            <p:ph type="ftr" sz="quarter" idx="11"/>
+          </p:nvPr>
+        </p:nvSpPr>
+        <p:spPr/>
+        <p:txBody>
+          <a:bodyPr/>
+          <a:lstStyle/>
+          <a:p>
+            <a:endParaRPr lang="ru-RU"/>
+          </a:p>
+        </p:txBody>
+      </p:sp>
+      <p:sp>
+        <p:nvSpPr>
+          <p:cNvPr id="5" name="Номер слайда 4"/>
+          <p:cNvSpPr>
+            <a:spLocks noGrp="1"/>
+          </p:cNvSpPr>
+          <p:nvPr>
+            <p:ph type="sldNum" sz="quarter" idx="12"/>
+          </p:nvPr>
+        </p:nvSpPr>
+        <p:spPr/>
+        <p:txBody>
+          <a:bodyPr/>
+          <a:lstStyle/>
+          <a:p>
+            <a:fld id="{741C03D3-FA44-40EC-9A21-1FC4FEA3E22E}" type="slidenum">
+              <a:rPr lang="ru-RU" smtClean="0"/>
+              <a:t>42</a:t>
+            </a:fld>
+            <a:endParaRPr lang="ru-RU"/>
+          </a:p>
+        </p:txBody>
+      </p:sp>
+    </p:spTree>
+    <p:extLst>
+      <p:ext uri="{BB962C8B-B14F-4D97-AF65-F5344CB8AC3E}">
+        <p14:creationId xmlns:p14="http://schemas.microsoft.com/office/powerpoint/2010/main" val="1266404787"/>
+      </p:ext>
+    </p:extLst>
+  </p:cSld>
+  <p:clrMapOvr>
+    <a:masterClrMapping/>
+  </p:clrMapOvr>
+  <p:timing>
+    <p:tnLst>
+      <p:par>
+        <p:cTn id="1" dur="indefinite" restart="never" nodeType="tmRoot"/>
+      </p:par>
+    </p:tnLst>
+  </p:timing>
+</p:sld>
+</file>
+
+<file path=ppt/slides/slide43.xml><?xml version="1.0" encoding="utf-8"?>
+<p:sld xmlns:a="http://schemas.openxmlformats.org/drawingml/2006/main" xmlns:r="http://schemas.openxmlformats.org/officeDocument/2006/relationships" xmlns:p="http://schemas.openxmlformats.org/presentationml/2006/main">
+  <p:cSld>
+    <p:spTree>
+      <p:nvGrpSpPr>
+        <p:cNvPr id="1" name=""/>
+        <p:cNvGrpSpPr/>
+        <p:nvPr/>
+      </p:nvGrpSpPr>
+      <p:grpSpPr>
+        <a:xfrm>
+          <a:off x="0" y="0"/>
+          <a:ext cx="0" cy="0"/>
+          <a:chOff x="0" y="0"/>
+          <a:chExt cx="0" cy="0"/>
+        </a:xfrm>
+      </p:grpSpPr>
+      <p:sp>
+        <p:nvSpPr>
+          <p:cNvPr id="2" name="Заголовок 1"/>
+          <p:cNvSpPr>
+            <a:spLocks noGrp="1"/>
+          </p:cNvSpPr>
+          <p:nvPr>
+            <p:ph type="title"/>
+          </p:nvPr>
+        </p:nvSpPr>
+        <p:spPr/>
+        <p:txBody>
+          <a:bodyPr/>
+          <a:lstStyle/>
+          <a:p>
+            <a:r>
               <a:rPr lang="ru-RU" dirty="0" smtClean="0"/>
               <a:t>Результаты</a:t>
             </a:r>
@@ -30864,7 +33015,7 @@
             <p:ph idx="1"/>
             <p:extLst>
               <p:ext uri="{D42A27DB-BD31-4B8C-83A1-F6EECF244321}">
-                <p14:modId xmlns:p14="http://schemas.microsoft.com/office/powerpoint/2010/main" val="391563321"/>
+                <p14:modId xmlns:p14="http://schemas.microsoft.com/office/powerpoint/2010/main" val="1141508786"/>
               </p:ext>
             </p:extLst>
           </p:nvPr>
@@ -31084,7 +33235,7 @@
                       <a:pPr algn="ctr"/>
                       <a:r>
                         <a:rPr lang="en-US" sz="4400" dirty="0" smtClean="0"/>
-                        <a:t>16 943</a:t>
+                        <a:t>17 529</a:t>
                       </a:r>
                       <a:endParaRPr lang="ru-RU" sz="4400" dirty="0"/>
                     </a:p>
@@ -31099,7 +33250,7 @@
                       <a:pPr algn="ctr"/>
                       <a:r>
                         <a:rPr lang="en-US" sz="4400" dirty="0" smtClean="0"/>
-                        <a:t>2440</a:t>
+                        <a:t>2590</a:t>
                       </a:r>
                       <a:endParaRPr lang="ru-RU" sz="4400" dirty="0"/>
                     </a:p>
@@ -31114,7 +33265,7 @@
                       <a:pPr algn="ctr"/>
                       <a:r>
                         <a:rPr lang="en-US" sz="4400" dirty="0" smtClean="0"/>
-                        <a:t>464</a:t>
+                        <a:t>582</a:t>
                       </a:r>
                       <a:endParaRPr lang="ru-RU" sz="4400" dirty="0"/>
                     </a:p>
@@ -31150,7 +33301,7 @@
                       <a:pPr algn="ctr"/>
                       <a:r>
                         <a:rPr lang="en-US" sz="4400" dirty="0" smtClean="0"/>
-                        <a:t>969</a:t>
+                        <a:t>1 061</a:t>
                       </a:r>
                       <a:endParaRPr lang="ru-RU" sz="4400" dirty="0"/>
                     </a:p>
@@ -31165,7 +33316,7 @@
                       <a:pPr algn="ctr"/>
                       <a:r>
                         <a:rPr lang="en-US" sz="4400" dirty="0" smtClean="0"/>
-                        <a:t>223</a:t>
+                        <a:t>269</a:t>
                       </a:r>
                       <a:endParaRPr lang="ru-RU" sz="4400" dirty="0"/>
                     </a:p>
@@ -31180,7 +33331,7 @@
                       <a:pPr algn="ctr"/>
                       <a:r>
                         <a:rPr lang="en-US" sz="4400" dirty="0" smtClean="0"/>
-                        <a:t>17</a:t>
+                        <a:t>28</a:t>
                       </a:r>
                       <a:endParaRPr lang="ru-RU" sz="4400" dirty="0"/>
                     </a:p>
@@ -31246,7 +33397,7 @@
                       <a:pPr algn="ctr"/>
                       <a:r>
                         <a:rPr lang="en-US" sz="4400" dirty="0" smtClean="0"/>
-                        <a:t>5/5</a:t>
+                        <a:t>4,8/5</a:t>
                       </a:r>
                       <a:endParaRPr lang="ru-RU" sz="4400" dirty="0"/>
                     </a:p>
@@ -31299,7 +33450,7 @@
           <a:p>
             <a:fld id="{741C03D3-FA44-40EC-9A21-1FC4FEA3E22E}" type="slidenum">
               <a:rPr lang="ru-RU" smtClean="0"/>
-              <a:t>38</a:t>
+              <a:t>43</a:t>
             </a:fld>
             <a:endParaRPr lang="ru-RU"/>
           </a:p>
@@ -31325,7 +33476,7 @@
 </p:sld>
 </file>
 
-<file path=ppt/slides/slide39.xml><?xml version="1.0" encoding="utf-8"?>
+<file path=ppt/slides/slide44.xml><?xml version="1.0" encoding="utf-8"?>
 <p:sld xmlns:a="http://schemas.openxmlformats.org/drawingml/2006/main" xmlns:r="http://schemas.openxmlformats.org/officeDocument/2006/relationships" xmlns:p="http://schemas.openxmlformats.org/presentationml/2006/main">
   <p:cSld>
     <p:spTree>
@@ -31464,7 +33615,286 @@
 </p:sld>
 </file>
 
-<file path=ppt/slides/slide4.xml><?xml version="1.0" encoding="utf-8"?>
+<file path=ppt/slides/slide45.xml><?xml version="1.0" encoding="utf-8"?>
+<p:sld xmlns:a="http://schemas.openxmlformats.org/drawingml/2006/main" xmlns:r="http://schemas.openxmlformats.org/officeDocument/2006/relationships" xmlns:p="http://schemas.openxmlformats.org/presentationml/2006/main">
+  <p:cSld>
+    <p:spTree>
+      <p:nvGrpSpPr>
+        <p:cNvPr id="1" name=""/>
+        <p:cNvGrpSpPr/>
+        <p:nvPr/>
+      </p:nvGrpSpPr>
+      <p:grpSpPr>
+        <a:xfrm>
+          <a:off x="0" y="0"/>
+          <a:ext cx="0" cy="0"/>
+          <a:chOff x="0" y="0"/>
+          <a:chExt cx="0" cy="0"/>
+        </a:xfrm>
+      </p:grpSpPr>
+      <p:sp>
+        <p:nvSpPr>
+          <p:cNvPr id="2" name="Текст 1"/>
+          <p:cNvSpPr>
+            <a:spLocks noGrp="1"/>
+          </p:cNvSpPr>
+          <p:nvPr>
+            <p:ph type="body" idx="1"/>
+          </p:nvPr>
+        </p:nvSpPr>
+        <p:spPr/>
+        <p:txBody>
+          <a:bodyPr/>
+          <a:lstStyle/>
+          <a:p>
+            <a:r>
+              <a:rPr lang="ru-RU" dirty="0" smtClean="0"/>
+              <a:t>Отзыв на «Жёлтый пояс по </a:t>
+            </a:r>
+            <a:r>
+              <a:rPr lang="en-US" dirty="0" smtClean="0"/>
+              <a:t>C++</a:t>
+            </a:r>
+            <a:r>
+              <a:rPr lang="ru-RU" dirty="0" smtClean="0"/>
+              <a:t>»</a:t>
+            </a:r>
+            <a:endParaRPr lang="ru-RU" dirty="0"/>
+          </a:p>
+        </p:txBody>
+      </p:sp>
+      <p:sp>
+        <p:nvSpPr>
+          <p:cNvPr id="3" name="Объект 2"/>
+          <p:cNvSpPr>
+            <a:spLocks noGrp="1"/>
+          </p:cNvSpPr>
+          <p:nvPr>
+            <p:ph sz="half" idx="10"/>
+          </p:nvPr>
+        </p:nvSpPr>
+        <p:spPr>
+          <a:xfrm>
+            <a:off x="3048001" y="3048001"/>
+            <a:ext cx="19827874" cy="7250114"/>
+          </a:xfrm>
+        </p:spPr>
+        <p:txBody>
+          <a:bodyPr/>
+          <a:lstStyle/>
+          <a:p>
+            <a:r>
+              <a:rPr lang="ru-RU" dirty="0"/>
+              <a:t>На работе </a:t>
+            </a:r>
+            <a:r>
+              <a:rPr lang="ru-RU" dirty="0" smtClean="0"/>
+              <a:t>пригодились</a:t>
+            </a:r>
+          </a:p>
+          <a:p>
+            <a:r>
+              <a:rPr lang="ru-RU" dirty="0" smtClean="0"/>
+              <a:t>знания </a:t>
+            </a:r>
+            <a:r>
+              <a:rPr lang="ru-RU" dirty="0"/>
+              <a:t>по </a:t>
+            </a:r>
+            <a:r>
+              <a:rPr lang="ru-RU" dirty="0" smtClean="0"/>
+              <a:t>декомпозиции,</a:t>
+            </a:r>
+          </a:p>
+          <a:p>
+            <a:r>
+              <a:rPr lang="ru-RU" dirty="0" smtClean="0"/>
+              <a:t>алгоритмам </a:t>
+            </a:r>
+            <a:r>
+              <a:rPr lang="ru-RU" dirty="0"/>
+              <a:t>и </a:t>
+            </a:r>
+            <a:r>
+              <a:rPr lang="ru-RU" dirty="0" smtClean="0"/>
+              <a:t>юнит-</a:t>
+            </a:r>
+          </a:p>
+          <a:p>
+            <a:r>
+              <a:rPr lang="ru-RU" dirty="0" smtClean="0"/>
+              <a:t>тестированию</a:t>
+            </a:r>
+            <a:endParaRPr lang="ru-RU" dirty="0"/>
+          </a:p>
+        </p:txBody>
+      </p:sp>
+    </p:spTree>
+    <p:extLst>
+      <p:ext uri="{BB962C8B-B14F-4D97-AF65-F5344CB8AC3E}">
+        <p14:creationId xmlns:p14="http://schemas.microsoft.com/office/powerpoint/2010/main" val="2774735083"/>
+      </p:ext>
+    </p:extLst>
+  </p:cSld>
+  <p:clrMapOvr>
+    <a:masterClrMapping/>
+  </p:clrMapOvr>
+  <p:timing>
+    <p:tnLst>
+      <p:par>
+        <p:cTn id="1" dur="indefinite" restart="never" nodeType="tmRoot"/>
+      </p:par>
+    </p:tnLst>
+  </p:timing>
+</p:sld>
+</file>
+
+<file path=ppt/slides/slide46.xml><?xml version="1.0" encoding="utf-8"?>
+<p:sld xmlns:a="http://schemas.openxmlformats.org/drawingml/2006/main" xmlns:r="http://schemas.openxmlformats.org/officeDocument/2006/relationships" xmlns:p="http://schemas.openxmlformats.org/presentationml/2006/main">
+  <p:cSld>
+    <p:spTree>
+      <p:nvGrpSpPr>
+        <p:cNvPr id="1" name=""/>
+        <p:cNvGrpSpPr/>
+        <p:nvPr/>
+      </p:nvGrpSpPr>
+      <p:grpSpPr>
+        <a:xfrm>
+          <a:off x="0" y="0"/>
+          <a:ext cx="0" cy="0"/>
+          <a:chOff x="0" y="0"/>
+          <a:chExt cx="0" cy="0"/>
+        </a:xfrm>
+      </p:grpSpPr>
+      <p:sp>
+        <p:nvSpPr>
+          <p:cNvPr id="2" name="Текст 1"/>
+          <p:cNvSpPr>
+            <a:spLocks noGrp="1"/>
+          </p:cNvSpPr>
+          <p:nvPr>
+            <p:ph type="body" idx="1"/>
+          </p:nvPr>
+        </p:nvSpPr>
+        <p:spPr/>
+        <p:txBody>
+          <a:bodyPr/>
+          <a:lstStyle/>
+          <a:p>
+            <a:r>
+              <a:rPr lang="ru-RU" dirty="0" smtClean="0"/>
+              <a:t>Отзыв на </a:t>
+            </a:r>
+            <a:r>
+              <a:rPr lang="ru-RU" smtClean="0"/>
+              <a:t>«Красный пояс </a:t>
+            </a:r>
+            <a:r>
+              <a:rPr lang="ru-RU" dirty="0" smtClean="0"/>
+              <a:t>по </a:t>
+            </a:r>
+            <a:r>
+              <a:rPr lang="en-US" dirty="0" smtClean="0"/>
+              <a:t>C++</a:t>
+            </a:r>
+            <a:r>
+              <a:rPr lang="ru-RU" dirty="0" smtClean="0"/>
+              <a:t>»</a:t>
+            </a:r>
+            <a:endParaRPr lang="ru-RU" dirty="0"/>
+          </a:p>
+        </p:txBody>
+      </p:sp>
+      <p:sp>
+        <p:nvSpPr>
+          <p:cNvPr id="3" name="Объект 2"/>
+          <p:cNvSpPr>
+            <a:spLocks noGrp="1"/>
+          </p:cNvSpPr>
+          <p:nvPr>
+            <p:ph sz="half" idx="10"/>
+          </p:nvPr>
+        </p:nvSpPr>
+        <p:spPr>
+          <a:xfrm>
+            <a:off x="3048001" y="3048001"/>
+            <a:ext cx="19827874" cy="7250114"/>
+          </a:xfrm>
+        </p:spPr>
+        <p:txBody>
+          <a:bodyPr/>
+          <a:lstStyle/>
+          <a:p>
+            <a:r>
+              <a:rPr lang="ru-RU" dirty="0"/>
+              <a:t>Один из лучших курсов</a:t>
+            </a:r>
+            <a:r>
+              <a:rPr lang="ru-RU" dirty="0" smtClean="0"/>
+              <a:t>,</a:t>
+            </a:r>
+          </a:p>
+          <a:p>
+            <a:r>
+              <a:rPr lang="ru-RU" dirty="0" smtClean="0"/>
+              <a:t>что </a:t>
+            </a:r>
+            <a:r>
+              <a:rPr lang="ru-RU" dirty="0"/>
+              <a:t>я проходил в </a:t>
+            </a:r>
+            <a:r>
+              <a:rPr lang="ru-RU" dirty="0" smtClean="0"/>
+              <a:t>жизни.</a:t>
+            </a:r>
+          </a:p>
+          <a:p>
+            <a:r>
+              <a:rPr lang="ru-RU" dirty="0" smtClean="0"/>
+              <a:t>Не только </a:t>
+            </a:r>
+            <a:r>
+              <a:rPr lang="ru-RU" dirty="0"/>
+              <a:t>по </a:t>
+            </a:r>
+            <a:r>
+              <a:rPr lang="ru-RU" dirty="0" smtClean="0"/>
+              <a:t>языку</a:t>
+            </a:r>
+          </a:p>
+          <a:p>
+            <a:r>
+              <a:rPr lang="ru-RU" dirty="0" smtClean="0"/>
+              <a:t>программирования</a:t>
+            </a:r>
+            <a:r>
+              <a:rPr lang="ru-RU" dirty="0"/>
+              <a:t>.</a:t>
+            </a:r>
+          </a:p>
+        </p:txBody>
+      </p:sp>
+    </p:spTree>
+    <p:extLst>
+      <p:ext uri="{BB962C8B-B14F-4D97-AF65-F5344CB8AC3E}">
+        <p14:creationId xmlns:p14="http://schemas.microsoft.com/office/powerpoint/2010/main" val="3707661308"/>
+      </p:ext>
+    </p:extLst>
+  </p:cSld>
+  <p:clrMapOvr>
+    <a:masterClrMapping/>
+  </p:clrMapOvr>
+  <p:timing>
+    <p:tnLst>
+      <p:par>
+        <p:cTn id="1" dur="indefinite" restart="never" nodeType="tmRoot"/>
+      </p:par>
+    </p:tnLst>
+  </p:timing>
+</p:sld>
+</file>
+
+<file path=ppt/slides/slide47.xml><?xml version="1.0" encoding="utf-8"?>
 <p:sld xmlns:a="http://schemas.openxmlformats.org/drawingml/2006/main" xmlns:r="http://schemas.openxmlformats.org/officeDocument/2006/relationships" xmlns:p="http://schemas.openxmlformats.org/presentationml/2006/main">
   <p:cSld>
     <p:spTree>
@@ -31498,63 +33928,9 @@
           <a:p>
             <a:r>
               <a:rPr lang="ru-RU" dirty="0" smtClean="0"/>
-              <a:t>Целевая аудитория специализации</a:t>
+              <a:t>Практичность</a:t>
             </a:r>
             <a:endParaRPr lang="ru-RU" dirty="0"/>
-          </a:p>
-        </p:txBody>
-      </p:sp>
-      <p:sp>
-        <p:nvSpPr>
-          <p:cNvPr id="3" name="Объект 2"/>
-          <p:cNvSpPr>
-            <a:spLocks noGrp="1"/>
-          </p:cNvSpPr>
-          <p:nvPr>
-            <p:ph idx="1"/>
-          </p:nvPr>
-        </p:nvSpPr>
-        <p:spPr>
-          <a:xfrm>
-            <a:off x="1143000" y="3048000"/>
-            <a:ext cx="22113875" cy="9158288"/>
-          </a:xfrm>
-        </p:spPr>
-        <p:txBody>
-          <a:bodyPr/>
-          <a:lstStyle/>
-          <a:p>
-            <a:pPr lvl="1"/>
-            <a:r>
-              <a:rPr lang="ru-RU" dirty="0" smtClean="0"/>
-              <a:t>Люди, владеющие любым языком программирования</a:t>
-            </a:r>
-            <a:endParaRPr lang="ru-RU" dirty="0"/>
-          </a:p>
-          <a:p>
-            <a:pPr lvl="2"/>
-            <a:r>
-              <a:rPr lang="ru-RU" dirty="0" smtClean="0"/>
-              <a:t>надо знать, что такое переменные, условный оператор и циклы</a:t>
-            </a:r>
-          </a:p>
-          <a:p>
-            <a:pPr lvl="2"/>
-            <a:r>
-              <a:rPr lang="ru-RU" dirty="0" smtClean="0"/>
-              <a:t>иметь представление о принципах объектно-ориентированного программирования</a:t>
-            </a:r>
-          </a:p>
-          <a:p>
-            <a:pPr lvl="2"/>
-            <a:r>
-              <a:rPr lang="ru-RU" dirty="0" smtClean="0"/>
-              <a:t>знать базовые алгоритмы и структуры данных: </a:t>
-            </a:r>
-            <a:r>
-              <a:rPr lang="ru-RU" dirty="0"/>
-              <a:t>сортировка, поиск, массив, словарь</a:t>
-            </a:r>
           </a:p>
         </p:txBody>
       </p:sp>
@@ -31594,1164 +33970,7 @@
           <a:p>
             <a:fld id="{741C03D3-FA44-40EC-9A21-1FC4FEA3E22E}" type="slidenum">
               <a:rPr lang="ru-RU" smtClean="0"/>
-              <a:t>4</a:t>
-            </a:fld>
-            <a:endParaRPr lang="ru-RU"/>
-          </a:p>
-        </p:txBody>
-      </p:sp>
-    </p:spTree>
-    <p:extLst>
-      <p:ext uri="{BB962C8B-B14F-4D97-AF65-F5344CB8AC3E}">
-        <p14:creationId xmlns:p14="http://schemas.microsoft.com/office/powerpoint/2010/main" val="1554901223"/>
-      </p:ext>
-    </p:extLst>
-  </p:cSld>
-  <p:clrMapOvr>
-    <a:masterClrMapping/>
-  </p:clrMapOvr>
-  <p:timing>
-    <p:tnLst>
-      <p:par>
-        <p:cTn id="1" dur="indefinite" restart="never" nodeType="tmRoot"/>
-      </p:par>
-    </p:tnLst>
-  </p:timing>
-</p:sld>
-</file>
-
-<file path=ppt/slides/slide40.xml><?xml version="1.0" encoding="utf-8"?>
-<p:sld xmlns:a="http://schemas.openxmlformats.org/drawingml/2006/main" xmlns:r="http://schemas.openxmlformats.org/officeDocument/2006/relationships" xmlns:p="http://schemas.openxmlformats.org/presentationml/2006/main">
-  <p:cSld>
-    <p:spTree>
-      <p:nvGrpSpPr>
-        <p:cNvPr id="1" name=""/>
-        <p:cNvGrpSpPr/>
-        <p:nvPr/>
-      </p:nvGrpSpPr>
-      <p:grpSpPr>
-        <a:xfrm>
-          <a:off x="0" y="0"/>
-          <a:ext cx="0" cy="0"/>
-          <a:chOff x="0" y="0"/>
-          <a:chExt cx="0" cy="0"/>
-        </a:xfrm>
-      </p:grpSpPr>
-      <p:sp>
-        <p:nvSpPr>
-          <p:cNvPr id="2" name="Текст 1"/>
-          <p:cNvSpPr>
-            <a:spLocks noGrp="1"/>
-          </p:cNvSpPr>
-          <p:nvPr>
-            <p:ph type="body" idx="1"/>
-          </p:nvPr>
-        </p:nvSpPr>
-        <p:spPr/>
-        <p:txBody>
-          <a:bodyPr/>
-          <a:lstStyle/>
-          <a:p>
-            <a:r>
-              <a:rPr lang="ru-RU" dirty="0" smtClean="0"/>
-              <a:t>Отзыв на «Жёлтый пояс по </a:t>
-            </a:r>
-            <a:r>
-              <a:rPr lang="en-US" dirty="0" smtClean="0"/>
-              <a:t>C++</a:t>
-            </a:r>
-            <a:r>
-              <a:rPr lang="ru-RU" dirty="0" smtClean="0"/>
-              <a:t>»</a:t>
-            </a:r>
-            <a:endParaRPr lang="ru-RU" dirty="0"/>
-          </a:p>
-        </p:txBody>
-      </p:sp>
-      <p:sp>
-        <p:nvSpPr>
-          <p:cNvPr id="3" name="Объект 2"/>
-          <p:cNvSpPr>
-            <a:spLocks noGrp="1"/>
-          </p:cNvSpPr>
-          <p:nvPr>
-            <p:ph sz="half" idx="10"/>
-          </p:nvPr>
-        </p:nvSpPr>
-        <p:spPr>
-          <a:xfrm>
-            <a:off x="3048001" y="3048001"/>
-            <a:ext cx="19827874" cy="7250114"/>
-          </a:xfrm>
-        </p:spPr>
-        <p:txBody>
-          <a:bodyPr/>
-          <a:lstStyle/>
-          <a:p>
-            <a:r>
-              <a:rPr lang="ru-RU" dirty="0"/>
-              <a:t>На работе </a:t>
-            </a:r>
-            <a:r>
-              <a:rPr lang="ru-RU" dirty="0" smtClean="0"/>
-              <a:t>пригодились</a:t>
-            </a:r>
-          </a:p>
-          <a:p>
-            <a:r>
-              <a:rPr lang="ru-RU" dirty="0" smtClean="0"/>
-              <a:t>знания </a:t>
-            </a:r>
-            <a:r>
-              <a:rPr lang="ru-RU" dirty="0"/>
-              <a:t>по </a:t>
-            </a:r>
-            <a:r>
-              <a:rPr lang="ru-RU" dirty="0" smtClean="0"/>
-              <a:t>декомпозиции,</a:t>
-            </a:r>
-          </a:p>
-          <a:p>
-            <a:r>
-              <a:rPr lang="ru-RU" dirty="0" smtClean="0"/>
-              <a:t>алгоритмам </a:t>
-            </a:r>
-            <a:r>
-              <a:rPr lang="ru-RU" dirty="0"/>
-              <a:t>и </a:t>
-            </a:r>
-            <a:r>
-              <a:rPr lang="ru-RU" dirty="0" smtClean="0"/>
-              <a:t>юнит-</a:t>
-            </a:r>
-          </a:p>
-          <a:p>
-            <a:r>
-              <a:rPr lang="ru-RU" dirty="0" smtClean="0"/>
-              <a:t>тестированию</a:t>
-            </a:r>
-            <a:endParaRPr lang="ru-RU" dirty="0"/>
-          </a:p>
-        </p:txBody>
-      </p:sp>
-    </p:spTree>
-    <p:extLst>
-      <p:ext uri="{BB962C8B-B14F-4D97-AF65-F5344CB8AC3E}">
-        <p14:creationId xmlns:p14="http://schemas.microsoft.com/office/powerpoint/2010/main" val="2774735083"/>
-      </p:ext>
-    </p:extLst>
-  </p:cSld>
-  <p:clrMapOvr>
-    <a:masterClrMapping/>
-  </p:clrMapOvr>
-  <p:timing>
-    <p:tnLst>
-      <p:par>
-        <p:cTn id="1" dur="indefinite" restart="never" nodeType="tmRoot"/>
-      </p:par>
-    </p:tnLst>
-  </p:timing>
-</p:sld>
-</file>
-
-<file path=ppt/slides/slide41.xml><?xml version="1.0" encoding="utf-8"?>
-<p:sld xmlns:a="http://schemas.openxmlformats.org/drawingml/2006/main" xmlns:r="http://schemas.openxmlformats.org/officeDocument/2006/relationships" xmlns:p="http://schemas.openxmlformats.org/presentationml/2006/main">
-  <p:cSld>
-    <p:spTree>
-      <p:nvGrpSpPr>
-        <p:cNvPr id="1" name=""/>
-        <p:cNvGrpSpPr/>
-        <p:nvPr/>
-      </p:nvGrpSpPr>
-      <p:grpSpPr>
-        <a:xfrm>
-          <a:off x="0" y="0"/>
-          <a:ext cx="0" cy="0"/>
-          <a:chOff x="0" y="0"/>
-          <a:chExt cx="0" cy="0"/>
-        </a:xfrm>
-      </p:grpSpPr>
-      <p:sp>
-        <p:nvSpPr>
-          <p:cNvPr id="2" name="Текст 1"/>
-          <p:cNvSpPr>
-            <a:spLocks noGrp="1"/>
-          </p:cNvSpPr>
-          <p:nvPr>
-            <p:ph type="body" idx="1"/>
-          </p:nvPr>
-        </p:nvSpPr>
-        <p:spPr/>
-        <p:txBody>
-          <a:bodyPr/>
-          <a:lstStyle/>
-          <a:p>
-            <a:r>
-              <a:rPr lang="ru-RU" dirty="0" smtClean="0"/>
-              <a:t>Отзыв на </a:t>
-            </a:r>
-            <a:r>
-              <a:rPr lang="ru-RU" smtClean="0"/>
-              <a:t>«Красный пояс </a:t>
-            </a:r>
-            <a:r>
-              <a:rPr lang="ru-RU" dirty="0" smtClean="0"/>
-              <a:t>по </a:t>
-            </a:r>
-            <a:r>
-              <a:rPr lang="en-US" dirty="0" smtClean="0"/>
-              <a:t>C++</a:t>
-            </a:r>
-            <a:r>
-              <a:rPr lang="ru-RU" dirty="0" smtClean="0"/>
-              <a:t>»</a:t>
-            </a:r>
-            <a:endParaRPr lang="ru-RU" dirty="0"/>
-          </a:p>
-        </p:txBody>
-      </p:sp>
-      <p:sp>
-        <p:nvSpPr>
-          <p:cNvPr id="3" name="Объект 2"/>
-          <p:cNvSpPr>
-            <a:spLocks noGrp="1"/>
-          </p:cNvSpPr>
-          <p:nvPr>
-            <p:ph sz="half" idx="10"/>
-          </p:nvPr>
-        </p:nvSpPr>
-        <p:spPr>
-          <a:xfrm>
-            <a:off x="3048001" y="3048001"/>
-            <a:ext cx="19827874" cy="7250114"/>
-          </a:xfrm>
-        </p:spPr>
-        <p:txBody>
-          <a:bodyPr/>
-          <a:lstStyle/>
-          <a:p>
-            <a:r>
-              <a:rPr lang="ru-RU" dirty="0"/>
-              <a:t>Один из лучших курсов</a:t>
-            </a:r>
-            <a:r>
-              <a:rPr lang="ru-RU" dirty="0" smtClean="0"/>
-              <a:t>,</a:t>
-            </a:r>
-          </a:p>
-          <a:p>
-            <a:r>
-              <a:rPr lang="ru-RU" dirty="0" smtClean="0"/>
-              <a:t>что </a:t>
-            </a:r>
-            <a:r>
-              <a:rPr lang="ru-RU" dirty="0"/>
-              <a:t>я проходил в </a:t>
-            </a:r>
-            <a:r>
-              <a:rPr lang="ru-RU" dirty="0" smtClean="0"/>
-              <a:t>жизни.</a:t>
-            </a:r>
-          </a:p>
-          <a:p>
-            <a:r>
-              <a:rPr lang="ru-RU" dirty="0" smtClean="0"/>
-              <a:t>Не только </a:t>
-            </a:r>
-            <a:r>
-              <a:rPr lang="ru-RU" dirty="0"/>
-              <a:t>по </a:t>
-            </a:r>
-            <a:r>
-              <a:rPr lang="ru-RU" dirty="0" smtClean="0"/>
-              <a:t>языку</a:t>
-            </a:r>
-          </a:p>
-          <a:p>
-            <a:r>
-              <a:rPr lang="ru-RU" dirty="0" smtClean="0"/>
-              <a:t>программирования</a:t>
-            </a:r>
-            <a:r>
-              <a:rPr lang="ru-RU" dirty="0"/>
-              <a:t>.</a:t>
-            </a:r>
-          </a:p>
-        </p:txBody>
-      </p:sp>
-    </p:spTree>
-    <p:extLst>
-      <p:ext uri="{BB962C8B-B14F-4D97-AF65-F5344CB8AC3E}">
-        <p14:creationId xmlns:p14="http://schemas.microsoft.com/office/powerpoint/2010/main" val="3707661308"/>
-      </p:ext>
-    </p:extLst>
-  </p:cSld>
-  <p:clrMapOvr>
-    <a:masterClrMapping/>
-  </p:clrMapOvr>
-  <p:timing>
-    <p:tnLst>
-      <p:par>
-        <p:cTn id="1" dur="indefinite" restart="never" nodeType="tmRoot"/>
-      </p:par>
-    </p:tnLst>
-  </p:timing>
-</p:sld>
-</file>
-
-<file path=ppt/slides/slide42.xml><?xml version="1.0" encoding="utf-8"?>
-<p:sld xmlns:a="http://schemas.openxmlformats.org/drawingml/2006/main" xmlns:r="http://schemas.openxmlformats.org/officeDocument/2006/relationships" xmlns:p="http://schemas.openxmlformats.org/presentationml/2006/main">
-  <p:cSld>
-    <p:spTree>
-      <p:nvGrpSpPr>
-        <p:cNvPr id="1" name=""/>
-        <p:cNvGrpSpPr/>
-        <p:nvPr/>
-      </p:nvGrpSpPr>
-      <p:grpSpPr>
-        <a:xfrm>
-          <a:off x="0" y="0"/>
-          <a:ext cx="0" cy="0"/>
-          <a:chOff x="0" y="0"/>
-          <a:chExt cx="0" cy="0"/>
-        </a:xfrm>
-      </p:grpSpPr>
-      <p:sp>
-        <p:nvSpPr>
-          <p:cNvPr id="2" name="Заголовок 1"/>
-          <p:cNvSpPr>
-            <a:spLocks noGrp="1"/>
-          </p:cNvSpPr>
-          <p:nvPr>
-            <p:ph type="title"/>
-          </p:nvPr>
-        </p:nvSpPr>
-        <p:spPr/>
-        <p:txBody>
-          <a:bodyPr/>
-          <a:lstStyle/>
-          <a:p>
-            <a:r>
-              <a:rPr lang="ru-RU" dirty="0" smtClean="0"/>
-              <a:t>Понятность</a:t>
-            </a:r>
-            <a:endParaRPr lang="ru-RU" dirty="0"/>
-          </a:p>
-        </p:txBody>
-      </p:sp>
-      <p:sp>
-        <p:nvSpPr>
-          <p:cNvPr id="4" name="Нижний колонтитул 3"/>
-          <p:cNvSpPr>
-            <a:spLocks noGrp="1"/>
-          </p:cNvSpPr>
-          <p:nvPr>
-            <p:ph type="ftr" sz="quarter" idx="11"/>
-          </p:nvPr>
-        </p:nvSpPr>
-        <p:spPr/>
-        <p:txBody>
-          <a:bodyPr/>
-          <a:lstStyle/>
-          <a:p>
-            <a:endParaRPr lang="ru-RU"/>
-          </a:p>
-        </p:txBody>
-      </p:sp>
-      <p:sp>
-        <p:nvSpPr>
-          <p:cNvPr id="5" name="Номер слайда 4"/>
-          <p:cNvSpPr>
-            <a:spLocks noGrp="1"/>
-          </p:cNvSpPr>
-          <p:nvPr>
-            <p:ph type="sldNum" sz="quarter" idx="12"/>
-          </p:nvPr>
-        </p:nvSpPr>
-        <p:spPr/>
-        <p:txBody>
-          <a:bodyPr/>
-          <a:lstStyle/>
-          <a:p>
-            <a:fld id="{741C03D3-FA44-40EC-9A21-1FC4FEA3E22E}" type="slidenum">
-              <a:rPr lang="ru-RU" smtClean="0"/>
-              <a:t>42</a:t>
-            </a:fld>
-            <a:endParaRPr lang="ru-RU"/>
-          </a:p>
-        </p:txBody>
-      </p:sp>
-      <p:sp>
-        <p:nvSpPr>
-          <p:cNvPr id="10" name="Текст 1"/>
-          <p:cNvSpPr txBox="1">
-            <a:spLocks/>
-          </p:cNvSpPr>
-          <p:nvPr/>
-        </p:nvSpPr>
-        <p:spPr>
-          <a:xfrm>
-            <a:off x="4178301" y="10674350"/>
-            <a:ext cx="17148970" cy="1144588"/>
-          </a:xfrm>
-          <a:prstGeom prst="rect">
-            <a:avLst/>
-          </a:prstGeom>
-        </p:spPr>
-        <p:txBody>
-          <a:bodyPr vert="horz" lIns="0" tIns="165592" rIns="91435" bIns="45718" rtlCol="0" anchor="t">
-            <a:noAutofit/>
-          </a:bodyPr>
-          <a:lstStyle>
-            <a:lvl1pPr marL="0" indent="0" algn="l" defTabSz="1828619" rtl="0" eaLnBrk="1" latinLnBrk="0" hangingPunct="1">
-              <a:lnSpc>
-                <a:spcPts val="6000"/>
-              </a:lnSpc>
-              <a:spcBef>
-                <a:spcPts val="3000"/>
-              </a:spcBef>
-              <a:spcAft>
-                <a:spcPts val="3000"/>
-              </a:spcAft>
-              <a:buFontTx/>
-              <a:buNone/>
-              <a:defRPr sz="4800" kern="1200">
-                <a:solidFill>
-                  <a:schemeClr val="bg1"/>
-                </a:solidFill>
-                <a:latin typeface="Yandex Sans Text Light" panose="02000000000000000000" pitchFamily="2" charset="-52"/>
-                <a:ea typeface="+mn-ea"/>
-                <a:cs typeface="+mn-cs"/>
-              </a:defRPr>
-            </a:lvl1pPr>
-            <a:lvl2pPr marL="914308" indent="0" algn="l" defTabSz="1907905" rtl="0" eaLnBrk="1" latinLnBrk="0" hangingPunct="1">
-              <a:lnSpc>
-                <a:spcPts val="6000"/>
-              </a:lnSpc>
-              <a:spcBef>
-                <a:spcPts val="0"/>
-              </a:spcBef>
-              <a:spcAft>
-                <a:spcPts val="0"/>
-              </a:spcAft>
-              <a:buClr>
-                <a:schemeClr val="tx2"/>
-              </a:buClr>
-              <a:buSzPct val="120000"/>
-              <a:buFont typeface="Impact" panose="020B0806030902050204" pitchFamily="34" charset="0"/>
-              <a:buNone/>
-              <a:defRPr sz="4000" kern="1200" baseline="0">
-                <a:solidFill>
-                  <a:schemeClr val="tx1">
-                    <a:tint val="75000"/>
-                  </a:schemeClr>
-                </a:solidFill>
-                <a:latin typeface="Yandex Sans Text Regular" pitchFamily="2" charset="-52"/>
-                <a:ea typeface="+mn-ea"/>
-                <a:cs typeface="+mn-cs"/>
-              </a:defRPr>
-            </a:lvl2pPr>
-            <a:lvl3pPr marL="1828619" indent="0" algn="l" defTabSz="1828619" rtl="0" eaLnBrk="1" latinLnBrk="0" hangingPunct="1">
-              <a:lnSpc>
-                <a:spcPts val="6000"/>
-              </a:lnSpc>
-              <a:spcBef>
-                <a:spcPts val="3000"/>
-              </a:spcBef>
-              <a:spcAft>
-                <a:spcPts val="0"/>
-              </a:spcAft>
-              <a:buSzPct val="150000"/>
-              <a:buFont typeface="Yandex Sans Text Light" panose="02000000000000000000" pitchFamily="2" charset="-52"/>
-              <a:buNone/>
-              <a:defRPr sz="3600" kern="1200">
-                <a:solidFill>
-                  <a:schemeClr val="tx1">
-                    <a:tint val="75000"/>
-                  </a:schemeClr>
-                </a:solidFill>
-                <a:latin typeface="Yandex Sans Text Light" panose="02000000000000000000" pitchFamily="2" charset="-52"/>
-                <a:ea typeface="+mn-ea"/>
-                <a:cs typeface="+mn-cs"/>
-              </a:defRPr>
-            </a:lvl3pPr>
-            <a:lvl4pPr marL="2742927" indent="0" algn="l" defTabSz="1828619" rtl="0" eaLnBrk="1" latinLnBrk="0" hangingPunct="1">
-              <a:lnSpc>
-                <a:spcPts val="6000"/>
-              </a:lnSpc>
-              <a:spcBef>
-                <a:spcPts val="3000"/>
-              </a:spcBef>
-              <a:spcAft>
-                <a:spcPts val="0"/>
-              </a:spcAft>
-              <a:buFont typeface="+mj-lt"/>
-              <a:buNone/>
-              <a:defRPr sz="3200" kern="1200">
-                <a:solidFill>
-                  <a:schemeClr val="tx1">
-                    <a:tint val="75000"/>
-                  </a:schemeClr>
-                </a:solidFill>
-                <a:latin typeface="Yandex Sans Text Light" panose="02000000000000000000" pitchFamily="2" charset="-52"/>
-                <a:ea typeface="+mn-ea"/>
-                <a:cs typeface="+mn-cs"/>
-              </a:defRPr>
-            </a:lvl4pPr>
-            <a:lvl5pPr marL="3657235" indent="0" algn="l" defTabSz="1828619" rtl="0" eaLnBrk="1" latinLnBrk="0" hangingPunct="1">
-              <a:lnSpc>
-                <a:spcPts val="6000"/>
-              </a:lnSpc>
-              <a:spcBef>
-                <a:spcPts val="3000"/>
-              </a:spcBef>
-              <a:spcAft>
-                <a:spcPts val="3000"/>
-              </a:spcAft>
-              <a:buFontTx/>
-              <a:buNone/>
-              <a:defRPr sz="3200" kern="1200">
-                <a:solidFill>
-                  <a:schemeClr val="tx1">
-                    <a:tint val="75000"/>
-                  </a:schemeClr>
-                </a:solidFill>
-                <a:latin typeface="+mn-lt"/>
-                <a:ea typeface="+mn-ea"/>
-                <a:cs typeface="+mn-cs"/>
-              </a:defRPr>
-            </a:lvl5pPr>
-            <a:lvl6pPr marL="4571543" indent="0" algn="l" defTabSz="1828619" rtl="0" eaLnBrk="1" latinLnBrk="0" hangingPunct="1">
-              <a:lnSpc>
-                <a:spcPct val="90000"/>
-              </a:lnSpc>
-              <a:spcBef>
-                <a:spcPts val="1000"/>
-              </a:spcBef>
-              <a:buFont typeface="Arial" panose="020B0604020202020204" pitchFamily="34" charset="0"/>
-              <a:buNone/>
-              <a:defRPr sz="3200" kern="1200">
-                <a:solidFill>
-                  <a:schemeClr val="tx1">
-                    <a:tint val="75000"/>
-                  </a:schemeClr>
-                </a:solidFill>
-                <a:latin typeface="+mn-lt"/>
-                <a:ea typeface="+mn-ea"/>
-                <a:cs typeface="+mn-cs"/>
-              </a:defRPr>
-            </a:lvl6pPr>
-            <a:lvl7pPr marL="5485852" indent="0" algn="l" defTabSz="1828619" rtl="0" eaLnBrk="1" latinLnBrk="0" hangingPunct="1">
-              <a:lnSpc>
-                <a:spcPct val="90000"/>
-              </a:lnSpc>
-              <a:spcBef>
-                <a:spcPts val="1000"/>
-              </a:spcBef>
-              <a:buFont typeface="Arial" panose="020B0604020202020204" pitchFamily="34" charset="0"/>
-              <a:buNone/>
-              <a:defRPr sz="3200" kern="1200">
-                <a:solidFill>
-                  <a:schemeClr val="tx1">
-                    <a:tint val="75000"/>
-                  </a:schemeClr>
-                </a:solidFill>
-                <a:latin typeface="+mn-lt"/>
-                <a:ea typeface="+mn-ea"/>
-                <a:cs typeface="+mn-cs"/>
-              </a:defRPr>
-            </a:lvl7pPr>
-            <a:lvl8pPr marL="6400160" indent="0" algn="l" defTabSz="1828619" rtl="0" eaLnBrk="1" latinLnBrk="0" hangingPunct="1">
-              <a:lnSpc>
-                <a:spcPct val="90000"/>
-              </a:lnSpc>
-              <a:spcBef>
-                <a:spcPts val="1000"/>
-              </a:spcBef>
-              <a:buFont typeface="Arial" panose="020B0604020202020204" pitchFamily="34" charset="0"/>
-              <a:buNone/>
-              <a:defRPr sz="3200" kern="1200">
-                <a:solidFill>
-                  <a:schemeClr val="tx1">
-                    <a:tint val="75000"/>
-                  </a:schemeClr>
-                </a:solidFill>
-                <a:latin typeface="+mn-lt"/>
-                <a:ea typeface="+mn-ea"/>
-                <a:cs typeface="+mn-cs"/>
-              </a:defRPr>
-            </a:lvl8pPr>
-            <a:lvl9pPr marL="7314468" indent="0" algn="l" defTabSz="1828619" rtl="0" eaLnBrk="1" latinLnBrk="0" hangingPunct="1">
-              <a:lnSpc>
-                <a:spcPct val="90000"/>
-              </a:lnSpc>
-              <a:spcBef>
-                <a:spcPts val="1000"/>
-              </a:spcBef>
-              <a:buFont typeface="Arial" panose="020B0604020202020204" pitchFamily="34" charset="0"/>
-              <a:buNone/>
-              <a:defRPr sz="3200" kern="1200">
-                <a:solidFill>
-                  <a:schemeClr val="tx1">
-                    <a:tint val="75000"/>
-                  </a:schemeClr>
-                </a:solidFill>
-                <a:latin typeface="+mn-lt"/>
-                <a:ea typeface="+mn-ea"/>
-                <a:cs typeface="+mn-cs"/>
-              </a:defRPr>
-            </a:lvl9pPr>
-          </a:lstStyle>
-          <a:p>
-            <a:pPr marL="0" marR="0" lvl="0" indent="0" algn="l" defTabSz="1828619" rtl="0" eaLnBrk="1" fontAlgn="auto" latinLnBrk="0" hangingPunct="1">
-              <a:lnSpc>
-                <a:spcPts val="6000"/>
-              </a:lnSpc>
-              <a:spcBef>
-                <a:spcPts val="3000"/>
-              </a:spcBef>
-              <a:spcAft>
-                <a:spcPts val="3000"/>
-              </a:spcAft>
-              <a:buClrTx/>
-              <a:buSzTx/>
-              <a:buFontTx/>
-              <a:buNone/>
-              <a:tabLst/>
-              <a:defRPr/>
-            </a:pPr>
-            <a:r>
-              <a:rPr kumimoji="0" lang="en-US" sz="4800" b="0" i="0" u="none" strike="noStrike" kern="1200" cap="none" spc="0" normalizeH="0" baseline="0" noProof="0" smtClean="0">
-                <a:ln>
-                  <a:noFill/>
-                </a:ln>
-                <a:solidFill>
-                  <a:srgbClr val="000000"/>
-                </a:solidFill>
-                <a:effectLst/>
-                <a:uLnTx/>
-                <a:uFillTx/>
-                <a:latin typeface="Yandex Sans Text Light" panose="02000000000000000000" pitchFamily="2" charset="-52"/>
-                <a:ea typeface="+mn-ea"/>
-                <a:cs typeface="+mn-cs"/>
-              </a:rPr>
-              <a:t>Bjarne Stroustrup</a:t>
-            </a:r>
-            <a:endParaRPr kumimoji="0" lang="ru-RU" sz="4800" b="0" i="0" u="none" strike="noStrike" kern="1200" cap="none" spc="0" normalizeH="0" baseline="0" noProof="0" dirty="0">
-              <a:ln>
-                <a:noFill/>
-              </a:ln>
-              <a:solidFill>
-                <a:srgbClr val="000000"/>
-              </a:solidFill>
-              <a:effectLst/>
-              <a:uLnTx/>
-              <a:uFillTx/>
-              <a:latin typeface="Yandex Sans Text Light" panose="02000000000000000000" pitchFamily="2" charset="-52"/>
-              <a:ea typeface="+mn-ea"/>
-              <a:cs typeface="+mn-cs"/>
-            </a:endParaRPr>
-          </a:p>
-        </p:txBody>
-      </p:sp>
-      <p:sp>
-        <p:nvSpPr>
-          <p:cNvPr id="11" name="Объект 2"/>
-          <p:cNvSpPr txBox="1">
-            <a:spLocks/>
-          </p:cNvSpPr>
-          <p:nvPr/>
-        </p:nvSpPr>
-        <p:spPr>
-          <a:xfrm>
-            <a:off x="3048001" y="3048001"/>
-            <a:ext cx="18263741" cy="7250114"/>
-          </a:xfrm>
-          <a:prstGeom prst="rect">
-            <a:avLst/>
-          </a:prstGeom>
-        </p:spPr>
-        <p:txBody>
-          <a:bodyPr vert="horz" wrap="square" lIns="0" tIns="107995" rIns="467977" bIns="45718" rtlCol="0" anchor="ctr">
-            <a:noAutofit/>
-          </a:bodyPr>
-          <a:lstStyle>
-            <a:lvl1pPr marL="791960" indent="-1115944" algn="l" defTabSz="1828619" rtl="0" eaLnBrk="1" latinLnBrk="0" hangingPunct="1">
-              <a:lnSpc>
-                <a:spcPts val="13999"/>
-              </a:lnSpc>
-              <a:spcBef>
-                <a:spcPts val="0"/>
-              </a:spcBef>
-              <a:spcAft>
-                <a:spcPts val="0"/>
-              </a:spcAft>
-              <a:buClr>
-                <a:schemeClr val="bg2"/>
-              </a:buClr>
-              <a:buSzPct val="104000"/>
-              <a:buFont typeface="Arial" panose="020B0604020202020204" pitchFamily="34" charset="0"/>
-              <a:buChar char="│"/>
-              <a:defRPr sz="12000" b="0" kern="1200" baseline="0">
-                <a:solidFill>
-                  <a:schemeClr val="bg1"/>
-                </a:solidFill>
-                <a:latin typeface="Yandex Sans Text Light" panose="02000000000000000000" pitchFamily="2" charset="-52"/>
-                <a:ea typeface="+mn-ea"/>
-                <a:cs typeface="+mn-cs"/>
-              </a:defRPr>
-            </a:lvl1pPr>
-            <a:lvl2pPr marL="431978" indent="-431978" algn="l" defTabSz="1907905" rtl="0" eaLnBrk="1" latinLnBrk="0" hangingPunct="1">
-              <a:lnSpc>
-                <a:spcPts val="6000"/>
-              </a:lnSpc>
-              <a:spcBef>
-                <a:spcPts val="0"/>
-              </a:spcBef>
-              <a:spcAft>
-                <a:spcPts val="0"/>
-              </a:spcAft>
-              <a:buClr>
-                <a:schemeClr val="tx2"/>
-              </a:buClr>
-              <a:buSzPct val="120000"/>
-              <a:buFont typeface="Impact" panose="020B0806030902050204" pitchFamily="34" charset="0"/>
-              <a:buChar char="▌"/>
-              <a:defRPr sz="4800" kern="1200" baseline="0">
-                <a:solidFill>
-                  <a:schemeClr val="tx1"/>
-                </a:solidFill>
-                <a:latin typeface="Yandex Sans Text Regular" pitchFamily="2" charset="-52"/>
-                <a:ea typeface="+mn-ea"/>
-                <a:cs typeface="+mn-cs"/>
-              </a:defRPr>
-            </a:lvl2pPr>
-            <a:lvl3pPr marL="1007950" indent="-539973" algn="l" defTabSz="1828619" rtl="0" eaLnBrk="1" latinLnBrk="0" hangingPunct="1">
-              <a:lnSpc>
-                <a:spcPts val="6000"/>
-              </a:lnSpc>
-              <a:spcBef>
-                <a:spcPts val="3000"/>
-              </a:spcBef>
-              <a:spcAft>
-                <a:spcPts val="0"/>
-              </a:spcAft>
-              <a:buSzPct val="150000"/>
-              <a:buFont typeface="Yandex Sans Text Light" panose="02000000000000000000" pitchFamily="2" charset="-52"/>
-              <a:buChar char="›"/>
-              <a:defRPr sz="4800" kern="1200">
-                <a:solidFill>
-                  <a:schemeClr val="tx1"/>
-                </a:solidFill>
-                <a:latin typeface="Yandex Sans Text Light" panose="02000000000000000000" pitchFamily="2" charset="-52"/>
-                <a:ea typeface="+mn-ea"/>
-                <a:cs typeface="+mn-cs"/>
-              </a:defRPr>
-            </a:lvl3pPr>
-            <a:lvl4pPr marL="1007950" indent="-539973" algn="l" defTabSz="1828619" rtl="0" eaLnBrk="1" latinLnBrk="0" hangingPunct="1">
-              <a:lnSpc>
-                <a:spcPts val="6000"/>
-              </a:lnSpc>
-              <a:spcBef>
-                <a:spcPts val="3000"/>
-              </a:spcBef>
-              <a:spcAft>
-                <a:spcPts val="0"/>
-              </a:spcAft>
-              <a:buFont typeface="+mj-lt"/>
-              <a:buAutoNum type="arabicPeriod"/>
-              <a:defRPr sz="4800" kern="1200">
-                <a:solidFill>
-                  <a:schemeClr val="tx1"/>
-                </a:solidFill>
-                <a:latin typeface="Yandex Sans Text Light" panose="02000000000000000000" pitchFamily="2" charset="-52"/>
-                <a:ea typeface="+mn-ea"/>
-                <a:cs typeface="+mn-cs"/>
-              </a:defRPr>
-            </a:lvl4pPr>
-            <a:lvl5pPr marL="0" indent="0" algn="l" defTabSz="1828619" rtl="0" eaLnBrk="1" latinLnBrk="0" hangingPunct="1">
-              <a:lnSpc>
-                <a:spcPts val="6000"/>
-              </a:lnSpc>
-              <a:spcBef>
-                <a:spcPts val="3000"/>
-              </a:spcBef>
-              <a:spcAft>
-                <a:spcPts val="3000"/>
-              </a:spcAft>
-              <a:buFontTx/>
-              <a:buNone/>
-              <a:defRPr sz="4800" kern="1200">
-                <a:solidFill>
-                  <a:schemeClr val="tx1"/>
-                </a:solidFill>
-                <a:latin typeface="+mn-lt"/>
-                <a:ea typeface="+mn-ea"/>
-                <a:cs typeface="+mn-cs"/>
-              </a:defRPr>
-            </a:lvl5pPr>
-            <a:lvl6pPr marL="5028699" indent="-457155" algn="l" defTabSz="1828619" rtl="0" eaLnBrk="1" latinLnBrk="0" hangingPunct="1">
-              <a:lnSpc>
-                <a:spcPct val="90000"/>
-              </a:lnSpc>
-              <a:spcBef>
-                <a:spcPts val="1000"/>
-              </a:spcBef>
-              <a:buFont typeface="Arial" panose="020B0604020202020204" pitchFamily="34" charset="0"/>
-              <a:buChar char="•"/>
-              <a:defRPr sz="3600" kern="1200">
-                <a:solidFill>
-                  <a:schemeClr val="tx1"/>
-                </a:solidFill>
-                <a:latin typeface="+mn-lt"/>
-                <a:ea typeface="+mn-ea"/>
-                <a:cs typeface="+mn-cs"/>
-              </a:defRPr>
-            </a:lvl6pPr>
-            <a:lvl7pPr marL="5943007" indent="-457155" algn="l" defTabSz="1828619" rtl="0" eaLnBrk="1" latinLnBrk="0" hangingPunct="1">
-              <a:lnSpc>
-                <a:spcPct val="90000"/>
-              </a:lnSpc>
-              <a:spcBef>
-                <a:spcPts val="1000"/>
-              </a:spcBef>
-              <a:buFont typeface="Arial" panose="020B0604020202020204" pitchFamily="34" charset="0"/>
-              <a:buChar char="•"/>
-              <a:defRPr sz="3600" kern="1200">
-                <a:solidFill>
-                  <a:schemeClr val="tx1"/>
-                </a:solidFill>
-                <a:latin typeface="+mn-lt"/>
-                <a:ea typeface="+mn-ea"/>
-                <a:cs typeface="+mn-cs"/>
-              </a:defRPr>
-            </a:lvl7pPr>
-            <a:lvl8pPr marL="6857315" indent="-457155" algn="l" defTabSz="1828619" rtl="0" eaLnBrk="1" latinLnBrk="0" hangingPunct="1">
-              <a:lnSpc>
-                <a:spcPct val="90000"/>
-              </a:lnSpc>
-              <a:spcBef>
-                <a:spcPts val="1000"/>
-              </a:spcBef>
-              <a:buFont typeface="Arial" panose="020B0604020202020204" pitchFamily="34" charset="0"/>
-              <a:buChar char="•"/>
-              <a:defRPr sz="3600" kern="1200">
-                <a:solidFill>
-                  <a:schemeClr val="tx1"/>
-                </a:solidFill>
-                <a:latin typeface="+mn-lt"/>
-                <a:ea typeface="+mn-ea"/>
-                <a:cs typeface="+mn-cs"/>
-              </a:defRPr>
-            </a:lvl8pPr>
-            <a:lvl9pPr marL="7771623" indent="-457155" algn="l" defTabSz="1828619" rtl="0" eaLnBrk="1" latinLnBrk="0" hangingPunct="1">
-              <a:lnSpc>
-                <a:spcPct val="90000"/>
-              </a:lnSpc>
-              <a:spcBef>
-                <a:spcPts val="1000"/>
-              </a:spcBef>
-              <a:buFont typeface="Arial" panose="020B0604020202020204" pitchFamily="34" charset="0"/>
-              <a:buChar char="•"/>
-              <a:defRPr sz="3600" kern="1200">
-                <a:solidFill>
-                  <a:schemeClr val="tx1"/>
-                </a:solidFill>
-                <a:latin typeface="+mn-lt"/>
-                <a:ea typeface="+mn-ea"/>
-                <a:cs typeface="+mn-cs"/>
-              </a:defRPr>
-            </a:lvl9pPr>
-          </a:lstStyle>
-          <a:p>
-            <a:pPr marL="791960" marR="0" lvl="0" indent="-1115944" algn="l" defTabSz="1828619" rtl="0" eaLnBrk="1" fontAlgn="auto" latinLnBrk="0" hangingPunct="1">
-              <a:lnSpc>
-                <a:spcPts val="13999"/>
-              </a:lnSpc>
-              <a:spcBef>
-                <a:spcPts val="0"/>
-              </a:spcBef>
-              <a:spcAft>
-                <a:spcPts val="0"/>
-              </a:spcAft>
-              <a:buClr>
-                <a:srgbClr val="FFCC00"/>
-              </a:buClr>
-              <a:buSzPct val="104000"/>
-              <a:buFont typeface="Arial" panose="020B0604020202020204" pitchFamily="34" charset="0"/>
-              <a:buChar char="│"/>
-              <a:tabLst/>
-              <a:defRPr/>
-            </a:pPr>
-            <a:r>
-              <a:rPr kumimoji="0" lang="en-US" sz="12000" b="0" i="0" u="none" strike="noStrike" kern="1200" cap="none" spc="0" normalizeH="0" baseline="0" noProof="0" smtClean="0">
-                <a:ln>
-                  <a:noFill/>
-                </a:ln>
-                <a:solidFill>
-                  <a:srgbClr val="000000"/>
-                </a:solidFill>
-                <a:effectLst/>
-                <a:uLnTx/>
-                <a:uFillTx/>
-                <a:latin typeface="Yandex Sans Text Light" panose="02000000000000000000" pitchFamily="2" charset="-52"/>
-                <a:ea typeface="+mn-ea"/>
-                <a:cs typeface="+mn-cs"/>
-              </a:rPr>
-              <a:t>Teaching is relatively</a:t>
-            </a:r>
-            <a:endParaRPr kumimoji="0" lang="ru-RU" sz="12000" b="0" i="0" u="none" strike="noStrike" kern="1200" cap="none" spc="0" normalizeH="0" baseline="0" noProof="0" smtClean="0">
-              <a:ln>
-                <a:noFill/>
-              </a:ln>
-              <a:solidFill>
-                <a:srgbClr val="000000"/>
-              </a:solidFill>
-              <a:effectLst/>
-              <a:uLnTx/>
-              <a:uFillTx/>
-              <a:latin typeface="Yandex Sans Text Light" panose="02000000000000000000" pitchFamily="2" charset="-52"/>
-              <a:ea typeface="+mn-ea"/>
-              <a:cs typeface="+mn-cs"/>
-            </a:endParaRPr>
-          </a:p>
-          <a:p>
-            <a:pPr marL="791960" marR="0" lvl="0" indent="-1115944" algn="l" defTabSz="1828619" rtl="0" eaLnBrk="1" fontAlgn="auto" latinLnBrk="0" hangingPunct="1">
-              <a:lnSpc>
-                <a:spcPts val="13999"/>
-              </a:lnSpc>
-              <a:spcBef>
-                <a:spcPts val="0"/>
-              </a:spcBef>
-              <a:spcAft>
-                <a:spcPts val="0"/>
-              </a:spcAft>
-              <a:buClr>
-                <a:srgbClr val="FFCC00"/>
-              </a:buClr>
-              <a:buSzPct val="104000"/>
-              <a:buFont typeface="Arial" panose="020B0604020202020204" pitchFamily="34" charset="0"/>
-              <a:buChar char="│"/>
-              <a:tabLst/>
-              <a:defRPr/>
-            </a:pPr>
-            <a:r>
-              <a:rPr kumimoji="0" lang="en-US" sz="12000" b="0" i="0" u="none" strike="noStrike" kern="1200" cap="none" spc="0" normalizeH="0" baseline="0" noProof="0" smtClean="0">
-                <a:ln>
-                  <a:noFill/>
-                </a:ln>
-                <a:solidFill>
-                  <a:srgbClr val="000000"/>
-                </a:solidFill>
-                <a:effectLst/>
-                <a:uLnTx/>
-                <a:uFillTx/>
-                <a:latin typeface="Yandex Sans Text Light" panose="02000000000000000000" pitchFamily="2" charset="-52"/>
-                <a:ea typeface="+mn-ea"/>
-                <a:cs typeface="+mn-cs"/>
-              </a:rPr>
-              <a:t>easy. Getting people</a:t>
-            </a:r>
-            <a:endParaRPr kumimoji="0" lang="ru-RU" sz="12000" b="0" i="0" u="none" strike="noStrike" kern="1200" cap="none" spc="0" normalizeH="0" baseline="0" noProof="0" smtClean="0">
-              <a:ln>
-                <a:noFill/>
-              </a:ln>
-              <a:solidFill>
-                <a:srgbClr val="000000"/>
-              </a:solidFill>
-              <a:effectLst/>
-              <a:uLnTx/>
-              <a:uFillTx/>
-              <a:latin typeface="Yandex Sans Text Light" panose="02000000000000000000" pitchFamily="2" charset="-52"/>
-              <a:ea typeface="+mn-ea"/>
-              <a:cs typeface="+mn-cs"/>
-            </a:endParaRPr>
-          </a:p>
-          <a:p>
-            <a:pPr marL="791960" marR="0" lvl="0" indent="-1115944" algn="l" defTabSz="1828619" rtl="0" eaLnBrk="1" fontAlgn="auto" latinLnBrk="0" hangingPunct="1">
-              <a:lnSpc>
-                <a:spcPts val="13999"/>
-              </a:lnSpc>
-              <a:spcBef>
-                <a:spcPts val="0"/>
-              </a:spcBef>
-              <a:spcAft>
-                <a:spcPts val="0"/>
-              </a:spcAft>
-              <a:buClr>
-                <a:srgbClr val="FFCC00"/>
-              </a:buClr>
-              <a:buSzPct val="104000"/>
-              <a:buFont typeface="Arial" panose="020B0604020202020204" pitchFamily="34" charset="0"/>
-              <a:buChar char="│"/>
-              <a:tabLst/>
-              <a:defRPr/>
-            </a:pPr>
-            <a:r>
-              <a:rPr kumimoji="0" lang="en-US" sz="12000" b="0" i="0" u="none" strike="noStrike" kern="1200" cap="none" spc="0" normalizeH="0" baseline="0" noProof="0" smtClean="0">
-                <a:ln>
-                  <a:noFill/>
-                </a:ln>
-                <a:solidFill>
-                  <a:srgbClr val="000000"/>
-                </a:solidFill>
-                <a:effectLst/>
-                <a:uLnTx/>
-                <a:uFillTx/>
-                <a:latin typeface="Yandex Sans Text Light" panose="02000000000000000000" pitchFamily="2" charset="-52"/>
-                <a:ea typeface="+mn-ea"/>
-                <a:cs typeface="+mn-cs"/>
-              </a:rPr>
-              <a:t>to</a:t>
-            </a:r>
-            <a:r>
-              <a:rPr kumimoji="0" lang="ru-RU" sz="12000" b="0" i="0" u="none" strike="noStrike" kern="1200" cap="none" spc="0" normalizeH="0" baseline="0" noProof="0" smtClean="0">
-                <a:ln>
-                  <a:noFill/>
-                </a:ln>
-                <a:solidFill>
-                  <a:srgbClr val="000000"/>
-                </a:solidFill>
-                <a:effectLst/>
-                <a:uLnTx/>
-                <a:uFillTx/>
-                <a:latin typeface="Yandex Sans Text Light" panose="02000000000000000000" pitchFamily="2" charset="-52"/>
-                <a:ea typeface="+mn-ea"/>
-                <a:cs typeface="+mn-cs"/>
-              </a:rPr>
-              <a:t> </a:t>
-            </a:r>
-            <a:r>
-              <a:rPr kumimoji="0" lang="en-US" sz="12000" b="0" i="0" u="none" strike="noStrike" kern="1200" cap="none" spc="0" normalizeH="0" baseline="0" noProof="0" smtClean="0">
-                <a:ln>
-                  <a:noFill/>
-                </a:ln>
-                <a:solidFill>
-                  <a:srgbClr val="000000"/>
-                </a:solidFill>
-                <a:effectLst/>
-                <a:uLnTx/>
-                <a:uFillTx/>
-                <a:latin typeface="Yandex Sans Text Light" panose="02000000000000000000" pitchFamily="2" charset="-52"/>
-                <a:ea typeface="+mn-ea"/>
-                <a:cs typeface="+mn-cs"/>
-              </a:rPr>
-              <a:t>learn is hard</a:t>
-            </a:r>
-            <a:endParaRPr kumimoji="0" lang="ru-RU" sz="12000" b="0" i="0" u="none" strike="noStrike" kern="1200" cap="none" spc="0" normalizeH="0" baseline="0" noProof="0" dirty="0">
-              <a:ln>
-                <a:noFill/>
-              </a:ln>
-              <a:solidFill>
-                <a:srgbClr val="000000"/>
-              </a:solidFill>
-              <a:effectLst/>
-              <a:uLnTx/>
-              <a:uFillTx/>
-              <a:latin typeface="Yandex Sans Text Light" panose="02000000000000000000" pitchFamily="2" charset="-52"/>
-              <a:ea typeface="+mn-ea"/>
-              <a:cs typeface="+mn-cs"/>
-            </a:endParaRPr>
-          </a:p>
-        </p:txBody>
-      </p:sp>
-    </p:spTree>
-    <p:extLst>
-      <p:ext uri="{BB962C8B-B14F-4D97-AF65-F5344CB8AC3E}">
-        <p14:creationId xmlns:p14="http://schemas.microsoft.com/office/powerpoint/2010/main" val="3487108593"/>
-      </p:ext>
-    </p:extLst>
-  </p:cSld>
-  <p:clrMapOvr>
-    <a:masterClrMapping/>
-  </p:clrMapOvr>
-  <p:timing>
-    <p:tnLst>
-      <p:par>
-        <p:cTn id="1" dur="indefinite" restart="never" nodeType="tmRoot"/>
-      </p:par>
-    </p:tnLst>
-  </p:timing>
-</p:sld>
-</file>
-
-<file path=ppt/slides/slide43.xml><?xml version="1.0" encoding="utf-8"?>
-<p:sld xmlns:a="http://schemas.openxmlformats.org/drawingml/2006/main" xmlns:r="http://schemas.openxmlformats.org/officeDocument/2006/relationships" xmlns:p="http://schemas.openxmlformats.org/presentationml/2006/main">
-  <p:cSld>
-    <p:spTree>
-      <p:nvGrpSpPr>
-        <p:cNvPr id="1" name=""/>
-        <p:cNvGrpSpPr/>
-        <p:nvPr/>
-      </p:nvGrpSpPr>
-      <p:grpSpPr>
-        <a:xfrm>
-          <a:off x="0" y="0"/>
-          <a:ext cx="0" cy="0"/>
-          <a:chOff x="0" y="0"/>
-          <a:chExt cx="0" cy="0"/>
-        </a:xfrm>
-      </p:grpSpPr>
-      <p:sp>
-        <p:nvSpPr>
-          <p:cNvPr id="2" name="Заголовок 1"/>
-          <p:cNvSpPr>
-            <a:spLocks noGrp="1"/>
-          </p:cNvSpPr>
-          <p:nvPr>
-            <p:ph type="title"/>
-          </p:nvPr>
-        </p:nvSpPr>
-        <p:spPr/>
-        <p:txBody>
-          <a:bodyPr/>
-          <a:lstStyle/>
-          <a:p>
-            <a:r>
-              <a:rPr lang="ru-RU" dirty="0" smtClean="0"/>
-              <a:t>Практичность</a:t>
-            </a:r>
-            <a:endParaRPr lang="ru-RU" dirty="0"/>
-          </a:p>
-        </p:txBody>
-      </p:sp>
-      <p:sp>
-        <p:nvSpPr>
-          <p:cNvPr id="4" name="Нижний колонтитул 3"/>
-          <p:cNvSpPr>
-            <a:spLocks noGrp="1"/>
-          </p:cNvSpPr>
-          <p:nvPr>
-            <p:ph type="ftr" sz="quarter" idx="11"/>
-          </p:nvPr>
-        </p:nvSpPr>
-        <p:spPr/>
-        <p:txBody>
-          <a:bodyPr/>
-          <a:lstStyle/>
-          <a:p>
-            <a:endParaRPr lang="ru-RU"/>
-          </a:p>
-        </p:txBody>
-      </p:sp>
-      <p:sp>
-        <p:nvSpPr>
-          <p:cNvPr id="5" name="Номер слайда 4"/>
-          <p:cNvSpPr>
-            <a:spLocks noGrp="1"/>
-          </p:cNvSpPr>
-          <p:nvPr>
-            <p:ph type="sldNum" sz="quarter" idx="12"/>
-          </p:nvPr>
-        </p:nvSpPr>
-        <p:spPr/>
-        <p:txBody>
-          <a:bodyPr/>
-          <a:lstStyle/>
-          <a:p>
-            <a:fld id="{741C03D3-FA44-40EC-9A21-1FC4FEA3E22E}" type="slidenum">
-              <a:rPr lang="ru-RU" smtClean="0"/>
-              <a:t>43</a:t>
+              <a:t>47</a:t>
             </a:fld>
             <a:endParaRPr lang="ru-RU"/>
           </a:p>
@@ -33307,7 +34526,138 @@
 </p:sld>
 </file>
 
-<file path=ppt/slides/slide44.xml><?xml version="1.0" encoding="utf-8"?>
+<file path=ppt/slides/slide48.xml><?xml version="1.0" encoding="utf-8"?>
+<p:sld xmlns:a="http://schemas.openxmlformats.org/drawingml/2006/main" xmlns:r="http://schemas.openxmlformats.org/officeDocument/2006/relationships" xmlns:p="http://schemas.openxmlformats.org/presentationml/2006/main">
+  <p:cSld>
+    <p:spTree>
+      <p:nvGrpSpPr>
+        <p:cNvPr id="1" name=""/>
+        <p:cNvGrpSpPr/>
+        <p:nvPr/>
+      </p:nvGrpSpPr>
+      <p:grpSpPr>
+        <a:xfrm>
+          <a:off x="0" y="0"/>
+          <a:ext cx="0" cy="0"/>
+          <a:chOff x="0" y="0"/>
+          <a:chExt cx="0" cy="0"/>
+        </a:xfrm>
+      </p:grpSpPr>
+      <p:sp>
+        <p:nvSpPr>
+          <p:cNvPr id="2" name="Заголовок 1"/>
+          <p:cNvSpPr>
+            <a:spLocks noGrp="1"/>
+          </p:cNvSpPr>
+          <p:nvPr>
+            <p:ph type="title"/>
+          </p:nvPr>
+        </p:nvSpPr>
+        <p:spPr/>
+        <p:txBody>
+          <a:bodyPr/>
+          <a:lstStyle/>
+          <a:p>
+            <a:r>
+              <a:rPr lang="ru-RU" dirty="0" smtClean="0"/>
+              <a:t>Простота</a:t>
+            </a:r>
+            <a:endParaRPr lang="ru-RU" dirty="0"/>
+          </a:p>
+        </p:txBody>
+      </p:sp>
+      <p:pic>
+        <p:nvPicPr>
+          <p:cNvPr id="6" name="Объект 5"/>
+          <p:cNvPicPr>
+            <a:picLocks noGrp="1" noChangeAspect="1"/>
+          </p:cNvPicPr>
+          <p:nvPr>
+            <p:ph idx="1"/>
+          </p:nvPr>
+        </p:nvPicPr>
+        <p:blipFill>
+          <a:blip r:embed="rId2">
+            <a:extLst>
+              <a:ext uri="{28A0092B-C50C-407E-A947-70E740481C1C}">
+                <a14:useLocalDpi xmlns:a14="http://schemas.microsoft.com/office/drawing/2010/main" val="0"/>
+              </a:ext>
+            </a:extLst>
+          </a:blip>
+          <a:stretch>
+            <a:fillRect/>
+          </a:stretch>
+        </p:blipFill>
+        <p:spPr>
+          <a:xfrm>
+            <a:off x="2354717" y="3041649"/>
+            <a:ext cx="19672979" cy="9205945"/>
+          </a:xfrm>
+        </p:spPr>
+      </p:pic>
+      <p:sp>
+        <p:nvSpPr>
+          <p:cNvPr id="4" name="Нижний колонтитул 3"/>
+          <p:cNvSpPr>
+            <a:spLocks noGrp="1"/>
+          </p:cNvSpPr>
+          <p:nvPr>
+            <p:ph type="ftr" sz="quarter" idx="11"/>
+          </p:nvPr>
+        </p:nvSpPr>
+        <p:spPr/>
+        <p:txBody>
+          <a:bodyPr/>
+          <a:lstStyle/>
+          <a:p>
+            <a:endParaRPr lang="ru-RU"/>
+          </a:p>
+        </p:txBody>
+      </p:sp>
+      <p:sp>
+        <p:nvSpPr>
+          <p:cNvPr id="5" name="Номер слайда 4"/>
+          <p:cNvSpPr>
+            <a:spLocks noGrp="1"/>
+          </p:cNvSpPr>
+          <p:nvPr>
+            <p:ph type="sldNum" sz="quarter" idx="12"/>
+          </p:nvPr>
+        </p:nvSpPr>
+        <p:spPr/>
+        <p:txBody>
+          <a:bodyPr/>
+          <a:lstStyle/>
+          <a:p>
+            <a:fld id="{741C03D3-FA44-40EC-9A21-1FC4FEA3E22E}" type="slidenum">
+              <a:rPr lang="ru-RU" smtClean="0"/>
+              <a:t>48</a:t>
+            </a:fld>
+            <a:endParaRPr lang="ru-RU"/>
+          </a:p>
+        </p:txBody>
+      </p:sp>
+    </p:spTree>
+    <p:extLst>
+      <p:ext uri="{BB962C8B-B14F-4D97-AF65-F5344CB8AC3E}">
+        <p14:creationId xmlns:p14="http://schemas.microsoft.com/office/powerpoint/2010/main" val="378986970"/>
+      </p:ext>
+    </p:extLst>
+  </p:cSld>
+  <p:clrMapOvr>
+    <a:masterClrMapping/>
+  </p:clrMapOvr>
+  <p:timing>
+    <p:tnLst>
+      <p:par>
+        <p:cTn id="1" dur="indefinite" restart="never" nodeType="tmRoot"/>
+      </p:par>
+    </p:tnLst>
+  </p:timing>
+</p:sld>
+</file>
+
+<file path=ppt/slides/slide49.xml><?xml version="1.0" encoding="utf-8"?>
 <p:sld xmlns:a="http://schemas.openxmlformats.org/drawingml/2006/main" xmlns:r="http://schemas.openxmlformats.org/officeDocument/2006/relationships" xmlns:p="http://schemas.openxmlformats.org/presentationml/2006/main">
   <p:cSld>
     <p:spTree>
@@ -33456,7 +34806,424 @@
 </p:sld>
 </file>
 
-<file path=ppt/slides/slide45.xml><?xml version="1.0" encoding="utf-8"?>
+<file path=ppt/slides/slide5.xml><?xml version="1.0" encoding="utf-8"?>
+<p:sld xmlns:a="http://schemas.openxmlformats.org/drawingml/2006/main" xmlns:r="http://schemas.openxmlformats.org/officeDocument/2006/relationships" xmlns:p="http://schemas.openxmlformats.org/presentationml/2006/main">
+  <p:cSld>
+    <p:spTree>
+      <p:nvGrpSpPr>
+        <p:cNvPr id="1" name=""/>
+        <p:cNvGrpSpPr/>
+        <p:nvPr/>
+      </p:nvGrpSpPr>
+      <p:grpSpPr>
+        <a:xfrm>
+          <a:off x="0" y="0"/>
+          <a:ext cx="0" cy="0"/>
+          <a:chOff x="0" y="0"/>
+          <a:chExt cx="0" cy="0"/>
+        </a:xfrm>
+      </p:grpSpPr>
+      <p:sp>
+        <p:nvSpPr>
+          <p:cNvPr id="2" name="Заголовок 1"/>
+          <p:cNvSpPr>
+            <a:spLocks noGrp="1"/>
+          </p:cNvSpPr>
+          <p:nvPr>
+            <p:ph type="title"/>
+          </p:nvPr>
+        </p:nvSpPr>
+        <p:spPr/>
+        <p:txBody>
+          <a:bodyPr/>
+          <a:lstStyle/>
+          <a:p>
+            <a:r>
+              <a:rPr lang="ru-RU" dirty="0" smtClean="0"/>
+              <a:t>Чему хотим научить</a:t>
+            </a:r>
+            <a:endParaRPr lang="ru-RU" dirty="0"/>
+          </a:p>
+        </p:txBody>
+      </p:sp>
+      <p:sp>
+        <p:nvSpPr>
+          <p:cNvPr id="3" name="Объект 2"/>
+          <p:cNvSpPr>
+            <a:spLocks noGrp="1"/>
+          </p:cNvSpPr>
+          <p:nvPr>
+            <p:ph idx="1"/>
+          </p:nvPr>
+        </p:nvSpPr>
+        <p:spPr>
+          <a:xfrm>
+            <a:off x="1143000" y="3048000"/>
+            <a:ext cx="22113875" cy="9158288"/>
+          </a:xfrm>
+        </p:spPr>
+        <p:txBody>
+          <a:bodyPr/>
+          <a:lstStyle/>
+          <a:p>
+            <a:pPr lvl="1"/>
+            <a:r>
+              <a:rPr lang="ru-RU" dirty="0"/>
+              <a:t>После прохождения нашей специализации слушатели </a:t>
+            </a:r>
+            <a:r>
+              <a:rPr lang="ru-RU" dirty="0" smtClean="0"/>
+              <a:t>должны уметь:</a:t>
+            </a:r>
+            <a:endParaRPr lang="ru-RU" dirty="0"/>
+          </a:p>
+          <a:p>
+            <a:pPr lvl="2"/>
+            <a:r>
+              <a:rPr lang="ru-RU" dirty="0" smtClean="0"/>
+              <a:t>самостоятельно </a:t>
+            </a:r>
+            <a:r>
+              <a:rPr lang="ru-RU" dirty="0"/>
+              <a:t>решать практические задачи на языке С</a:t>
+            </a:r>
+            <a:r>
+              <a:rPr lang="ru-RU" dirty="0" smtClean="0"/>
+              <a:t>++</a:t>
+            </a:r>
+            <a:endParaRPr lang="ru-RU" dirty="0"/>
+          </a:p>
+          <a:p>
+            <a:pPr lvl="2"/>
+            <a:r>
+              <a:rPr lang="ru-RU" dirty="0" smtClean="0"/>
+              <a:t>применять </a:t>
+            </a:r>
+            <a:r>
+              <a:rPr lang="ru-RU" dirty="0"/>
+              <a:t>естественные для С++ идиомы и </a:t>
+            </a:r>
+            <a:r>
+              <a:rPr lang="ru-RU" dirty="0" smtClean="0"/>
+              <a:t>конструкции</a:t>
+            </a:r>
+            <a:endParaRPr lang="ru-RU" dirty="0"/>
+          </a:p>
+          <a:p>
+            <a:pPr lvl="2"/>
+            <a:r>
+              <a:rPr lang="ru-RU" dirty="0" smtClean="0"/>
+              <a:t>самостоятельно </a:t>
+            </a:r>
+            <a:r>
+              <a:rPr lang="ru-RU" dirty="0"/>
+              <a:t>находить ответы на свои вопросы и изучать язык </a:t>
+            </a:r>
+            <a:r>
+              <a:rPr lang="ru-RU" dirty="0" smtClean="0"/>
+              <a:t>глубже</a:t>
+            </a:r>
+            <a:endParaRPr lang="ru-RU" dirty="0"/>
+          </a:p>
+          <a:p>
+            <a:pPr lvl="2"/>
+            <a:r>
+              <a:rPr lang="ru-RU" dirty="0" smtClean="0"/>
+              <a:t>писать </a:t>
+            </a:r>
+            <a:r>
+              <a:rPr lang="ru-RU" dirty="0"/>
+              <a:t>на С++ эффективный код без ущерба для </a:t>
+            </a:r>
+            <a:r>
+              <a:rPr lang="ru-RU" dirty="0" smtClean="0"/>
+              <a:t>его качества</a:t>
+            </a:r>
+          </a:p>
+        </p:txBody>
+      </p:sp>
+      <p:sp>
+        <p:nvSpPr>
+          <p:cNvPr id="4" name="Нижний колонтитул 3"/>
+          <p:cNvSpPr>
+            <a:spLocks noGrp="1"/>
+          </p:cNvSpPr>
+          <p:nvPr>
+            <p:ph type="ftr" sz="quarter" idx="11"/>
+          </p:nvPr>
+        </p:nvSpPr>
+        <p:spPr/>
+        <p:txBody>
+          <a:bodyPr/>
+          <a:lstStyle/>
+          <a:p>
+            <a:endParaRPr lang="ru-RU"/>
+          </a:p>
+        </p:txBody>
+      </p:sp>
+      <p:sp>
+        <p:nvSpPr>
+          <p:cNvPr id="5" name="Номер слайда 4"/>
+          <p:cNvSpPr>
+            <a:spLocks noGrp="1"/>
+          </p:cNvSpPr>
+          <p:nvPr>
+            <p:ph type="sldNum" sz="quarter" idx="12"/>
+          </p:nvPr>
+        </p:nvSpPr>
+        <p:spPr/>
+        <p:txBody>
+          <a:bodyPr/>
+          <a:lstStyle/>
+          <a:p>
+            <a:fld id="{741C03D3-FA44-40EC-9A21-1FC4FEA3E22E}" type="slidenum">
+              <a:rPr lang="ru-RU" smtClean="0"/>
+              <a:t>5</a:t>
+            </a:fld>
+            <a:endParaRPr lang="ru-RU"/>
+          </a:p>
+        </p:txBody>
+      </p:sp>
+    </p:spTree>
+    <p:extLst>
+      <p:ext uri="{BB962C8B-B14F-4D97-AF65-F5344CB8AC3E}">
+        <p14:creationId xmlns:p14="http://schemas.microsoft.com/office/powerpoint/2010/main" val="2705216492"/>
+      </p:ext>
+    </p:extLst>
+  </p:cSld>
+  <p:clrMapOvr>
+    <a:masterClrMapping/>
+  </p:clrMapOvr>
+  <p:timing>
+    <p:tnLst>
+      <p:par>
+        <p:cTn id="1" dur="indefinite" restart="never" nodeType="tmRoot">
+          <p:childTnLst>
+            <p:seq concurrent="1" nextAc="seek">
+              <p:cTn id="2" dur="indefinite" nodeType="mainSeq">
+                <p:childTnLst>
+                  <p:par>
+                    <p:cTn id="3" fill="hold">
+                      <p:stCondLst>
+                        <p:cond delay="indefinite"/>
+                      </p:stCondLst>
+                      <p:childTnLst>
+                        <p:par>
+                          <p:cTn id="4" fill="hold">
+                            <p:stCondLst>
+                              <p:cond delay="0"/>
+                            </p:stCondLst>
+                            <p:childTnLst>
+                              <p:par>
+                                <p:cTn id="5" presetID="1" presetClass="entr" presetSubtype="0" fill="hold" nodeType="clickEffect">
+                                  <p:stCondLst>
+                                    <p:cond delay="0"/>
+                                  </p:stCondLst>
+                                  <p:childTnLst>
+                                    <p:set>
+                                      <p:cBhvr>
+                                        <p:cTn id="6" dur="1" fill="hold">
+                                          <p:stCondLst>
+                                            <p:cond delay="0"/>
+                                          </p:stCondLst>
+                                        </p:cTn>
+                                        <p:tgtEl>
+                                          <p:spTgt spid="3">
+                                            <p:txEl>
+                                              <p:pRg st="1" end="1"/>
+                                            </p:txEl>
+                                          </p:spTgt>
+                                        </p:tgtEl>
+                                        <p:attrNameLst>
+                                          <p:attrName>style.visibility</p:attrName>
+                                        </p:attrNameLst>
+                                      </p:cBhvr>
+                                      <p:to>
+                                        <p:strVal val="visible"/>
+                                      </p:to>
+                                    </p:set>
+                                  </p:childTnLst>
+                                </p:cTn>
+                              </p:par>
+                            </p:childTnLst>
+                          </p:cTn>
+                        </p:par>
+                      </p:childTnLst>
+                    </p:cTn>
+                  </p:par>
+                  <p:par>
+                    <p:cTn id="7" fill="hold">
+                      <p:stCondLst>
+                        <p:cond delay="indefinite"/>
+                      </p:stCondLst>
+                      <p:childTnLst>
+                        <p:par>
+                          <p:cTn id="8" fill="hold">
+                            <p:stCondLst>
+                              <p:cond delay="0"/>
+                            </p:stCondLst>
+                            <p:childTnLst>
+                              <p:par>
+                                <p:cTn id="9" presetID="1" presetClass="entr" presetSubtype="0" fill="hold" nodeType="clickEffect">
+                                  <p:stCondLst>
+                                    <p:cond delay="0"/>
+                                  </p:stCondLst>
+                                  <p:childTnLst>
+                                    <p:set>
+                                      <p:cBhvr>
+                                        <p:cTn id="10" dur="1" fill="hold">
+                                          <p:stCondLst>
+                                            <p:cond delay="0"/>
+                                          </p:stCondLst>
+                                        </p:cTn>
+                                        <p:tgtEl>
+                                          <p:spTgt spid="3">
+                                            <p:txEl>
+                                              <p:pRg st="2" end="2"/>
+                                            </p:txEl>
+                                          </p:spTgt>
+                                        </p:tgtEl>
+                                        <p:attrNameLst>
+                                          <p:attrName>style.visibility</p:attrName>
+                                        </p:attrNameLst>
+                                      </p:cBhvr>
+                                      <p:to>
+                                        <p:strVal val="visible"/>
+                                      </p:to>
+                                    </p:set>
+                                  </p:childTnLst>
+                                </p:cTn>
+                              </p:par>
+                            </p:childTnLst>
+                          </p:cTn>
+                        </p:par>
+                      </p:childTnLst>
+                    </p:cTn>
+                  </p:par>
+                  <p:par>
+                    <p:cTn id="11" fill="hold">
+                      <p:stCondLst>
+                        <p:cond delay="indefinite"/>
+                      </p:stCondLst>
+                      <p:childTnLst>
+                        <p:par>
+                          <p:cTn id="12" fill="hold">
+                            <p:stCondLst>
+                              <p:cond delay="0"/>
+                            </p:stCondLst>
+                            <p:childTnLst>
+                              <p:par>
+                                <p:cTn id="13" presetID="1" presetClass="entr" presetSubtype="0" fill="hold" nodeType="clickEffect">
+                                  <p:stCondLst>
+                                    <p:cond delay="0"/>
+                                  </p:stCondLst>
+                                  <p:childTnLst>
+                                    <p:set>
+                                      <p:cBhvr>
+                                        <p:cTn id="14" dur="1" fill="hold">
+                                          <p:stCondLst>
+                                            <p:cond delay="0"/>
+                                          </p:stCondLst>
+                                        </p:cTn>
+                                        <p:tgtEl>
+                                          <p:spTgt spid="3">
+                                            <p:txEl>
+                                              <p:pRg st="3" end="3"/>
+                                            </p:txEl>
+                                          </p:spTgt>
+                                        </p:tgtEl>
+                                        <p:attrNameLst>
+                                          <p:attrName>style.visibility</p:attrName>
+                                        </p:attrNameLst>
+                                      </p:cBhvr>
+                                      <p:to>
+                                        <p:strVal val="visible"/>
+                                      </p:to>
+                                    </p:set>
+                                  </p:childTnLst>
+                                </p:cTn>
+                              </p:par>
+                            </p:childTnLst>
+                          </p:cTn>
+                        </p:par>
+                      </p:childTnLst>
+                    </p:cTn>
+                  </p:par>
+                  <p:par>
+                    <p:cTn id="15" fill="hold">
+                      <p:stCondLst>
+                        <p:cond delay="indefinite"/>
+                      </p:stCondLst>
+                      <p:childTnLst>
+                        <p:par>
+                          <p:cTn id="16" fill="hold">
+                            <p:stCondLst>
+                              <p:cond delay="0"/>
+                            </p:stCondLst>
+                            <p:childTnLst>
+                              <p:par>
+                                <p:cTn id="17" presetID="1" presetClass="entr" presetSubtype="0" fill="hold" nodeType="clickEffect">
+                                  <p:stCondLst>
+                                    <p:cond delay="0"/>
+                                  </p:stCondLst>
+                                  <p:childTnLst>
+                                    <p:set>
+                                      <p:cBhvr>
+                                        <p:cTn id="18" dur="1" fill="hold">
+                                          <p:stCondLst>
+                                            <p:cond delay="0"/>
+                                          </p:stCondLst>
+                                        </p:cTn>
+                                        <p:tgtEl>
+                                          <p:spTgt spid="3">
+                                            <p:txEl>
+                                              <p:pRg st="4" end="4"/>
+                                            </p:txEl>
+                                          </p:spTgt>
+                                        </p:tgtEl>
+                                        <p:attrNameLst>
+                                          <p:attrName>style.visibility</p:attrName>
+                                        </p:attrNameLst>
+                                      </p:cBhvr>
+                                      <p:to>
+                                        <p:strVal val="visible"/>
+                                      </p:to>
+                                    </p:set>
+                                  </p:childTnLst>
+                                </p:cTn>
+                              </p:par>
+                            </p:childTnLst>
+                          </p:cTn>
+                        </p:par>
+                      </p:childTnLst>
+                    </p:cTn>
+                  </p:par>
+                </p:childTnLst>
+              </p:cTn>
+              <p:prevCondLst>
+                <p:cond evt="onPrev" delay="0">
+                  <p:tgtEl>
+                    <p:sldTgt/>
+                  </p:tgtEl>
+                </p:cond>
+              </p:prevCondLst>
+              <p:nextCondLst>
+                <p:cond evt="onNext" delay="0">
+                  <p:tgtEl>
+                    <p:sldTgt/>
+                  </p:tgtEl>
+                </p:cond>
+              </p:nextCondLst>
+            </p:seq>
+          </p:childTnLst>
+        </p:cTn>
+      </p:par>
+    </p:tnLst>
+  </p:timing>
+</p:sld>
+</file>
+
+<file path=ppt/slides/slide50.xml><?xml version="1.0" encoding="utf-8"?>
 <p:sld xmlns:a="http://schemas.openxmlformats.org/drawingml/2006/main" xmlns:r="http://schemas.openxmlformats.org/officeDocument/2006/relationships" xmlns:p="http://schemas.openxmlformats.org/presentationml/2006/main">
   <p:cSld>
     <p:spTree>
@@ -36091,7 +37858,7 @@
 </p:sld>
 </file>
 
-<file path=ppt/slides/slide46.xml><?xml version="1.0" encoding="utf-8"?>
+<file path=ppt/slides/slide51.xml><?xml version="1.0" encoding="utf-8"?>
 <p:sld xmlns:a="http://schemas.openxmlformats.org/drawingml/2006/main" xmlns:r="http://schemas.openxmlformats.org/officeDocument/2006/relationships" xmlns:p="http://schemas.openxmlformats.org/presentationml/2006/main" show="0">
   <p:cSld>
     <p:spTree>
@@ -36200,7 +37967,7 @@
           <a:p>
             <a:fld id="{741C03D3-FA44-40EC-9A21-1FC4FEA3E22E}" type="slidenum">
               <a:rPr lang="ru-RU" smtClean="0"/>
-              <a:t>46</a:t>
+              <a:t>51</a:t>
             </a:fld>
             <a:endParaRPr lang="ru-RU"/>
           </a:p>
@@ -36524,7 +38291,7 @@
               <a:effectLst/>
               <a:extLst>
                 <a:ext uri="{C572A759-6A51-4108-AA02-DFA0A04FC94B}">
-                  <ma14:wrappingTextBoxFlag xmlns="" xmlns:ma14="http://schemas.microsoft.com/office/mac/drawingml/2011/main" val="1"/>
+                  <ma14:wrappingTextBoxFlag xmlns:ma14="http://schemas.microsoft.com/office/mac/drawingml/2011/main" xmlns="" val="1"/>
                 </a:ext>
               </a:extLst>
             </p:spPr>
@@ -36622,7 +38389,7 @@
 </p:sld>
 </file>
 
-<file path=ppt/slides/slide47.xml><?xml version="1.0" encoding="utf-8"?>
+<file path=ppt/slides/slide52.xml><?xml version="1.0" encoding="utf-8"?>
 <p:sld xmlns:a="http://schemas.openxmlformats.org/drawingml/2006/main" xmlns:r="http://schemas.openxmlformats.org/officeDocument/2006/relationships" xmlns:p="http://schemas.openxmlformats.org/presentationml/2006/main" show="0">
   <p:cSld>
     <p:spTree>
@@ -36697,7 +38464,7 @@
           <a:p>
             <a:fld id="{741C03D3-FA44-40EC-9A21-1FC4FEA3E22E}" type="slidenum">
               <a:rPr lang="ru-RU" smtClean="0"/>
-              <a:t>47</a:t>
+              <a:t>52</a:t>
             </a:fld>
             <a:endParaRPr lang="ru-RU"/>
           </a:p>
@@ -37769,7 +39536,7 @@
               <a:effectLst/>
               <a:extLst>
                 <a:ext uri="{C572A759-6A51-4108-AA02-DFA0A04FC94B}">
-                  <ma14:wrappingTextBoxFlag xmlns="" xmlns:ma14="http://schemas.microsoft.com/office/mac/drawingml/2011/main" val="1"/>
+                  <ma14:wrappingTextBoxFlag xmlns:ma14="http://schemas.microsoft.com/office/mac/drawingml/2011/main" xmlns="" val="1"/>
                 </a:ext>
               </a:extLst>
             </p:spPr>
@@ -37909,423 +39676,6 @@
     <p:tnLst>
       <p:par>
         <p:cTn id="1" dur="indefinite" restart="never" nodeType="tmRoot"/>
-      </p:par>
-    </p:tnLst>
-  </p:timing>
-</p:sld>
-</file>
-
-<file path=ppt/slides/slide5.xml><?xml version="1.0" encoding="utf-8"?>
-<p:sld xmlns:a="http://schemas.openxmlformats.org/drawingml/2006/main" xmlns:r="http://schemas.openxmlformats.org/officeDocument/2006/relationships" xmlns:p="http://schemas.openxmlformats.org/presentationml/2006/main">
-  <p:cSld>
-    <p:spTree>
-      <p:nvGrpSpPr>
-        <p:cNvPr id="1" name=""/>
-        <p:cNvGrpSpPr/>
-        <p:nvPr/>
-      </p:nvGrpSpPr>
-      <p:grpSpPr>
-        <a:xfrm>
-          <a:off x="0" y="0"/>
-          <a:ext cx="0" cy="0"/>
-          <a:chOff x="0" y="0"/>
-          <a:chExt cx="0" cy="0"/>
-        </a:xfrm>
-      </p:grpSpPr>
-      <p:sp>
-        <p:nvSpPr>
-          <p:cNvPr id="2" name="Заголовок 1"/>
-          <p:cNvSpPr>
-            <a:spLocks noGrp="1"/>
-          </p:cNvSpPr>
-          <p:nvPr>
-            <p:ph type="title"/>
-          </p:nvPr>
-        </p:nvSpPr>
-        <p:spPr/>
-        <p:txBody>
-          <a:bodyPr/>
-          <a:lstStyle/>
-          <a:p>
-            <a:r>
-              <a:rPr lang="ru-RU" dirty="0" smtClean="0"/>
-              <a:t>Чему хотим научить</a:t>
-            </a:r>
-            <a:endParaRPr lang="ru-RU" dirty="0"/>
-          </a:p>
-        </p:txBody>
-      </p:sp>
-      <p:sp>
-        <p:nvSpPr>
-          <p:cNvPr id="3" name="Объект 2"/>
-          <p:cNvSpPr>
-            <a:spLocks noGrp="1"/>
-          </p:cNvSpPr>
-          <p:nvPr>
-            <p:ph idx="1"/>
-          </p:nvPr>
-        </p:nvSpPr>
-        <p:spPr>
-          <a:xfrm>
-            <a:off x="1143000" y="3048000"/>
-            <a:ext cx="22113875" cy="9158288"/>
-          </a:xfrm>
-        </p:spPr>
-        <p:txBody>
-          <a:bodyPr/>
-          <a:lstStyle/>
-          <a:p>
-            <a:pPr lvl="1"/>
-            <a:r>
-              <a:rPr lang="ru-RU" dirty="0"/>
-              <a:t>После прохождения нашей специализации слушатели </a:t>
-            </a:r>
-            <a:r>
-              <a:rPr lang="ru-RU" dirty="0" smtClean="0"/>
-              <a:t>должны уметь:</a:t>
-            </a:r>
-            <a:endParaRPr lang="ru-RU" dirty="0"/>
-          </a:p>
-          <a:p>
-            <a:pPr lvl="2"/>
-            <a:r>
-              <a:rPr lang="ru-RU" dirty="0" smtClean="0"/>
-              <a:t>самостоятельно </a:t>
-            </a:r>
-            <a:r>
-              <a:rPr lang="ru-RU" dirty="0"/>
-              <a:t>решать практические задачи на языке С</a:t>
-            </a:r>
-            <a:r>
-              <a:rPr lang="ru-RU" dirty="0" smtClean="0"/>
-              <a:t>++</a:t>
-            </a:r>
-            <a:endParaRPr lang="ru-RU" dirty="0"/>
-          </a:p>
-          <a:p>
-            <a:pPr lvl="2"/>
-            <a:r>
-              <a:rPr lang="ru-RU" dirty="0" smtClean="0"/>
-              <a:t>применять </a:t>
-            </a:r>
-            <a:r>
-              <a:rPr lang="ru-RU" dirty="0"/>
-              <a:t>естественные для С++ идиомы и </a:t>
-            </a:r>
-            <a:r>
-              <a:rPr lang="ru-RU" dirty="0" smtClean="0"/>
-              <a:t>конструкции</a:t>
-            </a:r>
-            <a:endParaRPr lang="ru-RU" dirty="0"/>
-          </a:p>
-          <a:p>
-            <a:pPr lvl="2"/>
-            <a:r>
-              <a:rPr lang="ru-RU" dirty="0" smtClean="0"/>
-              <a:t>самостоятельно </a:t>
-            </a:r>
-            <a:r>
-              <a:rPr lang="ru-RU" dirty="0"/>
-              <a:t>находить ответы на свои вопросы и изучать язык </a:t>
-            </a:r>
-            <a:r>
-              <a:rPr lang="ru-RU" dirty="0" smtClean="0"/>
-              <a:t>глубже</a:t>
-            </a:r>
-            <a:endParaRPr lang="ru-RU" dirty="0"/>
-          </a:p>
-          <a:p>
-            <a:pPr lvl="2"/>
-            <a:r>
-              <a:rPr lang="ru-RU" dirty="0" smtClean="0"/>
-              <a:t>писать </a:t>
-            </a:r>
-            <a:r>
-              <a:rPr lang="ru-RU" dirty="0"/>
-              <a:t>на С++ эффективный код без ущерба для </a:t>
-            </a:r>
-            <a:r>
-              <a:rPr lang="ru-RU" dirty="0" smtClean="0"/>
-              <a:t>его качества</a:t>
-            </a:r>
-          </a:p>
-        </p:txBody>
-      </p:sp>
-      <p:sp>
-        <p:nvSpPr>
-          <p:cNvPr id="4" name="Нижний колонтитул 3"/>
-          <p:cNvSpPr>
-            <a:spLocks noGrp="1"/>
-          </p:cNvSpPr>
-          <p:nvPr>
-            <p:ph type="ftr" sz="quarter" idx="11"/>
-          </p:nvPr>
-        </p:nvSpPr>
-        <p:spPr/>
-        <p:txBody>
-          <a:bodyPr/>
-          <a:lstStyle/>
-          <a:p>
-            <a:endParaRPr lang="ru-RU"/>
-          </a:p>
-        </p:txBody>
-      </p:sp>
-      <p:sp>
-        <p:nvSpPr>
-          <p:cNvPr id="5" name="Номер слайда 4"/>
-          <p:cNvSpPr>
-            <a:spLocks noGrp="1"/>
-          </p:cNvSpPr>
-          <p:nvPr>
-            <p:ph type="sldNum" sz="quarter" idx="12"/>
-          </p:nvPr>
-        </p:nvSpPr>
-        <p:spPr/>
-        <p:txBody>
-          <a:bodyPr/>
-          <a:lstStyle/>
-          <a:p>
-            <a:fld id="{741C03D3-FA44-40EC-9A21-1FC4FEA3E22E}" type="slidenum">
-              <a:rPr lang="ru-RU" smtClean="0"/>
-              <a:t>5</a:t>
-            </a:fld>
-            <a:endParaRPr lang="ru-RU"/>
-          </a:p>
-        </p:txBody>
-      </p:sp>
-    </p:spTree>
-    <p:extLst>
-      <p:ext uri="{BB962C8B-B14F-4D97-AF65-F5344CB8AC3E}">
-        <p14:creationId xmlns:p14="http://schemas.microsoft.com/office/powerpoint/2010/main" val="2705216492"/>
-      </p:ext>
-    </p:extLst>
-  </p:cSld>
-  <p:clrMapOvr>
-    <a:masterClrMapping/>
-  </p:clrMapOvr>
-  <p:timing>
-    <p:tnLst>
-      <p:par>
-        <p:cTn id="1" dur="indefinite" restart="never" nodeType="tmRoot">
-          <p:childTnLst>
-            <p:seq concurrent="1" nextAc="seek">
-              <p:cTn id="2" dur="indefinite" nodeType="mainSeq">
-                <p:childTnLst>
-                  <p:par>
-                    <p:cTn id="3" fill="hold">
-                      <p:stCondLst>
-                        <p:cond delay="indefinite"/>
-                      </p:stCondLst>
-                      <p:childTnLst>
-                        <p:par>
-                          <p:cTn id="4" fill="hold">
-                            <p:stCondLst>
-                              <p:cond delay="0"/>
-                            </p:stCondLst>
-                            <p:childTnLst>
-                              <p:par>
-                                <p:cTn id="5" presetID="1" presetClass="entr" presetSubtype="0" fill="hold" nodeType="clickEffect">
-                                  <p:stCondLst>
-                                    <p:cond delay="0"/>
-                                  </p:stCondLst>
-                                  <p:childTnLst>
-                                    <p:set>
-                                      <p:cBhvr>
-                                        <p:cTn id="6" dur="1" fill="hold">
-                                          <p:stCondLst>
-                                            <p:cond delay="0"/>
-                                          </p:stCondLst>
-                                        </p:cTn>
-                                        <p:tgtEl>
-                                          <p:spTgt spid="3">
-                                            <p:txEl>
-                                              <p:pRg st="1" end="1"/>
-                                            </p:txEl>
-                                          </p:spTgt>
-                                        </p:tgtEl>
-                                        <p:attrNameLst>
-                                          <p:attrName>style.visibility</p:attrName>
-                                        </p:attrNameLst>
-                                      </p:cBhvr>
-                                      <p:to>
-                                        <p:strVal val="visible"/>
-                                      </p:to>
-                                    </p:set>
-                                  </p:childTnLst>
-                                </p:cTn>
-                              </p:par>
-                            </p:childTnLst>
-                          </p:cTn>
-                        </p:par>
-                      </p:childTnLst>
-                    </p:cTn>
-                  </p:par>
-                  <p:par>
-                    <p:cTn id="7" fill="hold">
-                      <p:stCondLst>
-                        <p:cond delay="indefinite"/>
-                      </p:stCondLst>
-                      <p:childTnLst>
-                        <p:par>
-                          <p:cTn id="8" fill="hold">
-                            <p:stCondLst>
-                              <p:cond delay="0"/>
-                            </p:stCondLst>
-                            <p:childTnLst>
-                              <p:par>
-                                <p:cTn id="9" presetID="1" presetClass="entr" presetSubtype="0" fill="hold" nodeType="clickEffect">
-                                  <p:stCondLst>
-                                    <p:cond delay="0"/>
-                                  </p:stCondLst>
-                                  <p:childTnLst>
-                                    <p:set>
-                                      <p:cBhvr>
-                                        <p:cTn id="10" dur="1" fill="hold">
-                                          <p:stCondLst>
-                                            <p:cond delay="0"/>
-                                          </p:stCondLst>
-                                        </p:cTn>
-                                        <p:tgtEl>
-                                          <p:spTgt spid="3">
-                                            <p:txEl>
-                                              <p:pRg st="2" end="2"/>
-                                            </p:txEl>
-                                          </p:spTgt>
-                                        </p:tgtEl>
-                                        <p:attrNameLst>
-                                          <p:attrName>style.visibility</p:attrName>
-                                        </p:attrNameLst>
-                                      </p:cBhvr>
-                                      <p:to>
-                                        <p:strVal val="visible"/>
-                                      </p:to>
-                                    </p:set>
-                                  </p:childTnLst>
-                                </p:cTn>
-                              </p:par>
-                            </p:childTnLst>
-                          </p:cTn>
-                        </p:par>
-                      </p:childTnLst>
-                    </p:cTn>
-                  </p:par>
-                  <p:par>
-                    <p:cTn id="11" fill="hold">
-                      <p:stCondLst>
-                        <p:cond delay="indefinite"/>
-                      </p:stCondLst>
-                      <p:childTnLst>
-                        <p:par>
-                          <p:cTn id="12" fill="hold">
-                            <p:stCondLst>
-                              <p:cond delay="0"/>
-                            </p:stCondLst>
-                            <p:childTnLst>
-                              <p:par>
-                                <p:cTn id="13" presetID="1" presetClass="entr" presetSubtype="0" fill="hold" nodeType="clickEffect">
-                                  <p:stCondLst>
-                                    <p:cond delay="0"/>
-                                  </p:stCondLst>
-                                  <p:childTnLst>
-                                    <p:set>
-                                      <p:cBhvr>
-                                        <p:cTn id="14" dur="1" fill="hold">
-                                          <p:stCondLst>
-                                            <p:cond delay="0"/>
-                                          </p:stCondLst>
-                                        </p:cTn>
-                                        <p:tgtEl>
-                                          <p:spTgt spid="3">
-                                            <p:txEl>
-                                              <p:pRg st="3" end="3"/>
-                                            </p:txEl>
-                                          </p:spTgt>
-                                        </p:tgtEl>
-                                        <p:attrNameLst>
-                                          <p:attrName>style.visibility</p:attrName>
-                                        </p:attrNameLst>
-                                      </p:cBhvr>
-                                      <p:to>
-                                        <p:strVal val="visible"/>
-                                      </p:to>
-                                    </p:set>
-                                  </p:childTnLst>
-                                </p:cTn>
-                              </p:par>
-                            </p:childTnLst>
-                          </p:cTn>
-                        </p:par>
-                      </p:childTnLst>
-                    </p:cTn>
-                  </p:par>
-                  <p:par>
-                    <p:cTn id="15" fill="hold">
-                      <p:stCondLst>
-                        <p:cond delay="indefinite"/>
-                      </p:stCondLst>
-                      <p:childTnLst>
-                        <p:par>
-                          <p:cTn id="16" fill="hold">
-                            <p:stCondLst>
-                              <p:cond delay="0"/>
-                            </p:stCondLst>
-                            <p:childTnLst>
-                              <p:par>
-                                <p:cTn id="17" presetID="1" presetClass="entr" presetSubtype="0" fill="hold" nodeType="clickEffect">
-                                  <p:stCondLst>
-                                    <p:cond delay="0"/>
-                                  </p:stCondLst>
-                                  <p:childTnLst>
-                                    <p:set>
-                                      <p:cBhvr>
-                                        <p:cTn id="18" dur="1" fill="hold">
-                                          <p:stCondLst>
-                                            <p:cond delay="0"/>
-                                          </p:stCondLst>
-                                        </p:cTn>
-                                        <p:tgtEl>
-                                          <p:spTgt spid="3">
-                                            <p:txEl>
-                                              <p:pRg st="4" end="4"/>
-                                            </p:txEl>
-                                          </p:spTgt>
-                                        </p:tgtEl>
-                                        <p:attrNameLst>
-                                          <p:attrName>style.visibility</p:attrName>
-                                        </p:attrNameLst>
-                                      </p:cBhvr>
-                                      <p:to>
-                                        <p:strVal val="visible"/>
-                                      </p:to>
-                                    </p:set>
-                                  </p:childTnLst>
-                                </p:cTn>
-                              </p:par>
-                            </p:childTnLst>
-                          </p:cTn>
-                        </p:par>
-                      </p:childTnLst>
-                    </p:cTn>
-                  </p:par>
-                </p:childTnLst>
-              </p:cTn>
-              <p:prevCondLst>
-                <p:cond evt="onPrev" delay="0">
-                  <p:tgtEl>
-                    <p:sldTgt/>
-                  </p:tgtEl>
-                </p:cond>
-              </p:prevCondLst>
-              <p:nextCondLst>
-                <p:cond evt="onNext" delay="0">
-                  <p:tgtEl>
-                    <p:sldTgt/>
-                  </p:tgtEl>
-                </p:cond>
-              </p:nextCondLst>
-            </p:seq>
-          </p:childTnLst>
-        </p:cTn>
       </p:par>
     </p:tnLst>
   </p:timing>

--- a/slides.pptx
+++ b/slides.pptx
@@ -328,7 +328,7 @@
           <a:p>
             <a:fld id="{7C2C5C60-F37A-814E-99F6-3C775637DBC0}" type="datetimeFigureOut">
               <a:rPr lang="ru-RU" smtClean="0"/>
-              <a:t>30.10.2018</a:t>
+              <a:t>31.10.2018</a:t>
             </a:fld>
             <a:endParaRPr lang="ru-RU"/>
           </a:p>
@@ -493,7 +493,7 @@
           <a:p>
             <a:fld id="{A48BA324-014D-41B7-8E83-ECE8F197A959}" type="datetimeFigureOut">
               <a:rPr lang="ru-RU" smtClean="0"/>
-              <a:t>30.10.2018</a:t>
+              <a:t>31.10.2018</a:t>
             </a:fld>
             <a:endParaRPr lang="ru-RU"/>
           </a:p>
@@ -5916,7 +5916,7 @@
           </a:ln>
           <a:extLst>
             <a:ext uri="{C572A759-6A51-4108-AA02-DFA0A04FC94B}">
-              <ma14:wrappingTextBoxFlag xmlns:ma14="http://schemas.microsoft.com/office/mac/drawingml/2011/main" xmlns="" val="1"/>
+              <ma14:wrappingTextBoxFlag xmlns="" xmlns:ma14="http://schemas.microsoft.com/office/mac/drawingml/2011/main" val="1"/>
             </a:ext>
           </a:extLst>
         </p:spPr>
@@ -5959,7 +5959,7 @@
           </a:ln>
           <a:extLst>
             <a:ext uri="{C572A759-6A51-4108-AA02-DFA0A04FC94B}">
-              <ma14:wrappingTextBoxFlag xmlns:ma14="http://schemas.microsoft.com/office/mac/drawingml/2011/main" xmlns="" val="1"/>
+              <ma14:wrappingTextBoxFlag xmlns="" xmlns:ma14="http://schemas.microsoft.com/office/mac/drawingml/2011/main" val="1"/>
             </a:ext>
           </a:extLst>
         </p:spPr>
@@ -6083,7 +6083,7 @@
           </a:ln>
           <a:extLst>
             <a:ext uri="{C572A759-6A51-4108-AA02-DFA0A04FC94B}">
-              <ma14:wrappingTextBoxFlag xmlns:ma14="http://schemas.microsoft.com/office/mac/drawingml/2011/main" xmlns="" val="1"/>
+              <ma14:wrappingTextBoxFlag xmlns="" xmlns:ma14="http://schemas.microsoft.com/office/mac/drawingml/2011/main" val="1"/>
             </a:ext>
           </a:extLst>
         </p:spPr>
@@ -6174,7 +6174,7 @@
           </a:ln>
           <a:extLst>
             <a:ext uri="{C572A759-6A51-4108-AA02-DFA0A04FC94B}">
-              <ma14:wrappingTextBoxFlag xmlns:ma14="http://schemas.microsoft.com/office/mac/drawingml/2011/main" xmlns="" val="1"/>
+              <ma14:wrappingTextBoxFlag xmlns="" xmlns:ma14="http://schemas.microsoft.com/office/mac/drawingml/2011/main" val="1"/>
             </a:ext>
           </a:extLst>
         </p:spPr>
@@ -6293,7 +6293,7 @@
           </a:ln>
           <a:extLst>
             <a:ext uri="{C572A759-6A51-4108-AA02-DFA0A04FC94B}">
-              <ma14:wrappingTextBoxFlag xmlns:ma14="http://schemas.microsoft.com/office/mac/drawingml/2011/main" xmlns="" val="1"/>
+              <ma14:wrappingTextBoxFlag xmlns="" xmlns:ma14="http://schemas.microsoft.com/office/mac/drawingml/2011/main" val="1"/>
             </a:ext>
           </a:extLst>
         </p:spPr>
@@ -16046,36 +16046,6 @@
           </a:p>
         </p:txBody>
       </p:sp>
-      <p:pic>
-        <p:nvPicPr>
-          <p:cNvPr id="5" name="Рисунок 4"/>
-          <p:cNvPicPr>
-            <a:picLocks noChangeAspect="1"/>
-          </p:cNvPicPr>
-          <p:nvPr/>
-        </p:nvPicPr>
-        <p:blipFill>
-          <a:blip r:embed="rId2">
-            <a:extLst>
-              <a:ext uri="{28A0092B-C50C-407E-A947-70E740481C1C}">
-                <a14:useLocalDpi xmlns:a14="http://schemas.microsoft.com/office/drawing/2010/main" val="0"/>
-              </a:ext>
-            </a:extLst>
-          </a:blip>
-          <a:stretch>
-            <a:fillRect/>
-          </a:stretch>
-        </p:blipFill>
-        <p:spPr>
-          <a:xfrm>
-            <a:off x="1143000" y="6097413"/>
-            <a:ext cx="2744384" cy="2286987"/>
-          </a:xfrm>
-          <a:prstGeom prst="rect">
-            <a:avLst/>
-          </a:prstGeom>
-        </p:spPr>
-      </p:pic>
       <p:sp>
         <p:nvSpPr>
           <p:cNvPr id="9" name="Docker"/>
@@ -17231,6 +17201,36 @@
           </p:txBody>
         </p:sp>
       </p:grpSp>
+      <p:pic>
+        <p:nvPicPr>
+          <p:cNvPr id="5" name="Рисунок 4"/>
+          <p:cNvPicPr>
+            <a:picLocks noChangeAspect="1"/>
+          </p:cNvPicPr>
+          <p:nvPr/>
+        </p:nvPicPr>
+        <p:blipFill>
+          <a:blip r:embed="rId2">
+            <a:extLst>
+              <a:ext uri="{28A0092B-C50C-407E-A947-70E740481C1C}">
+                <a14:useLocalDpi xmlns:a14="http://schemas.microsoft.com/office/drawing/2010/main" val="0"/>
+              </a:ext>
+            </a:extLst>
+          </a:blip>
+          <a:stretch>
+            <a:fillRect/>
+          </a:stretch>
+        </p:blipFill>
+        <p:spPr>
+          <a:xfrm>
+            <a:off x="1143000" y="6097413"/>
+            <a:ext cx="2744384" cy="2286987"/>
+          </a:xfrm>
+          <a:prstGeom prst="rect">
+            <a:avLst/>
+          </a:prstGeom>
+        </p:spPr>
+      </p:pic>
     </p:spTree>
     <p:extLst>
       <p:ext uri="{BB962C8B-B14F-4D97-AF65-F5344CB8AC3E}">
@@ -18179,36 +18179,6 @@
           </a:p>
         </p:txBody>
       </p:sp>
-      <p:pic>
-        <p:nvPicPr>
-          <p:cNvPr id="5" name="Рисунок 4"/>
-          <p:cNvPicPr>
-            <a:picLocks noChangeAspect="1"/>
-          </p:cNvPicPr>
-          <p:nvPr/>
-        </p:nvPicPr>
-        <p:blipFill>
-          <a:blip r:embed="rId2">
-            <a:extLst>
-              <a:ext uri="{28A0092B-C50C-407E-A947-70E740481C1C}">
-                <a14:useLocalDpi xmlns:a14="http://schemas.microsoft.com/office/drawing/2010/main" val="0"/>
-              </a:ext>
-            </a:extLst>
-          </a:blip>
-          <a:stretch>
-            <a:fillRect/>
-          </a:stretch>
-        </p:blipFill>
-        <p:spPr>
-          <a:xfrm>
-            <a:off x="1143000" y="6097413"/>
-            <a:ext cx="2744384" cy="2286987"/>
-          </a:xfrm>
-          <a:prstGeom prst="rect">
-            <a:avLst/>
-          </a:prstGeom>
-        </p:spPr>
-      </p:pic>
       <p:sp>
         <p:nvSpPr>
           <p:cNvPr id="9" name="Docker"/>
@@ -18834,6 +18804,36 @@
           </a:p>
         </p:txBody>
       </p:sp>
+      <p:pic>
+        <p:nvPicPr>
+          <p:cNvPr id="5" name="Рисунок 4"/>
+          <p:cNvPicPr>
+            <a:picLocks noChangeAspect="1"/>
+          </p:cNvPicPr>
+          <p:nvPr/>
+        </p:nvPicPr>
+        <p:blipFill>
+          <a:blip r:embed="rId2">
+            <a:extLst>
+              <a:ext uri="{28A0092B-C50C-407E-A947-70E740481C1C}">
+                <a14:useLocalDpi xmlns:a14="http://schemas.microsoft.com/office/drawing/2010/main" val="0"/>
+              </a:ext>
+            </a:extLst>
+          </a:blip>
+          <a:stretch>
+            <a:fillRect/>
+          </a:stretch>
+        </p:blipFill>
+        <p:spPr>
+          <a:xfrm>
+            <a:off x="1143000" y="6097413"/>
+            <a:ext cx="2744384" cy="2286987"/>
+          </a:xfrm>
+          <a:prstGeom prst="rect">
+            <a:avLst/>
+          </a:prstGeom>
+        </p:spPr>
+      </p:pic>
     </p:spTree>
     <p:extLst>
       <p:ext uri="{BB962C8B-B14F-4D97-AF65-F5344CB8AC3E}">
@@ -19138,78 +19138,14 @@
                             </p:stCondLst>
                             <p:childTnLst>
                               <p:par>
-                                <p:cTn id="29" presetID="32" presetClass="emph" presetSubtype="0" fill="hold" grpId="2" nodeType="clickEffect">
+                                <p:cTn id="29" presetID="8" presetClass="emph" presetSubtype="0" fill="hold" grpId="3" nodeType="clickEffect">
                                   <p:stCondLst>
                                     <p:cond delay="0"/>
                                   </p:stCondLst>
                                   <p:childTnLst>
-                                    <p:animRot by="120000">
+                                    <p:animRot by="21600000">
                                       <p:cBhvr>
-                                        <p:cTn id="30" dur="100" fill="hold">
-                                          <p:stCondLst>
-                                            <p:cond delay="0"/>
-                                          </p:stCondLst>
-                                        </p:cTn>
-                                        <p:tgtEl>
-                                          <p:spTgt spid="14"/>
-                                        </p:tgtEl>
-                                        <p:attrNameLst>
-                                          <p:attrName>r</p:attrName>
-                                        </p:attrNameLst>
-                                      </p:cBhvr>
-                                    </p:animRot>
-                                    <p:animRot by="-240000">
-                                      <p:cBhvr>
-                                        <p:cTn id="31" dur="200" fill="hold">
-                                          <p:stCondLst>
-                                            <p:cond delay="200"/>
-                                          </p:stCondLst>
-                                        </p:cTn>
-                                        <p:tgtEl>
-                                          <p:spTgt spid="14"/>
-                                        </p:tgtEl>
-                                        <p:attrNameLst>
-                                          <p:attrName>r</p:attrName>
-                                        </p:attrNameLst>
-                                      </p:cBhvr>
-                                    </p:animRot>
-                                    <p:animRot by="240000">
-                                      <p:cBhvr>
-                                        <p:cTn id="32" dur="200" fill="hold">
-                                          <p:stCondLst>
-                                            <p:cond delay="400"/>
-                                          </p:stCondLst>
-                                        </p:cTn>
-                                        <p:tgtEl>
-                                          <p:spTgt spid="14"/>
-                                        </p:tgtEl>
-                                        <p:attrNameLst>
-                                          <p:attrName>r</p:attrName>
-                                        </p:attrNameLst>
-                                      </p:cBhvr>
-                                    </p:animRot>
-                                    <p:animRot by="-240000">
-                                      <p:cBhvr>
-                                        <p:cTn id="33" dur="200" fill="hold">
-                                          <p:stCondLst>
-                                            <p:cond delay="600"/>
-                                          </p:stCondLst>
-                                        </p:cTn>
-                                        <p:tgtEl>
-                                          <p:spTgt spid="14"/>
-                                        </p:tgtEl>
-                                        <p:attrNameLst>
-                                          <p:attrName>r</p:attrName>
-                                        </p:attrNameLst>
-                                      </p:cBhvr>
-                                    </p:animRot>
-                                    <p:animRot by="120000">
-                                      <p:cBhvr>
-                                        <p:cTn id="34" dur="200" fill="hold">
-                                          <p:stCondLst>
-                                            <p:cond delay="800"/>
-                                          </p:stCondLst>
-                                        </p:cTn>
+                                        <p:cTn id="30" dur="1000" fill="hold"/>
                                         <p:tgtEl>
                                           <p:spTgt spid="14"/>
                                         </p:tgtEl>
@@ -19251,7 +19187,7 @@
     <p:bldLst>
       <p:bldP spid="14" grpId="0" animBg="1"/>
       <p:bldP spid="14" grpId="1" animBg="1"/>
-      <p:bldP spid="14" grpId="2" animBg="1"/>
+      <p:bldP spid="14" grpId="3" animBg="1"/>
       <p:bldP spid="13" grpId="0" animBg="1"/>
     </p:bldLst>
   </p:timing>
@@ -30651,11 +30587,6 @@
               </a:rPr>
               <a:t>??</a:t>
             </a:r>
-            <a:endParaRPr lang="ru-RU" dirty="0" smtClean="0">
-              <a:solidFill>
-                <a:schemeClr val="tx1"/>
-              </a:solidFill>
-            </a:endParaRPr>
           </a:p>
         </p:txBody>
       </p:sp>
@@ -30714,11 +30645,6 @@
               </a:rPr>
               <a:t>У меня такого кода нет…</a:t>
             </a:r>
-            <a:endParaRPr lang="ru-RU" dirty="0" smtClean="0">
-              <a:solidFill>
-                <a:schemeClr val="tx1"/>
-              </a:solidFill>
-            </a:endParaRPr>
           </a:p>
         </p:txBody>
       </p:sp>
@@ -31385,7 +31311,6 @@
               <a:rPr lang="en-US" dirty="0"/>
               <a:t>++Now 2017</a:t>
             </a:r>
-            <a:endParaRPr lang="en-US" dirty="0"/>
           </a:p>
           <a:p>
             <a:pPr lvl="1"/>
@@ -34467,7 +34392,7 @@
                                     <p:cond delay="0"/>
                                   </p:stCondLst>
                                   <p:iterate type="wd">
-                                    <p:tmAbs val="400"/>
+                                    <p:tmAbs val="300"/>
                                   </p:iterate>
                                   <p:childTnLst>
                                     <p:set>
@@ -38291,7 +38216,7 @@
               <a:effectLst/>
               <a:extLst>
                 <a:ext uri="{C572A759-6A51-4108-AA02-DFA0A04FC94B}">
-                  <ma14:wrappingTextBoxFlag xmlns:ma14="http://schemas.microsoft.com/office/mac/drawingml/2011/main" xmlns="" val="1"/>
+                  <ma14:wrappingTextBoxFlag xmlns="" xmlns:ma14="http://schemas.microsoft.com/office/mac/drawingml/2011/main" val="1"/>
                 </a:ext>
               </a:extLst>
             </p:spPr>
@@ -39536,7 +39461,7 @@
               <a:effectLst/>
               <a:extLst>
                 <a:ext uri="{C572A759-6A51-4108-AA02-DFA0A04FC94B}">
-                  <ma14:wrappingTextBoxFlag xmlns:ma14="http://schemas.microsoft.com/office/mac/drawingml/2011/main" xmlns="" val="1"/>
+                  <ma14:wrappingTextBoxFlag xmlns="" xmlns:ma14="http://schemas.microsoft.com/office/mac/drawingml/2011/main" val="1"/>
                 </a:ext>
               </a:extLst>
             </p:spPr>
